--- a/report/以SDR實現OTSM通訊技術.pptx
+++ b/report/以SDR實現OTSM通訊技術.pptx
@@ -6,12 +6,19 @@
   </p:sldMasterIdLst>
   <p:sldIdLst>
     <p:sldId id="256" r:id="rId2"/>
-    <p:sldId id="257" r:id="rId3"/>
-    <p:sldId id="258" r:id="rId4"/>
-    <p:sldId id="260" r:id="rId5"/>
-    <p:sldId id="261" r:id="rId6"/>
-    <p:sldId id="262" r:id="rId7"/>
-    <p:sldId id="263" r:id="rId8"/>
+    <p:sldId id="264" r:id="rId3"/>
+    <p:sldId id="274" r:id="rId4"/>
+    <p:sldId id="281" r:id="rId5"/>
+    <p:sldId id="258" r:id="rId6"/>
+    <p:sldId id="260" r:id="rId7"/>
+    <p:sldId id="261" r:id="rId8"/>
+    <p:sldId id="262" r:id="rId9"/>
+    <p:sldId id="263" r:id="rId10"/>
+    <p:sldId id="276" r:id="rId11"/>
+    <p:sldId id="277" r:id="rId12"/>
+    <p:sldId id="278" r:id="rId13"/>
+    <p:sldId id="279" r:id="rId14"/>
+    <p:sldId id="280" r:id="rId15"/>
   </p:sldIdLst>
   <p:sldSz cx="12192000" cy="6858000"/>
   <p:notesSz cx="6858000" cy="9144000"/>
@@ -110,6 +117,11 @@
       </a:defRPr>
     </a:lvl9pPr>
   </p:defaultTextStyle>
+  <p:extLst>
+    <p:ext uri="{EFAFB233-063F-42B5-8137-9DF3F51BA10A}">
+      <p15:sldGuideLst xmlns:p15="http://schemas.microsoft.com/office/powerpoint/2012/main"/>
+    </p:ext>
+  </p:extLst>
 </p:presentation>
 </file>
 
@@ -860,7 +872,996 @@
 </dgm:colorsDef>
 </file>
 
+<file path=ppt/diagrams/colors2.xml><?xml version="1.0" encoding="utf-8"?>
+<dgm:colorsDef xmlns:dgm="http://schemas.openxmlformats.org/drawingml/2006/diagram" xmlns:a="http://schemas.openxmlformats.org/drawingml/2006/main" uniqueId="urn:microsoft.com/office/officeart/2005/8/colors/accent1_2">
+  <dgm:title val=""/>
+  <dgm:desc val=""/>
+  <dgm:catLst>
+    <dgm:cat type="accent1" pri="11200"/>
+  </dgm:catLst>
+  <dgm:styleLbl name="node0">
+    <dgm:fillClrLst meth="repeat">
+      <a:schemeClr val="accent1"/>
+    </dgm:fillClrLst>
+    <dgm:linClrLst meth="repeat">
+      <a:schemeClr val="lt1"/>
+    </dgm:linClrLst>
+    <dgm:effectClrLst/>
+    <dgm:txLinClrLst/>
+    <dgm:txFillClrLst/>
+    <dgm:txEffectClrLst/>
+  </dgm:styleLbl>
+  <dgm:styleLbl name="alignNode1">
+    <dgm:fillClrLst meth="repeat">
+      <a:schemeClr val="accent1"/>
+    </dgm:fillClrLst>
+    <dgm:linClrLst meth="repeat">
+      <a:schemeClr val="accent1"/>
+    </dgm:linClrLst>
+    <dgm:effectClrLst/>
+    <dgm:txLinClrLst/>
+    <dgm:txFillClrLst/>
+    <dgm:txEffectClrLst/>
+  </dgm:styleLbl>
+  <dgm:styleLbl name="node1">
+    <dgm:fillClrLst meth="repeat">
+      <a:schemeClr val="accent1"/>
+    </dgm:fillClrLst>
+    <dgm:linClrLst meth="repeat">
+      <a:schemeClr val="lt1"/>
+    </dgm:linClrLst>
+    <dgm:effectClrLst/>
+    <dgm:txLinClrLst/>
+    <dgm:txFillClrLst/>
+    <dgm:txEffectClrLst/>
+  </dgm:styleLbl>
+  <dgm:styleLbl name="lnNode1">
+    <dgm:fillClrLst meth="repeat">
+      <a:schemeClr val="accent1"/>
+    </dgm:fillClrLst>
+    <dgm:linClrLst meth="repeat">
+      <a:schemeClr val="lt1"/>
+    </dgm:linClrLst>
+    <dgm:effectClrLst/>
+    <dgm:txLinClrLst/>
+    <dgm:txFillClrLst/>
+    <dgm:txEffectClrLst/>
+  </dgm:styleLbl>
+  <dgm:styleLbl name="vennNode1">
+    <dgm:fillClrLst meth="repeat">
+      <a:schemeClr val="accent1">
+        <a:alpha val="50000"/>
+      </a:schemeClr>
+    </dgm:fillClrLst>
+    <dgm:linClrLst meth="repeat">
+      <a:schemeClr val="lt1"/>
+    </dgm:linClrLst>
+    <dgm:effectClrLst/>
+    <dgm:txLinClrLst/>
+    <dgm:txFillClrLst/>
+    <dgm:txEffectClrLst/>
+  </dgm:styleLbl>
+  <dgm:styleLbl name="node2">
+    <dgm:fillClrLst meth="repeat">
+      <a:schemeClr val="accent1"/>
+    </dgm:fillClrLst>
+    <dgm:linClrLst meth="repeat">
+      <a:schemeClr val="lt1"/>
+    </dgm:linClrLst>
+    <dgm:effectClrLst/>
+    <dgm:txLinClrLst/>
+    <dgm:txFillClrLst/>
+    <dgm:txEffectClrLst/>
+  </dgm:styleLbl>
+  <dgm:styleLbl name="node3">
+    <dgm:fillClrLst meth="repeat">
+      <a:schemeClr val="accent1"/>
+    </dgm:fillClrLst>
+    <dgm:linClrLst meth="repeat">
+      <a:schemeClr val="lt1"/>
+    </dgm:linClrLst>
+    <dgm:effectClrLst/>
+    <dgm:txLinClrLst/>
+    <dgm:txFillClrLst/>
+    <dgm:txEffectClrLst/>
+  </dgm:styleLbl>
+  <dgm:styleLbl name="node4">
+    <dgm:fillClrLst meth="repeat">
+      <a:schemeClr val="accent1"/>
+    </dgm:fillClrLst>
+    <dgm:linClrLst meth="repeat">
+      <a:schemeClr val="lt1"/>
+    </dgm:linClrLst>
+    <dgm:effectClrLst/>
+    <dgm:txLinClrLst/>
+    <dgm:txFillClrLst/>
+    <dgm:txEffectClrLst/>
+  </dgm:styleLbl>
+  <dgm:styleLbl name="fgImgPlace1">
+    <dgm:fillClrLst meth="repeat">
+      <a:schemeClr val="accent1">
+        <a:tint val="50000"/>
+      </a:schemeClr>
+    </dgm:fillClrLst>
+    <dgm:linClrLst meth="repeat">
+      <a:schemeClr val="lt1"/>
+    </dgm:linClrLst>
+    <dgm:effectClrLst/>
+    <dgm:txLinClrLst/>
+    <dgm:txFillClrLst meth="repeat">
+      <a:schemeClr val="lt1"/>
+    </dgm:txFillClrLst>
+    <dgm:txEffectClrLst/>
+  </dgm:styleLbl>
+  <dgm:styleLbl name="alignImgPlace1">
+    <dgm:fillClrLst meth="repeat">
+      <a:schemeClr val="accent1">
+        <a:tint val="50000"/>
+      </a:schemeClr>
+    </dgm:fillClrLst>
+    <dgm:linClrLst meth="repeat">
+      <a:schemeClr val="lt1"/>
+    </dgm:linClrLst>
+    <dgm:effectClrLst/>
+    <dgm:txLinClrLst/>
+    <dgm:txFillClrLst meth="repeat">
+      <a:schemeClr val="lt1"/>
+    </dgm:txFillClrLst>
+    <dgm:txEffectClrLst/>
+  </dgm:styleLbl>
+  <dgm:styleLbl name="bgImgPlace1">
+    <dgm:fillClrLst meth="repeat">
+      <a:schemeClr val="accent1">
+        <a:tint val="50000"/>
+      </a:schemeClr>
+    </dgm:fillClrLst>
+    <dgm:linClrLst meth="repeat">
+      <a:schemeClr val="lt1"/>
+    </dgm:linClrLst>
+    <dgm:effectClrLst/>
+    <dgm:txLinClrLst/>
+    <dgm:txFillClrLst meth="repeat">
+      <a:schemeClr val="lt1"/>
+    </dgm:txFillClrLst>
+    <dgm:txEffectClrLst/>
+  </dgm:styleLbl>
+  <dgm:styleLbl name="sibTrans2D1">
+    <dgm:fillClrLst meth="repeat">
+      <a:schemeClr val="accent1">
+        <a:tint val="60000"/>
+      </a:schemeClr>
+    </dgm:fillClrLst>
+    <dgm:linClrLst meth="repeat">
+      <a:schemeClr val="accent1">
+        <a:tint val="60000"/>
+      </a:schemeClr>
+    </dgm:linClrLst>
+    <dgm:effectClrLst/>
+    <dgm:txLinClrLst/>
+    <dgm:txFillClrLst/>
+    <dgm:txEffectClrLst/>
+  </dgm:styleLbl>
+  <dgm:styleLbl name="fgSibTrans2D1">
+    <dgm:fillClrLst meth="repeat">
+      <a:schemeClr val="accent1">
+        <a:tint val="60000"/>
+      </a:schemeClr>
+    </dgm:fillClrLst>
+    <dgm:linClrLst meth="repeat">
+      <a:schemeClr val="accent1">
+        <a:tint val="60000"/>
+      </a:schemeClr>
+    </dgm:linClrLst>
+    <dgm:effectClrLst/>
+    <dgm:txLinClrLst/>
+    <dgm:txFillClrLst/>
+    <dgm:txEffectClrLst/>
+  </dgm:styleLbl>
+  <dgm:styleLbl name="bgSibTrans2D1">
+    <dgm:fillClrLst meth="repeat">
+      <a:schemeClr val="accent1">
+        <a:tint val="60000"/>
+      </a:schemeClr>
+    </dgm:fillClrLst>
+    <dgm:linClrLst meth="repeat">
+      <a:schemeClr val="accent1">
+        <a:tint val="60000"/>
+      </a:schemeClr>
+    </dgm:linClrLst>
+    <dgm:effectClrLst/>
+    <dgm:txLinClrLst/>
+    <dgm:txFillClrLst/>
+    <dgm:txEffectClrLst/>
+  </dgm:styleLbl>
+  <dgm:styleLbl name="sibTrans1D1">
+    <dgm:fillClrLst meth="repeat">
+      <a:schemeClr val="accent1"/>
+    </dgm:fillClrLst>
+    <dgm:linClrLst meth="repeat">
+      <a:schemeClr val="accent1"/>
+    </dgm:linClrLst>
+    <dgm:effectClrLst/>
+    <dgm:txLinClrLst/>
+    <dgm:txFillClrLst meth="repeat">
+      <a:schemeClr val="tx1"/>
+    </dgm:txFillClrLst>
+    <dgm:txEffectClrLst/>
+  </dgm:styleLbl>
+  <dgm:styleLbl name="callout">
+    <dgm:fillClrLst meth="repeat">
+      <a:schemeClr val="accent1"/>
+    </dgm:fillClrLst>
+    <dgm:linClrLst meth="repeat">
+      <a:schemeClr val="accent1">
+        <a:tint val="50000"/>
+      </a:schemeClr>
+    </dgm:linClrLst>
+    <dgm:effectClrLst/>
+    <dgm:txLinClrLst/>
+    <dgm:txFillClrLst meth="repeat">
+      <a:schemeClr val="tx1"/>
+    </dgm:txFillClrLst>
+    <dgm:txEffectClrLst/>
+  </dgm:styleLbl>
+  <dgm:styleLbl name="asst0">
+    <dgm:fillClrLst meth="repeat">
+      <a:schemeClr val="accent1"/>
+    </dgm:fillClrLst>
+    <dgm:linClrLst meth="repeat">
+      <a:schemeClr val="lt1"/>
+    </dgm:linClrLst>
+    <dgm:effectClrLst/>
+    <dgm:txLinClrLst/>
+    <dgm:txFillClrLst/>
+    <dgm:txEffectClrLst/>
+  </dgm:styleLbl>
+  <dgm:styleLbl name="asst1">
+    <dgm:fillClrLst meth="repeat">
+      <a:schemeClr val="accent1"/>
+    </dgm:fillClrLst>
+    <dgm:linClrLst meth="repeat">
+      <a:schemeClr val="lt1"/>
+    </dgm:linClrLst>
+    <dgm:effectClrLst/>
+    <dgm:txLinClrLst/>
+    <dgm:txFillClrLst/>
+    <dgm:txEffectClrLst/>
+  </dgm:styleLbl>
+  <dgm:styleLbl name="asst2">
+    <dgm:fillClrLst meth="repeat">
+      <a:schemeClr val="accent1"/>
+    </dgm:fillClrLst>
+    <dgm:linClrLst meth="repeat">
+      <a:schemeClr val="lt1"/>
+    </dgm:linClrLst>
+    <dgm:effectClrLst/>
+    <dgm:txLinClrLst/>
+    <dgm:txFillClrLst/>
+    <dgm:txEffectClrLst/>
+  </dgm:styleLbl>
+  <dgm:styleLbl name="asst3">
+    <dgm:fillClrLst meth="repeat">
+      <a:schemeClr val="accent1"/>
+    </dgm:fillClrLst>
+    <dgm:linClrLst meth="repeat">
+      <a:schemeClr val="lt1"/>
+    </dgm:linClrLst>
+    <dgm:effectClrLst/>
+    <dgm:txLinClrLst/>
+    <dgm:txFillClrLst/>
+    <dgm:txEffectClrLst/>
+  </dgm:styleLbl>
+  <dgm:styleLbl name="asst4">
+    <dgm:fillClrLst meth="repeat">
+      <a:schemeClr val="accent1"/>
+    </dgm:fillClrLst>
+    <dgm:linClrLst meth="repeat">
+      <a:schemeClr val="lt1"/>
+    </dgm:linClrLst>
+    <dgm:effectClrLst/>
+    <dgm:txLinClrLst/>
+    <dgm:txFillClrLst/>
+    <dgm:txEffectClrLst/>
+  </dgm:styleLbl>
+  <dgm:styleLbl name="parChTrans2D1">
+    <dgm:fillClrLst meth="repeat">
+      <a:schemeClr val="accent1">
+        <a:tint val="60000"/>
+      </a:schemeClr>
+    </dgm:fillClrLst>
+    <dgm:linClrLst meth="repeat">
+      <a:schemeClr val="accent1">
+        <a:tint val="60000"/>
+      </a:schemeClr>
+    </dgm:linClrLst>
+    <dgm:effectClrLst/>
+    <dgm:txLinClrLst/>
+    <dgm:txFillClrLst meth="repeat">
+      <a:schemeClr val="lt1"/>
+    </dgm:txFillClrLst>
+    <dgm:txEffectClrLst/>
+  </dgm:styleLbl>
+  <dgm:styleLbl name="parChTrans2D2">
+    <dgm:fillClrLst meth="repeat">
+      <a:schemeClr val="accent1"/>
+    </dgm:fillClrLst>
+    <dgm:linClrLst meth="repeat">
+      <a:schemeClr val="accent1"/>
+    </dgm:linClrLst>
+    <dgm:effectClrLst/>
+    <dgm:txLinClrLst/>
+    <dgm:txFillClrLst meth="repeat">
+      <a:schemeClr val="lt1"/>
+    </dgm:txFillClrLst>
+    <dgm:txEffectClrLst/>
+  </dgm:styleLbl>
+  <dgm:styleLbl name="parChTrans2D3">
+    <dgm:fillClrLst meth="repeat">
+      <a:schemeClr val="accent1"/>
+    </dgm:fillClrLst>
+    <dgm:linClrLst meth="repeat">
+      <a:schemeClr val="accent1"/>
+    </dgm:linClrLst>
+    <dgm:effectClrLst/>
+    <dgm:txLinClrLst/>
+    <dgm:txFillClrLst meth="repeat">
+      <a:schemeClr val="lt1"/>
+    </dgm:txFillClrLst>
+    <dgm:txEffectClrLst/>
+  </dgm:styleLbl>
+  <dgm:styleLbl name="parChTrans2D4">
+    <dgm:fillClrLst meth="repeat">
+      <a:schemeClr val="accent1"/>
+    </dgm:fillClrLst>
+    <dgm:linClrLst meth="repeat">
+      <a:schemeClr val="accent1"/>
+    </dgm:linClrLst>
+    <dgm:effectClrLst/>
+    <dgm:txLinClrLst/>
+    <dgm:txFillClrLst meth="repeat">
+      <a:schemeClr val="lt1"/>
+    </dgm:txFillClrLst>
+    <dgm:txEffectClrLst/>
+  </dgm:styleLbl>
+  <dgm:styleLbl name="parChTrans1D1">
+    <dgm:fillClrLst meth="repeat">
+      <a:schemeClr val="accent1"/>
+    </dgm:fillClrLst>
+    <dgm:linClrLst meth="repeat">
+      <a:schemeClr val="accent1">
+        <a:shade val="60000"/>
+      </a:schemeClr>
+    </dgm:linClrLst>
+    <dgm:effectClrLst/>
+    <dgm:txLinClrLst/>
+    <dgm:txFillClrLst meth="repeat">
+      <a:schemeClr val="tx1"/>
+    </dgm:txFillClrLst>
+    <dgm:txEffectClrLst/>
+  </dgm:styleLbl>
+  <dgm:styleLbl name="parChTrans1D2">
+    <dgm:fillClrLst meth="repeat">
+      <a:schemeClr val="accent1"/>
+    </dgm:fillClrLst>
+    <dgm:linClrLst meth="repeat">
+      <a:schemeClr val="accent1">
+        <a:shade val="60000"/>
+      </a:schemeClr>
+    </dgm:linClrLst>
+    <dgm:effectClrLst/>
+    <dgm:txLinClrLst/>
+    <dgm:txFillClrLst meth="repeat">
+      <a:schemeClr val="tx1"/>
+    </dgm:txFillClrLst>
+    <dgm:txEffectClrLst/>
+  </dgm:styleLbl>
+  <dgm:styleLbl name="parChTrans1D3">
+    <dgm:fillClrLst meth="repeat">
+      <a:schemeClr val="accent1"/>
+    </dgm:fillClrLst>
+    <dgm:linClrLst meth="repeat">
+      <a:schemeClr val="accent1">
+        <a:shade val="80000"/>
+      </a:schemeClr>
+    </dgm:linClrLst>
+    <dgm:effectClrLst/>
+    <dgm:txLinClrLst/>
+    <dgm:txFillClrLst meth="repeat">
+      <a:schemeClr val="tx1"/>
+    </dgm:txFillClrLst>
+    <dgm:txEffectClrLst/>
+  </dgm:styleLbl>
+  <dgm:styleLbl name="parChTrans1D4">
+    <dgm:fillClrLst meth="repeat">
+      <a:schemeClr val="accent1"/>
+    </dgm:fillClrLst>
+    <dgm:linClrLst meth="repeat">
+      <a:schemeClr val="accent1">
+        <a:shade val="80000"/>
+      </a:schemeClr>
+    </dgm:linClrLst>
+    <dgm:effectClrLst/>
+    <dgm:txLinClrLst/>
+    <dgm:txFillClrLst meth="repeat">
+      <a:schemeClr val="tx1"/>
+    </dgm:txFillClrLst>
+    <dgm:txEffectClrLst/>
+  </dgm:styleLbl>
+  <dgm:styleLbl name="fgAcc1">
+    <dgm:fillClrLst meth="repeat">
+      <a:schemeClr val="lt1">
+        <a:alpha val="90000"/>
+      </a:schemeClr>
+    </dgm:fillClrLst>
+    <dgm:linClrLst meth="repeat">
+      <a:schemeClr val="accent1"/>
+    </dgm:linClrLst>
+    <dgm:effectClrLst/>
+    <dgm:txLinClrLst/>
+    <dgm:txFillClrLst meth="repeat">
+      <a:schemeClr val="dk1"/>
+    </dgm:txFillClrLst>
+    <dgm:txEffectClrLst/>
+  </dgm:styleLbl>
+  <dgm:styleLbl name="conFgAcc1">
+    <dgm:fillClrLst meth="repeat">
+      <a:schemeClr val="lt1">
+        <a:alpha val="90000"/>
+      </a:schemeClr>
+    </dgm:fillClrLst>
+    <dgm:linClrLst meth="repeat">
+      <a:schemeClr val="accent1"/>
+    </dgm:linClrLst>
+    <dgm:effectClrLst/>
+    <dgm:txLinClrLst/>
+    <dgm:txFillClrLst meth="repeat">
+      <a:schemeClr val="dk1"/>
+    </dgm:txFillClrLst>
+    <dgm:txEffectClrLst/>
+  </dgm:styleLbl>
+  <dgm:styleLbl name="alignAcc1">
+    <dgm:fillClrLst meth="repeat">
+      <a:schemeClr val="lt1">
+        <a:alpha val="90000"/>
+      </a:schemeClr>
+    </dgm:fillClrLst>
+    <dgm:linClrLst meth="repeat">
+      <a:schemeClr val="accent1"/>
+    </dgm:linClrLst>
+    <dgm:effectClrLst/>
+    <dgm:txLinClrLst/>
+    <dgm:txFillClrLst meth="repeat">
+      <a:schemeClr val="dk1"/>
+    </dgm:txFillClrLst>
+    <dgm:txEffectClrLst/>
+  </dgm:styleLbl>
+  <dgm:styleLbl name="trAlignAcc1">
+    <dgm:fillClrLst meth="repeat">
+      <a:schemeClr val="lt1">
+        <a:alpha val="40000"/>
+      </a:schemeClr>
+    </dgm:fillClrLst>
+    <dgm:linClrLst meth="repeat">
+      <a:schemeClr val="accent1"/>
+    </dgm:linClrLst>
+    <dgm:effectClrLst/>
+    <dgm:txLinClrLst/>
+    <dgm:txFillClrLst meth="repeat">
+      <a:schemeClr val="dk1"/>
+    </dgm:txFillClrLst>
+    <dgm:txEffectClrLst/>
+  </dgm:styleLbl>
+  <dgm:styleLbl name="bgAcc1">
+    <dgm:fillClrLst meth="repeat">
+      <a:schemeClr val="lt1">
+        <a:alpha val="90000"/>
+      </a:schemeClr>
+    </dgm:fillClrLst>
+    <dgm:linClrLst meth="repeat">
+      <a:schemeClr val="accent1"/>
+    </dgm:linClrLst>
+    <dgm:effectClrLst/>
+    <dgm:txLinClrLst/>
+    <dgm:txFillClrLst meth="repeat">
+      <a:schemeClr val="dk1"/>
+    </dgm:txFillClrLst>
+    <dgm:txEffectClrLst/>
+  </dgm:styleLbl>
+  <dgm:styleLbl name="solidFgAcc1">
+    <dgm:fillClrLst meth="repeat">
+      <a:schemeClr val="lt1"/>
+    </dgm:fillClrLst>
+    <dgm:linClrLst meth="repeat">
+      <a:schemeClr val="accent1"/>
+    </dgm:linClrLst>
+    <dgm:effectClrLst/>
+    <dgm:txLinClrLst/>
+    <dgm:txFillClrLst meth="repeat">
+      <a:schemeClr val="dk1"/>
+    </dgm:txFillClrLst>
+    <dgm:txEffectClrLst/>
+  </dgm:styleLbl>
+  <dgm:styleLbl name="solidAlignAcc1">
+    <dgm:fillClrLst meth="repeat">
+      <a:schemeClr val="lt1"/>
+    </dgm:fillClrLst>
+    <dgm:linClrLst meth="repeat">
+      <a:schemeClr val="accent1"/>
+    </dgm:linClrLst>
+    <dgm:effectClrLst/>
+    <dgm:txLinClrLst/>
+    <dgm:txFillClrLst meth="repeat">
+      <a:schemeClr val="dk1"/>
+    </dgm:txFillClrLst>
+    <dgm:txEffectClrLst/>
+  </dgm:styleLbl>
+  <dgm:styleLbl name="solidBgAcc1">
+    <dgm:fillClrLst meth="repeat">
+      <a:schemeClr val="lt1"/>
+    </dgm:fillClrLst>
+    <dgm:linClrLst meth="repeat">
+      <a:schemeClr val="accent1"/>
+    </dgm:linClrLst>
+    <dgm:effectClrLst/>
+    <dgm:txLinClrLst/>
+    <dgm:txFillClrLst meth="repeat">
+      <a:schemeClr val="dk1"/>
+    </dgm:txFillClrLst>
+    <dgm:txEffectClrLst/>
+  </dgm:styleLbl>
+  <dgm:styleLbl name="fgAccFollowNode1">
+    <dgm:fillClrLst meth="repeat">
+      <a:schemeClr val="accent1">
+        <a:alpha val="90000"/>
+        <a:tint val="40000"/>
+      </a:schemeClr>
+    </dgm:fillClrLst>
+    <dgm:linClrLst meth="repeat">
+      <a:schemeClr val="accent1">
+        <a:alpha val="90000"/>
+        <a:tint val="40000"/>
+      </a:schemeClr>
+    </dgm:linClrLst>
+    <dgm:effectClrLst/>
+    <dgm:txLinClrLst/>
+    <dgm:txFillClrLst meth="repeat">
+      <a:schemeClr val="dk1"/>
+    </dgm:txFillClrLst>
+    <dgm:txEffectClrLst/>
+  </dgm:styleLbl>
+  <dgm:styleLbl name="alignAccFollowNode1">
+    <dgm:fillClrLst meth="repeat">
+      <a:schemeClr val="accent1">
+        <a:alpha val="90000"/>
+        <a:tint val="40000"/>
+      </a:schemeClr>
+    </dgm:fillClrLst>
+    <dgm:linClrLst meth="repeat">
+      <a:schemeClr val="accent1">
+        <a:alpha val="90000"/>
+        <a:tint val="40000"/>
+      </a:schemeClr>
+    </dgm:linClrLst>
+    <dgm:effectClrLst/>
+    <dgm:txLinClrLst/>
+    <dgm:txFillClrLst meth="repeat">
+      <a:schemeClr val="dk1"/>
+    </dgm:txFillClrLst>
+    <dgm:txEffectClrLst/>
+  </dgm:styleLbl>
+  <dgm:styleLbl name="bgAccFollowNode1">
+    <dgm:fillClrLst meth="repeat">
+      <a:schemeClr val="accent1">
+        <a:alpha val="90000"/>
+        <a:tint val="40000"/>
+      </a:schemeClr>
+    </dgm:fillClrLst>
+    <dgm:linClrLst meth="repeat">
+      <a:schemeClr val="accent1">
+        <a:alpha val="90000"/>
+        <a:tint val="40000"/>
+      </a:schemeClr>
+    </dgm:linClrLst>
+    <dgm:effectClrLst/>
+    <dgm:txLinClrLst/>
+    <dgm:txFillClrLst meth="repeat">
+      <a:schemeClr val="dk1"/>
+    </dgm:txFillClrLst>
+    <dgm:txEffectClrLst/>
+  </dgm:styleLbl>
+  <dgm:styleLbl name="fgAcc0">
+    <dgm:fillClrLst meth="repeat">
+      <a:schemeClr val="lt1">
+        <a:alpha val="90000"/>
+      </a:schemeClr>
+    </dgm:fillClrLst>
+    <dgm:linClrLst meth="repeat">
+      <a:schemeClr val="accent1"/>
+    </dgm:linClrLst>
+    <dgm:effectClrLst/>
+    <dgm:txLinClrLst/>
+    <dgm:txFillClrLst meth="repeat">
+      <a:schemeClr val="dk1"/>
+    </dgm:txFillClrLst>
+    <dgm:txEffectClrLst/>
+  </dgm:styleLbl>
+  <dgm:styleLbl name="fgAcc2">
+    <dgm:fillClrLst meth="repeat">
+      <a:schemeClr val="lt1">
+        <a:alpha val="90000"/>
+      </a:schemeClr>
+    </dgm:fillClrLst>
+    <dgm:linClrLst meth="repeat">
+      <a:schemeClr val="accent1"/>
+    </dgm:linClrLst>
+    <dgm:effectClrLst/>
+    <dgm:txLinClrLst/>
+    <dgm:txFillClrLst meth="repeat">
+      <a:schemeClr val="dk1"/>
+    </dgm:txFillClrLst>
+    <dgm:txEffectClrLst/>
+  </dgm:styleLbl>
+  <dgm:styleLbl name="fgAcc3">
+    <dgm:fillClrLst meth="repeat">
+      <a:schemeClr val="lt1">
+        <a:alpha val="90000"/>
+      </a:schemeClr>
+    </dgm:fillClrLst>
+    <dgm:linClrLst meth="repeat">
+      <a:schemeClr val="accent1"/>
+    </dgm:linClrLst>
+    <dgm:effectClrLst/>
+    <dgm:txLinClrLst/>
+    <dgm:txFillClrLst meth="repeat">
+      <a:schemeClr val="dk1"/>
+    </dgm:txFillClrLst>
+    <dgm:txEffectClrLst/>
+  </dgm:styleLbl>
+  <dgm:styleLbl name="fgAcc4">
+    <dgm:fillClrLst meth="repeat">
+      <a:schemeClr val="lt1">
+        <a:alpha val="90000"/>
+      </a:schemeClr>
+    </dgm:fillClrLst>
+    <dgm:linClrLst meth="repeat">
+      <a:schemeClr val="accent1"/>
+    </dgm:linClrLst>
+    <dgm:effectClrLst/>
+    <dgm:txLinClrLst/>
+    <dgm:txFillClrLst meth="repeat">
+      <a:schemeClr val="dk1"/>
+    </dgm:txFillClrLst>
+    <dgm:txEffectClrLst/>
+  </dgm:styleLbl>
+  <dgm:styleLbl name="bgShp">
+    <dgm:fillClrLst meth="repeat">
+      <a:schemeClr val="accent1">
+        <a:tint val="40000"/>
+      </a:schemeClr>
+    </dgm:fillClrLst>
+    <dgm:linClrLst meth="repeat">
+      <a:schemeClr val="accent1"/>
+    </dgm:linClrLst>
+    <dgm:effectClrLst/>
+    <dgm:txLinClrLst/>
+    <dgm:txFillClrLst meth="repeat">
+      <a:schemeClr val="dk1"/>
+    </dgm:txFillClrLst>
+    <dgm:txEffectClrLst/>
+  </dgm:styleLbl>
+  <dgm:styleLbl name="dkBgShp">
+    <dgm:fillClrLst meth="repeat">
+      <a:schemeClr val="accent1">
+        <a:shade val="80000"/>
+      </a:schemeClr>
+    </dgm:fillClrLst>
+    <dgm:linClrLst meth="repeat">
+      <a:schemeClr val="accent1"/>
+    </dgm:linClrLst>
+    <dgm:effectClrLst/>
+    <dgm:txLinClrLst/>
+    <dgm:txFillClrLst meth="repeat">
+      <a:schemeClr val="lt1"/>
+    </dgm:txFillClrLst>
+    <dgm:txEffectClrLst/>
+  </dgm:styleLbl>
+  <dgm:styleLbl name="trBgShp">
+    <dgm:fillClrLst meth="repeat">
+      <a:schemeClr val="accent1">
+        <a:tint val="50000"/>
+        <a:alpha val="40000"/>
+      </a:schemeClr>
+    </dgm:fillClrLst>
+    <dgm:linClrLst meth="repeat">
+      <a:schemeClr val="accent1"/>
+    </dgm:linClrLst>
+    <dgm:effectClrLst/>
+    <dgm:txLinClrLst/>
+    <dgm:txFillClrLst meth="repeat">
+      <a:schemeClr val="lt1"/>
+    </dgm:txFillClrLst>
+    <dgm:txEffectClrLst/>
+  </dgm:styleLbl>
+  <dgm:styleLbl name="fgShp">
+    <dgm:fillClrLst meth="repeat">
+      <a:schemeClr val="accent1">
+        <a:tint val="60000"/>
+      </a:schemeClr>
+    </dgm:fillClrLst>
+    <dgm:linClrLst meth="repeat">
+      <a:schemeClr val="lt1"/>
+    </dgm:linClrLst>
+    <dgm:effectClrLst/>
+    <dgm:txLinClrLst/>
+    <dgm:txFillClrLst meth="repeat">
+      <a:schemeClr val="dk1"/>
+    </dgm:txFillClrLst>
+    <dgm:txEffectClrLst/>
+  </dgm:styleLbl>
+  <dgm:styleLbl name="revTx">
+    <dgm:fillClrLst meth="repeat">
+      <a:schemeClr val="lt1">
+        <a:alpha val="0"/>
+      </a:schemeClr>
+    </dgm:fillClrLst>
+    <dgm:linClrLst meth="repeat">
+      <a:schemeClr val="dk1">
+        <a:alpha val="0"/>
+      </a:schemeClr>
+    </dgm:linClrLst>
+    <dgm:effectClrLst/>
+    <dgm:txLinClrLst/>
+    <dgm:txFillClrLst meth="repeat">
+      <a:schemeClr val="tx1"/>
+    </dgm:txFillClrLst>
+    <dgm:txEffectClrLst/>
+  </dgm:styleLbl>
+</dgm:colorsDef>
+</file>
+
 <file path=ppt/diagrams/data1.xml><?xml version="1.0" encoding="utf-8"?>
+<dgm:dataModel xmlns:dgm="http://schemas.openxmlformats.org/drawingml/2006/diagram" xmlns:a="http://schemas.openxmlformats.org/drawingml/2006/main">
+  <dgm:ptLst>
+    <dgm:pt modelId="{D14C185C-1C2F-43C5-B3F7-03E2FD8DCA20}" type="doc">
+      <dgm:prSet loTypeId="urn:microsoft.com/office/officeart/2005/8/layout/process1" loCatId="process" qsTypeId="urn:microsoft.com/office/officeart/2005/8/quickstyle/simple1" qsCatId="simple" csTypeId="urn:microsoft.com/office/officeart/2005/8/colors/accent1_2" csCatId="accent1" phldr="1"/>
+      <dgm:spPr/>
+    </dgm:pt>
+    <dgm:pt modelId="{373F3D73-4163-460C-825F-AB90F0BD274A}">
+      <dgm:prSet phldrT="[文字]"/>
+      <dgm:spPr>
+        <a:noFill/>
+        <a:ln>
+          <a:solidFill>
+            <a:schemeClr val="accent1">
+              <a:lumMod val="60000"/>
+              <a:lumOff val="40000"/>
+            </a:schemeClr>
+          </a:solidFill>
+        </a:ln>
+      </dgm:spPr>
+      <dgm:t>
+        <a:bodyPr/>
+        <a:lstStyle/>
+        <a:p>
+          <a:r>
+            <a:rPr lang="zh-TW" altLang="en-US" dirty="0">
+              <a:solidFill>
+                <a:schemeClr val="tx1"/>
+              </a:solidFill>
+            </a:rPr>
+            <a:t>切割資料</a:t>
+          </a:r>
+        </a:p>
+      </dgm:t>
+    </dgm:pt>
+    <dgm:pt modelId="{00E5234B-BC00-402C-A4DC-5B7D87217C7B}" type="parTrans" cxnId="{842B5DB3-BFAF-46D0-84BB-E28431233374}">
+      <dgm:prSet/>
+      <dgm:spPr/>
+      <dgm:t>
+        <a:bodyPr/>
+        <a:lstStyle/>
+        <a:p>
+          <a:endParaRPr lang="zh-TW" altLang="en-US"/>
+        </a:p>
+      </dgm:t>
+    </dgm:pt>
+    <dgm:pt modelId="{510E1544-9B0B-4E5E-A21A-74C154EC99BB}" type="sibTrans" cxnId="{842B5DB3-BFAF-46D0-84BB-E28431233374}">
+      <dgm:prSet/>
+      <dgm:spPr/>
+      <dgm:t>
+        <a:bodyPr/>
+        <a:lstStyle/>
+        <a:p>
+          <a:endParaRPr lang="zh-TW" altLang="en-US"/>
+        </a:p>
+      </dgm:t>
+    </dgm:pt>
+    <dgm:pt modelId="{2F0BB623-C310-4F34-A614-8383840D288F}">
+      <dgm:prSet phldrT="[文字]"/>
+      <dgm:spPr>
+        <a:noFill/>
+        <a:ln>
+          <a:solidFill>
+            <a:schemeClr val="accent1">
+              <a:lumMod val="60000"/>
+              <a:lumOff val="40000"/>
+            </a:schemeClr>
+          </a:solidFill>
+        </a:ln>
+      </dgm:spPr>
+      <dgm:t>
+        <a:bodyPr/>
+        <a:lstStyle/>
+        <a:p>
+          <a:r>
+            <a:rPr lang="zh-TW" altLang="en-US" dirty="0">
+              <a:solidFill>
+                <a:schemeClr val="tx1"/>
+              </a:solidFill>
+            </a:rPr>
+            <a:t>調變</a:t>
+          </a:r>
+        </a:p>
+      </dgm:t>
+    </dgm:pt>
+    <dgm:pt modelId="{7FEA6977-7515-40FE-8B46-76C8A4B4FEBC}" type="parTrans" cxnId="{F6F31997-62E6-4170-BF59-BE34A1A74105}">
+      <dgm:prSet/>
+      <dgm:spPr/>
+      <dgm:t>
+        <a:bodyPr/>
+        <a:lstStyle/>
+        <a:p>
+          <a:endParaRPr lang="zh-TW" altLang="en-US"/>
+        </a:p>
+      </dgm:t>
+    </dgm:pt>
+    <dgm:pt modelId="{B3ED31B1-2659-4ACB-A056-32D27D08A6EF}" type="sibTrans" cxnId="{F6F31997-62E6-4170-BF59-BE34A1A74105}">
+      <dgm:prSet/>
+      <dgm:spPr/>
+      <dgm:t>
+        <a:bodyPr/>
+        <a:lstStyle/>
+        <a:p>
+          <a:endParaRPr lang="zh-TW" altLang="en-US"/>
+        </a:p>
+      </dgm:t>
+    </dgm:pt>
+    <dgm:pt modelId="{94E5E8AF-0109-41B5-AD0E-4DA7AD85FEFD}">
+      <dgm:prSet phldrT="[文字]"/>
+      <dgm:spPr>
+        <a:noFill/>
+        <a:ln>
+          <a:solidFill>
+            <a:schemeClr val="accent1">
+              <a:lumMod val="60000"/>
+              <a:lumOff val="40000"/>
+            </a:schemeClr>
+          </a:solidFill>
+        </a:ln>
+      </dgm:spPr>
+      <dgm:t>
+        <a:bodyPr/>
+        <a:lstStyle/>
+        <a:p>
+          <a:r>
+            <a:rPr lang="en-US" altLang="zh-TW" dirty="0">
+              <a:solidFill>
+                <a:schemeClr val="tx1"/>
+              </a:solidFill>
+            </a:rPr>
+            <a:t>PILOT&amp;SYNC</a:t>
+          </a:r>
+          <a:endParaRPr lang="zh-TW" altLang="en-US" dirty="0">
+            <a:solidFill>
+              <a:schemeClr val="tx1"/>
+            </a:solidFill>
+          </a:endParaRPr>
+        </a:p>
+      </dgm:t>
+    </dgm:pt>
+    <dgm:pt modelId="{4B4731E8-B722-4A8D-879D-71D770D64E16}" type="parTrans" cxnId="{18AB6BD2-D883-4837-90CD-D004B6890F8F}">
+      <dgm:prSet/>
+      <dgm:spPr/>
+      <dgm:t>
+        <a:bodyPr/>
+        <a:lstStyle/>
+        <a:p>
+          <a:endParaRPr lang="zh-TW" altLang="en-US"/>
+        </a:p>
+      </dgm:t>
+    </dgm:pt>
+    <dgm:pt modelId="{5EDB3883-65F1-43C5-B2B6-715EFF19ECC3}" type="sibTrans" cxnId="{18AB6BD2-D883-4837-90CD-D004B6890F8F}">
+      <dgm:prSet/>
+      <dgm:spPr/>
+      <dgm:t>
+        <a:bodyPr/>
+        <a:lstStyle/>
+        <a:p>
+          <a:endParaRPr lang="zh-TW" altLang="en-US"/>
+        </a:p>
+      </dgm:t>
+    </dgm:pt>
+    <dgm:pt modelId="{0845D703-486E-420E-9274-3700A0D2E42F}" type="pres">
+      <dgm:prSet presAssocID="{D14C185C-1C2F-43C5-B3F7-03E2FD8DCA20}" presName="Name0" presStyleCnt="0">
+        <dgm:presLayoutVars>
+          <dgm:dir/>
+          <dgm:resizeHandles val="exact"/>
+        </dgm:presLayoutVars>
+      </dgm:prSet>
+      <dgm:spPr/>
+    </dgm:pt>
+    <dgm:pt modelId="{2CE79DA6-23CB-40EF-B25E-2E7E21767DB0}" type="pres">
+      <dgm:prSet presAssocID="{373F3D73-4163-460C-825F-AB90F0BD274A}" presName="node" presStyleLbl="node1" presStyleIdx="0" presStyleCnt="3">
+        <dgm:presLayoutVars>
+          <dgm:bulletEnabled val="1"/>
+        </dgm:presLayoutVars>
+      </dgm:prSet>
+      <dgm:spPr/>
+    </dgm:pt>
+    <dgm:pt modelId="{5DCD91DB-AEF7-4C9B-BD53-8B818AE7A5C2}" type="pres">
+      <dgm:prSet presAssocID="{510E1544-9B0B-4E5E-A21A-74C154EC99BB}" presName="sibTrans" presStyleLbl="sibTrans2D1" presStyleIdx="0" presStyleCnt="2"/>
+      <dgm:spPr/>
+    </dgm:pt>
+    <dgm:pt modelId="{3053149E-F4D6-4274-BA65-86C7B0CA7EE2}" type="pres">
+      <dgm:prSet presAssocID="{510E1544-9B0B-4E5E-A21A-74C154EC99BB}" presName="connectorText" presStyleLbl="sibTrans2D1" presStyleIdx="0" presStyleCnt="2"/>
+      <dgm:spPr/>
+    </dgm:pt>
+    <dgm:pt modelId="{501B0B5C-0A9B-4712-8139-5AB722F892AE}" type="pres">
+      <dgm:prSet presAssocID="{2F0BB623-C310-4F34-A614-8383840D288F}" presName="node" presStyleLbl="node1" presStyleIdx="1" presStyleCnt="3">
+        <dgm:presLayoutVars>
+          <dgm:bulletEnabled val="1"/>
+        </dgm:presLayoutVars>
+      </dgm:prSet>
+      <dgm:spPr/>
+    </dgm:pt>
+    <dgm:pt modelId="{4C06B492-B4CF-4662-994E-B742043CDBA6}" type="pres">
+      <dgm:prSet presAssocID="{B3ED31B1-2659-4ACB-A056-32D27D08A6EF}" presName="sibTrans" presStyleLbl="sibTrans2D1" presStyleIdx="1" presStyleCnt="2"/>
+      <dgm:spPr/>
+    </dgm:pt>
+    <dgm:pt modelId="{715D3F0F-C5CB-406C-9764-737C7C1638E6}" type="pres">
+      <dgm:prSet presAssocID="{B3ED31B1-2659-4ACB-A056-32D27D08A6EF}" presName="connectorText" presStyleLbl="sibTrans2D1" presStyleIdx="1" presStyleCnt="2"/>
+      <dgm:spPr/>
+    </dgm:pt>
+    <dgm:pt modelId="{F8307AB0-8E3F-4030-91DA-849DB5B98DC2}" type="pres">
+      <dgm:prSet presAssocID="{94E5E8AF-0109-41B5-AD0E-4DA7AD85FEFD}" presName="node" presStyleLbl="node1" presStyleIdx="2" presStyleCnt="3">
+        <dgm:presLayoutVars>
+          <dgm:bulletEnabled val="1"/>
+        </dgm:presLayoutVars>
+      </dgm:prSet>
+      <dgm:spPr/>
+    </dgm:pt>
+  </dgm:ptLst>
+  <dgm:cxnLst>
+    <dgm:cxn modelId="{24755E3E-C775-4F43-94FB-4C706A911360}" type="presOf" srcId="{B3ED31B1-2659-4ACB-A056-32D27D08A6EF}" destId="{4C06B492-B4CF-4662-994E-B742043CDBA6}" srcOrd="0" destOrd="0" presId="urn:microsoft.com/office/officeart/2005/8/layout/process1"/>
+    <dgm:cxn modelId="{783D2856-2CC3-47A0-AB40-5DBEC579208A}" type="presOf" srcId="{D14C185C-1C2F-43C5-B3F7-03E2FD8DCA20}" destId="{0845D703-486E-420E-9274-3700A0D2E42F}" srcOrd="0" destOrd="0" presId="urn:microsoft.com/office/officeart/2005/8/layout/process1"/>
+    <dgm:cxn modelId="{ED6A0291-B8AD-4213-AF49-B17AF0DD26FB}" type="presOf" srcId="{373F3D73-4163-460C-825F-AB90F0BD274A}" destId="{2CE79DA6-23CB-40EF-B25E-2E7E21767DB0}" srcOrd="0" destOrd="0" presId="urn:microsoft.com/office/officeart/2005/8/layout/process1"/>
+    <dgm:cxn modelId="{F6F31997-62E6-4170-BF59-BE34A1A74105}" srcId="{D14C185C-1C2F-43C5-B3F7-03E2FD8DCA20}" destId="{2F0BB623-C310-4F34-A614-8383840D288F}" srcOrd="1" destOrd="0" parTransId="{7FEA6977-7515-40FE-8B46-76C8A4B4FEBC}" sibTransId="{B3ED31B1-2659-4ACB-A056-32D27D08A6EF}"/>
+    <dgm:cxn modelId="{842B5DB3-BFAF-46D0-84BB-E28431233374}" srcId="{D14C185C-1C2F-43C5-B3F7-03E2FD8DCA20}" destId="{373F3D73-4163-460C-825F-AB90F0BD274A}" srcOrd="0" destOrd="0" parTransId="{00E5234B-BC00-402C-A4DC-5B7D87217C7B}" sibTransId="{510E1544-9B0B-4E5E-A21A-74C154EC99BB}"/>
+    <dgm:cxn modelId="{F0E147BA-BB1F-4975-8167-3A41330F994E}" type="presOf" srcId="{B3ED31B1-2659-4ACB-A056-32D27D08A6EF}" destId="{715D3F0F-C5CB-406C-9764-737C7C1638E6}" srcOrd="1" destOrd="0" presId="urn:microsoft.com/office/officeart/2005/8/layout/process1"/>
+    <dgm:cxn modelId="{CCD4CFC3-8CB9-4BD5-B289-EB24AA63AAFC}" type="presOf" srcId="{510E1544-9B0B-4E5E-A21A-74C154EC99BB}" destId="{5DCD91DB-AEF7-4C9B-BD53-8B818AE7A5C2}" srcOrd="0" destOrd="0" presId="urn:microsoft.com/office/officeart/2005/8/layout/process1"/>
+    <dgm:cxn modelId="{18AB6BD2-D883-4837-90CD-D004B6890F8F}" srcId="{D14C185C-1C2F-43C5-B3F7-03E2FD8DCA20}" destId="{94E5E8AF-0109-41B5-AD0E-4DA7AD85FEFD}" srcOrd="2" destOrd="0" parTransId="{4B4731E8-B722-4A8D-879D-71D770D64E16}" sibTransId="{5EDB3883-65F1-43C5-B2B6-715EFF19ECC3}"/>
+    <dgm:cxn modelId="{FC026DDC-6B9B-4E3A-ADF6-C724CBB2F3D0}" type="presOf" srcId="{94E5E8AF-0109-41B5-AD0E-4DA7AD85FEFD}" destId="{F8307AB0-8E3F-4030-91DA-849DB5B98DC2}" srcOrd="0" destOrd="0" presId="urn:microsoft.com/office/officeart/2005/8/layout/process1"/>
+    <dgm:cxn modelId="{8F64F8E6-C469-43B5-B5E8-EC3AE35AB88C}" type="presOf" srcId="{2F0BB623-C310-4F34-A614-8383840D288F}" destId="{501B0B5C-0A9B-4712-8139-5AB722F892AE}" srcOrd="0" destOrd="0" presId="urn:microsoft.com/office/officeart/2005/8/layout/process1"/>
+    <dgm:cxn modelId="{D1F5C7F5-FF31-49AC-8A04-274782995C75}" type="presOf" srcId="{510E1544-9B0B-4E5E-A21A-74C154EC99BB}" destId="{3053149E-F4D6-4274-BA65-86C7B0CA7EE2}" srcOrd="1" destOrd="0" presId="urn:microsoft.com/office/officeart/2005/8/layout/process1"/>
+    <dgm:cxn modelId="{FAFBA5ED-5A37-4064-B4A2-75A971CC3268}" type="presParOf" srcId="{0845D703-486E-420E-9274-3700A0D2E42F}" destId="{2CE79DA6-23CB-40EF-B25E-2E7E21767DB0}" srcOrd="0" destOrd="0" presId="urn:microsoft.com/office/officeart/2005/8/layout/process1"/>
+    <dgm:cxn modelId="{B192C275-C3F4-4265-AADD-2C1838C8AD5A}" type="presParOf" srcId="{0845D703-486E-420E-9274-3700A0D2E42F}" destId="{5DCD91DB-AEF7-4C9B-BD53-8B818AE7A5C2}" srcOrd="1" destOrd="0" presId="urn:microsoft.com/office/officeart/2005/8/layout/process1"/>
+    <dgm:cxn modelId="{96819B01-F420-4E26-A327-E989DB4F7FB8}" type="presParOf" srcId="{5DCD91DB-AEF7-4C9B-BD53-8B818AE7A5C2}" destId="{3053149E-F4D6-4274-BA65-86C7B0CA7EE2}" srcOrd="0" destOrd="0" presId="urn:microsoft.com/office/officeart/2005/8/layout/process1"/>
+    <dgm:cxn modelId="{FA65F66D-55B7-40AA-A051-941C87977DA4}" type="presParOf" srcId="{0845D703-486E-420E-9274-3700A0D2E42F}" destId="{501B0B5C-0A9B-4712-8139-5AB722F892AE}" srcOrd="2" destOrd="0" presId="urn:microsoft.com/office/officeart/2005/8/layout/process1"/>
+    <dgm:cxn modelId="{11C80121-9C15-491C-88B4-A1C4678D422F}" type="presParOf" srcId="{0845D703-486E-420E-9274-3700A0D2E42F}" destId="{4C06B492-B4CF-4662-994E-B742043CDBA6}" srcOrd="3" destOrd="0" presId="urn:microsoft.com/office/officeart/2005/8/layout/process1"/>
+    <dgm:cxn modelId="{43DF91D9-581F-41AF-9C44-B3C00085AC2A}" type="presParOf" srcId="{4C06B492-B4CF-4662-994E-B742043CDBA6}" destId="{715D3F0F-C5CB-406C-9764-737C7C1638E6}" srcOrd="0" destOrd="0" presId="urn:microsoft.com/office/officeart/2005/8/layout/process1"/>
+    <dgm:cxn modelId="{E5696B06-0D4E-44D4-9E1F-DC5283E88D84}" type="presParOf" srcId="{0845D703-486E-420E-9274-3700A0D2E42F}" destId="{F8307AB0-8E3F-4030-91DA-849DB5B98DC2}" srcOrd="4" destOrd="0" presId="urn:microsoft.com/office/officeart/2005/8/layout/process1"/>
+  </dgm:cxnLst>
+  <dgm:bg/>
+  <dgm:whole/>
+  <dgm:extLst>
+    <a:ext uri="http://schemas.microsoft.com/office/drawing/2008/diagram">
+      <dsp:dataModelExt xmlns:dsp="http://schemas.microsoft.com/office/drawing/2008/diagram" relId="rId6" minVer="http://schemas.openxmlformats.org/drawingml/2006/diagram"/>
+    </a:ext>
+  </dgm:extLst>
+</dgm:dataModel>
+</file>
+
+<file path=ppt/diagrams/data2.xml><?xml version="1.0" encoding="utf-8"?>
 <dgm:dataModel xmlns:dgm="http://schemas.openxmlformats.org/drawingml/2006/diagram" xmlns:a="http://schemas.openxmlformats.org/drawingml/2006/main">
   <dgm:ptLst>
     <dgm:pt modelId="{FDABFBC2-1BFD-4076-A05A-6C7F934E68D7}" type="doc">
@@ -1301,6 +2302,385 @@
 </file>
 
 <file path=ppt/diagrams/drawing1.xml><?xml version="1.0" encoding="utf-8"?>
+<dsp:drawing xmlns:dgm="http://schemas.openxmlformats.org/drawingml/2006/diagram" xmlns:dsp="http://schemas.microsoft.com/office/drawing/2008/diagram" xmlns:a="http://schemas.openxmlformats.org/drawingml/2006/main">
+  <dsp:spTree>
+    <dsp:nvGrpSpPr>
+      <dsp:cNvPr id="0" name=""/>
+      <dsp:cNvGrpSpPr/>
+    </dsp:nvGrpSpPr>
+    <dsp:grpSpPr/>
+    <dsp:sp modelId="{2CE79DA6-23CB-40EF-B25E-2E7E21767DB0}">
+      <dsp:nvSpPr>
+        <dsp:cNvPr id="0" name=""/>
+        <dsp:cNvSpPr/>
+      </dsp:nvSpPr>
+      <dsp:spPr>
+        <a:xfrm>
+          <a:off x="7835" y="1186514"/>
+          <a:ext cx="2342033" cy="1405220"/>
+        </a:xfrm>
+        <a:prstGeom prst="roundRect">
+          <a:avLst>
+            <a:gd name="adj" fmla="val 10000"/>
+          </a:avLst>
+        </a:prstGeom>
+        <a:noFill/>
+        <a:ln w="15875" cap="rnd" cmpd="sng" algn="ctr">
+          <a:solidFill>
+            <a:schemeClr val="accent1">
+              <a:lumMod val="60000"/>
+              <a:lumOff val="40000"/>
+            </a:schemeClr>
+          </a:solidFill>
+          <a:prstDash val="solid"/>
+        </a:ln>
+        <a:effectLst/>
+      </dsp:spPr>
+      <dsp:style>
+        <a:lnRef idx="2">
+          <a:scrgbClr r="0" g="0" b="0"/>
+        </a:lnRef>
+        <a:fillRef idx="1">
+          <a:scrgbClr r="0" g="0" b="0"/>
+        </a:fillRef>
+        <a:effectRef idx="0">
+          <a:scrgbClr r="0" g="0" b="0"/>
+        </a:effectRef>
+        <a:fontRef idx="minor">
+          <a:schemeClr val="lt1"/>
+        </a:fontRef>
+      </dsp:style>
+      <dsp:txBody>
+        <a:bodyPr spcFirstLastPara="0" vert="horz" wrap="square" lIns="102870" tIns="102870" rIns="102870" bIns="102870" numCol="1" spcCol="1270" anchor="ctr" anchorCtr="0">
+          <a:noAutofit/>
+        </a:bodyPr>
+        <a:lstStyle/>
+        <a:p>
+          <a:pPr marL="0" lvl="0" indent="0" algn="ctr" defTabSz="1200150">
+            <a:lnSpc>
+              <a:spcPct val="90000"/>
+            </a:lnSpc>
+            <a:spcBef>
+              <a:spcPct val="0"/>
+            </a:spcBef>
+            <a:spcAft>
+              <a:spcPct val="35000"/>
+            </a:spcAft>
+            <a:buNone/>
+          </a:pPr>
+          <a:r>
+            <a:rPr lang="zh-TW" altLang="en-US" sz="2700" kern="1200" dirty="0">
+              <a:solidFill>
+                <a:schemeClr val="tx1"/>
+              </a:solidFill>
+            </a:rPr>
+            <a:t>切割資料</a:t>
+          </a:r>
+        </a:p>
+      </dsp:txBody>
+      <dsp:txXfrm>
+        <a:off x="48992" y="1227671"/>
+        <a:ext cx="2259719" cy="1322906"/>
+      </dsp:txXfrm>
+    </dsp:sp>
+    <dsp:sp modelId="{5DCD91DB-AEF7-4C9B-BD53-8B818AE7A5C2}">
+      <dsp:nvSpPr>
+        <dsp:cNvPr id="0" name=""/>
+        <dsp:cNvSpPr/>
+      </dsp:nvSpPr>
+      <dsp:spPr>
+        <a:xfrm>
+          <a:off x="2584072" y="1598712"/>
+          <a:ext cx="496511" cy="580824"/>
+        </a:xfrm>
+        <a:prstGeom prst="rightArrow">
+          <a:avLst>
+            <a:gd name="adj1" fmla="val 60000"/>
+            <a:gd name="adj2" fmla="val 50000"/>
+          </a:avLst>
+        </a:prstGeom>
+        <a:solidFill>
+          <a:schemeClr val="accent1">
+            <a:tint val="60000"/>
+            <a:hueOff val="0"/>
+            <a:satOff val="0"/>
+            <a:lumOff val="0"/>
+            <a:alphaOff val="0"/>
+          </a:schemeClr>
+        </a:solidFill>
+        <a:ln>
+          <a:noFill/>
+        </a:ln>
+        <a:effectLst/>
+      </dsp:spPr>
+      <dsp:style>
+        <a:lnRef idx="0">
+          <a:scrgbClr r="0" g="0" b="0"/>
+        </a:lnRef>
+        <a:fillRef idx="1">
+          <a:scrgbClr r="0" g="0" b="0"/>
+        </a:fillRef>
+        <a:effectRef idx="0">
+          <a:scrgbClr r="0" g="0" b="0"/>
+        </a:effectRef>
+        <a:fontRef idx="minor">
+          <a:schemeClr val="lt1"/>
+        </a:fontRef>
+      </dsp:style>
+      <dsp:txBody>
+        <a:bodyPr spcFirstLastPara="0" vert="horz" wrap="square" lIns="0" tIns="0" rIns="0" bIns="0" numCol="1" spcCol="1270" anchor="ctr" anchorCtr="0">
+          <a:noAutofit/>
+        </a:bodyPr>
+        <a:lstStyle/>
+        <a:p>
+          <a:pPr marL="0" lvl="0" indent="0" algn="ctr" defTabSz="977900">
+            <a:lnSpc>
+              <a:spcPct val="90000"/>
+            </a:lnSpc>
+            <a:spcBef>
+              <a:spcPct val="0"/>
+            </a:spcBef>
+            <a:spcAft>
+              <a:spcPct val="35000"/>
+            </a:spcAft>
+            <a:buNone/>
+          </a:pPr>
+          <a:endParaRPr lang="zh-TW" altLang="en-US" sz="2200" kern="1200"/>
+        </a:p>
+      </dsp:txBody>
+      <dsp:txXfrm>
+        <a:off x="2584072" y="1714877"/>
+        <a:ext cx="347558" cy="348494"/>
+      </dsp:txXfrm>
+    </dsp:sp>
+    <dsp:sp modelId="{501B0B5C-0A9B-4712-8139-5AB722F892AE}">
+      <dsp:nvSpPr>
+        <dsp:cNvPr id="0" name=""/>
+        <dsp:cNvSpPr/>
+      </dsp:nvSpPr>
+      <dsp:spPr>
+        <a:xfrm>
+          <a:off x="3286683" y="1186514"/>
+          <a:ext cx="2342033" cy="1405220"/>
+        </a:xfrm>
+        <a:prstGeom prst="roundRect">
+          <a:avLst>
+            <a:gd name="adj" fmla="val 10000"/>
+          </a:avLst>
+        </a:prstGeom>
+        <a:noFill/>
+        <a:ln w="15875" cap="rnd" cmpd="sng" algn="ctr">
+          <a:solidFill>
+            <a:schemeClr val="accent1">
+              <a:lumMod val="60000"/>
+              <a:lumOff val="40000"/>
+            </a:schemeClr>
+          </a:solidFill>
+          <a:prstDash val="solid"/>
+        </a:ln>
+        <a:effectLst/>
+      </dsp:spPr>
+      <dsp:style>
+        <a:lnRef idx="2">
+          <a:scrgbClr r="0" g="0" b="0"/>
+        </a:lnRef>
+        <a:fillRef idx="1">
+          <a:scrgbClr r="0" g="0" b="0"/>
+        </a:fillRef>
+        <a:effectRef idx="0">
+          <a:scrgbClr r="0" g="0" b="0"/>
+        </a:effectRef>
+        <a:fontRef idx="minor">
+          <a:schemeClr val="lt1"/>
+        </a:fontRef>
+      </dsp:style>
+      <dsp:txBody>
+        <a:bodyPr spcFirstLastPara="0" vert="horz" wrap="square" lIns="102870" tIns="102870" rIns="102870" bIns="102870" numCol="1" spcCol="1270" anchor="ctr" anchorCtr="0">
+          <a:noAutofit/>
+        </a:bodyPr>
+        <a:lstStyle/>
+        <a:p>
+          <a:pPr marL="0" lvl="0" indent="0" algn="ctr" defTabSz="1200150">
+            <a:lnSpc>
+              <a:spcPct val="90000"/>
+            </a:lnSpc>
+            <a:spcBef>
+              <a:spcPct val="0"/>
+            </a:spcBef>
+            <a:spcAft>
+              <a:spcPct val="35000"/>
+            </a:spcAft>
+            <a:buNone/>
+          </a:pPr>
+          <a:r>
+            <a:rPr lang="zh-TW" altLang="en-US" sz="2700" kern="1200" dirty="0">
+              <a:solidFill>
+                <a:schemeClr val="tx1"/>
+              </a:solidFill>
+            </a:rPr>
+            <a:t>調變</a:t>
+          </a:r>
+        </a:p>
+      </dsp:txBody>
+      <dsp:txXfrm>
+        <a:off x="3327840" y="1227671"/>
+        <a:ext cx="2259719" cy="1322906"/>
+      </dsp:txXfrm>
+    </dsp:sp>
+    <dsp:sp modelId="{4C06B492-B4CF-4662-994E-B742043CDBA6}">
+      <dsp:nvSpPr>
+        <dsp:cNvPr id="0" name=""/>
+        <dsp:cNvSpPr/>
+      </dsp:nvSpPr>
+      <dsp:spPr>
+        <a:xfrm>
+          <a:off x="5862920" y="1598712"/>
+          <a:ext cx="496511" cy="580824"/>
+        </a:xfrm>
+        <a:prstGeom prst="rightArrow">
+          <a:avLst>
+            <a:gd name="adj1" fmla="val 60000"/>
+            <a:gd name="adj2" fmla="val 50000"/>
+          </a:avLst>
+        </a:prstGeom>
+        <a:solidFill>
+          <a:schemeClr val="accent1">
+            <a:tint val="60000"/>
+            <a:hueOff val="0"/>
+            <a:satOff val="0"/>
+            <a:lumOff val="0"/>
+            <a:alphaOff val="0"/>
+          </a:schemeClr>
+        </a:solidFill>
+        <a:ln>
+          <a:noFill/>
+        </a:ln>
+        <a:effectLst/>
+      </dsp:spPr>
+      <dsp:style>
+        <a:lnRef idx="0">
+          <a:scrgbClr r="0" g="0" b="0"/>
+        </a:lnRef>
+        <a:fillRef idx="1">
+          <a:scrgbClr r="0" g="0" b="0"/>
+        </a:fillRef>
+        <a:effectRef idx="0">
+          <a:scrgbClr r="0" g="0" b="0"/>
+        </a:effectRef>
+        <a:fontRef idx="minor">
+          <a:schemeClr val="lt1"/>
+        </a:fontRef>
+      </dsp:style>
+      <dsp:txBody>
+        <a:bodyPr spcFirstLastPara="0" vert="horz" wrap="square" lIns="0" tIns="0" rIns="0" bIns="0" numCol="1" spcCol="1270" anchor="ctr" anchorCtr="0">
+          <a:noAutofit/>
+        </a:bodyPr>
+        <a:lstStyle/>
+        <a:p>
+          <a:pPr marL="0" lvl="0" indent="0" algn="ctr" defTabSz="977900">
+            <a:lnSpc>
+              <a:spcPct val="90000"/>
+            </a:lnSpc>
+            <a:spcBef>
+              <a:spcPct val="0"/>
+            </a:spcBef>
+            <a:spcAft>
+              <a:spcPct val="35000"/>
+            </a:spcAft>
+            <a:buNone/>
+          </a:pPr>
+          <a:endParaRPr lang="zh-TW" altLang="en-US" sz="2200" kern="1200"/>
+        </a:p>
+      </dsp:txBody>
+      <dsp:txXfrm>
+        <a:off x="5862920" y="1714877"/>
+        <a:ext cx="347558" cy="348494"/>
+      </dsp:txXfrm>
+    </dsp:sp>
+    <dsp:sp modelId="{F8307AB0-8E3F-4030-91DA-849DB5B98DC2}">
+      <dsp:nvSpPr>
+        <dsp:cNvPr id="0" name=""/>
+        <dsp:cNvSpPr/>
+      </dsp:nvSpPr>
+      <dsp:spPr>
+        <a:xfrm>
+          <a:off x="6565530" y="1186514"/>
+          <a:ext cx="2342033" cy="1405220"/>
+        </a:xfrm>
+        <a:prstGeom prst="roundRect">
+          <a:avLst>
+            <a:gd name="adj" fmla="val 10000"/>
+          </a:avLst>
+        </a:prstGeom>
+        <a:noFill/>
+        <a:ln w="15875" cap="rnd" cmpd="sng" algn="ctr">
+          <a:solidFill>
+            <a:schemeClr val="accent1">
+              <a:lumMod val="60000"/>
+              <a:lumOff val="40000"/>
+            </a:schemeClr>
+          </a:solidFill>
+          <a:prstDash val="solid"/>
+        </a:ln>
+        <a:effectLst/>
+      </dsp:spPr>
+      <dsp:style>
+        <a:lnRef idx="2">
+          <a:scrgbClr r="0" g="0" b="0"/>
+        </a:lnRef>
+        <a:fillRef idx="1">
+          <a:scrgbClr r="0" g="0" b="0"/>
+        </a:fillRef>
+        <a:effectRef idx="0">
+          <a:scrgbClr r="0" g="0" b="0"/>
+        </a:effectRef>
+        <a:fontRef idx="minor">
+          <a:schemeClr val="lt1"/>
+        </a:fontRef>
+      </dsp:style>
+      <dsp:txBody>
+        <a:bodyPr spcFirstLastPara="0" vert="horz" wrap="square" lIns="102870" tIns="102870" rIns="102870" bIns="102870" numCol="1" spcCol="1270" anchor="ctr" anchorCtr="0">
+          <a:noAutofit/>
+        </a:bodyPr>
+        <a:lstStyle/>
+        <a:p>
+          <a:pPr marL="0" lvl="0" indent="0" algn="ctr" defTabSz="1200150">
+            <a:lnSpc>
+              <a:spcPct val="90000"/>
+            </a:lnSpc>
+            <a:spcBef>
+              <a:spcPct val="0"/>
+            </a:spcBef>
+            <a:spcAft>
+              <a:spcPct val="35000"/>
+            </a:spcAft>
+            <a:buNone/>
+          </a:pPr>
+          <a:r>
+            <a:rPr lang="en-US" altLang="zh-TW" sz="2700" kern="1200" dirty="0">
+              <a:solidFill>
+                <a:schemeClr val="tx1"/>
+              </a:solidFill>
+            </a:rPr>
+            <a:t>PILOT&amp;SYNC</a:t>
+          </a:r>
+          <a:endParaRPr lang="zh-TW" altLang="en-US" sz="2700" kern="1200" dirty="0">
+            <a:solidFill>
+              <a:schemeClr val="tx1"/>
+            </a:solidFill>
+          </a:endParaRPr>
+        </a:p>
+      </dsp:txBody>
+      <dsp:txXfrm>
+        <a:off x="6606687" y="1227671"/>
+        <a:ext cx="2259719" cy="1322906"/>
+      </dsp:txXfrm>
+    </dsp:sp>
+  </dsp:spTree>
+</dsp:drawing>
+</file>
+
+<file path=ppt/diagrams/drawing2.xml><?xml version="1.0" encoding="utf-8"?>
 <dsp:drawing xmlns:dgm="http://schemas.openxmlformats.org/drawingml/2006/diagram" xmlns:dsp="http://schemas.microsoft.com/office/drawing/2008/diagram" xmlns:a="http://schemas.openxmlformats.org/drawingml/2006/main">
   <dsp:spTree>
     <dsp:nvGrpSpPr>
@@ -2140,7 +3520,1187 @@
 </dgm:layoutDef>
 </file>
 
+<file path=ppt/diagrams/layout2.xml><?xml version="1.0" encoding="utf-8"?>
+<dgm:layoutDef xmlns:dgm="http://schemas.openxmlformats.org/drawingml/2006/diagram" xmlns:a="http://schemas.openxmlformats.org/drawingml/2006/main" uniqueId="urn:microsoft.com/office/officeart/2005/8/layout/process1">
+  <dgm:title val=""/>
+  <dgm:desc val=""/>
+  <dgm:catLst>
+    <dgm:cat type="process" pri="1000"/>
+    <dgm:cat type="convert" pri="15000"/>
+  </dgm:catLst>
+  <dgm:sampData useDef="1">
+    <dgm:dataModel>
+      <dgm:ptLst/>
+      <dgm:bg/>
+      <dgm:whole/>
+    </dgm:dataModel>
+  </dgm:sampData>
+  <dgm:styleData>
+    <dgm:dataModel>
+      <dgm:ptLst>
+        <dgm:pt modelId="0" type="doc"/>
+        <dgm:pt modelId="1"/>
+        <dgm:pt modelId="2"/>
+      </dgm:ptLst>
+      <dgm:cxnLst>
+        <dgm:cxn modelId="3" srcId="0" destId="1" srcOrd="0" destOrd="0"/>
+        <dgm:cxn modelId="4" srcId="0" destId="2" srcOrd="1" destOrd="0"/>
+      </dgm:cxnLst>
+      <dgm:bg/>
+      <dgm:whole/>
+    </dgm:dataModel>
+  </dgm:styleData>
+  <dgm:clrData>
+    <dgm:dataModel>
+      <dgm:ptLst>
+        <dgm:pt modelId="0" type="doc"/>
+        <dgm:pt modelId="1"/>
+        <dgm:pt modelId="2"/>
+        <dgm:pt modelId="3"/>
+        <dgm:pt modelId="4"/>
+      </dgm:ptLst>
+      <dgm:cxnLst>
+        <dgm:cxn modelId="5" srcId="0" destId="1" srcOrd="0" destOrd="0"/>
+        <dgm:cxn modelId="6" srcId="0" destId="2" srcOrd="1" destOrd="0"/>
+        <dgm:cxn modelId="7" srcId="0" destId="3" srcOrd="2" destOrd="0"/>
+        <dgm:cxn modelId="8" srcId="0" destId="4" srcOrd="3" destOrd="0"/>
+      </dgm:cxnLst>
+      <dgm:bg/>
+      <dgm:whole/>
+    </dgm:dataModel>
+  </dgm:clrData>
+  <dgm:layoutNode name="Name0">
+    <dgm:varLst>
+      <dgm:dir/>
+      <dgm:resizeHandles val="exact"/>
+    </dgm:varLst>
+    <dgm:choose name="Name1">
+      <dgm:if name="Name2" func="var" arg="dir" op="equ" val="norm">
+        <dgm:alg type="lin"/>
+      </dgm:if>
+      <dgm:else name="Name3">
+        <dgm:alg type="lin">
+          <dgm:param type="linDir" val="fromR"/>
+        </dgm:alg>
+      </dgm:else>
+    </dgm:choose>
+    <dgm:shape xmlns:r="http://schemas.openxmlformats.org/officeDocument/2006/relationships" r:blip="">
+      <dgm:adjLst/>
+    </dgm:shape>
+    <dgm:presOf/>
+    <dgm:constrLst>
+      <dgm:constr type="w" for="ch" ptType="node" refType="w"/>
+      <dgm:constr type="h" for="ch" ptType="node" op="equ"/>
+      <dgm:constr type="primFontSz" for="ch" ptType="node" op="equ" val="65"/>
+      <dgm:constr type="w" for="ch" ptType="sibTrans" refType="w" refFor="ch" refPtType="node" op="equ" fact="0.4"/>
+      <dgm:constr type="h" for="ch" ptType="sibTrans" op="equ"/>
+      <dgm:constr type="primFontSz" for="des" forName="connectorText" op="equ" val="55"/>
+      <dgm:constr type="primFontSz" for="des" forName="connectorText" refType="primFontSz" refFor="ch" refPtType="node" op="lte" fact="0.8"/>
+    </dgm:constrLst>
+    <dgm:ruleLst/>
+    <dgm:forEach name="nodesForEach" axis="ch" ptType="node">
+      <dgm:layoutNode name="node">
+        <dgm:varLst>
+          <dgm:bulletEnabled val="1"/>
+        </dgm:varLst>
+        <dgm:alg type="tx"/>
+        <dgm:shape xmlns:r="http://schemas.openxmlformats.org/officeDocument/2006/relationships" type="roundRect" r:blip="">
+          <dgm:adjLst>
+            <dgm:adj idx="1" val="0.1"/>
+          </dgm:adjLst>
+        </dgm:shape>
+        <dgm:presOf axis="desOrSelf" ptType="node"/>
+        <dgm:constrLst>
+          <dgm:constr type="h" refType="w" fact="0.6"/>
+          <dgm:constr type="tMarg" refType="primFontSz" fact="0.3"/>
+          <dgm:constr type="bMarg" refType="primFontSz" fact="0.3"/>
+          <dgm:constr type="lMarg" refType="primFontSz" fact="0.3"/>
+          <dgm:constr type="rMarg" refType="primFontSz" fact="0.3"/>
+        </dgm:constrLst>
+        <dgm:ruleLst>
+          <dgm:rule type="primFontSz" val="18" fact="NaN" max="NaN"/>
+          <dgm:rule type="h" val="NaN" fact="1.5" max="NaN"/>
+          <dgm:rule type="primFontSz" val="5" fact="NaN" max="NaN"/>
+          <dgm:rule type="h" val="INF" fact="NaN" max="NaN"/>
+        </dgm:ruleLst>
+      </dgm:layoutNode>
+      <dgm:forEach name="sibTransForEach" axis="followSib" ptType="sibTrans" cnt="1">
+        <dgm:layoutNode name="sibTrans">
+          <dgm:alg type="conn">
+            <dgm:param type="begPts" val="auto"/>
+            <dgm:param type="endPts" val="auto"/>
+          </dgm:alg>
+          <dgm:shape xmlns:r="http://schemas.openxmlformats.org/officeDocument/2006/relationships" type="conn" r:blip="">
+            <dgm:adjLst/>
+          </dgm:shape>
+          <dgm:presOf axis="self"/>
+          <dgm:constrLst>
+            <dgm:constr type="h" refType="w" fact="0.62"/>
+            <dgm:constr type="connDist"/>
+            <dgm:constr type="begPad" refType="connDist" fact="0.25"/>
+            <dgm:constr type="endPad" refType="connDist" fact="0.22"/>
+          </dgm:constrLst>
+          <dgm:ruleLst/>
+          <dgm:layoutNode name="connectorText">
+            <dgm:alg type="tx">
+              <dgm:param type="autoTxRot" val="grav"/>
+            </dgm:alg>
+            <dgm:shape xmlns:r="http://schemas.openxmlformats.org/officeDocument/2006/relationships" type="conn" r:blip="" hideGeom="1">
+              <dgm:adjLst/>
+            </dgm:shape>
+            <dgm:presOf axis="self"/>
+            <dgm:constrLst>
+              <dgm:constr type="lMarg"/>
+              <dgm:constr type="rMarg"/>
+              <dgm:constr type="tMarg"/>
+              <dgm:constr type="bMarg"/>
+            </dgm:constrLst>
+            <dgm:ruleLst>
+              <dgm:rule type="primFontSz" val="5" fact="NaN" max="NaN"/>
+            </dgm:ruleLst>
+          </dgm:layoutNode>
+        </dgm:layoutNode>
+      </dgm:forEach>
+    </dgm:forEach>
+  </dgm:layoutNode>
+</dgm:layoutDef>
+</file>
+
 <file path=ppt/diagrams/quickStyle1.xml><?xml version="1.0" encoding="utf-8"?>
+<dgm:styleDef xmlns:dgm="http://schemas.openxmlformats.org/drawingml/2006/diagram" xmlns:a="http://schemas.openxmlformats.org/drawingml/2006/main" uniqueId="urn:microsoft.com/office/officeart/2005/8/quickstyle/simple1">
+  <dgm:title val=""/>
+  <dgm:desc val=""/>
+  <dgm:catLst>
+    <dgm:cat type="simple" pri="10100"/>
+  </dgm:catLst>
+  <dgm:scene3d>
+    <a:camera prst="orthographicFront"/>
+    <a:lightRig rig="threePt" dir="t"/>
+  </dgm:scene3d>
+  <dgm:styleLbl name="node0">
+    <dgm:scene3d>
+      <a:camera prst="orthographicFront"/>
+      <a:lightRig rig="threePt" dir="t"/>
+    </dgm:scene3d>
+    <dgm:sp3d/>
+    <dgm:txPr/>
+    <dgm:style>
+      <a:lnRef idx="2">
+        <a:scrgbClr r="0" g="0" b="0"/>
+      </a:lnRef>
+      <a:fillRef idx="1">
+        <a:scrgbClr r="0" g="0" b="0"/>
+      </a:fillRef>
+      <a:effectRef idx="0">
+        <a:scrgbClr r="0" g="0" b="0"/>
+      </a:effectRef>
+      <a:fontRef idx="minor">
+        <a:schemeClr val="lt1"/>
+      </a:fontRef>
+    </dgm:style>
+  </dgm:styleLbl>
+  <dgm:styleLbl name="lnNode1">
+    <dgm:scene3d>
+      <a:camera prst="orthographicFront"/>
+      <a:lightRig rig="threePt" dir="t"/>
+    </dgm:scene3d>
+    <dgm:sp3d/>
+    <dgm:txPr/>
+    <dgm:style>
+      <a:lnRef idx="2">
+        <a:scrgbClr r="0" g="0" b="0"/>
+      </a:lnRef>
+      <a:fillRef idx="1">
+        <a:scrgbClr r="0" g="0" b="0"/>
+      </a:fillRef>
+      <a:effectRef idx="0">
+        <a:scrgbClr r="0" g="0" b="0"/>
+      </a:effectRef>
+      <a:fontRef idx="minor">
+        <a:schemeClr val="lt1"/>
+      </a:fontRef>
+    </dgm:style>
+  </dgm:styleLbl>
+  <dgm:styleLbl name="vennNode1">
+    <dgm:scene3d>
+      <a:camera prst="orthographicFront"/>
+      <a:lightRig rig="threePt" dir="t"/>
+    </dgm:scene3d>
+    <dgm:sp3d/>
+    <dgm:txPr/>
+    <dgm:style>
+      <a:lnRef idx="2">
+        <a:scrgbClr r="0" g="0" b="0"/>
+      </a:lnRef>
+      <a:fillRef idx="1">
+        <a:scrgbClr r="0" g="0" b="0"/>
+      </a:fillRef>
+      <a:effectRef idx="0">
+        <a:scrgbClr r="0" g="0" b="0"/>
+      </a:effectRef>
+      <a:fontRef idx="minor">
+        <a:schemeClr val="tx1"/>
+      </a:fontRef>
+    </dgm:style>
+  </dgm:styleLbl>
+  <dgm:styleLbl name="alignNode1">
+    <dgm:scene3d>
+      <a:camera prst="orthographicFront"/>
+      <a:lightRig rig="threePt" dir="t"/>
+    </dgm:scene3d>
+    <dgm:sp3d/>
+    <dgm:txPr/>
+    <dgm:style>
+      <a:lnRef idx="2">
+        <a:scrgbClr r="0" g="0" b="0"/>
+      </a:lnRef>
+      <a:fillRef idx="1">
+        <a:scrgbClr r="0" g="0" b="0"/>
+      </a:fillRef>
+      <a:effectRef idx="0">
+        <a:scrgbClr r="0" g="0" b="0"/>
+      </a:effectRef>
+      <a:fontRef idx="minor">
+        <a:schemeClr val="lt1"/>
+      </a:fontRef>
+    </dgm:style>
+  </dgm:styleLbl>
+  <dgm:styleLbl name="node1">
+    <dgm:scene3d>
+      <a:camera prst="orthographicFront"/>
+      <a:lightRig rig="threePt" dir="t"/>
+    </dgm:scene3d>
+    <dgm:sp3d/>
+    <dgm:txPr/>
+    <dgm:style>
+      <a:lnRef idx="2">
+        <a:scrgbClr r="0" g="0" b="0"/>
+      </a:lnRef>
+      <a:fillRef idx="1">
+        <a:scrgbClr r="0" g="0" b="0"/>
+      </a:fillRef>
+      <a:effectRef idx="0">
+        <a:scrgbClr r="0" g="0" b="0"/>
+      </a:effectRef>
+      <a:fontRef idx="minor">
+        <a:schemeClr val="lt1"/>
+      </a:fontRef>
+    </dgm:style>
+  </dgm:styleLbl>
+  <dgm:styleLbl name="node2">
+    <dgm:scene3d>
+      <a:camera prst="orthographicFront"/>
+      <a:lightRig rig="threePt" dir="t"/>
+    </dgm:scene3d>
+    <dgm:sp3d/>
+    <dgm:txPr/>
+    <dgm:style>
+      <a:lnRef idx="2">
+        <a:scrgbClr r="0" g="0" b="0"/>
+      </a:lnRef>
+      <a:fillRef idx="1">
+        <a:scrgbClr r="0" g="0" b="0"/>
+      </a:fillRef>
+      <a:effectRef idx="0">
+        <a:scrgbClr r="0" g="0" b="0"/>
+      </a:effectRef>
+      <a:fontRef idx="minor">
+        <a:schemeClr val="lt1"/>
+      </a:fontRef>
+    </dgm:style>
+  </dgm:styleLbl>
+  <dgm:styleLbl name="node3">
+    <dgm:scene3d>
+      <a:camera prst="orthographicFront"/>
+      <a:lightRig rig="threePt" dir="t"/>
+    </dgm:scene3d>
+    <dgm:sp3d/>
+    <dgm:txPr/>
+    <dgm:style>
+      <a:lnRef idx="2">
+        <a:scrgbClr r="0" g="0" b="0"/>
+      </a:lnRef>
+      <a:fillRef idx="1">
+        <a:scrgbClr r="0" g="0" b="0"/>
+      </a:fillRef>
+      <a:effectRef idx="0">
+        <a:scrgbClr r="0" g="0" b="0"/>
+      </a:effectRef>
+      <a:fontRef idx="minor">
+        <a:schemeClr val="lt1"/>
+      </a:fontRef>
+    </dgm:style>
+  </dgm:styleLbl>
+  <dgm:styleLbl name="node4">
+    <dgm:scene3d>
+      <a:camera prst="orthographicFront"/>
+      <a:lightRig rig="threePt" dir="t"/>
+    </dgm:scene3d>
+    <dgm:sp3d/>
+    <dgm:txPr/>
+    <dgm:style>
+      <a:lnRef idx="2">
+        <a:scrgbClr r="0" g="0" b="0"/>
+      </a:lnRef>
+      <a:fillRef idx="1">
+        <a:scrgbClr r="0" g="0" b="0"/>
+      </a:fillRef>
+      <a:effectRef idx="0">
+        <a:scrgbClr r="0" g="0" b="0"/>
+      </a:effectRef>
+      <a:fontRef idx="minor">
+        <a:schemeClr val="lt1"/>
+      </a:fontRef>
+    </dgm:style>
+  </dgm:styleLbl>
+  <dgm:styleLbl name="fgImgPlace1">
+    <dgm:scene3d>
+      <a:camera prst="orthographicFront"/>
+      <a:lightRig rig="threePt" dir="t"/>
+    </dgm:scene3d>
+    <dgm:sp3d/>
+    <dgm:txPr/>
+    <dgm:style>
+      <a:lnRef idx="2">
+        <a:scrgbClr r="0" g="0" b="0"/>
+      </a:lnRef>
+      <a:fillRef idx="1">
+        <a:scrgbClr r="0" g="0" b="0"/>
+      </a:fillRef>
+      <a:effectRef idx="0">
+        <a:scrgbClr r="0" g="0" b="0"/>
+      </a:effectRef>
+      <a:fontRef idx="minor"/>
+    </dgm:style>
+  </dgm:styleLbl>
+  <dgm:styleLbl name="alignImgPlace1">
+    <dgm:scene3d>
+      <a:camera prst="orthographicFront"/>
+      <a:lightRig rig="threePt" dir="t"/>
+    </dgm:scene3d>
+    <dgm:sp3d/>
+    <dgm:txPr/>
+    <dgm:style>
+      <a:lnRef idx="2">
+        <a:scrgbClr r="0" g="0" b="0"/>
+      </a:lnRef>
+      <a:fillRef idx="1">
+        <a:scrgbClr r="0" g="0" b="0"/>
+      </a:fillRef>
+      <a:effectRef idx="0">
+        <a:scrgbClr r="0" g="0" b="0"/>
+      </a:effectRef>
+      <a:fontRef idx="minor"/>
+    </dgm:style>
+  </dgm:styleLbl>
+  <dgm:styleLbl name="bgImgPlace1">
+    <dgm:scene3d>
+      <a:camera prst="orthographicFront"/>
+      <a:lightRig rig="threePt" dir="t"/>
+    </dgm:scene3d>
+    <dgm:sp3d/>
+    <dgm:txPr/>
+    <dgm:style>
+      <a:lnRef idx="2">
+        <a:scrgbClr r="0" g="0" b="0"/>
+      </a:lnRef>
+      <a:fillRef idx="1">
+        <a:scrgbClr r="0" g="0" b="0"/>
+      </a:fillRef>
+      <a:effectRef idx="0">
+        <a:scrgbClr r="0" g="0" b="0"/>
+      </a:effectRef>
+      <a:fontRef idx="minor"/>
+    </dgm:style>
+  </dgm:styleLbl>
+  <dgm:styleLbl name="sibTrans2D1">
+    <dgm:scene3d>
+      <a:camera prst="orthographicFront"/>
+      <a:lightRig rig="threePt" dir="t"/>
+    </dgm:scene3d>
+    <dgm:sp3d/>
+    <dgm:txPr/>
+    <dgm:style>
+      <a:lnRef idx="0">
+        <a:scrgbClr r="0" g="0" b="0"/>
+      </a:lnRef>
+      <a:fillRef idx="1">
+        <a:scrgbClr r="0" g="0" b="0"/>
+      </a:fillRef>
+      <a:effectRef idx="0">
+        <a:scrgbClr r="0" g="0" b="0"/>
+      </a:effectRef>
+      <a:fontRef idx="minor">
+        <a:schemeClr val="lt1"/>
+      </a:fontRef>
+    </dgm:style>
+  </dgm:styleLbl>
+  <dgm:styleLbl name="fgSibTrans2D1">
+    <dgm:scene3d>
+      <a:camera prst="orthographicFront"/>
+      <a:lightRig rig="threePt" dir="t"/>
+    </dgm:scene3d>
+    <dgm:sp3d/>
+    <dgm:txPr/>
+    <dgm:style>
+      <a:lnRef idx="0">
+        <a:scrgbClr r="0" g="0" b="0"/>
+      </a:lnRef>
+      <a:fillRef idx="1">
+        <a:scrgbClr r="0" g="0" b="0"/>
+      </a:fillRef>
+      <a:effectRef idx="0">
+        <a:scrgbClr r="0" g="0" b="0"/>
+      </a:effectRef>
+      <a:fontRef idx="minor">
+        <a:schemeClr val="lt1"/>
+      </a:fontRef>
+    </dgm:style>
+  </dgm:styleLbl>
+  <dgm:styleLbl name="bgSibTrans2D1">
+    <dgm:scene3d>
+      <a:camera prst="orthographicFront"/>
+      <a:lightRig rig="threePt" dir="t"/>
+    </dgm:scene3d>
+    <dgm:sp3d/>
+    <dgm:txPr/>
+    <dgm:style>
+      <a:lnRef idx="0">
+        <a:scrgbClr r="0" g="0" b="0"/>
+      </a:lnRef>
+      <a:fillRef idx="1">
+        <a:scrgbClr r="0" g="0" b="0"/>
+      </a:fillRef>
+      <a:effectRef idx="0">
+        <a:scrgbClr r="0" g="0" b="0"/>
+      </a:effectRef>
+      <a:fontRef idx="minor">
+        <a:schemeClr val="lt1"/>
+      </a:fontRef>
+    </dgm:style>
+  </dgm:styleLbl>
+  <dgm:styleLbl name="sibTrans1D1">
+    <dgm:scene3d>
+      <a:camera prst="orthographicFront"/>
+      <a:lightRig rig="threePt" dir="t"/>
+    </dgm:scene3d>
+    <dgm:sp3d/>
+    <dgm:txPr/>
+    <dgm:style>
+      <a:lnRef idx="1">
+        <a:scrgbClr r="0" g="0" b="0"/>
+      </a:lnRef>
+      <a:fillRef idx="0">
+        <a:scrgbClr r="0" g="0" b="0"/>
+      </a:fillRef>
+      <a:effectRef idx="0">
+        <a:scrgbClr r="0" g="0" b="0"/>
+      </a:effectRef>
+      <a:fontRef idx="minor"/>
+    </dgm:style>
+  </dgm:styleLbl>
+  <dgm:styleLbl name="callout">
+    <dgm:scene3d>
+      <a:camera prst="orthographicFront"/>
+      <a:lightRig rig="threePt" dir="t"/>
+    </dgm:scene3d>
+    <dgm:sp3d/>
+    <dgm:txPr/>
+    <dgm:style>
+      <a:lnRef idx="2">
+        <a:scrgbClr r="0" g="0" b="0"/>
+      </a:lnRef>
+      <a:fillRef idx="1">
+        <a:scrgbClr r="0" g="0" b="0"/>
+      </a:fillRef>
+      <a:effectRef idx="0">
+        <a:scrgbClr r="0" g="0" b="0"/>
+      </a:effectRef>
+      <a:fontRef idx="minor"/>
+    </dgm:style>
+  </dgm:styleLbl>
+  <dgm:styleLbl name="asst0">
+    <dgm:scene3d>
+      <a:camera prst="orthographicFront"/>
+      <a:lightRig rig="threePt" dir="t"/>
+    </dgm:scene3d>
+    <dgm:sp3d/>
+    <dgm:txPr/>
+    <dgm:style>
+      <a:lnRef idx="2">
+        <a:scrgbClr r="0" g="0" b="0"/>
+      </a:lnRef>
+      <a:fillRef idx="1">
+        <a:scrgbClr r="0" g="0" b="0"/>
+      </a:fillRef>
+      <a:effectRef idx="0">
+        <a:scrgbClr r="0" g="0" b="0"/>
+      </a:effectRef>
+      <a:fontRef idx="minor">
+        <a:schemeClr val="lt1"/>
+      </a:fontRef>
+    </dgm:style>
+  </dgm:styleLbl>
+  <dgm:styleLbl name="asst1">
+    <dgm:scene3d>
+      <a:camera prst="orthographicFront"/>
+      <a:lightRig rig="threePt" dir="t"/>
+    </dgm:scene3d>
+    <dgm:sp3d/>
+    <dgm:txPr/>
+    <dgm:style>
+      <a:lnRef idx="2">
+        <a:scrgbClr r="0" g="0" b="0"/>
+      </a:lnRef>
+      <a:fillRef idx="1">
+        <a:scrgbClr r="0" g="0" b="0"/>
+      </a:fillRef>
+      <a:effectRef idx="0">
+        <a:scrgbClr r="0" g="0" b="0"/>
+      </a:effectRef>
+      <a:fontRef idx="minor">
+        <a:schemeClr val="lt1"/>
+      </a:fontRef>
+    </dgm:style>
+  </dgm:styleLbl>
+  <dgm:styleLbl name="asst2">
+    <dgm:scene3d>
+      <a:camera prst="orthographicFront"/>
+      <a:lightRig rig="threePt" dir="t"/>
+    </dgm:scene3d>
+    <dgm:sp3d/>
+    <dgm:txPr/>
+    <dgm:style>
+      <a:lnRef idx="2">
+        <a:scrgbClr r="0" g="0" b="0"/>
+      </a:lnRef>
+      <a:fillRef idx="1">
+        <a:scrgbClr r="0" g="0" b="0"/>
+      </a:fillRef>
+      <a:effectRef idx="0">
+        <a:scrgbClr r="0" g="0" b="0"/>
+      </a:effectRef>
+      <a:fontRef idx="minor">
+        <a:schemeClr val="lt1"/>
+      </a:fontRef>
+    </dgm:style>
+  </dgm:styleLbl>
+  <dgm:styleLbl name="asst3">
+    <dgm:scene3d>
+      <a:camera prst="orthographicFront"/>
+      <a:lightRig rig="threePt" dir="t"/>
+    </dgm:scene3d>
+    <dgm:sp3d/>
+    <dgm:txPr/>
+    <dgm:style>
+      <a:lnRef idx="2">
+        <a:scrgbClr r="0" g="0" b="0"/>
+      </a:lnRef>
+      <a:fillRef idx="1">
+        <a:scrgbClr r="0" g="0" b="0"/>
+      </a:fillRef>
+      <a:effectRef idx="0">
+        <a:scrgbClr r="0" g="0" b="0"/>
+      </a:effectRef>
+      <a:fontRef idx="minor">
+        <a:schemeClr val="lt1"/>
+      </a:fontRef>
+    </dgm:style>
+  </dgm:styleLbl>
+  <dgm:styleLbl name="asst4">
+    <dgm:scene3d>
+      <a:camera prst="orthographicFront"/>
+      <a:lightRig rig="threePt" dir="t"/>
+    </dgm:scene3d>
+    <dgm:sp3d/>
+    <dgm:txPr/>
+    <dgm:style>
+      <a:lnRef idx="2">
+        <a:scrgbClr r="0" g="0" b="0"/>
+      </a:lnRef>
+      <a:fillRef idx="1">
+        <a:scrgbClr r="0" g="0" b="0"/>
+      </a:fillRef>
+      <a:effectRef idx="0">
+        <a:scrgbClr r="0" g="0" b="0"/>
+      </a:effectRef>
+      <a:fontRef idx="minor">
+        <a:schemeClr val="lt1"/>
+      </a:fontRef>
+    </dgm:style>
+  </dgm:styleLbl>
+  <dgm:styleLbl name="parChTrans2D1">
+    <dgm:scene3d>
+      <a:camera prst="orthographicFront"/>
+      <a:lightRig rig="threePt" dir="t"/>
+    </dgm:scene3d>
+    <dgm:sp3d/>
+    <dgm:txPr/>
+    <dgm:style>
+      <a:lnRef idx="2">
+        <a:scrgbClr r="0" g="0" b="0"/>
+      </a:lnRef>
+      <a:fillRef idx="1">
+        <a:scrgbClr r="0" g="0" b="0"/>
+      </a:fillRef>
+      <a:effectRef idx="0">
+        <a:scrgbClr r="0" g="0" b="0"/>
+      </a:effectRef>
+      <a:fontRef idx="minor">
+        <a:schemeClr val="lt1"/>
+      </a:fontRef>
+    </dgm:style>
+  </dgm:styleLbl>
+  <dgm:styleLbl name="parChTrans2D2">
+    <dgm:scene3d>
+      <a:camera prst="orthographicFront"/>
+      <a:lightRig rig="threePt" dir="t"/>
+    </dgm:scene3d>
+    <dgm:sp3d/>
+    <dgm:txPr/>
+    <dgm:style>
+      <a:lnRef idx="2">
+        <a:scrgbClr r="0" g="0" b="0"/>
+      </a:lnRef>
+      <a:fillRef idx="1">
+        <a:scrgbClr r="0" g="0" b="0"/>
+      </a:fillRef>
+      <a:effectRef idx="0">
+        <a:scrgbClr r="0" g="0" b="0"/>
+      </a:effectRef>
+      <a:fontRef idx="minor">
+        <a:schemeClr val="lt1"/>
+      </a:fontRef>
+    </dgm:style>
+  </dgm:styleLbl>
+  <dgm:styleLbl name="parChTrans2D3">
+    <dgm:scene3d>
+      <a:camera prst="orthographicFront"/>
+      <a:lightRig rig="threePt" dir="t"/>
+    </dgm:scene3d>
+    <dgm:sp3d/>
+    <dgm:txPr/>
+    <dgm:style>
+      <a:lnRef idx="2">
+        <a:scrgbClr r="0" g="0" b="0"/>
+      </a:lnRef>
+      <a:fillRef idx="1">
+        <a:scrgbClr r="0" g="0" b="0"/>
+      </a:fillRef>
+      <a:effectRef idx="0">
+        <a:scrgbClr r="0" g="0" b="0"/>
+      </a:effectRef>
+      <a:fontRef idx="minor">
+        <a:schemeClr val="lt1"/>
+      </a:fontRef>
+    </dgm:style>
+  </dgm:styleLbl>
+  <dgm:styleLbl name="parChTrans2D4">
+    <dgm:scene3d>
+      <a:camera prst="orthographicFront"/>
+      <a:lightRig rig="threePt" dir="t"/>
+    </dgm:scene3d>
+    <dgm:sp3d/>
+    <dgm:txPr/>
+    <dgm:style>
+      <a:lnRef idx="2">
+        <a:scrgbClr r="0" g="0" b="0"/>
+      </a:lnRef>
+      <a:fillRef idx="1">
+        <a:scrgbClr r="0" g="0" b="0"/>
+      </a:fillRef>
+      <a:effectRef idx="0">
+        <a:scrgbClr r="0" g="0" b="0"/>
+      </a:effectRef>
+      <a:fontRef idx="minor">
+        <a:schemeClr val="lt1"/>
+      </a:fontRef>
+    </dgm:style>
+  </dgm:styleLbl>
+  <dgm:styleLbl name="parChTrans1D1">
+    <dgm:scene3d>
+      <a:camera prst="orthographicFront"/>
+      <a:lightRig rig="threePt" dir="t"/>
+    </dgm:scene3d>
+    <dgm:sp3d/>
+    <dgm:txPr/>
+    <dgm:style>
+      <a:lnRef idx="2">
+        <a:scrgbClr r="0" g="0" b="0"/>
+      </a:lnRef>
+      <a:fillRef idx="0">
+        <a:scrgbClr r="0" g="0" b="0"/>
+      </a:fillRef>
+      <a:effectRef idx="0">
+        <a:scrgbClr r="0" g="0" b="0"/>
+      </a:effectRef>
+      <a:fontRef idx="minor"/>
+    </dgm:style>
+  </dgm:styleLbl>
+  <dgm:styleLbl name="parChTrans1D2">
+    <dgm:scene3d>
+      <a:camera prst="orthographicFront"/>
+      <a:lightRig rig="threePt" dir="t"/>
+    </dgm:scene3d>
+    <dgm:sp3d/>
+    <dgm:txPr/>
+    <dgm:style>
+      <a:lnRef idx="2">
+        <a:scrgbClr r="0" g="0" b="0"/>
+      </a:lnRef>
+      <a:fillRef idx="0">
+        <a:scrgbClr r="0" g="0" b="0"/>
+      </a:fillRef>
+      <a:effectRef idx="0">
+        <a:scrgbClr r="0" g="0" b="0"/>
+      </a:effectRef>
+      <a:fontRef idx="minor"/>
+    </dgm:style>
+  </dgm:styleLbl>
+  <dgm:styleLbl name="parChTrans1D3">
+    <dgm:scene3d>
+      <a:camera prst="orthographicFront"/>
+      <a:lightRig rig="threePt" dir="t"/>
+    </dgm:scene3d>
+    <dgm:sp3d/>
+    <dgm:txPr/>
+    <dgm:style>
+      <a:lnRef idx="2">
+        <a:scrgbClr r="0" g="0" b="0"/>
+      </a:lnRef>
+      <a:fillRef idx="0">
+        <a:scrgbClr r="0" g="0" b="0"/>
+      </a:fillRef>
+      <a:effectRef idx="0">
+        <a:scrgbClr r="0" g="0" b="0"/>
+      </a:effectRef>
+      <a:fontRef idx="minor"/>
+    </dgm:style>
+  </dgm:styleLbl>
+  <dgm:styleLbl name="parChTrans1D4">
+    <dgm:scene3d>
+      <a:camera prst="orthographicFront"/>
+      <a:lightRig rig="threePt" dir="t"/>
+    </dgm:scene3d>
+    <dgm:sp3d/>
+    <dgm:txPr/>
+    <dgm:style>
+      <a:lnRef idx="2">
+        <a:scrgbClr r="0" g="0" b="0"/>
+      </a:lnRef>
+      <a:fillRef idx="0">
+        <a:scrgbClr r="0" g="0" b="0"/>
+      </a:fillRef>
+      <a:effectRef idx="0">
+        <a:scrgbClr r="0" g="0" b="0"/>
+      </a:effectRef>
+      <a:fontRef idx="minor"/>
+    </dgm:style>
+  </dgm:styleLbl>
+  <dgm:styleLbl name="fgAcc1">
+    <dgm:scene3d>
+      <a:camera prst="orthographicFront"/>
+      <a:lightRig rig="threePt" dir="t"/>
+    </dgm:scene3d>
+    <dgm:sp3d/>
+    <dgm:txPr/>
+    <dgm:style>
+      <a:lnRef idx="2">
+        <a:scrgbClr r="0" g="0" b="0"/>
+      </a:lnRef>
+      <a:fillRef idx="1">
+        <a:scrgbClr r="0" g="0" b="0"/>
+      </a:fillRef>
+      <a:effectRef idx="0">
+        <a:scrgbClr r="0" g="0" b="0"/>
+      </a:effectRef>
+      <a:fontRef idx="minor"/>
+    </dgm:style>
+  </dgm:styleLbl>
+  <dgm:styleLbl name="conFgAcc1">
+    <dgm:scene3d>
+      <a:camera prst="orthographicFront"/>
+      <a:lightRig rig="threePt" dir="t"/>
+    </dgm:scene3d>
+    <dgm:sp3d/>
+    <dgm:txPr/>
+    <dgm:style>
+      <a:lnRef idx="2">
+        <a:scrgbClr r="0" g="0" b="0"/>
+      </a:lnRef>
+      <a:fillRef idx="1">
+        <a:scrgbClr r="0" g="0" b="0"/>
+      </a:fillRef>
+      <a:effectRef idx="0">
+        <a:scrgbClr r="0" g="0" b="0"/>
+      </a:effectRef>
+      <a:fontRef idx="minor"/>
+    </dgm:style>
+  </dgm:styleLbl>
+  <dgm:styleLbl name="alignAcc1">
+    <dgm:scene3d>
+      <a:camera prst="orthographicFront"/>
+      <a:lightRig rig="threePt" dir="t"/>
+    </dgm:scene3d>
+    <dgm:sp3d/>
+    <dgm:txPr/>
+    <dgm:style>
+      <a:lnRef idx="2">
+        <a:scrgbClr r="0" g="0" b="0"/>
+      </a:lnRef>
+      <a:fillRef idx="1">
+        <a:scrgbClr r="0" g="0" b="0"/>
+      </a:fillRef>
+      <a:effectRef idx="0">
+        <a:scrgbClr r="0" g="0" b="0"/>
+      </a:effectRef>
+      <a:fontRef idx="minor"/>
+    </dgm:style>
+  </dgm:styleLbl>
+  <dgm:styleLbl name="trAlignAcc1">
+    <dgm:scene3d>
+      <a:camera prst="orthographicFront"/>
+      <a:lightRig rig="threePt" dir="t"/>
+    </dgm:scene3d>
+    <dgm:sp3d/>
+    <dgm:txPr/>
+    <dgm:style>
+      <a:lnRef idx="1">
+        <a:scrgbClr r="0" g="0" b="0"/>
+      </a:lnRef>
+      <a:fillRef idx="1">
+        <a:scrgbClr r="0" g="0" b="0"/>
+      </a:fillRef>
+      <a:effectRef idx="0">
+        <a:scrgbClr r="0" g="0" b="0"/>
+      </a:effectRef>
+      <a:fontRef idx="minor"/>
+    </dgm:style>
+  </dgm:styleLbl>
+  <dgm:styleLbl name="bgAcc1">
+    <dgm:scene3d>
+      <a:camera prst="orthographicFront"/>
+      <a:lightRig rig="threePt" dir="t"/>
+    </dgm:scene3d>
+    <dgm:sp3d/>
+    <dgm:txPr/>
+    <dgm:style>
+      <a:lnRef idx="2">
+        <a:scrgbClr r="0" g="0" b="0"/>
+      </a:lnRef>
+      <a:fillRef idx="1">
+        <a:scrgbClr r="0" g="0" b="0"/>
+      </a:fillRef>
+      <a:effectRef idx="0">
+        <a:scrgbClr r="0" g="0" b="0"/>
+      </a:effectRef>
+      <a:fontRef idx="minor"/>
+    </dgm:style>
+  </dgm:styleLbl>
+  <dgm:styleLbl name="solidFgAcc1">
+    <dgm:scene3d>
+      <a:camera prst="orthographicFront"/>
+      <a:lightRig rig="threePt" dir="t"/>
+    </dgm:scene3d>
+    <dgm:sp3d/>
+    <dgm:txPr/>
+    <dgm:style>
+      <a:lnRef idx="2">
+        <a:scrgbClr r="0" g="0" b="0"/>
+      </a:lnRef>
+      <a:fillRef idx="1">
+        <a:scrgbClr r="0" g="0" b="0"/>
+      </a:fillRef>
+      <a:effectRef idx="0">
+        <a:scrgbClr r="0" g="0" b="0"/>
+      </a:effectRef>
+      <a:fontRef idx="minor"/>
+    </dgm:style>
+  </dgm:styleLbl>
+  <dgm:styleLbl name="solidAlignAcc1">
+    <dgm:scene3d>
+      <a:camera prst="orthographicFront"/>
+      <a:lightRig rig="threePt" dir="t"/>
+    </dgm:scene3d>
+    <dgm:sp3d/>
+    <dgm:txPr/>
+    <dgm:style>
+      <a:lnRef idx="2">
+        <a:scrgbClr r="0" g="0" b="0"/>
+      </a:lnRef>
+      <a:fillRef idx="1">
+        <a:scrgbClr r="0" g="0" b="0"/>
+      </a:fillRef>
+      <a:effectRef idx="0">
+        <a:scrgbClr r="0" g="0" b="0"/>
+      </a:effectRef>
+      <a:fontRef idx="minor"/>
+    </dgm:style>
+  </dgm:styleLbl>
+  <dgm:styleLbl name="solidBgAcc1">
+    <dgm:scene3d>
+      <a:camera prst="orthographicFront"/>
+      <a:lightRig rig="threePt" dir="t"/>
+    </dgm:scene3d>
+    <dgm:sp3d/>
+    <dgm:txPr/>
+    <dgm:style>
+      <a:lnRef idx="2">
+        <a:scrgbClr r="0" g="0" b="0"/>
+      </a:lnRef>
+      <a:fillRef idx="1">
+        <a:scrgbClr r="0" g="0" b="0"/>
+      </a:fillRef>
+      <a:effectRef idx="0">
+        <a:scrgbClr r="0" g="0" b="0"/>
+      </a:effectRef>
+      <a:fontRef idx="minor"/>
+    </dgm:style>
+  </dgm:styleLbl>
+  <dgm:styleLbl name="fgAccFollowNode1">
+    <dgm:scene3d>
+      <a:camera prst="orthographicFront"/>
+      <a:lightRig rig="threePt" dir="t"/>
+    </dgm:scene3d>
+    <dgm:sp3d/>
+    <dgm:txPr/>
+    <dgm:style>
+      <a:lnRef idx="2">
+        <a:scrgbClr r="0" g="0" b="0"/>
+      </a:lnRef>
+      <a:fillRef idx="1">
+        <a:scrgbClr r="0" g="0" b="0"/>
+      </a:fillRef>
+      <a:effectRef idx="0">
+        <a:scrgbClr r="0" g="0" b="0"/>
+      </a:effectRef>
+      <a:fontRef idx="minor"/>
+    </dgm:style>
+  </dgm:styleLbl>
+  <dgm:styleLbl name="alignAccFollowNode1">
+    <dgm:scene3d>
+      <a:camera prst="orthographicFront"/>
+      <a:lightRig rig="threePt" dir="t"/>
+    </dgm:scene3d>
+    <dgm:sp3d/>
+    <dgm:txPr/>
+    <dgm:style>
+      <a:lnRef idx="2">
+        <a:scrgbClr r="0" g="0" b="0"/>
+      </a:lnRef>
+      <a:fillRef idx="1">
+        <a:scrgbClr r="0" g="0" b="0"/>
+      </a:fillRef>
+      <a:effectRef idx="0">
+        <a:scrgbClr r="0" g="0" b="0"/>
+      </a:effectRef>
+      <a:fontRef idx="minor"/>
+    </dgm:style>
+  </dgm:styleLbl>
+  <dgm:styleLbl name="bgAccFollowNode1">
+    <dgm:scene3d>
+      <a:camera prst="orthographicFront"/>
+      <a:lightRig rig="threePt" dir="t"/>
+    </dgm:scene3d>
+    <dgm:sp3d/>
+    <dgm:txPr/>
+    <dgm:style>
+      <a:lnRef idx="2">
+        <a:scrgbClr r="0" g="0" b="0"/>
+      </a:lnRef>
+      <a:fillRef idx="1">
+        <a:scrgbClr r="0" g="0" b="0"/>
+      </a:fillRef>
+      <a:effectRef idx="0">
+        <a:scrgbClr r="0" g="0" b="0"/>
+      </a:effectRef>
+      <a:fontRef idx="minor"/>
+    </dgm:style>
+  </dgm:styleLbl>
+  <dgm:styleLbl name="fgAcc0">
+    <dgm:scene3d>
+      <a:camera prst="orthographicFront"/>
+      <a:lightRig rig="threePt" dir="t"/>
+    </dgm:scene3d>
+    <dgm:sp3d/>
+    <dgm:txPr/>
+    <dgm:style>
+      <a:lnRef idx="2">
+        <a:scrgbClr r="0" g="0" b="0"/>
+      </a:lnRef>
+      <a:fillRef idx="1">
+        <a:scrgbClr r="0" g="0" b="0"/>
+      </a:fillRef>
+      <a:effectRef idx="0">
+        <a:scrgbClr r="0" g="0" b="0"/>
+      </a:effectRef>
+      <a:fontRef idx="minor"/>
+    </dgm:style>
+  </dgm:styleLbl>
+  <dgm:styleLbl name="fgAcc2">
+    <dgm:scene3d>
+      <a:camera prst="orthographicFront"/>
+      <a:lightRig rig="threePt" dir="t"/>
+    </dgm:scene3d>
+    <dgm:sp3d/>
+    <dgm:txPr/>
+    <dgm:style>
+      <a:lnRef idx="2">
+        <a:scrgbClr r="0" g="0" b="0"/>
+      </a:lnRef>
+      <a:fillRef idx="1">
+        <a:scrgbClr r="0" g="0" b="0"/>
+      </a:fillRef>
+      <a:effectRef idx="0">
+        <a:scrgbClr r="0" g="0" b="0"/>
+      </a:effectRef>
+      <a:fontRef idx="minor"/>
+    </dgm:style>
+  </dgm:styleLbl>
+  <dgm:styleLbl name="fgAcc3">
+    <dgm:scene3d>
+      <a:camera prst="orthographicFront"/>
+      <a:lightRig rig="threePt" dir="t"/>
+    </dgm:scene3d>
+    <dgm:sp3d/>
+    <dgm:txPr/>
+    <dgm:style>
+      <a:lnRef idx="2">
+        <a:scrgbClr r="0" g="0" b="0"/>
+      </a:lnRef>
+      <a:fillRef idx="1">
+        <a:scrgbClr r="0" g="0" b="0"/>
+      </a:fillRef>
+      <a:effectRef idx="0">
+        <a:scrgbClr r="0" g="0" b="0"/>
+      </a:effectRef>
+      <a:fontRef idx="minor"/>
+    </dgm:style>
+  </dgm:styleLbl>
+  <dgm:styleLbl name="fgAcc4">
+    <dgm:scene3d>
+      <a:camera prst="orthographicFront"/>
+      <a:lightRig rig="threePt" dir="t"/>
+    </dgm:scene3d>
+    <dgm:sp3d/>
+    <dgm:txPr/>
+    <dgm:style>
+      <a:lnRef idx="2">
+        <a:scrgbClr r="0" g="0" b="0"/>
+      </a:lnRef>
+      <a:fillRef idx="1">
+        <a:scrgbClr r="0" g="0" b="0"/>
+      </a:fillRef>
+      <a:effectRef idx="0">
+        <a:scrgbClr r="0" g="0" b="0"/>
+      </a:effectRef>
+      <a:fontRef idx="minor"/>
+    </dgm:style>
+  </dgm:styleLbl>
+  <dgm:styleLbl name="bgShp">
+    <dgm:scene3d>
+      <a:camera prst="orthographicFront"/>
+      <a:lightRig rig="threePt" dir="t"/>
+    </dgm:scene3d>
+    <dgm:sp3d/>
+    <dgm:txPr/>
+    <dgm:style>
+      <a:lnRef idx="0">
+        <a:scrgbClr r="0" g="0" b="0"/>
+      </a:lnRef>
+      <a:fillRef idx="1">
+        <a:scrgbClr r="0" g="0" b="0"/>
+      </a:fillRef>
+      <a:effectRef idx="0">
+        <a:scrgbClr r="0" g="0" b="0"/>
+      </a:effectRef>
+      <a:fontRef idx="minor"/>
+    </dgm:style>
+  </dgm:styleLbl>
+  <dgm:styleLbl name="dkBgShp">
+    <dgm:scene3d>
+      <a:camera prst="orthographicFront"/>
+      <a:lightRig rig="threePt" dir="t"/>
+    </dgm:scene3d>
+    <dgm:sp3d/>
+    <dgm:txPr/>
+    <dgm:style>
+      <a:lnRef idx="0">
+        <a:scrgbClr r="0" g="0" b="0"/>
+      </a:lnRef>
+      <a:fillRef idx="1">
+        <a:scrgbClr r="0" g="0" b="0"/>
+      </a:fillRef>
+      <a:effectRef idx="0">
+        <a:scrgbClr r="0" g="0" b="0"/>
+      </a:effectRef>
+      <a:fontRef idx="minor"/>
+    </dgm:style>
+  </dgm:styleLbl>
+  <dgm:styleLbl name="trBgShp">
+    <dgm:scene3d>
+      <a:camera prst="orthographicFront"/>
+      <a:lightRig rig="threePt" dir="t"/>
+    </dgm:scene3d>
+    <dgm:sp3d/>
+    <dgm:txPr/>
+    <dgm:style>
+      <a:lnRef idx="0">
+        <a:scrgbClr r="0" g="0" b="0"/>
+      </a:lnRef>
+      <a:fillRef idx="1">
+        <a:scrgbClr r="0" g="0" b="0"/>
+      </a:fillRef>
+      <a:effectRef idx="0">
+        <a:scrgbClr r="0" g="0" b="0"/>
+      </a:effectRef>
+      <a:fontRef idx="minor"/>
+    </dgm:style>
+  </dgm:styleLbl>
+  <dgm:styleLbl name="fgShp">
+    <dgm:scene3d>
+      <a:camera prst="orthographicFront"/>
+      <a:lightRig rig="threePt" dir="t"/>
+    </dgm:scene3d>
+    <dgm:sp3d/>
+    <dgm:txPr/>
+    <dgm:style>
+      <a:lnRef idx="2">
+        <a:scrgbClr r="0" g="0" b="0"/>
+      </a:lnRef>
+      <a:fillRef idx="1">
+        <a:scrgbClr r="0" g="0" b="0"/>
+      </a:fillRef>
+      <a:effectRef idx="0">
+        <a:scrgbClr r="0" g="0" b="0"/>
+      </a:effectRef>
+      <a:fontRef idx="minor"/>
+    </dgm:style>
+  </dgm:styleLbl>
+  <dgm:styleLbl name="revTx">
+    <dgm:scene3d>
+      <a:camera prst="orthographicFront"/>
+      <a:lightRig rig="threePt" dir="t"/>
+    </dgm:scene3d>
+    <dgm:sp3d/>
+    <dgm:txPr/>
+    <dgm:style>
+      <a:lnRef idx="0">
+        <a:scrgbClr r="0" g="0" b="0"/>
+      </a:lnRef>
+      <a:fillRef idx="0">
+        <a:scrgbClr r="0" g="0" b="0"/>
+      </a:fillRef>
+      <a:effectRef idx="0">
+        <a:scrgbClr r="0" g="0" b="0"/>
+      </a:effectRef>
+      <a:fontRef idx="minor"/>
+    </dgm:style>
+  </dgm:styleLbl>
+</dgm:styleDef>
+</file>
+
+<file path=ppt/diagrams/quickStyle2.xml><?xml version="1.0" encoding="utf-8"?>
 <dgm:styleDef xmlns:dgm="http://schemas.openxmlformats.org/drawingml/2006/diagram" xmlns:a="http://schemas.openxmlformats.org/drawingml/2006/main" uniqueId="urn:microsoft.com/office/officeart/2005/8/quickstyle/simple1">
   <dgm:title val=""/>
   <dgm:desc val=""/>
@@ -10951,6 +13511,1089 @@
 </p:sld>
 </file>
 
+<file path=ppt/slides/slide10.xml><?xml version="1.0" encoding="utf-8"?>
+<p:sld xmlns:a="http://schemas.openxmlformats.org/drawingml/2006/main" xmlns:r="http://schemas.openxmlformats.org/officeDocument/2006/relationships" xmlns:p="http://schemas.openxmlformats.org/presentationml/2006/main">
+  <p:cSld>
+    <p:spTree>
+      <p:nvGrpSpPr>
+        <p:cNvPr id="1" name=""/>
+        <p:cNvGrpSpPr/>
+        <p:nvPr/>
+      </p:nvGrpSpPr>
+      <p:grpSpPr>
+        <a:xfrm>
+          <a:off x="0" y="0"/>
+          <a:ext cx="0" cy="0"/>
+          <a:chOff x="0" y="0"/>
+          <a:chExt cx="0" cy="0"/>
+        </a:xfrm>
+      </p:grpSpPr>
+      <p:sp>
+        <p:nvSpPr>
+          <p:cNvPr id="2" name="標題 1">
+            <a:extLst>
+              <a:ext uri="{FF2B5EF4-FFF2-40B4-BE49-F238E27FC236}">
+                <a16:creationId xmlns:a16="http://schemas.microsoft.com/office/drawing/2014/main" id="{3E743E3A-7CC9-4E3D-84CB-BF42AC3E4796}"/>
+              </a:ext>
+            </a:extLst>
+          </p:cNvPr>
+          <p:cNvSpPr>
+            <a:spLocks noGrp="1"/>
+          </p:cNvSpPr>
+          <p:nvPr>
+            <p:ph type="title"/>
+          </p:nvPr>
+        </p:nvSpPr>
+        <p:spPr/>
+        <p:txBody>
+          <a:bodyPr/>
+          <a:lstStyle/>
+          <a:p>
+            <a:r>
+              <a:rPr lang="zh-TW" altLang="en-US" dirty="0"/>
+              <a:t>結論與貢獻</a:t>
+            </a:r>
+          </a:p>
+        </p:txBody>
+      </p:sp>
+      <p:sp>
+        <p:nvSpPr>
+          <p:cNvPr id="3" name="內容版面配置區 2">
+            <a:extLst>
+              <a:ext uri="{FF2B5EF4-FFF2-40B4-BE49-F238E27FC236}">
+                <a16:creationId xmlns:a16="http://schemas.microsoft.com/office/drawing/2014/main" id="{92898B37-D95B-4F7C-ADFE-B728BF15D7FA}"/>
+              </a:ext>
+            </a:extLst>
+          </p:cNvPr>
+          <p:cNvSpPr>
+            <a:spLocks noGrp="1"/>
+          </p:cNvSpPr>
+          <p:nvPr>
+            <p:ph idx="1"/>
+          </p:nvPr>
+        </p:nvSpPr>
+        <p:spPr/>
+        <p:txBody>
+          <a:bodyPr/>
+          <a:lstStyle/>
+          <a:p>
+            <a:pPr marL="0" indent="0">
+              <a:buNone/>
+            </a:pPr>
+            <a:endParaRPr lang="zh-TW" altLang="en-US" dirty="0"/>
+          </a:p>
+        </p:txBody>
+      </p:sp>
+    </p:spTree>
+    <p:extLst>
+      <p:ext uri="{BB962C8B-B14F-4D97-AF65-F5344CB8AC3E}">
+        <p14:creationId xmlns:p14="http://schemas.microsoft.com/office/powerpoint/2010/main" val="3602863259"/>
+      </p:ext>
+    </p:extLst>
+  </p:cSld>
+  <p:clrMapOvr>
+    <a:masterClrMapping/>
+  </p:clrMapOvr>
+</p:sld>
+</file>
+
+<file path=ppt/slides/slide11.xml><?xml version="1.0" encoding="utf-8"?>
+<p:sld xmlns:a="http://schemas.openxmlformats.org/drawingml/2006/main" xmlns:r="http://schemas.openxmlformats.org/officeDocument/2006/relationships" xmlns:p="http://schemas.openxmlformats.org/presentationml/2006/main">
+  <p:cSld>
+    <p:spTree>
+      <p:nvGrpSpPr>
+        <p:cNvPr id="1" name=""/>
+        <p:cNvGrpSpPr/>
+        <p:nvPr/>
+      </p:nvGrpSpPr>
+      <p:grpSpPr>
+        <a:xfrm>
+          <a:off x="0" y="0"/>
+          <a:ext cx="0" cy="0"/>
+          <a:chOff x="0" y="0"/>
+          <a:chExt cx="0" cy="0"/>
+        </a:xfrm>
+      </p:grpSpPr>
+      <p:sp>
+        <p:nvSpPr>
+          <p:cNvPr id="2" name="標題 1">
+            <a:extLst>
+              <a:ext uri="{FF2B5EF4-FFF2-40B4-BE49-F238E27FC236}">
+                <a16:creationId xmlns:a16="http://schemas.microsoft.com/office/drawing/2014/main" id="{14558E53-75A3-4D2F-9D4A-B8018107D84F}"/>
+              </a:ext>
+            </a:extLst>
+          </p:cNvPr>
+          <p:cNvSpPr>
+            <a:spLocks noGrp="1"/>
+          </p:cNvSpPr>
+          <p:nvPr>
+            <p:ph type="title"/>
+          </p:nvPr>
+        </p:nvSpPr>
+        <p:spPr>
+          <a:xfrm>
+            <a:off x="1535402" y="850154"/>
+            <a:ext cx="8911687" cy="1028355"/>
+          </a:xfrm>
+        </p:spPr>
+        <p:txBody>
+          <a:bodyPr/>
+          <a:lstStyle/>
+          <a:p>
+            <a:pPr algn="ctr"/>
+            <a:r>
+              <a:rPr lang="zh-TW" altLang="en-US" dirty="0"/>
+              <a:t>工作分配</a:t>
+            </a:r>
+          </a:p>
+        </p:txBody>
+      </p:sp>
+      <p:sp>
+        <p:nvSpPr>
+          <p:cNvPr id="4" name="內容版面配置區 2">
+            <a:extLst>
+              <a:ext uri="{FF2B5EF4-FFF2-40B4-BE49-F238E27FC236}">
+                <a16:creationId xmlns:a16="http://schemas.microsoft.com/office/drawing/2014/main" id="{B07039EC-9EC7-4FAD-9AB4-F60541023F69}"/>
+              </a:ext>
+            </a:extLst>
+          </p:cNvPr>
+          <p:cNvSpPr txBox="1">
+            <a:spLocks/>
+          </p:cNvSpPr>
+          <p:nvPr/>
+        </p:nvSpPr>
+        <p:spPr>
+          <a:xfrm>
+            <a:off x="1362984" y="1882552"/>
+            <a:ext cx="10515599" cy="4351338"/>
+          </a:xfrm>
+          <a:prstGeom prst="rect">
+            <a:avLst/>
+          </a:prstGeom>
+        </p:spPr>
+        <p:txBody>
+          <a:bodyPr vert="horz" lIns="91440" tIns="45720" rIns="91440" bIns="45720" rtlCol="0">
+            <a:normAutofit/>
+          </a:bodyPr>
+          <a:lstStyle>
+            <a:lvl1pPr marL="228600" indent="-228600" algn="l" defTabSz="914400" rtl="0" eaLnBrk="1" latinLnBrk="0" hangingPunct="1">
+              <a:lnSpc>
+                <a:spcPct val="90000"/>
+              </a:lnSpc>
+              <a:spcBef>
+                <a:spcPts val="1000"/>
+              </a:spcBef>
+              <a:buFont typeface="Arial" panose="020B0604020202020204" pitchFamily="34" charset="0"/>
+              <a:buChar char="•"/>
+              <a:defRPr sz="2800" kern="1200">
+                <a:solidFill>
+                  <a:schemeClr val="tx1"/>
+                </a:solidFill>
+                <a:latin typeface="+mn-lt"/>
+                <a:ea typeface="+mn-ea"/>
+                <a:cs typeface="+mn-cs"/>
+              </a:defRPr>
+            </a:lvl1pPr>
+            <a:lvl2pPr marL="685800" indent="-228600" algn="l" defTabSz="914400" rtl="0" eaLnBrk="1" latinLnBrk="0" hangingPunct="1">
+              <a:lnSpc>
+                <a:spcPct val="90000"/>
+              </a:lnSpc>
+              <a:spcBef>
+                <a:spcPts val="500"/>
+              </a:spcBef>
+              <a:buFont typeface="Arial" panose="020B0604020202020204" pitchFamily="34" charset="0"/>
+              <a:buChar char="•"/>
+              <a:defRPr sz="2400" kern="1200">
+                <a:solidFill>
+                  <a:schemeClr val="tx1"/>
+                </a:solidFill>
+                <a:latin typeface="+mn-lt"/>
+                <a:ea typeface="+mn-ea"/>
+                <a:cs typeface="+mn-cs"/>
+              </a:defRPr>
+            </a:lvl2pPr>
+            <a:lvl3pPr marL="1143000" indent="-228600" algn="l" defTabSz="914400" rtl="0" eaLnBrk="1" latinLnBrk="0" hangingPunct="1">
+              <a:lnSpc>
+                <a:spcPct val="90000"/>
+              </a:lnSpc>
+              <a:spcBef>
+                <a:spcPts val="500"/>
+              </a:spcBef>
+              <a:buFont typeface="Arial" panose="020B0604020202020204" pitchFamily="34" charset="0"/>
+              <a:buChar char="•"/>
+              <a:defRPr sz="2000" kern="1200">
+                <a:solidFill>
+                  <a:schemeClr val="tx1"/>
+                </a:solidFill>
+                <a:latin typeface="+mn-lt"/>
+                <a:ea typeface="+mn-ea"/>
+                <a:cs typeface="+mn-cs"/>
+              </a:defRPr>
+            </a:lvl3pPr>
+            <a:lvl4pPr marL="1600200" indent="-228600" algn="l" defTabSz="914400" rtl="0" eaLnBrk="1" latinLnBrk="0" hangingPunct="1">
+              <a:lnSpc>
+                <a:spcPct val="90000"/>
+              </a:lnSpc>
+              <a:spcBef>
+                <a:spcPts val="500"/>
+              </a:spcBef>
+              <a:buFont typeface="Arial" panose="020B0604020202020204" pitchFamily="34" charset="0"/>
+              <a:buChar char="•"/>
+              <a:defRPr sz="1800" kern="1200">
+                <a:solidFill>
+                  <a:schemeClr val="tx1"/>
+                </a:solidFill>
+                <a:latin typeface="+mn-lt"/>
+                <a:ea typeface="+mn-ea"/>
+                <a:cs typeface="+mn-cs"/>
+              </a:defRPr>
+            </a:lvl4pPr>
+            <a:lvl5pPr marL="2057400" indent="-228600" algn="l" defTabSz="914400" rtl="0" eaLnBrk="1" latinLnBrk="0" hangingPunct="1">
+              <a:lnSpc>
+                <a:spcPct val="90000"/>
+              </a:lnSpc>
+              <a:spcBef>
+                <a:spcPts val="500"/>
+              </a:spcBef>
+              <a:buFont typeface="Arial" panose="020B0604020202020204" pitchFamily="34" charset="0"/>
+              <a:buChar char="•"/>
+              <a:defRPr sz="1800" kern="1200">
+                <a:solidFill>
+                  <a:schemeClr val="tx1"/>
+                </a:solidFill>
+                <a:latin typeface="+mn-lt"/>
+                <a:ea typeface="+mn-ea"/>
+                <a:cs typeface="+mn-cs"/>
+              </a:defRPr>
+            </a:lvl5pPr>
+            <a:lvl6pPr marL="2514600" indent="-228600" algn="l" defTabSz="914400" rtl="0" eaLnBrk="1" latinLnBrk="0" hangingPunct="1">
+              <a:lnSpc>
+                <a:spcPct val="90000"/>
+              </a:lnSpc>
+              <a:spcBef>
+                <a:spcPts val="500"/>
+              </a:spcBef>
+              <a:buFont typeface="Arial" panose="020B0604020202020204" pitchFamily="34" charset="0"/>
+              <a:buChar char="•"/>
+              <a:defRPr sz="1800" kern="1200">
+                <a:solidFill>
+                  <a:schemeClr val="tx1"/>
+                </a:solidFill>
+                <a:latin typeface="+mn-lt"/>
+                <a:ea typeface="+mn-ea"/>
+                <a:cs typeface="+mn-cs"/>
+              </a:defRPr>
+            </a:lvl6pPr>
+            <a:lvl7pPr marL="2971800" indent="-228600" algn="l" defTabSz="914400" rtl="0" eaLnBrk="1" latinLnBrk="0" hangingPunct="1">
+              <a:lnSpc>
+                <a:spcPct val="90000"/>
+              </a:lnSpc>
+              <a:spcBef>
+                <a:spcPts val="500"/>
+              </a:spcBef>
+              <a:buFont typeface="Arial" panose="020B0604020202020204" pitchFamily="34" charset="0"/>
+              <a:buChar char="•"/>
+              <a:defRPr sz="1800" kern="1200">
+                <a:solidFill>
+                  <a:schemeClr val="tx1"/>
+                </a:solidFill>
+                <a:latin typeface="+mn-lt"/>
+                <a:ea typeface="+mn-ea"/>
+                <a:cs typeface="+mn-cs"/>
+              </a:defRPr>
+            </a:lvl7pPr>
+            <a:lvl8pPr marL="3429000" indent="-228600" algn="l" defTabSz="914400" rtl="0" eaLnBrk="1" latinLnBrk="0" hangingPunct="1">
+              <a:lnSpc>
+                <a:spcPct val="90000"/>
+              </a:lnSpc>
+              <a:spcBef>
+                <a:spcPts val="500"/>
+              </a:spcBef>
+              <a:buFont typeface="Arial" panose="020B0604020202020204" pitchFamily="34" charset="0"/>
+              <a:buChar char="•"/>
+              <a:defRPr sz="1800" kern="1200">
+                <a:solidFill>
+                  <a:schemeClr val="tx1"/>
+                </a:solidFill>
+                <a:latin typeface="+mn-lt"/>
+                <a:ea typeface="+mn-ea"/>
+                <a:cs typeface="+mn-cs"/>
+              </a:defRPr>
+            </a:lvl8pPr>
+            <a:lvl9pPr marL="3886200" indent="-228600" algn="l" defTabSz="914400" rtl="0" eaLnBrk="1" latinLnBrk="0" hangingPunct="1">
+              <a:lnSpc>
+                <a:spcPct val="90000"/>
+              </a:lnSpc>
+              <a:spcBef>
+                <a:spcPts val="500"/>
+              </a:spcBef>
+              <a:buFont typeface="Arial" panose="020B0604020202020204" pitchFamily="34" charset="0"/>
+              <a:buChar char="•"/>
+              <a:defRPr sz="1800" kern="1200">
+                <a:solidFill>
+                  <a:schemeClr val="tx1"/>
+                </a:solidFill>
+                <a:latin typeface="+mn-lt"/>
+                <a:ea typeface="+mn-ea"/>
+                <a:cs typeface="+mn-cs"/>
+              </a:defRPr>
+            </a:lvl9pPr>
+          </a:lstStyle>
+          <a:p>
+            <a:pPr lvl="0"/>
+            <a:r>
+              <a:rPr lang="zh-TW" altLang="en-US" dirty="0">
+                <a:latin typeface="華康細明體" panose="02020309000000000000" pitchFamily="49" charset="-120"/>
+                <a:ea typeface="華康細明體" panose="02020309000000000000" pitchFamily="49" charset="-120"/>
+              </a:rPr>
+              <a:t>萬子謙：</a:t>
+            </a:r>
+            <a:r>
+              <a:rPr kumimoji="0" lang="zh-TW" altLang="en-US" sz="2800" b="0" i="0" u="none" strike="noStrike" kern="1200" cap="none" spc="0" normalizeH="0" baseline="0" noProof="0" dirty="0">
+                <a:ln>
+                  <a:noFill/>
+                </a:ln>
+                <a:effectLst/>
+                <a:uLnTx/>
+                <a:uFillTx/>
+                <a:latin typeface="華康細明體" panose="02020309000000000000" pitchFamily="49" charset="-120"/>
+                <a:ea typeface="華康細明體" panose="02020309000000000000" pitchFamily="49" charset="-120"/>
+                <a:cs typeface="+mn-cs"/>
+              </a:rPr>
+              <a:t>版本控制、修改</a:t>
+            </a:r>
+            <a:r>
+              <a:rPr kumimoji="0" lang="en-US" altLang="zh-TW" sz="2800" b="0" i="0" u="none" strike="noStrike" kern="1200" cap="none" spc="0" normalizeH="0" baseline="0" noProof="0" dirty="0">
+                <a:ln>
+                  <a:noFill/>
+                </a:ln>
+                <a:effectLst/>
+                <a:uLnTx/>
+                <a:uFillTx/>
+                <a:latin typeface="華康細明體" panose="02020309000000000000" pitchFamily="49" charset="-120"/>
+                <a:ea typeface="華康細明體" panose="02020309000000000000" pitchFamily="49" charset="-120"/>
+                <a:cs typeface="+mn-cs"/>
+              </a:rPr>
+              <a:t>OFDM</a:t>
+            </a:r>
+            <a:r>
+              <a:rPr kumimoji="0" lang="zh-TW" altLang="en-US" sz="2800" b="0" i="0" u="none" strike="noStrike" kern="1200" cap="none" spc="0" normalizeH="0" baseline="0" noProof="0" dirty="0">
+                <a:ln>
+                  <a:noFill/>
+                </a:ln>
+                <a:effectLst/>
+                <a:uLnTx/>
+                <a:uFillTx/>
+                <a:latin typeface="華康細明體" panose="02020309000000000000" pitchFamily="49" charset="-120"/>
+                <a:ea typeface="華康細明體" panose="02020309000000000000" pitchFamily="49" charset="-120"/>
+                <a:cs typeface="+mn-cs"/>
+              </a:rPr>
+              <a:t>同步程式、創建</a:t>
+            </a:r>
+            <a:r>
+              <a:rPr kumimoji="0" lang="en-US" altLang="zh-TW" sz="2800" b="0" i="0" u="none" strike="noStrike" kern="1200" cap="none" spc="0" normalizeH="0" baseline="0" noProof="0" dirty="0">
+                <a:ln>
+                  <a:noFill/>
+                </a:ln>
+                <a:effectLst/>
+                <a:uLnTx/>
+                <a:uFillTx/>
+                <a:latin typeface="華康細明體" panose="02020309000000000000" pitchFamily="49" charset="-120"/>
+                <a:ea typeface="華康細明體" panose="02020309000000000000" pitchFamily="49" charset="-120"/>
+                <a:cs typeface="+mn-cs"/>
+              </a:rPr>
+              <a:t>.mat</a:t>
+            </a:r>
+            <a:r>
+              <a:rPr kumimoji="0" lang="zh-TW" altLang="en-US" sz="2800" b="0" i="0" u="none" strike="noStrike" kern="1200" cap="none" spc="0" normalizeH="0" baseline="0" noProof="0" dirty="0">
+                <a:ln>
+                  <a:noFill/>
+                </a:ln>
+                <a:effectLst/>
+                <a:uLnTx/>
+                <a:uFillTx/>
+                <a:latin typeface="華康細明體" panose="02020309000000000000" pitchFamily="49" charset="-120"/>
+                <a:ea typeface="華康細明體" panose="02020309000000000000" pitchFamily="49" charset="-120"/>
+                <a:cs typeface="+mn-cs"/>
+              </a:rPr>
+              <a:t>使資料能被保存</a:t>
+            </a:r>
+            <a:endParaRPr kumimoji="0" lang="en-US" altLang="zh-TW" sz="2800" b="0" i="0" u="none" strike="noStrike" kern="1200" cap="none" spc="0" normalizeH="0" baseline="0" noProof="0" dirty="0">
+              <a:ln>
+                <a:noFill/>
+              </a:ln>
+              <a:effectLst/>
+              <a:uLnTx/>
+              <a:uFillTx/>
+              <a:latin typeface="華康細明體" panose="02020309000000000000" pitchFamily="49" charset="-120"/>
+              <a:ea typeface="華康細明體" panose="02020309000000000000" pitchFamily="49" charset="-120"/>
+              <a:cs typeface="+mn-cs"/>
+            </a:endParaRPr>
+          </a:p>
+          <a:p>
+            <a:pPr lvl="0"/>
+            <a:r>
+              <a:rPr lang="zh-TW" altLang="en-US" dirty="0">
+                <a:latin typeface="華康細明體" panose="02020309000000000000" pitchFamily="49" charset="-120"/>
+                <a:ea typeface="華康細明體" panose="02020309000000000000" pitchFamily="49" charset="-120"/>
+              </a:rPr>
+              <a:t>陳昱升：</a:t>
+            </a:r>
+            <a:r>
+              <a:rPr kumimoji="0" lang="zh-TW" altLang="en-US" sz="2800" b="0" i="0" u="none" strike="noStrike" kern="1200" cap="none" spc="0" normalizeH="0" baseline="0" noProof="0" dirty="0">
+                <a:ln>
+                  <a:noFill/>
+                </a:ln>
+                <a:effectLst/>
+                <a:uLnTx/>
+                <a:uFillTx/>
+                <a:latin typeface="華康細明體" panose="02020309000000000000" pitchFamily="49" charset="-120"/>
+                <a:ea typeface="華康細明體" panose="02020309000000000000" pitchFamily="49" charset="-120"/>
+                <a:cs typeface="+mn-cs"/>
+              </a:rPr>
+              <a:t>將</a:t>
+            </a:r>
+            <a:r>
+              <a:rPr kumimoji="0" lang="en-US" altLang="zh-TW" sz="2800" b="0" i="0" u="none" strike="noStrike" kern="1200" cap="none" spc="0" normalizeH="0" baseline="0" noProof="0" dirty="0" err="1">
+                <a:ln>
+                  <a:noFill/>
+                </a:ln>
+                <a:effectLst/>
+                <a:uLnTx/>
+                <a:uFillTx/>
+                <a:latin typeface="華康細明體" panose="02020309000000000000" pitchFamily="49" charset="-120"/>
+                <a:ea typeface="華康細明體" panose="02020309000000000000" pitchFamily="49" charset="-120"/>
+                <a:cs typeface="+mn-cs"/>
+              </a:rPr>
+              <a:t>Loop.m</a:t>
+            </a:r>
+            <a:r>
+              <a:rPr kumimoji="0" lang="zh-TW" altLang="en-US" sz="2800" b="0" i="0" u="none" strike="noStrike" kern="1200" cap="none" spc="0" normalizeH="0" baseline="0" noProof="0" dirty="0">
+                <a:ln>
+                  <a:noFill/>
+                </a:ln>
+                <a:effectLst/>
+                <a:uLnTx/>
+                <a:uFillTx/>
+                <a:latin typeface="華康細明體" panose="02020309000000000000" pitchFamily="49" charset="-120"/>
+                <a:ea typeface="華康細明體" panose="02020309000000000000" pitchFamily="49" charset="-120"/>
+                <a:cs typeface="+mn-cs"/>
+              </a:rPr>
+              <a:t>分成</a:t>
+            </a:r>
+            <a:r>
+              <a:rPr kumimoji="0" lang="en-US" altLang="zh-TW" sz="2800" b="0" i="0" u="none" strike="noStrike" kern="1200" cap="none" spc="0" normalizeH="0" baseline="0" noProof="0" dirty="0" err="1">
+                <a:ln>
+                  <a:noFill/>
+                </a:ln>
+                <a:effectLst/>
+                <a:uLnTx/>
+                <a:uFillTx/>
+                <a:latin typeface="華康細明體" panose="02020309000000000000" pitchFamily="49" charset="-120"/>
+                <a:ea typeface="華康細明體" panose="02020309000000000000" pitchFamily="49" charset="-120"/>
+                <a:cs typeface="+mn-cs"/>
+              </a:rPr>
+              <a:t>Tx.m</a:t>
+            </a:r>
+            <a:r>
+              <a:rPr kumimoji="0" lang="zh-TW" altLang="en-US" sz="2800" b="0" i="0" u="none" strike="noStrike" kern="1200" cap="none" spc="0" normalizeH="0" baseline="0" noProof="0" dirty="0">
+                <a:ln>
+                  <a:noFill/>
+                </a:ln>
+                <a:effectLst/>
+                <a:uLnTx/>
+                <a:uFillTx/>
+                <a:latin typeface="華康細明體" panose="02020309000000000000" pitchFamily="49" charset="-120"/>
+                <a:ea typeface="華康細明體" panose="02020309000000000000" pitchFamily="49" charset="-120"/>
+                <a:cs typeface="+mn-cs"/>
+              </a:rPr>
+              <a:t>與</a:t>
+            </a:r>
+            <a:r>
+              <a:rPr kumimoji="0" lang="en-US" altLang="zh-TW" sz="2800" b="0" i="0" u="none" strike="noStrike" kern="1200" cap="none" spc="0" normalizeH="0" baseline="0" noProof="0" dirty="0" err="1">
+                <a:ln>
+                  <a:noFill/>
+                </a:ln>
+                <a:effectLst/>
+                <a:uLnTx/>
+                <a:uFillTx/>
+                <a:latin typeface="華康細明體" panose="02020309000000000000" pitchFamily="49" charset="-120"/>
+                <a:ea typeface="華康細明體" panose="02020309000000000000" pitchFamily="49" charset="-120"/>
+                <a:cs typeface="+mn-cs"/>
+              </a:rPr>
+              <a:t>Rx.m</a:t>
+            </a:r>
+            <a:endParaRPr kumimoji="0" lang="en-US" altLang="zh-TW" sz="2800" b="0" i="0" u="none" strike="noStrike" kern="1200" cap="none" spc="0" normalizeH="0" baseline="0" noProof="0" dirty="0">
+              <a:ln>
+                <a:noFill/>
+              </a:ln>
+              <a:effectLst/>
+              <a:uLnTx/>
+              <a:uFillTx/>
+              <a:latin typeface="華康細明體" panose="02020309000000000000" pitchFamily="49" charset="-120"/>
+              <a:ea typeface="華康細明體" panose="02020309000000000000" pitchFamily="49" charset="-120"/>
+              <a:cs typeface="+mn-cs"/>
+            </a:endParaRPr>
+          </a:p>
+          <a:p>
+            <a:pPr lvl="0"/>
+            <a:r>
+              <a:rPr lang="zh-TW" altLang="en-US" dirty="0">
+                <a:latin typeface="華康細明體" panose="02020309000000000000" pitchFamily="49" charset="-120"/>
+                <a:ea typeface="華康細明體" panose="02020309000000000000" pitchFamily="49" charset="-120"/>
+              </a:rPr>
+              <a:t>陳軍銓：</a:t>
+            </a:r>
+            <a:r>
+              <a:rPr kumimoji="0" lang="zh-TW" altLang="en-US" sz="2800" b="0" i="0" u="none" strike="noStrike" kern="1200" cap="none" spc="0" normalizeH="0" baseline="0" noProof="0" dirty="0">
+                <a:ln>
+                  <a:noFill/>
+                </a:ln>
+                <a:effectLst/>
+                <a:uLnTx/>
+                <a:uFillTx/>
+                <a:latin typeface="華康細明體" panose="02020309000000000000" pitchFamily="49" charset="-120"/>
+                <a:ea typeface="華康細明體" panose="02020309000000000000" pitchFamily="49" charset="-120"/>
+                <a:cs typeface="+mn-cs"/>
+              </a:rPr>
+              <a:t>新增</a:t>
+            </a:r>
+            <a:r>
+              <a:rPr kumimoji="0" lang="en-US" altLang="zh-TW" sz="2800" b="0" i="0" u="none" strike="noStrike" kern="1200" cap="none" spc="0" normalizeH="0" baseline="0" noProof="0" dirty="0" err="1">
+                <a:ln>
+                  <a:noFill/>
+                </a:ln>
+                <a:effectLst/>
+                <a:uLnTx/>
+                <a:uFillTx/>
+                <a:latin typeface="華康細明體" panose="02020309000000000000" pitchFamily="49" charset="-120"/>
+                <a:ea typeface="華康細明體" panose="02020309000000000000" pitchFamily="49" charset="-120"/>
+                <a:cs typeface="+mn-cs"/>
+              </a:rPr>
+              <a:t>BER.m</a:t>
+            </a:r>
+            <a:r>
+              <a:rPr kumimoji="0" lang="zh-TW" altLang="en-US" sz="2800" b="0" i="0" u="none" strike="noStrike" kern="1200" cap="none" spc="0" normalizeH="0" baseline="0" noProof="0" dirty="0">
+                <a:ln>
+                  <a:noFill/>
+                </a:ln>
+                <a:effectLst/>
+                <a:uLnTx/>
+                <a:uFillTx/>
+                <a:latin typeface="華康細明體" panose="02020309000000000000" pitchFamily="49" charset="-120"/>
+                <a:ea typeface="華康細明體" panose="02020309000000000000" pitchFamily="49" charset="-120"/>
+                <a:cs typeface="+mn-cs"/>
+              </a:rPr>
+              <a:t>、新增</a:t>
+            </a:r>
+            <a:r>
+              <a:rPr kumimoji="0" lang="en-US" altLang="zh-TW" sz="2800" b="0" i="0" u="none" strike="noStrike" kern="1200" cap="none" spc="0" normalizeH="0" baseline="0" noProof="0" dirty="0" err="1">
+                <a:ln>
+                  <a:noFill/>
+                </a:ln>
+                <a:effectLst/>
+                <a:uLnTx/>
+                <a:uFillTx/>
+                <a:latin typeface="華康細明體" panose="02020309000000000000" pitchFamily="49" charset="-120"/>
+                <a:ea typeface="華康細明體" panose="02020309000000000000" pitchFamily="49" charset="-120"/>
+                <a:cs typeface="+mn-cs"/>
+              </a:rPr>
+              <a:t>DataAnalysis.m</a:t>
+            </a:r>
+            <a:r>
+              <a:rPr kumimoji="0" lang="zh-TW" altLang="en-US" sz="2800" b="0" i="0" u="none" strike="noStrike" kern="1200" cap="none" spc="0" normalizeH="0" baseline="0" noProof="0" dirty="0">
+                <a:ln>
+                  <a:noFill/>
+                </a:ln>
+                <a:effectLst/>
+                <a:uLnTx/>
+                <a:uFillTx/>
+                <a:latin typeface="華康細明體" panose="02020309000000000000" pitchFamily="49" charset="-120"/>
+                <a:ea typeface="華康細明體" panose="02020309000000000000" pitchFamily="49" charset="-120"/>
+                <a:cs typeface="+mn-cs"/>
+              </a:rPr>
+              <a:t>、新增</a:t>
+            </a:r>
+            <a:r>
+              <a:rPr kumimoji="0" lang="en-US" altLang="zh-TW" sz="2800" b="0" i="0" u="none" strike="noStrike" kern="1200" cap="none" spc="0" normalizeH="0" baseline="0" noProof="0" dirty="0" err="1">
+                <a:ln>
+                  <a:noFill/>
+                </a:ln>
+                <a:effectLst/>
+                <a:uLnTx/>
+                <a:uFillTx/>
+                <a:latin typeface="華康細明體" panose="02020309000000000000" pitchFamily="49" charset="-120"/>
+                <a:ea typeface="華康細明體" panose="02020309000000000000" pitchFamily="49" charset="-120"/>
+                <a:cs typeface="+mn-cs"/>
+              </a:rPr>
+              <a:t>figplusfig.m</a:t>
+            </a:r>
+            <a:endParaRPr kumimoji="0" lang="en-US" altLang="zh-TW" sz="2800" b="0" i="0" u="none" strike="noStrike" kern="1200" cap="none" spc="0" normalizeH="0" baseline="0" noProof="0" dirty="0">
+              <a:ln>
+                <a:noFill/>
+              </a:ln>
+              <a:effectLst/>
+              <a:uLnTx/>
+              <a:uFillTx/>
+              <a:latin typeface="華康細明體" panose="02020309000000000000" pitchFamily="49" charset="-120"/>
+              <a:ea typeface="華康細明體" panose="02020309000000000000" pitchFamily="49" charset="-120"/>
+              <a:cs typeface="+mn-cs"/>
+            </a:endParaRPr>
+          </a:p>
+          <a:p>
+            <a:pPr lvl="0"/>
+            <a:r>
+              <a:rPr lang="zh-TW" altLang="en-US" dirty="0">
+                <a:latin typeface="華康細明體" panose="02020309000000000000" pitchFamily="49" charset="-120"/>
+                <a:ea typeface="華康細明體" panose="02020309000000000000" pitchFamily="49" charset="-120"/>
+              </a:rPr>
+              <a:t>陳建霖：</a:t>
+            </a:r>
+            <a:r>
+              <a:rPr kumimoji="0" lang="en-US" altLang="zh-TW" sz="2800" b="0" i="0" u="none" strike="noStrike" kern="1200" cap="none" spc="0" normalizeH="0" baseline="0" noProof="0" dirty="0">
+                <a:ln>
+                  <a:noFill/>
+                </a:ln>
+                <a:effectLst/>
+                <a:uLnTx/>
+                <a:uFillTx/>
+                <a:latin typeface="華康細明體" panose="02020309000000000000" pitchFamily="49" charset="-120"/>
+                <a:ea typeface="華康細明體" panose="02020309000000000000" pitchFamily="49" charset="-120"/>
+                <a:cs typeface="+mn-cs"/>
+              </a:rPr>
+              <a:t>SDR</a:t>
+            </a:r>
+            <a:r>
+              <a:rPr kumimoji="0" lang="zh-TW" altLang="en-US" sz="2800" b="0" i="0" u="none" strike="noStrike" kern="1200" cap="none" spc="0" normalizeH="0" baseline="0" noProof="0" dirty="0">
+                <a:ln>
+                  <a:noFill/>
+                </a:ln>
+                <a:effectLst/>
+                <a:uLnTx/>
+                <a:uFillTx/>
+                <a:latin typeface="華康細明體" panose="02020309000000000000" pitchFamily="49" charset="-120"/>
+                <a:ea typeface="華康細明體" panose="02020309000000000000" pitchFamily="49" charset="-120"/>
+                <a:cs typeface="+mn-cs"/>
+              </a:rPr>
+              <a:t>資料查詢、</a:t>
+            </a:r>
+            <a:r>
+              <a:rPr kumimoji="0" lang="en-US" altLang="zh-TW" sz="2800" b="0" i="0" u="none" strike="noStrike" kern="1200" cap="none" spc="0" normalizeH="0" baseline="0" noProof="0" dirty="0">
+                <a:ln>
+                  <a:noFill/>
+                </a:ln>
+                <a:effectLst/>
+                <a:uLnTx/>
+                <a:uFillTx/>
+                <a:latin typeface="華康細明體" panose="02020309000000000000" pitchFamily="49" charset="-120"/>
+                <a:ea typeface="華康細明體" panose="02020309000000000000" pitchFamily="49" charset="-120"/>
+                <a:cs typeface="+mn-cs"/>
+              </a:rPr>
+              <a:t>OFDM</a:t>
+            </a:r>
+            <a:r>
+              <a:rPr kumimoji="0" lang="zh-TW" altLang="en-US" sz="2800" b="0" i="0" u="none" strike="noStrike" kern="1200" cap="none" spc="0" normalizeH="0" baseline="0" noProof="0" dirty="0">
+                <a:ln>
+                  <a:noFill/>
+                </a:ln>
+                <a:effectLst/>
+                <a:uLnTx/>
+                <a:uFillTx/>
+                <a:latin typeface="華康細明體" panose="02020309000000000000" pitchFamily="49" charset="-120"/>
+                <a:ea typeface="華康細明體" panose="02020309000000000000" pitchFamily="49" charset="-120"/>
+                <a:cs typeface="+mn-cs"/>
+              </a:rPr>
+              <a:t>資料查詢</a:t>
+            </a:r>
+            <a:endParaRPr kumimoji="0" lang="en-US" altLang="zh-TW" sz="2800" b="0" i="0" u="none" strike="noStrike" kern="1200" cap="none" spc="0" normalizeH="0" baseline="0" noProof="0" dirty="0">
+              <a:ln>
+                <a:noFill/>
+              </a:ln>
+              <a:effectLst/>
+              <a:uLnTx/>
+              <a:uFillTx/>
+              <a:latin typeface="華康細明體" panose="02020309000000000000" pitchFamily="49" charset="-120"/>
+              <a:ea typeface="華康細明體" panose="02020309000000000000" pitchFamily="49" charset="-120"/>
+              <a:cs typeface="+mn-cs"/>
+            </a:endParaRPr>
+          </a:p>
+          <a:p>
+            <a:pPr lvl="0"/>
+            <a:r>
+              <a:rPr lang="zh-TW" altLang="en-US" dirty="0">
+                <a:latin typeface="華康細明體" panose="02020309000000000000" pitchFamily="49" charset="-120"/>
+                <a:ea typeface="華康細明體" panose="02020309000000000000" pitchFamily="49" charset="-120"/>
+              </a:rPr>
+              <a:t>姚辰彥：</a:t>
+            </a:r>
+            <a:endParaRPr lang="en-US" altLang="zh-TW" dirty="0">
+              <a:latin typeface="華康細明體" panose="02020309000000000000" pitchFamily="49" charset="-120"/>
+              <a:ea typeface="華康細明體" panose="02020309000000000000" pitchFamily="49" charset="-120"/>
+            </a:endParaRPr>
+          </a:p>
+          <a:p>
+            <a:r>
+              <a:rPr lang="zh-TW" altLang="en-US" dirty="0">
+                <a:latin typeface="華康細明體" panose="02020309000000000000" pitchFamily="49" charset="-120"/>
+                <a:ea typeface="華康細明體" panose="02020309000000000000" pitchFamily="49" charset="-120"/>
+              </a:rPr>
+              <a:t>卓家葳：</a:t>
+            </a:r>
+            <a:endParaRPr lang="en-US" altLang="zh-TW" sz="4000" dirty="0">
+              <a:latin typeface="華康細明體" panose="02020309000000000000" pitchFamily="49" charset="-120"/>
+              <a:ea typeface="華康細明體" panose="02020309000000000000" pitchFamily="49" charset="-120"/>
+            </a:endParaRPr>
+          </a:p>
+          <a:p>
+            <a:pPr lvl="0"/>
+            <a:endParaRPr kumimoji="0" lang="en-US" altLang="zh-TW" sz="2800" b="0" i="0" u="none" strike="noStrike" kern="1200" cap="none" spc="0" normalizeH="0" baseline="0" noProof="0" dirty="0">
+              <a:ln>
+                <a:noFill/>
+              </a:ln>
+              <a:effectLst/>
+              <a:uLnTx/>
+              <a:uFillTx/>
+              <a:latin typeface="華康細明體" panose="02020309000000000000" pitchFamily="49" charset="-120"/>
+              <a:ea typeface="華康細明體" panose="02020309000000000000" pitchFamily="49" charset="-120"/>
+              <a:cs typeface="+mn-cs"/>
+            </a:endParaRPr>
+          </a:p>
+          <a:p>
+            <a:pPr marL="0" marR="0" lvl="0" indent="0" algn="l" defTabSz="914400" rtl="0" eaLnBrk="1" fontAlgn="auto" latinLnBrk="0" hangingPunct="1">
+              <a:lnSpc>
+                <a:spcPct val="90000"/>
+              </a:lnSpc>
+              <a:spcBef>
+                <a:spcPts val="1000"/>
+              </a:spcBef>
+              <a:spcAft>
+                <a:spcPts val="0"/>
+              </a:spcAft>
+              <a:buClrTx/>
+              <a:buSzTx/>
+              <a:buFont typeface="Arial" panose="020B0604020202020204" pitchFamily="34" charset="0"/>
+              <a:buNone/>
+              <a:tabLst/>
+              <a:defRPr/>
+            </a:pPr>
+            <a:endParaRPr kumimoji="0" lang="en-US" altLang="zh-TW" sz="2800" b="0" i="0" u="none" strike="noStrike" kern="1200" cap="none" spc="0" normalizeH="0" baseline="0" noProof="0" dirty="0">
+              <a:ln>
+                <a:noFill/>
+              </a:ln>
+              <a:solidFill>
+                <a:sysClr val="window" lastClr="FFFFFF"/>
+              </a:solidFill>
+              <a:effectLst/>
+              <a:uLnTx/>
+              <a:uFillTx/>
+              <a:latin typeface="華康細明體" panose="02020309000000000000" pitchFamily="49" charset="-120"/>
+              <a:ea typeface="華康細明體" panose="02020309000000000000" pitchFamily="49" charset="-120"/>
+              <a:cs typeface="+mn-cs"/>
+            </a:endParaRPr>
+          </a:p>
+          <a:p>
+            <a:pPr marL="228600" marR="0" lvl="0" indent="-228600" algn="l" defTabSz="914400" rtl="0" eaLnBrk="1" fontAlgn="auto" latinLnBrk="0" hangingPunct="1">
+              <a:lnSpc>
+                <a:spcPct val="90000"/>
+              </a:lnSpc>
+              <a:spcBef>
+                <a:spcPts val="1000"/>
+              </a:spcBef>
+              <a:spcAft>
+                <a:spcPts val="0"/>
+              </a:spcAft>
+              <a:buClrTx/>
+              <a:buSzTx/>
+              <a:buFont typeface="Arial" panose="020B0604020202020204" pitchFamily="34" charset="0"/>
+              <a:buChar char="•"/>
+              <a:tabLst/>
+              <a:defRPr/>
+            </a:pPr>
+            <a:endParaRPr kumimoji="0" lang="zh-TW" altLang="en-US" sz="2800" b="0" i="0" u="none" strike="noStrike" kern="1200" cap="none" spc="0" normalizeH="0" baseline="0" noProof="0" dirty="0">
+              <a:ln>
+                <a:noFill/>
+              </a:ln>
+              <a:solidFill>
+                <a:sysClr val="window" lastClr="FFFFFF"/>
+              </a:solidFill>
+              <a:effectLst/>
+              <a:uLnTx/>
+              <a:uFillTx/>
+              <a:latin typeface="華康細明體" panose="02020309000000000000" pitchFamily="49" charset="-120"/>
+              <a:ea typeface="華康細明體" panose="02020309000000000000" pitchFamily="49" charset="-120"/>
+              <a:cs typeface="+mn-cs"/>
+            </a:endParaRPr>
+          </a:p>
+        </p:txBody>
+      </p:sp>
+    </p:spTree>
+    <p:extLst>
+      <p:ext uri="{BB962C8B-B14F-4D97-AF65-F5344CB8AC3E}">
+        <p14:creationId xmlns:p14="http://schemas.microsoft.com/office/powerpoint/2010/main" val="4075123792"/>
+      </p:ext>
+    </p:extLst>
+  </p:cSld>
+  <p:clrMapOvr>
+    <a:masterClrMapping/>
+  </p:clrMapOvr>
+</p:sld>
+</file>
+
+<file path=ppt/slides/slide12.xml><?xml version="1.0" encoding="utf-8"?>
+<p:sld xmlns:a="http://schemas.openxmlformats.org/drawingml/2006/main" xmlns:r="http://schemas.openxmlformats.org/officeDocument/2006/relationships" xmlns:p="http://schemas.openxmlformats.org/presentationml/2006/main">
+  <p:cSld>
+    <p:spTree>
+      <p:nvGrpSpPr>
+        <p:cNvPr id="1" name=""/>
+        <p:cNvGrpSpPr/>
+        <p:nvPr/>
+      </p:nvGrpSpPr>
+      <p:grpSpPr>
+        <a:xfrm>
+          <a:off x="0" y="0"/>
+          <a:ext cx="0" cy="0"/>
+          <a:chOff x="0" y="0"/>
+          <a:chExt cx="0" cy="0"/>
+        </a:xfrm>
+      </p:grpSpPr>
+      <p:sp>
+        <p:nvSpPr>
+          <p:cNvPr id="2" name="標題 1">
+            <a:extLst>
+              <a:ext uri="{FF2B5EF4-FFF2-40B4-BE49-F238E27FC236}">
+                <a16:creationId xmlns:a16="http://schemas.microsoft.com/office/drawing/2014/main" id="{7519CD9A-B76F-4074-94C2-35AF2002A6BC}"/>
+              </a:ext>
+            </a:extLst>
+          </p:cNvPr>
+          <p:cNvSpPr>
+            <a:spLocks noGrp="1"/>
+          </p:cNvSpPr>
+          <p:nvPr>
+            <p:ph type="title"/>
+          </p:nvPr>
+        </p:nvSpPr>
+        <p:spPr/>
+        <p:txBody>
+          <a:bodyPr/>
+          <a:lstStyle/>
+          <a:p>
+            <a:pPr algn="ctr"/>
+            <a:r>
+              <a:rPr lang="zh-TW" altLang="en-US" dirty="0"/>
+              <a:t>參考文獻</a:t>
+            </a:r>
+          </a:p>
+        </p:txBody>
+      </p:sp>
+      <p:sp>
+        <p:nvSpPr>
+          <p:cNvPr id="3" name="內容版面配置區 2">
+            <a:extLst>
+              <a:ext uri="{FF2B5EF4-FFF2-40B4-BE49-F238E27FC236}">
+                <a16:creationId xmlns:a16="http://schemas.microsoft.com/office/drawing/2014/main" id="{8799FAF0-3302-4057-A5AC-168277815AB8}"/>
+              </a:ext>
+            </a:extLst>
+          </p:cNvPr>
+          <p:cNvSpPr>
+            <a:spLocks noGrp="1"/>
+          </p:cNvSpPr>
+          <p:nvPr>
+            <p:ph idx="1"/>
+          </p:nvPr>
+        </p:nvSpPr>
+        <p:spPr/>
+        <p:txBody>
+          <a:bodyPr/>
+          <a:lstStyle/>
+          <a:p>
+            <a:endParaRPr lang="zh-TW" altLang="en-US"/>
+          </a:p>
+        </p:txBody>
+      </p:sp>
+    </p:spTree>
+    <p:extLst>
+      <p:ext uri="{BB962C8B-B14F-4D97-AF65-F5344CB8AC3E}">
+        <p14:creationId xmlns:p14="http://schemas.microsoft.com/office/powerpoint/2010/main" val="4107749069"/>
+      </p:ext>
+    </p:extLst>
+  </p:cSld>
+  <p:clrMapOvr>
+    <a:masterClrMapping/>
+  </p:clrMapOvr>
+</p:sld>
+</file>
+
+<file path=ppt/slides/slide13.xml><?xml version="1.0" encoding="utf-8"?>
+<p:sld xmlns:a="http://schemas.openxmlformats.org/drawingml/2006/main" xmlns:r="http://schemas.openxmlformats.org/officeDocument/2006/relationships" xmlns:p="http://schemas.openxmlformats.org/presentationml/2006/main">
+  <p:cSld>
+    <p:spTree>
+      <p:nvGrpSpPr>
+        <p:cNvPr id="1" name=""/>
+        <p:cNvGrpSpPr/>
+        <p:nvPr/>
+      </p:nvGrpSpPr>
+      <p:grpSpPr>
+        <a:xfrm>
+          <a:off x="0" y="0"/>
+          <a:ext cx="0" cy="0"/>
+          <a:chOff x="0" y="0"/>
+          <a:chExt cx="0" cy="0"/>
+        </a:xfrm>
+      </p:grpSpPr>
+      <p:sp>
+        <p:nvSpPr>
+          <p:cNvPr id="2" name="標題 1">
+            <a:extLst>
+              <a:ext uri="{FF2B5EF4-FFF2-40B4-BE49-F238E27FC236}">
+                <a16:creationId xmlns:a16="http://schemas.microsoft.com/office/drawing/2014/main" id="{C35C608C-784B-4B0E-8728-FC6EF91BC996}"/>
+              </a:ext>
+            </a:extLst>
+          </p:cNvPr>
+          <p:cNvSpPr>
+            <a:spLocks noGrp="1"/>
+          </p:cNvSpPr>
+          <p:nvPr>
+            <p:ph type="title"/>
+          </p:nvPr>
+        </p:nvSpPr>
+        <p:spPr/>
+        <p:txBody>
+          <a:bodyPr/>
+          <a:lstStyle/>
+          <a:p>
+            <a:pPr algn="ctr"/>
+            <a:r>
+              <a:rPr lang="zh-TW" altLang="en-US" dirty="0">
+                <a:solidFill>
+                  <a:schemeClr val="tx1"/>
+                </a:solidFill>
+              </a:rPr>
+              <a:t>參考文獻</a:t>
+            </a:r>
+          </a:p>
+        </p:txBody>
+      </p:sp>
+      <p:sp>
+        <p:nvSpPr>
+          <p:cNvPr id="3" name="內容版面配置區 2">
+            <a:extLst>
+              <a:ext uri="{FF2B5EF4-FFF2-40B4-BE49-F238E27FC236}">
+                <a16:creationId xmlns:a16="http://schemas.microsoft.com/office/drawing/2014/main" id="{DE5E4C15-3957-47E3-AE62-C3DDF5977B2B}"/>
+              </a:ext>
+            </a:extLst>
+          </p:cNvPr>
+          <p:cNvSpPr>
+            <a:spLocks noGrp="1"/>
+          </p:cNvSpPr>
+          <p:nvPr>
+            <p:ph idx="1"/>
+          </p:nvPr>
+        </p:nvSpPr>
+        <p:spPr/>
+        <p:txBody>
+          <a:bodyPr/>
+          <a:lstStyle/>
+          <a:p>
+            <a:endParaRPr lang="zh-TW" altLang="en-US"/>
+          </a:p>
+        </p:txBody>
+      </p:sp>
+    </p:spTree>
+    <p:extLst>
+      <p:ext uri="{BB962C8B-B14F-4D97-AF65-F5344CB8AC3E}">
+        <p14:creationId xmlns:p14="http://schemas.microsoft.com/office/powerpoint/2010/main" val="174598232"/>
+      </p:ext>
+    </p:extLst>
+  </p:cSld>
+  <p:clrMapOvr>
+    <a:masterClrMapping/>
+  </p:clrMapOvr>
+</p:sld>
+</file>
+
+<file path=ppt/slides/slide14.xml><?xml version="1.0" encoding="utf-8"?>
+<p:sld xmlns:a="http://schemas.openxmlformats.org/drawingml/2006/main" xmlns:r="http://schemas.openxmlformats.org/officeDocument/2006/relationships" xmlns:p="http://schemas.openxmlformats.org/presentationml/2006/main">
+  <p:cSld>
+    <p:spTree>
+      <p:nvGrpSpPr>
+        <p:cNvPr id="1" name=""/>
+        <p:cNvGrpSpPr/>
+        <p:nvPr/>
+      </p:nvGrpSpPr>
+      <p:grpSpPr>
+        <a:xfrm>
+          <a:off x="0" y="0"/>
+          <a:ext cx="0" cy="0"/>
+          <a:chOff x="0" y="0"/>
+          <a:chExt cx="0" cy="0"/>
+        </a:xfrm>
+      </p:grpSpPr>
+      <p:sp>
+        <p:nvSpPr>
+          <p:cNvPr id="2" name="標題 1">
+            <a:extLst>
+              <a:ext uri="{FF2B5EF4-FFF2-40B4-BE49-F238E27FC236}">
+                <a16:creationId xmlns:a16="http://schemas.microsoft.com/office/drawing/2014/main" id="{14069461-CC19-42E6-9E3E-706E14367AB2}"/>
+              </a:ext>
+            </a:extLst>
+          </p:cNvPr>
+          <p:cNvSpPr>
+            <a:spLocks noGrp="1"/>
+          </p:cNvSpPr>
+          <p:nvPr>
+            <p:ph type="title"/>
+          </p:nvPr>
+        </p:nvSpPr>
+        <p:spPr/>
+        <p:txBody>
+          <a:bodyPr/>
+          <a:lstStyle/>
+          <a:p>
+            <a:r>
+              <a:rPr lang="zh-TW" altLang="en-US" dirty="0"/>
+              <a:t>提問環節</a:t>
+            </a:r>
+          </a:p>
+        </p:txBody>
+      </p:sp>
+      <p:sp>
+        <p:nvSpPr>
+          <p:cNvPr id="3" name="內容版面配置區 2">
+            <a:extLst>
+              <a:ext uri="{FF2B5EF4-FFF2-40B4-BE49-F238E27FC236}">
+                <a16:creationId xmlns:a16="http://schemas.microsoft.com/office/drawing/2014/main" id="{75E3D2E2-5B0B-4CDD-9516-CD2B42B5609F}"/>
+              </a:ext>
+            </a:extLst>
+          </p:cNvPr>
+          <p:cNvSpPr>
+            <a:spLocks noGrp="1"/>
+          </p:cNvSpPr>
+          <p:nvPr>
+            <p:ph idx="1"/>
+          </p:nvPr>
+        </p:nvSpPr>
+        <p:spPr/>
+        <p:txBody>
+          <a:bodyPr/>
+          <a:lstStyle/>
+          <a:p>
+            <a:endParaRPr lang="zh-TW" altLang="en-US" dirty="0"/>
+          </a:p>
+        </p:txBody>
+      </p:sp>
+    </p:spTree>
+    <p:extLst>
+      <p:ext uri="{BB962C8B-B14F-4D97-AF65-F5344CB8AC3E}">
+        <p14:creationId xmlns:p14="http://schemas.microsoft.com/office/powerpoint/2010/main" val="3451663621"/>
+      </p:ext>
+    </p:extLst>
+  </p:cSld>
+  <p:clrMapOvr>
+    <a:masterClrMapping/>
+  </p:clrMapOvr>
+</p:sld>
+</file>
+
 <file path=ppt/slides/slide2.xml><?xml version="1.0" encoding="utf-8"?>
 <p:sld xmlns:a="http://schemas.openxmlformats.org/drawingml/2006/main" xmlns:r="http://schemas.openxmlformats.org/officeDocument/2006/relationships" xmlns:p="http://schemas.openxmlformats.org/presentationml/2006/main">
   <p:cSld>
@@ -10973,7 +14616,7 @@
           <p:cNvPr id="2" name="標題 1">
             <a:extLst>
               <a:ext uri="{FF2B5EF4-FFF2-40B4-BE49-F238E27FC236}">
-                <a16:creationId xmlns:a16="http://schemas.microsoft.com/office/drawing/2014/main" id="{ADA4FF88-8FD6-5435-2600-DF95F6658CBC}"/>
+                <a16:creationId xmlns:a16="http://schemas.microsoft.com/office/drawing/2014/main" id="{0990F1C9-0589-453B-9297-D54572485D96}"/>
               </a:ext>
             </a:extLst>
           </p:cNvPr>
@@ -10986,70 +14629,822 @@
         </p:nvSpPr>
         <p:spPr>
           <a:xfrm>
-            <a:off x="1640156" y="558796"/>
+            <a:off x="1558407" y="449182"/>
             <a:ext cx="8911687" cy="1280890"/>
-          </a:xfrm>
-        </p:spPr>
-        <p:txBody>
-          <a:bodyPr>
-            <a:normAutofit/>
-          </a:bodyPr>
-          <a:lstStyle/>
-          <a:p>
-            <a:r>
-              <a:rPr lang="zh-TW" altLang="en-US" sz="4800" dirty="0">
-                <a:latin typeface="華康POP1體W7" panose="040B0709000000000000" pitchFamily="81" charset="-120"/>
-                <a:ea typeface="華康POP1體W7" panose="040B0709000000000000" pitchFamily="81" charset="-120"/>
-              </a:rPr>
-              <a:t>目錄</a:t>
-            </a:r>
-          </a:p>
-        </p:txBody>
-      </p:sp>
-      <p:sp>
-        <p:nvSpPr>
-          <p:cNvPr id="3" name="內容版面配置區 2">
-            <a:extLst>
-              <a:ext uri="{FF2B5EF4-FFF2-40B4-BE49-F238E27FC236}">
-                <a16:creationId xmlns:a16="http://schemas.microsoft.com/office/drawing/2014/main" id="{4879E497-3994-6770-DFF6-1F255435786D}"/>
-              </a:ext>
-            </a:extLst>
-          </p:cNvPr>
-          <p:cNvSpPr>
-            <a:spLocks noGrp="1"/>
-          </p:cNvSpPr>
-          <p:nvPr>
-            <p:ph idx="1"/>
-          </p:nvPr>
-        </p:nvSpPr>
-        <p:spPr>
-          <a:xfrm>
-            <a:off x="1640156" y="1604865"/>
-            <a:ext cx="9864456" cy="4306357"/>
           </a:xfrm>
         </p:spPr>
         <p:txBody>
           <a:bodyPr/>
           <a:lstStyle/>
           <a:p>
-            <a:r>
-              <a:rPr lang="en-US" altLang="zh-TW" dirty="0"/>
-              <a:t>1.</a:t>
-            </a:r>
-          </a:p>
-          <a:p>
-            <a:r>
-              <a:rPr lang="en-US" altLang="zh-TW" dirty="0"/>
-              <a:t>2.</a:t>
-            </a:r>
-            <a:endParaRPr lang="zh-TW" altLang="en-US" dirty="0"/>
+            <a:pPr algn="ctr"/>
+            <a:r>
+              <a:rPr lang="zh-TW" altLang="en-US" dirty="0">
+                <a:solidFill>
+                  <a:schemeClr val="tx1"/>
+                </a:solidFill>
+              </a:rPr>
+              <a:t>目錄</a:t>
+            </a:r>
+          </a:p>
+        </p:txBody>
+      </p:sp>
+      <p:sp>
+        <p:nvSpPr>
+          <p:cNvPr id="4" name="內容版面配置區 2">
+            <a:extLst>
+              <a:ext uri="{FF2B5EF4-FFF2-40B4-BE49-F238E27FC236}">
+                <a16:creationId xmlns:a16="http://schemas.microsoft.com/office/drawing/2014/main" id="{746561B9-57D6-451A-A058-EF1D9A86CC2E}"/>
+              </a:ext>
+            </a:extLst>
+          </p:cNvPr>
+          <p:cNvSpPr txBox="1">
+            <a:spLocks/>
+          </p:cNvSpPr>
+          <p:nvPr/>
+        </p:nvSpPr>
+        <p:spPr>
+          <a:xfrm>
+            <a:off x="1558407" y="1431533"/>
+            <a:ext cx="9740317" cy="5103812"/>
+          </a:xfrm>
+          <a:prstGeom prst="rect">
+            <a:avLst/>
+          </a:prstGeom>
+        </p:spPr>
+        <p:txBody>
+          <a:bodyPr vert="horz" lIns="91440" tIns="45720" rIns="91440" bIns="45720" rtlCol="0">
+            <a:normAutofit/>
+          </a:bodyPr>
+          <a:lstStyle>
+            <a:lvl1pPr marL="228600" indent="-228600" algn="l" defTabSz="914400" rtl="0" eaLnBrk="1" latinLnBrk="0" hangingPunct="1">
+              <a:lnSpc>
+                <a:spcPct val="90000"/>
+              </a:lnSpc>
+              <a:spcBef>
+                <a:spcPts val="1000"/>
+              </a:spcBef>
+              <a:buFont typeface="Arial" panose="020B0604020202020204" pitchFamily="34" charset="0"/>
+              <a:buChar char="•"/>
+              <a:defRPr sz="2800" kern="1200">
+                <a:solidFill>
+                  <a:schemeClr val="tx1"/>
+                </a:solidFill>
+                <a:latin typeface="+mn-lt"/>
+                <a:ea typeface="+mn-ea"/>
+                <a:cs typeface="+mn-cs"/>
+              </a:defRPr>
+            </a:lvl1pPr>
+            <a:lvl2pPr marL="685800" indent="-228600" algn="l" defTabSz="914400" rtl="0" eaLnBrk="1" latinLnBrk="0" hangingPunct="1">
+              <a:lnSpc>
+                <a:spcPct val="90000"/>
+              </a:lnSpc>
+              <a:spcBef>
+                <a:spcPts val="500"/>
+              </a:spcBef>
+              <a:buFont typeface="Arial" panose="020B0604020202020204" pitchFamily="34" charset="0"/>
+              <a:buChar char="•"/>
+              <a:defRPr sz="2400" kern="1200">
+                <a:solidFill>
+                  <a:schemeClr val="tx1"/>
+                </a:solidFill>
+                <a:latin typeface="+mn-lt"/>
+                <a:ea typeface="+mn-ea"/>
+                <a:cs typeface="+mn-cs"/>
+              </a:defRPr>
+            </a:lvl2pPr>
+            <a:lvl3pPr marL="1143000" indent="-228600" algn="l" defTabSz="914400" rtl="0" eaLnBrk="1" latinLnBrk="0" hangingPunct="1">
+              <a:lnSpc>
+                <a:spcPct val="90000"/>
+              </a:lnSpc>
+              <a:spcBef>
+                <a:spcPts val="500"/>
+              </a:spcBef>
+              <a:buFont typeface="Arial" panose="020B0604020202020204" pitchFamily="34" charset="0"/>
+              <a:buChar char="•"/>
+              <a:defRPr sz="2000" kern="1200">
+                <a:solidFill>
+                  <a:schemeClr val="tx1"/>
+                </a:solidFill>
+                <a:latin typeface="+mn-lt"/>
+                <a:ea typeface="+mn-ea"/>
+                <a:cs typeface="+mn-cs"/>
+              </a:defRPr>
+            </a:lvl3pPr>
+            <a:lvl4pPr marL="1600200" indent="-228600" algn="l" defTabSz="914400" rtl="0" eaLnBrk="1" latinLnBrk="0" hangingPunct="1">
+              <a:lnSpc>
+                <a:spcPct val="90000"/>
+              </a:lnSpc>
+              <a:spcBef>
+                <a:spcPts val="500"/>
+              </a:spcBef>
+              <a:buFont typeface="Arial" panose="020B0604020202020204" pitchFamily="34" charset="0"/>
+              <a:buChar char="•"/>
+              <a:defRPr sz="1800" kern="1200">
+                <a:solidFill>
+                  <a:schemeClr val="tx1"/>
+                </a:solidFill>
+                <a:latin typeface="+mn-lt"/>
+                <a:ea typeface="+mn-ea"/>
+                <a:cs typeface="+mn-cs"/>
+              </a:defRPr>
+            </a:lvl4pPr>
+            <a:lvl5pPr marL="2057400" indent="-228600" algn="l" defTabSz="914400" rtl="0" eaLnBrk="1" latinLnBrk="0" hangingPunct="1">
+              <a:lnSpc>
+                <a:spcPct val="90000"/>
+              </a:lnSpc>
+              <a:spcBef>
+                <a:spcPts val="500"/>
+              </a:spcBef>
+              <a:buFont typeface="Arial" panose="020B0604020202020204" pitchFamily="34" charset="0"/>
+              <a:buChar char="•"/>
+              <a:defRPr sz="1800" kern="1200">
+                <a:solidFill>
+                  <a:schemeClr val="tx1"/>
+                </a:solidFill>
+                <a:latin typeface="+mn-lt"/>
+                <a:ea typeface="+mn-ea"/>
+                <a:cs typeface="+mn-cs"/>
+              </a:defRPr>
+            </a:lvl5pPr>
+            <a:lvl6pPr marL="2514600" indent="-228600" algn="l" defTabSz="914400" rtl="0" eaLnBrk="1" latinLnBrk="0" hangingPunct="1">
+              <a:lnSpc>
+                <a:spcPct val="90000"/>
+              </a:lnSpc>
+              <a:spcBef>
+                <a:spcPts val="500"/>
+              </a:spcBef>
+              <a:buFont typeface="Arial" panose="020B0604020202020204" pitchFamily="34" charset="0"/>
+              <a:buChar char="•"/>
+              <a:defRPr sz="1800" kern="1200">
+                <a:solidFill>
+                  <a:schemeClr val="tx1"/>
+                </a:solidFill>
+                <a:latin typeface="+mn-lt"/>
+                <a:ea typeface="+mn-ea"/>
+                <a:cs typeface="+mn-cs"/>
+              </a:defRPr>
+            </a:lvl6pPr>
+            <a:lvl7pPr marL="2971800" indent="-228600" algn="l" defTabSz="914400" rtl="0" eaLnBrk="1" latinLnBrk="0" hangingPunct="1">
+              <a:lnSpc>
+                <a:spcPct val="90000"/>
+              </a:lnSpc>
+              <a:spcBef>
+                <a:spcPts val="500"/>
+              </a:spcBef>
+              <a:buFont typeface="Arial" panose="020B0604020202020204" pitchFamily="34" charset="0"/>
+              <a:buChar char="•"/>
+              <a:defRPr sz="1800" kern="1200">
+                <a:solidFill>
+                  <a:schemeClr val="tx1"/>
+                </a:solidFill>
+                <a:latin typeface="+mn-lt"/>
+                <a:ea typeface="+mn-ea"/>
+                <a:cs typeface="+mn-cs"/>
+              </a:defRPr>
+            </a:lvl7pPr>
+            <a:lvl8pPr marL="3429000" indent="-228600" algn="l" defTabSz="914400" rtl="0" eaLnBrk="1" latinLnBrk="0" hangingPunct="1">
+              <a:lnSpc>
+                <a:spcPct val="90000"/>
+              </a:lnSpc>
+              <a:spcBef>
+                <a:spcPts val="500"/>
+              </a:spcBef>
+              <a:buFont typeface="Arial" panose="020B0604020202020204" pitchFamily="34" charset="0"/>
+              <a:buChar char="•"/>
+              <a:defRPr sz="1800" kern="1200">
+                <a:solidFill>
+                  <a:schemeClr val="tx1"/>
+                </a:solidFill>
+                <a:latin typeface="+mn-lt"/>
+                <a:ea typeface="+mn-ea"/>
+                <a:cs typeface="+mn-cs"/>
+              </a:defRPr>
+            </a:lvl8pPr>
+            <a:lvl9pPr marL="3886200" indent="-228600" algn="l" defTabSz="914400" rtl="0" eaLnBrk="1" latinLnBrk="0" hangingPunct="1">
+              <a:lnSpc>
+                <a:spcPct val="90000"/>
+              </a:lnSpc>
+              <a:spcBef>
+                <a:spcPts val="500"/>
+              </a:spcBef>
+              <a:buFont typeface="Arial" panose="020B0604020202020204" pitchFamily="34" charset="0"/>
+              <a:buChar char="•"/>
+              <a:defRPr sz="1800" kern="1200">
+                <a:solidFill>
+                  <a:schemeClr val="tx1"/>
+                </a:solidFill>
+                <a:latin typeface="+mn-lt"/>
+                <a:ea typeface="+mn-ea"/>
+                <a:cs typeface="+mn-cs"/>
+              </a:defRPr>
+            </a:lvl9pPr>
+          </a:lstStyle>
+          <a:p>
+            <a:pPr marL="228600" marR="0" lvl="0" indent="-228600" algn="l" defTabSz="914400" rtl="0" eaLnBrk="1" fontAlgn="auto" latinLnBrk="0" hangingPunct="1">
+              <a:lnSpc>
+                <a:spcPct val="90000"/>
+              </a:lnSpc>
+              <a:spcBef>
+                <a:spcPts val="1000"/>
+              </a:spcBef>
+              <a:spcAft>
+                <a:spcPts val="0"/>
+              </a:spcAft>
+              <a:buClrTx/>
+              <a:buSzTx/>
+              <a:buFont typeface="Arial" panose="020B0604020202020204" pitchFamily="34" charset="0"/>
+              <a:buChar char="•"/>
+              <a:tabLst/>
+              <a:defRPr/>
+            </a:pPr>
+            <a:r>
+              <a:rPr kumimoji="0" lang="zh-TW" altLang="en-US" sz="2800" b="1" i="0" u="none" strike="noStrike" kern="1200" cap="none" spc="0" normalizeH="0" baseline="0" noProof="0" dirty="0">
+                <a:ln>
+                  <a:noFill/>
+                </a:ln>
+                <a:effectLst/>
+                <a:uLnTx/>
+                <a:uFillTx/>
+                <a:latin typeface="華康粗明體" panose="02020709000000000000" pitchFamily="49" charset="-120"/>
+                <a:ea typeface="華康粗明體" panose="02020709000000000000" pitchFamily="49" charset="-120"/>
+                <a:cs typeface="+mn-cs"/>
+              </a:rPr>
+              <a:t>計劃緣由與目的</a:t>
+            </a:r>
+            <a:r>
+              <a:rPr kumimoji="0" lang="en-US" altLang="zh-TW" sz="2800" b="1" i="0" u="none" strike="noStrike" kern="1200" cap="none" spc="0" normalizeH="0" baseline="0" noProof="0" dirty="0">
+                <a:ln>
+                  <a:noFill/>
+                </a:ln>
+                <a:effectLst/>
+                <a:uLnTx/>
+                <a:uFillTx/>
+                <a:latin typeface="華康粗明體" panose="02020709000000000000" pitchFamily="49" charset="-120"/>
+                <a:ea typeface="華康粗明體" panose="02020709000000000000" pitchFamily="49" charset="-120"/>
+                <a:cs typeface="+mn-cs"/>
+              </a:rPr>
+              <a:t>.....................................3</a:t>
+            </a:r>
+          </a:p>
+          <a:p>
+            <a:pPr marL="228600" marR="0" lvl="0" indent="-228600" algn="l" defTabSz="914400" rtl="0" eaLnBrk="1" fontAlgn="auto" latinLnBrk="0" hangingPunct="1">
+              <a:lnSpc>
+                <a:spcPct val="90000"/>
+              </a:lnSpc>
+              <a:spcBef>
+                <a:spcPts val="1000"/>
+              </a:spcBef>
+              <a:spcAft>
+                <a:spcPts val="0"/>
+              </a:spcAft>
+              <a:buClrTx/>
+              <a:buSzTx/>
+              <a:buFont typeface="Arial" panose="020B0604020202020204" pitchFamily="34" charset="0"/>
+              <a:buChar char="•"/>
+              <a:tabLst/>
+              <a:defRPr/>
+            </a:pPr>
+            <a:r>
+              <a:rPr kumimoji="0" lang="zh-TW" altLang="en-US" sz="2800" b="1" i="0" u="none" strike="noStrike" kern="1200" cap="none" spc="0" normalizeH="0" baseline="0" noProof="0" dirty="0">
+                <a:ln>
+                  <a:noFill/>
+                </a:ln>
+                <a:effectLst/>
+                <a:uLnTx/>
+                <a:uFillTx/>
+                <a:latin typeface="華康粗明體" panose="02020709000000000000" pitchFamily="49" charset="-120"/>
+                <a:ea typeface="華康粗明體" panose="02020709000000000000" pitchFamily="49" charset="-120"/>
+                <a:cs typeface="+mn-cs"/>
+              </a:rPr>
+              <a:t>序言</a:t>
+            </a:r>
+            <a:r>
+              <a:rPr kumimoji="0" lang="en-US" altLang="zh-TW" sz="2800" b="1" i="0" u="none" strike="noStrike" kern="1200" cap="none" spc="0" normalizeH="0" baseline="0" noProof="0" dirty="0">
+                <a:ln>
+                  <a:noFill/>
+                </a:ln>
+                <a:effectLst/>
+                <a:uLnTx/>
+                <a:uFillTx/>
+                <a:latin typeface="華康粗明體" panose="02020709000000000000" pitchFamily="49" charset="-120"/>
+                <a:ea typeface="華康粗明體" panose="02020709000000000000" pitchFamily="49" charset="-120"/>
+                <a:cs typeface="+mn-cs"/>
+              </a:rPr>
+              <a:t>...............................................4</a:t>
+            </a:r>
+          </a:p>
+          <a:p>
+            <a:pPr marL="228600" marR="0" lvl="0" indent="-228600" algn="l" defTabSz="914400" rtl="0" eaLnBrk="1" fontAlgn="auto" latinLnBrk="0" hangingPunct="1">
+              <a:lnSpc>
+                <a:spcPct val="90000"/>
+              </a:lnSpc>
+              <a:spcBef>
+                <a:spcPts val="1000"/>
+              </a:spcBef>
+              <a:spcAft>
+                <a:spcPts val="0"/>
+              </a:spcAft>
+              <a:buClrTx/>
+              <a:buSzTx/>
+              <a:buFont typeface="Arial" panose="020B0604020202020204" pitchFamily="34" charset="0"/>
+              <a:buChar char="•"/>
+              <a:tabLst/>
+              <a:defRPr/>
+            </a:pPr>
+            <a:r>
+              <a:rPr kumimoji="0" lang="zh-TW" altLang="en-US" sz="2800" b="1" i="0" u="none" strike="noStrike" kern="1200" cap="none" spc="0" normalizeH="0" baseline="0" noProof="0" dirty="0">
+                <a:ln>
+                  <a:noFill/>
+                </a:ln>
+                <a:effectLst/>
+                <a:uLnTx/>
+                <a:uFillTx/>
+                <a:latin typeface="華康粗明體" panose="02020709000000000000" pitchFamily="49" charset="-120"/>
+                <a:ea typeface="華康粗明體" panose="02020709000000000000" pitchFamily="49" charset="-120"/>
+                <a:cs typeface="+mn-cs"/>
+              </a:rPr>
+              <a:t>基礎概念</a:t>
+            </a:r>
+            <a:r>
+              <a:rPr kumimoji="0" lang="en-US" altLang="zh-TW" sz="2800" b="1" i="0" u="none" strike="noStrike" kern="1200" cap="none" spc="0" normalizeH="0" baseline="0" noProof="0" dirty="0">
+                <a:ln>
+                  <a:noFill/>
+                </a:ln>
+                <a:effectLst/>
+                <a:uLnTx/>
+                <a:uFillTx/>
+                <a:latin typeface="華康粗明體" panose="02020709000000000000" pitchFamily="49" charset="-120"/>
+                <a:ea typeface="華康粗明體" panose="02020709000000000000" pitchFamily="49" charset="-120"/>
+                <a:cs typeface="+mn-cs"/>
+              </a:rPr>
+              <a:t>.........................................5-6</a:t>
+            </a:r>
+          </a:p>
+          <a:p>
+            <a:pPr marL="228600" marR="0" lvl="0" indent="-228600" algn="l" defTabSz="914400" rtl="0" eaLnBrk="1" fontAlgn="auto" latinLnBrk="0" hangingPunct="1">
+              <a:lnSpc>
+                <a:spcPct val="90000"/>
+              </a:lnSpc>
+              <a:spcBef>
+                <a:spcPts val="1000"/>
+              </a:spcBef>
+              <a:spcAft>
+                <a:spcPts val="0"/>
+              </a:spcAft>
+              <a:buClrTx/>
+              <a:buSzTx/>
+              <a:buFont typeface="Arial" panose="020B0604020202020204" pitchFamily="34" charset="0"/>
+              <a:buChar char="•"/>
+              <a:tabLst/>
+              <a:defRPr/>
+            </a:pPr>
+            <a:r>
+              <a:rPr kumimoji="0" lang="zh-TW" altLang="en-US" sz="2800" b="1" i="0" u="none" strike="noStrike" kern="1200" cap="none" spc="0" normalizeH="0" baseline="0" noProof="0" dirty="0">
+                <a:ln>
+                  <a:noFill/>
+                </a:ln>
+                <a:effectLst/>
+                <a:uLnTx/>
+                <a:uFillTx/>
+                <a:latin typeface="華康粗明體" panose="02020709000000000000" pitchFamily="49" charset="-120"/>
+                <a:ea typeface="華康粗明體" panose="02020709000000000000" pitchFamily="49" charset="-120"/>
+                <a:cs typeface="+mn-cs"/>
+              </a:rPr>
+              <a:t>系統方塊圖</a:t>
+            </a:r>
+            <a:r>
+              <a:rPr kumimoji="0" lang="en-US" altLang="zh-TW" sz="2800" b="1" i="0" u="none" strike="noStrike" kern="1200" cap="none" spc="0" normalizeH="0" baseline="0" noProof="0" dirty="0">
+                <a:ln>
+                  <a:noFill/>
+                </a:ln>
+                <a:effectLst/>
+                <a:uLnTx/>
+                <a:uFillTx/>
+                <a:latin typeface="華康粗明體" panose="02020709000000000000" pitchFamily="49" charset="-120"/>
+                <a:ea typeface="華康粗明體" panose="02020709000000000000" pitchFamily="49" charset="-120"/>
+                <a:cs typeface="+mn-cs"/>
+              </a:rPr>
+              <a:t>.........................................7</a:t>
+            </a:r>
+          </a:p>
+          <a:p>
+            <a:pPr marL="228600" marR="0" lvl="0" indent="-228600" algn="l" defTabSz="914400" rtl="0" eaLnBrk="1" fontAlgn="auto" latinLnBrk="0" hangingPunct="1">
+              <a:lnSpc>
+                <a:spcPct val="90000"/>
+              </a:lnSpc>
+              <a:spcBef>
+                <a:spcPts val="1000"/>
+              </a:spcBef>
+              <a:spcAft>
+                <a:spcPts val="0"/>
+              </a:spcAft>
+              <a:buClrTx/>
+              <a:buSzTx/>
+              <a:buFont typeface="Arial" panose="020B0604020202020204" pitchFamily="34" charset="0"/>
+              <a:buChar char="•"/>
+              <a:tabLst/>
+              <a:defRPr/>
+            </a:pPr>
+            <a:r>
+              <a:rPr kumimoji="0" lang="zh-TW" altLang="en-US" sz="2800" b="1" i="0" u="none" strike="noStrike" kern="1200" cap="none" spc="0" normalizeH="0" baseline="0" noProof="0" dirty="0">
+                <a:ln>
+                  <a:noFill/>
+                </a:ln>
+                <a:effectLst/>
+                <a:uLnTx/>
+                <a:uFillTx/>
+                <a:latin typeface="華康粗明體" panose="02020709000000000000" pitchFamily="49" charset="-120"/>
+                <a:ea typeface="華康粗明體" panose="02020709000000000000" pitchFamily="49" charset="-120"/>
+                <a:cs typeface="+mn-cs"/>
+              </a:rPr>
+              <a:t>原始功能</a:t>
+            </a:r>
+            <a:r>
+              <a:rPr kumimoji="0" lang="en-US" altLang="zh-TW" sz="2800" b="1" i="0" u="none" strike="noStrike" kern="1200" cap="none" spc="0" normalizeH="0" baseline="0" noProof="0" dirty="0">
+                <a:ln>
+                  <a:noFill/>
+                </a:ln>
+                <a:effectLst/>
+                <a:uLnTx/>
+                <a:uFillTx/>
+                <a:latin typeface="華康粗明體" panose="02020709000000000000" pitchFamily="49" charset="-120"/>
+                <a:ea typeface="華康粗明體" panose="02020709000000000000" pitchFamily="49" charset="-120"/>
+                <a:cs typeface="+mn-cs"/>
+              </a:rPr>
+              <a:t>........................................8-10</a:t>
+            </a:r>
+            <a:endParaRPr kumimoji="0" lang="zh-TW" altLang="en-US" sz="2800" b="1" i="0" u="none" strike="noStrike" kern="1200" cap="none" spc="0" normalizeH="0" baseline="0" noProof="0" dirty="0">
+              <a:ln>
+                <a:noFill/>
+              </a:ln>
+              <a:effectLst/>
+              <a:uLnTx/>
+              <a:uFillTx/>
+              <a:latin typeface="華康粗明體" panose="02020709000000000000" pitchFamily="49" charset="-120"/>
+              <a:ea typeface="華康粗明體" panose="02020709000000000000" pitchFamily="49" charset="-120"/>
+              <a:cs typeface="+mn-cs"/>
+            </a:endParaRPr>
+          </a:p>
+          <a:p>
+            <a:pPr marL="228600" marR="0" lvl="0" indent="-228600" algn="l" defTabSz="914400" rtl="0" eaLnBrk="1" fontAlgn="auto" latinLnBrk="0" hangingPunct="1">
+              <a:lnSpc>
+                <a:spcPct val="90000"/>
+              </a:lnSpc>
+              <a:spcBef>
+                <a:spcPts val="1000"/>
+              </a:spcBef>
+              <a:spcAft>
+                <a:spcPts val="0"/>
+              </a:spcAft>
+              <a:buClrTx/>
+              <a:buSzTx/>
+              <a:buFont typeface="Arial" panose="020B0604020202020204" pitchFamily="34" charset="0"/>
+              <a:buChar char="•"/>
+              <a:tabLst/>
+              <a:defRPr/>
+            </a:pPr>
+            <a:r>
+              <a:rPr kumimoji="0" lang="zh-TW" altLang="en-US" sz="2800" b="1" i="0" u="none" strike="noStrike" kern="1200" cap="none" spc="0" normalizeH="0" baseline="0" noProof="0" dirty="0">
+                <a:ln>
+                  <a:noFill/>
+                </a:ln>
+                <a:effectLst/>
+                <a:uLnTx/>
+                <a:uFillTx/>
+                <a:latin typeface="華康粗明體" panose="02020709000000000000" pitchFamily="49" charset="-120"/>
+                <a:ea typeface="華康粗明體" panose="02020709000000000000" pitchFamily="49" charset="-120"/>
+                <a:cs typeface="+mn-cs"/>
+              </a:rPr>
+              <a:t>挑戰與解法</a:t>
+            </a:r>
+            <a:r>
+              <a:rPr kumimoji="0" lang="en-US" altLang="zh-TW" sz="2800" b="1" i="0" u="none" strike="noStrike" kern="1200" cap="none" spc="0" normalizeH="0" baseline="0" noProof="0" dirty="0">
+                <a:ln>
+                  <a:noFill/>
+                </a:ln>
+                <a:effectLst/>
+                <a:uLnTx/>
+                <a:uFillTx/>
+                <a:latin typeface="華康粗明體" panose="02020709000000000000" pitchFamily="49" charset="-120"/>
+                <a:ea typeface="華康粗明體" panose="02020709000000000000" pitchFamily="49" charset="-120"/>
+                <a:cs typeface="+mn-cs"/>
+              </a:rPr>
+              <a:t>.....................................11-12</a:t>
+            </a:r>
+          </a:p>
+          <a:p>
+            <a:pPr marL="228600" marR="0" lvl="0" indent="-228600" algn="l" defTabSz="914400" rtl="0" eaLnBrk="1" fontAlgn="auto" latinLnBrk="0" hangingPunct="1">
+              <a:lnSpc>
+                <a:spcPct val="90000"/>
+              </a:lnSpc>
+              <a:spcBef>
+                <a:spcPts val="1000"/>
+              </a:spcBef>
+              <a:spcAft>
+                <a:spcPts val="0"/>
+              </a:spcAft>
+              <a:buClrTx/>
+              <a:buSzTx/>
+              <a:buFont typeface="Arial" panose="020B0604020202020204" pitchFamily="34" charset="0"/>
+              <a:buChar char="•"/>
+              <a:tabLst/>
+              <a:defRPr/>
+            </a:pPr>
+            <a:r>
+              <a:rPr kumimoji="0" lang="zh-TW" altLang="en-US" sz="2800" b="1" i="0" u="none" strike="noStrike" kern="1200" cap="none" spc="0" normalizeH="0" baseline="0" noProof="0" dirty="0">
+                <a:ln>
+                  <a:noFill/>
+                </a:ln>
+                <a:effectLst/>
+                <a:uLnTx/>
+                <a:uFillTx/>
+                <a:latin typeface="華康粗明體" panose="02020709000000000000" pitchFamily="49" charset="-120"/>
+                <a:ea typeface="華康粗明體" panose="02020709000000000000" pitchFamily="49" charset="-120"/>
+                <a:cs typeface="+mn-cs"/>
+              </a:rPr>
+              <a:t>結論與貢獻</a:t>
+            </a:r>
+            <a:r>
+              <a:rPr kumimoji="0" lang="en-US" altLang="zh-TW" sz="2800" b="1" i="0" u="none" strike="noStrike" kern="1200" cap="none" spc="0" normalizeH="0" baseline="0" noProof="0" dirty="0">
+                <a:ln>
+                  <a:noFill/>
+                </a:ln>
+                <a:effectLst/>
+                <a:uLnTx/>
+                <a:uFillTx/>
+                <a:latin typeface="華康粗明體" panose="02020709000000000000" pitchFamily="49" charset="-120"/>
+                <a:ea typeface="華康粗明體" panose="02020709000000000000" pitchFamily="49" charset="-120"/>
+                <a:cs typeface="+mn-cs"/>
+              </a:rPr>
+              <a:t>........................................13</a:t>
+            </a:r>
+          </a:p>
+          <a:p>
+            <a:pPr marL="228600" marR="0" lvl="0" indent="-228600" algn="l" defTabSz="914400" rtl="0" eaLnBrk="1" fontAlgn="auto" latinLnBrk="0" hangingPunct="1">
+              <a:lnSpc>
+                <a:spcPct val="90000"/>
+              </a:lnSpc>
+              <a:spcBef>
+                <a:spcPts val="1000"/>
+              </a:spcBef>
+              <a:spcAft>
+                <a:spcPts val="0"/>
+              </a:spcAft>
+              <a:buClrTx/>
+              <a:buSzTx/>
+              <a:buFont typeface="Arial" panose="020B0604020202020204" pitchFamily="34" charset="0"/>
+              <a:buChar char="•"/>
+              <a:tabLst/>
+              <a:defRPr/>
+            </a:pPr>
+            <a:r>
+              <a:rPr kumimoji="0" lang="zh-TW" altLang="en-US" sz="2800" b="1" i="0" u="none" strike="noStrike" kern="1200" cap="none" spc="0" normalizeH="0" baseline="0" noProof="0" dirty="0">
+                <a:ln>
+                  <a:noFill/>
+                </a:ln>
+                <a:effectLst/>
+                <a:uLnTx/>
+                <a:uFillTx/>
+                <a:latin typeface="華康粗明體" panose="02020709000000000000" pitchFamily="49" charset="-120"/>
+                <a:ea typeface="華康粗明體" panose="02020709000000000000" pitchFamily="49" charset="-120"/>
+                <a:cs typeface="+mn-cs"/>
+              </a:rPr>
+              <a:t>工作分配</a:t>
+            </a:r>
+            <a:r>
+              <a:rPr kumimoji="0" lang="en-US" altLang="zh-TW" sz="2800" b="1" i="0" u="none" strike="noStrike" kern="1200" cap="none" spc="0" normalizeH="0" baseline="0" noProof="0" dirty="0">
+                <a:ln>
+                  <a:noFill/>
+                </a:ln>
+                <a:effectLst/>
+                <a:uLnTx/>
+                <a:uFillTx/>
+                <a:latin typeface="華康粗明體" panose="02020709000000000000" pitchFamily="49" charset="-120"/>
+                <a:ea typeface="華康粗明體" panose="02020709000000000000" pitchFamily="49" charset="-120"/>
+                <a:cs typeface="+mn-cs"/>
+              </a:rPr>
+              <a:t>..........................................14</a:t>
+            </a:r>
+            <a:endParaRPr kumimoji="0" lang="zh-TW" altLang="en-US" sz="2800" b="1" i="0" u="none" strike="noStrike" kern="1200" cap="none" spc="0" normalizeH="0" baseline="0" noProof="0" dirty="0">
+              <a:ln>
+                <a:noFill/>
+              </a:ln>
+              <a:effectLst/>
+              <a:uLnTx/>
+              <a:uFillTx/>
+              <a:latin typeface="華康粗明體" panose="02020709000000000000" pitchFamily="49" charset="-120"/>
+              <a:ea typeface="華康粗明體" panose="02020709000000000000" pitchFamily="49" charset="-120"/>
+              <a:cs typeface="+mn-cs"/>
+            </a:endParaRPr>
+          </a:p>
+          <a:p>
+            <a:pPr marL="228600" marR="0" lvl="0" indent="-228600" algn="l" defTabSz="914400" rtl="0" eaLnBrk="1" fontAlgn="auto" latinLnBrk="0" hangingPunct="1">
+              <a:lnSpc>
+                <a:spcPct val="90000"/>
+              </a:lnSpc>
+              <a:spcBef>
+                <a:spcPts val="1000"/>
+              </a:spcBef>
+              <a:spcAft>
+                <a:spcPts val="0"/>
+              </a:spcAft>
+              <a:buClrTx/>
+              <a:buSzTx/>
+              <a:buFont typeface="Arial" panose="020B0604020202020204" pitchFamily="34" charset="0"/>
+              <a:buChar char="•"/>
+              <a:tabLst/>
+              <a:defRPr/>
+            </a:pPr>
+            <a:r>
+              <a:rPr kumimoji="0" lang="zh-TW" altLang="en-US" sz="2800" b="1" i="0" u="none" strike="noStrike" kern="1200" cap="none" spc="0" normalizeH="0" baseline="0" noProof="0" dirty="0">
+                <a:ln>
+                  <a:noFill/>
+                </a:ln>
+                <a:effectLst/>
+                <a:uLnTx/>
+                <a:uFillTx/>
+                <a:latin typeface="華康粗明體" panose="02020709000000000000" pitchFamily="49" charset="-120"/>
+                <a:ea typeface="華康粗明體" panose="02020709000000000000" pitchFamily="49" charset="-120"/>
+                <a:cs typeface="+mn-cs"/>
+              </a:rPr>
+              <a:t>參考文獻</a:t>
+            </a:r>
+            <a:r>
+              <a:rPr kumimoji="0" lang="en-US" altLang="zh-TW" sz="2800" b="1" i="0" u="none" strike="noStrike" kern="1200" cap="none" spc="0" normalizeH="0" baseline="0" noProof="0" dirty="0">
+                <a:ln>
+                  <a:noFill/>
+                </a:ln>
+                <a:effectLst/>
+                <a:uLnTx/>
+                <a:uFillTx/>
+                <a:latin typeface="華康粗明體" panose="02020709000000000000" pitchFamily="49" charset="-120"/>
+                <a:ea typeface="華康粗明體" panose="02020709000000000000" pitchFamily="49" charset="-120"/>
+                <a:cs typeface="+mn-cs"/>
+              </a:rPr>
+              <a:t>.......................................15-16</a:t>
+            </a:r>
+          </a:p>
+          <a:p>
+            <a:pPr marL="228600" marR="0" lvl="0" indent="-228600" algn="l" defTabSz="914400" rtl="0" eaLnBrk="1" fontAlgn="auto" latinLnBrk="0" hangingPunct="1">
+              <a:lnSpc>
+                <a:spcPct val="90000"/>
+              </a:lnSpc>
+              <a:spcBef>
+                <a:spcPts val="1000"/>
+              </a:spcBef>
+              <a:spcAft>
+                <a:spcPts val="0"/>
+              </a:spcAft>
+              <a:buClrTx/>
+              <a:buSzTx/>
+              <a:buFont typeface="Arial" panose="020B0604020202020204" pitchFamily="34" charset="0"/>
+              <a:buChar char="•"/>
+              <a:tabLst/>
+              <a:defRPr/>
+            </a:pPr>
+            <a:r>
+              <a:rPr kumimoji="0" lang="zh-TW" altLang="en-US" sz="2800" b="1" i="0" u="none" strike="noStrike" kern="1200" cap="none" spc="0" normalizeH="0" baseline="0" noProof="0" dirty="0">
+                <a:ln>
+                  <a:noFill/>
+                </a:ln>
+                <a:effectLst/>
+                <a:uLnTx/>
+                <a:uFillTx/>
+                <a:latin typeface="華康粗明體" panose="02020709000000000000" pitchFamily="49" charset="-120"/>
+                <a:ea typeface="華康粗明體" panose="02020709000000000000" pitchFamily="49" charset="-120"/>
+                <a:cs typeface="+mn-cs"/>
+              </a:rPr>
+              <a:t>提問環節</a:t>
+            </a:r>
+            <a:r>
+              <a:rPr kumimoji="0" lang="en-US" altLang="zh-TW" sz="2800" b="1" i="0" u="none" strike="noStrike" kern="1200" cap="none" spc="0" normalizeH="0" baseline="0" noProof="0" dirty="0">
+                <a:ln>
+                  <a:noFill/>
+                </a:ln>
+                <a:effectLst/>
+                <a:uLnTx/>
+                <a:uFillTx/>
+                <a:latin typeface="華康粗明體" panose="02020709000000000000" pitchFamily="49" charset="-120"/>
+                <a:ea typeface="華康粗明體" panose="02020709000000000000" pitchFamily="49" charset="-120"/>
+                <a:cs typeface="+mn-cs"/>
+              </a:rPr>
+              <a:t>..........................................17</a:t>
+            </a:r>
+            <a:endParaRPr kumimoji="0" lang="zh-TW" altLang="en-US" sz="2800" b="1" i="0" u="none" strike="noStrike" kern="1200" cap="none" spc="0" normalizeH="0" baseline="0" noProof="0" dirty="0">
+              <a:ln>
+                <a:noFill/>
+              </a:ln>
+              <a:effectLst/>
+              <a:uLnTx/>
+              <a:uFillTx/>
+              <a:latin typeface="華康粗明體" panose="02020709000000000000" pitchFamily="49" charset="-120"/>
+              <a:ea typeface="華康粗明體" panose="02020709000000000000" pitchFamily="49" charset="-120"/>
+              <a:cs typeface="+mn-cs"/>
+            </a:endParaRPr>
+          </a:p>
+          <a:p>
+            <a:pPr marL="228600" marR="0" lvl="0" indent="-228600" algn="l" defTabSz="914400" rtl="0" eaLnBrk="1" fontAlgn="auto" latinLnBrk="0" hangingPunct="1">
+              <a:lnSpc>
+                <a:spcPct val="90000"/>
+              </a:lnSpc>
+              <a:spcBef>
+                <a:spcPts val="1000"/>
+              </a:spcBef>
+              <a:spcAft>
+                <a:spcPts val="0"/>
+              </a:spcAft>
+              <a:buClrTx/>
+              <a:buSzTx/>
+              <a:buFont typeface="Arial" panose="020B0604020202020204" pitchFamily="34" charset="0"/>
+              <a:buChar char="•"/>
+              <a:tabLst/>
+              <a:defRPr/>
+            </a:pPr>
+            <a:endParaRPr kumimoji="0" lang="en-US" altLang="zh-TW" sz="2800" b="1" i="0" u="none" strike="noStrike" kern="1200" cap="none" spc="0" normalizeH="0" baseline="0" noProof="0" dirty="0">
+              <a:ln>
+                <a:noFill/>
+              </a:ln>
+              <a:effectLst/>
+              <a:uLnTx/>
+              <a:uFillTx/>
+              <a:latin typeface="華康粗明體" panose="02020709000000000000" pitchFamily="49" charset="-120"/>
+              <a:ea typeface="華康粗明體" panose="02020709000000000000" pitchFamily="49" charset="-120"/>
+              <a:cs typeface="+mn-cs"/>
+            </a:endParaRPr>
+          </a:p>
+          <a:p>
+            <a:pPr marL="0" marR="0" lvl="0" indent="0" algn="l" defTabSz="914400" rtl="0" eaLnBrk="1" fontAlgn="auto" latinLnBrk="0" hangingPunct="1">
+              <a:lnSpc>
+                <a:spcPct val="90000"/>
+              </a:lnSpc>
+              <a:spcBef>
+                <a:spcPts val="1000"/>
+              </a:spcBef>
+              <a:spcAft>
+                <a:spcPts val="0"/>
+              </a:spcAft>
+              <a:buClrTx/>
+              <a:buSzTx/>
+              <a:buFont typeface="Arial" panose="020B0604020202020204" pitchFamily="34" charset="0"/>
+              <a:buNone/>
+              <a:tabLst/>
+              <a:defRPr/>
+            </a:pPr>
+            <a:endParaRPr kumimoji="0" lang="zh-TW" altLang="en-US" sz="2800" b="1" i="0" u="none" strike="noStrike" kern="1200" cap="none" spc="0" normalizeH="0" baseline="0" noProof="0" dirty="0">
+              <a:ln>
+                <a:noFill/>
+              </a:ln>
+              <a:solidFill>
+                <a:sysClr val="window" lastClr="FFFFFF"/>
+              </a:solidFill>
+              <a:effectLst/>
+              <a:uLnTx/>
+              <a:uFillTx/>
+              <a:latin typeface="華康粗明體" panose="02020709000000000000" pitchFamily="49" charset="-120"/>
+              <a:ea typeface="華康粗明體" panose="02020709000000000000" pitchFamily="49" charset="-120"/>
+              <a:cs typeface="+mn-cs"/>
+            </a:endParaRPr>
+          </a:p>
+          <a:p>
+            <a:pPr marL="228600" marR="0" lvl="0" indent="-228600" algn="l" defTabSz="914400" rtl="0" eaLnBrk="1" fontAlgn="auto" latinLnBrk="0" hangingPunct="1">
+              <a:lnSpc>
+                <a:spcPct val="90000"/>
+              </a:lnSpc>
+              <a:spcBef>
+                <a:spcPts val="1000"/>
+              </a:spcBef>
+              <a:spcAft>
+                <a:spcPts val="0"/>
+              </a:spcAft>
+              <a:buClrTx/>
+              <a:buSzTx/>
+              <a:buFont typeface="Arial" panose="020B0604020202020204" pitchFamily="34" charset="0"/>
+              <a:buChar char="•"/>
+              <a:tabLst/>
+              <a:defRPr/>
+            </a:pPr>
+            <a:endParaRPr kumimoji="0" lang="zh-TW" altLang="en-US" sz="2800" b="0" i="0" u="none" strike="noStrike" kern="1200" cap="none" spc="0" normalizeH="0" baseline="0" noProof="0" dirty="0">
+              <a:ln>
+                <a:noFill/>
+              </a:ln>
+              <a:solidFill>
+                <a:sysClr val="window" lastClr="FFFFFF"/>
+              </a:solidFill>
+              <a:effectLst/>
+              <a:uLnTx/>
+              <a:uFillTx/>
+              <a:latin typeface="華康粗明體" panose="02020709000000000000" pitchFamily="49" charset="-120"/>
+              <a:ea typeface="華康粗明體" panose="02020709000000000000" pitchFamily="49" charset="-120"/>
+              <a:cs typeface="+mn-cs"/>
+            </a:endParaRPr>
           </a:p>
         </p:txBody>
       </p:sp>
     </p:spTree>
     <p:extLst>
       <p:ext uri="{BB962C8B-B14F-4D97-AF65-F5344CB8AC3E}">
-        <p14:creationId xmlns:p14="http://schemas.microsoft.com/office/powerpoint/2010/main" val="3729544501"/>
+        <p14:creationId xmlns:p14="http://schemas.microsoft.com/office/powerpoint/2010/main" val="4094661216"/>
       </p:ext>
     </p:extLst>
   </p:cSld>
@@ -11060,6 +15455,721 @@
 </file>
 
 <file path=ppt/slides/slide3.xml><?xml version="1.0" encoding="utf-8"?>
+<p:sld xmlns:a="http://schemas.openxmlformats.org/drawingml/2006/main" xmlns:r="http://schemas.openxmlformats.org/officeDocument/2006/relationships" xmlns:p="http://schemas.openxmlformats.org/presentationml/2006/main">
+  <p:cSld>
+    <p:spTree>
+      <p:nvGrpSpPr>
+        <p:cNvPr id="1" name=""/>
+        <p:cNvGrpSpPr/>
+        <p:nvPr/>
+      </p:nvGrpSpPr>
+      <p:grpSpPr>
+        <a:xfrm>
+          <a:off x="0" y="0"/>
+          <a:ext cx="0" cy="0"/>
+          <a:chOff x="0" y="0"/>
+          <a:chExt cx="0" cy="0"/>
+        </a:xfrm>
+      </p:grpSpPr>
+      <p:sp>
+        <p:nvSpPr>
+          <p:cNvPr id="2" name="標題 1">
+            <a:extLst>
+              <a:ext uri="{FF2B5EF4-FFF2-40B4-BE49-F238E27FC236}">
+                <a16:creationId xmlns:a16="http://schemas.microsoft.com/office/drawing/2014/main" id="{A20F942D-765C-4C4A-B743-47A3438CFE88}"/>
+              </a:ext>
+            </a:extLst>
+          </p:cNvPr>
+          <p:cNvSpPr>
+            <a:spLocks noGrp="1"/>
+          </p:cNvSpPr>
+          <p:nvPr>
+            <p:ph type="title"/>
+          </p:nvPr>
+        </p:nvSpPr>
+        <p:spPr>
+          <a:xfrm>
+            <a:off x="1879051" y="600047"/>
+            <a:ext cx="8911687" cy="1280890"/>
+          </a:xfrm>
+        </p:spPr>
+        <p:txBody>
+          <a:bodyPr/>
+          <a:lstStyle/>
+          <a:p>
+            <a:r>
+              <a:rPr lang="zh-TW" altLang="en-US" dirty="0"/>
+              <a:t>傳送端</a:t>
+            </a:r>
+          </a:p>
+        </p:txBody>
+      </p:sp>
+      <p:graphicFrame>
+        <p:nvGraphicFramePr>
+          <p:cNvPr id="4" name="內容版面配置區 3">
+            <a:extLst>
+              <a:ext uri="{FF2B5EF4-FFF2-40B4-BE49-F238E27FC236}">
+                <a16:creationId xmlns:a16="http://schemas.microsoft.com/office/drawing/2014/main" id="{DAD47B78-77F2-499C-AD2A-AB3EC8366A9F}"/>
+              </a:ext>
+            </a:extLst>
+          </p:cNvPr>
+          <p:cNvGraphicFramePr>
+            <a:graphicFrameLocks noGrp="1"/>
+          </p:cNvGraphicFramePr>
+          <p:nvPr>
+            <p:ph idx="1"/>
+            <p:extLst>
+              <p:ext uri="{D42A27DB-BD31-4B8C-83A1-F6EECF244321}">
+                <p14:modId xmlns:p14="http://schemas.microsoft.com/office/powerpoint/2010/main" val="3810535393"/>
+              </p:ext>
+            </p:extLst>
+          </p:nvPr>
+        </p:nvGraphicFramePr>
+        <p:xfrm>
+          <a:off x="2236287" y="1620253"/>
+          <a:ext cx="8915400" cy="3778250"/>
+        </p:xfrm>
+        <a:graphic>
+          <a:graphicData uri="http://schemas.openxmlformats.org/drawingml/2006/diagram">
+            <dgm:relIds xmlns:dgm="http://schemas.openxmlformats.org/drawingml/2006/diagram" xmlns:r="http://schemas.openxmlformats.org/officeDocument/2006/relationships" r:dm="rId2" r:lo="rId3" r:qs="rId4" r:cs="rId5"/>
+          </a:graphicData>
+        </a:graphic>
+      </p:graphicFrame>
+    </p:spTree>
+    <p:extLst>
+      <p:ext uri="{BB962C8B-B14F-4D97-AF65-F5344CB8AC3E}">
+        <p14:creationId xmlns:p14="http://schemas.microsoft.com/office/powerpoint/2010/main" val="3611581743"/>
+      </p:ext>
+    </p:extLst>
+  </p:cSld>
+  <p:clrMapOvr>
+    <a:masterClrMapping/>
+  </p:clrMapOvr>
+</p:sld>
+</file>
+
+<file path=ppt/slides/slide4.xml><?xml version="1.0" encoding="utf-8"?>
+<p:sld xmlns:a="http://schemas.openxmlformats.org/drawingml/2006/main" xmlns:r="http://schemas.openxmlformats.org/officeDocument/2006/relationships" xmlns:p="http://schemas.openxmlformats.org/presentationml/2006/main">
+  <p:cSld>
+    <p:spTree>
+      <p:nvGrpSpPr>
+        <p:cNvPr id="1" name=""/>
+        <p:cNvGrpSpPr/>
+        <p:nvPr/>
+      </p:nvGrpSpPr>
+      <p:grpSpPr>
+        <a:xfrm>
+          <a:off x="0" y="0"/>
+          <a:ext cx="0" cy="0"/>
+          <a:chOff x="0" y="0"/>
+          <a:chExt cx="0" cy="0"/>
+        </a:xfrm>
+      </p:grpSpPr>
+      <p:sp>
+        <p:nvSpPr>
+          <p:cNvPr id="2" name="標題 1">
+            <a:extLst>
+              <a:ext uri="{FF2B5EF4-FFF2-40B4-BE49-F238E27FC236}">
+                <a16:creationId xmlns:a16="http://schemas.microsoft.com/office/drawing/2014/main" id="{1959FEB6-1E14-4AE0-99C4-966CF18C02D4}"/>
+              </a:ext>
+            </a:extLst>
+          </p:cNvPr>
+          <p:cNvSpPr>
+            <a:spLocks noGrp="1"/>
+          </p:cNvSpPr>
+          <p:nvPr>
+            <p:ph type="title"/>
+          </p:nvPr>
+        </p:nvSpPr>
+        <p:spPr>
+          <a:xfrm>
+            <a:off x="1797795" y="644653"/>
+            <a:ext cx="8911687" cy="1280890"/>
+          </a:xfrm>
+        </p:spPr>
+        <p:txBody>
+          <a:bodyPr/>
+          <a:lstStyle/>
+          <a:p>
+            <a:r>
+              <a:rPr lang="zh-TW" altLang="en-US" dirty="0"/>
+              <a:t>通道設定</a:t>
+            </a:r>
+          </a:p>
+        </p:txBody>
+      </p:sp>
+      <p:pic>
+        <p:nvPicPr>
+          <p:cNvPr id="4" name="內容版面配置區 3">
+            <a:extLst>
+              <a:ext uri="{FF2B5EF4-FFF2-40B4-BE49-F238E27FC236}">
+                <a16:creationId xmlns:a16="http://schemas.microsoft.com/office/drawing/2014/main" id="{183E8FE0-1408-4275-84C1-E5FD1A8C4A62}"/>
+              </a:ext>
+            </a:extLst>
+          </p:cNvPr>
+          <p:cNvPicPr>
+            <a:picLocks noGrp="1" noChangeAspect="1"/>
+          </p:cNvPicPr>
+          <p:nvPr>
+            <p:ph idx="1"/>
+          </p:nvPr>
+        </p:nvPicPr>
+        <p:blipFill>
+          <a:blip r:embed="rId2"/>
+          <a:stretch>
+            <a:fillRect/>
+          </a:stretch>
+        </p:blipFill>
+        <p:spPr>
+          <a:xfrm>
+            <a:off x="7843898" y="2022282"/>
+            <a:ext cx="4201413" cy="3778250"/>
+          </a:xfrm>
+          <a:prstGeom prst="rect">
+            <a:avLst/>
+          </a:prstGeom>
+        </p:spPr>
+      </p:pic>
+      <p:sp>
+        <p:nvSpPr>
+          <p:cNvPr id="5" name="矩形 4">
+            <a:extLst>
+              <a:ext uri="{FF2B5EF4-FFF2-40B4-BE49-F238E27FC236}">
+                <a16:creationId xmlns:a16="http://schemas.microsoft.com/office/drawing/2014/main" id="{B596D77C-70D3-44D5-BF87-132E630572DB}"/>
+              </a:ext>
+            </a:extLst>
+          </p:cNvPr>
+          <p:cNvSpPr/>
+          <p:nvPr/>
+        </p:nvSpPr>
+        <p:spPr>
+          <a:xfrm>
+            <a:off x="1068126" y="1925543"/>
+            <a:ext cx="6096000" cy="4247317"/>
+          </a:xfrm>
+          <a:prstGeom prst="rect">
+            <a:avLst/>
+          </a:prstGeom>
+        </p:spPr>
+        <p:txBody>
+          <a:bodyPr>
+            <a:spAutoFit/>
+          </a:bodyPr>
+          <a:lstStyle/>
+          <a:p>
+            <a:r>
+              <a:rPr lang="en-US" altLang="zh-TW" b="0" i="0" dirty="0">
+                <a:solidFill>
+                  <a:srgbClr val="000000"/>
+                </a:solidFill>
+                <a:effectLst/>
+                <a:latin typeface="Arial" panose="020B0604020202020204" pitchFamily="34" charset="0"/>
+              </a:rPr>
+              <a:t>RX_LO_FREQ: </a:t>
+            </a:r>
+            <a:r>
+              <a:rPr lang="zh-TW" altLang="en-US" b="0" i="0" dirty="0">
+                <a:solidFill>
+                  <a:srgbClr val="000000"/>
+                </a:solidFill>
+                <a:effectLst/>
+                <a:latin typeface="Arial" panose="020B0604020202020204" pitchFamily="34" charset="0"/>
+              </a:rPr>
+              <a:t>接收端</a:t>
+            </a:r>
+            <a:r>
+              <a:rPr lang="en-US" altLang="zh-TW" b="0" i="0" dirty="0">
+                <a:solidFill>
+                  <a:srgbClr val="000000"/>
+                </a:solidFill>
+                <a:effectLst/>
+                <a:latin typeface="Arial" panose="020B0604020202020204" pitchFamily="34" charset="0"/>
+              </a:rPr>
+              <a:t>-</a:t>
+            </a:r>
+            <a:r>
+              <a:rPr lang="zh-TW" altLang="en-US" b="0" i="0" dirty="0">
+                <a:solidFill>
+                  <a:srgbClr val="000000"/>
+                </a:solidFill>
+                <a:effectLst/>
+                <a:latin typeface="Arial" panose="020B0604020202020204" pitchFamily="34" charset="0"/>
+              </a:rPr>
+              <a:t>接收頻率 </a:t>
+            </a:r>
+            <a:r>
+              <a:rPr lang="en-US" altLang="zh-TW" b="0" i="0" dirty="0">
+                <a:solidFill>
+                  <a:srgbClr val="000000"/>
+                </a:solidFill>
+                <a:effectLst/>
+                <a:latin typeface="Arial" panose="020B0604020202020204" pitchFamily="34" charset="0"/>
+              </a:rPr>
+              <a:t>(325MHZ-3.8GHZ</a:t>
+            </a:r>
+            <a:r>
+              <a:rPr lang="zh-TW" altLang="en-US" b="0" i="0" dirty="0">
+                <a:solidFill>
+                  <a:srgbClr val="000000"/>
+                </a:solidFill>
+                <a:effectLst/>
+                <a:latin typeface="Arial" panose="020B0604020202020204" pitchFamily="34" charset="0"/>
+              </a:rPr>
+              <a:t>；根據使用天線而有所不同</a:t>
+            </a:r>
+            <a:r>
+              <a:rPr lang="en-US" altLang="zh-TW" b="0" i="0" dirty="0">
+                <a:solidFill>
+                  <a:srgbClr val="000000"/>
+                </a:solidFill>
+                <a:effectLst/>
+                <a:latin typeface="Arial" panose="020B0604020202020204" pitchFamily="34" charset="0"/>
+              </a:rPr>
+              <a:t>)</a:t>
+            </a:r>
+            <a:br>
+              <a:rPr lang="zh-TW" altLang="en-US" b="0" i="0" dirty="0">
+                <a:solidFill>
+                  <a:srgbClr val="000000"/>
+                </a:solidFill>
+                <a:effectLst/>
+                <a:latin typeface="Segoe UI" panose="020B0502040204020203" pitchFamily="34" charset="0"/>
+              </a:rPr>
+            </a:br>
+            <a:r>
+              <a:rPr lang="en-US" altLang="zh-TW" b="0" i="0" dirty="0">
+                <a:solidFill>
+                  <a:srgbClr val="000000"/>
+                </a:solidFill>
+                <a:effectLst/>
+                <a:latin typeface="Arial" panose="020B0604020202020204" pitchFamily="34" charset="0"/>
+              </a:rPr>
+              <a:t>RX_SAMPLING_FREQ: </a:t>
+            </a:r>
+            <a:r>
+              <a:rPr lang="zh-TW" altLang="en-US" b="0" i="0" dirty="0">
+                <a:solidFill>
+                  <a:srgbClr val="000000"/>
+                </a:solidFill>
+                <a:effectLst/>
+                <a:latin typeface="Arial" panose="020B0604020202020204" pitchFamily="34" charset="0"/>
+              </a:rPr>
+              <a:t>接收端</a:t>
+            </a:r>
+            <a:r>
+              <a:rPr lang="en-US" altLang="zh-TW" b="0" i="0" dirty="0">
+                <a:solidFill>
+                  <a:srgbClr val="000000"/>
+                </a:solidFill>
+                <a:effectLst/>
+                <a:latin typeface="Arial" panose="020B0604020202020204" pitchFamily="34" charset="0"/>
+              </a:rPr>
+              <a:t>-</a:t>
+            </a:r>
+            <a:r>
+              <a:rPr lang="zh-TW" altLang="en-US" b="0" i="0" dirty="0">
+                <a:solidFill>
+                  <a:srgbClr val="000000"/>
+                </a:solidFill>
+                <a:effectLst/>
+                <a:latin typeface="Arial" panose="020B0604020202020204" pitchFamily="34" charset="0"/>
+              </a:rPr>
+              <a:t>取樣頻率 </a:t>
+            </a:r>
+            <a:r>
+              <a:rPr lang="en-US" altLang="zh-TW" b="0" i="0" dirty="0">
+                <a:solidFill>
+                  <a:srgbClr val="000000"/>
+                </a:solidFill>
+                <a:effectLst/>
+                <a:latin typeface="Arial" panose="020B0604020202020204" pitchFamily="34" charset="0"/>
+              </a:rPr>
+              <a:t>(65.1KSPS~61.44MSPS)</a:t>
+            </a:r>
+            <a:br>
+              <a:rPr lang="en-US" altLang="zh-TW" b="0" i="0" dirty="0">
+                <a:solidFill>
+                  <a:srgbClr val="000000"/>
+                </a:solidFill>
+                <a:effectLst/>
+                <a:latin typeface="Segoe UI" panose="020B0502040204020203" pitchFamily="34" charset="0"/>
+              </a:rPr>
+            </a:br>
+            <a:r>
+              <a:rPr lang="en-US" altLang="zh-TW" b="0" i="0" dirty="0">
+                <a:solidFill>
+                  <a:srgbClr val="000000"/>
+                </a:solidFill>
+                <a:effectLst/>
+                <a:latin typeface="Arial" panose="020B0604020202020204" pitchFamily="34" charset="0"/>
+              </a:rPr>
+              <a:t>RX_RF_BANDWIDTH: </a:t>
+            </a:r>
+            <a:r>
+              <a:rPr lang="zh-TW" altLang="en-US" b="0" i="0" dirty="0">
+                <a:solidFill>
+                  <a:srgbClr val="000000"/>
+                </a:solidFill>
+                <a:effectLst/>
+                <a:latin typeface="Arial" panose="020B0604020202020204" pitchFamily="34" charset="0"/>
+              </a:rPr>
+              <a:t>接收端</a:t>
+            </a:r>
+            <a:r>
+              <a:rPr lang="en-US" altLang="zh-TW" b="0" i="0" dirty="0">
+                <a:solidFill>
+                  <a:srgbClr val="000000"/>
+                </a:solidFill>
+                <a:effectLst/>
+                <a:latin typeface="Arial" panose="020B0604020202020204" pitchFamily="34" charset="0"/>
+              </a:rPr>
+              <a:t>-</a:t>
+            </a:r>
+            <a:r>
+              <a:rPr lang="zh-TW" altLang="en-US" b="0" i="0" dirty="0">
+                <a:solidFill>
+                  <a:srgbClr val="000000"/>
+                </a:solidFill>
+                <a:effectLst/>
+                <a:latin typeface="Arial" panose="020B0604020202020204" pitchFamily="34" charset="0"/>
+              </a:rPr>
+              <a:t>訊號頻寬 </a:t>
+            </a:r>
+            <a:r>
+              <a:rPr lang="en-US" altLang="zh-TW" b="0" i="0" dirty="0">
+                <a:solidFill>
+                  <a:srgbClr val="000000"/>
+                </a:solidFill>
+                <a:effectLst/>
+                <a:latin typeface="Arial" panose="020B0604020202020204" pitchFamily="34" charset="0"/>
+              </a:rPr>
+              <a:t>(200KHZ~20MHZ)</a:t>
+            </a:r>
+            <a:br>
+              <a:rPr lang="en-US" altLang="zh-TW" b="0" i="0" dirty="0">
+                <a:solidFill>
+                  <a:srgbClr val="000000"/>
+                </a:solidFill>
+                <a:effectLst/>
+                <a:latin typeface="Segoe UI" panose="020B0502040204020203" pitchFamily="34" charset="0"/>
+              </a:rPr>
+            </a:br>
+            <a:r>
+              <a:rPr lang="en-US" altLang="zh-TW" b="0" i="0" dirty="0">
+                <a:solidFill>
+                  <a:srgbClr val="000000"/>
+                </a:solidFill>
+                <a:effectLst/>
+                <a:latin typeface="Arial" panose="020B0604020202020204" pitchFamily="34" charset="0"/>
+              </a:rPr>
+              <a:t>RX1_GAIN_MODE: Manual (</a:t>
+            </a:r>
+            <a:r>
+              <a:rPr lang="zh-TW" altLang="en-US" b="0" i="0" dirty="0">
+                <a:solidFill>
+                  <a:srgbClr val="000000"/>
+                </a:solidFill>
+                <a:effectLst/>
+                <a:latin typeface="Arial" panose="020B0604020202020204" pitchFamily="34" charset="0"/>
+              </a:rPr>
+              <a:t>建議使用以利觀察信號變動</a:t>
+            </a:r>
+            <a:r>
+              <a:rPr lang="en-US" altLang="zh-TW" b="0" i="0" dirty="0">
+                <a:solidFill>
+                  <a:srgbClr val="000000"/>
+                </a:solidFill>
+                <a:effectLst/>
+                <a:latin typeface="Arial" panose="020B0604020202020204" pitchFamily="34" charset="0"/>
+              </a:rPr>
+              <a:t>)</a:t>
+            </a:r>
+            <a:br>
+              <a:rPr lang="zh-TW" altLang="en-US" b="0" i="0" dirty="0">
+                <a:solidFill>
+                  <a:srgbClr val="000000"/>
+                </a:solidFill>
+                <a:effectLst/>
+                <a:latin typeface="Segoe UI" panose="020B0502040204020203" pitchFamily="34" charset="0"/>
+              </a:rPr>
+            </a:br>
+            <a:r>
+              <a:rPr lang="en-US" altLang="zh-TW" b="0" i="0" dirty="0">
+                <a:solidFill>
+                  <a:srgbClr val="000000"/>
+                </a:solidFill>
+                <a:effectLst/>
+                <a:latin typeface="Arial" panose="020B0604020202020204" pitchFamily="34" charset="0"/>
+              </a:rPr>
+              <a:t>RX1_GAIN: </a:t>
+            </a:r>
+            <a:r>
+              <a:rPr lang="zh-TW" altLang="en-US" b="0" i="0" dirty="0">
+                <a:solidFill>
+                  <a:srgbClr val="000000"/>
+                </a:solidFill>
+                <a:effectLst/>
+                <a:latin typeface="Arial" panose="020B0604020202020204" pitchFamily="34" charset="0"/>
+              </a:rPr>
+              <a:t>接收端增益 </a:t>
+            </a:r>
+            <a:r>
+              <a:rPr lang="en-US" altLang="zh-TW" b="0" i="0" dirty="0">
+                <a:solidFill>
+                  <a:srgbClr val="000000"/>
+                </a:solidFill>
+                <a:effectLst/>
+                <a:latin typeface="Arial" panose="020B0604020202020204" pitchFamily="34" charset="0"/>
+              </a:rPr>
+              <a:t>1~50 (</a:t>
+            </a:r>
+            <a:r>
+              <a:rPr lang="zh-TW" altLang="en-US" b="0" i="0" dirty="0">
+                <a:solidFill>
+                  <a:srgbClr val="000000"/>
+                </a:solidFill>
+                <a:effectLst/>
+                <a:latin typeface="Arial" panose="020B0604020202020204" pitchFamily="34" charset="0"/>
+              </a:rPr>
+              <a:t>最大值≤</a:t>
+            </a:r>
+            <a:r>
+              <a:rPr lang="en-US" altLang="zh-TW" b="0" i="0" dirty="0">
+                <a:solidFill>
+                  <a:srgbClr val="000000"/>
+                </a:solidFill>
+                <a:effectLst/>
+                <a:latin typeface="Arial" panose="020B0604020202020204" pitchFamily="34" charset="0"/>
+              </a:rPr>
+              <a:t>74dBm)</a:t>
+            </a:r>
+            <a:br>
+              <a:rPr lang="en-US" altLang="zh-TW" b="0" i="0" dirty="0">
+                <a:solidFill>
+                  <a:srgbClr val="000000"/>
+                </a:solidFill>
+                <a:effectLst/>
+                <a:latin typeface="Segoe UI" panose="020B0502040204020203" pitchFamily="34" charset="0"/>
+              </a:rPr>
+            </a:br>
+            <a:r>
+              <a:rPr lang="en-US" altLang="zh-TW" b="0" i="0" dirty="0">
+                <a:solidFill>
+                  <a:srgbClr val="000000"/>
+                </a:solidFill>
+                <a:effectLst/>
+                <a:latin typeface="Arial" panose="020B0604020202020204" pitchFamily="34" charset="0"/>
+              </a:rPr>
+              <a:t>TX_LO_FREQ: </a:t>
+            </a:r>
+            <a:r>
+              <a:rPr lang="zh-TW" altLang="en-US" b="0" i="0" dirty="0">
+                <a:solidFill>
+                  <a:srgbClr val="000000"/>
+                </a:solidFill>
+                <a:effectLst/>
+                <a:latin typeface="Arial" panose="020B0604020202020204" pitchFamily="34" charset="0"/>
+              </a:rPr>
+              <a:t>接收端</a:t>
+            </a:r>
+            <a:r>
+              <a:rPr lang="en-US" altLang="zh-TW" b="0" i="0" dirty="0">
+                <a:solidFill>
+                  <a:srgbClr val="000000"/>
+                </a:solidFill>
+                <a:effectLst/>
+                <a:latin typeface="Arial" panose="020B0604020202020204" pitchFamily="34" charset="0"/>
+              </a:rPr>
+              <a:t>-</a:t>
+            </a:r>
+            <a:r>
+              <a:rPr lang="zh-TW" altLang="en-US" b="0" i="0" dirty="0">
+                <a:solidFill>
+                  <a:srgbClr val="000000"/>
+                </a:solidFill>
+                <a:effectLst/>
+                <a:latin typeface="Arial" panose="020B0604020202020204" pitchFamily="34" charset="0"/>
+              </a:rPr>
+              <a:t>接收頻率 </a:t>
+            </a:r>
+            <a:r>
+              <a:rPr lang="en-US" altLang="zh-TW" b="0" i="0" dirty="0">
+                <a:solidFill>
+                  <a:srgbClr val="000000"/>
+                </a:solidFill>
+                <a:effectLst/>
+                <a:latin typeface="Arial" panose="020B0604020202020204" pitchFamily="34" charset="0"/>
+              </a:rPr>
+              <a:t>(325MHZ-3.8GHZ</a:t>
+            </a:r>
+            <a:r>
+              <a:rPr lang="zh-TW" altLang="en-US" b="0" i="0" dirty="0">
+                <a:solidFill>
+                  <a:srgbClr val="000000"/>
+                </a:solidFill>
+                <a:effectLst/>
+                <a:latin typeface="Arial" panose="020B0604020202020204" pitchFamily="34" charset="0"/>
+              </a:rPr>
+              <a:t>；根據使用天線而有所不同</a:t>
+            </a:r>
+            <a:r>
+              <a:rPr lang="en-US" altLang="zh-TW" b="0" i="0" dirty="0">
+                <a:solidFill>
+                  <a:srgbClr val="000000"/>
+                </a:solidFill>
+                <a:effectLst/>
+                <a:latin typeface="Arial" panose="020B0604020202020204" pitchFamily="34" charset="0"/>
+              </a:rPr>
+              <a:t>)</a:t>
+            </a:r>
+            <a:br>
+              <a:rPr lang="zh-TW" altLang="en-US" b="0" i="0" dirty="0">
+                <a:solidFill>
+                  <a:srgbClr val="000000"/>
+                </a:solidFill>
+                <a:effectLst/>
+                <a:latin typeface="Segoe UI" panose="020B0502040204020203" pitchFamily="34" charset="0"/>
+              </a:rPr>
+            </a:br>
+            <a:r>
+              <a:rPr lang="en-US" altLang="zh-TW" b="0" i="0" dirty="0">
+                <a:solidFill>
+                  <a:srgbClr val="000000"/>
+                </a:solidFill>
+                <a:effectLst/>
+                <a:latin typeface="Arial" panose="020B0604020202020204" pitchFamily="34" charset="0"/>
+              </a:rPr>
+              <a:t>TX_SAMPLING_FREQ: </a:t>
+            </a:r>
+            <a:r>
+              <a:rPr lang="zh-TW" altLang="en-US" b="0" i="0" dirty="0">
+                <a:solidFill>
+                  <a:srgbClr val="000000"/>
+                </a:solidFill>
+                <a:effectLst/>
+                <a:latin typeface="Arial" panose="020B0604020202020204" pitchFamily="34" charset="0"/>
+              </a:rPr>
+              <a:t>接收端</a:t>
+            </a:r>
+            <a:r>
+              <a:rPr lang="en-US" altLang="zh-TW" b="0" i="0" dirty="0">
+                <a:solidFill>
+                  <a:srgbClr val="000000"/>
+                </a:solidFill>
+                <a:effectLst/>
+                <a:latin typeface="Arial" panose="020B0604020202020204" pitchFamily="34" charset="0"/>
+              </a:rPr>
+              <a:t>-</a:t>
+            </a:r>
+            <a:r>
+              <a:rPr lang="zh-TW" altLang="en-US" b="0" i="0" dirty="0">
+                <a:solidFill>
+                  <a:srgbClr val="000000"/>
+                </a:solidFill>
+                <a:effectLst/>
+                <a:latin typeface="Arial" panose="020B0604020202020204" pitchFamily="34" charset="0"/>
+              </a:rPr>
+              <a:t>取樣頻率 </a:t>
+            </a:r>
+            <a:r>
+              <a:rPr lang="en-US" altLang="zh-TW" b="0" i="0" dirty="0">
+                <a:solidFill>
+                  <a:srgbClr val="000000"/>
+                </a:solidFill>
+                <a:effectLst/>
+                <a:latin typeface="Arial" panose="020B0604020202020204" pitchFamily="34" charset="0"/>
+              </a:rPr>
+              <a:t>(65.1KSPS~61.44MSPS)</a:t>
+            </a:r>
+            <a:br>
+              <a:rPr lang="en-US" altLang="zh-TW" b="0" i="0" dirty="0">
+                <a:solidFill>
+                  <a:srgbClr val="000000"/>
+                </a:solidFill>
+                <a:effectLst/>
+                <a:latin typeface="Segoe UI" panose="020B0502040204020203" pitchFamily="34" charset="0"/>
+              </a:rPr>
+            </a:br>
+            <a:r>
+              <a:rPr lang="en-US" altLang="zh-TW" b="0" i="0" dirty="0">
+                <a:solidFill>
+                  <a:srgbClr val="000000"/>
+                </a:solidFill>
+                <a:effectLst/>
+                <a:latin typeface="Arial" panose="020B0604020202020204" pitchFamily="34" charset="0"/>
+              </a:rPr>
+              <a:t>TX_RF_BANDWIDTH: </a:t>
+            </a:r>
+            <a:r>
+              <a:rPr lang="zh-TW" altLang="en-US" b="0" i="0" dirty="0">
+                <a:solidFill>
+                  <a:srgbClr val="000000"/>
+                </a:solidFill>
+                <a:effectLst/>
+                <a:latin typeface="Arial" panose="020B0604020202020204" pitchFamily="34" charset="0"/>
+              </a:rPr>
+              <a:t>接收端</a:t>
+            </a:r>
+            <a:r>
+              <a:rPr lang="en-US" altLang="zh-TW" b="0" i="0" dirty="0">
+                <a:solidFill>
+                  <a:srgbClr val="000000"/>
+                </a:solidFill>
+                <a:effectLst/>
+                <a:latin typeface="Arial" panose="020B0604020202020204" pitchFamily="34" charset="0"/>
+              </a:rPr>
+              <a:t>-</a:t>
+            </a:r>
+            <a:r>
+              <a:rPr lang="zh-TW" altLang="en-US" b="0" i="0" dirty="0">
+                <a:solidFill>
+                  <a:srgbClr val="000000"/>
+                </a:solidFill>
+                <a:effectLst/>
+                <a:latin typeface="Arial" panose="020B0604020202020204" pitchFamily="34" charset="0"/>
+              </a:rPr>
+              <a:t>訊號頻寬 </a:t>
+            </a:r>
+            <a:r>
+              <a:rPr lang="en-US" altLang="zh-TW" b="0" i="0" dirty="0">
+                <a:solidFill>
+                  <a:srgbClr val="000000"/>
+                </a:solidFill>
+                <a:effectLst/>
+                <a:latin typeface="Arial" panose="020B0604020202020204" pitchFamily="34" charset="0"/>
+              </a:rPr>
+              <a:t>(200KHZ~20MHZ)</a:t>
+            </a:r>
+            <a:endParaRPr lang="en-US" altLang="zh-TW" b="0" i="0" dirty="0">
+              <a:solidFill>
+                <a:srgbClr val="000000"/>
+              </a:solidFill>
+              <a:effectLst/>
+              <a:latin typeface="Segoe UI" panose="020B0502040204020203" pitchFamily="34" charset="0"/>
+            </a:endParaRPr>
+          </a:p>
+          <a:p>
+            <a:br>
+              <a:rPr lang="en-US" altLang="zh-TW" dirty="0"/>
+            </a:br>
+            <a:endParaRPr lang="zh-TW" altLang="en-US" dirty="0"/>
+          </a:p>
+        </p:txBody>
+      </p:sp>
+    </p:spTree>
+    <p:extLst>
+      <p:ext uri="{BB962C8B-B14F-4D97-AF65-F5344CB8AC3E}">
+        <p14:creationId xmlns:p14="http://schemas.microsoft.com/office/powerpoint/2010/main" val="3037291961"/>
+      </p:ext>
+    </p:extLst>
+  </p:cSld>
+  <p:clrMapOvr>
+    <a:masterClrMapping/>
+  </p:clrMapOvr>
+</p:sld>
+</file>
+
+<file path=ppt/slides/slide5.xml><?xml version="1.0" encoding="utf-8"?>
 <p:sld xmlns:a="http://schemas.openxmlformats.org/drawingml/2006/main" xmlns:r="http://schemas.openxmlformats.org/officeDocument/2006/relationships" xmlns:p="http://schemas.openxmlformats.org/presentationml/2006/main">
   <p:cSld>
     <p:spTree>
@@ -11210,7 +16320,7 @@
 </p:sld>
 </file>
 
-<file path=ppt/slides/slide4.xml><?xml version="1.0" encoding="utf-8"?>
+<file path=ppt/slides/slide6.xml><?xml version="1.0" encoding="utf-8"?>
 <p:sld xmlns:a="http://schemas.openxmlformats.org/drawingml/2006/main" xmlns:r="http://schemas.openxmlformats.org/officeDocument/2006/relationships" xmlns:p="http://schemas.openxmlformats.org/presentationml/2006/main">
   <p:cSld>
     <p:spTree>
@@ -11560,7 +16670,7 @@
 </p:sld>
 </file>
 
-<file path=ppt/slides/slide5.xml><?xml version="1.0" encoding="utf-8"?>
+<file path=ppt/slides/slide7.xml><?xml version="1.0" encoding="utf-8"?>
 <p:sld xmlns:a="http://schemas.openxmlformats.org/drawingml/2006/main" xmlns:r="http://schemas.openxmlformats.org/officeDocument/2006/relationships" xmlns:p="http://schemas.openxmlformats.org/presentationml/2006/main">
   <p:cSld>
     <p:spTree>
@@ -12182,7 +17292,7 @@
 </p:sld>
 </file>
 
-<file path=ppt/slides/slide6.xml><?xml version="1.0" encoding="utf-8"?>
+<file path=ppt/slides/slide8.xml><?xml version="1.0" encoding="utf-8"?>
 <p:sld xmlns:a="http://schemas.openxmlformats.org/drawingml/2006/main" xmlns:r="http://schemas.openxmlformats.org/officeDocument/2006/relationships" xmlns:p="http://schemas.openxmlformats.org/presentationml/2006/main">
   <p:cSld>
     <p:spTree>
@@ -12644,7 +17754,7 @@
 </p:sld>
 </file>
 
-<file path=ppt/slides/slide7.xml><?xml version="1.0" encoding="utf-8"?>
+<file path=ppt/slides/slide9.xml><?xml version="1.0" encoding="utf-8"?>
 <p:sld xmlns:a="http://schemas.openxmlformats.org/drawingml/2006/main" xmlns:r="http://schemas.openxmlformats.org/officeDocument/2006/relationships" xmlns:p="http://schemas.openxmlformats.org/presentationml/2006/main">
   <p:cSld>
     <p:spTree>

--- a/report/以SDR實現OTSM通訊技術.pptx
+++ b/report/以SDR實現OTSM通訊技術.pptx
@@ -5922,7 +5922,7 @@
           <a:p>
             <a:fld id="{E571BEFF-2CDC-453C-8E22-E6758267B1F9}" type="datetimeFigureOut">
               <a:rPr lang="zh-TW" altLang="en-US" smtClean="0"/>
-              <a:t>2024/4/14</a:t>
+              <a:t>2024/4/15</a:t>
             </a:fld>
             <a:endParaRPr lang="zh-TW" altLang="en-US"/>
           </a:p>
@@ -6260,7 +6260,7 @@
           <a:p>
             <a:fld id="{E571BEFF-2CDC-453C-8E22-E6758267B1F9}" type="datetimeFigureOut">
               <a:rPr lang="zh-TW" altLang="en-US" smtClean="0"/>
-              <a:t>2024/4/14</a:t>
+              <a:t>2024/4/15</a:t>
             </a:fld>
             <a:endParaRPr lang="zh-TW" altLang="en-US"/>
           </a:p>
@@ -6661,7 +6661,7 @@
           <a:p>
             <a:fld id="{E571BEFF-2CDC-453C-8E22-E6758267B1F9}" type="datetimeFigureOut">
               <a:rPr lang="zh-TW" altLang="en-US" smtClean="0"/>
-              <a:t>2024/4/14</a:t>
+              <a:t>2024/4/15</a:t>
             </a:fld>
             <a:endParaRPr lang="zh-TW" altLang="en-US"/>
           </a:p>
@@ -6997,7 +6997,7 @@
           <a:p>
             <a:fld id="{E571BEFF-2CDC-453C-8E22-E6758267B1F9}" type="datetimeFigureOut">
               <a:rPr lang="zh-TW" altLang="en-US" smtClean="0"/>
-              <a:t>2024/4/14</a:t>
+              <a:t>2024/4/15</a:t>
             </a:fld>
             <a:endParaRPr lang="zh-TW" altLang="en-US"/>
           </a:p>
@@ -7317,7 +7317,7 @@
           <a:p>
             <a:fld id="{E571BEFF-2CDC-453C-8E22-E6758267B1F9}" type="datetimeFigureOut">
               <a:rPr lang="zh-TW" altLang="en-US" smtClean="0"/>
-              <a:t>2024/4/14</a:t>
+              <a:t>2024/4/15</a:t>
             </a:fld>
             <a:endParaRPr lang="zh-TW" altLang="en-US"/>
           </a:p>
@@ -7713,7 +7713,7 @@
           <a:p>
             <a:fld id="{E571BEFF-2CDC-453C-8E22-E6758267B1F9}" type="datetimeFigureOut">
               <a:rPr lang="zh-TW" altLang="en-US" smtClean="0"/>
-              <a:t>2024/4/14</a:t>
+              <a:t>2024/4/15</a:t>
             </a:fld>
             <a:endParaRPr lang="zh-TW" altLang="en-US"/>
           </a:p>
@@ -7970,7 +7970,7 @@
           <a:p>
             <a:fld id="{E571BEFF-2CDC-453C-8E22-E6758267B1F9}" type="datetimeFigureOut">
               <a:rPr lang="zh-TW" altLang="en-US" smtClean="0"/>
-              <a:t>2024/4/14</a:t>
+              <a:t>2024/4/15</a:t>
             </a:fld>
             <a:endParaRPr lang="zh-TW" altLang="en-US"/>
           </a:p>
@@ -8232,7 +8232,7 @@
           <a:p>
             <a:fld id="{E571BEFF-2CDC-453C-8E22-E6758267B1F9}" type="datetimeFigureOut">
               <a:rPr lang="zh-TW" altLang="en-US" smtClean="0"/>
-              <a:t>2024/4/14</a:t>
+              <a:t>2024/4/15</a:t>
             </a:fld>
             <a:endParaRPr lang="zh-TW" altLang="en-US"/>
           </a:p>
@@ -8494,7 +8494,7 @@
           <a:p>
             <a:fld id="{E571BEFF-2CDC-453C-8E22-E6758267B1F9}" type="datetimeFigureOut">
               <a:rPr lang="zh-TW" altLang="en-US" smtClean="0"/>
-              <a:t>2024/4/14</a:t>
+              <a:t>2024/4/15</a:t>
             </a:fld>
             <a:endParaRPr lang="zh-TW" altLang="en-US"/>
           </a:p>
@@ -8823,7 +8823,7 @@
           <a:p>
             <a:fld id="{E571BEFF-2CDC-453C-8E22-E6758267B1F9}" type="datetimeFigureOut">
               <a:rPr lang="zh-TW" altLang="en-US" smtClean="0"/>
-              <a:t>2024/4/14</a:t>
+              <a:t>2024/4/15</a:t>
             </a:fld>
             <a:endParaRPr lang="zh-TW" altLang="en-US"/>
           </a:p>
@@ -9146,7 +9146,7 @@
           <a:p>
             <a:fld id="{E571BEFF-2CDC-453C-8E22-E6758267B1F9}" type="datetimeFigureOut">
               <a:rPr lang="zh-TW" altLang="en-US" smtClean="0"/>
-              <a:t>2024/4/14</a:t>
+              <a:t>2024/4/15</a:t>
             </a:fld>
             <a:endParaRPr lang="zh-TW" altLang="en-US"/>
           </a:p>
@@ -9603,7 +9603,7 @@
           <a:p>
             <a:fld id="{E571BEFF-2CDC-453C-8E22-E6758267B1F9}" type="datetimeFigureOut">
               <a:rPr lang="zh-TW" altLang="en-US" smtClean="0"/>
-              <a:t>2024/4/14</a:t>
+              <a:t>2024/4/15</a:t>
             </a:fld>
             <a:endParaRPr lang="zh-TW" altLang="en-US"/>
           </a:p>
@@ -9808,7 +9808,7 @@
           <a:p>
             <a:fld id="{E571BEFF-2CDC-453C-8E22-E6758267B1F9}" type="datetimeFigureOut">
               <a:rPr lang="zh-TW" altLang="en-US" smtClean="0"/>
-              <a:t>2024/4/14</a:t>
+              <a:t>2024/4/15</a:t>
             </a:fld>
             <a:endParaRPr lang="zh-TW" altLang="en-US"/>
           </a:p>
@@ -9985,7 +9985,7 @@
           <a:p>
             <a:fld id="{E571BEFF-2CDC-453C-8E22-E6758267B1F9}" type="datetimeFigureOut">
               <a:rPr lang="zh-TW" altLang="en-US" smtClean="0"/>
-              <a:t>2024/4/14</a:t>
+              <a:t>2024/4/15</a:t>
             </a:fld>
             <a:endParaRPr lang="zh-TW" altLang="en-US"/>
           </a:p>
@@ -10318,7 +10318,7 @@
           <a:p>
             <a:fld id="{E571BEFF-2CDC-453C-8E22-E6758267B1F9}" type="datetimeFigureOut">
               <a:rPr lang="zh-TW" altLang="en-US" smtClean="0"/>
-              <a:t>2024/4/14</a:t>
+              <a:t>2024/4/15</a:t>
             </a:fld>
             <a:endParaRPr lang="zh-TW" altLang="en-US"/>
           </a:p>
@@ -10663,7 +10663,7 @@
           <a:p>
             <a:fld id="{E571BEFF-2CDC-453C-8E22-E6758267B1F9}" type="datetimeFigureOut">
               <a:rPr lang="zh-TW" altLang="en-US" smtClean="0"/>
-              <a:t>2024/4/14</a:t>
+              <a:t>2024/4/15</a:t>
             </a:fld>
             <a:endParaRPr lang="zh-TW" altLang="en-US"/>
           </a:p>
@@ -12780,7 +12780,7 @@
           <a:p>
             <a:fld id="{E571BEFF-2CDC-453C-8E22-E6758267B1F9}" type="datetimeFigureOut">
               <a:rPr lang="zh-TW" altLang="en-US" smtClean="0"/>
-              <a:t>2024/4/14</a:t>
+              <a:t>2024/4/15</a:t>
             </a:fld>
             <a:endParaRPr lang="zh-TW" altLang="en-US"/>
           </a:p>
@@ -13937,7 +13937,7 @@
                 <a:latin typeface="華康細明體" panose="02020309000000000000" pitchFamily="49" charset="-120"/>
                 <a:ea typeface="華康細明體" panose="02020309000000000000" pitchFamily="49" charset="-120"/>
               </a:rPr>
-              <a:t>陳昱升：</a:t>
+              <a:t>陳昱升：驅動</a:t>
             </a:r>
             <a:r>
               <a:rPr kumimoji="0" lang="zh-TW" altLang="en-US" sz="2800" b="0" i="0" u="none" strike="noStrike" kern="1200" cap="none" spc="0" normalizeH="0" baseline="0" noProof="0" dirty="0">
@@ -13951,10 +13951,10 @@
                 <a:ea typeface="華康細明體" panose="02020309000000000000" pitchFamily="49" charset="-120"/>
                 <a:cs typeface="+mn-cs"/>
               </a:rPr>
-              <a:t>將</a:t>
-            </a:r>
-            <a:r>
-              <a:rPr kumimoji="0" lang="en-US" altLang="zh-TW" sz="2800" b="0" i="0" u="none" strike="noStrike" kern="1200" cap="none" spc="0" normalizeH="0" baseline="0" noProof="0" dirty="0" err="1">
+              <a:t>安裝、</a:t>
+            </a:r>
+            <a:r>
+              <a:rPr kumimoji="0" lang="en-US" altLang="zh-TW" sz="2800" b="0" i="0" u="none" strike="noStrike" kern="1200" cap="none" spc="0" normalizeH="0" baseline="0" noProof="0" dirty="0">
                 <a:ln>
                   <a:noFill/>
                 </a:ln>
@@ -13965,7 +13965,7 @@
                 <a:ea typeface="華康細明體" panose="02020309000000000000" pitchFamily="49" charset="-120"/>
                 <a:cs typeface="+mn-cs"/>
               </a:rPr>
-              <a:t>Loop.m</a:t>
+              <a:t>OTSM</a:t>
             </a:r>
             <a:r>
               <a:rPr kumimoji="0" lang="zh-TW" altLang="en-US" sz="2800" b="0" i="0" u="none" strike="noStrike" kern="1200" cap="none" spc="0" normalizeH="0" baseline="0" noProof="0" dirty="0">
@@ -13979,10 +13979,10 @@
                 <a:ea typeface="華康細明體" panose="02020309000000000000" pitchFamily="49" charset="-120"/>
                 <a:cs typeface="+mn-cs"/>
               </a:rPr>
-              <a:t>分成</a:t>
-            </a:r>
-            <a:r>
-              <a:rPr kumimoji="0" lang="en-US" altLang="zh-TW" sz="2800" b="0" i="0" u="none" strike="noStrike" kern="1200" cap="none" spc="0" normalizeH="0" baseline="0" noProof="0" dirty="0" err="1">
+              <a:t>程式碼替換、設定</a:t>
+            </a:r>
+            <a:r>
+              <a:rPr kumimoji="0" lang="en-US" altLang="zh-TW" sz="2800" b="0" i="0" u="none" strike="noStrike" kern="1200" cap="none" spc="0" normalizeH="0" baseline="0" noProof="0" dirty="0">
                 <a:ln>
                   <a:noFill/>
                 </a:ln>
@@ -13993,35 +13993,63 @@
                 <a:ea typeface="華康細明體" panose="02020309000000000000" pitchFamily="49" charset="-120"/>
                 <a:cs typeface="+mn-cs"/>
               </a:rPr>
-              <a:t>Tx.m</a:t>
-            </a:r>
-            <a:r>
-              <a:rPr kumimoji="0" lang="zh-TW" altLang="en-US" sz="2800" b="0" i="0" u="none" strike="noStrike" kern="1200" cap="none" spc="0" normalizeH="0" baseline="0" noProof="0" dirty="0">
-                <a:ln>
-                  <a:noFill/>
-                </a:ln>
-                <a:effectLst/>
-                <a:uLnTx/>
-                <a:uFillTx/>
+              <a:t>Pilot</a:t>
+            </a:r>
+            <a:r>
+              <a:rPr lang="en-US" altLang="zh-TW" dirty="0">
                 <a:latin typeface="華康細明體" panose="02020309000000000000" pitchFamily="49" charset="-120"/>
                 <a:ea typeface="華康細明體" panose="02020309000000000000" pitchFamily="49" charset="-120"/>
-                <a:cs typeface="+mn-cs"/>
               </a:rPr>
-              <a:t>與</a:t>
-            </a:r>
-            <a:r>
-              <a:rPr kumimoji="0" lang="en-US" altLang="zh-TW" sz="2800" b="0" i="0" u="none" strike="noStrike" kern="1200" cap="none" spc="0" normalizeH="0" baseline="0" noProof="0" dirty="0" err="1">
-                <a:ln>
-                  <a:noFill/>
-                </a:ln>
-                <a:effectLst/>
-                <a:uLnTx/>
-                <a:uFillTx/>
+              <a:t>Bits</a:t>
+            </a:r>
+            <a:r>
+              <a:rPr lang="zh-TW" altLang="en-US" dirty="0">
                 <a:latin typeface="華康細明體" panose="02020309000000000000" pitchFamily="49" charset="-120"/>
                 <a:ea typeface="華康細明體" panose="02020309000000000000" pitchFamily="49" charset="-120"/>
-                <a:cs typeface="+mn-cs"/>
               </a:rPr>
-              <a:t>Rx.m</a:t>
+              <a:t>、</a:t>
+            </a:r>
+            <a:r>
+              <a:rPr lang="en-US" altLang="zh-TW" dirty="0" err="1">
+                <a:latin typeface="華康細明體" panose="02020309000000000000" pitchFamily="49" charset="-120"/>
+                <a:ea typeface="華康細明體" panose="02020309000000000000" pitchFamily="49" charset="-120"/>
+              </a:rPr>
+              <a:t>SyncBits</a:t>
+            </a:r>
+            <a:r>
+              <a:rPr lang="zh-TW" altLang="en-US" dirty="0">
+                <a:latin typeface="華康細明體" panose="02020309000000000000" pitchFamily="49" charset="-120"/>
+                <a:ea typeface="華康細明體" panose="02020309000000000000" pitchFamily="49" charset="-120"/>
+              </a:rPr>
+              <a:t>、</a:t>
+            </a:r>
+            <a:r>
+              <a:rPr lang="en-US" altLang="zh-TW" dirty="0">
+                <a:latin typeface="華康細明體" panose="02020309000000000000" pitchFamily="49" charset="-120"/>
+                <a:ea typeface="華康細明體" panose="02020309000000000000" pitchFamily="49" charset="-120"/>
+              </a:rPr>
+              <a:t>Pluto</a:t>
+            </a:r>
+            <a:r>
+              <a:rPr lang="zh-TW" altLang="en-US" dirty="0">
+                <a:latin typeface="華康細明體" panose="02020309000000000000" pitchFamily="49" charset="-120"/>
+                <a:ea typeface="華康細明體" panose="02020309000000000000" pitchFamily="49" charset="-120"/>
+              </a:rPr>
+              <a:t>設定、修改同步、實現</a:t>
+            </a:r>
+            <a:r>
+              <a:rPr lang="en-US" altLang="zh-TW" dirty="0">
+                <a:latin typeface="華康細明體" panose="02020309000000000000" pitchFamily="49" charset="-120"/>
+                <a:ea typeface="華康細明體" panose="02020309000000000000" pitchFamily="49" charset="-120"/>
+              </a:rPr>
+              <a:t>CFO</a:t>
+            </a:r>
+            <a:r>
+              <a:rPr lang="zh-TW" altLang="en-US" dirty="0">
+                <a:latin typeface="華康細明體" panose="02020309000000000000" pitchFamily="49" charset="-120"/>
+                <a:ea typeface="華康細明體" panose="02020309000000000000" pitchFamily="49" charset="-120"/>
+              </a:rPr>
+              <a:t>校正、新增畫圖</a:t>
             </a:r>
             <a:endParaRPr kumimoji="0" lang="en-US" altLang="zh-TW" sz="2800" b="0" i="0" u="none" strike="noStrike" kern="1200" cap="none" spc="0" normalizeH="0" baseline="0" noProof="0" dirty="0">
               <a:ln>
@@ -14147,21 +14175,7 @@
                 <a:latin typeface="華康細明體" panose="02020309000000000000" pitchFamily="49" charset="-120"/>
                 <a:ea typeface="華康細明體" panose="02020309000000000000" pitchFamily="49" charset="-120"/>
               </a:rPr>
-              <a:t>陳建霖：</a:t>
-            </a:r>
-            <a:r>
-              <a:rPr kumimoji="0" lang="en-US" altLang="zh-TW" sz="2800" b="0" i="0" u="none" strike="noStrike" kern="1200" cap="none" spc="0" normalizeH="0" baseline="0" noProof="0" dirty="0">
-                <a:ln>
-                  <a:noFill/>
-                </a:ln>
-                <a:effectLst/>
-                <a:uLnTx/>
-                <a:uFillTx/>
-                <a:latin typeface="華康細明體" panose="02020309000000000000" pitchFamily="49" charset="-120"/>
-                <a:ea typeface="華康細明體" panose="02020309000000000000" pitchFamily="49" charset="-120"/>
-                <a:cs typeface="+mn-cs"/>
-              </a:rPr>
-              <a:t>SDR</a:t>
+              <a:t>陳建霖：吉</a:t>
             </a:r>
             <a:r>
               <a:rPr kumimoji="0" lang="zh-TW" altLang="en-US" sz="2800" b="0" i="0" u="none" strike="noStrike" kern="1200" cap="none" spc="0" normalizeH="0" baseline="0" noProof="0" dirty="0">
@@ -14175,35 +14189,7 @@
                 <a:ea typeface="華康細明體" panose="02020309000000000000" pitchFamily="49" charset="-120"/>
                 <a:cs typeface="+mn-cs"/>
               </a:rPr>
-              <a:t>資料查詢、</a:t>
-            </a:r>
-            <a:r>
-              <a:rPr kumimoji="0" lang="en-US" altLang="zh-TW" sz="2800" b="0" i="0" u="none" strike="noStrike" kern="1200" cap="none" spc="0" normalizeH="0" baseline="0" noProof="0" dirty="0">
-                <a:ln>
-                  <a:noFill/>
-                </a:ln>
-                <a:effectLst/>
-                <a:uLnTx/>
-                <a:uFillTx/>
-                <a:latin typeface="華康細明體" panose="02020309000000000000" pitchFamily="49" charset="-120"/>
-                <a:ea typeface="華康細明體" panose="02020309000000000000" pitchFamily="49" charset="-120"/>
-                <a:cs typeface="+mn-cs"/>
-              </a:rPr>
-              <a:t>OFDM</a:t>
-            </a:r>
-            <a:r>
-              <a:rPr kumimoji="0" lang="zh-TW" altLang="en-US" sz="2800" b="0" i="0" u="none" strike="noStrike" kern="1200" cap="none" spc="0" normalizeH="0" baseline="0" noProof="0" dirty="0">
-                <a:ln>
-                  <a:noFill/>
-                </a:ln>
-                <a:effectLst/>
-                <a:uLnTx/>
-                <a:uFillTx/>
-                <a:latin typeface="華康細明體" panose="02020309000000000000" pitchFamily="49" charset="-120"/>
-                <a:ea typeface="華康細明體" panose="02020309000000000000" pitchFamily="49" charset="-120"/>
-                <a:cs typeface="+mn-cs"/>
-              </a:rPr>
-              <a:t>資料查詢</a:t>
+              <a:t>祥物</a:t>
             </a:r>
             <a:endParaRPr kumimoji="0" lang="en-US" altLang="zh-TW" sz="2800" b="0" i="0" u="none" strike="noStrike" kern="1200" cap="none" spc="0" normalizeH="0" baseline="0" noProof="0" dirty="0">
               <a:ln>

--- a/report/以SDR實現OTSM通訊技術.pptx
+++ b/report/以SDR實現OTSM通訊技術.pptx
@@ -1797,14 +1797,35 @@
         </dgm:presLayoutVars>
       </dgm:prSet>
       <dgm:spPr/>
+      <dgm:t>
+        <a:bodyPr/>
+        <a:lstStyle/>
+        <a:p>
+          <a:endParaRPr lang="zh-TW" altLang="en-US"/>
+        </a:p>
+      </dgm:t>
     </dgm:pt>
     <dgm:pt modelId="{5DCD91DB-AEF7-4C9B-BD53-8B818AE7A5C2}" type="pres">
       <dgm:prSet presAssocID="{510E1544-9B0B-4E5E-A21A-74C154EC99BB}" presName="sibTrans" presStyleLbl="sibTrans2D1" presStyleIdx="0" presStyleCnt="2"/>
       <dgm:spPr/>
+      <dgm:t>
+        <a:bodyPr/>
+        <a:lstStyle/>
+        <a:p>
+          <a:endParaRPr lang="zh-TW" altLang="en-US"/>
+        </a:p>
+      </dgm:t>
     </dgm:pt>
     <dgm:pt modelId="{3053149E-F4D6-4274-BA65-86C7B0CA7EE2}" type="pres">
       <dgm:prSet presAssocID="{510E1544-9B0B-4E5E-A21A-74C154EC99BB}" presName="connectorText" presStyleLbl="sibTrans2D1" presStyleIdx="0" presStyleCnt="2"/>
       <dgm:spPr/>
+      <dgm:t>
+        <a:bodyPr/>
+        <a:lstStyle/>
+        <a:p>
+          <a:endParaRPr lang="zh-TW" altLang="en-US"/>
+        </a:p>
+      </dgm:t>
     </dgm:pt>
     <dgm:pt modelId="{501B0B5C-0A9B-4712-8139-5AB722F892AE}" type="pres">
       <dgm:prSet presAssocID="{2F0BB623-C310-4F34-A614-8383840D288F}" presName="node" presStyleLbl="node1" presStyleIdx="1" presStyleCnt="3">
@@ -1813,14 +1834,35 @@
         </dgm:presLayoutVars>
       </dgm:prSet>
       <dgm:spPr/>
+      <dgm:t>
+        <a:bodyPr/>
+        <a:lstStyle/>
+        <a:p>
+          <a:endParaRPr lang="zh-TW" altLang="en-US"/>
+        </a:p>
+      </dgm:t>
     </dgm:pt>
     <dgm:pt modelId="{4C06B492-B4CF-4662-994E-B742043CDBA6}" type="pres">
       <dgm:prSet presAssocID="{B3ED31B1-2659-4ACB-A056-32D27D08A6EF}" presName="sibTrans" presStyleLbl="sibTrans2D1" presStyleIdx="1" presStyleCnt="2"/>
       <dgm:spPr/>
+      <dgm:t>
+        <a:bodyPr/>
+        <a:lstStyle/>
+        <a:p>
+          <a:endParaRPr lang="zh-TW" altLang="en-US"/>
+        </a:p>
+      </dgm:t>
     </dgm:pt>
     <dgm:pt modelId="{715D3F0F-C5CB-406C-9764-737C7C1638E6}" type="pres">
       <dgm:prSet presAssocID="{B3ED31B1-2659-4ACB-A056-32D27D08A6EF}" presName="connectorText" presStyleLbl="sibTrans2D1" presStyleIdx="1" presStyleCnt="2"/>
       <dgm:spPr/>
+      <dgm:t>
+        <a:bodyPr/>
+        <a:lstStyle/>
+        <a:p>
+          <a:endParaRPr lang="zh-TW" altLang="en-US"/>
+        </a:p>
+      </dgm:t>
     </dgm:pt>
     <dgm:pt modelId="{F8307AB0-8E3F-4030-91DA-849DB5B98DC2}" type="pres">
       <dgm:prSet presAssocID="{94E5E8AF-0109-41B5-AD0E-4DA7AD85FEFD}" presName="node" presStyleLbl="node1" presStyleIdx="2" presStyleCnt="3">
@@ -1829,20 +1871,27 @@
         </dgm:presLayoutVars>
       </dgm:prSet>
       <dgm:spPr/>
+      <dgm:t>
+        <a:bodyPr/>
+        <a:lstStyle/>
+        <a:p>
+          <a:endParaRPr lang="zh-TW" altLang="en-US"/>
+        </a:p>
+      </dgm:t>
     </dgm:pt>
   </dgm:ptLst>
   <dgm:cxnLst>
-    <dgm:cxn modelId="{24755E3E-C775-4F43-94FB-4C706A911360}" type="presOf" srcId="{B3ED31B1-2659-4ACB-A056-32D27D08A6EF}" destId="{4C06B492-B4CF-4662-994E-B742043CDBA6}" srcOrd="0" destOrd="0" presId="urn:microsoft.com/office/officeart/2005/8/layout/process1"/>
+    <dgm:cxn modelId="{8F64F8E6-C469-43B5-B5E8-EC3AE35AB88C}" type="presOf" srcId="{2F0BB623-C310-4F34-A614-8383840D288F}" destId="{501B0B5C-0A9B-4712-8139-5AB722F892AE}" srcOrd="0" destOrd="0" presId="urn:microsoft.com/office/officeart/2005/8/layout/process1"/>
+    <dgm:cxn modelId="{F6F31997-62E6-4170-BF59-BE34A1A74105}" srcId="{D14C185C-1C2F-43C5-B3F7-03E2FD8DCA20}" destId="{2F0BB623-C310-4F34-A614-8383840D288F}" srcOrd="1" destOrd="0" parTransId="{7FEA6977-7515-40FE-8B46-76C8A4B4FEBC}" sibTransId="{B3ED31B1-2659-4ACB-A056-32D27D08A6EF}"/>
+    <dgm:cxn modelId="{842B5DB3-BFAF-46D0-84BB-E28431233374}" srcId="{D14C185C-1C2F-43C5-B3F7-03E2FD8DCA20}" destId="{373F3D73-4163-460C-825F-AB90F0BD274A}" srcOrd="0" destOrd="0" parTransId="{00E5234B-BC00-402C-A4DC-5B7D87217C7B}" sibTransId="{510E1544-9B0B-4E5E-A21A-74C154EC99BB}"/>
+    <dgm:cxn modelId="{FC026DDC-6B9B-4E3A-ADF6-C724CBB2F3D0}" type="presOf" srcId="{94E5E8AF-0109-41B5-AD0E-4DA7AD85FEFD}" destId="{F8307AB0-8E3F-4030-91DA-849DB5B98DC2}" srcOrd="0" destOrd="0" presId="urn:microsoft.com/office/officeart/2005/8/layout/process1"/>
     <dgm:cxn modelId="{783D2856-2CC3-47A0-AB40-5DBEC579208A}" type="presOf" srcId="{D14C185C-1C2F-43C5-B3F7-03E2FD8DCA20}" destId="{0845D703-486E-420E-9274-3700A0D2E42F}" srcOrd="0" destOrd="0" presId="urn:microsoft.com/office/officeart/2005/8/layout/process1"/>
     <dgm:cxn modelId="{ED6A0291-B8AD-4213-AF49-B17AF0DD26FB}" type="presOf" srcId="{373F3D73-4163-460C-825F-AB90F0BD274A}" destId="{2CE79DA6-23CB-40EF-B25E-2E7E21767DB0}" srcOrd="0" destOrd="0" presId="urn:microsoft.com/office/officeart/2005/8/layout/process1"/>
-    <dgm:cxn modelId="{F6F31997-62E6-4170-BF59-BE34A1A74105}" srcId="{D14C185C-1C2F-43C5-B3F7-03E2FD8DCA20}" destId="{2F0BB623-C310-4F34-A614-8383840D288F}" srcOrd="1" destOrd="0" parTransId="{7FEA6977-7515-40FE-8B46-76C8A4B4FEBC}" sibTransId="{B3ED31B1-2659-4ACB-A056-32D27D08A6EF}"/>
-    <dgm:cxn modelId="{842B5DB3-BFAF-46D0-84BB-E28431233374}" srcId="{D14C185C-1C2F-43C5-B3F7-03E2FD8DCA20}" destId="{373F3D73-4163-460C-825F-AB90F0BD274A}" srcOrd="0" destOrd="0" parTransId="{00E5234B-BC00-402C-A4DC-5B7D87217C7B}" sibTransId="{510E1544-9B0B-4E5E-A21A-74C154EC99BB}"/>
+    <dgm:cxn modelId="{CCD4CFC3-8CB9-4BD5-B289-EB24AA63AAFC}" type="presOf" srcId="{510E1544-9B0B-4E5E-A21A-74C154EC99BB}" destId="{5DCD91DB-AEF7-4C9B-BD53-8B818AE7A5C2}" srcOrd="0" destOrd="0" presId="urn:microsoft.com/office/officeart/2005/8/layout/process1"/>
+    <dgm:cxn modelId="{D1F5C7F5-FF31-49AC-8A04-274782995C75}" type="presOf" srcId="{510E1544-9B0B-4E5E-A21A-74C154EC99BB}" destId="{3053149E-F4D6-4274-BA65-86C7B0CA7EE2}" srcOrd="1" destOrd="0" presId="urn:microsoft.com/office/officeart/2005/8/layout/process1"/>
+    <dgm:cxn modelId="{24755E3E-C775-4F43-94FB-4C706A911360}" type="presOf" srcId="{B3ED31B1-2659-4ACB-A056-32D27D08A6EF}" destId="{4C06B492-B4CF-4662-994E-B742043CDBA6}" srcOrd="0" destOrd="0" presId="urn:microsoft.com/office/officeart/2005/8/layout/process1"/>
     <dgm:cxn modelId="{F0E147BA-BB1F-4975-8167-3A41330F994E}" type="presOf" srcId="{B3ED31B1-2659-4ACB-A056-32D27D08A6EF}" destId="{715D3F0F-C5CB-406C-9764-737C7C1638E6}" srcOrd="1" destOrd="0" presId="urn:microsoft.com/office/officeart/2005/8/layout/process1"/>
-    <dgm:cxn modelId="{CCD4CFC3-8CB9-4BD5-B289-EB24AA63AAFC}" type="presOf" srcId="{510E1544-9B0B-4E5E-A21A-74C154EC99BB}" destId="{5DCD91DB-AEF7-4C9B-BD53-8B818AE7A5C2}" srcOrd="0" destOrd="0" presId="urn:microsoft.com/office/officeart/2005/8/layout/process1"/>
     <dgm:cxn modelId="{18AB6BD2-D883-4837-90CD-D004B6890F8F}" srcId="{D14C185C-1C2F-43C5-B3F7-03E2FD8DCA20}" destId="{94E5E8AF-0109-41B5-AD0E-4DA7AD85FEFD}" srcOrd="2" destOrd="0" parTransId="{4B4731E8-B722-4A8D-879D-71D770D64E16}" sibTransId="{5EDB3883-65F1-43C5-B2B6-715EFF19ECC3}"/>
-    <dgm:cxn modelId="{FC026DDC-6B9B-4E3A-ADF6-C724CBB2F3D0}" type="presOf" srcId="{94E5E8AF-0109-41B5-AD0E-4DA7AD85FEFD}" destId="{F8307AB0-8E3F-4030-91DA-849DB5B98DC2}" srcOrd="0" destOrd="0" presId="urn:microsoft.com/office/officeart/2005/8/layout/process1"/>
-    <dgm:cxn modelId="{8F64F8E6-C469-43B5-B5E8-EC3AE35AB88C}" type="presOf" srcId="{2F0BB623-C310-4F34-A614-8383840D288F}" destId="{501B0B5C-0A9B-4712-8139-5AB722F892AE}" srcOrd="0" destOrd="0" presId="urn:microsoft.com/office/officeart/2005/8/layout/process1"/>
-    <dgm:cxn modelId="{D1F5C7F5-FF31-49AC-8A04-274782995C75}" type="presOf" srcId="{510E1544-9B0B-4E5E-A21A-74C154EC99BB}" destId="{3053149E-F4D6-4274-BA65-86C7B0CA7EE2}" srcOrd="1" destOrd="0" presId="urn:microsoft.com/office/officeart/2005/8/layout/process1"/>
     <dgm:cxn modelId="{FAFBA5ED-5A37-4064-B4A2-75A971CC3268}" type="presParOf" srcId="{0845D703-486E-420E-9274-3700A0D2E42F}" destId="{2CE79DA6-23CB-40EF-B25E-2E7E21767DB0}" srcOrd="0" destOrd="0" presId="urn:microsoft.com/office/officeart/2005/8/layout/process1"/>
     <dgm:cxn modelId="{B192C275-C3F4-4265-AADD-2C1838C8AD5A}" type="presParOf" srcId="{0845D703-486E-420E-9274-3700A0D2E42F}" destId="{5DCD91DB-AEF7-4C9B-BD53-8B818AE7A5C2}" srcOrd="1" destOrd="0" presId="urn:microsoft.com/office/officeart/2005/8/layout/process1"/>
     <dgm:cxn modelId="{96819B01-F420-4E26-A327-E989DB4F7FB8}" type="presParOf" srcId="{5DCD91DB-AEF7-4C9B-BD53-8B818AE7A5C2}" destId="{3053149E-F4D6-4274-BA65-86C7B0CA7EE2}" srcOrd="0" destOrd="0" presId="urn:microsoft.com/office/officeart/2005/8/layout/process1"/>
@@ -2183,6 +2232,13 @@
         </dgm:presLayoutVars>
       </dgm:prSet>
       <dgm:spPr/>
+      <dgm:t>
+        <a:bodyPr/>
+        <a:lstStyle/>
+        <a:p>
+          <a:endParaRPr lang="zh-TW" altLang="en-US"/>
+        </a:p>
+      </dgm:t>
     </dgm:pt>
     <dgm:pt modelId="{37CC57EE-2C61-4BEF-8871-3338219A9556}" type="pres">
       <dgm:prSet presAssocID="{3841A661-9951-4A9C-BD92-1E214ED1A7F1}" presName="node" presStyleLbl="node1" presStyleIdx="0" presStyleCnt="5">
@@ -2191,14 +2247,35 @@
         </dgm:presLayoutVars>
       </dgm:prSet>
       <dgm:spPr/>
+      <dgm:t>
+        <a:bodyPr/>
+        <a:lstStyle/>
+        <a:p>
+          <a:endParaRPr lang="zh-TW" altLang="en-US"/>
+        </a:p>
+      </dgm:t>
     </dgm:pt>
     <dgm:pt modelId="{602DA743-6056-422D-BD95-2E982C8777E3}" type="pres">
       <dgm:prSet presAssocID="{756101F8-E74F-47A0-88AA-37478E1324E3}" presName="sibTrans" presStyleLbl="sibTrans2D1" presStyleIdx="0" presStyleCnt="4"/>
       <dgm:spPr/>
+      <dgm:t>
+        <a:bodyPr/>
+        <a:lstStyle/>
+        <a:p>
+          <a:endParaRPr lang="zh-TW" altLang="en-US"/>
+        </a:p>
+      </dgm:t>
     </dgm:pt>
     <dgm:pt modelId="{36B23BB1-5C80-41D3-B5C8-95A6DF48DBB3}" type="pres">
       <dgm:prSet presAssocID="{756101F8-E74F-47A0-88AA-37478E1324E3}" presName="connectorText" presStyleLbl="sibTrans2D1" presStyleIdx="0" presStyleCnt="4"/>
       <dgm:spPr/>
+      <dgm:t>
+        <a:bodyPr/>
+        <a:lstStyle/>
+        <a:p>
+          <a:endParaRPr lang="zh-TW" altLang="en-US"/>
+        </a:p>
+      </dgm:t>
     </dgm:pt>
     <dgm:pt modelId="{7B16F990-18B9-4D6C-B176-426070597CF8}" type="pres">
       <dgm:prSet presAssocID="{4DE45646-C300-4293-898A-FF022B7A8FEC}" presName="node" presStyleLbl="node1" presStyleIdx="1" presStyleCnt="5">
@@ -2207,14 +2284,35 @@
         </dgm:presLayoutVars>
       </dgm:prSet>
       <dgm:spPr/>
+      <dgm:t>
+        <a:bodyPr/>
+        <a:lstStyle/>
+        <a:p>
+          <a:endParaRPr lang="zh-TW" altLang="en-US"/>
+        </a:p>
+      </dgm:t>
     </dgm:pt>
     <dgm:pt modelId="{3C52E922-05C7-42AA-9176-FEB57B8A5680}" type="pres">
       <dgm:prSet presAssocID="{D93979BF-3656-4712-9F7E-DB6980D33465}" presName="sibTrans" presStyleLbl="sibTrans2D1" presStyleIdx="1" presStyleCnt="4"/>
       <dgm:spPr/>
+      <dgm:t>
+        <a:bodyPr/>
+        <a:lstStyle/>
+        <a:p>
+          <a:endParaRPr lang="zh-TW" altLang="en-US"/>
+        </a:p>
+      </dgm:t>
     </dgm:pt>
     <dgm:pt modelId="{D7B2C42D-DBB1-487C-9662-09FCC8DF404A}" type="pres">
       <dgm:prSet presAssocID="{D93979BF-3656-4712-9F7E-DB6980D33465}" presName="connectorText" presStyleLbl="sibTrans2D1" presStyleIdx="1" presStyleCnt="4"/>
       <dgm:spPr/>
+      <dgm:t>
+        <a:bodyPr/>
+        <a:lstStyle/>
+        <a:p>
+          <a:endParaRPr lang="zh-TW" altLang="en-US"/>
+        </a:p>
+      </dgm:t>
     </dgm:pt>
     <dgm:pt modelId="{76F565FD-B22D-4E20-9E68-6737A94684D0}" type="pres">
       <dgm:prSet presAssocID="{9842FACB-53DA-4024-B6CB-EE11C52C5FCF}" presName="node" presStyleLbl="node1" presStyleIdx="2" presStyleCnt="5">
@@ -2223,14 +2321,35 @@
         </dgm:presLayoutVars>
       </dgm:prSet>
       <dgm:spPr/>
+      <dgm:t>
+        <a:bodyPr/>
+        <a:lstStyle/>
+        <a:p>
+          <a:endParaRPr lang="zh-TW" altLang="en-US"/>
+        </a:p>
+      </dgm:t>
     </dgm:pt>
     <dgm:pt modelId="{AA43AFA9-0BE9-488E-8186-653D69342068}" type="pres">
       <dgm:prSet presAssocID="{47A42E82-F7B5-4BA3-BE5D-5AC65D518851}" presName="sibTrans" presStyleLbl="sibTrans2D1" presStyleIdx="2" presStyleCnt="4"/>
       <dgm:spPr/>
+      <dgm:t>
+        <a:bodyPr/>
+        <a:lstStyle/>
+        <a:p>
+          <a:endParaRPr lang="zh-TW" altLang="en-US"/>
+        </a:p>
+      </dgm:t>
     </dgm:pt>
     <dgm:pt modelId="{8BCFD47B-7865-4BED-9116-37430C496C9D}" type="pres">
       <dgm:prSet presAssocID="{47A42E82-F7B5-4BA3-BE5D-5AC65D518851}" presName="connectorText" presStyleLbl="sibTrans2D1" presStyleIdx="2" presStyleCnt="4"/>
       <dgm:spPr/>
+      <dgm:t>
+        <a:bodyPr/>
+        <a:lstStyle/>
+        <a:p>
+          <a:endParaRPr lang="zh-TW" altLang="en-US"/>
+        </a:p>
+      </dgm:t>
     </dgm:pt>
     <dgm:pt modelId="{70F605AD-AA30-4AD0-B005-7FFA52A1F50A}" type="pres">
       <dgm:prSet presAssocID="{FEDA3F26-01B6-4969-A114-7ABFAEE737C7}" presName="node" presStyleLbl="node1" presStyleIdx="3" presStyleCnt="5">
@@ -2239,14 +2358,35 @@
         </dgm:presLayoutVars>
       </dgm:prSet>
       <dgm:spPr/>
+      <dgm:t>
+        <a:bodyPr/>
+        <a:lstStyle/>
+        <a:p>
+          <a:endParaRPr lang="zh-TW" altLang="en-US"/>
+        </a:p>
+      </dgm:t>
     </dgm:pt>
     <dgm:pt modelId="{F899D3A4-AACE-4351-8D2B-C90711F51E1E}" type="pres">
       <dgm:prSet presAssocID="{16550F19-24CF-4ABC-B1CC-FECB27126818}" presName="sibTrans" presStyleLbl="sibTrans2D1" presStyleIdx="3" presStyleCnt="4"/>
       <dgm:spPr/>
+      <dgm:t>
+        <a:bodyPr/>
+        <a:lstStyle/>
+        <a:p>
+          <a:endParaRPr lang="zh-TW" altLang="en-US"/>
+        </a:p>
+      </dgm:t>
     </dgm:pt>
     <dgm:pt modelId="{45E6E406-7772-448A-A05E-CD78783E8157}" type="pres">
       <dgm:prSet presAssocID="{16550F19-24CF-4ABC-B1CC-FECB27126818}" presName="connectorText" presStyleLbl="sibTrans2D1" presStyleIdx="3" presStyleCnt="4"/>
       <dgm:spPr/>
+      <dgm:t>
+        <a:bodyPr/>
+        <a:lstStyle/>
+        <a:p>
+          <a:endParaRPr lang="zh-TW" altLang="en-US"/>
+        </a:p>
+      </dgm:t>
     </dgm:pt>
     <dgm:pt modelId="{0F5CAC29-7CB1-4849-BDCB-86C230AA7034}" type="pres">
       <dgm:prSet presAssocID="{793924AF-61E2-402A-99A0-C3B3E57342F2}" presName="node" presStyleLbl="node1" presStyleIdx="4" presStyleCnt="5">
@@ -2255,28 +2395,35 @@
         </dgm:presLayoutVars>
       </dgm:prSet>
       <dgm:spPr/>
+      <dgm:t>
+        <a:bodyPr/>
+        <a:lstStyle/>
+        <a:p>
+          <a:endParaRPr lang="zh-TW" altLang="en-US"/>
+        </a:p>
+      </dgm:t>
     </dgm:pt>
   </dgm:ptLst>
   <dgm:cxnLst>
-    <dgm:cxn modelId="{BB3B5000-0AA1-4675-8502-1A5E60CFD19F}" type="presOf" srcId="{FDABFBC2-1BFD-4076-A05A-6C7F934E68D7}" destId="{72CC2932-FA6E-49B1-8F27-F0B21286E949}" srcOrd="0" destOrd="0" presId="urn:microsoft.com/office/officeart/2005/8/layout/process1"/>
+    <dgm:cxn modelId="{30BE2351-8689-4EC5-AF2E-B7E46AC2636C}" srcId="{FDABFBC2-1BFD-4076-A05A-6C7F934E68D7}" destId="{793924AF-61E2-402A-99A0-C3B3E57342F2}" srcOrd="4" destOrd="0" parTransId="{63A9F1FB-F697-4CA3-9B26-79F1BC32AF6F}" sibTransId="{44D9DA1C-167F-4B0B-B2B6-B05705FA3443}"/>
+    <dgm:cxn modelId="{058ED1C2-8409-4DF6-840A-23940991EEBF}" type="presOf" srcId="{47A42E82-F7B5-4BA3-BE5D-5AC65D518851}" destId="{8BCFD47B-7865-4BED-9116-37430C496C9D}" srcOrd="1" destOrd="0" presId="urn:microsoft.com/office/officeart/2005/8/layout/process1"/>
+    <dgm:cxn modelId="{30F8D8AE-C9E3-4CFE-994A-4830256C8B51}" type="presOf" srcId="{3841A661-9951-4A9C-BD92-1E214ED1A7F1}" destId="{37CC57EE-2C61-4BEF-8871-3338219A9556}" srcOrd="0" destOrd="0" presId="urn:microsoft.com/office/officeart/2005/8/layout/process1"/>
+    <dgm:cxn modelId="{84FE14D8-3BCF-47F6-B85F-2E8574712243}" srcId="{FDABFBC2-1BFD-4076-A05A-6C7F934E68D7}" destId="{9842FACB-53DA-4024-B6CB-EE11C52C5FCF}" srcOrd="2" destOrd="0" parTransId="{2BFEF379-1AD1-4288-81DA-34236DD15E7F}" sibTransId="{47A42E82-F7B5-4BA3-BE5D-5AC65D518851}"/>
+    <dgm:cxn modelId="{367FA860-0927-4193-99CC-915BA076983B}" type="presOf" srcId="{756101F8-E74F-47A0-88AA-37478E1324E3}" destId="{36B23BB1-5C80-41D3-B5C8-95A6DF48DBB3}" srcOrd="1" destOrd="0" presId="urn:microsoft.com/office/officeart/2005/8/layout/process1"/>
+    <dgm:cxn modelId="{0923B7DE-459B-4935-A243-854C5AA76C90}" type="presOf" srcId="{D93979BF-3656-4712-9F7E-DB6980D33465}" destId="{D7B2C42D-DBB1-487C-9662-09FCC8DF404A}" srcOrd="1" destOrd="0" presId="urn:microsoft.com/office/officeart/2005/8/layout/process1"/>
+    <dgm:cxn modelId="{5C9862F8-7806-4F17-B72E-02FE8EB139DB}" srcId="{FDABFBC2-1BFD-4076-A05A-6C7F934E68D7}" destId="{4DE45646-C300-4293-898A-FF022B7A8FEC}" srcOrd="1" destOrd="0" parTransId="{1CF0C8C9-4439-4D14-BC06-CA919B69D58B}" sibTransId="{D93979BF-3656-4712-9F7E-DB6980D33465}"/>
     <dgm:cxn modelId="{055FCD29-F5FA-490F-B406-E005660A5F8B}" type="presOf" srcId="{756101F8-E74F-47A0-88AA-37478E1324E3}" destId="{602DA743-6056-422D-BD95-2E982C8777E3}" srcOrd="0" destOrd="0" presId="urn:microsoft.com/office/officeart/2005/8/layout/process1"/>
+    <dgm:cxn modelId="{FB0CF2B4-D2D7-4A36-9B81-83F508F22C6E}" type="presOf" srcId="{16550F19-24CF-4ABC-B1CC-FECB27126818}" destId="{F899D3A4-AACE-4351-8D2B-C90711F51E1E}" srcOrd="0" destOrd="0" presId="urn:microsoft.com/office/officeart/2005/8/layout/process1"/>
+    <dgm:cxn modelId="{9D5EFDC8-C6A0-4F0A-81F9-B42EA3BDE570}" srcId="{FDABFBC2-1BFD-4076-A05A-6C7F934E68D7}" destId="{3841A661-9951-4A9C-BD92-1E214ED1A7F1}" srcOrd="0" destOrd="0" parTransId="{3F532559-3F70-495C-9B87-F9D9578E35F3}" sibTransId="{756101F8-E74F-47A0-88AA-37478E1324E3}"/>
+    <dgm:cxn modelId="{43F93158-FD52-4F0C-8F3B-C4C77B650101}" type="presOf" srcId="{FEDA3F26-01B6-4969-A114-7ABFAEE737C7}" destId="{70F605AD-AA30-4AD0-B005-7FFA52A1F50A}" srcOrd="0" destOrd="0" presId="urn:microsoft.com/office/officeart/2005/8/layout/process1"/>
     <dgm:cxn modelId="{1BE2D033-BC5E-4C7F-9558-949D151FFC1C}" type="presOf" srcId="{9842FACB-53DA-4024-B6CB-EE11C52C5FCF}" destId="{76F565FD-B22D-4E20-9E68-6737A94684D0}" srcOrd="0" destOrd="0" presId="urn:microsoft.com/office/officeart/2005/8/layout/process1"/>
-    <dgm:cxn modelId="{367FA860-0927-4193-99CC-915BA076983B}" type="presOf" srcId="{756101F8-E74F-47A0-88AA-37478E1324E3}" destId="{36B23BB1-5C80-41D3-B5C8-95A6DF48DBB3}" srcOrd="1" destOrd="0" presId="urn:microsoft.com/office/officeart/2005/8/layout/process1"/>
+    <dgm:cxn modelId="{CEB39990-B409-400E-B30A-F60714DCAC0A}" type="presOf" srcId="{47A42E82-F7B5-4BA3-BE5D-5AC65D518851}" destId="{AA43AFA9-0BE9-488E-8186-653D69342068}" srcOrd="0" destOrd="0" presId="urn:microsoft.com/office/officeart/2005/8/layout/process1"/>
     <dgm:cxn modelId="{C324BC62-A247-40ED-B23F-366217496CDA}" type="presOf" srcId="{D93979BF-3656-4712-9F7E-DB6980D33465}" destId="{3C52E922-05C7-42AA-9176-FEB57B8A5680}" srcOrd="0" destOrd="0" presId="urn:microsoft.com/office/officeart/2005/8/layout/process1"/>
     <dgm:cxn modelId="{F9DE8870-FAC2-4655-990C-BD5C32A73D7B}" srcId="{FDABFBC2-1BFD-4076-A05A-6C7F934E68D7}" destId="{FEDA3F26-01B6-4969-A114-7ABFAEE737C7}" srcOrd="3" destOrd="0" parTransId="{CDF14BF9-343D-46A4-BE7B-0D95D9B8F5EE}" sibTransId="{16550F19-24CF-4ABC-B1CC-FECB27126818}"/>
-    <dgm:cxn modelId="{30BE2351-8689-4EC5-AF2E-B7E46AC2636C}" srcId="{FDABFBC2-1BFD-4076-A05A-6C7F934E68D7}" destId="{793924AF-61E2-402A-99A0-C3B3E57342F2}" srcOrd="4" destOrd="0" parTransId="{63A9F1FB-F697-4CA3-9B26-79F1BC32AF6F}" sibTransId="{44D9DA1C-167F-4B0B-B2B6-B05705FA3443}"/>
-    <dgm:cxn modelId="{43F93158-FD52-4F0C-8F3B-C4C77B650101}" type="presOf" srcId="{FEDA3F26-01B6-4969-A114-7ABFAEE737C7}" destId="{70F605AD-AA30-4AD0-B005-7FFA52A1F50A}" srcOrd="0" destOrd="0" presId="urn:microsoft.com/office/officeart/2005/8/layout/process1"/>
+    <dgm:cxn modelId="{A08693A2-F7D1-4A1A-BB98-1698B0328EAD}" type="presOf" srcId="{793924AF-61E2-402A-99A0-C3B3E57342F2}" destId="{0F5CAC29-7CB1-4849-BDCB-86C230AA7034}" srcOrd="0" destOrd="0" presId="urn:microsoft.com/office/officeart/2005/8/layout/process1"/>
     <dgm:cxn modelId="{A524AA80-A41F-414D-B3DE-7CB57D2A7583}" type="presOf" srcId="{16550F19-24CF-4ABC-B1CC-FECB27126818}" destId="{45E6E406-7772-448A-A05E-CD78783E8157}" srcOrd="1" destOrd="0" presId="urn:microsoft.com/office/officeart/2005/8/layout/process1"/>
-    <dgm:cxn modelId="{CEB39990-B409-400E-B30A-F60714DCAC0A}" type="presOf" srcId="{47A42E82-F7B5-4BA3-BE5D-5AC65D518851}" destId="{AA43AFA9-0BE9-488E-8186-653D69342068}" srcOrd="0" destOrd="0" presId="urn:microsoft.com/office/officeart/2005/8/layout/process1"/>
-    <dgm:cxn modelId="{A08693A2-F7D1-4A1A-BB98-1698B0328EAD}" type="presOf" srcId="{793924AF-61E2-402A-99A0-C3B3E57342F2}" destId="{0F5CAC29-7CB1-4849-BDCB-86C230AA7034}" srcOrd="0" destOrd="0" presId="urn:microsoft.com/office/officeart/2005/8/layout/process1"/>
-    <dgm:cxn modelId="{30F8D8AE-C9E3-4CFE-994A-4830256C8B51}" type="presOf" srcId="{3841A661-9951-4A9C-BD92-1E214ED1A7F1}" destId="{37CC57EE-2C61-4BEF-8871-3338219A9556}" srcOrd="0" destOrd="0" presId="urn:microsoft.com/office/officeart/2005/8/layout/process1"/>
-    <dgm:cxn modelId="{FB0CF2B4-D2D7-4A36-9B81-83F508F22C6E}" type="presOf" srcId="{16550F19-24CF-4ABC-B1CC-FECB27126818}" destId="{F899D3A4-AACE-4351-8D2B-C90711F51E1E}" srcOrd="0" destOrd="0" presId="urn:microsoft.com/office/officeart/2005/8/layout/process1"/>
-    <dgm:cxn modelId="{058ED1C2-8409-4DF6-840A-23940991EEBF}" type="presOf" srcId="{47A42E82-F7B5-4BA3-BE5D-5AC65D518851}" destId="{8BCFD47B-7865-4BED-9116-37430C496C9D}" srcOrd="1" destOrd="0" presId="urn:microsoft.com/office/officeart/2005/8/layout/process1"/>
-    <dgm:cxn modelId="{9D5EFDC8-C6A0-4F0A-81F9-B42EA3BDE570}" srcId="{FDABFBC2-1BFD-4076-A05A-6C7F934E68D7}" destId="{3841A661-9951-4A9C-BD92-1E214ED1A7F1}" srcOrd="0" destOrd="0" parTransId="{3F532559-3F70-495C-9B87-F9D9578E35F3}" sibTransId="{756101F8-E74F-47A0-88AA-37478E1324E3}"/>
-    <dgm:cxn modelId="{84FE14D8-3BCF-47F6-B85F-2E8574712243}" srcId="{FDABFBC2-1BFD-4076-A05A-6C7F934E68D7}" destId="{9842FACB-53DA-4024-B6CB-EE11C52C5FCF}" srcOrd="2" destOrd="0" parTransId="{2BFEF379-1AD1-4288-81DA-34236DD15E7F}" sibTransId="{47A42E82-F7B5-4BA3-BE5D-5AC65D518851}"/>
-    <dgm:cxn modelId="{0923B7DE-459B-4935-A243-854C5AA76C90}" type="presOf" srcId="{D93979BF-3656-4712-9F7E-DB6980D33465}" destId="{D7B2C42D-DBB1-487C-9662-09FCC8DF404A}" srcOrd="1" destOrd="0" presId="urn:microsoft.com/office/officeart/2005/8/layout/process1"/>
     <dgm:cxn modelId="{622786F3-EFC3-4D32-BEC0-99F5A752EA66}" type="presOf" srcId="{4DE45646-C300-4293-898A-FF022B7A8FEC}" destId="{7B16F990-18B9-4D6C-B176-426070597CF8}" srcOrd="0" destOrd="0" presId="urn:microsoft.com/office/officeart/2005/8/layout/process1"/>
-    <dgm:cxn modelId="{5C9862F8-7806-4F17-B72E-02FE8EB139DB}" srcId="{FDABFBC2-1BFD-4076-A05A-6C7F934E68D7}" destId="{4DE45646-C300-4293-898A-FF022B7A8FEC}" srcOrd="1" destOrd="0" parTransId="{1CF0C8C9-4439-4D14-BC06-CA919B69D58B}" sibTransId="{D93979BF-3656-4712-9F7E-DB6980D33465}"/>
+    <dgm:cxn modelId="{BB3B5000-0AA1-4675-8502-1A5E60CFD19F}" type="presOf" srcId="{FDABFBC2-1BFD-4076-A05A-6C7F934E68D7}" destId="{72CC2932-FA6E-49B1-8F27-F0B21286E949}" srcOrd="0" destOrd="0" presId="urn:microsoft.com/office/officeart/2005/8/layout/process1"/>
     <dgm:cxn modelId="{9328D5E6-5E6D-4757-964E-D6CBD3284DFA}" type="presParOf" srcId="{72CC2932-FA6E-49B1-8F27-F0B21286E949}" destId="{37CC57EE-2C61-4BEF-8871-3338219A9556}" srcOrd="0" destOrd="0" presId="urn:microsoft.com/office/officeart/2005/8/layout/process1"/>
     <dgm:cxn modelId="{8A906B85-32A7-46E4-9634-0FC34A7C09B0}" type="presParOf" srcId="{72CC2932-FA6E-49B1-8F27-F0B21286E949}" destId="{602DA743-6056-422D-BD95-2E982C8777E3}" srcOrd="1" destOrd="0" presId="urn:microsoft.com/office/officeart/2005/8/layout/process1"/>
     <dgm:cxn modelId="{9759ECC1-F92A-4ADC-B7AB-DB2CF3327DDE}" type="presParOf" srcId="{602DA743-6056-422D-BD95-2E982C8777E3}" destId="{36B23BB1-5C80-41D3-B5C8-95A6DF48DBB3}" srcOrd="0" destOrd="0" presId="urn:microsoft.com/office/officeart/2005/8/layout/process1"/>
@@ -2356,7 +2503,7 @@
         </a:bodyPr>
         <a:lstStyle/>
         <a:p>
-          <a:pPr marL="0" lvl="0" indent="0" algn="ctr" defTabSz="1200150">
+          <a:pPr lvl="0" algn="ctr" defTabSz="1200150">
             <a:lnSpc>
               <a:spcPct val="90000"/>
             </a:lnSpc>
@@ -2366,7 +2513,6 @@
             <a:spcAft>
               <a:spcPct val="35000"/>
             </a:spcAft>
-            <a:buNone/>
           </a:pPr>
           <a:r>
             <a:rPr lang="zh-TW" altLang="en-US" sz="2700" kern="1200" dirty="0">
@@ -2433,7 +2579,7 @@
         </a:bodyPr>
         <a:lstStyle/>
         <a:p>
-          <a:pPr marL="0" lvl="0" indent="0" algn="ctr" defTabSz="977900">
+          <a:pPr lvl="0" algn="ctr" defTabSz="977900">
             <a:lnSpc>
               <a:spcPct val="90000"/>
             </a:lnSpc>
@@ -2443,7 +2589,6 @@
             <a:spcAft>
               <a:spcPct val="35000"/>
             </a:spcAft>
-            <a:buNone/>
           </a:pPr>
           <a:endParaRPr lang="zh-TW" altLang="en-US" sz="2200" kern="1200"/>
         </a:p>
@@ -2500,7 +2645,7 @@
         </a:bodyPr>
         <a:lstStyle/>
         <a:p>
-          <a:pPr marL="0" lvl="0" indent="0" algn="ctr" defTabSz="1200150">
+          <a:pPr lvl="0" algn="ctr" defTabSz="1200150">
             <a:lnSpc>
               <a:spcPct val="90000"/>
             </a:lnSpc>
@@ -2510,7 +2655,6 @@
             <a:spcAft>
               <a:spcPct val="35000"/>
             </a:spcAft>
-            <a:buNone/>
           </a:pPr>
           <a:r>
             <a:rPr lang="zh-TW" altLang="en-US" sz="2700" kern="1200" dirty="0">
@@ -2577,7 +2721,7 @@
         </a:bodyPr>
         <a:lstStyle/>
         <a:p>
-          <a:pPr marL="0" lvl="0" indent="0" algn="ctr" defTabSz="977900">
+          <a:pPr lvl="0" algn="ctr" defTabSz="977900">
             <a:lnSpc>
               <a:spcPct val="90000"/>
             </a:lnSpc>
@@ -2587,7 +2731,6 @@
             <a:spcAft>
               <a:spcPct val="35000"/>
             </a:spcAft>
-            <a:buNone/>
           </a:pPr>
           <a:endParaRPr lang="zh-TW" altLang="en-US" sz="2200" kern="1200"/>
         </a:p>
@@ -2644,7 +2787,7 @@
         </a:bodyPr>
         <a:lstStyle/>
         <a:p>
-          <a:pPr marL="0" lvl="0" indent="0" algn="ctr" defTabSz="1200150">
+          <a:pPr lvl="0" algn="ctr" defTabSz="1200150">
             <a:lnSpc>
               <a:spcPct val="90000"/>
             </a:lnSpc>
@@ -2654,7 +2797,6 @@
             <a:spcAft>
               <a:spcPct val="35000"/>
             </a:spcAft>
-            <a:buNone/>
           </a:pPr>
           <a:r>
             <a:rPr lang="en-US" altLang="zh-TW" sz="2700" kern="1200" dirty="0">
@@ -2734,7 +2876,7 @@
         </a:bodyPr>
         <a:lstStyle/>
         <a:p>
-          <a:pPr marL="0" lvl="0" indent="0" algn="ctr" defTabSz="800100">
+          <a:pPr lvl="0" algn="ctr" defTabSz="800100">
             <a:lnSpc>
               <a:spcPct val="90000"/>
             </a:lnSpc>
@@ -2744,7 +2886,6 @@
             <a:spcAft>
               <a:spcPct val="35000"/>
             </a:spcAft>
-            <a:buNone/>
           </a:pPr>
           <a:r>
             <a:rPr lang="zh-TW" altLang="en-US" sz="1800" b="0" kern="1200" dirty="0">
@@ -2813,7 +2954,7 @@
         </a:bodyPr>
         <a:lstStyle/>
         <a:p>
-          <a:pPr marL="0" lvl="0" indent="0" algn="ctr" defTabSz="755650">
+          <a:pPr lvl="0" algn="ctr" defTabSz="755650">
             <a:lnSpc>
               <a:spcPct val="90000"/>
             </a:lnSpc>
@@ -2823,7 +2964,6 @@
             <a:spcAft>
               <a:spcPct val="35000"/>
             </a:spcAft>
-            <a:buNone/>
           </a:pPr>
           <a:endParaRPr lang="zh-TW" altLang="en-US" sz="1700" kern="1200"/>
         </a:p>
@@ -2879,7 +3019,7 @@
         </a:bodyPr>
         <a:lstStyle/>
         <a:p>
-          <a:pPr marL="0" lvl="0" indent="0" algn="ctr" defTabSz="933450">
+          <a:pPr lvl="0" algn="ctr" defTabSz="933450">
             <a:lnSpc>
               <a:spcPct val="90000"/>
             </a:lnSpc>
@@ -2889,7 +3029,6 @@
             <a:spcAft>
               <a:spcPct val="35000"/>
             </a:spcAft>
-            <a:buNone/>
           </a:pPr>
           <a:r>
             <a:rPr lang="zh-TW" altLang="en-US" sz="2100" kern="1200" dirty="0">
@@ -2955,7 +3094,7 @@
         </a:bodyPr>
         <a:lstStyle/>
         <a:p>
-          <a:pPr marL="0" lvl="0" indent="0" algn="ctr" defTabSz="755650">
+          <a:pPr lvl="0" algn="ctr" defTabSz="755650">
             <a:lnSpc>
               <a:spcPct val="90000"/>
             </a:lnSpc>
@@ -2965,7 +3104,6 @@
             <a:spcAft>
               <a:spcPct val="35000"/>
             </a:spcAft>
-            <a:buNone/>
           </a:pPr>
           <a:endParaRPr lang="zh-TW" altLang="en-US" sz="1700" kern="1200"/>
         </a:p>
@@ -3021,7 +3159,7 @@
         </a:bodyPr>
         <a:lstStyle/>
         <a:p>
-          <a:pPr marL="0" lvl="0" indent="0" algn="ctr" defTabSz="933450">
+          <a:pPr lvl="0" algn="ctr" defTabSz="933450">
             <a:lnSpc>
               <a:spcPct val="90000"/>
             </a:lnSpc>
@@ -3031,7 +3169,6 @@
             <a:spcAft>
               <a:spcPct val="35000"/>
             </a:spcAft>
-            <a:buNone/>
           </a:pPr>
           <a:r>
             <a:rPr lang="zh-TW" altLang="en-US" sz="2100" kern="1200" dirty="0">
@@ -3097,7 +3234,7 @@
         </a:bodyPr>
         <a:lstStyle/>
         <a:p>
-          <a:pPr marL="0" lvl="0" indent="0" algn="ctr" defTabSz="755650">
+          <a:pPr lvl="0" algn="ctr" defTabSz="755650">
             <a:lnSpc>
               <a:spcPct val="90000"/>
             </a:lnSpc>
@@ -3107,7 +3244,6 @@
             <a:spcAft>
               <a:spcPct val="35000"/>
             </a:spcAft>
-            <a:buNone/>
           </a:pPr>
           <a:endParaRPr lang="zh-TW" altLang="en-US" sz="1700" kern="1200"/>
         </a:p>
@@ -3163,7 +3299,7 @@
         </a:bodyPr>
         <a:lstStyle/>
         <a:p>
-          <a:pPr marL="0" lvl="0" indent="0" algn="ctr" defTabSz="933450">
+          <a:pPr lvl="0" algn="ctr" defTabSz="933450">
             <a:lnSpc>
               <a:spcPct val="90000"/>
             </a:lnSpc>
@@ -3173,7 +3309,6 @@
             <a:spcAft>
               <a:spcPct val="35000"/>
             </a:spcAft>
-            <a:buNone/>
           </a:pPr>
           <a:r>
             <a:rPr lang="zh-TW" altLang="en-US" sz="2100" b="0" i="0" kern="1200" dirty="0">
@@ -3243,7 +3378,7 @@
         </a:bodyPr>
         <a:lstStyle/>
         <a:p>
-          <a:pPr marL="0" lvl="0" indent="0" algn="ctr" defTabSz="755650">
+          <a:pPr lvl="0" algn="ctr" defTabSz="755650">
             <a:lnSpc>
               <a:spcPct val="90000"/>
             </a:lnSpc>
@@ -3253,7 +3388,6 @@
             <a:spcAft>
               <a:spcPct val="35000"/>
             </a:spcAft>
-            <a:buNone/>
           </a:pPr>
           <a:endParaRPr lang="zh-TW" altLang="en-US" sz="1700" kern="1200"/>
         </a:p>
@@ -3309,7 +3443,7 @@
         </a:bodyPr>
         <a:lstStyle/>
         <a:p>
-          <a:pPr marL="0" lvl="0" indent="0" algn="ctr" defTabSz="933450">
+          <a:pPr lvl="0" algn="ctr" defTabSz="933450">
             <a:lnSpc>
               <a:spcPct val="90000"/>
             </a:lnSpc>
@@ -3319,7 +3453,6 @@
             <a:spcAft>
               <a:spcPct val="35000"/>
             </a:spcAft>
-            <a:buNone/>
           </a:pPr>
           <a:r>
             <a:rPr lang="en-US" altLang="zh-TW" sz="2100" kern="1200" dirty="0">
@@ -3344,7 +3477,7 @@
           </a:r>
         </a:p>
         <a:p>
-          <a:pPr marL="0" lvl="0" indent="0" algn="ctr" defTabSz="933450">
+          <a:pPr lvl="0" algn="ctr" defTabSz="933450">
             <a:lnSpc>
               <a:spcPct val="90000"/>
             </a:lnSpc>
@@ -3354,7 +3487,6 @@
             <a:spcAft>
               <a:spcPct val="35000"/>
             </a:spcAft>
-            <a:buNone/>
           </a:pPr>
           <a:r>
             <a:rPr lang="zh-TW" altLang="en-US" sz="2100" kern="1200" dirty="0">
@@ -5922,7 +6054,7 @@
           <a:p>
             <a:fld id="{E571BEFF-2CDC-453C-8E22-E6758267B1F9}" type="datetimeFigureOut">
               <a:rPr lang="zh-TW" altLang="en-US" smtClean="0"/>
-              <a:t>2024/4/14</a:t>
+              <a:t>2024/4/15</a:t>
             </a:fld>
             <a:endParaRPr lang="zh-TW" altLang="en-US"/>
           </a:p>
@@ -6260,7 +6392,7 @@
           <a:p>
             <a:fld id="{E571BEFF-2CDC-453C-8E22-E6758267B1F9}" type="datetimeFigureOut">
               <a:rPr lang="zh-TW" altLang="en-US" smtClean="0"/>
-              <a:t>2024/4/14</a:t>
+              <a:t>2024/4/15</a:t>
             </a:fld>
             <a:endParaRPr lang="zh-TW" altLang="en-US"/>
           </a:p>
@@ -6661,7 +6793,7 @@
           <a:p>
             <a:fld id="{E571BEFF-2CDC-453C-8E22-E6758267B1F9}" type="datetimeFigureOut">
               <a:rPr lang="zh-TW" altLang="en-US" smtClean="0"/>
-              <a:t>2024/4/14</a:t>
+              <a:t>2024/4/15</a:t>
             </a:fld>
             <a:endParaRPr lang="zh-TW" altLang="en-US"/>
           </a:p>
@@ -6997,7 +7129,7 @@
           <a:p>
             <a:fld id="{E571BEFF-2CDC-453C-8E22-E6758267B1F9}" type="datetimeFigureOut">
               <a:rPr lang="zh-TW" altLang="en-US" smtClean="0"/>
-              <a:t>2024/4/14</a:t>
+              <a:t>2024/4/15</a:t>
             </a:fld>
             <a:endParaRPr lang="zh-TW" altLang="en-US"/>
           </a:p>
@@ -7317,7 +7449,7 @@
           <a:p>
             <a:fld id="{E571BEFF-2CDC-453C-8E22-E6758267B1F9}" type="datetimeFigureOut">
               <a:rPr lang="zh-TW" altLang="en-US" smtClean="0"/>
-              <a:t>2024/4/14</a:t>
+              <a:t>2024/4/15</a:t>
             </a:fld>
             <a:endParaRPr lang="zh-TW" altLang="en-US"/>
           </a:p>
@@ -7713,7 +7845,7 @@
           <a:p>
             <a:fld id="{E571BEFF-2CDC-453C-8E22-E6758267B1F9}" type="datetimeFigureOut">
               <a:rPr lang="zh-TW" altLang="en-US" smtClean="0"/>
-              <a:t>2024/4/14</a:t>
+              <a:t>2024/4/15</a:t>
             </a:fld>
             <a:endParaRPr lang="zh-TW" altLang="en-US"/>
           </a:p>
@@ -7970,7 +8102,7 @@
           <a:p>
             <a:fld id="{E571BEFF-2CDC-453C-8E22-E6758267B1F9}" type="datetimeFigureOut">
               <a:rPr lang="zh-TW" altLang="en-US" smtClean="0"/>
-              <a:t>2024/4/14</a:t>
+              <a:t>2024/4/15</a:t>
             </a:fld>
             <a:endParaRPr lang="zh-TW" altLang="en-US"/>
           </a:p>
@@ -8232,7 +8364,7 @@
           <a:p>
             <a:fld id="{E571BEFF-2CDC-453C-8E22-E6758267B1F9}" type="datetimeFigureOut">
               <a:rPr lang="zh-TW" altLang="en-US" smtClean="0"/>
-              <a:t>2024/4/14</a:t>
+              <a:t>2024/4/15</a:t>
             </a:fld>
             <a:endParaRPr lang="zh-TW" altLang="en-US"/>
           </a:p>
@@ -8494,7 +8626,7 @@
           <a:p>
             <a:fld id="{E571BEFF-2CDC-453C-8E22-E6758267B1F9}" type="datetimeFigureOut">
               <a:rPr lang="zh-TW" altLang="en-US" smtClean="0"/>
-              <a:t>2024/4/14</a:t>
+              <a:t>2024/4/15</a:t>
             </a:fld>
             <a:endParaRPr lang="zh-TW" altLang="en-US"/>
           </a:p>
@@ -8823,7 +8955,7 @@
           <a:p>
             <a:fld id="{E571BEFF-2CDC-453C-8E22-E6758267B1F9}" type="datetimeFigureOut">
               <a:rPr lang="zh-TW" altLang="en-US" smtClean="0"/>
-              <a:t>2024/4/14</a:t>
+              <a:t>2024/4/15</a:t>
             </a:fld>
             <a:endParaRPr lang="zh-TW" altLang="en-US"/>
           </a:p>
@@ -9146,7 +9278,7 @@
           <a:p>
             <a:fld id="{E571BEFF-2CDC-453C-8E22-E6758267B1F9}" type="datetimeFigureOut">
               <a:rPr lang="zh-TW" altLang="en-US" smtClean="0"/>
-              <a:t>2024/4/14</a:t>
+              <a:t>2024/4/15</a:t>
             </a:fld>
             <a:endParaRPr lang="zh-TW" altLang="en-US"/>
           </a:p>
@@ -9603,7 +9735,7 @@
           <a:p>
             <a:fld id="{E571BEFF-2CDC-453C-8E22-E6758267B1F9}" type="datetimeFigureOut">
               <a:rPr lang="zh-TW" altLang="en-US" smtClean="0"/>
-              <a:t>2024/4/14</a:t>
+              <a:t>2024/4/15</a:t>
             </a:fld>
             <a:endParaRPr lang="zh-TW" altLang="en-US"/>
           </a:p>
@@ -9808,7 +9940,7 @@
           <a:p>
             <a:fld id="{E571BEFF-2CDC-453C-8E22-E6758267B1F9}" type="datetimeFigureOut">
               <a:rPr lang="zh-TW" altLang="en-US" smtClean="0"/>
-              <a:t>2024/4/14</a:t>
+              <a:t>2024/4/15</a:t>
             </a:fld>
             <a:endParaRPr lang="zh-TW" altLang="en-US"/>
           </a:p>
@@ -9985,7 +10117,7 @@
           <a:p>
             <a:fld id="{E571BEFF-2CDC-453C-8E22-E6758267B1F9}" type="datetimeFigureOut">
               <a:rPr lang="zh-TW" altLang="en-US" smtClean="0"/>
-              <a:t>2024/4/14</a:t>
+              <a:t>2024/4/15</a:t>
             </a:fld>
             <a:endParaRPr lang="zh-TW" altLang="en-US"/>
           </a:p>
@@ -10318,7 +10450,7 @@
           <a:p>
             <a:fld id="{E571BEFF-2CDC-453C-8E22-E6758267B1F9}" type="datetimeFigureOut">
               <a:rPr lang="zh-TW" altLang="en-US" smtClean="0"/>
-              <a:t>2024/4/14</a:t>
+              <a:t>2024/4/15</a:t>
             </a:fld>
             <a:endParaRPr lang="zh-TW" altLang="en-US"/>
           </a:p>
@@ -10663,7 +10795,7 @@
           <a:p>
             <a:fld id="{E571BEFF-2CDC-453C-8E22-E6758267B1F9}" type="datetimeFigureOut">
               <a:rPr lang="zh-TW" altLang="en-US" smtClean="0"/>
-              <a:t>2024/4/14</a:t>
+              <a:t>2024/4/15</a:t>
             </a:fld>
             <a:endParaRPr lang="zh-TW" altLang="en-US"/>
           </a:p>
@@ -12780,7 +12912,7 @@
           <a:p>
             <a:fld id="{E571BEFF-2CDC-453C-8E22-E6758267B1F9}" type="datetimeFigureOut">
               <a:rPr lang="zh-TW" altLang="en-US" smtClean="0"/>
-              <a:t>2024/4/14</a:t>
+              <a:t>2024/4/15</a:t>
             </a:fld>
             <a:endParaRPr lang="zh-TW" altLang="en-US"/>
           </a:p>
@@ -14224,22 +14356,29 @@
                 <a:latin typeface="華康細明體" panose="02020309000000000000" pitchFamily="49" charset="-120"/>
                 <a:ea typeface="華康細明體" panose="02020309000000000000" pitchFamily="49" charset="-120"/>
               </a:rPr>
-              <a:t>姚辰彥：</a:t>
-            </a:r>
-            <a:endParaRPr lang="en-US" altLang="zh-TW" dirty="0">
+              <a:t>姚辰彥</a:t>
+            </a:r>
+            <a:r>
+              <a:rPr lang="zh-TW" altLang="en-US" dirty="0" smtClean="0">
+                <a:latin typeface="華康細明體" panose="02020309000000000000" pitchFamily="49" charset="-120"/>
+                <a:ea typeface="華康細明體" panose="02020309000000000000" pitchFamily="49" charset="-120"/>
+              </a:rPr>
+              <a:t>：</a:t>
+            </a:r>
+            <a:endParaRPr lang="en-US" altLang="zh-TW" dirty="0" smtClean="0">
               <a:latin typeface="華康細明體" panose="02020309000000000000" pitchFamily="49" charset="-120"/>
               <a:ea typeface="華康細明體" panose="02020309000000000000" pitchFamily="49" charset="-120"/>
             </a:endParaRPr>
           </a:p>
           <a:p>
             <a:r>
-              <a:rPr lang="zh-TW" altLang="en-US" dirty="0">
+              <a:rPr lang="zh-TW" altLang="en-US" dirty="0" smtClean="0">
                 <a:latin typeface="華康細明體" panose="02020309000000000000" pitchFamily="49" charset="-120"/>
                 <a:ea typeface="華康細明體" panose="02020309000000000000" pitchFamily="49" charset="-120"/>
               </a:rPr>
               <a:t>卓家葳：</a:t>
             </a:r>
-            <a:endParaRPr lang="en-US" altLang="zh-TW" sz="4000" dirty="0">
+            <a:endParaRPr lang="en-US" altLang="zh-TW" sz="4000" dirty="0" smtClean="0">
               <a:latin typeface="華康細明體" panose="02020309000000000000" pitchFamily="49" charset="-120"/>
               <a:ea typeface="華康細明體" panose="02020309000000000000" pitchFamily="49" charset="-120"/>
             </a:endParaRPr>
@@ -15727,6 +15866,16 @@
               </a:rPr>
               <a:t>)</a:t>
             </a:r>
+            <a:r>
+              <a:rPr lang="zh-TW" altLang="en-US" b="0" i="0" dirty="0">
+                <a:solidFill>
+                  <a:srgbClr val="000000"/>
+                </a:solidFill>
+                <a:effectLst/>
+                <a:latin typeface="Segoe UI" panose="020B0502040204020203" pitchFamily="34" charset="0"/>
+              </a:rPr>
+              <a:t/>
+            </a:r>
             <a:br>
               <a:rPr lang="zh-TW" altLang="en-US" b="0" i="0" dirty="0">
                 <a:solidFill>
@@ -15786,6 +15935,16 @@
               </a:rPr>
               <a:t>(65.1KSPS~61.44MSPS)</a:t>
             </a:r>
+            <a:r>
+              <a:rPr lang="en-US" altLang="zh-TW" b="0" i="0" dirty="0">
+                <a:solidFill>
+                  <a:srgbClr val="000000"/>
+                </a:solidFill>
+                <a:effectLst/>
+                <a:latin typeface="Segoe UI" panose="020B0502040204020203" pitchFamily="34" charset="0"/>
+              </a:rPr>
+              <a:t/>
+            </a:r>
             <a:br>
               <a:rPr lang="en-US" altLang="zh-TW" b="0" i="0" dirty="0">
                 <a:solidFill>
@@ -15845,6 +16004,16 @@
               </a:rPr>
               <a:t>(200KHZ~20MHZ)</a:t>
             </a:r>
+            <a:r>
+              <a:rPr lang="en-US" altLang="zh-TW" b="0" i="0" dirty="0">
+                <a:solidFill>
+                  <a:srgbClr val="000000"/>
+                </a:solidFill>
+                <a:effectLst/>
+                <a:latin typeface="Segoe UI" panose="020B0502040204020203" pitchFamily="34" charset="0"/>
+              </a:rPr>
+              <a:t/>
+            </a:r>
             <a:br>
               <a:rPr lang="en-US" altLang="zh-TW" b="0" i="0" dirty="0">
                 <a:solidFill>
@@ -15884,6 +16053,16 @@
               </a:rPr>
               <a:t>)</a:t>
             </a:r>
+            <a:r>
+              <a:rPr lang="zh-TW" altLang="en-US" b="0" i="0" dirty="0">
+                <a:solidFill>
+                  <a:srgbClr val="000000"/>
+                </a:solidFill>
+                <a:effectLst/>
+                <a:latin typeface="Segoe UI" panose="020B0502040204020203" pitchFamily="34" charset="0"/>
+              </a:rPr>
+              <a:t/>
+            </a:r>
             <a:br>
               <a:rPr lang="zh-TW" altLang="en-US" b="0" i="0" dirty="0">
                 <a:solidFill>
@@ -15943,6 +16122,16 @@
               </a:rPr>
               <a:t>74dBm)</a:t>
             </a:r>
+            <a:r>
+              <a:rPr lang="en-US" altLang="zh-TW" b="0" i="0" dirty="0">
+                <a:solidFill>
+                  <a:srgbClr val="000000"/>
+                </a:solidFill>
+                <a:effectLst/>
+                <a:latin typeface="Segoe UI" panose="020B0502040204020203" pitchFamily="34" charset="0"/>
+              </a:rPr>
+              <a:t/>
+            </a:r>
             <a:br>
               <a:rPr lang="en-US" altLang="zh-TW" b="0" i="0" dirty="0">
                 <a:solidFill>
@@ -16022,6 +16211,16 @@
               </a:rPr>
               <a:t>)</a:t>
             </a:r>
+            <a:r>
+              <a:rPr lang="zh-TW" altLang="en-US" b="0" i="0" dirty="0">
+                <a:solidFill>
+                  <a:srgbClr val="000000"/>
+                </a:solidFill>
+                <a:effectLst/>
+                <a:latin typeface="Segoe UI" panose="020B0502040204020203" pitchFamily="34" charset="0"/>
+              </a:rPr>
+              <a:t/>
+            </a:r>
             <a:br>
               <a:rPr lang="zh-TW" altLang="en-US" b="0" i="0" dirty="0">
                 <a:solidFill>
@@ -16081,6 +16280,16 @@
               </a:rPr>
               <a:t>(65.1KSPS~61.44MSPS)</a:t>
             </a:r>
+            <a:r>
+              <a:rPr lang="en-US" altLang="zh-TW" b="0" i="0" dirty="0">
+                <a:solidFill>
+                  <a:srgbClr val="000000"/>
+                </a:solidFill>
+                <a:effectLst/>
+                <a:latin typeface="Segoe UI" panose="020B0502040204020203" pitchFamily="34" charset="0"/>
+              </a:rPr>
+              <a:t/>
+            </a:r>
             <a:br>
               <a:rPr lang="en-US" altLang="zh-TW" b="0" i="0" dirty="0">
                 <a:solidFill>
@@ -16149,6 +16358,10 @@
             </a:endParaRPr>
           </a:p>
           <a:p>
+            <a:r>
+              <a:rPr lang="en-US" altLang="zh-TW" dirty="0"/>
+              <a:t/>
+            </a:r>
             <a:br>
               <a:rPr lang="en-US" altLang="zh-TW" dirty="0"/>
             </a:br>

--- a/report/以SDR實現OTSM通訊技術.pptx
+++ b/report/以SDR實現OTSM通訊技術.pptx
@@ -1797,35 +1797,14 @@
         </dgm:presLayoutVars>
       </dgm:prSet>
       <dgm:spPr/>
-      <dgm:t>
-        <a:bodyPr/>
-        <a:lstStyle/>
-        <a:p>
-          <a:endParaRPr lang="zh-TW" altLang="en-US"/>
-        </a:p>
-      </dgm:t>
     </dgm:pt>
     <dgm:pt modelId="{5DCD91DB-AEF7-4C9B-BD53-8B818AE7A5C2}" type="pres">
       <dgm:prSet presAssocID="{510E1544-9B0B-4E5E-A21A-74C154EC99BB}" presName="sibTrans" presStyleLbl="sibTrans2D1" presStyleIdx="0" presStyleCnt="2"/>
       <dgm:spPr/>
-      <dgm:t>
-        <a:bodyPr/>
-        <a:lstStyle/>
-        <a:p>
-          <a:endParaRPr lang="zh-TW" altLang="en-US"/>
-        </a:p>
-      </dgm:t>
     </dgm:pt>
     <dgm:pt modelId="{3053149E-F4D6-4274-BA65-86C7B0CA7EE2}" type="pres">
       <dgm:prSet presAssocID="{510E1544-9B0B-4E5E-A21A-74C154EC99BB}" presName="connectorText" presStyleLbl="sibTrans2D1" presStyleIdx="0" presStyleCnt="2"/>
       <dgm:spPr/>
-      <dgm:t>
-        <a:bodyPr/>
-        <a:lstStyle/>
-        <a:p>
-          <a:endParaRPr lang="zh-TW" altLang="en-US"/>
-        </a:p>
-      </dgm:t>
     </dgm:pt>
     <dgm:pt modelId="{501B0B5C-0A9B-4712-8139-5AB722F892AE}" type="pres">
       <dgm:prSet presAssocID="{2F0BB623-C310-4F34-A614-8383840D288F}" presName="node" presStyleLbl="node1" presStyleIdx="1" presStyleCnt="3">
@@ -1834,35 +1813,14 @@
         </dgm:presLayoutVars>
       </dgm:prSet>
       <dgm:spPr/>
-      <dgm:t>
-        <a:bodyPr/>
-        <a:lstStyle/>
-        <a:p>
-          <a:endParaRPr lang="zh-TW" altLang="en-US"/>
-        </a:p>
-      </dgm:t>
     </dgm:pt>
     <dgm:pt modelId="{4C06B492-B4CF-4662-994E-B742043CDBA6}" type="pres">
       <dgm:prSet presAssocID="{B3ED31B1-2659-4ACB-A056-32D27D08A6EF}" presName="sibTrans" presStyleLbl="sibTrans2D1" presStyleIdx="1" presStyleCnt="2"/>
       <dgm:spPr/>
-      <dgm:t>
-        <a:bodyPr/>
-        <a:lstStyle/>
-        <a:p>
-          <a:endParaRPr lang="zh-TW" altLang="en-US"/>
-        </a:p>
-      </dgm:t>
     </dgm:pt>
     <dgm:pt modelId="{715D3F0F-C5CB-406C-9764-737C7C1638E6}" type="pres">
       <dgm:prSet presAssocID="{B3ED31B1-2659-4ACB-A056-32D27D08A6EF}" presName="connectorText" presStyleLbl="sibTrans2D1" presStyleIdx="1" presStyleCnt="2"/>
       <dgm:spPr/>
-      <dgm:t>
-        <a:bodyPr/>
-        <a:lstStyle/>
-        <a:p>
-          <a:endParaRPr lang="zh-TW" altLang="en-US"/>
-        </a:p>
-      </dgm:t>
     </dgm:pt>
     <dgm:pt modelId="{F8307AB0-8E3F-4030-91DA-849DB5B98DC2}" type="pres">
       <dgm:prSet presAssocID="{94E5E8AF-0109-41B5-AD0E-4DA7AD85FEFD}" presName="node" presStyleLbl="node1" presStyleIdx="2" presStyleCnt="3">
@@ -1871,27 +1829,20 @@
         </dgm:presLayoutVars>
       </dgm:prSet>
       <dgm:spPr/>
-      <dgm:t>
-        <a:bodyPr/>
-        <a:lstStyle/>
-        <a:p>
-          <a:endParaRPr lang="zh-TW" altLang="en-US"/>
-        </a:p>
-      </dgm:t>
     </dgm:pt>
   </dgm:ptLst>
   <dgm:cxnLst>
-    <dgm:cxn modelId="{8F64F8E6-C469-43B5-B5E8-EC3AE35AB88C}" type="presOf" srcId="{2F0BB623-C310-4F34-A614-8383840D288F}" destId="{501B0B5C-0A9B-4712-8139-5AB722F892AE}" srcOrd="0" destOrd="0" presId="urn:microsoft.com/office/officeart/2005/8/layout/process1"/>
+    <dgm:cxn modelId="{24755E3E-C775-4F43-94FB-4C706A911360}" type="presOf" srcId="{B3ED31B1-2659-4ACB-A056-32D27D08A6EF}" destId="{4C06B492-B4CF-4662-994E-B742043CDBA6}" srcOrd="0" destOrd="0" presId="urn:microsoft.com/office/officeart/2005/8/layout/process1"/>
+    <dgm:cxn modelId="{783D2856-2CC3-47A0-AB40-5DBEC579208A}" type="presOf" srcId="{D14C185C-1C2F-43C5-B3F7-03E2FD8DCA20}" destId="{0845D703-486E-420E-9274-3700A0D2E42F}" srcOrd="0" destOrd="0" presId="urn:microsoft.com/office/officeart/2005/8/layout/process1"/>
+    <dgm:cxn modelId="{ED6A0291-B8AD-4213-AF49-B17AF0DD26FB}" type="presOf" srcId="{373F3D73-4163-460C-825F-AB90F0BD274A}" destId="{2CE79DA6-23CB-40EF-B25E-2E7E21767DB0}" srcOrd="0" destOrd="0" presId="urn:microsoft.com/office/officeart/2005/8/layout/process1"/>
     <dgm:cxn modelId="{F6F31997-62E6-4170-BF59-BE34A1A74105}" srcId="{D14C185C-1C2F-43C5-B3F7-03E2FD8DCA20}" destId="{2F0BB623-C310-4F34-A614-8383840D288F}" srcOrd="1" destOrd="0" parTransId="{7FEA6977-7515-40FE-8B46-76C8A4B4FEBC}" sibTransId="{B3ED31B1-2659-4ACB-A056-32D27D08A6EF}"/>
     <dgm:cxn modelId="{842B5DB3-BFAF-46D0-84BB-E28431233374}" srcId="{D14C185C-1C2F-43C5-B3F7-03E2FD8DCA20}" destId="{373F3D73-4163-460C-825F-AB90F0BD274A}" srcOrd="0" destOrd="0" parTransId="{00E5234B-BC00-402C-A4DC-5B7D87217C7B}" sibTransId="{510E1544-9B0B-4E5E-A21A-74C154EC99BB}"/>
+    <dgm:cxn modelId="{F0E147BA-BB1F-4975-8167-3A41330F994E}" type="presOf" srcId="{B3ED31B1-2659-4ACB-A056-32D27D08A6EF}" destId="{715D3F0F-C5CB-406C-9764-737C7C1638E6}" srcOrd="1" destOrd="0" presId="urn:microsoft.com/office/officeart/2005/8/layout/process1"/>
+    <dgm:cxn modelId="{CCD4CFC3-8CB9-4BD5-B289-EB24AA63AAFC}" type="presOf" srcId="{510E1544-9B0B-4E5E-A21A-74C154EC99BB}" destId="{5DCD91DB-AEF7-4C9B-BD53-8B818AE7A5C2}" srcOrd="0" destOrd="0" presId="urn:microsoft.com/office/officeart/2005/8/layout/process1"/>
+    <dgm:cxn modelId="{18AB6BD2-D883-4837-90CD-D004B6890F8F}" srcId="{D14C185C-1C2F-43C5-B3F7-03E2FD8DCA20}" destId="{94E5E8AF-0109-41B5-AD0E-4DA7AD85FEFD}" srcOrd="2" destOrd="0" parTransId="{4B4731E8-B722-4A8D-879D-71D770D64E16}" sibTransId="{5EDB3883-65F1-43C5-B2B6-715EFF19ECC3}"/>
     <dgm:cxn modelId="{FC026DDC-6B9B-4E3A-ADF6-C724CBB2F3D0}" type="presOf" srcId="{94E5E8AF-0109-41B5-AD0E-4DA7AD85FEFD}" destId="{F8307AB0-8E3F-4030-91DA-849DB5B98DC2}" srcOrd="0" destOrd="0" presId="urn:microsoft.com/office/officeart/2005/8/layout/process1"/>
-    <dgm:cxn modelId="{783D2856-2CC3-47A0-AB40-5DBEC579208A}" type="presOf" srcId="{D14C185C-1C2F-43C5-B3F7-03E2FD8DCA20}" destId="{0845D703-486E-420E-9274-3700A0D2E42F}" srcOrd="0" destOrd="0" presId="urn:microsoft.com/office/officeart/2005/8/layout/process1"/>
-    <dgm:cxn modelId="{ED6A0291-B8AD-4213-AF49-B17AF0DD26FB}" type="presOf" srcId="{373F3D73-4163-460C-825F-AB90F0BD274A}" destId="{2CE79DA6-23CB-40EF-B25E-2E7E21767DB0}" srcOrd="0" destOrd="0" presId="urn:microsoft.com/office/officeart/2005/8/layout/process1"/>
-    <dgm:cxn modelId="{CCD4CFC3-8CB9-4BD5-B289-EB24AA63AAFC}" type="presOf" srcId="{510E1544-9B0B-4E5E-A21A-74C154EC99BB}" destId="{5DCD91DB-AEF7-4C9B-BD53-8B818AE7A5C2}" srcOrd="0" destOrd="0" presId="urn:microsoft.com/office/officeart/2005/8/layout/process1"/>
+    <dgm:cxn modelId="{8F64F8E6-C469-43B5-B5E8-EC3AE35AB88C}" type="presOf" srcId="{2F0BB623-C310-4F34-A614-8383840D288F}" destId="{501B0B5C-0A9B-4712-8139-5AB722F892AE}" srcOrd="0" destOrd="0" presId="urn:microsoft.com/office/officeart/2005/8/layout/process1"/>
     <dgm:cxn modelId="{D1F5C7F5-FF31-49AC-8A04-274782995C75}" type="presOf" srcId="{510E1544-9B0B-4E5E-A21A-74C154EC99BB}" destId="{3053149E-F4D6-4274-BA65-86C7B0CA7EE2}" srcOrd="1" destOrd="0" presId="urn:microsoft.com/office/officeart/2005/8/layout/process1"/>
-    <dgm:cxn modelId="{24755E3E-C775-4F43-94FB-4C706A911360}" type="presOf" srcId="{B3ED31B1-2659-4ACB-A056-32D27D08A6EF}" destId="{4C06B492-B4CF-4662-994E-B742043CDBA6}" srcOrd="0" destOrd="0" presId="urn:microsoft.com/office/officeart/2005/8/layout/process1"/>
-    <dgm:cxn modelId="{F0E147BA-BB1F-4975-8167-3A41330F994E}" type="presOf" srcId="{B3ED31B1-2659-4ACB-A056-32D27D08A6EF}" destId="{715D3F0F-C5CB-406C-9764-737C7C1638E6}" srcOrd="1" destOrd="0" presId="urn:microsoft.com/office/officeart/2005/8/layout/process1"/>
-    <dgm:cxn modelId="{18AB6BD2-D883-4837-90CD-D004B6890F8F}" srcId="{D14C185C-1C2F-43C5-B3F7-03E2FD8DCA20}" destId="{94E5E8AF-0109-41B5-AD0E-4DA7AD85FEFD}" srcOrd="2" destOrd="0" parTransId="{4B4731E8-B722-4A8D-879D-71D770D64E16}" sibTransId="{5EDB3883-65F1-43C5-B2B6-715EFF19ECC3}"/>
     <dgm:cxn modelId="{FAFBA5ED-5A37-4064-B4A2-75A971CC3268}" type="presParOf" srcId="{0845D703-486E-420E-9274-3700A0D2E42F}" destId="{2CE79DA6-23CB-40EF-B25E-2E7E21767DB0}" srcOrd="0" destOrd="0" presId="urn:microsoft.com/office/officeart/2005/8/layout/process1"/>
     <dgm:cxn modelId="{B192C275-C3F4-4265-AADD-2C1838C8AD5A}" type="presParOf" srcId="{0845D703-486E-420E-9274-3700A0D2E42F}" destId="{5DCD91DB-AEF7-4C9B-BD53-8B818AE7A5C2}" srcOrd="1" destOrd="0" presId="urn:microsoft.com/office/officeart/2005/8/layout/process1"/>
     <dgm:cxn modelId="{96819B01-F420-4E26-A327-E989DB4F7FB8}" type="presParOf" srcId="{5DCD91DB-AEF7-4C9B-BD53-8B818AE7A5C2}" destId="{3053149E-F4D6-4274-BA65-86C7B0CA7EE2}" srcOrd="0" destOrd="0" presId="urn:microsoft.com/office/officeart/2005/8/layout/process1"/>
@@ -2232,13 +2183,6 @@
         </dgm:presLayoutVars>
       </dgm:prSet>
       <dgm:spPr/>
-      <dgm:t>
-        <a:bodyPr/>
-        <a:lstStyle/>
-        <a:p>
-          <a:endParaRPr lang="zh-TW" altLang="en-US"/>
-        </a:p>
-      </dgm:t>
     </dgm:pt>
     <dgm:pt modelId="{37CC57EE-2C61-4BEF-8871-3338219A9556}" type="pres">
       <dgm:prSet presAssocID="{3841A661-9951-4A9C-BD92-1E214ED1A7F1}" presName="node" presStyleLbl="node1" presStyleIdx="0" presStyleCnt="5">
@@ -2247,35 +2191,14 @@
         </dgm:presLayoutVars>
       </dgm:prSet>
       <dgm:spPr/>
-      <dgm:t>
-        <a:bodyPr/>
-        <a:lstStyle/>
-        <a:p>
-          <a:endParaRPr lang="zh-TW" altLang="en-US"/>
-        </a:p>
-      </dgm:t>
     </dgm:pt>
     <dgm:pt modelId="{602DA743-6056-422D-BD95-2E982C8777E3}" type="pres">
       <dgm:prSet presAssocID="{756101F8-E74F-47A0-88AA-37478E1324E3}" presName="sibTrans" presStyleLbl="sibTrans2D1" presStyleIdx="0" presStyleCnt="4"/>
       <dgm:spPr/>
-      <dgm:t>
-        <a:bodyPr/>
-        <a:lstStyle/>
-        <a:p>
-          <a:endParaRPr lang="zh-TW" altLang="en-US"/>
-        </a:p>
-      </dgm:t>
     </dgm:pt>
     <dgm:pt modelId="{36B23BB1-5C80-41D3-B5C8-95A6DF48DBB3}" type="pres">
       <dgm:prSet presAssocID="{756101F8-E74F-47A0-88AA-37478E1324E3}" presName="connectorText" presStyleLbl="sibTrans2D1" presStyleIdx="0" presStyleCnt="4"/>
       <dgm:spPr/>
-      <dgm:t>
-        <a:bodyPr/>
-        <a:lstStyle/>
-        <a:p>
-          <a:endParaRPr lang="zh-TW" altLang="en-US"/>
-        </a:p>
-      </dgm:t>
     </dgm:pt>
     <dgm:pt modelId="{7B16F990-18B9-4D6C-B176-426070597CF8}" type="pres">
       <dgm:prSet presAssocID="{4DE45646-C300-4293-898A-FF022B7A8FEC}" presName="node" presStyleLbl="node1" presStyleIdx="1" presStyleCnt="5">
@@ -2284,35 +2207,14 @@
         </dgm:presLayoutVars>
       </dgm:prSet>
       <dgm:spPr/>
-      <dgm:t>
-        <a:bodyPr/>
-        <a:lstStyle/>
-        <a:p>
-          <a:endParaRPr lang="zh-TW" altLang="en-US"/>
-        </a:p>
-      </dgm:t>
     </dgm:pt>
     <dgm:pt modelId="{3C52E922-05C7-42AA-9176-FEB57B8A5680}" type="pres">
       <dgm:prSet presAssocID="{D93979BF-3656-4712-9F7E-DB6980D33465}" presName="sibTrans" presStyleLbl="sibTrans2D1" presStyleIdx="1" presStyleCnt="4"/>
       <dgm:spPr/>
-      <dgm:t>
-        <a:bodyPr/>
-        <a:lstStyle/>
-        <a:p>
-          <a:endParaRPr lang="zh-TW" altLang="en-US"/>
-        </a:p>
-      </dgm:t>
     </dgm:pt>
     <dgm:pt modelId="{D7B2C42D-DBB1-487C-9662-09FCC8DF404A}" type="pres">
       <dgm:prSet presAssocID="{D93979BF-3656-4712-9F7E-DB6980D33465}" presName="connectorText" presStyleLbl="sibTrans2D1" presStyleIdx="1" presStyleCnt="4"/>
       <dgm:spPr/>
-      <dgm:t>
-        <a:bodyPr/>
-        <a:lstStyle/>
-        <a:p>
-          <a:endParaRPr lang="zh-TW" altLang="en-US"/>
-        </a:p>
-      </dgm:t>
     </dgm:pt>
     <dgm:pt modelId="{76F565FD-B22D-4E20-9E68-6737A94684D0}" type="pres">
       <dgm:prSet presAssocID="{9842FACB-53DA-4024-B6CB-EE11C52C5FCF}" presName="node" presStyleLbl="node1" presStyleIdx="2" presStyleCnt="5">
@@ -2321,35 +2223,14 @@
         </dgm:presLayoutVars>
       </dgm:prSet>
       <dgm:spPr/>
-      <dgm:t>
-        <a:bodyPr/>
-        <a:lstStyle/>
-        <a:p>
-          <a:endParaRPr lang="zh-TW" altLang="en-US"/>
-        </a:p>
-      </dgm:t>
     </dgm:pt>
     <dgm:pt modelId="{AA43AFA9-0BE9-488E-8186-653D69342068}" type="pres">
       <dgm:prSet presAssocID="{47A42E82-F7B5-4BA3-BE5D-5AC65D518851}" presName="sibTrans" presStyleLbl="sibTrans2D1" presStyleIdx="2" presStyleCnt="4"/>
       <dgm:spPr/>
-      <dgm:t>
-        <a:bodyPr/>
-        <a:lstStyle/>
-        <a:p>
-          <a:endParaRPr lang="zh-TW" altLang="en-US"/>
-        </a:p>
-      </dgm:t>
     </dgm:pt>
     <dgm:pt modelId="{8BCFD47B-7865-4BED-9116-37430C496C9D}" type="pres">
       <dgm:prSet presAssocID="{47A42E82-F7B5-4BA3-BE5D-5AC65D518851}" presName="connectorText" presStyleLbl="sibTrans2D1" presStyleIdx="2" presStyleCnt="4"/>
       <dgm:spPr/>
-      <dgm:t>
-        <a:bodyPr/>
-        <a:lstStyle/>
-        <a:p>
-          <a:endParaRPr lang="zh-TW" altLang="en-US"/>
-        </a:p>
-      </dgm:t>
     </dgm:pt>
     <dgm:pt modelId="{70F605AD-AA30-4AD0-B005-7FFA52A1F50A}" type="pres">
       <dgm:prSet presAssocID="{FEDA3F26-01B6-4969-A114-7ABFAEE737C7}" presName="node" presStyleLbl="node1" presStyleIdx="3" presStyleCnt="5">
@@ -2358,35 +2239,14 @@
         </dgm:presLayoutVars>
       </dgm:prSet>
       <dgm:spPr/>
-      <dgm:t>
-        <a:bodyPr/>
-        <a:lstStyle/>
-        <a:p>
-          <a:endParaRPr lang="zh-TW" altLang="en-US"/>
-        </a:p>
-      </dgm:t>
     </dgm:pt>
     <dgm:pt modelId="{F899D3A4-AACE-4351-8D2B-C90711F51E1E}" type="pres">
       <dgm:prSet presAssocID="{16550F19-24CF-4ABC-B1CC-FECB27126818}" presName="sibTrans" presStyleLbl="sibTrans2D1" presStyleIdx="3" presStyleCnt="4"/>
       <dgm:spPr/>
-      <dgm:t>
-        <a:bodyPr/>
-        <a:lstStyle/>
-        <a:p>
-          <a:endParaRPr lang="zh-TW" altLang="en-US"/>
-        </a:p>
-      </dgm:t>
     </dgm:pt>
     <dgm:pt modelId="{45E6E406-7772-448A-A05E-CD78783E8157}" type="pres">
       <dgm:prSet presAssocID="{16550F19-24CF-4ABC-B1CC-FECB27126818}" presName="connectorText" presStyleLbl="sibTrans2D1" presStyleIdx="3" presStyleCnt="4"/>
       <dgm:spPr/>
-      <dgm:t>
-        <a:bodyPr/>
-        <a:lstStyle/>
-        <a:p>
-          <a:endParaRPr lang="zh-TW" altLang="en-US"/>
-        </a:p>
-      </dgm:t>
     </dgm:pt>
     <dgm:pt modelId="{0F5CAC29-7CB1-4849-BDCB-86C230AA7034}" type="pres">
       <dgm:prSet presAssocID="{793924AF-61E2-402A-99A0-C3B3E57342F2}" presName="node" presStyleLbl="node1" presStyleIdx="4" presStyleCnt="5">
@@ -2395,35 +2255,28 @@
         </dgm:presLayoutVars>
       </dgm:prSet>
       <dgm:spPr/>
-      <dgm:t>
-        <a:bodyPr/>
-        <a:lstStyle/>
-        <a:p>
-          <a:endParaRPr lang="zh-TW" altLang="en-US"/>
-        </a:p>
-      </dgm:t>
     </dgm:pt>
   </dgm:ptLst>
   <dgm:cxnLst>
-    <dgm:cxn modelId="{30BE2351-8689-4EC5-AF2E-B7E46AC2636C}" srcId="{FDABFBC2-1BFD-4076-A05A-6C7F934E68D7}" destId="{793924AF-61E2-402A-99A0-C3B3E57342F2}" srcOrd="4" destOrd="0" parTransId="{63A9F1FB-F697-4CA3-9B26-79F1BC32AF6F}" sibTransId="{44D9DA1C-167F-4B0B-B2B6-B05705FA3443}"/>
-    <dgm:cxn modelId="{058ED1C2-8409-4DF6-840A-23940991EEBF}" type="presOf" srcId="{47A42E82-F7B5-4BA3-BE5D-5AC65D518851}" destId="{8BCFD47B-7865-4BED-9116-37430C496C9D}" srcOrd="1" destOrd="0" presId="urn:microsoft.com/office/officeart/2005/8/layout/process1"/>
-    <dgm:cxn modelId="{30F8D8AE-C9E3-4CFE-994A-4830256C8B51}" type="presOf" srcId="{3841A661-9951-4A9C-BD92-1E214ED1A7F1}" destId="{37CC57EE-2C61-4BEF-8871-3338219A9556}" srcOrd="0" destOrd="0" presId="urn:microsoft.com/office/officeart/2005/8/layout/process1"/>
-    <dgm:cxn modelId="{84FE14D8-3BCF-47F6-B85F-2E8574712243}" srcId="{FDABFBC2-1BFD-4076-A05A-6C7F934E68D7}" destId="{9842FACB-53DA-4024-B6CB-EE11C52C5FCF}" srcOrd="2" destOrd="0" parTransId="{2BFEF379-1AD1-4288-81DA-34236DD15E7F}" sibTransId="{47A42E82-F7B5-4BA3-BE5D-5AC65D518851}"/>
+    <dgm:cxn modelId="{BB3B5000-0AA1-4675-8502-1A5E60CFD19F}" type="presOf" srcId="{FDABFBC2-1BFD-4076-A05A-6C7F934E68D7}" destId="{72CC2932-FA6E-49B1-8F27-F0B21286E949}" srcOrd="0" destOrd="0" presId="urn:microsoft.com/office/officeart/2005/8/layout/process1"/>
+    <dgm:cxn modelId="{055FCD29-F5FA-490F-B406-E005660A5F8B}" type="presOf" srcId="{756101F8-E74F-47A0-88AA-37478E1324E3}" destId="{602DA743-6056-422D-BD95-2E982C8777E3}" srcOrd="0" destOrd="0" presId="urn:microsoft.com/office/officeart/2005/8/layout/process1"/>
+    <dgm:cxn modelId="{1BE2D033-BC5E-4C7F-9558-949D151FFC1C}" type="presOf" srcId="{9842FACB-53DA-4024-B6CB-EE11C52C5FCF}" destId="{76F565FD-B22D-4E20-9E68-6737A94684D0}" srcOrd="0" destOrd="0" presId="urn:microsoft.com/office/officeart/2005/8/layout/process1"/>
     <dgm:cxn modelId="{367FA860-0927-4193-99CC-915BA076983B}" type="presOf" srcId="{756101F8-E74F-47A0-88AA-37478E1324E3}" destId="{36B23BB1-5C80-41D3-B5C8-95A6DF48DBB3}" srcOrd="1" destOrd="0" presId="urn:microsoft.com/office/officeart/2005/8/layout/process1"/>
-    <dgm:cxn modelId="{0923B7DE-459B-4935-A243-854C5AA76C90}" type="presOf" srcId="{D93979BF-3656-4712-9F7E-DB6980D33465}" destId="{D7B2C42D-DBB1-487C-9662-09FCC8DF404A}" srcOrd="1" destOrd="0" presId="urn:microsoft.com/office/officeart/2005/8/layout/process1"/>
-    <dgm:cxn modelId="{5C9862F8-7806-4F17-B72E-02FE8EB139DB}" srcId="{FDABFBC2-1BFD-4076-A05A-6C7F934E68D7}" destId="{4DE45646-C300-4293-898A-FF022B7A8FEC}" srcOrd="1" destOrd="0" parTransId="{1CF0C8C9-4439-4D14-BC06-CA919B69D58B}" sibTransId="{D93979BF-3656-4712-9F7E-DB6980D33465}"/>
-    <dgm:cxn modelId="{055FCD29-F5FA-490F-B406-E005660A5F8B}" type="presOf" srcId="{756101F8-E74F-47A0-88AA-37478E1324E3}" destId="{602DA743-6056-422D-BD95-2E982C8777E3}" srcOrd="0" destOrd="0" presId="urn:microsoft.com/office/officeart/2005/8/layout/process1"/>
-    <dgm:cxn modelId="{FB0CF2B4-D2D7-4A36-9B81-83F508F22C6E}" type="presOf" srcId="{16550F19-24CF-4ABC-B1CC-FECB27126818}" destId="{F899D3A4-AACE-4351-8D2B-C90711F51E1E}" srcOrd="0" destOrd="0" presId="urn:microsoft.com/office/officeart/2005/8/layout/process1"/>
-    <dgm:cxn modelId="{9D5EFDC8-C6A0-4F0A-81F9-B42EA3BDE570}" srcId="{FDABFBC2-1BFD-4076-A05A-6C7F934E68D7}" destId="{3841A661-9951-4A9C-BD92-1E214ED1A7F1}" srcOrd="0" destOrd="0" parTransId="{3F532559-3F70-495C-9B87-F9D9578E35F3}" sibTransId="{756101F8-E74F-47A0-88AA-37478E1324E3}"/>
-    <dgm:cxn modelId="{43F93158-FD52-4F0C-8F3B-C4C77B650101}" type="presOf" srcId="{FEDA3F26-01B6-4969-A114-7ABFAEE737C7}" destId="{70F605AD-AA30-4AD0-B005-7FFA52A1F50A}" srcOrd="0" destOrd="0" presId="urn:microsoft.com/office/officeart/2005/8/layout/process1"/>
-    <dgm:cxn modelId="{1BE2D033-BC5E-4C7F-9558-949D151FFC1C}" type="presOf" srcId="{9842FACB-53DA-4024-B6CB-EE11C52C5FCF}" destId="{76F565FD-B22D-4E20-9E68-6737A94684D0}" srcOrd="0" destOrd="0" presId="urn:microsoft.com/office/officeart/2005/8/layout/process1"/>
-    <dgm:cxn modelId="{CEB39990-B409-400E-B30A-F60714DCAC0A}" type="presOf" srcId="{47A42E82-F7B5-4BA3-BE5D-5AC65D518851}" destId="{AA43AFA9-0BE9-488E-8186-653D69342068}" srcOrd="0" destOrd="0" presId="urn:microsoft.com/office/officeart/2005/8/layout/process1"/>
     <dgm:cxn modelId="{C324BC62-A247-40ED-B23F-366217496CDA}" type="presOf" srcId="{D93979BF-3656-4712-9F7E-DB6980D33465}" destId="{3C52E922-05C7-42AA-9176-FEB57B8A5680}" srcOrd="0" destOrd="0" presId="urn:microsoft.com/office/officeart/2005/8/layout/process1"/>
     <dgm:cxn modelId="{F9DE8870-FAC2-4655-990C-BD5C32A73D7B}" srcId="{FDABFBC2-1BFD-4076-A05A-6C7F934E68D7}" destId="{FEDA3F26-01B6-4969-A114-7ABFAEE737C7}" srcOrd="3" destOrd="0" parTransId="{CDF14BF9-343D-46A4-BE7B-0D95D9B8F5EE}" sibTransId="{16550F19-24CF-4ABC-B1CC-FECB27126818}"/>
+    <dgm:cxn modelId="{30BE2351-8689-4EC5-AF2E-B7E46AC2636C}" srcId="{FDABFBC2-1BFD-4076-A05A-6C7F934E68D7}" destId="{793924AF-61E2-402A-99A0-C3B3E57342F2}" srcOrd="4" destOrd="0" parTransId="{63A9F1FB-F697-4CA3-9B26-79F1BC32AF6F}" sibTransId="{44D9DA1C-167F-4B0B-B2B6-B05705FA3443}"/>
+    <dgm:cxn modelId="{43F93158-FD52-4F0C-8F3B-C4C77B650101}" type="presOf" srcId="{FEDA3F26-01B6-4969-A114-7ABFAEE737C7}" destId="{70F605AD-AA30-4AD0-B005-7FFA52A1F50A}" srcOrd="0" destOrd="0" presId="urn:microsoft.com/office/officeart/2005/8/layout/process1"/>
+    <dgm:cxn modelId="{A524AA80-A41F-414D-B3DE-7CB57D2A7583}" type="presOf" srcId="{16550F19-24CF-4ABC-B1CC-FECB27126818}" destId="{45E6E406-7772-448A-A05E-CD78783E8157}" srcOrd="1" destOrd="0" presId="urn:microsoft.com/office/officeart/2005/8/layout/process1"/>
+    <dgm:cxn modelId="{CEB39990-B409-400E-B30A-F60714DCAC0A}" type="presOf" srcId="{47A42E82-F7B5-4BA3-BE5D-5AC65D518851}" destId="{AA43AFA9-0BE9-488E-8186-653D69342068}" srcOrd="0" destOrd="0" presId="urn:microsoft.com/office/officeart/2005/8/layout/process1"/>
     <dgm:cxn modelId="{A08693A2-F7D1-4A1A-BB98-1698B0328EAD}" type="presOf" srcId="{793924AF-61E2-402A-99A0-C3B3E57342F2}" destId="{0F5CAC29-7CB1-4849-BDCB-86C230AA7034}" srcOrd="0" destOrd="0" presId="urn:microsoft.com/office/officeart/2005/8/layout/process1"/>
-    <dgm:cxn modelId="{A524AA80-A41F-414D-B3DE-7CB57D2A7583}" type="presOf" srcId="{16550F19-24CF-4ABC-B1CC-FECB27126818}" destId="{45E6E406-7772-448A-A05E-CD78783E8157}" srcOrd="1" destOrd="0" presId="urn:microsoft.com/office/officeart/2005/8/layout/process1"/>
+    <dgm:cxn modelId="{30F8D8AE-C9E3-4CFE-994A-4830256C8B51}" type="presOf" srcId="{3841A661-9951-4A9C-BD92-1E214ED1A7F1}" destId="{37CC57EE-2C61-4BEF-8871-3338219A9556}" srcOrd="0" destOrd="0" presId="urn:microsoft.com/office/officeart/2005/8/layout/process1"/>
+    <dgm:cxn modelId="{FB0CF2B4-D2D7-4A36-9B81-83F508F22C6E}" type="presOf" srcId="{16550F19-24CF-4ABC-B1CC-FECB27126818}" destId="{F899D3A4-AACE-4351-8D2B-C90711F51E1E}" srcOrd="0" destOrd="0" presId="urn:microsoft.com/office/officeart/2005/8/layout/process1"/>
+    <dgm:cxn modelId="{058ED1C2-8409-4DF6-840A-23940991EEBF}" type="presOf" srcId="{47A42E82-F7B5-4BA3-BE5D-5AC65D518851}" destId="{8BCFD47B-7865-4BED-9116-37430C496C9D}" srcOrd="1" destOrd="0" presId="urn:microsoft.com/office/officeart/2005/8/layout/process1"/>
+    <dgm:cxn modelId="{9D5EFDC8-C6A0-4F0A-81F9-B42EA3BDE570}" srcId="{FDABFBC2-1BFD-4076-A05A-6C7F934E68D7}" destId="{3841A661-9951-4A9C-BD92-1E214ED1A7F1}" srcOrd="0" destOrd="0" parTransId="{3F532559-3F70-495C-9B87-F9D9578E35F3}" sibTransId="{756101F8-E74F-47A0-88AA-37478E1324E3}"/>
+    <dgm:cxn modelId="{84FE14D8-3BCF-47F6-B85F-2E8574712243}" srcId="{FDABFBC2-1BFD-4076-A05A-6C7F934E68D7}" destId="{9842FACB-53DA-4024-B6CB-EE11C52C5FCF}" srcOrd="2" destOrd="0" parTransId="{2BFEF379-1AD1-4288-81DA-34236DD15E7F}" sibTransId="{47A42E82-F7B5-4BA3-BE5D-5AC65D518851}"/>
+    <dgm:cxn modelId="{0923B7DE-459B-4935-A243-854C5AA76C90}" type="presOf" srcId="{D93979BF-3656-4712-9F7E-DB6980D33465}" destId="{D7B2C42D-DBB1-487C-9662-09FCC8DF404A}" srcOrd="1" destOrd="0" presId="urn:microsoft.com/office/officeart/2005/8/layout/process1"/>
     <dgm:cxn modelId="{622786F3-EFC3-4D32-BEC0-99F5A752EA66}" type="presOf" srcId="{4DE45646-C300-4293-898A-FF022B7A8FEC}" destId="{7B16F990-18B9-4D6C-B176-426070597CF8}" srcOrd="0" destOrd="0" presId="urn:microsoft.com/office/officeart/2005/8/layout/process1"/>
-    <dgm:cxn modelId="{BB3B5000-0AA1-4675-8502-1A5E60CFD19F}" type="presOf" srcId="{FDABFBC2-1BFD-4076-A05A-6C7F934E68D7}" destId="{72CC2932-FA6E-49B1-8F27-F0B21286E949}" srcOrd="0" destOrd="0" presId="urn:microsoft.com/office/officeart/2005/8/layout/process1"/>
+    <dgm:cxn modelId="{5C9862F8-7806-4F17-B72E-02FE8EB139DB}" srcId="{FDABFBC2-1BFD-4076-A05A-6C7F934E68D7}" destId="{4DE45646-C300-4293-898A-FF022B7A8FEC}" srcOrd="1" destOrd="0" parTransId="{1CF0C8C9-4439-4D14-BC06-CA919B69D58B}" sibTransId="{D93979BF-3656-4712-9F7E-DB6980D33465}"/>
     <dgm:cxn modelId="{9328D5E6-5E6D-4757-964E-D6CBD3284DFA}" type="presParOf" srcId="{72CC2932-FA6E-49B1-8F27-F0B21286E949}" destId="{37CC57EE-2C61-4BEF-8871-3338219A9556}" srcOrd="0" destOrd="0" presId="urn:microsoft.com/office/officeart/2005/8/layout/process1"/>
     <dgm:cxn modelId="{8A906B85-32A7-46E4-9634-0FC34A7C09B0}" type="presParOf" srcId="{72CC2932-FA6E-49B1-8F27-F0B21286E949}" destId="{602DA743-6056-422D-BD95-2E982C8777E3}" srcOrd="1" destOrd="0" presId="urn:microsoft.com/office/officeart/2005/8/layout/process1"/>
     <dgm:cxn modelId="{9759ECC1-F92A-4ADC-B7AB-DB2CF3327DDE}" type="presParOf" srcId="{602DA743-6056-422D-BD95-2E982C8777E3}" destId="{36B23BB1-5C80-41D3-B5C8-95A6DF48DBB3}" srcOrd="0" destOrd="0" presId="urn:microsoft.com/office/officeart/2005/8/layout/process1"/>
@@ -2503,7 +2356,7 @@
         </a:bodyPr>
         <a:lstStyle/>
         <a:p>
-          <a:pPr lvl="0" algn="ctr" defTabSz="1200150">
+          <a:pPr marL="0" lvl="0" indent="0" algn="ctr" defTabSz="1200150">
             <a:lnSpc>
               <a:spcPct val="90000"/>
             </a:lnSpc>
@@ -2513,6 +2366,7 @@
             <a:spcAft>
               <a:spcPct val="35000"/>
             </a:spcAft>
+            <a:buNone/>
           </a:pPr>
           <a:r>
             <a:rPr lang="zh-TW" altLang="en-US" sz="2700" kern="1200" dirty="0">
@@ -2579,7 +2433,7 @@
         </a:bodyPr>
         <a:lstStyle/>
         <a:p>
-          <a:pPr lvl="0" algn="ctr" defTabSz="977900">
+          <a:pPr marL="0" lvl="0" indent="0" algn="ctr" defTabSz="977900">
             <a:lnSpc>
               <a:spcPct val="90000"/>
             </a:lnSpc>
@@ -2589,6 +2443,7 @@
             <a:spcAft>
               <a:spcPct val="35000"/>
             </a:spcAft>
+            <a:buNone/>
           </a:pPr>
           <a:endParaRPr lang="zh-TW" altLang="en-US" sz="2200" kern="1200"/>
         </a:p>
@@ -2645,7 +2500,7 @@
         </a:bodyPr>
         <a:lstStyle/>
         <a:p>
-          <a:pPr lvl="0" algn="ctr" defTabSz="1200150">
+          <a:pPr marL="0" lvl="0" indent="0" algn="ctr" defTabSz="1200150">
             <a:lnSpc>
               <a:spcPct val="90000"/>
             </a:lnSpc>
@@ -2655,6 +2510,7 @@
             <a:spcAft>
               <a:spcPct val="35000"/>
             </a:spcAft>
+            <a:buNone/>
           </a:pPr>
           <a:r>
             <a:rPr lang="zh-TW" altLang="en-US" sz="2700" kern="1200" dirty="0">
@@ -2721,7 +2577,7 @@
         </a:bodyPr>
         <a:lstStyle/>
         <a:p>
-          <a:pPr lvl="0" algn="ctr" defTabSz="977900">
+          <a:pPr marL="0" lvl="0" indent="0" algn="ctr" defTabSz="977900">
             <a:lnSpc>
               <a:spcPct val="90000"/>
             </a:lnSpc>
@@ -2731,6 +2587,7 @@
             <a:spcAft>
               <a:spcPct val="35000"/>
             </a:spcAft>
+            <a:buNone/>
           </a:pPr>
           <a:endParaRPr lang="zh-TW" altLang="en-US" sz="2200" kern="1200"/>
         </a:p>
@@ -2787,7 +2644,7 @@
         </a:bodyPr>
         <a:lstStyle/>
         <a:p>
-          <a:pPr lvl="0" algn="ctr" defTabSz="1200150">
+          <a:pPr marL="0" lvl="0" indent="0" algn="ctr" defTabSz="1200150">
             <a:lnSpc>
               <a:spcPct val="90000"/>
             </a:lnSpc>
@@ -2797,6 +2654,7 @@
             <a:spcAft>
               <a:spcPct val="35000"/>
             </a:spcAft>
+            <a:buNone/>
           </a:pPr>
           <a:r>
             <a:rPr lang="en-US" altLang="zh-TW" sz="2700" kern="1200" dirty="0">
@@ -2876,7 +2734,7 @@
         </a:bodyPr>
         <a:lstStyle/>
         <a:p>
-          <a:pPr lvl="0" algn="ctr" defTabSz="800100">
+          <a:pPr marL="0" lvl="0" indent="0" algn="ctr" defTabSz="800100">
             <a:lnSpc>
               <a:spcPct val="90000"/>
             </a:lnSpc>
@@ -2886,6 +2744,7 @@
             <a:spcAft>
               <a:spcPct val="35000"/>
             </a:spcAft>
+            <a:buNone/>
           </a:pPr>
           <a:r>
             <a:rPr lang="zh-TW" altLang="en-US" sz="1800" b="0" kern="1200" dirty="0">
@@ -2954,7 +2813,7 @@
         </a:bodyPr>
         <a:lstStyle/>
         <a:p>
-          <a:pPr lvl="0" algn="ctr" defTabSz="755650">
+          <a:pPr marL="0" lvl="0" indent="0" algn="ctr" defTabSz="755650">
             <a:lnSpc>
               <a:spcPct val="90000"/>
             </a:lnSpc>
@@ -2964,6 +2823,7 @@
             <a:spcAft>
               <a:spcPct val="35000"/>
             </a:spcAft>
+            <a:buNone/>
           </a:pPr>
           <a:endParaRPr lang="zh-TW" altLang="en-US" sz="1700" kern="1200"/>
         </a:p>
@@ -3019,7 +2879,7 @@
         </a:bodyPr>
         <a:lstStyle/>
         <a:p>
-          <a:pPr lvl="0" algn="ctr" defTabSz="933450">
+          <a:pPr marL="0" lvl="0" indent="0" algn="ctr" defTabSz="933450">
             <a:lnSpc>
               <a:spcPct val="90000"/>
             </a:lnSpc>
@@ -3029,6 +2889,7 @@
             <a:spcAft>
               <a:spcPct val="35000"/>
             </a:spcAft>
+            <a:buNone/>
           </a:pPr>
           <a:r>
             <a:rPr lang="zh-TW" altLang="en-US" sz="2100" kern="1200" dirty="0">
@@ -3094,7 +2955,7 @@
         </a:bodyPr>
         <a:lstStyle/>
         <a:p>
-          <a:pPr lvl="0" algn="ctr" defTabSz="755650">
+          <a:pPr marL="0" lvl="0" indent="0" algn="ctr" defTabSz="755650">
             <a:lnSpc>
               <a:spcPct val="90000"/>
             </a:lnSpc>
@@ -3104,6 +2965,7 @@
             <a:spcAft>
               <a:spcPct val="35000"/>
             </a:spcAft>
+            <a:buNone/>
           </a:pPr>
           <a:endParaRPr lang="zh-TW" altLang="en-US" sz="1700" kern="1200"/>
         </a:p>
@@ -3159,7 +3021,7 @@
         </a:bodyPr>
         <a:lstStyle/>
         <a:p>
-          <a:pPr lvl="0" algn="ctr" defTabSz="933450">
+          <a:pPr marL="0" lvl="0" indent="0" algn="ctr" defTabSz="933450">
             <a:lnSpc>
               <a:spcPct val="90000"/>
             </a:lnSpc>
@@ -3169,6 +3031,7 @@
             <a:spcAft>
               <a:spcPct val="35000"/>
             </a:spcAft>
+            <a:buNone/>
           </a:pPr>
           <a:r>
             <a:rPr lang="zh-TW" altLang="en-US" sz="2100" kern="1200" dirty="0">
@@ -3234,7 +3097,7 @@
         </a:bodyPr>
         <a:lstStyle/>
         <a:p>
-          <a:pPr lvl="0" algn="ctr" defTabSz="755650">
+          <a:pPr marL="0" lvl="0" indent="0" algn="ctr" defTabSz="755650">
             <a:lnSpc>
               <a:spcPct val="90000"/>
             </a:lnSpc>
@@ -3244,6 +3107,7 @@
             <a:spcAft>
               <a:spcPct val="35000"/>
             </a:spcAft>
+            <a:buNone/>
           </a:pPr>
           <a:endParaRPr lang="zh-TW" altLang="en-US" sz="1700" kern="1200"/>
         </a:p>
@@ -3299,7 +3163,7 @@
         </a:bodyPr>
         <a:lstStyle/>
         <a:p>
-          <a:pPr lvl="0" algn="ctr" defTabSz="933450">
+          <a:pPr marL="0" lvl="0" indent="0" algn="ctr" defTabSz="933450">
             <a:lnSpc>
               <a:spcPct val="90000"/>
             </a:lnSpc>
@@ -3309,6 +3173,7 @@
             <a:spcAft>
               <a:spcPct val="35000"/>
             </a:spcAft>
+            <a:buNone/>
           </a:pPr>
           <a:r>
             <a:rPr lang="zh-TW" altLang="en-US" sz="2100" b="0" i="0" kern="1200" dirty="0">
@@ -3378,7 +3243,7 @@
         </a:bodyPr>
         <a:lstStyle/>
         <a:p>
-          <a:pPr lvl="0" algn="ctr" defTabSz="755650">
+          <a:pPr marL="0" lvl="0" indent="0" algn="ctr" defTabSz="755650">
             <a:lnSpc>
               <a:spcPct val="90000"/>
             </a:lnSpc>
@@ -3388,6 +3253,7 @@
             <a:spcAft>
               <a:spcPct val="35000"/>
             </a:spcAft>
+            <a:buNone/>
           </a:pPr>
           <a:endParaRPr lang="zh-TW" altLang="en-US" sz="1700" kern="1200"/>
         </a:p>
@@ -3443,7 +3309,7 @@
         </a:bodyPr>
         <a:lstStyle/>
         <a:p>
-          <a:pPr lvl="0" algn="ctr" defTabSz="933450">
+          <a:pPr marL="0" lvl="0" indent="0" algn="ctr" defTabSz="933450">
             <a:lnSpc>
               <a:spcPct val="90000"/>
             </a:lnSpc>
@@ -3453,6 +3319,7 @@
             <a:spcAft>
               <a:spcPct val="35000"/>
             </a:spcAft>
+            <a:buNone/>
           </a:pPr>
           <a:r>
             <a:rPr lang="en-US" altLang="zh-TW" sz="2100" kern="1200" dirty="0">
@@ -3477,7 +3344,7 @@
           </a:r>
         </a:p>
         <a:p>
-          <a:pPr lvl="0" algn="ctr" defTabSz="933450">
+          <a:pPr marL="0" lvl="0" indent="0" algn="ctr" defTabSz="933450">
             <a:lnSpc>
               <a:spcPct val="90000"/>
             </a:lnSpc>
@@ -3487,6 +3354,7 @@
             <a:spcAft>
               <a:spcPct val="35000"/>
             </a:spcAft>
+            <a:buNone/>
           </a:pPr>
           <a:r>
             <a:rPr lang="zh-TW" altLang="en-US" sz="2100" kern="1200" dirty="0">
@@ -6054,7 +5922,7 @@
           <a:p>
             <a:fld id="{E571BEFF-2CDC-453C-8E22-E6758267B1F9}" type="datetimeFigureOut">
               <a:rPr lang="zh-TW" altLang="en-US" smtClean="0"/>
-              <a:t>2024/4/15</a:t>
+              <a:t>2024/4/16</a:t>
             </a:fld>
             <a:endParaRPr lang="zh-TW" altLang="en-US"/>
           </a:p>
@@ -6392,7 +6260,7 @@
           <a:p>
             <a:fld id="{E571BEFF-2CDC-453C-8E22-E6758267B1F9}" type="datetimeFigureOut">
               <a:rPr lang="zh-TW" altLang="en-US" smtClean="0"/>
-              <a:t>2024/4/15</a:t>
+              <a:t>2024/4/16</a:t>
             </a:fld>
             <a:endParaRPr lang="zh-TW" altLang="en-US"/>
           </a:p>
@@ -6793,7 +6661,7 @@
           <a:p>
             <a:fld id="{E571BEFF-2CDC-453C-8E22-E6758267B1F9}" type="datetimeFigureOut">
               <a:rPr lang="zh-TW" altLang="en-US" smtClean="0"/>
-              <a:t>2024/4/15</a:t>
+              <a:t>2024/4/16</a:t>
             </a:fld>
             <a:endParaRPr lang="zh-TW" altLang="en-US"/>
           </a:p>
@@ -7129,7 +6997,7 @@
           <a:p>
             <a:fld id="{E571BEFF-2CDC-453C-8E22-E6758267B1F9}" type="datetimeFigureOut">
               <a:rPr lang="zh-TW" altLang="en-US" smtClean="0"/>
-              <a:t>2024/4/15</a:t>
+              <a:t>2024/4/16</a:t>
             </a:fld>
             <a:endParaRPr lang="zh-TW" altLang="en-US"/>
           </a:p>
@@ -7449,7 +7317,7 @@
           <a:p>
             <a:fld id="{E571BEFF-2CDC-453C-8E22-E6758267B1F9}" type="datetimeFigureOut">
               <a:rPr lang="zh-TW" altLang="en-US" smtClean="0"/>
-              <a:t>2024/4/15</a:t>
+              <a:t>2024/4/16</a:t>
             </a:fld>
             <a:endParaRPr lang="zh-TW" altLang="en-US"/>
           </a:p>
@@ -7845,7 +7713,7 @@
           <a:p>
             <a:fld id="{E571BEFF-2CDC-453C-8E22-E6758267B1F9}" type="datetimeFigureOut">
               <a:rPr lang="zh-TW" altLang="en-US" smtClean="0"/>
-              <a:t>2024/4/15</a:t>
+              <a:t>2024/4/16</a:t>
             </a:fld>
             <a:endParaRPr lang="zh-TW" altLang="en-US"/>
           </a:p>
@@ -8102,7 +7970,7 @@
           <a:p>
             <a:fld id="{E571BEFF-2CDC-453C-8E22-E6758267B1F9}" type="datetimeFigureOut">
               <a:rPr lang="zh-TW" altLang="en-US" smtClean="0"/>
-              <a:t>2024/4/15</a:t>
+              <a:t>2024/4/16</a:t>
             </a:fld>
             <a:endParaRPr lang="zh-TW" altLang="en-US"/>
           </a:p>
@@ -8364,7 +8232,7 @@
           <a:p>
             <a:fld id="{E571BEFF-2CDC-453C-8E22-E6758267B1F9}" type="datetimeFigureOut">
               <a:rPr lang="zh-TW" altLang="en-US" smtClean="0"/>
-              <a:t>2024/4/15</a:t>
+              <a:t>2024/4/16</a:t>
             </a:fld>
             <a:endParaRPr lang="zh-TW" altLang="en-US"/>
           </a:p>
@@ -8626,7 +8494,7 @@
           <a:p>
             <a:fld id="{E571BEFF-2CDC-453C-8E22-E6758267B1F9}" type="datetimeFigureOut">
               <a:rPr lang="zh-TW" altLang="en-US" smtClean="0"/>
-              <a:t>2024/4/15</a:t>
+              <a:t>2024/4/16</a:t>
             </a:fld>
             <a:endParaRPr lang="zh-TW" altLang="en-US"/>
           </a:p>
@@ -8955,7 +8823,7 @@
           <a:p>
             <a:fld id="{E571BEFF-2CDC-453C-8E22-E6758267B1F9}" type="datetimeFigureOut">
               <a:rPr lang="zh-TW" altLang="en-US" smtClean="0"/>
-              <a:t>2024/4/15</a:t>
+              <a:t>2024/4/16</a:t>
             </a:fld>
             <a:endParaRPr lang="zh-TW" altLang="en-US"/>
           </a:p>
@@ -9278,7 +9146,7 @@
           <a:p>
             <a:fld id="{E571BEFF-2CDC-453C-8E22-E6758267B1F9}" type="datetimeFigureOut">
               <a:rPr lang="zh-TW" altLang="en-US" smtClean="0"/>
-              <a:t>2024/4/15</a:t>
+              <a:t>2024/4/16</a:t>
             </a:fld>
             <a:endParaRPr lang="zh-TW" altLang="en-US"/>
           </a:p>
@@ -9735,7 +9603,7 @@
           <a:p>
             <a:fld id="{E571BEFF-2CDC-453C-8E22-E6758267B1F9}" type="datetimeFigureOut">
               <a:rPr lang="zh-TW" altLang="en-US" smtClean="0"/>
-              <a:t>2024/4/15</a:t>
+              <a:t>2024/4/16</a:t>
             </a:fld>
             <a:endParaRPr lang="zh-TW" altLang="en-US"/>
           </a:p>
@@ -9940,7 +9808,7 @@
           <a:p>
             <a:fld id="{E571BEFF-2CDC-453C-8E22-E6758267B1F9}" type="datetimeFigureOut">
               <a:rPr lang="zh-TW" altLang="en-US" smtClean="0"/>
-              <a:t>2024/4/15</a:t>
+              <a:t>2024/4/16</a:t>
             </a:fld>
             <a:endParaRPr lang="zh-TW" altLang="en-US"/>
           </a:p>
@@ -10117,7 +9985,7 @@
           <a:p>
             <a:fld id="{E571BEFF-2CDC-453C-8E22-E6758267B1F9}" type="datetimeFigureOut">
               <a:rPr lang="zh-TW" altLang="en-US" smtClean="0"/>
-              <a:t>2024/4/15</a:t>
+              <a:t>2024/4/16</a:t>
             </a:fld>
             <a:endParaRPr lang="zh-TW" altLang="en-US"/>
           </a:p>
@@ -10450,7 +10318,7 @@
           <a:p>
             <a:fld id="{E571BEFF-2CDC-453C-8E22-E6758267B1F9}" type="datetimeFigureOut">
               <a:rPr lang="zh-TW" altLang="en-US" smtClean="0"/>
-              <a:t>2024/4/15</a:t>
+              <a:t>2024/4/16</a:t>
             </a:fld>
             <a:endParaRPr lang="zh-TW" altLang="en-US"/>
           </a:p>
@@ -10795,7 +10663,7 @@
           <a:p>
             <a:fld id="{E571BEFF-2CDC-453C-8E22-E6758267B1F9}" type="datetimeFigureOut">
               <a:rPr lang="zh-TW" altLang="en-US" smtClean="0"/>
-              <a:t>2024/4/15</a:t>
+              <a:t>2024/4/16</a:t>
             </a:fld>
             <a:endParaRPr lang="zh-TW" altLang="en-US"/>
           </a:p>
@@ -12912,7 +12780,7 @@
           <a:p>
             <a:fld id="{E571BEFF-2CDC-453C-8E22-E6758267B1F9}" type="datetimeFigureOut">
               <a:rPr lang="zh-TW" altLang="en-US" smtClean="0"/>
-              <a:t>2024/4/15</a:t>
+              <a:t>2024/4/16</a:t>
             </a:fld>
             <a:endParaRPr lang="zh-TW" altLang="en-US"/>
           </a:p>
@@ -14069,7 +13937,14 @@
                 <a:latin typeface="華康細明體" panose="02020309000000000000" pitchFamily="49" charset="-120"/>
                 <a:ea typeface="華康細明體" panose="02020309000000000000" pitchFamily="49" charset="-120"/>
               </a:rPr>
-              <a:t>陳昱升：</a:t>
+              <a:t>陳</a:t>
+            </a:r>
+            <a:r>
+              <a:rPr lang="zh-TW" altLang="en-US">
+                <a:latin typeface="華康細明體" panose="02020309000000000000" pitchFamily="49" charset="-120"/>
+                <a:ea typeface="華康細明體" panose="02020309000000000000" pitchFamily="49" charset="-120"/>
+              </a:rPr>
+              <a:t>昱升：</a:t>
             </a:r>
             <a:r>
               <a:rPr kumimoji="0" lang="zh-TW" altLang="en-US" sz="2800" b="0" i="0" u="none" strike="noStrike" kern="1200" cap="none" spc="0" normalizeH="0" baseline="0" noProof="0" dirty="0">
@@ -14083,10 +13958,10 @@
                 <a:ea typeface="華康細明體" panose="02020309000000000000" pitchFamily="49" charset="-120"/>
                 <a:cs typeface="+mn-cs"/>
               </a:rPr>
-              <a:t>將</a:t>
-            </a:r>
-            <a:r>
-              <a:rPr kumimoji="0" lang="en-US" altLang="zh-TW" sz="2800" b="0" i="0" u="none" strike="noStrike" kern="1200" cap="none" spc="0" normalizeH="0" baseline="0" noProof="0" dirty="0" err="1">
+              <a:t>驅動安裝、</a:t>
+            </a:r>
+            <a:r>
+              <a:rPr kumimoji="0" lang="en-US" altLang="zh-TW" sz="2800" b="0" i="0" u="none" strike="noStrike" kern="1200" cap="none" spc="0" normalizeH="0" baseline="0" noProof="0" dirty="0">
                 <a:ln>
                   <a:noFill/>
                 </a:ln>
@@ -14097,7 +13972,7 @@
                 <a:ea typeface="華康細明體" panose="02020309000000000000" pitchFamily="49" charset="-120"/>
                 <a:cs typeface="+mn-cs"/>
               </a:rPr>
-              <a:t>Loop.m</a:t>
+              <a:t>OTSM</a:t>
             </a:r>
             <a:r>
               <a:rPr kumimoji="0" lang="zh-TW" altLang="en-US" sz="2800" b="0" i="0" u="none" strike="noStrike" kern="1200" cap="none" spc="0" normalizeH="0" baseline="0" noProof="0" dirty="0">
@@ -14111,10 +13986,10 @@
                 <a:ea typeface="華康細明體" panose="02020309000000000000" pitchFamily="49" charset="-120"/>
                 <a:cs typeface="+mn-cs"/>
               </a:rPr>
-              <a:t>分成</a:t>
-            </a:r>
-            <a:r>
-              <a:rPr kumimoji="0" lang="en-US" altLang="zh-TW" sz="2800" b="0" i="0" u="none" strike="noStrike" kern="1200" cap="none" spc="0" normalizeH="0" baseline="0" noProof="0" dirty="0" err="1">
+              <a:t>程式替換、傳送資料加</a:t>
+            </a:r>
+            <a:r>
+              <a:rPr kumimoji="0" lang="en-US" altLang="zh-TW" sz="2800" b="0" i="0" u="none" strike="noStrike" kern="1200" cap="none" spc="0" normalizeH="0" baseline="0" noProof="0" dirty="0">
                 <a:ln>
                   <a:noFill/>
                 </a:ln>
@@ -14125,7 +14000,7 @@
                 <a:ea typeface="華康細明體" panose="02020309000000000000" pitchFamily="49" charset="-120"/>
                 <a:cs typeface="+mn-cs"/>
               </a:rPr>
-              <a:t>Tx.m</a:t>
+              <a:t>Pilot</a:t>
             </a:r>
             <a:r>
               <a:rPr kumimoji="0" lang="zh-TW" altLang="en-US" sz="2800" b="0" i="0" u="none" strike="noStrike" kern="1200" cap="none" spc="0" normalizeH="0" baseline="0" noProof="0" dirty="0">
@@ -14139,10 +14014,10 @@
                 <a:ea typeface="華康細明體" panose="02020309000000000000" pitchFamily="49" charset="-120"/>
                 <a:cs typeface="+mn-cs"/>
               </a:rPr>
-              <a:t>與</a:t>
-            </a:r>
-            <a:r>
-              <a:rPr kumimoji="0" lang="en-US" altLang="zh-TW" sz="2800" b="0" i="0" u="none" strike="noStrike" kern="1200" cap="none" spc="0" normalizeH="0" baseline="0" noProof="0" dirty="0" err="1">
+              <a:t>、</a:t>
+            </a:r>
+            <a:r>
+              <a:rPr kumimoji="0" lang="en-US" altLang="zh-TW" sz="2800" b="0" i="0" u="none" strike="noStrike" kern="1200" cap="none" spc="0" normalizeH="0" baseline="0" noProof="0" dirty="0">
                 <a:ln>
                   <a:noFill/>
                 </a:ln>
@@ -14153,7 +14028,77 @@
                 <a:ea typeface="華康細明體" panose="02020309000000000000" pitchFamily="49" charset="-120"/>
                 <a:cs typeface="+mn-cs"/>
               </a:rPr>
-              <a:t>Rx.m</a:t>
+              <a:t>Sync</a:t>
+            </a:r>
+            <a:r>
+              <a:rPr kumimoji="0" lang="zh-TW" altLang="en-US" sz="2800" b="0" i="0" u="none" strike="noStrike" kern="1200" cap="none" spc="0" normalizeH="0" baseline="0" noProof="0" dirty="0">
+                <a:ln>
+                  <a:noFill/>
+                </a:ln>
+                <a:effectLst/>
+                <a:uLnTx/>
+                <a:uFillTx/>
+                <a:latin typeface="華康細明體" panose="02020309000000000000" pitchFamily="49" charset="-120"/>
+                <a:ea typeface="華康細明體" panose="02020309000000000000" pitchFamily="49" charset="-120"/>
+                <a:cs typeface="+mn-cs"/>
+              </a:rPr>
+              <a:t>、通道設定、同步接收資料、通道估測</a:t>
+            </a:r>
+            <a:r>
+              <a:rPr kumimoji="0" lang="en-US" altLang="zh-TW" sz="2800" b="0" i="0" u="none" strike="noStrike" kern="1200" cap="none" spc="0" normalizeH="0" baseline="0" noProof="0" dirty="0">
+                <a:ln>
+                  <a:noFill/>
+                </a:ln>
+                <a:effectLst/>
+                <a:uLnTx/>
+                <a:uFillTx/>
+                <a:latin typeface="華康細明體" panose="02020309000000000000" pitchFamily="49" charset="-120"/>
+                <a:ea typeface="華康細明體" panose="02020309000000000000" pitchFamily="49" charset="-120"/>
+                <a:cs typeface="+mn-cs"/>
+              </a:rPr>
+              <a:t>(CFO</a:t>
+            </a:r>
+            <a:r>
+              <a:rPr kumimoji="0" lang="zh-TW" altLang="en-US" sz="2800" b="0" i="0" u="none" strike="noStrike" kern="1200" cap="none" spc="0" normalizeH="0" baseline="0" noProof="0" dirty="0">
+                <a:ln>
+                  <a:noFill/>
+                </a:ln>
+                <a:effectLst/>
+                <a:uLnTx/>
+                <a:uFillTx/>
+                <a:latin typeface="華康細明體" panose="02020309000000000000" pitchFamily="49" charset="-120"/>
+                <a:ea typeface="華康細明體" panose="02020309000000000000" pitchFamily="49" charset="-120"/>
+                <a:cs typeface="+mn-cs"/>
+              </a:rPr>
+              <a:t>校正</a:t>
+            </a:r>
+            <a:r>
+              <a:rPr kumimoji="0" lang="en-US" altLang="zh-TW" sz="2800" b="0" i="0" u="none" strike="noStrike" kern="1200" cap="none" spc="0" normalizeH="0" baseline="0" noProof="0" dirty="0">
+                <a:ln>
+                  <a:noFill/>
+                </a:ln>
+                <a:effectLst/>
+                <a:uLnTx/>
+                <a:uFillTx/>
+                <a:latin typeface="華康細明體" panose="02020309000000000000" pitchFamily="49" charset="-120"/>
+                <a:ea typeface="華康細明體" panose="02020309000000000000" pitchFamily="49" charset="-120"/>
+                <a:cs typeface="+mn-cs"/>
+              </a:rPr>
+              <a:t>)</a:t>
+            </a:r>
+            <a:r>
+              <a:rPr kumimoji="0" lang="zh-TW" altLang="en-US" sz="2800" b="0" i="0" u="none" strike="noStrike" kern="1200" cap="none" spc="0" normalizeH="0" baseline="0" noProof="0" dirty="0">
+                <a:ln>
+                  <a:noFill/>
+                </a:ln>
+                <a:effectLst/>
+                <a:uLnTx/>
+                <a:uFillTx/>
+                <a:latin typeface="華康細明體" panose="02020309000000000000" pitchFamily="49" charset="-120"/>
+                <a:ea typeface="華康細明體" panose="02020309000000000000" pitchFamily="49" charset="-120"/>
+                <a:cs typeface="+mn-cs"/>
+              </a:rPr>
+              <a:t>、畫圖</a:t>
             </a:r>
             <a:endParaRPr kumimoji="0" lang="en-US" altLang="zh-TW" sz="2800" b="0" i="0" u="none" strike="noStrike" kern="1200" cap="none" spc="0" normalizeH="0" baseline="0" noProof="0" dirty="0">
               <a:ln>
@@ -14282,20 +14227,6 @@
               <a:t>陳建霖：</a:t>
             </a:r>
             <a:r>
-              <a:rPr kumimoji="0" lang="en-US" altLang="zh-TW" sz="2800" b="0" i="0" u="none" strike="noStrike" kern="1200" cap="none" spc="0" normalizeH="0" baseline="0" noProof="0" dirty="0">
-                <a:ln>
-                  <a:noFill/>
-                </a:ln>
-                <a:effectLst/>
-                <a:uLnTx/>
-                <a:uFillTx/>
-                <a:latin typeface="華康細明體" panose="02020309000000000000" pitchFamily="49" charset="-120"/>
-                <a:ea typeface="華康細明體" panose="02020309000000000000" pitchFamily="49" charset="-120"/>
-                <a:cs typeface="+mn-cs"/>
-              </a:rPr>
-              <a:t>SDR</a:t>
-            </a:r>
-            <a:r>
               <a:rPr kumimoji="0" lang="zh-TW" altLang="en-US" sz="2800" b="0" i="0" u="none" strike="noStrike" kern="1200" cap="none" spc="0" normalizeH="0" baseline="0" noProof="0" dirty="0">
                 <a:ln>
                   <a:noFill/>
@@ -14307,35 +14238,7 @@
                 <a:ea typeface="華康細明體" panose="02020309000000000000" pitchFamily="49" charset="-120"/>
                 <a:cs typeface="+mn-cs"/>
               </a:rPr>
-              <a:t>資料查詢、</a:t>
-            </a:r>
-            <a:r>
-              <a:rPr kumimoji="0" lang="en-US" altLang="zh-TW" sz="2800" b="0" i="0" u="none" strike="noStrike" kern="1200" cap="none" spc="0" normalizeH="0" baseline="0" noProof="0" dirty="0">
-                <a:ln>
-                  <a:noFill/>
-                </a:ln>
-                <a:effectLst/>
-                <a:uLnTx/>
-                <a:uFillTx/>
-                <a:latin typeface="華康細明體" panose="02020309000000000000" pitchFamily="49" charset="-120"/>
-                <a:ea typeface="華康細明體" panose="02020309000000000000" pitchFamily="49" charset="-120"/>
-                <a:cs typeface="+mn-cs"/>
-              </a:rPr>
-              <a:t>OFDM</a:t>
-            </a:r>
-            <a:r>
-              <a:rPr kumimoji="0" lang="zh-TW" altLang="en-US" sz="2800" b="0" i="0" u="none" strike="noStrike" kern="1200" cap="none" spc="0" normalizeH="0" baseline="0" noProof="0" dirty="0">
-                <a:ln>
-                  <a:noFill/>
-                </a:ln>
-                <a:effectLst/>
-                <a:uLnTx/>
-                <a:uFillTx/>
-                <a:latin typeface="華康細明體" panose="02020309000000000000" pitchFamily="49" charset="-120"/>
-                <a:ea typeface="華康細明體" panose="02020309000000000000" pitchFamily="49" charset="-120"/>
-                <a:cs typeface="+mn-cs"/>
-              </a:rPr>
-              <a:t>資料查詢</a:t>
+              <a:t>吉祥物</a:t>
             </a:r>
             <a:endParaRPr kumimoji="0" lang="en-US" altLang="zh-TW" sz="2800" b="0" i="0" u="none" strike="noStrike" kern="1200" cap="none" spc="0" normalizeH="0" baseline="0" noProof="0" dirty="0">
               <a:ln>
@@ -14356,29 +14259,22 @@
                 <a:latin typeface="華康細明體" panose="02020309000000000000" pitchFamily="49" charset="-120"/>
                 <a:ea typeface="華康細明體" panose="02020309000000000000" pitchFamily="49" charset="-120"/>
               </a:rPr>
-              <a:t>姚辰彥</a:t>
-            </a:r>
-            <a:r>
-              <a:rPr lang="zh-TW" altLang="en-US" dirty="0" smtClean="0">
-                <a:latin typeface="華康細明體" panose="02020309000000000000" pitchFamily="49" charset="-120"/>
-                <a:ea typeface="華康細明體" panose="02020309000000000000" pitchFamily="49" charset="-120"/>
-              </a:rPr>
-              <a:t>：</a:t>
-            </a:r>
-            <a:endParaRPr lang="en-US" altLang="zh-TW" dirty="0" smtClean="0">
+              <a:t>姚辰彥：</a:t>
+            </a:r>
+            <a:endParaRPr lang="en-US" altLang="zh-TW" dirty="0">
               <a:latin typeface="華康細明體" panose="02020309000000000000" pitchFamily="49" charset="-120"/>
               <a:ea typeface="華康細明體" panose="02020309000000000000" pitchFamily="49" charset="-120"/>
             </a:endParaRPr>
           </a:p>
           <a:p>
             <a:r>
-              <a:rPr lang="zh-TW" altLang="en-US" dirty="0" smtClean="0">
+              <a:rPr lang="zh-TW" altLang="en-US" dirty="0">
                 <a:latin typeface="華康細明體" panose="02020309000000000000" pitchFamily="49" charset="-120"/>
                 <a:ea typeface="華康細明體" panose="02020309000000000000" pitchFamily="49" charset="-120"/>
               </a:rPr>
               <a:t>卓家葳：</a:t>
             </a:r>
-            <a:endParaRPr lang="en-US" altLang="zh-TW" sz="4000" dirty="0" smtClean="0">
+            <a:endParaRPr lang="en-US" altLang="zh-TW" sz="4000" dirty="0">
               <a:latin typeface="華康細明體" panose="02020309000000000000" pitchFamily="49" charset="-120"/>
               <a:ea typeface="華康細明體" panose="02020309000000000000" pitchFamily="49" charset="-120"/>
             </a:endParaRPr>
@@ -15866,16 +15762,6 @@
               </a:rPr>
               <a:t>)</a:t>
             </a:r>
-            <a:r>
-              <a:rPr lang="zh-TW" altLang="en-US" b="0" i="0" dirty="0">
-                <a:solidFill>
-                  <a:srgbClr val="000000"/>
-                </a:solidFill>
-                <a:effectLst/>
-                <a:latin typeface="Segoe UI" panose="020B0502040204020203" pitchFamily="34" charset="0"/>
-              </a:rPr>
-              <a:t/>
-            </a:r>
             <a:br>
               <a:rPr lang="zh-TW" altLang="en-US" b="0" i="0" dirty="0">
                 <a:solidFill>
@@ -15935,16 +15821,6 @@
               </a:rPr>
               <a:t>(65.1KSPS~61.44MSPS)</a:t>
             </a:r>
-            <a:r>
-              <a:rPr lang="en-US" altLang="zh-TW" b="0" i="0" dirty="0">
-                <a:solidFill>
-                  <a:srgbClr val="000000"/>
-                </a:solidFill>
-                <a:effectLst/>
-                <a:latin typeface="Segoe UI" panose="020B0502040204020203" pitchFamily="34" charset="0"/>
-              </a:rPr>
-              <a:t/>
-            </a:r>
             <a:br>
               <a:rPr lang="en-US" altLang="zh-TW" b="0" i="0" dirty="0">
                 <a:solidFill>
@@ -16004,16 +15880,6 @@
               </a:rPr>
               <a:t>(200KHZ~20MHZ)</a:t>
             </a:r>
-            <a:r>
-              <a:rPr lang="en-US" altLang="zh-TW" b="0" i="0" dirty="0">
-                <a:solidFill>
-                  <a:srgbClr val="000000"/>
-                </a:solidFill>
-                <a:effectLst/>
-                <a:latin typeface="Segoe UI" panose="020B0502040204020203" pitchFamily="34" charset="0"/>
-              </a:rPr>
-              <a:t/>
-            </a:r>
             <a:br>
               <a:rPr lang="en-US" altLang="zh-TW" b="0" i="0" dirty="0">
                 <a:solidFill>
@@ -16053,16 +15919,6 @@
               </a:rPr>
               <a:t>)</a:t>
             </a:r>
-            <a:r>
-              <a:rPr lang="zh-TW" altLang="en-US" b="0" i="0" dirty="0">
-                <a:solidFill>
-                  <a:srgbClr val="000000"/>
-                </a:solidFill>
-                <a:effectLst/>
-                <a:latin typeface="Segoe UI" panose="020B0502040204020203" pitchFamily="34" charset="0"/>
-              </a:rPr>
-              <a:t/>
-            </a:r>
             <a:br>
               <a:rPr lang="zh-TW" altLang="en-US" b="0" i="0" dirty="0">
                 <a:solidFill>
@@ -16122,16 +15978,6 @@
               </a:rPr>
               <a:t>74dBm)</a:t>
             </a:r>
-            <a:r>
-              <a:rPr lang="en-US" altLang="zh-TW" b="0" i="0" dirty="0">
-                <a:solidFill>
-                  <a:srgbClr val="000000"/>
-                </a:solidFill>
-                <a:effectLst/>
-                <a:latin typeface="Segoe UI" panose="020B0502040204020203" pitchFamily="34" charset="0"/>
-              </a:rPr>
-              <a:t/>
-            </a:r>
             <a:br>
               <a:rPr lang="en-US" altLang="zh-TW" b="0" i="0" dirty="0">
                 <a:solidFill>
@@ -16211,16 +16057,6 @@
               </a:rPr>
               <a:t>)</a:t>
             </a:r>
-            <a:r>
-              <a:rPr lang="zh-TW" altLang="en-US" b="0" i="0" dirty="0">
-                <a:solidFill>
-                  <a:srgbClr val="000000"/>
-                </a:solidFill>
-                <a:effectLst/>
-                <a:latin typeface="Segoe UI" panose="020B0502040204020203" pitchFamily="34" charset="0"/>
-              </a:rPr>
-              <a:t/>
-            </a:r>
             <a:br>
               <a:rPr lang="zh-TW" altLang="en-US" b="0" i="0" dirty="0">
                 <a:solidFill>
@@ -16280,16 +16116,6 @@
               </a:rPr>
               <a:t>(65.1KSPS~61.44MSPS)</a:t>
             </a:r>
-            <a:r>
-              <a:rPr lang="en-US" altLang="zh-TW" b="0" i="0" dirty="0">
-                <a:solidFill>
-                  <a:srgbClr val="000000"/>
-                </a:solidFill>
-                <a:effectLst/>
-                <a:latin typeface="Segoe UI" panose="020B0502040204020203" pitchFamily="34" charset="0"/>
-              </a:rPr>
-              <a:t/>
-            </a:r>
             <a:br>
               <a:rPr lang="en-US" altLang="zh-TW" b="0" i="0" dirty="0">
                 <a:solidFill>
@@ -16358,10 +16184,6 @@
             </a:endParaRPr>
           </a:p>
           <a:p>
-            <a:r>
-              <a:rPr lang="en-US" altLang="zh-TW" dirty="0"/>
-              <a:t/>
-            </a:r>
             <a:br>
               <a:rPr lang="en-US" altLang="zh-TW" dirty="0"/>
             </a:br>

--- a/report/以SDR實現OTSM通訊技術.pptx
+++ b/report/以SDR實現OTSM通訊技術.pptx
@@ -8,16 +8,16 @@
     <p:sldId id="256" r:id="rId2"/>
     <p:sldId id="264" r:id="rId3"/>
     <p:sldId id="274" r:id="rId4"/>
-    <p:sldId id="281" r:id="rId5"/>
-    <p:sldId id="258" r:id="rId6"/>
-    <p:sldId id="260" r:id="rId7"/>
-    <p:sldId id="261" r:id="rId8"/>
-    <p:sldId id="262" r:id="rId9"/>
-    <p:sldId id="263" r:id="rId10"/>
-    <p:sldId id="276" r:id="rId11"/>
-    <p:sldId id="277" r:id="rId12"/>
-    <p:sldId id="278" r:id="rId13"/>
-    <p:sldId id="279" r:id="rId14"/>
+    <p:sldId id="283" r:id="rId5"/>
+    <p:sldId id="281" r:id="rId6"/>
+    <p:sldId id="258" r:id="rId7"/>
+    <p:sldId id="260" r:id="rId8"/>
+    <p:sldId id="261" r:id="rId9"/>
+    <p:sldId id="262" r:id="rId10"/>
+    <p:sldId id="263" r:id="rId11"/>
+    <p:sldId id="276" r:id="rId12"/>
+    <p:sldId id="277" r:id="rId13"/>
+    <p:sldId id="278" r:id="rId14"/>
     <p:sldId id="280" r:id="rId15"/>
   </p:sldIdLst>
   <p:sldSz cx="12192000" cy="6858000"/>
@@ -1648,6 +1648,8 @@
               <a:solidFill>
                 <a:schemeClr val="tx1"/>
               </a:solidFill>
+              <a:latin typeface="王漢宗綜藝體繁" panose="02000500000000000000" pitchFamily="2" charset="-120"/>
+              <a:ea typeface="王漢宗綜藝體繁" panose="02000500000000000000" pitchFamily="2" charset="-120"/>
             </a:rPr>
             <a:t>切割資料</a:t>
           </a:r>
@@ -1698,6 +1700,8 @@
               <a:solidFill>
                 <a:schemeClr val="tx1"/>
               </a:solidFill>
+              <a:latin typeface="王漢宗綜藝體繁" panose="02000500000000000000" pitchFamily="2" charset="-120"/>
+              <a:ea typeface="王漢宗綜藝體繁" panose="02000500000000000000" pitchFamily="2" charset="-120"/>
             </a:rPr>
             <a:t>調變</a:t>
           </a:r>
@@ -1744,10 +1748,12 @@
         <a:lstStyle/>
         <a:p>
           <a:r>
-            <a:rPr lang="en-US" altLang="zh-TW" dirty="0">
+            <a:rPr lang="en-US" altLang="zh-TW" dirty="0" smtClean="0">
               <a:solidFill>
                 <a:schemeClr val="tx1"/>
               </a:solidFill>
+              <a:latin typeface="王漢宗綜藝體繁" panose="02000500000000000000" pitchFamily="2" charset="-120"/>
+              <a:ea typeface="王漢宗綜藝體繁" panose="02000500000000000000" pitchFamily="2" charset="-120"/>
             </a:rPr>
             <a:t>PILOT&amp;SYNC</a:t>
           </a:r>
@@ -1755,6 +1761,8 @@
             <a:solidFill>
               <a:schemeClr val="tx1"/>
             </a:solidFill>
+            <a:latin typeface="王漢宗綜藝體繁" panose="02000500000000000000" pitchFamily="2" charset="-120"/>
+            <a:ea typeface="王漢宗綜藝體繁" panose="02000500000000000000" pitchFamily="2" charset="-120"/>
           </a:endParaRPr>
         </a:p>
       </dgm:t>
@@ -1797,14 +1805,35 @@
         </dgm:presLayoutVars>
       </dgm:prSet>
       <dgm:spPr/>
+      <dgm:t>
+        <a:bodyPr/>
+        <a:lstStyle/>
+        <a:p>
+          <a:endParaRPr lang="zh-TW" altLang="en-US"/>
+        </a:p>
+      </dgm:t>
     </dgm:pt>
     <dgm:pt modelId="{5DCD91DB-AEF7-4C9B-BD53-8B818AE7A5C2}" type="pres">
       <dgm:prSet presAssocID="{510E1544-9B0B-4E5E-A21A-74C154EC99BB}" presName="sibTrans" presStyleLbl="sibTrans2D1" presStyleIdx="0" presStyleCnt="2"/>
       <dgm:spPr/>
+      <dgm:t>
+        <a:bodyPr/>
+        <a:lstStyle/>
+        <a:p>
+          <a:endParaRPr lang="zh-TW" altLang="en-US"/>
+        </a:p>
+      </dgm:t>
     </dgm:pt>
     <dgm:pt modelId="{3053149E-F4D6-4274-BA65-86C7B0CA7EE2}" type="pres">
       <dgm:prSet presAssocID="{510E1544-9B0B-4E5E-A21A-74C154EC99BB}" presName="connectorText" presStyleLbl="sibTrans2D1" presStyleIdx="0" presStyleCnt="2"/>
       <dgm:spPr/>
+      <dgm:t>
+        <a:bodyPr/>
+        <a:lstStyle/>
+        <a:p>
+          <a:endParaRPr lang="zh-TW" altLang="en-US"/>
+        </a:p>
+      </dgm:t>
     </dgm:pt>
     <dgm:pt modelId="{501B0B5C-0A9B-4712-8139-5AB722F892AE}" type="pres">
       <dgm:prSet presAssocID="{2F0BB623-C310-4F34-A614-8383840D288F}" presName="node" presStyleLbl="node1" presStyleIdx="1" presStyleCnt="3">
@@ -1813,14 +1842,35 @@
         </dgm:presLayoutVars>
       </dgm:prSet>
       <dgm:spPr/>
+      <dgm:t>
+        <a:bodyPr/>
+        <a:lstStyle/>
+        <a:p>
+          <a:endParaRPr lang="zh-TW" altLang="en-US"/>
+        </a:p>
+      </dgm:t>
     </dgm:pt>
     <dgm:pt modelId="{4C06B492-B4CF-4662-994E-B742043CDBA6}" type="pres">
       <dgm:prSet presAssocID="{B3ED31B1-2659-4ACB-A056-32D27D08A6EF}" presName="sibTrans" presStyleLbl="sibTrans2D1" presStyleIdx="1" presStyleCnt="2"/>
       <dgm:spPr/>
+      <dgm:t>
+        <a:bodyPr/>
+        <a:lstStyle/>
+        <a:p>
+          <a:endParaRPr lang="zh-TW" altLang="en-US"/>
+        </a:p>
+      </dgm:t>
     </dgm:pt>
     <dgm:pt modelId="{715D3F0F-C5CB-406C-9764-737C7C1638E6}" type="pres">
       <dgm:prSet presAssocID="{B3ED31B1-2659-4ACB-A056-32D27D08A6EF}" presName="connectorText" presStyleLbl="sibTrans2D1" presStyleIdx="1" presStyleCnt="2"/>
       <dgm:spPr/>
+      <dgm:t>
+        <a:bodyPr/>
+        <a:lstStyle/>
+        <a:p>
+          <a:endParaRPr lang="zh-TW" altLang="en-US"/>
+        </a:p>
+      </dgm:t>
     </dgm:pt>
     <dgm:pt modelId="{F8307AB0-8E3F-4030-91DA-849DB5B98DC2}" type="pres">
       <dgm:prSet presAssocID="{94E5E8AF-0109-41B5-AD0E-4DA7AD85FEFD}" presName="node" presStyleLbl="node1" presStyleIdx="2" presStyleCnt="3">
@@ -1829,20 +1879,27 @@
         </dgm:presLayoutVars>
       </dgm:prSet>
       <dgm:spPr/>
+      <dgm:t>
+        <a:bodyPr/>
+        <a:lstStyle/>
+        <a:p>
+          <a:endParaRPr lang="zh-TW" altLang="en-US"/>
+        </a:p>
+      </dgm:t>
     </dgm:pt>
   </dgm:ptLst>
   <dgm:cxnLst>
-    <dgm:cxn modelId="{24755E3E-C775-4F43-94FB-4C706A911360}" type="presOf" srcId="{B3ED31B1-2659-4ACB-A056-32D27D08A6EF}" destId="{4C06B492-B4CF-4662-994E-B742043CDBA6}" srcOrd="0" destOrd="0" presId="urn:microsoft.com/office/officeart/2005/8/layout/process1"/>
+    <dgm:cxn modelId="{8F64F8E6-C469-43B5-B5E8-EC3AE35AB88C}" type="presOf" srcId="{2F0BB623-C310-4F34-A614-8383840D288F}" destId="{501B0B5C-0A9B-4712-8139-5AB722F892AE}" srcOrd="0" destOrd="0" presId="urn:microsoft.com/office/officeart/2005/8/layout/process1"/>
+    <dgm:cxn modelId="{F6F31997-62E6-4170-BF59-BE34A1A74105}" srcId="{D14C185C-1C2F-43C5-B3F7-03E2FD8DCA20}" destId="{2F0BB623-C310-4F34-A614-8383840D288F}" srcOrd="1" destOrd="0" parTransId="{7FEA6977-7515-40FE-8B46-76C8A4B4FEBC}" sibTransId="{B3ED31B1-2659-4ACB-A056-32D27D08A6EF}"/>
+    <dgm:cxn modelId="{842B5DB3-BFAF-46D0-84BB-E28431233374}" srcId="{D14C185C-1C2F-43C5-B3F7-03E2FD8DCA20}" destId="{373F3D73-4163-460C-825F-AB90F0BD274A}" srcOrd="0" destOrd="0" parTransId="{00E5234B-BC00-402C-A4DC-5B7D87217C7B}" sibTransId="{510E1544-9B0B-4E5E-A21A-74C154EC99BB}"/>
+    <dgm:cxn modelId="{FC026DDC-6B9B-4E3A-ADF6-C724CBB2F3D0}" type="presOf" srcId="{94E5E8AF-0109-41B5-AD0E-4DA7AD85FEFD}" destId="{F8307AB0-8E3F-4030-91DA-849DB5B98DC2}" srcOrd="0" destOrd="0" presId="urn:microsoft.com/office/officeart/2005/8/layout/process1"/>
     <dgm:cxn modelId="{783D2856-2CC3-47A0-AB40-5DBEC579208A}" type="presOf" srcId="{D14C185C-1C2F-43C5-B3F7-03E2FD8DCA20}" destId="{0845D703-486E-420E-9274-3700A0D2E42F}" srcOrd="0" destOrd="0" presId="urn:microsoft.com/office/officeart/2005/8/layout/process1"/>
     <dgm:cxn modelId="{ED6A0291-B8AD-4213-AF49-B17AF0DD26FB}" type="presOf" srcId="{373F3D73-4163-460C-825F-AB90F0BD274A}" destId="{2CE79DA6-23CB-40EF-B25E-2E7E21767DB0}" srcOrd="0" destOrd="0" presId="urn:microsoft.com/office/officeart/2005/8/layout/process1"/>
-    <dgm:cxn modelId="{F6F31997-62E6-4170-BF59-BE34A1A74105}" srcId="{D14C185C-1C2F-43C5-B3F7-03E2FD8DCA20}" destId="{2F0BB623-C310-4F34-A614-8383840D288F}" srcOrd="1" destOrd="0" parTransId="{7FEA6977-7515-40FE-8B46-76C8A4B4FEBC}" sibTransId="{B3ED31B1-2659-4ACB-A056-32D27D08A6EF}"/>
-    <dgm:cxn modelId="{842B5DB3-BFAF-46D0-84BB-E28431233374}" srcId="{D14C185C-1C2F-43C5-B3F7-03E2FD8DCA20}" destId="{373F3D73-4163-460C-825F-AB90F0BD274A}" srcOrd="0" destOrd="0" parTransId="{00E5234B-BC00-402C-A4DC-5B7D87217C7B}" sibTransId="{510E1544-9B0B-4E5E-A21A-74C154EC99BB}"/>
+    <dgm:cxn modelId="{CCD4CFC3-8CB9-4BD5-B289-EB24AA63AAFC}" type="presOf" srcId="{510E1544-9B0B-4E5E-A21A-74C154EC99BB}" destId="{5DCD91DB-AEF7-4C9B-BD53-8B818AE7A5C2}" srcOrd="0" destOrd="0" presId="urn:microsoft.com/office/officeart/2005/8/layout/process1"/>
+    <dgm:cxn modelId="{D1F5C7F5-FF31-49AC-8A04-274782995C75}" type="presOf" srcId="{510E1544-9B0B-4E5E-A21A-74C154EC99BB}" destId="{3053149E-F4D6-4274-BA65-86C7B0CA7EE2}" srcOrd="1" destOrd="0" presId="urn:microsoft.com/office/officeart/2005/8/layout/process1"/>
+    <dgm:cxn modelId="{24755E3E-C775-4F43-94FB-4C706A911360}" type="presOf" srcId="{B3ED31B1-2659-4ACB-A056-32D27D08A6EF}" destId="{4C06B492-B4CF-4662-994E-B742043CDBA6}" srcOrd="0" destOrd="0" presId="urn:microsoft.com/office/officeart/2005/8/layout/process1"/>
     <dgm:cxn modelId="{F0E147BA-BB1F-4975-8167-3A41330F994E}" type="presOf" srcId="{B3ED31B1-2659-4ACB-A056-32D27D08A6EF}" destId="{715D3F0F-C5CB-406C-9764-737C7C1638E6}" srcOrd="1" destOrd="0" presId="urn:microsoft.com/office/officeart/2005/8/layout/process1"/>
-    <dgm:cxn modelId="{CCD4CFC3-8CB9-4BD5-B289-EB24AA63AAFC}" type="presOf" srcId="{510E1544-9B0B-4E5E-A21A-74C154EC99BB}" destId="{5DCD91DB-AEF7-4C9B-BD53-8B818AE7A5C2}" srcOrd="0" destOrd="0" presId="urn:microsoft.com/office/officeart/2005/8/layout/process1"/>
     <dgm:cxn modelId="{18AB6BD2-D883-4837-90CD-D004B6890F8F}" srcId="{D14C185C-1C2F-43C5-B3F7-03E2FD8DCA20}" destId="{94E5E8AF-0109-41B5-AD0E-4DA7AD85FEFD}" srcOrd="2" destOrd="0" parTransId="{4B4731E8-B722-4A8D-879D-71D770D64E16}" sibTransId="{5EDB3883-65F1-43C5-B2B6-715EFF19ECC3}"/>
-    <dgm:cxn modelId="{FC026DDC-6B9B-4E3A-ADF6-C724CBB2F3D0}" type="presOf" srcId="{94E5E8AF-0109-41B5-AD0E-4DA7AD85FEFD}" destId="{F8307AB0-8E3F-4030-91DA-849DB5B98DC2}" srcOrd="0" destOrd="0" presId="urn:microsoft.com/office/officeart/2005/8/layout/process1"/>
-    <dgm:cxn modelId="{8F64F8E6-C469-43B5-B5E8-EC3AE35AB88C}" type="presOf" srcId="{2F0BB623-C310-4F34-A614-8383840D288F}" destId="{501B0B5C-0A9B-4712-8139-5AB722F892AE}" srcOrd="0" destOrd="0" presId="urn:microsoft.com/office/officeart/2005/8/layout/process1"/>
-    <dgm:cxn modelId="{D1F5C7F5-FF31-49AC-8A04-274782995C75}" type="presOf" srcId="{510E1544-9B0B-4E5E-A21A-74C154EC99BB}" destId="{3053149E-F4D6-4274-BA65-86C7B0CA7EE2}" srcOrd="1" destOrd="0" presId="urn:microsoft.com/office/officeart/2005/8/layout/process1"/>
     <dgm:cxn modelId="{FAFBA5ED-5A37-4064-B4A2-75A971CC3268}" type="presParOf" srcId="{0845D703-486E-420E-9274-3700A0D2E42F}" destId="{2CE79DA6-23CB-40EF-B25E-2E7E21767DB0}" srcOrd="0" destOrd="0" presId="urn:microsoft.com/office/officeart/2005/8/layout/process1"/>
     <dgm:cxn modelId="{B192C275-C3F4-4265-AADD-2C1838C8AD5A}" type="presParOf" srcId="{0845D703-486E-420E-9274-3700A0D2E42F}" destId="{5DCD91DB-AEF7-4C9B-BD53-8B818AE7A5C2}" srcOrd="1" destOrd="0" presId="urn:microsoft.com/office/officeart/2005/8/layout/process1"/>
     <dgm:cxn modelId="{96819B01-F420-4E26-A327-E989DB4F7FB8}" type="presParOf" srcId="{5DCD91DB-AEF7-4C9B-BD53-8B818AE7A5C2}" destId="{3053149E-F4D6-4274-BA65-86C7B0CA7EE2}" srcOrd="0" destOrd="0" presId="urn:microsoft.com/office/officeart/2005/8/layout/process1"/>
@@ -2183,6 +2240,13 @@
         </dgm:presLayoutVars>
       </dgm:prSet>
       <dgm:spPr/>
+      <dgm:t>
+        <a:bodyPr/>
+        <a:lstStyle/>
+        <a:p>
+          <a:endParaRPr lang="zh-TW" altLang="en-US"/>
+        </a:p>
+      </dgm:t>
     </dgm:pt>
     <dgm:pt modelId="{37CC57EE-2C61-4BEF-8871-3338219A9556}" type="pres">
       <dgm:prSet presAssocID="{3841A661-9951-4A9C-BD92-1E214ED1A7F1}" presName="node" presStyleLbl="node1" presStyleIdx="0" presStyleCnt="5">
@@ -2191,14 +2255,35 @@
         </dgm:presLayoutVars>
       </dgm:prSet>
       <dgm:spPr/>
+      <dgm:t>
+        <a:bodyPr/>
+        <a:lstStyle/>
+        <a:p>
+          <a:endParaRPr lang="zh-TW" altLang="en-US"/>
+        </a:p>
+      </dgm:t>
     </dgm:pt>
     <dgm:pt modelId="{602DA743-6056-422D-BD95-2E982C8777E3}" type="pres">
       <dgm:prSet presAssocID="{756101F8-E74F-47A0-88AA-37478E1324E3}" presName="sibTrans" presStyleLbl="sibTrans2D1" presStyleIdx="0" presStyleCnt="4"/>
       <dgm:spPr/>
+      <dgm:t>
+        <a:bodyPr/>
+        <a:lstStyle/>
+        <a:p>
+          <a:endParaRPr lang="zh-TW" altLang="en-US"/>
+        </a:p>
+      </dgm:t>
     </dgm:pt>
     <dgm:pt modelId="{36B23BB1-5C80-41D3-B5C8-95A6DF48DBB3}" type="pres">
       <dgm:prSet presAssocID="{756101F8-E74F-47A0-88AA-37478E1324E3}" presName="connectorText" presStyleLbl="sibTrans2D1" presStyleIdx="0" presStyleCnt="4"/>
       <dgm:spPr/>
+      <dgm:t>
+        <a:bodyPr/>
+        <a:lstStyle/>
+        <a:p>
+          <a:endParaRPr lang="zh-TW" altLang="en-US"/>
+        </a:p>
+      </dgm:t>
     </dgm:pt>
     <dgm:pt modelId="{7B16F990-18B9-4D6C-B176-426070597CF8}" type="pres">
       <dgm:prSet presAssocID="{4DE45646-C300-4293-898A-FF022B7A8FEC}" presName="node" presStyleLbl="node1" presStyleIdx="1" presStyleCnt="5">
@@ -2207,14 +2292,35 @@
         </dgm:presLayoutVars>
       </dgm:prSet>
       <dgm:spPr/>
+      <dgm:t>
+        <a:bodyPr/>
+        <a:lstStyle/>
+        <a:p>
+          <a:endParaRPr lang="zh-TW" altLang="en-US"/>
+        </a:p>
+      </dgm:t>
     </dgm:pt>
     <dgm:pt modelId="{3C52E922-05C7-42AA-9176-FEB57B8A5680}" type="pres">
       <dgm:prSet presAssocID="{D93979BF-3656-4712-9F7E-DB6980D33465}" presName="sibTrans" presStyleLbl="sibTrans2D1" presStyleIdx="1" presStyleCnt="4"/>
       <dgm:spPr/>
+      <dgm:t>
+        <a:bodyPr/>
+        <a:lstStyle/>
+        <a:p>
+          <a:endParaRPr lang="zh-TW" altLang="en-US"/>
+        </a:p>
+      </dgm:t>
     </dgm:pt>
     <dgm:pt modelId="{D7B2C42D-DBB1-487C-9662-09FCC8DF404A}" type="pres">
       <dgm:prSet presAssocID="{D93979BF-3656-4712-9F7E-DB6980D33465}" presName="connectorText" presStyleLbl="sibTrans2D1" presStyleIdx="1" presStyleCnt="4"/>
       <dgm:spPr/>
+      <dgm:t>
+        <a:bodyPr/>
+        <a:lstStyle/>
+        <a:p>
+          <a:endParaRPr lang="zh-TW" altLang="en-US"/>
+        </a:p>
+      </dgm:t>
     </dgm:pt>
     <dgm:pt modelId="{76F565FD-B22D-4E20-9E68-6737A94684D0}" type="pres">
       <dgm:prSet presAssocID="{9842FACB-53DA-4024-B6CB-EE11C52C5FCF}" presName="node" presStyleLbl="node1" presStyleIdx="2" presStyleCnt="5">
@@ -2223,14 +2329,35 @@
         </dgm:presLayoutVars>
       </dgm:prSet>
       <dgm:spPr/>
+      <dgm:t>
+        <a:bodyPr/>
+        <a:lstStyle/>
+        <a:p>
+          <a:endParaRPr lang="zh-TW" altLang="en-US"/>
+        </a:p>
+      </dgm:t>
     </dgm:pt>
     <dgm:pt modelId="{AA43AFA9-0BE9-488E-8186-653D69342068}" type="pres">
       <dgm:prSet presAssocID="{47A42E82-F7B5-4BA3-BE5D-5AC65D518851}" presName="sibTrans" presStyleLbl="sibTrans2D1" presStyleIdx="2" presStyleCnt="4"/>
       <dgm:spPr/>
+      <dgm:t>
+        <a:bodyPr/>
+        <a:lstStyle/>
+        <a:p>
+          <a:endParaRPr lang="zh-TW" altLang="en-US"/>
+        </a:p>
+      </dgm:t>
     </dgm:pt>
     <dgm:pt modelId="{8BCFD47B-7865-4BED-9116-37430C496C9D}" type="pres">
       <dgm:prSet presAssocID="{47A42E82-F7B5-4BA3-BE5D-5AC65D518851}" presName="connectorText" presStyleLbl="sibTrans2D1" presStyleIdx="2" presStyleCnt="4"/>
       <dgm:spPr/>
+      <dgm:t>
+        <a:bodyPr/>
+        <a:lstStyle/>
+        <a:p>
+          <a:endParaRPr lang="zh-TW" altLang="en-US"/>
+        </a:p>
+      </dgm:t>
     </dgm:pt>
     <dgm:pt modelId="{70F605AD-AA30-4AD0-B005-7FFA52A1F50A}" type="pres">
       <dgm:prSet presAssocID="{FEDA3F26-01B6-4969-A114-7ABFAEE737C7}" presName="node" presStyleLbl="node1" presStyleIdx="3" presStyleCnt="5">
@@ -2239,14 +2366,35 @@
         </dgm:presLayoutVars>
       </dgm:prSet>
       <dgm:spPr/>
+      <dgm:t>
+        <a:bodyPr/>
+        <a:lstStyle/>
+        <a:p>
+          <a:endParaRPr lang="zh-TW" altLang="en-US"/>
+        </a:p>
+      </dgm:t>
     </dgm:pt>
     <dgm:pt modelId="{F899D3A4-AACE-4351-8D2B-C90711F51E1E}" type="pres">
       <dgm:prSet presAssocID="{16550F19-24CF-4ABC-B1CC-FECB27126818}" presName="sibTrans" presStyleLbl="sibTrans2D1" presStyleIdx="3" presStyleCnt="4"/>
       <dgm:spPr/>
+      <dgm:t>
+        <a:bodyPr/>
+        <a:lstStyle/>
+        <a:p>
+          <a:endParaRPr lang="zh-TW" altLang="en-US"/>
+        </a:p>
+      </dgm:t>
     </dgm:pt>
     <dgm:pt modelId="{45E6E406-7772-448A-A05E-CD78783E8157}" type="pres">
       <dgm:prSet presAssocID="{16550F19-24CF-4ABC-B1CC-FECB27126818}" presName="connectorText" presStyleLbl="sibTrans2D1" presStyleIdx="3" presStyleCnt="4"/>
       <dgm:spPr/>
+      <dgm:t>
+        <a:bodyPr/>
+        <a:lstStyle/>
+        <a:p>
+          <a:endParaRPr lang="zh-TW" altLang="en-US"/>
+        </a:p>
+      </dgm:t>
     </dgm:pt>
     <dgm:pt modelId="{0F5CAC29-7CB1-4849-BDCB-86C230AA7034}" type="pres">
       <dgm:prSet presAssocID="{793924AF-61E2-402A-99A0-C3B3E57342F2}" presName="node" presStyleLbl="node1" presStyleIdx="4" presStyleCnt="5">
@@ -2255,28 +2403,35 @@
         </dgm:presLayoutVars>
       </dgm:prSet>
       <dgm:spPr/>
+      <dgm:t>
+        <a:bodyPr/>
+        <a:lstStyle/>
+        <a:p>
+          <a:endParaRPr lang="zh-TW" altLang="en-US"/>
+        </a:p>
+      </dgm:t>
     </dgm:pt>
   </dgm:ptLst>
   <dgm:cxnLst>
-    <dgm:cxn modelId="{BB3B5000-0AA1-4675-8502-1A5E60CFD19F}" type="presOf" srcId="{FDABFBC2-1BFD-4076-A05A-6C7F934E68D7}" destId="{72CC2932-FA6E-49B1-8F27-F0B21286E949}" srcOrd="0" destOrd="0" presId="urn:microsoft.com/office/officeart/2005/8/layout/process1"/>
+    <dgm:cxn modelId="{30BE2351-8689-4EC5-AF2E-B7E46AC2636C}" srcId="{FDABFBC2-1BFD-4076-A05A-6C7F934E68D7}" destId="{793924AF-61E2-402A-99A0-C3B3E57342F2}" srcOrd="4" destOrd="0" parTransId="{63A9F1FB-F697-4CA3-9B26-79F1BC32AF6F}" sibTransId="{44D9DA1C-167F-4B0B-B2B6-B05705FA3443}"/>
+    <dgm:cxn modelId="{058ED1C2-8409-4DF6-840A-23940991EEBF}" type="presOf" srcId="{47A42E82-F7B5-4BA3-BE5D-5AC65D518851}" destId="{8BCFD47B-7865-4BED-9116-37430C496C9D}" srcOrd="1" destOrd="0" presId="urn:microsoft.com/office/officeart/2005/8/layout/process1"/>
+    <dgm:cxn modelId="{30F8D8AE-C9E3-4CFE-994A-4830256C8B51}" type="presOf" srcId="{3841A661-9951-4A9C-BD92-1E214ED1A7F1}" destId="{37CC57EE-2C61-4BEF-8871-3338219A9556}" srcOrd="0" destOrd="0" presId="urn:microsoft.com/office/officeart/2005/8/layout/process1"/>
+    <dgm:cxn modelId="{84FE14D8-3BCF-47F6-B85F-2E8574712243}" srcId="{FDABFBC2-1BFD-4076-A05A-6C7F934E68D7}" destId="{9842FACB-53DA-4024-B6CB-EE11C52C5FCF}" srcOrd="2" destOrd="0" parTransId="{2BFEF379-1AD1-4288-81DA-34236DD15E7F}" sibTransId="{47A42E82-F7B5-4BA3-BE5D-5AC65D518851}"/>
+    <dgm:cxn modelId="{367FA860-0927-4193-99CC-915BA076983B}" type="presOf" srcId="{756101F8-E74F-47A0-88AA-37478E1324E3}" destId="{36B23BB1-5C80-41D3-B5C8-95A6DF48DBB3}" srcOrd="1" destOrd="0" presId="urn:microsoft.com/office/officeart/2005/8/layout/process1"/>
+    <dgm:cxn modelId="{0923B7DE-459B-4935-A243-854C5AA76C90}" type="presOf" srcId="{D93979BF-3656-4712-9F7E-DB6980D33465}" destId="{D7B2C42D-DBB1-487C-9662-09FCC8DF404A}" srcOrd="1" destOrd="0" presId="urn:microsoft.com/office/officeart/2005/8/layout/process1"/>
+    <dgm:cxn modelId="{5C9862F8-7806-4F17-B72E-02FE8EB139DB}" srcId="{FDABFBC2-1BFD-4076-A05A-6C7F934E68D7}" destId="{4DE45646-C300-4293-898A-FF022B7A8FEC}" srcOrd="1" destOrd="0" parTransId="{1CF0C8C9-4439-4D14-BC06-CA919B69D58B}" sibTransId="{D93979BF-3656-4712-9F7E-DB6980D33465}"/>
     <dgm:cxn modelId="{055FCD29-F5FA-490F-B406-E005660A5F8B}" type="presOf" srcId="{756101F8-E74F-47A0-88AA-37478E1324E3}" destId="{602DA743-6056-422D-BD95-2E982C8777E3}" srcOrd="0" destOrd="0" presId="urn:microsoft.com/office/officeart/2005/8/layout/process1"/>
+    <dgm:cxn modelId="{FB0CF2B4-D2D7-4A36-9B81-83F508F22C6E}" type="presOf" srcId="{16550F19-24CF-4ABC-B1CC-FECB27126818}" destId="{F899D3A4-AACE-4351-8D2B-C90711F51E1E}" srcOrd="0" destOrd="0" presId="urn:microsoft.com/office/officeart/2005/8/layout/process1"/>
+    <dgm:cxn modelId="{9D5EFDC8-C6A0-4F0A-81F9-B42EA3BDE570}" srcId="{FDABFBC2-1BFD-4076-A05A-6C7F934E68D7}" destId="{3841A661-9951-4A9C-BD92-1E214ED1A7F1}" srcOrd="0" destOrd="0" parTransId="{3F532559-3F70-495C-9B87-F9D9578E35F3}" sibTransId="{756101F8-E74F-47A0-88AA-37478E1324E3}"/>
+    <dgm:cxn modelId="{43F93158-FD52-4F0C-8F3B-C4C77B650101}" type="presOf" srcId="{FEDA3F26-01B6-4969-A114-7ABFAEE737C7}" destId="{70F605AD-AA30-4AD0-B005-7FFA52A1F50A}" srcOrd="0" destOrd="0" presId="urn:microsoft.com/office/officeart/2005/8/layout/process1"/>
     <dgm:cxn modelId="{1BE2D033-BC5E-4C7F-9558-949D151FFC1C}" type="presOf" srcId="{9842FACB-53DA-4024-B6CB-EE11C52C5FCF}" destId="{76F565FD-B22D-4E20-9E68-6737A94684D0}" srcOrd="0" destOrd="0" presId="urn:microsoft.com/office/officeart/2005/8/layout/process1"/>
-    <dgm:cxn modelId="{367FA860-0927-4193-99CC-915BA076983B}" type="presOf" srcId="{756101F8-E74F-47A0-88AA-37478E1324E3}" destId="{36B23BB1-5C80-41D3-B5C8-95A6DF48DBB3}" srcOrd="1" destOrd="0" presId="urn:microsoft.com/office/officeart/2005/8/layout/process1"/>
+    <dgm:cxn modelId="{CEB39990-B409-400E-B30A-F60714DCAC0A}" type="presOf" srcId="{47A42E82-F7B5-4BA3-BE5D-5AC65D518851}" destId="{AA43AFA9-0BE9-488E-8186-653D69342068}" srcOrd="0" destOrd="0" presId="urn:microsoft.com/office/officeart/2005/8/layout/process1"/>
     <dgm:cxn modelId="{C324BC62-A247-40ED-B23F-366217496CDA}" type="presOf" srcId="{D93979BF-3656-4712-9F7E-DB6980D33465}" destId="{3C52E922-05C7-42AA-9176-FEB57B8A5680}" srcOrd="0" destOrd="0" presId="urn:microsoft.com/office/officeart/2005/8/layout/process1"/>
     <dgm:cxn modelId="{F9DE8870-FAC2-4655-990C-BD5C32A73D7B}" srcId="{FDABFBC2-1BFD-4076-A05A-6C7F934E68D7}" destId="{FEDA3F26-01B6-4969-A114-7ABFAEE737C7}" srcOrd="3" destOrd="0" parTransId="{CDF14BF9-343D-46A4-BE7B-0D95D9B8F5EE}" sibTransId="{16550F19-24CF-4ABC-B1CC-FECB27126818}"/>
-    <dgm:cxn modelId="{30BE2351-8689-4EC5-AF2E-B7E46AC2636C}" srcId="{FDABFBC2-1BFD-4076-A05A-6C7F934E68D7}" destId="{793924AF-61E2-402A-99A0-C3B3E57342F2}" srcOrd="4" destOrd="0" parTransId="{63A9F1FB-F697-4CA3-9B26-79F1BC32AF6F}" sibTransId="{44D9DA1C-167F-4B0B-B2B6-B05705FA3443}"/>
-    <dgm:cxn modelId="{43F93158-FD52-4F0C-8F3B-C4C77B650101}" type="presOf" srcId="{FEDA3F26-01B6-4969-A114-7ABFAEE737C7}" destId="{70F605AD-AA30-4AD0-B005-7FFA52A1F50A}" srcOrd="0" destOrd="0" presId="urn:microsoft.com/office/officeart/2005/8/layout/process1"/>
+    <dgm:cxn modelId="{A08693A2-F7D1-4A1A-BB98-1698B0328EAD}" type="presOf" srcId="{793924AF-61E2-402A-99A0-C3B3E57342F2}" destId="{0F5CAC29-7CB1-4849-BDCB-86C230AA7034}" srcOrd="0" destOrd="0" presId="urn:microsoft.com/office/officeart/2005/8/layout/process1"/>
     <dgm:cxn modelId="{A524AA80-A41F-414D-B3DE-7CB57D2A7583}" type="presOf" srcId="{16550F19-24CF-4ABC-B1CC-FECB27126818}" destId="{45E6E406-7772-448A-A05E-CD78783E8157}" srcOrd="1" destOrd="0" presId="urn:microsoft.com/office/officeart/2005/8/layout/process1"/>
-    <dgm:cxn modelId="{CEB39990-B409-400E-B30A-F60714DCAC0A}" type="presOf" srcId="{47A42E82-F7B5-4BA3-BE5D-5AC65D518851}" destId="{AA43AFA9-0BE9-488E-8186-653D69342068}" srcOrd="0" destOrd="0" presId="urn:microsoft.com/office/officeart/2005/8/layout/process1"/>
-    <dgm:cxn modelId="{A08693A2-F7D1-4A1A-BB98-1698B0328EAD}" type="presOf" srcId="{793924AF-61E2-402A-99A0-C3B3E57342F2}" destId="{0F5CAC29-7CB1-4849-BDCB-86C230AA7034}" srcOrd="0" destOrd="0" presId="urn:microsoft.com/office/officeart/2005/8/layout/process1"/>
-    <dgm:cxn modelId="{30F8D8AE-C9E3-4CFE-994A-4830256C8B51}" type="presOf" srcId="{3841A661-9951-4A9C-BD92-1E214ED1A7F1}" destId="{37CC57EE-2C61-4BEF-8871-3338219A9556}" srcOrd="0" destOrd="0" presId="urn:microsoft.com/office/officeart/2005/8/layout/process1"/>
-    <dgm:cxn modelId="{FB0CF2B4-D2D7-4A36-9B81-83F508F22C6E}" type="presOf" srcId="{16550F19-24CF-4ABC-B1CC-FECB27126818}" destId="{F899D3A4-AACE-4351-8D2B-C90711F51E1E}" srcOrd="0" destOrd="0" presId="urn:microsoft.com/office/officeart/2005/8/layout/process1"/>
-    <dgm:cxn modelId="{058ED1C2-8409-4DF6-840A-23940991EEBF}" type="presOf" srcId="{47A42E82-F7B5-4BA3-BE5D-5AC65D518851}" destId="{8BCFD47B-7865-4BED-9116-37430C496C9D}" srcOrd="1" destOrd="0" presId="urn:microsoft.com/office/officeart/2005/8/layout/process1"/>
-    <dgm:cxn modelId="{9D5EFDC8-C6A0-4F0A-81F9-B42EA3BDE570}" srcId="{FDABFBC2-1BFD-4076-A05A-6C7F934E68D7}" destId="{3841A661-9951-4A9C-BD92-1E214ED1A7F1}" srcOrd="0" destOrd="0" parTransId="{3F532559-3F70-495C-9B87-F9D9578E35F3}" sibTransId="{756101F8-E74F-47A0-88AA-37478E1324E3}"/>
-    <dgm:cxn modelId="{84FE14D8-3BCF-47F6-B85F-2E8574712243}" srcId="{FDABFBC2-1BFD-4076-A05A-6C7F934E68D7}" destId="{9842FACB-53DA-4024-B6CB-EE11C52C5FCF}" srcOrd="2" destOrd="0" parTransId="{2BFEF379-1AD1-4288-81DA-34236DD15E7F}" sibTransId="{47A42E82-F7B5-4BA3-BE5D-5AC65D518851}"/>
-    <dgm:cxn modelId="{0923B7DE-459B-4935-A243-854C5AA76C90}" type="presOf" srcId="{D93979BF-3656-4712-9F7E-DB6980D33465}" destId="{D7B2C42D-DBB1-487C-9662-09FCC8DF404A}" srcOrd="1" destOrd="0" presId="urn:microsoft.com/office/officeart/2005/8/layout/process1"/>
     <dgm:cxn modelId="{622786F3-EFC3-4D32-BEC0-99F5A752EA66}" type="presOf" srcId="{4DE45646-C300-4293-898A-FF022B7A8FEC}" destId="{7B16F990-18B9-4D6C-B176-426070597CF8}" srcOrd="0" destOrd="0" presId="urn:microsoft.com/office/officeart/2005/8/layout/process1"/>
-    <dgm:cxn modelId="{5C9862F8-7806-4F17-B72E-02FE8EB139DB}" srcId="{FDABFBC2-1BFD-4076-A05A-6C7F934E68D7}" destId="{4DE45646-C300-4293-898A-FF022B7A8FEC}" srcOrd="1" destOrd="0" parTransId="{1CF0C8C9-4439-4D14-BC06-CA919B69D58B}" sibTransId="{D93979BF-3656-4712-9F7E-DB6980D33465}"/>
+    <dgm:cxn modelId="{BB3B5000-0AA1-4675-8502-1A5E60CFD19F}" type="presOf" srcId="{FDABFBC2-1BFD-4076-A05A-6C7F934E68D7}" destId="{72CC2932-FA6E-49B1-8F27-F0B21286E949}" srcOrd="0" destOrd="0" presId="urn:microsoft.com/office/officeart/2005/8/layout/process1"/>
     <dgm:cxn modelId="{9328D5E6-5E6D-4757-964E-D6CBD3284DFA}" type="presParOf" srcId="{72CC2932-FA6E-49B1-8F27-F0B21286E949}" destId="{37CC57EE-2C61-4BEF-8871-3338219A9556}" srcOrd="0" destOrd="0" presId="urn:microsoft.com/office/officeart/2005/8/layout/process1"/>
     <dgm:cxn modelId="{8A906B85-32A7-46E4-9634-0FC34A7C09B0}" type="presParOf" srcId="{72CC2932-FA6E-49B1-8F27-F0B21286E949}" destId="{602DA743-6056-422D-BD95-2E982C8777E3}" srcOrd="1" destOrd="0" presId="urn:microsoft.com/office/officeart/2005/8/layout/process1"/>
     <dgm:cxn modelId="{9759ECC1-F92A-4ADC-B7AB-DB2CF3327DDE}" type="presParOf" srcId="{602DA743-6056-422D-BD95-2E982C8777E3}" destId="{36B23BB1-5C80-41D3-B5C8-95A6DF48DBB3}" srcOrd="0" destOrd="0" presId="urn:microsoft.com/office/officeart/2005/8/layout/process1"/>
@@ -2351,12 +2506,12 @@
         </a:fontRef>
       </dsp:style>
       <dsp:txBody>
-        <a:bodyPr spcFirstLastPara="0" vert="horz" wrap="square" lIns="102870" tIns="102870" rIns="102870" bIns="102870" numCol="1" spcCol="1270" anchor="ctr" anchorCtr="0">
+        <a:bodyPr spcFirstLastPara="0" vert="horz" wrap="square" lIns="91440" tIns="91440" rIns="91440" bIns="91440" numCol="1" spcCol="1270" anchor="ctr" anchorCtr="0">
           <a:noAutofit/>
         </a:bodyPr>
         <a:lstStyle/>
         <a:p>
-          <a:pPr marL="0" lvl="0" indent="0" algn="ctr" defTabSz="1200150">
+          <a:pPr lvl="0" algn="ctr" defTabSz="1066800">
             <a:lnSpc>
               <a:spcPct val="90000"/>
             </a:lnSpc>
@@ -2366,13 +2521,14 @@
             <a:spcAft>
               <a:spcPct val="35000"/>
             </a:spcAft>
-            <a:buNone/>
           </a:pPr>
           <a:r>
-            <a:rPr lang="zh-TW" altLang="en-US" sz="2700" kern="1200" dirty="0">
+            <a:rPr lang="zh-TW" altLang="en-US" sz="2400" kern="1200" dirty="0">
               <a:solidFill>
                 <a:schemeClr val="tx1"/>
               </a:solidFill>
+              <a:latin typeface="王漢宗綜藝體繁" panose="02000500000000000000" pitchFamily="2" charset="-120"/>
+              <a:ea typeface="王漢宗綜藝體繁" panose="02000500000000000000" pitchFamily="2" charset="-120"/>
             </a:rPr>
             <a:t>切割資料</a:t>
           </a:r>
@@ -2433,7 +2589,7 @@
         </a:bodyPr>
         <a:lstStyle/>
         <a:p>
-          <a:pPr marL="0" lvl="0" indent="0" algn="ctr" defTabSz="977900">
+          <a:pPr lvl="0" algn="ctr" defTabSz="844550">
             <a:lnSpc>
               <a:spcPct val="90000"/>
             </a:lnSpc>
@@ -2443,9 +2599,8 @@
             <a:spcAft>
               <a:spcPct val="35000"/>
             </a:spcAft>
-            <a:buNone/>
           </a:pPr>
-          <a:endParaRPr lang="zh-TW" altLang="en-US" sz="2200" kern="1200"/>
+          <a:endParaRPr lang="zh-TW" altLang="en-US" sz="1900" kern="1200"/>
         </a:p>
       </dsp:txBody>
       <dsp:txXfrm>
@@ -2495,12 +2650,12 @@
         </a:fontRef>
       </dsp:style>
       <dsp:txBody>
-        <a:bodyPr spcFirstLastPara="0" vert="horz" wrap="square" lIns="102870" tIns="102870" rIns="102870" bIns="102870" numCol="1" spcCol="1270" anchor="ctr" anchorCtr="0">
+        <a:bodyPr spcFirstLastPara="0" vert="horz" wrap="square" lIns="91440" tIns="91440" rIns="91440" bIns="91440" numCol="1" spcCol="1270" anchor="ctr" anchorCtr="0">
           <a:noAutofit/>
         </a:bodyPr>
         <a:lstStyle/>
         <a:p>
-          <a:pPr marL="0" lvl="0" indent="0" algn="ctr" defTabSz="1200150">
+          <a:pPr lvl="0" algn="ctr" defTabSz="1066800">
             <a:lnSpc>
               <a:spcPct val="90000"/>
             </a:lnSpc>
@@ -2510,13 +2665,14 @@
             <a:spcAft>
               <a:spcPct val="35000"/>
             </a:spcAft>
-            <a:buNone/>
           </a:pPr>
           <a:r>
-            <a:rPr lang="zh-TW" altLang="en-US" sz="2700" kern="1200" dirty="0">
+            <a:rPr lang="zh-TW" altLang="en-US" sz="2400" kern="1200" dirty="0">
               <a:solidFill>
                 <a:schemeClr val="tx1"/>
               </a:solidFill>
+              <a:latin typeface="王漢宗綜藝體繁" panose="02000500000000000000" pitchFamily="2" charset="-120"/>
+              <a:ea typeface="王漢宗綜藝體繁" panose="02000500000000000000" pitchFamily="2" charset="-120"/>
             </a:rPr>
             <a:t>調變</a:t>
           </a:r>
@@ -2577,7 +2733,7 @@
         </a:bodyPr>
         <a:lstStyle/>
         <a:p>
-          <a:pPr marL="0" lvl="0" indent="0" algn="ctr" defTabSz="977900">
+          <a:pPr lvl="0" algn="ctr" defTabSz="844550">
             <a:lnSpc>
               <a:spcPct val="90000"/>
             </a:lnSpc>
@@ -2587,9 +2743,8 @@
             <a:spcAft>
               <a:spcPct val="35000"/>
             </a:spcAft>
-            <a:buNone/>
           </a:pPr>
-          <a:endParaRPr lang="zh-TW" altLang="en-US" sz="2200" kern="1200"/>
+          <a:endParaRPr lang="zh-TW" altLang="en-US" sz="1900" kern="1200"/>
         </a:p>
       </dsp:txBody>
       <dsp:txXfrm>
@@ -2639,12 +2794,12 @@
         </a:fontRef>
       </dsp:style>
       <dsp:txBody>
-        <a:bodyPr spcFirstLastPara="0" vert="horz" wrap="square" lIns="102870" tIns="102870" rIns="102870" bIns="102870" numCol="1" spcCol="1270" anchor="ctr" anchorCtr="0">
+        <a:bodyPr spcFirstLastPara="0" vert="horz" wrap="square" lIns="91440" tIns="91440" rIns="91440" bIns="91440" numCol="1" spcCol="1270" anchor="ctr" anchorCtr="0">
           <a:noAutofit/>
         </a:bodyPr>
         <a:lstStyle/>
         <a:p>
-          <a:pPr marL="0" lvl="0" indent="0" algn="ctr" defTabSz="1200150">
+          <a:pPr lvl="0" algn="ctr" defTabSz="1066800">
             <a:lnSpc>
               <a:spcPct val="90000"/>
             </a:lnSpc>
@@ -2654,20 +2809,23 @@
             <a:spcAft>
               <a:spcPct val="35000"/>
             </a:spcAft>
-            <a:buNone/>
           </a:pPr>
           <a:r>
-            <a:rPr lang="en-US" altLang="zh-TW" sz="2700" kern="1200" dirty="0">
+            <a:rPr lang="en-US" altLang="zh-TW" sz="2400" kern="1200" dirty="0" smtClean="0">
               <a:solidFill>
                 <a:schemeClr val="tx1"/>
               </a:solidFill>
+              <a:latin typeface="王漢宗綜藝體繁" panose="02000500000000000000" pitchFamily="2" charset="-120"/>
+              <a:ea typeface="王漢宗綜藝體繁" panose="02000500000000000000" pitchFamily="2" charset="-120"/>
             </a:rPr>
             <a:t>PILOT&amp;SYNC</a:t>
           </a:r>
-          <a:endParaRPr lang="zh-TW" altLang="en-US" sz="2700" kern="1200" dirty="0">
+          <a:endParaRPr lang="zh-TW" altLang="en-US" sz="2400" kern="1200" dirty="0">
             <a:solidFill>
               <a:schemeClr val="tx1"/>
             </a:solidFill>
+            <a:latin typeface="王漢宗綜藝體繁" panose="02000500000000000000" pitchFamily="2" charset="-120"/>
+            <a:ea typeface="王漢宗綜藝體繁" panose="02000500000000000000" pitchFamily="2" charset="-120"/>
           </a:endParaRPr>
         </a:p>
       </dsp:txBody>
@@ -2734,7 +2892,7 @@
         </a:bodyPr>
         <a:lstStyle/>
         <a:p>
-          <a:pPr marL="0" lvl="0" indent="0" algn="ctr" defTabSz="800100">
+          <a:pPr lvl="0" algn="ctr" defTabSz="800100">
             <a:lnSpc>
               <a:spcPct val="90000"/>
             </a:lnSpc>
@@ -2744,7 +2902,6 @@
             <a:spcAft>
               <a:spcPct val="35000"/>
             </a:spcAft>
-            <a:buNone/>
           </a:pPr>
           <a:r>
             <a:rPr lang="zh-TW" altLang="en-US" sz="1800" b="0" kern="1200" dirty="0">
@@ -2813,7 +2970,7 @@
         </a:bodyPr>
         <a:lstStyle/>
         <a:p>
-          <a:pPr marL="0" lvl="0" indent="0" algn="ctr" defTabSz="755650">
+          <a:pPr lvl="0" algn="ctr" defTabSz="755650">
             <a:lnSpc>
               <a:spcPct val="90000"/>
             </a:lnSpc>
@@ -2823,7 +2980,6 @@
             <a:spcAft>
               <a:spcPct val="35000"/>
             </a:spcAft>
-            <a:buNone/>
           </a:pPr>
           <a:endParaRPr lang="zh-TW" altLang="en-US" sz="1700" kern="1200"/>
         </a:p>
@@ -2879,7 +3035,7 @@
         </a:bodyPr>
         <a:lstStyle/>
         <a:p>
-          <a:pPr marL="0" lvl="0" indent="0" algn="ctr" defTabSz="933450">
+          <a:pPr lvl="0" algn="ctr" defTabSz="933450">
             <a:lnSpc>
               <a:spcPct val="90000"/>
             </a:lnSpc>
@@ -2889,7 +3045,6 @@
             <a:spcAft>
               <a:spcPct val="35000"/>
             </a:spcAft>
-            <a:buNone/>
           </a:pPr>
           <a:r>
             <a:rPr lang="zh-TW" altLang="en-US" sz="2100" kern="1200" dirty="0">
@@ -2955,7 +3110,7 @@
         </a:bodyPr>
         <a:lstStyle/>
         <a:p>
-          <a:pPr marL="0" lvl="0" indent="0" algn="ctr" defTabSz="755650">
+          <a:pPr lvl="0" algn="ctr" defTabSz="755650">
             <a:lnSpc>
               <a:spcPct val="90000"/>
             </a:lnSpc>
@@ -2965,7 +3120,6 @@
             <a:spcAft>
               <a:spcPct val="35000"/>
             </a:spcAft>
-            <a:buNone/>
           </a:pPr>
           <a:endParaRPr lang="zh-TW" altLang="en-US" sz="1700" kern="1200"/>
         </a:p>
@@ -3021,7 +3175,7 @@
         </a:bodyPr>
         <a:lstStyle/>
         <a:p>
-          <a:pPr marL="0" lvl="0" indent="0" algn="ctr" defTabSz="933450">
+          <a:pPr lvl="0" algn="ctr" defTabSz="933450">
             <a:lnSpc>
               <a:spcPct val="90000"/>
             </a:lnSpc>
@@ -3031,7 +3185,6 @@
             <a:spcAft>
               <a:spcPct val="35000"/>
             </a:spcAft>
-            <a:buNone/>
           </a:pPr>
           <a:r>
             <a:rPr lang="zh-TW" altLang="en-US" sz="2100" kern="1200" dirty="0">
@@ -3097,7 +3250,7 @@
         </a:bodyPr>
         <a:lstStyle/>
         <a:p>
-          <a:pPr marL="0" lvl="0" indent="0" algn="ctr" defTabSz="755650">
+          <a:pPr lvl="0" algn="ctr" defTabSz="755650">
             <a:lnSpc>
               <a:spcPct val="90000"/>
             </a:lnSpc>
@@ -3107,7 +3260,6 @@
             <a:spcAft>
               <a:spcPct val="35000"/>
             </a:spcAft>
-            <a:buNone/>
           </a:pPr>
           <a:endParaRPr lang="zh-TW" altLang="en-US" sz="1700" kern="1200"/>
         </a:p>
@@ -3163,7 +3315,7 @@
         </a:bodyPr>
         <a:lstStyle/>
         <a:p>
-          <a:pPr marL="0" lvl="0" indent="0" algn="ctr" defTabSz="933450">
+          <a:pPr lvl="0" algn="ctr" defTabSz="933450">
             <a:lnSpc>
               <a:spcPct val="90000"/>
             </a:lnSpc>
@@ -3173,7 +3325,6 @@
             <a:spcAft>
               <a:spcPct val="35000"/>
             </a:spcAft>
-            <a:buNone/>
           </a:pPr>
           <a:r>
             <a:rPr lang="zh-TW" altLang="en-US" sz="2100" b="0" i="0" kern="1200" dirty="0">
@@ -3243,7 +3394,7 @@
         </a:bodyPr>
         <a:lstStyle/>
         <a:p>
-          <a:pPr marL="0" lvl="0" indent="0" algn="ctr" defTabSz="755650">
+          <a:pPr lvl="0" algn="ctr" defTabSz="755650">
             <a:lnSpc>
               <a:spcPct val="90000"/>
             </a:lnSpc>
@@ -3253,7 +3404,6 @@
             <a:spcAft>
               <a:spcPct val="35000"/>
             </a:spcAft>
-            <a:buNone/>
           </a:pPr>
           <a:endParaRPr lang="zh-TW" altLang="en-US" sz="1700" kern="1200"/>
         </a:p>
@@ -3309,7 +3459,7 @@
         </a:bodyPr>
         <a:lstStyle/>
         <a:p>
-          <a:pPr marL="0" lvl="0" indent="0" algn="ctr" defTabSz="933450">
+          <a:pPr lvl="0" algn="ctr" defTabSz="933450">
             <a:lnSpc>
               <a:spcPct val="90000"/>
             </a:lnSpc>
@@ -3319,7 +3469,6 @@
             <a:spcAft>
               <a:spcPct val="35000"/>
             </a:spcAft>
-            <a:buNone/>
           </a:pPr>
           <a:r>
             <a:rPr lang="en-US" altLang="zh-TW" sz="2100" kern="1200" dirty="0">
@@ -3344,7 +3493,7 @@
           </a:r>
         </a:p>
         <a:p>
-          <a:pPr marL="0" lvl="0" indent="0" algn="ctr" defTabSz="933450">
+          <a:pPr lvl="0" algn="ctr" defTabSz="933450">
             <a:lnSpc>
               <a:spcPct val="90000"/>
             </a:lnSpc>
@@ -3354,7 +3503,6 @@
             <a:spcAft>
               <a:spcPct val="35000"/>
             </a:spcAft>
-            <a:buNone/>
           </a:pPr>
           <a:r>
             <a:rPr lang="zh-TW" altLang="en-US" sz="2100" kern="1200" dirty="0">
@@ -13533,6 +13681,74 @@
           <p:cNvPr id="2" name="標題 1">
             <a:extLst>
               <a:ext uri="{FF2B5EF4-FFF2-40B4-BE49-F238E27FC236}">
+                <a16:creationId xmlns:a16="http://schemas.microsoft.com/office/drawing/2014/main" id="{D9AB7535-4395-5CF0-C825-7186D87DB238}"/>
+              </a:ext>
+            </a:extLst>
+          </p:cNvPr>
+          <p:cNvSpPr>
+            <a:spLocks noGrp="1"/>
+          </p:cNvSpPr>
+          <p:nvPr>
+            <p:ph type="title"/>
+          </p:nvPr>
+        </p:nvSpPr>
+        <p:spPr>
+          <a:xfrm>
+            <a:off x="1754460" y="596119"/>
+            <a:ext cx="8911687" cy="1280890"/>
+          </a:xfrm>
+        </p:spPr>
+        <p:txBody>
+          <a:bodyPr>
+            <a:normAutofit/>
+          </a:bodyPr>
+          <a:lstStyle/>
+          <a:p>
+            <a:r>
+              <a:rPr lang="zh-TW" altLang="en-US" sz="4400" dirty="0">
+                <a:latin typeface="華康POP1體W7" panose="040B0709000000000000" pitchFamily="81" charset="-120"/>
+                <a:ea typeface="華康POP1體W7" panose="040B0709000000000000" pitchFamily="81" charset="-120"/>
+              </a:rPr>
+              <a:t>結果圖</a:t>
+            </a:r>
+          </a:p>
+        </p:txBody>
+      </p:sp>
+    </p:spTree>
+    <p:extLst>
+      <p:ext uri="{BB962C8B-B14F-4D97-AF65-F5344CB8AC3E}">
+        <p14:creationId xmlns:p14="http://schemas.microsoft.com/office/powerpoint/2010/main" val="2962379831"/>
+      </p:ext>
+    </p:extLst>
+  </p:cSld>
+  <p:clrMapOvr>
+    <a:masterClrMapping/>
+  </p:clrMapOvr>
+</p:sld>
+</file>
+
+<file path=ppt/slides/slide11.xml><?xml version="1.0" encoding="utf-8"?>
+<p:sld xmlns:a="http://schemas.openxmlformats.org/drawingml/2006/main" xmlns:r="http://schemas.openxmlformats.org/officeDocument/2006/relationships" xmlns:p="http://schemas.openxmlformats.org/presentationml/2006/main">
+  <p:cSld>
+    <p:spTree>
+      <p:nvGrpSpPr>
+        <p:cNvPr id="1" name=""/>
+        <p:cNvGrpSpPr/>
+        <p:nvPr/>
+      </p:nvGrpSpPr>
+      <p:grpSpPr>
+        <a:xfrm>
+          <a:off x="0" y="0"/>
+          <a:ext cx="0" cy="0"/>
+          <a:chOff x="0" y="0"/>
+          <a:chExt cx="0" cy="0"/>
+        </a:xfrm>
+      </p:grpSpPr>
+      <p:sp>
+        <p:nvSpPr>
+          <p:cNvPr id="2" name="標題 1">
+            <a:extLst>
+              <a:ext uri="{FF2B5EF4-FFF2-40B4-BE49-F238E27FC236}">
                 <a16:creationId xmlns:a16="http://schemas.microsoft.com/office/drawing/2014/main" id="{3E743E3A-7CC9-4E3D-84CB-BF42AC3E4796}"/>
               </a:ext>
             </a:extLst>
@@ -13544,13 +13760,23 @@
             <p:ph type="title"/>
           </p:nvPr>
         </p:nvSpPr>
-        <p:spPr/>
+        <p:spPr>
+          <a:xfrm>
+            <a:off x="1764250" y="624110"/>
+            <a:ext cx="8911687" cy="1280890"/>
+          </a:xfrm>
+        </p:spPr>
         <p:txBody>
-          <a:bodyPr/>
+          <a:bodyPr>
+            <a:normAutofit/>
+          </a:bodyPr>
           <a:lstStyle/>
           <a:p>
             <a:r>
-              <a:rPr lang="zh-TW" altLang="en-US" dirty="0"/>
+              <a:rPr lang="zh-TW" altLang="en-US" sz="4400" dirty="0">
+                <a:latin typeface="華康POP1體W7" panose="040B0709000000000000" pitchFamily="81" charset="-120"/>
+                <a:ea typeface="華康POP1體W7" panose="040B0709000000000000" pitchFamily="81" charset="-120"/>
+              </a:rPr>
               <a:t>結論與貢獻</a:t>
             </a:r>
           </a:p>
@@ -13597,7 +13823,7 @@
 </p:sld>
 </file>
 
-<file path=ppt/slides/slide11.xml><?xml version="1.0" encoding="utf-8"?>
+<file path=ppt/slides/slide12.xml><?xml version="1.0" encoding="utf-8"?>
 <p:sld xmlns:a="http://schemas.openxmlformats.org/drawingml/2006/main" xmlns:r="http://schemas.openxmlformats.org/officeDocument/2006/relationships" xmlns:p="http://schemas.openxmlformats.org/presentationml/2006/main">
   <p:cSld>
     <p:spTree>
@@ -13632,17 +13858,21 @@
         </p:nvSpPr>
         <p:spPr>
           <a:xfrm>
-            <a:off x="1535402" y="850154"/>
+            <a:off x="1678282" y="607263"/>
             <a:ext cx="8911687" cy="1028355"/>
           </a:xfrm>
         </p:spPr>
         <p:txBody>
-          <a:bodyPr/>
+          <a:bodyPr>
+            <a:normAutofit/>
+          </a:bodyPr>
           <a:lstStyle/>
           <a:p>
-            <a:pPr algn="ctr"/>
-            <a:r>
-              <a:rPr lang="zh-TW" altLang="en-US" dirty="0"/>
+            <a:r>
+              <a:rPr lang="zh-TW" altLang="en-US" sz="4400" dirty="0">
+                <a:latin typeface="華康POP1體W7" panose="040B0709000000000000" pitchFamily="81" charset="-120"/>
+                <a:ea typeface="華康POP1體W7" panose="040B0709000000000000" pitchFamily="81" charset="-120"/>
+              </a:rPr>
               <a:t>工作分配</a:t>
             </a:r>
           </a:p>
@@ -13937,14 +14167,7 @@
                 <a:latin typeface="華康細明體" panose="02020309000000000000" pitchFamily="49" charset="-120"/>
                 <a:ea typeface="華康細明體" panose="02020309000000000000" pitchFamily="49" charset="-120"/>
               </a:rPr>
-              <a:t>陳</a:t>
-            </a:r>
-            <a:r>
-              <a:rPr lang="zh-TW" altLang="en-US">
-                <a:latin typeface="華康細明體" panose="02020309000000000000" pitchFamily="49" charset="-120"/>
-                <a:ea typeface="華康細明體" panose="02020309000000000000" pitchFamily="49" charset="-120"/>
-              </a:rPr>
-              <a:t>昱升：</a:t>
+              <a:t>陳昱升：</a:t>
             </a:r>
             <a:r>
               <a:rPr kumimoji="0" lang="zh-TW" altLang="en-US" sz="2800" b="0" i="0" u="none" strike="noStrike" kern="1200" cap="none" spc="0" normalizeH="0" baseline="0" noProof="0" dirty="0">
@@ -14224,42 +14447,35 @@
                 <a:latin typeface="華康細明體" panose="02020309000000000000" pitchFamily="49" charset="-120"/>
                 <a:ea typeface="華康細明體" panose="02020309000000000000" pitchFamily="49" charset="-120"/>
               </a:rPr>
-              <a:t>陳建霖：</a:t>
-            </a:r>
-            <a:r>
-              <a:rPr kumimoji="0" lang="zh-TW" altLang="en-US" sz="2800" b="0" i="0" u="none" strike="noStrike" kern="1200" cap="none" spc="0" normalizeH="0" baseline="0" noProof="0" dirty="0">
-                <a:ln>
-                  <a:noFill/>
-                </a:ln>
-                <a:effectLst/>
-                <a:uLnTx/>
-                <a:uFillTx/>
+              <a:t>陳建霖</a:t>
+            </a:r>
+            <a:r>
+              <a:rPr lang="zh-TW" altLang="en-US" dirty="0" smtClean="0">
                 <a:latin typeface="華康細明體" panose="02020309000000000000" pitchFamily="49" charset="-120"/>
                 <a:ea typeface="華康細明體" panose="02020309000000000000" pitchFamily="49" charset="-120"/>
-                <a:cs typeface="+mn-cs"/>
               </a:rPr>
-              <a:t>吉祥物</a:t>
-            </a:r>
-            <a:endParaRPr kumimoji="0" lang="en-US" altLang="zh-TW" sz="2800" b="0" i="0" u="none" strike="noStrike" kern="1200" cap="none" spc="0" normalizeH="0" baseline="0" noProof="0" dirty="0">
-              <a:ln>
-                <a:noFill/>
-              </a:ln>
-              <a:effectLst/>
-              <a:uLnTx/>
-              <a:uFillTx/>
+              <a:t>：</a:t>
+            </a:r>
+            <a:endParaRPr lang="en-US" altLang="zh-TW" smtClean="0">
               <a:latin typeface="華康細明體" panose="02020309000000000000" pitchFamily="49" charset="-120"/>
               <a:ea typeface="華康細明體" panose="02020309000000000000" pitchFamily="49" charset="-120"/>
-              <a:cs typeface="+mn-cs"/>
             </a:endParaRPr>
           </a:p>
           <a:p>
             <a:pPr lvl="0"/>
+            <a:r>
+              <a:rPr lang="zh-TW" altLang="en-US" smtClean="0">
+                <a:latin typeface="華康細明體" panose="02020309000000000000" pitchFamily="49" charset="-120"/>
+                <a:ea typeface="華康細明體" panose="02020309000000000000" pitchFamily="49" charset="-120"/>
+              </a:rPr>
+              <a:t>姚</a:t>
+            </a:r>
             <a:r>
               <a:rPr lang="zh-TW" altLang="en-US" dirty="0">
                 <a:latin typeface="華康細明體" panose="02020309000000000000" pitchFamily="49" charset="-120"/>
                 <a:ea typeface="華康細明體" panose="02020309000000000000" pitchFamily="49" charset="-120"/>
               </a:rPr>
-              <a:t>姚辰彥：</a:t>
+              <a:t>辰彥：</a:t>
             </a:r>
             <a:endParaRPr lang="en-US" altLang="zh-TW" dirty="0">
               <a:latin typeface="華康細明體" panose="02020309000000000000" pitchFamily="49" charset="-120"/>
@@ -14374,7 +14590,7 @@
 </p:sld>
 </file>
 
-<file path=ppt/slides/slide12.xml><?xml version="1.0" encoding="utf-8"?>
+<file path=ppt/slides/slide13.xml><?xml version="1.0" encoding="utf-8"?>
 <p:sld xmlns:a="http://schemas.openxmlformats.org/drawingml/2006/main" xmlns:r="http://schemas.openxmlformats.org/officeDocument/2006/relationships" xmlns:p="http://schemas.openxmlformats.org/presentationml/2006/main">
   <p:cSld>
     <p:spTree>
@@ -14407,14 +14623,23 @@
             <p:ph type="title"/>
           </p:nvPr>
         </p:nvSpPr>
-        <p:spPr/>
+        <p:spPr>
+          <a:xfrm>
+            <a:off x="1664234" y="624110"/>
+            <a:ext cx="8911687" cy="1280890"/>
+          </a:xfrm>
+        </p:spPr>
         <p:txBody>
-          <a:bodyPr/>
+          <a:bodyPr>
+            <a:normAutofit/>
+          </a:bodyPr>
           <a:lstStyle/>
           <a:p>
-            <a:pPr algn="ctr"/>
-            <a:r>
-              <a:rPr lang="zh-TW" altLang="en-US" dirty="0"/>
+            <a:r>
+              <a:rPr lang="zh-TW" altLang="en-US" sz="4400" dirty="0">
+                <a:latin typeface="華康POP1體W7" panose="040B0709000000000000" pitchFamily="81" charset="-120"/>
+                <a:ea typeface="華康POP1體W7" panose="040B0709000000000000" pitchFamily="81" charset="-120"/>
+              </a:rPr>
               <a:t>參考文獻</a:t>
             </a:r>
           </a:p>
@@ -14449,94 +14674,6 @@
     <p:extLst>
       <p:ext uri="{BB962C8B-B14F-4D97-AF65-F5344CB8AC3E}">
         <p14:creationId xmlns:p14="http://schemas.microsoft.com/office/powerpoint/2010/main" val="4107749069"/>
-      </p:ext>
-    </p:extLst>
-  </p:cSld>
-  <p:clrMapOvr>
-    <a:masterClrMapping/>
-  </p:clrMapOvr>
-</p:sld>
-</file>
-
-<file path=ppt/slides/slide13.xml><?xml version="1.0" encoding="utf-8"?>
-<p:sld xmlns:a="http://schemas.openxmlformats.org/drawingml/2006/main" xmlns:r="http://schemas.openxmlformats.org/officeDocument/2006/relationships" xmlns:p="http://schemas.openxmlformats.org/presentationml/2006/main">
-  <p:cSld>
-    <p:spTree>
-      <p:nvGrpSpPr>
-        <p:cNvPr id="1" name=""/>
-        <p:cNvGrpSpPr/>
-        <p:nvPr/>
-      </p:nvGrpSpPr>
-      <p:grpSpPr>
-        <a:xfrm>
-          <a:off x="0" y="0"/>
-          <a:ext cx="0" cy="0"/>
-          <a:chOff x="0" y="0"/>
-          <a:chExt cx="0" cy="0"/>
-        </a:xfrm>
-      </p:grpSpPr>
-      <p:sp>
-        <p:nvSpPr>
-          <p:cNvPr id="2" name="標題 1">
-            <a:extLst>
-              <a:ext uri="{FF2B5EF4-FFF2-40B4-BE49-F238E27FC236}">
-                <a16:creationId xmlns:a16="http://schemas.microsoft.com/office/drawing/2014/main" id="{C35C608C-784B-4B0E-8728-FC6EF91BC996}"/>
-              </a:ext>
-            </a:extLst>
-          </p:cNvPr>
-          <p:cNvSpPr>
-            <a:spLocks noGrp="1"/>
-          </p:cNvSpPr>
-          <p:nvPr>
-            <p:ph type="title"/>
-          </p:nvPr>
-        </p:nvSpPr>
-        <p:spPr/>
-        <p:txBody>
-          <a:bodyPr/>
-          <a:lstStyle/>
-          <a:p>
-            <a:pPr algn="ctr"/>
-            <a:r>
-              <a:rPr lang="zh-TW" altLang="en-US" dirty="0">
-                <a:solidFill>
-                  <a:schemeClr val="tx1"/>
-                </a:solidFill>
-              </a:rPr>
-              <a:t>參考文獻</a:t>
-            </a:r>
-          </a:p>
-        </p:txBody>
-      </p:sp>
-      <p:sp>
-        <p:nvSpPr>
-          <p:cNvPr id="3" name="內容版面配置區 2">
-            <a:extLst>
-              <a:ext uri="{FF2B5EF4-FFF2-40B4-BE49-F238E27FC236}">
-                <a16:creationId xmlns:a16="http://schemas.microsoft.com/office/drawing/2014/main" id="{DE5E4C15-3957-47E3-AE62-C3DDF5977B2B}"/>
-              </a:ext>
-            </a:extLst>
-          </p:cNvPr>
-          <p:cNvSpPr>
-            <a:spLocks noGrp="1"/>
-          </p:cNvSpPr>
-          <p:nvPr>
-            <p:ph idx="1"/>
-          </p:nvPr>
-        </p:nvSpPr>
-        <p:spPr/>
-        <p:txBody>
-          <a:bodyPr/>
-          <a:lstStyle/>
-          <a:p>
-            <a:endParaRPr lang="zh-TW" altLang="en-US"/>
-          </a:p>
-        </p:txBody>
-      </p:sp>
-    </p:spTree>
-    <p:extLst>
-      <p:ext uri="{BB962C8B-B14F-4D97-AF65-F5344CB8AC3E}">
-        <p14:creationId xmlns:p14="http://schemas.microsoft.com/office/powerpoint/2010/main" val="174598232"/>
       </p:ext>
     </p:extLst>
   </p:cSld>
@@ -14579,13 +14716,23 @@
             <p:ph type="title"/>
           </p:nvPr>
         </p:nvSpPr>
-        <p:spPr/>
+        <p:spPr>
+          <a:xfrm>
+            <a:off x="1635659" y="681262"/>
+            <a:ext cx="8911687" cy="1280890"/>
+          </a:xfrm>
+        </p:spPr>
         <p:txBody>
-          <a:bodyPr/>
+          <a:bodyPr>
+            <a:normAutofit/>
+          </a:bodyPr>
           <a:lstStyle/>
           <a:p>
             <a:r>
-              <a:rPr lang="zh-TW" altLang="en-US" dirty="0"/>
+              <a:rPr lang="zh-TW" altLang="en-US" sz="4400" dirty="0">
+                <a:latin typeface="華康POP1體W7" panose="040B0709000000000000" pitchFamily="81" charset="-120"/>
+                <a:ea typeface="華康POP1體W7" panose="040B0709000000000000" pitchFamily="81" charset="-120"/>
+              </a:rPr>
               <a:t>提問環節</a:t>
             </a:r>
           </a:p>
@@ -14669,15 +14816,19 @@
           </a:xfrm>
         </p:spPr>
         <p:txBody>
-          <a:bodyPr/>
+          <a:bodyPr>
+            <a:normAutofit/>
+          </a:bodyPr>
           <a:lstStyle/>
           <a:p>
             <a:pPr algn="ctr"/>
             <a:r>
-              <a:rPr lang="zh-TW" altLang="en-US" dirty="0">
+              <a:rPr lang="zh-TW" altLang="en-US" sz="4400" dirty="0">
                 <a:solidFill>
                   <a:schemeClr val="tx1"/>
                 </a:solidFill>
+                <a:latin typeface="華康POP1體W7" panose="040B0709000000000000" pitchFamily="81" charset="-120"/>
+                <a:ea typeface="華康POP1體W7" panose="040B0709000000000000" pitchFamily="81" charset="-120"/>
               </a:rPr>
               <a:t>目錄</a:t>
             </a:r>
@@ -15529,13 +15680,22 @@
           </a:xfrm>
         </p:spPr>
         <p:txBody>
-          <a:bodyPr/>
+          <a:bodyPr>
+            <a:normAutofit/>
+          </a:bodyPr>
           <a:lstStyle/>
           <a:p>
             <a:r>
-              <a:rPr lang="zh-TW" altLang="en-US" dirty="0"/>
+              <a:rPr lang="zh-TW" altLang="en-US" sz="4400" dirty="0" smtClean="0">
+                <a:latin typeface="華康POP1體W7" panose="040B0709000000000000" pitchFamily="81" charset="-120"/>
+                <a:ea typeface="華康POP1體W7" panose="040B0709000000000000" pitchFamily="81" charset="-120"/>
+              </a:rPr>
               <a:t>傳送端</a:t>
             </a:r>
+            <a:endParaRPr lang="zh-TW" altLang="en-US" sz="4400" dirty="0">
+              <a:latin typeface="華康POP1體W7" panose="040B0709000000000000" pitchFamily="81" charset="-120"/>
+              <a:ea typeface="華康POP1體W7" panose="040B0709000000000000" pitchFamily="81" charset="-120"/>
+            </a:endParaRPr>
           </a:p>
         </p:txBody>
       </p:sp>
@@ -15555,7 +15715,7 @@
             <p:ph idx="1"/>
             <p:extLst>
               <p:ext uri="{D42A27DB-BD31-4B8C-83A1-F6EECF244321}">
-                <p14:modId xmlns:p14="http://schemas.microsoft.com/office/powerpoint/2010/main" val="3810535393"/>
+                <p14:modId xmlns:p14="http://schemas.microsoft.com/office/powerpoint/2010/main" val="1766273320"/>
               </p:ext>
             </p:extLst>
           </p:nvPr>
@@ -15605,6 +15765,228 @@
           <p:cNvPr id="2" name="標題 1">
             <a:extLst>
               <a:ext uri="{FF2B5EF4-FFF2-40B4-BE49-F238E27FC236}">
+                <a16:creationId xmlns:a16="http://schemas.microsoft.com/office/drawing/2014/main" id="{A20F942D-765C-4C4A-B743-47A3438CFE88}"/>
+              </a:ext>
+            </a:extLst>
+          </p:cNvPr>
+          <p:cNvSpPr>
+            <a:spLocks noGrp="1"/>
+          </p:cNvSpPr>
+          <p:nvPr>
+            <p:ph type="title"/>
+          </p:nvPr>
+        </p:nvSpPr>
+        <p:spPr>
+          <a:xfrm>
+            <a:off x="1879051" y="600047"/>
+            <a:ext cx="8911687" cy="1280890"/>
+          </a:xfrm>
+        </p:spPr>
+        <p:txBody>
+          <a:bodyPr>
+            <a:normAutofit/>
+          </a:bodyPr>
+          <a:lstStyle/>
+          <a:p>
+            <a:r>
+              <a:rPr lang="zh-TW" altLang="en-US" sz="4400" dirty="0" smtClean="0">
+                <a:latin typeface="華康POP1體W7" panose="040B0709000000000000" pitchFamily="81" charset="-120"/>
+                <a:ea typeface="華康POP1體W7" panose="040B0709000000000000" pitchFamily="81" charset="-120"/>
+              </a:rPr>
+              <a:t>傳送端</a:t>
+            </a:r>
+            <a:endParaRPr lang="zh-TW" altLang="en-US" sz="4400" dirty="0">
+              <a:latin typeface="華康POP1體W7" panose="040B0709000000000000" pitchFamily="81" charset="-120"/>
+              <a:ea typeface="華康POP1體W7" panose="040B0709000000000000" pitchFamily="81" charset="-120"/>
+            </a:endParaRPr>
+          </a:p>
+        </p:txBody>
+      </p:sp>
+      <p:sp>
+        <p:nvSpPr>
+          <p:cNvPr id="5" name="文字方塊 4">
+            <a:extLst>
+              <a:ext uri="{FF2B5EF4-FFF2-40B4-BE49-F238E27FC236}">
+                <a16:creationId xmlns:a16="http://schemas.microsoft.com/office/drawing/2014/main" id="{EAE97084-65C7-6570-573F-B70A3BE7C9C5}"/>
+              </a:ext>
+            </a:extLst>
+          </p:cNvPr>
+          <p:cNvSpPr txBox="1"/>
+          <p:nvPr/>
+        </p:nvSpPr>
+        <p:spPr>
+          <a:xfrm>
+            <a:off x="560210" y="1715485"/>
+            <a:ext cx="6097554" cy="369332"/>
+          </a:xfrm>
+          <a:prstGeom prst="rect">
+            <a:avLst/>
+          </a:prstGeom>
+          <a:noFill/>
+        </p:spPr>
+        <p:txBody>
+          <a:bodyPr wrap="square">
+            <a:spAutoFit/>
+          </a:bodyPr>
+          <a:lstStyle/>
+          <a:p>
+            <a:pPr lvl="0"/>
+            <a:r>
+              <a:rPr lang="zh-TW" altLang="en-US" dirty="0" smtClean="0">
+                <a:latin typeface="王漢宗綜藝體繁" panose="02000500000000000000" pitchFamily="2" charset="-120"/>
+                <a:ea typeface="王漢宗綜藝體繁" panose="02000500000000000000" pitchFamily="2" charset="-120"/>
+              </a:rPr>
+              <a:t>切割資料</a:t>
+            </a:r>
+            <a:r>
+              <a:rPr lang="en-US" altLang="zh-TW" dirty="0" smtClean="0">
+                <a:latin typeface="王漢宗綜藝體繁" panose="02000500000000000000" pitchFamily="2" charset="-120"/>
+                <a:ea typeface="王漢宗綜藝體繁" panose="02000500000000000000" pitchFamily="2" charset="-120"/>
+              </a:rPr>
+              <a:t>:</a:t>
+            </a:r>
+            <a:endParaRPr lang="zh-TW" altLang="en-US" dirty="0">
+              <a:latin typeface="王漢宗綜藝體繁" panose="02000500000000000000" pitchFamily="2" charset="-120"/>
+              <a:ea typeface="王漢宗綜藝體繁" panose="02000500000000000000" pitchFamily="2" charset="-120"/>
+            </a:endParaRPr>
+          </a:p>
+        </p:txBody>
+      </p:sp>
+      <p:sp>
+        <p:nvSpPr>
+          <p:cNvPr id="6" name="文字方塊 5">
+            <a:extLst>
+              <a:ext uri="{FF2B5EF4-FFF2-40B4-BE49-F238E27FC236}">
+                <a16:creationId xmlns:a16="http://schemas.microsoft.com/office/drawing/2014/main" id="{EAE97084-65C7-6570-573F-B70A3BE7C9C5}"/>
+              </a:ext>
+            </a:extLst>
+          </p:cNvPr>
+          <p:cNvSpPr txBox="1"/>
+          <p:nvPr/>
+        </p:nvSpPr>
+        <p:spPr>
+          <a:xfrm>
+            <a:off x="560210" y="3209529"/>
+            <a:ext cx="6097554" cy="369332"/>
+          </a:xfrm>
+          <a:prstGeom prst="rect">
+            <a:avLst/>
+          </a:prstGeom>
+          <a:noFill/>
+        </p:spPr>
+        <p:txBody>
+          <a:bodyPr wrap="square">
+            <a:spAutoFit/>
+          </a:bodyPr>
+          <a:lstStyle/>
+          <a:p>
+            <a:pPr lvl="0"/>
+            <a:r>
+              <a:rPr lang="zh-TW" altLang="en-US" dirty="0">
+                <a:latin typeface="王漢宗綜藝體繁" panose="02000500000000000000" pitchFamily="2" charset="-120"/>
+                <a:ea typeface="王漢宗綜藝體繁" panose="02000500000000000000" pitchFamily="2" charset="-120"/>
+              </a:rPr>
+              <a:t>調</a:t>
+            </a:r>
+            <a:r>
+              <a:rPr lang="zh-TW" altLang="en-US" dirty="0" smtClean="0">
+                <a:latin typeface="王漢宗綜藝體繁" panose="02000500000000000000" pitchFamily="2" charset="-120"/>
+                <a:ea typeface="王漢宗綜藝體繁" panose="02000500000000000000" pitchFamily="2" charset="-120"/>
+              </a:rPr>
+              <a:t>變</a:t>
+            </a:r>
+            <a:r>
+              <a:rPr lang="en-US" altLang="zh-TW" dirty="0" smtClean="0">
+                <a:latin typeface="王漢宗綜藝體繁" panose="02000500000000000000" pitchFamily="2" charset="-120"/>
+                <a:ea typeface="王漢宗綜藝體繁" panose="02000500000000000000" pitchFamily="2" charset="-120"/>
+              </a:rPr>
+              <a:t>:</a:t>
+            </a:r>
+            <a:endParaRPr lang="zh-TW" altLang="en-US" dirty="0">
+              <a:latin typeface="王漢宗綜藝體繁" panose="02000500000000000000" pitchFamily="2" charset="-120"/>
+              <a:ea typeface="王漢宗綜藝體繁" panose="02000500000000000000" pitchFamily="2" charset="-120"/>
+            </a:endParaRPr>
+          </a:p>
+        </p:txBody>
+      </p:sp>
+      <p:sp>
+        <p:nvSpPr>
+          <p:cNvPr id="7" name="文字方塊 6">
+            <a:extLst>
+              <a:ext uri="{FF2B5EF4-FFF2-40B4-BE49-F238E27FC236}">
+                <a16:creationId xmlns:a16="http://schemas.microsoft.com/office/drawing/2014/main" id="{EAE97084-65C7-6570-573F-B70A3BE7C9C5}"/>
+              </a:ext>
+            </a:extLst>
+          </p:cNvPr>
+          <p:cNvSpPr txBox="1"/>
+          <p:nvPr/>
+        </p:nvSpPr>
+        <p:spPr>
+          <a:xfrm>
+            <a:off x="560210" y="4703573"/>
+            <a:ext cx="6097554" cy="369332"/>
+          </a:xfrm>
+          <a:prstGeom prst="rect">
+            <a:avLst/>
+          </a:prstGeom>
+          <a:noFill/>
+        </p:spPr>
+        <p:txBody>
+          <a:bodyPr wrap="square">
+            <a:spAutoFit/>
+          </a:bodyPr>
+          <a:lstStyle/>
+          <a:p>
+            <a:pPr lvl="0"/>
+            <a:r>
+              <a:rPr lang="en-US" altLang="zh-TW" dirty="0" smtClean="0">
+                <a:latin typeface="王漢宗綜藝體繁" panose="02000500000000000000" pitchFamily="2" charset="-120"/>
+                <a:ea typeface="王漢宗綜藝體繁" panose="02000500000000000000" pitchFamily="2" charset="-120"/>
+              </a:rPr>
+              <a:t>PILOT&amp;SYNC:</a:t>
+            </a:r>
+            <a:endParaRPr lang="zh-TW" altLang="en-US" dirty="0">
+              <a:latin typeface="王漢宗綜藝體繁" panose="02000500000000000000" pitchFamily="2" charset="-120"/>
+              <a:ea typeface="王漢宗綜藝體繁" panose="02000500000000000000" pitchFamily="2" charset="-120"/>
+            </a:endParaRPr>
+          </a:p>
+        </p:txBody>
+      </p:sp>
+    </p:spTree>
+    <p:extLst>
+      <p:ext uri="{BB962C8B-B14F-4D97-AF65-F5344CB8AC3E}">
+        <p14:creationId xmlns:p14="http://schemas.microsoft.com/office/powerpoint/2010/main" val="2652103219"/>
+      </p:ext>
+    </p:extLst>
+  </p:cSld>
+  <p:clrMapOvr>
+    <a:masterClrMapping/>
+  </p:clrMapOvr>
+</p:sld>
+</file>
+
+<file path=ppt/slides/slide5.xml><?xml version="1.0" encoding="utf-8"?>
+<p:sld xmlns:a="http://schemas.openxmlformats.org/drawingml/2006/main" xmlns:r="http://schemas.openxmlformats.org/officeDocument/2006/relationships" xmlns:p="http://schemas.openxmlformats.org/presentationml/2006/main">
+  <p:cSld>
+    <p:spTree>
+      <p:nvGrpSpPr>
+        <p:cNvPr id="1" name=""/>
+        <p:cNvGrpSpPr/>
+        <p:nvPr/>
+      </p:nvGrpSpPr>
+      <p:grpSpPr>
+        <a:xfrm>
+          <a:off x="0" y="0"/>
+          <a:ext cx="0" cy="0"/>
+          <a:chOff x="0" y="0"/>
+          <a:chExt cx="0" cy="0"/>
+        </a:xfrm>
+      </p:grpSpPr>
+      <p:sp>
+        <p:nvSpPr>
+          <p:cNvPr id="2" name="標題 1">
+            <a:extLst>
+              <a:ext uri="{FF2B5EF4-FFF2-40B4-BE49-F238E27FC236}">
                 <a16:creationId xmlns:a16="http://schemas.microsoft.com/office/drawing/2014/main" id="{1959FEB6-1E14-4AE0-99C4-966CF18C02D4}"/>
               </a:ext>
             </a:extLst>
@@ -15623,11 +16005,16 @@
           </a:xfrm>
         </p:spPr>
         <p:txBody>
-          <a:bodyPr/>
+          <a:bodyPr>
+            <a:normAutofit/>
+          </a:bodyPr>
           <a:lstStyle/>
           <a:p>
             <a:r>
-              <a:rPr lang="zh-TW" altLang="en-US" dirty="0"/>
+              <a:rPr lang="zh-TW" altLang="en-US" sz="4400" dirty="0">
+                <a:latin typeface="華康POP1體W7" panose="040B0709000000000000" pitchFamily="81" charset="-120"/>
+                <a:ea typeface="華康POP1體W7" panose="040B0709000000000000" pitchFamily="81" charset="-120"/>
+              </a:rPr>
               <a:t>通道設定</a:t>
             </a:r>
           </a:p>
@@ -15762,6 +16149,16 @@
               </a:rPr>
               <a:t>)</a:t>
             </a:r>
+            <a:r>
+              <a:rPr lang="zh-TW" altLang="en-US" b="0" i="0" dirty="0">
+                <a:solidFill>
+                  <a:srgbClr val="000000"/>
+                </a:solidFill>
+                <a:effectLst/>
+                <a:latin typeface="Segoe UI" panose="020B0502040204020203" pitchFamily="34" charset="0"/>
+              </a:rPr>
+              <a:t/>
+            </a:r>
             <a:br>
               <a:rPr lang="zh-TW" altLang="en-US" b="0" i="0" dirty="0">
                 <a:solidFill>
@@ -15821,6 +16218,16 @@
               </a:rPr>
               <a:t>(65.1KSPS~61.44MSPS)</a:t>
             </a:r>
+            <a:r>
+              <a:rPr lang="en-US" altLang="zh-TW" b="0" i="0" dirty="0">
+                <a:solidFill>
+                  <a:srgbClr val="000000"/>
+                </a:solidFill>
+                <a:effectLst/>
+                <a:latin typeface="Segoe UI" panose="020B0502040204020203" pitchFamily="34" charset="0"/>
+              </a:rPr>
+              <a:t/>
+            </a:r>
             <a:br>
               <a:rPr lang="en-US" altLang="zh-TW" b="0" i="0" dirty="0">
                 <a:solidFill>
@@ -15880,6 +16287,16 @@
               </a:rPr>
               <a:t>(200KHZ~20MHZ)</a:t>
             </a:r>
+            <a:r>
+              <a:rPr lang="en-US" altLang="zh-TW" b="0" i="0" dirty="0">
+                <a:solidFill>
+                  <a:srgbClr val="000000"/>
+                </a:solidFill>
+                <a:effectLst/>
+                <a:latin typeface="Segoe UI" panose="020B0502040204020203" pitchFamily="34" charset="0"/>
+              </a:rPr>
+              <a:t/>
+            </a:r>
             <a:br>
               <a:rPr lang="en-US" altLang="zh-TW" b="0" i="0" dirty="0">
                 <a:solidFill>
@@ -15919,6 +16336,16 @@
               </a:rPr>
               <a:t>)</a:t>
             </a:r>
+            <a:r>
+              <a:rPr lang="zh-TW" altLang="en-US" b="0" i="0" dirty="0">
+                <a:solidFill>
+                  <a:srgbClr val="000000"/>
+                </a:solidFill>
+                <a:effectLst/>
+                <a:latin typeface="Segoe UI" panose="020B0502040204020203" pitchFamily="34" charset="0"/>
+              </a:rPr>
+              <a:t/>
+            </a:r>
             <a:br>
               <a:rPr lang="zh-TW" altLang="en-US" b="0" i="0" dirty="0">
                 <a:solidFill>
@@ -15978,6 +16405,16 @@
               </a:rPr>
               <a:t>74dBm)</a:t>
             </a:r>
+            <a:r>
+              <a:rPr lang="en-US" altLang="zh-TW" b="0" i="0" dirty="0">
+                <a:solidFill>
+                  <a:srgbClr val="000000"/>
+                </a:solidFill>
+                <a:effectLst/>
+                <a:latin typeface="Segoe UI" panose="020B0502040204020203" pitchFamily="34" charset="0"/>
+              </a:rPr>
+              <a:t/>
+            </a:r>
             <a:br>
               <a:rPr lang="en-US" altLang="zh-TW" b="0" i="0" dirty="0">
                 <a:solidFill>
@@ -16057,6 +16494,16 @@
               </a:rPr>
               <a:t>)</a:t>
             </a:r>
+            <a:r>
+              <a:rPr lang="zh-TW" altLang="en-US" b="0" i="0" dirty="0">
+                <a:solidFill>
+                  <a:srgbClr val="000000"/>
+                </a:solidFill>
+                <a:effectLst/>
+                <a:latin typeface="Segoe UI" panose="020B0502040204020203" pitchFamily="34" charset="0"/>
+              </a:rPr>
+              <a:t/>
+            </a:r>
             <a:br>
               <a:rPr lang="zh-TW" altLang="en-US" b="0" i="0" dirty="0">
                 <a:solidFill>
@@ -16116,6 +16563,16 @@
               </a:rPr>
               <a:t>(65.1KSPS~61.44MSPS)</a:t>
             </a:r>
+            <a:r>
+              <a:rPr lang="en-US" altLang="zh-TW" b="0" i="0" dirty="0">
+                <a:solidFill>
+                  <a:srgbClr val="000000"/>
+                </a:solidFill>
+                <a:effectLst/>
+                <a:latin typeface="Segoe UI" panose="020B0502040204020203" pitchFamily="34" charset="0"/>
+              </a:rPr>
+              <a:t/>
+            </a:r>
             <a:br>
               <a:rPr lang="en-US" altLang="zh-TW" b="0" i="0" dirty="0">
                 <a:solidFill>
@@ -16184,6 +16641,10 @@
             </a:endParaRPr>
           </a:p>
           <a:p>
+            <a:r>
+              <a:rPr lang="en-US" altLang="zh-TW" dirty="0"/>
+              <a:t/>
+            </a:r>
             <a:br>
               <a:rPr lang="en-US" altLang="zh-TW" dirty="0"/>
             </a:br>
@@ -16204,7 +16665,7 @@
 </p:sld>
 </file>
 
-<file path=ppt/slides/slide5.xml><?xml version="1.0" encoding="utf-8"?>
+<file path=ppt/slides/slide6.xml><?xml version="1.0" encoding="utf-8"?>
 <p:sld xmlns:a="http://schemas.openxmlformats.org/drawingml/2006/main" xmlns:r="http://schemas.openxmlformats.org/officeDocument/2006/relationships" xmlns:p="http://schemas.openxmlformats.org/presentationml/2006/main">
   <p:cSld>
     <p:spTree>
@@ -16239,7 +16700,7 @@
         </p:nvSpPr>
         <p:spPr>
           <a:xfrm>
-            <a:off x="1640156" y="596119"/>
+            <a:off x="1754460" y="667559"/>
             <a:ext cx="8911687" cy="1280890"/>
           </a:xfrm>
         </p:spPr>
@@ -16355,7 +16816,7 @@
 </p:sld>
 </file>
 
-<file path=ppt/slides/slide6.xml><?xml version="1.0" encoding="utf-8"?>
+<file path=ppt/slides/slide7.xml><?xml version="1.0" encoding="utf-8"?>
 <p:sld xmlns:a="http://schemas.openxmlformats.org/drawingml/2006/main" xmlns:r="http://schemas.openxmlformats.org/officeDocument/2006/relationships" xmlns:p="http://schemas.openxmlformats.org/presentationml/2006/main">
   <p:cSld>
     <p:spTree>
@@ -16390,7 +16851,7 @@
         </p:nvSpPr>
         <p:spPr>
           <a:xfrm>
-            <a:off x="1640156" y="596119"/>
+            <a:off x="1754460" y="667559"/>
             <a:ext cx="8911687" cy="1280890"/>
           </a:xfrm>
         </p:spPr>
@@ -16705,7 +17166,7 @@
 </p:sld>
 </file>
 
-<file path=ppt/slides/slide7.xml><?xml version="1.0" encoding="utf-8"?>
+<file path=ppt/slides/slide8.xml><?xml version="1.0" encoding="utf-8"?>
 <p:sld xmlns:a="http://schemas.openxmlformats.org/drawingml/2006/main" xmlns:r="http://schemas.openxmlformats.org/officeDocument/2006/relationships" xmlns:p="http://schemas.openxmlformats.org/presentationml/2006/main">
   <p:cSld>
     <p:spTree>
@@ -16740,7 +17201,7 @@
         </p:nvSpPr>
         <p:spPr>
           <a:xfrm>
-            <a:off x="1640156" y="596119"/>
+            <a:off x="1754460" y="667559"/>
             <a:ext cx="8911687" cy="1280890"/>
           </a:xfrm>
         </p:spPr>
@@ -17327,7 +17788,7 @@
 </p:sld>
 </file>
 
-<file path=ppt/slides/slide8.xml><?xml version="1.0" encoding="utf-8"?>
+<file path=ppt/slides/slide9.xml><?xml version="1.0" encoding="utf-8"?>
 <p:sld xmlns:a="http://schemas.openxmlformats.org/drawingml/2006/main" xmlns:r="http://schemas.openxmlformats.org/officeDocument/2006/relationships" xmlns:p="http://schemas.openxmlformats.org/presentationml/2006/main">
   <p:cSld>
     <p:spTree>
@@ -17362,7 +17823,7 @@
         </p:nvSpPr>
         <p:spPr>
           <a:xfrm>
-            <a:off x="1640156" y="596119"/>
+            <a:off x="1754460" y="667559"/>
             <a:ext cx="8911687" cy="1280890"/>
           </a:xfrm>
         </p:spPr>
@@ -17780,78 +18241,6 @@
     <p:extLst>
       <p:ext uri="{BB962C8B-B14F-4D97-AF65-F5344CB8AC3E}">
         <p14:creationId xmlns:p14="http://schemas.microsoft.com/office/powerpoint/2010/main" val="2316565764"/>
-      </p:ext>
-    </p:extLst>
-  </p:cSld>
-  <p:clrMapOvr>
-    <a:masterClrMapping/>
-  </p:clrMapOvr>
-</p:sld>
-</file>
-
-<file path=ppt/slides/slide9.xml><?xml version="1.0" encoding="utf-8"?>
-<p:sld xmlns:a="http://schemas.openxmlformats.org/drawingml/2006/main" xmlns:r="http://schemas.openxmlformats.org/officeDocument/2006/relationships" xmlns:p="http://schemas.openxmlformats.org/presentationml/2006/main">
-  <p:cSld>
-    <p:spTree>
-      <p:nvGrpSpPr>
-        <p:cNvPr id="1" name=""/>
-        <p:cNvGrpSpPr/>
-        <p:nvPr/>
-      </p:nvGrpSpPr>
-      <p:grpSpPr>
-        <a:xfrm>
-          <a:off x="0" y="0"/>
-          <a:ext cx="0" cy="0"/>
-          <a:chOff x="0" y="0"/>
-          <a:chExt cx="0" cy="0"/>
-        </a:xfrm>
-      </p:grpSpPr>
-      <p:sp>
-        <p:nvSpPr>
-          <p:cNvPr id="2" name="標題 1">
-            <a:extLst>
-              <a:ext uri="{FF2B5EF4-FFF2-40B4-BE49-F238E27FC236}">
-                <a16:creationId xmlns:a16="http://schemas.microsoft.com/office/drawing/2014/main" id="{D9AB7535-4395-5CF0-C825-7186D87DB238}"/>
-              </a:ext>
-            </a:extLst>
-          </p:cNvPr>
-          <p:cNvSpPr>
-            <a:spLocks noGrp="1"/>
-          </p:cNvSpPr>
-          <p:nvPr>
-            <p:ph type="title"/>
-          </p:nvPr>
-        </p:nvSpPr>
-        <p:spPr>
-          <a:xfrm>
-            <a:off x="1640156" y="596119"/>
-            <a:ext cx="8911687" cy="1280890"/>
-          </a:xfrm>
-        </p:spPr>
-        <p:txBody>
-          <a:bodyPr>
-            <a:normAutofit/>
-          </a:bodyPr>
-          <a:lstStyle/>
-          <a:p>
-            <a:r>
-              <a:rPr lang="zh-TW" altLang="en-US" sz="4400">
-                <a:latin typeface="華康POP1體W7" panose="040B0709000000000000" pitchFamily="81" charset="-120"/>
-                <a:ea typeface="華康POP1體W7" panose="040B0709000000000000" pitchFamily="81" charset="-120"/>
-              </a:rPr>
-              <a:t>結果圖</a:t>
-            </a:r>
-            <a:endParaRPr lang="zh-TW" altLang="en-US" sz="4400" dirty="0">
-              <a:latin typeface="華康POP1體W7" panose="040B0709000000000000" pitchFamily="81" charset="-120"/>
-              <a:ea typeface="華康POP1體W7" panose="040B0709000000000000" pitchFamily="81" charset="-120"/>
-            </a:endParaRPr>
-          </a:p>
-        </p:txBody>
-      </p:sp>
-    </p:spTree>
-    <p:extLst>
-      <p:ext uri="{BB962C8B-B14F-4D97-AF65-F5344CB8AC3E}">
-        <p14:creationId xmlns:p14="http://schemas.microsoft.com/office/powerpoint/2010/main" val="2962379831"/>
       </p:ext>
     </p:extLst>
   </p:cSld>

--- a/report/以SDR實現OTSM通訊技術.pptx
+++ b/report/以SDR實現OTSM通訊技術.pptx
@@ -7,18 +7,20 @@
   <p:sldIdLst>
     <p:sldId id="256" r:id="rId2"/>
     <p:sldId id="264" r:id="rId3"/>
-    <p:sldId id="274" r:id="rId4"/>
-    <p:sldId id="283" r:id="rId5"/>
-    <p:sldId id="281" r:id="rId6"/>
-    <p:sldId id="258" r:id="rId7"/>
-    <p:sldId id="260" r:id="rId8"/>
-    <p:sldId id="261" r:id="rId9"/>
-    <p:sldId id="262" r:id="rId10"/>
-    <p:sldId id="263" r:id="rId11"/>
-    <p:sldId id="276" r:id="rId12"/>
-    <p:sldId id="277" r:id="rId13"/>
-    <p:sldId id="278" r:id="rId14"/>
-    <p:sldId id="280" r:id="rId15"/>
+    <p:sldId id="275" r:id="rId4"/>
+    <p:sldId id="273" r:id="rId5"/>
+    <p:sldId id="274" r:id="rId6"/>
+    <p:sldId id="283" r:id="rId7"/>
+    <p:sldId id="281" r:id="rId8"/>
+    <p:sldId id="258" r:id="rId9"/>
+    <p:sldId id="260" r:id="rId10"/>
+    <p:sldId id="261" r:id="rId11"/>
+    <p:sldId id="262" r:id="rId12"/>
+    <p:sldId id="263" r:id="rId13"/>
+    <p:sldId id="276" r:id="rId14"/>
+    <p:sldId id="277" r:id="rId15"/>
+    <p:sldId id="278" r:id="rId16"/>
+    <p:sldId id="280" r:id="rId17"/>
   </p:sldIdLst>
   <p:sldSz cx="12192000" cy="6858000"/>
   <p:notesSz cx="6858000" cy="9144000"/>
@@ -1748,7 +1750,7 @@
         <a:lstStyle/>
         <a:p>
           <a:r>
-            <a:rPr lang="en-US" altLang="zh-TW" dirty="0" smtClean="0">
+            <a:rPr lang="en-US" altLang="zh-TW" dirty="0">
               <a:solidFill>
                 <a:schemeClr val="tx1"/>
               </a:solidFill>
@@ -1805,35 +1807,14 @@
         </dgm:presLayoutVars>
       </dgm:prSet>
       <dgm:spPr/>
-      <dgm:t>
-        <a:bodyPr/>
-        <a:lstStyle/>
-        <a:p>
-          <a:endParaRPr lang="zh-TW" altLang="en-US"/>
-        </a:p>
-      </dgm:t>
     </dgm:pt>
     <dgm:pt modelId="{5DCD91DB-AEF7-4C9B-BD53-8B818AE7A5C2}" type="pres">
       <dgm:prSet presAssocID="{510E1544-9B0B-4E5E-A21A-74C154EC99BB}" presName="sibTrans" presStyleLbl="sibTrans2D1" presStyleIdx="0" presStyleCnt="2"/>
       <dgm:spPr/>
-      <dgm:t>
-        <a:bodyPr/>
-        <a:lstStyle/>
-        <a:p>
-          <a:endParaRPr lang="zh-TW" altLang="en-US"/>
-        </a:p>
-      </dgm:t>
     </dgm:pt>
     <dgm:pt modelId="{3053149E-F4D6-4274-BA65-86C7B0CA7EE2}" type="pres">
       <dgm:prSet presAssocID="{510E1544-9B0B-4E5E-A21A-74C154EC99BB}" presName="connectorText" presStyleLbl="sibTrans2D1" presStyleIdx="0" presStyleCnt="2"/>
       <dgm:spPr/>
-      <dgm:t>
-        <a:bodyPr/>
-        <a:lstStyle/>
-        <a:p>
-          <a:endParaRPr lang="zh-TW" altLang="en-US"/>
-        </a:p>
-      </dgm:t>
     </dgm:pt>
     <dgm:pt modelId="{501B0B5C-0A9B-4712-8139-5AB722F892AE}" type="pres">
       <dgm:prSet presAssocID="{2F0BB623-C310-4F34-A614-8383840D288F}" presName="node" presStyleLbl="node1" presStyleIdx="1" presStyleCnt="3">
@@ -1842,35 +1823,14 @@
         </dgm:presLayoutVars>
       </dgm:prSet>
       <dgm:spPr/>
-      <dgm:t>
-        <a:bodyPr/>
-        <a:lstStyle/>
-        <a:p>
-          <a:endParaRPr lang="zh-TW" altLang="en-US"/>
-        </a:p>
-      </dgm:t>
     </dgm:pt>
     <dgm:pt modelId="{4C06B492-B4CF-4662-994E-B742043CDBA6}" type="pres">
       <dgm:prSet presAssocID="{B3ED31B1-2659-4ACB-A056-32D27D08A6EF}" presName="sibTrans" presStyleLbl="sibTrans2D1" presStyleIdx="1" presStyleCnt="2"/>
       <dgm:spPr/>
-      <dgm:t>
-        <a:bodyPr/>
-        <a:lstStyle/>
-        <a:p>
-          <a:endParaRPr lang="zh-TW" altLang="en-US"/>
-        </a:p>
-      </dgm:t>
     </dgm:pt>
     <dgm:pt modelId="{715D3F0F-C5CB-406C-9764-737C7C1638E6}" type="pres">
       <dgm:prSet presAssocID="{B3ED31B1-2659-4ACB-A056-32D27D08A6EF}" presName="connectorText" presStyleLbl="sibTrans2D1" presStyleIdx="1" presStyleCnt="2"/>
       <dgm:spPr/>
-      <dgm:t>
-        <a:bodyPr/>
-        <a:lstStyle/>
-        <a:p>
-          <a:endParaRPr lang="zh-TW" altLang="en-US"/>
-        </a:p>
-      </dgm:t>
     </dgm:pt>
     <dgm:pt modelId="{F8307AB0-8E3F-4030-91DA-849DB5B98DC2}" type="pres">
       <dgm:prSet presAssocID="{94E5E8AF-0109-41B5-AD0E-4DA7AD85FEFD}" presName="node" presStyleLbl="node1" presStyleIdx="2" presStyleCnt="3">
@@ -1879,27 +1839,20 @@
         </dgm:presLayoutVars>
       </dgm:prSet>
       <dgm:spPr/>
-      <dgm:t>
-        <a:bodyPr/>
-        <a:lstStyle/>
-        <a:p>
-          <a:endParaRPr lang="zh-TW" altLang="en-US"/>
-        </a:p>
-      </dgm:t>
     </dgm:pt>
   </dgm:ptLst>
   <dgm:cxnLst>
-    <dgm:cxn modelId="{8F64F8E6-C469-43B5-B5E8-EC3AE35AB88C}" type="presOf" srcId="{2F0BB623-C310-4F34-A614-8383840D288F}" destId="{501B0B5C-0A9B-4712-8139-5AB722F892AE}" srcOrd="0" destOrd="0" presId="urn:microsoft.com/office/officeart/2005/8/layout/process1"/>
+    <dgm:cxn modelId="{24755E3E-C775-4F43-94FB-4C706A911360}" type="presOf" srcId="{B3ED31B1-2659-4ACB-A056-32D27D08A6EF}" destId="{4C06B492-B4CF-4662-994E-B742043CDBA6}" srcOrd="0" destOrd="0" presId="urn:microsoft.com/office/officeart/2005/8/layout/process1"/>
+    <dgm:cxn modelId="{783D2856-2CC3-47A0-AB40-5DBEC579208A}" type="presOf" srcId="{D14C185C-1C2F-43C5-B3F7-03E2FD8DCA20}" destId="{0845D703-486E-420E-9274-3700A0D2E42F}" srcOrd="0" destOrd="0" presId="urn:microsoft.com/office/officeart/2005/8/layout/process1"/>
+    <dgm:cxn modelId="{ED6A0291-B8AD-4213-AF49-B17AF0DD26FB}" type="presOf" srcId="{373F3D73-4163-460C-825F-AB90F0BD274A}" destId="{2CE79DA6-23CB-40EF-B25E-2E7E21767DB0}" srcOrd="0" destOrd="0" presId="urn:microsoft.com/office/officeart/2005/8/layout/process1"/>
     <dgm:cxn modelId="{F6F31997-62E6-4170-BF59-BE34A1A74105}" srcId="{D14C185C-1C2F-43C5-B3F7-03E2FD8DCA20}" destId="{2F0BB623-C310-4F34-A614-8383840D288F}" srcOrd="1" destOrd="0" parTransId="{7FEA6977-7515-40FE-8B46-76C8A4B4FEBC}" sibTransId="{B3ED31B1-2659-4ACB-A056-32D27D08A6EF}"/>
     <dgm:cxn modelId="{842B5DB3-BFAF-46D0-84BB-E28431233374}" srcId="{D14C185C-1C2F-43C5-B3F7-03E2FD8DCA20}" destId="{373F3D73-4163-460C-825F-AB90F0BD274A}" srcOrd="0" destOrd="0" parTransId="{00E5234B-BC00-402C-A4DC-5B7D87217C7B}" sibTransId="{510E1544-9B0B-4E5E-A21A-74C154EC99BB}"/>
+    <dgm:cxn modelId="{F0E147BA-BB1F-4975-8167-3A41330F994E}" type="presOf" srcId="{B3ED31B1-2659-4ACB-A056-32D27D08A6EF}" destId="{715D3F0F-C5CB-406C-9764-737C7C1638E6}" srcOrd="1" destOrd="0" presId="urn:microsoft.com/office/officeart/2005/8/layout/process1"/>
+    <dgm:cxn modelId="{CCD4CFC3-8CB9-4BD5-B289-EB24AA63AAFC}" type="presOf" srcId="{510E1544-9B0B-4E5E-A21A-74C154EC99BB}" destId="{5DCD91DB-AEF7-4C9B-BD53-8B818AE7A5C2}" srcOrd="0" destOrd="0" presId="urn:microsoft.com/office/officeart/2005/8/layout/process1"/>
+    <dgm:cxn modelId="{18AB6BD2-D883-4837-90CD-D004B6890F8F}" srcId="{D14C185C-1C2F-43C5-B3F7-03E2FD8DCA20}" destId="{94E5E8AF-0109-41B5-AD0E-4DA7AD85FEFD}" srcOrd="2" destOrd="0" parTransId="{4B4731E8-B722-4A8D-879D-71D770D64E16}" sibTransId="{5EDB3883-65F1-43C5-B2B6-715EFF19ECC3}"/>
     <dgm:cxn modelId="{FC026DDC-6B9B-4E3A-ADF6-C724CBB2F3D0}" type="presOf" srcId="{94E5E8AF-0109-41B5-AD0E-4DA7AD85FEFD}" destId="{F8307AB0-8E3F-4030-91DA-849DB5B98DC2}" srcOrd="0" destOrd="0" presId="urn:microsoft.com/office/officeart/2005/8/layout/process1"/>
-    <dgm:cxn modelId="{783D2856-2CC3-47A0-AB40-5DBEC579208A}" type="presOf" srcId="{D14C185C-1C2F-43C5-B3F7-03E2FD8DCA20}" destId="{0845D703-486E-420E-9274-3700A0D2E42F}" srcOrd="0" destOrd="0" presId="urn:microsoft.com/office/officeart/2005/8/layout/process1"/>
-    <dgm:cxn modelId="{ED6A0291-B8AD-4213-AF49-B17AF0DD26FB}" type="presOf" srcId="{373F3D73-4163-460C-825F-AB90F0BD274A}" destId="{2CE79DA6-23CB-40EF-B25E-2E7E21767DB0}" srcOrd="0" destOrd="0" presId="urn:microsoft.com/office/officeart/2005/8/layout/process1"/>
-    <dgm:cxn modelId="{CCD4CFC3-8CB9-4BD5-B289-EB24AA63AAFC}" type="presOf" srcId="{510E1544-9B0B-4E5E-A21A-74C154EC99BB}" destId="{5DCD91DB-AEF7-4C9B-BD53-8B818AE7A5C2}" srcOrd="0" destOrd="0" presId="urn:microsoft.com/office/officeart/2005/8/layout/process1"/>
+    <dgm:cxn modelId="{8F64F8E6-C469-43B5-B5E8-EC3AE35AB88C}" type="presOf" srcId="{2F0BB623-C310-4F34-A614-8383840D288F}" destId="{501B0B5C-0A9B-4712-8139-5AB722F892AE}" srcOrd="0" destOrd="0" presId="urn:microsoft.com/office/officeart/2005/8/layout/process1"/>
     <dgm:cxn modelId="{D1F5C7F5-FF31-49AC-8A04-274782995C75}" type="presOf" srcId="{510E1544-9B0B-4E5E-A21A-74C154EC99BB}" destId="{3053149E-F4D6-4274-BA65-86C7B0CA7EE2}" srcOrd="1" destOrd="0" presId="urn:microsoft.com/office/officeart/2005/8/layout/process1"/>
-    <dgm:cxn modelId="{24755E3E-C775-4F43-94FB-4C706A911360}" type="presOf" srcId="{B3ED31B1-2659-4ACB-A056-32D27D08A6EF}" destId="{4C06B492-B4CF-4662-994E-B742043CDBA6}" srcOrd="0" destOrd="0" presId="urn:microsoft.com/office/officeart/2005/8/layout/process1"/>
-    <dgm:cxn modelId="{F0E147BA-BB1F-4975-8167-3A41330F994E}" type="presOf" srcId="{B3ED31B1-2659-4ACB-A056-32D27D08A6EF}" destId="{715D3F0F-C5CB-406C-9764-737C7C1638E6}" srcOrd="1" destOrd="0" presId="urn:microsoft.com/office/officeart/2005/8/layout/process1"/>
-    <dgm:cxn modelId="{18AB6BD2-D883-4837-90CD-D004B6890F8F}" srcId="{D14C185C-1C2F-43C5-B3F7-03E2FD8DCA20}" destId="{94E5E8AF-0109-41B5-AD0E-4DA7AD85FEFD}" srcOrd="2" destOrd="0" parTransId="{4B4731E8-B722-4A8D-879D-71D770D64E16}" sibTransId="{5EDB3883-65F1-43C5-B2B6-715EFF19ECC3}"/>
     <dgm:cxn modelId="{FAFBA5ED-5A37-4064-B4A2-75A971CC3268}" type="presParOf" srcId="{0845D703-486E-420E-9274-3700A0D2E42F}" destId="{2CE79DA6-23CB-40EF-B25E-2E7E21767DB0}" srcOrd="0" destOrd="0" presId="urn:microsoft.com/office/officeart/2005/8/layout/process1"/>
     <dgm:cxn modelId="{B192C275-C3F4-4265-AADD-2C1838C8AD5A}" type="presParOf" srcId="{0845D703-486E-420E-9274-3700A0D2E42F}" destId="{5DCD91DB-AEF7-4C9B-BD53-8B818AE7A5C2}" srcOrd="1" destOrd="0" presId="urn:microsoft.com/office/officeart/2005/8/layout/process1"/>
     <dgm:cxn modelId="{96819B01-F420-4E26-A327-E989DB4F7FB8}" type="presParOf" srcId="{5DCD91DB-AEF7-4C9B-BD53-8B818AE7A5C2}" destId="{3053149E-F4D6-4274-BA65-86C7B0CA7EE2}" srcOrd="0" destOrd="0" presId="urn:microsoft.com/office/officeart/2005/8/layout/process1"/>
@@ -2240,13 +2193,6 @@
         </dgm:presLayoutVars>
       </dgm:prSet>
       <dgm:spPr/>
-      <dgm:t>
-        <a:bodyPr/>
-        <a:lstStyle/>
-        <a:p>
-          <a:endParaRPr lang="zh-TW" altLang="en-US"/>
-        </a:p>
-      </dgm:t>
     </dgm:pt>
     <dgm:pt modelId="{37CC57EE-2C61-4BEF-8871-3338219A9556}" type="pres">
       <dgm:prSet presAssocID="{3841A661-9951-4A9C-BD92-1E214ED1A7F1}" presName="node" presStyleLbl="node1" presStyleIdx="0" presStyleCnt="5">
@@ -2255,35 +2201,14 @@
         </dgm:presLayoutVars>
       </dgm:prSet>
       <dgm:spPr/>
-      <dgm:t>
-        <a:bodyPr/>
-        <a:lstStyle/>
-        <a:p>
-          <a:endParaRPr lang="zh-TW" altLang="en-US"/>
-        </a:p>
-      </dgm:t>
     </dgm:pt>
     <dgm:pt modelId="{602DA743-6056-422D-BD95-2E982C8777E3}" type="pres">
       <dgm:prSet presAssocID="{756101F8-E74F-47A0-88AA-37478E1324E3}" presName="sibTrans" presStyleLbl="sibTrans2D1" presStyleIdx="0" presStyleCnt="4"/>
       <dgm:spPr/>
-      <dgm:t>
-        <a:bodyPr/>
-        <a:lstStyle/>
-        <a:p>
-          <a:endParaRPr lang="zh-TW" altLang="en-US"/>
-        </a:p>
-      </dgm:t>
     </dgm:pt>
     <dgm:pt modelId="{36B23BB1-5C80-41D3-B5C8-95A6DF48DBB3}" type="pres">
       <dgm:prSet presAssocID="{756101F8-E74F-47A0-88AA-37478E1324E3}" presName="connectorText" presStyleLbl="sibTrans2D1" presStyleIdx="0" presStyleCnt="4"/>
       <dgm:spPr/>
-      <dgm:t>
-        <a:bodyPr/>
-        <a:lstStyle/>
-        <a:p>
-          <a:endParaRPr lang="zh-TW" altLang="en-US"/>
-        </a:p>
-      </dgm:t>
     </dgm:pt>
     <dgm:pt modelId="{7B16F990-18B9-4D6C-B176-426070597CF8}" type="pres">
       <dgm:prSet presAssocID="{4DE45646-C300-4293-898A-FF022B7A8FEC}" presName="node" presStyleLbl="node1" presStyleIdx="1" presStyleCnt="5">
@@ -2292,35 +2217,14 @@
         </dgm:presLayoutVars>
       </dgm:prSet>
       <dgm:spPr/>
-      <dgm:t>
-        <a:bodyPr/>
-        <a:lstStyle/>
-        <a:p>
-          <a:endParaRPr lang="zh-TW" altLang="en-US"/>
-        </a:p>
-      </dgm:t>
     </dgm:pt>
     <dgm:pt modelId="{3C52E922-05C7-42AA-9176-FEB57B8A5680}" type="pres">
       <dgm:prSet presAssocID="{D93979BF-3656-4712-9F7E-DB6980D33465}" presName="sibTrans" presStyleLbl="sibTrans2D1" presStyleIdx="1" presStyleCnt="4"/>
       <dgm:spPr/>
-      <dgm:t>
-        <a:bodyPr/>
-        <a:lstStyle/>
-        <a:p>
-          <a:endParaRPr lang="zh-TW" altLang="en-US"/>
-        </a:p>
-      </dgm:t>
     </dgm:pt>
     <dgm:pt modelId="{D7B2C42D-DBB1-487C-9662-09FCC8DF404A}" type="pres">
       <dgm:prSet presAssocID="{D93979BF-3656-4712-9F7E-DB6980D33465}" presName="connectorText" presStyleLbl="sibTrans2D1" presStyleIdx="1" presStyleCnt="4"/>
       <dgm:spPr/>
-      <dgm:t>
-        <a:bodyPr/>
-        <a:lstStyle/>
-        <a:p>
-          <a:endParaRPr lang="zh-TW" altLang="en-US"/>
-        </a:p>
-      </dgm:t>
     </dgm:pt>
     <dgm:pt modelId="{76F565FD-B22D-4E20-9E68-6737A94684D0}" type="pres">
       <dgm:prSet presAssocID="{9842FACB-53DA-4024-B6CB-EE11C52C5FCF}" presName="node" presStyleLbl="node1" presStyleIdx="2" presStyleCnt="5">
@@ -2329,35 +2233,14 @@
         </dgm:presLayoutVars>
       </dgm:prSet>
       <dgm:spPr/>
-      <dgm:t>
-        <a:bodyPr/>
-        <a:lstStyle/>
-        <a:p>
-          <a:endParaRPr lang="zh-TW" altLang="en-US"/>
-        </a:p>
-      </dgm:t>
     </dgm:pt>
     <dgm:pt modelId="{AA43AFA9-0BE9-488E-8186-653D69342068}" type="pres">
       <dgm:prSet presAssocID="{47A42E82-F7B5-4BA3-BE5D-5AC65D518851}" presName="sibTrans" presStyleLbl="sibTrans2D1" presStyleIdx="2" presStyleCnt="4"/>
       <dgm:spPr/>
-      <dgm:t>
-        <a:bodyPr/>
-        <a:lstStyle/>
-        <a:p>
-          <a:endParaRPr lang="zh-TW" altLang="en-US"/>
-        </a:p>
-      </dgm:t>
     </dgm:pt>
     <dgm:pt modelId="{8BCFD47B-7865-4BED-9116-37430C496C9D}" type="pres">
       <dgm:prSet presAssocID="{47A42E82-F7B5-4BA3-BE5D-5AC65D518851}" presName="connectorText" presStyleLbl="sibTrans2D1" presStyleIdx="2" presStyleCnt="4"/>
       <dgm:spPr/>
-      <dgm:t>
-        <a:bodyPr/>
-        <a:lstStyle/>
-        <a:p>
-          <a:endParaRPr lang="zh-TW" altLang="en-US"/>
-        </a:p>
-      </dgm:t>
     </dgm:pt>
     <dgm:pt modelId="{70F605AD-AA30-4AD0-B005-7FFA52A1F50A}" type="pres">
       <dgm:prSet presAssocID="{FEDA3F26-01B6-4969-A114-7ABFAEE737C7}" presName="node" presStyleLbl="node1" presStyleIdx="3" presStyleCnt="5">
@@ -2366,35 +2249,14 @@
         </dgm:presLayoutVars>
       </dgm:prSet>
       <dgm:spPr/>
-      <dgm:t>
-        <a:bodyPr/>
-        <a:lstStyle/>
-        <a:p>
-          <a:endParaRPr lang="zh-TW" altLang="en-US"/>
-        </a:p>
-      </dgm:t>
     </dgm:pt>
     <dgm:pt modelId="{F899D3A4-AACE-4351-8D2B-C90711F51E1E}" type="pres">
       <dgm:prSet presAssocID="{16550F19-24CF-4ABC-B1CC-FECB27126818}" presName="sibTrans" presStyleLbl="sibTrans2D1" presStyleIdx="3" presStyleCnt="4"/>
       <dgm:spPr/>
-      <dgm:t>
-        <a:bodyPr/>
-        <a:lstStyle/>
-        <a:p>
-          <a:endParaRPr lang="zh-TW" altLang="en-US"/>
-        </a:p>
-      </dgm:t>
     </dgm:pt>
     <dgm:pt modelId="{45E6E406-7772-448A-A05E-CD78783E8157}" type="pres">
       <dgm:prSet presAssocID="{16550F19-24CF-4ABC-B1CC-FECB27126818}" presName="connectorText" presStyleLbl="sibTrans2D1" presStyleIdx="3" presStyleCnt="4"/>
       <dgm:spPr/>
-      <dgm:t>
-        <a:bodyPr/>
-        <a:lstStyle/>
-        <a:p>
-          <a:endParaRPr lang="zh-TW" altLang="en-US"/>
-        </a:p>
-      </dgm:t>
     </dgm:pt>
     <dgm:pt modelId="{0F5CAC29-7CB1-4849-BDCB-86C230AA7034}" type="pres">
       <dgm:prSet presAssocID="{793924AF-61E2-402A-99A0-C3B3E57342F2}" presName="node" presStyleLbl="node1" presStyleIdx="4" presStyleCnt="5">
@@ -2403,35 +2265,28 @@
         </dgm:presLayoutVars>
       </dgm:prSet>
       <dgm:spPr/>
-      <dgm:t>
-        <a:bodyPr/>
-        <a:lstStyle/>
-        <a:p>
-          <a:endParaRPr lang="zh-TW" altLang="en-US"/>
-        </a:p>
-      </dgm:t>
     </dgm:pt>
   </dgm:ptLst>
   <dgm:cxnLst>
-    <dgm:cxn modelId="{30BE2351-8689-4EC5-AF2E-B7E46AC2636C}" srcId="{FDABFBC2-1BFD-4076-A05A-6C7F934E68D7}" destId="{793924AF-61E2-402A-99A0-C3B3E57342F2}" srcOrd="4" destOrd="0" parTransId="{63A9F1FB-F697-4CA3-9B26-79F1BC32AF6F}" sibTransId="{44D9DA1C-167F-4B0B-B2B6-B05705FA3443}"/>
-    <dgm:cxn modelId="{058ED1C2-8409-4DF6-840A-23940991EEBF}" type="presOf" srcId="{47A42E82-F7B5-4BA3-BE5D-5AC65D518851}" destId="{8BCFD47B-7865-4BED-9116-37430C496C9D}" srcOrd="1" destOrd="0" presId="urn:microsoft.com/office/officeart/2005/8/layout/process1"/>
-    <dgm:cxn modelId="{30F8D8AE-C9E3-4CFE-994A-4830256C8B51}" type="presOf" srcId="{3841A661-9951-4A9C-BD92-1E214ED1A7F1}" destId="{37CC57EE-2C61-4BEF-8871-3338219A9556}" srcOrd="0" destOrd="0" presId="urn:microsoft.com/office/officeart/2005/8/layout/process1"/>
-    <dgm:cxn modelId="{84FE14D8-3BCF-47F6-B85F-2E8574712243}" srcId="{FDABFBC2-1BFD-4076-A05A-6C7F934E68D7}" destId="{9842FACB-53DA-4024-B6CB-EE11C52C5FCF}" srcOrd="2" destOrd="0" parTransId="{2BFEF379-1AD1-4288-81DA-34236DD15E7F}" sibTransId="{47A42E82-F7B5-4BA3-BE5D-5AC65D518851}"/>
+    <dgm:cxn modelId="{BB3B5000-0AA1-4675-8502-1A5E60CFD19F}" type="presOf" srcId="{FDABFBC2-1BFD-4076-A05A-6C7F934E68D7}" destId="{72CC2932-FA6E-49B1-8F27-F0B21286E949}" srcOrd="0" destOrd="0" presId="urn:microsoft.com/office/officeart/2005/8/layout/process1"/>
+    <dgm:cxn modelId="{055FCD29-F5FA-490F-B406-E005660A5F8B}" type="presOf" srcId="{756101F8-E74F-47A0-88AA-37478E1324E3}" destId="{602DA743-6056-422D-BD95-2E982C8777E3}" srcOrd="0" destOrd="0" presId="urn:microsoft.com/office/officeart/2005/8/layout/process1"/>
+    <dgm:cxn modelId="{1BE2D033-BC5E-4C7F-9558-949D151FFC1C}" type="presOf" srcId="{9842FACB-53DA-4024-B6CB-EE11C52C5FCF}" destId="{76F565FD-B22D-4E20-9E68-6737A94684D0}" srcOrd="0" destOrd="0" presId="urn:microsoft.com/office/officeart/2005/8/layout/process1"/>
     <dgm:cxn modelId="{367FA860-0927-4193-99CC-915BA076983B}" type="presOf" srcId="{756101F8-E74F-47A0-88AA-37478E1324E3}" destId="{36B23BB1-5C80-41D3-B5C8-95A6DF48DBB3}" srcOrd="1" destOrd="0" presId="urn:microsoft.com/office/officeart/2005/8/layout/process1"/>
-    <dgm:cxn modelId="{0923B7DE-459B-4935-A243-854C5AA76C90}" type="presOf" srcId="{D93979BF-3656-4712-9F7E-DB6980D33465}" destId="{D7B2C42D-DBB1-487C-9662-09FCC8DF404A}" srcOrd="1" destOrd="0" presId="urn:microsoft.com/office/officeart/2005/8/layout/process1"/>
-    <dgm:cxn modelId="{5C9862F8-7806-4F17-B72E-02FE8EB139DB}" srcId="{FDABFBC2-1BFD-4076-A05A-6C7F934E68D7}" destId="{4DE45646-C300-4293-898A-FF022B7A8FEC}" srcOrd="1" destOrd="0" parTransId="{1CF0C8C9-4439-4D14-BC06-CA919B69D58B}" sibTransId="{D93979BF-3656-4712-9F7E-DB6980D33465}"/>
-    <dgm:cxn modelId="{055FCD29-F5FA-490F-B406-E005660A5F8B}" type="presOf" srcId="{756101F8-E74F-47A0-88AA-37478E1324E3}" destId="{602DA743-6056-422D-BD95-2E982C8777E3}" srcOrd="0" destOrd="0" presId="urn:microsoft.com/office/officeart/2005/8/layout/process1"/>
-    <dgm:cxn modelId="{FB0CF2B4-D2D7-4A36-9B81-83F508F22C6E}" type="presOf" srcId="{16550F19-24CF-4ABC-B1CC-FECB27126818}" destId="{F899D3A4-AACE-4351-8D2B-C90711F51E1E}" srcOrd="0" destOrd="0" presId="urn:microsoft.com/office/officeart/2005/8/layout/process1"/>
-    <dgm:cxn modelId="{9D5EFDC8-C6A0-4F0A-81F9-B42EA3BDE570}" srcId="{FDABFBC2-1BFD-4076-A05A-6C7F934E68D7}" destId="{3841A661-9951-4A9C-BD92-1E214ED1A7F1}" srcOrd="0" destOrd="0" parTransId="{3F532559-3F70-495C-9B87-F9D9578E35F3}" sibTransId="{756101F8-E74F-47A0-88AA-37478E1324E3}"/>
-    <dgm:cxn modelId="{43F93158-FD52-4F0C-8F3B-C4C77B650101}" type="presOf" srcId="{FEDA3F26-01B6-4969-A114-7ABFAEE737C7}" destId="{70F605AD-AA30-4AD0-B005-7FFA52A1F50A}" srcOrd="0" destOrd="0" presId="urn:microsoft.com/office/officeart/2005/8/layout/process1"/>
-    <dgm:cxn modelId="{1BE2D033-BC5E-4C7F-9558-949D151FFC1C}" type="presOf" srcId="{9842FACB-53DA-4024-B6CB-EE11C52C5FCF}" destId="{76F565FD-B22D-4E20-9E68-6737A94684D0}" srcOrd="0" destOrd="0" presId="urn:microsoft.com/office/officeart/2005/8/layout/process1"/>
-    <dgm:cxn modelId="{CEB39990-B409-400E-B30A-F60714DCAC0A}" type="presOf" srcId="{47A42E82-F7B5-4BA3-BE5D-5AC65D518851}" destId="{AA43AFA9-0BE9-488E-8186-653D69342068}" srcOrd="0" destOrd="0" presId="urn:microsoft.com/office/officeart/2005/8/layout/process1"/>
     <dgm:cxn modelId="{C324BC62-A247-40ED-B23F-366217496CDA}" type="presOf" srcId="{D93979BF-3656-4712-9F7E-DB6980D33465}" destId="{3C52E922-05C7-42AA-9176-FEB57B8A5680}" srcOrd="0" destOrd="0" presId="urn:microsoft.com/office/officeart/2005/8/layout/process1"/>
     <dgm:cxn modelId="{F9DE8870-FAC2-4655-990C-BD5C32A73D7B}" srcId="{FDABFBC2-1BFD-4076-A05A-6C7F934E68D7}" destId="{FEDA3F26-01B6-4969-A114-7ABFAEE737C7}" srcOrd="3" destOrd="0" parTransId="{CDF14BF9-343D-46A4-BE7B-0D95D9B8F5EE}" sibTransId="{16550F19-24CF-4ABC-B1CC-FECB27126818}"/>
+    <dgm:cxn modelId="{30BE2351-8689-4EC5-AF2E-B7E46AC2636C}" srcId="{FDABFBC2-1BFD-4076-A05A-6C7F934E68D7}" destId="{793924AF-61E2-402A-99A0-C3B3E57342F2}" srcOrd="4" destOrd="0" parTransId="{63A9F1FB-F697-4CA3-9B26-79F1BC32AF6F}" sibTransId="{44D9DA1C-167F-4B0B-B2B6-B05705FA3443}"/>
+    <dgm:cxn modelId="{43F93158-FD52-4F0C-8F3B-C4C77B650101}" type="presOf" srcId="{FEDA3F26-01B6-4969-A114-7ABFAEE737C7}" destId="{70F605AD-AA30-4AD0-B005-7FFA52A1F50A}" srcOrd="0" destOrd="0" presId="urn:microsoft.com/office/officeart/2005/8/layout/process1"/>
+    <dgm:cxn modelId="{A524AA80-A41F-414D-B3DE-7CB57D2A7583}" type="presOf" srcId="{16550F19-24CF-4ABC-B1CC-FECB27126818}" destId="{45E6E406-7772-448A-A05E-CD78783E8157}" srcOrd="1" destOrd="0" presId="urn:microsoft.com/office/officeart/2005/8/layout/process1"/>
+    <dgm:cxn modelId="{CEB39990-B409-400E-B30A-F60714DCAC0A}" type="presOf" srcId="{47A42E82-F7B5-4BA3-BE5D-5AC65D518851}" destId="{AA43AFA9-0BE9-488E-8186-653D69342068}" srcOrd="0" destOrd="0" presId="urn:microsoft.com/office/officeart/2005/8/layout/process1"/>
     <dgm:cxn modelId="{A08693A2-F7D1-4A1A-BB98-1698B0328EAD}" type="presOf" srcId="{793924AF-61E2-402A-99A0-C3B3E57342F2}" destId="{0F5CAC29-7CB1-4849-BDCB-86C230AA7034}" srcOrd="0" destOrd="0" presId="urn:microsoft.com/office/officeart/2005/8/layout/process1"/>
-    <dgm:cxn modelId="{A524AA80-A41F-414D-B3DE-7CB57D2A7583}" type="presOf" srcId="{16550F19-24CF-4ABC-B1CC-FECB27126818}" destId="{45E6E406-7772-448A-A05E-CD78783E8157}" srcOrd="1" destOrd="0" presId="urn:microsoft.com/office/officeart/2005/8/layout/process1"/>
+    <dgm:cxn modelId="{30F8D8AE-C9E3-4CFE-994A-4830256C8B51}" type="presOf" srcId="{3841A661-9951-4A9C-BD92-1E214ED1A7F1}" destId="{37CC57EE-2C61-4BEF-8871-3338219A9556}" srcOrd="0" destOrd="0" presId="urn:microsoft.com/office/officeart/2005/8/layout/process1"/>
+    <dgm:cxn modelId="{FB0CF2B4-D2D7-4A36-9B81-83F508F22C6E}" type="presOf" srcId="{16550F19-24CF-4ABC-B1CC-FECB27126818}" destId="{F899D3A4-AACE-4351-8D2B-C90711F51E1E}" srcOrd="0" destOrd="0" presId="urn:microsoft.com/office/officeart/2005/8/layout/process1"/>
+    <dgm:cxn modelId="{058ED1C2-8409-4DF6-840A-23940991EEBF}" type="presOf" srcId="{47A42E82-F7B5-4BA3-BE5D-5AC65D518851}" destId="{8BCFD47B-7865-4BED-9116-37430C496C9D}" srcOrd="1" destOrd="0" presId="urn:microsoft.com/office/officeart/2005/8/layout/process1"/>
+    <dgm:cxn modelId="{9D5EFDC8-C6A0-4F0A-81F9-B42EA3BDE570}" srcId="{FDABFBC2-1BFD-4076-A05A-6C7F934E68D7}" destId="{3841A661-9951-4A9C-BD92-1E214ED1A7F1}" srcOrd="0" destOrd="0" parTransId="{3F532559-3F70-495C-9B87-F9D9578E35F3}" sibTransId="{756101F8-E74F-47A0-88AA-37478E1324E3}"/>
+    <dgm:cxn modelId="{84FE14D8-3BCF-47F6-B85F-2E8574712243}" srcId="{FDABFBC2-1BFD-4076-A05A-6C7F934E68D7}" destId="{9842FACB-53DA-4024-B6CB-EE11C52C5FCF}" srcOrd="2" destOrd="0" parTransId="{2BFEF379-1AD1-4288-81DA-34236DD15E7F}" sibTransId="{47A42E82-F7B5-4BA3-BE5D-5AC65D518851}"/>
+    <dgm:cxn modelId="{0923B7DE-459B-4935-A243-854C5AA76C90}" type="presOf" srcId="{D93979BF-3656-4712-9F7E-DB6980D33465}" destId="{D7B2C42D-DBB1-487C-9662-09FCC8DF404A}" srcOrd="1" destOrd="0" presId="urn:microsoft.com/office/officeart/2005/8/layout/process1"/>
     <dgm:cxn modelId="{622786F3-EFC3-4D32-BEC0-99F5A752EA66}" type="presOf" srcId="{4DE45646-C300-4293-898A-FF022B7A8FEC}" destId="{7B16F990-18B9-4D6C-B176-426070597CF8}" srcOrd="0" destOrd="0" presId="urn:microsoft.com/office/officeart/2005/8/layout/process1"/>
-    <dgm:cxn modelId="{BB3B5000-0AA1-4675-8502-1A5E60CFD19F}" type="presOf" srcId="{FDABFBC2-1BFD-4076-A05A-6C7F934E68D7}" destId="{72CC2932-FA6E-49B1-8F27-F0B21286E949}" srcOrd="0" destOrd="0" presId="urn:microsoft.com/office/officeart/2005/8/layout/process1"/>
+    <dgm:cxn modelId="{5C9862F8-7806-4F17-B72E-02FE8EB139DB}" srcId="{FDABFBC2-1BFD-4076-A05A-6C7F934E68D7}" destId="{4DE45646-C300-4293-898A-FF022B7A8FEC}" srcOrd="1" destOrd="0" parTransId="{1CF0C8C9-4439-4D14-BC06-CA919B69D58B}" sibTransId="{D93979BF-3656-4712-9F7E-DB6980D33465}"/>
     <dgm:cxn modelId="{9328D5E6-5E6D-4757-964E-D6CBD3284DFA}" type="presParOf" srcId="{72CC2932-FA6E-49B1-8F27-F0B21286E949}" destId="{37CC57EE-2C61-4BEF-8871-3338219A9556}" srcOrd="0" destOrd="0" presId="urn:microsoft.com/office/officeart/2005/8/layout/process1"/>
     <dgm:cxn modelId="{8A906B85-32A7-46E4-9634-0FC34A7C09B0}" type="presParOf" srcId="{72CC2932-FA6E-49B1-8F27-F0B21286E949}" destId="{602DA743-6056-422D-BD95-2E982C8777E3}" srcOrd="1" destOrd="0" presId="urn:microsoft.com/office/officeart/2005/8/layout/process1"/>
     <dgm:cxn modelId="{9759ECC1-F92A-4ADC-B7AB-DB2CF3327DDE}" type="presParOf" srcId="{602DA743-6056-422D-BD95-2E982C8777E3}" destId="{36B23BB1-5C80-41D3-B5C8-95A6DF48DBB3}" srcOrd="0" destOrd="0" presId="urn:microsoft.com/office/officeart/2005/8/layout/process1"/>
@@ -2511,7 +2366,7 @@
         </a:bodyPr>
         <a:lstStyle/>
         <a:p>
-          <a:pPr lvl="0" algn="ctr" defTabSz="1066800">
+          <a:pPr marL="0" lvl="0" indent="0" algn="ctr" defTabSz="1066800">
             <a:lnSpc>
               <a:spcPct val="90000"/>
             </a:lnSpc>
@@ -2521,6 +2376,7 @@
             <a:spcAft>
               <a:spcPct val="35000"/>
             </a:spcAft>
+            <a:buNone/>
           </a:pPr>
           <a:r>
             <a:rPr lang="zh-TW" altLang="en-US" sz="2400" kern="1200" dirty="0">
@@ -2589,7 +2445,7 @@
         </a:bodyPr>
         <a:lstStyle/>
         <a:p>
-          <a:pPr lvl="0" algn="ctr" defTabSz="844550">
+          <a:pPr marL="0" lvl="0" indent="0" algn="ctr" defTabSz="844550">
             <a:lnSpc>
               <a:spcPct val="90000"/>
             </a:lnSpc>
@@ -2599,6 +2455,7 @@
             <a:spcAft>
               <a:spcPct val="35000"/>
             </a:spcAft>
+            <a:buNone/>
           </a:pPr>
           <a:endParaRPr lang="zh-TW" altLang="en-US" sz="1900" kern="1200"/>
         </a:p>
@@ -2655,7 +2512,7 @@
         </a:bodyPr>
         <a:lstStyle/>
         <a:p>
-          <a:pPr lvl="0" algn="ctr" defTabSz="1066800">
+          <a:pPr marL="0" lvl="0" indent="0" algn="ctr" defTabSz="1066800">
             <a:lnSpc>
               <a:spcPct val="90000"/>
             </a:lnSpc>
@@ -2665,6 +2522,7 @@
             <a:spcAft>
               <a:spcPct val="35000"/>
             </a:spcAft>
+            <a:buNone/>
           </a:pPr>
           <a:r>
             <a:rPr lang="zh-TW" altLang="en-US" sz="2400" kern="1200" dirty="0">
@@ -2733,7 +2591,7 @@
         </a:bodyPr>
         <a:lstStyle/>
         <a:p>
-          <a:pPr lvl="0" algn="ctr" defTabSz="844550">
+          <a:pPr marL="0" lvl="0" indent="0" algn="ctr" defTabSz="844550">
             <a:lnSpc>
               <a:spcPct val="90000"/>
             </a:lnSpc>
@@ -2743,6 +2601,7 @@
             <a:spcAft>
               <a:spcPct val="35000"/>
             </a:spcAft>
+            <a:buNone/>
           </a:pPr>
           <a:endParaRPr lang="zh-TW" altLang="en-US" sz="1900" kern="1200"/>
         </a:p>
@@ -2799,7 +2658,7 @@
         </a:bodyPr>
         <a:lstStyle/>
         <a:p>
-          <a:pPr lvl="0" algn="ctr" defTabSz="1066800">
+          <a:pPr marL="0" lvl="0" indent="0" algn="ctr" defTabSz="1066800">
             <a:lnSpc>
               <a:spcPct val="90000"/>
             </a:lnSpc>
@@ -2809,9 +2668,10 @@
             <a:spcAft>
               <a:spcPct val="35000"/>
             </a:spcAft>
+            <a:buNone/>
           </a:pPr>
           <a:r>
-            <a:rPr lang="en-US" altLang="zh-TW" sz="2400" kern="1200" dirty="0" smtClean="0">
+            <a:rPr lang="en-US" altLang="zh-TW" sz="2400" kern="1200" dirty="0">
               <a:solidFill>
                 <a:schemeClr val="tx1"/>
               </a:solidFill>
@@ -2892,7 +2752,7 @@
         </a:bodyPr>
         <a:lstStyle/>
         <a:p>
-          <a:pPr lvl="0" algn="ctr" defTabSz="800100">
+          <a:pPr marL="0" lvl="0" indent="0" algn="ctr" defTabSz="800100">
             <a:lnSpc>
               <a:spcPct val="90000"/>
             </a:lnSpc>
@@ -2902,6 +2762,7 @@
             <a:spcAft>
               <a:spcPct val="35000"/>
             </a:spcAft>
+            <a:buNone/>
           </a:pPr>
           <a:r>
             <a:rPr lang="zh-TW" altLang="en-US" sz="1800" b="0" kern="1200" dirty="0">
@@ -2970,7 +2831,7 @@
         </a:bodyPr>
         <a:lstStyle/>
         <a:p>
-          <a:pPr lvl="0" algn="ctr" defTabSz="755650">
+          <a:pPr marL="0" lvl="0" indent="0" algn="ctr" defTabSz="755650">
             <a:lnSpc>
               <a:spcPct val="90000"/>
             </a:lnSpc>
@@ -2980,6 +2841,7 @@
             <a:spcAft>
               <a:spcPct val="35000"/>
             </a:spcAft>
+            <a:buNone/>
           </a:pPr>
           <a:endParaRPr lang="zh-TW" altLang="en-US" sz="1700" kern="1200"/>
         </a:p>
@@ -3035,7 +2897,7 @@
         </a:bodyPr>
         <a:lstStyle/>
         <a:p>
-          <a:pPr lvl="0" algn="ctr" defTabSz="933450">
+          <a:pPr marL="0" lvl="0" indent="0" algn="ctr" defTabSz="933450">
             <a:lnSpc>
               <a:spcPct val="90000"/>
             </a:lnSpc>
@@ -3045,6 +2907,7 @@
             <a:spcAft>
               <a:spcPct val="35000"/>
             </a:spcAft>
+            <a:buNone/>
           </a:pPr>
           <a:r>
             <a:rPr lang="zh-TW" altLang="en-US" sz="2100" kern="1200" dirty="0">
@@ -3110,7 +2973,7 @@
         </a:bodyPr>
         <a:lstStyle/>
         <a:p>
-          <a:pPr lvl="0" algn="ctr" defTabSz="755650">
+          <a:pPr marL="0" lvl="0" indent="0" algn="ctr" defTabSz="755650">
             <a:lnSpc>
               <a:spcPct val="90000"/>
             </a:lnSpc>
@@ -3120,6 +2983,7 @@
             <a:spcAft>
               <a:spcPct val="35000"/>
             </a:spcAft>
+            <a:buNone/>
           </a:pPr>
           <a:endParaRPr lang="zh-TW" altLang="en-US" sz="1700" kern="1200"/>
         </a:p>
@@ -3175,7 +3039,7 @@
         </a:bodyPr>
         <a:lstStyle/>
         <a:p>
-          <a:pPr lvl="0" algn="ctr" defTabSz="933450">
+          <a:pPr marL="0" lvl="0" indent="0" algn="ctr" defTabSz="933450">
             <a:lnSpc>
               <a:spcPct val="90000"/>
             </a:lnSpc>
@@ -3185,6 +3049,7 @@
             <a:spcAft>
               <a:spcPct val="35000"/>
             </a:spcAft>
+            <a:buNone/>
           </a:pPr>
           <a:r>
             <a:rPr lang="zh-TW" altLang="en-US" sz="2100" kern="1200" dirty="0">
@@ -3250,7 +3115,7 @@
         </a:bodyPr>
         <a:lstStyle/>
         <a:p>
-          <a:pPr lvl="0" algn="ctr" defTabSz="755650">
+          <a:pPr marL="0" lvl="0" indent="0" algn="ctr" defTabSz="755650">
             <a:lnSpc>
               <a:spcPct val="90000"/>
             </a:lnSpc>
@@ -3260,6 +3125,7 @@
             <a:spcAft>
               <a:spcPct val="35000"/>
             </a:spcAft>
+            <a:buNone/>
           </a:pPr>
           <a:endParaRPr lang="zh-TW" altLang="en-US" sz="1700" kern="1200"/>
         </a:p>
@@ -3315,7 +3181,7 @@
         </a:bodyPr>
         <a:lstStyle/>
         <a:p>
-          <a:pPr lvl="0" algn="ctr" defTabSz="933450">
+          <a:pPr marL="0" lvl="0" indent="0" algn="ctr" defTabSz="933450">
             <a:lnSpc>
               <a:spcPct val="90000"/>
             </a:lnSpc>
@@ -3325,6 +3191,7 @@
             <a:spcAft>
               <a:spcPct val="35000"/>
             </a:spcAft>
+            <a:buNone/>
           </a:pPr>
           <a:r>
             <a:rPr lang="zh-TW" altLang="en-US" sz="2100" b="0" i="0" kern="1200" dirty="0">
@@ -3394,7 +3261,7 @@
         </a:bodyPr>
         <a:lstStyle/>
         <a:p>
-          <a:pPr lvl="0" algn="ctr" defTabSz="755650">
+          <a:pPr marL="0" lvl="0" indent="0" algn="ctr" defTabSz="755650">
             <a:lnSpc>
               <a:spcPct val="90000"/>
             </a:lnSpc>
@@ -3404,6 +3271,7 @@
             <a:spcAft>
               <a:spcPct val="35000"/>
             </a:spcAft>
+            <a:buNone/>
           </a:pPr>
           <a:endParaRPr lang="zh-TW" altLang="en-US" sz="1700" kern="1200"/>
         </a:p>
@@ -3459,7 +3327,7 @@
         </a:bodyPr>
         <a:lstStyle/>
         <a:p>
-          <a:pPr lvl="0" algn="ctr" defTabSz="933450">
+          <a:pPr marL="0" lvl="0" indent="0" algn="ctr" defTabSz="933450">
             <a:lnSpc>
               <a:spcPct val="90000"/>
             </a:lnSpc>
@@ -3469,6 +3337,7 @@
             <a:spcAft>
               <a:spcPct val="35000"/>
             </a:spcAft>
+            <a:buNone/>
           </a:pPr>
           <a:r>
             <a:rPr lang="en-US" altLang="zh-TW" sz="2100" kern="1200" dirty="0">
@@ -3493,7 +3362,7 @@
           </a:r>
         </a:p>
         <a:p>
-          <a:pPr lvl="0" algn="ctr" defTabSz="933450">
+          <a:pPr marL="0" lvl="0" indent="0" algn="ctr" defTabSz="933450">
             <a:lnSpc>
               <a:spcPct val="90000"/>
             </a:lnSpc>
@@ -3503,6 +3372,7 @@
             <a:spcAft>
               <a:spcPct val="35000"/>
             </a:spcAft>
+            <a:buNone/>
           </a:pPr>
           <a:r>
             <a:rPr lang="zh-TW" altLang="en-US" sz="2100" kern="1200" dirty="0">
@@ -6070,7 +5940,7 @@
           <a:p>
             <a:fld id="{E571BEFF-2CDC-453C-8E22-E6758267B1F9}" type="datetimeFigureOut">
               <a:rPr lang="zh-TW" altLang="en-US" smtClean="0"/>
-              <a:t>2024/4/16</a:t>
+              <a:t>2024/4/17</a:t>
             </a:fld>
             <a:endParaRPr lang="zh-TW" altLang="en-US"/>
           </a:p>
@@ -6408,7 +6278,7 @@
           <a:p>
             <a:fld id="{E571BEFF-2CDC-453C-8E22-E6758267B1F9}" type="datetimeFigureOut">
               <a:rPr lang="zh-TW" altLang="en-US" smtClean="0"/>
-              <a:t>2024/4/16</a:t>
+              <a:t>2024/4/17</a:t>
             </a:fld>
             <a:endParaRPr lang="zh-TW" altLang="en-US"/>
           </a:p>
@@ -6809,7 +6679,7 @@
           <a:p>
             <a:fld id="{E571BEFF-2CDC-453C-8E22-E6758267B1F9}" type="datetimeFigureOut">
               <a:rPr lang="zh-TW" altLang="en-US" smtClean="0"/>
-              <a:t>2024/4/16</a:t>
+              <a:t>2024/4/17</a:t>
             </a:fld>
             <a:endParaRPr lang="zh-TW" altLang="en-US"/>
           </a:p>
@@ -7145,7 +7015,7 @@
           <a:p>
             <a:fld id="{E571BEFF-2CDC-453C-8E22-E6758267B1F9}" type="datetimeFigureOut">
               <a:rPr lang="zh-TW" altLang="en-US" smtClean="0"/>
-              <a:t>2024/4/16</a:t>
+              <a:t>2024/4/17</a:t>
             </a:fld>
             <a:endParaRPr lang="zh-TW" altLang="en-US"/>
           </a:p>
@@ -7465,7 +7335,7 @@
           <a:p>
             <a:fld id="{E571BEFF-2CDC-453C-8E22-E6758267B1F9}" type="datetimeFigureOut">
               <a:rPr lang="zh-TW" altLang="en-US" smtClean="0"/>
-              <a:t>2024/4/16</a:t>
+              <a:t>2024/4/17</a:t>
             </a:fld>
             <a:endParaRPr lang="zh-TW" altLang="en-US"/>
           </a:p>
@@ -7861,7 +7731,7 @@
           <a:p>
             <a:fld id="{E571BEFF-2CDC-453C-8E22-E6758267B1F9}" type="datetimeFigureOut">
               <a:rPr lang="zh-TW" altLang="en-US" smtClean="0"/>
-              <a:t>2024/4/16</a:t>
+              <a:t>2024/4/17</a:t>
             </a:fld>
             <a:endParaRPr lang="zh-TW" altLang="en-US"/>
           </a:p>
@@ -8118,7 +7988,7 @@
           <a:p>
             <a:fld id="{E571BEFF-2CDC-453C-8E22-E6758267B1F9}" type="datetimeFigureOut">
               <a:rPr lang="zh-TW" altLang="en-US" smtClean="0"/>
-              <a:t>2024/4/16</a:t>
+              <a:t>2024/4/17</a:t>
             </a:fld>
             <a:endParaRPr lang="zh-TW" altLang="en-US"/>
           </a:p>
@@ -8380,7 +8250,7 @@
           <a:p>
             <a:fld id="{E571BEFF-2CDC-453C-8E22-E6758267B1F9}" type="datetimeFigureOut">
               <a:rPr lang="zh-TW" altLang="en-US" smtClean="0"/>
-              <a:t>2024/4/16</a:t>
+              <a:t>2024/4/17</a:t>
             </a:fld>
             <a:endParaRPr lang="zh-TW" altLang="en-US"/>
           </a:p>
@@ -8642,7 +8512,7 @@
           <a:p>
             <a:fld id="{E571BEFF-2CDC-453C-8E22-E6758267B1F9}" type="datetimeFigureOut">
               <a:rPr lang="zh-TW" altLang="en-US" smtClean="0"/>
-              <a:t>2024/4/16</a:t>
+              <a:t>2024/4/17</a:t>
             </a:fld>
             <a:endParaRPr lang="zh-TW" altLang="en-US"/>
           </a:p>
@@ -8971,7 +8841,7 @@
           <a:p>
             <a:fld id="{E571BEFF-2CDC-453C-8E22-E6758267B1F9}" type="datetimeFigureOut">
               <a:rPr lang="zh-TW" altLang="en-US" smtClean="0"/>
-              <a:t>2024/4/16</a:t>
+              <a:t>2024/4/17</a:t>
             </a:fld>
             <a:endParaRPr lang="zh-TW" altLang="en-US"/>
           </a:p>
@@ -9294,7 +9164,7 @@
           <a:p>
             <a:fld id="{E571BEFF-2CDC-453C-8E22-E6758267B1F9}" type="datetimeFigureOut">
               <a:rPr lang="zh-TW" altLang="en-US" smtClean="0"/>
-              <a:t>2024/4/16</a:t>
+              <a:t>2024/4/17</a:t>
             </a:fld>
             <a:endParaRPr lang="zh-TW" altLang="en-US"/>
           </a:p>
@@ -9751,7 +9621,7 @@
           <a:p>
             <a:fld id="{E571BEFF-2CDC-453C-8E22-E6758267B1F9}" type="datetimeFigureOut">
               <a:rPr lang="zh-TW" altLang="en-US" smtClean="0"/>
-              <a:t>2024/4/16</a:t>
+              <a:t>2024/4/17</a:t>
             </a:fld>
             <a:endParaRPr lang="zh-TW" altLang="en-US"/>
           </a:p>
@@ -9956,7 +9826,7 @@
           <a:p>
             <a:fld id="{E571BEFF-2CDC-453C-8E22-E6758267B1F9}" type="datetimeFigureOut">
               <a:rPr lang="zh-TW" altLang="en-US" smtClean="0"/>
-              <a:t>2024/4/16</a:t>
+              <a:t>2024/4/17</a:t>
             </a:fld>
             <a:endParaRPr lang="zh-TW" altLang="en-US"/>
           </a:p>
@@ -10133,7 +10003,7 @@
           <a:p>
             <a:fld id="{E571BEFF-2CDC-453C-8E22-E6758267B1F9}" type="datetimeFigureOut">
               <a:rPr lang="zh-TW" altLang="en-US" smtClean="0"/>
-              <a:t>2024/4/16</a:t>
+              <a:t>2024/4/17</a:t>
             </a:fld>
             <a:endParaRPr lang="zh-TW" altLang="en-US"/>
           </a:p>
@@ -10466,7 +10336,7 @@
           <a:p>
             <a:fld id="{E571BEFF-2CDC-453C-8E22-E6758267B1F9}" type="datetimeFigureOut">
               <a:rPr lang="zh-TW" altLang="en-US" smtClean="0"/>
-              <a:t>2024/4/16</a:t>
+              <a:t>2024/4/17</a:t>
             </a:fld>
             <a:endParaRPr lang="zh-TW" altLang="en-US"/>
           </a:p>
@@ -10811,7 +10681,7 @@
           <a:p>
             <a:fld id="{E571BEFF-2CDC-453C-8E22-E6758267B1F9}" type="datetimeFigureOut">
               <a:rPr lang="zh-TW" altLang="en-US" smtClean="0"/>
-              <a:t>2024/4/16</a:t>
+              <a:t>2024/4/17</a:t>
             </a:fld>
             <a:endParaRPr lang="zh-TW" altLang="en-US"/>
           </a:p>
@@ -12928,7 +12798,7 @@
           <a:p>
             <a:fld id="{E571BEFF-2CDC-453C-8E22-E6758267B1F9}" type="datetimeFigureOut">
               <a:rPr lang="zh-TW" altLang="en-US" smtClean="0"/>
-              <a:t>2024/4/16</a:t>
+              <a:t>2024/4/17</a:t>
             </a:fld>
             <a:endParaRPr lang="zh-TW" altLang="en-US"/>
           </a:p>
@@ -13694,6 +13564,1090 @@
         </p:nvSpPr>
         <p:spPr>
           <a:xfrm>
+            <a:off x="1754460" y="667559"/>
+            <a:ext cx="8911687" cy="1280890"/>
+          </a:xfrm>
+        </p:spPr>
+        <p:txBody>
+          <a:bodyPr>
+            <a:normAutofit/>
+          </a:bodyPr>
+          <a:lstStyle/>
+          <a:p>
+            <a:r>
+              <a:rPr lang="zh-TW" altLang="en-US" sz="4400" dirty="0">
+                <a:latin typeface="華康POP1體W7" panose="040B0709000000000000" pitchFamily="81" charset="-120"/>
+                <a:ea typeface="華康POP1體W7" panose="040B0709000000000000" pitchFamily="81" charset="-120"/>
+              </a:rPr>
+              <a:t>接收端</a:t>
+            </a:r>
+          </a:p>
+        </p:txBody>
+      </p:sp>
+      <p:sp>
+        <p:nvSpPr>
+          <p:cNvPr id="10" name="文字方塊 9">
+            <a:extLst>
+              <a:ext uri="{FF2B5EF4-FFF2-40B4-BE49-F238E27FC236}">
+                <a16:creationId xmlns:a16="http://schemas.microsoft.com/office/drawing/2014/main" id="{EAE97084-65C7-6570-573F-B70A3BE7C9C5}"/>
+              </a:ext>
+            </a:extLst>
+          </p:cNvPr>
+          <p:cNvSpPr txBox="1"/>
+          <p:nvPr/>
+        </p:nvSpPr>
+        <p:spPr>
+          <a:xfrm>
+            <a:off x="560210" y="1715485"/>
+            <a:ext cx="6097554" cy="369332"/>
+          </a:xfrm>
+          <a:prstGeom prst="rect">
+            <a:avLst/>
+          </a:prstGeom>
+          <a:noFill/>
+        </p:spPr>
+        <p:txBody>
+          <a:bodyPr wrap="square">
+            <a:spAutoFit/>
+          </a:bodyPr>
+          <a:lstStyle/>
+          <a:p>
+            <a:r>
+              <a:rPr lang="zh-TW" altLang="en-US" dirty="0">
+                <a:latin typeface="王漢宗綜藝體繁" panose="02000500000000000000" pitchFamily="2" charset="-120"/>
+                <a:ea typeface="王漢宗綜藝體繁" panose="02000500000000000000" pitchFamily="2" charset="-120"/>
+              </a:rPr>
+              <a:t>通道估測</a:t>
+            </a:r>
+            <a:r>
+              <a:rPr lang="en-US" altLang="zh-TW" dirty="0">
+                <a:latin typeface="王漢宗綜藝體繁" panose="02000500000000000000" pitchFamily="2" charset="-120"/>
+                <a:ea typeface="王漢宗綜藝體繁" panose="02000500000000000000" pitchFamily="2" charset="-120"/>
+              </a:rPr>
+              <a:t>:</a:t>
+            </a:r>
+            <a:endParaRPr lang="zh-TW" altLang="en-US" dirty="0">
+              <a:latin typeface="王漢宗綜藝體繁" panose="02000500000000000000" pitchFamily="2" charset="-120"/>
+              <a:ea typeface="王漢宗綜藝體繁" panose="02000500000000000000" pitchFamily="2" charset="-120"/>
+            </a:endParaRPr>
+          </a:p>
+        </p:txBody>
+      </p:sp>
+      <p:pic>
+        <p:nvPicPr>
+          <p:cNvPr id="23" name="圖片 22">
+            <a:extLst>
+              <a:ext uri="{FF2B5EF4-FFF2-40B4-BE49-F238E27FC236}">
+                <a16:creationId xmlns:a16="http://schemas.microsoft.com/office/drawing/2014/main" id="{0540582C-40A8-5F95-0F10-3F010331678B}"/>
+              </a:ext>
+            </a:extLst>
+          </p:cNvPr>
+          <p:cNvPicPr>
+            <a:picLocks noChangeAspect="1"/>
+          </p:cNvPicPr>
+          <p:nvPr/>
+        </p:nvPicPr>
+        <p:blipFill>
+          <a:blip r:embed="rId2"/>
+          <a:stretch>
+            <a:fillRect/>
+          </a:stretch>
+        </p:blipFill>
+        <p:spPr>
+          <a:xfrm>
+            <a:off x="2026596" y="1909254"/>
+            <a:ext cx="1558435" cy="2157039"/>
+          </a:xfrm>
+          <a:prstGeom prst="rect">
+            <a:avLst/>
+          </a:prstGeom>
+        </p:spPr>
+      </p:pic>
+      <p:sp>
+        <p:nvSpPr>
+          <p:cNvPr id="24" name="文字方塊 23">
+            <a:extLst>
+              <a:ext uri="{FF2B5EF4-FFF2-40B4-BE49-F238E27FC236}">
+                <a16:creationId xmlns:a16="http://schemas.microsoft.com/office/drawing/2014/main" id="{733634E0-2EBF-CE50-404E-038A0F79B7EC}"/>
+              </a:ext>
+            </a:extLst>
+          </p:cNvPr>
+          <p:cNvSpPr txBox="1"/>
+          <p:nvPr/>
+        </p:nvSpPr>
+        <p:spPr>
+          <a:xfrm>
+            <a:off x="3819373" y="2657394"/>
+            <a:ext cx="1992853" cy="369332"/>
+          </a:xfrm>
+          <a:prstGeom prst="rect">
+            <a:avLst/>
+          </a:prstGeom>
+          <a:noFill/>
+        </p:spPr>
+        <p:txBody>
+          <a:bodyPr wrap="none" rtlCol="0">
+            <a:spAutoFit/>
+          </a:bodyPr>
+          <a:lstStyle/>
+          <a:p>
+            <a:r>
+              <a:rPr lang="en-US" altLang="zh-TW" dirty="0">
+                <a:latin typeface="王漢宗特黑體繁" panose="02000500000000000000" pitchFamily="2" charset="-120"/>
+                <a:ea typeface="王漢宗特黑體繁" panose="02000500000000000000" pitchFamily="2" charset="-120"/>
+              </a:rPr>
+              <a:t>1.</a:t>
+            </a:r>
+            <a:r>
+              <a:rPr lang="zh-TW" altLang="en-US" dirty="0">
+                <a:latin typeface="王漢宗特黑體繁" panose="02000500000000000000" pitchFamily="2" charset="-120"/>
+                <a:ea typeface="王漢宗特黑體繁" panose="02000500000000000000" pitchFamily="2" charset="-120"/>
+              </a:rPr>
+              <a:t>先算出通道估測</a:t>
+            </a:r>
+          </a:p>
+        </p:txBody>
+      </p:sp>
+      <p:pic>
+        <p:nvPicPr>
+          <p:cNvPr id="26" name="圖片 25">
+            <a:extLst>
+              <a:ext uri="{FF2B5EF4-FFF2-40B4-BE49-F238E27FC236}">
+                <a16:creationId xmlns:a16="http://schemas.microsoft.com/office/drawing/2014/main" id="{1B15FD57-A247-6873-179B-F099B9EEEF8A}"/>
+              </a:ext>
+            </a:extLst>
+          </p:cNvPr>
+          <p:cNvPicPr>
+            <a:picLocks noChangeAspect="1"/>
+          </p:cNvPicPr>
+          <p:nvPr/>
+        </p:nvPicPr>
+        <p:blipFill>
+          <a:blip r:embed="rId3"/>
+          <a:stretch>
+            <a:fillRect/>
+          </a:stretch>
+        </p:blipFill>
+        <p:spPr>
+          <a:xfrm>
+            <a:off x="558357" y="4823536"/>
+            <a:ext cx="1524213" cy="1590897"/>
+          </a:xfrm>
+          <a:prstGeom prst="rect">
+            <a:avLst/>
+          </a:prstGeom>
+        </p:spPr>
+      </p:pic>
+      <p:pic>
+        <p:nvPicPr>
+          <p:cNvPr id="4" name="圖片 3">
+            <a:extLst>
+              <a:ext uri="{FF2B5EF4-FFF2-40B4-BE49-F238E27FC236}">
+                <a16:creationId xmlns:a16="http://schemas.microsoft.com/office/drawing/2014/main" id="{A3F473E8-19D7-535B-49A3-F811C4CB995B}"/>
+              </a:ext>
+            </a:extLst>
+          </p:cNvPr>
+          <p:cNvPicPr>
+            <a:picLocks noChangeAspect="1"/>
+          </p:cNvPicPr>
+          <p:nvPr/>
+        </p:nvPicPr>
+        <p:blipFill>
+          <a:blip r:embed="rId4"/>
+          <a:stretch>
+            <a:fillRect/>
+          </a:stretch>
+        </p:blipFill>
+        <p:spPr>
+          <a:xfrm>
+            <a:off x="2620645" y="4794957"/>
+            <a:ext cx="1562318" cy="1619476"/>
+          </a:xfrm>
+          <a:prstGeom prst="rect">
+            <a:avLst/>
+          </a:prstGeom>
+        </p:spPr>
+      </p:pic>
+      <p:sp>
+        <p:nvSpPr>
+          <p:cNvPr id="5" name="箭號: 向右 4">
+            <a:extLst>
+              <a:ext uri="{FF2B5EF4-FFF2-40B4-BE49-F238E27FC236}">
+                <a16:creationId xmlns:a16="http://schemas.microsoft.com/office/drawing/2014/main" id="{5369D188-2A48-8F41-2889-051875C0958C}"/>
+              </a:ext>
+            </a:extLst>
+          </p:cNvPr>
+          <p:cNvSpPr/>
+          <p:nvPr/>
+        </p:nvSpPr>
+        <p:spPr>
+          <a:xfrm>
+            <a:off x="2082570" y="5494668"/>
+            <a:ext cx="538075" cy="220053"/>
+          </a:xfrm>
+          <a:prstGeom prst="rightArrow">
+            <a:avLst/>
+          </a:prstGeom>
+          <a:solidFill>
+            <a:schemeClr val="bg2">
+              <a:lumMod val="50000"/>
+            </a:schemeClr>
+          </a:solidFill>
+          <a:ln>
+            <a:noFill/>
+          </a:ln>
+        </p:spPr>
+        <p:style>
+          <a:lnRef idx="2">
+            <a:schemeClr val="accent6">
+              <a:shade val="15000"/>
+            </a:schemeClr>
+          </a:lnRef>
+          <a:fillRef idx="1">
+            <a:schemeClr val="accent6"/>
+          </a:fillRef>
+          <a:effectRef idx="0">
+            <a:schemeClr val="accent6"/>
+          </a:effectRef>
+          <a:fontRef idx="minor">
+            <a:schemeClr val="lt1"/>
+          </a:fontRef>
+        </p:style>
+        <p:txBody>
+          <a:bodyPr rtlCol="0" anchor="ctr"/>
+          <a:lstStyle/>
+          <a:p>
+            <a:pPr algn="ctr"/>
+            <a:endParaRPr lang="zh-TW" altLang="en-US"/>
+          </a:p>
+        </p:txBody>
+      </p:sp>
+      <p:sp>
+        <p:nvSpPr>
+          <p:cNvPr id="7" name="文字方塊 6">
+            <a:extLst>
+              <a:ext uri="{FF2B5EF4-FFF2-40B4-BE49-F238E27FC236}">
+                <a16:creationId xmlns:a16="http://schemas.microsoft.com/office/drawing/2014/main" id="{D15FA7AA-2EE9-EB36-4EB2-58C95C79BFDC}"/>
+              </a:ext>
+            </a:extLst>
+          </p:cNvPr>
+          <p:cNvSpPr txBox="1"/>
+          <p:nvPr/>
+        </p:nvSpPr>
+        <p:spPr>
+          <a:xfrm>
+            <a:off x="4144858" y="5413472"/>
+            <a:ext cx="1558440" cy="369332"/>
+          </a:xfrm>
+          <a:prstGeom prst="rect">
+            <a:avLst/>
+          </a:prstGeom>
+          <a:noFill/>
+        </p:spPr>
+        <p:txBody>
+          <a:bodyPr wrap="none" rtlCol="0">
+            <a:spAutoFit/>
+          </a:bodyPr>
+          <a:lstStyle/>
+          <a:p>
+            <a:r>
+              <a:rPr lang="en-US" altLang="zh-TW" dirty="0">
+                <a:latin typeface="王漢宗特黑體繁" panose="02000500000000000000" pitchFamily="2" charset="-120"/>
+                <a:ea typeface="王漢宗特黑體繁" panose="02000500000000000000" pitchFamily="2" charset="-120"/>
+              </a:rPr>
+              <a:t>2.</a:t>
+            </a:r>
+            <a:r>
+              <a:rPr lang="zh-TW" altLang="en-US" dirty="0">
+                <a:latin typeface="王漢宗特黑體繁" panose="02000500000000000000" pitchFamily="2" charset="-120"/>
+                <a:ea typeface="王漢宗特黑體繁" panose="02000500000000000000" pitchFamily="2" charset="-120"/>
+              </a:rPr>
+              <a:t>做</a:t>
+            </a:r>
+            <a:r>
+              <a:rPr lang="en-US" altLang="zh-TW" dirty="0">
+                <a:latin typeface="王漢宗特黑體繁" panose="02000500000000000000" pitchFamily="2" charset="-120"/>
+                <a:ea typeface="王漢宗特黑體繁" panose="02000500000000000000" pitchFamily="2" charset="-120"/>
+              </a:rPr>
+              <a:t>CFO</a:t>
+            </a:r>
+            <a:r>
+              <a:rPr lang="zh-TW" altLang="en-US" dirty="0">
+                <a:latin typeface="王漢宗特黑體繁" panose="02000500000000000000" pitchFamily="2" charset="-120"/>
+                <a:ea typeface="王漢宗特黑體繁" panose="02000500000000000000" pitchFamily="2" charset="-120"/>
+              </a:rPr>
+              <a:t>校正</a:t>
+            </a:r>
+          </a:p>
+        </p:txBody>
+      </p:sp>
+      <p:sp>
+        <p:nvSpPr>
+          <p:cNvPr id="11" name="文字方塊 10">
+            <a:extLst>
+              <a:ext uri="{FF2B5EF4-FFF2-40B4-BE49-F238E27FC236}">
+                <a16:creationId xmlns:a16="http://schemas.microsoft.com/office/drawing/2014/main" id="{7B360480-C0C0-7BAD-2E53-3DE153A172A5}"/>
+              </a:ext>
+            </a:extLst>
+          </p:cNvPr>
+          <p:cNvSpPr txBox="1"/>
+          <p:nvPr/>
+        </p:nvSpPr>
+        <p:spPr>
+          <a:xfrm>
+            <a:off x="5745708" y="1877009"/>
+            <a:ext cx="1167305" cy="3939540"/>
+          </a:xfrm>
+          <a:prstGeom prst="rect">
+            <a:avLst/>
+          </a:prstGeom>
+          <a:noFill/>
+        </p:spPr>
+        <p:txBody>
+          <a:bodyPr wrap="square" rtlCol="0">
+            <a:spAutoFit/>
+          </a:bodyPr>
+          <a:lstStyle/>
+          <a:p>
+            <a:r>
+              <a:rPr lang="en-US" altLang="zh-TW" sz="25000" dirty="0"/>
+              <a:t>}</a:t>
+            </a:r>
+            <a:endParaRPr lang="zh-TW" altLang="en-US" sz="25000" dirty="0"/>
+          </a:p>
+        </p:txBody>
+      </p:sp>
+      <p:sp>
+        <p:nvSpPr>
+          <p:cNvPr id="14" name="文字方塊 13">
+            <a:extLst>
+              <a:ext uri="{FF2B5EF4-FFF2-40B4-BE49-F238E27FC236}">
+                <a16:creationId xmlns:a16="http://schemas.microsoft.com/office/drawing/2014/main" id="{E7AA1716-82CD-F7B5-E35C-764B1630A783}"/>
+              </a:ext>
+            </a:extLst>
+          </p:cNvPr>
+          <p:cNvSpPr txBox="1"/>
+          <p:nvPr/>
+        </p:nvSpPr>
+        <p:spPr>
+          <a:xfrm>
+            <a:off x="6913013" y="4066293"/>
+            <a:ext cx="1766830" cy="369332"/>
+          </a:xfrm>
+          <a:prstGeom prst="rect">
+            <a:avLst/>
+          </a:prstGeom>
+          <a:noFill/>
+        </p:spPr>
+        <p:txBody>
+          <a:bodyPr wrap="none" rtlCol="0">
+            <a:spAutoFit/>
+          </a:bodyPr>
+          <a:lstStyle/>
+          <a:p>
+            <a:r>
+              <a:rPr lang="en-US" altLang="zh-TW" dirty="0">
+                <a:latin typeface="王漢宗特黑體繁" panose="02000500000000000000" pitchFamily="2" charset="-120"/>
+                <a:ea typeface="王漢宗特黑體繁" panose="02000500000000000000" pitchFamily="2" charset="-120"/>
+              </a:rPr>
+              <a:t>3.</a:t>
+            </a:r>
+            <a:r>
+              <a:rPr lang="zh-TW" altLang="en-US" dirty="0">
+                <a:latin typeface="王漢宗特黑體繁" panose="02000500000000000000" pitchFamily="2" charset="-120"/>
+                <a:ea typeface="王漢宗特黑體繁" panose="02000500000000000000" pitchFamily="2" charset="-120"/>
+              </a:rPr>
+              <a:t>測試是否成功</a:t>
+            </a:r>
+          </a:p>
+        </p:txBody>
+      </p:sp>
+      <p:pic>
+        <p:nvPicPr>
+          <p:cNvPr id="19" name="圖片 18">
+            <a:extLst>
+              <a:ext uri="{FF2B5EF4-FFF2-40B4-BE49-F238E27FC236}">
+                <a16:creationId xmlns:a16="http://schemas.microsoft.com/office/drawing/2014/main" id="{08B7EDEF-D278-83D9-5A58-865105A25D39}"/>
+              </a:ext>
+            </a:extLst>
+          </p:cNvPr>
+          <p:cNvPicPr>
+            <a:picLocks noChangeAspect="1"/>
+          </p:cNvPicPr>
+          <p:nvPr/>
+        </p:nvPicPr>
+        <p:blipFill>
+          <a:blip r:embed="rId5"/>
+          <a:stretch>
+            <a:fillRect/>
+          </a:stretch>
+        </p:blipFill>
+        <p:spPr>
+          <a:xfrm>
+            <a:off x="9323090" y="1688173"/>
+            <a:ext cx="1766830" cy="1948044"/>
+          </a:xfrm>
+          <a:prstGeom prst="rect">
+            <a:avLst/>
+          </a:prstGeom>
+        </p:spPr>
+      </p:pic>
+      <p:sp>
+        <p:nvSpPr>
+          <p:cNvPr id="20" name="文字方塊 19">
+            <a:extLst>
+              <a:ext uri="{FF2B5EF4-FFF2-40B4-BE49-F238E27FC236}">
+                <a16:creationId xmlns:a16="http://schemas.microsoft.com/office/drawing/2014/main" id="{A3A93B62-AC8D-3A28-0BA0-A287363EA363}"/>
+              </a:ext>
+            </a:extLst>
+          </p:cNvPr>
+          <p:cNvSpPr txBox="1"/>
+          <p:nvPr/>
+        </p:nvSpPr>
+        <p:spPr>
+          <a:xfrm>
+            <a:off x="8890118" y="1185751"/>
+            <a:ext cx="865943" cy="461665"/>
+          </a:xfrm>
+          <a:prstGeom prst="rect">
+            <a:avLst/>
+          </a:prstGeom>
+          <a:noFill/>
+        </p:spPr>
+        <p:txBody>
+          <a:bodyPr wrap="none" rtlCol="0">
+            <a:spAutoFit/>
+          </a:bodyPr>
+          <a:lstStyle/>
+          <a:p>
+            <a:r>
+              <a:rPr lang="zh-TW" altLang="en-US" sz="2400" dirty="0">
+                <a:solidFill>
+                  <a:srgbClr val="00B050"/>
+                </a:solidFill>
+                <a:latin typeface="王漢宗特黑體繁" panose="02000500000000000000" pitchFamily="2" charset="-120"/>
+                <a:ea typeface="王漢宗特黑體繁" panose="02000500000000000000" pitchFamily="2" charset="-120"/>
+              </a:rPr>
+              <a:t>成功</a:t>
+            </a:r>
+            <a:r>
+              <a:rPr lang="en-US" altLang="zh-TW" sz="2400" dirty="0">
+                <a:solidFill>
+                  <a:srgbClr val="00B050"/>
+                </a:solidFill>
+                <a:latin typeface="王漢宗特黑體繁" panose="02000500000000000000" pitchFamily="2" charset="-120"/>
+                <a:ea typeface="王漢宗特黑體繁" panose="02000500000000000000" pitchFamily="2" charset="-120"/>
+              </a:rPr>
+              <a:t>:</a:t>
+            </a:r>
+            <a:endParaRPr lang="zh-TW" altLang="en-US" sz="2400" dirty="0">
+              <a:solidFill>
+                <a:srgbClr val="00B050"/>
+              </a:solidFill>
+              <a:latin typeface="王漢宗特黑體繁" panose="02000500000000000000" pitchFamily="2" charset="-120"/>
+              <a:ea typeface="王漢宗特黑體繁" panose="02000500000000000000" pitchFamily="2" charset="-120"/>
+            </a:endParaRPr>
+          </a:p>
+        </p:txBody>
+      </p:sp>
+      <p:sp>
+        <p:nvSpPr>
+          <p:cNvPr id="21" name="文字方塊 20">
+            <a:extLst>
+              <a:ext uri="{FF2B5EF4-FFF2-40B4-BE49-F238E27FC236}">
+                <a16:creationId xmlns:a16="http://schemas.microsoft.com/office/drawing/2014/main" id="{60747167-C9E5-465B-1F76-039B70D6A3C4}"/>
+              </a:ext>
+            </a:extLst>
+          </p:cNvPr>
+          <p:cNvSpPr txBox="1"/>
+          <p:nvPr/>
+        </p:nvSpPr>
+        <p:spPr>
+          <a:xfrm>
+            <a:off x="8890117" y="3720238"/>
+            <a:ext cx="865943" cy="461665"/>
+          </a:xfrm>
+          <a:prstGeom prst="rect">
+            <a:avLst/>
+          </a:prstGeom>
+          <a:noFill/>
+        </p:spPr>
+        <p:txBody>
+          <a:bodyPr wrap="none" rtlCol="0">
+            <a:spAutoFit/>
+          </a:bodyPr>
+          <a:lstStyle/>
+          <a:p>
+            <a:r>
+              <a:rPr lang="zh-TW" altLang="en-US" sz="2400" dirty="0">
+                <a:solidFill>
+                  <a:srgbClr val="FF0000"/>
+                </a:solidFill>
+                <a:latin typeface="王漢宗特黑體繁" panose="02000500000000000000" pitchFamily="2" charset="-120"/>
+                <a:ea typeface="王漢宗特黑體繁" panose="02000500000000000000" pitchFamily="2" charset="-120"/>
+              </a:rPr>
+              <a:t>失敗</a:t>
+            </a:r>
+            <a:r>
+              <a:rPr lang="en-US" altLang="zh-TW" sz="2400" dirty="0">
+                <a:solidFill>
+                  <a:srgbClr val="FF0000"/>
+                </a:solidFill>
+                <a:latin typeface="王漢宗特黑體繁" panose="02000500000000000000" pitchFamily="2" charset="-120"/>
+                <a:ea typeface="王漢宗特黑體繁" panose="02000500000000000000" pitchFamily="2" charset="-120"/>
+              </a:rPr>
+              <a:t>:</a:t>
+            </a:r>
+            <a:endParaRPr lang="zh-TW" altLang="en-US" sz="2400" dirty="0">
+              <a:solidFill>
+                <a:srgbClr val="FF0000"/>
+              </a:solidFill>
+              <a:latin typeface="王漢宗特黑體繁" panose="02000500000000000000" pitchFamily="2" charset="-120"/>
+              <a:ea typeface="王漢宗特黑體繁" panose="02000500000000000000" pitchFamily="2" charset="-120"/>
+            </a:endParaRPr>
+          </a:p>
+        </p:txBody>
+      </p:sp>
+      <p:pic>
+        <p:nvPicPr>
+          <p:cNvPr id="25" name="圖片 24">
+            <a:extLst>
+              <a:ext uri="{FF2B5EF4-FFF2-40B4-BE49-F238E27FC236}">
+                <a16:creationId xmlns:a16="http://schemas.microsoft.com/office/drawing/2014/main" id="{D410175B-0325-16B7-2AC4-E29858844CA8}"/>
+              </a:ext>
+            </a:extLst>
+          </p:cNvPr>
+          <p:cNvPicPr>
+            <a:picLocks noChangeAspect="1"/>
+          </p:cNvPicPr>
+          <p:nvPr/>
+        </p:nvPicPr>
+        <p:blipFill>
+          <a:blip r:embed="rId6"/>
+          <a:stretch>
+            <a:fillRect/>
+          </a:stretch>
+        </p:blipFill>
+        <p:spPr>
+          <a:xfrm>
+            <a:off x="9323088" y="4244297"/>
+            <a:ext cx="1766830" cy="2012844"/>
+          </a:xfrm>
+          <a:prstGeom prst="rect">
+            <a:avLst/>
+          </a:prstGeom>
+        </p:spPr>
+      </p:pic>
+    </p:spTree>
+    <p:extLst>
+      <p:ext uri="{BB962C8B-B14F-4D97-AF65-F5344CB8AC3E}">
+        <p14:creationId xmlns:p14="http://schemas.microsoft.com/office/powerpoint/2010/main" val="3142542637"/>
+      </p:ext>
+    </p:extLst>
+  </p:cSld>
+  <p:clrMapOvr>
+    <a:masterClrMapping/>
+  </p:clrMapOvr>
+</p:sld>
+</file>
+
+<file path=ppt/slides/slide11.xml><?xml version="1.0" encoding="utf-8"?>
+<p:sld xmlns:a="http://schemas.openxmlformats.org/drawingml/2006/main" xmlns:r="http://schemas.openxmlformats.org/officeDocument/2006/relationships" xmlns:p="http://schemas.openxmlformats.org/presentationml/2006/main">
+  <p:cSld>
+    <p:spTree>
+      <p:nvGrpSpPr>
+        <p:cNvPr id="1" name=""/>
+        <p:cNvGrpSpPr/>
+        <p:nvPr/>
+      </p:nvGrpSpPr>
+      <p:grpSpPr>
+        <a:xfrm>
+          <a:off x="0" y="0"/>
+          <a:ext cx="0" cy="0"/>
+          <a:chOff x="0" y="0"/>
+          <a:chExt cx="0" cy="0"/>
+        </a:xfrm>
+      </p:grpSpPr>
+      <p:sp>
+        <p:nvSpPr>
+          <p:cNvPr id="2" name="標題 1">
+            <a:extLst>
+              <a:ext uri="{FF2B5EF4-FFF2-40B4-BE49-F238E27FC236}">
+                <a16:creationId xmlns:a16="http://schemas.microsoft.com/office/drawing/2014/main" id="{D9AB7535-4395-5CF0-C825-7186D87DB238}"/>
+              </a:ext>
+            </a:extLst>
+          </p:cNvPr>
+          <p:cNvSpPr>
+            <a:spLocks noGrp="1"/>
+          </p:cNvSpPr>
+          <p:nvPr>
+            <p:ph type="title"/>
+          </p:nvPr>
+        </p:nvSpPr>
+        <p:spPr>
+          <a:xfrm>
+            <a:off x="1754460" y="667559"/>
+            <a:ext cx="8911687" cy="1280890"/>
+          </a:xfrm>
+        </p:spPr>
+        <p:txBody>
+          <a:bodyPr>
+            <a:normAutofit/>
+          </a:bodyPr>
+          <a:lstStyle/>
+          <a:p>
+            <a:r>
+              <a:rPr lang="zh-TW" altLang="en-US" sz="4400" dirty="0">
+                <a:latin typeface="華康POP1體W7" panose="040B0709000000000000" pitchFamily="81" charset="-120"/>
+                <a:ea typeface="華康POP1體W7" panose="040B0709000000000000" pitchFamily="81" charset="-120"/>
+              </a:rPr>
+              <a:t>接收端</a:t>
+            </a:r>
+          </a:p>
+        </p:txBody>
+      </p:sp>
+      <p:sp>
+        <p:nvSpPr>
+          <p:cNvPr id="10" name="文字方塊 9">
+            <a:extLst>
+              <a:ext uri="{FF2B5EF4-FFF2-40B4-BE49-F238E27FC236}">
+                <a16:creationId xmlns:a16="http://schemas.microsoft.com/office/drawing/2014/main" id="{EAE97084-65C7-6570-573F-B70A3BE7C9C5}"/>
+              </a:ext>
+            </a:extLst>
+          </p:cNvPr>
+          <p:cNvSpPr txBox="1"/>
+          <p:nvPr/>
+        </p:nvSpPr>
+        <p:spPr>
+          <a:xfrm>
+            <a:off x="919032" y="1507677"/>
+            <a:ext cx="6097554" cy="369332"/>
+          </a:xfrm>
+          <a:prstGeom prst="rect">
+            <a:avLst/>
+          </a:prstGeom>
+          <a:noFill/>
+        </p:spPr>
+        <p:txBody>
+          <a:bodyPr wrap="square">
+            <a:spAutoFit/>
+          </a:bodyPr>
+          <a:lstStyle/>
+          <a:p>
+            <a:pPr lvl="0"/>
+            <a:r>
+              <a:rPr lang="zh-TW" altLang="en-US" b="0" i="0" dirty="0">
+                <a:latin typeface="王漢宗綜藝體繁" panose="02000500000000000000" pitchFamily="2" charset="-120"/>
+                <a:ea typeface="王漢宗綜藝體繁" panose="02000500000000000000" pitchFamily="2" charset="-120"/>
+              </a:rPr>
+              <a:t>解調變</a:t>
+            </a:r>
+            <a:r>
+              <a:rPr lang="en-US" altLang="zh-TW" b="0" i="0" dirty="0">
+                <a:latin typeface="王漢宗綜藝體繁" panose="02000500000000000000" pitchFamily="2" charset="-120"/>
+                <a:ea typeface="王漢宗綜藝體繁" panose="02000500000000000000" pitchFamily="2" charset="-120"/>
+              </a:rPr>
+              <a:t>:</a:t>
+            </a:r>
+            <a:endParaRPr lang="zh-TW" altLang="en-US" dirty="0">
+              <a:latin typeface="王漢宗綜藝體繁" panose="02000500000000000000" pitchFamily="2" charset="-120"/>
+              <a:ea typeface="王漢宗綜藝體繁" panose="02000500000000000000" pitchFamily="2" charset="-120"/>
+            </a:endParaRPr>
+          </a:p>
+        </p:txBody>
+      </p:sp>
+      <p:pic>
+        <p:nvPicPr>
+          <p:cNvPr id="6" name="圖片 5">
+            <a:extLst>
+              <a:ext uri="{FF2B5EF4-FFF2-40B4-BE49-F238E27FC236}">
+                <a16:creationId xmlns:a16="http://schemas.microsoft.com/office/drawing/2014/main" id="{D94A74D0-3FFA-31CD-179C-48E9DA04330B}"/>
+              </a:ext>
+            </a:extLst>
+          </p:cNvPr>
+          <p:cNvPicPr>
+            <a:picLocks noChangeAspect="1"/>
+          </p:cNvPicPr>
+          <p:nvPr/>
+        </p:nvPicPr>
+        <p:blipFill>
+          <a:blip r:embed="rId2"/>
+          <a:stretch>
+            <a:fillRect/>
+          </a:stretch>
+        </p:blipFill>
+        <p:spPr>
+          <a:xfrm>
+            <a:off x="919032" y="1877009"/>
+            <a:ext cx="3454062" cy="1071464"/>
+          </a:xfrm>
+          <a:prstGeom prst="rect">
+            <a:avLst/>
+          </a:prstGeom>
+        </p:spPr>
+      </p:pic>
+      <p:cxnSp>
+        <p:nvCxnSpPr>
+          <p:cNvPr id="8" name="接點: 肘形 7">
+            <a:extLst>
+              <a:ext uri="{FF2B5EF4-FFF2-40B4-BE49-F238E27FC236}">
+                <a16:creationId xmlns:a16="http://schemas.microsoft.com/office/drawing/2014/main" id="{CEE5A380-8678-4471-3541-C7016A64F7BC}"/>
+              </a:ext>
+            </a:extLst>
+          </p:cNvPr>
+          <p:cNvCxnSpPr>
+            <a:cxnSpLocks/>
+          </p:cNvCxnSpPr>
+          <p:nvPr/>
+        </p:nvCxnSpPr>
+        <p:spPr>
+          <a:xfrm rot="10800000" flipV="1">
+            <a:off x="4218529" y="1847830"/>
+            <a:ext cx="642720" cy="564906"/>
+          </a:xfrm>
+          <a:prstGeom prst="bentConnector3">
+            <a:avLst>
+              <a:gd name="adj1" fmla="val 50000"/>
+            </a:avLst>
+          </a:prstGeom>
+          <a:ln w="57150">
+            <a:solidFill>
+              <a:srgbClr val="0070C0"/>
+            </a:solidFill>
+            <a:tailEnd type="triangle"/>
+          </a:ln>
+        </p:spPr>
+        <p:style>
+          <a:lnRef idx="1">
+            <a:schemeClr val="accent1"/>
+          </a:lnRef>
+          <a:fillRef idx="0">
+            <a:schemeClr val="accent1"/>
+          </a:fillRef>
+          <a:effectRef idx="0">
+            <a:schemeClr val="accent1"/>
+          </a:effectRef>
+          <a:fontRef idx="minor">
+            <a:schemeClr val="tx1"/>
+          </a:fontRef>
+        </p:style>
+      </p:cxnSp>
+      <p:sp>
+        <p:nvSpPr>
+          <p:cNvPr id="13" name="文字方塊 12">
+            <a:extLst>
+              <a:ext uri="{FF2B5EF4-FFF2-40B4-BE49-F238E27FC236}">
+                <a16:creationId xmlns:a16="http://schemas.microsoft.com/office/drawing/2014/main" id="{CC9CCAF4-41DE-EC1C-668B-E390356207B6}"/>
+              </a:ext>
+            </a:extLst>
+          </p:cNvPr>
+          <p:cNvSpPr txBox="1"/>
+          <p:nvPr/>
+        </p:nvSpPr>
+        <p:spPr>
+          <a:xfrm>
+            <a:off x="4816779" y="1634314"/>
+            <a:ext cx="1531188" cy="369332"/>
+          </a:xfrm>
+          <a:prstGeom prst="rect">
+            <a:avLst/>
+          </a:prstGeom>
+          <a:noFill/>
+        </p:spPr>
+        <p:txBody>
+          <a:bodyPr wrap="none" rtlCol="0">
+            <a:spAutoFit/>
+          </a:bodyPr>
+          <a:lstStyle/>
+          <a:p>
+            <a:r>
+              <a:rPr lang="en-US" altLang="zh-TW" b="1" dirty="0"/>
+              <a:t>1.</a:t>
+            </a:r>
+            <a:r>
+              <a:rPr lang="zh-TW" altLang="en-US" b="1" dirty="0"/>
+              <a:t>切割成矩正</a:t>
+            </a:r>
+          </a:p>
+        </p:txBody>
+      </p:sp>
+      <p:sp>
+        <p:nvSpPr>
+          <p:cNvPr id="15" name="文字方塊 14">
+            <a:extLst>
+              <a:ext uri="{FF2B5EF4-FFF2-40B4-BE49-F238E27FC236}">
+                <a16:creationId xmlns:a16="http://schemas.microsoft.com/office/drawing/2014/main" id="{C352D612-A371-7834-006C-879AA1FE54FF}"/>
+              </a:ext>
+            </a:extLst>
+          </p:cNvPr>
+          <p:cNvSpPr txBox="1"/>
+          <p:nvPr/>
+        </p:nvSpPr>
+        <p:spPr>
+          <a:xfrm>
+            <a:off x="4831800" y="1945617"/>
+            <a:ext cx="1545616" cy="369332"/>
+          </a:xfrm>
+          <a:prstGeom prst="rect">
+            <a:avLst/>
+          </a:prstGeom>
+          <a:noFill/>
+        </p:spPr>
+        <p:txBody>
+          <a:bodyPr wrap="none" rtlCol="0">
+            <a:spAutoFit/>
+          </a:bodyPr>
+          <a:lstStyle/>
+          <a:p>
+            <a:r>
+              <a:rPr lang="en-US" altLang="zh-TW" b="1" dirty="0"/>
+              <a:t>2.WHT</a:t>
+            </a:r>
+            <a:r>
+              <a:rPr lang="zh-TW" altLang="en-US" b="1" dirty="0"/>
+              <a:t>反轉換</a:t>
+            </a:r>
+          </a:p>
+        </p:txBody>
+      </p:sp>
+      <p:cxnSp>
+        <p:nvCxnSpPr>
+          <p:cNvPr id="16" name="接點: 肘形 15">
+            <a:extLst>
+              <a:ext uri="{FF2B5EF4-FFF2-40B4-BE49-F238E27FC236}">
+                <a16:creationId xmlns:a16="http://schemas.microsoft.com/office/drawing/2014/main" id="{E329D241-C737-3D40-37DB-5A4CCEFB9A23}"/>
+              </a:ext>
+            </a:extLst>
+          </p:cNvPr>
+          <p:cNvCxnSpPr>
+            <a:cxnSpLocks/>
+          </p:cNvCxnSpPr>
+          <p:nvPr/>
+        </p:nvCxnSpPr>
+        <p:spPr>
+          <a:xfrm rot="10800000" flipV="1">
+            <a:off x="3348043" y="2130283"/>
+            <a:ext cx="1513207" cy="522430"/>
+          </a:xfrm>
+          <a:prstGeom prst="bentConnector3">
+            <a:avLst>
+              <a:gd name="adj1" fmla="val 14237"/>
+            </a:avLst>
+          </a:prstGeom>
+          <a:ln w="57150">
+            <a:solidFill>
+              <a:srgbClr val="0070C0"/>
+            </a:solidFill>
+            <a:tailEnd type="triangle"/>
+          </a:ln>
+        </p:spPr>
+        <p:style>
+          <a:lnRef idx="1">
+            <a:schemeClr val="accent1"/>
+          </a:lnRef>
+          <a:fillRef idx="0">
+            <a:schemeClr val="accent1"/>
+          </a:fillRef>
+          <a:effectRef idx="0">
+            <a:schemeClr val="accent1"/>
+          </a:effectRef>
+          <a:fontRef idx="minor">
+            <a:schemeClr val="tx1"/>
+          </a:fontRef>
+        </p:style>
+      </p:cxnSp>
+      <p:sp>
+        <p:nvSpPr>
+          <p:cNvPr id="34" name="文字方塊 33">
+            <a:extLst>
+              <a:ext uri="{FF2B5EF4-FFF2-40B4-BE49-F238E27FC236}">
+                <a16:creationId xmlns:a16="http://schemas.microsoft.com/office/drawing/2014/main" id="{C938D7CC-5A75-6435-FBF0-EA26F6EBC021}"/>
+              </a:ext>
+            </a:extLst>
+          </p:cNvPr>
+          <p:cNvSpPr txBox="1"/>
+          <p:nvPr/>
+        </p:nvSpPr>
+        <p:spPr>
+          <a:xfrm>
+            <a:off x="6556227" y="1507677"/>
+            <a:ext cx="2473473" cy="369332"/>
+          </a:xfrm>
+          <a:prstGeom prst="rect">
+            <a:avLst/>
+          </a:prstGeom>
+          <a:noFill/>
+        </p:spPr>
+        <p:txBody>
+          <a:bodyPr wrap="square">
+            <a:spAutoFit/>
+          </a:bodyPr>
+          <a:lstStyle/>
+          <a:p>
+            <a:pPr lvl="0"/>
+            <a:r>
+              <a:rPr lang="en-US" altLang="zh-TW" dirty="0">
+                <a:latin typeface="王漢宗綜藝體繁" panose="02000500000000000000" pitchFamily="2" charset="-120"/>
+                <a:ea typeface="王漢宗綜藝體繁" panose="02000500000000000000" pitchFamily="2" charset="-120"/>
+              </a:rPr>
+              <a:t>EQ</a:t>
+            </a:r>
+            <a:r>
+              <a:rPr lang="zh-TW" altLang="en-US" dirty="0">
+                <a:latin typeface="王漢宗綜藝體繁" panose="02000500000000000000" pitchFamily="2" charset="-120"/>
+                <a:ea typeface="王漢宗綜藝體繁" panose="02000500000000000000" pitchFamily="2" charset="-120"/>
+              </a:rPr>
+              <a:t> </a:t>
+            </a:r>
+            <a:r>
+              <a:rPr lang="en-US" altLang="zh-TW" dirty="0">
+                <a:latin typeface="王漢宗綜藝體繁" panose="02000500000000000000" pitchFamily="2" charset="-120"/>
+                <a:ea typeface="王漢宗綜藝體繁" panose="02000500000000000000" pitchFamily="2" charset="-120"/>
+              </a:rPr>
+              <a:t>&amp;</a:t>
+            </a:r>
+            <a:r>
+              <a:rPr lang="zh-TW" altLang="en-US" dirty="0">
+                <a:latin typeface="王漢宗綜藝體繁" panose="02000500000000000000" pitchFamily="2" charset="-120"/>
+                <a:ea typeface="王漢宗綜藝體繁" panose="02000500000000000000" pitchFamily="2" charset="-120"/>
+              </a:rPr>
+              <a:t> 偵測器</a:t>
+            </a:r>
+            <a:r>
+              <a:rPr lang="en-US" altLang="zh-TW" dirty="0">
+                <a:latin typeface="王漢宗綜藝體繁" panose="02000500000000000000" pitchFamily="2" charset="-120"/>
+                <a:ea typeface="王漢宗綜藝體繁" panose="02000500000000000000" pitchFamily="2" charset="-120"/>
+              </a:rPr>
+              <a:t>:</a:t>
+            </a:r>
+            <a:endParaRPr lang="zh-TW" altLang="en-US" dirty="0">
+              <a:latin typeface="王漢宗綜藝體繁" panose="02000500000000000000" pitchFamily="2" charset="-120"/>
+              <a:ea typeface="王漢宗綜藝體繁" panose="02000500000000000000" pitchFamily="2" charset="-120"/>
+            </a:endParaRPr>
+          </a:p>
+        </p:txBody>
+      </p:sp>
+      <p:pic>
+        <p:nvPicPr>
+          <p:cNvPr id="38" name="圖片 37">
+            <a:extLst>
+              <a:ext uri="{FF2B5EF4-FFF2-40B4-BE49-F238E27FC236}">
+                <a16:creationId xmlns:a16="http://schemas.microsoft.com/office/drawing/2014/main" id="{C40B182F-3B33-24A7-C213-66EDE1E53494}"/>
+              </a:ext>
+            </a:extLst>
+          </p:cNvPr>
+          <p:cNvPicPr>
+            <a:picLocks noChangeAspect="1"/>
+          </p:cNvPicPr>
+          <p:nvPr/>
+        </p:nvPicPr>
+        <p:blipFill>
+          <a:blip r:embed="rId3"/>
+          <a:stretch>
+            <a:fillRect/>
+          </a:stretch>
+        </p:blipFill>
+        <p:spPr>
+          <a:xfrm>
+            <a:off x="6946217" y="2003646"/>
+            <a:ext cx="4861177" cy="3932912"/>
+          </a:xfrm>
+          <a:prstGeom prst="rect">
+            <a:avLst/>
+          </a:prstGeom>
+        </p:spPr>
+      </p:pic>
+      <p:sp>
+        <p:nvSpPr>
+          <p:cNvPr id="44" name="文字方塊 43">
+            <a:extLst>
+              <a:ext uri="{FF2B5EF4-FFF2-40B4-BE49-F238E27FC236}">
+                <a16:creationId xmlns:a16="http://schemas.microsoft.com/office/drawing/2014/main" id="{E63BE3A7-78DE-1616-BB33-6BBA1BD6D0ED}"/>
+              </a:ext>
+            </a:extLst>
+          </p:cNvPr>
+          <p:cNvSpPr txBox="1"/>
+          <p:nvPr/>
+        </p:nvSpPr>
+        <p:spPr>
+          <a:xfrm>
+            <a:off x="7737574" y="5936558"/>
+            <a:ext cx="3278462" cy="369332"/>
+          </a:xfrm>
+          <a:prstGeom prst="rect">
+            <a:avLst/>
+          </a:prstGeom>
+          <a:noFill/>
+        </p:spPr>
+        <p:txBody>
+          <a:bodyPr wrap="none" rtlCol="0">
+            <a:spAutoFit/>
+          </a:bodyPr>
+          <a:lstStyle/>
+          <a:p>
+            <a:r>
+              <a:rPr lang="zh-TW" altLang="en-US" b="1" dirty="0"/>
+              <a:t>查看三個偵測器的</a:t>
+            </a:r>
+            <a:r>
+              <a:rPr lang="en-US" altLang="zh-TW" b="1" dirty="0"/>
+              <a:t>EQ</a:t>
+            </a:r>
+            <a:r>
+              <a:rPr lang="zh-TW" altLang="en-US" b="1" dirty="0"/>
+              <a:t>是否正確</a:t>
+            </a:r>
+          </a:p>
+        </p:txBody>
+      </p:sp>
+    </p:spTree>
+    <p:extLst>
+      <p:ext uri="{BB962C8B-B14F-4D97-AF65-F5344CB8AC3E}">
+        <p14:creationId xmlns:p14="http://schemas.microsoft.com/office/powerpoint/2010/main" val="2316565764"/>
+      </p:ext>
+    </p:extLst>
+  </p:cSld>
+  <p:clrMapOvr>
+    <a:masterClrMapping/>
+  </p:clrMapOvr>
+</p:sld>
+</file>
+
+<file path=ppt/slides/slide12.xml><?xml version="1.0" encoding="utf-8"?>
+<p:sld xmlns:a="http://schemas.openxmlformats.org/drawingml/2006/main" xmlns:r="http://schemas.openxmlformats.org/officeDocument/2006/relationships" xmlns:p="http://schemas.openxmlformats.org/presentationml/2006/main">
+  <p:cSld>
+    <p:spTree>
+      <p:nvGrpSpPr>
+        <p:cNvPr id="1" name=""/>
+        <p:cNvGrpSpPr/>
+        <p:nvPr/>
+      </p:nvGrpSpPr>
+      <p:grpSpPr>
+        <a:xfrm>
+          <a:off x="0" y="0"/>
+          <a:ext cx="0" cy="0"/>
+          <a:chOff x="0" y="0"/>
+          <a:chExt cx="0" cy="0"/>
+        </a:xfrm>
+      </p:grpSpPr>
+      <p:sp>
+        <p:nvSpPr>
+          <p:cNvPr id="2" name="標題 1">
+            <a:extLst>
+              <a:ext uri="{FF2B5EF4-FFF2-40B4-BE49-F238E27FC236}">
+                <a16:creationId xmlns:a16="http://schemas.microsoft.com/office/drawing/2014/main" id="{D9AB7535-4395-5CF0-C825-7186D87DB238}"/>
+              </a:ext>
+            </a:extLst>
+          </p:cNvPr>
+          <p:cNvSpPr>
+            <a:spLocks noGrp="1"/>
+          </p:cNvSpPr>
+          <p:nvPr>
+            <p:ph type="title"/>
+          </p:nvPr>
+        </p:nvSpPr>
+        <p:spPr>
+          <a:xfrm>
             <a:off x="1754460" y="596119"/>
             <a:ext cx="8911687" cy="1280890"/>
           </a:xfrm>
@@ -13727,7 +14681,7 @@
 </p:sld>
 </file>
 
-<file path=ppt/slides/slide11.xml><?xml version="1.0" encoding="utf-8"?>
+<file path=ppt/slides/slide13.xml><?xml version="1.0" encoding="utf-8"?>
 <p:sld xmlns:a="http://schemas.openxmlformats.org/drawingml/2006/main" xmlns:r="http://schemas.openxmlformats.org/officeDocument/2006/relationships" xmlns:p="http://schemas.openxmlformats.org/presentationml/2006/main">
   <p:cSld>
     <p:spTree>
@@ -13823,7 +14777,7 @@
 </p:sld>
 </file>
 
-<file path=ppt/slides/slide12.xml><?xml version="1.0" encoding="utf-8"?>
+<file path=ppt/slides/slide14.xml><?xml version="1.0" encoding="utf-8"?>
 <p:sld xmlns:a="http://schemas.openxmlformats.org/drawingml/2006/main" xmlns:r="http://schemas.openxmlformats.org/officeDocument/2006/relationships" xmlns:p="http://schemas.openxmlformats.org/presentationml/2006/main">
   <p:cSld>
     <p:spTree>
@@ -14076,88 +15030,25 @@
                 <a:latin typeface="華康細明體" panose="02020309000000000000" pitchFamily="49" charset="-120"/>
                 <a:ea typeface="華康細明體" panose="02020309000000000000" pitchFamily="49" charset="-120"/>
               </a:rPr>
-              <a:t>萬子謙：</a:t>
-            </a:r>
-            <a:r>
-              <a:rPr kumimoji="0" lang="zh-TW" altLang="en-US" sz="2800" b="0" i="0" u="none" strike="noStrike" kern="1200" cap="none" spc="0" normalizeH="0" baseline="0" noProof="0" dirty="0">
-                <a:ln>
-                  <a:noFill/>
-                </a:ln>
-                <a:effectLst/>
-                <a:uLnTx/>
-                <a:uFillTx/>
+              <a:t>萬子謙：嘗試分開</a:t>
+            </a:r>
+            <a:r>
+              <a:rPr lang="en-US" altLang="zh-TW" dirty="0" err="1">
                 <a:latin typeface="華康細明體" panose="02020309000000000000" pitchFamily="49" charset="-120"/>
                 <a:ea typeface="華康細明體" panose="02020309000000000000" pitchFamily="49" charset="-120"/>
-                <a:cs typeface="+mn-cs"/>
               </a:rPr>
-              <a:t>版本控制、修改</a:t>
-            </a:r>
-            <a:r>
-              <a:rPr kumimoji="0" lang="en-US" altLang="zh-TW" sz="2800" b="0" i="0" u="none" strike="noStrike" kern="1200" cap="none" spc="0" normalizeH="0" baseline="0" noProof="0" dirty="0">
-                <a:ln>
-                  <a:noFill/>
-                </a:ln>
-                <a:effectLst/>
-                <a:uLnTx/>
-                <a:uFillTx/>
+              <a:t>tx,rx,CFO</a:t>
+            </a:r>
+            <a:r>
+              <a:rPr lang="zh-TW" altLang="en-US" dirty="0">
                 <a:latin typeface="華康細明體" panose="02020309000000000000" pitchFamily="49" charset="-120"/>
                 <a:ea typeface="華康細明體" panose="02020309000000000000" pitchFamily="49" charset="-120"/>
-                <a:cs typeface="+mn-cs"/>
               </a:rPr>
-              <a:t>OFDM</a:t>
-            </a:r>
-            <a:r>
-              <a:rPr kumimoji="0" lang="zh-TW" altLang="en-US" sz="2800" b="0" i="0" u="none" strike="noStrike" kern="1200" cap="none" spc="0" normalizeH="0" baseline="0" noProof="0" dirty="0">
-                <a:ln>
-                  <a:noFill/>
-                </a:ln>
-                <a:effectLst/>
-                <a:uLnTx/>
-                <a:uFillTx/>
-                <a:latin typeface="華康細明體" panose="02020309000000000000" pitchFamily="49" charset="-120"/>
-                <a:ea typeface="華康細明體" panose="02020309000000000000" pitchFamily="49" charset="-120"/>
-                <a:cs typeface="+mn-cs"/>
-              </a:rPr>
-              <a:t>同步程式、創建</a:t>
-            </a:r>
-            <a:r>
-              <a:rPr kumimoji="0" lang="en-US" altLang="zh-TW" sz="2800" b="0" i="0" u="none" strike="noStrike" kern="1200" cap="none" spc="0" normalizeH="0" baseline="0" noProof="0" dirty="0">
-                <a:ln>
-                  <a:noFill/>
-                </a:ln>
-                <a:effectLst/>
-                <a:uLnTx/>
-                <a:uFillTx/>
-                <a:latin typeface="華康細明體" panose="02020309000000000000" pitchFamily="49" charset="-120"/>
-                <a:ea typeface="華康細明體" panose="02020309000000000000" pitchFamily="49" charset="-120"/>
-                <a:cs typeface="+mn-cs"/>
-              </a:rPr>
-              <a:t>.mat</a:t>
-            </a:r>
-            <a:r>
-              <a:rPr kumimoji="0" lang="zh-TW" altLang="en-US" sz="2800" b="0" i="0" u="none" strike="noStrike" kern="1200" cap="none" spc="0" normalizeH="0" baseline="0" noProof="0" dirty="0">
-                <a:ln>
-                  <a:noFill/>
-                </a:ln>
-                <a:effectLst/>
-                <a:uLnTx/>
-                <a:uFillTx/>
-                <a:latin typeface="華康細明體" panose="02020309000000000000" pitchFamily="49" charset="-120"/>
-                <a:ea typeface="華康細明體" panose="02020309000000000000" pitchFamily="49" charset="-120"/>
-                <a:cs typeface="+mn-cs"/>
-              </a:rPr>
-              <a:t>使資料能被保存</a:t>
-            </a:r>
-            <a:endParaRPr kumimoji="0" lang="en-US" altLang="zh-TW" sz="2800" b="0" i="0" u="none" strike="noStrike" kern="1200" cap="none" spc="0" normalizeH="0" baseline="0" noProof="0" dirty="0">
-              <a:ln>
-                <a:noFill/>
-              </a:ln>
-              <a:effectLst/>
-              <a:uLnTx/>
-              <a:uFillTx/>
+              <a:t>校正</a:t>
+            </a:r>
+            <a:endParaRPr lang="en-US" altLang="zh-TW" dirty="0">
               <a:latin typeface="華康細明體" panose="02020309000000000000" pitchFamily="49" charset="-120"/>
               <a:ea typeface="華康細明體" panose="02020309000000000000" pitchFamily="49" charset="-120"/>
-              <a:cs typeface="+mn-cs"/>
             </a:endParaRPr>
           </a:p>
           <a:p>
@@ -14344,90 +15235,6 @@
               </a:rPr>
               <a:t>陳軍銓：</a:t>
             </a:r>
-            <a:r>
-              <a:rPr kumimoji="0" lang="zh-TW" altLang="en-US" sz="2800" b="0" i="0" u="none" strike="noStrike" kern="1200" cap="none" spc="0" normalizeH="0" baseline="0" noProof="0" dirty="0">
-                <a:ln>
-                  <a:noFill/>
-                </a:ln>
-                <a:effectLst/>
-                <a:uLnTx/>
-                <a:uFillTx/>
-                <a:latin typeface="華康細明體" panose="02020309000000000000" pitchFamily="49" charset="-120"/>
-                <a:ea typeface="華康細明體" panose="02020309000000000000" pitchFamily="49" charset="-120"/>
-                <a:cs typeface="+mn-cs"/>
-              </a:rPr>
-              <a:t>新增</a:t>
-            </a:r>
-            <a:r>
-              <a:rPr kumimoji="0" lang="en-US" altLang="zh-TW" sz="2800" b="0" i="0" u="none" strike="noStrike" kern="1200" cap="none" spc="0" normalizeH="0" baseline="0" noProof="0" dirty="0" err="1">
-                <a:ln>
-                  <a:noFill/>
-                </a:ln>
-                <a:effectLst/>
-                <a:uLnTx/>
-                <a:uFillTx/>
-                <a:latin typeface="華康細明體" panose="02020309000000000000" pitchFamily="49" charset="-120"/>
-                <a:ea typeface="華康細明體" panose="02020309000000000000" pitchFamily="49" charset="-120"/>
-                <a:cs typeface="+mn-cs"/>
-              </a:rPr>
-              <a:t>BER.m</a:t>
-            </a:r>
-            <a:r>
-              <a:rPr kumimoji="0" lang="zh-TW" altLang="en-US" sz="2800" b="0" i="0" u="none" strike="noStrike" kern="1200" cap="none" spc="0" normalizeH="0" baseline="0" noProof="0" dirty="0">
-                <a:ln>
-                  <a:noFill/>
-                </a:ln>
-                <a:effectLst/>
-                <a:uLnTx/>
-                <a:uFillTx/>
-                <a:latin typeface="華康細明體" panose="02020309000000000000" pitchFamily="49" charset="-120"/>
-                <a:ea typeface="華康細明體" panose="02020309000000000000" pitchFamily="49" charset="-120"/>
-                <a:cs typeface="+mn-cs"/>
-              </a:rPr>
-              <a:t>、新增</a:t>
-            </a:r>
-            <a:r>
-              <a:rPr kumimoji="0" lang="en-US" altLang="zh-TW" sz="2800" b="0" i="0" u="none" strike="noStrike" kern="1200" cap="none" spc="0" normalizeH="0" baseline="0" noProof="0" dirty="0" err="1">
-                <a:ln>
-                  <a:noFill/>
-                </a:ln>
-                <a:effectLst/>
-                <a:uLnTx/>
-                <a:uFillTx/>
-                <a:latin typeface="華康細明體" panose="02020309000000000000" pitchFamily="49" charset="-120"/>
-                <a:ea typeface="華康細明體" panose="02020309000000000000" pitchFamily="49" charset="-120"/>
-                <a:cs typeface="+mn-cs"/>
-              </a:rPr>
-              <a:t>DataAnalysis.m</a:t>
-            </a:r>
-            <a:r>
-              <a:rPr kumimoji="0" lang="zh-TW" altLang="en-US" sz="2800" b="0" i="0" u="none" strike="noStrike" kern="1200" cap="none" spc="0" normalizeH="0" baseline="0" noProof="0" dirty="0">
-                <a:ln>
-                  <a:noFill/>
-                </a:ln>
-                <a:effectLst/>
-                <a:uLnTx/>
-                <a:uFillTx/>
-                <a:latin typeface="華康細明體" panose="02020309000000000000" pitchFamily="49" charset="-120"/>
-                <a:ea typeface="華康細明體" panose="02020309000000000000" pitchFamily="49" charset="-120"/>
-                <a:cs typeface="+mn-cs"/>
-              </a:rPr>
-              <a:t>、新增</a:t>
-            </a:r>
-            <a:r>
-              <a:rPr kumimoji="0" lang="en-US" altLang="zh-TW" sz="2800" b="0" i="0" u="none" strike="noStrike" kern="1200" cap="none" spc="0" normalizeH="0" baseline="0" noProof="0" dirty="0" err="1">
-                <a:ln>
-                  <a:noFill/>
-                </a:ln>
-                <a:effectLst/>
-                <a:uLnTx/>
-                <a:uFillTx/>
-                <a:latin typeface="華康細明體" panose="02020309000000000000" pitchFamily="49" charset="-120"/>
-                <a:ea typeface="華康細明體" panose="02020309000000000000" pitchFamily="49" charset="-120"/>
-                <a:cs typeface="+mn-cs"/>
-              </a:rPr>
-              <a:t>figplusfig.m</a:t>
-            </a:r>
             <a:endParaRPr kumimoji="0" lang="en-US" altLang="zh-TW" sz="2800" b="0" i="0" u="none" strike="noStrike" kern="1200" cap="none" spc="0" normalizeH="0" baseline="0" noProof="0" dirty="0">
               <a:ln>
                 <a:noFill/>
@@ -14447,35 +15254,21 @@
                 <a:latin typeface="華康細明體" panose="02020309000000000000" pitchFamily="49" charset="-120"/>
                 <a:ea typeface="華康細明體" panose="02020309000000000000" pitchFamily="49" charset="-120"/>
               </a:rPr>
-              <a:t>陳建霖</a:t>
-            </a:r>
-            <a:r>
-              <a:rPr lang="zh-TW" altLang="en-US" dirty="0" smtClean="0">
-                <a:latin typeface="華康細明體" panose="02020309000000000000" pitchFamily="49" charset="-120"/>
-                <a:ea typeface="華康細明體" panose="02020309000000000000" pitchFamily="49" charset="-120"/>
-              </a:rPr>
-              <a:t>：</a:t>
-            </a:r>
-            <a:endParaRPr lang="en-US" altLang="zh-TW" smtClean="0">
+              <a:t>陳建霖：</a:t>
+            </a:r>
+            <a:endParaRPr lang="en-US" altLang="zh-TW" dirty="0">
               <a:latin typeface="華康細明體" panose="02020309000000000000" pitchFamily="49" charset="-120"/>
               <a:ea typeface="華康細明體" panose="02020309000000000000" pitchFamily="49" charset="-120"/>
             </a:endParaRPr>
           </a:p>
           <a:p>
             <a:pPr lvl="0"/>
-            <a:r>
-              <a:rPr lang="zh-TW" altLang="en-US" smtClean="0">
-                <a:latin typeface="華康細明體" panose="02020309000000000000" pitchFamily="49" charset="-120"/>
-                <a:ea typeface="華康細明體" panose="02020309000000000000" pitchFamily="49" charset="-120"/>
-              </a:rPr>
-              <a:t>姚</a:t>
-            </a:r>
             <a:r>
               <a:rPr lang="zh-TW" altLang="en-US" dirty="0">
                 <a:latin typeface="華康細明體" panose="02020309000000000000" pitchFamily="49" charset="-120"/>
                 <a:ea typeface="華康細明體" panose="02020309000000000000" pitchFamily="49" charset="-120"/>
               </a:rPr>
-              <a:t>辰彥：</a:t>
+              <a:t>姚辰彥：</a:t>
             </a:r>
             <a:endParaRPr lang="en-US" altLang="zh-TW" dirty="0">
               <a:latin typeface="華康細明體" panose="02020309000000000000" pitchFamily="49" charset="-120"/>
@@ -14590,7 +15383,7 @@
 </p:sld>
 </file>
 
-<file path=ppt/slides/slide13.xml><?xml version="1.0" encoding="utf-8"?>
+<file path=ppt/slides/slide15.xml><?xml version="1.0" encoding="utf-8"?>
 <p:sld xmlns:a="http://schemas.openxmlformats.org/drawingml/2006/main" xmlns:r="http://schemas.openxmlformats.org/officeDocument/2006/relationships" xmlns:p="http://schemas.openxmlformats.org/presentationml/2006/main">
   <p:cSld>
     <p:spTree>
@@ -14683,7 +15476,7 @@
 </p:sld>
 </file>
 
-<file path=ppt/slides/slide14.xml><?xml version="1.0" encoding="utf-8"?>
+<file path=ppt/slides/slide16.xml><?xml version="1.0" encoding="utf-8"?>
 <p:sld xmlns:a="http://schemas.openxmlformats.org/drawingml/2006/main" xmlns:r="http://schemas.openxmlformats.org/officeDocument/2006/relationships" xmlns:p="http://schemas.openxmlformats.org/presentationml/2006/main">
   <p:cSld>
     <p:spTree>
@@ -15662,6 +16455,251 @@
           <p:cNvPr id="2" name="標題 1">
             <a:extLst>
               <a:ext uri="{FF2B5EF4-FFF2-40B4-BE49-F238E27FC236}">
+                <a16:creationId xmlns:a16="http://schemas.microsoft.com/office/drawing/2014/main" id="{5E72CE09-D82C-4A70-8081-9DE1F55F836A}"/>
+              </a:ext>
+            </a:extLst>
+          </p:cNvPr>
+          <p:cNvSpPr>
+            <a:spLocks noGrp="1"/>
+          </p:cNvSpPr>
+          <p:nvPr>
+            <p:ph type="title"/>
+          </p:nvPr>
+        </p:nvSpPr>
+        <p:spPr/>
+        <p:txBody>
+          <a:bodyPr/>
+          <a:lstStyle/>
+          <a:p>
+            <a:r>
+              <a:rPr lang="zh-TW" altLang="en-US" dirty="0"/>
+              <a:t>計劃緣由與目的</a:t>
+            </a:r>
+          </a:p>
+        </p:txBody>
+      </p:sp>
+      <p:sp>
+        <p:nvSpPr>
+          <p:cNvPr id="3" name="內容版面配置區 2">
+            <a:extLst>
+              <a:ext uri="{FF2B5EF4-FFF2-40B4-BE49-F238E27FC236}">
+                <a16:creationId xmlns:a16="http://schemas.microsoft.com/office/drawing/2014/main" id="{F970E2E5-4FDC-4518-A918-430EA81EEA57}"/>
+              </a:ext>
+            </a:extLst>
+          </p:cNvPr>
+          <p:cNvSpPr>
+            <a:spLocks noGrp="1"/>
+          </p:cNvSpPr>
+          <p:nvPr>
+            <p:ph idx="1"/>
+          </p:nvPr>
+        </p:nvSpPr>
+        <p:spPr>
+          <a:xfrm>
+            <a:off x="1849741" y="1831450"/>
+            <a:ext cx="8915400" cy="3777622"/>
+          </a:xfrm>
+        </p:spPr>
+        <p:txBody>
+          <a:bodyPr/>
+          <a:lstStyle/>
+          <a:p>
+            <a:r>
+              <a:rPr lang="zh-TW" altLang="en-US" sz="2800" dirty="0"/>
+              <a:t>隨著通信技術不斷的進步，從有線到無線通信，為了能夠節省有限的頻寬資源、提供高質量通信服務並能抵抗頻率選擇性衰減通道，運用軟體定義無線電（</a:t>
+            </a:r>
+            <a:r>
+              <a:rPr lang="en-US" altLang="zh-TW" sz="2800" dirty="0"/>
+              <a:t>Software Defined Radio</a:t>
+            </a:r>
+            <a:r>
+              <a:rPr lang="zh-TW" altLang="en-US" sz="2800" dirty="0"/>
+              <a:t>）實現正交分頻多工 </a:t>
+            </a:r>
+            <a:r>
+              <a:rPr lang="en-US" altLang="zh-TW" sz="2800" dirty="0"/>
+              <a:t>(Orthogonal frequency-division multiplexing)</a:t>
+            </a:r>
+            <a:r>
+              <a:rPr lang="zh-TW" altLang="en-US" sz="2800" dirty="0"/>
+              <a:t>技術。</a:t>
+            </a:r>
+          </a:p>
+          <a:p>
+            <a:endParaRPr lang="zh-TW" altLang="en-US" dirty="0"/>
+          </a:p>
+        </p:txBody>
+      </p:sp>
+    </p:spTree>
+    <p:extLst>
+      <p:ext uri="{BB962C8B-B14F-4D97-AF65-F5344CB8AC3E}">
+        <p14:creationId xmlns:p14="http://schemas.microsoft.com/office/powerpoint/2010/main" val="3722509208"/>
+      </p:ext>
+    </p:extLst>
+  </p:cSld>
+  <p:clrMapOvr>
+    <a:masterClrMapping/>
+  </p:clrMapOvr>
+</p:sld>
+</file>
+
+<file path=ppt/slides/slide4.xml><?xml version="1.0" encoding="utf-8"?>
+<p:sld xmlns:a="http://schemas.openxmlformats.org/drawingml/2006/main" xmlns:r="http://schemas.openxmlformats.org/officeDocument/2006/relationships" xmlns:p="http://schemas.openxmlformats.org/presentationml/2006/main">
+  <p:cSld>
+    <p:spTree>
+      <p:nvGrpSpPr>
+        <p:cNvPr id="1" name=""/>
+        <p:cNvGrpSpPr/>
+        <p:nvPr/>
+      </p:nvGrpSpPr>
+      <p:grpSpPr>
+        <a:xfrm>
+          <a:off x="0" y="0"/>
+          <a:ext cx="0" cy="0"/>
+          <a:chOff x="0" y="0"/>
+          <a:chExt cx="0" cy="0"/>
+        </a:xfrm>
+      </p:grpSpPr>
+      <p:sp>
+        <p:nvSpPr>
+          <p:cNvPr id="2" name="標題 1">
+            <a:extLst>
+              <a:ext uri="{FF2B5EF4-FFF2-40B4-BE49-F238E27FC236}">
+                <a16:creationId xmlns:a16="http://schemas.microsoft.com/office/drawing/2014/main" id="{474B63AF-A924-4671-9974-B3759C222033}"/>
+              </a:ext>
+            </a:extLst>
+          </p:cNvPr>
+          <p:cNvSpPr>
+            <a:spLocks noGrp="1"/>
+          </p:cNvSpPr>
+          <p:nvPr>
+            <p:ph type="title"/>
+          </p:nvPr>
+        </p:nvSpPr>
+        <p:spPr/>
+        <p:txBody>
+          <a:bodyPr/>
+          <a:lstStyle/>
+          <a:p>
+            <a:r>
+              <a:rPr lang="zh-TW" altLang="en-US" dirty="0">
+                <a:solidFill>
+                  <a:srgbClr val="FF0000"/>
+                </a:solidFill>
+                <a:latin typeface="華康超黑體" panose="020B0C09000000000000" pitchFamily="49" charset="-120"/>
+                <a:ea typeface="華康超黑體" panose="020B0C09000000000000" pitchFamily="49" charset="-120"/>
+              </a:rPr>
+              <a:t>序言</a:t>
+            </a:r>
+            <a:endParaRPr lang="zh-TW" altLang="en-US" dirty="0">
+              <a:solidFill>
+                <a:srgbClr val="FF0000"/>
+              </a:solidFill>
+            </a:endParaRPr>
+          </a:p>
+        </p:txBody>
+      </p:sp>
+      <p:sp>
+        <p:nvSpPr>
+          <p:cNvPr id="3" name="內容版面配置區 2">
+            <a:extLst>
+              <a:ext uri="{FF2B5EF4-FFF2-40B4-BE49-F238E27FC236}">
+                <a16:creationId xmlns:a16="http://schemas.microsoft.com/office/drawing/2014/main" id="{676FA00B-1E60-4B32-B7B6-99DAC511F213}"/>
+              </a:ext>
+            </a:extLst>
+          </p:cNvPr>
+          <p:cNvSpPr>
+            <a:spLocks noGrp="1"/>
+          </p:cNvSpPr>
+          <p:nvPr>
+            <p:ph idx="1"/>
+          </p:nvPr>
+        </p:nvSpPr>
+        <p:spPr>
+          <a:xfrm>
+            <a:off x="2207550" y="1736034"/>
+            <a:ext cx="8915400" cy="3777622"/>
+          </a:xfrm>
+        </p:spPr>
+        <p:txBody>
+          <a:bodyPr/>
+          <a:lstStyle/>
+          <a:p>
+            <a:r>
+              <a:rPr lang="zh-TW" altLang="en-US" sz="2800" dirty="0"/>
+              <a:t>本文介紹以</a:t>
+            </a:r>
+            <a:r>
+              <a:rPr lang="en-US" altLang="zh-TW" sz="2800" dirty="0"/>
+              <a:t>SDR</a:t>
+            </a:r>
+            <a:r>
+              <a:rPr lang="zh-TW" altLang="en-US" sz="2800" dirty="0"/>
+              <a:t>實現</a:t>
+            </a:r>
+            <a:r>
+              <a:rPr lang="en-US" altLang="zh-TW" sz="2800" dirty="0"/>
+              <a:t>OTSM</a:t>
+            </a:r>
+            <a:r>
+              <a:rPr lang="zh-TW" altLang="en-US" sz="2800" dirty="0"/>
+              <a:t>通訊無線技術的期末專題報告。</a:t>
+            </a:r>
+          </a:p>
+          <a:p>
+            <a:r>
+              <a:rPr lang="zh-TW" altLang="en-US" sz="2800" dirty="0"/>
+              <a:t>首先，我們將介紹一些基礎概念，並在中間比較與</a:t>
+            </a:r>
+            <a:r>
+              <a:rPr lang="en-US" altLang="zh-TW" sz="2800" dirty="0"/>
+              <a:t>OTSM</a:t>
+            </a:r>
+            <a:r>
+              <a:rPr lang="zh-TW" altLang="en-US" sz="2800" dirty="0"/>
+              <a:t>，最後展現成果與貢獻。</a:t>
+            </a:r>
+          </a:p>
+          <a:p>
+            <a:endParaRPr lang="zh-TW" altLang="en-US" dirty="0"/>
+          </a:p>
+        </p:txBody>
+      </p:sp>
+    </p:spTree>
+    <p:extLst>
+      <p:ext uri="{BB962C8B-B14F-4D97-AF65-F5344CB8AC3E}">
+        <p14:creationId xmlns:p14="http://schemas.microsoft.com/office/powerpoint/2010/main" val="1538785750"/>
+      </p:ext>
+    </p:extLst>
+  </p:cSld>
+  <p:clrMapOvr>
+    <a:masterClrMapping/>
+  </p:clrMapOvr>
+</p:sld>
+</file>
+
+<file path=ppt/slides/slide5.xml><?xml version="1.0" encoding="utf-8"?>
+<p:sld xmlns:a="http://schemas.openxmlformats.org/drawingml/2006/main" xmlns:r="http://schemas.openxmlformats.org/officeDocument/2006/relationships" xmlns:p="http://schemas.openxmlformats.org/presentationml/2006/main">
+  <p:cSld>
+    <p:spTree>
+      <p:nvGrpSpPr>
+        <p:cNvPr id="1" name=""/>
+        <p:cNvGrpSpPr/>
+        <p:nvPr/>
+      </p:nvGrpSpPr>
+      <p:grpSpPr>
+        <a:xfrm>
+          <a:off x="0" y="0"/>
+          <a:ext cx="0" cy="0"/>
+          <a:chOff x="0" y="0"/>
+          <a:chExt cx="0" cy="0"/>
+        </a:xfrm>
+      </p:grpSpPr>
+      <p:sp>
+        <p:nvSpPr>
+          <p:cNvPr id="2" name="標題 1">
+            <a:extLst>
+              <a:ext uri="{FF2B5EF4-FFF2-40B4-BE49-F238E27FC236}">
                 <a16:creationId xmlns:a16="http://schemas.microsoft.com/office/drawing/2014/main" id="{A20F942D-765C-4C4A-B743-47A3438CFE88}"/>
               </a:ext>
             </a:extLst>
@@ -15686,16 +16724,12 @@
           <a:lstStyle/>
           <a:p>
             <a:r>
-              <a:rPr lang="zh-TW" altLang="en-US" sz="4400" dirty="0" smtClean="0">
+              <a:rPr lang="zh-TW" altLang="en-US" sz="4400" dirty="0">
                 <a:latin typeface="華康POP1體W7" panose="040B0709000000000000" pitchFamily="81" charset="-120"/>
                 <a:ea typeface="華康POP1體W7" panose="040B0709000000000000" pitchFamily="81" charset="-120"/>
               </a:rPr>
               <a:t>傳送端</a:t>
             </a:r>
-            <a:endParaRPr lang="zh-TW" altLang="en-US" sz="4400" dirty="0">
-              <a:latin typeface="華康POP1體W7" panose="040B0709000000000000" pitchFamily="81" charset="-120"/>
-              <a:ea typeface="華康POP1體W7" panose="040B0709000000000000" pitchFamily="81" charset="-120"/>
-            </a:endParaRPr>
           </a:p>
         </p:txBody>
       </p:sp>
@@ -15743,7 +16777,7 @@
 </p:sld>
 </file>
 
-<file path=ppt/slides/slide4.xml><?xml version="1.0" encoding="utf-8"?>
+<file path=ppt/slides/slide6.xml><?xml version="1.0" encoding="utf-8"?>
 <p:sld xmlns:a="http://schemas.openxmlformats.org/drawingml/2006/main" xmlns:r="http://schemas.openxmlformats.org/officeDocument/2006/relationships" xmlns:p="http://schemas.openxmlformats.org/presentationml/2006/main">
   <p:cSld>
     <p:spTree>
@@ -15789,16 +16823,12 @@
           <a:lstStyle/>
           <a:p>
             <a:r>
-              <a:rPr lang="zh-TW" altLang="en-US" sz="4400" dirty="0" smtClean="0">
+              <a:rPr lang="zh-TW" altLang="en-US" sz="4400" dirty="0">
                 <a:latin typeface="華康POP1體W7" panose="040B0709000000000000" pitchFamily="81" charset="-120"/>
                 <a:ea typeface="華康POP1體W7" panose="040B0709000000000000" pitchFamily="81" charset="-120"/>
               </a:rPr>
               <a:t>傳送端</a:t>
             </a:r>
-            <a:endParaRPr lang="zh-TW" altLang="en-US" sz="4400" dirty="0">
-              <a:latin typeface="華康POP1體W7" panose="040B0709000000000000" pitchFamily="81" charset="-120"/>
-              <a:ea typeface="華康POP1體W7" panose="040B0709000000000000" pitchFamily="81" charset="-120"/>
-            </a:endParaRPr>
           </a:p>
         </p:txBody>
       </p:sp>
@@ -15832,14 +16862,14 @@
           <a:p>
             <a:pPr lvl="0"/>
             <a:r>
-              <a:rPr lang="zh-TW" altLang="en-US" dirty="0" smtClean="0">
+              <a:rPr lang="zh-TW" altLang="en-US" dirty="0">
                 <a:latin typeface="王漢宗綜藝體繁" panose="02000500000000000000" pitchFamily="2" charset="-120"/>
                 <a:ea typeface="王漢宗綜藝體繁" panose="02000500000000000000" pitchFamily="2" charset="-120"/>
               </a:rPr>
               <a:t>切割資料</a:t>
             </a:r>
             <a:r>
-              <a:rPr lang="en-US" altLang="zh-TW" dirty="0" smtClean="0">
+              <a:rPr lang="en-US" altLang="zh-TW" dirty="0">
                 <a:latin typeface="王漢宗綜藝體繁" panose="02000500000000000000" pitchFamily="2" charset="-120"/>
                 <a:ea typeface="王漢宗綜藝體繁" panose="02000500000000000000" pitchFamily="2" charset="-120"/>
               </a:rPr>
@@ -15886,17 +16916,10 @@
                 <a:latin typeface="王漢宗綜藝體繁" panose="02000500000000000000" pitchFamily="2" charset="-120"/>
                 <a:ea typeface="王漢宗綜藝體繁" panose="02000500000000000000" pitchFamily="2" charset="-120"/>
               </a:rPr>
-              <a:t>調</a:t>
-            </a:r>
-            <a:r>
-              <a:rPr lang="zh-TW" altLang="en-US" dirty="0" smtClean="0">
-                <a:latin typeface="王漢宗綜藝體繁" panose="02000500000000000000" pitchFamily="2" charset="-120"/>
-                <a:ea typeface="王漢宗綜藝體繁" panose="02000500000000000000" pitchFamily="2" charset="-120"/>
-              </a:rPr>
-              <a:t>變</a:t>
-            </a:r>
-            <a:r>
-              <a:rPr lang="en-US" altLang="zh-TW" dirty="0" smtClean="0">
+              <a:t>調變</a:t>
+            </a:r>
+            <a:r>
+              <a:rPr lang="en-US" altLang="zh-TW" dirty="0">
                 <a:latin typeface="王漢宗綜藝體繁" panose="02000500000000000000" pitchFamily="2" charset="-120"/>
                 <a:ea typeface="王漢宗綜藝體繁" panose="02000500000000000000" pitchFamily="2" charset="-120"/>
               </a:rPr>
@@ -15939,7 +16962,7 @@
           <a:p>
             <a:pPr lvl="0"/>
             <a:r>
-              <a:rPr lang="en-US" altLang="zh-TW" dirty="0" smtClean="0">
+              <a:rPr lang="en-US" altLang="zh-TW" dirty="0">
                 <a:latin typeface="王漢宗綜藝體繁" panose="02000500000000000000" pitchFamily="2" charset="-120"/>
                 <a:ea typeface="王漢宗綜藝體繁" panose="02000500000000000000" pitchFamily="2" charset="-120"/>
               </a:rPr>
@@ -15965,7 +16988,7 @@
 </p:sld>
 </file>
 
-<file path=ppt/slides/slide5.xml><?xml version="1.0" encoding="utf-8"?>
+<file path=ppt/slides/slide7.xml><?xml version="1.0" encoding="utf-8"?>
 <p:sld xmlns:a="http://schemas.openxmlformats.org/drawingml/2006/main" xmlns:r="http://schemas.openxmlformats.org/officeDocument/2006/relationships" xmlns:p="http://schemas.openxmlformats.org/presentationml/2006/main">
   <p:cSld>
     <p:spTree>
@@ -16149,16 +17172,6 @@
               </a:rPr>
               <a:t>)</a:t>
             </a:r>
-            <a:r>
-              <a:rPr lang="zh-TW" altLang="en-US" b="0" i="0" dirty="0">
-                <a:solidFill>
-                  <a:srgbClr val="000000"/>
-                </a:solidFill>
-                <a:effectLst/>
-                <a:latin typeface="Segoe UI" panose="020B0502040204020203" pitchFamily="34" charset="0"/>
-              </a:rPr>
-              <a:t/>
-            </a:r>
             <a:br>
               <a:rPr lang="zh-TW" altLang="en-US" b="0" i="0" dirty="0">
                 <a:solidFill>
@@ -16218,16 +17231,6 @@
               </a:rPr>
               <a:t>(65.1KSPS~61.44MSPS)</a:t>
             </a:r>
-            <a:r>
-              <a:rPr lang="en-US" altLang="zh-TW" b="0" i="0" dirty="0">
-                <a:solidFill>
-                  <a:srgbClr val="000000"/>
-                </a:solidFill>
-                <a:effectLst/>
-                <a:latin typeface="Segoe UI" panose="020B0502040204020203" pitchFamily="34" charset="0"/>
-              </a:rPr>
-              <a:t/>
-            </a:r>
             <a:br>
               <a:rPr lang="en-US" altLang="zh-TW" b="0" i="0" dirty="0">
                 <a:solidFill>
@@ -16287,16 +17290,6 @@
               </a:rPr>
               <a:t>(200KHZ~20MHZ)</a:t>
             </a:r>
-            <a:r>
-              <a:rPr lang="en-US" altLang="zh-TW" b="0" i="0" dirty="0">
-                <a:solidFill>
-                  <a:srgbClr val="000000"/>
-                </a:solidFill>
-                <a:effectLst/>
-                <a:latin typeface="Segoe UI" panose="020B0502040204020203" pitchFamily="34" charset="0"/>
-              </a:rPr>
-              <a:t/>
-            </a:r>
             <a:br>
               <a:rPr lang="en-US" altLang="zh-TW" b="0" i="0" dirty="0">
                 <a:solidFill>
@@ -16336,16 +17329,6 @@
               </a:rPr>
               <a:t>)</a:t>
             </a:r>
-            <a:r>
-              <a:rPr lang="zh-TW" altLang="en-US" b="0" i="0" dirty="0">
-                <a:solidFill>
-                  <a:srgbClr val="000000"/>
-                </a:solidFill>
-                <a:effectLst/>
-                <a:latin typeface="Segoe UI" panose="020B0502040204020203" pitchFamily="34" charset="0"/>
-              </a:rPr>
-              <a:t/>
-            </a:r>
             <a:br>
               <a:rPr lang="zh-TW" altLang="en-US" b="0" i="0" dirty="0">
                 <a:solidFill>
@@ -16405,16 +17388,6 @@
               </a:rPr>
               <a:t>74dBm)</a:t>
             </a:r>
-            <a:r>
-              <a:rPr lang="en-US" altLang="zh-TW" b="0" i="0" dirty="0">
-                <a:solidFill>
-                  <a:srgbClr val="000000"/>
-                </a:solidFill>
-                <a:effectLst/>
-                <a:latin typeface="Segoe UI" panose="020B0502040204020203" pitchFamily="34" charset="0"/>
-              </a:rPr>
-              <a:t/>
-            </a:r>
             <a:br>
               <a:rPr lang="en-US" altLang="zh-TW" b="0" i="0" dirty="0">
                 <a:solidFill>
@@ -16494,16 +17467,6 @@
               </a:rPr>
               <a:t>)</a:t>
             </a:r>
-            <a:r>
-              <a:rPr lang="zh-TW" altLang="en-US" b="0" i="0" dirty="0">
-                <a:solidFill>
-                  <a:srgbClr val="000000"/>
-                </a:solidFill>
-                <a:effectLst/>
-                <a:latin typeface="Segoe UI" panose="020B0502040204020203" pitchFamily="34" charset="0"/>
-              </a:rPr>
-              <a:t/>
-            </a:r>
             <a:br>
               <a:rPr lang="zh-TW" altLang="en-US" b="0" i="0" dirty="0">
                 <a:solidFill>
@@ -16563,16 +17526,6 @@
               </a:rPr>
               <a:t>(65.1KSPS~61.44MSPS)</a:t>
             </a:r>
-            <a:r>
-              <a:rPr lang="en-US" altLang="zh-TW" b="0" i="0" dirty="0">
-                <a:solidFill>
-                  <a:srgbClr val="000000"/>
-                </a:solidFill>
-                <a:effectLst/>
-                <a:latin typeface="Segoe UI" panose="020B0502040204020203" pitchFamily="34" charset="0"/>
-              </a:rPr>
-              <a:t/>
-            </a:r>
             <a:br>
               <a:rPr lang="en-US" altLang="zh-TW" b="0" i="0" dirty="0">
                 <a:solidFill>
@@ -16641,10 +17594,6 @@
             </a:endParaRPr>
           </a:p>
           <a:p>
-            <a:r>
-              <a:rPr lang="en-US" altLang="zh-TW" dirty="0"/>
-              <a:t/>
-            </a:r>
             <a:br>
               <a:rPr lang="en-US" altLang="zh-TW" dirty="0"/>
             </a:br>
@@ -16665,7 +17614,7 @@
 </p:sld>
 </file>
 
-<file path=ppt/slides/slide6.xml><?xml version="1.0" encoding="utf-8"?>
+<file path=ppt/slides/slide8.xml><?xml version="1.0" encoding="utf-8"?>
 <p:sld xmlns:a="http://schemas.openxmlformats.org/drawingml/2006/main" xmlns:r="http://schemas.openxmlformats.org/officeDocument/2006/relationships" xmlns:p="http://schemas.openxmlformats.org/presentationml/2006/main">
   <p:cSld>
     <p:spTree>
@@ -16816,7 +17765,7 @@
 </p:sld>
 </file>
 
-<file path=ppt/slides/slide7.xml><?xml version="1.0" encoding="utf-8"?>
+<file path=ppt/slides/slide9.xml><?xml version="1.0" encoding="utf-8"?>
 <p:sld xmlns:a="http://schemas.openxmlformats.org/drawingml/2006/main" xmlns:r="http://schemas.openxmlformats.org/officeDocument/2006/relationships" xmlns:p="http://schemas.openxmlformats.org/presentationml/2006/main">
   <p:cSld>
     <p:spTree>
@@ -17157,1090 +18106,6 @@
     <p:extLst>
       <p:ext uri="{BB962C8B-B14F-4D97-AF65-F5344CB8AC3E}">
         <p14:creationId xmlns:p14="http://schemas.microsoft.com/office/powerpoint/2010/main" val="2884675579"/>
-      </p:ext>
-    </p:extLst>
-  </p:cSld>
-  <p:clrMapOvr>
-    <a:masterClrMapping/>
-  </p:clrMapOvr>
-</p:sld>
-</file>
-
-<file path=ppt/slides/slide8.xml><?xml version="1.0" encoding="utf-8"?>
-<p:sld xmlns:a="http://schemas.openxmlformats.org/drawingml/2006/main" xmlns:r="http://schemas.openxmlformats.org/officeDocument/2006/relationships" xmlns:p="http://schemas.openxmlformats.org/presentationml/2006/main">
-  <p:cSld>
-    <p:spTree>
-      <p:nvGrpSpPr>
-        <p:cNvPr id="1" name=""/>
-        <p:cNvGrpSpPr/>
-        <p:nvPr/>
-      </p:nvGrpSpPr>
-      <p:grpSpPr>
-        <a:xfrm>
-          <a:off x="0" y="0"/>
-          <a:ext cx="0" cy="0"/>
-          <a:chOff x="0" y="0"/>
-          <a:chExt cx="0" cy="0"/>
-        </a:xfrm>
-      </p:grpSpPr>
-      <p:sp>
-        <p:nvSpPr>
-          <p:cNvPr id="2" name="標題 1">
-            <a:extLst>
-              <a:ext uri="{FF2B5EF4-FFF2-40B4-BE49-F238E27FC236}">
-                <a16:creationId xmlns:a16="http://schemas.microsoft.com/office/drawing/2014/main" id="{D9AB7535-4395-5CF0-C825-7186D87DB238}"/>
-              </a:ext>
-            </a:extLst>
-          </p:cNvPr>
-          <p:cNvSpPr>
-            <a:spLocks noGrp="1"/>
-          </p:cNvSpPr>
-          <p:nvPr>
-            <p:ph type="title"/>
-          </p:nvPr>
-        </p:nvSpPr>
-        <p:spPr>
-          <a:xfrm>
-            <a:off x="1754460" y="667559"/>
-            <a:ext cx="8911687" cy="1280890"/>
-          </a:xfrm>
-        </p:spPr>
-        <p:txBody>
-          <a:bodyPr>
-            <a:normAutofit/>
-          </a:bodyPr>
-          <a:lstStyle/>
-          <a:p>
-            <a:r>
-              <a:rPr lang="zh-TW" altLang="en-US" sz="4400" dirty="0">
-                <a:latin typeface="華康POP1體W7" panose="040B0709000000000000" pitchFamily="81" charset="-120"/>
-                <a:ea typeface="華康POP1體W7" panose="040B0709000000000000" pitchFamily="81" charset="-120"/>
-              </a:rPr>
-              <a:t>接收端</a:t>
-            </a:r>
-          </a:p>
-        </p:txBody>
-      </p:sp>
-      <p:sp>
-        <p:nvSpPr>
-          <p:cNvPr id="10" name="文字方塊 9">
-            <a:extLst>
-              <a:ext uri="{FF2B5EF4-FFF2-40B4-BE49-F238E27FC236}">
-                <a16:creationId xmlns:a16="http://schemas.microsoft.com/office/drawing/2014/main" id="{EAE97084-65C7-6570-573F-B70A3BE7C9C5}"/>
-              </a:ext>
-            </a:extLst>
-          </p:cNvPr>
-          <p:cNvSpPr txBox="1"/>
-          <p:nvPr/>
-        </p:nvSpPr>
-        <p:spPr>
-          <a:xfrm>
-            <a:off x="560210" y="1715485"/>
-            <a:ext cx="6097554" cy="369332"/>
-          </a:xfrm>
-          <a:prstGeom prst="rect">
-            <a:avLst/>
-          </a:prstGeom>
-          <a:noFill/>
-        </p:spPr>
-        <p:txBody>
-          <a:bodyPr wrap="square">
-            <a:spAutoFit/>
-          </a:bodyPr>
-          <a:lstStyle/>
-          <a:p>
-            <a:r>
-              <a:rPr lang="zh-TW" altLang="en-US" dirty="0">
-                <a:latin typeface="王漢宗綜藝體繁" panose="02000500000000000000" pitchFamily="2" charset="-120"/>
-                <a:ea typeface="王漢宗綜藝體繁" panose="02000500000000000000" pitchFamily="2" charset="-120"/>
-              </a:rPr>
-              <a:t>通道估測</a:t>
-            </a:r>
-            <a:r>
-              <a:rPr lang="en-US" altLang="zh-TW" dirty="0">
-                <a:latin typeface="王漢宗綜藝體繁" panose="02000500000000000000" pitchFamily="2" charset="-120"/>
-                <a:ea typeface="王漢宗綜藝體繁" panose="02000500000000000000" pitchFamily="2" charset="-120"/>
-              </a:rPr>
-              <a:t>:</a:t>
-            </a:r>
-            <a:endParaRPr lang="zh-TW" altLang="en-US" dirty="0">
-              <a:latin typeface="王漢宗綜藝體繁" panose="02000500000000000000" pitchFamily="2" charset="-120"/>
-              <a:ea typeface="王漢宗綜藝體繁" panose="02000500000000000000" pitchFamily="2" charset="-120"/>
-            </a:endParaRPr>
-          </a:p>
-        </p:txBody>
-      </p:sp>
-      <p:pic>
-        <p:nvPicPr>
-          <p:cNvPr id="23" name="圖片 22">
-            <a:extLst>
-              <a:ext uri="{FF2B5EF4-FFF2-40B4-BE49-F238E27FC236}">
-                <a16:creationId xmlns:a16="http://schemas.microsoft.com/office/drawing/2014/main" id="{0540582C-40A8-5F95-0F10-3F010331678B}"/>
-              </a:ext>
-            </a:extLst>
-          </p:cNvPr>
-          <p:cNvPicPr>
-            <a:picLocks noChangeAspect="1"/>
-          </p:cNvPicPr>
-          <p:nvPr/>
-        </p:nvPicPr>
-        <p:blipFill>
-          <a:blip r:embed="rId2"/>
-          <a:stretch>
-            <a:fillRect/>
-          </a:stretch>
-        </p:blipFill>
-        <p:spPr>
-          <a:xfrm>
-            <a:off x="2026596" y="1909254"/>
-            <a:ext cx="1558435" cy="2157039"/>
-          </a:xfrm>
-          <a:prstGeom prst="rect">
-            <a:avLst/>
-          </a:prstGeom>
-        </p:spPr>
-      </p:pic>
-      <p:sp>
-        <p:nvSpPr>
-          <p:cNvPr id="24" name="文字方塊 23">
-            <a:extLst>
-              <a:ext uri="{FF2B5EF4-FFF2-40B4-BE49-F238E27FC236}">
-                <a16:creationId xmlns:a16="http://schemas.microsoft.com/office/drawing/2014/main" id="{733634E0-2EBF-CE50-404E-038A0F79B7EC}"/>
-              </a:ext>
-            </a:extLst>
-          </p:cNvPr>
-          <p:cNvSpPr txBox="1"/>
-          <p:nvPr/>
-        </p:nvSpPr>
-        <p:spPr>
-          <a:xfrm>
-            <a:off x="3819373" y="2657394"/>
-            <a:ext cx="1992853" cy="369332"/>
-          </a:xfrm>
-          <a:prstGeom prst="rect">
-            <a:avLst/>
-          </a:prstGeom>
-          <a:noFill/>
-        </p:spPr>
-        <p:txBody>
-          <a:bodyPr wrap="none" rtlCol="0">
-            <a:spAutoFit/>
-          </a:bodyPr>
-          <a:lstStyle/>
-          <a:p>
-            <a:r>
-              <a:rPr lang="en-US" altLang="zh-TW" dirty="0">
-                <a:latin typeface="王漢宗特黑體繁" panose="02000500000000000000" pitchFamily="2" charset="-120"/>
-                <a:ea typeface="王漢宗特黑體繁" panose="02000500000000000000" pitchFamily="2" charset="-120"/>
-              </a:rPr>
-              <a:t>1.</a:t>
-            </a:r>
-            <a:r>
-              <a:rPr lang="zh-TW" altLang="en-US" dirty="0">
-                <a:latin typeface="王漢宗特黑體繁" panose="02000500000000000000" pitchFamily="2" charset="-120"/>
-                <a:ea typeface="王漢宗特黑體繁" panose="02000500000000000000" pitchFamily="2" charset="-120"/>
-              </a:rPr>
-              <a:t>先算出通道估測</a:t>
-            </a:r>
-          </a:p>
-        </p:txBody>
-      </p:sp>
-      <p:pic>
-        <p:nvPicPr>
-          <p:cNvPr id="26" name="圖片 25">
-            <a:extLst>
-              <a:ext uri="{FF2B5EF4-FFF2-40B4-BE49-F238E27FC236}">
-                <a16:creationId xmlns:a16="http://schemas.microsoft.com/office/drawing/2014/main" id="{1B15FD57-A247-6873-179B-F099B9EEEF8A}"/>
-              </a:ext>
-            </a:extLst>
-          </p:cNvPr>
-          <p:cNvPicPr>
-            <a:picLocks noChangeAspect="1"/>
-          </p:cNvPicPr>
-          <p:nvPr/>
-        </p:nvPicPr>
-        <p:blipFill>
-          <a:blip r:embed="rId3"/>
-          <a:stretch>
-            <a:fillRect/>
-          </a:stretch>
-        </p:blipFill>
-        <p:spPr>
-          <a:xfrm>
-            <a:off x="558357" y="4823536"/>
-            <a:ext cx="1524213" cy="1590897"/>
-          </a:xfrm>
-          <a:prstGeom prst="rect">
-            <a:avLst/>
-          </a:prstGeom>
-        </p:spPr>
-      </p:pic>
-      <p:pic>
-        <p:nvPicPr>
-          <p:cNvPr id="4" name="圖片 3">
-            <a:extLst>
-              <a:ext uri="{FF2B5EF4-FFF2-40B4-BE49-F238E27FC236}">
-                <a16:creationId xmlns:a16="http://schemas.microsoft.com/office/drawing/2014/main" id="{A3F473E8-19D7-535B-49A3-F811C4CB995B}"/>
-              </a:ext>
-            </a:extLst>
-          </p:cNvPr>
-          <p:cNvPicPr>
-            <a:picLocks noChangeAspect="1"/>
-          </p:cNvPicPr>
-          <p:nvPr/>
-        </p:nvPicPr>
-        <p:blipFill>
-          <a:blip r:embed="rId4"/>
-          <a:stretch>
-            <a:fillRect/>
-          </a:stretch>
-        </p:blipFill>
-        <p:spPr>
-          <a:xfrm>
-            <a:off x="2620645" y="4794957"/>
-            <a:ext cx="1562318" cy="1619476"/>
-          </a:xfrm>
-          <a:prstGeom prst="rect">
-            <a:avLst/>
-          </a:prstGeom>
-        </p:spPr>
-      </p:pic>
-      <p:sp>
-        <p:nvSpPr>
-          <p:cNvPr id="5" name="箭號: 向右 4">
-            <a:extLst>
-              <a:ext uri="{FF2B5EF4-FFF2-40B4-BE49-F238E27FC236}">
-                <a16:creationId xmlns:a16="http://schemas.microsoft.com/office/drawing/2014/main" id="{5369D188-2A48-8F41-2889-051875C0958C}"/>
-              </a:ext>
-            </a:extLst>
-          </p:cNvPr>
-          <p:cNvSpPr/>
-          <p:nvPr/>
-        </p:nvSpPr>
-        <p:spPr>
-          <a:xfrm>
-            <a:off x="2082570" y="5494668"/>
-            <a:ext cx="538075" cy="220053"/>
-          </a:xfrm>
-          <a:prstGeom prst="rightArrow">
-            <a:avLst/>
-          </a:prstGeom>
-          <a:solidFill>
-            <a:schemeClr val="bg2">
-              <a:lumMod val="50000"/>
-            </a:schemeClr>
-          </a:solidFill>
-          <a:ln>
-            <a:noFill/>
-          </a:ln>
-        </p:spPr>
-        <p:style>
-          <a:lnRef idx="2">
-            <a:schemeClr val="accent6">
-              <a:shade val="15000"/>
-            </a:schemeClr>
-          </a:lnRef>
-          <a:fillRef idx="1">
-            <a:schemeClr val="accent6"/>
-          </a:fillRef>
-          <a:effectRef idx="0">
-            <a:schemeClr val="accent6"/>
-          </a:effectRef>
-          <a:fontRef idx="minor">
-            <a:schemeClr val="lt1"/>
-          </a:fontRef>
-        </p:style>
-        <p:txBody>
-          <a:bodyPr rtlCol="0" anchor="ctr"/>
-          <a:lstStyle/>
-          <a:p>
-            <a:pPr algn="ctr"/>
-            <a:endParaRPr lang="zh-TW" altLang="en-US"/>
-          </a:p>
-        </p:txBody>
-      </p:sp>
-      <p:sp>
-        <p:nvSpPr>
-          <p:cNvPr id="7" name="文字方塊 6">
-            <a:extLst>
-              <a:ext uri="{FF2B5EF4-FFF2-40B4-BE49-F238E27FC236}">
-                <a16:creationId xmlns:a16="http://schemas.microsoft.com/office/drawing/2014/main" id="{D15FA7AA-2EE9-EB36-4EB2-58C95C79BFDC}"/>
-              </a:ext>
-            </a:extLst>
-          </p:cNvPr>
-          <p:cNvSpPr txBox="1"/>
-          <p:nvPr/>
-        </p:nvSpPr>
-        <p:spPr>
-          <a:xfrm>
-            <a:off x="4144858" y="5413472"/>
-            <a:ext cx="1558440" cy="369332"/>
-          </a:xfrm>
-          <a:prstGeom prst="rect">
-            <a:avLst/>
-          </a:prstGeom>
-          <a:noFill/>
-        </p:spPr>
-        <p:txBody>
-          <a:bodyPr wrap="none" rtlCol="0">
-            <a:spAutoFit/>
-          </a:bodyPr>
-          <a:lstStyle/>
-          <a:p>
-            <a:r>
-              <a:rPr lang="en-US" altLang="zh-TW" dirty="0">
-                <a:latin typeface="王漢宗特黑體繁" panose="02000500000000000000" pitchFamily="2" charset="-120"/>
-                <a:ea typeface="王漢宗特黑體繁" panose="02000500000000000000" pitchFamily="2" charset="-120"/>
-              </a:rPr>
-              <a:t>2.</a:t>
-            </a:r>
-            <a:r>
-              <a:rPr lang="zh-TW" altLang="en-US" dirty="0">
-                <a:latin typeface="王漢宗特黑體繁" panose="02000500000000000000" pitchFamily="2" charset="-120"/>
-                <a:ea typeface="王漢宗特黑體繁" panose="02000500000000000000" pitchFamily="2" charset="-120"/>
-              </a:rPr>
-              <a:t>做</a:t>
-            </a:r>
-            <a:r>
-              <a:rPr lang="en-US" altLang="zh-TW" dirty="0">
-                <a:latin typeface="王漢宗特黑體繁" panose="02000500000000000000" pitchFamily="2" charset="-120"/>
-                <a:ea typeface="王漢宗特黑體繁" panose="02000500000000000000" pitchFamily="2" charset="-120"/>
-              </a:rPr>
-              <a:t>CFO</a:t>
-            </a:r>
-            <a:r>
-              <a:rPr lang="zh-TW" altLang="en-US" dirty="0">
-                <a:latin typeface="王漢宗特黑體繁" panose="02000500000000000000" pitchFamily="2" charset="-120"/>
-                <a:ea typeface="王漢宗特黑體繁" panose="02000500000000000000" pitchFamily="2" charset="-120"/>
-              </a:rPr>
-              <a:t>校正</a:t>
-            </a:r>
-          </a:p>
-        </p:txBody>
-      </p:sp>
-      <p:sp>
-        <p:nvSpPr>
-          <p:cNvPr id="11" name="文字方塊 10">
-            <a:extLst>
-              <a:ext uri="{FF2B5EF4-FFF2-40B4-BE49-F238E27FC236}">
-                <a16:creationId xmlns:a16="http://schemas.microsoft.com/office/drawing/2014/main" id="{7B360480-C0C0-7BAD-2E53-3DE153A172A5}"/>
-              </a:ext>
-            </a:extLst>
-          </p:cNvPr>
-          <p:cNvSpPr txBox="1"/>
-          <p:nvPr/>
-        </p:nvSpPr>
-        <p:spPr>
-          <a:xfrm>
-            <a:off x="5745708" y="1877009"/>
-            <a:ext cx="1167305" cy="3939540"/>
-          </a:xfrm>
-          <a:prstGeom prst="rect">
-            <a:avLst/>
-          </a:prstGeom>
-          <a:noFill/>
-        </p:spPr>
-        <p:txBody>
-          <a:bodyPr wrap="square" rtlCol="0">
-            <a:spAutoFit/>
-          </a:bodyPr>
-          <a:lstStyle/>
-          <a:p>
-            <a:r>
-              <a:rPr lang="en-US" altLang="zh-TW" sz="25000" dirty="0"/>
-              <a:t>}</a:t>
-            </a:r>
-            <a:endParaRPr lang="zh-TW" altLang="en-US" sz="25000" dirty="0"/>
-          </a:p>
-        </p:txBody>
-      </p:sp>
-      <p:sp>
-        <p:nvSpPr>
-          <p:cNvPr id="14" name="文字方塊 13">
-            <a:extLst>
-              <a:ext uri="{FF2B5EF4-FFF2-40B4-BE49-F238E27FC236}">
-                <a16:creationId xmlns:a16="http://schemas.microsoft.com/office/drawing/2014/main" id="{E7AA1716-82CD-F7B5-E35C-764B1630A783}"/>
-              </a:ext>
-            </a:extLst>
-          </p:cNvPr>
-          <p:cNvSpPr txBox="1"/>
-          <p:nvPr/>
-        </p:nvSpPr>
-        <p:spPr>
-          <a:xfrm>
-            <a:off x="6913013" y="4066293"/>
-            <a:ext cx="1766830" cy="369332"/>
-          </a:xfrm>
-          <a:prstGeom prst="rect">
-            <a:avLst/>
-          </a:prstGeom>
-          <a:noFill/>
-        </p:spPr>
-        <p:txBody>
-          <a:bodyPr wrap="none" rtlCol="0">
-            <a:spAutoFit/>
-          </a:bodyPr>
-          <a:lstStyle/>
-          <a:p>
-            <a:r>
-              <a:rPr lang="en-US" altLang="zh-TW" dirty="0">
-                <a:latin typeface="王漢宗特黑體繁" panose="02000500000000000000" pitchFamily="2" charset="-120"/>
-                <a:ea typeface="王漢宗特黑體繁" panose="02000500000000000000" pitchFamily="2" charset="-120"/>
-              </a:rPr>
-              <a:t>3.</a:t>
-            </a:r>
-            <a:r>
-              <a:rPr lang="zh-TW" altLang="en-US" dirty="0">
-                <a:latin typeface="王漢宗特黑體繁" panose="02000500000000000000" pitchFamily="2" charset="-120"/>
-                <a:ea typeface="王漢宗特黑體繁" panose="02000500000000000000" pitchFamily="2" charset="-120"/>
-              </a:rPr>
-              <a:t>測試是否成功</a:t>
-            </a:r>
-          </a:p>
-        </p:txBody>
-      </p:sp>
-      <p:pic>
-        <p:nvPicPr>
-          <p:cNvPr id="19" name="圖片 18">
-            <a:extLst>
-              <a:ext uri="{FF2B5EF4-FFF2-40B4-BE49-F238E27FC236}">
-                <a16:creationId xmlns:a16="http://schemas.microsoft.com/office/drawing/2014/main" id="{08B7EDEF-D278-83D9-5A58-865105A25D39}"/>
-              </a:ext>
-            </a:extLst>
-          </p:cNvPr>
-          <p:cNvPicPr>
-            <a:picLocks noChangeAspect="1"/>
-          </p:cNvPicPr>
-          <p:nvPr/>
-        </p:nvPicPr>
-        <p:blipFill>
-          <a:blip r:embed="rId5"/>
-          <a:stretch>
-            <a:fillRect/>
-          </a:stretch>
-        </p:blipFill>
-        <p:spPr>
-          <a:xfrm>
-            <a:off x="9323090" y="1688173"/>
-            <a:ext cx="1766830" cy="1948044"/>
-          </a:xfrm>
-          <a:prstGeom prst="rect">
-            <a:avLst/>
-          </a:prstGeom>
-        </p:spPr>
-      </p:pic>
-      <p:sp>
-        <p:nvSpPr>
-          <p:cNvPr id="20" name="文字方塊 19">
-            <a:extLst>
-              <a:ext uri="{FF2B5EF4-FFF2-40B4-BE49-F238E27FC236}">
-                <a16:creationId xmlns:a16="http://schemas.microsoft.com/office/drawing/2014/main" id="{A3A93B62-AC8D-3A28-0BA0-A287363EA363}"/>
-              </a:ext>
-            </a:extLst>
-          </p:cNvPr>
-          <p:cNvSpPr txBox="1"/>
-          <p:nvPr/>
-        </p:nvSpPr>
-        <p:spPr>
-          <a:xfrm>
-            <a:off x="8890118" y="1185751"/>
-            <a:ext cx="865943" cy="461665"/>
-          </a:xfrm>
-          <a:prstGeom prst="rect">
-            <a:avLst/>
-          </a:prstGeom>
-          <a:noFill/>
-        </p:spPr>
-        <p:txBody>
-          <a:bodyPr wrap="none" rtlCol="0">
-            <a:spAutoFit/>
-          </a:bodyPr>
-          <a:lstStyle/>
-          <a:p>
-            <a:r>
-              <a:rPr lang="zh-TW" altLang="en-US" sz="2400" dirty="0">
-                <a:solidFill>
-                  <a:srgbClr val="00B050"/>
-                </a:solidFill>
-                <a:latin typeface="王漢宗特黑體繁" panose="02000500000000000000" pitchFamily="2" charset="-120"/>
-                <a:ea typeface="王漢宗特黑體繁" panose="02000500000000000000" pitchFamily="2" charset="-120"/>
-              </a:rPr>
-              <a:t>成功</a:t>
-            </a:r>
-            <a:r>
-              <a:rPr lang="en-US" altLang="zh-TW" sz="2400" dirty="0">
-                <a:solidFill>
-                  <a:srgbClr val="00B050"/>
-                </a:solidFill>
-                <a:latin typeface="王漢宗特黑體繁" panose="02000500000000000000" pitchFamily="2" charset="-120"/>
-                <a:ea typeface="王漢宗特黑體繁" panose="02000500000000000000" pitchFamily="2" charset="-120"/>
-              </a:rPr>
-              <a:t>:</a:t>
-            </a:r>
-            <a:endParaRPr lang="zh-TW" altLang="en-US" sz="2400" dirty="0">
-              <a:solidFill>
-                <a:srgbClr val="00B050"/>
-              </a:solidFill>
-              <a:latin typeface="王漢宗特黑體繁" panose="02000500000000000000" pitchFamily="2" charset="-120"/>
-              <a:ea typeface="王漢宗特黑體繁" panose="02000500000000000000" pitchFamily="2" charset="-120"/>
-            </a:endParaRPr>
-          </a:p>
-        </p:txBody>
-      </p:sp>
-      <p:sp>
-        <p:nvSpPr>
-          <p:cNvPr id="21" name="文字方塊 20">
-            <a:extLst>
-              <a:ext uri="{FF2B5EF4-FFF2-40B4-BE49-F238E27FC236}">
-                <a16:creationId xmlns:a16="http://schemas.microsoft.com/office/drawing/2014/main" id="{60747167-C9E5-465B-1F76-039B70D6A3C4}"/>
-              </a:ext>
-            </a:extLst>
-          </p:cNvPr>
-          <p:cNvSpPr txBox="1"/>
-          <p:nvPr/>
-        </p:nvSpPr>
-        <p:spPr>
-          <a:xfrm>
-            <a:off x="8890117" y="3720238"/>
-            <a:ext cx="865943" cy="461665"/>
-          </a:xfrm>
-          <a:prstGeom prst="rect">
-            <a:avLst/>
-          </a:prstGeom>
-          <a:noFill/>
-        </p:spPr>
-        <p:txBody>
-          <a:bodyPr wrap="none" rtlCol="0">
-            <a:spAutoFit/>
-          </a:bodyPr>
-          <a:lstStyle/>
-          <a:p>
-            <a:r>
-              <a:rPr lang="zh-TW" altLang="en-US" sz="2400" dirty="0">
-                <a:solidFill>
-                  <a:srgbClr val="FF0000"/>
-                </a:solidFill>
-                <a:latin typeface="王漢宗特黑體繁" panose="02000500000000000000" pitchFamily="2" charset="-120"/>
-                <a:ea typeface="王漢宗特黑體繁" panose="02000500000000000000" pitchFamily="2" charset="-120"/>
-              </a:rPr>
-              <a:t>失敗</a:t>
-            </a:r>
-            <a:r>
-              <a:rPr lang="en-US" altLang="zh-TW" sz="2400" dirty="0">
-                <a:solidFill>
-                  <a:srgbClr val="FF0000"/>
-                </a:solidFill>
-                <a:latin typeface="王漢宗特黑體繁" panose="02000500000000000000" pitchFamily="2" charset="-120"/>
-                <a:ea typeface="王漢宗特黑體繁" panose="02000500000000000000" pitchFamily="2" charset="-120"/>
-              </a:rPr>
-              <a:t>:</a:t>
-            </a:r>
-            <a:endParaRPr lang="zh-TW" altLang="en-US" sz="2400" dirty="0">
-              <a:solidFill>
-                <a:srgbClr val="FF0000"/>
-              </a:solidFill>
-              <a:latin typeface="王漢宗特黑體繁" panose="02000500000000000000" pitchFamily="2" charset="-120"/>
-              <a:ea typeface="王漢宗特黑體繁" panose="02000500000000000000" pitchFamily="2" charset="-120"/>
-            </a:endParaRPr>
-          </a:p>
-        </p:txBody>
-      </p:sp>
-      <p:pic>
-        <p:nvPicPr>
-          <p:cNvPr id="25" name="圖片 24">
-            <a:extLst>
-              <a:ext uri="{FF2B5EF4-FFF2-40B4-BE49-F238E27FC236}">
-                <a16:creationId xmlns:a16="http://schemas.microsoft.com/office/drawing/2014/main" id="{D410175B-0325-16B7-2AC4-E29858844CA8}"/>
-              </a:ext>
-            </a:extLst>
-          </p:cNvPr>
-          <p:cNvPicPr>
-            <a:picLocks noChangeAspect="1"/>
-          </p:cNvPicPr>
-          <p:nvPr/>
-        </p:nvPicPr>
-        <p:blipFill>
-          <a:blip r:embed="rId6"/>
-          <a:stretch>
-            <a:fillRect/>
-          </a:stretch>
-        </p:blipFill>
-        <p:spPr>
-          <a:xfrm>
-            <a:off x="9323088" y="4244297"/>
-            <a:ext cx="1766830" cy="2012844"/>
-          </a:xfrm>
-          <a:prstGeom prst="rect">
-            <a:avLst/>
-          </a:prstGeom>
-        </p:spPr>
-      </p:pic>
-    </p:spTree>
-    <p:extLst>
-      <p:ext uri="{BB962C8B-B14F-4D97-AF65-F5344CB8AC3E}">
-        <p14:creationId xmlns:p14="http://schemas.microsoft.com/office/powerpoint/2010/main" val="3142542637"/>
-      </p:ext>
-    </p:extLst>
-  </p:cSld>
-  <p:clrMapOvr>
-    <a:masterClrMapping/>
-  </p:clrMapOvr>
-</p:sld>
-</file>
-
-<file path=ppt/slides/slide9.xml><?xml version="1.0" encoding="utf-8"?>
-<p:sld xmlns:a="http://schemas.openxmlformats.org/drawingml/2006/main" xmlns:r="http://schemas.openxmlformats.org/officeDocument/2006/relationships" xmlns:p="http://schemas.openxmlformats.org/presentationml/2006/main">
-  <p:cSld>
-    <p:spTree>
-      <p:nvGrpSpPr>
-        <p:cNvPr id="1" name=""/>
-        <p:cNvGrpSpPr/>
-        <p:nvPr/>
-      </p:nvGrpSpPr>
-      <p:grpSpPr>
-        <a:xfrm>
-          <a:off x="0" y="0"/>
-          <a:ext cx="0" cy="0"/>
-          <a:chOff x="0" y="0"/>
-          <a:chExt cx="0" cy="0"/>
-        </a:xfrm>
-      </p:grpSpPr>
-      <p:sp>
-        <p:nvSpPr>
-          <p:cNvPr id="2" name="標題 1">
-            <a:extLst>
-              <a:ext uri="{FF2B5EF4-FFF2-40B4-BE49-F238E27FC236}">
-                <a16:creationId xmlns:a16="http://schemas.microsoft.com/office/drawing/2014/main" id="{D9AB7535-4395-5CF0-C825-7186D87DB238}"/>
-              </a:ext>
-            </a:extLst>
-          </p:cNvPr>
-          <p:cNvSpPr>
-            <a:spLocks noGrp="1"/>
-          </p:cNvSpPr>
-          <p:nvPr>
-            <p:ph type="title"/>
-          </p:nvPr>
-        </p:nvSpPr>
-        <p:spPr>
-          <a:xfrm>
-            <a:off x="1754460" y="667559"/>
-            <a:ext cx="8911687" cy="1280890"/>
-          </a:xfrm>
-        </p:spPr>
-        <p:txBody>
-          <a:bodyPr>
-            <a:normAutofit/>
-          </a:bodyPr>
-          <a:lstStyle/>
-          <a:p>
-            <a:r>
-              <a:rPr lang="zh-TW" altLang="en-US" sz="4400" dirty="0">
-                <a:latin typeface="華康POP1體W7" panose="040B0709000000000000" pitchFamily="81" charset="-120"/>
-                <a:ea typeface="華康POP1體W7" panose="040B0709000000000000" pitchFamily="81" charset="-120"/>
-              </a:rPr>
-              <a:t>接收端</a:t>
-            </a:r>
-          </a:p>
-        </p:txBody>
-      </p:sp>
-      <p:sp>
-        <p:nvSpPr>
-          <p:cNvPr id="10" name="文字方塊 9">
-            <a:extLst>
-              <a:ext uri="{FF2B5EF4-FFF2-40B4-BE49-F238E27FC236}">
-                <a16:creationId xmlns:a16="http://schemas.microsoft.com/office/drawing/2014/main" id="{EAE97084-65C7-6570-573F-B70A3BE7C9C5}"/>
-              </a:ext>
-            </a:extLst>
-          </p:cNvPr>
-          <p:cNvSpPr txBox="1"/>
-          <p:nvPr/>
-        </p:nvSpPr>
-        <p:spPr>
-          <a:xfrm>
-            <a:off x="919032" y="1507677"/>
-            <a:ext cx="6097554" cy="369332"/>
-          </a:xfrm>
-          <a:prstGeom prst="rect">
-            <a:avLst/>
-          </a:prstGeom>
-          <a:noFill/>
-        </p:spPr>
-        <p:txBody>
-          <a:bodyPr wrap="square">
-            <a:spAutoFit/>
-          </a:bodyPr>
-          <a:lstStyle/>
-          <a:p>
-            <a:pPr lvl="0"/>
-            <a:r>
-              <a:rPr lang="zh-TW" altLang="en-US" b="0" i="0" dirty="0">
-                <a:latin typeface="王漢宗綜藝體繁" panose="02000500000000000000" pitchFamily="2" charset="-120"/>
-                <a:ea typeface="王漢宗綜藝體繁" panose="02000500000000000000" pitchFamily="2" charset="-120"/>
-              </a:rPr>
-              <a:t>解調變</a:t>
-            </a:r>
-            <a:r>
-              <a:rPr lang="en-US" altLang="zh-TW" b="0" i="0" dirty="0">
-                <a:latin typeface="王漢宗綜藝體繁" panose="02000500000000000000" pitchFamily="2" charset="-120"/>
-                <a:ea typeface="王漢宗綜藝體繁" panose="02000500000000000000" pitchFamily="2" charset="-120"/>
-              </a:rPr>
-              <a:t>:</a:t>
-            </a:r>
-            <a:endParaRPr lang="zh-TW" altLang="en-US" dirty="0">
-              <a:latin typeface="王漢宗綜藝體繁" panose="02000500000000000000" pitchFamily="2" charset="-120"/>
-              <a:ea typeface="王漢宗綜藝體繁" panose="02000500000000000000" pitchFamily="2" charset="-120"/>
-            </a:endParaRPr>
-          </a:p>
-        </p:txBody>
-      </p:sp>
-      <p:pic>
-        <p:nvPicPr>
-          <p:cNvPr id="6" name="圖片 5">
-            <a:extLst>
-              <a:ext uri="{FF2B5EF4-FFF2-40B4-BE49-F238E27FC236}">
-                <a16:creationId xmlns:a16="http://schemas.microsoft.com/office/drawing/2014/main" id="{D94A74D0-3FFA-31CD-179C-48E9DA04330B}"/>
-              </a:ext>
-            </a:extLst>
-          </p:cNvPr>
-          <p:cNvPicPr>
-            <a:picLocks noChangeAspect="1"/>
-          </p:cNvPicPr>
-          <p:nvPr/>
-        </p:nvPicPr>
-        <p:blipFill>
-          <a:blip r:embed="rId2"/>
-          <a:stretch>
-            <a:fillRect/>
-          </a:stretch>
-        </p:blipFill>
-        <p:spPr>
-          <a:xfrm>
-            <a:off x="919032" y="1877009"/>
-            <a:ext cx="3454062" cy="1071464"/>
-          </a:xfrm>
-          <a:prstGeom prst="rect">
-            <a:avLst/>
-          </a:prstGeom>
-        </p:spPr>
-      </p:pic>
-      <p:cxnSp>
-        <p:nvCxnSpPr>
-          <p:cNvPr id="8" name="接點: 肘形 7">
-            <a:extLst>
-              <a:ext uri="{FF2B5EF4-FFF2-40B4-BE49-F238E27FC236}">
-                <a16:creationId xmlns:a16="http://schemas.microsoft.com/office/drawing/2014/main" id="{CEE5A380-8678-4471-3541-C7016A64F7BC}"/>
-              </a:ext>
-            </a:extLst>
-          </p:cNvPr>
-          <p:cNvCxnSpPr>
-            <a:cxnSpLocks/>
-          </p:cNvCxnSpPr>
-          <p:nvPr/>
-        </p:nvCxnSpPr>
-        <p:spPr>
-          <a:xfrm rot="10800000" flipV="1">
-            <a:off x="4218529" y="1847830"/>
-            <a:ext cx="642720" cy="564906"/>
-          </a:xfrm>
-          <a:prstGeom prst="bentConnector3">
-            <a:avLst>
-              <a:gd name="adj1" fmla="val 50000"/>
-            </a:avLst>
-          </a:prstGeom>
-          <a:ln w="57150">
-            <a:solidFill>
-              <a:srgbClr val="0070C0"/>
-            </a:solidFill>
-            <a:tailEnd type="triangle"/>
-          </a:ln>
-        </p:spPr>
-        <p:style>
-          <a:lnRef idx="1">
-            <a:schemeClr val="accent1"/>
-          </a:lnRef>
-          <a:fillRef idx="0">
-            <a:schemeClr val="accent1"/>
-          </a:fillRef>
-          <a:effectRef idx="0">
-            <a:schemeClr val="accent1"/>
-          </a:effectRef>
-          <a:fontRef idx="minor">
-            <a:schemeClr val="tx1"/>
-          </a:fontRef>
-        </p:style>
-      </p:cxnSp>
-      <p:sp>
-        <p:nvSpPr>
-          <p:cNvPr id="13" name="文字方塊 12">
-            <a:extLst>
-              <a:ext uri="{FF2B5EF4-FFF2-40B4-BE49-F238E27FC236}">
-                <a16:creationId xmlns:a16="http://schemas.microsoft.com/office/drawing/2014/main" id="{CC9CCAF4-41DE-EC1C-668B-E390356207B6}"/>
-              </a:ext>
-            </a:extLst>
-          </p:cNvPr>
-          <p:cNvSpPr txBox="1"/>
-          <p:nvPr/>
-        </p:nvSpPr>
-        <p:spPr>
-          <a:xfrm>
-            <a:off x="4816779" y="1634314"/>
-            <a:ext cx="1531188" cy="369332"/>
-          </a:xfrm>
-          <a:prstGeom prst="rect">
-            <a:avLst/>
-          </a:prstGeom>
-          <a:noFill/>
-        </p:spPr>
-        <p:txBody>
-          <a:bodyPr wrap="none" rtlCol="0">
-            <a:spAutoFit/>
-          </a:bodyPr>
-          <a:lstStyle/>
-          <a:p>
-            <a:r>
-              <a:rPr lang="en-US" altLang="zh-TW" b="1" dirty="0"/>
-              <a:t>1.</a:t>
-            </a:r>
-            <a:r>
-              <a:rPr lang="zh-TW" altLang="en-US" b="1" dirty="0"/>
-              <a:t>切割成矩正</a:t>
-            </a:r>
-          </a:p>
-        </p:txBody>
-      </p:sp>
-      <p:sp>
-        <p:nvSpPr>
-          <p:cNvPr id="15" name="文字方塊 14">
-            <a:extLst>
-              <a:ext uri="{FF2B5EF4-FFF2-40B4-BE49-F238E27FC236}">
-                <a16:creationId xmlns:a16="http://schemas.microsoft.com/office/drawing/2014/main" id="{C352D612-A371-7834-006C-879AA1FE54FF}"/>
-              </a:ext>
-            </a:extLst>
-          </p:cNvPr>
-          <p:cNvSpPr txBox="1"/>
-          <p:nvPr/>
-        </p:nvSpPr>
-        <p:spPr>
-          <a:xfrm>
-            <a:off x="4831800" y="1945617"/>
-            <a:ext cx="1545616" cy="369332"/>
-          </a:xfrm>
-          <a:prstGeom prst="rect">
-            <a:avLst/>
-          </a:prstGeom>
-          <a:noFill/>
-        </p:spPr>
-        <p:txBody>
-          <a:bodyPr wrap="none" rtlCol="0">
-            <a:spAutoFit/>
-          </a:bodyPr>
-          <a:lstStyle/>
-          <a:p>
-            <a:r>
-              <a:rPr lang="en-US" altLang="zh-TW" b="1" dirty="0"/>
-              <a:t>2.WHT</a:t>
-            </a:r>
-            <a:r>
-              <a:rPr lang="zh-TW" altLang="en-US" b="1" dirty="0"/>
-              <a:t>反轉換</a:t>
-            </a:r>
-          </a:p>
-        </p:txBody>
-      </p:sp>
-      <p:cxnSp>
-        <p:nvCxnSpPr>
-          <p:cNvPr id="16" name="接點: 肘形 15">
-            <a:extLst>
-              <a:ext uri="{FF2B5EF4-FFF2-40B4-BE49-F238E27FC236}">
-                <a16:creationId xmlns:a16="http://schemas.microsoft.com/office/drawing/2014/main" id="{E329D241-C737-3D40-37DB-5A4CCEFB9A23}"/>
-              </a:ext>
-            </a:extLst>
-          </p:cNvPr>
-          <p:cNvCxnSpPr>
-            <a:cxnSpLocks/>
-          </p:cNvCxnSpPr>
-          <p:nvPr/>
-        </p:nvCxnSpPr>
-        <p:spPr>
-          <a:xfrm rot="10800000" flipV="1">
-            <a:off x="3348043" y="2130283"/>
-            <a:ext cx="1513207" cy="522430"/>
-          </a:xfrm>
-          <a:prstGeom prst="bentConnector3">
-            <a:avLst>
-              <a:gd name="adj1" fmla="val 14237"/>
-            </a:avLst>
-          </a:prstGeom>
-          <a:ln w="57150">
-            <a:solidFill>
-              <a:srgbClr val="0070C0"/>
-            </a:solidFill>
-            <a:tailEnd type="triangle"/>
-          </a:ln>
-        </p:spPr>
-        <p:style>
-          <a:lnRef idx="1">
-            <a:schemeClr val="accent1"/>
-          </a:lnRef>
-          <a:fillRef idx="0">
-            <a:schemeClr val="accent1"/>
-          </a:fillRef>
-          <a:effectRef idx="0">
-            <a:schemeClr val="accent1"/>
-          </a:effectRef>
-          <a:fontRef idx="minor">
-            <a:schemeClr val="tx1"/>
-          </a:fontRef>
-        </p:style>
-      </p:cxnSp>
-      <p:sp>
-        <p:nvSpPr>
-          <p:cNvPr id="34" name="文字方塊 33">
-            <a:extLst>
-              <a:ext uri="{FF2B5EF4-FFF2-40B4-BE49-F238E27FC236}">
-                <a16:creationId xmlns:a16="http://schemas.microsoft.com/office/drawing/2014/main" id="{C938D7CC-5A75-6435-FBF0-EA26F6EBC021}"/>
-              </a:ext>
-            </a:extLst>
-          </p:cNvPr>
-          <p:cNvSpPr txBox="1"/>
-          <p:nvPr/>
-        </p:nvSpPr>
-        <p:spPr>
-          <a:xfrm>
-            <a:off x="6556227" y="1507677"/>
-            <a:ext cx="2473473" cy="369332"/>
-          </a:xfrm>
-          <a:prstGeom prst="rect">
-            <a:avLst/>
-          </a:prstGeom>
-          <a:noFill/>
-        </p:spPr>
-        <p:txBody>
-          <a:bodyPr wrap="square">
-            <a:spAutoFit/>
-          </a:bodyPr>
-          <a:lstStyle/>
-          <a:p>
-            <a:pPr lvl="0"/>
-            <a:r>
-              <a:rPr lang="en-US" altLang="zh-TW" dirty="0">
-                <a:latin typeface="王漢宗綜藝體繁" panose="02000500000000000000" pitchFamily="2" charset="-120"/>
-                <a:ea typeface="王漢宗綜藝體繁" panose="02000500000000000000" pitchFamily="2" charset="-120"/>
-              </a:rPr>
-              <a:t>EQ</a:t>
-            </a:r>
-            <a:r>
-              <a:rPr lang="zh-TW" altLang="en-US" dirty="0">
-                <a:latin typeface="王漢宗綜藝體繁" panose="02000500000000000000" pitchFamily="2" charset="-120"/>
-                <a:ea typeface="王漢宗綜藝體繁" panose="02000500000000000000" pitchFamily="2" charset="-120"/>
-              </a:rPr>
-              <a:t> </a:t>
-            </a:r>
-            <a:r>
-              <a:rPr lang="en-US" altLang="zh-TW" dirty="0">
-                <a:latin typeface="王漢宗綜藝體繁" panose="02000500000000000000" pitchFamily="2" charset="-120"/>
-                <a:ea typeface="王漢宗綜藝體繁" panose="02000500000000000000" pitchFamily="2" charset="-120"/>
-              </a:rPr>
-              <a:t>&amp;</a:t>
-            </a:r>
-            <a:r>
-              <a:rPr lang="zh-TW" altLang="en-US" dirty="0">
-                <a:latin typeface="王漢宗綜藝體繁" panose="02000500000000000000" pitchFamily="2" charset="-120"/>
-                <a:ea typeface="王漢宗綜藝體繁" panose="02000500000000000000" pitchFamily="2" charset="-120"/>
-              </a:rPr>
-              <a:t> 偵測器</a:t>
-            </a:r>
-            <a:r>
-              <a:rPr lang="en-US" altLang="zh-TW" dirty="0">
-                <a:latin typeface="王漢宗綜藝體繁" panose="02000500000000000000" pitchFamily="2" charset="-120"/>
-                <a:ea typeface="王漢宗綜藝體繁" panose="02000500000000000000" pitchFamily="2" charset="-120"/>
-              </a:rPr>
-              <a:t>:</a:t>
-            </a:r>
-            <a:endParaRPr lang="zh-TW" altLang="en-US" dirty="0">
-              <a:latin typeface="王漢宗綜藝體繁" panose="02000500000000000000" pitchFamily="2" charset="-120"/>
-              <a:ea typeface="王漢宗綜藝體繁" panose="02000500000000000000" pitchFamily="2" charset="-120"/>
-            </a:endParaRPr>
-          </a:p>
-        </p:txBody>
-      </p:sp>
-      <p:pic>
-        <p:nvPicPr>
-          <p:cNvPr id="38" name="圖片 37">
-            <a:extLst>
-              <a:ext uri="{FF2B5EF4-FFF2-40B4-BE49-F238E27FC236}">
-                <a16:creationId xmlns:a16="http://schemas.microsoft.com/office/drawing/2014/main" id="{C40B182F-3B33-24A7-C213-66EDE1E53494}"/>
-              </a:ext>
-            </a:extLst>
-          </p:cNvPr>
-          <p:cNvPicPr>
-            <a:picLocks noChangeAspect="1"/>
-          </p:cNvPicPr>
-          <p:nvPr/>
-        </p:nvPicPr>
-        <p:blipFill>
-          <a:blip r:embed="rId3"/>
-          <a:stretch>
-            <a:fillRect/>
-          </a:stretch>
-        </p:blipFill>
-        <p:spPr>
-          <a:xfrm>
-            <a:off x="6946217" y="2003646"/>
-            <a:ext cx="4861177" cy="3932912"/>
-          </a:xfrm>
-          <a:prstGeom prst="rect">
-            <a:avLst/>
-          </a:prstGeom>
-        </p:spPr>
-      </p:pic>
-      <p:sp>
-        <p:nvSpPr>
-          <p:cNvPr id="44" name="文字方塊 43">
-            <a:extLst>
-              <a:ext uri="{FF2B5EF4-FFF2-40B4-BE49-F238E27FC236}">
-                <a16:creationId xmlns:a16="http://schemas.microsoft.com/office/drawing/2014/main" id="{E63BE3A7-78DE-1616-BB33-6BBA1BD6D0ED}"/>
-              </a:ext>
-            </a:extLst>
-          </p:cNvPr>
-          <p:cNvSpPr txBox="1"/>
-          <p:nvPr/>
-        </p:nvSpPr>
-        <p:spPr>
-          <a:xfrm>
-            <a:off x="7737574" y="5936558"/>
-            <a:ext cx="3278462" cy="369332"/>
-          </a:xfrm>
-          <a:prstGeom prst="rect">
-            <a:avLst/>
-          </a:prstGeom>
-          <a:noFill/>
-        </p:spPr>
-        <p:txBody>
-          <a:bodyPr wrap="none" rtlCol="0">
-            <a:spAutoFit/>
-          </a:bodyPr>
-          <a:lstStyle/>
-          <a:p>
-            <a:r>
-              <a:rPr lang="zh-TW" altLang="en-US" b="1" dirty="0"/>
-              <a:t>查看三個偵測器的</a:t>
-            </a:r>
-            <a:r>
-              <a:rPr lang="en-US" altLang="zh-TW" b="1" dirty="0"/>
-              <a:t>EQ</a:t>
-            </a:r>
-            <a:r>
-              <a:rPr lang="zh-TW" altLang="en-US" b="1" dirty="0"/>
-              <a:t>是否正確</a:t>
-            </a:r>
-          </a:p>
-        </p:txBody>
-      </p:sp>
-    </p:spTree>
-    <p:extLst>
-      <p:ext uri="{BB962C8B-B14F-4D97-AF65-F5344CB8AC3E}">
-        <p14:creationId xmlns:p14="http://schemas.microsoft.com/office/powerpoint/2010/main" val="2316565764"/>
       </p:ext>
     </p:extLst>
   </p:cSld>

--- a/report/以SDR實現OTSM通訊技術.pptx
+++ b/report/以SDR實現OTSM通訊技術.pptx
@@ -7,19 +7,19 @@
   <p:sldIdLst>
     <p:sldId id="256" r:id="rId2"/>
     <p:sldId id="264" r:id="rId3"/>
-    <p:sldId id="275" r:id="rId4"/>
-    <p:sldId id="273" r:id="rId5"/>
-    <p:sldId id="274" r:id="rId6"/>
-    <p:sldId id="283" r:id="rId7"/>
-    <p:sldId id="281" r:id="rId8"/>
-    <p:sldId id="258" r:id="rId9"/>
-    <p:sldId id="260" r:id="rId10"/>
-    <p:sldId id="261" r:id="rId11"/>
-    <p:sldId id="262" r:id="rId12"/>
-    <p:sldId id="263" r:id="rId13"/>
-    <p:sldId id="276" r:id="rId14"/>
-    <p:sldId id="277" r:id="rId15"/>
-    <p:sldId id="278" r:id="rId16"/>
+    <p:sldId id="274" r:id="rId4"/>
+    <p:sldId id="283" r:id="rId5"/>
+    <p:sldId id="282" r:id="rId6"/>
+    <p:sldId id="281" r:id="rId7"/>
+    <p:sldId id="258" r:id="rId8"/>
+    <p:sldId id="260" r:id="rId9"/>
+    <p:sldId id="261" r:id="rId10"/>
+    <p:sldId id="262" r:id="rId11"/>
+    <p:sldId id="263" r:id="rId12"/>
+    <p:sldId id="276" r:id="rId13"/>
+    <p:sldId id="277" r:id="rId14"/>
+    <p:sldId id="278" r:id="rId15"/>
+    <p:sldId id="279" r:id="rId16"/>
     <p:sldId id="280" r:id="rId17"/>
   </p:sldIdLst>
   <p:sldSz cx="12192000" cy="6858000"/>
@@ -1650,8 +1650,6 @@
               <a:solidFill>
                 <a:schemeClr val="tx1"/>
               </a:solidFill>
-              <a:latin typeface="王漢宗綜藝體繁" panose="02000500000000000000" pitchFamily="2" charset="-120"/>
-              <a:ea typeface="王漢宗綜藝體繁" panose="02000500000000000000" pitchFamily="2" charset="-120"/>
             </a:rPr>
             <a:t>切割資料</a:t>
           </a:r>
@@ -1702,8 +1700,6 @@
               <a:solidFill>
                 <a:schemeClr val="tx1"/>
               </a:solidFill>
-              <a:latin typeface="王漢宗綜藝體繁" panose="02000500000000000000" pitchFamily="2" charset="-120"/>
-              <a:ea typeface="王漢宗綜藝體繁" panose="02000500000000000000" pitchFamily="2" charset="-120"/>
             </a:rPr>
             <a:t>調變</a:t>
           </a:r>
@@ -1754,8 +1750,6 @@
               <a:solidFill>
                 <a:schemeClr val="tx1"/>
               </a:solidFill>
-              <a:latin typeface="王漢宗綜藝體繁" panose="02000500000000000000" pitchFamily="2" charset="-120"/>
-              <a:ea typeface="王漢宗綜藝體繁" panose="02000500000000000000" pitchFamily="2" charset="-120"/>
             </a:rPr>
             <a:t>PILOT&amp;SYNC</a:t>
           </a:r>
@@ -1763,8 +1757,6 @@
             <a:solidFill>
               <a:schemeClr val="tx1"/>
             </a:solidFill>
-            <a:latin typeface="王漢宗綜藝體繁" panose="02000500000000000000" pitchFamily="2" charset="-120"/>
-            <a:ea typeface="王漢宗綜藝體繁" panose="02000500000000000000" pitchFamily="2" charset="-120"/>
           </a:endParaRPr>
         </a:p>
       </dgm:t>
@@ -2361,12 +2353,12 @@
         </a:fontRef>
       </dsp:style>
       <dsp:txBody>
-        <a:bodyPr spcFirstLastPara="0" vert="horz" wrap="square" lIns="91440" tIns="91440" rIns="91440" bIns="91440" numCol="1" spcCol="1270" anchor="ctr" anchorCtr="0">
+        <a:bodyPr spcFirstLastPara="0" vert="horz" wrap="square" lIns="102870" tIns="102870" rIns="102870" bIns="102870" numCol="1" spcCol="1270" anchor="ctr" anchorCtr="0">
           <a:noAutofit/>
         </a:bodyPr>
         <a:lstStyle/>
         <a:p>
-          <a:pPr marL="0" lvl="0" indent="0" algn="ctr" defTabSz="1066800">
+          <a:pPr marL="0" lvl="0" indent="0" algn="ctr" defTabSz="1200150">
             <a:lnSpc>
               <a:spcPct val="90000"/>
             </a:lnSpc>
@@ -2379,12 +2371,10 @@
             <a:buNone/>
           </a:pPr>
           <a:r>
-            <a:rPr lang="zh-TW" altLang="en-US" sz="2400" kern="1200" dirty="0">
+            <a:rPr lang="zh-TW" altLang="en-US" sz="2700" kern="1200" dirty="0">
               <a:solidFill>
                 <a:schemeClr val="tx1"/>
               </a:solidFill>
-              <a:latin typeface="王漢宗綜藝體繁" panose="02000500000000000000" pitchFamily="2" charset="-120"/>
-              <a:ea typeface="王漢宗綜藝體繁" panose="02000500000000000000" pitchFamily="2" charset="-120"/>
             </a:rPr>
             <a:t>切割資料</a:t>
           </a:r>
@@ -2445,7 +2435,7 @@
         </a:bodyPr>
         <a:lstStyle/>
         <a:p>
-          <a:pPr marL="0" lvl="0" indent="0" algn="ctr" defTabSz="844550">
+          <a:pPr marL="0" lvl="0" indent="0" algn="ctr" defTabSz="977900">
             <a:lnSpc>
               <a:spcPct val="90000"/>
             </a:lnSpc>
@@ -2457,7 +2447,7 @@
             </a:spcAft>
             <a:buNone/>
           </a:pPr>
-          <a:endParaRPr lang="zh-TW" altLang="en-US" sz="1900" kern="1200"/>
+          <a:endParaRPr lang="zh-TW" altLang="en-US" sz="2200" kern="1200"/>
         </a:p>
       </dsp:txBody>
       <dsp:txXfrm>
@@ -2507,12 +2497,12 @@
         </a:fontRef>
       </dsp:style>
       <dsp:txBody>
-        <a:bodyPr spcFirstLastPara="0" vert="horz" wrap="square" lIns="91440" tIns="91440" rIns="91440" bIns="91440" numCol="1" spcCol="1270" anchor="ctr" anchorCtr="0">
+        <a:bodyPr spcFirstLastPara="0" vert="horz" wrap="square" lIns="102870" tIns="102870" rIns="102870" bIns="102870" numCol="1" spcCol="1270" anchor="ctr" anchorCtr="0">
           <a:noAutofit/>
         </a:bodyPr>
         <a:lstStyle/>
         <a:p>
-          <a:pPr marL="0" lvl="0" indent="0" algn="ctr" defTabSz="1066800">
+          <a:pPr marL="0" lvl="0" indent="0" algn="ctr" defTabSz="1200150">
             <a:lnSpc>
               <a:spcPct val="90000"/>
             </a:lnSpc>
@@ -2525,12 +2515,10 @@
             <a:buNone/>
           </a:pPr>
           <a:r>
-            <a:rPr lang="zh-TW" altLang="en-US" sz="2400" kern="1200" dirty="0">
+            <a:rPr lang="zh-TW" altLang="en-US" sz="2700" kern="1200" dirty="0">
               <a:solidFill>
                 <a:schemeClr val="tx1"/>
               </a:solidFill>
-              <a:latin typeface="王漢宗綜藝體繁" panose="02000500000000000000" pitchFamily="2" charset="-120"/>
-              <a:ea typeface="王漢宗綜藝體繁" panose="02000500000000000000" pitchFamily="2" charset="-120"/>
             </a:rPr>
             <a:t>調變</a:t>
           </a:r>
@@ -2591,7 +2579,7 @@
         </a:bodyPr>
         <a:lstStyle/>
         <a:p>
-          <a:pPr marL="0" lvl="0" indent="0" algn="ctr" defTabSz="844550">
+          <a:pPr marL="0" lvl="0" indent="0" algn="ctr" defTabSz="977900">
             <a:lnSpc>
               <a:spcPct val="90000"/>
             </a:lnSpc>
@@ -2603,7 +2591,7 @@
             </a:spcAft>
             <a:buNone/>
           </a:pPr>
-          <a:endParaRPr lang="zh-TW" altLang="en-US" sz="1900" kern="1200"/>
+          <a:endParaRPr lang="zh-TW" altLang="en-US" sz="2200" kern="1200"/>
         </a:p>
       </dsp:txBody>
       <dsp:txXfrm>
@@ -2653,12 +2641,12 @@
         </a:fontRef>
       </dsp:style>
       <dsp:txBody>
-        <a:bodyPr spcFirstLastPara="0" vert="horz" wrap="square" lIns="91440" tIns="91440" rIns="91440" bIns="91440" numCol="1" spcCol="1270" anchor="ctr" anchorCtr="0">
+        <a:bodyPr spcFirstLastPara="0" vert="horz" wrap="square" lIns="102870" tIns="102870" rIns="102870" bIns="102870" numCol="1" spcCol="1270" anchor="ctr" anchorCtr="0">
           <a:noAutofit/>
         </a:bodyPr>
         <a:lstStyle/>
         <a:p>
-          <a:pPr marL="0" lvl="0" indent="0" algn="ctr" defTabSz="1066800">
+          <a:pPr marL="0" lvl="0" indent="0" algn="ctr" defTabSz="1200150">
             <a:lnSpc>
               <a:spcPct val="90000"/>
             </a:lnSpc>
@@ -2671,21 +2659,17 @@
             <a:buNone/>
           </a:pPr>
           <a:r>
-            <a:rPr lang="en-US" altLang="zh-TW" sz="2400" kern="1200" dirty="0">
+            <a:rPr lang="en-US" altLang="zh-TW" sz="2700" kern="1200" dirty="0">
               <a:solidFill>
                 <a:schemeClr val="tx1"/>
               </a:solidFill>
-              <a:latin typeface="王漢宗綜藝體繁" panose="02000500000000000000" pitchFamily="2" charset="-120"/>
-              <a:ea typeface="王漢宗綜藝體繁" panose="02000500000000000000" pitchFamily="2" charset="-120"/>
             </a:rPr>
             <a:t>PILOT&amp;SYNC</a:t>
           </a:r>
-          <a:endParaRPr lang="zh-TW" altLang="en-US" sz="2400" kern="1200" dirty="0">
+          <a:endParaRPr lang="zh-TW" altLang="en-US" sz="2700" kern="1200" dirty="0">
             <a:solidFill>
               <a:schemeClr val="tx1"/>
             </a:solidFill>
-            <a:latin typeface="王漢宗綜藝體繁" panose="02000500000000000000" pitchFamily="2" charset="-120"/>
-            <a:ea typeface="王漢宗綜藝體繁" panose="02000500000000000000" pitchFamily="2" charset="-120"/>
           </a:endParaRPr>
         </a:p>
       </dsp:txBody>
@@ -5940,7 +5924,7 @@
           <a:p>
             <a:fld id="{E571BEFF-2CDC-453C-8E22-E6758267B1F9}" type="datetimeFigureOut">
               <a:rPr lang="zh-TW" altLang="en-US" smtClean="0"/>
-              <a:t>2024/4/17</a:t>
+              <a:t>2024/4/16</a:t>
             </a:fld>
             <a:endParaRPr lang="zh-TW" altLang="en-US"/>
           </a:p>
@@ -6278,7 +6262,7 @@
           <a:p>
             <a:fld id="{E571BEFF-2CDC-453C-8E22-E6758267B1F9}" type="datetimeFigureOut">
               <a:rPr lang="zh-TW" altLang="en-US" smtClean="0"/>
-              <a:t>2024/4/17</a:t>
+              <a:t>2024/4/16</a:t>
             </a:fld>
             <a:endParaRPr lang="zh-TW" altLang="en-US"/>
           </a:p>
@@ -6679,7 +6663,7 @@
           <a:p>
             <a:fld id="{E571BEFF-2CDC-453C-8E22-E6758267B1F9}" type="datetimeFigureOut">
               <a:rPr lang="zh-TW" altLang="en-US" smtClean="0"/>
-              <a:t>2024/4/17</a:t>
+              <a:t>2024/4/16</a:t>
             </a:fld>
             <a:endParaRPr lang="zh-TW" altLang="en-US"/>
           </a:p>
@@ -7015,7 +6999,7 @@
           <a:p>
             <a:fld id="{E571BEFF-2CDC-453C-8E22-E6758267B1F9}" type="datetimeFigureOut">
               <a:rPr lang="zh-TW" altLang="en-US" smtClean="0"/>
-              <a:t>2024/4/17</a:t>
+              <a:t>2024/4/16</a:t>
             </a:fld>
             <a:endParaRPr lang="zh-TW" altLang="en-US"/>
           </a:p>
@@ -7335,7 +7319,7 @@
           <a:p>
             <a:fld id="{E571BEFF-2CDC-453C-8E22-E6758267B1F9}" type="datetimeFigureOut">
               <a:rPr lang="zh-TW" altLang="en-US" smtClean="0"/>
-              <a:t>2024/4/17</a:t>
+              <a:t>2024/4/16</a:t>
             </a:fld>
             <a:endParaRPr lang="zh-TW" altLang="en-US"/>
           </a:p>
@@ -7731,7 +7715,7 @@
           <a:p>
             <a:fld id="{E571BEFF-2CDC-453C-8E22-E6758267B1F9}" type="datetimeFigureOut">
               <a:rPr lang="zh-TW" altLang="en-US" smtClean="0"/>
-              <a:t>2024/4/17</a:t>
+              <a:t>2024/4/16</a:t>
             </a:fld>
             <a:endParaRPr lang="zh-TW" altLang="en-US"/>
           </a:p>
@@ -7988,7 +7972,7 @@
           <a:p>
             <a:fld id="{E571BEFF-2CDC-453C-8E22-E6758267B1F9}" type="datetimeFigureOut">
               <a:rPr lang="zh-TW" altLang="en-US" smtClean="0"/>
-              <a:t>2024/4/17</a:t>
+              <a:t>2024/4/16</a:t>
             </a:fld>
             <a:endParaRPr lang="zh-TW" altLang="en-US"/>
           </a:p>
@@ -8250,7 +8234,7 @@
           <a:p>
             <a:fld id="{E571BEFF-2CDC-453C-8E22-E6758267B1F9}" type="datetimeFigureOut">
               <a:rPr lang="zh-TW" altLang="en-US" smtClean="0"/>
-              <a:t>2024/4/17</a:t>
+              <a:t>2024/4/16</a:t>
             </a:fld>
             <a:endParaRPr lang="zh-TW" altLang="en-US"/>
           </a:p>
@@ -8512,7 +8496,7 @@
           <a:p>
             <a:fld id="{E571BEFF-2CDC-453C-8E22-E6758267B1F9}" type="datetimeFigureOut">
               <a:rPr lang="zh-TW" altLang="en-US" smtClean="0"/>
-              <a:t>2024/4/17</a:t>
+              <a:t>2024/4/16</a:t>
             </a:fld>
             <a:endParaRPr lang="zh-TW" altLang="en-US"/>
           </a:p>
@@ -8841,7 +8825,7 @@
           <a:p>
             <a:fld id="{E571BEFF-2CDC-453C-8E22-E6758267B1F9}" type="datetimeFigureOut">
               <a:rPr lang="zh-TW" altLang="en-US" smtClean="0"/>
-              <a:t>2024/4/17</a:t>
+              <a:t>2024/4/16</a:t>
             </a:fld>
             <a:endParaRPr lang="zh-TW" altLang="en-US"/>
           </a:p>
@@ -9164,7 +9148,7 @@
           <a:p>
             <a:fld id="{E571BEFF-2CDC-453C-8E22-E6758267B1F9}" type="datetimeFigureOut">
               <a:rPr lang="zh-TW" altLang="en-US" smtClean="0"/>
-              <a:t>2024/4/17</a:t>
+              <a:t>2024/4/16</a:t>
             </a:fld>
             <a:endParaRPr lang="zh-TW" altLang="en-US"/>
           </a:p>
@@ -9621,7 +9605,7 @@
           <a:p>
             <a:fld id="{E571BEFF-2CDC-453C-8E22-E6758267B1F9}" type="datetimeFigureOut">
               <a:rPr lang="zh-TW" altLang="en-US" smtClean="0"/>
-              <a:t>2024/4/17</a:t>
+              <a:t>2024/4/16</a:t>
             </a:fld>
             <a:endParaRPr lang="zh-TW" altLang="en-US"/>
           </a:p>
@@ -9826,7 +9810,7 @@
           <a:p>
             <a:fld id="{E571BEFF-2CDC-453C-8E22-E6758267B1F9}" type="datetimeFigureOut">
               <a:rPr lang="zh-TW" altLang="en-US" smtClean="0"/>
-              <a:t>2024/4/17</a:t>
+              <a:t>2024/4/16</a:t>
             </a:fld>
             <a:endParaRPr lang="zh-TW" altLang="en-US"/>
           </a:p>
@@ -10003,7 +9987,7 @@
           <a:p>
             <a:fld id="{E571BEFF-2CDC-453C-8E22-E6758267B1F9}" type="datetimeFigureOut">
               <a:rPr lang="zh-TW" altLang="en-US" smtClean="0"/>
-              <a:t>2024/4/17</a:t>
+              <a:t>2024/4/16</a:t>
             </a:fld>
             <a:endParaRPr lang="zh-TW" altLang="en-US"/>
           </a:p>
@@ -10336,7 +10320,7 @@
           <a:p>
             <a:fld id="{E571BEFF-2CDC-453C-8E22-E6758267B1F9}" type="datetimeFigureOut">
               <a:rPr lang="zh-TW" altLang="en-US" smtClean="0"/>
-              <a:t>2024/4/17</a:t>
+              <a:t>2024/4/16</a:t>
             </a:fld>
             <a:endParaRPr lang="zh-TW" altLang="en-US"/>
           </a:p>
@@ -10681,7 +10665,7 @@
           <a:p>
             <a:fld id="{E571BEFF-2CDC-453C-8E22-E6758267B1F9}" type="datetimeFigureOut">
               <a:rPr lang="zh-TW" altLang="en-US" smtClean="0"/>
-              <a:t>2024/4/17</a:t>
+              <a:t>2024/4/16</a:t>
             </a:fld>
             <a:endParaRPr lang="zh-TW" altLang="en-US"/>
           </a:p>
@@ -12798,7 +12782,7 @@
           <a:p>
             <a:fld id="{E571BEFF-2CDC-453C-8E22-E6758267B1F9}" type="datetimeFigureOut">
               <a:rPr lang="zh-TW" altLang="en-US" smtClean="0"/>
-              <a:t>2024/4/17</a:t>
+              <a:t>2024/4/16</a:t>
             </a:fld>
             <a:endParaRPr lang="zh-TW" altLang="en-US"/>
           </a:p>
@@ -13564,629 +13548,7 @@
         </p:nvSpPr>
         <p:spPr>
           <a:xfrm>
-            <a:off x="1754460" y="667559"/>
-            <a:ext cx="8911687" cy="1280890"/>
-          </a:xfrm>
-        </p:spPr>
-        <p:txBody>
-          <a:bodyPr>
-            <a:normAutofit/>
-          </a:bodyPr>
-          <a:lstStyle/>
-          <a:p>
-            <a:r>
-              <a:rPr lang="zh-TW" altLang="en-US" sz="4400" dirty="0">
-                <a:latin typeface="華康POP1體W7" panose="040B0709000000000000" pitchFamily="81" charset="-120"/>
-                <a:ea typeface="華康POP1體W7" panose="040B0709000000000000" pitchFamily="81" charset="-120"/>
-              </a:rPr>
-              <a:t>接收端</a:t>
-            </a:r>
-          </a:p>
-        </p:txBody>
-      </p:sp>
-      <p:sp>
-        <p:nvSpPr>
-          <p:cNvPr id="10" name="文字方塊 9">
-            <a:extLst>
-              <a:ext uri="{FF2B5EF4-FFF2-40B4-BE49-F238E27FC236}">
-                <a16:creationId xmlns:a16="http://schemas.microsoft.com/office/drawing/2014/main" id="{EAE97084-65C7-6570-573F-B70A3BE7C9C5}"/>
-              </a:ext>
-            </a:extLst>
-          </p:cNvPr>
-          <p:cNvSpPr txBox="1"/>
-          <p:nvPr/>
-        </p:nvSpPr>
-        <p:spPr>
-          <a:xfrm>
-            <a:off x="560210" y="1715485"/>
-            <a:ext cx="6097554" cy="369332"/>
-          </a:xfrm>
-          <a:prstGeom prst="rect">
-            <a:avLst/>
-          </a:prstGeom>
-          <a:noFill/>
-        </p:spPr>
-        <p:txBody>
-          <a:bodyPr wrap="square">
-            <a:spAutoFit/>
-          </a:bodyPr>
-          <a:lstStyle/>
-          <a:p>
-            <a:r>
-              <a:rPr lang="zh-TW" altLang="en-US" dirty="0">
-                <a:latin typeface="王漢宗綜藝體繁" panose="02000500000000000000" pitchFamily="2" charset="-120"/>
-                <a:ea typeface="王漢宗綜藝體繁" panose="02000500000000000000" pitchFamily="2" charset="-120"/>
-              </a:rPr>
-              <a:t>通道估測</a:t>
-            </a:r>
-            <a:r>
-              <a:rPr lang="en-US" altLang="zh-TW" dirty="0">
-                <a:latin typeface="王漢宗綜藝體繁" panose="02000500000000000000" pitchFamily="2" charset="-120"/>
-                <a:ea typeface="王漢宗綜藝體繁" panose="02000500000000000000" pitchFamily="2" charset="-120"/>
-              </a:rPr>
-              <a:t>:</a:t>
-            </a:r>
-            <a:endParaRPr lang="zh-TW" altLang="en-US" dirty="0">
-              <a:latin typeface="王漢宗綜藝體繁" panose="02000500000000000000" pitchFamily="2" charset="-120"/>
-              <a:ea typeface="王漢宗綜藝體繁" panose="02000500000000000000" pitchFamily="2" charset="-120"/>
-            </a:endParaRPr>
-          </a:p>
-        </p:txBody>
-      </p:sp>
-      <p:pic>
-        <p:nvPicPr>
-          <p:cNvPr id="23" name="圖片 22">
-            <a:extLst>
-              <a:ext uri="{FF2B5EF4-FFF2-40B4-BE49-F238E27FC236}">
-                <a16:creationId xmlns:a16="http://schemas.microsoft.com/office/drawing/2014/main" id="{0540582C-40A8-5F95-0F10-3F010331678B}"/>
-              </a:ext>
-            </a:extLst>
-          </p:cNvPr>
-          <p:cNvPicPr>
-            <a:picLocks noChangeAspect="1"/>
-          </p:cNvPicPr>
-          <p:nvPr/>
-        </p:nvPicPr>
-        <p:blipFill>
-          <a:blip r:embed="rId2"/>
-          <a:stretch>
-            <a:fillRect/>
-          </a:stretch>
-        </p:blipFill>
-        <p:spPr>
-          <a:xfrm>
-            <a:off x="2026596" y="1909254"/>
-            <a:ext cx="1558435" cy="2157039"/>
-          </a:xfrm>
-          <a:prstGeom prst="rect">
-            <a:avLst/>
-          </a:prstGeom>
-        </p:spPr>
-      </p:pic>
-      <p:sp>
-        <p:nvSpPr>
-          <p:cNvPr id="24" name="文字方塊 23">
-            <a:extLst>
-              <a:ext uri="{FF2B5EF4-FFF2-40B4-BE49-F238E27FC236}">
-                <a16:creationId xmlns:a16="http://schemas.microsoft.com/office/drawing/2014/main" id="{733634E0-2EBF-CE50-404E-038A0F79B7EC}"/>
-              </a:ext>
-            </a:extLst>
-          </p:cNvPr>
-          <p:cNvSpPr txBox="1"/>
-          <p:nvPr/>
-        </p:nvSpPr>
-        <p:spPr>
-          <a:xfrm>
-            <a:off x="3819373" y="2657394"/>
-            <a:ext cx="1992853" cy="369332"/>
-          </a:xfrm>
-          <a:prstGeom prst="rect">
-            <a:avLst/>
-          </a:prstGeom>
-          <a:noFill/>
-        </p:spPr>
-        <p:txBody>
-          <a:bodyPr wrap="none" rtlCol="0">
-            <a:spAutoFit/>
-          </a:bodyPr>
-          <a:lstStyle/>
-          <a:p>
-            <a:r>
-              <a:rPr lang="en-US" altLang="zh-TW" dirty="0">
-                <a:latin typeface="王漢宗特黑體繁" panose="02000500000000000000" pitchFamily="2" charset="-120"/>
-                <a:ea typeface="王漢宗特黑體繁" panose="02000500000000000000" pitchFamily="2" charset="-120"/>
-              </a:rPr>
-              <a:t>1.</a:t>
-            </a:r>
-            <a:r>
-              <a:rPr lang="zh-TW" altLang="en-US" dirty="0">
-                <a:latin typeface="王漢宗特黑體繁" panose="02000500000000000000" pitchFamily="2" charset="-120"/>
-                <a:ea typeface="王漢宗特黑體繁" panose="02000500000000000000" pitchFamily="2" charset="-120"/>
-              </a:rPr>
-              <a:t>先算出通道估測</a:t>
-            </a:r>
-          </a:p>
-        </p:txBody>
-      </p:sp>
-      <p:pic>
-        <p:nvPicPr>
-          <p:cNvPr id="26" name="圖片 25">
-            <a:extLst>
-              <a:ext uri="{FF2B5EF4-FFF2-40B4-BE49-F238E27FC236}">
-                <a16:creationId xmlns:a16="http://schemas.microsoft.com/office/drawing/2014/main" id="{1B15FD57-A247-6873-179B-F099B9EEEF8A}"/>
-              </a:ext>
-            </a:extLst>
-          </p:cNvPr>
-          <p:cNvPicPr>
-            <a:picLocks noChangeAspect="1"/>
-          </p:cNvPicPr>
-          <p:nvPr/>
-        </p:nvPicPr>
-        <p:blipFill>
-          <a:blip r:embed="rId3"/>
-          <a:stretch>
-            <a:fillRect/>
-          </a:stretch>
-        </p:blipFill>
-        <p:spPr>
-          <a:xfrm>
-            <a:off x="558357" y="4823536"/>
-            <a:ext cx="1524213" cy="1590897"/>
-          </a:xfrm>
-          <a:prstGeom prst="rect">
-            <a:avLst/>
-          </a:prstGeom>
-        </p:spPr>
-      </p:pic>
-      <p:pic>
-        <p:nvPicPr>
-          <p:cNvPr id="4" name="圖片 3">
-            <a:extLst>
-              <a:ext uri="{FF2B5EF4-FFF2-40B4-BE49-F238E27FC236}">
-                <a16:creationId xmlns:a16="http://schemas.microsoft.com/office/drawing/2014/main" id="{A3F473E8-19D7-535B-49A3-F811C4CB995B}"/>
-              </a:ext>
-            </a:extLst>
-          </p:cNvPr>
-          <p:cNvPicPr>
-            <a:picLocks noChangeAspect="1"/>
-          </p:cNvPicPr>
-          <p:nvPr/>
-        </p:nvPicPr>
-        <p:blipFill>
-          <a:blip r:embed="rId4"/>
-          <a:stretch>
-            <a:fillRect/>
-          </a:stretch>
-        </p:blipFill>
-        <p:spPr>
-          <a:xfrm>
-            <a:off x="2620645" y="4794957"/>
-            <a:ext cx="1562318" cy="1619476"/>
-          </a:xfrm>
-          <a:prstGeom prst="rect">
-            <a:avLst/>
-          </a:prstGeom>
-        </p:spPr>
-      </p:pic>
-      <p:sp>
-        <p:nvSpPr>
-          <p:cNvPr id="5" name="箭號: 向右 4">
-            <a:extLst>
-              <a:ext uri="{FF2B5EF4-FFF2-40B4-BE49-F238E27FC236}">
-                <a16:creationId xmlns:a16="http://schemas.microsoft.com/office/drawing/2014/main" id="{5369D188-2A48-8F41-2889-051875C0958C}"/>
-              </a:ext>
-            </a:extLst>
-          </p:cNvPr>
-          <p:cNvSpPr/>
-          <p:nvPr/>
-        </p:nvSpPr>
-        <p:spPr>
-          <a:xfrm>
-            <a:off x="2082570" y="5494668"/>
-            <a:ext cx="538075" cy="220053"/>
-          </a:xfrm>
-          <a:prstGeom prst="rightArrow">
-            <a:avLst/>
-          </a:prstGeom>
-          <a:solidFill>
-            <a:schemeClr val="bg2">
-              <a:lumMod val="50000"/>
-            </a:schemeClr>
-          </a:solidFill>
-          <a:ln>
-            <a:noFill/>
-          </a:ln>
-        </p:spPr>
-        <p:style>
-          <a:lnRef idx="2">
-            <a:schemeClr val="accent6">
-              <a:shade val="15000"/>
-            </a:schemeClr>
-          </a:lnRef>
-          <a:fillRef idx="1">
-            <a:schemeClr val="accent6"/>
-          </a:fillRef>
-          <a:effectRef idx="0">
-            <a:schemeClr val="accent6"/>
-          </a:effectRef>
-          <a:fontRef idx="minor">
-            <a:schemeClr val="lt1"/>
-          </a:fontRef>
-        </p:style>
-        <p:txBody>
-          <a:bodyPr rtlCol="0" anchor="ctr"/>
-          <a:lstStyle/>
-          <a:p>
-            <a:pPr algn="ctr"/>
-            <a:endParaRPr lang="zh-TW" altLang="en-US"/>
-          </a:p>
-        </p:txBody>
-      </p:sp>
-      <p:sp>
-        <p:nvSpPr>
-          <p:cNvPr id="7" name="文字方塊 6">
-            <a:extLst>
-              <a:ext uri="{FF2B5EF4-FFF2-40B4-BE49-F238E27FC236}">
-                <a16:creationId xmlns:a16="http://schemas.microsoft.com/office/drawing/2014/main" id="{D15FA7AA-2EE9-EB36-4EB2-58C95C79BFDC}"/>
-              </a:ext>
-            </a:extLst>
-          </p:cNvPr>
-          <p:cNvSpPr txBox="1"/>
-          <p:nvPr/>
-        </p:nvSpPr>
-        <p:spPr>
-          <a:xfrm>
-            <a:off x="4144858" y="5413472"/>
-            <a:ext cx="1558440" cy="369332"/>
-          </a:xfrm>
-          <a:prstGeom prst="rect">
-            <a:avLst/>
-          </a:prstGeom>
-          <a:noFill/>
-        </p:spPr>
-        <p:txBody>
-          <a:bodyPr wrap="none" rtlCol="0">
-            <a:spAutoFit/>
-          </a:bodyPr>
-          <a:lstStyle/>
-          <a:p>
-            <a:r>
-              <a:rPr lang="en-US" altLang="zh-TW" dirty="0">
-                <a:latin typeface="王漢宗特黑體繁" panose="02000500000000000000" pitchFamily="2" charset="-120"/>
-                <a:ea typeface="王漢宗特黑體繁" panose="02000500000000000000" pitchFamily="2" charset="-120"/>
-              </a:rPr>
-              <a:t>2.</a:t>
-            </a:r>
-            <a:r>
-              <a:rPr lang="zh-TW" altLang="en-US" dirty="0">
-                <a:latin typeface="王漢宗特黑體繁" panose="02000500000000000000" pitchFamily="2" charset="-120"/>
-                <a:ea typeface="王漢宗特黑體繁" panose="02000500000000000000" pitchFamily="2" charset="-120"/>
-              </a:rPr>
-              <a:t>做</a:t>
-            </a:r>
-            <a:r>
-              <a:rPr lang="en-US" altLang="zh-TW" dirty="0">
-                <a:latin typeface="王漢宗特黑體繁" panose="02000500000000000000" pitchFamily="2" charset="-120"/>
-                <a:ea typeface="王漢宗特黑體繁" panose="02000500000000000000" pitchFamily="2" charset="-120"/>
-              </a:rPr>
-              <a:t>CFO</a:t>
-            </a:r>
-            <a:r>
-              <a:rPr lang="zh-TW" altLang="en-US" dirty="0">
-                <a:latin typeface="王漢宗特黑體繁" panose="02000500000000000000" pitchFamily="2" charset="-120"/>
-                <a:ea typeface="王漢宗特黑體繁" panose="02000500000000000000" pitchFamily="2" charset="-120"/>
-              </a:rPr>
-              <a:t>校正</a:t>
-            </a:r>
-          </a:p>
-        </p:txBody>
-      </p:sp>
-      <p:sp>
-        <p:nvSpPr>
-          <p:cNvPr id="11" name="文字方塊 10">
-            <a:extLst>
-              <a:ext uri="{FF2B5EF4-FFF2-40B4-BE49-F238E27FC236}">
-                <a16:creationId xmlns:a16="http://schemas.microsoft.com/office/drawing/2014/main" id="{7B360480-C0C0-7BAD-2E53-3DE153A172A5}"/>
-              </a:ext>
-            </a:extLst>
-          </p:cNvPr>
-          <p:cNvSpPr txBox="1"/>
-          <p:nvPr/>
-        </p:nvSpPr>
-        <p:spPr>
-          <a:xfrm>
-            <a:off x="5745708" y="1877009"/>
-            <a:ext cx="1167305" cy="3939540"/>
-          </a:xfrm>
-          <a:prstGeom prst="rect">
-            <a:avLst/>
-          </a:prstGeom>
-          <a:noFill/>
-        </p:spPr>
-        <p:txBody>
-          <a:bodyPr wrap="square" rtlCol="0">
-            <a:spAutoFit/>
-          </a:bodyPr>
-          <a:lstStyle/>
-          <a:p>
-            <a:r>
-              <a:rPr lang="en-US" altLang="zh-TW" sz="25000" dirty="0"/>
-              <a:t>}</a:t>
-            </a:r>
-            <a:endParaRPr lang="zh-TW" altLang="en-US" sz="25000" dirty="0"/>
-          </a:p>
-        </p:txBody>
-      </p:sp>
-      <p:sp>
-        <p:nvSpPr>
-          <p:cNvPr id="14" name="文字方塊 13">
-            <a:extLst>
-              <a:ext uri="{FF2B5EF4-FFF2-40B4-BE49-F238E27FC236}">
-                <a16:creationId xmlns:a16="http://schemas.microsoft.com/office/drawing/2014/main" id="{E7AA1716-82CD-F7B5-E35C-764B1630A783}"/>
-              </a:ext>
-            </a:extLst>
-          </p:cNvPr>
-          <p:cNvSpPr txBox="1"/>
-          <p:nvPr/>
-        </p:nvSpPr>
-        <p:spPr>
-          <a:xfrm>
-            <a:off x="6913013" y="4066293"/>
-            <a:ext cx="1766830" cy="369332"/>
-          </a:xfrm>
-          <a:prstGeom prst="rect">
-            <a:avLst/>
-          </a:prstGeom>
-          <a:noFill/>
-        </p:spPr>
-        <p:txBody>
-          <a:bodyPr wrap="none" rtlCol="0">
-            <a:spAutoFit/>
-          </a:bodyPr>
-          <a:lstStyle/>
-          <a:p>
-            <a:r>
-              <a:rPr lang="en-US" altLang="zh-TW" dirty="0">
-                <a:latin typeface="王漢宗特黑體繁" panose="02000500000000000000" pitchFamily="2" charset="-120"/>
-                <a:ea typeface="王漢宗特黑體繁" panose="02000500000000000000" pitchFamily="2" charset="-120"/>
-              </a:rPr>
-              <a:t>3.</a:t>
-            </a:r>
-            <a:r>
-              <a:rPr lang="zh-TW" altLang="en-US" dirty="0">
-                <a:latin typeface="王漢宗特黑體繁" panose="02000500000000000000" pitchFamily="2" charset="-120"/>
-                <a:ea typeface="王漢宗特黑體繁" panose="02000500000000000000" pitchFamily="2" charset="-120"/>
-              </a:rPr>
-              <a:t>測試是否成功</a:t>
-            </a:r>
-          </a:p>
-        </p:txBody>
-      </p:sp>
-      <p:pic>
-        <p:nvPicPr>
-          <p:cNvPr id="19" name="圖片 18">
-            <a:extLst>
-              <a:ext uri="{FF2B5EF4-FFF2-40B4-BE49-F238E27FC236}">
-                <a16:creationId xmlns:a16="http://schemas.microsoft.com/office/drawing/2014/main" id="{08B7EDEF-D278-83D9-5A58-865105A25D39}"/>
-              </a:ext>
-            </a:extLst>
-          </p:cNvPr>
-          <p:cNvPicPr>
-            <a:picLocks noChangeAspect="1"/>
-          </p:cNvPicPr>
-          <p:nvPr/>
-        </p:nvPicPr>
-        <p:blipFill>
-          <a:blip r:embed="rId5"/>
-          <a:stretch>
-            <a:fillRect/>
-          </a:stretch>
-        </p:blipFill>
-        <p:spPr>
-          <a:xfrm>
-            <a:off x="9323090" y="1688173"/>
-            <a:ext cx="1766830" cy="1948044"/>
-          </a:xfrm>
-          <a:prstGeom prst="rect">
-            <a:avLst/>
-          </a:prstGeom>
-        </p:spPr>
-      </p:pic>
-      <p:sp>
-        <p:nvSpPr>
-          <p:cNvPr id="20" name="文字方塊 19">
-            <a:extLst>
-              <a:ext uri="{FF2B5EF4-FFF2-40B4-BE49-F238E27FC236}">
-                <a16:creationId xmlns:a16="http://schemas.microsoft.com/office/drawing/2014/main" id="{A3A93B62-AC8D-3A28-0BA0-A287363EA363}"/>
-              </a:ext>
-            </a:extLst>
-          </p:cNvPr>
-          <p:cNvSpPr txBox="1"/>
-          <p:nvPr/>
-        </p:nvSpPr>
-        <p:spPr>
-          <a:xfrm>
-            <a:off x="8890118" y="1185751"/>
-            <a:ext cx="865943" cy="461665"/>
-          </a:xfrm>
-          <a:prstGeom prst="rect">
-            <a:avLst/>
-          </a:prstGeom>
-          <a:noFill/>
-        </p:spPr>
-        <p:txBody>
-          <a:bodyPr wrap="none" rtlCol="0">
-            <a:spAutoFit/>
-          </a:bodyPr>
-          <a:lstStyle/>
-          <a:p>
-            <a:r>
-              <a:rPr lang="zh-TW" altLang="en-US" sz="2400" dirty="0">
-                <a:solidFill>
-                  <a:srgbClr val="00B050"/>
-                </a:solidFill>
-                <a:latin typeface="王漢宗特黑體繁" panose="02000500000000000000" pitchFamily="2" charset="-120"/>
-                <a:ea typeface="王漢宗特黑體繁" panose="02000500000000000000" pitchFamily="2" charset="-120"/>
-              </a:rPr>
-              <a:t>成功</a:t>
-            </a:r>
-            <a:r>
-              <a:rPr lang="en-US" altLang="zh-TW" sz="2400" dirty="0">
-                <a:solidFill>
-                  <a:srgbClr val="00B050"/>
-                </a:solidFill>
-                <a:latin typeface="王漢宗特黑體繁" panose="02000500000000000000" pitchFamily="2" charset="-120"/>
-                <a:ea typeface="王漢宗特黑體繁" panose="02000500000000000000" pitchFamily="2" charset="-120"/>
-              </a:rPr>
-              <a:t>:</a:t>
-            </a:r>
-            <a:endParaRPr lang="zh-TW" altLang="en-US" sz="2400" dirty="0">
-              <a:solidFill>
-                <a:srgbClr val="00B050"/>
-              </a:solidFill>
-              <a:latin typeface="王漢宗特黑體繁" panose="02000500000000000000" pitchFamily="2" charset="-120"/>
-              <a:ea typeface="王漢宗特黑體繁" panose="02000500000000000000" pitchFamily="2" charset="-120"/>
-            </a:endParaRPr>
-          </a:p>
-        </p:txBody>
-      </p:sp>
-      <p:sp>
-        <p:nvSpPr>
-          <p:cNvPr id="21" name="文字方塊 20">
-            <a:extLst>
-              <a:ext uri="{FF2B5EF4-FFF2-40B4-BE49-F238E27FC236}">
-                <a16:creationId xmlns:a16="http://schemas.microsoft.com/office/drawing/2014/main" id="{60747167-C9E5-465B-1F76-039B70D6A3C4}"/>
-              </a:ext>
-            </a:extLst>
-          </p:cNvPr>
-          <p:cNvSpPr txBox="1"/>
-          <p:nvPr/>
-        </p:nvSpPr>
-        <p:spPr>
-          <a:xfrm>
-            <a:off x="8890117" y="3720238"/>
-            <a:ext cx="865943" cy="461665"/>
-          </a:xfrm>
-          <a:prstGeom prst="rect">
-            <a:avLst/>
-          </a:prstGeom>
-          <a:noFill/>
-        </p:spPr>
-        <p:txBody>
-          <a:bodyPr wrap="none" rtlCol="0">
-            <a:spAutoFit/>
-          </a:bodyPr>
-          <a:lstStyle/>
-          <a:p>
-            <a:r>
-              <a:rPr lang="zh-TW" altLang="en-US" sz="2400" dirty="0">
-                <a:solidFill>
-                  <a:srgbClr val="FF0000"/>
-                </a:solidFill>
-                <a:latin typeface="王漢宗特黑體繁" panose="02000500000000000000" pitchFamily="2" charset="-120"/>
-                <a:ea typeface="王漢宗特黑體繁" panose="02000500000000000000" pitchFamily="2" charset="-120"/>
-              </a:rPr>
-              <a:t>失敗</a:t>
-            </a:r>
-            <a:r>
-              <a:rPr lang="en-US" altLang="zh-TW" sz="2400" dirty="0">
-                <a:solidFill>
-                  <a:srgbClr val="FF0000"/>
-                </a:solidFill>
-                <a:latin typeface="王漢宗特黑體繁" panose="02000500000000000000" pitchFamily="2" charset="-120"/>
-                <a:ea typeface="王漢宗特黑體繁" panose="02000500000000000000" pitchFamily="2" charset="-120"/>
-              </a:rPr>
-              <a:t>:</a:t>
-            </a:r>
-            <a:endParaRPr lang="zh-TW" altLang="en-US" sz="2400" dirty="0">
-              <a:solidFill>
-                <a:srgbClr val="FF0000"/>
-              </a:solidFill>
-              <a:latin typeface="王漢宗特黑體繁" panose="02000500000000000000" pitchFamily="2" charset="-120"/>
-              <a:ea typeface="王漢宗特黑體繁" panose="02000500000000000000" pitchFamily="2" charset="-120"/>
-            </a:endParaRPr>
-          </a:p>
-        </p:txBody>
-      </p:sp>
-      <p:pic>
-        <p:nvPicPr>
-          <p:cNvPr id="25" name="圖片 24">
-            <a:extLst>
-              <a:ext uri="{FF2B5EF4-FFF2-40B4-BE49-F238E27FC236}">
-                <a16:creationId xmlns:a16="http://schemas.microsoft.com/office/drawing/2014/main" id="{D410175B-0325-16B7-2AC4-E29858844CA8}"/>
-              </a:ext>
-            </a:extLst>
-          </p:cNvPr>
-          <p:cNvPicPr>
-            <a:picLocks noChangeAspect="1"/>
-          </p:cNvPicPr>
-          <p:nvPr/>
-        </p:nvPicPr>
-        <p:blipFill>
-          <a:blip r:embed="rId6"/>
-          <a:stretch>
-            <a:fillRect/>
-          </a:stretch>
-        </p:blipFill>
-        <p:spPr>
-          <a:xfrm>
-            <a:off x="9323088" y="4244297"/>
-            <a:ext cx="1766830" cy="2012844"/>
-          </a:xfrm>
-          <a:prstGeom prst="rect">
-            <a:avLst/>
-          </a:prstGeom>
-        </p:spPr>
-      </p:pic>
-    </p:spTree>
-    <p:extLst>
-      <p:ext uri="{BB962C8B-B14F-4D97-AF65-F5344CB8AC3E}">
-        <p14:creationId xmlns:p14="http://schemas.microsoft.com/office/powerpoint/2010/main" val="3142542637"/>
-      </p:ext>
-    </p:extLst>
-  </p:cSld>
-  <p:clrMapOvr>
-    <a:masterClrMapping/>
-  </p:clrMapOvr>
-</p:sld>
-</file>
-
-<file path=ppt/slides/slide11.xml><?xml version="1.0" encoding="utf-8"?>
-<p:sld xmlns:a="http://schemas.openxmlformats.org/drawingml/2006/main" xmlns:r="http://schemas.openxmlformats.org/officeDocument/2006/relationships" xmlns:p="http://schemas.openxmlformats.org/presentationml/2006/main">
-  <p:cSld>
-    <p:spTree>
-      <p:nvGrpSpPr>
-        <p:cNvPr id="1" name=""/>
-        <p:cNvGrpSpPr/>
-        <p:nvPr/>
-      </p:nvGrpSpPr>
-      <p:grpSpPr>
-        <a:xfrm>
-          <a:off x="0" y="0"/>
-          <a:ext cx="0" cy="0"/>
-          <a:chOff x="0" y="0"/>
-          <a:chExt cx="0" cy="0"/>
-        </a:xfrm>
-      </p:grpSpPr>
-      <p:sp>
-        <p:nvSpPr>
-          <p:cNvPr id="2" name="標題 1">
-            <a:extLst>
-              <a:ext uri="{FF2B5EF4-FFF2-40B4-BE49-F238E27FC236}">
-                <a16:creationId xmlns:a16="http://schemas.microsoft.com/office/drawing/2014/main" id="{D9AB7535-4395-5CF0-C825-7186D87DB238}"/>
-              </a:ext>
-            </a:extLst>
-          </p:cNvPr>
-          <p:cNvSpPr>
-            <a:spLocks noGrp="1"/>
-          </p:cNvSpPr>
-          <p:nvPr>
-            <p:ph type="title"/>
-          </p:nvPr>
-        </p:nvSpPr>
-        <p:spPr>
-          <a:xfrm>
-            <a:off x="1754460" y="667559"/>
+            <a:off x="1640156" y="596119"/>
             <a:ext cx="8911687" cy="1280890"/>
           </a:xfrm>
         </p:spPr>
@@ -14613,7 +13975,7 @@
 </p:sld>
 </file>
 
-<file path=ppt/slides/slide12.xml><?xml version="1.0" encoding="utf-8"?>
+<file path=ppt/slides/slide11.xml><?xml version="1.0" encoding="utf-8"?>
 <p:sld xmlns:a="http://schemas.openxmlformats.org/drawingml/2006/main" xmlns:r="http://schemas.openxmlformats.org/officeDocument/2006/relationships" xmlns:p="http://schemas.openxmlformats.org/presentationml/2006/main">
   <p:cSld>
     <p:spTree>
@@ -14648,7 +14010,7 @@
         </p:nvSpPr>
         <p:spPr>
           <a:xfrm>
-            <a:off x="1754460" y="596119"/>
+            <a:off x="1640156" y="596119"/>
             <a:ext cx="8911687" cy="1280890"/>
           </a:xfrm>
         </p:spPr>
@@ -14659,12 +14021,16 @@
           <a:lstStyle/>
           <a:p>
             <a:r>
-              <a:rPr lang="zh-TW" altLang="en-US" sz="4400" dirty="0">
+              <a:rPr lang="zh-TW" altLang="en-US" sz="4400">
                 <a:latin typeface="華康POP1體W7" panose="040B0709000000000000" pitchFamily="81" charset="-120"/>
                 <a:ea typeface="華康POP1體W7" panose="040B0709000000000000" pitchFamily="81" charset="-120"/>
               </a:rPr>
               <a:t>結果圖</a:t>
             </a:r>
+            <a:endParaRPr lang="zh-TW" altLang="en-US" sz="4400" dirty="0">
+              <a:latin typeface="華康POP1體W7" panose="040B0709000000000000" pitchFamily="81" charset="-120"/>
+              <a:ea typeface="華康POP1體W7" panose="040B0709000000000000" pitchFamily="81" charset="-120"/>
+            </a:endParaRPr>
           </a:p>
         </p:txBody>
       </p:sp>
@@ -14681,7 +14047,7 @@
 </p:sld>
 </file>
 
-<file path=ppt/slides/slide13.xml><?xml version="1.0" encoding="utf-8"?>
+<file path=ppt/slides/slide12.xml><?xml version="1.0" encoding="utf-8"?>
 <p:sld xmlns:a="http://schemas.openxmlformats.org/drawingml/2006/main" xmlns:r="http://schemas.openxmlformats.org/officeDocument/2006/relationships" xmlns:p="http://schemas.openxmlformats.org/presentationml/2006/main">
   <p:cSld>
     <p:spTree>
@@ -14714,23 +14080,13 @@
             <p:ph type="title"/>
           </p:nvPr>
         </p:nvSpPr>
-        <p:spPr>
-          <a:xfrm>
-            <a:off x="1764250" y="624110"/>
-            <a:ext cx="8911687" cy="1280890"/>
-          </a:xfrm>
-        </p:spPr>
+        <p:spPr/>
         <p:txBody>
-          <a:bodyPr>
-            <a:normAutofit/>
-          </a:bodyPr>
+          <a:bodyPr/>
           <a:lstStyle/>
           <a:p>
             <a:r>
-              <a:rPr lang="zh-TW" altLang="en-US" sz="4400" dirty="0">
-                <a:latin typeface="華康POP1體W7" panose="040B0709000000000000" pitchFamily="81" charset="-120"/>
-                <a:ea typeface="華康POP1體W7" panose="040B0709000000000000" pitchFamily="81" charset="-120"/>
-              </a:rPr>
+              <a:rPr lang="zh-TW" altLang="en-US" dirty="0"/>
               <a:t>結論與貢獻</a:t>
             </a:r>
           </a:p>
@@ -14777,7 +14133,7 @@
 </p:sld>
 </file>
 
-<file path=ppt/slides/slide14.xml><?xml version="1.0" encoding="utf-8"?>
+<file path=ppt/slides/slide13.xml><?xml version="1.0" encoding="utf-8"?>
 <p:sld xmlns:a="http://schemas.openxmlformats.org/drawingml/2006/main" xmlns:r="http://schemas.openxmlformats.org/officeDocument/2006/relationships" xmlns:p="http://schemas.openxmlformats.org/presentationml/2006/main">
   <p:cSld>
     <p:spTree>
@@ -14812,21 +14168,17 @@
         </p:nvSpPr>
         <p:spPr>
           <a:xfrm>
-            <a:off x="1678282" y="607263"/>
+            <a:off x="1535402" y="850154"/>
             <a:ext cx="8911687" cy="1028355"/>
           </a:xfrm>
         </p:spPr>
         <p:txBody>
-          <a:bodyPr>
-            <a:normAutofit/>
-          </a:bodyPr>
+          <a:bodyPr/>
           <a:lstStyle/>
           <a:p>
-            <a:r>
-              <a:rPr lang="zh-TW" altLang="en-US" sz="4400" dirty="0">
-                <a:latin typeface="華康POP1體W7" panose="040B0709000000000000" pitchFamily="81" charset="-120"/>
-                <a:ea typeface="華康POP1體W7" panose="040B0709000000000000" pitchFamily="81" charset="-120"/>
-              </a:rPr>
+            <a:pPr algn="ctr"/>
+            <a:r>
+              <a:rPr lang="zh-TW" altLang="en-US" dirty="0"/>
               <a:t>工作分配</a:t>
             </a:r>
           </a:p>
@@ -15030,21 +14382,7 @@
                 <a:latin typeface="華康細明體" panose="02020309000000000000" pitchFamily="49" charset="-120"/>
                 <a:ea typeface="華康細明體" panose="02020309000000000000" pitchFamily="49" charset="-120"/>
               </a:rPr>
-              <a:t>萬子謙：嘗試分開</a:t>
-            </a:r>
-            <a:r>
-              <a:rPr lang="en-US" altLang="zh-TW" dirty="0" err="1">
-                <a:latin typeface="華康細明體" panose="02020309000000000000" pitchFamily="49" charset="-120"/>
-                <a:ea typeface="華康細明體" panose="02020309000000000000" pitchFamily="49" charset="-120"/>
-              </a:rPr>
-              <a:t>tx,rx,CFO</a:t>
-            </a:r>
-            <a:r>
-              <a:rPr lang="zh-TW" altLang="en-US" dirty="0">
-                <a:latin typeface="華康細明體" panose="02020309000000000000" pitchFamily="49" charset="-120"/>
-                <a:ea typeface="華康細明體" panose="02020309000000000000" pitchFamily="49" charset="-120"/>
-              </a:rPr>
-              <a:t>校正</a:t>
+              <a:t>萬子謙：</a:t>
             </a:r>
             <a:endParaRPr lang="en-US" altLang="zh-TW" dirty="0">
               <a:latin typeface="華康細明體" panose="02020309000000000000" pitchFamily="49" charset="-120"/>
@@ -15227,13 +14565,12 @@
             </a:endParaRPr>
           </a:p>
           <a:p>
-            <a:pPr lvl="0"/>
             <a:r>
               <a:rPr lang="zh-TW" altLang="en-US" dirty="0">
                 <a:latin typeface="華康細明體" panose="02020309000000000000" pitchFamily="49" charset="-120"/>
                 <a:ea typeface="華康細明體" panose="02020309000000000000" pitchFamily="49" charset="-120"/>
               </a:rPr>
-              <a:t>陳軍銓：</a:t>
+              <a:t>陳軍銓：整理資料</a:t>
             </a:r>
             <a:endParaRPr kumimoji="0" lang="en-US" altLang="zh-TW" sz="2800" b="0" i="0" u="none" strike="noStrike" kern="1200" cap="none" spc="0" normalizeH="0" baseline="0" noProof="0" dirty="0">
               <a:ln>
@@ -15256,40 +14593,108 @@
               </a:rPr>
               <a:t>陳建霖：</a:t>
             </a:r>
+            <a:r>
+              <a:rPr kumimoji="0" lang="zh-TW" altLang="en-US" sz="2800" b="0" i="0" u="none" strike="noStrike" kern="1200" cap="none" spc="0" normalizeH="0" baseline="0" noProof="0" dirty="0">
+                <a:ln>
+                  <a:noFill/>
+                </a:ln>
+                <a:effectLst/>
+                <a:uLnTx/>
+                <a:uFillTx/>
+                <a:latin typeface="華康細明體" panose="02020309000000000000" pitchFamily="49" charset="-120"/>
+                <a:ea typeface="華康細明體" panose="02020309000000000000" pitchFamily="49" charset="-120"/>
+                <a:cs typeface="+mn-cs"/>
+              </a:rPr>
+              <a:t>吉祥物</a:t>
+            </a:r>
+            <a:endParaRPr kumimoji="0" lang="en-US" altLang="zh-TW" sz="2800" b="0" i="0" u="none" strike="noStrike" kern="1200" cap="none" spc="0" normalizeH="0" baseline="0" noProof="0" dirty="0">
+              <a:ln>
+                <a:noFill/>
+              </a:ln>
+              <a:effectLst/>
+              <a:uLnTx/>
+              <a:uFillTx/>
+              <a:latin typeface="華康細明體" panose="02020309000000000000" pitchFamily="49" charset="-120"/>
+              <a:ea typeface="華康細明體" panose="02020309000000000000" pitchFamily="49" charset="-120"/>
+              <a:cs typeface="+mn-cs"/>
+            </a:endParaRPr>
+          </a:p>
+          <a:p>
+            <a:r>
+              <a:rPr lang="zh-TW" altLang="en-US" dirty="0">
+                <a:latin typeface="華康細明體" panose="02020309000000000000" pitchFamily="49" charset="-120"/>
+                <a:ea typeface="華康細明體" panose="02020309000000000000" pitchFamily="49" charset="-120"/>
+              </a:rPr>
+              <a:t>姚辰彥：整理資料</a:t>
+            </a:r>
+            <a:endParaRPr kumimoji="0" lang="en-US" altLang="zh-TW" sz="4000" b="0" i="0" u="none" strike="noStrike" kern="1200" cap="none" spc="0" normalizeH="0" baseline="0" noProof="0" dirty="0">
+              <a:ln>
+                <a:noFill/>
+              </a:ln>
+              <a:effectLst/>
+              <a:uLnTx/>
+              <a:uFillTx/>
+              <a:latin typeface="華康細明體" panose="02020309000000000000" pitchFamily="49" charset="-120"/>
+              <a:ea typeface="華康細明體" panose="02020309000000000000" pitchFamily="49" charset="-120"/>
+              <a:cs typeface="+mn-cs"/>
+            </a:endParaRPr>
+          </a:p>
+          <a:p>
+            <a:r>
+              <a:rPr lang="zh-TW" altLang="en-US" dirty="0">
+                <a:latin typeface="華康細明體" panose="02020309000000000000" pitchFamily="49" charset="-120"/>
+                <a:ea typeface="華康細明體" panose="02020309000000000000" pitchFamily="49" charset="-120"/>
+              </a:rPr>
+              <a:t>卓家葳：整理資料</a:t>
+            </a:r>
             <a:endParaRPr lang="en-US" altLang="zh-TW" dirty="0">
               <a:latin typeface="華康細明體" panose="02020309000000000000" pitchFamily="49" charset="-120"/>
               <a:ea typeface="華康細明體" panose="02020309000000000000" pitchFamily="49" charset="-120"/>
             </a:endParaRPr>
           </a:p>
           <a:p>
-            <a:pPr lvl="0"/>
-            <a:r>
-              <a:rPr lang="zh-TW" altLang="en-US" dirty="0">
+            <a:r>
+              <a:rPr kumimoji="0" lang="zh-TW" altLang="en-US" sz="2800" b="0" i="0" u="none" strike="noStrike" kern="1200" cap="none" spc="0" normalizeH="0" baseline="0" noProof="0" dirty="0">
+                <a:ln>
+                  <a:noFill/>
+                </a:ln>
+                <a:effectLst/>
+                <a:uLnTx/>
+                <a:uFillTx/>
                 <a:latin typeface="華康細明體" panose="02020309000000000000" pitchFamily="49" charset="-120"/>
                 <a:ea typeface="華康細明體" panose="02020309000000000000" pitchFamily="49" charset="-120"/>
+                <a:cs typeface="+mn-cs"/>
               </a:rPr>
-              <a:t>姚辰彥：</a:t>
-            </a:r>
-            <a:endParaRPr lang="en-US" altLang="zh-TW" dirty="0">
-              <a:latin typeface="華康細明體" panose="02020309000000000000" pitchFamily="49" charset="-120"/>
-              <a:ea typeface="華康細明體" panose="02020309000000000000" pitchFamily="49" charset="-120"/>
-            </a:endParaRPr>
-          </a:p>
-          <a:p>
-            <a:r>
-              <a:rPr lang="zh-TW" altLang="en-US" dirty="0">
+              <a:t>羅弘鈁</a:t>
+            </a:r>
+            <a:r>
+              <a:rPr kumimoji="0" lang="en-US" altLang="zh-TW" sz="2800" b="0" i="0" u="none" strike="noStrike" kern="1200" cap="none" spc="0" normalizeH="0" baseline="0" noProof="0" dirty="0">
+                <a:ln>
+                  <a:noFill/>
+                </a:ln>
+                <a:effectLst/>
+                <a:uLnTx/>
+                <a:uFillTx/>
                 <a:latin typeface="華康細明體" panose="02020309000000000000" pitchFamily="49" charset="-120"/>
                 <a:ea typeface="華康細明體" panose="02020309000000000000" pitchFamily="49" charset="-120"/>
+                <a:cs typeface="+mn-cs"/>
               </a:rPr>
-              <a:t>卓家葳：</a:t>
-            </a:r>
-            <a:endParaRPr lang="en-US" altLang="zh-TW" sz="4000" dirty="0">
-              <a:latin typeface="華康細明體" panose="02020309000000000000" pitchFamily="49" charset="-120"/>
-              <a:ea typeface="華康細明體" panose="02020309000000000000" pitchFamily="49" charset="-120"/>
-            </a:endParaRPr>
-          </a:p>
-          <a:p>
-            <a:pPr lvl="0"/>
+              <a:t>:</a:t>
+            </a:r>
+            <a:r>
+              <a:rPr kumimoji="0" lang="zh-TW" altLang="en-US" sz="2800" b="0" i="0" u="none" strike="noStrike" kern="1200" cap="none" spc="0" normalizeH="0" baseline="0" noProof="0" dirty="0">
+                <a:ln>
+                  <a:noFill/>
+                </a:ln>
+                <a:effectLst/>
+                <a:uLnTx/>
+                <a:uFillTx/>
+                <a:latin typeface="華康細明體" panose="02020309000000000000" pitchFamily="49" charset="-120"/>
+                <a:ea typeface="華康細明體" panose="02020309000000000000" pitchFamily="49" charset="-120"/>
+                <a:cs typeface="+mn-cs"/>
+              </a:rPr>
+              <a:t>完全沒作用</a:t>
+            </a:r>
             <a:endParaRPr kumimoji="0" lang="en-US" altLang="zh-TW" sz="2800" b="0" i="0" u="none" strike="noStrike" kern="1200" cap="none" spc="0" normalizeH="0" baseline="0" noProof="0" dirty="0">
               <a:ln>
                 <a:noFill/>
@@ -15383,7 +14788,7 @@
 </p:sld>
 </file>
 
-<file path=ppt/slides/slide15.xml><?xml version="1.0" encoding="utf-8"?>
+<file path=ppt/slides/slide14.xml><?xml version="1.0" encoding="utf-8"?>
 <p:sld xmlns:a="http://schemas.openxmlformats.org/drawingml/2006/main" xmlns:r="http://schemas.openxmlformats.org/officeDocument/2006/relationships" xmlns:p="http://schemas.openxmlformats.org/presentationml/2006/main">
   <p:cSld>
     <p:spTree>
@@ -15416,23 +14821,14 @@
             <p:ph type="title"/>
           </p:nvPr>
         </p:nvSpPr>
-        <p:spPr>
-          <a:xfrm>
-            <a:off x="1664234" y="624110"/>
-            <a:ext cx="8911687" cy="1280890"/>
-          </a:xfrm>
-        </p:spPr>
+        <p:spPr/>
         <p:txBody>
-          <a:bodyPr>
-            <a:normAutofit/>
-          </a:bodyPr>
+          <a:bodyPr/>
           <a:lstStyle/>
           <a:p>
-            <a:r>
-              <a:rPr lang="zh-TW" altLang="en-US" sz="4400" dirty="0">
-                <a:latin typeface="華康POP1體W7" panose="040B0709000000000000" pitchFamily="81" charset="-120"/>
-                <a:ea typeface="華康POP1體W7" panose="040B0709000000000000" pitchFamily="81" charset="-120"/>
-              </a:rPr>
+            <a:pPr algn="ctr"/>
+            <a:r>
+              <a:rPr lang="zh-TW" altLang="en-US" dirty="0"/>
               <a:t>參考文獻</a:t>
             </a:r>
           </a:p>
@@ -15467,6 +14863,94 @@
     <p:extLst>
       <p:ext uri="{BB962C8B-B14F-4D97-AF65-F5344CB8AC3E}">
         <p14:creationId xmlns:p14="http://schemas.microsoft.com/office/powerpoint/2010/main" val="4107749069"/>
+      </p:ext>
+    </p:extLst>
+  </p:cSld>
+  <p:clrMapOvr>
+    <a:masterClrMapping/>
+  </p:clrMapOvr>
+</p:sld>
+</file>
+
+<file path=ppt/slides/slide15.xml><?xml version="1.0" encoding="utf-8"?>
+<p:sld xmlns:a="http://schemas.openxmlformats.org/drawingml/2006/main" xmlns:r="http://schemas.openxmlformats.org/officeDocument/2006/relationships" xmlns:p="http://schemas.openxmlformats.org/presentationml/2006/main">
+  <p:cSld>
+    <p:spTree>
+      <p:nvGrpSpPr>
+        <p:cNvPr id="1" name=""/>
+        <p:cNvGrpSpPr/>
+        <p:nvPr/>
+      </p:nvGrpSpPr>
+      <p:grpSpPr>
+        <a:xfrm>
+          <a:off x="0" y="0"/>
+          <a:ext cx="0" cy="0"/>
+          <a:chOff x="0" y="0"/>
+          <a:chExt cx="0" cy="0"/>
+        </a:xfrm>
+      </p:grpSpPr>
+      <p:sp>
+        <p:nvSpPr>
+          <p:cNvPr id="2" name="標題 1">
+            <a:extLst>
+              <a:ext uri="{FF2B5EF4-FFF2-40B4-BE49-F238E27FC236}">
+                <a16:creationId xmlns:a16="http://schemas.microsoft.com/office/drawing/2014/main" id="{C35C608C-784B-4B0E-8728-FC6EF91BC996}"/>
+              </a:ext>
+            </a:extLst>
+          </p:cNvPr>
+          <p:cNvSpPr>
+            <a:spLocks noGrp="1"/>
+          </p:cNvSpPr>
+          <p:nvPr>
+            <p:ph type="title"/>
+          </p:nvPr>
+        </p:nvSpPr>
+        <p:spPr/>
+        <p:txBody>
+          <a:bodyPr/>
+          <a:lstStyle/>
+          <a:p>
+            <a:pPr algn="ctr"/>
+            <a:r>
+              <a:rPr lang="zh-TW" altLang="en-US" dirty="0">
+                <a:solidFill>
+                  <a:schemeClr val="tx1"/>
+                </a:solidFill>
+              </a:rPr>
+              <a:t>參考文獻</a:t>
+            </a:r>
+          </a:p>
+        </p:txBody>
+      </p:sp>
+      <p:sp>
+        <p:nvSpPr>
+          <p:cNvPr id="3" name="內容版面配置區 2">
+            <a:extLst>
+              <a:ext uri="{FF2B5EF4-FFF2-40B4-BE49-F238E27FC236}">
+                <a16:creationId xmlns:a16="http://schemas.microsoft.com/office/drawing/2014/main" id="{DE5E4C15-3957-47E3-AE62-C3DDF5977B2B}"/>
+              </a:ext>
+            </a:extLst>
+          </p:cNvPr>
+          <p:cNvSpPr>
+            <a:spLocks noGrp="1"/>
+          </p:cNvSpPr>
+          <p:nvPr>
+            <p:ph idx="1"/>
+          </p:nvPr>
+        </p:nvSpPr>
+        <p:spPr/>
+        <p:txBody>
+          <a:bodyPr/>
+          <a:lstStyle/>
+          <a:p>
+            <a:endParaRPr lang="zh-TW" altLang="en-US"/>
+          </a:p>
+        </p:txBody>
+      </p:sp>
+    </p:spTree>
+    <p:extLst>
+      <p:ext uri="{BB962C8B-B14F-4D97-AF65-F5344CB8AC3E}">
+        <p14:creationId xmlns:p14="http://schemas.microsoft.com/office/powerpoint/2010/main" val="174598232"/>
       </p:ext>
     </p:extLst>
   </p:cSld>
@@ -15509,23 +14993,13 @@
             <p:ph type="title"/>
           </p:nvPr>
         </p:nvSpPr>
-        <p:spPr>
-          <a:xfrm>
-            <a:off x="1635659" y="681262"/>
-            <a:ext cx="8911687" cy="1280890"/>
-          </a:xfrm>
-        </p:spPr>
+        <p:spPr/>
         <p:txBody>
-          <a:bodyPr>
-            <a:normAutofit/>
-          </a:bodyPr>
+          <a:bodyPr/>
           <a:lstStyle/>
           <a:p>
             <a:r>
-              <a:rPr lang="zh-TW" altLang="en-US" sz="4400" dirty="0">
-                <a:latin typeface="華康POP1體W7" panose="040B0709000000000000" pitchFamily="81" charset="-120"/>
-                <a:ea typeface="華康POP1體W7" panose="040B0709000000000000" pitchFamily="81" charset="-120"/>
-              </a:rPr>
+              <a:rPr lang="zh-TW" altLang="en-US" dirty="0"/>
               <a:t>提問環節</a:t>
             </a:r>
           </a:p>
@@ -15609,19 +15083,15 @@
           </a:xfrm>
         </p:spPr>
         <p:txBody>
-          <a:bodyPr>
-            <a:normAutofit/>
-          </a:bodyPr>
+          <a:bodyPr/>
           <a:lstStyle/>
           <a:p>
             <a:pPr algn="ctr"/>
             <a:r>
-              <a:rPr lang="zh-TW" altLang="en-US" sz="4400" dirty="0">
+              <a:rPr lang="zh-TW" altLang="en-US" dirty="0">
                 <a:solidFill>
                   <a:schemeClr val="tx1"/>
                 </a:solidFill>
-                <a:latin typeface="華康POP1體W7" panose="040B0709000000000000" pitchFamily="81" charset="-120"/>
-                <a:ea typeface="華康POP1體W7" panose="040B0709000000000000" pitchFamily="81" charset="-120"/>
               </a:rPr>
               <a:t>目錄</a:t>
             </a:r>
@@ -16455,7 +15925,7 @@
           <p:cNvPr id="2" name="標題 1">
             <a:extLst>
               <a:ext uri="{FF2B5EF4-FFF2-40B4-BE49-F238E27FC236}">
-                <a16:creationId xmlns:a16="http://schemas.microsoft.com/office/drawing/2014/main" id="{5E72CE09-D82C-4A70-8081-9DE1F55F836A}"/>
+                <a16:creationId xmlns:a16="http://schemas.microsoft.com/office/drawing/2014/main" id="{A20F942D-765C-4C4A-B743-47A3438CFE88}"/>
               </a:ext>
             </a:extLst>
           </p:cNvPr>
@@ -16466,24 +15936,40 @@
             <p:ph type="title"/>
           </p:nvPr>
         </p:nvSpPr>
-        <p:spPr/>
+        <p:spPr>
+          <a:xfrm>
+            <a:off x="1879051" y="600047"/>
+            <a:ext cx="8911687" cy="1280890"/>
+          </a:xfrm>
+        </p:spPr>
         <p:txBody>
           <a:bodyPr/>
           <a:lstStyle/>
           <a:p>
             <a:r>
-              <a:rPr lang="zh-TW" altLang="en-US" dirty="0"/>
+              <a:rPr kumimoji="0" lang="zh-TW" altLang="en-US" sz="3600" b="1" i="0" u="none" strike="noStrike" kern="1200" cap="none" spc="0" normalizeH="0" baseline="0" noProof="0" dirty="0">
+                <a:ln>
+                  <a:noFill/>
+                </a:ln>
+                <a:effectLst/>
+                <a:uLnTx/>
+                <a:uFillTx/>
+                <a:latin typeface="華康粗明體" panose="02020709000000000000" pitchFamily="49" charset="-120"/>
+                <a:ea typeface="華康粗明體" panose="02020709000000000000" pitchFamily="49" charset="-120"/>
+                <a:cs typeface="+mn-cs"/>
+              </a:rPr>
               <a:t>計劃緣由與目的</a:t>
             </a:r>
+            <a:endParaRPr lang="zh-TW" altLang="en-US" dirty="0"/>
           </a:p>
         </p:txBody>
       </p:sp>
       <p:sp>
         <p:nvSpPr>
-          <p:cNvPr id="3" name="內容版面配置區 2">
+          <p:cNvPr id="6" name="內容版面配置區 2">
             <a:extLst>
               <a:ext uri="{FF2B5EF4-FFF2-40B4-BE49-F238E27FC236}">
-                <a16:creationId xmlns:a16="http://schemas.microsoft.com/office/drawing/2014/main" id="{F970E2E5-4FDC-4518-A918-430EA81EEA57}"/>
+                <a16:creationId xmlns:a16="http://schemas.microsoft.com/office/drawing/2014/main" id="{E5A353AF-894E-C54E-F428-DDFAD7225883}"/>
               </a:ext>
             </a:extLst>
           </p:cNvPr>
@@ -16514,11 +16000,11 @@
             </a:r>
             <a:r>
               <a:rPr lang="zh-TW" altLang="en-US" sz="2800" dirty="0"/>
-              <a:t>）實現正交分頻多工 </a:t>
+              <a:t>）實現正交時序複用調製</a:t>
             </a:r>
             <a:r>
               <a:rPr lang="en-US" altLang="zh-TW" sz="2800" dirty="0"/>
-              <a:t>(Orthogonal frequency-division multiplexing)</a:t>
+              <a:t>(Orthogonal Time Sequency Multiplexing Modulation)</a:t>
             </a:r>
             <a:r>
               <a:rPr lang="zh-TW" altLang="en-US" sz="2800" dirty="0"/>
@@ -16533,7 +16019,7 @@
     </p:spTree>
     <p:extLst>
       <p:ext uri="{BB962C8B-B14F-4D97-AF65-F5344CB8AC3E}">
-        <p14:creationId xmlns:p14="http://schemas.microsoft.com/office/powerpoint/2010/main" val="3722509208"/>
+        <p14:creationId xmlns:p14="http://schemas.microsoft.com/office/powerpoint/2010/main" val="3611581743"/>
       </p:ext>
     </p:extLst>
   </p:cSld>
@@ -16565,7 +16051,7 @@
           <p:cNvPr id="2" name="標題 1">
             <a:extLst>
               <a:ext uri="{FF2B5EF4-FFF2-40B4-BE49-F238E27FC236}">
-                <a16:creationId xmlns:a16="http://schemas.microsoft.com/office/drawing/2014/main" id="{474B63AF-A924-4671-9974-B3759C222033}"/>
+                <a16:creationId xmlns:a16="http://schemas.microsoft.com/office/drawing/2014/main" id="{A20F942D-765C-4C4A-B743-47A3438CFE88}"/>
               </a:ext>
             </a:extLst>
           </p:cNvPr>
@@ -16576,35 +16062,40 @@
             <p:ph type="title"/>
           </p:nvPr>
         </p:nvSpPr>
-        <p:spPr/>
+        <p:spPr>
+          <a:xfrm>
+            <a:off x="1879051" y="600047"/>
+            <a:ext cx="8911687" cy="1280890"/>
+          </a:xfrm>
+        </p:spPr>
         <p:txBody>
           <a:bodyPr/>
           <a:lstStyle/>
           <a:p>
             <a:r>
-              <a:rPr lang="zh-TW" altLang="en-US" dirty="0">
-                <a:solidFill>
-                  <a:srgbClr val="FF0000"/>
-                </a:solidFill>
-                <a:latin typeface="華康超黑體" panose="020B0C09000000000000" pitchFamily="49" charset="-120"/>
-                <a:ea typeface="華康超黑體" panose="020B0C09000000000000" pitchFamily="49" charset="-120"/>
+              <a:rPr kumimoji="0" lang="zh-TW" altLang="en-US" sz="3600" b="1" i="0" u="none" strike="noStrike" kern="1200" cap="none" spc="0" normalizeH="0" baseline="0" noProof="0" dirty="0">
+                <a:ln>
+                  <a:noFill/>
+                </a:ln>
+                <a:effectLst/>
+                <a:uLnTx/>
+                <a:uFillTx/>
+                <a:latin typeface="華康粗明體" panose="02020709000000000000" pitchFamily="49" charset="-120"/>
+                <a:ea typeface="華康粗明體" panose="02020709000000000000" pitchFamily="49" charset="-120"/>
+                <a:cs typeface="+mn-cs"/>
               </a:rPr>
               <a:t>序言</a:t>
             </a:r>
-            <a:endParaRPr lang="zh-TW" altLang="en-US" dirty="0">
-              <a:solidFill>
-                <a:srgbClr val="FF0000"/>
-              </a:solidFill>
-            </a:endParaRPr>
+            <a:endParaRPr lang="zh-TW" altLang="en-US" dirty="0"/>
           </a:p>
         </p:txBody>
       </p:sp>
       <p:sp>
         <p:nvSpPr>
-          <p:cNvPr id="3" name="內容版面配置區 2">
+          <p:cNvPr id="6" name="內容版面配置區 2">
             <a:extLst>
               <a:ext uri="{FF2B5EF4-FFF2-40B4-BE49-F238E27FC236}">
-                <a16:creationId xmlns:a16="http://schemas.microsoft.com/office/drawing/2014/main" id="{676FA00B-1E60-4B32-B7B6-99DAC511F213}"/>
+                <a16:creationId xmlns:a16="http://schemas.microsoft.com/office/drawing/2014/main" id="{E5A353AF-894E-C54E-F428-DDFAD7225883}"/>
               </a:ext>
             </a:extLst>
           </p:cNvPr>
@@ -16617,7 +16108,7 @@
         </p:nvSpPr>
         <p:spPr>
           <a:xfrm>
-            <a:off x="2207550" y="1736034"/>
+            <a:off x="1849741" y="1831450"/>
             <a:ext cx="8915400" cy="3777622"/>
           </a:xfrm>
         </p:spPr>
@@ -16661,14 +16152,17 @@
             </a:r>
           </a:p>
           <a:p>
-            <a:endParaRPr lang="zh-TW" altLang="en-US" dirty="0"/>
+            <a:r>
+              <a:rPr lang="zh-TW" altLang="en-US" sz="2800" dirty="0"/>
+              <a:t>最後表示我們遇到的問題和沒完成的事項</a:t>
+            </a:r>
           </a:p>
         </p:txBody>
       </p:sp>
     </p:spTree>
     <p:extLst>
       <p:ext uri="{BB962C8B-B14F-4D97-AF65-F5344CB8AC3E}">
-        <p14:creationId xmlns:p14="http://schemas.microsoft.com/office/powerpoint/2010/main" val="1538785750"/>
+        <p14:creationId xmlns:p14="http://schemas.microsoft.com/office/powerpoint/2010/main" val="919583279"/>
       </p:ext>
     </p:extLst>
   </p:cSld>
@@ -16718,16 +16212,11 @@
           </a:xfrm>
         </p:spPr>
         <p:txBody>
-          <a:bodyPr>
-            <a:normAutofit/>
-          </a:bodyPr>
+          <a:bodyPr/>
           <a:lstStyle/>
           <a:p>
             <a:r>
-              <a:rPr lang="zh-TW" altLang="en-US" sz="4400" dirty="0">
-                <a:latin typeface="華康POP1體W7" panose="040B0709000000000000" pitchFamily="81" charset="-120"/>
-                <a:ea typeface="華康POP1體W7" panose="040B0709000000000000" pitchFamily="81" charset="-120"/>
-              </a:rPr>
+              <a:rPr lang="zh-TW" altLang="en-US" dirty="0"/>
               <a:t>傳送端</a:t>
             </a:r>
           </a:p>
@@ -16747,11 +16236,6 @@
           </p:cNvGraphicFramePr>
           <p:nvPr>
             <p:ph idx="1"/>
-            <p:extLst>
-              <p:ext uri="{D42A27DB-BD31-4B8C-83A1-F6EECF244321}">
-                <p14:modId xmlns:p14="http://schemas.microsoft.com/office/powerpoint/2010/main" val="1766273320"/>
-              </p:ext>
-            </p:extLst>
           </p:nvPr>
         </p:nvGraphicFramePr>
         <p:xfrm>
@@ -16767,7 +16251,7 @@
     </p:spTree>
     <p:extLst>
       <p:ext uri="{BB962C8B-B14F-4D97-AF65-F5344CB8AC3E}">
-        <p14:creationId xmlns:p14="http://schemas.microsoft.com/office/powerpoint/2010/main" val="3611581743"/>
+        <p14:creationId xmlns:p14="http://schemas.microsoft.com/office/powerpoint/2010/main" val="3824841766"/>
       </p:ext>
     </p:extLst>
   </p:cSld>
@@ -16778,217 +16262,6 @@
 </file>
 
 <file path=ppt/slides/slide6.xml><?xml version="1.0" encoding="utf-8"?>
-<p:sld xmlns:a="http://schemas.openxmlformats.org/drawingml/2006/main" xmlns:r="http://schemas.openxmlformats.org/officeDocument/2006/relationships" xmlns:p="http://schemas.openxmlformats.org/presentationml/2006/main">
-  <p:cSld>
-    <p:spTree>
-      <p:nvGrpSpPr>
-        <p:cNvPr id="1" name=""/>
-        <p:cNvGrpSpPr/>
-        <p:nvPr/>
-      </p:nvGrpSpPr>
-      <p:grpSpPr>
-        <a:xfrm>
-          <a:off x="0" y="0"/>
-          <a:ext cx="0" cy="0"/>
-          <a:chOff x="0" y="0"/>
-          <a:chExt cx="0" cy="0"/>
-        </a:xfrm>
-      </p:grpSpPr>
-      <p:sp>
-        <p:nvSpPr>
-          <p:cNvPr id="2" name="標題 1">
-            <a:extLst>
-              <a:ext uri="{FF2B5EF4-FFF2-40B4-BE49-F238E27FC236}">
-                <a16:creationId xmlns:a16="http://schemas.microsoft.com/office/drawing/2014/main" id="{A20F942D-765C-4C4A-B743-47A3438CFE88}"/>
-              </a:ext>
-            </a:extLst>
-          </p:cNvPr>
-          <p:cNvSpPr>
-            <a:spLocks noGrp="1"/>
-          </p:cNvSpPr>
-          <p:nvPr>
-            <p:ph type="title"/>
-          </p:nvPr>
-        </p:nvSpPr>
-        <p:spPr>
-          <a:xfrm>
-            <a:off x="1879051" y="600047"/>
-            <a:ext cx="8911687" cy="1280890"/>
-          </a:xfrm>
-        </p:spPr>
-        <p:txBody>
-          <a:bodyPr>
-            <a:normAutofit/>
-          </a:bodyPr>
-          <a:lstStyle/>
-          <a:p>
-            <a:r>
-              <a:rPr lang="zh-TW" altLang="en-US" sz="4400" dirty="0">
-                <a:latin typeface="華康POP1體W7" panose="040B0709000000000000" pitchFamily="81" charset="-120"/>
-                <a:ea typeface="華康POP1體W7" panose="040B0709000000000000" pitchFamily="81" charset="-120"/>
-              </a:rPr>
-              <a:t>傳送端</a:t>
-            </a:r>
-          </a:p>
-        </p:txBody>
-      </p:sp>
-      <p:sp>
-        <p:nvSpPr>
-          <p:cNvPr id="5" name="文字方塊 4">
-            <a:extLst>
-              <a:ext uri="{FF2B5EF4-FFF2-40B4-BE49-F238E27FC236}">
-                <a16:creationId xmlns:a16="http://schemas.microsoft.com/office/drawing/2014/main" id="{EAE97084-65C7-6570-573F-B70A3BE7C9C5}"/>
-              </a:ext>
-            </a:extLst>
-          </p:cNvPr>
-          <p:cNvSpPr txBox="1"/>
-          <p:nvPr/>
-        </p:nvSpPr>
-        <p:spPr>
-          <a:xfrm>
-            <a:off x="560210" y="1715485"/>
-            <a:ext cx="6097554" cy="369332"/>
-          </a:xfrm>
-          <a:prstGeom prst="rect">
-            <a:avLst/>
-          </a:prstGeom>
-          <a:noFill/>
-        </p:spPr>
-        <p:txBody>
-          <a:bodyPr wrap="square">
-            <a:spAutoFit/>
-          </a:bodyPr>
-          <a:lstStyle/>
-          <a:p>
-            <a:pPr lvl="0"/>
-            <a:r>
-              <a:rPr lang="zh-TW" altLang="en-US" dirty="0">
-                <a:latin typeface="王漢宗綜藝體繁" panose="02000500000000000000" pitchFamily="2" charset="-120"/>
-                <a:ea typeface="王漢宗綜藝體繁" panose="02000500000000000000" pitchFamily="2" charset="-120"/>
-              </a:rPr>
-              <a:t>切割資料</a:t>
-            </a:r>
-            <a:r>
-              <a:rPr lang="en-US" altLang="zh-TW" dirty="0">
-                <a:latin typeface="王漢宗綜藝體繁" panose="02000500000000000000" pitchFamily="2" charset="-120"/>
-                <a:ea typeface="王漢宗綜藝體繁" panose="02000500000000000000" pitchFamily="2" charset="-120"/>
-              </a:rPr>
-              <a:t>:</a:t>
-            </a:r>
-            <a:endParaRPr lang="zh-TW" altLang="en-US" dirty="0">
-              <a:latin typeface="王漢宗綜藝體繁" panose="02000500000000000000" pitchFamily="2" charset="-120"/>
-              <a:ea typeface="王漢宗綜藝體繁" panose="02000500000000000000" pitchFamily="2" charset="-120"/>
-            </a:endParaRPr>
-          </a:p>
-        </p:txBody>
-      </p:sp>
-      <p:sp>
-        <p:nvSpPr>
-          <p:cNvPr id="6" name="文字方塊 5">
-            <a:extLst>
-              <a:ext uri="{FF2B5EF4-FFF2-40B4-BE49-F238E27FC236}">
-                <a16:creationId xmlns:a16="http://schemas.microsoft.com/office/drawing/2014/main" id="{EAE97084-65C7-6570-573F-B70A3BE7C9C5}"/>
-              </a:ext>
-            </a:extLst>
-          </p:cNvPr>
-          <p:cNvSpPr txBox="1"/>
-          <p:nvPr/>
-        </p:nvSpPr>
-        <p:spPr>
-          <a:xfrm>
-            <a:off x="560210" y="3209529"/>
-            <a:ext cx="6097554" cy="369332"/>
-          </a:xfrm>
-          <a:prstGeom prst="rect">
-            <a:avLst/>
-          </a:prstGeom>
-          <a:noFill/>
-        </p:spPr>
-        <p:txBody>
-          <a:bodyPr wrap="square">
-            <a:spAutoFit/>
-          </a:bodyPr>
-          <a:lstStyle/>
-          <a:p>
-            <a:pPr lvl="0"/>
-            <a:r>
-              <a:rPr lang="zh-TW" altLang="en-US" dirty="0">
-                <a:latin typeface="王漢宗綜藝體繁" panose="02000500000000000000" pitchFamily="2" charset="-120"/>
-                <a:ea typeface="王漢宗綜藝體繁" panose="02000500000000000000" pitchFamily="2" charset="-120"/>
-              </a:rPr>
-              <a:t>調變</a:t>
-            </a:r>
-            <a:r>
-              <a:rPr lang="en-US" altLang="zh-TW" dirty="0">
-                <a:latin typeface="王漢宗綜藝體繁" panose="02000500000000000000" pitchFamily="2" charset="-120"/>
-                <a:ea typeface="王漢宗綜藝體繁" panose="02000500000000000000" pitchFamily="2" charset="-120"/>
-              </a:rPr>
-              <a:t>:</a:t>
-            </a:r>
-            <a:endParaRPr lang="zh-TW" altLang="en-US" dirty="0">
-              <a:latin typeface="王漢宗綜藝體繁" panose="02000500000000000000" pitchFamily="2" charset="-120"/>
-              <a:ea typeface="王漢宗綜藝體繁" panose="02000500000000000000" pitchFamily="2" charset="-120"/>
-            </a:endParaRPr>
-          </a:p>
-        </p:txBody>
-      </p:sp>
-      <p:sp>
-        <p:nvSpPr>
-          <p:cNvPr id="7" name="文字方塊 6">
-            <a:extLst>
-              <a:ext uri="{FF2B5EF4-FFF2-40B4-BE49-F238E27FC236}">
-                <a16:creationId xmlns:a16="http://schemas.microsoft.com/office/drawing/2014/main" id="{EAE97084-65C7-6570-573F-B70A3BE7C9C5}"/>
-              </a:ext>
-            </a:extLst>
-          </p:cNvPr>
-          <p:cNvSpPr txBox="1"/>
-          <p:nvPr/>
-        </p:nvSpPr>
-        <p:spPr>
-          <a:xfrm>
-            <a:off x="560210" y="4703573"/>
-            <a:ext cx="6097554" cy="369332"/>
-          </a:xfrm>
-          <a:prstGeom prst="rect">
-            <a:avLst/>
-          </a:prstGeom>
-          <a:noFill/>
-        </p:spPr>
-        <p:txBody>
-          <a:bodyPr wrap="square">
-            <a:spAutoFit/>
-          </a:bodyPr>
-          <a:lstStyle/>
-          <a:p>
-            <a:pPr lvl="0"/>
-            <a:r>
-              <a:rPr lang="en-US" altLang="zh-TW" dirty="0">
-                <a:latin typeface="王漢宗綜藝體繁" panose="02000500000000000000" pitchFamily="2" charset="-120"/>
-                <a:ea typeface="王漢宗綜藝體繁" panose="02000500000000000000" pitchFamily="2" charset="-120"/>
-              </a:rPr>
-              <a:t>PILOT&amp;SYNC:</a:t>
-            </a:r>
-            <a:endParaRPr lang="zh-TW" altLang="en-US" dirty="0">
-              <a:latin typeface="王漢宗綜藝體繁" panose="02000500000000000000" pitchFamily="2" charset="-120"/>
-              <a:ea typeface="王漢宗綜藝體繁" panose="02000500000000000000" pitchFamily="2" charset="-120"/>
-            </a:endParaRPr>
-          </a:p>
-        </p:txBody>
-      </p:sp>
-    </p:spTree>
-    <p:extLst>
-      <p:ext uri="{BB962C8B-B14F-4D97-AF65-F5344CB8AC3E}">
-        <p14:creationId xmlns:p14="http://schemas.microsoft.com/office/powerpoint/2010/main" val="2652103219"/>
-      </p:ext>
-    </p:extLst>
-  </p:cSld>
-  <p:clrMapOvr>
-    <a:masterClrMapping/>
-  </p:clrMapOvr>
-</p:sld>
-</file>
-
-<file path=ppt/slides/slide7.xml><?xml version="1.0" encoding="utf-8"?>
 <p:sld xmlns:a="http://schemas.openxmlformats.org/drawingml/2006/main" xmlns:r="http://schemas.openxmlformats.org/officeDocument/2006/relationships" xmlns:p="http://schemas.openxmlformats.org/presentationml/2006/main">
   <p:cSld>
     <p:spTree>
@@ -17028,16 +16301,11 @@
           </a:xfrm>
         </p:spPr>
         <p:txBody>
-          <a:bodyPr>
-            <a:normAutofit/>
-          </a:bodyPr>
+          <a:bodyPr/>
           <a:lstStyle/>
           <a:p>
             <a:r>
-              <a:rPr lang="zh-TW" altLang="en-US" sz="4400" dirty="0">
-                <a:latin typeface="華康POP1體W7" panose="040B0709000000000000" pitchFamily="81" charset="-120"/>
-                <a:ea typeface="華康POP1體W7" panose="040B0709000000000000" pitchFamily="81" charset="-120"/>
-              </a:rPr>
+              <a:rPr lang="zh-TW" altLang="en-US" dirty="0"/>
               <a:t>通道設定</a:t>
             </a:r>
           </a:p>
@@ -17614,7 +16882,7 @@
 </p:sld>
 </file>
 
-<file path=ppt/slides/slide8.xml><?xml version="1.0" encoding="utf-8"?>
+<file path=ppt/slides/slide7.xml><?xml version="1.0" encoding="utf-8"?>
 <p:sld xmlns:a="http://schemas.openxmlformats.org/drawingml/2006/main" xmlns:r="http://schemas.openxmlformats.org/officeDocument/2006/relationships" xmlns:p="http://schemas.openxmlformats.org/presentationml/2006/main">
   <p:cSld>
     <p:spTree>
@@ -17649,7 +16917,7 @@
         </p:nvSpPr>
         <p:spPr>
           <a:xfrm>
-            <a:off x="1754460" y="667559"/>
+            <a:off x="1640156" y="596119"/>
             <a:ext cx="8911687" cy="1280890"/>
           </a:xfrm>
         </p:spPr>
@@ -17765,7 +17033,7 @@
 </p:sld>
 </file>
 
-<file path=ppt/slides/slide9.xml><?xml version="1.0" encoding="utf-8"?>
+<file path=ppt/slides/slide8.xml><?xml version="1.0" encoding="utf-8"?>
 <p:sld xmlns:a="http://schemas.openxmlformats.org/drawingml/2006/main" xmlns:r="http://schemas.openxmlformats.org/officeDocument/2006/relationships" xmlns:p="http://schemas.openxmlformats.org/presentationml/2006/main">
   <p:cSld>
     <p:spTree>
@@ -17800,7 +17068,7 @@
         </p:nvSpPr>
         <p:spPr>
           <a:xfrm>
-            <a:off x="1754460" y="667559"/>
+            <a:off x="1640156" y="596119"/>
             <a:ext cx="8911687" cy="1280890"/>
           </a:xfrm>
         </p:spPr>
@@ -18106,6 +17374,628 @@
     <p:extLst>
       <p:ext uri="{BB962C8B-B14F-4D97-AF65-F5344CB8AC3E}">
         <p14:creationId xmlns:p14="http://schemas.microsoft.com/office/powerpoint/2010/main" val="2884675579"/>
+      </p:ext>
+    </p:extLst>
+  </p:cSld>
+  <p:clrMapOvr>
+    <a:masterClrMapping/>
+  </p:clrMapOvr>
+</p:sld>
+</file>
+
+<file path=ppt/slides/slide9.xml><?xml version="1.0" encoding="utf-8"?>
+<p:sld xmlns:a="http://schemas.openxmlformats.org/drawingml/2006/main" xmlns:r="http://schemas.openxmlformats.org/officeDocument/2006/relationships" xmlns:p="http://schemas.openxmlformats.org/presentationml/2006/main">
+  <p:cSld>
+    <p:spTree>
+      <p:nvGrpSpPr>
+        <p:cNvPr id="1" name=""/>
+        <p:cNvGrpSpPr/>
+        <p:nvPr/>
+      </p:nvGrpSpPr>
+      <p:grpSpPr>
+        <a:xfrm>
+          <a:off x="0" y="0"/>
+          <a:ext cx="0" cy="0"/>
+          <a:chOff x="0" y="0"/>
+          <a:chExt cx="0" cy="0"/>
+        </a:xfrm>
+      </p:grpSpPr>
+      <p:sp>
+        <p:nvSpPr>
+          <p:cNvPr id="2" name="標題 1">
+            <a:extLst>
+              <a:ext uri="{FF2B5EF4-FFF2-40B4-BE49-F238E27FC236}">
+                <a16:creationId xmlns:a16="http://schemas.microsoft.com/office/drawing/2014/main" id="{D9AB7535-4395-5CF0-C825-7186D87DB238}"/>
+              </a:ext>
+            </a:extLst>
+          </p:cNvPr>
+          <p:cNvSpPr>
+            <a:spLocks noGrp="1"/>
+          </p:cNvSpPr>
+          <p:nvPr>
+            <p:ph type="title"/>
+          </p:nvPr>
+        </p:nvSpPr>
+        <p:spPr>
+          <a:xfrm>
+            <a:off x="1640156" y="596119"/>
+            <a:ext cx="8911687" cy="1280890"/>
+          </a:xfrm>
+        </p:spPr>
+        <p:txBody>
+          <a:bodyPr>
+            <a:normAutofit/>
+          </a:bodyPr>
+          <a:lstStyle/>
+          <a:p>
+            <a:r>
+              <a:rPr lang="zh-TW" altLang="en-US" sz="4400" dirty="0">
+                <a:latin typeface="華康POP1體W7" panose="040B0709000000000000" pitchFamily="81" charset="-120"/>
+                <a:ea typeface="華康POP1體W7" panose="040B0709000000000000" pitchFamily="81" charset="-120"/>
+              </a:rPr>
+              <a:t>接收端</a:t>
+            </a:r>
+          </a:p>
+        </p:txBody>
+      </p:sp>
+      <p:sp>
+        <p:nvSpPr>
+          <p:cNvPr id="10" name="文字方塊 9">
+            <a:extLst>
+              <a:ext uri="{FF2B5EF4-FFF2-40B4-BE49-F238E27FC236}">
+                <a16:creationId xmlns:a16="http://schemas.microsoft.com/office/drawing/2014/main" id="{EAE97084-65C7-6570-573F-B70A3BE7C9C5}"/>
+              </a:ext>
+            </a:extLst>
+          </p:cNvPr>
+          <p:cNvSpPr txBox="1"/>
+          <p:nvPr/>
+        </p:nvSpPr>
+        <p:spPr>
+          <a:xfrm>
+            <a:off x="560210" y="1715485"/>
+            <a:ext cx="6097554" cy="369332"/>
+          </a:xfrm>
+          <a:prstGeom prst="rect">
+            <a:avLst/>
+          </a:prstGeom>
+          <a:noFill/>
+        </p:spPr>
+        <p:txBody>
+          <a:bodyPr wrap="square">
+            <a:spAutoFit/>
+          </a:bodyPr>
+          <a:lstStyle/>
+          <a:p>
+            <a:r>
+              <a:rPr lang="zh-TW" altLang="en-US" dirty="0">
+                <a:latin typeface="王漢宗綜藝體繁" panose="02000500000000000000" pitchFamily="2" charset="-120"/>
+                <a:ea typeface="王漢宗綜藝體繁" panose="02000500000000000000" pitchFamily="2" charset="-120"/>
+              </a:rPr>
+              <a:t>通道估測</a:t>
+            </a:r>
+            <a:r>
+              <a:rPr lang="en-US" altLang="zh-TW" dirty="0">
+                <a:latin typeface="王漢宗綜藝體繁" panose="02000500000000000000" pitchFamily="2" charset="-120"/>
+                <a:ea typeface="王漢宗綜藝體繁" panose="02000500000000000000" pitchFamily="2" charset="-120"/>
+              </a:rPr>
+              <a:t>:</a:t>
+            </a:r>
+            <a:endParaRPr lang="zh-TW" altLang="en-US" dirty="0">
+              <a:latin typeface="王漢宗綜藝體繁" panose="02000500000000000000" pitchFamily="2" charset="-120"/>
+              <a:ea typeface="王漢宗綜藝體繁" panose="02000500000000000000" pitchFamily="2" charset="-120"/>
+            </a:endParaRPr>
+          </a:p>
+        </p:txBody>
+      </p:sp>
+      <p:pic>
+        <p:nvPicPr>
+          <p:cNvPr id="23" name="圖片 22">
+            <a:extLst>
+              <a:ext uri="{FF2B5EF4-FFF2-40B4-BE49-F238E27FC236}">
+                <a16:creationId xmlns:a16="http://schemas.microsoft.com/office/drawing/2014/main" id="{0540582C-40A8-5F95-0F10-3F010331678B}"/>
+              </a:ext>
+            </a:extLst>
+          </p:cNvPr>
+          <p:cNvPicPr>
+            <a:picLocks noChangeAspect="1"/>
+          </p:cNvPicPr>
+          <p:nvPr/>
+        </p:nvPicPr>
+        <p:blipFill>
+          <a:blip r:embed="rId2"/>
+          <a:stretch>
+            <a:fillRect/>
+          </a:stretch>
+        </p:blipFill>
+        <p:spPr>
+          <a:xfrm>
+            <a:off x="2026596" y="1909254"/>
+            <a:ext cx="1558435" cy="2157039"/>
+          </a:xfrm>
+          <a:prstGeom prst="rect">
+            <a:avLst/>
+          </a:prstGeom>
+        </p:spPr>
+      </p:pic>
+      <p:sp>
+        <p:nvSpPr>
+          <p:cNvPr id="24" name="文字方塊 23">
+            <a:extLst>
+              <a:ext uri="{FF2B5EF4-FFF2-40B4-BE49-F238E27FC236}">
+                <a16:creationId xmlns:a16="http://schemas.microsoft.com/office/drawing/2014/main" id="{733634E0-2EBF-CE50-404E-038A0F79B7EC}"/>
+              </a:ext>
+            </a:extLst>
+          </p:cNvPr>
+          <p:cNvSpPr txBox="1"/>
+          <p:nvPr/>
+        </p:nvSpPr>
+        <p:spPr>
+          <a:xfrm>
+            <a:off x="3819373" y="2657394"/>
+            <a:ext cx="1992853" cy="369332"/>
+          </a:xfrm>
+          <a:prstGeom prst="rect">
+            <a:avLst/>
+          </a:prstGeom>
+          <a:noFill/>
+        </p:spPr>
+        <p:txBody>
+          <a:bodyPr wrap="none" rtlCol="0">
+            <a:spAutoFit/>
+          </a:bodyPr>
+          <a:lstStyle/>
+          <a:p>
+            <a:r>
+              <a:rPr lang="en-US" altLang="zh-TW" dirty="0">
+                <a:latin typeface="王漢宗特黑體繁" panose="02000500000000000000" pitchFamily="2" charset="-120"/>
+                <a:ea typeface="王漢宗特黑體繁" panose="02000500000000000000" pitchFamily="2" charset="-120"/>
+              </a:rPr>
+              <a:t>1.</a:t>
+            </a:r>
+            <a:r>
+              <a:rPr lang="zh-TW" altLang="en-US" dirty="0">
+                <a:latin typeface="王漢宗特黑體繁" panose="02000500000000000000" pitchFamily="2" charset="-120"/>
+                <a:ea typeface="王漢宗特黑體繁" panose="02000500000000000000" pitchFamily="2" charset="-120"/>
+              </a:rPr>
+              <a:t>先算出通道估測</a:t>
+            </a:r>
+          </a:p>
+        </p:txBody>
+      </p:sp>
+      <p:pic>
+        <p:nvPicPr>
+          <p:cNvPr id="26" name="圖片 25">
+            <a:extLst>
+              <a:ext uri="{FF2B5EF4-FFF2-40B4-BE49-F238E27FC236}">
+                <a16:creationId xmlns:a16="http://schemas.microsoft.com/office/drawing/2014/main" id="{1B15FD57-A247-6873-179B-F099B9EEEF8A}"/>
+              </a:ext>
+            </a:extLst>
+          </p:cNvPr>
+          <p:cNvPicPr>
+            <a:picLocks noChangeAspect="1"/>
+          </p:cNvPicPr>
+          <p:nvPr/>
+        </p:nvPicPr>
+        <p:blipFill>
+          <a:blip r:embed="rId3"/>
+          <a:stretch>
+            <a:fillRect/>
+          </a:stretch>
+        </p:blipFill>
+        <p:spPr>
+          <a:xfrm>
+            <a:off x="558357" y="4823536"/>
+            <a:ext cx="1524213" cy="1590897"/>
+          </a:xfrm>
+          <a:prstGeom prst="rect">
+            <a:avLst/>
+          </a:prstGeom>
+        </p:spPr>
+      </p:pic>
+      <p:pic>
+        <p:nvPicPr>
+          <p:cNvPr id="4" name="圖片 3">
+            <a:extLst>
+              <a:ext uri="{FF2B5EF4-FFF2-40B4-BE49-F238E27FC236}">
+                <a16:creationId xmlns:a16="http://schemas.microsoft.com/office/drawing/2014/main" id="{A3F473E8-19D7-535B-49A3-F811C4CB995B}"/>
+              </a:ext>
+            </a:extLst>
+          </p:cNvPr>
+          <p:cNvPicPr>
+            <a:picLocks noChangeAspect="1"/>
+          </p:cNvPicPr>
+          <p:nvPr/>
+        </p:nvPicPr>
+        <p:blipFill>
+          <a:blip r:embed="rId4"/>
+          <a:stretch>
+            <a:fillRect/>
+          </a:stretch>
+        </p:blipFill>
+        <p:spPr>
+          <a:xfrm>
+            <a:off x="2620645" y="4794957"/>
+            <a:ext cx="1562318" cy="1619476"/>
+          </a:xfrm>
+          <a:prstGeom prst="rect">
+            <a:avLst/>
+          </a:prstGeom>
+        </p:spPr>
+      </p:pic>
+      <p:sp>
+        <p:nvSpPr>
+          <p:cNvPr id="5" name="箭號: 向右 4">
+            <a:extLst>
+              <a:ext uri="{FF2B5EF4-FFF2-40B4-BE49-F238E27FC236}">
+                <a16:creationId xmlns:a16="http://schemas.microsoft.com/office/drawing/2014/main" id="{5369D188-2A48-8F41-2889-051875C0958C}"/>
+              </a:ext>
+            </a:extLst>
+          </p:cNvPr>
+          <p:cNvSpPr/>
+          <p:nvPr/>
+        </p:nvSpPr>
+        <p:spPr>
+          <a:xfrm>
+            <a:off x="2082570" y="5494668"/>
+            <a:ext cx="538075" cy="220053"/>
+          </a:xfrm>
+          <a:prstGeom prst="rightArrow">
+            <a:avLst/>
+          </a:prstGeom>
+          <a:solidFill>
+            <a:schemeClr val="bg2">
+              <a:lumMod val="50000"/>
+            </a:schemeClr>
+          </a:solidFill>
+          <a:ln>
+            <a:noFill/>
+          </a:ln>
+        </p:spPr>
+        <p:style>
+          <a:lnRef idx="2">
+            <a:schemeClr val="accent6">
+              <a:shade val="15000"/>
+            </a:schemeClr>
+          </a:lnRef>
+          <a:fillRef idx="1">
+            <a:schemeClr val="accent6"/>
+          </a:fillRef>
+          <a:effectRef idx="0">
+            <a:schemeClr val="accent6"/>
+          </a:effectRef>
+          <a:fontRef idx="minor">
+            <a:schemeClr val="lt1"/>
+          </a:fontRef>
+        </p:style>
+        <p:txBody>
+          <a:bodyPr rtlCol="0" anchor="ctr"/>
+          <a:lstStyle/>
+          <a:p>
+            <a:pPr algn="ctr"/>
+            <a:endParaRPr lang="zh-TW" altLang="en-US"/>
+          </a:p>
+        </p:txBody>
+      </p:sp>
+      <p:sp>
+        <p:nvSpPr>
+          <p:cNvPr id="7" name="文字方塊 6">
+            <a:extLst>
+              <a:ext uri="{FF2B5EF4-FFF2-40B4-BE49-F238E27FC236}">
+                <a16:creationId xmlns:a16="http://schemas.microsoft.com/office/drawing/2014/main" id="{D15FA7AA-2EE9-EB36-4EB2-58C95C79BFDC}"/>
+              </a:ext>
+            </a:extLst>
+          </p:cNvPr>
+          <p:cNvSpPr txBox="1"/>
+          <p:nvPr/>
+        </p:nvSpPr>
+        <p:spPr>
+          <a:xfrm>
+            <a:off x="4144858" y="5413472"/>
+            <a:ext cx="1558440" cy="369332"/>
+          </a:xfrm>
+          <a:prstGeom prst="rect">
+            <a:avLst/>
+          </a:prstGeom>
+          <a:noFill/>
+        </p:spPr>
+        <p:txBody>
+          <a:bodyPr wrap="none" rtlCol="0">
+            <a:spAutoFit/>
+          </a:bodyPr>
+          <a:lstStyle/>
+          <a:p>
+            <a:r>
+              <a:rPr lang="en-US" altLang="zh-TW" dirty="0">
+                <a:latin typeface="王漢宗特黑體繁" panose="02000500000000000000" pitchFamily="2" charset="-120"/>
+                <a:ea typeface="王漢宗特黑體繁" panose="02000500000000000000" pitchFamily="2" charset="-120"/>
+              </a:rPr>
+              <a:t>2.</a:t>
+            </a:r>
+            <a:r>
+              <a:rPr lang="zh-TW" altLang="en-US" dirty="0">
+                <a:latin typeface="王漢宗特黑體繁" panose="02000500000000000000" pitchFamily="2" charset="-120"/>
+                <a:ea typeface="王漢宗特黑體繁" panose="02000500000000000000" pitchFamily="2" charset="-120"/>
+              </a:rPr>
+              <a:t>做</a:t>
+            </a:r>
+            <a:r>
+              <a:rPr lang="en-US" altLang="zh-TW" dirty="0">
+                <a:latin typeface="王漢宗特黑體繁" panose="02000500000000000000" pitchFamily="2" charset="-120"/>
+                <a:ea typeface="王漢宗特黑體繁" panose="02000500000000000000" pitchFamily="2" charset="-120"/>
+              </a:rPr>
+              <a:t>CFO</a:t>
+            </a:r>
+            <a:r>
+              <a:rPr lang="zh-TW" altLang="en-US" dirty="0">
+                <a:latin typeface="王漢宗特黑體繁" panose="02000500000000000000" pitchFamily="2" charset="-120"/>
+                <a:ea typeface="王漢宗特黑體繁" panose="02000500000000000000" pitchFamily="2" charset="-120"/>
+              </a:rPr>
+              <a:t>校正</a:t>
+            </a:r>
+          </a:p>
+        </p:txBody>
+      </p:sp>
+      <p:sp>
+        <p:nvSpPr>
+          <p:cNvPr id="11" name="文字方塊 10">
+            <a:extLst>
+              <a:ext uri="{FF2B5EF4-FFF2-40B4-BE49-F238E27FC236}">
+                <a16:creationId xmlns:a16="http://schemas.microsoft.com/office/drawing/2014/main" id="{7B360480-C0C0-7BAD-2E53-3DE153A172A5}"/>
+              </a:ext>
+            </a:extLst>
+          </p:cNvPr>
+          <p:cNvSpPr txBox="1"/>
+          <p:nvPr/>
+        </p:nvSpPr>
+        <p:spPr>
+          <a:xfrm>
+            <a:off x="5745708" y="1877009"/>
+            <a:ext cx="1167305" cy="3939540"/>
+          </a:xfrm>
+          <a:prstGeom prst="rect">
+            <a:avLst/>
+          </a:prstGeom>
+          <a:noFill/>
+        </p:spPr>
+        <p:txBody>
+          <a:bodyPr wrap="square" rtlCol="0">
+            <a:spAutoFit/>
+          </a:bodyPr>
+          <a:lstStyle/>
+          <a:p>
+            <a:r>
+              <a:rPr lang="en-US" altLang="zh-TW" sz="25000" dirty="0"/>
+              <a:t>}</a:t>
+            </a:r>
+            <a:endParaRPr lang="zh-TW" altLang="en-US" sz="25000" dirty="0"/>
+          </a:p>
+        </p:txBody>
+      </p:sp>
+      <p:sp>
+        <p:nvSpPr>
+          <p:cNvPr id="14" name="文字方塊 13">
+            <a:extLst>
+              <a:ext uri="{FF2B5EF4-FFF2-40B4-BE49-F238E27FC236}">
+                <a16:creationId xmlns:a16="http://schemas.microsoft.com/office/drawing/2014/main" id="{E7AA1716-82CD-F7B5-E35C-764B1630A783}"/>
+              </a:ext>
+            </a:extLst>
+          </p:cNvPr>
+          <p:cNvSpPr txBox="1"/>
+          <p:nvPr/>
+        </p:nvSpPr>
+        <p:spPr>
+          <a:xfrm>
+            <a:off x="6913013" y="4066293"/>
+            <a:ext cx="1766830" cy="369332"/>
+          </a:xfrm>
+          <a:prstGeom prst="rect">
+            <a:avLst/>
+          </a:prstGeom>
+          <a:noFill/>
+        </p:spPr>
+        <p:txBody>
+          <a:bodyPr wrap="none" rtlCol="0">
+            <a:spAutoFit/>
+          </a:bodyPr>
+          <a:lstStyle/>
+          <a:p>
+            <a:r>
+              <a:rPr lang="en-US" altLang="zh-TW" dirty="0">
+                <a:latin typeface="王漢宗特黑體繁" panose="02000500000000000000" pitchFamily="2" charset="-120"/>
+                <a:ea typeface="王漢宗特黑體繁" panose="02000500000000000000" pitchFamily="2" charset="-120"/>
+              </a:rPr>
+              <a:t>3.</a:t>
+            </a:r>
+            <a:r>
+              <a:rPr lang="zh-TW" altLang="en-US" dirty="0">
+                <a:latin typeface="王漢宗特黑體繁" panose="02000500000000000000" pitchFamily="2" charset="-120"/>
+                <a:ea typeface="王漢宗特黑體繁" panose="02000500000000000000" pitchFamily="2" charset="-120"/>
+              </a:rPr>
+              <a:t>測試是否成功</a:t>
+            </a:r>
+          </a:p>
+        </p:txBody>
+      </p:sp>
+      <p:pic>
+        <p:nvPicPr>
+          <p:cNvPr id="19" name="圖片 18">
+            <a:extLst>
+              <a:ext uri="{FF2B5EF4-FFF2-40B4-BE49-F238E27FC236}">
+                <a16:creationId xmlns:a16="http://schemas.microsoft.com/office/drawing/2014/main" id="{08B7EDEF-D278-83D9-5A58-865105A25D39}"/>
+              </a:ext>
+            </a:extLst>
+          </p:cNvPr>
+          <p:cNvPicPr>
+            <a:picLocks noChangeAspect="1"/>
+          </p:cNvPicPr>
+          <p:nvPr/>
+        </p:nvPicPr>
+        <p:blipFill>
+          <a:blip r:embed="rId5"/>
+          <a:stretch>
+            <a:fillRect/>
+          </a:stretch>
+        </p:blipFill>
+        <p:spPr>
+          <a:xfrm>
+            <a:off x="9323090" y="1688173"/>
+            <a:ext cx="1766830" cy="1948044"/>
+          </a:xfrm>
+          <a:prstGeom prst="rect">
+            <a:avLst/>
+          </a:prstGeom>
+        </p:spPr>
+      </p:pic>
+      <p:sp>
+        <p:nvSpPr>
+          <p:cNvPr id="20" name="文字方塊 19">
+            <a:extLst>
+              <a:ext uri="{FF2B5EF4-FFF2-40B4-BE49-F238E27FC236}">
+                <a16:creationId xmlns:a16="http://schemas.microsoft.com/office/drawing/2014/main" id="{A3A93B62-AC8D-3A28-0BA0-A287363EA363}"/>
+              </a:ext>
+            </a:extLst>
+          </p:cNvPr>
+          <p:cNvSpPr txBox="1"/>
+          <p:nvPr/>
+        </p:nvSpPr>
+        <p:spPr>
+          <a:xfrm>
+            <a:off x="8890118" y="1185751"/>
+            <a:ext cx="865943" cy="461665"/>
+          </a:xfrm>
+          <a:prstGeom prst="rect">
+            <a:avLst/>
+          </a:prstGeom>
+          <a:noFill/>
+        </p:spPr>
+        <p:txBody>
+          <a:bodyPr wrap="none" rtlCol="0">
+            <a:spAutoFit/>
+          </a:bodyPr>
+          <a:lstStyle/>
+          <a:p>
+            <a:r>
+              <a:rPr lang="zh-TW" altLang="en-US" sz="2400" dirty="0">
+                <a:solidFill>
+                  <a:srgbClr val="00B050"/>
+                </a:solidFill>
+                <a:latin typeface="王漢宗特黑體繁" panose="02000500000000000000" pitchFamily="2" charset="-120"/>
+                <a:ea typeface="王漢宗特黑體繁" panose="02000500000000000000" pitchFamily="2" charset="-120"/>
+              </a:rPr>
+              <a:t>成功</a:t>
+            </a:r>
+            <a:r>
+              <a:rPr lang="en-US" altLang="zh-TW" sz="2400" dirty="0">
+                <a:solidFill>
+                  <a:srgbClr val="00B050"/>
+                </a:solidFill>
+                <a:latin typeface="王漢宗特黑體繁" panose="02000500000000000000" pitchFamily="2" charset="-120"/>
+                <a:ea typeface="王漢宗特黑體繁" panose="02000500000000000000" pitchFamily="2" charset="-120"/>
+              </a:rPr>
+              <a:t>:</a:t>
+            </a:r>
+            <a:endParaRPr lang="zh-TW" altLang="en-US" sz="2400" dirty="0">
+              <a:solidFill>
+                <a:srgbClr val="00B050"/>
+              </a:solidFill>
+              <a:latin typeface="王漢宗特黑體繁" panose="02000500000000000000" pitchFamily="2" charset="-120"/>
+              <a:ea typeface="王漢宗特黑體繁" panose="02000500000000000000" pitchFamily="2" charset="-120"/>
+            </a:endParaRPr>
+          </a:p>
+        </p:txBody>
+      </p:sp>
+      <p:sp>
+        <p:nvSpPr>
+          <p:cNvPr id="21" name="文字方塊 20">
+            <a:extLst>
+              <a:ext uri="{FF2B5EF4-FFF2-40B4-BE49-F238E27FC236}">
+                <a16:creationId xmlns:a16="http://schemas.microsoft.com/office/drawing/2014/main" id="{60747167-C9E5-465B-1F76-039B70D6A3C4}"/>
+              </a:ext>
+            </a:extLst>
+          </p:cNvPr>
+          <p:cNvSpPr txBox="1"/>
+          <p:nvPr/>
+        </p:nvSpPr>
+        <p:spPr>
+          <a:xfrm>
+            <a:off x="8890117" y="3720238"/>
+            <a:ext cx="865943" cy="461665"/>
+          </a:xfrm>
+          <a:prstGeom prst="rect">
+            <a:avLst/>
+          </a:prstGeom>
+          <a:noFill/>
+        </p:spPr>
+        <p:txBody>
+          <a:bodyPr wrap="none" rtlCol="0">
+            <a:spAutoFit/>
+          </a:bodyPr>
+          <a:lstStyle/>
+          <a:p>
+            <a:r>
+              <a:rPr lang="zh-TW" altLang="en-US" sz="2400" dirty="0">
+                <a:solidFill>
+                  <a:srgbClr val="FF0000"/>
+                </a:solidFill>
+                <a:latin typeface="王漢宗特黑體繁" panose="02000500000000000000" pitchFamily="2" charset="-120"/>
+                <a:ea typeface="王漢宗特黑體繁" panose="02000500000000000000" pitchFamily="2" charset="-120"/>
+              </a:rPr>
+              <a:t>失敗</a:t>
+            </a:r>
+            <a:r>
+              <a:rPr lang="en-US" altLang="zh-TW" sz="2400" dirty="0">
+                <a:solidFill>
+                  <a:srgbClr val="FF0000"/>
+                </a:solidFill>
+                <a:latin typeface="王漢宗特黑體繁" panose="02000500000000000000" pitchFamily="2" charset="-120"/>
+                <a:ea typeface="王漢宗特黑體繁" panose="02000500000000000000" pitchFamily="2" charset="-120"/>
+              </a:rPr>
+              <a:t>:</a:t>
+            </a:r>
+            <a:endParaRPr lang="zh-TW" altLang="en-US" sz="2400" dirty="0">
+              <a:solidFill>
+                <a:srgbClr val="FF0000"/>
+              </a:solidFill>
+              <a:latin typeface="王漢宗特黑體繁" panose="02000500000000000000" pitchFamily="2" charset="-120"/>
+              <a:ea typeface="王漢宗特黑體繁" panose="02000500000000000000" pitchFamily="2" charset="-120"/>
+            </a:endParaRPr>
+          </a:p>
+        </p:txBody>
+      </p:sp>
+      <p:pic>
+        <p:nvPicPr>
+          <p:cNvPr id="25" name="圖片 24">
+            <a:extLst>
+              <a:ext uri="{FF2B5EF4-FFF2-40B4-BE49-F238E27FC236}">
+                <a16:creationId xmlns:a16="http://schemas.microsoft.com/office/drawing/2014/main" id="{D410175B-0325-16B7-2AC4-E29858844CA8}"/>
+              </a:ext>
+            </a:extLst>
+          </p:cNvPr>
+          <p:cNvPicPr>
+            <a:picLocks noChangeAspect="1"/>
+          </p:cNvPicPr>
+          <p:nvPr/>
+        </p:nvPicPr>
+        <p:blipFill>
+          <a:blip r:embed="rId6"/>
+          <a:stretch>
+            <a:fillRect/>
+          </a:stretch>
+        </p:blipFill>
+        <p:spPr>
+          <a:xfrm>
+            <a:off x="9323088" y="4244297"/>
+            <a:ext cx="1766830" cy="2012844"/>
+          </a:xfrm>
+          <a:prstGeom prst="rect">
+            <a:avLst/>
+          </a:prstGeom>
+        </p:spPr>
+      </p:pic>
+    </p:spTree>
+    <p:extLst>
+      <p:ext uri="{BB962C8B-B14F-4D97-AF65-F5344CB8AC3E}">
+        <p14:creationId xmlns:p14="http://schemas.microsoft.com/office/powerpoint/2010/main" val="3142542637"/>
       </p:ext>
     </p:extLst>
   </p:cSld>

--- a/report/以SDR實現OTSM通訊技術.pptx
+++ b/report/以SDR實現OTSM通訊技術.pptx
@@ -5969,7 +5969,7 @@
           <a:p>
             <a:fld id="{A939C702-C129-497B-8D83-592497DC42E2}" type="datetimeFigureOut">
               <a:rPr lang="zh-TW" altLang="en-US" smtClean="0"/>
-              <a:t>2024/4/16</a:t>
+              <a:t>2024/4/17</a:t>
             </a:fld>
             <a:endParaRPr lang="zh-TW" altLang="en-US"/>
           </a:p>
@@ -6509,7 +6509,7 @@
           <a:p>
             <a:fld id="{E571BEFF-2CDC-453C-8E22-E6758267B1F9}" type="datetimeFigureOut">
               <a:rPr lang="zh-TW" altLang="en-US" smtClean="0"/>
-              <a:t>2024/4/16</a:t>
+              <a:t>2024/4/17</a:t>
             </a:fld>
             <a:endParaRPr lang="zh-TW" altLang="en-US"/>
           </a:p>
@@ -6847,7 +6847,7 @@
           <a:p>
             <a:fld id="{E571BEFF-2CDC-453C-8E22-E6758267B1F9}" type="datetimeFigureOut">
               <a:rPr lang="zh-TW" altLang="en-US" smtClean="0"/>
-              <a:t>2024/4/16</a:t>
+              <a:t>2024/4/17</a:t>
             </a:fld>
             <a:endParaRPr lang="zh-TW" altLang="en-US"/>
           </a:p>
@@ -7248,7 +7248,7 @@
           <a:p>
             <a:fld id="{E571BEFF-2CDC-453C-8E22-E6758267B1F9}" type="datetimeFigureOut">
               <a:rPr lang="zh-TW" altLang="en-US" smtClean="0"/>
-              <a:t>2024/4/16</a:t>
+              <a:t>2024/4/17</a:t>
             </a:fld>
             <a:endParaRPr lang="zh-TW" altLang="en-US"/>
           </a:p>
@@ -7584,7 +7584,7 @@
           <a:p>
             <a:fld id="{E571BEFF-2CDC-453C-8E22-E6758267B1F9}" type="datetimeFigureOut">
               <a:rPr lang="zh-TW" altLang="en-US" smtClean="0"/>
-              <a:t>2024/4/16</a:t>
+              <a:t>2024/4/17</a:t>
             </a:fld>
             <a:endParaRPr lang="zh-TW" altLang="en-US"/>
           </a:p>
@@ -7904,7 +7904,7 @@
           <a:p>
             <a:fld id="{E571BEFF-2CDC-453C-8E22-E6758267B1F9}" type="datetimeFigureOut">
               <a:rPr lang="zh-TW" altLang="en-US" smtClean="0"/>
-              <a:t>2024/4/16</a:t>
+              <a:t>2024/4/17</a:t>
             </a:fld>
             <a:endParaRPr lang="zh-TW" altLang="en-US"/>
           </a:p>
@@ -8300,7 +8300,7 @@
           <a:p>
             <a:fld id="{E571BEFF-2CDC-453C-8E22-E6758267B1F9}" type="datetimeFigureOut">
               <a:rPr lang="zh-TW" altLang="en-US" smtClean="0"/>
-              <a:t>2024/4/16</a:t>
+              <a:t>2024/4/17</a:t>
             </a:fld>
             <a:endParaRPr lang="zh-TW" altLang="en-US"/>
           </a:p>
@@ -8557,7 +8557,7 @@
           <a:p>
             <a:fld id="{E571BEFF-2CDC-453C-8E22-E6758267B1F9}" type="datetimeFigureOut">
               <a:rPr lang="zh-TW" altLang="en-US" smtClean="0"/>
-              <a:t>2024/4/16</a:t>
+              <a:t>2024/4/17</a:t>
             </a:fld>
             <a:endParaRPr lang="zh-TW" altLang="en-US"/>
           </a:p>
@@ -8819,7 +8819,7 @@
           <a:p>
             <a:fld id="{E571BEFF-2CDC-453C-8E22-E6758267B1F9}" type="datetimeFigureOut">
               <a:rPr lang="zh-TW" altLang="en-US" smtClean="0"/>
-              <a:t>2024/4/16</a:t>
+              <a:t>2024/4/17</a:t>
             </a:fld>
             <a:endParaRPr lang="zh-TW" altLang="en-US"/>
           </a:p>
@@ -9199,7 +9199,7 @@
                 <a:tabLst/>
                 <a:defRPr/>
               </a:pPr>
-              <a:t>2024/4/16</a:t>
+              <a:t>2024/4/17</a:t>
             </a:fld>
             <a:endParaRPr kumimoji="0" lang="zh-TW" altLang="en-US" sz="900" b="0" i="0" u="none" strike="noStrike" kern="1200" cap="none" spc="0" normalizeH="0" baseline="0" noProof="0">
               <a:ln>
@@ -9622,7 +9622,7 @@
                 <a:tabLst/>
                 <a:defRPr/>
               </a:pPr>
-              <a:t>2024/4/16</a:t>
+              <a:t>2024/4/17</a:t>
             </a:fld>
             <a:endParaRPr kumimoji="0" lang="zh-TW" altLang="en-US" sz="900" b="0" i="0" u="none" strike="noStrike" kern="1200" cap="none" spc="0" normalizeH="0" baseline="0" noProof="0">
               <a:ln>
@@ -10107,7 +10107,7 @@
                 <a:tabLst/>
                 <a:defRPr/>
               </a:pPr>
-              <a:t>2024/4/16</a:t>
+              <a:t>2024/4/17</a:t>
             </a:fld>
             <a:endParaRPr kumimoji="0" lang="zh-TW" altLang="en-US" sz="900" b="0" i="0" u="none" strike="noStrike" kern="1200" cap="none" spc="0" normalizeH="0" baseline="0" noProof="0">
               <a:ln>
@@ -10481,7 +10481,7 @@
           <a:p>
             <a:fld id="{E571BEFF-2CDC-453C-8E22-E6758267B1F9}" type="datetimeFigureOut">
               <a:rPr lang="zh-TW" altLang="en-US" smtClean="0"/>
-              <a:t>2024/4/16</a:t>
+              <a:t>2024/4/17</a:t>
             </a:fld>
             <a:endParaRPr lang="zh-TW" altLang="en-US"/>
           </a:p>
@@ -10848,7 +10848,7 @@
                 <a:tabLst/>
                 <a:defRPr/>
               </a:pPr>
-              <a:t>2024/4/16</a:t>
+              <a:t>2024/4/17</a:t>
             </a:fld>
             <a:endParaRPr kumimoji="0" lang="zh-TW" altLang="en-US" sz="900" b="0" i="0" u="none" strike="noStrike" kern="1200" cap="none" spc="0" normalizeH="0" baseline="0" noProof="0">
               <a:ln>
@@ -11461,7 +11461,7 @@
                 <a:tabLst/>
                 <a:defRPr/>
               </a:pPr>
-              <a:t>2024/4/16</a:t>
+              <a:t>2024/4/17</a:t>
             </a:fld>
             <a:endParaRPr kumimoji="0" lang="zh-TW" altLang="en-US" sz="900" b="0" i="0" u="none" strike="noStrike" kern="1200" cap="none" spc="0" normalizeH="0" baseline="0" noProof="0">
               <a:ln>
@@ -11822,7 +11822,7 @@
                 <a:tabLst/>
                 <a:defRPr/>
               </a:pPr>
-              <a:t>2024/4/16</a:t>
+              <a:t>2024/4/17</a:t>
             </a:fld>
             <a:endParaRPr kumimoji="0" lang="zh-TW" altLang="en-US" sz="900" b="0" i="0" u="none" strike="noStrike" kern="1200" cap="none" spc="0" normalizeH="0" baseline="0" noProof="0">
               <a:ln>
@@ -12155,7 +12155,7 @@
                 <a:tabLst/>
                 <a:defRPr/>
               </a:pPr>
-              <a:t>2024/4/16</a:t>
+              <a:t>2024/4/17</a:t>
             </a:fld>
             <a:endParaRPr kumimoji="0" lang="zh-TW" altLang="en-US" sz="900" b="0" i="0" u="none" strike="noStrike" kern="1200" cap="none" spc="0" normalizeH="0" baseline="0" noProof="0">
               <a:ln>
@@ -12644,7 +12644,7 @@
                 <a:tabLst/>
                 <a:defRPr/>
               </a:pPr>
-              <a:t>2024/4/16</a:t>
+              <a:t>2024/4/17</a:t>
             </a:fld>
             <a:endParaRPr kumimoji="0" lang="zh-TW" altLang="en-US" sz="900" b="0" i="0" u="none" strike="noStrike" kern="1200" cap="none" spc="0" normalizeH="0" baseline="0" noProof="0">
               <a:ln>
@@ -13145,7 +13145,7 @@
                 <a:tabLst/>
                 <a:defRPr/>
               </a:pPr>
-              <a:t>2024/4/16</a:t>
+              <a:t>2024/4/17</a:t>
             </a:fld>
             <a:endParaRPr kumimoji="0" lang="zh-TW" altLang="en-US" sz="900" b="0" i="0" u="none" strike="noStrike" kern="1200" cap="none" spc="0" normalizeH="0" baseline="0" noProof="0">
               <a:ln>
@@ -13639,7 +13639,7 @@
                 <a:tabLst/>
                 <a:defRPr/>
               </a:pPr>
-              <a:t>2024/4/16</a:t>
+              <a:t>2024/4/17</a:t>
             </a:fld>
             <a:endParaRPr kumimoji="0" lang="zh-TW" altLang="en-US" sz="900" b="0" i="0" u="none" strike="noStrike" kern="1200" cap="none" spc="0" normalizeH="0" baseline="0" noProof="0">
               <a:ln>
@@ -14196,7 +14196,7 @@
                 <a:tabLst/>
                 <a:defRPr/>
               </a:pPr>
-              <a:t>2024/4/16</a:t>
+              <a:t>2024/4/17</a:t>
             </a:fld>
             <a:endParaRPr kumimoji="0" lang="zh-TW" altLang="en-US" sz="900" b="0" i="0" u="none" strike="noStrike" kern="1200" cap="none" spc="0" normalizeH="0" baseline="0" noProof="0">
               <a:ln>
@@ -14728,7 +14728,7 @@
                 <a:tabLst/>
                 <a:defRPr/>
               </a:pPr>
-              <a:t>2024/4/16</a:t>
+              <a:t>2024/4/17</a:t>
             </a:fld>
             <a:endParaRPr kumimoji="0" lang="zh-TW" altLang="en-US" sz="900" b="0" i="0" u="none" strike="noStrike" kern="1200" cap="none" spc="0" normalizeH="0" baseline="0" noProof="0">
               <a:ln>
@@ -15204,7 +15204,7 @@
                 <a:tabLst/>
                 <a:defRPr/>
               </a:pPr>
-              <a:t>2024/4/16</a:t>
+              <a:t>2024/4/17</a:t>
             </a:fld>
             <a:endParaRPr kumimoji="0" lang="zh-TW" altLang="en-US" sz="900" b="0" i="0" u="none" strike="noStrike" kern="1200" cap="none" spc="0" normalizeH="0" baseline="0" noProof="0">
               <a:ln>
@@ -15761,7 +15761,7 @@
           <a:p>
             <a:fld id="{E571BEFF-2CDC-453C-8E22-E6758267B1F9}" type="datetimeFigureOut">
               <a:rPr lang="zh-TW" altLang="en-US" smtClean="0"/>
-              <a:t>2024/4/16</a:t>
+              <a:t>2024/4/17</a:t>
             </a:fld>
             <a:endParaRPr lang="zh-TW" altLang="en-US"/>
           </a:p>
@@ -16130,7 +16130,7 @@
                 <a:tabLst/>
                 <a:defRPr/>
               </a:pPr>
-              <a:t>2024/4/16</a:t>
+              <a:t>2024/4/17</a:t>
             </a:fld>
             <a:endParaRPr kumimoji="0" lang="zh-TW" altLang="en-US" sz="900" b="0" i="0" u="none" strike="noStrike" kern="1200" cap="none" spc="0" normalizeH="0" baseline="0" noProof="0">
               <a:ln>
@@ -16543,7 +16543,7 @@
                 <a:tabLst/>
                 <a:defRPr/>
               </a:pPr>
-              <a:t>2024/4/16</a:t>
+              <a:t>2024/4/17</a:t>
             </a:fld>
             <a:endParaRPr kumimoji="0" lang="zh-TW" altLang="en-US" sz="900" b="0" i="0" u="none" strike="noStrike" kern="1200" cap="none" spc="0" normalizeH="0" baseline="0" noProof="0">
               <a:ln>
@@ -16961,7 +16961,7 @@
                 <a:tabLst/>
                 <a:defRPr/>
               </a:pPr>
-              <a:t>2024/4/16</a:t>
+              <a:t>2024/4/17</a:t>
             </a:fld>
             <a:endParaRPr kumimoji="0" lang="zh-TW" altLang="en-US" sz="900" b="0" i="0" u="none" strike="noStrike" kern="1200" cap="none" spc="0" normalizeH="0" baseline="0" noProof="0">
               <a:ln>
@@ -17386,7 +17386,7 @@
           <a:p>
             <a:fld id="{E571BEFF-2CDC-453C-8E22-E6758267B1F9}" type="datetimeFigureOut">
               <a:rPr lang="zh-TW" altLang="en-US" smtClean="0"/>
-              <a:t>2024/4/16</a:t>
+              <a:t>2024/4/17</a:t>
             </a:fld>
             <a:endParaRPr lang="zh-TW" altLang="en-US"/>
           </a:p>
@@ -17843,7 +17843,7 @@
           <a:p>
             <a:fld id="{E571BEFF-2CDC-453C-8E22-E6758267B1F9}" type="datetimeFigureOut">
               <a:rPr lang="zh-TW" altLang="en-US" smtClean="0"/>
-              <a:t>2024/4/16</a:t>
+              <a:t>2024/4/17</a:t>
             </a:fld>
             <a:endParaRPr lang="zh-TW" altLang="en-US"/>
           </a:p>
@@ -18048,7 +18048,7 @@
           <a:p>
             <a:fld id="{E571BEFF-2CDC-453C-8E22-E6758267B1F9}" type="datetimeFigureOut">
               <a:rPr lang="zh-TW" altLang="en-US" smtClean="0"/>
-              <a:t>2024/4/16</a:t>
+              <a:t>2024/4/17</a:t>
             </a:fld>
             <a:endParaRPr lang="zh-TW" altLang="en-US"/>
           </a:p>
@@ -18225,7 +18225,7 @@
           <a:p>
             <a:fld id="{E571BEFF-2CDC-453C-8E22-E6758267B1F9}" type="datetimeFigureOut">
               <a:rPr lang="zh-TW" altLang="en-US" smtClean="0"/>
-              <a:t>2024/4/16</a:t>
+              <a:t>2024/4/17</a:t>
             </a:fld>
             <a:endParaRPr lang="zh-TW" altLang="en-US"/>
           </a:p>
@@ -18558,7 +18558,7 @@
           <a:p>
             <a:fld id="{E571BEFF-2CDC-453C-8E22-E6758267B1F9}" type="datetimeFigureOut">
               <a:rPr lang="zh-TW" altLang="en-US" smtClean="0"/>
-              <a:t>2024/4/16</a:t>
+              <a:t>2024/4/17</a:t>
             </a:fld>
             <a:endParaRPr lang="zh-TW" altLang="en-US"/>
           </a:p>
@@ -18903,7 +18903,7 @@
           <a:p>
             <a:fld id="{E571BEFF-2CDC-453C-8E22-E6758267B1F9}" type="datetimeFigureOut">
               <a:rPr lang="zh-TW" altLang="en-US" smtClean="0"/>
-              <a:t>2024/4/16</a:t>
+              <a:t>2024/4/17</a:t>
             </a:fld>
             <a:endParaRPr lang="zh-TW" altLang="en-US"/>
           </a:p>
@@ -21020,7 +21020,7 @@
           <a:p>
             <a:fld id="{E571BEFF-2CDC-453C-8E22-E6758267B1F9}" type="datetimeFigureOut">
               <a:rPr lang="zh-TW" altLang="en-US" smtClean="0"/>
-              <a:t>2024/4/16</a:t>
+              <a:t>2024/4/17</a:t>
             </a:fld>
             <a:endParaRPr lang="zh-TW" altLang="en-US"/>
           </a:p>
@@ -23539,7 +23539,7 @@
                 <a:tabLst/>
                 <a:defRPr/>
               </a:pPr>
-              <a:t>2024/4/16</a:t>
+              <a:t>2024/4/17</a:t>
             </a:fld>
             <a:endParaRPr kumimoji="0" lang="zh-TW" altLang="en-US" sz="900" b="0" i="0" u="none" strike="noStrike" kern="1200" cap="none" spc="0" normalizeH="0" baseline="0" noProof="0">
               <a:ln>
@@ -27111,11 +27111,11 @@
               <a:t>切割資料</a:t>
             </a:r>
             <a:r>
-              <a:rPr lang="en-US" altLang="zh-TW" dirty="0" smtClean="0">
+              <a:rPr lang="en-US" altLang="zh-TW" smtClean="0">
                 <a:latin typeface="王漢宗綜藝體繁" panose="02000500000000000000" pitchFamily="2" charset="-120"/>
                 <a:ea typeface="王漢宗綜藝體繁" panose="02000500000000000000" pitchFamily="2" charset="-120"/>
               </a:rPr>
-              <a:t>:</a:t>
+              <a:t>:.</a:t>
             </a:r>
             <a:endParaRPr lang="zh-TW" altLang="en-US" dirty="0">
               <a:latin typeface="王漢宗綜藝體繁" panose="02000500000000000000" pitchFamily="2" charset="-120"/>

--- a/report/以SDR實現OTSM通訊技術.pptx
+++ b/report/以SDR實現OTSM通訊技術.pptx
@@ -5969,7 +5969,7 @@
           <a:p>
             <a:fld id="{A939C702-C129-497B-8D83-592497DC42E2}" type="datetimeFigureOut">
               <a:rPr lang="zh-TW" altLang="en-US" smtClean="0"/>
-              <a:t>2024/4/17</a:t>
+              <a:t>2024/4/16</a:t>
             </a:fld>
             <a:endParaRPr lang="zh-TW" altLang="en-US"/>
           </a:p>
@@ -6509,7 +6509,7 @@
           <a:p>
             <a:fld id="{E571BEFF-2CDC-453C-8E22-E6758267B1F9}" type="datetimeFigureOut">
               <a:rPr lang="zh-TW" altLang="en-US" smtClean="0"/>
-              <a:t>2024/4/17</a:t>
+              <a:t>2024/4/16</a:t>
             </a:fld>
             <a:endParaRPr lang="zh-TW" altLang="en-US"/>
           </a:p>
@@ -6847,7 +6847,7 @@
           <a:p>
             <a:fld id="{E571BEFF-2CDC-453C-8E22-E6758267B1F9}" type="datetimeFigureOut">
               <a:rPr lang="zh-TW" altLang="en-US" smtClean="0"/>
-              <a:t>2024/4/17</a:t>
+              <a:t>2024/4/16</a:t>
             </a:fld>
             <a:endParaRPr lang="zh-TW" altLang="en-US"/>
           </a:p>
@@ -7248,7 +7248,7 @@
           <a:p>
             <a:fld id="{E571BEFF-2CDC-453C-8E22-E6758267B1F9}" type="datetimeFigureOut">
               <a:rPr lang="zh-TW" altLang="en-US" smtClean="0"/>
-              <a:t>2024/4/17</a:t>
+              <a:t>2024/4/16</a:t>
             </a:fld>
             <a:endParaRPr lang="zh-TW" altLang="en-US"/>
           </a:p>
@@ -7584,7 +7584,7 @@
           <a:p>
             <a:fld id="{E571BEFF-2CDC-453C-8E22-E6758267B1F9}" type="datetimeFigureOut">
               <a:rPr lang="zh-TW" altLang="en-US" smtClean="0"/>
-              <a:t>2024/4/17</a:t>
+              <a:t>2024/4/16</a:t>
             </a:fld>
             <a:endParaRPr lang="zh-TW" altLang="en-US"/>
           </a:p>
@@ -7904,7 +7904,7 @@
           <a:p>
             <a:fld id="{E571BEFF-2CDC-453C-8E22-E6758267B1F9}" type="datetimeFigureOut">
               <a:rPr lang="zh-TW" altLang="en-US" smtClean="0"/>
-              <a:t>2024/4/17</a:t>
+              <a:t>2024/4/16</a:t>
             </a:fld>
             <a:endParaRPr lang="zh-TW" altLang="en-US"/>
           </a:p>
@@ -8300,7 +8300,7 @@
           <a:p>
             <a:fld id="{E571BEFF-2CDC-453C-8E22-E6758267B1F9}" type="datetimeFigureOut">
               <a:rPr lang="zh-TW" altLang="en-US" smtClean="0"/>
-              <a:t>2024/4/17</a:t>
+              <a:t>2024/4/16</a:t>
             </a:fld>
             <a:endParaRPr lang="zh-TW" altLang="en-US"/>
           </a:p>
@@ -8557,7 +8557,7 @@
           <a:p>
             <a:fld id="{E571BEFF-2CDC-453C-8E22-E6758267B1F9}" type="datetimeFigureOut">
               <a:rPr lang="zh-TW" altLang="en-US" smtClean="0"/>
-              <a:t>2024/4/17</a:t>
+              <a:t>2024/4/16</a:t>
             </a:fld>
             <a:endParaRPr lang="zh-TW" altLang="en-US"/>
           </a:p>
@@ -8819,7 +8819,7 @@
           <a:p>
             <a:fld id="{E571BEFF-2CDC-453C-8E22-E6758267B1F9}" type="datetimeFigureOut">
               <a:rPr lang="zh-TW" altLang="en-US" smtClean="0"/>
-              <a:t>2024/4/17</a:t>
+              <a:t>2024/4/16</a:t>
             </a:fld>
             <a:endParaRPr lang="zh-TW" altLang="en-US"/>
           </a:p>
@@ -9199,7 +9199,7 @@
                 <a:tabLst/>
                 <a:defRPr/>
               </a:pPr>
-              <a:t>2024/4/17</a:t>
+              <a:t>2024/4/16</a:t>
             </a:fld>
             <a:endParaRPr kumimoji="0" lang="zh-TW" altLang="en-US" sz="900" b="0" i="0" u="none" strike="noStrike" kern="1200" cap="none" spc="0" normalizeH="0" baseline="0" noProof="0">
               <a:ln>
@@ -9622,7 +9622,7 @@
                 <a:tabLst/>
                 <a:defRPr/>
               </a:pPr>
-              <a:t>2024/4/17</a:t>
+              <a:t>2024/4/16</a:t>
             </a:fld>
             <a:endParaRPr kumimoji="0" lang="zh-TW" altLang="en-US" sz="900" b="0" i="0" u="none" strike="noStrike" kern="1200" cap="none" spc="0" normalizeH="0" baseline="0" noProof="0">
               <a:ln>
@@ -10107,7 +10107,7 @@
                 <a:tabLst/>
                 <a:defRPr/>
               </a:pPr>
-              <a:t>2024/4/17</a:t>
+              <a:t>2024/4/16</a:t>
             </a:fld>
             <a:endParaRPr kumimoji="0" lang="zh-TW" altLang="en-US" sz="900" b="0" i="0" u="none" strike="noStrike" kern="1200" cap="none" spc="0" normalizeH="0" baseline="0" noProof="0">
               <a:ln>
@@ -10481,7 +10481,7 @@
           <a:p>
             <a:fld id="{E571BEFF-2CDC-453C-8E22-E6758267B1F9}" type="datetimeFigureOut">
               <a:rPr lang="zh-TW" altLang="en-US" smtClean="0"/>
-              <a:t>2024/4/17</a:t>
+              <a:t>2024/4/16</a:t>
             </a:fld>
             <a:endParaRPr lang="zh-TW" altLang="en-US"/>
           </a:p>
@@ -10848,7 +10848,7 @@
                 <a:tabLst/>
                 <a:defRPr/>
               </a:pPr>
-              <a:t>2024/4/17</a:t>
+              <a:t>2024/4/16</a:t>
             </a:fld>
             <a:endParaRPr kumimoji="0" lang="zh-TW" altLang="en-US" sz="900" b="0" i="0" u="none" strike="noStrike" kern="1200" cap="none" spc="0" normalizeH="0" baseline="0" noProof="0">
               <a:ln>
@@ -11461,7 +11461,7 @@
                 <a:tabLst/>
                 <a:defRPr/>
               </a:pPr>
-              <a:t>2024/4/17</a:t>
+              <a:t>2024/4/16</a:t>
             </a:fld>
             <a:endParaRPr kumimoji="0" lang="zh-TW" altLang="en-US" sz="900" b="0" i="0" u="none" strike="noStrike" kern="1200" cap="none" spc="0" normalizeH="0" baseline="0" noProof="0">
               <a:ln>
@@ -11822,7 +11822,7 @@
                 <a:tabLst/>
                 <a:defRPr/>
               </a:pPr>
-              <a:t>2024/4/17</a:t>
+              <a:t>2024/4/16</a:t>
             </a:fld>
             <a:endParaRPr kumimoji="0" lang="zh-TW" altLang="en-US" sz="900" b="0" i="0" u="none" strike="noStrike" kern="1200" cap="none" spc="0" normalizeH="0" baseline="0" noProof="0">
               <a:ln>
@@ -12155,7 +12155,7 @@
                 <a:tabLst/>
                 <a:defRPr/>
               </a:pPr>
-              <a:t>2024/4/17</a:t>
+              <a:t>2024/4/16</a:t>
             </a:fld>
             <a:endParaRPr kumimoji="0" lang="zh-TW" altLang="en-US" sz="900" b="0" i="0" u="none" strike="noStrike" kern="1200" cap="none" spc="0" normalizeH="0" baseline="0" noProof="0">
               <a:ln>
@@ -12644,7 +12644,7 @@
                 <a:tabLst/>
                 <a:defRPr/>
               </a:pPr>
-              <a:t>2024/4/17</a:t>
+              <a:t>2024/4/16</a:t>
             </a:fld>
             <a:endParaRPr kumimoji="0" lang="zh-TW" altLang="en-US" sz="900" b="0" i="0" u="none" strike="noStrike" kern="1200" cap="none" spc="0" normalizeH="0" baseline="0" noProof="0">
               <a:ln>
@@ -13145,7 +13145,7 @@
                 <a:tabLst/>
                 <a:defRPr/>
               </a:pPr>
-              <a:t>2024/4/17</a:t>
+              <a:t>2024/4/16</a:t>
             </a:fld>
             <a:endParaRPr kumimoji="0" lang="zh-TW" altLang="en-US" sz="900" b="0" i="0" u="none" strike="noStrike" kern="1200" cap="none" spc="0" normalizeH="0" baseline="0" noProof="0">
               <a:ln>
@@ -13639,7 +13639,7 @@
                 <a:tabLst/>
                 <a:defRPr/>
               </a:pPr>
-              <a:t>2024/4/17</a:t>
+              <a:t>2024/4/16</a:t>
             </a:fld>
             <a:endParaRPr kumimoji="0" lang="zh-TW" altLang="en-US" sz="900" b="0" i="0" u="none" strike="noStrike" kern="1200" cap="none" spc="0" normalizeH="0" baseline="0" noProof="0">
               <a:ln>
@@ -14196,7 +14196,7 @@
                 <a:tabLst/>
                 <a:defRPr/>
               </a:pPr>
-              <a:t>2024/4/17</a:t>
+              <a:t>2024/4/16</a:t>
             </a:fld>
             <a:endParaRPr kumimoji="0" lang="zh-TW" altLang="en-US" sz="900" b="0" i="0" u="none" strike="noStrike" kern="1200" cap="none" spc="0" normalizeH="0" baseline="0" noProof="0">
               <a:ln>
@@ -14728,7 +14728,7 @@
                 <a:tabLst/>
                 <a:defRPr/>
               </a:pPr>
-              <a:t>2024/4/17</a:t>
+              <a:t>2024/4/16</a:t>
             </a:fld>
             <a:endParaRPr kumimoji="0" lang="zh-TW" altLang="en-US" sz="900" b="0" i="0" u="none" strike="noStrike" kern="1200" cap="none" spc="0" normalizeH="0" baseline="0" noProof="0">
               <a:ln>
@@ -15204,7 +15204,7 @@
                 <a:tabLst/>
                 <a:defRPr/>
               </a:pPr>
-              <a:t>2024/4/17</a:t>
+              <a:t>2024/4/16</a:t>
             </a:fld>
             <a:endParaRPr kumimoji="0" lang="zh-TW" altLang="en-US" sz="900" b="0" i="0" u="none" strike="noStrike" kern="1200" cap="none" spc="0" normalizeH="0" baseline="0" noProof="0">
               <a:ln>
@@ -15761,7 +15761,7 @@
           <a:p>
             <a:fld id="{E571BEFF-2CDC-453C-8E22-E6758267B1F9}" type="datetimeFigureOut">
               <a:rPr lang="zh-TW" altLang="en-US" smtClean="0"/>
-              <a:t>2024/4/17</a:t>
+              <a:t>2024/4/16</a:t>
             </a:fld>
             <a:endParaRPr lang="zh-TW" altLang="en-US"/>
           </a:p>
@@ -16130,7 +16130,7 @@
                 <a:tabLst/>
                 <a:defRPr/>
               </a:pPr>
-              <a:t>2024/4/17</a:t>
+              <a:t>2024/4/16</a:t>
             </a:fld>
             <a:endParaRPr kumimoji="0" lang="zh-TW" altLang="en-US" sz="900" b="0" i="0" u="none" strike="noStrike" kern="1200" cap="none" spc="0" normalizeH="0" baseline="0" noProof="0">
               <a:ln>
@@ -16543,7 +16543,7 @@
                 <a:tabLst/>
                 <a:defRPr/>
               </a:pPr>
-              <a:t>2024/4/17</a:t>
+              <a:t>2024/4/16</a:t>
             </a:fld>
             <a:endParaRPr kumimoji="0" lang="zh-TW" altLang="en-US" sz="900" b="0" i="0" u="none" strike="noStrike" kern="1200" cap="none" spc="0" normalizeH="0" baseline="0" noProof="0">
               <a:ln>
@@ -16961,7 +16961,7 @@
                 <a:tabLst/>
                 <a:defRPr/>
               </a:pPr>
-              <a:t>2024/4/17</a:t>
+              <a:t>2024/4/16</a:t>
             </a:fld>
             <a:endParaRPr kumimoji="0" lang="zh-TW" altLang="en-US" sz="900" b="0" i="0" u="none" strike="noStrike" kern="1200" cap="none" spc="0" normalizeH="0" baseline="0" noProof="0">
               <a:ln>
@@ -17386,7 +17386,7 @@
           <a:p>
             <a:fld id="{E571BEFF-2CDC-453C-8E22-E6758267B1F9}" type="datetimeFigureOut">
               <a:rPr lang="zh-TW" altLang="en-US" smtClean="0"/>
-              <a:t>2024/4/17</a:t>
+              <a:t>2024/4/16</a:t>
             </a:fld>
             <a:endParaRPr lang="zh-TW" altLang="en-US"/>
           </a:p>
@@ -17843,7 +17843,7 @@
           <a:p>
             <a:fld id="{E571BEFF-2CDC-453C-8E22-E6758267B1F9}" type="datetimeFigureOut">
               <a:rPr lang="zh-TW" altLang="en-US" smtClean="0"/>
-              <a:t>2024/4/17</a:t>
+              <a:t>2024/4/16</a:t>
             </a:fld>
             <a:endParaRPr lang="zh-TW" altLang="en-US"/>
           </a:p>
@@ -18048,7 +18048,7 @@
           <a:p>
             <a:fld id="{E571BEFF-2CDC-453C-8E22-E6758267B1F9}" type="datetimeFigureOut">
               <a:rPr lang="zh-TW" altLang="en-US" smtClean="0"/>
-              <a:t>2024/4/17</a:t>
+              <a:t>2024/4/16</a:t>
             </a:fld>
             <a:endParaRPr lang="zh-TW" altLang="en-US"/>
           </a:p>
@@ -18225,7 +18225,7 @@
           <a:p>
             <a:fld id="{E571BEFF-2CDC-453C-8E22-E6758267B1F9}" type="datetimeFigureOut">
               <a:rPr lang="zh-TW" altLang="en-US" smtClean="0"/>
-              <a:t>2024/4/17</a:t>
+              <a:t>2024/4/16</a:t>
             </a:fld>
             <a:endParaRPr lang="zh-TW" altLang="en-US"/>
           </a:p>
@@ -18558,7 +18558,7 @@
           <a:p>
             <a:fld id="{E571BEFF-2CDC-453C-8E22-E6758267B1F9}" type="datetimeFigureOut">
               <a:rPr lang="zh-TW" altLang="en-US" smtClean="0"/>
-              <a:t>2024/4/17</a:t>
+              <a:t>2024/4/16</a:t>
             </a:fld>
             <a:endParaRPr lang="zh-TW" altLang="en-US"/>
           </a:p>
@@ -18903,7 +18903,7 @@
           <a:p>
             <a:fld id="{E571BEFF-2CDC-453C-8E22-E6758267B1F9}" type="datetimeFigureOut">
               <a:rPr lang="zh-TW" altLang="en-US" smtClean="0"/>
-              <a:t>2024/4/17</a:t>
+              <a:t>2024/4/16</a:t>
             </a:fld>
             <a:endParaRPr lang="zh-TW" altLang="en-US"/>
           </a:p>
@@ -21020,7 +21020,7 @@
           <a:p>
             <a:fld id="{E571BEFF-2CDC-453C-8E22-E6758267B1F9}" type="datetimeFigureOut">
               <a:rPr lang="zh-TW" altLang="en-US" smtClean="0"/>
-              <a:t>2024/4/17</a:t>
+              <a:t>2024/4/16</a:t>
             </a:fld>
             <a:endParaRPr lang="zh-TW" altLang="en-US"/>
           </a:p>
@@ -23539,7 +23539,7 @@
                 <a:tabLst/>
                 <a:defRPr/>
               </a:pPr>
-              <a:t>2024/4/17</a:t>
+              <a:t>2024/4/16</a:t>
             </a:fld>
             <a:endParaRPr kumimoji="0" lang="zh-TW" altLang="en-US" sz="900" b="0" i="0" u="none" strike="noStrike" kern="1200" cap="none" spc="0" normalizeH="0" baseline="0" noProof="0">
               <a:ln>
@@ -27111,11 +27111,11 @@
               <a:t>切割資料</a:t>
             </a:r>
             <a:r>
-              <a:rPr lang="en-US" altLang="zh-TW" smtClean="0">
+              <a:rPr lang="en-US" altLang="zh-TW" dirty="0" smtClean="0">
                 <a:latin typeface="王漢宗綜藝體繁" panose="02000500000000000000" pitchFamily="2" charset="-120"/>
                 <a:ea typeface="王漢宗綜藝體繁" panose="02000500000000000000" pitchFamily="2" charset="-120"/>
               </a:rPr>
-              <a:t>:.</a:t>
+              <a:t>:</a:t>
             </a:r>
             <a:endParaRPr lang="zh-TW" altLang="en-US" dirty="0">
               <a:latin typeface="王漢宗綜藝體繁" panose="02000500000000000000" pitchFamily="2" charset="-120"/>

--- a/report/以SDR實現OTSM通訊技術.pptx
+++ b/report/以SDR實現OTSM通訊技術.pptx
@@ -1800,14 +1800,35 @@
         </dgm:presLayoutVars>
       </dgm:prSet>
       <dgm:spPr/>
+      <dgm:t>
+        <a:bodyPr/>
+        <a:lstStyle/>
+        <a:p>
+          <a:endParaRPr lang="zh-TW" altLang="en-US"/>
+        </a:p>
+      </dgm:t>
     </dgm:pt>
     <dgm:pt modelId="{5DCD91DB-AEF7-4C9B-BD53-8B818AE7A5C2}" type="pres">
       <dgm:prSet presAssocID="{510E1544-9B0B-4E5E-A21A-74C154EC99BB}" presName="sibTrans" presStyleLbl="sibTrans2D1" presStyleIdx="0" presStyleCnt="2"/>
       <dgm:spPr/>
+      <dgm:t>
+        <a:bodyPr/>
+        <a:lstStyle/>
+        <a:p>
+          <a:endParaRPr lang="zh-TW" altLang="en-US"/>
+        </a:p>
+      </dgm:t>
     </dgm:pt>
     <dgm:pt modelId="{3053149E-F4D6-4274-BA65-86C7B0CA7EE2}" type="pres">
       <dgm:prSet presAssocID="{510E1544-9B0B-4E5E-A21A-74C154EC99BB}" presName="connectorText" presStyleLbl="sibTrans2D1" presStyleIdx="0" presStyleCnt="2"/>
       <dgm:spPr/>
+      <dgm:t>
+        <a:bodyPr/>
+        <a:lstStyle/>
+        <a:p>
+          <a:endParaRPr lang="zh-TW" altLang="en-US"/>
+        </a:p>
+      </dgm:t>
     </dgm:pt>
     <dgm:pt modelId="{501B0B5C-0A9B-4712-8139-5AB722F892AE}" type="pres">
       <dgm:prSet presAssocID="{2F0BB623-C310-4F34-A614-8383840D288F}" presName="node" presStyleLbl="node1" presStyleIdx="1" presStyleCnt="3">
@@ -1816,14 +1837,35 @@
         </dgm:presLayoutVars>
       </dgm:prSet>
       <dgm:spPr/>
+      <dgm:t>
+        <a:bodyPr/>
+        <a:lstStyle/>
+        <a:p>
+          <a:endParaRPr lang="zh-TW" altLang="en-US"/>
+        </a:p>
+      </dgm:t>
     </dgm:pt>
     <dgm:pt modelId="{4C06B492-B4CF-4662-994E-B742043CDBA6}" type="pres">
       <dgm:prSet presAssocID="{B3ED31B1-2659-4ACB-A056-32D27D08A6EF}" presName="sibTrans" presStyleLbl="sibTrans2D1" presStyleIdx="1" presStyleCnt="2"/>
       <dgm:spPr/>
+      <dgm:t>
+        <a:bodyPr/>
+        <a:lstStyle/>
+        <a:p>
+          <a:endParaRPr lang="zh-TW" altLang="en-US"/>
+        </a:p>
+      </dgm:t>
     </dgm:pt>
     <dgm:pt modelId="{715D3F0F-C5CB-406C-9764-737C7C1638E6}" type="pres">
       <dgm:prSet presAssocID="{B3ED31B1-2659-4ACB-A056-32D27D08A6EF}" presName="connectorText" presStyleLbl="sibTrans2D1" presStyleIdx="1" presStyleCnt="2"/>
       <dgm:spPr/>
+      <dgm:t>
+        <a:bodyPr/>
+        <a:lstStyle/>
+        <a:p>
+          <a:endParaRPr lang="zh-TW" altLang="en-US"/>
+        </a:p>
+      </dgm:t>
     </dgm:pt>
     <dgm:pt modelId="{F8307AB0-8E3F-4030-91DA-849DB5B98DC2}" type="pres">
       <dgm:prSet presAssocID="{94E5E8AF-0109-41B5-AD0E-4DA7AD85FEFD}" presName="node" presStyleLbl="node1" presStyleIdx="2" presStyleCnt="3">
@@ -1832,20 +1874,27 @@
         </dgm:presLayoutVars>
       </dgm:prSet>
       <dgm:spPr/>
+      <dgm:t>
+        <a:bodyPr/>
+        <a:lstStyle/>
+        <a:p>
+          <a:endParaRPr lang="zh-TW" altLang="en-US"/>
+        </a:p>
+      </dgm:t>
     </dgm:pt>
   </dgm:ptLst>
   <dgm:cxnLst>
-    <dgm:cxn modelId="{24755E3E-C775-4F43-94FB-4C706A911360}" type="presOf" srcId="{B3ED31B1-2659-4ACB-A056-32D27D08A6EF}" destId="{4C06B492-B4CF-4662-994E-B742043CDBA6}" srcOrd="0" destOrd="0" presId="urn:microsoft.com/office/officeart/2005/8/layout/process1"/>
+    <dgm:cxn modelId="{8F64F8E6-C469-43B5-B5E8-EC3AE35AB88C}" type="presOf" srcId="{2F0BB623-C310-4F34-A614-8383840D288F}" destId="{501B0B5C-0A9B-4712-8139-5AB722F892AE}" srcOrd="0" destOrd="0" presId="urn:microsoft.com/office/officeart/2005/8/layout/process1"/>
+    <dgm:cxn modelId="{F6F31997-62E6-4170-BF59-BE34A1A74105}" srcId="{D14C185C-1C2F-43C5-B3F7-03E2FD8DCA20}" destId="{2F0BB623-C310-4F34-A614-8383840D288F}" srcOrd="1" destOrd="0" parTransId="{7FEA6977-7515-40FE-8B46-76C8A4B4FEBC}" sibTransId="{B3ED31B1-2659-4ACB-A056-32D27D08A6EF}"/>
+    <dgm:cxn modelId="{842B5DB3-BFAF-46D0-84BB-E28431233374}" srcId="{D14C185C-1C2F-43C5-B3F7-03E2FD8DCA20}" destId="{373F3D73-4163-460C-825F-AB90F0BD274A}" srcOrd="0" destOrd="0" parTransId="{00E5234B-BC00-402C-A4DC-5B7D87217C7B}" sibTransId="{510E1544-9B0B-4E5E-A21A-74C154EC99BB}"/>
+    <dgm:cxn modelId="{FC026DDC-6B9B-4E3A-ADF6-C724CBB2F3D0}" type="presOf" srcId="{94E5E8AF-0109-41B5-AD0E-4DA7AD85FEFD}" destId="{F8307AB0-8E3F-4030-91DA-849DB5B98DC2}" srcOrd="0" destOrd="0" presId="urn:microsoft.com/office/officeart/2005/8/layout/process1"/>
     <dgm:cxn modelId="{783D2856-2CC3-47A0-AB40-5DBEC579208A}" type="presOf" srcId="{D14C185C-1C2F-43C5-B3F7-03E2FD8DCA20}" destId="{0845D703-486E-420E-9274-3700A0D2E42F}" srcOrd="0" destOrd="0" presId="urn:microsoft.com/office/officeart/2005/8/layout/process1"/>
     <dgm:cxn modelId="{ED6A0291-B8AD-4213-AF49-B17AF0DD26FB}" type="presOf" srcId="{373F3D73-4163-460C-825F-AB90F0BD274A}" destId="{2CE79DA6-23CB-40EF-B25E-2E7E21767DB0}" srcOrd="0" destOrd="0" presId="urn:microsoft.com/office/officeart/2005/8/layout/process1"/>
-    <dgm:cxn modelId="{F6F31997-62E6-4170-BF59-BE34A1A74105}" srcId="{D14C185C-1C2F-43C5-B3F7-03E2FD8DCA20}" destId="{2F0BB623-C310-4F34-A614-8383840D288F}" srcOrd="1" destOrd="0" parTransId="{7FEA6977-7515-40FE-8B46-76C8A4B4FEBC}" sibTransId="{B3ED31B1-2659-4ACB-A056-32D27D08A6EF}"/>
-    <dgm:cxn modelId="{842B5DB3-BFAF-46D0-84BB-E28431233374}" srcId="{D14C185C-1C2F-43C5-B3F7-03E2FD8DCA20}" destId="{373F3D73-4163-460C-825F-AB90F0BD274A}" srcOrd="0" destOrd="0" parTransId="{00E5234B-BC00-402C-A4DC-5B7D87217C7B}" sibTransId="{510E1544-9B0B-4E5E-A21A-74C154EC99BB}"/>
+    <dgm:cxn modelId="{CCD4CFC3-8CB9-4BD5-B289-EB24AA63AAFC}" type="presOf" srcId="{510E1544-9B0B-4E5E-A21A-74C154EC99BB}" destId="{5DCD91DB-AEF7-4C9B-BD53-8B818AE7A5C2}" srcOrd="0" destOrd="0" presId="urn:microsoft.com/office/officeart/2005/8/layout/process1"/>
+    <dgm:cxn modelId="{D1F5C7F5-FF31-49AC-8A04-274782995C75}" type="presOf" srcId="{510E1544-9B0B-4E5E-A21A-74C154EC99BB}" destId="{3053149E-F4D6-4274-BA65-86C7B0CA7EE2}" srcOrd="1" destOrd="0" presId="urn:microsoft.com/office/officeart/2005/8/layout/process1"/>
+    <dgm:cxn modelId="{24755E3E-C775-4F43-94FB-4C706A911360}" type="presOf" srcId="{B3ED31B1-2659-4ACB-A056-32D27D08A6EF}" destId="{4C06B492-B4CF-4662-994E-B742043CDBA6}" srcOrd="0" destOrd="0" presId="urn:microsoft.com/office/officeart/2005/8/layout/process1"/>
     <dgm:cxn modelId="{F0E147BA-BB1F-4975-8167-3A41330F994E}" type="presOf" srcId="{B3ED31B1-2659-4ACB-A056-32D27D08A6EF}" destId="{715D3F0F-C5CB-406C-9764-737C7C1638E6}" srcOrd="1" destOrd="0" presId="urn:microsoft.com/office/officeart/2005/8/layout/process1"/>
-    <dgm:cxn modelId="{CCD4CFC3-8CB9-4BD5-B289-EB24AA63AAFC}" type="presOf" srcId="{510E1544-9B0B-4E5E-A21A-74C154EC99BB}" destId="{5DCD91DB-AEF7-4C9B-BD53-8B818AE7A5C2}" srcOrd="0" destOrd="0" presId="urn:microsoft.com/office/officeart/2005/8/layout/process1"/>
     <dgm:cxn modelId="{18AB6BD2-D883-4837-90CD-D004B6890F8F}" srcId="{D14C185C-1C2F-43C5-B3F7-03E2FD8DCA20}" destId="{94E5E8AF-0109-41B5-AD0E-4DA7AD85FEFD}" srcOrd="2" destOrd="0" parTransId="{4B4731E8-B722-4A8D-879D-71D770D64E16}" sibTransId="{5EDB3883-65F1-43C5-B2B6-715EFF19ECC3}"/>
-    <dgm:cxn modelId="{FC026DDC-6B9B-4E3A-ADF6-C724CBB2F3D0}" type="presOf" srcId="{94E5E8AF-0109-41B5-AD0E-4DA7AD85FEFD}" destId="{F8307AB0-8E3F-4030-91DA-849DB5B98DC2}" srcOrd="0" destOrd="0" presId="urn:microsoft.com/office/officeart/2005/8/layout/process1"/>
-    <dgm:cxn modelId="{8F64F8E6-C469-43B5-B5E8-EC3AE35AB88C}" type="presOf" srcId="{2F0BB623-C310-4F34-A614-8383840D288F}" destId="{501B0B5C-0A9B-4712-8139-5AB722F892AE}" srcOrd="0" destOrd="0" presId="urn:microsoft.com/office/officeart/2005/8/layout/process1"/>
-    <dgm:cxn modelId="{D1F5C7F5-FF31-49AC-8A04-274782995C75}" type="presOf" srcId="{510E1544-9B0B-4E5E-A21A-74C154EC99BB}" destId="{3053149E-F4D6-4274-BA65-86C7B0CA7EE2}" srcOrd="1" destOrd="0" presId="urn:microsoft.com/office/officeart/2005/8/layout/process1"/>
     <dgm:cxn modelId="{FAFBA5ED-5A37-4064-B4A2-75A971CC3268}" type="presParOf" srcId="{0845D703-486E-420E-9274-3700A0D2E42F}" destId="{2CE79DA6-23CB-40EF-B25E-2E7E21767DB0}" srcOrd="0" destOrd="0" presId="urn:microsoft.com/office/officeart/2005/8/layout/process1"/>
     <dgm:cxn modelId="{B192C275-C3F4-4265-AADD-2C1838C8AD5A}" type="presParOf" srcId="{0845D703-486E-420E-9274-3700A0D2E42F}" destId="{5DCD91DB-AEF7-4C9B-BD53-8B818AE7A5C2}" srcOrd="1" destOrd="0" presId="urn:microsoft.com/office/officeart/2005/8/layout/process1"/>
     <dgm:cxn modelId="{96819B01-F420-4E26-A327-E989DB4F7FB8}" type="presParOf" srcId="{5DCD91DB-AEF7-4C9B-BD53-8B818AE7A5C2}" destId="{3053149E-F4D6-4274-BA65-86C7B0CA7EE2}" srcOrd="0" destOrd="0" presId="urn:microsoft.com/office/officeart/2005/8/layout/process1"/>
@@ -2186,6 +2235,13 @@
         </dgm:presLayoutVars>
       </dgm:prSet>
       <dgm:spPr/>
+      <dgm:t>
+        <a:bodyPr/>
+        <a:lstStyle/>
+        <a:p>
+          <a:endParaRPr lang="zh-TW" altLang="en-US"/>
+        </a:p>
+      </dgm:t>
     </dgm:pt>
     <dgm:pt modelId="{37CC57EE-2C61-4BEF-8871-3338219A9556}" type="pres">
       <dgm:prSet presAssocID="{3841A661-9951-4A9C-BD92-1E214ED1A7F1}" presName="node" presStyleLbl="node1" presStyleIdx="0" presStyleCnt="5">
@@ -2194,14 +2250,35 @@
         </dgm:presLayoutVars>
       </dgm:prSet>
       <dgm:spPr/>
+      <dgm:t>
+        <a:bodyPr/>
+        <a:lstStyle/>
+        <a:p>
+          <a:endParaRPr lang="zh-TW" altLang="en-US"/>
+        </a:p>
+      </dgm:t>
     </dgm:pt>
     <dgm:pt modelId="{602DA743-6056-422D-BD95-2E982C8777E3}" type="pres">
       <dgm:prSet presAssocID="{756101F8-E74F-47A0-88AA-37478E1324E3}" presName="sibTrans" presStyleLbl="sibTrans2D1" presStyleIdx="0" presStyleCnt="4"/>
       <dgm:spPr/>
+      <dgm:t>
+        <a:bodyPr/>
+        <a:lstStyle/>
+        <a:p>
+          <a:endParaRPr lang="zh-TW" altLang="en-US"/>
+        </a:p>
+      </dgm:t>
     </dgm:pt>
     <dgm:pt modelId="{36B23BB1-5C80-41D3-B5C8-95A6DF48DBB3}" type="pres">
       <dgm:prSet presAssocID="{756101F8-E74F-47A0-88AA-37478E1324E3}" presName="connectorText" presStyleLbl="sibTrans2D1" presStyleIdx="0" presStyleCnt="4"/>
       <dgm:spPr/>
+      <dgm:t>
+        <a:bodyPr/>
+        <a:lstStyle/>
+        <a:p>
+          <a:endParaRPr lang="zh-TW" altLang="en-US"/>
+        </a:p>
+      </dgm:t>
     </dgm:pt>
     <dgm:pt modelId="{7B16F990-18B9-4D6C-B176-426070597CF8}" type="pres">
       <dgm:prSet presAssocID="{4DE45646-C300-4293-898A-FF022B7A8FEC}" presName="node" presStyleLbl="node1" presStyleIdx="1" presStyleCnt="5">
@@ -2210,14 +2287,35 @@
         </dgm:presLayoutVars>
       </dgm:prSet>
       <dgm:spPr/>
+      <dgm:t>
+        <a:bodyPr/>
+        <a:lstStyle/>
+        <a:p>
+          <a:endParaRPr lang="zh-TW" altLang="en-US"/>
+        </a:p>
+      </dgm:t>
     </dgm:pt>
     <dgm:pt modelId="{3C52E922-05C7-42AA-9176-FEB57B8A5680}" type="pres">
       <dgm:prSet presAssocID="{D93979BF-3656-4712-9F7E-DB6980D33465}" presName="sibTrans" presStyleLbl="sibTrans2D1" presStyleIdx="1" presStyleCnt="4"/>
       <dgm:spPr/>
+      <dgm:t>
+        <a:bodyPr/>
+        <a:lstStyle/>
+        <a:p>
+          <a:endParaRPr lang="zh-TW" altLang="en-US"/>
+        </a:p>
+      </dgm:t>
     </dgm:pt>
     <dgm:pt modelId="{D7B2C42D-DBB1-487C-9662-09FCC8DF404A}" type="pres">
       <dgm:prSet presAssocID="{D93979BF-3656-4712-9F7E-DB6980D33465}" presName="connectorText" presStyleLbl="sibTrans2D1" presStyleIdx="1" presStyleCnt="4"/>
       <dgm:spPr/>
+      <dgm:t>
+        <a:bodyPr/>
+        <a:lstStyle/>
+        <a:p>
+          <a:endParaRPr lang="zh-TW" altLang="en-US"/>
+        </a:p>
+      </dgm:t>
     </dgm:pt>
     <dgm:pt modelId="{76F565FD-B22D-4E20-9E68-6737A94684D0}" type="pres">
       <dgm:prSet presAssocID="{9842FACB-53DA-4024-B6CB-EE11C52C5FCF}" presName="node" presStyleLbl="node1" presStyleIdx="2" presStyleCnt="5">
@@ -2226,14 +2324,35 @@
         </dgm:presLayoutVars>
       </dgm:prSet>
       <dgm:spPr/>
+      <dgm:t>
+        <a:bodyPr/>
+        <a:lstStyle/>
+        <a:p>
+          <a:endParaRPr lang="zh-TW" altLang="en-US"/>
+        </a:p>
+      </dgm:t>
     </dgm:pt>
     <dgm:pt modelId="{AA43AFA9-0BE9-488E-8186-653D69342068}" type="pres">
       <dgm:prSet presAssocID="{47A42E82-F7B5-4BA3-BE5D-5AC65D518851}" presName="sibTrans" presStyleLbl="sibTrans2D1" presStyleIdx="2" presStyleCnt="4"/>
       <dgm:spPr/>
+      <dgm:t>
+        <a:bodyPr/>
+        <a:lstStyle/>
+        <a:p>
+          <a:endParaRPr lang="zh-TW" altLang="en-US"/>
+        </a:p>
+      </dgm:t>
     </dgm:pt>
     <dgm:pt modelId="{8BCFD47B-7865-4BED-9116-37430C496C9D}" type="pres">
       <dgm:prSet presAssocID="{47A42E82-F7B5-4BA3-BE5D-5AC65D518851}" presName="connectorText" presStyleLbl="sibTrans2D1" presStyleIdx="2" presStyleCnt="4"/>
       <dgm:spPr/>
+      <dgm:t>
+        <a:bodyPr/>
+        <a:lstStyle/>
+        <a:p>
+          <a:endParaRPr lang="zh-TW" altLang="en-US"/>
+        </a:p>
+      </dgm:t>
     </dgm:pt>
     <dgm:pt modelId="{70F605AD-AA30-4AD0-B005-7FFA52A1F50A}" type="pres">
       <dgm:prSet presAssocID="{FEDA3F26-01B6-4969-A114-7ABFAEE737C7}" presName="node" presStyleLbl="node1" presStyleIdx="3" presStyleCnt="5">
@@ -2242,14 +2361,35 @@
         </dgm:presLayoutVars>
       </dgm:prSet>
       <dgm:spPr/>
+      <dgm:t>
+        <a:bodyPr/>
+        <a:lstStyle/>
+        <a:p>
+          <a:endParaRPr lang="zh-TW" altLang="en-US"/>
+        </a:p>
+      </dgm:t>
     </dgm:pt>
     <dgm:pt modelId="{F899D3A4-AACE-4351-8D2B-C90711F51E1E}" type="pres">
       <dgm:prSet presAssocID="{16550F19-24CF-4ABC-B1CC-FECB27126818}" presName="sibTrans" presStyleLbl="sibTrans2D1" presStyleIdx="3" presStyleCnt="4"/>
       <dgm:spPr/>
+      <dgm:t>
+        <a:bodyPr/>
+        <a:lstStyle/>
+        <a:p>
+          <a:endParaRPr lang="zh-TW" altLang="en-US"/>
+        </a:p>
+      </dgm:t>
     </dgm:pt>
     <dgm:pt modelId="{45E6E406-7772-448A-A05E-CD78783E8157}" type="pres">
       <dgm:prSet presAssocID="{16550F19-24CF-4ABC-B1CC-FECB27126818}" presName="connectorText" presStyleLbl="sibTrans2D1" presStyleIdx="3" presStyleCnt="4"/>
       <dgm:spPr/>
+      <dgm:t>
+        <a:bodyPr/>
+        <a:lstStyle/>
+        <a:p>
+          <a:endParaRPr lang="zh-TW" altLang="en-US"/>
+        </a:p>
+      </dgm:t>
     </dgm:pt>
     <dgm:pt modelId="{0F5CAC29-7CB1-4849-BDCB-86C230AA7034}" type="pres">
       <dgm:prSet presAssocID="{793924AF-61E2-402A-99A0-C3B3E57342F2}" presName="node" presStyleLbl="node1" presStyleIdx="4" presStyleCnt="5">
@@ -2258,28 +2398,35 @@
         </dgm:presLayoutVars>
       </dgm:prSet>
       <dgm:spPr/>
+      <dgm:t>
+        <a:bodyPr/>
+        <a:lstStyle/>
+        <a:p>
+          <a:endParaRPr lang="zh-TW" altLang="en-US"/>
+        </a:p>
+      </dgm:t>
     </dgm:pt>
   </dgm:ptLst>
   <dgm:cxnLst>
-    <dgm:cxn modelId="{BB3B5000-0AA1-4675-8502-1A5E60CFD19F}" type="presOf" srcId="{FDABFBC2-1BFD-4076-A05A-6C7F934E68D7}" destId="{72CC2932-FA6E-49B1-8F27-F0B21286E949}" srcOrd="0" destOrd="0" presId="urn:microsoft.com/office/officeart/2005/8/layout/process1"/>
+    <dgm:cxn modelId="{30BE2351-8689-4EC5-AF2E-B7E46AC2636C}" srcId="{FDABFBC2-1BFD-4076-A05A-6C7F934E68D7}" destId="{793924AF-61E2-402A-99A0-C3B3E57342F2}" srcOrd="4" destOrd="0" parTransId="{63A9F1FB-F697-4CA3-9B26-79F1BC32AF6F}" sibTransId="{44D9DA1C-167F-4B0B-B2B6-B05705FA3443}"/>
+    <dgm:cxn modelId="{058ED1C2-8409-4DF6-840A-23940991EEBF}" type="presOf" srcId="{47A42E82-F7B5-4BA3-BE5D-5AC65D518851}" destId="{8BCFD47B-7865-4BED-9116-37430C496C9D}" srcOrd="1" destOrd="0" presId="urn:microsoft.com/office/officeart/2005/8/layout/process1"/>
+    <dgm:cxn modelId="{30F8D8AE-C9E3-4CFE-994A-4830256C8B51}" type="presOf" srcId="{3841A661-9951-4A9C-BD92-1E214ED1A7F1}" destId="{37CC57EE-2C61-4BEF-8871-3338219A9556}" srcOrd="0" destOrd="0" presId="urn:microsoft.com/office/officeart/2005/8/layout/process1"/>
+    <dgm:cxn modelId="{84FE14D8-3BCF-47F6-B85F-2E8574712243}" srcId="{FDABFBC2-1BFD-4076-A05A-6C7F934E68D7}" destId="{9842FACB-53DA-4024-B6CB-EE11C52C5FCF}" srcOrd="2" destOrd="0" parTransId="{2BFEF379-1AD1-4288-81DA-34236DD15E7F}" sibTransId="{47A42E82-F7B5-4BA3-BE5D-5AC65D518851}"/>
+    <dgm:cxn modelId="{367FA860-0927-4193-99CC-915BA076983B}" type="presOf" srcId="{756101F8-E74F-47A0-88AA-37478E1324E3}" destId="{36B23BB1-5C80-41D3-B5C8-95A6DF48DBB3}" srcOrd="1" destOrd="0" presId="urn:microsoft.com/office/officeart/2005/8/layout/process1"/>
+    <dgm:cxn modelId="{0923B7DE-459B-4935-A243-854C5AA76C90}" type="presOf" srcId="{D93979BF-3656-4712-9F7E-DB6980D33465}" destId="{D7B2C42D-DBB1-487C-9662-09FCC8DF404A}" srcOrd="1" destOrd="0" presId="urn:microsoft.com/office/officeart/2005/8/layout/process1"/>
+    <dgm:cxn modelId="{5C9862F8-7806-4F17-B72E-02FE8EB139DB}" srcId="{FDABFBC2-1BFD-4076-A05A-6C7F934E68D7}" destId="{4DE45646-C300-4293-898A-FF022B7A8FEC}" srcOrd="1" destOrd="0" parTransId="{1CF0C8C9-4439-4D14-BC06-CA919B69D58B}" sibTransId="{D93979BF-3656-4712-9F7E-DB6980D33465}"/>
     <dgm:cxn modelId="{055FCD29-F5FA-490F-B406-E005660A5F8B}" type="presOf" srcId="{756101F8-E74F-47A0-88AA-37478E1324E3}" destId="{602DA743-6056-422D-BD95-2E982C8777E3}" srcOrd="0" destOrd="0" presId="urn:microsoft.com/office/officeart/2005/8/layout/process1"/>
+    <dgm:cxn modelId="{FB0CF2B4-D2D7-4A36-9B81-83F508F22C6E}" type="presOf" srcId="{16550F19-24CF-4ABC-B1CC-FECB27126818}" destId="{F899D3A4-AACE-4351-8D2B-C90711F51E1E}" srcOrd="0" destOrd="0" presId="urn:microsoft.com/office/officeart/2005/8/layout/process1"/>
+    <dgm:cxn modelId="{9D5EFDC8-C6A0-4F0A-81F9-B42EA3BDE570}" srcId="{FDABFBC2-1BFD-4076-A05A-6C7F934E68D7}" destId="{3841A661-9951-4A9C-BD92-1E214ED1A7F1}" srcOrd="0" destOrd="0" parTransId="{3F532559-3F70-495C-9B87-F9D9578E35F3}" sibTransId="{756101F8-E74F-47A0-88AA-37478E1324E3}"/>
+    <dgm:cxn modelId="{43F93158-FD52-4F0C-8F3B-C4C77B650101}" type="presOf" srcId="{FEDA3F26-01B6-4969-A114-7ABFAEE737C7}" destId="{70F605AD-AA30-4AD0-B005-7FFA52A1F50A}" srcOrd="0" destOrd="0" presId="urn:microsoft.com/office/officeart/2005/8/layout/process1"/>
     <dgm:cxn modelId="{1BE2D033-BC5E-4C7F-9558-949D151FFC1C}" type="presOf" srcId="{9842FACB-53DA-4024-B6CB-EE11C52C5FCF}" destId="{76F565FD-B22D-4E20-9E68-6737A94684D0}" srcOrd="0" destOrd="0" presId="urn:microsoft.com/office/officeart/2005/8/layout/process1"/>
-    <dgm:cxn modelId="{367FA860-0927-4193-99CC-915BA076983B}" type="presOf" srcId="{756101F8-E74F-47A0-88AA-37478E1324E3}" destId="{36B23BB1-5C80-41D3-B5C8-95A6DF48DBB3}" srcOrd="1" destOrd="0" presId="urn:microsoft.com/office/officeart/2005/8/layout/process1"/>
+    <dgm:cxn modelId="{CEB39990-B409-400E-B30A-F60714DCAC0A}" type="presOf" srcId="{47A42E82-F7B5-4BA3-BE5D-5AC65D518851}" destId="{AA43AFA9-0BE9-488E-8186-653D69342068}" srcOrd="0" destOrd="0" presId="urn:microsoft.com/office/officeart/2005/8/layout/process1"/>
     <dgm:cxn modelId="{C324BC62-A247-40ED-B23F-366217496CDA}" type="presOf" srcId="{D93979BF-3656-4712-9F7E-DB6980D33465}" destId="{3C52E922-05C7-42AA-9176-FEB57B8A5680}" srcOrd="0" destOrd="0" presId="urn:microsoft.com/office/officeart/2005/8/layout/process1"/>
     <dgm:cxn modelId="{F9DE8870-FAC2-4655-990C-BD5C32A73D7B}" srcId="{FDABFBC2-1BFD-4076-A05A-6C7F934E68D7}" destId="{FEDA3F26-01B6-4969-A114-7ABFAEE737C7}" srcOrd="3" destOrd="0" parTransId="{CDF14BF9-343D-46A4-BE7B-0D95D9B8F5EE}" sibTransId="{16550F19-24CF-4ABC-B1CC-FECB27126818}"/>
-    <dgm:cxn modelId="{30BE2351-8689-4EC5-AF2E-B7E46AC2636C}" srcId="{FDABFBC2-1BFD-4076-A05A-6C7F934E68D7}" destId="{793924AF-61E2-402A-99A0-C3B3E57342F2}" srcOrd="4" destOrd="0" parTransId="{63A9F1FB-F697-4CA3-9B26-79F1BC32AF6F}" sibTransId="{44D9DA1C-167F-4B0B-B2B6-B05705FA3443}"/>
-    <dgm:cxn modelId="{43F93158-FD52-4F0C-8F3B-C4C77B650101}" type="presOf" srcId="{FEDA3F26-01B6-4969-A114-7ABFAEE737C7}" destId="{70F605AD-AA30-4AD0-B005-7FFA52A1F50A}" srcOrd="0" destOrd="0" presId="urn:microsoft.com/office/officeart/2005/8/layout/process1"/>
+    <dgm:cxn modelId="{A08693A2-F7D1-4A1A-BB98-1698B0328EAD}" type="presOf" srcId="{793924AF-61E2-402A-99A0-C3B3E57342F2}" destId="{0F5CAC29-7CB1-4849-BDCB-86C230AA7034}" srcOrd="0" destOrd="0" presId="urn:microsoft.com/office/officeart/2005/8/layout/process1"/>
     <dgm:cxn modelId="{A524AA80-A41F-414D-B3DE-7CB57D2A7583}" type="presOf" srcId="{16550F19-24CF-4ABC-B1CC-FECB27126818}" destId="{45E6E406-7772-448A-A05E-CD78783E8157}" srcOrd="1" destOrd="0" presId="urn:microsoft.com/office/officeart/2005/8/layout/process1"/>
-    <dgm:cxn modelId="{CEB39990-B409-400E-B30A-F60714DCAC0A}" type="presOf" srcId="{47A42E82-F7B5-4BA3-BE5D-5AC65D518851}" destId="{AA43AFA9-0BE9-488E-8186-653D69342068}" srcOrd="0" destOrd="0" presId="urn:microsoft.com/office/officeart/2005/8/layout/process1"/>
-    <dgm:cxn modelId="{A08693A2-F7D1-4A1A-BB98-1698B0328EAD}" type="presOf" srcId="{793924AF-61E2-402A-99A0-C3B3E57342F2}" destId="{0F5CAC29-7CB1-4849-BDCB-86C230AA7034}" srcOrd="0" destOrd="0" presId="urn:microsoft.com/office/officeart/2005/8/layout/process1"/>
-    <dgm:cxn modelId="{30F8D8AE-C9E3-4CFE-994A-4830256C8B51}" type="presOf" srcId="{3841A661-9951-4A9C-BD92-1E214ED1A7F1}" destId="{37CC57EE-2C61-4BEF-8871-3338219A9556}" srcOrd="0" destOrd="0" presId="urn:microsoft.com/office/officeart/2005/8/layout/process1"/>
-    <dgm:cxn modelId="{FB0CF2B4-D2D7-4A36-9B81-83F508F22C6E}" type="presOf" srcId="{16550F19-24CF-4ABC-B1CC-FECB27126818}" destId="{F899D3A4-AACE-4351-8D2B-C90711F51E1E}" srcOrd="0" destOrd="0" presId="urn:microsoft.com/office/officeart/2005/8/layout/process1"/>
-    <dgm:cxn modelId="{058ED1C2-8409-4DF6-840A-23940991EEBF}" type="presOf" srcId="{47A42E82-F7B5-4BA3-BE5D-5AC65D518851}" destId="{8BCFD47B-7865-4BED-9116-37430C496C9D}" srcOrd="1" destOrd="0" presId="urn:microsoft.com/office/officeart/2005/8/layout/process1"/>
-    <dgm:cxn modelId="{9D5EFDC8-C6A0-4F0A-81F9-B42EA3BDE570}" srcId="{FDABFBC2-1BFD-4076-A05A-6C7F934E68D7}" destId="{3841A661-9951-4A9C-BD92-1E214ED1A7F1}" srcOrd="0" destOrd="0" parTransId="{3F532559-3F70-495C-9B87-F9D9578E35F3}" sibTransId="{756101F8-E74F-47A0-88AA-37478E1324E3}"/>
-    <dgm:cxn modelId="{84FE14D8-3BCF-47F6-B85F-2E8574712243}" srcId="{FDABFBC2-1BFD-4076-A05A-6C7F934E68D7}" destId="{9842FACB-53DA-4024-B6CB-EE11C52C5FCF}" srcOrd="2" destOrd="0" parTransId="{2BFEF379-1AD1-4288-81DA-34236DD15E7F}" sibTransId="{47A42E82-F7B5-4BA3-BE5D-5AC65D518851}"/>
-    <dgm:cxn modelId="{0923B7DE-459B-4935-A243-854C5AA76C90}" type="presOf" srcId="{D93979BF-3656-4712-9F7E-DB6980D33465}" destId="{D7B2C42D-DBB1-487C-9662-09FCC8DF404A}" srcOrd="1" destOrd="0" presId="urn:microsoft.com/office/officeart/2005/8/layout/process1"/>
     <dgm:cxn modelId="{622786F3-EFC3-4D32-BEC0-99F5A752EA66}" type="presOf" srcId="{4DE45646-C300-4293-898A-FF022B7A8FEC}" destId="{7B16F990-18B9-4D6C-B176-426070597CF8}" srcOrd="0" destOrd="0" presId="urn:microsoft.com/office/officeart/2005/8/layout/process1"/>
-    <dgm:cxn modelId="{5C9862F8-7806-4F17-B72E-02FE8EB139DB}" srcId="{FDABFBC2-1BFD-4076-A05A-6C7F934E68D7}" destId="{4DE45646-C300-4293-898A-FF022B7A8FEC}" srcOrd="1" destOrd="0" parTransId="{1CF0C8C9-4439-4D14-BC06-CA919B69D58B}" sibTransId="{D93979BF-3656-4712-9F7E-DB6980D33465}"/>
+    <dgm:cxn modelId="{BB3B5000-0AA1-4675-8502-1A5E60CFD19F}" type="presOf" srcId="{FDABFBC2-1BFD-4076-A05A-6C7F934E68D7}" destId="{72CC2932-FA6E-49B1-8F27-F0B21286E949}" srcOrd="0" destOrd="0" presId="urn:microsoft.com/office/officeart/2005/8/layout/process1"/>
     <dgm:cxn modelId="{9328D5E6-5E6D-4757-964E-D6CBD3284DFA}" type="presParOf" srcId="{72CC2932-FA6E-49B1-8F27-F0B21286E949}" destId="{37CC57EE-2C61-4BEF-8871-3338219A9556}" srcOrd="0" destOrd="0" presId="urn:microsoft.com/office/officeart/2005/8/layout/process1"/>
     <dgm:cxn modelId="{8A906B85-32A7-46E4-9634-0FC34A7C09B0}" type="presParOf" srcId="{72CC2932-FA6E-49B1-8F27-F0B21286E949}" destId="{602DA743-6056-422D-BD95-2E982C8777E3}" srcOrd="1" destOrd="0" presId="urn:microsoft.com/office/officeart/2005/8/layout/process1"/>
     <dgm:cxn modelId="{9759ECC1-F92A-4ADC-B7AB-DB2CF3327DDE}" type="presParOf" srcId="{602DA743-6056-422D-BD95-2E982C8777E3}" destId="{36B23BB1-5C80-41D3-B5C8-95A6DF48DBB3}" srcOrd="0" destOrd="0" presId="urn:microsoft.com/office/officeart/2005/8/layout/process1"/>
@@ -2359,7 +2506,7 @@
         </a:bodyPr>
         <a:lstStyle/>
         <a:p>
-          <a:pPr marL="0" lvl="0" indent="0" algn="ctr" defTabSz="1200150">
+          <a:pPr lvl="0" algn="ctr" defTabSz="1200150">
             <a:lnSpc>
               <a:spcPct val="90000"/>
             </a:lnSpc>
@@ -2369,7 +2516,6 @@
             <a:spcAft>
               <a:spcPct val="35000"/>
             </a:spcAft>
-            <a:buNone/>
           </a:pPr>
           <a:r>
             <a:rPr lang="zh-TW" altLang="en-US" sz="2700" kern="1200" dirty="0">
@@ -2436,7 +2582,7 @@
         </a:bodyPr>
         <a:lstStyle/>
         <a:p>
-          <a:pPr marL="0" lvl="0" indent="0" algn="ctr" defTabSz="977900">
+          <a:pPr lvl="0" algn="ctr" defTabSz="977900">
             <a:lnSpc>
               <a:spcPct val="90000"/>
             </a:lnSpc>
@@ -2446,7 +2592,6 @@
             <a:spcAft>
               <a:spcPct val="35000"/>
             </a:spcAft>
-            <a:buNone/>
           </a:pPr>
           <a:endParaRPr lang="zh-TW" altLang="en-US" sz="2200" kern="1200"/>
         </a:p>
@@ -2503,7 +2648,7 @@
         </a:bodyPr>
         <a:lstStyle/>
         <a:p>
-          <a:pPr marL="0" lvl="0" indent="0" algn="ctr" defTabSz="1200150">
+          <a:pPr lvl="0" algn="ctr" defTabSz="1200150">
             <a:lnSpc>
               <a:spcPct val="90000"/>
             </a:lnSpc>
@@ -2513,7 +2658,6 @@
             <a:spcAft>
               <a:spcPct val="35000"/>
             </a:spcAft>
-            <a:buNone/>
           </a:pPr>
           <a:r>
             <a:rPr lang="zh-TW" altLang="en-US" sz="2700" kern="1200" dirty="0">
@@ -2580,7 +2724,7 @@
         </a:bodyPr>
         <a:lstStyle/>
         <a:p>
-          <a:pPr marL="0" lvl="0" indent="0" algn="ctr" defTabSz="977900">
+          <a:pPr lvl="0" algn="ctr" defTabSz="977900">
             <a:lnSpc>
               <a:spcPct val="90000"/>
             </a:lnSpc>
@@ -2590,7 +2734,6 @@
             <a:spcAft>
               <a:spcPct val="35000"/>
             </a:spcAft>
-            <a:buNone/>
           </a:pPr>
           <a:endParaRPr lang="zh-TW" altLang="en-US" sz="2200" kern="1200"/>
         </a:p>
@@ -2647,7 +2790,7 @@
         </a:bodyPr>
         <a:lstStyle/>
         <a:p>
-          <a:pPr marL="0" lvl="0" indent="0" algn="ctr" defTabSz="1200150">
+          <a:pPr lvl="0" algn="ctr" defTabSz="1200150">
             <a:lnSpc>
               <a:spcPct val="90000"/>
             </a:lnSpc>
@@ -2657,7 +2800,6 @@
             <a:spcAft>
               <a:spcPct val="35000"/>
             </a:spcAft>
-            <a:buNone/>
           </a:pPr>
           <a:r>
             <a:rPr lang="en-US" altLang="zh-TW" sz="2700" kern="1200" dirty="0">
@@ -2737,7 +2879,7 @@
         </a:bodyPr>
         <a:lstStyle/>
         <a:p>
-          <a:pPr marL="0" lvl="0" indent="0" algn="ctr" defTabSz="800100">
+          <a:pPr lvl="0" algn="ctr" defTabSz="800100">
             <a:lnSpc>
               <a:spcPct val="90000"/>
             </a:lnSpc>
@@ -2747,7 +2889,6 @@
             <a:spcAft>
               <a:spcPct val="35000"/>
             </a:spcAft>
-            <a:buNone/>
           </a:pPr>
           <a:r>
             <a:rPr lang="zh-TW" altLang="en-US" sz="1800" b="0" kern="1200" dirty="0">
@@ -2816,7 +2957,7 @@
         </a:bodyPr>
         <a:lstStyle/>
         <a:p>
-          <a:pPr marL="0" lvl="0" indent="0" algn="ctr" defTabSz="755650">
+          <a:pPr lvl="0" algn="ctr" defTabSz="755650">
             <a:lnSpc>
               <a:spcPct val="90000"/>
             </a:lnSpc>
@@ -2826,7 +2967,6 @@
             <a:spcAft>
               <a:spcPct val="35000"/>
             </a:spcAft>
-            <a:buNone/>
           </a:pPr>
           <a:endParaRPr lang="zh-TW" altLang="en-US" sz="1700" kern="1200"/>
         </a:p>
@@ -2882,7 +3022,7 @@
         </a:bodyPr>
         <a:lstStyle/>
         <a:p>
-          <a:pPr marL="0" lvl="0" indent="0" algn="ctr" defTabSz="933450">
+          <a:pPr lvl="0" algn="ctr" defTabSz="933450">
             <a:lnSpc>
               <a:spcPct val="90000"/>
             </a:lnSpc>
@@ -2892,7 +3032,6 @@
             <a:spcAft>
               <a:spcPct val="35000"/>
             </a:spcAft>
-            <a:buNone/>
           </a:pPr>
           <a:r>
             <a:rPr lang="zh-TW" altLang="en-US" sz="2100" kern="1200" dirty="0">
@@ -2958,7 +3097,7 @@
         </a:bodyPr>
         <a:lstStyle/>
         <a:p>
-          <a:pPr marL="0" lvl="0" indent="0" algn="ctr" defTabSz="755650">
+          <a:pPr lvl="0" algn="ctr" defTabSz="755650">
             <a:lnSpc>
               <a:spcPct val="90000"/>
             </a:lnSpc>
@@ -2968,7 +3107,6 @@
             <a:spcAft>
               <a:spcPct val="35000"/>
             </a:spcAft>
-            <a:buNone/>
           </a:pPr>
           <a:endParaRPr lang="zh-TW" altLang="en-US" sz="1700" kern="1200"/>
         </a:p>
@@ -3024,7 +3162,7 @@
         </a:bodyPr>
         <a:lstStyle/>
         <a:p>
-          <a:pPr marL="0" lvl="0" indent="0" algn="ctr" defTabSz="933450">
+          <a:pPr lvl="0" algn="ctr" defTabSz="933450">
             <a:lnSpc>
               <a:spcPct val="90000"/>
             </a:lnSpc>
@@ -3034,7 +3172,6 @@
             <a:spcAft>
               <a:spcPct val="35000"/>
             </a:spcAft>
-            <a:buNone/>
           </a:pPr>
           <a:r>
             <a:rPr lang="zh-TW" altLang="en-US" sz="2100" kern="1200" dirty="0">
@@ -3100,7 +3237,7 @@
         </a:bodyPr>
         <a:lstStyle/>
         <a:p>
-          <a:pPr marL="0" lvl="0" indent="0" algn="ctr" defTabSz="755650">
+          <a:pPr lvl="0" algn="ctr" defTabSz="755650">
             <a:lnSpc>
               <a:spcPct val="90000"/>
             </a:lnSpc>
@@ -3110,7 +3247,6 @@
             <a:spcAft>
               <a:spcPct val="35000"/>
             </a:spcAft>
-            <a:buNone/>
           </a:pPr>
           <a:endParaRPr lang="zh-TW" altLang="en-US" sz="1700" kern="1200"/>
         </a:p>
@@ -3166,7 +3302,7 @@
         </a:bodyPr>
         <a:lstStyle/>
         <a:p>
-          <a:pPr marL="0" lvl="0" indent="0" algn="ctr" defTabSz="933450">
+          <a:pPr lvl="0" algn="ctr" defTabSz="933450">
             <a:lnSpc>
               <a:spcPct val="90000"/>
             </a:lnSpc>
@@ -3176,7 +3312,6 @@
             <a:spcAft>
               <a:spcPct val="35000"/>
             </a:spcAft>
-            <a:buNone/>
           </a:pPr>
           <a:r>
             <a:rPr lang="zh-TW" altLang="en-US" sz="2100" b="0" i="0" kern="1200" dirty="0">
@@ -3246,7 +3381,7 @@
         </a:bodyPr>
         <a:lstStyle/>
         <a:p>
-          <a:pPr marL="0" lvl="0" indent="0" algn="ctr" defTabSz="755650">
+          <a:pPr lvl="0" algn="ctr" defTabSz="755650">
             <a:lnSpc>
               <a:spcPct val="90000"/>
             </a:lnSpc>
@@ -3256,7 +3391,6 @@
             <a:spcAft>
               <a:spcPct val="35000"/>
             </a:spcAft>
-            <a:buNone/>
           </a:pPr>
           <a:endParaRPr lang="zh-TW" altLang="en-US" sz="1700" kern="1200"/>
         </a:p>
@@ -3312,7 +3446,7 @@
         </a:bodyPr>
         <a:lstStyle/>
         <a:p>
-          <a:pPr marL="0" lvl="0" indent="0" algn="ctr" defTabSz="933450">
+          <a:pPr lvl="0" algn="ctr" defTabSz="933450">
             <a:lnSpc>
               <a:spcPct val="90000"/>
             </a:lnSpc>
@@ -3322,7 +3456,6 @@
             <a:spcAft>
               <a:spcPct val="35000"/>
             </a:spcAft>
-            <a:buNone/>
           </a:pPr>
           <a:r>
             <a:rPr lang="en-US" altLang="zh-TW" sz="2100" kern="1200" dirty="0">
@@ -3347,7 +3480,7 @@
           </a:r>
         </a:p>
         <a:p>
-          <a:pPr marL="0" lvl="0" indent="0" algn="ctr" defTabSz="933450">
+          <a:pPr lvl="0" algn="ctr" defTabSz="933450">
             <a:lnSpc>
               <a:spcPct val="90000"/>
             </a:lnSpc>
@@ -3357,7 +3490,6 @@
             <a:spcAft>
               <a:spcPct val="35000"/>
             </a:spcAft>
-            <a:buNone/>
           </a:pPr>
           <a:r>
             <a:rPr lang="zh-TW" altLang="en-US" sz="2100" kern="1200" dirty="0">
@@ -27036,28 +27168,79 @@
                 <a:latin typeface="華康細明體" panose="02020309000000000000" pitchFamily="49" charset="-120"/>
                 <a:ea typeface="華康細明體" panose="02020309000000000000" pitchFamily="49" charset="-120"/>
               </a:rPr>
-              <a:t>陳軍銓：整理資料</a:t>
+              <a:t>陳軍銓</a:t>
             </a:r>
-            <a:endParaRPr kumimoji="0" lang="en-US" altLang="zh-TW" sz="2800" b="0" i="0" u="none" strike="noStrike" kern="1200" cap="none" spc="0" normalizeH="0" baseline="0" noProof="0" dirty="0">
-              <a:ln>
-                <a:noFill/>
-              </a:ln>
-              <a:effectLst/>
-              <a:uLnTx/>
-              <a:uFillTx/>
-              <a:latin typeface="華康細明體" panose="02020309000000000000" pitchFamily="49" charset="-120"/>
-              <a:ea typeface="華康細明體" panose="02020309000000000000" pitchFamily="49" charset="-120"/>
-              <a:cs typeface="+mn-cs"/>
-            </a:endParaRPr>
-          </a:p>
-          <a:p>
-            <a:pPr lvl="0"/>
+            <a:r>
+              <a:rPr lang="zh-TW" altLang="en-US" dirty="0" smtClean="0">
+                <a:latin typeface="華康細明體" panose="02020309000000000000" pitchFamily="49" charset="-120"/>
+                <a:ea typeface="華康細明體" panose="02020309000000000000" pitchFamily="49" charset="-120"/>
+              </a:rPr>
+              <a:t>：</a:t>
+            </a:r>
             <a:r>
               <a:rPr lang="zh-TW" altLang="en-US" dirty="0">
                 <a:latin typeface="華康細明體" panose="02020309000000000000" pitchFamily="49" charset="-120"/>
                 <a:ea typeface="華康細明體" panose="02020309000000000000" pitchFamily="49" charset="-120"/>
               </a:rPr>
-              <a:t>陳建霖：</a:t>
+              <a:t>新增</a:t>
+            </a:r>
+            <a:r>
+              <a:rPr lang="en-US" altLang="zh-TW" dirty="0" err="1">
+                <a:latin typeface="華康細明體" panose="02020309000000000000" pitchFamily="49" charset="-120"/>
+                <a:ea typeface="華康細明體" panose="02020309000000000000" pitchFamily="49" charset="-120"/>
+              </a:rPr>
+              <a:t>BER.m</a:t>
+            </a:r>
+            <a:r>
+              <a:rPr lang="zh-TW" altLang="en-US" dirty="0">
+                <a:latin typeface="華康細明體" panose="02020309000000000000" pitchFamily="49" charset="-120"/>
+                <a:ea typeface="華康細明體" panose="02020309000000000000" pitchFamily="49" charset="-120"/>
+              </a:rPr>
+              <a:t>、新增</a:t>
+            </a:r>
+            <a:r>
+              <a:rPr lang="en-US" altLang="zh-TW" dirty="0" err="1">
+                <a:latin typeface="華康細明體" panose="02020309000000000000" pitchFamily="49" charset="-120"/>
+                <a:ea typeface="華康細明體" panose="02020309000000000000" pitchFamily="49" charset="-120"/>
+              </a:rPr>
+              <a:t>DataAnalysis.m</a:t>
+            </a:r>
+            <a:r>
+              <a:rPr lang="zh-TW" altLang="en-US" dirty="0">
+                <a:latin typeface="華康細明體" panose="02020309000000000000" pitchFamily="49" charset="-120"/>
+                <a:ea typeface="華康細明體" panose="02020309000000000000" pitchFamily="49" charset="-120"/>
+              </a:rPr>
+              <a:t>、新增</a:t>
+            </a:r>
+            <a:r>
+              <a:rPr lang="en-US" altLang="zh-TW" dirty="0" err="1">
+                <a:latin typeface="華康細明體" panose="02020309000000000000" pitchFamily="49" charset="-120"/>
+                <a:ea typeface="華康細明體" panose="02020309000000000000" pitchFamily="49" charset="-120"/>
+              </a:rPr>
+              <a:t>figplusfig</a:t>
+            </a:r>
+            <a:r>
+              <a:rPr lang="en-US" altLang="zh-TW" dirty="0" smtClean="0">
+                <a:latin typeface="華康細明體" panose="02020309000000000000" pitchFamily="49" charset="-120"/>
+                <a:ea typeface="華康細明體" panose="02020309000000000000" pitchFamily="49" charset="-120"/>
+              </a:rPr>
+              <a:t>.</a:t>
+            </a:r>
+          </a:p>
+          <a:p>
+            <a:r>
+              <a:rPr lang="zh-TW" altLang="en-US" dirty="0" smtClean="0">
+                <a:latin typeface="華康細明體" panose="02020309000000000000" pitchFamily="49" charset="-120"/>
+                <a:ea typeface="華康細明體" panose="02020309000000000000" pitchFamily="49" charset="-120"/>
+              </a:rPr>
+              <a:t>陳建霖</a:t>
+            </a:r>
+            <a:r>
+              <a:rPr lang="zh-TW" altLang="en-US" dirty="0">
+                <a:latin typeface="華康細明體" panose="02020309000000000000" pitchFamily="49" charset="-120"/>
+                <a:ea typeface="華康細明體" panose="02020309000000000000" pitchFamily="49" charset="-120"/>
+              </a:rPr>
+              <a:t>：</a:t>
             </a:r>
             <a:r>
               <a:rPr kumimoji="0" lang="zh-TW" altLang="en-US" sz="2800" b="0" i="0" u="none" strike="noStrike" kern="1200" cap="none" spc="0" normalizeH="0" baseline="0" noProof="0" dirty="0">
@@ -27091,32 +27274,52 @@
                 <a:latin typeface="華康細明體" panose="02020309000000000000" pitchFamily="49" charset="-120"/>
                 <a:ea typeface="華康細明體" panose="02020309000000000000" pitchFamily="49" charset="-120"/>
               </a:rPr>
-              <a:t>姚辰彥：整理資料</a:t>
+              <a:t>姚辰彥</a:t>
             </a:r>
-            <a:endParaRPr kumimoji="0" lang="en-US" altLang="zh-TW" sz="4000" b="0" i="0" u="none" strike="noStrike" kern="1200" cap="none" spc="0" normalizeH="0" baseline="0" noProof="0" dirty="0">
-              <a:ln>
-                <a:noFill/>
-              </a:ln>
-              <a:effectLst/>
-              <a:uLnTx/>
-              <a:uFillTx/>
-              <a:latin typeface="華康細明體" panose="02020309000000000000" pitchFamily="49" charset="-120"/>
-              <a:ea typeface="華康細明體" panose="02020309000000000000" pitchFamily="49" charset="-120"/>
-              <a:cs typeface="+mn-cs"/>
-            </a:endParaRPr>
+            <a:r>
+              <a:rPr lang="zh-TW" altLang="en-US" dirty="0" smtClean="0">
+                <a:latin typeface="華康細明體" panose="02020309000000000000" pitchFamily="49" charset="-120"/>
+                <a:ea typeface="華康細明體" panose="02020309000000000000" pitchFamily="49" charset="-120"/>
+              </a:rPr>
+              <a:t>：</a:t>
+            </a:r>
+            <a:r>
+              <a:rPr lang="zh-TW" altLang="zh-TW" dirty="0">
+                <a:latin typeface="華康細明體" panose="02020309000000000000" pitchFamily="49" charset="-120"/>
+                <a:ea typeface="華康細明體" panose="02020309000000000000" pitchFamily="49" charset="-120"/>
+              </a:rPr>
+              <a:t>降低錯誤率、修正等化器</a:t>
+            </a:r>
           </a:p>
           <a:p>
+            <a:r>
+              <a:rPr lang="zh-TW" altLang="en-US" dirty="0" smtClean="0">
+                <a:latin typeface="華康細明體" panose="02020309000000000000" pitchFamily="49" charset="-120"/>
+                <a:ea typeface="華康細明體" panose="02020309000000000000" pitchFamily="49" charset="-120"/>
+              </a:rPr>
+              <a:t>卓</a:t>
+            </a:r>
             <a:r>
               <a:rPr lang="zh-TW" altLang="en-US" dirty="0">
                 <a:latin typeface="華康細明體" panose="02020309000000000000" pitchFamily="49" charset="-120"/>
                 <a:ea typeface="華康細明體" panose="02020309000000000000" pitchFamily="49" charset="-120"/>
               </a:rPr>
-              <a:t>卓家葳：整理資料</a:t>
+              <a:t>家葳</a:t>
             </a:r>
-            <a:endParaRPr lang="en-US" altLang="zh-TW" dirty="0">
-              <a:latin typeface="華康細明體" panose="02020309000000000000" pitchFamily="49" charset="-120"/>
-              <a:ea typeface="華康細明體" panose="02020309000000000000" pitchFamily="49" charset="-120"/>
-            </a:endParaRPr>
+            <a:r>
+              <a:rPr lang="zh-TW" altLang="en-US" dirty="0" smtClean="0">
+                <a:latin typeface="華康細明體" panose="02020309000000000000" pitchFamily="49" charset="-120"/>
+                <a:ea typeface="華康細明體" panose="02020309000000000000" pitchFamily="49" charset="-120"/>
+              </a:rPr>
+              <a:t>：</a:t>
+            </a:r>
+            <a:r>
+              <a:rPr lang="zh-TW" altLang="zh-TW" dirty="0">
+                <a:latin typeface="華康細明體" panose="02020309000000000000" pitchFamily="49" charset="-120"/>
+                <a:ea typeface="華康細明體" panose="02020309000000000000" pitchFamily="49" charset="-120"/>
+              </a:rPr>
+              <a:t>通道參數設定、通道估測</a:t>
+            </a:r>
           </a:p>
           <a:p>
             <a:pPr marL="0" marR="0" lvl="0" indent="0" algn="l" defTabSz="914400" rtl="0" eaLnBrk="1" fontAlgn="auto" latinLnBrk="0" hangingPunct="1">
@@ -29032,6 +29235,16 @@
               </a:rPr>
               <a:t>)</a:t>
             </a:r>
+            <a:r>
+              <a:rPr lang="zh-TW" altLang="en-US" b="0" i="0" dirty="0">
+                <a:solidFill>
+                  <a:srgbClr val="000000"/>
+                </a:solidFill>
+                <a:effectLst/>
+                <a:latin typeface="Segoe UI" panose="020B0502040204020203" pitchFamily="34" charset="0"/>
+              </a:rPr>
+              <a:t/>
+            </a:r>
             <a:br>
               <a:rPr lang="zh-TW" altLang="en-US" b="0" i="0" dirty="0">
                 <a:solidFill>
@@ -29090,6 +29303,16 @@
                 <a:latin typeface="Arial" panose="020B0604020202020204" pitchFamily="34" charset="0"/>
               </a:rPr>
               <a:t>(65.1KSPS~61.44MSPS)</a:t>
+            </a:r>
+            <a:r>
+              <a:rPr lang="en-US" altLang="zh-TW" b="0" i="0" dirty="0">
+                <a:solidFill>
+                  <a:srgbClr val="000000"/>
+                </a:solidFill>
+                <a:effectLst/>
+                <a:latin typeface="Segoe UI" panose="020B0502040204020203" pitchFamily="34" charset="0"/>
+              </a:rPr>
+              <a:t/>
             </a:r>
             <a:br>
               <a:rPr lang="en-US" altLang="zh-TW" b="0" i="0" dirty="0">
@@ -29150,6 +29373,16 @@
               </a:rPr>
               <a:t>(200KHZ~20MHZ)</a:t>
             </a:r>
+            <a:r>
+              <a:rPr lang="en-US" altLang="zh-TW" b="0" i="0" dirty="0">
+                <a:solidFill>
+                  <a:srgbClr val="000000"/>
+                </a:solidFill>
+                <a:effectLst/>
+                <a:latin typeface="Segoe UI" panose="020B0502040204020203" pitchFamily="34" charset="0"/>
+              </a:rPr>
+              <a:t/>
+            </a:r>
             <a:br>
               <a:rPr lang="en-US" altLang="zh-TW" b="0" i="0" dirty="0">
                 <a:solidFill>
@@ -29188,6 +29421,16 @@
                 <a:latin typeface="Arial" panose="020B0604020202020204" pitchFamily="34" charset="0"/>
               </a:rPr>
               <a:t>)</a:t>
+            </a:r>
+            <a:r>
+              <a:rPr lang="zh-TW" altLang="en-US" b="0" i="0" dirty="0">
+                <a:solidFill>
+                  <a:srgbClr val="000000"/>
+                </a:solidFill>
+                <a:effectLst/>
+                <a:latin typeface="Segoe UI" panose="020B0502040204020203" pitchFamily="34" charset="0"/>
+              </a:rPr>
+              <a:t/>
             </a:r>
             <a:br>
               <a:rPr lang="zh-TW" altLang="en-US" b="0" i="0" dirty="0">
@@ -29247,6 +29490,16 @@
                 <a:latin typeface="Arial" panose="020B0604020202020204" pitchFamily="34" charset="0"/>
               </a:rPr>
               <a:t>74dBm)</a:t>
+            </a:r>
+            <a:r>
+              <a:rPr lang="en-US" altLang="zh-TW" b="0" i="0" dirty="0">
+                <a:solidFill>
+                  <a:srgbClr val="000000"/>
+                </a:solidFill>
+                <a:effectLst/>
+                <a:latin typeface="Segoe UI" panose="020B0502040204020203" pitchFamily="34" charset="0"/>
+              </a:rPr>
+              <a:t/>
             </a:r>
             <a:br>
               <a:rPr lang="en-US" altLang="zh-TW" b="0" i="0" dirty="0">
@@ -29327,6 +29580,16 @@
               </a:rPr>
               <a:t>)</a:t>
             </a:r>
+            <a:r>
+              <a:rPr lang="zh-TW" altLang="en-US" b="0" i="0" dirty="0">
+                <a:solidFill>
+                  <a:srgbClr val="000000"/>
+                </a:solidFill>
+                <a:effectLst/>
+                <a:latin typeface="Segoe UI" panose="020B0502040204020203" pitchFamily="34" charset="0"/>
+              </a:rPr>
+              <a:t/>
+            </a:r>
             <a:br>
               <a:rPr lang="zh-TW" altLang="en-US" b="0" i="0" dirty="0">
                 <a:solidFill>
@@ -29385,6 +29648,16 @@
                 <a:latin typeface="Arial" panose="020B0604020202020204" pitchFamily="34" charset="0"/>
               </a:rPr>
               <a:t>(65.1KSPS~61.44MSPS)</a:t>
+            </a:r>
+            <a:r>
+              <a:rPr lang="en-US" altLang="zh-TW" b="0" i="0" dirty="0">
+                <a:solidFill>
+                  <a:srgbClr val="000000"/>
+                </a:solidFill>
+                <a:effectLst/>
+                <a:latin typeface="Segoe UI" panose="020B0502040204020203" pitchFamily="34" charset="0"/>
+              </a:rPr>
+              <a:t/>
             </a:r>
             <a:br>
               <a:rPr lang="en-US" altLang="zh-TW" b="0" i="0" dirty="0">
@@ -29454,6 +29727,10 @@
             </a:endParaRPr>
           </a:p>
           <a:p>
+            <a:r>
+              <a:rPr lang="en-US" altLang="zh-TW" dirty="0"/>
+              <a:t/>
+            </a:r>
             <a:br>
               <a:rPr lang="en-US" altLang="zh-TW" dirty="0"/>
             </a:br>

--- a/report/以SDR實現OTSM通訊技術.pptx
+++ b/report/以SDR實現OTSM通訊技術.pptx
@@ -4,6 +4,9 @@
   <p:sldMasterIdLst>
     <p:sldMasterId id="2147483678" r:id="rId1"/>
   </p:sldMasterIdLst>
+  <p:notesMasterIdLst>
+    <p:notesMasterId r:id="rId20"/>
+  </p:notesMasterIdLst>
   <p:sldIdLst>
     <p:sldId id="256" r:id="rId2"/>
     <p:sldId id="264" r:id="rId3"/>
@@ -18,10 +21,11 @@
     <p:sldId id="262" r:id="rId12"/>
     <p:sldId id="263" r:id="rId13"/>
     <p:sldId id="276" r:id="rId14"/>
-    <p:sldId id="277" r:id="rId15"/>
-    <p:sldId id="278" r:id="rId16"/>
-    <p:sldId id="279" r:id="rId17"/>
-    <p:sldId id="280" r:id="rId18"/>
+    <p:sldId id="285" r:id="rId15"/>
+    <p:sldId id="277" r:id="rId16"/>
+    <p:sldId id="278" r:id="rId17"/>
+    <p:sldId id="279" r:id="rId18"/>
+    <p:sldId id="280" r:id="rId19"/>
   </p:sldIdLst>
   <p:sldSz cx="12192000" cy="6858000"/>
   <p:notesSz cx="6858000" cy="9144000"/>
@@ -2413,8 +2417,8 @@
     <dgm:cxn modelId="{30F8D8AE-C9E3-4CFE-994A-4830256C8B51}" type="presOf" srcId="{3841A661-9951-4A9C-BD92-1E214ED1A7F1}" destId="{37CC57EE-2C61-4BEF-8871-3338219A9556}" srcOrd="0" destOrd="0" presId="urn:microsoft.com/office/officeart/2005/8/layout/process1"/>
     <dgm:cxn modelId="{84FE14D8-3BCF-47F6-B85F-2E8574712243}" srcId="{FDABFBC2-1BFD-4076-A05A-6C7F934E68D7}" destId="{9842FACB-53DA-4024-B6CB-EE11C52C5FCF}" srcOrd="2" destOrd="0" parTransId="{2BFEF379-1AD1-4288-81DA-34236DD15E7F}" sibTransId="{47A42E82-F7B5-4BA3-BE5D-5AC65D518851}"/>
     <dgm:cxn modelId="{367FA860-0927-4193-99CC-915BA076983B}" type="presOf" srcId="{756101F8-E74F-47A0-88AA-37478E1324E3}" destId="{36B23BB1-5C80-41D3-B5C8-95A6DF48DBB3}" srcOrd="1" destOrd="0" presId="urn:microsoft.com/office/officeart/2005/8/layout/process1"/>
+    <dgm:cxn modelId="{5C9862F8-7806-4F17-B72E-02FE8EB139DB}" srcId="{FDABFBC2-1BFD-4076-A05A-6C7F934E68D7}" destId="{4DE45646-C300-4293-898A-FF022B7A8FEC}" srcOrd="1" destOrd="0" parTransId="{1CF0C8C9-4439-4D14-BC06-CA919B69D58B}" sibTransId="{D93979BF-3656-4712-9F7E-DB6980D33465}"/>
     <dgm:cxn modelId="{0923B7DE-459B-4935-A243-854C5AA76C90}" type="presOf" srcId="{D93979BF-3656-4712-9F7E-DB6980D33465}" destId="{D7B2C42D-DBB1-487C-9662-09FCC8DF404A}" srcOrd="1" destOrd="0" presId="urn:microsoft.com/office/officeart/2005/8/layout/process1"/>
-    <dgm:cxn modelId="{5C9862F8-7806-4F17-B72E-02FE8EB139DB}" srcId="{FDABFBC2-1BFD-4076-A05A-6C7F934E68D7}" destId="{4DE45646-C300-4293-898A-FF022B7A8FEC}" srcOrd="1" destOrd="0" parTransId="{1CF0C8C9-4439-4D14-BC06-CA919B69D58B}" sibTransId="{D93979BF-3656-4712-9F7E-DB6980D33465}"/>
     <dgm:cxn modelId="{055FCD29-F5FA-490F-B406-E005660A5F8B}" type="presOf" srcId="{756101F8-E74F-47A0-88AA-37478E1324E3}" destId="{602DA743-6056-422D-BD95-2E982C8777E3}" srcOrd="0" destOrd="0" presId="urn:microsoft.com/office/officeart/2005/8/layout/process1"/>
     <dgm:cxn modelId="{FB0CF2B4-D2D7-4A36-9B81-83F508F22C6E}" type="presOf" srcId="{16550F19-24CF-4ABC-B1CC-FECB27126818}" destId="{F899D3A4-AACE-4351-8D2B-C90711F51E1E}" srcOrd="0" destOrd="0" presId="urn:microsoft.com/office/officeart/2005/8/layout/process1"/>
     <dgm:cxn modelId="{9D5EFDC8-C6A0-4F0A-81F9-B42EA3BDE570}" srcId="{FDABFBC2-1BFD-4076-A05A-6C7F934E68D7}" destId="{3841A661-9951-4A9C-BD92-1E214ED1A7F1}" srcOrd="0" destOrd="0" parTransId="{3F532559-3F70-495C-9B87-F9D9578E35F3}" sibTransId="{756101F8-E74F-47A0-88AA-37478E1324E3}"/>
@@ -5869,6 +5873,440 @@
 </dgm:styleDef>
 </file>
 
+<file path=ppt/notesMasters/notesMaster1.xml><?xml version="1.0" encoding="utf-8"?>
+<p:notesMaster xmlns:a="http://schemas.openxmlformats.org/drawingml/2006/main" xmlns:r="http://schemas.openxmlformats.org/officeDocument/2006/relationships" xmlns:p="http://schemas.openxmlformats.org/presentationml/2006/main">
+  <p:cSld>
+    <p:bg>
+      <p:bgRef idx="1001">
+        <a:schemeClr val="bg1"/>
+      </p:bgRef>
+    </p:bg>
+    <p:spTree>
+      <p:nvGrpSpPr>
+        <p:cNvPr id="1" name=""/>
+        <p:cNvGrpSpPr/>
+        <p:nvPr/>
+      </p:nvGrpSpPr>
+      <p:grpSpPr>
+        <a:xfrm>
+          <a:off x="0" y="0"/>
+          <a:ext cx="0" cy="0"/>
+          <a:chOff x="0" y="0"/>
+          <a:chExt cx="0" cy="0"/>
+        </a:xfrm>
+      </p:grpSpPr>
+      <p:sp>
+        <p:nvSpPr>
+          <p:cNvPr id="2" name="頁首版面配置區 1"/>
+          <p:cNvSpPr>
+            <a:spLocks noGrp="1"/>
+          </p:cNvSpPr>
+          <p:nvPr>
+            <p:ph type="hdr" sz="quarter"/>
+          </p:nvPr>
+        </p:nvSpPr>
+        <p:spPr>
+          <a:xfrm>
+            <a:off x="0" y="0"/>
+            <a:ext cx="2971800" cy="458788"/>
+          </a:xfrm>
+          <a:prstGeom prst="rect">
+            <a:avLst/>
+          </a:prstGeom>
+        </p:spPr>
+        <p:txBody>
+          <a:bodyPr vert="horz" lIns="91440" tIns="45720" rIns="91440" bIns="45720" rtlCol="0"/>
+          <a:lstStyle>
+            <a:lvl1pPr algn="l">
+              <a:defRPr sz="1200"/>
+            </a:lvl1pPr>
+          </a:lstStyle>
+          <a:p>
+            <a:endParaRPr lang="zh-TW" altLang="en-US"/>
+          </a:p>
+        </p:txBody>
+      </p:sp>
+      <p:sp>
+        <p:nvSpPr>
+          <p:cNvPr id="3" name="日期版面配置區 2"/>
+          <p:cNvSpPr>
+            <a:spLocks noGrp="1"/>
+          </p:cNvSpPr>
+          <p:nvPr>
+            <p:ph type="dt" idx="1"/>
+          </p:nvPr>
+        </p:nvSpPr>
+        <p:spPr>
+          <a:xfrm>
+            <a:off x="3884613" y="0"/>
+            <a:ext cx="2971800" cy="458788"/>
+          </a:xfrm>
+          <a:prstGeom prst="rect">
+            <a:avLst/>
+          </a:prstGeom>
+        </p:spPr>
+        <p:txBody>
+          <a:bodyPr vert="horz" lIns="91440" tIns="45720" rIns="91440" bIns="45720" rtlCol="0"/>
+          <a:lstStyle>
+            <a:lvl1pPr algn="r">
+              <a:defRPr sz="1200"/>
+            </a:lvl1pPr>
+          </a:lstStyle>
+          <a:p>
+            <a:fld id="{1B5B2B25-029B-4A4B-9AB4-347266731903}" type="datetimeFigureOut">
+              <a:rPr lang="zh-TW" altLang="en-US" smtClean="0"/>
+              <a:t>2024/4/17</a:t>
+            </a:fld>
+            <a:endParaRPr lang="zh-TW" altLang="en-US"/>
+          </a:p>
+        </p:txBody>
+      </p:sp>
+      <p:sp>
+        <p:nvSpPr>
+          <p:cNvPr id="4" name="投影片圖像版面配置區 3"/>
+          <p:cNvSpPr>
+            <a:spLocks noGrp="1" noRot="1" noChangeAspect="1"/>
+          </p:cNvSpPr>
+          <p:nvPr>
+            <p:ph type="sldImg" idx="2"/>
+          </p:nvPr>
+        </p:nvSpPr>
+        <p:spPr>
+          <a:xfrm>
+            <a:off x="685800" y="1143000"/>
+            <a:ext cx="5486400" cy="3086100"/>
+          </a:xfrm>
+          <a:prstGeom prst="rect">
+            <a:avLst/>
+          </a:prstGeom>
+          <a:noFill/>
+          <a:ln w="12700">
+            <a:solidFill>
+              <a:prstClr val="black"/>
+            </a:solidFill>
+          </a:ln>
+        </p:spPr>
+        <p:txBody>
+          <a:bodyPr vert="horz" lIns="91440" tIns="45720" rIns="91440" bIns="45720" rtlCol="0" anchor="ctr"/>
+          <a:lstStyle/>
+          <a:p>
+            <a:endParaRPr lang="zh-TW" altLang="en-US"/>
+          </a:p>
+        </p:txBody>
+      </p:sp>
+      <p:sp>
+        <p:nvSpPr>
+          <p:cNvPr id="5" name="備忘稿版面配置區 4"/>
+          <p:cNvSpPr>
+            <a:spLocks noGrp="1"/>
+          </p:cNvSpPr>
+          <p:nvPr>
+            <p:ph type="body" sz="quarter" idx="3"/>
+          </p:nvPr>
+        </p:nvSpPr>
+        <p:spPr>
+          <a:xfrm>
+            <a:off x="685800" y="4400550"/>
+            <a:ext cx="5486400" cy="3600450"/>
+          </a:xfrm>
+          <a:prstGeom prst="rect">
+            <a:avLst/>
+          </a:prstGeom>
+        </p:spPr>
+        <p:txBody>
+          <a:bodyPr vert="horz" lIns="91440" tIns="45720" rIns="91440" bIns="45720" rtlCol="0"/>
+          <a:lstStyle/>
+          <a:p>
+            <a:pPr lvl="0"/>
+            <a:r>
+              <a:rPr lang="zh-TW" altLang="en-US" smtClean="0"/>
+              <a:t>編輯母片文字樣式</a:t>
+            </a:r>
+          </a:p>
+          <a:p>
+            <a:pPr lvl="1"/>
+            <a:r>
+              <a:rPr lang="zh-TW" altLang="en-US" smtClean="0"/>
+              <a:t>第二層</a:t>
+            </a:r>
+          </a:p>
+          <a:p>
+            <a:pPr lvl="2"/>
+            <a:r>
+              <a:rPr lang="zh-TW" altLang="en-US" smtClean="0"/>
+              <a:t>第三層</a:t>
+            </a:r>
+          </a:p>
+          <a:p>
+            <a:pPr lvl="3"/>
+            <a:r>
+              <a:rPr lang="zh-TW" altLang="en-US" smtClean="0"/>
+              <a:t>第四層</a:t>
+            </a:r>
+          </a:p>
+          <a:p>
+            <a:pPr lvl="4"/>
+            <a:r>
+              <a:rPr lang="zh-TW" altLang="en-US" smtClean="0"/>
+              <a:t>第五層</a:t>
+            </a:r>
+            <a:endParaRPr lang="zh-TW" altLang="en-US"/>
+          </a:p>
+        </p:txBody>
+      </p:sp>
+      <p:sp>
+        <p:nvSpPr>
+          <p:cNvPr id="6" name="頁尾版面配置區 5"/>
+          <p:cNvSpPr>
+            <a:spLocks noGrp="1"/>
+          </p:cNvSpPr>
+          <p:nvPr>
+            <p:ph type="ftr" sz="quarter" idx="4"/>
+          </p:nvPr>
+        </p:nvSpPr>
+        <p:spPr>
+          <a:xfrm>
+            <a:off x="0" y="8685213"/>
+            <a:ext cx="2971800" cy="458787"/>
+          </a:xfrm>
+          <a:prstGeom prst="rect">
+            <a:avLst/>
+          </a:prstGeom>
+        </p:spPr>
+        <p:txBody>
+          <a:bodyPr vert="horz" lIns="91440" tIns="45720" rIns="91440" bIns="45720" rtlCol="0" anchor="b"/>
+          <a:lstStyle>
+            <a:lvl1pPr algn="l">
+              <a:defRPr sz="1200"/>
+            </a:lvl1pPr>
+          </a:lstStyle>
+          <a:p>
+            <a:endParaRPr lang="zh-TW" altLang="en-US"/>
+          </a:p>
+        </p:txBody>
+      </p:sp>
+      <p:sp>
+        <p:nvSpPr>
+          <p:cNvPr id="7" name="投影片編號版面配置區 6"/>
+          <p:cNvSpPr>
+            <a:spLocks noGrp="1"/>
+          </p:cNvSpPr>
+          <p:nvPr>
+            <p:ph type="sldNum" sz="quarter" idx="5"/>
+          </p:nvPr>
+        </p:nvSpPr>
+        <p:spPr>
+          <a:xfrm>
+            <a:off x="3884613" y="8685213"/>
+            <a:ext cx="2971800" cy="458787"/>
+          </a:xfrm>
+          <a:prstGeom prst="rect">
+            <a:avLst/>
+          </a:prstGeom>
+        </p:spPr>
+        <p:txBody>
+          <a:bodyPr vert="horz" lIns="91440" tIns="45720" rIns="91440" bIns="45720" rtlCol="0" anchor="b"/>
+          <a:lstStyle>
+            <a:lvl1pPr algn="r">
+              <a:defRPr sz="1200"/>
+            </a:lvl1pPr>
+          </a:lstStyle>
+          <a:p>
+            <a:fld id="{CE13973F-F868-4AA4-82E4-56FF598FF4AA}" type="slidenum">
+              <a:rPr lang="zh-TW" altLang="en-US" smtClean="0"/>
+              <a:t>‹#›</a:t>
+            </a:fld>
+            <a:endParaRPr lang="zh-TW" altLang="en-US"/>
+          </a:p>
+        </p:txBody>
+      </p:sp>
+    </p:spTree>
+    <p:extLst>
+      <p:ext uri="{BB962C8B-B14F-4D97-AF65-F5344CB8AC3E}">
+        <p14:creationId xmlns:p14="http://schemas.microsoft.com/office/powerpoint/2010/main" val="150336376"/>
+      </p:ext>
+    </p:extLst>
+  </p:cSld>
+  <p:clrMap bg1="lt1" tx1="dk1" bg2="lt2" tx2="dk2" accent1="accent1" accent2="accent2" accent3="accent3" accent4="accent4" accent5="accent5" accent6="accent6" hlink="hlink" folHlink="folHlink"/>
+  <p:notesStyle>
+    <a:lvl1pPr marL="0" algn="l" defTabSz="914400" rtl="0" eaLnBrk="1" latinLnBrk="0" hangingPunct="1">
+      <a:defRPr sz="1200" kern="1200">
+        <a:solidFill>
+          <a:schemeClr val="tx1"/>
+        </a:solidFill>
+        <a:latin typeface="+mn-lt"/>
+        <a:ea typeface="+mn-ea"/>
+        <a:cs typeface="+mn-cs"/>
+      </a:defRPr>
+    </a:lvl1pPr>
+    <a:lvl2pPr marL="457200" algn="l" defTabSz="914400" rtl="0" eaLnBrk="1" latinLnBrk="0" hangingPunct="1">
+      <a:defRPr sz="1200" kern="1200">
+        <a:solidFill>
+          <a:schemeClr val="tx1"/>
+        </a:solidFill>
+        <a:latin typeface="+mn-lt"/>
+        <a:ea typeface="+mn-ea"/>
+        <a:cs typeface="+mn-cs"/>
+      </a:defRPr>
+    </a:lvl2pPr>
+    <a:lvl3pPr marL="914400" algn="l" defTabSz="914400" rtl="0" eaLnBrk="1" latinLnBrk="0" hangingPunct="1">
+      <a:defRPr sz="1200" kern="1200">
+        <a:solidFill>
+          <a:schemeClr val="tx1"/>
+        </a:solidFill>
+        <a:latin typeface="+mn-lt"/>
+        <a:ea typeface="+mn-ea"/>
+        <a:cs typeface="+mn-cs"/>
+      </a:defRPr>
+    </a:lvl3pPr>
+    <a:lvl4pPr marL="1371600" algn="l" defTabSz="914400" rtl="0" eaLnBrk="1" latinLnBrk="0" hangingPunct="1">
+      <a:defRPr sz="1200" kern="1200">
+        <a:solidFill>
+          <a:schemeClr val="tx1"/>
+        </a:solidFill>
+        <a:latin typeface="+mn-lt"/>
+        <a:ea typeface="+mn-ea"/>
+        <a:cs typeface="+mn-cs"/>
+      </a:defRPr>
+    </a:lvl4pPr>
+    <a:lvl5pPr marL="1828800" algn="l" defTabSz="914400" rtl="0" eaLnBrk="1" latinLnBrk="0" hangingPunct="1">
+      <a:defRPr sz="1200" kern="1200">
+        <a:solidFill>
+          <a:schemeClr val="tx1"/>
+        </a:solidFill>
+        <a:latin typeface="+mn-lt"/>
+        <a:ea typeface="+mn-ea"/>
+        <a:cs typeface="+mn-cs"/>
+      </a:defRPr>
+    </a:lvl5pPr>
+    <a:lvl6pPr marL="2286000" algn="l" defTabSz="914400" rtl="0" eaLnBrk="1" latinLnBrk="0" hangingPunct="1">
+      <a:defRPr sz="1200" kern="1200">
+        <a:solidFill>
+          <a:schemeClr val="tx1"/>
+        </a:solidFill>
+        <a:latin typeface="+mn-lt"/>
+        <a:ea typeface="+mn-ea"/>
+        <a:cs typeface="+mn-cs"/>
+      </a:defRPr>
+    </a:lvl6pPr>
+    <a:lvl7pPr marL="2743200" algn="l" defTabSz="914400" rtl="0" eaLnBrk="1" latinLnBrk="0" hangingPunct="1">
+      <a:defRPr sz="1200" kern="1200">
+        <a:solidFill>
+          <a:schemeClr val="tx1"/>
+        </a:solidFill>
+        <a:latin typeface="+mn-lt"/>
+        <a:ea typeface="+mn-ea"/>
+        <a:cs typeface="+mn-cs"/>
+      </a:defRPr>
+    </a:lvl7pPr>
+    <a:lvl8pPr marL="3200400" algn="l" defTabSz="914400" rtl="0" eaLnBrk="1" latinLnBrk="0" hangingPunct="1">
+      <a:defRPr sz="1200" kern="1200">
+        <a:solidFill>
+          <a:schemeClr val="tx1"/>
+        </a:solidFill>
+        <a:latin typeface="+mn-lt"/>
+        <a:ea typeface="+mn-ea"/>
+        <a:cs typeface="+mn-cs"/>
+      </a:defRPr>
+    </a:lvl8pPr>
+    <a:lvl9pPr marL="3657600" algn="l" defTabSz="914400" rtl="0" eaLnBrk="1" latinLnBrk="0" hangingPunct="1">
+      <a:defRPr sz="1200" kern="1200">
+        <a:solidFill>
+          <a:schemeClr val="tx1"/>
+        </a:solidFill>
+        <a:latin typeface="+mn-lt"/>
+        <a:ea typeface="+mn-ea"/>
+        <a:cs typeface="+mn-cs"/>
+      </a:defRPr>
+    </a:lvl9pPr>
+  </p:notesStyle>
+</p:notesMaster>
+</file>
+
+<file path=ppt/notesSlides/notesSlide1.xml><?xml version="1.0" encoding="utf-8"?>
+<p:notes xmlns:a="http://schemas.openxmlformats.org/drawingml/2006/main" xmlns:r="http://schemas.openxmlformats.org/officeDocument/2006/relationships" xmlns:p="http://schemas.openxmlformats.org/presentationml/2006/main">
+  <p:cSld>
+    <p:spTree>
+      <p:nvGrpSpPr>
+        <p:cNvPr id="1" name=""/>
+        <p:cNvGrpSpPr/>
+        <p:nvPr/>
+      </p:nvGrpSpPr>
+      <p:grpSpPr>
+        <a:xfrm>
+          <a:off x="0" y="0"/>
+          <a:ext cx="0" cy="0"/>
+          <a:chOff x="0" y="0"/>
+          <a:chExt cx="0" cy="0"/>
+        </a:xfrm>
+      </p:grpSpPr>
+      <p:sp>
+        <p:nvSpPr>
+          <p:cNvPr id="2" name="投影片圖像版面配置區 1"/>
+          <p:cNvSpPr>
+            <a:spLocks noGrp="1" noRot="1" noChangeAspect="1"/>
+          </p:cNvSpPr>
+          <p:nvPr>
+            <p:ph type="sldImg"/>
+          </p:nvPr>
+        </p:nvSpPr>
+        <p:spPr/>
+      </p:sp>
+      <p:sp>
+        <p:nvSpPr>
+          <p:cNvPr id="3" name="備忘稿版面配置區 2"/>
+          <p:cNvSpPr>
+            <a:spLocks noGrp="1"/>
+          </p:cNvSpPr>
+          <p:nvPr>
+            <p:ph type="body" idx="1"/>
+          </p:nvPr>
+        </p:nvSpPr>
+        <p:spPr/>
+        <p:txBody>
+          <a:bodyPr/>
+          <a:lstStyle/>
+          <a:p>
+            <a:endParaRPr lang="zh-TW" altLang="en-US" dirty="0"/>
+          </a:p>
+        </p:txBody>
+      </p:sp>
+      <p:sp>
+        <p:nvSpPr>
+          <p:cNvPr id="4" name="投影片編號版面配置區 3"/>
+          <p:cNvSpPr>
+            <a:spLocks noGrp="1"/>
+          </p:cNvSpPr>
+          <p:nvPr>
+            <p:ph type="sldNum" sz="quarter" idx="10"/>
+          </p:nvPr>
+        </p:nvSpPr>
+        <p:spPr/>
+        <p:txBody>
+          <a:bodyPr/>
+          <a:lstStyle/>
+          <a:p>
+            <a:fld id="{CE13973F-F868-4AA4-82E4-56FF598FF4AA}" type="slidenum">
+              <a:rPr lang="zh-TW" altLang="en-US" smtClean="0"/>
+              <a:t>5</a:t>
+            </a:fld>
+            <a:endParaRPr lang="zh-TW" altLang="en-US"/>
+          </a:p>
+        </p:txBody>
+      </p:sp>
+    </p:spTree>
+    <p:extLst>
+      <p:ext uri="{BB962C8B-B14F-4D97-AF65-F5344CB8AC3E}">
+        <p14:creationId xmlns:p14="http://schemas.microsoft.com/office/powerpoint/2010/main" val="3429981028"/>
+      </p:ext>
+    </p:extLst>
+  </p:cSld>
+  <p:clrMapOvr>
+    <a:masterClrMapping/>
+  </p:clrMapOvr>
+</p:notes>
+</file>
+
 <file path=ppt/slideLayouts/slideLayout1.xml><?xml version="1.0" encoding="utf-8"?>
 <p:sldLayout xmlns:a="http://schemas.openxmlformats.org/drawingml/2006/main" xmlns:r="http://schemas.openxmlformats.org/officeDocument/2006/relationships" xmlns:p="http://schemas.openxmlformats.org/presentationml/2006/main" type="title" preserve="1">
   <p:cSld name="標題投影片">
@@ -13877,7 +14315,7 @@
         </p:blipFill>
         <p:spPr>
           <a:xfrm>
-            <a:off x="2620645" y="4794957"/>
+            <a:off x="2747645" y="4794957"/>
             <a:ext cx="1562318" cy="1619476"/>
           </a:xfrm>
           <a:prstGeom prst="rect">
@@ -13899,7 +14337,7 @@
         </p:nvSpPr>
         <p:spPr>
           <a:xfrm>
-            <a:off x="2082570" y="5494668"/>
+            <a:off x="2146070" y="5494668"/>
             <a:ext cx="538075" cy="220053"/>
           </a:xfrm>
           <a:prstGeom prst="rightArrow">
@@ -13953,7 +14391,7 @@
         </p:nvSpPr>
         <p:spPr>
           <a:xfrm>
-            <a:off x="4144858" y="5413472"/>
+            <a:off x="4271858" y="5413472"/>
             <a:ext cx="1558440" cy="369332"/>
           </a:xfrm>
           <a:prstGeom prst="rect">
@@ -14181,7 +14619,7 @@
         </p:nvSpPr>
         <p:spPr>
           <a:xfrm>
-            <a:off x="8890117" y="3720238"/>
+            <a:off x="8890117" y="3948838"/>
             <a:ext cx="865943" cy="461665"/>
           </a:xfrm>
           <a:prstGeom prst="rect">
@@ -14247,7 +14685,7 @@
         </p:blipFill>
         <p:spPr>
           <a:xfrm>
-            <a:off x="9323088" y="4244297"/>
+            <a:off x="9323088" y="4485597"/>
             <a:ext cx="1766830" cy="2012844"/>
           </a:xfrm>
           <a:prstGeom prst="rect">
@@ -14255,6 +14693,248 @@
           </a:prstGeom>
         </p:spPr>
       </p:pic>
+      <p:sp>
+        <p:nvSpPr>
+          <p:cNvPr id="16" name="文字方塊 15"/>
+          <p:cNvSpPr txBox="1"/>
+          <p:nvPr/>
+        </p:nvSpPr>
+        <p:spPr>
+          <a:xfrm>
+            <a:off x="1572943" y="4181903"/>
+            <a:ext cx="2486578" cy="338554"/>
+          </a:xfrm>
+          <a:prstGeom prst="rect">
+            <a:avLst/>
+          </a:prstGeom>
+          <a:noFill/>
+        </p:spPr>
+        <p:txBody>
+          <a:bodyPr wrap="none" rtlCol="0">
+            <a:spAutoFit/>
+          </a:bodyPr>
+          <a:lstStyle/>
+          <a:p>
+            <a:r>
+              <a:rPr lang="zh-TW" altLang="en-US" sz="1600" dirty="0">
+                <a:latin typeface="+mn-ea"/>
+              </a:rPr>
+              <a:t>通道估測訊號功率的值</a:t>
+            </a:r>
+            <a:r>
+              <a:rPr lang="en-US" altLang="zh-TW" sz="1600" dirty="0">
+                <a:latin typeface="+mn-ea"/>
+              </a:rPr>
+              <a:t>[</a:t>
+            </a:r>
+            <a:r>
+              <a:rPr lang="en-US" altLang="zh-TW" sz="1600" dirty="0" smtClean="0">
+                <a:latin typeface="+mn-ea"/>
+              </a:rPr>
+              <a:t>5]</a:t>
+            </a:r>
+            <a:endParaRPr lang="en-US" altLang="zh-TW" sz="1600" dirty="0">
+              <a:latin typeface="+mn-ea"/>
+            </a:endParaRPr>
+          </a:p>
+        </p:txBody>
+      </p:sp>
+      <p:sp>
+        <p:nvSpPr>
+          <p:cNvPr id="17" name="文字方塊 16"/>
+          <p:cNvSpPr txBox="1"/>
+          <p:nvPr/>
+        </p:nvSpPr>
+        <p:spPr>
+          <a:xfrm>
+            <a:off x="177931" y="6463655"/>
+            <a:ext cx="2442714" cy="338554"/>
+          </a:xfrm>
+          <a:prstGeom prst="rect">
+            <a:avLst/>
+          </a:prstGeom>
+          <a:noFill/>
+        </p:spPr>
+        <p:txBody>
+          <a:bodyPr wrap="square" rtlCol="0">
+            <a:spAutoFit/>
+          </a:bodyPr>
+          <a:lstStyle/>
+          <a:p>
+            <a:r>
+              <a:rPr lang="zh-TW" altLang="en-US" sz="1600" dirty="0" smtClean="0">
+                <a:latin typeface="+mn-ea"/>
+              </a:rPr>
+              <a:t>做</a:t>
+            </a:r>
+            <a:r>
+              <a:rPr lang="en-US" altLang="zh-TW" sz="1600" dirty="0" smtClean="0">
+                <a:latin typeface="+mn-ea"/>
+              </a:rPr>
+              <a:t>CFO</a:t>
+            </a:r>
+            <a:r>
+              <a:rPr lang="zh-TW" altLang="en-US" sz="1600" dirty="0" smtClean="0">
+                <a:latin typeface="+mn-ea"/>
+              </a:rPr>
+              <a:t>校正前的星座圖</a:t>
+            </a:r>
+            <a:r>
+              <a:rPr lang="en-US" altLang="zh-TW" sz="1600" dirty="0" smtClean="0">
+                <a:latin typeface="+mn-ea"/>
+              </a:rPr>
+              <a:t>[6]</a:t>
+            </a:r>
+            <a:endParaRPr lang="en-US" altLang="zh-TW" sz="1600" dirty="0">
+              <a:latin typeface="+mn-ea"/>
+            </a:endParaRPr>
+          </a:p>
+        </p:txBody>
+      </p:sp>
+      <p:sp>
+        <p:nvSpPr>
+          <p:cNvPr id="18" name="文字方塊 17"/>
+          <p:cNvSpPr txBox="1"/>
+          <p:nvPr/>
+        </p:nvSpPr>
+        <p:spPr>
+          <a:xfrm>
+            <a:off x="2554854" y="6475764"/>
+            <a:ext cx="2488182" cy="338554"/>
+          </a:xfrm>
+          <a:prstGeom prst="rect">
+            <a:avLst/>
+          </a:prstGeom>
+          <a:noFill/>
+        </p:spPr>
+        <p:txBody>
+          <a:bodyPr wrap="none" rtlCol="0">
+            <a:spAutoFit/>
+          </a:bodyPr>
+          <a:lstStyle/>
+          <a:p>
+            <a:r>
+              <a:rPr lang="zh-TW" altLang="en-US" sz="1600" dirty="0">
+                <a:latin typeface="+mn-ea"/>
+              </a:rPr>
+              <a:t>做</a:t>
+            </a:r>
+            <a:r>
+              <a:rPr lang="en-US" altLang="zh-TW" sz="1600" dirty="0">
+                <a:latin typeface="+mn-ea"/>
+              </a:rPr>
+              <a:t>CFO</a:t>
+            </a:r>
+            <a:r>
+              <a:rPr lang="zh-TW" altLang="en-US" sz="1600" dirty="0">
+                <a:latin typeface="+mn-ea"/>
+              </a:rPr>
+              <a:t>校正後的</a:t>
+            </a:r>
+            <a:r>
+              <a:rPr lang="zh-TW" altLang="en-US" sz="1600" dirty="0">
+                <a:latin typeface="+mn-ea"/>
+              </a:rPr>
+              <a:t>星座圖</a:t>
+            </a:r>
+            <a:r>
+              <a:rPr lang="en-US" altLang="zh-TW" sz="1600" dirty="0" smtClean="0">
+                <a:latin typeface="+mn-ea"/>
+              </a:rPr>
+              <a:t>[7]</a:t>
+            </a:r>
+            <a:endParaRPr lang="en-US" altLang="zh-TW" sz="1600" dirty="0">
+              <a:latin typeface="+mn-ea"/>
+            </a:endParaRPr>
+          </a:p>
+        </p:txBody>
+      </p:sp>
+      <p:sp>
+        <p:nvSpPr>
+          <p:cNvPr id="22" name="文字方塊 21"/>
+          <p:cNvSpPr txBox="1"/>
+          <p:nvPr/>
+        </p:nvSpPr>
+        <p:spPr>
+          <a:xfrm>
+            <a:off x="9234121" y="3677502"/>
+            <a:ext cx="1944763" cy="338554"/>
+          </a:xfrm>
+          <a:prstGeom prst="rect">
+            <a:avLst/>
+          </a:prstGeom>
+          <a:noFill/>
+        </p:spPr>
+        <p:txBody>
+          <a:bodyPr wrap="none" rtlCol="0">
+            <a:spAutoFit/>
+          </a:bodyPr>
+          <a:lstStyle/>
+          <a:p>
+            <a:r>
+              <a:rPr lang="zh-TW" altLang="en-US" sz="1600" dirty="0" smtClean="0">
+                <a:latin typeface="+mn-ea"/>
+              </a:rPr>
+              <a:t>成功時的測試</a:t>
+            </a:r>
+            <a:r>
+              <a:rPr lang="en-US" altLang="zh-TW" sz="1600" dirty="0" smtClean="0">
+                <a:latin typeface="+mn-ea"/>
+              </a:rPr>
+              <a:t>EQ[8]</a:t>
+            </a:r>
+            <a:endParaRPr lang="en-US" altLang="zh-TW" sz="1600" dirty="0">
+              <a:latin typeface="+mn-ea"/>
+            </a:endParaRPr>
+          </a:p>
+        </p:txBody>
+      </p:sp>
+      <p:sp>
+        <p:nvSpPr>
+          <p:cNvPr id="28" name="文字方塊 27"/>
+          <p:cNvSpPr txBox="1"/>
+          <p:nvPr/>
+        </p:nvSpPr>
+        <p:spPr>
+          <a:xfrm>
+            <a:off x="9323088" y="6530949"/>
+            <a:ext cx="1944763" cy="338554"/>
+          </a:xfrm>
+          <a:prstGeom prst="rect">
+            <a:avLst/>
+          </a:prstGeom>
+          <a:noFill/>
+        </p:spPr>
+        <p:txBody>
+          <a:bodyPr wrap="none" rtlCol="0">
+            <a:spAutoFit/>
+          </a:bodyPr>
+          <a:lstStyle/>
+          <a:p>
+            <a:r>
+              <a:rPr lang="zh-TW" altLang="en-US" sz="1600" dirty="0">
+                <a:latin typeface="+mn-ea"/>
+              </a:rPr>
+              <a:t>失敗</a:t>
+            </a:r>
+            <a:r>
+              <a:rPr lang="zh-TW" altLang="en-US" sz="1600" dirty="0" smtClean="0">
+                <a:latin typeface="+mn-ea"/>
+              </a:rPr>
+              <a:t>時的測試</a:t>
+            </a:r>
+            <a:r>
+              <a:rPr lang="en-US" altLang="zh-TW" sz="1600" dirty="0" smtClean="0">
+                <a:latin typeface="+mn-ea"/>
+              </a:rPr>
+              <a:t>EQ[9]</a:t>
+            </a:r>
+            <a:endParaRPr lang="en-US" altLang="zh-TW" sz="1600" dirty="0">
+              <a:latin typeface="+mn-ea"/>
+            </a:endParaRPr>
+          </a:p>
+        </p:txBody>
+      </p:sp>
     </p:spTree>
     <p:extLst>
       <p:ext uri="{BB962C8B-B14F-4D97-AF65-F5344CB8AC3E}">
@@ -26488,6 +27168,46 @@
           </a:p>
         </p:txBody>
       </p:sp>
+      <p:sp>
+        <p:nvSpPr>
+          <p:cNvPr id="20" name="文字方塊 19"/>
+          <p:cNvSpPr txBox="1"/>
+          <p:nvPr/>
+        </p:nvSpPr>
+        <p:spPr>
+          <a:xfrm>
+            <a:off x="8404423" y="6364968"/>
+            <a:ext cx="2063385" cy="338554"/>
+          </a:xfrm>
+          <a:prstGeom prst="rect">
+            <a:avLst/>
+          </a:prstGeom>
+          <a:noFill/>
+        </p:spPr>
+        <p:txBody>
+          <a:bodyPr wrap="none" rtlCol="0">
+            <a:spAutoFit/>
+          </a:bodyPr>
+          <a:lstStyle/>
+          <a:p>
+            <a:r>
+              <a:rPr lang="zh-TW" altLang="en-US" sz="1600" dirty="0">
+                <a:latin typeface="+mn-ea"/>
+              </a:rPr>
+              <a:t>三種偵測器的</a:t>
+            </a:r>
+            <a:r>
+              <a:rPr lang="en-US" altLang="zh-TW" sz="1600" dirty="0" smtClean="0">
+                <a:latin typeface="+mn-ea"/>
+              </a:rPr>
+              <a:t>EQ[10]</a:t>
+            </a:r>
+            <a:endParaRPr lang="en-US" altLang="zh-TW" sz="1600" dirty="0">
+              <a:latin typeface="+mn-ea"/>
+            </a:endParaRPr>
+          </a:p>
+        </p:txBody>
+      </p:sp>
     </p:spTree>
     <p:extLst>
       <p:ext uri="{BB962C8B-B14F-4D97-AF65-F5344CB8AC3E}">
@@ -26590,6 +27310,52 @@
           </a:prstGeom>
         </p:spPr>
       </p:pic>
+      <p:sp>
+        <p:nvSpPr>
+          <p:cNvPr id="5" name="文字方塊 4"/>
+          <p:cNvSpPr txBox="1"/>
+          <p:nvPr/>
+        </p:nvSpPr>
+        <p:spPr>
+          <a:xfrm>
+            <a:off x="2381391" y="6126495"/>
+            <a:ext cx="2400016" cy="338554"/>
+          </a:xfrm>
+          <a:prstGeom prst="rect">
+            <a:avLst/>
+          </a:prstGeom>
+          <a:noFill/>
+        </p:spPr>
+        <p:txBody>
+          <a:bodyPr wrap="none" rtlCol="0">
+            <a:spAutoFit/>
+          </a:bodyPr>
+          <a:lstStyle/>
+          <a:p>
+            <a:r>
+              <a:rPr lang="zh-TW" altLang="en-US" sz="1600" dirty="0">
+                <a:latin typeface="+mn-ea"/>
+              </a:rPr>
+              <a:t>三</a:t>
+            </a:r>
+            <a:r>
+              <a:rPr lang="zh-TW" altLang="en-US" sz="1600" dirty="0" smtClean="0">
+                <a:latin typeface="+mn-ea"/>
+              </a:rPr>
+              <a:t>種偵測器的錯誤率</a:t>
+            </a:r>
+            <a:r>
+              <a:rPr lang="en-US" altLang="zh-TW" sz="1600" dirty="0" smtClean="0">
+                <a:latin typeface="+mn-ea"/>
+              </a:rPr>
+              <a:t>[11]</a:t>
+            </a:r>
+            <a:endParaRPr lang="en-US" altLang="zh-TW" sz="1600" dirty="0">
+              <a:latin typeface="+mn-ea"/>
+            </a:endParaRPr>
+          </a:p>
+        </p:txBody>
+      </p:sp>
     </p:spTree>
     <p:extLst>
       <p:ext uri="{BB962C8B-B14F-4D97-AF65-F5344CB8AC3E}">
@@ -26638,13 +27404,24 @@
         </p:nvSpPr>
         <p:spPr/>
         <p:txBody>
-          <a:bodyPr/>
+          <a:bodyPr>
+            <a:normAutofit/>
+          </a:bodyPr>
           <a:lstStyle/>
           <a:p>
             <a:r>
-              <a:rPr lang="zh-TW" altLang="en-US" dirty="0"/>
-              <a:t>結論與貢獻</a:t>
-            </a:r>
+              <a:rPr lang="zh-TW" altLang="en-US" b="1" dirty="0">
+                <a:latin typeface="華康粗明體" panose="02020709000000000000" pitchFamily="49" charset="-120"/>
+                <a:ea typeface="華康粗明體" panose="02020709000000000000" pitchFamily="49" charset="-120"/>
+                <a:cs typeface="+mn-cs"/>
+              </a:rPr>
+              <a:t>挑戰與解法</a:t>
+            </a:r>
+            <a:endParaRPr lang="zh-TW" altLang="en-US" b="1" dirty="0">
+              <a:latin typeface="華康粗明體" panose="02020709000000000000" pitchFamily="49" charset="-120"/>
+              <a:ea typeface="華康粗明體" panose="02020709000000000000" pitchFamily="49" charset="-120"/>
+              <a:cs typeface="+mn-cs"/>
+            </a:endParaRPr>
           </a:p>
         </p:txBody>
       </p:sp>
@@ -26690,6 +27467,98 @@
 </file>
 
 <file path=ppt/slides/slide14.xml><?xml version="1.0" encoding="utf-8"?>
+<p:sld xmlns:a="http://schemas.openxmlformats.org/drawingml/2006/main" xmlns:r="http://schemas.openxmlformats.org/officeDocument/2006/relationships" xmlns:p="http://schemas.openxmlformats.org/presentationml/2006/main">
+  <p:cSld>
+    <p:spTree>
+      <p:nvGrpSpPr>
+        <p:cNvPr id="1" name=""/>
+        <p:cNvGrpSpPr/>
+        <p:nvPr/>
+      </p:nvGrpSpPr>
+      <p:grpSpPr>
+        <a:xfrm>
+          <a:off x="0" y="0"/>
+          <a:ext cx="0" cy="0"/>
+          <a:chOff x="0" y="0"/>
+          <a:chExt cx="0" cy="0"/>
+        </a:xfrm>
+      </p:grpSpPr>
+      <p:sp>
+        <p:nvSpPr>
+          <p:cNvPr id="2" name="標題 1">
+            <a:extLst>
+              <a:ext uri="{FF2B5EF4-FFF2-40B4-BE49-F238E27FC236}">
+                <a16:creationId xmlns:a16="http://schemas.microsoft.com/office/drawing/2014/main" id="{3E743E3A-7CC9-4E3D-84CB-BF42AC3E4796}"/>
+              </a:ext>
+            </a:extLst>
+          </p:cNvPr>
+          <p:cNvSpPr>
+            <a:spLocks noGrp="1"/>
+          </p:cNvSpPr>
+          <p:nvPr>
+            <p:ph type="title"/>
+          </p:nvPr>
+        </p:nvSpPr>
+        <p:spPr/>
+        <p:txBody>
+          <a:bodyPr>
+            <a:normAutofit/>
+          </a:bodyPr>
+          <a:lstStyle/>
+          <a:p>
+            <a:r>
+              <a:rPr lang="zh-TW" altLang="en-US" b="1" dirty="0">
+                <a:latin typeface="華康粗明體" panose="02020709000000000000" pitchFamily="49" charset="-120"/>
+                <a:ea typeface="華康粗明體" panose="02020709000000000000" pitchFamily="49" charset="-120"/>
+                <a:cs typeface="+mn-cs"/>
+              </a:rPr>
+              <a:t>結論與貢獻</a:t>
+            </a:r>
+          </a:p>
+        </p:txBody>
+      </p:sp>
+      <p:sp>
+        <p:nvSpPr>
+          <p:cNvPr id="3" name="內容版面配置區 2">
+            <a:extLst>
+              <a:ext uri="{FF2B5EF4-FFF2-40B4-BE49-F238E27FC236}">
+                <a16:creationId xmlns:a16="http://schemas.microsoft.com/office/drawing/2014/main" id="{92898B37-D95B-4F7C-ADFE-B728BF15D7FA}"/>
+              </a:ext>
+            </a:extLst>
+          </p:cNvPr>
+          <p:cNvSpPr>
+            <a:spLocks noGrp="1"/>
+          </p:cNvSpPr>
+          <p:nvPr>
+            <p:ph idx="1"/>
+          </p:nvPr>
+        </p:nvSpPr>
+        <p:spPr/>
+        <p:txBody>
+          <a:bodyPr/>
+          <a:lstStyle/>
+          <a:p>
+            <a:pPr marL="0" indent="0">
+              <a:buNone/>
+            </a:pPr>
+            <a:endParaRPr lang="zh-TW" altLang="en-US" dirty="0"/>
+          </a:p>
+        </p:txBody>
+      </p:sp>
+    </p:spTree>
+    <p:extLst>
+      <p:ext uri="{BB962C8B-B14F-4D97-AF65-F5344CB8AC3E}">
+        <p14:creationId xmlns:p14="http://schemas.microsoft.com/office/powerpoint/2010/main" val="4022132170"/>
+      </p:ext>
+    </p:extLst>
+  </p:cSld>
+  <p:clrMapOvr>
+    <a:masterClrMapping/>
+  </p:clrMapOvr>
+</p:sld>
+</file>
+
+<file path=ppt/slides/slide15.xml><?xml version="1.0" encoding="utf-8"?>
 <p:sld xmlns:a="http://schemas.openxmlformats.org/drawingml/2006/main" xmlns:r="http://schemas.openxmlformats.org/officeDocument/2006/relationships" xmlns:p="http://schemas.openxmlformats.org/presentationml/2006/main">
   <p:cSld>
     <p:spTree>
@@ -27213,19 +28082,16 @@
               <a:t>、新增</a:t>
             </a:r>
             <a:r>
-              <a:rPr lang="en-US" altLang="zh-TW" dirty="0" err="1">
+              <a:rPr lang="en-US" altLang="zh-TW" dirty="0" err="1" smtClean="0">
                 <a:latin typeface="華康細明體" panose="02020309000000000000" pitchFamily="49" charset="-120"/>
                 <a:ea typeface="華康細明體" panose="02020309000000000000" pitchFamily="49" charset="-120"/>
               </a:rPr>
-              <a:t>figplusfig</a:t>
-            </a:r>
-            <a:r>
-              <a:rPr lang="en-US" altLang="zh-TW" dirty="0" smtClean="0">
-                <a:latin typeface="華康細明體" panose="02020309000000000000" pitchFamily="49" charset="-120"/>
-                <a:ea typeface="華康細明體" panose="02020309000000000000" pitchFamily="49" charset="-120"/>
-              </a:rPr>
-              <a:t>.</a:t>
-            </a:r>
+              <a:t>figplusfig.m</a:t>
+            </a:r>
+            <a:endParaRPr lang="en-US" altLang="zh-TW" dirty="0" smtClean="0">
+              <a:latin typeface="華康細明體" panose="02020309000000000000" pitchFamily="49" charset="-120"/>
+              <a:ea typeface="華康細明體" panose="02020309000000000000" pitchFamily="49" charset="-120"/>
+            </a:endParaRPr>
           </a:p>
           <a:p>
             <a:r>
@@ -27402,7 +28268,7 @@
 </p:sld>
 </file>
 
-<file path=ppt/slides/slide15.xml><?xml version="1.0" encoding="utf-8"?>
+<file path=ppt/slides/slide16.xml><?xml version="1.0" encoding="utf-8"?>
 <p:sld xmlns:a="http://schemas.openxmlformats.org/drawingml/2006/main" xmlns:r="http://schemas.openxmlformats.org/officeDocument/2006/relationships" xmlns:p="http://schemas.openxmlformats.org/presentationml/2006/main">
   <p:cSld>
     <p:spTree>
@@ -27469,6 +28335,96 @@
           <a:bodyPr/>
           <a:lstStyle/>
           <a:p>
+            <a:pPr lvl="0"/>
+            <a:r>
+              <a:rPr lang="en-US" altLang="zh-TW" dirty="0" smtClean="0"/>
+              <a:t>[1]</a:t>
+            </a:r>
+            <a:r>
+              <a:rPr lang="zh-TW" altLang="zh-TW" dirty="0" smtClean="0"/>
+              <a:t>軟體無線電</a:t>
+            </a:r>
+            <a:r>
+              <a:rPr lang="en-US" altLang="zh-TW" dirty="0" smtClean="0"/>
+              <a:t>wiki</a:t>
+            </a:r>
+            <a:r>
+              <a:rPr lang="zh-TW" altLang="zh-TW" dirty="0" smtClean="0"/>
+              <a:t>：</a:t>
+            </a:r>
+            <a:r>
+              <a:rPr lang="en-US" altLang="zh-TW" dirty="0" smtClean="0">
+                <a:hlinkClick r:id="rId2"/>
+              </a:rPr>
+              <a:t>https</a:t>
+            </a:r>
+            <a:r>
+              <a:rPr lang="en-US" altLang="zh-TW" dirty="0">
+                <a:hlinkClick r:id="rId2"/>
+              </a:rPr>
+              <a:t>://zh.wikipedia.org/zh-tw/%E8%BD%AF%E4%BB%B6%E6%97%A0%E7%BA%BF%E7%94%B5</a:t>
+            </a:r>
+            <a:endParaRPr lang="en-US" altLang="zh-TW" dirty="0" smtClean="0"/>
+          </a:p>
+          <a:p>
+            <a:r>
+              <a:rPr lang="en-US" altLang="zh-TW" spc="195" dirty="0" smtClean="0">
+                <a:latin typeface="DM Sans"/>
+                <a:ea typeface="DM Sans"/>
+              </a:rPr>
+              <a:t>[2]Pluto :</a:t>
+            </a:r>
+            <a:r>
+              <a:rPr lang="en-US" altLang="zh-TW" spc="195" dirty="0" smtClean="0">
+                <a:latin typeface="DM Sans"/>
+                <a:ea typeface="DM Sans"/>
+                <a:hlinkClick r:id="rId3"/>
+              </a:rPr>
+              <a:t>https</a:t>
+            </a:r>
+            <a:r>
+              <a:rPr lang="en-US" altLang="zh-TW" spc="195" dirty="0">
+                <a:latin typeface="DM Sans"/>
+                <a:ea typeface="DM Sans"/>
+                <a:hlinkClick r:id="rId3"/>
+              </a:rPr>
+              <a:t>://www.mouser.tw/images/marketingid/2017/img/175161332_Analog_Devices_ADALM-PLUTOActiveLearningModule.png?v=072922.0344</a:t>
+            </a:r>
+            <a:endParaRPr lang="en-US" altLang="zh-TW" spc="195" dirty="0">
+              <a:latin typeface="DM Sans"/>
+              <a:ea typeface="DM Sans"/>
+            </a:endParaRPr>
+          </a:p>
+          <a:p>
+            <a:pPr lvl="0"/>
+            <a:r>
+              <a:rPr lang="en-US" altLang="zh-TW" dirty="0" smtClean="0"/>
+              <a:t>[3]</a:t>
+            </a:r>
+            <a:r>
+              <a:rPr lang="en-US" altLang="zh-TW" dirty="0"/>
+              <a:t> </a:t>
+            </a:r>
+            <a:r>
+              <a:rPr lang="en-US" altLang="zh-TW" dirty="0" err="1"/>
+              <a:t>Matlab</a:t>
+            </a:r>
+            <a:r>
+              <a:rPr lang="zh-TW" altLang="zh-TW" dirty="0"/>
+              <a:t>簡介：</a:t>
+            </a:r>
+            <a:r>
+              <a:rPr lang="en-US" altLang="zh-TW" u="sng" dirty="0">
+                <a:hlinkClick r:id="rId4"/>
+              </a:rPr>
+              <a:t>https://zh.wikipedia.org/zh-tw/MATLAB</a:t>
+            </a:r>
+            <a:endParaRPr lang="zh-TW" altLang="zh-TW" dirty="0"/>
+          </a:p>
+          <a:p>
+            <a:endParaRPr lang="zh-TW" altLang="zh-TW" dirty="0" smtClean="0"/>
+          </a:p>
+          <a:p>
             <a:endParaRPr lang="zh-TW" altLang="en-US" dirty="0"/>
           </a:p>
         </p:txBody>
@@ -27486,7 +28442,7 @@
 </p:sld>
 </file>
 
-<file path=ppt/slides/slide16.xml><?xml version="1.0" encoding="utf-8"?>
+<file path=ppt/slides/slide17.xml><?xml version="1.0" encoding="utf-8"?>
 <p:sld xmlns:a="http://schemas.openxmlformats.org/drawingml/2006/main" xmlns:r="http://schemas.openxmlformats.org/officeDocument/2006/relationships" xmlns:p="http://schemas.openxmlformats.org/presentationml/2006/main">
   <p:cSld>
     <p:spTree>
@@ -27574,7 +28530,7 @@
 </p:sld>
 </file>
 
-<file path=ppt/slides/slide17.xml><?xml version="1.0" encoding="utf-8"?>
+<file path=ppt/slides/slide18.xml><?xml version="1.0" encoding="utf-8"?>
 <p:sld xmlns:a="http://schemas.openxmlformats.org/drawingml/2006/main" xmlns:r="http://schemas.openxmlformats.org/officeDocument/2006/relationships" xmlns:p="http://schemas.openxmlformats.org/presentationml/2006/main">
   <p:cSld>
     <p:spTree>
@@ -28796,8 +29752,8 @@
         </p:nvSpPr>
         <p:spPr>
           <a:xfrm>
-            <a:off x="406703" y="1880937"/>
-            <a:ext cx="8465834" cy="3581858"/>
+            <a:off x="406703" y="1880936"/>
+            <a:ext cx="8465834" cy="3846764"/>
           </a:xfrm>
         </p:spPr>
         <p:txBody>
@@ -28854,11 +29810,27 @@
             </a:r>
             <a:r>
               <a:rPr lang="en-US" altLang="zh-TW" sz="2800" dirty="0"/>
-              <a:t>Orthogonal Time-Sequency Modulation</a:t>
+              <a:t>Orthogonal Time-</a:t>
+            </a:r>
+            <a:r>
+              <a:rPr lang="en-US" altLang="zh-TW" sz="2800" dirty="0" err="1"/>
+              <a:t>Sequency</a:t>
+            </a:r>
+            <a:r>
+              <a:rPr lang="en-US" altLang="zh-TW" sz="2800" dirty="0"/>
+              <a:t> </a:t>
+            </a:r>
+            <a:r>
+              <a:rPr lang="en-US" altLang="zh-TW" sz="2800" dirty="0" smtClean="0"/>
+              <a:t>Multiplexing</a:t>
+            </a:r>
+            <a:r>
+              <a:rPr lang="zh-TW" altLang="en-US" sz="2800" dirty="0" smtClean="0"/>
+              <a:t>，</a:t>
             </a:r>
             <a:r>
               <a:rPr lang="zh-TW" altLang="en-US" sz="2800" dirty="0"/>
-              <a:t>，正交時序複用調製</a:t>
+              <a:t>正交時序複用調製</a:t>
             </a:r>
             <a:r>
               <a:rPr lang="zh-TW" altLang="zh-TW" sz="2800" dirty="0"/>
@@ -28889,7 +29861,7 @@
           <p:nvPr/>
         </p:nvPicPr>
         <p:blipFill>
-          <a:blip r:embed="rId2" cstate="print">
+          <a:blip r:embed="rId3" cstate="print">
             <a:extLst>
               <a:ext uri="{28A0092B-C50C-407E-A947-70E740481C1C}">
                 <a14:useLocalDpi xmlns:a14="http://schemas.microsoft.com/office/drawing/2010/main" val="0"/>
@@ -28903,7 +29875,7 @@
         </p:blipFill>
         <p:spPr bwMode="auto">
           <a:xfrm>
-            <a:off x="9244478" y="1395205"/>
+            <a:off x="9276414" y="1880937"/>
             <a:ext cx="2136941" cy="1552844"/>
           </a:xfrm>
           <a:prstGeom prst="rect">
@@ -28925,7 +29897,7 @@
           <p:nvPr/>
         </p:nvPicPr>
         <p:blipFill rotWithShape="1">
-          <a:blip r:embed="rId3" cstate="print">
+          <a:blip r:embed="rId4" cstate="print">
             <a:extLst>
               <a:ext uri="{28A0092B-C50C-407E-A947-70E740481C1C}">
                 <a14:useLocalDpi xmlns:a14="http://schemas.microsoft.com/office/drawing/2010/main" val="0"/>
@@ -28937,7 +29909,7 @@
         </p:blipFill>
         <p:spPr bwMode="auto">
           <a:xfrm>
-            <a:off x="8872537" y="3909952"/>
+            <a:off x="8872537" y="4175128"/>
             <a:ext cx="3088999" cy="868653"/>
           </a:xfrm>
           <a:prstGeom prst="rect">
@@ -28954,6 +29926,84 @@
           </a:extLst>
         </p:spPr>
       </p:pic>
+      <p:sp>
+        <p:nvSpPr>
+          <p:cNvPr id="3" name="文字方塊 2"/>
+          <p:cNvSpPr txBox="1"/>
+          <p:nvPr/>
+        </p:nvSpPr>
+        <p:spPr>
+          <a:xfrm>
+            <a:off x="9584900" y="3433781"/>
+            <a:ext cx="1399614" cy="338554"/>
+          </a:xfrm>
+          <a:prstGeom prst="rect">
+            <a:avLst/>
+          </a:prstGeom>
+          <a:noFill/>
+        </p:spPr>
+        <p:txBody>
+          <a:bodyPr wrap="none" rtlCol="0">
+            <a:spAutoFit/>
+          </a:bodyPr>
+          <a:lstStyle/>
+          <a:p>
+            <a:r>
+              <a:rPr lang="en-US" altLang="zh-TW" sz="1600" dirty="0">
+                <a:latin typeface="+mn-ea"/>
+              </a:rPr>
+              <a:t>Pluto SDR[1</a:t>
+            </a:r>
+            <a:r>
+              <a:rPr lang="en-US" altLang="zh-TW" sz="1600" dirty="0" smtClean="0"/>
+              <a:t>]</a:t>
+            </a:r>
+          </a:p>
+        </p:txBody>
+      </p:sp>
+      <p:sp>
+        <p:nvSpPr>
+          <p:cNvPr id="7" name="文字方塊 6"/>
+          <p:cNvSpPr txBox="1"/>
+          <p:nvPr/>
+        </p:nvSpPr>
+        <p:spPr>
+          <a:xfrm>
+            <a:off x="10129029" y="4986625"/>
+            <a:ext cx="1122423" cy="369332"/>
+          </a:xfrm>
+          <a:prstGeom prst="rect">
+            <a:avLst/>
+          </a:prstGeom>
+          <a:noFill/>
+        </p:spPr>
+        <p:txBody>
+          <a:bodyPr wrap="none" rtlCol="0">
+            <a:spAutoFit/>
+          </a:bodyPr>
+          <a:lstStyle/>
+          <a:p>
+            <a:r>
+              <a:rPr lang="en-US" altLang="zh-TW" sz="1600" dirty="0" err="1">
+                <a:latin typeface="+mn-ea"/>
+              </a:rPr>
+              <a:t>Matlab</a:t>
+            </a:r>
+            <a:r>
+              <a:rPr lang="en-US" altLang="zh-TW" sz="1600" dirty="0">
+                <a:latin typeface="+mn-ea"/>
+              </a:rPr>
+              <a:t>[2</a:t>
+            </a:r>
+            <a:r>
+              <a:rPr lang="en-US" altLang="zh-TW" dirty="0">
+                <a:latin typeface="+mn-ea"/>
+              </a:rPr>
+              <a:t>]</a:t>
+            </a:r>
+          </a:p>
+        </p:txBody>
+      </p:sp>
     </p:spTree>
     <p:extLst>
       <p:ext uri="{BB962C8B-B14F-4D97-AF65-F5344CB8AC3E}">
@@ -29735,6 +30785,61 @@
               <a:rPr lang="en-US" altLang="zh-TW" dirty="0"/>
             </a:br>
             <a:endParaRPr lang="zh-TW" altLang="en-US" dirty="0"/>
+          </a:p>
+        </p:txBody>
+      </p:sp>
+      <p:sp>
+        <p:nvSpPr>
+          <p:cNvPr id="6" name="文字方塊 5"/>
+          <p:cNvSpPr txBox="1"/>
+          <p:nvPr/>
+        </p:nvSpPr>
+        <p:spPr>
+          <a:xfrm>
+            <a:off x="8711734" y="5914442"/>
+            <a:ext cx="2207656" cy="338554"/>
+          </a:xfrm>
+          <a:prstGeom prst="rect">
+            <a:avLst/>
+          </a:prstGeom>
+          <a:noFill/>
+        </p:spPr>
+        <p:txBody>
+          <a:bodyPr wrap="none" rtlCol="0">
+            <a:spAutoFit/>
+          </a:bodyPr>
+          <a:lstStyle/>
+          <a:p>
+            <a:r>
+              <a:rPr lang="en-US" altLang="zh-TW" sz="1600" dirty="0">
+                <a:latin typeface="+mn-ea"/>
+              </a:rPr>
+              <a:t>Rx</a:t>
+            </a:r>
+            <a:r>
+              <a:rPr lang="zh-TW" altLang="en-US" sz="1600" dirty="0">
+                <a:latin typeface="+mn-ea"/>
+              </a:rPr>
+              <a:t>實際</a:t>
+            </a:r>
+            <a:r>
+              <a:rPr lang="en-US" altLang="zh-TW" sz="1600" dirty="0">
+                <a:latin typeface="+mn-ea"/>
+              </a:rPr>
+              <a:t>I/Q</a:t>
+            </a:r>
+            <a:r>
+              <a:rPr lang="zh-TW" altLang="en-US" sz="1600" dirty="0">
+                <a:latin typeface="+mn-ea"/>
+              </a:rPr>
+              <a:t>接收狀態</a:t>
+            </a:r>
+            <a:r>
+              <a:rPr lang="en-US" altLang="zh-TW" sz="1600" dirty="0">
+                <a:latin typeface="+mn-ea"/>
+              </a:rPr>
+              <a:t>[3]</a:t>
+            </a:r>
           </a:p>
         </p:txBody>
       </p:sp>
@@ -30239,6 +31344,43 @@
           </a:fontRef>
         </p:style>
       </p:cxnSp>
+      <p:sp>
+        <p:nvSpPr>
+          <p:cNvPr id="9" name="文字方塊 8"/>
+          <p:cNvSpPr txBox="1"/>
+          <p:nvPr/>
+        </p:nvSpPr>
+        <p:spPr>
+          <a:xfrm>
+            <a:off x="3435554" y="6428003"/>
+            <a:ext cx="3717684" cy="338554"/>
+          </a:xfrm>
+          <a:prstGeom prst="rect">
+            <a:avLst/>
+          </a:prstGeom>
+          <a:noFill/>
+        </p:spPr>
+        <p:txBody>
+          <a:bodyPr wrap="none" rtlCol="0">
+            <a:spAutoFit/>
+          </a:bodyPr>
+          <a:lstStyle/>
+          <a:p>
+            <a:r>
+              <a:rPr lang="zh-TW" altLang="en-US" sz="1600" dirty="0">
+                <a:latin typeface="+mn-ea"/>
+              </a:rPr>
+              <a:t>接收訊號同步後的自相關對時間的圖</a:t>
+            </a:r>
+            <a:r>
+              <a:rPr lang="en-US" altLang="zh-TW" sz="1600" dirty="0">
+                <a:latin typeface="+mn-ea"/>
+              </a:rPr>
+              <a:t>[4]</a:t>
+            </a:r>
+          </a:p>
+        </p:txBody>
+      </p:sp>
     </p:spTree>
     <p:extLst>
       <p:ext uri="{BB962C8B-B14F-4D97-AF65-F5344CB8AC3E}">
@@ -30493,4 +31635,265 @@
     </a:ext>
   </a:extLst>
 </a:theme>
+</file>
+
+<file path=ppt/theme/theme2.xml><?xml version="1.0" encoding="utf-8"?>
+<a:theme xmlns:a="http://schemas.openxmlformats.org/drawingml/2006/main" name="Office 佈景主題">
+  <a:themeElements>
+    <a:clrScheme name="Office">
+      <a:dk1>
+        <a:sysClr val="windowText" lastClr="000000"/>
+      </a:dk1>
+      <a:lt1>
+        <a:sysClr val="window" lastClr="FFFFFF"/>
+      </a:lt1>
+      <a:dk2>
+        <a:srgbClr val="44546A"/>
+      </a:dk2>
+      <a:lt2>
+        <a:srgbClr val="E7E6E6"/>
+      </a:lt2>
+      <a:accent1>
+        <a:srgbClr val="5B9BD5"/>
+      </a:accent1>
+      <a:accent2>
+        <a:srgbClr val="ED7D31"/>
+      </a:accent2>
+      <a:accent3>
+        <a:srgbClr val="A5A5A5"/>
+      </a:accent3>
+      <a:accent4>
+        <a:srgbClr val="FFC000"/>
+      </a:accent4>
+      <a:accent5>
+        <a:srgbClr val="4472C4"/>
+      </a:accent5>
+      <a:accent6>
+        <a:srgbClr val="70AD47"/>
+      </a:accent6>
+      <a:hlink>
+        <a:srgbClr val="0563C1"/>
+      </a:hlink>
+      <a:folHlink>
+        <a:srgbClr val="954F72"/>
+      </a:folHlink>
+    </a:clrScheme>
+    <a:fontScheme name="Office">
+      <a:majorFont>
+        <a:latin typeface="Calibri Light" panose="020F0302020204030204"/>
+        <a:ea typeface=""/>
+        <a:cs typeface=""/>
+        <a:font script="Jpan" typeface="游ゴシック Light"/>
+        <a:font script="Hang" typeface="맑은 고딕"/>
+        <a:font script="Hans" typeface="等线 Light"/>
+        <a:font script="Hant" typeface="新細明體"/>
+        <a:font script="Arab" typeface="Times New Roman"/>
+        <a:font script="Hebr" typeface="Times New Roman"/>
+        <a:font script="Thai" typeface="Angsana New"/>
+        <a:font script="Ethi" typeface="Nyala"/>
+        <a:font script="Beng" typeface="Vrinda"/>
+        <a:font script="Gujr" typeface="Shruti"/>
+        <a:font script="Khmr" typeface="MoolBoran"/>
+        <a:font script="Knda" typeface="Tunga"/>
+        <a:font script="Guru" typeface="Raavi"/>
+        <a:font script="Cans" typeface="Euphemia"/>
+        <a:font script="Cher" typeface="Plantagenet Cherokee"/>
+        <a:font script="Yiii" typeface="Microsoft Yi Baiti"/>
+        <a:font script="Tibt" typeface="Microsoft Himalaya"/>
+        <a:font script="Thaa" typeface="MV Boli"/>
+        <a:font script="Deva" typeface="Mangal"/>
+        <a:font script="Telu" typeface="Gautami"/>
+        <a:font script="Taml" typeface="Latha"/>
+        <a:font script="Syrc" typeface="Estrangelo Edessa"/>
+        <a:font script="Orya" typeface="Kalinga"/>
+        <a:font script="Mlym" typeface="Kartika"/>
+        <a:font script="Laoo" typeface="DokChampa"/>
+        <a:font script="Sinh" typeface="Iskoola Pota"/>
+        <a:font script="Mong" typeface="Mongolian Baiti"/>
+        <a:font script="Viet" typeface="Times New Roman"/>
+        <a:font script="Uigh" typeface="Microsoft Uighur"/>
+        <a:font script="Geor" typeface="Sylfaen"/>
+      </a:majorFont>
+      <a:minorFont>
+        <a:latin typeface="Calibri" panose="020F0502020204030204"/>
+        <a:ea typeface=""/>
+        <a:cs typeface=""/>
+        <a:font script="Jpan" typeface="游ゴシック"/>
+        <a:font script="Hang" typeface="맑은 고딕"/>
+        <a:font script="Hans" typeface="等线"/>
+        <a:font script="Hant" typeface="新細明體"/>
+        <a:font script="Arab" typeface="Arial"/>
+        <a:font script="Hebr" typeface="Arial"/>
+        <a:font script="Thai" typeface="Cordia New"/>
+        <a:font script="Ethi" typeface="Nyala"/>
+        <a:font script="Beng" typeface="Vrinda"/>
+        <a:font script="Gujr" typeface="Shruti"/>
+        <a:font script="Khmr" typeface="DaunPenh"/>
+        <a:font script="Knda" typeface="Tunga"/>
+        <a:font script="Guru" typeface="Raavi"/>
+        <a:font script="Cans" typeface="Euphemia"/>
+        <a:font script="Cher" typeface="Plantagenet Cherokee"/>
+        <a:font script="Yiii" typeface="Microsoft Yi Baiti"/>
+        <a:font script="Tibt" typeface="Microsoft Himalaya"/>
+        <a:font script="Thaa" typeface="MV Boli"/>
+        <a:font script="Deva" typeface="Mangal"/>
+        <a:font script="Telu" typeface="Gautami"/>
+        <a:font script="Taml" typeface="Latha"/>
+        <a:font script="Syrc" typeface="Estrangelo Edessa"/>
+        <a:font script="Orya" typeface="Kalinga"/>
+        <a:font script="Mlym" typeface="Kartika"/>
+        <a:font script="Laoo" typeface="DokChampa"/>
+        <a:font script="Sinh" typeface="Iskoola Pota"/>
+        <a:font script="Mong" typeface="Mongolian Baiti"/>
+        <a:font script="Viet" typeface="Arial"/>
+        <a:font script="Uigh" typeface="Microsoft Uighur"/>
+        <a:font script="Geor" typeface="Sylfaen"/>
+      </a:minorFont>
+    </a:fontScheme>
+    <a:fmtScheme name="Office">
+      <a:fillStyleLst>
+        <a:solidFill>
+          <a:schemeClr val="phClr"/>
+        </a:solidFill>
+        <a:gradFill rotWithShape="1">
+          <a:gsLst>
+            <a:gs pos="0">
+              <a:schemeClr val="phClr">
+                <a:lumMod val="110000"/>
+                <a:satMod val="105000"/>
+                <a:tint val="67000"/>
+              </a:schemeClr>
+            </a:gs>
+            <a:gs pos="50000">
+              <a:schemeClr val="phClr">
+                <a:lumMod val="105000"/>
+                <a:satMod val="103000"/>
+                <a:tint val="73000"/>
+              </a:schemeClr>
+            </a:gs>
+            <a:gs pos="100000">
+              <a:schemeClr val="phClr">
+                <a:lumMod val="105000"/>
+                <a:satMod val="109000"/>
+                <a:tint val="81000"/>
+              </a:schemeClr>
+            </a:gs>
+          </a:gsLst>
+          <a:lin ang="5400000" scaled="0"/>
+        </a:gradFill>
+        <a:gradFill rotWithShape="1">
+          <a:gsLst>
+            <a:gs pos="0">
+              <a:schemeClr val="phClr">
+                <a:satMod val="103000"/>
+                <a:lumMod val="102000"/>
+                <a:tint val="94000"/>
+              </a:schemeClr>
+            </a:gs>
+            <a:gs pos="50000">
+              <a:schemeClr val="phClr">
+                <a:satMod val="110000"/>
+                <a:lumMod val="100000"/>
+                <a:shade val="100000"/>
+              </a:schemeClr>
+            </a:gs>
+            <a:gs pos="100000">
+              <a:schemeClr val="phClr">
+                <a:lumMod val="99000"/>
+                <a:satMod val="120000"/>
+                <a:shade val="78000"/>
+              </a:schemeClr>
+            </a:gs>
+          </a:gsLst>
+          <a:lin ang="5400000" scaled="0"/>
+        </a:gradFill>
+      </a:fillStyleLst>
+      <a:lnStyleLst>
+        <a:ln w="6350" cap="flat" cmpd="sng" algn="ctr">
+          <a:solidFill>
+            <a:schemeClr val="phClr"/>
+          </a:solidFill>
+          <a:prstDash val="solid"/>
+          <a:miter lim="800000"/>
+        </a:ln>
+        <a:ln w="12700" cap="flat" cmpd="sng" algn="ctr">
+          <a:solidFill>
+            <a:schemeClr val="phClr"/>
+          </a:solidFill>
+          <a:prstDash val="solid"/>
+          <a:miter lim="800000"/>
+        </a:ln>
+        <a:ln w="19050" cap="flat" cmpd="sng" algn="ctr">
+          <a:solidFill>
+            <a:schemeClr val="phClr"/>
+          </a:solidFill>
+          <a:prstDash val="solid"/>
+          <a:miter lim="800000"/>
+        </a:ln>
+      </a:lnStyleLst>
+      <a:effectStyleLst>
+        <a:effectStyle>
+          <a:effectLst/>
+        </a:effectStyle>
+        <a:effectStyle>
+          <a:effectLst/>
+        </a:effectStyle>
+        <a:effectStyle>
+          <a:effectLst>
+            <a:outerShdw blurRad="57150" dist="19050" dir="5400000" algn="ctr" rotWithShape="0">
+              <a:srgbClr val="000000">
+                <a:alpha val="63000"/>
+              </a:srgbClr>
+            </a:outerShdw>
+          </a:effectLst>
+        </a:effectStyle>
+      </a:effectStyleLst>
+      <a:bgFillStyleLst>
+        <a:solidFill>
+          <a:schemeClr val="phClr"/>
+        </a:solidFill>
+        <a:solidFill>
+          <a:schemeClr val="phClr">
+            <a:tint val="95000"/>
+            <a:satMod val="170000"/>
+          </a:schemeClr>
+        </a:solidFill>
+        <a:gradFill rotWithShape="1">
+          <a:gsLst>
+            <a:gs pos="0">
+              <a:schemeClr val="phClr">
+                <a:tint val="93000"/>
+                <a:satMod val="150000"/>
+                <a:shade val="98000"/>
+                <a:lumMod val="102000"/>
+              </a:schemeClr>
+            </a:gs>
+            <a:gs pos="50000">
+              <a:schemeClr val="phClr">
+                <a:tint val="98000"/>
+                <a:satMod val="130000"/>
+                <a:shade val="90000"/>
+                <a:lumMod val="103000"/>
+              </a:schemeClr>
+            </a:gs>
+            <a:gs pos="100000">
+              <a:schemeClr val="phClr">
+                <a:shade val="63000"/>
+                <a:satMod val="120000"/>
+              </a:schemeClr>
+            </a:gs>
+          </a:gsLst>
+          <a:lin ang="5400000" scaled="0"/>
+        </a:gradFill>
+      </a:bgFillStyleLst>
+    </a:fmtScheme>
+  </a:themeElements>
+  <a:objectDefaults/>
+  <a:extraClrSchemeLst/>
+  <a:extLst>
+    <a:ext uri="{05A4C25C-085E-4340-85A3-A5531E510DB2}">
+      <thm15:themeFamily xmlns:thm15="http://schemas.microsoft.com/office/thememl/2012/main" name="Office Theme" id="{62F939B6-93AF-4DB8-9C6B-D6C7DFDC589F}" vid="{4A3C46E8-61CC-4603-A589-7422A47A8E4A}"/>
+    </a:ext>
+  </a:extLst>
+</a:theme>
 </file>
--- a/report/以SDR實現OTSM通訊技術.pptx
+++ b/report/以SDR實現OTSM通訊技術.pptx
@@ -4,6 +4,9 @@
   <p:sldMasterIdLst>
     <p:sldMasterId id="2147483678" r:id="rId1"/>
   </p:sldMasterIdLst>
+  <p:notesMasterIdLst>
+    <p:notesMasterId r:id="rId20"/>
+  </p:notesMasterIdLst>
   <p:sldIdLst>
     <p:sldId id="256" r:id="rId2"/>
     <p:sldId id="264" r:id="rId3"/>
@@ -18,10 +21,11 @@
     <p:sldId id="262" r:id="rId12"/>
     <p:sldId id="263" r:id="rId13"/>
     <p:sldId id="276" r:id="rId14"/>
-    <p:sldId id="277" r:id="rId15"/>
-    <p:sldId id="278" r:id="rId16"/>
-    <p:sldId id="279" r:id="rId17"/>
-    <p:sldId id="280" r:id="rId18"/>
+    <p:sldId id="285" r:id="rId15"/>
+    <p:sldId id="277" r:id="rId16"/>
+    <p:sldId id="278" r:id="rId17"/>
+    <p:sldId id="279" r:id="rId18"/>
+    <p:sldId id="280" r:id="rId19"/>
   </p:sldIdLst>
   <p:sldSz cx="12192000" cy="6858000"/>
   <p:notesSz cx="6858000" cy="9144000"/>
@@ -1800,14 +1804,35 @@
         </dgm:presLayoutVars>
       </dgm:prSet>
       <dgm:spPr/>
+      <dgm:t>
+        <a:bodyPr/>
+        <a:lstStyle/>
+        <a:p>
+          <a:endParaRPr lang="zh-TW" altLang="en-US"/>
+        </a:p>
+      </dgm:t>
     </dgm:pt>
     <dgm:pt modelId="{5DCD91DB-AEF7-4C9B-BD53-8B818AE7A5C2}" type="pres">
       <dgm:prSet presAssocID="{510E1544-9B0B-4E5E-A21A-74C154EC99BB}" presName="sibTrans" presStyleLbl="sibTrans2D1" presStyleIdx="0" presStyleCnt="2"/>
       <dgm:spPr/>
+      <dgm:t>
+        <a:bodyPr/>
+        <a:lstStyle/>
+        <a:p>
+          <a:endParaRPr lang="zh-TW" altLang="en-US"/>
+        </a:p>
+      </dgm:t>
     </dgm:pt>
     <dgm:pt modelId="{3053149E-F4D6-4274-BA65-86C7B0CA7EE2}" type="pres">
       <dgm:prSet presAssocID="{510E1544-9B0B-4E5E-A21A-74C154EC99BB}" presName="connectorText" presStyleLbl="sibTrans2D1" presStyleIdx="0" presStyleCnt="2"/>
       <dgm:spPr/>
+      <dgm:t>
+        <a:bodyPr/>
+        <a:lstStyle/>
+        <a:p>
+          <a:endParaRPr lang="zh-TW" altLang="en-US"/>
+        </a:p>
+      </dgm:t>
     </dgm:pt>
     <dgm:pt modelId="{501B0B5C-0A9B-4712-8139-5AB722F892AE}" type="pres">
       <dgm:prSet presAssocID="{2F0BB623-C310-4F34-A614-8383840D288F}" presName="node" presStyleLbl="node1" presStyleIdx="1" presStyleCnt="3">
@@ -1816,14 +1841,35 @@
         </dgm:presLayoutVars>
       </dgm:prSet>
       <dgm:spPr/>
+      <dgm:t>
+        <a:bodyPr/>
+        <a:lstStyle/>
+        <a:p>
+          <a:endParaRPr lang="zh-TW" altLang="en-US"/>
+        </a:p>
+      </dgm:t>
     </dgm:pt>
     <dgm:pt modelId="{4C06B492-B4CF-4662-994E-B742043CDBA6}" type="pres">
       <dgm:prSet presAssocID="{B3ED31B1-2659-4ACB-A056-32D27D08A6EF}" presName="sibTrans" presStyleLbl="sibTrans2D1" presStyleIdx="1" presStyleCnt="2"/>
       <dgm:spPr/>
+      <dgm:t>
+        <a:bodyPr/>
+        <a:lstStyle/>
+        <a:p>
+          <a:endParaRPr lang="zh-TW" altLang="en-US"/>
+        </a:p>
+      </dgm:t>
     </dgm:pt>
     <dgm:pt modelId="{715D3F0F-C5CB-406C-9764-737C7C1638E6}" type="pres">
       <dgm:prSet presAssocID="{B3ED31B1-2659-4ACB-A056-32D27D08A6EF}" presName="connectorText" presStyleLbl="sibTrans2D1" presStyleIdx="1" presStyleCnt="2"/>
       <dgm:spPr/>
+      <dgm:t>
+        <a:bodyPr/>
+        <a:lstStyle/>
+        <a:p>
+          <a:endParaRPr lang="zh-TW" altLang="en-US"/>
+        </a:p>
+      </dgm:t>
     </dgm:pt>
     <dgm:pt modelId="{F8307AB0-8E3F-4030-91DA-849DB5B98DC2}" type="pres">
       <dgm:prSet presAssocID="{94E5E8AF-0109-41B5-AD0E-4DA7AD85FEFD}" presName="node" presStyleLbl="node1" presStyleIdx="2" presStyleCnt="3">
@@ -1832,20 +1878,27 @@
         </dgm:presLayoutVars>
       </dgm:prSet>
       <dgm:spPr/>
+      <dgm:t>
+        <a:bodyPr/>
+        <a:lstStyle/>
+        <a:p>
+          <a:endParaRPr lang="zh-TW" altLang="en-US"/>
+        </a:p>
+      </dgm:t>
     </dgm:pt>
   </dgm:ptLst>
   <dgm:cxnLst>
-    <dgm:cxn modelId="{24755E3E-C775-4F43-94FB-4C706A911360}" type="presOf" srcId="{B3ED31B1-2659-4ACB-A056-32D27D08A6EF}" destId="{4C06B492-B4CF-4662-994E-B742043CDBA6}" srcOrd="0" destOrd="0" presId="urn:microsoft.com/office/officeart/2005/8/layout/process1"/>
+    <dgm:cxn modelId="{8F64F8E6-C469-43B5-B5E8-EC3AE35AB88C}" type="presOf" srcId="{2F0BB623-C310-4F34-A614-8383840D288F}" destId="{501B0B5C-0A9B-4712-8139-5AB722F892AE}" srcOrd="0" destOrd="0" presId="urn:microsoft.com/office/officeart/2005/8/layout/process1"/>
+    <dgm:cxn modelId="{F6F31997-62E6-4170-BF59-BE34A1A74105}" srcId="{D14C185C-1C2F-43C5-B3F7-03E2FD8DCA20}" destId="{2F0BB623-C310-4F34-A614-8383840D288F}" srcOrd="1" destOrd="0" parTransId="{7FEA6977-7515-40FE-8B46-76C8A4B4FEBC}" sibTransId="{B3ED31B1-2659-4ACB-A056-32D27D08A6EF}"/>
+    <dgm:cxn modelId="{842B5DB3-BFAF-46D0-84BB-E28431233374}" srcId="{D14C185C-1C2F-43C5-B3F7-03E2FD8DCA20}" destId="{373F3D73-4163-460C-825F-AB90F0BD274A}" srcOrd="0" destOrd="0" parTransId="{00E5234B-BC00-402C-A4DC-5B7D87217C7B}" sibTransId="{510E1544-9B0B-4E5E-A21A-74C154EC99BB}"/>
+    <dgm:cxn modelId="{FC026DDC-6B9B-4E3A-ADF6-C724CBB2F3D0}" type="presOf" srcId="{94E5E8AF-0109-41B5-AD0E-4DA7AD85FEFD}" destId="{F8307AB0-8E3F-4030-91DA-849DB5B98DC2}" srcOrd="0" destOrd="0" presId="urn:microsoft.com/office/officeart/2005/8/layout/process1"/>
     <dgm:cxn modelId="{783D2856-2CC3-47A0-AB40-5DBEC579208A}" type="presOf" srcId="{D14C185C-1C2F-43C5-B3F7-03E2FD8DCA20}" destId="{0845D703-486E-420E-9274-3700A0D2E42F}" srcOrd="0" destOrd="0" presId="urn:microsoft.com/office/officeart/2005/8/layout/process1"/>
     <dgm:cxn modelId="{ED6A0291-B8AD-4213-AF49-B17AF0DD26FB}" type="presOf" srcId="{373F3D73-4163-460C-825F-AB90F0BD274A}" destId="{2CE79DA6-23CB-40EF-B25E-2E7E21767DB0}" srcOrd="0" destOrd="0" presId="urn:microsoft.com/office/officeart/2005/8/layout/process1"/>
-    <dgm:cxn modelId="{F6F31997-62E6-4170-BF59-BE34A1A74105}" srcId="{D14C185C-1C2F-43C5-B3F7-03E2FD8DCA20}" destId="{2F0BB623-C310-4F34-A614-8383840D288F}" srcOrd="1" destOrd="0" parTransId="{7FEA6977-7515-40FE-8B46-76C8A4B4FEBC}" sibTransId="{B3ED31B1-2659-4ACB-A056-32D27D08A6EF}"/>
-    <dgm:cxn modelId="{842B5DB3-BFAF-46D0-84BB-E28431233374}" srcId="{D14C185C-1C2F-43C5-B3F7-03E2FD8DCA20}" destId="{373F3D73-4163-460C-825F-AB90F0BD274A}" srcOrd="0" destOrd="0" parTransId="{00E5234B-BC00-402C-A4DC-5B7D87217C7B}" sibTransId="{510E1544-9B0B-4E5E-A21A-74C154EC99BB}"/>
+    <dgm:cxn modelId="{CCD4CFC3-8CB9-4BD5-B289-EB24AA63AAFC}" type="presOf" srcId="{510E1544-9B0B-4E5E-A21A-74C154EC99BB}" destId="{5DCD91DB-AEF7-4C9B-BD53-8B818AE7A5C2}" srcOrd="0" destOrd="0" presId="urn:microsoft.com/office/officeart/2005/8/layout/process1"/>
+    <dgm:cxn modelId="{D1F5C7F5-FF31-49AC-8A04-274782995C75}" type="presOf" srcId="{510E1544-9B0B-4E5E-A21A-74C154EC99BB}" destId="{3053149E-F4D6-4274-BA65-86C7B0CA7EE2}" srcOrd="1" destOrd="0" presId="urn:microsoft.com/office/officeart/2005/8/layout/process1"/>
+    <dgm:cxn modelId="{24755E3E-C775-4F43-94FB-4C706A911360}" type="presOf" srcId="{B3ED31B1-2659-4ACB-A056-32D27D08A6EF}" destId="{4C06B492-B4CF-4662-994E-B742043CDBA6}" srcOrd="0" destOrd="0" presId="urn:microsoft.com/office/officeart/2005/8/layout/process1"/>
     <dgm:cxn modelId="{F0E147BA-BB1F-4975-8167-3A41330F994E}" type="presOf" srcId="{B3ED31B1-2659-4ACB-A056-32D27D08A6EF}" destId="{715D3F0F-C5CB-406C-9764-737C7C1638E6}" srcOrd="1" destOrd="0" presId="urn:microsoft.com/office/officeart/2005/8/layout/process1"/>
-    <dgm:cxn modelId="{CCD4CFC3-8CB9-4BD5-B289-EB24AA63AAFC}" type="presOf" srcId="{510E1544-9B0B-4E5E-A21A-74C154EC99BB}" destId="{5DCD91DB-AEF7-4C9B-BD53-8B818AE7A5C2}" srcOrd="0" destOrd="0" presId="urn:microsoft.com/office/officeart/2005/8/layout/process1"/>
     <dgm:cxn modelId="{18AB6BD2-D883-4837-90CD-D004B6890F8F}" srcId="{D14C185C-1C2F-43C5-B3F7-03E2FD8DCA20}" destId="{94E5E8AF-0109-41B5-AD0E-4DA7AD85FEFD}" srcOrd="2" destOrd="0" parTransId="{4B4731E8-B722-4A8D-879D-71D770D64E16}" sibTransId="{5EDB3883-65F1-43C5-B2B6-715EFF19ECC3}"/>
-    <dgm:cxn modelId="{FC026DDC-6B9B-4E3A-ADF6-C724CBB2F3D0}" type="presOf" srcId="{94E5E8AF-0109-41B5-AD0E-4DA7AD85FEFD}" destId="{F8307AB0-8E3F-4030-91DA-849DB5B98DC2}" srcOrd="0" destOrd="0" presId="urn:microsoft.com/office/officeart/2005/8/layout/process1"/>
-    <dgm:cxn modelId="{8F64F8E6-C469-43B5-B5E8-EC3AE35AB88C}" type="presOf" srcId="{2F0BB623-C310-4F34-A614-8383840D288F}" destId="{501B0B5C-0A9B-4712-8139-5AB722F892AE}" srcOrd="0" destOrd="0" presId="urn:microsoft.com/office/officeart/2005/8/layout/process1"/>
-    <dgm:cxn modelId="{D1F5C7F5-FF31-49AC-8A04-274782995C75}" type="presOf" srcId="{510E1544-9B0B-4E5E-A21A-74C154EC99BB}" destId="{3053149E-F4D6-4274-BA65-86C7B0CA7EE2}" srcOrd="1" destOrd="0" presId="urn:microsoft.com/office/officeart/2005/8/layout/process1"/>
     <dgm:cxn modelId="{FAFBA5ED-5A37-4064-B4A2-75A971CC3268}" type="presParOf" srcId="{0845D703-486E-420E-9274-3700A0D2E42F}" destId="{2CE79DA6-23CB-40EF-B25E-2E7E21767DB0}" srcOrd="0" destOrd="0" presId="urn:microsoft.com/office/officeart/2005/8/layout/process1"/>
     <dgm:cxn modelId="{B192C275-C3F4-4265-AADD-2C1838C8AD5A}" type="presParOf" srcId="{0845D703-486E-420E-9274-3700A0D2E42F}" destId="{5DCD91DB-AEF7-4C9B-BD53-8B818AE7A5C2}" srcOrd="1" destOrd="0" presId="urn:microsoft.com/office/officeart/2005/8/layout/process1"/>
     <dgm:cxn modelId="{96819B01-F420-4E26-A327-E989DB4F7FB8}" type="presParOf" srcId="{5DCD91DB-AEF7-4C9B-BD53-8B818AE7A5C2}" destId="{3053149E-F4D6-4274-BA65-86C7B0CA7EE2}" srcOrd="0" destOrd="0" presId="urn:microsoft.com/office/officeart/2005/8/layout/process1"/>
@@ -2186,6 +2239,13 @@
         </dgm:presLayoutVars>
       </dgm:prSet>
       <dgm:spPr/>
+      <dgm:t>
+        <a:bodyPr/>
+        <a:lstStyle/>
+        <a:p>
+          <a:endParaRPr lang="zh-TW" altLang="en-US"/>
+        </a:p>
+      </dgm:t>
     </dgm:pt>
     <dgm:pt modelId="{37CC57EE-2C61-4BEF-8871-3338219A9556}" type="pres">
       <dgm:prSet presAssocID="{3841A661-9951-4A9C-BD92-1E214ED1A7F1}" presName="node" presStyleLbl="node1" presStyleIdx="0" presStyleCnt="5">
@@ -2194,14 +2254,35 @@
         </dgm:presLayoutVars>
       </dgm:prSet>
       <dgm:spPr/>
+      <dgm:t>
+        <a:bodyPr/>
+        <a:lstStyle/>
+        <a:p>
+          <a:endParaRPr lang="zh-TW" altLang="en-US"/>
+        </a:p>
+      </dgm:t>
     </dgm:pt>
     <dgm:pt modelId="{602DA743-6056-422D-BD95-2E982C8777E3}" type="pres">
       <dgm:prSet presAssocID="{756101F8-E74F-47A0-88AA-37478E1324E3}" presName="sibTrans" presStyleLbl="sibTrans2D1" presStyleIdx="0" presStyleCnt="4"/>
       <dgm:spPr/>
+      <dgm:t>
+        <a:bodyPr/>
+        <a:lstStyle/>
+        <a:p>
+          <a:endParaRPr lang="zh-TW" altLang="en-US"/>
+        </a:p>
+      </dgm:t>
     </dgm:pt>
     <dgm:pt modelId="{36B23BB1-5C80-41D3-B5C8-95A6DF48DBB3}" type="pres">
       <dgm:prSet presAssocID="{756101F8-E74F-47A0-88AA-37478E1324E3}" presName="connectorText" presStyleLbl="sibTrans2D1" presStyleIdx="0" presStyleCnt="4"/>
       <dgm:spPr/>
+      <dgm:t>
+        <a:bodyPr/>
+        <a:lstStyle/>
+        <a:p>
+          <a:endParaRPr lang="zh-TW" altLang="en-US"/>
+        </a:p>
+      </dgm:t>
     </dgm:pt>
     <dgm:pt modelId="{7B16F990-18B9-4D6C-B176-426070597CF8}" type="pres">
       <dgm:prSet presAssocID="{4DE45646-C300-4293-898A-FF022B7A8FEC}" presName="node" presStyleLbl="node1" presStyleIdx="1" presStyleCnt="5">
@@ -2210,14 +2291,35 @@
         </dgm:presLayoutVars>
       </dgm:prSet>
       <dgm:spPr/>
+      <dgm:t>
+        <a:bodyPr/>
+        <a:lstStyle/>
+        <a:p>
+          <a:endParaRPr lang="zh-TW" altLang="en-US"/>
+        </a:p>
+      </dgm:t>
     </dgm:pt>
     <dgm:pt modelId="{3C52E922-05C7-42AA-9176-FEB57B8A5680}" type="pres">
       <dgm:prSet presAssocID="{D93979BF-3656-4712-9F7E-DB6980D33465}" presName="sibTrans" presStyleLbl="sibTrans2D1" presStyleIdx="1" presStyleCnt="4"/>
       <dgm:spPr/>
+      <dgm:t>
+        <a:bodyPr/>
+        <a:lstStyle/>
+        <a:p>
+          <a:endParaRPr lang="zh-TW" altLang="en-US"/>
+        </a:p>
+      </dgm:t>
     </dgm:pt>
     <dgm:pt modelId="{D7B2C42D-DBB1-487C-9662-09FCC8DF404A}" type="pres">
       <dgm:prSet presAssocID="{D93979BF-3656-4712-9F7E-DB6980D33465}" presName="connectorText" presStyleLbl="sibTrans2D1" presStyleIdx="1" presStyleCnt="4"/>
       <dgm:spPr/>
+      <dgm:t>
+        <a:bodyPr/>
+        <a:lstStyle/>
+        <a:p>
+          <a:endParaRPr lang="zh-TW" altLang="en-US"/>
+        </a:p>
+      </dgm:t>
     </dgm:pt>
     <dgm:pt modelId="{76F565FD-B22D-4E20-9E68-6737A94684D0}" type="pres">
       <dgm:prSet presAssocID="{9842FACB-53DA-4024-B6CB-EE11C52C5FCF}" presName="node" presStyleLbl="node1" presStyleIdx="2" presStyleCnt="5">
@@ -2226,14 +2328,35 @@
         </dgm:presLayoutVars>
       </dgm:prSet>
       <dgm:spPr/>
+      <dgm:t>
+        <a:bodyPr/>
+        <a:lstStyle/>
+        <a:p>
+          <a:endParaRPr lang="zh-TW" altLang="en-US"/>
+        </a:p>
+      </dgm:t>
     </dgm:pt>
     <dgm:pt modelId="{AA43AFA9-0BE9-488E-8186-653D69342068}" type="pres">
       <dgm:prSet presAssocID="{47A42E82-F7B5-4BA3-BE5D-5AC65D518851}" presName="sibTrans" presStyleLbl="sibTrans2D1" presStyleIdx="2" presStyleCnt="4"/>
       <dgm:spPr/>
+      <dgm:t>
+        <a:bodyPr/>
+        <a:lstStyle/>
+        <a:p>
+          <a:endParaRPr lang="zh-TW" altLang="en-US"/>
+        </a:p>
+      </dgm:t>
     </dgm:pt>
     <dgm:pt modelId="{8BCFD47B-7865-4BED-9116-37430C496C9D}" type="pres">
       <dgm:prSet presAssocID="{47A42E82-F7B5-4BA3-BE5D-5AC65D518851}" presName="connectorText" presStyleLbl="sibTrans2D1" presStyleIdx="2" presStyleCnt="4"/>
       <dgm:spPr/>
+      <dgm:t>
+        <a:bodyPr/>
+        <a:lstStyle/>
+        <a:p>
+          <a:endParaRPr lang="zh-TW" altLang="en-US"/>
+        </a:p>
+      </dgm:t>
     </dgm:pt>
     <dgm:pt modelId="{70F605AD-AA30-4AD0-B005-7FFA52A1F50A}" type="pres">
       <dgm:prSet presAssocID="{FEDA3F26-01B6-4969-A114-7ABFAEE737C7}" presName="node" presStyleLbl="node1" presStyleIdx="3" presStyleCnt="5">
@@ -2242,14 +2365,35 @@
         </dgm:presLayoutVars>
       </dgm:prSet>
       <dgm:spPr/>
+      <dgm:t>
+        <a:bodyPr/>
+        <a:lstStyle/>
+        <a:p>
+          <a:endParaRPr lang="zh-TW" altLang="en-US"/>
+        </a:p>
+      </dgm:t>
     </dgm:pt>
     <dgm:pt modelId="{F899D3A4-AACE-4351-8D2B-C90711F51E1E}" type="pres">
       <dgm:prSet presAssocID="{16550F19-24CF-4ABC-B1CC-FECB27126818}" presName="sibTrans" presStyleLbl="sibTrans2D1" presStyleIdx="3" presStyleCnt="4"/>
       <dgm:spPr/>
+      <dgm:t>
+        <a:bodyPr/>
+        <a:lstStyle/>
+        <a:p>
+          <a:endParaRPr lang="zh-TW" altLang="en-US"/>
+        </a:p>
+      </dgm:t>
     </dgm:pt>
     <dgm:pt modelId="{45E6E406-7772-448A-A05E-CD78783E8157}" type="pres">
       <dgm:prSet presAssocID="{16550F19-24CF-4ABC-B1CC-FECB27126818}" presName="connectorText" presStyleLbl="sibTrans2D1" presStyleIdx="3" presStyleCnt="4"/>
       <dgm:spPr/>
+      <dgm:t>
+        <a:bodyPr/>
+        <a:lstStyle/>
+        <a:p>
+          <a:endParaRPr lang="zh-TW" altLang="en-US"/>
+        </a:p>
+      </dgm:t>
     </dgm:pt>
     <dgm:pt modelId="{0F5CAC29-7CB1-4849-BDCB-86C230AA7034}" type="pres">
       <dgm:prSet presAssocID="{793924AF-61E2-402A-99A0-C3B3E57342F2}" presName="node" presStyleLbl="node1" presStyleIdx="4" presStyleCnt="5">
@@ -2258,28 +2402,35 @@
         </dgm:presLayoutVars>
       </dgm:prSet>
       <dgm:spPr/>
+      <dgm:t>
+        <a:bodyPr/>
+        <a:lstStyle/>
+        <a:p>
+          <a:endParaRPr lang="zh-TW" altLang="en-US"/>
+        </a:p>
+      </dgm:t>
     </dgm:pt>
   </dgm:ptLst>
   <dgm:cxnLst>
-    <dgm:cxn modelId="{BB3B5000-0AA1-4675-8502-1A5E60CFD19F}" type="presOf" srcId="{FDABFBC2-1BFD-4076-A05A-6C7F934E68D7}" destId="{72CC2932-FA6E-49B1-8F27-F0B21286E949}" srcOrd="0" destOrd="0" presId="urn:microsoft.com/office/officeart/2005/8/layout/process1"/>
+    <dgm:cxn modelId="{30BE2351-8689-4EC5-AF2E-B7E46AC2636C}" srcId="{FDABFBC2-1BFD-4076-A05A-6C7F934E68D7}" destId="{793924AF-61E2-402A-99A0-C3B3E57342F2}" srcOrd="4" destOrd="0" parTransId="{63A9F1FB-F697-4CA3-9B26-79F1BC32AF6F}" sibTransId="{44D9DA1C-167F-4B0B-B2B6-B05705FA3443}"/>
+    <dgm:cxn modelId="{058ED1C2-8409-4DF6-840A-23940991EEBF}" type="presOf" srcId="{47A42E82-F7B5-4BA3-BE5D-5AC65D518851}" destId="{8BCFD47B-7865-4BED-9116-37430C496C9D}" srcOrd="1" destOrd="0" presId="urn:microsoft.com/office/officeart/2005/8/layout/process1"/>
+    <dgm:cxn modelId="{30F8D8AE-C9E3-4CFE-994A-4830256C8B51}" type="presOf" srcId="{3841A661-9951-4A9C-BD92-1E214ED1A7F1}" destId="{37CC57EE-2C61-4BEF-8871-3338219A9556}" srcOrd="0" destOrd="0" presId="urn:microsoft.com/office/officeart/2005/8/layout/process1"/>
+    <dgm:cxn modelId="{84FE14D8-3BCF-47F6-B85F-2E8574712243}" srcId="{FDABFBC2-1BFD-4076-A05A-6C7F934E68D7}" destId="{9842FACB-53DA-4024-B6CB-EE11C52C5FCF}" srcOrd="2" destOrd="0" parTransId="{2BFEF379-1AD1-4288-81DA-34236DD15E7F}" sibTransId="{47A42E82-F7B5-4BA3-BE5D-5AC65D518851}"/>
+    <dgm:cxn modelId="{367FA860-0927-4193-99CC-915BA076983B}" type="presOf" srcId="{756101F8-E74F-47A0-88AA-37478E1324E3}" destId="{36B23BB1-5C80-41D3-B5C8-95A6DF48DBB3}" srcOrd="1" destOrd="0" presId="urn:microsoft.com/office/officeart/2005/8/layout/process1"/>
+    <dgm:cxn modelId="{5C9862F8-7806-4F17-B72E-02FE8EB139DB}" srcId="{FDABFBC2-1BFD-4076-A05A-6C7F934E68D7}" destId="{4DE45646-C300-4293-898A-FF022B7A8FEC}" srcOrd="1" destOrd="0" parTransId="{1CF0C8C9-4439-4D14-BC06-CA919B69D58B}" sibTransId="{D93979BF-3656-4712-9F7E-DB6980D33465}"/>
+    <dgm:cxn modelId="{0923B7DE-459B-4935-A243-854C5AA76C90}" type="presOf" srcId="{D93979BF-3656-4712-9F7E-DB6980D33465}" destId="{D7B2C42D-DBB1-487C-9662-09FCC8DF404A}" srcOrd="1" destOrd="0" presId="urn:microsoft.com/office/officeart/2005/8/layout/process1"/>
     <dgm:cxn modelId="{055FCD29-F5FA-490F-B406-E005660A5F8B}" type="presOf" srcId="{756101F8-E74F-47A0-88AA-37478E1324E3}" destId="{602DA743-6056-422D-BD95-2E982C8777E3}" srcOrd="0" destOrd="0" presId="urn:microsoft.com/office/officeart/2005/8/layout/process1"/>
+    <dgm:cxn modelId="{FB0CF2B4-D2D7-4A36-9B81-83F508F22C6E}" type="presOf" srcId="{16550F19-24CF-4ABC-B1CC-FECB27126818}" destId="{F899D3A4-AACE-4351-8D2B-C90711F51E1E}" srcOrd="0" destOrd="0" presId="urn:microsoft.com/office/officeart/2005/8/layout/process1"/>
+    <dgm:cxn modelId="{9D5EFDC8-C6A0-4F0A-81F9-B42EA3BDE570}" srcId="{FDABFBC2-1BFD-4076-A05A-6C7F934E68D7}" destId="{3841A661-9951-4A9C-BD92-1E214ED1A7F1}" srcOrd="0" destOrd="0" parTransId="{3F532559-3F70-495C-9B87-F9D9578E35F3}" sibTransId="{756101F8-E74F-47A0-88AA-37478E1324E3}"/>
+    <dgm:cxn modelId="{43F93158-FD52-4F0C-8F3B-C4C77B650101}" type="presOf" srcId="{FEDA3F26-01B6-4969-A114-7ABFAEE737C7}" destId="{70F605AD-AA30-4AD0-B005-7FFA52A1F50A}" srcOrd="0" destOrd="0" presId="urn:microsoft.com/office/officeart/2005/8/layout/process1"/>
     <dgm:cxn modelId="{1BE2D033-BC5E-4C7F-9558-949D151FFC1C}" type="presOf" srcId="{9842FACB-53DA-4024-B6CB-EE11C52C5FCF}" destId="{76F565FD-B22D-4E20-9E68-6737A94684D0}" srcOrd="0" destOrd="0" presId="urn:microsoft.com/office/officeart/2005/8/layout/process1"/>
-    <dgm:cxn modelId="{367FA860-0927-4193-99CC-915BA076983B}" type="presOf" srcId="{756101F8-E74F-47A0-88AA-37478E1324E3}" destId="{36B23BB1-5C80-41D3-B5C8-95A6DF48DBB3}" srcOrd="1" destOrd="0" presId="urn:microsoft.com/office/officeart/2005/8/layout/process1"/>
+    <dgm:cxn modelId="{CEB39990-B409-400E-B30A-F60714DCAC0A}" type="presOf" srcId="{47A42E82-F7B5-4BA3-BE5D-5AC65D518851}" destId="{AA43AFA9-0BE9-488E-8186-653D69342068}" srcOrd="0" destOrd="0" presId="urn:microsoft.com/office/officeart/2005/8/layout/process1"/>
     <dgm:cxn modelId="{C324BC62-A247-40ED-B23F-366217496CDA}" type="presOf" srcId="{D93979BF-3656-4712-9F7E-DB6980D33465}" destId="{3C52E922-05C7-42AA-9176-FEB57B8A5680}" srcOrd="0" destOrd="0" presId="urn:microsoft.com/office/officeart/2005/8/layout/process1"/>
     <dgm:cxn modelId="{F9DE8870-FAC2-4655-990C-BD5C32A73D7B}" srcId="{FDABFBC2-1BFD-4076-A05A-6C7F934E68D7}" destId="{FEDA3F26-01B6-4969-A114-7ABFAEE737C7}" srcOrd="3" destOrd="0" parTransId="{CDF14BF9-343D-46A4-BE7B-0D95D9B8F5EE}" sibTransId="{16550F19-24CF-4ABC-B1CC-FECB27126818}"/>
-    <dgm:cxn modelId="{30BE2351-8689-4EC5-AF2E-B7E46AC2636C}" srcId="{FDABFBC2-1BFD-4076-A05A-6C7F934E68D7}" destId="{793924AF-61E2-402A-99A0-C3B3E57342F2}" srcOrd="4" destOrd="0" parTransId="{63A9F1FB-F697-4CA3-9B26-79F1BC32AF6F}" sibTransId="{44D9DA1C-167F-4B0B-B2B6-B05705FA3443}"/>
-    <dgm:cxn modelId="{43F93158-FD52-4F0C-8F3B-C4C77B650101}" type="presOf" srcId="{FEDA3F26-01B6-4969-A114-7ABFAEE737C7}" destId="{70F605AD-AA30-4AD0-B005-7FFA52A1F50A}" srcOrd="0" destOrd="0" presId="urn:microsoft.com/office/officeart/2005/8/layout/process1"/>
+    <dgm:cxn modelId="{A08693A2-F7D1-4A1A-BB98-1698B0328EAD}" type="presOf" srcId="{793924AF-61E2-402A-99A0-C3B3E57342F2}" destId="{0F5CAC29-7CB1-4849-BDCB-86C230AA7034}" srcOrd="0" destOrd="0" presId="urn:microsoft.com/office/officeart/2005/8/layout/process1"/>
     <dgm:cxn modelId="{A524AA80-A41F-414D-B3DE-7CB57D2A7583}" type="presOf" srcId="{16550F19-24CF-4ABC-B1CC-FECB27126818}" destId="{45E6E406-7772-448A-A05E-CD78783E8157}" srcOrd="1" destOrd="0" presId="urn:microsoft.com/office/officeart/2005/8/layout/process1"/>
-    <dgm:cxn modelId="{CEB39990-B409-400E-B30A-F60714DCAC0A}" type="presOf" srcId="{47A42E82-F7B5-4BA3-BE5D-5AC65D518851}" destId="{AA43AFA9-0BE9-488E-8186-653D69342068}" srcOrd="0" destOrd="0" presId="urn:microsoft.com/office/officeart/2005/8/layout/process1"/>
-    <dgm:cxn modelId="{A08693A2-F7D1-4A1A-BB98-1698B0328EAD}" type="presOf" srcId="{793924AF-61E2-402A-99A0-C3B3E57342F2}" destId="{0F5CAC29-7CB1-4849-BDCB-86C230AA7034}" srcOrd="0" destOrd="0" presId="urn:microsoft.com/office/officeart/2005/8/layout/process1"/>
-    <dgm:cxn modelId="{30F8D8AE-C9E3-4CFE-994A-4830256C8B51}" type="presOf" srcId="{3841A661-9951-4A9C-BD92-1E214ED1A7F1}" destId="{37CC57EE-2C61-4BEF-8871-3338219A9556}" srcOrd="0" destOrd="0" presId="urn:microsoft.com/office/officeart/2005/8/layout/process1"/>
-    <dgm:cxn modelId="{FB0CF2B4-D2D7-4A36-9B81-83F508F22C6E}" type="presOf" srcId="{16550F19-24CF-4ABC-B1CC-FECB27126818}" destId="{F899D3A4-AACE-4351-8D2B-C90711F51E1E}" srcOrd="0" destOrd="0" presId="urn:microsoft.com/office/officeart/2005/8/layout/process1"/>
-    <dgm:cxn modelId="{058ED1C2-8409-4DF6-840A-23940991EEBF}" type="presOf" srcId="{47A42E82-F7B5-4BA3-BE5D-5AC65D518851}" destId="{8BCFD47B-7865-4BED-9116-37430C496C9D}" srcOrd="1" destOrd="0" presId="urn:microsoft.com/office/officeart/2005/8/layout/process1"/>
-    <dgm:cxn modelId="{9D5EFDC8-C6A0-4F0A-81F9-B42EA3BDE570}" srcId="{FDABFBC2-1BFD-4076-A05A-6C7F934E68D7}" destId="{3841A661-9951-4A9C-BD92-1E214ED1A7F1}" srcOrd="0" destOrd="0" parTransId="{3F532559-3F70-495C-9B87-F9D9578E35F3}" sibTransId="{756101F8-E74F-47A0-88AA-37478E1324E3}"/>
-    <dgm:cxn modelId="{84FE14D8-3BCF-47F6-B85F-2E8574712243}" srcId="{FDABFBC2-1BFD-4076-A05A-6C7F934E68D7}" destId="{9842FACB-53DA-4024-B6CB-EE11C52C5FCF}" srcOrd="2" destOrd="0" parTransId="{2BFEF379-1AD1-4288-81DA-34236DD15E7F}" sibTransId="{47A42E82-F7B5-4BA3-BE5D-5AC65D518851}"/>
-    <dgm:cxn modelId="{0923B7DE-459B-4935-A243-854C5AA76C90}" type="presOf" srcId="{D93979BF-3656-4712-9F7E-DB6980D33465}" destId="{D7B2C42D-DBB1-487C-9662-09FCC8DF404A}" srcOrd="1" destOrd="0" presId="urn:microsoft.com/office/officeart/2005/8/layout/process1"/>
     <dgm:cxn modelId="{622786F3-EFC3-4D32-BEC0-99F5A752EA66}" type="presOf" srcId="{4DE45646-C300-4293-898A-FF022B7A8FEC}" destId="{7B16F990-18B9-4D6C-B176-426070597CF8}" srcOrd="0" destOrd="0" presId="urn:microsoft.com/office/officeart/2005/8/layout/process1"/>
-    <dgm:cxn modelId="{5C9862F8-7806-4F17-B72E-02FE8EB139DB}" srcId="{FDABFBC2-1BFD-4076-A05A-6C7F934E68D7}" destId="{4DE45646-C300-4293-898A-FF022B7A8FEC}" srcOrd="1" destOrd="0" parTransId="{1CF0C8C9-4439-4D14-BC06-CA919B69D58B}" sibTransId="{D93979BF-3656-4712-9F7E-DB6980D33465}"/>
+    <dgm:cxn modelId="{BB3B5000-0AA1-4675-8502-1A5E60CFD19F}" type="presOf" srcId="{FDABFBC2-1BFD-4076-A05A-6C7F934E68D7}" destId="{72CC2932-FA6E-49B1-8F27-F0B21286E949}" srcOrd="0" destOrd="0" presId="urn:microsoft.com/office/officeart/2005/8/layout/process1"/>
     <dgm:cxn modelId="{9328D5E6-5E6D-4757-964E-D6CBD3284DFA}" type="presParOf" srcId="{72CC2932-FA6E-49B1-8F27-F0B21286E949}" destId="{37CC57EE-2C61-4BEF-8871-3338219A9556}" srcOrd="0" destOrd="0" presId="urn:microsoft.com/office/officeart/2005/8/layout/process1"/>
     <dgm:cxn modelId="{8A906B85-32A7-46E4-9634-0FC34A7C09B0}" type="presParOf" srcId="{72CC2932-FA6E-49B1-8F27-F0B21286E949}" destId="{602DA743-6056-422D-BD95-2E982C8777E3}" srcOrd="1" destOrd="0" presId="urn:microsoft.com/office/officeart/2005/8/layout/process1"/>
     <dgm:cxn modelId="{9759ECC1-F92A-4ADC-B7AB-DB2CF3327DDE}" type="presParOf" srcId="{602DA743-6056-422D-BD95-2E982C8777E3}" destId="{36B23BB1-5C80-41D3-B5C8-95A6DF48DBB3}" srcOrd="0" destOrd="0" presId="urn:microsoft.com/office/officeart/2005/8/layout/process1"/>
@@ -2359,7 +2510,7 @@
         </a:bodyPr>
         <a:lstStyle/>
         <a:p>
-          <a:pPr marL="0" lvl="0" indent="0" algn="ctr" defTabSz="1200150">
+          <a:pPr lvl="0" algn="ctr" defTabSz="1200150">
             <a:lnSpc>
               <a:spcPct val="90000"/>
             </a:lnSpc>
@@ -2369,7 +2520,6 @@
             <a:spcAft>
               <a:spcPct val="35000"/>
             </a:spcAft>
-            <a:buNone/>
           </a:pPr>
           <a:r>
             <a:rPr lang="zh-TW" altLang="en-US" sz="2700" kern="1200" dirty="0">
@@ -2436,7 +2586,7 @@
         </a:bodyPr>
         <a:lstStyle/>
         <a:p>
-          <a:pPr marL="0" lvl="0" indent="0" algn="ctr" defTabSz="977900">
+          <a:pPr lvl="0" algn="ctr" defTabSz="977900">
             <a:lnSpc>
               <a:spcPct val="90000"/>
             </a:lnSpc>
@@ -2446,7 +2596,6 @@
             <a:spcAft>
               <a:spcPct val="35000"/>
             </a:spcAft>
-            <a:buNone/>
           </a:pPr>
           <a:endParaRPr lang="zh-TW" altLang="en-US" sz="2200" kern="1200"/>
         </a:p>
@@ -2503,7 +2652,7 @@
         </a:bodyPr>
         <a:lstStyle/>
         <a:p>
-          <a:pPr marL="0" lvl="0" indent="0" algn="ctr" defTabSz="1200150">
+          <a:pPr lvl="0" algn="ctr" defTabSz="1200150">
             <a:lnSpc>
               <a:spcPct val="90000"/>
             </a:lnSpc>
@@ -2513,7 +2662,6 @@
             <a:spcAft>
               <a:spcPct val="35000"/>
             </a:spcAft>
-            <a:buNone/>
           </a:pPr>
           <a:r>
             <a:rPr lang="zh-TW" altLang="en-US" sz="2700" kern="1200" dirty="0">
@@ -2580,7 +2728,7 @@
         </a:bodyPr>
         <a:lstStyle/>
         <a:p>
-          <a:pPr marL="0" lvl="0" indent="0" algn="ctr" defTabSz="977900">
+          <a:pPr lvl="0" algn="ctr" defTabSz="977900">
             <a:lnSpc>
               <a:spcPct val="90000"/>
             </a:lnSpc>
@@ -2590,7 +2738,6 @@
             <a:spcAft>
               <a:spcPct val="35000"/>
             </a:spcAft>
-            <a:buNone/>
           </a:pPr>
           <a:endParaRPr lang="zh-TW" altLang="en-US" sz="2200" kern="1200"/>
         </a:p>
@@ -2647,7 +2794,7 @@
         </a:bodyPr>
         <a:lstStyle/>
         <a:p>
-          <a:pPr marL="0" lvl="0" indent="0" algn="ctr" defTabSz="1200150">
+          <a:pPr lvl="0" algn="ctr" defTabSz="1200150">
             <a:lnSpc>
               <a:spcPct val="90000"/>
             </a:lnSpc>
@@ -2657,7 +2804,6 @@
             <a:spcAft>
               <a:spcPct val="35000"/>
             </a:spcAft>
-            <a:buNone/>
           </a:pPr>
           <a:r>
             <a:rPr lang="en-US" altLang="zh-TW" sz="2700" kern="1200" dirty="0">
@@ -2737,7 +2883,7 @@
         </a:bodyPr>
         <a:lstStyle/>
         <a:p>
-          <a:pPr marL="0" lvl="0" indent="0" algn="ctr" defTabSz="800100">
+          <a:pPr lvl="0" algn="ctr" defTabSz="800100">
             <a:lnSpc>
               <a:spcPct val="90000"/>
             </a:lnSpc>
@@ -2747,7 +2893,6 @@
             <a:spcAft>
               <a:spcPct val="35000"/>
             </a:spcAft>
-            <a:buNone/>
           </a:pPr>
           <a:r>
             <a:rPr lang="zh-TW" altLang="en-US" sz="1800" b="0" kern="1200" dirty="0">
@@ -2816,7 +2961,7 @@
         </a:bodyPr>
         <a:lstStyle/>
         <a:p>
-          <a:pPr marL="0" lvl="0" indent="0" algn="ctr" defTabSz="755650">
+          <a:pPr lvl="0" algn="ctr" defTabSz="755650">
             <a:lnSpc>
               <a:spcPct val="90000"/>
             </a:lnSpc>
@@ -2826,7 +2971,6 @@
             <a:spcAft>
               <a:spcPct val="35000"/>
             </a:spcAft>
-            <a:buNone/>
           </a:pPr>
           <a:endParaRPr lang="zh-TW" altLang="en-US" sz="1700" kern="1200"/>
         </a:p>
@@ -2882,7 +3026,7 @@
         </a:bodyPr>
         <a:lstStyle/>
         <a:p>
-          <a:pPr marL="0" lvl="0" indent="0" algn="ctr" defTabSz="933450">
+          <a:pPr lvl="0" algn="ctr" defTabSz="933450">
             <a:lnSpc>
               <a:spcPct val="90000"/>
             </a:lnSpc>
@@ -2892,7 +3036,6 @@
             <a:spcAft>
               <a:spcPct val="35000"/>
             </a:spcAft>
-            <a:buNone/>
           </a:pPr>
           <a:r>
             <a:rPr lang="zh-TW" altLang="en-US" sz="2100" kern="1200" dirty="0">
@@ -2958,7 +3101,7 @@
         </a:bodyPr>
         <a:lstStyle/>
         <a:p>
-          <a:pPr marL="0" lvl="0" indent="0" algn="ctr" defTabSz="755650">
+          <a:pPr lvl="0" algn="ctr" defTabSz="755650">
             <a:lnSpc>
               <a:spcPct val="90000"/>
             </a:lnSpc>
@@ -2968,7 +3111,6 @@
             <a:spcAft>
               <a:spcPct val="35000"/>
             </a:spcAft>
-            <a:buNone/>
           </a:pPr>
           <a:endParaRPr lang="zh-TW" altLang="en-US" sz="1700" kern="1200"/>
         </a:p>
@@ -3024,7 +3166,7 @@
         </a:bodyPr>
         <a:lstStyle/>
         <a:p>
-          <a:pPr marL="0" lvl="0" indent="0" algn="ctr" defTabSz="933450">
+          <a:pPr lvl="0" algn="ctr" defTabSz="933450">
             <a:lnSpc>
               <a:spcPct val="90000"/>
             </a:lnSpc>
@@ -3034,7 +3176,6 @@
             <a:spcAft>
               <a:spcPct val="35000"/>
             </a:spcAft>
-            <a:buNone/>
           </a:pPr>
           <a:r>
             <a:rPr lang="zh-TW" altLang="en-US" sz="2100" kern="1200" dirty="0">
@@ -3100,7 +3241,7 @@
         </a:bodyPr>
         <a:lstStyle/>
         <a:p>
-          <a:pPr marL="0" lvl="0" indent="0" algn="ctr" defTabSz="755650">
+          <a:pPr lvl="0" algn="ctr" defTabSz="755650">
             <a:lnSpc>
               <a:spcPct val="90000"/>
             </a:lnSpc>
@@ -3110,7 +3251,6 @@
             <a:spcAft>
               <a:spcPct val="35000"/>
             </a:spcAft>
-            <a:buNone/>
           </a:pPr>
           <a:endParaRPr lang="zh-TW" altLang="en-US" sz="1700" kern="1200"/>
         </a:p>
@@ -3166,7 +3306,7 @@
         </a:bodyPr>
         <a:lstStyle/>
         <a:p>
-          <a:pPr marL="0" lvl="0" indent="0" algn="ctr" defTabSz="933450">
+          <a:pPr lvl="0" algn="ctr" defTabSz="933450">
             <a:lnSpc>
               <a:spcPct val="90000"/>
             </a:lnSpc>
@@ -3176,7 +3316,6 @@
             <a:spcAft>
               <a:spcPct val="35000"/>
             </a:spcAft>
-            <a:buNone/>
           </a:pPr>
           <a:r>
             <a:rPr lang="zh-TW" altLang="en-US" sz="2100" b="0" i="0" kern="1200" dirty="0">
@@ -3246,7 +3385,7 @@
         </a:bodyPr>
         <a:lstStyle/>
         <a:p>
-          <a:pPr marL="0" lvl="0" indent="0" algn="ctr" defTabSz="755650">
+          <a:pPr lvl="0" algn="ctr" defTabSz="755650">
             <a:lnSpc>
               <a:spcPct val="90000"/>
             </a:lnSpc>
@@ -3256,7 +3395,6 @@
             <a:spcAft>
               <a:spcPct val="35000"/>
             </a:spcAft>
-            <a:buNone/>
           </a:pPr>
           <a:endParaRPr lang="zh-TW" altLang="en-US" sz="1700" kern="1200"/>
         </a:p>
@@ -3312,7 +3450,7 @@
         </a:bodyPr>
         <a:lstStyle/>
         <a:p>
-          <a:pPr marL="0" lvl="0" indent="0" algn="ctr" defTabSz="933450">
+          <a:pPr lvl="0" algn="ctr" defTabSz="933450">
             <a:lnSpc>
               <a:spcPct val="90000"/>
             </a:lnSpc>
@@ -3322,7 +3460,6 @@
             <a:spcAft>
               <a:spcPct val="35000"/>
             </a:spcAft>
-            <a:buNone/>
           </a:pPr>
           <a:r>
             <a:rPr lang="en-US" altLang="zh-TW" sz="2100" kern="1200" dirty="0">
@@ -3347,7 +3484,7 @@
           </a:r>
         </a:p>
         <a:p>
-          <a:pPr marL="0" lvl="0" indent="0" algn="ctr" defTabSz="933450">
+          <a:pPr lvl="0" algn="ctr" defTabSz="933450">
             <a:lnSpc>
               <a:spcPct val="90000"/>
             </a:lnSpc>
@@ -3357,7 +3494,6 @@
             <a:spcAft>
               <a:spcPct val="35000"/>
             </a:spcAft>
-            <a:buNone/>
           </a:pPr>
           <a:r>
             <a:rPr lang="zh-TW" altLang="en-US" sz="2100" kern="1200" dirty="0">
@@ -5737,6 +5873,440 @@
 </dgm:styleDef>
 </file>
 
+<file path=ppt/notesMasters/notesMaster1.xml><?xml version="1.0" encoding="utf-8"?>
+<p:notesMaster xmlns:a="http://schemas.openxmlformats.org/drawingml/2006/main" xmlns:r="http://schemas.openxmlformats.org/officeDocument/2006/relationships" xmlns:p="http://schemas.openxmlformats.org/presentationml/2006/main">
+  <p:cSld>
+    <p:bg>
+      <p:bgRef idx="1001">
+        <a:schemeClr val="bg1"/>
+      </p:bgRef>
+    </p:bg>
+    <p:spTree>
+      <p:nvGrpSpPr>
+        <p:cNvPr id="1" name=""/>
+        <p:cNvGrpSpPr/>
+        <p:nvPr/>
+      </p:nvGrpSpPr>
+      <p:grpSpPr>
+        <a:xfrm>
+          <a:off x="0" y="0"/>
+          <a:ext cx="0" cy="0"/>
+          <a:chOff x="0" y="0"/>
+          <a:chExt cx="0" cy="0"/>
+        </a:xfrm>
+      </p:grpSpPr>
+      <p:sp>
+        <p:nvSpPr>
+          <p:cNvPr id="2" name="頁首版面配置區 1"/>
+          <p:cNvSpPr>
+            <a:spLocks noGrp="1"/>
+          </p:cNvSpPr>
+          <p:nvPr>
+            <p:ph type="hdr" sz="quarter"/>
+          </p:nvPr>
+        </p:nvSpPr>
+        <p:spPr>
+          <a:xfrm>
+            <a:off x="0" y="0"/>
+            <a:ext cx="2971800" cy="458788"/>
+          </a:xfrm>
+          <a:prstGeom prst="rect">
+            <a:avLst/>
+          </a:prstGeom>
+        </p:spPr>
+        <p:txBody>
+          <a:bodyPr vert="horz" lIns="91440" tIns="45720" rIns="91440" bIns="45720" rtlCol="0"/>
+          <a:lstStyle>
+            <a:lvl1pPr algn="l">
+              <a:defRPr sz="1200"/>
+            </a:lvl1pPr>
+          </a:lstStyle>
+          <a:p>
+            <a:endParaRPr lang="zh-TW" altLang="en-US"/>
+          </a:p>
+        </p:txBody>
+      </p:sp>
+      <p:sp>
+        <p:nvSpPr>
+          <p:cNvPr id="3" name="日期版面配置區 2"/>
+          <p:cNvSpPr>
+            <a:spLocks noGrp="1"/>
+          </p:cNvSpPr>
+          <p:nvPr>
+            <p:ph type="dt" idx="1"/>
+          </p:nvPr>
+        </p:nvSpPr>
+        <p:spPr>
+          <a:xfrm>
+            <a:off x="3884613" y="0"/>
+            <a:ext cx="2971800" cy="458788"/>
+          </a:xfrm>
+          <a:prstGeom prst="rect">
+            <a:avLst/>
+          </a:prstGeom>
+        </p:spPr>
+        <p:txBody>
+          <a:bodyPr vert="horz" lIns="91440" tIns="45720" rIns="91440" bIns="45720" rtlCol="0"/>
+          <a:lstStyle>
+            <a:lvl1pPr algn="r">
+              <a:defRPr sz="1200"/>
+            </a:lvl1pPr>
+          </a:lstStyle>
+          <a:p>
+            <a:fld id="{1B5B2B25-029B-4A4B-9AB4-347266731903}" type="datetimeFigureOut">
+              <a:rPr lang="zh-TW" altLang="en-US" smtClean="0"/>
+              <a:t>2024/4/17</a:t>
+            </a:fld>
+            <a:endParaRPr lang="zh-TW" altLang="en-US"/>
+          </a:p>
+        </p:txBody>
+      </p:sp>
+      <p:sp>
+        <p:nvSpPr>
+          <p:cNvPr id="4" name="投影片圖像版面配置區 3"/>
+          <p:cNvSpPr>
+            <a:spLocks noGrp="1" noRot="1" noChangeAspect="1"/>
+          </p:cNvSpPr>
+          <p:nvPr>
+            <p:ph type="sldImg" idx="2"/>
+          </p:nvPr>
+        </p:nvSpPr>
+        <p:spPr>
+          <a:xfrm>
+            <a:off x="685800" y="1143000"/>
+            <a:ext cx="5486400" cy="3086100"/>
+          </a:xfrm>
+          <a:prstGeom prst="rect">
+            <a:avLst/>
+          </a:prstGeom>
+          <a:noFill/>
+          <a:ln w="12700">
+            <a:solidFill>
+              <a:prstClr val="black"/>
+            </a:solidFill>
+          </a:ln>
+        </p:spPr>
+        <p:txBody>
+          <a:bodyPr vert="horz" lIns="91440" tIns="45720" rIns="91440" bIns="45720" rtlCol="0" anchor="ctr"/>
+          <a:lstStyle/>
+          <a:p>
+            <a:endParaRPr lang="zh-TW" altLang="en-US"/>
+          </a:p>
+        </p:txBody>
+      </p:sp>
+      <p:sp>
+        <p:nvSpPr>
+          <p:cNvPr id="5" name="備忘稿版面配置區 4"/>
+          <p:cNvSpPr>
+            <a:spLocks noGrp="1"/>
+          </p:cNvSpPr>
+          <p:nvPr>
+            <p:ph type="body" sz="quarter" idx="3"/>
+          </p:nvPr>
+        </p:nvSpPr>
+        <p:spPr>
+          <a:xfrm>
+            <a:off x="685800" y="4400550"/>
+            <a:ext cx="5486400" cy="3600450"/>
+          </a:xfrm>
+          <a:prstGeom prst="rect">
+            <a:avLst/>
+          </a:prstGeom>
+        </p:spPr>
+        <p:txBody>
+          <a:bodyPr vert="horz" lIns="91440" tIns="45720" rIns="91440" bIns="45720" rtlCol="0"/>
+          <a:lstStyle/>
+          <a:p>
+            <a:pPr lvl="0"/>
+            <a:r>
+              <a:rPr lang="zh-TW" altLang="en-US" smtClean="0"/>
+              <a:t>編輯母片文字樣式</a:t>
+            </a:r>
+          </a:p>
+          <a:p>
+            <a:pPr lvl="1"/>
+            <a:r>
+              <a:rPr lang="zh-TW" altLang="en-US" smtClean="0"/>
+              <a:t>第二層</a:t>
+            </a:r>
+          </a:p>
+          <a:p>
+            <a:pPr lvl="2"/>
+            <a:r>
+              <a:rPr lang="zh-TW" altLang="en-US" smtClean="0"/>
+              <a:t>第三層</a:t>
+            </a:r>
+          </a:p>
+          <a:p>
+            <a:pPr lvl="3"/>
+            <a:r>
+              <a:rPr lang="zh-TW" altLang="en-US" smtClean="0"/>
+              <a:t>第四層</a:t>
+            </a:r>
+          </a:p>
+          <a:p>
+            <a:pPr lvl="4"/>
+            <a:r>
+              <a:rPr lang="zh-TW" altLang="en-US" smtClean="0"/>
+              <a:t>第五層</a:t>
+            </a:r>
+            <a:endParaRPr lang="zh-TW" altLang="en-US"/>
+          </a:p>
+        </p:txBody>
+      </p:sp>
+      <p:sp>
+        <p:nvSpPr>
+          <p:cNvPr id="6" name="頁尾版面配置區 5"/>
+          <p:cNvSpPr>
+            <a:spLocks noGrp="1"/>
+          </p:cNvSpPr>
+          <p:nvPr>
+            <p:ph type="ftr" sz="quarter" idx="4"/>
+          </p:nvPr>
+        </p:nvSpPr>
+        <p:spPr>
+          <a:xfrm>
+            <a:off x="0" y="8685213"/>
+            <a:ext cx="2971800" cy="458787"/>
+          </a:xfrm>
+          <a:prstGeom prst="rect">
+            <a:avLst/>
+          </a:prstGeom>
+        </p:spPr>
+        <p:txBody>
+          <a:bodyPr vert="horz" lIns="91440" tIns="45720" rIns="91440" bIns="45720" rtlCol="0" anchor="b"/>
+          <a:lstStyle>
+            <a:lvl1pPr algn="l">
+              <a:defRPr sz="1200"/>
+            </a:lvl1pPr>
+          </a:lstStyle>
+          <a:p>
+            <a:endParaRPr lang="zh-TW" altLang="en-US"/>
+          </a:p>
+        </p:txBody>
+      </p:sp>
+      <p:sp>
+        <p:nvSpPr>
+          <p:cNvPr id="7" name="投影片編號版面配置區 6"/>
+          <p:cNvSpPr>
+            <a:spLocks noGrp="1"/>
+          </p:cNvSpPr>
+          <p:nvPr>
+            <p:ph type="sldNum" sz="quarter" idx="5"/>
+          </p:nvPr>
+        </p:nvSpPr>
+        <p:spPr>
+          <a:xfrm>
+            <a:off x="3884613" y="8685213"/>
+            <a:ext cx="2971800" cy="458787"/>
+          </a:xfrm>
+          <a:prstGeom prst="rect">
+            <a:avLst/>
+          </a:prstGeom>
+        </p:spPr>
+        <p:txBody>
+          <a:bodyPr vert="horz" lIns="91440" tIns="45720" rIns="91440" bIns="45720" rtlCol="0" anchor="b"/>
+          <a:lstStyle>
+            <a:lvl1pPr algn="r">
+              <a:defRPr sz="1200"/>
+            </a:lvl1pPr>
+          </a:lstStyle>
+          <a:p>
+            <a:fld id="{CE13973F-F868-4AA4-82E4-56FF598FF4AA}" type="slidenum">
+              <a:rPr lang="zh-TW" altLang="en-US" smtClean="0"/>
+              <a:t>‹#›</a:t>
+            </a:fld>
+            <a:endParaRPr lang="zh-TW" altLang="en-US"/>
+          </a:p>
+        </p:txBody>
+      </p:sp>
+    </p:spTree>
+    <p:extLst>
+      <p:ext uri="{BB962C8B-B14F-4D97-AF65-F5344CB8AC3E}">
+        <p14:creationId xmlns:p14="http://schemas.microsoft.com/office/powerpoint/2010/main" val="150336376"/>
+      </p:ext>
+    </p:extLst>
+  </p:cSld>
+  <p:clrMap bg1="lt1" tx1="dk1" bg2="lt2" tx2="dk2" accent1="accent1" accent2="accent2" accent3="accent3" accent4="accent4" accent5="accent5" accent6="accent6" hlink="hlink" folHlink="folHlink"/>
+  <p:notesStyle>
+    <a:lvl1pPr marL="0" algn="l" defTabSz="914400" rtl="0" eaLnBrk="1" latinLnBrk="0" hangingPunct="1">
+      <a:defRPr sz="1200" kern="1200">
+        <a:solidFill>
+          <a:schemeClr val="tx1"/>
+        </a:solidFill>
+        <a:latin typeface="+mn-lt"/>
+        <a:ea typeface="+mn-ea"/>
+        <a:cs typeface="+mn-cs"/>
+      </a:defRPr>
+    </a:lvl1pPr>
+    <a:lvl2pPr marL="457200" algn="l" defTabSz="914400" rtl="0" eaLnBrk="1" latinLnBrk="0" hangingPunct="1">
+      <a:defRPr sz="1200" kern="1200">
+        <a:solidFill>
+          <a:schemeClr val="tx1"/>
+        </a:solidFill>
+        <a:latin typeface="+mn-lt"/>
+        <a:ea typeface="+mn-ea"/>
+        <a:cs typeface="+mn-cs"/>
+      </a:defRPr>
+    </a:lvl2pPr>
+    <a:lvl3pPr marL="914400" algn="l" defTabSz="914400" rtl="0" eaLnBrk="1" latinLnBrk="0" hangingPunct="1">
+      <a:defRPr sz="1200" kern="1200">
+        <a:solidFill>
+          <a:schemeClr val="tx1"/>
+        </a:solidFill>
+        <a:latin typeface="+mn-lt"/>
+        <a:ea typeface="+mn-ea"/>
+        <a:cs typeface="+mn-cs"/>
+      </a:defRPr>
+    </a:lvl3pPr>
+    <a:lvl4pPr marL="1371600" algn="l" defTabSz="914400" rtl="0" eaLnBrk="1" latinLnBrk="0" hangingPunct="1">
+      <a:defRPr sz="1200" kern="1200">
+        <a:solidFill>
+          <a:schemeClr val="tx1"/>
+        </a:solidFill>
+        <a:latin typeface="+mn-lt"/>
+        <a:ea typeface="+mn-ea"/>
+        <a:cs typeface="+mn-cs"/>
+      </a:defRPr>
+    </a:lvl4pPr>
+    <a:lvl5pPr marL="1828800" algn="l" defTabSz="914400" rtl="0" eaLnBrk="1" latinLnBrk="0" hangingPunct="1">
+      <a:defRPr sz="1200" kern="1200">
+        <a:solidFill>
+          <a:schemeClr val="tx1"/>
+        </a:solidFill>
+        <a:latin typeface="+mn-lt"/>
+        <a:ea typeface="+mn-ea"/>
+        <a:cs typeface="+mn-cs"/>
+      </a:defRPr>
+    </a:lvl5pPr>
+    <a:lvl6pPr marL="2286000" algn="l" defTabSz="914400" rtl="0" eaLnBrk="1" latinLnBrk="0" hangingPunct="1">
+      <a:defRPr sz="1200" kern="1200">
+        <a:solidFill>
+          <a:schemeClr val="tx1"/>
+        </a:solidFill>
+        <a:latin typeface="+mn-lt"/>
+        <a:ea typeface="+mn-ea"/>
+        <a:cs typeface="+mn-cs"/>
+      </a:defRPr>
+    </a:lvl6pPr>
+    <a:lvl7pPr marL="2743200" algn="l" defTabSz="914400" rtl="0" eaLnBrk="1" latinLnBrk="0" hangingPunct="1">
+      <a:defRPr sz="1200" kern="1200">
+        <a:solidFill>
+          <a:schemeClr val="tx1"/>
+        </a:solidFill>
+        <a:latin typeface="+mn-lt"/>
+        <a:ea typeface="+mn-ea"/>
+        <a:cs typeface="+mn-cs"/>
+      </a:defRPr>
+    </a:lvl7pPr>
+    <a:lvl8pPr marL="3200400" algn="l" defTabSz="914400" rtl="0" eaLnBrk="1" latinLnBrk="0" hangingPunct="1">
+      <a:defRPr sz="1200" kern="1200">
+        <a:solidFill>
+          <a:schemeClr val="tx1"/>
+        </a:solidFill>
+        <a:latin typeface="+mn-lt"/>
+        <a:ea typeface="+mn-ea"/>
+        <a:cs typeface="+mn-cs"/>
+      </a:defRPr>
+    </a:lvl8pPr>
+    <a:lvl9pPr marL="3657600" algn="l" defTabSz="914400" rtl="0" eaLnBrk="1" latinLnBrk="0" hangingPunct="1">
+      <a:defRPr sz="1200" kern="1200">
+        <a:solidFill>
+          <a:schemeClr val="tx1"/>
+        </a:solidFill>
+        <a:latin typeface="+mn-lt"/>
+        <a:ea typeface="+mn-ea"/>
+        <a:cs typeface="+mn-cs"/>
+      </a:defRPr>
+    </a:lvl9pPr>
+  </p:notesStyle>
+</p:notesMaster>
+</file>
+
+<file path=ppt/notesSlides/notesSlide1.xml><?xml version="1.0" encoding="utf-8"?>
+<p:notes xmlns:a="http://schemas.openxmlformats.org/drawingml/2006/main" xmlns:r="http://schemas.openxmlformats.org/officeDocument/2006/relationships" xmlns:p="http://schemas.openxmlformats.org/presentationml/2006/main">
+  <p:cSld>
+    <p:spTree>
+      <p:nvGrpSpPr>
+        <p:cNvPr id="1" name=""/>
+        <p:cNvGrpSpPr/>
+        <p:nvPr/>
+      </p:nvGrpSpPr>
+      <p:grpSpPr>
+        <a:xfrm>
+          <a:off x="0" y="0"/>
+          <a:ext cx="0" cy="0"/>
+          <a:chOff x="0" y="0"/>
+          <a:chExt cx="0" cy="0"/>
+        </a:xfrm>
+      </p:grpSpPr>
+      <p:sp>
+        <p:nvSpPr>
+          <p:cNvPr id="2" name="投影片圖像版面配置區 1"/>
+          <p:cNvSpPr>
+            <a:spLocks noGrp="1" noRot="1" noChangeAspect="1"/>
+          </p:cNvSpPr>
+          <p:nvPr>
+            <p:ph type="sldImg"/>
+          </p:nvPr>
+        </p:nvSpPr>
+        <p:spPr/>
+      </p:sp>
+      <p:sp>
+        <p:nvSpPr>
+          <p:cNvPr id="3" name="備忘稿版面配置區 2"/>
+          <p:cNvSpPr>
+            <a:spLocks noGrp="1"/>
+          </p:cNvSpPr>
+          <p:nvPr>
+            <p:ph type="body" idx="1"/>
+          </p:nvPr>
+        </p:nvSpPr>
+        <p:spPr/>
+        <p:txBody>
+          <a:bodyPr/>
+          <a:lstStyle/>
+          <a:p>
+            <a:endParaRPr lang="zh-TW" altLang="en-US" dirty="0"/>
+          </a:p>
+        </p:txBody>
+      </p:sp>
+      <p:sp>
+        <p:nvSpPr>
+          <p:cNvPr id="4" name="投影片編號版面配置區 3"/>
+          <p:cNvSpPr>
+            <a:spLocks noGrp="1"/>
+          </p:cNvSpPr>
+          <p:nvPr>
+            <p:ph type="sldNum" sz="quarter" idx="10"/>
+          </p:nvPr>
+        </p:nvSpPr>
+        <p:spPr/>
+        <p:txBody>
+          <a:bodyPr/>
+          <a:lstStyle/>
+          <a:p>
+            <a:fld id="{CE13973F-F868-4AA4-82E4-56FF598FF4AA}" type="slidenum">
+              <a:rPr lang="zh-TW" altLang="en-US" smtClean="0"/>
+              <a:t>5</a:t>
+            </a:fld>
+            <a:endParaRPr lang="zh-TW" altLang="en-US"/>
+          </a:p>
+        </p:txBody>
+      </p:sp>
+    </p:spTree>
+    <p:extLst>
+      <p:ext uri="{BB962C8B-B14F-4D97-AF65-F5344CB8AC3E}">
+        <p14:creationId xmlns:p14="http://schemas.microsoft.com/office/powerpoint/2010/main" val="3429981028"/>
+      </p:ext>
+    </p:extLst>
+  </p:cSld>
+  <p:clrMapOvr>
+    <a:masterClrMapping/>
+  </p:clrMapOvr>
+</p:notes>
+</file>
+
 <file path=ppt/slideLayouts/slideLayout1.xml><?xml version="1.0" encoding="utf-8"?>
 <p:sldLayout xmlns:a="http://schemas.openxmlformats.org/drawingml/2006/main" xmlns:r="http://schemas.openxmlformats.org/officeDocument/2006/relationships" xmlns:p="http://schemas.openxmlformats.org/presentationml/2006/main" type="title" preserve="1">
   <p:cSld name="標題投影片">
@@ -13745,7 +14315,7 @@
         </p:blipFill>
         <p:spPr>
           <a:xfrm>
-            <a:off x="2620645" y="4794957"/>
+            <a:off x="2747645" y="4794957"/>
             <a:ext cx="1562318" cy="1619476"/>
           </a:xfrm>
           <a:prstGeom prst="rect">
@@ -13767,7 +14337,7 @@
         </p:nvSpPr>
         <p:spPr>
           <a:xfrm>
-            <a:off x="2082570" y="5494668"/>
+            <a:off x="2146070" y="5494668"/>
             <a:ext cx="538075" cy="220053"/>
           </a:xfrm>
           <a:prstGeom prst="rightArrow">
@@ -13821,7 +14391,7 @@
         </p:nvSpPr>
         <p:spPr>
           <a:xfrm>
-            <a:off x="4144858" y="5413472"/>
+            <a:off x="4271858" y="5413472"/>
             <a:ext cx="1558440" cy="369332"/>
           </a:xfrm>
           <a:prstGeom prst="rect">
@@ -14049,7 +14619,7 @@
         </p:nvSpPr>
         <p:spPr>
           <a:xfrm>
-            <a:off x="8890117" y="3720238"/>
+            <a:off x="8890117" y="3948838"/>
             <a:ext cx="865943" cy="461665"/>
           </a:xfrm>
           <a:prstGeom prst="rect">
@@ -14115,7 +14685,7 @@
         </p:blipFill>
         <p:spPr>
           <a:xfrm>
-            <a:off x="9323088" y="4244297"/>
+            <a:off x="9323088" y="4485597"/>
             <a:ext cx="1766830" cy="2012844"/>
           </a:xfrm>
           <a:prstGeom prst="rect">
@@ -14123,6 +14693,248 @@
           </a:prstGeom>
         </p:spPr>
       </p:pic>
+      <p:sp>
+        <p:nvSpPr>
+          <p:cNvPr id="16" name="文字方塊 15"/>
+          <p:cNvSpPr txBox="1"/>
+          <p:nvPr/>
+        </p:nvSpPr>
+        <p:spPr>
+          <a:xfrm>
+            <a:off x="1572943" y="4181903"/>
+            <a:ext cx="2486578" cy="338554"/>
+          </a:xfrm>
+          <a:prstGeom prst="rect">
+            <a:avLst/>
+          </a:prstGeom>
+          <a:noFill/>
+        </p:spPr>
+        <p:txBody>
+          <a:bodyPr wrap="none" rtlCol="0">
+            <a:spAutoFit/>
+          </a:bodyPr>
+          <a:lstStyle/>
+          <a:p>
+            <a:r>
+              <a:rPr lang="zh-TW" altLang="en-US" sz="1600" dirty="0">
+                <a:latin typeface="+mn-ea"/>
+              </a:rPr>
+              <a:t>通道估測訊號功率的值</a:t>
+            </a:r>
+            <a:r>
+              <a:rPr lang="en-US" altLang="zh-TW" sz="1600" dirty="0">
+                <a:latin typeface="+mn-ea"/>
+              </a:rPr>
+              <a:t>[</a:t>
+            </a:r>
+            <a:r>
+              <a:rPr lang="en-US" altLang="zh-TW" sz="1600" dirty="0" smtClean="0">
+                <a:latin typeface="+mn-ea"/>
+              </a:rPr>
+              <a:t>5]</a:t>
+            </a:r>
+            <a:endParaRPr lang="en-US" altLang="zh-TW" sz="1600" dirty="0">
+              <a:latin typeface="+mn-ea"/>
+            </a:endParaRPr>
+          </a:p>
+        </p:txBody>
+      </p:sp>
+      <p:sp>
+        <p:nvSpPr>
+          <p:cNvPr id="17" name="文字方塊 16"/>
+          <p:cNvSpPr txBox="1"/>
+          <p:nvPr/>
+        </p:nvSpPr>
+        <p:spPr>
+          <a:xfrm>
+            <a:off x="177931" y="6463655"/>
+            <a:ext cx="2442714" cy="338554"/>
+          </a:xfrm>
+          <a:prstGeom prst="rect">
+            <a:avLst/>
+          </a:prstGeom>
+          <a:noFill/>
+        </p:spPr>
+        <p:txBody>
+          <a:bodyPr wrap="square" rtlCol="0">
+            <a:spAutoFit/>
+          </a:bodyPr>
+          <a:lstStyle/>
+          <a:p>
+            <a:r>
+              <a:rPr lang="zh-TW" altLang="en-US" sz="1600" dirty="0" smtClean="0">
+                <a:latin typeface="+mn-ea"/>
+              </a:rPr>
+              <a:t>做</a:t>
+            </a:r>
+            <a:r>
+              <a:rPr lang="en-US" altLang="zh-TW" sz="1600" dirty="0" smtClean="0">
+                <a:latin typeface="+mn-ea"/>
+              </a:rPr>
+              <a:t>CFO</a:t>
+            </a:r>
+            <a:r>
+              <a:rPr lang="zh-TW" altLang="en-US" sz="1600" dirty="0" smtClean="0">
+                <a:latin typeface="+mn-ea"/>
+              </a:rPr>
+              <a:t>校正前的星座圖</a:t>
+            </a:r>
+            <a:r>
+              <a:rPr lang="en-US" altLang="zh-TW" sz="1600" dirty="0" smtClean="0">
+                <a:latin typeface="+mn-ea"/>
+              </a:rPr>
+              <a:t>[6]</a:t>
+            </a:r>
+            <a:endParaRPr lang="en-US" altLang="zh-TW" sz="1600" dirty="0">
+              <a:latin typeface="+mn-ea"/>
+            </a:endParaRPr>
+          </a:p>
+        </p:txBody>
+      </p:sp>
+      <p:sp>
+        <p:nvSpPr>
+          <p:cNvPr id="18" name="文字方塊 17"/>
+          <p:cNvSpPr txBox="1"/>
+          <p:nvPr/>
+        </p:nvSpPr>
+        <p:spPr>
+          <a:xfrm>
+            <a:off x="2554854" y="6475764"/>
+            <a:ext cx="2488182" cy="338554"/>
+          </a:xfrm>
+          <a:prstGeom prst="rect">
+            <a:avLst/>
+          </a:prstGeom>
+          <a:noFill/>
+        </p:spPr>
+        <p:txBody>
+          <a:bodyPr wrap="none" rtlCol="0">
+            <a:spAutoFit/>
+          </a:bodyPr>
+          <a:lstStyle/>
+          <a:p>
+            <a:r>
+              <a:rPr lang="zh-TW" altLang="en-US" sz="1600" dirty="0">
+                <a:latin typeface="+mn-ea"/>
+              </a:rPr>
+              <a:t>做</a:t>
+            </a:r>
+            <a:r>
+              <a:rPr lang="en-US" altLang="zh-TW" sz="1600" dirty="0">
+                <a:latin typeface="+mn-ea"/>
+              </a:rPr>
+              <a:t>CFO</a:t>
+            </a:r>
+            <a:r>
+              <a:rPr lang="zh-TW" altLang="en-US" sz="1600" dirty="0">
+                <a:latin typeface="+mn-ea"/>
+              </a:rPr>
+              <a:t>校正後的</a:t>
+            </a:r>
+            <a:r>
+              <a:rPr lang="zh-TW" altLang="en-US" sz="1600" dirty="0">
+                <a:latin typeface="+mn-ea"/>
+              </a:rPr>
+              <a:t>星座圖</a:t>
+            </a:r>
+            <a:r>
+              <a:rPr lang="en-US" altLang="zh-TW" sz="1600" dirty="0" smtClean="0">
+                <a:latin typeface="+mn-ea"/>
+              </a:rPr>
+              <a:t>[7]</a:t>
+            </a:r>
+            <a:endParaRPr lang="en-US" altLang="zh-TW" sz="1600" dirty="0">
+              <a:latin typeface="+mn-ea"/>
+            </a:endParaRPr>
+          </a:p>
+        </p:txBody>
+      </p:sp>
+      <p:sp>
+        <p:nvSpPr>
+          <p:cNvPr id="22" name="文字方塊 21"/>
+          <p:cNvSpPr txBox="1"/>
+          <p:nvPr/>
+        </p:nvSpPr>
+        <p:spPr>
+          <a:xfrm>
+            <a:off x="9234121" y="3677502"/>
+            <a:ext cx="1944763" cy="338554"/>
+          </a:xfrm>
+          <a:prstGeom prst="rect">
+            <a:avLst/>
+          </a:prstGeom>
+          <a:noFill/>
+        </p:spPr>
+        <p:txBody>
+          <a:bodyPr wrap="none" rtlCol="0">
+            <a:spAutoFit/>
+          </a:bodyPr>
+          <a:lstStyle/>
+          <a:p>
+            <a:r>
+              <a:rPr lang="zh-TW" altLang="en-US" sz="1600" dirty="0" smtClean="0">
+                <a:latin typeface="+mn-ea"/>
+              </a:rPr>
+              <a:t>成功時的測試</a:t>
+            </a:r>
+            <a:r>
+              <a:rPr lang="en-US" altLang="zh-TW" sz="1600" dirty="0" smtClean="0">
+                <a:latin typeface="+mn-ea"/>
+              </a:rPr>
+              <a:t>EQ[8]</a:t>
+            </a:r>
+            <a:endParaRPr lang="en-US" altLang="zh-TW" sz="1600" dirty="0">
+              <a:latin typeface="+mn-ea"/>
+            </a:endParaRPr>
+          </a:p>
+        </p:txBody>
+      </p:sp>
+      <p:sp>
+        <p:nvSpPr>
+          <p:cNvPr id="28" name="文字方塊 27"/>
+          <p:cNvSpPr txBox="1"/>
+          <p:nvPr/>
+        </p:nvSpPr>
+        <p:spPr>
+          <a:xfrm>
+            <a:off x="9323088" y="6530949"/>
+            <a:ext cx="1944763" cy="338554"/>
+          </a:xfrm>
+          <a:prstGeom prst="rect">
+            <a:avLst/>
+          </a:prstGeom>
+          <a:noFill/>
+        </p:spPr>
+        <p:txBody>
+          <a:bodyPr wrap="none" rtlCol="0">
+            <a:spAutoFit/>
+          </a:bodyPr>
+          <a:lstStyle/>
+          <a:p>
+            <a:r>
+              <a:rPr lang="zh-TW" altLang="en-US" sz="1600" dirty="0">
+                <a:latin typeface="+mn-ea"/>
+              </a:rPr>
+              <a:t>失敗</a:t>
+            </a:r>
+            <a:r>
+              <a:rPr lang="zh-TW" altLang="en-US" sz="1600" dirty="0" smtClean="0">
+                <a:latin typeface="+mn-ea"/>
+              </a:rPr>
+              <a:t>時的測試</a:t>
+            </a:r>
+            <a:r>
+              <a:rPr lang="en-US" altLang="zh-TW" sz="1600" dirty="0" smtClean="0">
+                <a:latin typeface="+mn-ea"/>
+              </a:rPr>
+              <a:t>EQ[9]</a:t>
+            </a:r>
+            <a:endParaRPr lang="en-US" altLang="zh-TW" sz="1600" dirty="0">
+              <a:latin typeface="+mn-ea"/>
+            </a:endParaRPr>
+          </a:p>
+        </p:txBody>
+      </p:sp>
     </p:spTree>
     <p:extLst>
       <p:ext uri="{BB962C8B-B14F-4D97-AF65-F5344CB8AC3E}">
@@ -26356,6 +27168,46 @@
           </a:p>
         </p:txBody>
       </p:sp>
+      <p:sp>
+        <p:nvSpPr>
+          <p:cNvPr id="20" name="文字方塊 19"/>
+          <p:cNvSpPr txBox="1"/>
+          <p:nvPr/>
+        </p:nvSpPr>
+        <p:spPr>
+          <a:xfrm>
+            <a:off x="8404423" y="6364968"/>
+            <a:ext cx="2063385" cy="338554"/>
+          </a:xfrm>
+          <a:prstGeom prst="rect">
+            <a:avLst/>
+          </a:prstGeom>
+          <a:noFill/>
+        </p:spPr>
+        <p:txBody>
+          <a:bodyPr wrap="none" rtlCol="0">
+            <a:spAutoFit/>
+          </a:bodyPr>
+          <a:lstStyle/>
+          <a:p>
+            <a:r>
+              <a:rPr lang="zh-TW" altLang="en-US" sz="1600" dirty="0">
+                <a:latin typeface="+mn-ea"/>
+              </a:rPr>
+              <a:t>三種偵測器的</a:t>
+            </a:r>
+            <a:r>
+              <a:rPr lang="en-US" altLang="zh-TW" sz="1600" dirty="0" smtClean="0">
+                <a:latin typeface="+mn-ea"/>
+              </a:rPr>
+              <a:t>EQ[10]</a:t>
+            </a:r>
+            <a:endParaRPr lang="en-US" altLang="zh-TW" sz="1600" dirty="0">
+              <a:latin typeface="+mn-ea"/>
+            </a:endParaRPr>
+          </a:p>
+        </p:txBody>
+      </p:sp>
     </p:spTree>
     <p:extLst>
       <p:ext uri="{BB962C8B-B14F-4D97-AF65-F5344CB8AC3E}">
@@ -26458,6 +27310,52 @@
           </a:prstGeom>
         </p:spPr>
       </p:pic>
+      <p:sp>
+        <p:nvSpPr>
+          <p:cNvPr id="5" name="文字方塊 4"/>
+          <p:cNvSpPr txBox="1"/>
+          <p:nvPr/>
+        </p:nvSpPr>
+        <p:spPr>
+          <a:xfrm>
+            <a:off x="2381391" y="6126495"/>
+            <a:ext cx="2400016" cy="338554"/>
+          </a:xfrm>
+          <a:prstGeom prst="rect">
+            <a:avLst/>
+          </a:prstGeom>
+          <a:noFill/>
+        </p:spPr>
+        <p:txBody>
+          <a:bodyPr wrap="none" rtlCol="0">
+            <a:spAutoFit/>
+          </a:bodyPr>
+          <a:lstStyle/>
+          <a:p>
+            <a:r>
+              <a:rPr lang="zh-TW" altLang="en-US" sz="1600" dirty="0">
+                <a:latin typeface="+mn-ea"/>
+              </a:rPr>
+              <a:t>三</a:t>
+            </a:r>
+            <a:r>
+              <a:rPr lang="zh-TW" altLang="en-US" sz="1600" dirty="0" smtClean="0">
+                <a:latin typeface="+mn-ea"/>
+              </a:rPr>
+              <a:t>種偵測器的錯誤率</a:t>
+            </a:r>
+            <a:r>
+              <a:rPr lang="en-US" altLang="zh-TW" sz="1600" dirty="0" smtClean="0">
+                <a:latin typeface="+mn-ea"/>
+              </a:rPr>
+              <a:t>[11]</a:t>
+            </a:r>
+            <a:endParaRPr lang="en-US" altLang="zh-TW" sz="1600" dirty="0">
+              <a:latin typeface="+mn-ea"/>
+            </a:endParaRPr>
+          </a:p>
+        </p:txBody>
+      </p:sp>
     </p:spTree>
     <p:extLst>
       <p:ext uri="{BB962C8B-B14F-4D97-AF65-F5344CB8AC3E}">
@@ -26506,13 +27404,24 @@
         </p:nvSpPr>
         <p:spPr/>
         <p:txBody>
-          <a:bodyPr/>
+          <a:bodyPr>
+            <a:normAutofit/>
+          </a:bodyPr>
           <a:lstStyle/>
           <a:p>
             <a:r>
-              <a:rPr lang="zh-TW" altLang="en-US" dirty="0"/>
-              <a:t>結論與貢獻</a:t>
-            </a:r>
+              <a:rPr lang="zh-TW" altLang="en-US" b="1" dirty="0">
+                <a:latin typeface="華康粗明體" panose="02020709000000000000" pitchFamily="49" charset="-120"/>
+                <a:ea typeface="華康粗明體" panose="02020709000000000000" pitchFamily="49" charset="-120"/>
+                <a:cs typeface="+mn-cs"/>
+              </a:rPr>
+              <a:t>挑戰與解法</a:t>
+            </a:r>
+            <a:endParaRPr lang="zh-TW" altLang="en-US" b="1" dirty="0">
+              <a:latin typeface="華康粗明體" panose="02020709000000000000" pitchFamily="49" charset="-120"/>
+              <a:ea typeface="華康粗明體" panose="02020709000000000000" pitchFamily="49" charset="-120"/>
+              <a:cs typeface="+mn-cs"/>
+            </a:endParaRPr>
           </a:p>
         </p:txBody>
       </p:sp>
@@ -26558,6 +27467,98 @@
 </file>
 
 <file path=ppt/slides/slide14.xml><?xml version="1.0" encoding="utf-8"?>
+<p:sld xmlns:a="http://schemas.openxmlformats.org/drawingml/2006/main" xmlns:r="http://schemas.openxmlformats.org/officeDocument/2006/relationships" xmlns:p="http://schemas.openxmlformats.org/presentationml/2006/main">
+  <p:cSld>
+    <p:spTree>
+      <p:nvGrpSpPr>
+        <p:cNvPr id="1" name=""/>
+        <p:cNvGrpSpPr/>
+        <p:nvPr/>
+      </p:nvGrpSpPr>
+      <p:grpSpPr>
+        <a:xfrm>
+          <a:off x="0" y="0"/>
+          <a:ext cx="0" cy="0"/>
+          <a:chOff x="0" y="0"/>
+          <a:chExt cx="0" cy="0"/>
+        </a:xfrm>
+      </p:grpSpPr>
+      <p:sp>
+        <p:nvSpPr>
+          <p:cNvPr id="2" name="標題 1">
+            <a:extLst>
+              <a:ext uri="{FF2B5EF4-FFF2-40B4-BE49-F238E27FC236}">
+                <a16:creationId xmlns:a16="http://schemas.microsoft.com/office/drawing/2014/main" id="{3E743E3A-7CC9-4E3D-84CB-BF42AC3E4796}"/>
+              </a:ext>
+            </a:extLst>
+          </p:cNvPr>
+          <p:cNvSpPr>
+            <a:spLocks noGrp="1"/>
+          </p:cNvSpPr>
+          <p:nvPr>
+            <p:ph type="title"/>
+          </p:nvPr>
+        </p:nvSpPr>
+        <p:spPr/>
+        <p:txBody>
+          <a:bodyPr>
+            <a:normAutofit/>
+          </a:bodyPr>
+          <a:lstStyle/>
+          <a:p>
+            <a:r>
+              <a:rPr lang="zh-TW" altLang="en-US" b="1" dirty="0">
+                <a:latin typeface="華康粗明體" panose="02020709000000000000" pitchFamily="49" charset="-120"/>
+                <a:ea typeface="華康粗明體" panose="02020709000000000000" pitchFamily="49" charset="-120"/>
+                <a:cs typeface="+mn-cs"/>
+              </a:rPr>
+              <a:t>結論與貢獻</a:t>
+            </a:r>
+          </a:p>
+        </p:txBody>
+      </p:sp>
+      <p:sp>
+        <p:nvSpPr>
+          <p:cNvPr id="3" name="內容版面配置區 2">
+            <a:extLst>
+              <a:ext uri="{FF2B5EF4-FFF2-40B4-BE49-F238E27FC236}">
+                <a16:creationId xmlns:a16="http://schemas.microsoft.com/office/drawing/2014/main" id="{92898B37-D95B-4F7C-ADFE-B728BF15D7FA}"/>
+              </a:ext>
+            </a:extLst>
+          </p:cNvPr>
+          <p:cNvSpPr>
+            <a:spLocks noGrp="1"/>
+          </p:cNvSpPr>
+          <p:nvPr>
+            <p:ph idx="1"/>
+          </p:nvPr>
+        </p:nvSpPr>
+        <p:spPr/>
+        <p:txBody>
+          <a:bodyPr/>
+          <a:lstStyle/>
+          <a:p>
+            <a:pPr marL="0" indent="0">
+              <a:buNone/>
+            </a:pPr>
+            <a:endParaRPr lang="zh-TW" altLang="en-US" dirty="0"/>
+          </a:p>
+        </p:txBody>
+      </p:sp>
+    </p:spTree>
+    <p:extLst>
+      <p:ext uri="{BB962C8B-B14F-4D97-AF65-F5344CB8AC3E}">
+        <p14:creationId xmlns:p14="http://schemas.microsoft.com/office/powerpoint/2010/main" val="4022132170"/>
+      </p:ext>
+    </p:extLst>
+  </p:cSld>
+  <p:clrMapOvr>
+    <a:masterClrMapping/>
+  </p:clrMapOvr>
+</p:sld>
+</file>
+
+<file path=ppt/slides/slide15.xml><?xml version="1.0" encoding="utf-8"?>
 <p:sld xmlns:a="http://schemas.openxmlformats.org/drawingml/2006/main" xmlns:r="http://schemas.openxmlformats.org/officeDocument/2006/relationships" xmlns:p="http://schemas.openxmlformats.org/presentationml/2006/main">
   <p:cSld>
     <p:spTree>
@@ -27036,7 +28037,90 @@
                 <a:latin typeface="華康細明體" panose="02020309000000000000" pitchFamily="49" charset="-120"/>
                 <a:ea typeface="華康細明體" panose="02020309000000000000" pitchFamily="49" charset="-120"/>
               </a:rPr>
-              <a:t>陳軍銓：整理資料</a:t>
+              <a:t>陳軍銓</a:t>
+            </a:r>
+            <a:r>
+              <a:rPr lang="zh-TW" altLang="en-US" dirty="0" smtClean="0">
+                <a:latin typeface="華康細明體" panose="02020309000000000000" pitchFamily="49" charset="-120"/>
+                <a:ea typeface="華康細明體" panose="02020309000000000000" pitchFamily="49" charset="-120"/>
+              </a:rPr>
+              <a:t>：</a:t>
+            </a:r>
+            <a:r>
+              <a:rPr lang="zh-TW" altLang="en-US" dirty="0">
+                <a:latin typeface="華康細明體" panose="02020309000000000000" pitchFamily="49" charset="-120"/>
+                <a:ea typeface="華康細明體" panose="02020309000000000000" pitchFamily="49" charset="-120"/>
+              </a:rPr>
+              <a:t>新增</a:t>
+            </a:r>
+            <a:r>
+              <a:rPr lang="en-US" altLang="zh-TW" dirty="0" err="1">
+                <a:latin typeface="華康細明體" panose="02020309000000000000" pitchFamily="49" charset="-120"/>
+                <a:ea typeface="華康細明體" panose="02020309000000000000" pitchFamily="49" charset="-120"/>
+              </a:rPr>
+              <a:t>BER.m</a:t>
+            </a:r>
+            <a:r>
+              <a:rPr lang="zh-TW" altLang="en-US" dirty="0">
+                <a:latin typeface="華康細明體" panose="02020309000000000000" pitchFamily="49" charset="-120"/>
+                <a:ea typeface="華康細明體" panose="02020309000000000000" pitchFamily="49" charset="-120"/>
+              </a:rPr>
+              <a:t>、新增</a:t>
+            </a:r>
+            <a:r>
+              <a:rPr lang="en-US" altLang="zh-TW" dirty="0" err="1">
+                <a:latin typeface="華康細明體" panose="02020309000000000000" pitchFamily="49" charset="-120"/>
+                <a:ea typeface="華康細明體" panose="02020309000000000000" pitchFamily="49" charset="-120"/>
+              </a:rPr>
+              <a:t>DataAnalysis.m</a:t>
+            </a:r>
+            <a:r>
+              <a:rPr lang="zh-TW" altLang="en-US" dirty="0">
+                <a:latin typeface="華康細明體" panose="02020309000000000000" pitchFamily="49" charset="-120"/>
+                <a:ea typeface="華康細明體" panose="02020309000000000000" pitchFamily="49" charset="-120"/>
+              </a:rPr>
+              <a:t>、新增</a:t>
+            </a:r>
+            <a:r>
+              <a:rPr lang="en-US" altLang="zh-TW" dirty="0" err="1" smtClean="0">
+                <a:latin typeface="華康細明體" panose="02020309000000000000" pitchFamily="49" charset="-120"/>
+                <a:ea typeface="華康細明體" panose="02020309000000000000" pitchFamily="49" charset="-120"/>
+              </a:rPr>
+              <a:t>figplusfig.m</a:t>
+            </a:r>
+            <a:endParaRPr lang="en-US" altLang="zh-TW" dirty="0" smtClean="0">
+              <a:latin typeface="華康細明體" panose="02020309000000000000" pitchFamily="49" charset="-120"/>
+              <a:ea typeface="華康細明體" panose="02020309000000000000" pitchFamily="49" charset="-120"/>
+            </a:endParaRPr>
+          </a:p>
+          <a:p>
+            <a:r>
+              <a:rPr lang="zh-TW" altLang="en-US" dirty="0" smtClean="0">
+                <a:latin typeface="華康細明體" panose="02020309000000000000" pitchFamily="49" charset="-120"/>
+                <a:ea typeface="華康細明體" panose="02020309000000000000" pitchFamily="49" charset="-120"/>
+              </a:rPr>
+              <a:t>陳建霖</a:t>
+            </a:r>
+            <a:r>
+              <a:rPr lang="zh-TW" altLang="en-US" dirty="0">
+                <a:latin typeface="華康細明體" panose="02020309000000000000" pitchFamily="49" charset="-120"/>
+                <a:ea typeface="華康細明體" panose="02020309000000000000" pitchFamily="49" charset="-120"/>
+              </a:rPr>
+              <a:t>：</a:t>
+            </a:r>
+            <a:r>
+              <a:rPr kumimoji="0" lang="zh-TW" altLang="en-US" sz="2800" b="0" i="0" u="none" strike="noStrike" kern="1200" cap="none" spc="0" normalizeH="0" baseline="0" noProof="0" dirty="0">
+                <a:ln>
+                  <a:noFill/>
+                </a:ln>
+                <a:effectLst/>
+                <a:uLnTx/>
+                <a:uFillTx/>
+                <a:latin typeface="華康細明體" panose="02020309000000000000" pitchFamily="49" charset="-120"/>
+                <a:ea typeface="華康細明體" panose="02020309000000000000" pitchFamily="49" charset="-120"/>
+                <a:cs typeface="+mn-cs"/>
+              </a:rPr>
+              <a:t>吉祥物</a:t>
             </a:r>
             <a:endParaRPr kumimoji="0" lang="en-US" altLang="zh-TW" sz="2800" b="0" i="0" u="none" strike="noStrike" kern="1200" cap="none" spc="0" normalizeH="0" baseline="0" noProof="0" dirty="0">
               <a:ln>
@@ -27051,72 +28135,57 @@
             </a:endParaRPr>
           </a:p>
           <a:p>
-            <a:pPr lvl="0"/>
             <a:r>
               <a:rPr lang="zh-TW" altLang="en-US" dirty="0">
                 <a:latin typeface="華康細明體" panose="02020309000000000000" pitchFamily="49" charset="-120"/>
                 <a:ea typeface="華康細明體" panose="02020309000000000000" pitchFamily="49" charset="-120"/>
               </a:rPr>
-              <a:t>陳建霖：</a:t>
-            </a:r>
-            <a:r>
-              <a:rPr kumimoji="0" lang="zh-TW" altLang="en-US" sz="2800" b="0" i="0" u="none" strike="noStrike" kern="1200" cap="none" spc="0" normalizeH="0" baseline="0" noProof="0" dirty="0">
-                <a:ln>
-                  <a:noFill/>
-                </a:ln>
-                <a:effectLst/>
-                <a:uLnTx/>
-                <a:uFillTx/>
+              <a:t>姚辰彥</a:t>
+            </a:r>
+            <a:r>
+              <a:rPr lang="zh-TW" altLang="en-US" dirty="0" smtClean="0">
                 <a:latin typeface="華康細明體" panose="02020309000000000000" pitchFamily="49" charset="-120"/>
                 <a:ea typeface="華康細明體" panose="02020309000000000000" pitchFamily="49" charset="-120"/>
-                <a:cs typeface="+mn-cs"/>
               </a:rPr>
-              <a:t>吉祥物</a:t>
-            </a:r>
-            <a:endParaRPr kumimoji="0" lang="en-US" altLang="zh-TW" sz="2800" b="0" i="0" u="none" strike="noStrike" kern="1200" cap="none" spc="0" normalizeH="0" baseline="0" noProof="0" dirty="0">
-              <a:ln>
-                <a:noFill/>
-              </a:ln>
-              <a:effectLst/>
-              <a:uLnTx/>
-              <a:uFillTx/>
-              <a:latin typeface="華康細明體" panose="02020309000000000000" pitchFamily="49" charset="-120"/>
-              <a:ea typeface="華康細明體" panose="02020309000000000000" pitchFamily="49" charset="-120"/>
-              <a:cs typeface="+mn-cs"/>
-            </a:endParaRPr>
+              <a:t>：</a:t>
+            </a:r>
+            <a:r>
+              <a:rPr lang="zh-TW" altLang="zh-TW" dirty="0">
+                <a:latin typeface="華康細明體" panose="02020309000000000000" pitchFamily="49" charset="-120"/>
+                <a:ea typeface="華康細明體" panose="02020309000000000000" pitchFamily="49" charset="-120"/>
+              </a:rPr>
+              <a:t>降低錯誤率、修正等化器</a:t>
+            </a:r>
           </a:p>
           <a:p>
+            <a:r>
+              <a:rPr lang="zh-TW" altLang="en-US" dirty="0" smtClean="0">
+                <a:latin typeface="華康細明體" panose="02020309000000000000" pitchFamily="49" charset="-120"/>
+                <a:ea typeface="華康細明體" panose="02020309000000000000" pitchFamily="49" charset="-120"/>
+              </a:rPr>
+              <a:t>卓</a:t>
+            </a:r>
             <a:r>
               <a:rPr lang="zh-TW" altLang="en-US" dirty="0">
                 <a:latin typeface="華康細明體" panose="02020309000000000000" pitchFamily="49" charset="-120"/>
                 <a:ea typeface="華康細明體" panose="02020309000000000000" pitchFamily="49" charset="-120"/>
               </a:rPr>
-              <a:t>姚辰彥：整理資料</a:t>
-            </a:r>
-            <a:endParaRPr kumimoji="0" lang="en-US" altLang="zh-TW" sz="4000" b="0" i="0" u="none" strike="noStrike" kern="1200" cap="none" spc="0" normalizeH="0" baseline="0" noProof="0" dirty="0">
-              <a:ln>
-                <a:noFill/>
-              </a:ln>
-              <a:effectLst/>
-              <a:uLnTx/>
-              <a:uFillTx/>
-              <a:latin typeface="華康細明體" panose="02020309000000000000" pitchFamily="49" charset="-120"/>
-              <a:ea typeface="華康細明體" panose="02020309000000000000" pitchFamily="49" charset="-120"/>
-              <a:cs typeface="+mn-cs"/>
-            </a:endParaRPr>
-          </a:p>
-          <a:p>
-            <a:r>
-              <a:rPr lang="zh-TW" altLang="en-US" dirty="0">
+              <a:t>家葳</a:t>
+            </a:r>
+            <a:r>
+              <a:rPr lang="zh-TW" altLang="en-US" dirty="0" smtClean="0">
                 <a:latin typeface="華康細明體" panose="02020309000000000000" pitchFamily="49" charset="-120"/>
                 <a:ea typeface="華康細明體" panose="02020309000000000000" pitchFamily="49" charset="-120"/>
               </a:rPr>
-              <a:t>卓家葳：整理資料</a:t>
-            </a:r>
-            <a:endParaRPr lang="en-US" altLang="zh-TW" dirty="0">
-              <a:latin typeface="華康細明體" panose="02020309000000000000" pitchFamily="49" charset="-120"/>
-              <a:ea typeface="華康細明體" panose="02020309000000000000" pitchFamily="49" charset="-120"/>
-            </a:endParaRPr>
+              <a:t>：</a:t>
+            </a:r>
+            <a:r>
+              <a:rPr lang="zh-TW" altLang="zh-TW" dirty="0">
+                <a:latin typeface="華康細明體" panose="02020309000000000000" pitchFamily="49" charset="-120"/>
+                <a:ea typeface="華康細明體" panose="02020309000000000000" pitchFamily="49" charset="-120"/>
+              </a:rPr>
+              <a:t>通道參數設定、通道估測</a:t>
+            </a:r>
           </a:p>
           <a:p>
             <a:pPr marL="0" marR="0" lvl="0" indent="0" algn="l" defTabSz="914400" rtl="0" eaLnBrk="1" fontAlgn="auto" latinLnBrk="0" hangingPunct="1">
@@ -27199,7 +28268,7 @@
 </p:sld>
 </file>
 
-<file path=ppt/slides/slide15.xml><?xml version="1.0" encoding="utf-8"?>
+<file path=ppt/slides/slide16.xml><?xml version="1.0" encoding="utf-8"?>
 <p:sld xmlns:a="http://schemas.openxmlformats.org/drawingml/2006/main" xmlns:r="http://schemas.openxmlformats.org/officeDocument/2006/relationships" xmlns:p="http://schemas.openxmlformats.org/presentationml/2006/main">
   <p:cSld>
     <p:spTree>
@@ -27266,6 +28335,96 @@
           <a:bodyPr/>
           <a:lstStyle/>
           <a:p>
+            <a:pPr lvl="0"/>
+            <a:r>
+              <a:rPr lang="en-US" altLang="zh-TW" dirty="0" smtClean="0"/>
+              <a:t>[1]</a:t>
+            </a:r>
+            <a:r>
+              <a:rPr lang="zh-TW" altLang="zh-TW" dirty="0" smtClean="0"/>
+              <a:t>軟體無線電</a:t>
+            </a:r>
+            <a:r>
+              <a:rPr lang="en-US" altLang="zh-TW" dirty="0" smtClean="0"/>
+              <a:t>wiki</a:t>
+            </a:r>
+            <a:r>
+              <a:rPr lang="zh-TW" altLang="zh-TW" dirty="0" smtClean="0"/>
+              <a:t>：</a:t>
+            </a:r>
+            <a:r>
+              <a:rPr lang="en-US" altLang="zh-TW" dirty="0" smtClean="0">
+                <a:hlinkClick r:id="rId2"/>
+              </a:rPr>
+              <a:t>https</a:t>
+            </a:r>
+            <a:r>
+              <a:rPr lang="en-US" altLang="zh-TW" dirty="0">
+                <a:hlinkClick r:id="rId2"/>
+              </a:rPr>
+              <a:t>://zh.wikipedia.org/zh-tw/%E8%BD%AF%E4%BB%B6%E6%97%A0%E7%BA%BF%E7%94%B5</a:t>
+            </a:r>
+            <a:endParaRPr lang="en-US" altLang="zh-TW" dirty="0" smtClean="0"/>
+          </a:p>
+          <a:p>
+            <a:r>
+              <a:rPr lang="en-US" altLang="zh-TW" spc="195" dirty="0" smtClean="0">
+                <a:latin typeface="DM Sans"/>
+                <a:ea typeface="DM Sans"/>
+              </a:rPr>
+              <a:t>[2]Pluto :</a:t>
+            </a:r>
+            <a:r>
+              <a:rPr lang="en-US" altLang="zh-TW" spc="195" dirty="0" smtClean="0">
+                <a:latin typeface="DM Sans"/>
+                <a:ea typeface="DM Sans"/>
+                <a:hlinkClick r:id="rId3"/>
+              </a:rPr>
+              <a:t>https</a:t>
+            </a:r>
+            <a:r>
+              <a:rPr lang="en-US" altLang="zh-TW" spc="195" dirty="0">
+                <a:latin typeface="DM Sans"/>
+                <a:ea typeface="DM Sans"/>
+                <a:hlinkClick r:id="rId3"/>
+              </a:rPr>
+              <a:t>://www.mouser.tw/images/marketingid/2017/img/175161332_Analog_Devices_ADALM-PLUTOActiveLearningModule.png?v=072922.0344</a:t>
+            </a:r>
+            <a:endParaRPr lang="en-US" altLang="zh-TW" spc="195" dirty="0">
+              <a:latin typeface="DM Sans"/>
+              <a:ea typeface="DM Sans"/>
+            </a:endParaRPr>
+          </a:p>
+          <a:p>
+            <a:pPr lvl="0"/>
+            <a:r>
+              <a:rPr lang="en-US" altLang="zh-TW" dirty="0" smtClean="0"/>
+              <a:t>[3]</a:t>
+            </a:r>
+            <a:r>
+              <a:rPr lang="en-US" altLang="zh-TW" dirty="0"/>
+              <a:t> </a:t>
+            </a:r>
+            <a:r>
+              <a:rPr lang="en-US" altLang="zh-TW" dirty="0" err="1"/>
+              <a:t>Matlab</a:t>
+            </a:r>
+            <a:r>
+              <a:rPr lang="zh-TW" altLang="zh-TW" dirty="0"/>
+              <a:t>簡介：</a:t>
+            </a:r>
+            <a:r>
+              <a:rPr lang="en-US" altLang="zh-TW" u="sng" dirty="0">
+                <a:hlinkClick r:id="rId4"/>
+              </a:rPr>
+              <a:t>https://zh.wikipedia.org/zh-tw/MATLAB</a:t>
+            </a:r>
+            <a:endParaRPr lang="zh-TW" altLang="zh-TW" dirty="0"/>
+          </a:p>
+          <a:p>
+            <a:endParaRPr lang="zh-TW" altLang="zh-TW" dirty="0" smtClean="0"/>
+          </a:p>
+          <a:p>
             <a:endParaRPr lang="zh-TW" altLang="en-US" dirty="0"/>
           </a:p>
         </p:txBody>
@@ -27283,7 +28442,7 @@
 </p:sld>
 </file>
 
-<file path=ppt/slides/slide16.xml><?xml version="1.0" encoding="utf-8"?>
+<file path=ppt/slides/slide17.xml><?xml version="1.0" encoding="utf-8"?>
 <p:sld xmlns:a="http://schemas.openxmlformats.org/drawingml/2006/main" xmlns:r="http://schemas.openxmlformats.org/officeDocument/2006/relationships" xmlns:p="http://schemas.openxmlformats.org/presentationml/2006/main">
   <p:cSld>
     <p:spTree>
@@ -27371,7 +28530,7 @@
 </p:sld>
 </file>
 
-<file path=ppt/slides/slide17.xml><?xml version="1.0" encoding="utf-8"?>
+<file path=ppt/slides/slide18.xml><?xml version="1.0" encoding="utf-8"?>
 <p:sld xmlns:a="http://schemas.openxmlformats.org/drawingml/2006/main" xmlns:r="http://schemas.openxmlformats.org/officeDocument/2006/relationships" xmlns:p="http://schemas.openxmlformats.org/presentationml/2006/main">
   <p:cSld>
     <p:spTree>
@@ -28593,8 +29752,8 @@
         </p:nvSpPr>
         <p:spPr>
           <a:xfrm>
-            <a:off x="406703" y="1880937"/>
-            <a:ext cx="8465834" cy="3581858"/>
+            <a:off x="406703" y="1880936"/>
+            <a:ext cx="8465834" cy="3846764"/>
           </a:xfrm>
         </p:spPr>
         <p:txBody>
@@ -28651,11 +29810,27 @@
             </a:r>
             <a:r>
               <a:rPr lang="en-US" altLang="zh-TW" sz="2800" dirty="0"/>
-              <a:t>Orthogonal Time-Sequency Modulation</a:t>
+              <a:t>Orthogonal Time-</a:t>
+            </a:r>
+            <a:r>
+              <a:rPr lang="en-US" altLang="zh-TW" sz="2800" dirty="0" err="1"/>
+              <a:t>Sequency</a:t>
+            </a:r>
+            <a:r>
+              <a:rPr lang="en-US" altLang="zh-TW" sz="2800" dirty="0"/>
+              <a:t> </a:t>
+            </a:r>
+            <a:r>
+              <a:rPr lang="en-US" altLang="zh-TW" sz="2800" dirty="0" smtClean="0"/>
+              <a:t>Multiplexing</a:t>
+            </a:r>
+            <a:r>
+              <a:rPr lang="zh-TW" altLang="en-US" sz="2800" dirty="0" smtClean="0"/>
+              <a:t>，</a:t>
             </a:r>
             <a:r>
               <a:rPr lang="zh-TW" altLang="en-US" sz="2800" dirty="0"/>
-              <a:t>，正交時序複用調製</a:t>
+              <a:t>正交時序複用調製</a:t>
             </a:r>
             <a:r>
               <a:rPr lang="zh-TW" altLang="zh-TW" sz="2800" dirty="0"/>
@@ -28686,7 +29861,7 @@
           <p:nvPr/>
         </p:nvPicPr>
         <p:blipFill>
-          <a:blip r:embed="rId2" cstate="print">
+          <a:blip r:embed="rId3" cstate="print">
             <a:extLst>
               <a:ext uri="{28A0092B-C50C-407E-A947-70E740481C1C}">
                 <a14:useLocalDpi xmlns:a14="http://schemas.microsoft.com/office/drawing/2010/main" val="0"/>
@@ -28700,7 +29875,7 @@
         </p:blipFill>
         <p:spPr bwMode="auto">
           <a:xfrm>
-            <a:off x="9244478" y="1395205"/>
+            <a:off x="9276414" y="1880937"/>
             <a:ext cx="2136941" cy="1552844"/>
           </a:xfrm>
           <a:prstGeom prst="rect">
@@ -28722,7 +29897,7 @@
           <p:nvPr/>
         </p:nvPicPr>
         <p:blipFill rotWithShape="1">
-          <a:blip r:embed="rId3" cstate="print">
+          <a:blip r:embed="rId4" cstate="print">
             <a:extLst>
               <a:ext uri="{28A0092B-C50C-407E-A947-70E740481C1C}">
                 <a14:useLocalDpi xmlns:a14="http://schemas.microsoft.com/office/drawing/2010/main" val="0"/>
@@ -28734,7 +29909,7 @@
         </p:blipFill>
         <p:spPr bwMode="auto">
           <a:xfrm>
-            <a:off x="8872537" y="3909952"/>
+            <a:off x="8872537" y="4175128"/>
             <a:ext cx="3088999" cy="868653"/>
           </a:xfrm>
           <a:prstGeom prst="rect">
@@ -28751,6 +29926,84 @@
           </a:extLst>
         </p:spPr>
       </p:pic>
+      <p:sp>
+        <p:nvSpPr>
+          <p:cNvPr id="3" name="文字方塊 2"/>
+          <p:cNvSpPr txBox="1"/>
+          <p:nvPr/>
+        </p:nvSpPr>
+        <p:spPr>
+          <a:xfrm>
+            <a:off x="9584900" y="3433781"/>
+            <a:ext cx="1399614" cy="338554"/>
+          </a:xfrm>
+          <a:prstGeom prst="rect">
+            <a:avLst/>
+          </a:prstGeom>
+          <a:noFill/>
+        </p:spPr>
+        <p:txBody>
+          <a:bodyPr wrap="none" rtlCol="0">
+            <a:spAutoFit/>
+          </a:bodyPr>
+          <a:lstStyle/>
+          <a:p>
+            <a:r>
+              <a:rPr lang="en-US" altLang="zh-TW" sz="1600" dirty="0">
+                <a:latin typeface="+mn-ea"/>
+              </a:rPr>
+              <a:t>Pluto SDR[1</a:t>
+            </a:r>
+            <a:r>
+              <a:rPr lang="en-US" altLang="zh-TW" sz="1600" dirty="0" smtClean="0"/>
+              <a:t>]</a:t>
+            </a:r>
+          </a:p>
+        </p:txBody>
+      </p:sp>
+      <p:sp>
+        <p:nvSpPr>
+          <p:cNvPr id="7" name="文字方塊 6"/>
+          <p:cNvSpPr txBox="1"/>
+          <p:nvPr/>
+        </p:nvSpPr>
+        <p:spPr>
+          <a:xfrm>
+            <a:off x="10129029" y="4986625"/>
+            <a:ext cx="1122423" cy="369332"/>
+          </a:xfrm>
+          <a:prstGeom prst="rect">
+            <a:avLst/>
+          </a:prstGeom>
+          <a:noFill/>
+        </p:spPr>
+        <p:txBody>
+          <a:bodyPr wrap="none" rtlCol="0">
+            <a:spAutoFit/>
+          </a:bodyPr>
+          <a:lstStyle/>
+          <a:p>
+            <a:r>
+              <a:rPr lang="en-US" altLang="zh-TW" sz="1600" dirty="0" err="1">
+                <a:latin typeface="+mn-ea"/>
+              </a:rPr>
+              <a:t>Matlab</a:t>
+            </a:r>
+            <a:r>
+              <a:rPr lang="en-US" altLang="zh-TW" sz="1600" dirty="0">
+                <a:latin typeface="+mn-ea"/>
+              </a:rPr>
+              <a:t>[2</a:t>
+            </a:r>
+            <a:r>
+              <a:rPr lang="en-US" altLang="zh-TW" dirty="0">
+                <a:latin typeface="+mn-ea"/>
+              </a:rPr>
+              <a:t>]</a:t>
+            </a:r>
+          </a:p>
+        </p:txBody>
+      </p:sp>
     </p:spTree>
     <p:extLst>
       <p:ext uri="{BB962C8B-B14F-4D97-AF65-F5344CB8AC3E}">
@@ -29032,6 +30285,16 @@
               </a:rPr>
               <a:t>)</a:t>
             </a:r>
+            <a:r>
+              <a:rPr lang="zh-TW" altLang="en-US" b="0" i="0" dirty="0">
+                <a:solidFill>
+                  <a:srgbClr val="000000"/>
+                </a:solidFill>
+                <a:effectLst/>
+                <a:latin typeface="Segoe UI" panose="020B0502040204020203" pitchFamily="34" charset="0"/>
+              </a:rPr>
+              <a:t/>
+            </a:r>
             <a:br>
               <a:rPr lang="zh-TW" altLang="en-US" b="0" i="0" dirty="0">
                 <a:solidFill>
@@ -29091,6 +30354,16 @@
               </a:rPr>
               <a:t>(65.1KSPS~61.44MSPS)</a:t>
             </a:r>
+            <a:r>
+              <a:rPr lang="en-US" altLang="zh-TW" b="0" i="0" dirty="0">
+                <a:solidFill>
+                  <a:srgbClr val="000000"/>
+                </a:solidFill>
+                <a:effectLst/>
+                <a:latin typeface="Segoe UI" panose="020B0502040204020203" pitchFamily="34" charset="0"/>
+              </a:rPr>
+              <a:t/>
+            </a:r>
             <a:br>
               <a:rPr lang="en-US" altLang="zh-TW" b="0" i="0" dirty="0">
                 <a:solidFill>
@@ -29150,6 +30423,16 @@
               </a:rPr>
               <a:t>(200KHZ~20MHZ)</a:t>
             </a:r>
+            <a:r>
+              <a:rPr lang="en-US" altLang="zh-TW" b="0" i="0" dirty="0">
+                <a:solidFill>
+                  <a:srgbClr val="000000"/>
+                </a:solidFill>
+                <a:effectLst/>
+                <a:latin typeface="Segoe UI" panose="020B0502040204020203" pitchFamily="34" charset="0"/>
+              </a:rPr>
+              <a:t/>
+            </a:r>
             <a:br>
               <a:rPr lang="en-US" altLang="zh-TW" b="0" i="0" dirty="0">
                 <a:solidFill>
@@ -29189,6 +30472,16 @@
               </a:rPr>
               <a:t>)</a:t>
             </a:r>
+            <a:r>
+              <a:rPr lang="zh-TW" altLang="en-US" b="0" i="0" dirty="0">
+                <a:solidFill>
+                  <a:srgbClr val="000000"/>
+                </a:solidFill>
+                <a:effectLst/>
+                <a:latin typeface="Segoe UI" panose="020B0502040204020203" pitchFamily="34" charset="0"/>
+              </a:rPr>
+              <a:t/>
+            </a:r>
             <a:br>
               <a:rPr lang="zh-TW" altLang="en-US" b="0" i="0" dirty="0">
                 <a:solidFill>
@@ -29248,6 +30541,16 @@
               </a:rPr>
               <a:t>74dBm)</a:t>
             </a:r>
+            <a:r>
+              <a:rPr lang="en-US" altLang="zh-TW" b="0" i="0" dirty="0">
+                <a:solidFill>
+                  <a:srgbClr val="000000"/>
+                </a:solidFill>
+                <a:effectLst/>
+                <a:latin typeface="Segoe UI" panose="020B0502040204020203" pitchFamily="34" charset="0"/>
+              </a:rPr>
+              <a:t/>
+            </a:r>
             <a:br>
               <a:rPr lang="en-US" altLang="zh-TW" b="0" i="0" dirty="0">
                 <a:solidFill>
@@ -29327,6 +30630,16 @@
               </a:rPr>
               <a:t>)</a:t>
             </a:r>
+            <a:r>
+              <a:rPr lang="zh-TW" altLang="en-US" b="0" i="0" dirty="0">
+                <a:solidFill>
+                  <a:srgbClr val="000000"/>
+                </a:solidFill>
+                <a:effectLst/>
+                <a:latin typeface="Segoe UI" panose="020B0502040204020203" pitchFamily="34" charset="0"/>
+              </a:rPr>
+              <a:t/>
+            </a:r>
             <a:br>
               <a:rPr lang="zh-TW" altLang="en-US" b="0" i="0" dirty="0">
                 <a:solidFill>
@@ -29386,6 +30699,16 @@
               </a:rPr>
               <a:t>(65.1KSPS~61.44MSPS)</a:t>
             </a:r>
+            <a:r>
+              <a:rPr lang="en-US" altLang="zh-TW" b="0" i="0" dirty="0">
+                <a:solidFill>
+                  <a:srgbClr val="000000"/>
+                </a:solidFill>
+                <a:effectLst/>
+                <a:latin typeface="Segoe UI" panose="020B0502040204020203" pitchFamily="34" charset="0"/>
+              </a:rPr>
+              <a:t/>
+            </a:r>
             <a:br>
               <a:rPr lang="en-US" altLang="zh-TW" b="0" i="0" dirty="0">
                 <a:solidFill>
@@ -29454,10 +30777,69 @@
             </a:endParaRPr>
           </a:p>
           <a:p>
+            <a:r>
+              <a:rPr lang="en-US" altLang="zh-TW" dirty="0"/>
+              <a:t/>
+            </a:r>
             <a:br>
               <a:rPr lang="en-US" altLang="zh-TW" dirty="0"/>
             </a:br>
             <a:endParaRPr lang="zh-TW" altLang="en-US" dirty="0"/>
+          </a:p>
+        </p:txBody>
+      </p:sp>
+      <p:sp>
+        <p:nvSpPr>
+          <p:cNvPr id="6" name="文字方塊 5"/>
+          <p:cNvSpPr txBox="1"/>
+          <p:nvPr/>
+        </p:nvSpPr>
+        <p:spPr>
+          <a:xfrm>
+            <a:off x="8711734" y="5914442"/>
+            <a:ext cx="2207656" cy="338554"/>
+          </a:xfrm>
+          <a:prstGeom prst="rect">
+            <a:avLst/>
+          </a:prstGeom>
+          <a:noFill/>
+        </p:spPr>
+        <p:txBody>
+          <a:bodyPr wrap="none" rtlCol="0">
+            <a:spAutoFit/>
+          </a:bodyPr>
+          <a:lstStyle/>
+          <a:p>
+            <a:r>
+              <a:rPr lang="en-US" altLang="zh-TW" sz="1600" dirty="0">
+                <a:latin typeface="+mn-ea"/>
+              </a:rPr>
+              <a:t>Rx</a:t>
+            </a:r>
+            <a:r>
+              <a:rPr lang="zh-TW" altLang="en-US" sz="1600" dirty="0">
+                <a:latin typeface="+mn-ea"/>
+              </a:rPr>
+              <a:t>實際</a:t>
+            </a:r>
+            <a:r>
+              <a:rPr lang="en-US" altLang="zh-TW" sz="1600" dirty="0">
+                <a:latin typeface="+mn-ea"/>
+              </a:rPr>
+              <a:t>I/Q</a:t>
+            </a:r>
+            <a:r>
+              <a:rPr lang="zh-TW" altLang="en-US" sz="1600" dirty="0">
+                <a:latin typeface="+mn-ea"/>
+              </a:rPr>
+              <a:t>接收狀態</a:t>
+            </a:r>
+            <a:r>
+              <a:rPr lang="en-US" altLang="zh-TW" sz="1600" dirty="0">
+                <a:latin typeface="+mn-ea"/>
+              </a:rPr>
+              <a:t>[3]</a:t>
+            </a:r>
           </a:p>
         </p:txBody>
       </p:sp>
@@ -29962,6 +31344,43 @@
           </a:fontRef>
         </p:style>
       </p:cxnSp>
+      <p:sp>
+        <p:nvSpPr>
+          <p:cNvPr id="9" name="文字方塊 8"/>
+          <p:cNvSpPr txBox="1"/>
+          <p:nvPr/>
+        </p:nvSpPr>
+        <p:spPr>
+          <a:xfrm>
+            <a:off x="3435554" y="6428003"/>
+            <a:ext cx="3717684" cy="338554"/>
+          </a:xfrm>
+          <a:prstGeom prst="rect">
+            <a:avLst/>
+          </a:prstGeom>
+          <a:noFill/>
+        </p:spPr>
+        <p:txBody>
+          <a:bodyPr wrap="none" rtlCol="0">
+            <a:spAutoFit/>
+          </a:bodyPr>
+          <a:lstStyle/>
+          <a:p>
+            <a:r>
+              <a:rPr lang="zh-TW" altLang="en-US" sz="1600" dirty="0">
+                <a:latin typeface="+mn-ea"/>
+              </a:rPr>
+              <a:t>接收訊號同步後的自相關對時間的圖</a:t>
+            </a:r>
+            <a:r>
+              <a:rPr lang="en-US" altLang="zh-TW" sz="1600" dirty="0">
+                <a:latin typeface="+mn-ea"/>
+              </a:rPr>
+              <a:t>[4]</a:t>
+            </a:r>
+          </a:p>
+        </p:txBody>
+      </p:sp>
     </p:spTree>
     <p:extLst>
       <p:ext uri="{BB962C8B-B14F-4D97-AF65-F5344CB8AC3E}">
@@ -30216,4 +31635,265 @@
     </a:ext>
   </a:extLst>
 </a:theme>
+</file>
+
+<file path=ppt/theme/theme2.xml><?xml version="1.0" encoding="utf-8"?>
+<a:theme xmlns:a="http://schemas.openxmlformats.org/drawingml/2006/main" name="Office 佈景主題">
+  <a:themeElements>
+    <a:clrScheme name="Office">
+      <a:dk1>
+        <a:sysClr val="windowText" lastClr="000000"/>
+      </a:dk1>
+      <a:lt1>
+        <a:sysClr val="window" lastClr="FFFFFF"/>
+      </a:lt1>
+      <a:dk2>
+        <a:srgbClr val="44546A"/>
+      </a:dk2>
+      <a:lt2>
+        <a:srgbClr val="E7E6E6"/>
+      </a:lt2>
+      <a:accent1>
+        <a:srgbClr val="5B9BD5"/>
+      </a:accent1>
+      <a:accent2>
+        <a:srgbClr val="ED7D31"/>
+      </a:accent2>
+      <a:accent3>
+        <a:srgbClr val="A5A5A5"/>
+      </a:accent3>
+      <a:accent4>
+        <a:srgbClr val="FFC000"/>
+      </a:accent4>
+      <a:accent5>
+        <a:srgbClr val="4472C4"/>
+      </a:accent5>
+      <a:accent6>
+        <a:srgbClr val="70AD47"/>
+      </a:accent6>
+      <a:hlink>
+        <a:srgbClr val="0563C1"/>
+      </a:hlink>
+      <a:folHlink>
+        <a:srgbClr val="954F72"/>
+      </a:folHlink>
+    </a:clrScheme>
+    <a:fontScheme name="Office">
+      <a:majorFont>
+        <a:latin typeface="Calibri Light" panose="020F0302020204030204"/>
+        <a:ea typeface=""/>
+        <a:cs typeface=""/>
+        <a:font script="Jpan" typeface="游ゴシック Light"/>
+        <a:font script="Hang" typeface="맑은 고딕"/>
+        <a:font script="Hans" typeface="等线 Light"/>
+        <a:font script="Hant" typeface="新細明體"/>
+        <a:font script="Arab" typeface="Times New Roman"/>
+        <a:font script="Hebr" typeface="Times New Roman"/>
+        <a:font script="Thai" typeface="Angsana New"/>
+        <a:font script="Ethi" typeface="Nyala"/>
+        <a:font script="Beng" typeface="Vrinda"/>
+        <a:font script="Gujr" typeface="Shruti"/>
+        <a:font script="Khmr" typeface="MoolBoran"/>
+        <a:font script="Knda" typeface="Tunga"/>
+        <a:font script="Guru" typeface="Raavi"/>
+        <a:font script="Cans" typeface="Euphemia"/>
+        <a:font script="Cher" typeface="Plantagenet Cherokee"/>
+        <a:font script="Yiii" typeface="Microsoft Yi Baiti"/>
+        <a:font script="Tibt" typeface="Microsoft Himalaya"/>
+        <a:font script="Thaa" typeface="MV Boli"/>
+        <a:font script="Deva" typeface="Mangal"/>
+        <a:font script="Telu" typeface="Gautami"/>
+        <a:font script="Taml" typeface="Latha"/>
+        <a:font script="Syrc" typeface="Estrangelo Edessa"/>
+        <a:font script="Orya" typeface="Kalinga"/>
+        <a:font script="Mlym" typeface="Kartika"/>
+        <a:font script="Laoo" typeface="DokChampa"/>
+        <a:font script="Sinh" typeface="Iskoola Pota"/>
+        <a:font script="Mong" typeface="Mongolian Baiti"/>
+        <a:font script="Viet" typeface="Times New Roman"/>
+        <a:font script="Uigh" typeface="Microsoft Uighur"/>
+        <a:font script="Geor" typeface="Sylfaen"/>
+      </a:majorFont>
+      <a:minorFont>
+        <a:latin typeface="Calibri" panose="020F0502020204030204"/>
+        <a:ea typeface=""/>
+        <a:cs typeface=""/>
+        <a:font script="Jpan" typeface="游ゴシック"/>
+        <a:font script="Hang" typeface="맑은 고딕"/>
+        <a:font script="Hans" typeface="等线"/>
+        <a:font script="Hant" typeface="新細明體"/>
+        <a:font script="Arab" typeface="Arial"/>
+        <a:font script="Hebr" typeface="Arial"/>
+        <a:font script="Thai" typeface="Cordia New"/>
+        <a:font script="Ethi" typeface="Nyala"/>
+        <a:font script="Beng" typeface="Vrinda"/>
+        <a:font script="Gujr" typeface="Shruti"/>
+        <a:font script="Khmr" typeface="DaunPenh"/>
+        <a:font script="Knda" typeface="Tunga"/>
+        <a:font script="Guru" typeface="Raavi"/>
+        <a:font script="Cans" typeface="Euphemia"/>
+        <a:font script="Cher" typeface="Plantagenet Cherokee"/>
+        <a:font script="Yiii" typeface="Microsoft Yi Baiti"/>
+        <a:font script="Tibt" typeface="Microsoft Himalaya"/>
+        <a:font script="Thaa" typeface="MV Boli"/>
+        <a:font script="Deva" typeface="Mangal"/>
+        <a:font script="Telu" typeface="Gautami"/>
+        <a:font script="Taml" typeface="Latha"/>
+        <a:font script="Syrc" typeface="Estrangelo Edessa"/>
+        <a:font script="Orya" typeface="Kalinga"/>
+        <a:font script="Mlym" typeface="Kartika"/>
+        <a:font script="Laoo" typeface="DokChampa"/>
+        <a:font script="Sinh" typeface="Iskoola Pota"/>
+        <a:font script="Mong" typeface="Mongolian Baiti"/>
+        <a:font script="Viet" typeface="Arial"/>
+        <a:font script="Uigh" typeface="Microsoft Uighur"/>
+        <a:font script="Geor" typeface="Sylfaen"/>
+      </a:minorFont>
+    </a:fontScheme>
+    <a:fmtScheme name="Office">
+      <a:fillStyleLst>
+        <a:solidFill>
+          <a:schemeClr val="phClr"/>
+        </a:solidFill>
+        <a:gradFill rotWithShape="1">
+          <a:gsLst>
+            <a:gs pos="0">
+              <a:schemeClr val="phClr">
+                <a:lumMod val="110000"/>
+                <a:satMod val="105000"/>
+                <a:tint val="67000"/>
+              </a:schemeClr>
+            </a:gs>
+            <a:gs pos="50000">
+              <a:schemeClr val="phClr">
+                <a:lumMod val="105000"/>
+                <a:satMod val="103000"/>
+                <a:tint val="73000"/>
+              </a:schemeClr>
+            </a:gs>
+            <a:gs pos="100000">
+              <a:schemeClr val="phClr">
+                <a:lumMod val="105000"/>
+                <a:satMod val="109000"/>
+                <a:tint val="81000"/>
+              </a:schemeClr>
+            </a:gs>
+          </a:gsLst>
+          <a:lin ang="5400000" scaled="0"/>
+        </a:gradFill>
+        <a:gradFill rotWithShape="1">
+          <a:gsLst>
+            <a:gs pos="0">
+              <a:schemeClr val="phClr">
+                <a:satMod val="103000"/>
+                <a:lumMod val="102000"/>
+                <a:tint val="94000"/>
+              </a:schemeClr>
+            </a:gs>
+            <a:gs pos="50000">
+              <a:schemeClr val="phClr">
+                <a:satMod val="110000"/>
+                <a:lumMod val="100000"/>
+                <a:shade val="100000"/>
+              </a:schemeClr>
+            </a:gs>
+            <a:gs pos="100000">
+              <a:schemeClr val="phClr">
+                <a:lumMod val="99000"/>
+                <a:satMod val="120000"/>
+                <a:shade val="78000"/>
+              </a:schemeClr>
+            </a:gs>
+          </a:gsLst>
+          <a:lin ang="5400000" scaled="0"/>
+        </a:gradFill>
+      </a:fillStyleLst>
+      <a:lnStyleLst>
+        <a:ln w="6350" cap="flat" cmpd="sng" algn="ctr">
+          <a:solidFill>
+            <a:schemeClr val="phClr"/>
+          </a:solidFill>
+          <a:prstDash val="solid"/>
+          <a:miter lim="800000"/>
+        </a:ln>
+        <a:ln w="12700" cap="flat" cmpd="sng" algn="ctr">
+          <a:solidFill>
+            <a:schemeClr val="phClr"/>
+          </a:solidFill>
+          <a:prstDash val="solid"/>
+          <a:miter lim="800000"/>
+        </a:ln>
+        <a:ln w="19050" cap="flat" cmpd="sng" algn="ctr">
+          <a:solidFill>
+            <a:schemeClr val="phClr"/>
+          </a:solidFill>
+          <a:prstDash val="solid"/>
+          <a:miter lim="800000"/>
+        </a:ln>
+      </a:lnStyleLst>
+      <a:effectStyleLst>
+        <a:effectStyle>
+          <a:effectLst/>
+        </a:effectStyle>
+        <a:effectStyle>
+          <a:effectLst/>
+        </a:effectStyle>
+        <a:effectStyle>
+          <a:effectLst>
+            <a:outerShdw blurRad="57150" dist="19050" dir="5400000" algn="ctr" rotWithShape="0">
+              <a:srgbClr val="000000">
+                <a:alpha val="63000"/>
+              </a:srgbClr>
+            </a:outerShdw>
+          </a:effectLst>
+        </a:effectStyle>
+      </a:effectStyleLst>
+      <a:bgFillStyleLst>
+        <a:solidFill>
+          <a:schemeClr val="phClr"/>
+        </a:solidFill>
+        <a:solidFill>
+          <a:schemeClr val="phClr">
+            <a:tint val="95000"/>
+            <a:satMod val="170000"/>
+          </a:schemeClr>
+        </a:solidFill>
+        <a:gradFill rotWithShape="1">
+          <a:gsLst>
+            <a:gs pos="0">
+              <a:schemeClr val="phClr">
+                <a:tint val="93000"/>
+                <a:satMod val="150000"/>
+                <a:shade val="98000"/>
+                <a:lumMod val="102000"/>
+              </a:schemeClr>
+            </a:gs>
+            <a:gs pos="50000">
+              <a:schemeClr val="phClr">
+                <a:tint val="98000"/>
+                <a:satMod val="130000"/>
+                <a:shade val="90000"/>
+                <a:lumMod val="103000"/>
+              </a:schemeClr>
+            </a:gs>
+            <a:gs pos="100000">
+              <a:schemeClr val="phClr">
+                <a:shade val="63000"/>
+                <a:satMod val="120000"/>
+              </a:schemeClr>
+            </a:gs>
+          </a:gsLst>
+          <a:lin ang="5400000" scaled="0"/>
+        </a:gradFill>
+      </a:bgFillStyleLst>
+    </a:fmtScheme>
+  </a:themeElements>
+  <a:objectDefaults/>
+  <a:extraClrSchemeLst/>
+  <a:extLst>
+    <a:ext uri="{05A4C25C-085E-4340-85A3-A5531E510DB2}">
+      <thm15:themeFamily xmlns:thm15="http://schemas.microsoft.com/office/thememl/2012/main" name="Office Theme" id="{62F939B6-93AF-4DB8-9C6B-D6C7DFDC589F}" vid="{4A3C46E8-61CC-4603-A589-7422A47A8E4A}"/>
+    </a:ext>
+  </a:extLst>
+</a:theme>
 </file>
--- a/report/以SDR實現OTSM通訊技術.pptx
+++ b/report/以SDR實現OTSM通訊技術.pptx
@@ -5,7 +5,7 @@
     <p:sldMasterId id="2147483678" r:id="rId1"/>
   </p:sldMasterIdLst>
   <p:notesMasterIdLst>
-    <p:notesMasterId r:id="rId20"/>
+    <p:notesMasterId r:id="rId21"/>
   </p:notesMasterIdLst>
   <p:sldIdLst>
     <p:sldId id="256" r:id="rId2"/>
@@ -13,19 +13,20 @@
     <p:sldId id="274" r:id="rId4"/>
     <p:sldId id="283" r:id="rId5"/>
     <p:sldId id="284" r:id="rId6"/>
-    <p:sldId id="282" r:id="rId7"/>
-    <p:sldId id="281" r:id="rId8"/>
-    <p:sldId id="258" r:id="rId9"/>
-    <p:sldId id="260" r:id="rId10"/>
-    <p:sldId id="261" r:id="rId11"/>
-    <p:sldId id="262" r:id="rId12"/>
-    <p:sldId id="263" r:id="rId13"/>
-    <p:sldId id="276" r:id="rId14"/>
-    <p:sldId id="285" r:id="rId15"/>
-    <p:sldId id="277" r:id="rId16"/>
-    <p:sldId id="278" r:id="rId17"/>
-    <p:sldId id="279" r:id="rId18"/>
-    <p:sldId id="280" r:id="rId19"/>
+    <p:sldId id="286" r:id="rId7"/>
+    <p:sldId id="282" r:id="rId8"/>
+    <p:sldId id="281" r:id="rId9"/>
+    <p:sldId id="258" r:id="rId10"/>
+    <p:sldId id="260" r:id="rId11"/>
+    <p:sldId id="261" r:id="rId12"/>
+    <p:sldId id="262" r:id="rId13"/>
+    <p:sldId id="263" r:id="rId14"/>
+    <p:sldId id="276" r:id="rId15"/>
+    <p:sldId id="285" r:id="rId16"/>
+    <p:sldId id="277" r:id="rId17"/>
+    <p:sldId id="278" r:id="rId18"/>
+    <p:sldId id="279" r:id="rId19"/>
+    <p:sldId id="280" r:id="rId20"/>
   </p:sldIdLst>
   <p:sldSz cx="12192000" cy="6858000"/>
   <p:notesSz cx="6858000" cy="9144000"/>
@@ -11388,9 +11389,23 @@
 <p:sldMaster xmlns:a="http://schemas.openxmlformats.org/drawingml/2006/main" xmlns:r="http://schemas.openxmlformats.org/officeDocument/2006/relationships" xmlns:p="http://schemas.openxmlformats.org/presentationml/2006/main">
   <p:cSld>
     <p:bg>
-      <p:bgRef idx="1003">
-        <a:schemeClr val="bg2"/>
-      </p:bgRef>
+      <p:bgPr>
+        <a:gradFill flip="none" rotWithShape="1">
+          <a:gsLst>
+            <a:gs pos="0">
+              <a:schemeClr val="bg1"/>
+            </a:gs>
+            <a:gs pos="100000">
+              <a:srgbClr val="FFD847"/>
+            </a:gs>
+          </a:gsLst>
+          <a:path path="circle">
+            <a:fillToRect l="50000" t="50000" r="100000" b="100000"/>
+          </a:path>
+          <a:tileRect/>
+        </a:gradFill>
+        <a:effectLst/>
+      </p:bgPr>
     </p:bg>
     <p:spTree>
       <p:nvGrpSpPr>
@@ -14141,6 +14156,393 @@
       </p:sp>
       <p:sp>
         <p:nvSpPr>
+          <p:cNvPr id="6" name="文字方塊 5">
+            <a:extLst>
+              <a:ext uri="{FF2B5EF4-FFF2-40B4-BE49-F238E27FC236}">
+                <a16:creationId xmlns:a16="http://schemas.microsoft.com/office/drawing/2014/main" id="{5F4BB615-8356-D472-04C0-1E04DE91AFE0}"/>
+              </a:ext>
+            </a:extLst>
+          </p:cNvPr>
+          <p:cNvSpPr txBox="1"/>
+          <p:nvPr/>
+        </p:nvSpPr>
+        <p:spPr>
+          <a:xfrm>
+            <a:off x="779866" y="1692343"/>
+            <a:ext cx="6097554" cy="369332"/>
+          </a:xfrm>
+          <a:prstGeom prst="rect">
+            <a:avLst/>
+          </a:prstGeom>
+          <a:noFill/>
+        </p:spPr>
+        <p:txBody>
+          <a:bodyPr wrap="square">
+            <a:spAutoFit/>
+          </a:bodyPr>
+          <a:lstStyle/>
+          <a:p>
+            <a:pPr lvl="0"/>
+            <a:r>
+              <a:rPr lang="zh-TW" altLang="en-US" dirty="0">
+                <a:latin typeface="王漢宗綜藝體繁" panose="02000500000000000000" pitchFamily="2" charset="-120"/>
+                <a:ea typeface="王漢宗綜藝體繁" panose="02000500000000000000" pitchFamily="2" charset="-120"/>
+              </a:rPr>
+              <a:t>同步</a:t>
+            </a:r>
+            <a:r>
+              <a:rPr lang="en-US" altLang="zh-TW" dirty="0">
+                <a:latin typeface="王漢宗綜藝體繁" panose="02000500000000000000" pitchFamily="2" charset="-120"/>
+                <a:ea typeface="王漢宗綜藝體繁" panose="02000500000000000000" pitchFamily="2" charset="-120"/>
+              </a:rPr>
+              <a:t>:</a:t>
+            </a:r>
+            <a:endParaRPr lang="zh-TW" altLang="en-US" dirty="0">
+              <a:latin typeface="王漢宗綜藝體繁" panose="02000500000000000000" pitchFamily="2" charset="-120"/>
+              <a:ea typeface="王漢宗綜藝體繁" panose="02000500000000000000" pitchFamily="2" charset="-120"/>
+            </a:endParaRPr>
+          </a:p>
+        </p:txBody>
+      </p:sp>
+      <p:pic>
+        <p:nvPicPr>
+          <p:cNvPr id="12" name="圖片 11">
+            <a:extLst>
+              <a:ext uri="{FF2B5EF4-FFF2-40B4-BE49-F238E27FC236}">
+                <a16:creationId xmlns:a16="http://schemas.microsoft.com/office/drawing/2014/main" id="{E276DCDD-E012-36A4-2BC4-63FACBE09468}"/>
+              </a:ext>
+            </a:extLst>
+          </p:cNvPr>
+          <p:cNvPicPr>
+            <a:picLocks noChangeAspect="1"/>
+          </p:cNvPicPr>
+          <p:nvPr/>
+        </p:nvPicPr>
+        <p:blipFill>
+          <a:blip r:embed="rId2"/>
+          <a:stretch>
+            <a:fillRect/>
+          </a:stretch>
+        </p:blipFill>
+        <p:spPr>
+          <a:xfrm>
+            <a:off x="3088026" y="1948327"/>
+            <a:ext cx="5275156" cy="4435669"/>
+          </a:xfrm>
+          <a:prstGeom prst="rect">
+            <a:avLst/>
+          </a:prstGeom>
+        </p:spPr>
+      </p:pic>
+      <p:sp>
+        <p:nvSpPr>
+          <p:cNvPr id="13" name="文字方塊 12">
+            <a:extLst>
+              <a:ext uri="{FF2B5EF4-FFF2-40B4-BE49-F238E27FC236}">
+                <a16:creationId xmlns:a16="http://schemas.microsoft.com/office/drawing/2014/main" id="{87422075-A0F4-92E7-BF33-BF3757898CCD}"/>
+              </a:ext>
+            </a:extLst>
+          </p:cNvPr>
+          <p:cNvSpPr txBox="1"/>
+          <p:nvPr/>
+        </p:nvSpPr>
+        <p:spPr>
+          <a:xfrm>
+            <a:off x="7968213" y="1756725"/>
+            <a:ext cx="1217367" cy="369332"/>
+          </a:xfrm>
+          <a:prstGeom prst="rect">
+            <a:avLst/>
+          </a:prstGeom>
+          <a:ln>
+            <a:solidFill>
+              <a:srgbClr val="0070C0"/>
+            </a:solidFill>
+          </a:ln>
+        </p:spPr>
+        <p:style>
+          <a:lnRef idx="2">
+            <a:schemeClr val="accent2"/>
+          </a:lnRef>
+          <a:fillRef idx="1">
+            <a:schemeClr val="lt1"/>
+          </a:fillRef>
+          <a:effectRef idx="0">
+            <a:schemeClr val="accent2"/>
+          </a:effectRef>
+          <a:fontRef idx="minor">
+            <a:schemeClr val="dk1"/>
+          </a:fontRef>
+        </p:style>
+        <p:txBody>
+          <a:bodyPr wrap="square" rtlCol="0">
+            <a:spAutoFit/>
+          </a:bodyPr>
+          <a:lstStyle/>
+          <a:p>
+            <a:r>
+              <a:rPr lang="zh-TW" altLang="en-US" dirty="0">
+                <a:latin typeface="王漢宗特黑體繁" panose="02000500000000000000" pitchFamily="2" charset="-120"/>
+                <a:ea typeface="王漢宗特黑體繁" panose="02000500000000000000" pitchFamily="2" charset="-120"/>
+              </a:rPr>
+              <a:t>粗調製</a:t>
+            </a:r>
+          </a:p>
+        </p:txBody>
+      </p:sp>
+      <p:cxnSp>
+        <p:nvCxnSpPr>
+          <p:cNvPr id="15" name="接點: 肘形 14">
+            <a:extLst>
+              <a:ext uri="{FF2B5EF4-FFF2-40B4-BE49-F238E27FC236}">
+                <a16:creationId xmlns:a16="http://schemas.microsoft.com/office/drawing/2014/main" id="{A3D3AB2B-AFDF-2E8F-2768-124668398347}"/>
+              </a:ext>
+            </a:extLst>
+          </p:cNvPr>
+          <p:cNvCxnSpPr>
+            <a:cxnSpLocks/>
+            <a:stCxn id="13" idx="2"/>
+          </p:cNvCxnSpPr>
+          <p:nvPr/>
+        </p:nvCxnSpPr>
+        <p:spPr>
+          <a:xfrm rot="5400000">
+            <a:off x="8105419" y="1962081"/>
+            <a:ext cx="307502" cy="635455"/>
+          </a:xfrm>
+          <a:prstGeom prst="bentConnector2">
+            <a:avLst/>
+          </a:prstGeom>
+          <a:ln>
+            <a:solidFill>
+              <a:srgbClr val="0070C0"/>
+            </a:solidFill>
+            <a:tailEnd type="triangle"/>
+          </a:ln>
+        </p:spPr>
+        <p:style>
+          <a:lnRef idx="1">
+            <a:schemeClr val="accent1"/>
+          </a:lnRef>
+          <a:fillRef idx="0">
+            <a:schemeClr val="accent1"/>
+          </a:fillRef>
+          <a:effectRef idx="0">
+            <a:schemeClr val="accent1"/>
+          </a:effectRef>
+          <a:fontRef idx="minor">
+            <a:schemeClr val="tx1"/>
+          </a:fontRef>
+        </p:style>
+      </p:cxnSp>
+      <p:sp>
+        <p:nvSpPr>
+          <p:cNvPr id="17" name="文字方塊 16">
+            <a:extLst>
+              <a:ext uri="{FF2B5EF4-FFF2-40B4-BE49-F238E27FC236}">
+                <a16:creationId xmlns:a16="http://schemas.microsoft.com/office/drawing/2014/main" id="{4D793B62-6239-AEF5-A1FA-F9CB7EDD08BC}"/>
+              </a:ext>
+            </a:extLst>
+          </p:cNvPr>
+          <p:cNvSpPr txBox="1"/>
+          <p:nvPr/>
+        </p:nvSpPr>
+        <p:spPr>
+          <a:xfrm>
+            <a:off x="7838473" y="2891204"/>
+            <a:ext cx="1217367" cy="369332"/>
+          </a:xfrm>
+          <a:prstGeom prst="rect">
+            <a:avLst/>
+          </a:prstGeom>
+          <a:ln>
+            <a:solidFill>
+              <a:srgbClr val="FF0000"/>
+            </a:solidFill>
+          </a:ln>
+        </p:spPr>
+        <p:style>
+          <a:lnRef idx="2">
+            <a:schemeClr val="accent2"/>
+          </a:lnRef>
+          <a:fillRef idx="1">
+            <a:schemeClr val="lt1"/>
+          </a:fillRef>
+          <a:effectRef idx="0">
+            <a:schemeClr val="accent2"/>
+          </a:effectRef>
+          <a:fontRef idx="minor">
+            <a:schemeClr val="dk1"/>
+          </a:fontRef>
+        </p:style>
+        <p:txBody>
+          <a:bodyPr wrap="square" rtlCol="0">
+            <a:spAutoFit/>
+          </a:bodyPr>
+          <a:lstStyle/>
+          <a:p>
+            <a:r>
+              <a:rPr lang="zh-TW" altLang="en-US" dirty="0">
+                <a:latin typeface="王漢宗特黑體繁" panose="02000500000000000000" pitchFamily="2" charset="-120"/>
+                <a:ea typeface="王漢宗特黑體繁" panose="02000500000000000000" pitchFamily="2" charset="-120"/>
+              </a:rPr>
+              <a:t>細調製</a:t>
+            </a:r>
+          </a:p>
+        </p:txBody>
+      </p:sp>
+      <p:cxnSp>
+        <p:nvCxnSpPr>
+          <p:cNvPr id="18" name="接點: 肘形 17">
+            <a:extLst>
+              <a:ext uri="{FF2B5EF4-FFF2-40B4-BE49-F238E27FC236}">
+                <a16:creationId xmlns:a16="http://schemas.microsoft.com/office/drawing/2014/main" id="{C636CEDF-DCA6-1740-FDDE-110C1AF8A916}"/>
+              </a:ext>
+            </a:extLst>
+          </p:cNvPr>
+          <p:cNvCxnSpPr>
+            <a:cxnSpLocks/>
+            <a:stCxn id="17" idx="0"/>
+          </p:cNvCxnSpPr>
+          <p:nvPr/>
+        </p:nvCxnSpPr>
+        <p:spPr>
+          <a:xfrm rot="16200000" flipV="1">
+            <a:off x="7836393" y="2280439"/>
+            <a:ext cx="279914" cy="941615"/>
+          </a:xfrm>
+          <a:prstGeom prst="bentConnector2">
+            <a:avLst/>
+          </a:prstGeom>
+          <a:ln>
+            <a:solidFill>
+              <a:srgbClr val="FF0000"/>
+            </a:solidFill>
+            <a:tailEnd type="triangle"/>
+          </a:ln>
+        </p:spPr>
+        <p:style>
+          <a:lnRef idx="1">
+            <a:schemeClr val="accent1"/>
+          </a:lnRef>
+          <a:fillRef idx="0">
+            <a:schemeClr val="accent1"/>
+          </a:fillRef>
+          <a:effectRef idx="0">
+            <a:schemeClr val="accent1"/>
+          </a:effectRef>
+          <a:fontRef idx="minor">
+            <a:schemeClr val="tx1"/>
+          </a:fontRef>
+        </p:style>
+      </p:cxnSp>
+      <p:sp>
+        <p:nvSpPr>
+          <p:cNvPr id="9" name="文字方塊 8"/>
+          <p:cNvSpPr txBox="1"/>
+          <p:nvPr/>
+        </p:nvSpPr>
+        <p:spPr>
+          <a:xfrm>
+            <a:off x="3435554" y="6428003"/>
+            <a:ext cx="3717684" cy="338554"/>
+          </a:xfrm>
+          <a:prstGeom prst="rect">
+            <a:avLst/>
+          </a:prstGeom>
+          <a:noFill/>
+        </p:spPr>
+        <p:txBody>
+          <a:bodyPr wrap="none" rtlCol="0">
+            <a:spAutoFit/>
+          </a:bodyPr>
+          <a:lstStyle/>
+          <a:p>
+            <a:r>
+              <a:rPr lang="zh-TW" altLang="en-US" sz="1600" dirty="0">
+                <a:latin typeface="+mn-ea"/>
+              </a:rPr>
+              <a:t>接收訊號同步後的自相關對時間的圖</a:t>
+            </a:r>
+            <a:r>
+              <a:rPr lang="en-US" altLang="zh-TW" sz="1600" dirty="0">
+                <a:latin typeface="+mn-ea"/>
+              </a:rPr>
+              <a:t>[4]</a:t>
+            </a:r>
+          </a:p>
+        </p:txBody>
+      </p:sp>
+    </p:spTree>
+    <p:extLst>
+      <p:ext uri="{BB962C8B-B14F-4D97-AF65-F5344CB8AC3E}">
+        <p14:creationId xmlns:p14="http://schemas.microsoft.com/office/powerpoint/2010/main" val="2884675579"/>
+      </p:ext>
+    </p:extLst>
+  </p:cSld>
+  <p:clrMapOvr>
+    <a:masterClrMapping/>
+  </p:clrMapOvr>
+</p:sld>
+</file>
+
+<file path=ppt/slides/slide11.xml><?xml version="1.0" encoding="utf-8"?>
+<p:sld xmlns:a="http://schemas.openxmlformats.org/drawingml/2006/main" xmlns:r="http://schemas.openxmlformats.org/officeDocument/2006/relationships" xmlns:p="http://schemas.openxmlformats.org/presentationml/2006/main">
+  <p:cSld>
+    <p:spTree>
+      <p:nvGrpSpPr>
+        <p:cNvPr id="1" name=""/>
+        <p:cNvGrpSpPr/>
+        <p:nvPr/>
+      </p:nvGrpSpPr>
+      <p:grpSpPr>
+        <a:xfrm>
+          <a:off x="0" y="0"/>
+          <a:ext cx="0" cy="0"/>
+          <a:chOff x="0" y="0"/>
+          <a:chExt cx="0" cy="0"/>
+        </a:xfrm>
+      </p:grpSpPr>
+      <p:sp>
+        <p:nvSpPr>
+          <p:cNvPr id="2" name="標題 1">
+            <a:extLst>
+              <a:ext uri="{FF2B5EF4-FFF2-40B4-BE49-F238E27FC236}">
+                <a16:creationId xmlns:a16="http://schemas.microsoft.com/office/drawing/2014/main" id="{D9AB7535-4395-5CF0-C825-7186D87DB238}"/>
+              </a:ext>
+            </a:extLst>
+          </p:cNvPr>
+          <p:cNvSpPr>
+            <a:spLocks noGrp="1"/>
+          </p:cNvSpPr>
+          <p:nvPr>
+            <p:ph type="title"/>
+          </p:nvPr>
+        </p:nvSpPr>
+        <p:spPr>
+          <a:xfrm>
+            <a:off x="1640156" y="596119"/>
+            <a:ext cx="8911687" cy="1280890"/>
+          </a:xfrm>
+        </p:spPr>
+        <p:txBody>
+          <a:bodyPr>
+            <a:normAutofit/>
+          </a:bodyPr>
+          <a:lstStyle/>
+          <a:p>
+            <a:r>
+              <a:rPr lang="zh-TW" altLang="en-US" sz="4400" dirty="0">
+                <a:latin typeface="華康POP1體W7" panose="040B0709000000000000" pitchFamily="81" charset="-120"/>
+                <a:ea typeface="華康POP1體W7" panose="040B0709000000000000" pitchFamily="81" charset="-120"/>
+              </a:rPr>
+              <a:t>接收端</a:t>
+            </a:r>
+          </a:p>
+        </p:txBody>
+      </p:sp>
+      <p:sp>
+        <p:nvSpPr>
           <p:cNvPr id="10" name="文字方塊 9">
             <a:extLst>
               <a:ext uri="{FF2B5EF4-FFF2-40B4-BE49-F238E27FC236}">
@@ -14450,7 +14852,7 @@
         </p:nvSpPr>
         <p:spPr>
           <a:xfrm>
-            <a:off x="5745708" y="1877009"/>
+            <a:off x="5544758" y="1979068"/>
             <a:ext cx="1167305" cy="3939540"/>
           </a:xfrm>
           <a:prstGeom prst="rect">
@@ -14465,10 +14867,14 @@
           <a:lstStyle/>
           <a:p>
             <a:r>
-              <a:rPr lang="en-US" altLang="zh-TW" sz="25000" dirty="0"/>
+              <a:rPr lang="en-US" altLang="zh-TW" sz="25000" dirty="0">
+                <a:latin typeface="Bodoni MT" panose="02070603080606020203" pitchFamily="18" charset="0"/>
+              </a:rPr>
               <a:t>}</a:t>
             </a:r>
-            <a:endParaRPr lang="zh-TW" altLang="en-US" sz="25000" dirty="0"/>
+            <a:endParaRPr lang="zh-TW" altLang="en-US" sz="25000" dirty="0">
+              <a:latin typeface="Bodoni MT" panose="02070603080606020203" pitchFamily="18" charset="0"/>
+            </a:endParaRPr>
           </a:p>
         </p:txBody>
       </p:sp>
@@ -14829,13 +15235,7 @@
               <a:rPr lang="zh-TW" altLang="en-US" sz="1600" dirty="0">
                 <a:latin typeface="+mn-ea"/>
               </a:rPr>
-              <a:t>校正後的</a:t>
-            </a:r>
-            <a:r>
-              <a:rPr lang="zh-TW" altLang="en-US" sz="1600" dirty="0">
-                <a:latin typeface="+mn-ea"/>
-              </a:rPr>
-              <a:t>星座圖</a:t>
+              <a:t>校正後的星座圖</a:t>
             </a:r>
             <a:r>
               <a:rPr lang="en-US" altLang="zh-TW" sz="1600" dirty="0" smtClean="0">
@@ -14948,7 +15348,7 @@
 </p:sld>
 </file>
 
-<file path=ppt/slides/slide11.xml><?xml version="1.0" encoding="utf-8"?>
+<file path=ppt/slides/slide12.xml><?xml version="1.0" encoding="utf-8"?>
 <p:sld xmlns:a="http://schemas.openxmlformats.org/drawingml/2006/main" xmlns:r="http://schemas.openxmlformats.org/officeDocument/2006/relationships" xmlns:p="http://schemas.openxmlformats.org/presentationml/2006/main">
   <p:cSld>
     <p:spTree>
@@ -27221,7 +27621,7 @@
 </p:sld>
 </file>
 
-<file path=ppt/slides/slide12.xml><?xml version="1.0" encoding="utf-8"?>
+<file path=ppt/slides/slide13.xml><?xml version="1.0" encoding="utf-8"?>
 <p:sld xmlns:a="http://schemas.openxmlformats.org/drawingml/2006/main" xmlns:r="http://schemas.openxmlformats.org/officeDocument/2006/relationships" xmlns:p="http://schemas.openxmlformats.org/presentationml/2006/main">
   <p:cSld>
     <p:spTree>
@@ -27280,36 +27680,6 @@
           </a:p>
         </p:txBody>
       </p:sp>
-      <p:pic>
-        <p:nvPicPr>
-          <p:cNvPr id="4" name="圖片 3">
-            <a:extLst>
-              <a:ext uri="{FF2B5EF4-FFF2-40B4-BE49-F238E27FC236}">
-                <a16:creationId xmlns:a16="http://schemas.microsoft.com/office/drawing/2014/main" id="{A4C2E637-D829-18D1-D41B-977152C0E7B6}"/>
-              </a:ext>
-            </a:extLst>
-          </p:cNvPr>
-          <p:cNvPicPr>
-            <a:picLocks noChangeAspect="1"/>
-          </p:cNvPicPr>
-          <p:nvPr/>
-        </p:nvPicPr>
-        <p:blipFill>
-          <a:blip r:embed="rId2"/>
-          <a:stretch>
-            <a:fillRect/>
-          </a:stretch>
-        </p:blipFill>
-        <p:spPr>
-          <a:xfrm>
-            <a:off x="933080" y="1353804"/>
-            <a:ext cx="5296639" cy="4772691"/>
-          </a:xfrm>
-          <a:prstGeom prst="rect">
-            <a:avLst/>
-          </a:prstGeom>
-        </p:spPr>
-      </p:pic>
       <p:sp>
         <p:nvSpPr>
           <p:cNvPr id="5" name="文字方塊 4"/>
@@ -27318,7 +27688,7 @@
         </p:nvSpPr>
         <p:spPr>
           <a:xfrm>
-            <a:off x="2381391" y="6126495"/>
+            <a:off x="4895990" y="5632719"/>
             <a:ext cx="2400016" cy="338554"/>
           </a:xfrm>
           <a:prstGeom prst="rect">
@@ -27356,107 +27726,40 @@
           </a:p>
         </p:txBody>
       </p:sp>
+      <p:pic>
+        <p:nvPicPr>
+          <p:cNvPr id="3" name="圖片 2"/>
+          <p:cNvPicPr>
+            <a:picLocks noChangeAspect="1"/>
+          </p:cNvPicPr>
+          <p:nvPr/>
+        </p:nvPicPr>
+        <p:blipFill>
+          <a:blip r:embed="rId2">
+            <a:extLst>
+              <a:ext uri="{28A0092B-C50C-407E-A947-70E740481C1C}">
+                <a14:useLocalDpi xmlns:a14="http://schemas.microsoft.com/office/drawing/2010/main" val="0"/>
+              </a:ext>
+            </a:extLst>
+          </a:blip>
+          <a:stretch>
+            <a:fillRect/>
+          </a:stretch>
+        </p:blipFill>
+        <p:spPr>
+          <a:xfrm>
+            <a:off x="3429219" y="1634074"/>
+            <a:ext cx="5333559" cy="3998645"/>
+          </a:xfrm>
+          <a:prstGeom prst="rect">
+            <a:avLst/>
+          </a:prstGeom>
+        </p:spPr>
+      </p:pic>
     </p:spTree>
     <p:extLst>
       <p:ext uri="{BB962C8B-B14F-4D97-AF65-F5344CB8AC3E}">
         <p14:creationId xmlns:p14="http://schemas.microsoft.com/office/powerpoint/2010/main" val="2962379831"/>
-      </p:ext>
-    </p:extLst>
-  </p:cSld>
-  <p:clrMapOvr>
-    <a:masterClrMapping/>
-  </p:clrMapOvr>
-</p:sld>
-</file>
-
-<file path=ppt/slides/slide13.xml><?xml version="1.0" encoding="utf-8"?>
-<p:sld xmlns:a="http://schemas.openxmlformats.org/drawingml/2006/main" xmlns:r="http://schemas.openxmlformats.org/officeDocument/2006/relationships" xmlns:p="http://schemas.openxmlformats.org/presentationml/2006/main">
-  <p:cSld>
-    <p:spTree>
-      <p:nvGrpSpPr>
-        <p:cNvPr id="1" name=""/>
-        <p:cNvGrpSpPr/>
-        <p:nvPr/>
-      </p:nvGrpSpPr>
-      <p:grpSpPr>
-        <a:xfrm>
-          <a:off x="0" y="0"/>
-          <a:ext cx="0" cy="0"/>
-          <a:chOff x="0" y="0"/>
-          <a:chExt cx="0" cy="0"/>
-        </a:xfrm>
-      </p:grpSpPr>
-      <p:sp>
-        <p:nvSpPr>
-          <p:cNvPr id="2" name="標題 1">
-            <a:extLst>
-              <a:ext uri="{FF2B5EF4-FFF2-40B4-BE49-F238E27FC236}">
-                <a16:creationId xmlns:a16="http://schemas.microsoft.com/office/drawing/2014/main" id="{3E743E3A-7CC9-4E3D-84CB-BF42AC3E4796}"/>
-              </a:ext>
-            </a:extLst>
-          </p:cNvPr>
-          <p:cNvSpPr>
-            <a:spLocks noGrp="1"/>
-          </p:cNvSpPr>
-          <p:nvPr>
-            <p:ph type="title"/>
-          </p:nvPr>
-        </p:nvSpPr>
-        <p:spPr/>
-        <p:txBody>
-          <a:bodyPr>
-            <a:normAutofit/>
-          </a:bodyPr>
-          <a:lstStyle/>
-          <a:p>
-            <a:r>
-              <a:rPr lang="zh-TW" altLang="en-US" b="1" dirty="0">
-                <a:latin typeface="華康粗明體" panose="02020709000000000000" pitchFamily="49" charset="-120"/>
-                <a:ea typeface="華康粗明體" panose="02020709000000000000" pitchFamily="49" charset="-120"/>
-                <a:cs typeface="+mn-cs"/>
-              </a:rPr>
-              <a:t>挑戰與解法</a:t>
-            </a:r>
-            <a:endParaRPr lang="zh-TW" altLang="en-US" b="1" dirty="0">
-              <a:latin typeface="華康粗明體" panose="02020709000000000000" pitchFamily="49" charset="-120"/>
-              <a:ea typeface="華康粗明體" panose="02020709000000000000" pitchFamily="49" charset="-120"/>
-              <a:cs typeface="+mn-cs"/>
-            </a:endParaRPr>
-          </a:p>
-        </p:txBody>
-      </p:sp>
-      <p:sp>
-        <p:nvSpPr>
-          <p:cNvPr id="3" name="內容版面配置區 2">
-            <a:extLst>
-              <a:ext uri="{FF2B5EF4-FFF2-40B4-BE49-F238E27FC236}">
-                <a16:creationId xmlns:a16="http://schemas.microsoft.com/office/drawing/2014/main" id="{92898B37-D95B-4F7C-ADFE-B728BF15D7FA}"/>
-              </a:ext>
-            </a:extLst>
-          </p:cNvPr>
-          <p:cNvSpPr>
-            <a:spLocks noGrp="1"/>
-          </p:cNvSpPr>
-          <p:nvPr>
-            <p:ph idx="1"/>
-          </p:nvPr>
-        </p:nvSpPr>
-        <p:spPr/>
-        <p:txBody>
-          <a:bodyPr/>
-          <a:lstStyle/>
-          <a:p>
-            <a:pPr marL="0" indent="0">
-              <a:buNone/>
-            </a:pPr>
-            <a:endParaRPr lang="zh-TW" altLang="en-US" dirty="0"/>
-          </a:p>
-        </p:txBody>
-      </p:sp>
-    </p:spTree>
-    <p:extLst>
-      <p:ext uri="{BB962C8B-B14F-4D97-AF65-F5344CB8AC3E}">
-        <p14:creationId xmlns:p14="http://schemas.microsoft.com/office/powerpoint/2010/main" val="3602863259"/>
       </p:ext>
     </p:extLst>
   </p:cSld>
@@ -27512,6 +27815,145 @@
                 <a:ea typeface="華康粗明體" panose="02020709000000000000" pitchFamily="49" charset="-120"/>
                 <a:cs typeface="+mn-cs"/>
               </a:rPr>
+              <a:t>挑戰與解法</a:t>
+            </a:r>
+          </a:p>
+        </p:txBody>
+      </p:sp>
+      <p:sp>
+        <p:nvSpPr>
+          <p:cNvPr id="3" name="內容版面配置區 2">
+            <a:extLst>
+              <a:ext uri="{FF2B5EF4-FFF2-40B4-BE49-F238E27FC236}">
+                <a16:creationId xmlns:a16="http://schemas.microsoft.com/office/drawing/2014/main" id="{92898B37-D95B-4F7C-ADFE-B728BF15D7FA}"/>
+              </a:ext>
+            </a:extLst>
+          </p:cNvPr>
+          <p:cNvSpPr>
+            <a:spLocks noGrp="1"/>
+          </p:cNvSpPr>
+          <p:nvPr>
+            <p:ph idx="1"/>
+          </p:nvPr>
+        </p:nvSpPr>
+        <p:spPr/>
+        <p:txBody>
+          <a:bodyPr/>
+          <a:lstStyle/>
+          <a:p>
+            <a:pPr marL="0" indent="0">
+              <a:buNone/>
+            </a:pPr>
+            <a:r>
+              <a:rPr lang="zh-TW" altLang="en-US" kern="100" dirty="0" smtClean="0">
+                <a:latin typeface="+mn-ea"/>
+                <a:cs typeface="Times New Roman" panose="02020603050405020304" pitchFamily="18" charset="0"/>
+              </a:rPr>
+              <a:t>訊號接收後無法同步資料→更改 </a:t>
+            </a:r>
+            <a:r>
+              <a:rPr lang="en-US" altLang="zh-TW" kern="100" dirty="0" err="1" smtClean="0">
+                <a:latin typeface="+mn-ea"/>
+                <a:cs typeface="Times New Roman" panose="02020603050405020304" pitchFamily="18" charset="0"/>
+              </a:rPr>
+              <a:t>Syncbits</a:t>
+            </a:r>
+            <a:r>
+              <a:rPr lang="en-US" altLang="zh-TW" kern="100" dirty="0" smtClean="0">
+                <a:latin typeface="+mn-ea"/>
+                <a:cs typeface="Times New Roman" panose="02020603050405020304" pitchFamily="18" charset="0"/>
+              </a:rPr>
+              <a:t> </a:t>
+            </a:r>
+            <a:r>
+              <a:rPr lang="zh-TW" altLang="en-US" kern="100" dirty="0" smtClean="0">
+                <a:latin typeface="+mn-ea"/>
+                <a:cs typeface="Times New Roman" panose="02020603050405020304" pitchFamily="18" charset="0"/>
+              </a:rPr>
+              <a:t>的調變方式，修改同步程式。</a:t>
+            </a:r>
+            <a:endParaRPr lang="en-US" altLang="zh-TW" kern="100" dirty="0" smtClean="0">
+              <a:latin typeface="+mn-ea"/>
+              <a:cs typeface="Times New Roman" panose="02020603050405020304" pitchFamily="18" charset="0"/>
+            </a:endParaRPr>
+          </a:p>
+          <a:p>
+            <a:pPr marL="0" indent="0">
+              <a:buNone/>
+            </a:pPr>
+            <a:r>
+              <a:rPr lang="en-US" altLang="zh-TW" kern="100" smtClean="0">
+                <a:latin typeface="+mn-ea"/>
+                <a:cs typeface="Times New Roman" panose="02020603050405020304" pitchFamily="18" charset="0"/>
+              </a:rPr>
+              <a:t>CFO</a:t>
+            </a:r>
+            <a:endParaRPr lang="en-US" altLang="zh-TW" kern="100" dirty="0" smtClean="0">
+              <a:latin typeface="+mn-ea"/>
+              <a:cs typeface="Times New Roman" panose="02020603050405020304" pitchFamily="18" charset="0"/>
+            </a:endParaRPr>
+          </a:p>
+        </p:txBody>
+      </p:sp>
+    </p:spTree>
+    <p:extLst>
+      <p:ext uri="{BB962C8B-B14F-4D97-AF65-F5344CB8AC3E}">
+        <p14:creationId xmlns:p14="http://schemas.microsoft.com/office/powerpoint/2010/main" val="3602863259"/>
+      </p:ext>
+    </p:extLst>
+  </p:cSld>
+  <p:clrMapOvr>
+    <a:masterClrMapping/>
+  </p:clrMapOvr>
+</p:sld>
+</file>
+
+<file path=ppt/slides/slide15.xml><?xml version="1.0" encoding="utf-8"?>
+<p:sld xmlns:a="http://schemas.openxmlformats.org/drawingml/2006/main" xmlns:r="http://schemas.openxmlformats.org/officeDocument/2006/relationships" xmlns:p="http://schemas.openxmlformats.org/presentationml/2006/main">
+  <p:cSld>
+    <p:spTree>
+      <p:nvGrpSpPr>
+        <p:cNvPr id="1" name=""/>
+        <p:cNvGrpSpPr/>
+        <p:nvPr/>
+      </p:nvGrpSpPr>
+      <p:grpSpPr>
+        <a:xfrm>
+          <a:off x="0" y="0"/>
+          <a:ext cx="0" cy="0"/>
+          <a:chOff x="0" y="0"/>
+          <a:chExt cx="0" cy="0"/>
+        </a:xfrm>
+      </p:grpSpPr>
+      <p:sp>
+        <p:nvSpPr>
+          <p:cNvPr id="2" name="標題 1">
+            <a:extLst>
+              <a:ext uri="{FF2B5EF4-FFF2-40B4-BE49-F238E27FC236}">
+                <a16:creationId xmlns:a16="http://schemas.microsoft.com/office/drawing/2014/main" id="{3E743E3A-7CC9-4E3D-84CB-BF42AC3E4796}"/>
+              </a:ext>
+            </a:extLst>
+          </p:cNvPr>
+          <p:cNvSpPr>
+            <a:spLocks noGrp="1"/>
+          </p:cNvSpPr>
+          <p:nvPr>
+            <p:ph type="title"/>
+          </p:nvPr>
+        </p:nvSpPr>
+        <p:spPr/>
+        <p:txBody>
+          <a:bodyPr>
+            <a:normAutofit/>
+          </a:bodyPr>
+          <a:lstStyle/>
+          <a:p>
+            <a:r>
+              <a:rPr lang="zh-TW" altLang="en-US" b="1" dirty="0">
+                <a:latin typeface="華康粗明體" panose="02020709000000000000" pitchFamily="49" charset="-120"/>
+                <a:ea typeface="華康粗明體" panose="02020709000000000000" pitchFamily="49" charset="-120"/>
+                <a:cs typeface="+mn-cs"/>
+              </a:rPr>
               <a:t>結論與貢獻</a:t>
             </a:r>
           </a:p>
@@ -27558,7 +28000,7 @@
 </p:sld>
 </file>
 
-<file path=ppt/slides/slide15.xml><?xml version="1.0" encoding="utf-8"?>
+<file path=ppt/slides/slide16.xml><?xml version="1.0" encoding="utf-8"?>
 <p:sld xmlns:a="http://schemas.openxmlformats.org/drawingml/2006/main" xmlns:r="http://schemas.openxmlformats.org/officeDocument/2006/relationships" xmlns:p="http://schemas.openxmlformats.org/presentationml/2006/main">
   <p:cSld>
     <p:spTree>
@@ -27807,7 +28249,21 @@
                 <a:latin typeface="華康細明體" panose="02020309000000000000" pitchFamily="49" charset="-120"/>
                 <a:ea typeface="華康細明體" panose="02020309000000000000" pitchFamily="49" charset="-120"/>
               </a:rPr>
-              <a:t>萬子謙：吃大家屁眼蜜、嘗試拆開</a:t>
+              <a:t>萬子謙</a:t>
+            </a:r>
+            <a:r>
+              <a:rPr lang="zh-TW" altLang="en-US" dirty="0" smtClean="0">
+                <a:latin typeface="華康細明體" panose="02020309000000000000" pitchFamily="49" charset="-120"/>
+                <a:ea typeface="華康細明體" panose="02020309000000000000" pitchFamily="49" charset="-120"/>
+              </a:rPr>
+              <a:t>：嘗試</a:t>
+            </a:r>
+            <a:r>
+              <a:rPr lang="zh-TW" altLang="en-US" dirty="0">
+                <a:latin typeface="華康細明體" panose="02020309000000000000" pitchFamily="49" charset="-120"/>
+                <a:ea typeface="華康細明體" panose="02020309000000000000" pitchFamily="49" charset="-120"/>
+              </a:rPr>
+              <a:t>拆開</a:t>
             </a:r>
             <a:r>
               <a:rPr lang="en-US" altLang="zh-TW" dirty="0">
@@ -27845,11 +28301,11 @@
               <a:t>CFO</a:t>
             </a:r>
             <a:r>
-              <a:rPr lang="zh-TW" altLang="en-US" dirty="0">
+              <a:rPr lang="zh-TW" altLang="en-US" dirty="0" smtClean="0">
                 <a:latin typeface="華康細明體" panose="02020309000000000000" pitchFamily="49" charset="-120"/>
                 <a:ea typeface="華康細明體" panose="02020309000000000000" pitchFamily="49" charset="-120"/>
               </a:rPr>
-              <a:t>校正</a:t>
+              <a:t>校正、海報製作</a:t>
             </a:r>
             <a:endParaRPr lang="en-US" altLang="zh-TW" dirty="0">
               <a:latin typeface="華康細明體" panose="02020309000000000000" pitchFamily="49" charset="-120"/>
@@ -27992,7 +28448,7 @@
               <a:t>校正</a:t>
             </a:r>
             <a:r>
-              <a:rPr kumimoji="0" lang="en-US" altLang="zh-TW" sz="2800" b="0" i="0" u="none" strike="noStrike" kern="1200" cap="none" spc="0" normalizeH="0" baseline="0" noProof="0" dirty="0">
+              <a:rPr kumimoji="0" lang="en-US" altLang="zh-TW" sz="2800" b="0" i="0" u="none" strike="noStrike" kern="1200" cap="none" spc="0" normalizeH="0" baseline="0" noProof="0" dirty="0" smtClean="0">
                 <a:ln>
                   <a:noFill/>
                 </a:ln>
@@ -28006,7 +28462,7 @@
               <a:t>)</a:t>
             </a:r>
             <a:r>
-              <a:rPr kumimoji="0" lang="zh-TW" altLang="en-US" sz="2800" b="0" i="0" u="none" strike="noStrike" kern="1200" cap="none" spc="0" normalizeH="0" baseline="0" noProof="0" dirty="0">
+              <a:rPr kumimoji="0" lang="zh-TW" altLang="en-US" sz="2800" b="0" i="0" u="none" strike="noStrike" kern="1200" cap="none" spc="0" normalizeH="0" baseline="0" noProof="0" dirty="0" smtClean="0">
                 <a:ln>
                   <a:noFill/>
                 </a:ln>
@@ -28017,7 +28473,56 @@
                 <a:ea typeface="華康細明體" panose="02020309000000000000" pitchFamily="49" charset="-120"/>
                 <a:cs typeface="+mn-cs"/>
               </a:rPr>
-              <a:t>、畫圖</a:t>
+              <a:t>、</a:t>
+            </a:r>
+            <a:r>
+              <a:rPr kumimoji="0" lang="en-US" altLang="zh-TW" sz="2800" b="0" i="0" u="none" strike="noStrike" kern="1200" cap="none" spc="0" normalizeH="0" baseline="0" noProof="0" dirty="0" smtClean="0">
+                <a:ln>
+                  <a:noFill/>
+                </a:ln>
+                <a:effectLst/>
+                <a:uLnTx/>
+                <a:uFillTx/>
+                <a:latin typeface="華康細明體" panose="02020309000000000000" pitchFamily="49" charset="-120"/>
+                <a:ea typeface="華康細明體" panose="02020309000000000000" pitchFamily="49" charset="-120"/>
+                <a:cs typeface="+mn-cs"/>
+              </a:rPr>
+              <a:t>OTSM</a:t>
+            </a:r>
+            <a:r>
+              <a:rPr kumimoji="0" lang="zh-TW" altLang="en-US" sz="2800" b="0" i="0" u="none" strike="noStrike" kern="1200" cap="none" spc="0" normalizeH="0" baseline="0" noProof="0" dirty="0" smtClean="0">
+                <a:ln>
+                  <a:noFill/>
+                </a:ln>
+                <a:effectLst/>
+                <a:uLnTx/>
+                <a:uFillTx/>
+                <a:latin typeface="華康細明體" panose="02020309000000000000" pitchFamily="49" charset="-120"/>
+                <a:ea typeface="華康細明體" panose="02020309000000000000" pitchFamily="49" charset="-120"/>
+                <a:cs typeface="+mn-cs"/>
+              </a:rPr>
+              <a:t>數據</a:t>
+            </a:r>
+            <a:r>
+              <a:rPr lang="zh-TW" altLang="en-US" dirty="0" smtClean="0">
+                <a:latin typeface="華康細明體" panose="02020309000000000000" pitchFamily="49" charset="-120"/>
+                <a:ea typeface="華康細明體" panose="02020309000000000000" pitchFamily="49" charset="-120"/>
+              </a:rPr>
+              <a:t>整理、畫圖、版本</a:t>
+            </a:r>
+            <a:r>
+              <a:rPr kumimoji="0" lang="zh-TW" altLang="en-US" sz="2800" b="0" i="0" u="none" strike="noStrike" kern="1200" cap="none" spc="0" normalizeH="0" baseline="0" noProof="0" dirty="0" smtClean="0">
+                <a:ln>
+                  <a:noFill/>
+                </a:ln>
+                <a:effectLst/>
+                <a:uLnTx/>
+                <a:uFillTx/>
+                <a:latin typeface="華康細明體" panose="02020309000000000000" pitchFamily="49" charset="-120"/>
+                <a:ea typeface="華康細明體" panose="02020309000000000000" pitchFamily="49" charset="-120"/>
+                <a:cs typeface="+mn-cs"/>
+              </a:rPr>
+              <a:t>控制</a:t>
             </a:r>
             <a:endParaRPr kumimoji="0" lang="en-US" altLang="zh-TW" sz="2800" b="0" i="0" u="none" strike="noStrike" kern="1200" cap="none" spc="0" normalizeH="0" baseline="0" noProof="0" dirty="0">
               <a:ln>
@@ -28044,49 +28549,21 @@
                 <a:latin typeface="華康細明體" panose="02020309000000000000" pitchFamily="49" charset="-120"/>
                 <a:ea typeface="華康細明體" panose="02020309000000000000" pitchFamily="49" charset="-120"/>
               </a:rPr>
-              <a:t>：</a:t>
+              <a:t>：協助</a:t>
+            </a:r>
+            <a:r>
+              <a:rPr lang="en-US" altLang="zh-TW" dirty="0" smtClean="0">
+                <a:latin typeface="華康細明體" panose="02020309000000000000" pitchFamily="49" charset="-120"/>
+                <a:ea typeface="華康細明體" panose="02020309000000000000" pitchFamily="49" charset="-120"/>
+              </a:rPr>
+              <a:t>OTSM</a:t>
             </a:r>
             <a:r>
               <a:rPr lang="zh-TW" altLang="en-US" dirty="0">
                 <a:latin typeface="華康細明體" panose="02020309000000000000" pitchFamily="49" charset="-120"/>
                 <a:ea typeface="華康細明體" panose="02020309000000000000" pitchFamily="49" charset="-120"/>
               </a:rPr>
-              <a:t>新增</a:t>
-            </a:r>
-            <a:r>
-              <a:rPr lang="en-US" altLang="zh-TW" dirty="0" err="1">
-                <a:latin typeface="華康細明體" panose="02020309000000000000" pitchFamily="49" charset="-120"/>
-                <a:ea typeface="華康細明體" panose="02020309000000000000" pitchFamily="49" charset="-120"/>
-              </a:rPr>
-              <a:t>BER.m</a:t>
-            </a:r>
-            <a:r>
-              <a:rPr lang="zh-TW" altLang="en-US" dirty="0">
-                <a:latin typeface="華康細明體" panose="02020309000000000000" pitchFamily="49" charset="-120"/>
-                <a:ea typeface="華康細明體" panose="02020309000000000000" pitchFamily="49" charset="-120"/>
-              </a:rPr>
-              <a:t>、新增</a:t>
-            </a:r>
-            <a:r>
-              <a:rPr lang="en-US" altLang="zh-TW" dirty="0" err="1">
-                <a:latin typeface="華康細明體" panose="02020309000000000000" pitchFamily="49" charset="-120"/>
-                <a:ea typeface="華康細明體" panose="02020309000000000000" pitchFamily="49" charset="-120"/>
-              </a:rPr>
-              <a:t>DataAnalysis.m</a:t>
-            </a:r>
-            <a:r>
-              <a:rPr lang="zh-TW" altLang="en-US" dirty="0">
-                <a:latin typeface="華康細明體" panose="02020309000000000000" pitchFamily="49" charset="-120"/>
-                <a:ea typeface="華康細明體" panose="02020309000000000000" pitchFamily="49" charset="-120"/>
-              </a:rPr>
-              <a:t>、新增</a:t>
-            </a:r>
-            <a:r>
-              <a:rPr lang="en-US" altLang="zh-TW" dirty="0" err="1" smtClean="0">
-                <a:latin typeface="華康細明體" panose="02020309000000000000" pitchFamily="49" charset="-120"/>
-                <a:ea typeface="華康細明體" panose="02020309000000000000" pitchFamily="49" charset="-120"/>
-              </a:rPr>
-              <a:t>figplusfig.m</a:t>
+              <a:t>程式替換</a:t>
             </a:r>
             <a:endParaRPr lang="en-US" altLang="zh-TW" dirty="0" smtClean="0">
               <a:latin typeface="華康細明體" panose="02020309000000000000" pitchFamily="49" charset="-120"/>
@@ -28102,45 +28579,31 @@
               <a:t>陳建霖</a:t>
             </a:r>
             <a:r>
+              <a:rPr lang="zh-TW" altLang="en-US" dirty="0" smtClean="0">
+                <a:latin typeface="華康細明體" panose="02020309000000000000" pitchFamily="49" charset="-120"/>
+                <a:ea typeface="華康細明體" panose="02020309000000000000" pitchFamily="49" charset="-120"/>
+              </a:rPr>
+              <a:t>：資料收集</a:t>
+            </a:r>
+            <a:endParaRPr lang="en-US" altLang="zh-TW" dirty="0" smtClean="0">
+              <a:latin typeface="華康細明體" panose="02020309000000000000" pitchFamily="49" charset="-120"/>
+              <a:ea typeface="華康細明體" panose="02020309000000000000" pitchFamily="49" charset="-120"/>
+            </a:endParaRPr>
+          </a:p>
+          <a:p>
+            <a:r>
+              <a:rPr lang="zh-TW" altLang="en-US" dirty="0" smtClean="0">
+                <a:latin typeface="華康細明體" panose="02020309000000000000" pitchFamily="49" charset="-120"/>
+                <a:ea typeface="華康細明體" panose="02020309000000000000" pitchFamily="49" charset="-120"/>
+              </a:rPr>
+              <a:t>姚</a:t>
+            </a:r>
+            <a:r>
               <a:rPr lang="zh-TW" altLang="en-US" dirty="0">
                 <a:latin typeface="華康細明體" panose="02020309000000000000" pitchFamily="49" charset="-120"/>
                 <a:ea typeface="華康細明體" panose="02020309000000000000" pitchFamily="49" charset="-120"/>
               </a:rPr>
-              <a:t>：</a:t>
-            </a:r>
-            <a:r>
-              <a:rPr kumimoji="0" lang="zh-TW" altLang="en-US" sz="2800" b="0" i="0" u="none" strike="noStrike" kern="1200" cap="none" spc="0" normalizeH="0" baseline="0" noProof="0" dirty="0">
-                <a:ln>
-                  <a:noFill/>
-                </a:ln>
-                <a:effectLst/>
-                <a:uLnTx/>
-                <a:uFillTx/>
-                <a:latin typeface="華康細明體" panose="02020309000000000000" pitchFamily="49" charset="-120"/>
-                <a:ea typeface="華康細明體" panose="02020309000000000000" pitchFamily="49" charset="-120"/>
-                <a:cs typeface="+mn-cs"/>
-              </a:rPr>
-              <a:t>吉祥物</a:t>
-            </a:r>
-            <a:endParaRPr kumimoji="0" lang="en-US" altLang="zh-TW" sz="2800" b="0" i="0" u="none" strike="noStrike" kern="1200" cap="none" spc="0" normalizeH="0" baseline="0" noProof="0" dirty="0">
-              <a:ln>
-                <a:noFill/>
-              </a:ln>
-              <a:effectLst/>
-              <a:uLnTx/>
-              <a:uFillTx/>
-              <a:latin typeface="華康細明體" panose="02020309000000000000" pitchFamily="49" charset="-120"/>
-              <a:ea typeface="華康細明體" panose="02020309000000000000" pitchFamily="49" charset="-120"/>
-              <a:cs typeface="+mn-cs"/>
-            </a:endParaRPr>
-          </a:p>
-          <a:p>
-            <a:r>
-              <a:rPr lang="zh-TW" altLang="en-US" dirty="0">
-                <a:latin typeface="華康細明體" panose="02020309000000000000" pitchFamily="49" charset="-120"/>
-                <a:ea typeface="華康細明體" panose="02020309000000000000" pitchFamily="49" charset="-120"/>
-              </a:rPr>
-              <a:t>姚辰彥</a:t>
+              <a:t>辰彥</a:t>
             </a:r>
             <a:r>
               <a:rPr lang="zh-TW" altLang="en-US" dirty="0" smtClean="0">
@@ -28150,12 +28613,23 @@
               <a:t>：</a:t>
             </a:r>
             <a:r>
-              <a:rPr lang="zh-TW" altLang="zh-TW" dirty="0">
+              <a:rPr lang="zh-TW" altLang="en-US" dirty="0">
                 <a:latin typeface="華康細明體" panose="02020309000000000000" pitchFamily="49" charset="-120"/>
                 <a:ea typeface="華康細明體" panose="02020309000000000000" pitchFamily="49" charset="-120"/>
               </a:rPr>
-              <a:t>降低錯誤率、修正等化器</a:t>
-            </a:r>
+              <a:t>製作</a:t>
+            </a:r>
+            <a:r>
+              <a:rPr lang="en-US" altLang="zh-TW" dirty="0" err="1">
+                <a:latin typeface="華康細明體" panose="02020309000000000000" pitchFamily="49" charset="-120"/>
+                <a:ea typeface="華康細明體" panose="02020309000000000000" pitchFamily="49" charset="-120"/>
+              </a:rPr>
+              <a:t>ppt</a:t>
+            </a:r>
+            <a:endParaRPr lang="en-US" altLang="zh-TW" dirty="0" smtClean="0">
+              <a:latin typeface="華康細明體" panose="02020309000000000000" pitchFamily="49" charset="-120"/>
+              <a:ea typeface="華康細明體" panose="02020309000000000000" pitchFamily="49" charset="-120"/>
+            </a:endParaRPr>
           </a:p>
           <a:p>
             <a:r>
@@ -28170,41 +28644,29 @@
                 <a:latin typeface="華康細明體" panose="02020309000000000000" pitchFamily="49" charset="-120"/>
                 <a:ea typeface="華康細明體" panose="02020309000000000000" pitchFamily="49" charset="-120"/>
               </a:rPr>
-              <a:t>家葳</a:t>
+              <a:t>家</a:t>
             </a:r>
             <a:r>
               <a:rPr lang="zh-TW" altLang="en-US" dirty="0" smtClean="0">
                 <a:latin typeface="華康細明體" panose="02020309000000000000" pitchFamily="49" charset="-120"/>
                 <a:ea typeface="華康細明體" panose="02020309000000000000" pitchFamily="49" charset="-120"/>
               </a:rPr>
-              <a:t>：</a:t>
-            </a:r>
-            <a:r>
-              <a:rPr lang="zh-TW" altLang="zh-TW" dirty="0">
+              <a:t>葳：處理</a:t>
+            </a:r>
+            <a:r>
+              <a:rPr lang="en-US" altLang="zh-TW" dirty="0" err="1" smtClean="0">
                 <a:latin typeface="華康細明體" panose="02020309000000000000" pitchFamily="49" charset="-120"/>
                 <a:ea typeface="華康細明體" panose="02020309000000000000" pitchFamily="49" charset="-120"/>
               </a:rPr>
-              <a:t>通道參數設定、通道估測</a:t>
-            </a:r>
-          </a:p>
-          <a:p>
-            <a:pPr marL="0" marR="0" lvl="0" indent="0" algn="l" defTabSz="914400" rtl="0" eaLnBrk="1" fontAlgn="auto" latinLnBrk="0" hangingPunct="1">
-              <a:lnSpc>
-                <a:spcPct val="90000"/>
-              </a:lnSpc>
-              <a:spcBef>
-                <a:spcPts val="1000"/>
-              </a:spcBef>
-              <a:spcAft>
-                <a:spcPts val="0"/>
-              </a:spcAft>
-              <a:buClrTx/>
-              <a:buSzTx/>
-              <a:buFont typeface="Arial" panose="020B0604020202020204" pitchFamily="34" charset="0"/>
-              <a:buNone/>
-              <a:tabLst/>
-              <a:defRPr/>
-            </a:pPr>
+              <a:t>Github</a:t>
+            </a:r>
+            <a:r>
+              <a:rPr lang="zh-TW" altLang="en-US" dirty="0" smtClean="0">
+                <a:latin typeface="華康細明體" panose="02020309000000000000" pitchFamily="49" charset="-120"/>
+                <a:ea typeface="華康細明體" panose="02020309000000000000" pitchFamily="49" charset="-120"/>
+              </a:rPr>
+              <a:t>問題</a:t>
+            </a:r>
             <a:endParaRPr kumimoji="0" lang="en-US" altLang="zh-TW" sz="2800" b="0" i="0" u="none" strike="noStrike" kern="1200" cap="none" spc="0" normalizeH="0" baseline="0" noProof="0" dirty="0">
               <a:ln>
                 <a:noFill/>
@@ -28268,7 +28730,7 @@
 </p:sld>
 </file>
 
-<file path=ppt/slides/slide16.xml><?xml version="1.0" encoding="utf-8"?>
+<file path=ppt/slides/slide17.xml><?xml version="1.0" encoding="utf-8"?>
 <p:sld xmlns:a="http://schemas.openxmlformats.org/drawingml/2006/main" xmlns:r="http://schemas.openxmlformats.org/officeDocument/2006/relationships" xmlns:p="http://schemas.openxmlformats.org/presentationml/2006/main">
   <p:cSld>
     <p:spTree>
@@ -28301,7 +28763,12 @@
             <p:ph type="title"/>
           </p:nvPr>
         </p:nvSpPr>
-        <p:spPr/>
+        <p:spPr>
+          <a:xfrm>
+            <a:off x="1484561" y="852710"/>
+            <a:ext cx="8911687" cy="1280890"/>
+          </a:xfrm>
+        </p:spPr>
         <p:txBody>
           <a:bodyPr/>
           <a:lstStyle/>
@@ -28442,7 +28909,7 @@
 </p:sld>
 </file>
 
-<file path=ppt/slides/slide17.xml><?xml version="1.0" encoding="utf-8"?>
+<file path=ppt/slides/slide18.xml><?xml version="1.0" encoding="utf-8"?>
 <p:sld xmlns:a="http://schemas.openxmlformats.org/drawingml/2006/main" xmlns:r="http://schemas.openxmlformats.org/officeDocument/2006/relationships" xmlns:p="http://schemas.openxmlformats.org/presentationml/2006/main">
   <p:cSld>
     <p:spTree>
@@ -28459,39 +28926,6 @@
           <a:chExt cx="0" cy="0"/>
         </a:xfrm>
       </p:grpSpPr>
-      <p:sp>
-        <p:nvSpPr>
-          <p:cNvPr id="2" name="標題 1">
-            <a:extLst>
-              <a:ext uri="{FF2B5EF4-FFF2-40B4-BE49-F238E27FC236}">
-                <a16:creationId xmlns:a16="http://schemas.microsoft.com/office/drawing/2014/main" id="{C35C608C-784B-4B0E-8728-FC6EF91BC996}"/>
-              </a:ext>
-            </a:extLst>
-          </p:cNvPr>
-          <p:cNvSpPr>
-            <a:spLocks noGrp="1"/>
-          </p:cNvSpPr>
-          <p:nvPr>
-            <p:ph type="title"/>
-          </p:nvPr>
-        </p:nvSpPr>
-        <p:spPr/>
-        <p:txBody>
-          <a:bodyPr/>
-          <a:lstStyle/>
-          <a:p>
-            <a:pPr algn="ctr"/>
-            <a:r>
-              <a:rPr lang="zh-TW" altLang="en-US" dirty="0">
-                <a:solidFill>
-                  <a:schemeClr val="tx1"/>
-                </a:solidFill>
-              </a:rPr>
-              <a:t>參考文獻</a:t>
-            </a:r>
-          </a:p>
-        </p:txBody>
-      </p:sp>
       <p:sp>
         <p:nvSpPr>
           <p:cNvPr id="3" name="內容版面配置區 2">
@@ -28513,7 +28947,41 @@
           <a:bodyPr/>
           <a:lstStyle/>
           <a:p>
-            <a:endParaRPr lang="zh-TW" altLang="en-US"/>
+            <a:endParaRPr lang="zh-TW" altLang="en-US" dirty="0"/>
+          </a:p>
+        </p:txBody>
+      </p:sp>
+      <p:sp>
+        <p:nvSpPr>
+          <p:cNvPr id="5" name="標題 1">
+            <a:extLst>
+              <a:ext uri="{FF2B5EF4-FFF2-40B4-BE49-F238E27FC236}">
+                <a16:creationId xmlns:a16="http://schemas.microsoft.com/office/drawing/2014/main" id="{7519CD9A-B76F-4074-94C2-35AF2002A6BC}"/>
+              </a:ext>
+            </a:extLst>
+          </p:cNvPr>
+          <p:cNvSpPr>
+            <a:spLocks noGrp="1"/>
+          </p:cNvSpPr>
+          <p:nvPr>
+            <p:ph type="title"/>
+          </p:nvPr>
+        </p:nvSpPr>
+        <p:spPr>
+          <a:xfrm>
+            <a:off x="1484561" y="852710"/>
+            <a:ext cx="8911687" cy="1280890"/>
+          </a:xfrm>
+        </p:spPr>
+        <p:txBody>
+          <a:bodyPr/>
+          <a:lstStyle/>
+          <a:p>
+            <a:pPr algn="ctr"/>
+            <a:r>
+              <a:rPr lang="zh-TW" altLang="en-US" dirty="0"/>
+              <a:t>參考文獻</a:t>
+            </a:r>
           </a:p>
         </p:txBody>
       </p:sp>
@@ -28530,7 +28998,7 @@
 </p:sld>
 </file>
 
-<file path=ppt/slides/slide18.xml><?xml version="1.0" encoding="utf-8"?>
+<file path=ppt/slides/slide19.xml><?xml version="1.0" encoding="utf-8"?>
 <p:sld xmlns:a="http://schemas.openxmlformats.org/drawingml/2006/main" xmlns:r="http://schemas.openxmlformats.org/officeDocument/2006/relationships" xmlns:p="http://schemas.openxmlformats.org/presentationml/2006/main">
   <p:cSld>
     <p:spTree>
@@ -29875,7 +30343,7 @@
         </p:blipFill>
         <p:spPr bwMode="auto">
           <a:xfrm>
-            <a:off x="9276414" y="1880937"/>
+            <a:off x="9348566" y="1880936"/>
             <a:ext cx="2136941" cy="1552844"/>
           </a:xfrm>
           <a:prstGeom prst="rect">
@@ -29897,7 +30365,7 @@
           <p:nvPr/>
         </p:nvPicPr>
         <p:blipFill rotWithShape="1">
-          <a:blip r:embed="rId4" cstate="print">
+          <a:blip r:embed="rId4" cstate="hqprint">
             <a:extLst>
               <a:ext uri="{28A0092B-C50C-407E-A947-70E740481C1C}">
                 <a14:useLocalDpi xmlns:a14="http://schemas.microsoft.com/office/drawing/2010/main" val="0"/>
@@ -29934,7 +30402,7 @@
         </p:nvSpPr>
         <p:spPr>
           <a:xfrm>
-            <a:off x="9584900" y="3433781"/>
+            <a:off x="9990433" y="3420592"/>
             <a:ext cx="1399614" cy="338554"/>
           </a:xfrm>
           <a:prstGeom prst="rect">
@@ -30018,6 +30486,88 @@
 </file>
 
 <file path=ppt/slides/slide6.xml><?xml version="1.0" encoding="utf-8"?>
+<p:sld xmlns:a="http://schemas.openxmlformats.org/drawingml/2006/main" xmlns:r="http://schemas.openxmlformats.org/officeDocument/2006/relationships" xmlns:p="http://schemas.openxmlformats.org/presentationml/2006/main">
+  <p:cSld>
+    <p:spTree>
+      <p:nvGrpSpPr>
+        <p:cNvPr id="1" name=""/>
+        <p:cNvGrpSpPr/>
+        <p:nvPr/>
+      </p:nvGrpSpPr>
+      <p:grpSpPr>
+        <a:xfrm>
+          <a:off x="0" y="0"/>
+          <a:ext cx="0" cy="0"/>
+          <a:chOff x="0" y="0"/>
+          <a:chExt cx="0" cy="0"/>
+        </a:xfrm>
+      </p:grpSpPr>
+      <p:sp>
+        <p:nvSpPr>
+          <p:cNvPr id="2" name="標題 1"/>
+          <p:cNvSpPr>
+            <a:spLocks noGrp="1"/>
+          </p:cNvSpPr>
+          <p:nvPr>
+            <p:ph type="title"/>
+          </p:nvPr>
+        </p:nvSpPr>
+        <p:spPr>
+          <a:xfrm>
+            <a:off x="1832513" y="624110"/>
+            <a:ext cx="8911687" cy="1280890"/>
+          </a:xfrm>
+        </p:spPr>
+        <p:txBody>
+          <a:bodyPr/>
+          <a:lstStyle/>
+          <a:p>
+            <a:r>
+              <a:rPr lang="zh-TW" altLang="en-US" dirty="0" smtClean="0"/>
+              <a:t>系統方塊圖</a:t>
+            </a:r>
+            <a:endParaRPr lang="zh-TW" altLang="en-US" dirty="0"/>
+          </a:p>
+        </p:txBody>
+      </p:sp>
+      <p:pic>
+        <p:nvPicPr>
+          <p:cNvPr id="4" name="圖片 3"/>
+          <p:cNvPicPr>
+            <a:picLocks noChangeAspect="1"/>
+          </p:cNvPicPr>
+          <p:nvPr/>
+        </p:nvPicPr>
+        <p:blipFill>
+          <a:blip r:embed="rId2"/>
+          <a:stretch>
+            <a:fillRect/>
+          </a:stretch>
+        </p:blipFill>
+        <p:spPr>
+          <a:xfrm>
+            <a:off x="1425939" y="1905000"/>
+            <a:ext cx="9318261" cy="4368521"/>
+          </a:xfrm>
+          <a:prstGeom prst="rect">
+            <a:avLst/>
+          </a:prstGeom>
+        </p:spPr>
+      </p:pic>
+    </p:spTree>
+    <p:extLst>
+      <p:ext uri="{BB962C8B-B14F-4D97-AF65-F5344CB8AC3E}">
+        <p14:creationId xmlns:p14="http://schemas.microsoft.com/office/powerpoint/2010/main" val="481788087"/>
+      </p:ext>
+    </p:extLst>
+  </p:cSld>
+  <p:clrMapOvr>
+    <a:masterClrMapping/>
+  </p:clrMapOvr>
+</p:sld>
+</file>
+
+<file path=ppt/slides/slide7.xml><?xml version="1.0" encoding="utf-8"?>
 <p:sld xmlns:a="http://schemas.openxmlformats.org/drawingml/2006/main" xmlns:r="http://schemas.openxmlformats.org/officeDocument/2006/relationships" xmlns:p="http://schemas.openxmlformats.org/presentationml/2006/main">
   <p:cSld>
     <p:spTree>
@@ -30106,7 +30656,7 @@
 </p:sld>
 </file>
 
-<file path=ppt/slides/slide7.xml><?xml version="1.0" encoding="utf-8"?>
+<file path=ppt/slides/slide8.xml><?xml version="1.0" encoding="utf-8"?>
 <p:sld xmlns:a="http://schemas.openxmlformats.org/drawingml/2006/main" xmlns:r="http://schemas.openxmlformats.org/officeDocument/2006/relationships" xmlns:p="http://schemas.openxmlformats.org/presentationml/2006/main">
   <p:cSld>
     <p:spTree>
@@ -30856,7 +31406,7 @@
 </p:sld>
 </file>
 
-<file path=ppt/slides/slide8.xml><?xml version="1.0" encoding="utf-8"?>
+<file path=ppt/slides/slide9.xml><?xml version="1.0" encoding="utf-8"?>
 <p:sld xmlns:a="http://schemas.openxmlformats.org/drawingml/2006/main" xmlns:r="http://schemas.openxmlformats.org/officeDocument/2006/relationships" xmlns:p="http://schemas.openxmlformats.org/presentationml/2006/main">
   <p:cSld>
     <p:spTree>
@@ -30998,393 +31548,6 @@
     <p:extLst>
       <p:ext uri="{BB962C8B-B14F-4D97-AF65-F5344CB8AC3E}">
         <p14:creationId xmlns:p14="http://schemas.microsoft.com/office/powerpoint/2010/main" val="3093021310"/>
-      </p:ext>
-    </p:extLst>
-  </p:cSld>
-  <p:clrMapOvr>
-    <a:masterClrMapping/>
-  </p:clrMapOvr>
-</p:sld>
-</file>
-
-<file path=ppt/slides/slide9.xml><?xml version="1.0" encoding="utf-8"?>
-<p:sld xmlns:a="http://schemas.openxmlformats.org/drawingml/2006/main" xmlns:r="http://schemas.openxmlformats.org/officeDocument/2006/relationships" xmlns:p="http://schemas.openxmlformats.org/presentationml/2006/main">
-  <p:cSld>
-    <p:spTree>
-      <p:nvGrpSpPr>
-        <p:cNvPr id="1" name=""/>
-        <p:cNvGrpSpPr/>
-        <p:nvPr/>
-      </p:nvGrpSpPr>
-      <p:grpSpPr>
-        <a:xfrm>
-          <a:off x="0" y="0"/>
-          <a:ext cx="0" cy="0"/>
-          <a:chOff x="0" y="0"/>
-          <a:chExt cx="0" cy="0"/>
-        </a:xfrm>
-      </p:grpSpPr>
-      <p:sp>
-        <p:nvSpPr>
-          <p:cNvPr id="2" name="標題 1">
-            <a:extLst>
-              <a:ext uri="{FF2B5EF4-FFF2-40B4-BE49-F238E27FC236}">
-                <a16:creationId xmlns:a16="http://schemas.microsoft.com/office/drawing/2014/main" id="{D9AB7535-4395-5CF0-C825-7186D87DB238}"/>
-              </a:ext>
-            </a:extLst>
-          </p:cNvPr>
-          <p:cNvSpPr>
-            <a:spLocks noGrp="1"/>
-          </p:cNvSpPr>
-          <p:nvPr>
-            <p:ph type="title"/>
-          </p:nvPr>
-        </p:nvSpPr>
-        <p:spPr>
-          <a:xfrm>
-            <a:off x="1640156" y="596119"/>
-            <a:ext cx="8911687" cy="1280890"/>
-          </a:xfrm>
-        </p:spPr>
-        <p:txBody>
-          <a:bodyPr>
-            <a:normAutofit/>
-          </a:bodyPr>
-          <a:lstStyle/>
-          <a:p>
-            <a:r>
-              <a:rPr lang="zh-TW" altLang="en-US" sz="4400" dirty="0">
-                <a:latin typeface="華康POP1體W7" panose="040B0709000000000000" pitchFamily="81" charset="-120"/>
-                <a:ea typeface="華康POP1體W7" panose="040B0709000000000000" pitchFamily="81" charset="-120"/>
-              </a:rPr>
-              <a:t>接收端</a:t>
-            </a:r>
-          </a:p>
-        </p:txBody>
-      </p:sp>
-      <p:sp>
-        <p:nvSpPr>
-          <p:cNvPr id="6" name="文字方塊 5">
-            <a:extLst>
-              <a:ext uri="{FF2B5EF4-FFF2-40B4-BE49-F238E27FC236}">
-                <a16:creationId xmlns:a16="http://schemas.microsoft.com/office/drawing/2014/main" id="{5F4BB615-8356-D472-04C0-1E04DE91AFE0}"/>
-              </a:ext>
-            </a:extLst>
-          </p:cNvPr>
-          <p:cNvSpPr txBox="1"/>
-          <p:nvPr/>
-        </p:nvSpPr>
-        <p:spPr>
-          <a:xfrm>
-            <a:off x="779866" y="1692343"/>
-            <a:ext cx="6097554" cy="369332"/>
-          </a:xfrm>
-          <a:prstGeom prst="rect">
-            <a:avLst/>
-          </a:prstGeom>
-          <a:noFill/>
-        </p:spPr>
-        <p:txBody>
-          <a:bodyPr wrap="square">
-            <a:spAutoFit/>
-          </a:bodyPr>
-          <a:lstStyle/>
-          <a:p>
-            <a:pPr lvl="0"/>
-            <a:r>
-              <a:rPr lang="zh-TW" altLang="en-US" dirty="0">
-                <a:latin typeface="王漢宗綜藝體繁" panose="02000500000000000000" pitchFamily="2" charset="-120"/>
-                <a:ea typeface="王漢宗綜藝體繁" panose="02000500000000000000" pitchFamily="2" charset="-120"/>
-              </a:rPr>
-              <a:t>同步</a:t>
-            </a:r>
-            <a:r>
-              <a:rPr lang="en-US" altLang="zh-TW" dirty="0">
-                <a:latin typeface="王漢宗綜藝體繁" panose="02000500000000000000" pitchFamily="2" charset="-120"/>
-                <a:ea typeface="王漢宗綜藝體繁" panose="02000500000000000000" pitchFamily="2" charset="-120"/>
-              </a:rPr>
-              <a:t>:</a:t>
-            </a:r>
-            <a:endParaRPr lang="zh-TW" altLang="en-US" dirty="0">
-              <a:latin typeface="王漢宗綜藝體繁" panose="02000500000000000000" pitchFamily="2" charset="-120"/>
-              <a:ea typeface="王漢宗綜藝體繁" panose="02000500000000000000" pitchFamily="2" charset="-120"/>
-            </a:endParaRPr>
-          </a:p>
-        </p:txBody>
-      </p:sp>
-      <p:pic>
-        <p:nvPicPr>
-          <p:cNvPr id="12" name="圖片 11">
-            <a:extLst>
-              <a:ext uri="{FF2B5EF4-FFF2-40B4-BE49-F238E27FC236}">
-                <a16:creationId xmlns:a16="http://schemas.microsoft.com/office/drawing/2014/main" id="{E276DCDD-E012-36A4-2BC4-63FACBE09468}"/>
-              </a:ext>
-            </a:extLst>
-          </p:cNvPr>
-          <p:cNvPicPr>
-            <a:picLocks noChangeAspect="1"/>
-          </p:cNvPicPr>
-          <p:nvPr/>
-        </p:nvPicPr>
-        <p:blipFill>
-          <a:blip r:embed="rId2"/>
-          <a:stretch>
-            <a:fillRect/>
-          </a:stretch>
-        </p:blipFill>
-        <p:spPr>
-          <a:xfrm>
-            <a:off x="3088026" y="1948327"/>
-            <a:ext cx="5275156" cy="4435669"/>
-          </a:xfrm>
-          <a:prstGeom prst="rect">
-            <a:avLst/>
-          </a:prstGeom>
-        </p:spPr>
-      </p:pic>
-      <p:sp>
-        <p:nvSpPr>
-          <p:cNvPr id="13" name="文字方塊 12">
-            <a:extLst>
-              <a:ext uri="{FF2B5EF4-FFF2-40B4-BE49-F238E27FC236}">
-                <a16:creationId xmlns:a16="http://schemas.microsoft.com/office/drawing/2014/main" id="{87422075-A0F4-92E7-BF33-BF3757898CCD}"/>
-              </a:ext>
-            </a:extLst>
-          </p:cNvPr>
-          <p:cNvSpPr txBox="1"/>
-          <p:nvPr/>
-        </p:nvSpPr>
-        <p:spPr>
-          <a:xfrm>
-            <a:off x="7968213" y="1756725"/>
-            <a:ext cx="1217367" cy="369332"/>
-          </a:xfrm>
-          <a:prstGeom prst="rect">
-            <a:avLst/>
-          </a:prstGeom>
-          <a:ln>
-            <a:solidFill>
-              <a:srgbClr val="0070C0"/>
-            </a:solidFill>
-          </a:ln>
-        </p:spPr>
-        <p:style>
-          <a:lnRef idx="2">
-            <a:schemeClr val="accent2"/>
-          </a:lnRef>
-          <a:fillRef idx="1">
-            <a:schemeClr val="lt1"/>
-          </a:fillRef>
-          <a:effectRef idx="0">
-            <a:schemeClr val="accent2"/>
-          </a:effectRef>
-          <a:fontRef idx="minor">
-            <a:schemeClr val="dk1"/>
-          </a:fontRef>
-        </p:style>
-        <p:txBody>
-          <a:bodyPr wrap="square" rtlCol="0">
-            <a:spAutoFit/>
-          </a:bodyPr>
-          <a:lstStyle/>
-          <a:p>
-            <a:r>
-              <a:rPr lang="zh-TW" altLang="en-US" dirty="0">
-                <a:latin typeface="王漢宗特黑體繁" panose="02000500000000000000" pitchFamily="2" charset="-120"/>
-                <a:ea typeface="王漢宗特黑體繁" panose="02000500000000000000" pitchFamily="2" charset="-120"/>
-              </a:rPr>
-              <a:t>粗調製</a:t>
-            </a:r>
-          </a:p>
-        </p:txBody>
-      </p:sp>
-      <p:cxnSp>
-        <p:nvCxnSpPr>
-          <p:cNvPr id="15" name="接點: 肘形 14">
-            <a:extLst>
-              <a:ext uri="{FF2B5EF4-FFF2-40B4-BE49-F238E27FC236}">
-                <a16:creationId xmlns:a16="http://schemas.microsoft.com/office/drawing/2014/main" id="{A3D3AB2B-AFDF-2E8F-2768-124668398347}"/>
-              </a:ext>
-            </a:extLst>
-          </p:cNvPr>
-          <p:cNvCxnSpPr>
-            <a:cxnSpLocks/>
-            <a:stCxn id="13" idx="2"/>
-          </p:cNvCxnSpPr>
-          <p:nvPr/>
-        </p:nvCxnSpPr>
-        <p:spPr>
-          <a:xfrm rot="5400000">
-            <a:off x="8105419" y="1962081"/>
-            <a:ext cx="307502" cy="635455"/>
-          </a:xfrm>
-          <a:prstGeom prst="bentConnector2">
-            <a:avLst/>
-          </a:prstGeom>
-          <a:ln>
-            <a:solidFill>
-              <a:srgbClr val="0070C0"/>
-            </a:solidFill>
-            <a:tailEnd type="triangle"/>
-          </a:ln>
-        </p:spPr>
-        <p:style>
-          <a:lnRef idx="1">
-            <a:schemeClr val="accent1"/>
-          </a:lnRef>
-          <a:fillRef idx="0">
-            <a:schemeClr val="accent1"/>
-          </a:fillRef>
-          <a:effectRef idx="0">
-            <a:schemeClr val="accent1"/>
-          </a:effectRef>
-          <a:fontRef idx="minor">
-            <a:schemeClr val="tx1"/>
-          </a:fontRef>
-        </p:style>
-      </p:cxnSp>
-      <p:sp>
-        <p:nvSpPr>
-          <p:cNvPr id="17" name="文字方塊 16">
-            <a:extLst>
-              <a:ext uri="{FF2B5EF4-FFF2-40B4-BE49-F238E27FC236}">
-                <a16:creationId xmlns:a16="http://schemas.microsoft.com/office/drawing/2014/main" id="{4D793B62-6239-AEF5-A1FA-F9CB7EDD08BC}"/>
-              </a:ext>
-            </a:extLst>
-          </p:cNvPr>
-          <p:cNvSpPr txBox="1"/>
-          <p:nvPr/>
-        </p:nvSpPr>
-        <p:spPr>
-          <a:xfrm>
-            <a:off x="7838473" y="2891204"/>
-            <a:ext cx="1217367" cy="369332"/>
-          </a:xfrm>
-          <a:prstGeom prst="rect">
-            <a:avLst/>
-          </a:prstGeom>
-          <a:ln>
-            <a:solidFill>
-              <a:srgbClr val="FF0000"/>
-            </a:solidFill>
-          </a:ln>
-        </p:spPr>
-        <p:style>
-          <a:lnRef idx="2">
-            <a:schemeClr val="accent2"/>
-          </a:lnRef>
-          <a:fillRef idx="1">
-            <a:schemeClr val="lt1"/>
-          </a:fillRef>
-          <a:effectRef idx="0">
-            <a:schemeClr val="accent2"/>
-          </a:effectRef>
-          <a:fontRef idx="minor">
-            <a:schemeClr val="dk1"/>
-          </a:fontRef>
-        </p:style>
-        <p:txBody>
-          <a:bodyPr wrap="square" rtlCol="0">
-            <a:spAutoFit/>
-          </a:bodyPr>
-          <a:lstStyle/>
-          <a:p>
-            <a:r>
-              <a:rPr lang="zh-TW" altLang="en-US" dirty="0">
-                <a:latin typeface="王漢宗特黑體繁" panose="02000500000000000000" pitchFamily="2" charset="-120"/>
-                <a:ea typeface="王漢宗特黑體繁" panose="02000500000000000000" pitchFamily="2" charset="-120"/>
-              </a:rPr>
-              <a:t>細調製</a:t>
-            </a:r>
-          </a:p>
-        </p:txBody>
-      </p:sp>
-      <p:cxnSp>
-        <p:nvCxnSpPr>
-          <p:cNvPr id="18" name="接點: 肘形 17">
-            <a:extLst>
-              <a:ext uri="{FF2B5EF4-FFF2-40B4-BE49-F238E27FC236}">
-                <a16:creationId xmlns:a16="http://schemas.microsoft.com/office/drawing/2014/main" id="{C636CEDF-DCA6-1740-FDDE-110C1AF8A916}"/>
-              </a:ext>
-            </a:extLst>
-          </p:cNvPr>
-          <p:cNvCxnSpPr>
-            <a:cxnSpLocks/>
-            <a:stCxn id="17" idx="0"/>
-          </p:cNvCxnSpPr>
-          <p:nvPr/>
-        </p:nvCxnSpPr>
-        <p:spPr>
-          <a:xfrm rot="16200000" flipV="1">
-            <a:off x="7836393" y="2280439"/>
-            <a:ext cx="279914" cy="941615"/>
-          </a:xfrm>
-          <a:prstGeom prst="bentConnector2">
-            <a:avLst/>
-          </a:prstGeom>
-          <a:ln>
-            <a:solidFill>
-              <a:srgbClr val="FF0000"/>
-            </a:solidFill>
-            <a:tailEnd type="triangle"/>
-          </a:ln>
-        </p:spPr>
-        <p:style>
-          <a:lnRef idx="1">
-            <a:schemeClr val="accent1"/>
-          </a:lnRef>
-          <a:fillRef idx="0">
-            <a:schemeClr val="accent1"/>
-          </a:fillRef>
-          <a:effectRef idx="0">
-            <a:schemeClr val="accent1"/>
-          </a:effectRef>
-          <a:fontRef idx="minor">
-            <a:schemeClr val="tx1"/>
-          </a:fontRef>
-        </p:style>
-      </p:cxnSp>
-      <p:sp>
-        <p:nvSpPr>
-          <p:cNvPr id="9" name="文字方塊 8"/>
-          <p:cNvSpPr txBox="1"/>
-          <p:nvPr/>
-        </p:nvSpPr>
-        <p:spPr>
-          <a:xfrm>
-            <a:off x="3435554" y="6428003"/>
-            <a:ext cx="3717684" cy="338554"/>
-          </a:xfrm>
-          <a:prstGeom prst="rect">
-            <a:avLst/>
-          </a:prstGeom>
-          <a:noFill/>
-        </p:spPr>
-        <p:txBody>
-          <a:bodyPr wrap="none" rtlCol="0">
-            <a:spAutoFit/>
-          </a:bodyPr>
-          <a:lstStyle/>
-          <a:p>
-            <a:r>
-              <a:rPr lang="zh-TW" altLang="en-US" sz="1600" dirty="0">
-                <a:latin typeface="+mn-ea"/>
-              </a:rPr>
-              <a:t>接收訊號同步後的自相關對時間的圖</a:t>
-            </a:r>
-            <a:r>
-              <a:rPr lang="en-US" altLang="zh-TW" sz="1600" dirty="0">
-                <a:latin typeface="+mn-ea"/>
-              </a:rPr>
-              <a:t>[4]</a:t>
-            </a:r>
-          </a:p>
-        </p:txBody>
-      </p:sp>
-    </p:spTree>
-    <p:extLst>
-      <p:ext uri="{BB962C8B-B14F-4D97-AF65-F5344CB8AC3E}">
-        <p14:creationId xmlns:p14="http://schemas.microsoft.com/office/powerpoint/2010/main" val="2884675579"/>
       </p:ext>
     </p:extLst>
   </p:cSld>

--- a/report/以SDR實現OTSM通訊技術.pptx
+++ b/report/以SDR實現OTSM通訊技術.pptx
@@ -5,7 +5,7 @@
     <p:sldMasterId id="2147483678" r:id="rId1"/>
   </p:sldMasterIdLst>
   <p:notesMasterIdLst>
-    <p:notesMasterId r:id="rId21"/>
+    <p:notesMasterId r:id="rId22"/>
   </p:notesMasterIdLst>
   <p:sldIdLst>
     <p:sldId id="256" r:id="rId2"/>
@@ -13,20 +13,21 @@
     <p:sldId id="274" r:id="rId4"/>
     <p:sldId id="283" r:id="rId5"/>
     <p:sldId id="284" r:id="rId6"/>
-    <p:sldId id="286" r:id="rId7"/>
-    <p:sldId id="282" r:id="rId8"/>
-    <p:sldId id="281" r:id="rId9"/>
-    <p:sldId id="258" r:id="rId10"/>
-    <p:sldId id="260" r:id="rId11"/>
-    <p:sldId id="261" r:id="rId12"/>
-    <p:sldId id="262" r:id="rId13"/>
-    <p:sldId id="263" r:id="rId14"/>
-    <p:sldId id="276" r:id="rId15"/>
-    <p:sldId id="285" r:id="rId16"/>
-    <p:sldId id="277" r:id="rId17"/>
-    <p:sldId id="278" r:id="rId18"/>
-    <p:sldId id="279" r:id="rId19"/>
-    <p:sldId id="280" r:id="rId20"/>
+    <p:sldId id="287" r:id="rId7"/>
+    <p:sldId id="286" r:id="rId8"/>
+    <p:sldId id="282" r:id="rId9"/>
+    <p:sldId id="281" r:id="rId10"/>
+    <p:sldId id="258" r:id="rId11"/>
+    <p:sldId id="260" r:id="rId12"/>
+    <p:sldId id="261" r:id="rId13"/>
+    <p:sldId id="262" r:id="rId14"/>
+    <p:sldId id="263" r:id="rId15"/>
+    <p:sldId id="276" r:id="rId16"/>
+    <p:sldId id="285" r:id="rId17"/>
+    <p:sldId id="277" r:id="rId18"/>
+    <p:sldId id="278" r:id="rId19"/>
+    <p:sldId id="279" r:id="rId20"/>
+    <p:sldId id="280" r:id="rId21"/>
   </p:sldIdLst>
   <p:sldSz cx="12192000" cy="6858000"/>
   <p:notesSz cx="6858000" cy="9144000"/>
@@ -6308,6 +6309,90 @@
 </p:notes>
 </file>
 
+<file path=ppt/notesSlides/notesSlide2.xml><?xml version="1.0" encoding="utf-8"?>
+<p:notes xmlns:a="http://schemas.openxmlformats.org/drawingml/2006/main" xmlns:r="http://schemas.openxmlformats.org/officeDocument/2006/relationships" xmlns:p="http://schemas.openxmlformats.org/presentationml/2006/main">
+  <p:cSld>
+    <p:spTree>
+      <p:nvGrpSpPr>
+        <p:cNvPr id="1" name=""/>
+        <p:cNvGrpSpPr/>
+        <p:nvPr/>
+      </p:nvGrpSpPr>
+      <p:grpSpPr>
+        <a:xfrm>
+          <a:off x="0" y="0"/>
+          <a:ext cx="0" cy="0"/>
+          <a:chOff x="0" y="0"/>
+          <a:chExt cx="0" cy="0"/>
+        </a:xfrm>
+      </p:grpSpPr>
+      <p:sp>
+        <p:nvSpPr>
+          <p:cNvPr id="2" name="投影片圖像版面配置區 1"/>
+          <p:cNvSpPr>
+            <a:spLocks noGrp="1" noRot="1" noChangeAspect="1"/>
+          </p:cNvSpPr>
+          <p:nvPr>
+            <p:ph type="sldImg"/>
+          </p:nvPr>
+        </p:nvSpPr>
+        <p:spPr/>
+      </p:sp>
+      <p:sp>
+        <p:nvSpPr>
+          <p:cNvPr id="3" name="備忘稿版面配置區 2"/>
+          <p:cNvSpPr>
+            <a:spLocks noGrp="1"/>
+          </p:cNvSpPr>
+          <p:nvPr>
+            <p:ph type="body" idx="1"/>
+          </p:nvPr>
+        </p:nvSpPr>
+        <p:spPr/>
+        <p:txBody>
+          <a:bodyPr/>
+          <a:lstStyle/>
+          <a:p>
+            <a:endParaRPr lang="zh-TW" altLang="en-US" dirty="0"/>
+          </a:p>
+        </p:txBody>
+      </p:sp>
+      <p:sp>
+        <p:nvSpPr>
+          <p:cNvPr id="4" name="投影片編號版面配置區 3"/>
+          <p:cNvSpPr>
+            <a:spLocks noGrp="1"/>
+          </p:cNvSpPr>
+          <p:nvPr>
+            <p:ph type="sldNum" sz="quarter" idx="10"/>
+          </p:nvPr>
+        </p:nvSpPr>
+        <p:spPr/>
+        <p:txBody>
+          <a:bodyPr/>
+          <a:lstStyle/>
+          <a:p>
+            <a:fld id="{CE13973F-F868-4AA4-82E4-56FF598FF4AA}" type="slidenum">
+              <a:rPr lang="zh-TW" altLang="en-US" smtClean="0"/>
+              <a:t>6</a:t>
+            </a:fld>
+            <a:endParaRPr lang="zh-TW" altLang="en-US"/>
+          </a:p>
+        </p:txBody>
+      </p:sp>
+    </p:spTree>
+    <p:extLst>
+      <p:ext uri="{BB962C8B-B14F-4D97-AF65-F5344CB8AC3E}">
+        <p14:creationId xmlns:p14="http://schemas.microsoft.com/office/powerpoint/2010/main" val="1065217402"/>
+      </p:ext>
+    </p:extLst>
+  </p:cSld>
+  <p:clrMapOvr>
+    <a:masterClrMapping/>
+  </p:clrMapOvr>
+</p:notes>
+</file>
+
 <file path=ppt/slideLayouts/slideLayout1.xml><?xml version="1.0" encoding="utf-8"?>
 <p:sldLayout xmlns:a="http://schemas.openxmlformats.org/drawingml/2006/main" xmlns:r="http://schemas.openxmlformats.org/officeDocument/2006/relationships" xmlns:p="http://schemas.openxmlformats.org/presentationml/2006/main" type="title" preserve="1">
   <p:cSld name="標題投影片">
@@ -14096,10 +14181,185 @@
   <p:clrMapOvr>
     <a:masterClrMapping/>
   </p:clrMapOvr>
+  <mc:AlternateContent xmlns:mc="http://schemas.openxmlformats.org/markup-compatibility/2006">
+    <mc:Choice xmlns:p14="http://schemas.microsoft.com/office/powerpoint/2010/main" Requires="p14">
+      <p:transition spd="slow" p14:dur="2000">
+        <p:cut/>
+      </p:transition>
+    </mc:Choice>
+    <mc:Fallback>
+      <p:transition spd="slow">
+        <p:cut/>
+      </p:transition>
+    </mc:Fallback>
+  </mc:AlternateContent>
 </p:sld>
 </file>
 
 <file path=ppt/slides/slide10.xml><?xml version="1.0" encoding="utf-8"?>
+<p:sld xmlns:a="http://schemas.openxmlformats.org/drawingml/2006/main" xmlns:r="http://schemas.openxmlformats.org/officeDocument/2006/relationships" xmlns:p="http://schemas.openxmlformats.org/presentationml/2006/main">
+  <p:cSld>
+    <p:spTree>
+      <p:nvGrpSpPr>
+        <p:cNvPr id="1" name=""/>
+        <p:cNvGrpSpPr/>
+        <p:nvPr/>
+      </p:nvGrpSpPr>
+      <p:grpSpPr>
+        <a:xfrm>
+          <a:off x="0" y="0"/>
+          <a:ext cx="0" cy="0"/>
+          <a:chOff x="0" y="0"/>
+          <a:chExt cx="0" cy="0"/>
+        </a:xfrm>
+      </p:grpSpPr>
+      <p:sp>
+        <p:nvSpPr>
+          <p:cNvPr id="2" name="標題 1">
+            <a:extLst>
+              <a:ext uri="{FF2B5EF4-FFF2-40B4-BE49-F238E27FC236}">
+                <a16:creationId xmlns:a16="http://schemas.microsoft.com/office/drawing/2014/main" id="{D9AB7535-4395-5CF0-C825-7186D87DB238}"/>
+              </a:ext>
+            </a:extLst>
+          </p:cNvPr>
+          <p:cNvSpPr>
+            <a:spLocks noGrp="1"/>
+          </p:cNvSpPr>
+          <p:nvPr>
+            <p:ph type="title"/>
+          </p:nvPr>
+        </p:nvSpPr>
+        <p:spPr>
+          <a:xfrm>
+            <a:off x="1640156" y="596119"/>
+            <a:ext cx="8911687" cy="1280890"/>
+          </a:xfrm>
+        </p:spPr>
+        <p:txBody>
+          <a:bodyPr>
+            <a:normAutofit/>
+          </a:bodyPr>
+          <a:lstStyle/>
+          <a:p>
+            <a:r>
+              <a:rPr lang="zh-TW" altLang="en-US" sz="4400" dirty="0">
+                <a:latin typeface="華康POP1體W7" panose="040B0709000000000000" pitchFamily="81" charset="-120"/>
+                <a:ea typeface="華康POP1體W7" panose="040B0709000000000000" pitchFamily="81" charset="-120"/>
+              </a:rPr>
+              <a:t>接收端</a:t>
+            </a:r>
+          </a:p>
+        </p:txBody>
+      </p:sp>
+      <p:graphicFrame>
+        <p:nvGraphicFramePr>
+          <p:cNvPr id="4" name="內容版面配置區 3">
+            <a:extLst>
+              <a:ext uri="{FF2B5EF4-FFF2-40B4-BE49-F238E27FC236}">
+                <a16:creationId xmlns:a16="http://schemas.microsoft.com/office/drawing/2014/main" id="{1DF327AE-66C7-CF3D-2D64-70AE4101A616}"/>
+              </a:ext>
+            </a:extLst>
+          </p:cNvPr>
+          <p:cNvGraphicFramePr>
+            <a:graphicFrameLocks noGrp="1"/>
+          </p:cNvGraphicFramePr>
+          <p:nvPr>
+            <p:ph idx="1"/>
+            <p:extLst>
+              <p:ext uri="{D42A27DB-BD31-4B8C-83A1-F6EECF244321}">
+                <p14:modId xmlns:p14="http://schemas.microsoft.com/office/powerpoint/2010/main" val="3309755264"/>
+              </p:ext>
+            </p:extLst>
+          </p:nvPr>
+        </p:nvGraphicFramePr>
+        <p:xfrm>
+          <a:off x="779866" y="2282890"/>
+          <a:ext cx="10632265" cy="2970245"/>
+        </p:xfrm>
+        <a:graphic>
+          <a:graphicData uri="http://schemas.openxmlformats.org/drawingml/2006/diagram">
+            <dgm:relIds xmlns:dgm="http://schemas.openxmlformats.org/drawingml/2006/diagram" xmlns:r="http://schemas.openxmlformats.org/officeDocument/2006/relationships" r:dm="rId2" r:lo="rId3" r:qs="rId4" r:cs="rId5"/>
+          </a:graphicData>
+        </a:graphic>
+      </p:graphicFrame>
+      <p:sp>
+        <p:nvSpPr>
+          <p:cNvPr id="5" name="文字方塊 4">
+            <a:extLst>
+              <a:ext uri="{FF2B5EF4-FFF2-40B4-BE49-F238E27FC236}">
+                <a16:creationId xmlns:a16="http://schemas.microsoft.com/office/drawing/2014/main" id="{85D030C8-AE5B-FFD2-CDA5-E5BF87D30192}"/>
+              </a:ext>
+            </a:extLst>
+          </p:cNvPr>
+          <p:cNvSpPr txBox="1"/>
+          <p:nvPr/>
+        </p:nvSpPr>
+        <p:spPr>
+          <a:xfrm>
+            <a:off x="1640156" y="1507677"/>
+            <a:ext cx="9022022" cy="461665"/>
+          </a:xfrm>
+          <a:prstGeom prst="rect">
+            <a:avLst/>
+          </a:prstGeom>
+          <a:noFill/>
+        </p:spPr>
+        <p:txBody>
+          <a:bodyPr wrap="none" rtlCol="0">
+            <a:spAutoFit/>
+          </a:bodyPr>
+          <a:lstStyle/>
+          <a:p>
+            <a:r>
+              <a:rPr lang="zh-TW" altLang="en-US" sz="2400" dirty="0">
+                <a:latin typeface="王漢宗特黑體繁" panose="02000500000000000000" pitchFamily="2" charset="-120"/>
+                <a:ea typeface="王漢宗特黑體繁" panose="02000500000000000000" pitchFamily="2" charset="-120"/>
+              </a:rPr>
+              <a:t>主要工作</a:t>
+            </a:r>
+            <a:r>
+              <a:rPr lang="en-US" altLang="zh-TW" sz="2400" dirty="0">
+                <a:latin typeface="王漢宗特黑體繁" panose="02000500000000000000" pitchFamily="2" charset="-120"/>
+                <a:ea typeface="王漢宗特黑體繁" panose="02000500000000000000" pitchFamily="2" charset="-120"/>
+              </a:rPr>
+              <a:t>:</a:t>
+            </a:r>
+            <a:r>
+              <a:rPr lang="zh-TW" altLang="en-US" sz="2400" dirty="0">
+                <a:latin typeface="王漢宗特黑體繁" panose="02000500000000000000" pitchFamily="2" charset="-120"/>
+                <a:ea typeface="王漢宗特黑體繁" panose="02000500000000000000" pitchFamily="2" charset="-120"/>
+              </a:rPr>
+              <a:t> 將接收到資料起始位置抓出來，並解調出原始的資料。</a:t>
+            </a:r>
+          </a:p>
+        </p:txBody>
+      </p:sp>
+    </p:spTree>
+    <p:extLst>
+      <p:ext uri="{BB962C8B-B14F-4D97-AF65-F5344CB8AC3E}">
+        <p14:creationId xmlns:p14="http://schemas.microsoft.com/office/powerpoint/2010/main" val="3093021310"/>
+      </p:ext>
+    </p:extLst>
+  </p:cSld>
+  <p:clrMapOvr>
+    <a:masterClrMapping/>
+  </p:clrMapOvr>
+  <mc:AlternateContent xmlns:mc="http://schemas.openxmlformats.org/markup-compatibility/2006">
+    <mc:Choice xmlns:p14="http://schemas.microsoft.com/office/powerpoint/2010/main" Requires="p14">
+      <p:transition spd="slow" p14:dur="2000">
+        <p:cut/>
+      </p:transition>
+    </mc:Choice>
+    <mc:Fallback>
+      <p:transition spd="slow">
+        <p:cut/>
+      </p:transition>
+    </mc:Fallback>
+  </mc:AlternateContent>
+</p:sld>
+</file>
+
+<file path=ppt/slides/slide11.xml><?xml version="1.0" encoding="utf-8"?>
 <p:sld xmlns:a="http://schemas.openxmlformats.org/drawingml/2006/main" xmlns:r="http://schemas.openxmlformats.org/officeDocument/2006/relationships" xmlns:p="http://schemas.openxmlformats.org/presentationml/2006/main">
   <p:cSld>
     <p:spTree>
@@ -14483,10 +14743,22 @@
   <p:clrMapOvr>
     <a:masterClrMapping/>
   </p:clrMapOvr>
+  <mc:AlternateContent xmlns:mc="http://schemas.openxmlformats.org/markup-compatibility/2006">
+    <mc:Choice xmlns:p14="http://schemas.microsoft.com/office/powerpoint/2010/main" Requires="p14">
+      <p:transition spd="slow" p14:dur="2000">
+        <p:cut/>
+      </p:transition>
+    </mc:Choice>
+    <mc:Fallback>
+      <p:transition spd="slow">
+        <p:cut/>
+      </p:transition>
+    </mc:Fallback>
+  </mc:AlternateContent>
 </p:sld>
 </file>
 
-<file path=ppt/slides/slide11.xml><?xml version="1.0" encoding="utf-8"?>
+<file path=ppt/slides/slide12.xml><?xml version="1.0" encoding="utf-8"?>
 <p:sld xmlns:a="http://schemas.openxmlformats.org/drawingml/2006/main" xmlns:r="http://schemas.openxmlformats.org/officeDocument/2006/relationships" xmlns:p="http://schemas.openxmlformats.org/presentationml/2006/main">
   <p:cSld>
     <p:spTree>
@@ -15345,10 +15617,22 @@
   <p:clrMapOvr>
     <a:masterClrMapping/>
   </p:clrMapOvr>
+  <mc:AlternateContent xmlns:mc="http://schemas.openxmlformats.org/markup-compatibility/2006">
+    <mc:Choice xmlns:p14="http://schemas.microsoft.com/office/powerpoint/2010/main" Requires="p14">
+      <p:transition spd="slow" p14:dur="2000">
+        <p:cut/>
+      </p:transition>
+    </mc:Choice>
+    <mc:Fallback>
+      <p:transition spd="slow">
+        <p:cut/>
+      </p:transition>
+    </mc:Fallback>
+  </mc:AlternateContent>
 </p:sld>
 </file>
 
-<file path=ppt/slides/slide12.xml><?xml version="1.0" encoding="utf-8"?>
+<file path=ppt/slides/slide13.xml><?xml version="1.0" encoding="utf-8"?>
 <p:sld xmlns:a="http://schemas.openxmlformats.org/drawingml/2006/main" xmlns:r="http://schemas.openxmlformats.org/officeDocument/2006/relationships" xmlns:p="http://schemas.openxmlformats.org/presentationml/2006/main">
   <p:cSld>
     <p:spTree>
@@ -27618,10 +27902,22 @@
   <p:clrMapOvr>
     <a:masterClrMapping/>
   </p:clrMapOvr>
+  <mc:AlternateContent xmlns:mc="http://schemas.openxmlformats.org/markup-compatibility/2006">
+    <mc:Choice xmlns:p14="http://schemas.microsoft.com/office/powerpoint/2010/main" Requires="p14">
+      <p:transition spd="slow" p14:dur="2000">
+        <p:cut/>
+      </p:transition>
+    </mc:Choice>
+    <mc:Fallback>
+      <p:transition spd="slow">
+        <p:cut/>
+      </p:transition>
+    </mc:Fallback>
+  </mc:AlternateContent>
 </p:sld>
 </file>
 
-<file path=ppt/slides/slide13.xml><?xml version="1.0" encoding="utf-8"?>
+<file path=ppt/slides/slide14.xml><?xml version="1.0" encoding="utf-8"?>
 <p:sld xmlns:a="http://schemas.openxmlformats.org/drawingml/2006/main" xmlns:r="http://schemas.openxmlformats.org/officeDocument/2006/relationships" xmlns:p="http://schemas.openxmlformats.org/presentationml/2006/main">
   <p:cSld>
     <p:spTree>
@@ -27766,145 +28062,18 @@
   <p:clrMapOvr>
     <a:masterClrMapping/>
   </p:clrMapOvr>
-</p:sld>
-</file>
-
-<file path=ppt/slides/slide14.xml><?xml version="1.0" encoding="utf-8"?>
-<p:sld xmlns:a="http://schemas.openxmlformats.org/drawingml/2006/main" xmlns:r="http://schemas.openxmlformats.org/officeDocument/2006/relationships" xmlns:p="http://schemas.openxmlformats.org/presentationml/2006/main">
-  <p:cSld>
-    <p:spTree>
-      <p:nvGrpSpPr>
-        <p:cNvPr id="1" name=""/>
-        <p:cNvGrpSpPr/>
-        <p:nvPr/>
-      </p:nvGrpSpPr>
-      <p:grpSpPr>
-        <a:xfrm>
-          <a:off x="0" y="0"/>
-          <a:ext cx="0" cy="0"/>
-          <a:chOff x="0" y="0"/>
-          <a:chExt cx="0" cy="0"/>
-        </a:xfrm>
-      </p:grpSpPr>
-      <p:sp>
-        <p:nvSpPr>
-          <p:cNvPr id="2" name="標題 1">
-            <a:extLst>
-              <a:ext uri="{FF2B5EF4-FFF2-40B4-BE49-F238E27FC236}">
-                <a16:creationId xmlns:a16="http://schemas.microsoft.com/office/drawing/2014/main" id="{3E743E3A-7CC9-4E3D-84CB-BF42AC3E4796}"/>
-              </a:ext>
-            </a:extLst>
-          </p:cNvPr>
-          <p:cNvSpPr>
-            <a:spLocks noGrp="1"/>
-          </p:cNvSpPr>
-          <p:nvPr>
-            <p:ph type="title"/>
-          </p:nvPr>
-        </p:nvSpPr>
-        <p:spPr/>
-        <p:txBody>
-          <a:bodyPr>
-            <a:normAutofit/>
-          </a:bodyPr>
-          <a:lstStyle/>
-          <a:p>
-            <a:r>
-              <a:rPr lang="zh-TW" altLang="en-US" b="1" dirty="0">
-                <a:latin typeface="華康粗明體" panose="02020709000000000000" pitchFamily="49" charset="-120"/>
-                <a:ea typeface="華康粗明體" panose="02020709000000000000" pitchFamily="49" charset="-120"/>
-                <a:cs typeface="+mn-cs"/>
-              </a:rPr>
-              <a:t>挑戰與解法</a:t>
-            </a:r>
-          </a:p>
-        </p:txBody>
-      </p:sp>
-      <p:sp>
-        <p:nvSpPr>
-          <p:cNvPr id="3" name="內容版面配置區 2">
-            <a:extLst>
-              <a:ext uri="{FF2B5EF4-FFF2-40B4-BE49-F238E27FC236}">
-                <a16:creationId xmlns:a16="http://schemas.microsoft.com/office/drawing/2014/main" id="{92898B37-D95B-4F7C-ADFE-B728BF15D7FA}"/>
-              </a:ext>
-            </a:extLst>
-          </p:cNvPr>
-          <p:cNvSpPr>
-            <a:spLocks noGrp="1"/>
-          </p:cNvSpPr>
-          <p:nvPr>
-            <p:ph idx="1"/>
-          </p:nvPr>
-        </p:nvSpPr>
-        <p:spPr/>
-        <p:txBody>
-          <a:bodyPr/>
-          <a:lstStyle/>
-          <a:p>
-            <a:pPr marL="0" indent="0">
-              <a:buNone/>
-            </a:pPr>
-            <a:r>
-              <a:rPr lang="zh-TW" altLang="en-US" kern="100" dirty="0" smtClean="0">
-                <a:latin typeface="+mn-ea"/>
-                <a:cs typeface="Times New Roman" panose="02020603050405020304" pitchFamily="18" charset="0"/>
-              </a:rPr>
-              <a:t>訊號接收後無法同步資料→更改 </a:t>
-            </a:r>
-            <a:r>
-              <a:rPr lang="en-US" altLang="zh-TW" kern="100" dirty="0" err="1" smtClean="0">
-                <a:latin typeface="+mn-ea"/>
-                <a:cs typeface="Times New Roman" panose="02020603050405020304" pitchFamily="18" charset="0"/>
-              </a:rPr>
-              <a:t>Syncbits</a:t>
-            </a:r>
-            <a:r>
-              <a:rPr lang="en-US" altLang="zh-TW" kern="100" dirty="0" smtClean="0">
-                <a:latin typeface="+mn-ea"/>
-                <a:cs typeface="Times New Roman" panose="02020603050405020304" pitchFamily="18" charset="0"/>
-              </a:rPr>
-              <a:t> </a:t>
-            </a:r>
-            <a:r>
-              <a:rPr lang="zh-TW" altLang="en-US" kern="100" dirty="0" smtClean="0">
-                <a:latin typeface="+mn-ea"/>
-                <a:cs typeface="Times New Roman" panose="02020603050405020304" pitchFamily="18" charset="0"/>
-              </a:rPr>
-              <a:t>的調變方式，修改同步程式。</a:t>
-            </a:r>
-            <a:endParaRPr lang="en-US" altLang="zh-TW" kern="100" dirty="0" smtClean="0">
-              <a:latin typeface="+mn-ea"/>
-              <a:cs typeface="Times New Roman" panose="02020603050405020304" pitchFamily="18" charset="0"/>
-            </a:endParaRPr>
-          </a:p>
-          <a:p>
-            <a:pPr marL="0" indent="0">
-              <a:buNone/>
-            </a:pPr>
-            <a:r>
-              <a:rPr lang="en-US" altLang="zh-TW" kern="100" smtClean="0">
-                <a:latin typeface="+mn-ea"/>
-                <a:cs typeface="Times New Roman" panose="02020603050405020304" pitchFamily="18" charset="0"/>
-              </a:rPr>
-              <a:t>CFO</a:t>
-            </a:r>
-            <a:endParaRPr lang="en-US" altLang="zh-TW" kern="100" dirty="0" smtClean="0">
-              <a:latin typeface="+mn-ea"/>
-              <a:cs typeface="Times New Roman" panose="02020603050405020304" pitchFamily="18" charset="0"/>
-            </a:endParaRPr>
-          </a:p>
-        </p:txBody>
-      </p:sp>
-    </p:spTree>
-    <p:extLst>
-      <p:ext uri="{BB962C8B-B14F-4D97-AF65-F5344CB8AC3E}">
-        <p14:creationId xmlns:p14="http://schemas.microsoft.com/office/powerpoint/2010/main" val="3602863259"/>
-      </p:ext>
-    </p:extLst>
-  </p:cSld>
-  <p:clrMapOvr>
-    <a:masterClrMapping/>
-  </p:clrMapOvr>
+  <mc:AlternateContent xmlns:mc="http://schemas.openxmlformats.org/markup-compatibility/2006">
+    <mc:Choice xmlns:p14="http://schemas.microsoft.com/office/powerpoint/2010/main" Requires="p14">
+      <p:transition spd="slow" p14:dur="2000">
+        <p:cut/>
+      </p:transition>
+    </mc:Choice>
+    <mc:Fallback>
+      <p:transition spd="slow">
+        <p:cut/>
+      </p:transition>
+    </mc:Fallback>
+  </mc:AlternateContent>
 </p:sld>
 </file>
 
@@ -27954,6 +28123,348 @@
                 <a:ea typeface="華康粗明體" panose="02020709000000000000" pitchFamily="49" charset="-120"/>
                 <a:cs typeface="+mn-cs"/>
               </a:rPr>
+              <a:t>挑戰與解法</a:t>
+            </a:r>
+          </a:p>
+        </p:txBody>
+      </p:sp>
+      <p:sp>
+        <p:nvSpPr>
+          <p:cNvPr id="3" name="內容版面配置區 2">
+            <a:extLst>
+              <a:ext uri="{FF2B5EF4-FFF2-40B4-BE49-F238E27FC236}">
+                <a16:creationId xmlns:a16="http://schemas.microsoft.com/office/drawing/2014/main" id="{92898B37-D95B-4F7C-ADFE-B728BF15D7FA}"/>
+              </a:ext>
+            </a:extLst>
+          </p:cNvPr>
+          <p:cNvSpPr>
+            <a:spLocks noGrp="1"/>
+          </p:cNvSpPr>
+          <p:nvPr>
+            <p:ph idx="1"/>
+          </p:nvPr>
+        </p:nvSpPr>
+        <p:spPr>
+          <a:xfrm>
+            <a:off x="2589212" y="2142744"/>
+            <a:ext cx="8915400" cy="3777622"/>
+          </a:xfrm>
+        </p:spPr>
+        <p:txBody>
+          <a:bodyPr/>
+          <a:lstStyle/>
+          <a:p>
+            <a:pPr>
+              <a:buFont typeface="+mj-lt"/>
+              <a:buAutoNum type="arabicPeriod"/>
+            </a:pPr>
+            <a:r>
+              <a:rPr lang="zh-TW" altLang="en-US" kern="100" dirty="0" smtClean="0">
+                <a:latin typeface="+mn-ea"/>
+                <a:cs typeface="Times New Roman" panose="02020603050405020304" pitchFamily="18" charset="0"/>
+              </a:rPr>
+              <a:t>訊號接收後無法同步資料 → 更改 </a:t>
+            </a:r>
+            <a:r>
+              <a:rPr lang="en-US" altLang="zh-TW" kern="100" dirty="0" err="1" smtClean="0">
+                <a:latin typeface="+mn-ea"/>
+                <a:cs typeface="Times New Roman" panose="02020603050405020304" pitchFamily="18" charset="0"/>
+              </a:rPr>
+              <a:t>Syncbits</a:t>
+            </a:r>
+            <a:r>
+              <a:rPr lang="en-US" altLang="zh-TW" kern="100" dirty="0" smtClean="0">
+                <a:latin typeface="+mn-ea"/>
+                <a:cs typeface="Times New Roman" panose="02020603050405020304" pitchFamily="18" charset="0"/>
+              </a:rPr>
+              <a:t> </a:t>
+            </a:r>
+            <a:r>
+              <a:rPr lang="zh-TW" altLang="en-US" kern="100" dirty="0" smtClean="0">
+                <a:latin typeface="+mn-ea"/>
+                <a:cs typeface="Times New Roman" panose="02020603050405020304" pitchFamily="18" charset="0"/>
+              </a:rPr>
+              <a:t>的調變方式，修改同步程式。</a:t>
+            </a:r>
+            <a:endParaRPr lang="en-US" altLang="zh-TW" kern="100" dirty="0" smtClean="0">
+              <a:latin typeface="+mn-ea"/>
+              <a:cs typeface="Times New Roman" panose="02020603050405020304" pitchFamily="18" charset="0"/>
+            </a:endParaRPr>
+          </a:p>
+          <a:p>
+            <a:pPr>
+              <a:buFont typeface="+mj-lt"/>
+              <a:buAutoNum type="arabicPeriod"/>
+            </a:pPr>
+            <a:r>
+              <a:rPr lang="zh-TW" altLang="en-US" kern="100" dirty="0" smtClean="0">
+                <a:latin typeface="+mn-ea"/>
+                <a:cs typeface="Times New Roman" panose="02020603050405020304" pitchFamily="18" charset="0"/>
+              </a:rPr>
+              <a:t>論文中的</a:t>
+            </a:r>
+            <a:r>
+              <a:rPr lang="en-US" altLang="zh-TW" kern="100" dirty="0" smtClean="0">
+                <a:latin typeface="+mn-ea"/>
+                <a:cs typeface="Times New Roman" panose="02020603050405020304" pitchFamily="18" charset="0"/>
+              </a:rPr>
+              <a:t>CFO</a:t>
+            </a:r>
+            <a:r>
+              <a:rPr lang="zh-TW" altLang="en-US" kern="100" dirty="0" smtClean="0">
+                <a:latin typeface="+mn-ea"/>
+                <a:cs typeface="Times New Roman" panose="02020603050405020304" pitchFamily="18" charset="0"/>
+              </a:rPr>
+              <a:t>公式變數名稱與資料擺法不同 → 根據論文改變資料排法，並多看論文內容</a:t>
+            </a:r>
+            <a:endParaRPr lang="en-US" altLang="zh-TW" kern="100" dirty="0" smtClean="0">
+              <a:latin typeface="+mn-ea"/>
+              <a:cs typeface="Times New Roman" panose="02020603050405020304" pitchFamily="18" charset="0"/>
+            </a:endParaRPr>
+          </a:p>
+          <a:p>
+            <a:pPr>
+              <a:buFont typeface="+mj-lt"/>
+              <a:buAutoNum type="arabicPeriod"/>
+            </a:pPr>
+            <a:r>
+              <a:rPr lang="zh-TW" altLang="en-US" kern="100" dirty="0" smtClean="0">
+                <a:latin typeface="+mn-ea"/>
+                <a:cs typeface="Times New Roman" panose="02020603050405020304" pitchFamily="18" charset="0"/>
+              </a:rPr>
+              <a:t>發現不同的論文，</a:t>
+            </a:r>
+            <a:r>
+              <a:rPr lang="en-US" altLang="zh-TW" kern="100" dirty="0" smtClean="0">
+                <a:latin typeface="+mn-ea"/>
+                <a:cs typeface="Times New Roman" panose="02020603050405020304" pitchFamily="18" charset="0"/>
+              </a:rPr>
+              <a:t>Pilot</a:t>
+            </a:r>
+            <a:r>
+              <a:rPr lang="zh-TW" altLang="en-US" kern="100" dirty="0" smtClean="0">
+                <a:latin typeface="+mn-ea"/>
+                <a:cs typeface="Times New Roman" panose="02020603050405020304" pitchFamily="18" charset="0"/>
+              </a:rPr>
+              <a:t>有不同的</a:t>
+            </a:r>
+            <a:r>
+              <a:rPr lang="zh-TW" altLang="en-US" kern="100" dirty="0">
+                <a:latin typeface="+mn-ea"/>
+                <a:cs typeface="Times New Roman" panose="02020603050405020304" pitchFamily="18" charset="0"/>
+              </a:rPr>
+              <a:t>擺</a:t>
+            </a:r>
+            <a:r>
+              <a:rPr lang="zh-TW" altLang="en-US" kern="100" dirty="0" smtClean="0">
+                <a:latin typeface="+mn-ea"/>
+                <a:cs typeface="Times New Roman" panose="02020603050405020304" pitchFamily="18" charset="0"/>
+              </a:rPr>
+              <a:t>法 → 找出擺放規律，找出可以執行的擺法。</a:t>
+            </a:r>
+            <a:endParaRPr lang="en-US" altLang="zh-TW" kern="100" dirty="0" smtClean="0">
+              <a:latin typeface="+mn-ea"/>
+              <a:cs typeface="Times New Roman" panose="02020603050405020304" pitchFamily="18" charset="0"/>
+            </a:endParaRPr>
+          </a:p>
+          <a:p>
+            <a:pPr>
+              <a:buFont typeface="+mj-lt"/>
+              <a:buAutoNum type="arabicPeriod"/>
+            </a:pPr>
+            <a:r>
+              <a:rPr lang="en-US" altLang="zh-TW" kern="100" dirty="0" smtClean="0">
+                <a:latin typeface="+mn-ea"/>
+                <a:cs typeface="Times New Roman" panose="02020603050405020304" pitchFamily="18" charset="0"/>
+              </a:rPr>
+              <a:t>Pluto</a:t>
+            </a:r>
+            <a:r>
+              <a:rPr lang="zh-TW" altLang="en-US" kern="100" dirty="0" smtClean="0">
+                <a:latin typeface="+mn-ea"/>
+                <a:cs typeface="Times New Roman" panose="02020603050405020304" pitchFamily="18" charset="0"/>
+              </a:rPr>
+              <a:t>無法改變</a:t>
+            </a:r>
+            <a:r>
+              <a:rPr lang="zh-TW" altLang="en-US" kern="100" dirty="0">
+                <a:latin typeface="+mn-ea"/>
+                <a:cs typeface="Times New Roman" panose="02020603050405020304" pitchFamily="18" charset="0"/>
+              </a:rPr>
+              <a:t>功率</a:t>
+            </a:r>
+            <a:r>
+              <a:rPr lang="zh-TW" altLang="en-US" kern="100" dirty="0" smtClean="0">
+                <a:latin typeface="+mn-ea"/>
+                <a:cs typeface="Times New Roman" panose="02020603050405020304" pitchFamily="18" charset="0"/>
+              </a:rPr>
+              <a:t>輸出，</a:t>
+            </a:r>
+            <a:r>
+              <a:rPr lang="en-US" altLang="zh-TW" kern="100" dirty="0" err="1" smtClean="0">
+                <a:latin typeface="+mn-ea"/>
+                <a:cs typeface="Times New Roman" panose="02020603050405020304" pitchFamily="18" charset="0"/>
+              </a:rPr>
+              <a:t>SNR_dB</a:t>
+            </a:r>
+            <a:r>
+              <a:rPr lang="zh-TW" altLang="en-US" kern="100" dirty="0" smtClean="0">
+                <a:latin typeface="+mn-ea"/>
+                <a:cs typeface="Times New Roman" panose="02020603050405020304" pitchFamily="18" charset="0"/>
+              </a:rPr>
+              <a:t>無法達到其功能 → 放棄一部分功能。</a:t>
+            </a:r>
+            <a:endParaRPr lang="en-US" altLang="zh-TW" kern="100" dirty="0" smtClean="0">
+              <a:latin typeface="+mn-ea"/>
+              <a:cs typeface="Times New Roman" panose="02020603050405020304" pitchFamily="18" charset="0"/>
+            </a:endParaRPr>
+          </a:p>
+          <a:p>
+            <a:pPr>
+              <a:buFont typeface="+mj-lt"/>
+              <a:buAutoNum type="arabicPeriod"/>
+            </a:pPr>
+            <a:r>
+              <a:rPr lang="zh-TW" altLang="en-US" kern="100" dirty="0" smtClean="0">
+                <a:latin typeface="+mn-ea"/>
+                <a:cs typeface="Times New Roman" panose="02020603050405020304" pitchFamily="18" charset="0"/>
+              </a:rPr>
+              <a:t>通道估測值</a:t>
+            </a:r>
+            <a:r>
+              <a:rPr lang="zh-TW" altLang="en-US" kern="100" dirty="0">
+                <a:latin typeface="+mn-ea"/>
+                <a:cs typeface="Times New Roman" panose="02020603050405020304" pitchFamily="18" charset="0"/>
+              </a:rPr>
+              <a:t>抓</a:t>
+            </a:r>
+            <a:r>
+              <a:rPr lang="zh-TW" altLang="en-US" kern="100" dirty="0" smtClean="0">
+                <a:latin typeface="+mn-ea"/>
+                <a:cs typeface="Times New Roman" panose="02020603050405020304" pitchFamily="18" charset="0"/>
+              </a:rPr>
+              <a:t>不到 → 更改</a:t>
+            </a:r>
+            <a:r>
+              <a:rPr lang="en-US" altLang="zh-TW" kern="100" dirty="0" smtClean="0">
+                <a:latin typeface="+mn-ea"/>
+                <a:cs typeface="Times New Roman" panose="02020603050405020304" pitchFamily="18" charset="0"/>
+              </a:rPr>
+              <a:t>sync</a:t>
+            </a:r>
+            <a:r>
+              <a:rPr lang="zh-TW" altLang="en-US" kern="100" dirty="0" smtClean="0">
+                <a:latin typeface="+mn-ea"/>
+                <a:cs typeface="Times New Roman" panose="02020603050405020304" pitchFamily="18" charset="0"/>
+              </a:rPr>
+              <a:t>程式</a:t>
+            </a:r>
+            <a:r>
+              <a:rPr lang="en-US" altLang="zh-TW" kern="100" dirty="0" smtClean="0">
+                <a:latin typeface="+mn-ea"/>
+                <a:cs typeface="Times New Roman" panose="02020603050405020304" pitchFamily="18" charset="0"/>
+              </a:rPr>
+              <a:t>+</a:t>
+            </a:r>
+            <a:r>
+              <a:rPr lang="zh-TW" altLang="en-US" kern="100" dirty="0" smtClean="0">
+                <a:latin typeface="+mn-ea"/>
+                <a:cs typeface="Times New Roman" panose="02020603050405020304" pitchFamily="18" charset="0"/>
+              </a:rPr>
+              <a:t>改變</a:t>
+            </a:r>
+            <a:r>
+              <a:rPr lang="en-US" altLang="zh-TW" kern="100" dirty="0" smtClean="0">
+                <a:latin typeface="+mn-ea"/>
+                <a:cs typeface="Times New Roman" panose="02020603050405020304" pitchFamily="18" charset="0"/>
+              </a:rPr>
+              <a:t>Pilot</a:t>
+            </a:r>
+            <a:r>
+              <a:rPr lang="zh-TW" altLang="en-US" kern="100" dirty="0" smtClean="0">
+                <a:latin typeface="+mn-ea"/>
+                <a:cs typeface="Times New Roman" panose="02020603050405020304" pitchFamily="18" charset="0"/>
+              </a:rPr>
+              <a:t>擺法。</a:t>
+            </a:r>
+            <a:endParaRPr lang="en-US" altLang="zh-TW" kern="100" dirty="0" smtClean="0">
+              <a:latin typeface="+mn-ea"/>
+              <a:cs typeface="Times New Roman" panose="02020603050405020304" pitchFamily="18" charset="0"/>
+            </a:endParaRPr>
+          </a:p>
+        </p:txBody>
+      </p:sp>
+    </p:spTree>
+    <p:extLst>
+      <p:ext uri="{BB962C8B-B14F-4D97-AF65-F5344CB8AC3E}">
+        <p14:creationId xmlns:p14="http://schemas.microsoft.com/office/powerpoint/2010/main" val="3602863259"/>
+      </p:ext>
+    </p:extLst>
+  </p:cSld>
+  <p:clrMapOvr>
+    <a:masterClrMapping/>
+  </p:clrMapOvr>
+  <mc:AlternateContent xmlns:mc="http://schemas.openxmlformats.org/markup-compatibility/2006">
+    <mc:Choice xmlns:p14="http://schemas.microsoft.com/office/powerpoint/2010/main" Requires="p14">
+      <p:transition spd="slow" p14:dur="2000">
+        <p:cut/>
+      </p:transition>
+    </mc:Choice>
+    <mc:Fallback>
+      <p:transition spd="slow">
+        <p:cut/>
+      </p:transition>
+    </mc:Fallback>
+  </mc:AlternateContent>
+</p:sld>
+</file>
+
+<file path=ppt/slides/slide16.xml><?xml version="1.0" encoding="utf-8"?>
+<p:sld xmlns:a="http://schemas.openxmlformats.org/drawingml/2006/main" xmlns:r="http://schemas.openxmlformats.org/officeDocument/2006/relationships" xmlns:p="http://schemas.openxmlformats.org/presentationml/2006/main">
+  <p:cSld>
+    <p:spTree>
+      <p:nvGrpSpPr>
+        <p:cNvPr id="1" name=""/>
+        <p:cNvGrpSpPr/>
+        <p:nvPr/>
+      </p:nvGrpSpPr>
+      <p:grpSpPr>
+        <a:xfrm>
+          <a:off x="0" y="0"/>
+          <a:ext cx="0" cy="0"/>
+          <a:chOff x="0" y="0"/>
+          <a:chExt cx="0" cy="0"/>
+        </a:xfrm>
+      </p:grpSpPr>
+      <p:sp>
+        <p:nvSpPr>
+          <p:cNvPr id="2" name="標題 1">
+            <a:extLst>
+              <a:ext uri="{FF2B5EF4-FFF2-40B4-BE49-F238E27FC236}">
+                <a16:creationId xmlns:a16="http://schemas.microsoft.com/office/drawing/2014/main" id="{3E743E3A-7CC9-4E3D-84CB-BF42AC3E4796}"/>
+              </a:ext>
+            </a:extLst>
+          </p:cNvPr>
+          <p:cNvSpPr>
+            <a:spLocks noGrp="1"/>
+          </p:cNvSpPr>
+          <p:nvPr>
+            <p:ph type="title"/>
+          </p:nvPr>
+        </p:nvSpPr>
+        <p:spPr/>
+        <p:txBody>
+          <a:bodyPr>
+            <a:normAutofit/>
+          </a:bodyPr>
+          <a:lstStyle/>
+          <a:p>
+            <a:r>
+              <a:rPr lang="zh-TW" altLang="en-US" b="1" dirty="0">
+                <a:latin typeface="華康粗明體" panose="02020709000000000000" pitchFamily="49" charset="-120"/>
+                <a:ea typeface="華康粗明體" panose="02020709000000000000" pitchFamily="49" charset="-120"/>
+                <a:cs typeface="+mn-cs"/>
+              </a:rPr>
               <a:t>結論與貢獻</a:t>
             </a:r>
           </a:p>
@@ -27997,10 +28508,22 @@
   <p:clrMapOvr>
     <a:masterClrMapping/>
   </p:clrMapOvr>
+  <mc:AlternateContent xmlns:mc="http://schemas.openxmlformats.org/markup-compatibility/2006">
+    <mc:Choice xmlns:p14="http://schemas.microsoft.com/office/powerpoint/2010/main" Requires="p14">
+      <p:transition spd="slow" p14:dur="2000">
+        <p:cut/>
+      </p:transition>
+    </mc:Choice>
+    <mc:Fallback>
+      <p:transition spd="slow">
+        <p:cut/>
+      </p:transition>
+    </mc:Fallback>
+  </mc:AlternateContent>
 </p:sld>
 </file>
 
-<file path=ppt/slides/slide16.xml><?xml version="1.0" encoding="utf-8"?>
+<file path=ppt/slides/slide17.xml><?xml version="1.0" encoding="utf-8"?>
 <p:sld xmlns:a="http://schemas.openxmlformats.org/drawingml/2006/main" xmlns:r="http://schemas.openxmlformats.org/officeDocument/2006/relationships" xmlns:p="http://schemas.openxmlformats.org/presentationml/2006/main">
   <p:cSld>
     <p:spTree>
@@ -28576,14 +29099,7 @@
                 <a:latin typeface="華康細明體" panose="02020309000000000000" pitchFamily="49" charset="-120"/>
                 <a:ea typeface="華康細明體" panose="02020309000000000000" pitchFamily="49" charset="-120"/>
               </a:rPr>
-              <a:t>陳建霖</a:t>
-            </a:r>
-            <a:r>
-              <a:rPr lang="zh-TW" altLang="en-US" dirty="0" smtClean="0">
-                <a:latin typeface="華康細明體" panose="02020309000000000000" pitchFamily="49" charset="-120"/>
-                <a:ea typeface="華康細明體" panose="02020309000000000000" pitchFamily="49" charset="-120"/>
-              </a:rPr>
-              <a:t>：資料收集</a:t>
+              <a:t>陳建霖：資料收集</a:t>
             </a:r>
             <a:endParaRPr lang="en-US" altLang="zh-TW" dirty="0" smtClean="0">
               <a:latin typeface="華康細明體" panose="02020309000000000000" pitchFamily="49" charset="-120"/>
@@ -28727,10 +29243,22 @@
   <p:clrMapOvr>
     <a:masterClrMapping/>
   </p:clrMapOvr>
+  <mc:AlternateContent xmlns:mc="http://schemas.openxmlformats.org/markup-compatibility/2006">
+    <mc:Choice xmlns:p14="http://schemas.microsoft.com/office/powerpoint/2010/main" Requires="p14">
+      <p:transition spd="slow" p14:dur="2000">
+        <p:cut/>
+      </p:transition>
+    </mc:Choice>
+    <mc:Fallback>
+      <p:transition spd="slow">
+        <p:cut/>
+      </p:transition>
+    </mc:Fallback>
+  </mc:AlternateContent>
 </p:sld>
 </file>
 
-<file path=ppt/slides/slide17.xml><?xml version="1.0" encoding="utf-8"?>
+<file path=ppt/slides/slide18.xml><?xml version="1.0" encoding="utf-8"?>
 <p:sld xmlns:a="http://schemas.openxmlformats.org/drawingml/2006/main" xmlns:r="http://schemas.openxmlformats.org/officeDocument/2006/relationships" xmlns:p="http://schemas.openxmlformats.org/presentationml/2006/main">
   <p:cSld>
     <p:spTree>
@@ -28906,10 +29434,22 @@
   <p:clrMapOvr>
     <a:masterClrMapping/>
   </p:clrMapOvr>
+  <mc:AlternateContent xmlns:mc="http://schemas.openxmlformats.org/markup-compatibility/2006">
+    <mc:Choice xmlns:p14="http://schemas.microsoft.com/office/powerpoint/2010/main" Requires="p14">
+      <p:transition spd="slow" p14:dur="2000">
+        <p:cut/>
+      </p:transition>
+    </mc:Choice>
+    <mc:Fallback>
+      <p:transition spd="slow">
+        <p:cut/>
+      </p:transition>
+    </mc:Fallback>
+  </mc:AlternateContent>
 </p:sld>
 </file>
 
-<file path=ppt/slides/slide18.xml><?xml version="1.0" encoding="utf-8"?>
+<file path=ppt/slides/slide19.xml><?xml version="1.0" encoding="utf-8"?>
 <p:sld xmlns:a="http://schemas.openxmlformats.org/drawingml/2006/main" xmlns:r="http://schemas.openxmlformats.org/officeDocument/2006/relationships" xmlns:p="http://schemas.openxmlformats.org/presentationml/2006/main">
   <p:cSld>
     <p:spTree>
@@ -28995,89 +29535,18 @@
   <p:clrMapOvr>
     <a:masterClrMapping/>
   </p:clrMapOvr>
-</p:sld>
-</file>
-
-<file path=ppt/slides/slide19.xml><?xml version="1.0" encoding="utf-8"?>
-<p:sld xmlns:a="http://schemas.openxmlformats.org/drawingml/2006/main" xmlns:r="http://schemas.openxmlformats.org/officeDocument/2006/relationships" xmlns:p="http://schemas.openxmlformats.org/presentationml/2006/main">
-  <p:cSld>
-    <p:spTree>
-      <p:nvGrpSpPr>
-        <p:cNvPr id="1" name=""/>
-        <p:cNvGrpSpPr/>
-        <p:nvPr/>
-      </p:nvGrpSpPr>
-      <p:grpSpPr>
-        <a:xfrm>
-          <a:off x="0" y="0"/>
-          <a:ext cx="0" cy="0"/>
-          <a:chOff x="0" y="0"/>
-          <a:chExt cx="0" cy="0"/>
-        </a:xfrm>
-      </p:grpSpPr>
-      <p:sp>
-        <p:nvSpPr>
-          <p:cNvPr id="2" name="標題 1">
-            <a:extLst>
-              <a:ext uri="{FF2B5EF4-FFF2-40B4-BE49-F238E27FC236}">
-                <a16:creationId xmlns:a16="http://schemas.microsoft.com/office/drawing/2014/main" id="{14069461-CC19-42E6-9E3E-706E14367AB2}"/>
-              </a:ext>
-            </a:extLst>
-          </p:cNvPr>
-          <p:cNvSpPr>
-            <a:spLocks noGrp="1"/>
-          </p:cNvSpPr>
-          <p:nvPr>
-            <p:ph type="title"/>
-          </p:nvPr>
-        </p:nvSpPr>
-        <p:spPr/>
-        <p:txBody>
-          <a:bodyPr/>
-          <a:lstStyle/>
-          <a:p>
-            <a:r>
-              <a:rPr lang="zh-TW" altLang="en-US" dirty="0"/>
-              <a:t>提問環節</a:t>
-            </a:r>
-          </a:p>
-        </p:txBody>
-      </p:sp>
-      <p:sp>
-        <p:nvSpPr>
-          <p:cNvPr id="3" name="內容版面配置區 2">
-            <a:extLst>
-              <a:ext uri="{FF2B5EF4-FFF2-40B4-BE49-F238E27FC236}">
-                <a16:creationId xmlns:a16="http://schemas.microsoft.com/office/drawing/2014/main" id="{75E3D2E2-5B0B-4CDD-9516-CD2B42B5609F}"/>
-              </a:ext>
-            </a:extLst>
-          </p:cNvPr>
-          <p:cNvSpPr>
-            <a:spLocks noGrp="1"/>
-          </p:cNvSpPr>
-          <p:nvPr>
-            <p:ph idx="1"/>
-          </p:nvPr>
-        </p:nvSpPr>
-        <p:spPr/>
-        <p:txBody>
-          <a:bodyPr/>
-          <a:lstStyle/>
-          <a:p>
-            <a:endParaRPr lang="zh-TW" altLang="en-US" dirty="0"/>
-          </a:p>
-        </p:txBody>
-      </p:sp>
-    </p:spTree>
-    <p:extLst>
-      <p:ext uri="{BB962C8B-B14F-4D97-AF65-F5344CB8AC3E}">
-        <p14:creationId xmlns:p14="http://schemas.microsoft.com/office/powerpoint/2010/main" val="3451663621"/>
-      </p:ext>
-    </p:extLst>
-  </p:cSld>
-  <p:clrMapOvr>
-    <a:masterClrMapping/>
-  </p:clrMapOvr>
+  <mc:AlternateContent xmlns:mc="http://schemas.openxmlformats.org/markup-compatibility/2006">
+    <mc:Choice xmlns:p14="http://schemas.microsoft.com/office/powerpoint/2010/main" Requires="p14">
+      <p:transition spd="slow" p14:dur="2000">
+        <p:cut/>
+      </p:transition>
+    </mc:Choice>
+    <mc:Fallback>
+      <p:transition spd="slow">
+        <p:cut/>
+      </p:transition>
+    </mc:Fallback>
+  </mc:AlternateContent>
 </p:sld>
 </file>
 
@@ -29880,6 +30349,113 @@
   <p:clrMapOvr>
     <a:masterClrMapping/>
   </p:clrMapOvr>
+  <mc:AlternateContent xmlns:mc="http://schemas.openxmlformats.org/markup-compatibility/2006">
+    <mc:Choice xmlns:p14="http://schemas.microsoft.com/office/powerpoint/2010/main" Requires="p14">
+      <p:transition spd="slow" p14:dur="2000">
+        <p:cut/>
+      </p:transition>
+    </mc:Choice>
+    <mc:Fallback>
+      <p:transition spd="slow">
+        <p:cut/>
+      </p:transition>
+    </mc:Fallback>
+  </mc:AlternateContent>
+</p:sld>
+</file>
+
+<file path=ppt/slides/slide20.xml><?xml version="1.0" encoding="utf-8"?>
+<p:sld xmlns:a="http://schemas.openxmlformats.org/drawingml/2006/main" xmlns:r="http://schemas.openxmlformats.org/officeDocument/2006/relationships" xmlns:p="http://schemas.openxmlformats.org/presentationml/2006/main">
+  <p:cSld>
+    <p:spTree>
+      <p:nvGrpSpPr>
+        <p:cNvPr id="1" name=""/>
+        <p:cNvGrpSpPr/>
+        <p:nvPr/>
+      </p:nvGrpSpPr>
+      <p:grpSpPr>
+        <a:xfrm>
+          <a:off x="0" y="0"/>
+          <a:ext cx="0" cy="0"/>
+          <a:chOff x="0" y="0"/>
+          <a:chExt cx="0" cy="0"/>
+        </a:xfrm>
+      </p:grpSpPr>
+      <p:sp>
+        <p:nvSpPr>
+          <p:cNvPr id="2" name="標題 1">
+            <a:extLst>
+              <a:ext uri="{FF2B5EF4-FFF2-40B4-BE49-F238E27FC236}">
+                <a16:creationId xmlns:a16="http://schemas.microsoft.com/office/drawing/2014/main" id="{14069461-CC19-42E6-9E3E-706E14367AB2}"/>
+              </a:ext>
+            </a:extLst>
+          </p:cNvPr>
+          <p:cNvSpPr>
+            <a:spLocks noGrp="1"/>
+          </p:cNvSpPr>
+          <p:nvPr>
+            <p:ph type="title"/>
+          </p:nvPr>
+        </p:nvSpPr>
+        <p:spPr/>
+        <p:txBody>
+          <a:bodyPr/>
+          <a:lstStyle/>
+          <a:p>
+            <a:r>
+              <a:rPr lang="zh-TW" altLang="en-US" dirty="0"/>
+              <a:t>提問環節</a:t>
+            </a:r>
+          </a:p>
+        </p:txBody>
+      </p:sp>
+      <p:sp>
+        <p:nvSpPr>
+          <p:cNvPr id="3" name="內容版面配置區 2">
+            <a:extLst>
+              <a:ext uri="{FF2B5EF4-FFF2-40B4-BE49-F238E27FC236}">
+                <a16:creationId xmlns:a16="http://schemas.microsoft.com/office/drawing/2014/main" id="{75E3D2E2-5B0B-4CDD-9516-CD2B42B5609F}"/>
+              </a:ext>
+            </a:extLst>
+          </p:cNvPr>
+          <p:cNvSpPr>
+            <a:spLocks noGrp="1"/>
+          </p:cNvSpPr>
+          <p:nvPr>
+            <p:ph idx="1"/>
+          </p:nvPr>
+        </p:nvSpPr>
+        <p:spPr/>
+        <p:txBody>
+          <a:bodyPr/>
+          <a:lstStyle/>
+          <a:p>
+            <a:endParaRPr lang="zh-TW" altLang="en-US" dirty="0"/>
+          </a:p>
+        </p:txBody>
+      </p:sp>
+    </p:spTree>
+    <p:extLst>
+      <p:ext uri="{BB962C8B-B14F-4D97-AF65-F5344CB8AC3E}">
+        <p14:creationId xmlns:p14="http://schemas.microsoft.com/office/powerpoint/2010/main" val="3451663621"/>
+      </p:ext>
+    </p:extLst>
+  </p:cSld>
+  <p:clrMapOvr>
+    <a:masterClrMapping/>
+  </p:clrMapOvr>
+  <mc:AlternateContent xmlns:mc="http://schemas.openxmlformats.org/markup-compatibility/2006">
+    <mc:Choice xmlns:p14="http://schemas.microsoft.com/office/powerpoint/2010/main" Requires="p14">
+      <p:transition spd="slow" p14:dur="2000">
+        <p:cut/>
+      </p:transition>
+    </mc:Choice>
+    <mc:Fallback>
+      <p:transition spd="slow">
+        <p:cut/>
+      </p:transition>
+    </mc:Fallback>
+  </mc:AlternateContent>
 </p:sld>
 </file>
 
@@ -30006,6 +30582,18 @@
   <p:clrMapOvr>
     <a:masterClrMapping/>
   </p:clrMapOvr>
+  <mc:AlternateContent xmlns:mc="http://schemas.openxmlformats.org/markup-compatibility/2006">
+    <mc:Choice xmlns:p14="http://schemas.microsoft.com/office/powerpoint/2010/main" Requires="p14">
+      <p:transition spd="slow" p14:dur="2000">
+        <p:cut/>
+      </p:transition>
+    </mc:Choice>
+    <mc:Fallback>
+      <p:transition spd="slow">
+        <p:cut/>
+      </p:transition>
+    </mc:Fallback>
+  </mc:AlternateContent>
 </p:sld>
 </file>
 
@@ -30149,6 +30737,18 @@
   <p:clrMapOvr>
     <a:masterClrMapping/>
   </p:clrMapOvr>
+  <mc:AlternateContent xmlns:mc="http://schemas.openxmlformats.org/markup-compatibility/2006">
+    <mc:Choice xmlns:p14="http://schemas.microsoft.com/office/powerpoint/2010/main" Requires="p14">
+      <p:transition spd="slow" p14:dur="2000">
+        <p:cut/>
+      </p:transition>
+    </mc:Choice>
+    <mc:Fallback>
+      <p:transition spd="slow">
+        <p:cut/>
+      </p:transition>
+    </mc:Fallback>
+  </mc:AlternateContent>
 </p:sld>
 </file>
 
@@ -30482,92 +31082,22 @@
   <p:clrMapOvr>
     <a:masterClrMapping/>
   </p:clrMapOvr>
+  <mc:AlternateContent xmlns:mc="http://schemas.openxmlformats.org/markup-compatibility/2006">
+    <mc:Choice xmlns:p14="http://schemas.microsoft.com/office/powerpoint/2010/main" Requires="p14">
+      <p:transition spd="slow" p14:dur="2000">
+        <p:cut/>
+      </p:transition>
+    </mc:Choice>
+    <mc:Fallback>
+      <p:transition spd="slow">
+        <p:cut/>
+      </p:transition>
+    </mc:Fallback>
+  </mc:AlternateContent>
 </p:sld>
 </file>
 
 <file path=ppt/slides/slide6.xml><?xml version="1.0" encoding="utf-8"?>
-<p:sld xmlns:a="http://schemas.openxmlformats.org/drawingml/2006/main" xmlns:r="http://schemas.openxmlformats.org/officeDocument/2006/relationships" xmlns:p="http://schemas.openxmlformats.org/presentationml/2006/main">
-  <p:cSld>
-    <p:spTree>
-      <p:nvGrpSpPr>
-        <p:cNvPr id="1" name=""/>
-        <p:cNvGrpSpPr/>
-        <p:nvPr/>
-      </p:nvGrpSpPr>
-      <p:grpSpPr>
-        <a:xfrm>
-          <a:off x="0" y="0"/>
-          <a:ext cx="0" cy="0"/>
-          <a:chOff x="0" y="0"/>
-          <a:chExt cx="0" cy="0"/>
-        </a:xfrm>
-      </p:grpSpPr>
-      <p:sp>
-        <p:nvSpPr>
-          <p:cNvPr id="2" name="標題 1"/>
-          <p:cNvSpPr>
-            <a:spLocks noGrp="1"/>
-          </p:cNvSpPr>
-          <p:nvPr>
-            <p:ph type="title"/>
-          </p:nvPr>
-        </p:nvSpPr>
-        <p:spPr>
-          <a:xfrm>
-            <a:off x="1832513" y="624110"/>
-            <a:ext cx="8911687" cy="1280890"/>
-          </a:xfrm>
-        </p:spPr>
-        <p:txBody>
-          <a:bodyPr/>
-          <a:lstStyle/>
-          <a:p>
-            <a:r>
-              <a:rPr lang="zh-TW" altLang="en-US" dirty="0" smtClean="0"/>
-              <a:t>系統方塊圖</a:t>
-            </a:r>
-            <a:endParaRPr lang="zh-TW" altLang="en-US" dirty="0"/>
-          </a:p>
-        </p:txBody>
-      </p:sp>
-      <p:pic>
-        <p:nvPicPr>
-          <p:cNvPr id="4" name="圖片 3"/>
-          <p:cNvPicPr>
-            <a:picLocks noChangeAspect="1"/>
-          </p:cNvPicPr>
-          <p:nvPr/>
-        </p:nvPicPr>
-        <p:blipFill>
-          <a:blip r:embed="rId2"/>
-          <a:stretch>
-            <a:fillRect/>
-          </a:stretch>
-        </p:blipFill>
-        <p:spPr>
-          <a:xfrm>
-            <a:off x="1425939" y="1905000"/>
-            <a:ext cx="9318261" cy="4368521"/>
-          </a:xfrm>
-          <a:prstGeom prst="rect">
-            <a:avLst/>
-          </a:prstGeom>
-        </p:spPr>
-      </p:pic>
-    </p:spTree>
-    <p:extLst>
-      <p:ext uri="{BB962C8B-B14F-4D97-AF65-F5344CB8AC3E}">
-        <p14:creationId xmlns:p14="http://schemas.microsoft.com/office/powerpoint/2010/main" val="481788087"/>
-      </p:ext>
-    </p:extLst>
-  </p:cSld>
-  <p:clrMapOvr>
-    <a:masterClrMapping/>
-  </p:clrMapOvr>
-</p:sld>
-</file>
-
-<file path=ppt/slides/slide7.xml><?xml version="1.0" encoding="utf-8"?>
 <p:sld xmlns:a="http://schemas.openxmlformats.org/drawingml/2006/main" xmlns:r="http://schemas.openxmlformats.org/officeDocument/2006/relationships" xmlns:p="http://schemas.openxmlformats.org/presentationml/2006/main">
   <p:cSld>
     <p:spTree>
@@ -30612,6 +31142,402 @@
           <a:p>
             <a:r>
               <a:rPr lang="zh-TW" altLang="en-US" dirty="0"/>
+              <a:t>基礎概念</a:t>
+            </a:r>
+          </a:p>
+        </p:txBody>
+      </p:sp>
+      <p:sp>
+        <p:nvSpPr>
+          <p:cNvPr id="6" name="內容版面配置區 2">
+            <a:extLst>
+              <a:ext uri="{FF2B5EF4-FFF2-40B4-BE49-F238E27FC236}">
+                <a16:creationId xmlns:a16="http://schemas.microsoft.com/office/drawing/2014/main" id="{E5A353AF-894E-C54E-F428-DDFAD7225883}"/>
+              </a:ext>
+            </a:extLst>
+          </p:cNvPr>
+          <p:cNvSpPr>
+            <a:spLocks noGrp="1"/>
+          </p:cNvSpPr>
+          <p:nvPr>
+            <p:ph idx="1"/>
+          </p:nvPr>
+        </p:nvSpPr>
+        <p:spPr>
+          <a:xfrm>
+            <a:off x="882355" y="2576513"/>
+            <a:ext cx="7301689" cy="2581336"/>
+          </a:xfrm>
+        </p:spPr>
+        <p:txBody>
+          <a:bodyPr>
+            <a:normAutofit/>
+          </a:bodyPr>
+          <a:lstStyle/>
+          <a:p>
+            <a:r>
+              <a:rPr lang="en-US" altLang="zh-TW" sz="2600" dirty="0"/>
+              <a:t>QAM</a:t>
+            </a:r>
+            <a:r>
+              <a:rPr lang="zh-TW" altLang="en-US" sz="2600" dirty="0"/>
+              <a:t>（</a:t>
+            </a:r>
+            <a:r>
+              <a:rPr lang="en-US" altLang="zh-TW" sz="2600" dirty="0"/>
+              <a:t>Quadrature Amplitude Modulation</a:t>
+            </a:r>
+            <a:r>
+              <a:rPr lang="zh-TW" altLang="en-US" sz="2600" dirty="0"/>
+              <a:t>）是一種數位調變技術，常用於數位通訊系統中，特別是在有限頻寬的載波上進行資料傳輸。 </a:t>
+            </a:r>
+            <a:r>
+              <a:rPr lang="en-US" altLang="zh-TW" sz="2600" dirty="0"/>
+              <a:t>QAM</a:t>
+            </a:r>
+            <a:r>
+              <a:rPr lang="zh-TW" altLang="en-US" sz="2600" dirty="0"/>
+              <a:t>透過同時變化正弦波的振幅和相位來傳輸數位訊號。</a:t>
+            </a:r>
+          </a:p>
+        </p:txBody>
+      </p:sp>
+      <p:sp>
+        <p:nvSpPr>
+          <p:cNvPr id="8" name="Rectangle 1"/>
+          <p:cNvSpPr>
+            <a:spLocks noChangeArrowheads="1"/>
+          </p:cNvSpPr>
+          <p:nvPr/>
+        </p:nvSpPr>
+        <p:spPr bwMode="auto">
+          <a:xfrm>
+            <a:off x="0" y="0"/>
+            <a:ext cx="12192000" cy="0"/>
+          </a:xfrm>
+          <a:prstGeom prst="rect">
+            <a:avLst/>
+          </a:prstGeom>
+          <a:noFill/>
+          <a:ln>
+            <a:noFill/>
+          </a:ln>
+          <a:effectLst/>
+          <a:extLst>
+            <a:ext uri="{909E8E84-426E-40DD-AFC4-6F175D3DCCD1}">
+              <a14:hiddenFill xmlns:a14="http://schemas.microsoft.com/office/drawing/2010/main">
+                <a:solidFill>
+                  <a:schemeClr val="accent1"/>
+                </a:solidFill>
+              </a14:hiddenFill>
+            </a:ext>
+            <a:ext uri="{91240B29-F687-4F45-9708-019B960494DF}">
+              <a14:hiddenLine xmlns:a14="http://schemas.microsoft.com/office/drawing/2010/main" w="9525">
+                <a:solidFill>
+                  <a:schemeClr val="tx1"/>
+                </a:solidFill>
+                <a:miter lim="800000"/>
+                <a:headEnd/>
+                <a:tailEnd/>
+              </a14:hiddenLine>
+            </a:ext>
+            <a:ext uri="{AF507438-7753-43E0-B8FC-AC1667EBCBE1}">
+              <a14:hiddenEffects xmlns:a14="http://schemas.microsoft.com/office/drawing/2010/main">
+                <a:effectLst>
+                  <a:outerShdw dist="35921" dir="2700000" algn="ctr" rotWithShape="0">
+                    <a:schemeClr val="bg2"/>
+                  </a:outerShdw>
+                </a:effectLst>
+              </a14:hiddenEffects>
+            </a:ext>
+          </a:extLst>
+        </p:spPr>
+        <p:txBody>
+          <a:bodyPr vert="horz" wrap="none" lIns="91440" tIns="45720" rIns="91440" bIns="45720" numCol="1" anchor="ctr" anchorCtr="0" compatLnSpc="1">
+            <a:prstTxWarp prst="textNoShape">
+              <a:avLst/>
+            </a:prstTxWarp>
+            <a:spAutoFit/>
+          </a:bodyPr>
+          <a:lstStyle/>
+          <a:p>
+            <a:endParaRPr lang="zh-TW" altLang="en-US"/>
+          </a:p>
+        </p:txBody>
+      </p:sp>
+      <p:sp>
+        <p:nvSpPr>
+          <p:cNvPr id="9" name="Rectangle 2"/>
+          <p:cNvSpPr>
+            <a:spLocks noChangeArrowheads="1"/>
+          </p:cNvSpPr>
+          <p:nvPr/>
+        </p:nvSpPr>
+        <p:spPr bwMode="auto">
+          <a:xfrm>
+            <a:off x="152400" y="152400"/>
+            <a:ext cx="12192000" cy="0"/>
+          </a:xfrm>
+          <a:prstGeom prst="rect">
+            <a:avLst/>
+          </a:prstGeom>
+          <a:noFill/>
+          <a:ln>
+            <a:noFill/>
+          </a:ln>
+          <a:effectLst/>
+          <a:extLst>
+            <a:ext uri="{909E8E84-426E-40DD-AFC4-6F175D3DCCD1}">
+              <a14:hiddenFill xmlns:a14="http://schemas.microsoft.com/office/drawing/2010/main">
+                <a:solidFill>
+                  <a:schemeClr val="accent1"/>
+                </a:solidFill>
+              </a14:hiddenFill>
+            </a:ext>
+            <a:ext uri="{91240B29-F687-4F45-9708-019B960494DF}">
+              <a14:hiddenLine xmlns:a14="http://schemas.microsoft.com/office/drawing/2010/main" w="9525">
+                <a:solidFill>
+                  <a:schemeClr val="tx1"/>
+                </a:solidFill>
+                <a:miter lim="800000"/>
+                <a:headEnd/>
+                <a:tailEnd/>
+              </a14:hiddenLine>
+            </a:ext>
+            <a:ext uri="{AF507438-7753-43E0-B8FC-AC1667EBCBE1}">
+              <a14:hiddenEffects xmlns:a14="http://schemas.microsoft.com/office/drawing/2010/main">
+                <a:effectLst>
+                  <a:outerShdw dist="35921" dir="2700000" algn="ctr" rotWithShape="0">
+                    <a:schemeClr val="bg2"/>
+                  </a:outerShdw>
+                </a:effectLst>
+              </a14:hiddenEffects>
+            </a:ext>
+          </a:extLst>
+        </p:spPr>
+        <p:txBody>
+          <a:bodyPr vert="horz" wrap="none" lIns="91440" tIns="45720" rIns="91440" bIns="45720" numCol="1" anchor="ctr" anchorCtr="0" compatLnSpc="1">
+            <a:prstTxWarp prst="textNoShape">
+              <a:avLst/>
+            </a:prstTxWarp>
+            <a:spAutoFit/>
+          </a:bodyPr>
+          <a:lstStyle/>
+          <a:p>
+            <a:endParaRPr lang="zh-TW" altLang="en-US"/>
+          </a:p>
+        </p:txBody>
+      </p:sp>
+      <p:pic>
+        <p:nvPicPr>
+          <p:cNvPr id="10" name="圖片 9">
+            <a:hlinkClick r:id="rId3"/>
+          </p:cNvPr>
+          <p:cNvPicPr>
+            <a:picLocks noChangeAspect="1"/>
+          </p:cNvPicPr>
+          <p:nvPr/>
+        </p:nvPicPr>
+        <p:blipFill>
+          <a:blip r:embed="rId4">
+            <a:extLst>
+              <a:ext uri="{28A0092B-C50C-407E-A947-70E740481C1C}">
+                <a14:useLocalDpi xmlns:a14="http://schemas.microsoft.com/office/drawing/2010/main" val="0"/>
+              </a:ext>
+            </a:extLst>
+          </a:blip>
+          <a:stretch>
+            <a:fillRect/>
+          </a:stretch>
+        </p:blipFill>
+        <p:spPr>
+          <a:xfrm>
+            <a:off x="8843962" y="2576513"/>
+            <a:ext cx="2762250" cy="1905000"/>
+          </a:xfrm>
+          <a:prstGeom prst="rect">
+            <a:avLst/>
+          </a:prstGeom>
+        </p:spPr>
+      </p:pic>
+    </p:spTree>
+    <p:extLst>
+      <p:ext uri="{BB962C8B-B14F-4D97-AF65-F5344CB8AC3E}">
+        <p14:creationId xmlns:p14="http://schemas.microsoft.com/office/powerpoint/2010/main" val="1012111485"/>
+      </p:ext>
+    </p:extLst>
+  </p:cSld>
+  <p:clrMapOvr>
+    <a:masterClrMapping/>
+  </p:clrMapOvr>
+  <mc:AlternateContent xmlns:mc="http://schemas.openxmlformats.org/markup-compatibility/2006">
+    <mc:Choice xmlns:p14="http://schemas.microsoft.com/office/powerpoint/2010/main" Requires="p14">
+      <p:transition spd="slow" p14:dur="2000">
+        <p:cut/>
+      </p:transition>
+    </mc:Choice>
+    <mc:Fallback>
+      <p:transition spd="slow">
+        <p:cut/>
+      </p:transition>
+    </mc:Fallback>
+  </mc:AlternateContent>
+  <p:timing>
+    <p:tnLst>
+      <p:par>
+        <p:cTn id="1" dur="indefinite" restart="never" nodeType="tmRoot"/>
+      </p:par>
+    </p:tnLst>
+  </p:timing>
+</p:sld>
+</file>
+
+<file path=ppt/slides/slide7.xml><?xml version="1.0" encoding="utf-8"?>
+<p:sld xmlns:a="http://schemas.openxmlformats.org/drawingml/2006/main" xmlns:r="http://schemas.openxmlformats.org/officeDocument/2006/relationships" xmlns:p="http://schemas.openxmlformats.org/presentationml/2006/main">
+  <p:cSld>
+    <p:spTree>
+      <p:nvGrpSpPr>
+        <p:cNvPr id="1" name=""/>
+        <p:cNvGrpSpPr/>
+        <p:nvPr/>
+      </p:nvGrpSpPr>
+      <p:grpSpPr>
+        <a:xfrm>
+          <a:off x="0" y="0"/>
+          <a:ext cx="0" cy="0"/>
+          <a:chOff x="0" y="0"/>
+          <a:chExt cx="0" cy="0"/>
+        </a:xfrm>
+      </p:grpSpPr>
+      <p:sp>
+        <p:nvSpPr>
+          <p:cNvPr id="2" name="標題 1"/>
+          <p:cNvSpPr>
+            <a:spLocks noGrp="1"/>
+          </p:cNvSpPr>
+          <p:nvPr>
+            <p:ph type="title"/>
+          </p:nvPr>
+        </p:nvSpPr>
+        <p:spPr>
+          <a:xfrm>
+            <a:off x="1832513" y="624110"/>
+            <a:ext cx="8911687" cy="1280890"/>
+          </a:xfrm>
+        </p:spPr>
+        <p:txBody>
+          <a:bodyPr/>
+          <a:lstStyle/>
+          <a:p>
+            <a:r>
+              <a:rPr lang="zh-TW" altLang="en-US" dirty="0" smtClean="0"/>
+              <a:t>系統方塊圖</a:t>
+            </a:r>
+            <a:endParaRPr lang="zh-TW" altLang="en-US" dirty="0"/>
+          </a:p>
+        </p:txBody>
+      </p:sp>
+      <p:pic>
+        <p:nvPicPr>
+          <p:cNvPr id="4" name="圖片 3"/>
+          <p:cNvPicPr>
+            <a:picLocks noChangeAspect="1"/>
+          </p:cNvPicPr>
+          <p:nvPr/>
+        </p:nvPicPr>
+        <p:blipFill>
+          <a:blip r:embed="rId2"/>
+          <a:stretch>
+            <a:fillRect/>
+          </a:stretch>
+        </p:blipFill>
+        <p:spPr>
+          <a:xfrm>
+            <a:off x="1425939" y="1905000"/>
+            <a:ext cx="9318261" cy="4368521"/>
+          </a:xfrm>
+          <a:prstGeom prst="rect">
+            <a:avLst/>
+          </a:prstGeom>
+        </p:spPr>
+      </p:pic>
+    </p:spTree>
+    <p:extLst>
+      <p:ext uri="{BB962C8B-B14F-4D97-AF65-F5344CB8AC3E}">
+        <p14:creationId xmlns:p14="http://schemas.microsoft.com/office/powerpoint/2010/main" val="481788087"/>
+      </p:ext>
+    </p:extLst>
+  </p:cSld>
+  <p:clrMapOvr>
+    <a:masterClrMapping/>
+  </p:clrMapOvr>
+  <mc:AlternateContent xmlns:mc="http://schemas.openxmlformats.org/markup-compatibility/2006">
+    <mc:Choice xmlns:p14="http://schemas.microsoft.com/office/powerpoint/2010/main" Requires="p14">
+      <p:transition spd="slow" p14:dur="2000">
+        <p:cut/>
+      </p:transition>
+    </mc:Choice>
+    <mc:Fallback>
+      <p:transition spd="slow">
+        <p:cut/>
+      </p:transition>
+    </mc:Fallback>
+  </mc:AlternateContent>
+  <p:timing>
+    <p:tnLst>
+      <p:par>
+        <p:cTn id="1" dur="indefinite" restart="never" nodeType="tmRoot"/>
+      </p:par>
+    </p:tnLst>
+  </p:timing>
+</p:sld>
+</file>
+
+<file path=ppt/slides/slide8.xml><?xml version="1.0" encoding="utf-8"?>
+<p:sld xmlns:a="http://schemas.openxmlformats.org/drawingml/2006/main" xmlns:r="http://schemas.openxmlformats.org/officeDocument/2006/relationships" xmlns:p="http://schemas.openxmlformats.org/presentationml/2006/main">
+  <p:cSld>
+    <p:spTree>
+      <p:nvGrpSpPr>
+        <p:cNvPr id="1" name=""/>
+        <p:cNvGrpSpPr/>
+        <p:nvPr/>
+      </p:nvGrpSpPr>
+      <p:grpSpPr>
+        <a:xfrm>
+          <a:off x="0" y="0"/>
+          <a:ext cx="0" cy="0"/>
+          <a:chOff x="0" y="0"/>
+          <a:chExt cx="0" cy="0"/>
+        </a:xfrm>
+      </p:grpSpPr>
+      <p:sp>
+        <p:nvSpPr>
+          <p:cNvPr id="2" name="標題 1">
+            <a:extLst>
+              <a:ext uri="{FF2B5EF4-FFF2-40B4-BE49-F238E27FC236}">
+                <a16:creationId xmlns:a16="http://schemas.microsoft.com/office/drawing/2014/main" id="{A20F942D-765C-4C4A-B743-47A3438CFE88}"/>
+              </a:ext>
+            </a:extLst>
+          </p:cNvPr>
+          <p:cNvSpPr>
+            <a:spLocks noGrp="1"/>
+          </p:cNvSpPr>
+          <p:nvPr>
+            <p:ph type="title"/>
+          </p:nvPr>
+        </p:nvSpPr>
+        <p:spPr>
+          <a:xfrm>
+            <a:off x="1879051" y="600047"/>
+            <a:ext cx="8911687" cy="1280890"/>
+          </a:xfrm>
+        </p:spPr>
+        <p:txBody>
+          <a:bodyPr/>
+          <a:lstStyle/>
+          <a:p>
+            <a:r>
+              <a:rPr lang="zh-TW" altLang="en-US" dirty="0"/>
               <a:t>傳送端</a:t>
             </a:r>
           </a:p>
@@ -30653,10 +31579,29 @@
   <p:clrMapOvr>
     <a:masterClrMapping/>
   </p:clrMapOvr>
+  <mc:AlternateContent xmlns:mc="http://schemas.openxmlformats.org/markup-compatibility/2006">
+    <mc:Choice xmlns:p14="http://schemas.microsoft.com/office/powerpoint/2010/main" Requires="p14">
+      <p:transition spd="slow" p14:dur="2000">
+        <p:cut/>
+      </p:transition>
+    </mc:Choice>
+    <mc:Fallback>
+      <p:transition spd="slow">
+        <p:cut/>
+      </p:transition>
+    </mc:Fallback>
+  </mc:AlternateContent>
+  <p:timing>
+    <p:tnLst>
+      <p:par>
+        <p:cTn id="1" dur="indefinite" restart="never" nodeType="tmRoot"/>
+      </p:par>
+    </p:tnLst>
+  </p:timing>
 </p:sld>
 </file>
 
-<file path=ppt/slides/slide8.xml><?xml version="1.0" encoding="utf-8"?>
+<file path=ppt/slides/slide9.xml><?xml version="1.0" encoding="utf-8"?>
 <p:sld xmlns:a="http://schemas.openxmlformats.org/drawingml/2006/main" xmlns:r="http://schemas.openxmlformats.org/officeDocument/2006/relationships" xmlns:p="http://schemas.openxmlformats.org/presentationml/2006/main">
   <p:cSld>
     <p:spTree>
@@ -31403,157 +32348,18 @@
   <p:clrMapOvr>
     <a:masterClrMapping/>
   </p:clrMapOvr>
-</p:sld>
-</file>
-
-<file path=ppt/slides/slide9.xml><?xml version="1.0" encoding="utf-8"?>
-<p:sld xmlns:a="http://schemas.openxmlformats.org/drawingml/2006/main" xmlns:r="http://schemas.openxmlformats.org/officeDocument/2006/relationships" xmlns:p="http://schemas.openxmlformats.org/presentationml/2006/main">
-  <p:cSld>
-    <p:spTree>
-      <p:nvGrpSpPr>
-        <p:cNvPr id="1" name=""/>
-        <p:cNvGrpSpPr/>
-        <p:nvPr/>
-      </p:nvGrpSpPr>
-      <p:grpSpPr>
-        <a:xfrm>
-          <a:off x="0" y="0"/>
-          <a:ext cx="0" cy="0"/>
-          <a:chOff x="0" y="0"/>
-          <a:chExt cx="0" cy="0"/>
-        </a:xfrm>
-      </p:grpSpPr>
-      <p:sp>
-        <p:nvSpPr>
-          <p:cNvPr id="2" name="標題 1">
-            <a:extLst>
-              <a:ext uri="{FF2B5EF4-FFF2-40B4-BE49-F238E27FC236}">
-                <a16:creationId xmlns:a16="http://schemas.microsoft.com/office/drawing/2014/main" id="{D9AB7535-4395-5CF0-C825-7186D87DB238}"/>
-              </a:ext>
-            </a:extLst>
-          </p:cNvPr>
-          <p:cNvSpPr>
-            <a:spLocks noGrp="1"/>
-          </p:cNvSpPr>
-          <p:nvPr>
-            <p:ph type="title"/>
-          </p:nvPr>
-        </p:nvSpPr>
-        <p:spPr>
-          <a:xfrm>
-            <a:off x="1640156" y="596119"/>
-            <a:ext cx="8911687" cy="1280890"/>
-          </a:xfrm>
-        </p:spPr>
-        <p:txBody>
-          <a:bodyPr>
-            <a:normAutofit/>
-          </a:bodyPr>
-          <a:lstStyle/>
-          <a:p>
-            <a:r>
-              <a:rPr lang="zh-TW" altLang="en-US" sz="4400" dirty="0">
-                <a:latin typeface="華康POP1體W7" panose="040B0709000000000000" pitchFamily="81" charset="-120"/>
-                <a:ea typeface="華康POP1體W7" panose="040B0709000000000000" pitchFamily="81" charset="-120"/>
-              </a:rPr>
-              <a:t>接收端</a:t>
-            </a:r>
-          </a:p>
-        </p:txBody>
-      </p:sp>
-      <p:graphicFrame>
-        <p:nvGraphicFramePr>
-          <p:cNvPr id="4" name="內容版面配置區 3">
-            <a:extLst>
-              <a:ext uri="{FF2B5EF4-FFF2-40B4-BE49-F238E27FC236}">
-                <a16:creationId xmlns:a16="http://schemas.microsoft.com/office/drawing/2014/main" id="{1DF327AE-66C7-CF3D-2D64-70AE4101A616}"/>
-              </a:ext>
-            </a:extLst>
-          </p:cNvPr>
-          <p:cNvGraphicFramePr>
-            <a:graphicFrameLocks noGrp="1"/>
-          </p:cNvGraphicFramePr>
-          <p:nvPr>
-            <p:ph idx="1"/>
-            <p:extLst>
-              <p:ext uri="{D42A27DB-BD31-4B8C-83A1-F6EECF244321}">
-                <p14:modId xmlns:p14="http://schemas.microsoft.com/office/powerpoint/2010/main" val="3309755264"/>
-              </p:ext>
-            </p:extLst>
-          </p:nvPr>
-        </p:nvGraphicFramePr>
-        <p:xfrm>
-          <a:off x="779866" y="2282890"/>
-          <a:ext cx="10632265" cy="2970245"/>
-        </p:xfrm>
-        <a:graphic>
-          <a:graphicData uri="http://schemas.openxmlformats.org/drawingml/2006/diagram">
-            <dgm:relIds xmlns:dgm="http://schemas.openxmlformats.org/drawingml/2006/diagram" xmlns:r="http://schemas.openxmlformats.org/officeDocument/2006/relationships" r:dm="rId2" r:lo="rId3" r:qs="rId4" r:cs="rId5"/>
-          </a:graphicData>
-        </a:graphic>
-      </p:graphicFrame>
-      <p:sp>
-        <p:nvSpPr>
-          <p:cNvPr id="5" name="文字方塊 4">
-            <a:extLst>
-              <a:ext uri="{FF2B5EF4-FFF2-40B4-BE49-F238E27FC236}">
-                <a16:creationId xmlns:a16="http://schemas.microsoft.com/office/drawing/2014/main" id="{85D030C8-AE5B-FFD2-CDA5-E5BF87D30192}"/>
-              </a:ext>
-            </a:extLst>
-          </p:cNvPr>
-          <p:cNvSpPr txBox="1"/>
-          <p:nvPr/>
-        </p:nvSpPr>
-        <p:spPr>
-          <a:xfrm>
-            <a:off x="1640156" y="1507677"/>
-            <a:ext cx="9022022" cy="461665"/>
-          </a:xfrm>
-          <a:prstGeom prst="rect">
-            <a:avLst/>
-          </a:prstGeom>
-          <a:noFill/>
-        </p:spPr>
-        <p:txBody>
-          <a:bodyPr wrap="none" rtlCol="0">
-            <a:spAutoFit/>
-          </a:bodyPr>
-          <a:lstStyle/>
-          <a:p>
-            <a:r>
-              <a:rPr lang="zh-TW" altLang="en-US" sz="2400" dirty="0">
-                <a:latin typeface="王漢宗特黑體繁" panose="02000500000000000000" pitchFamily="2" charset="-120"/>
-                <a:ea typeface="王漢宗特黑體繁" panose="02000500000000000000" pitchFamily="2" charset="-120"/>
-              </a:rPr>
-              <a:t>主要工作</a:t>
-            </a:r>
-            <a:r>
-              <a:rPr lang="en-US" altLang="zh-TW" sz="2400" dirty="0">
-                <a:latin typeface="王漢宗特黑體繁" panose="02000500000000000000" pitchFamily="2" charset="-120"/>
-                <a:ea typeface="王漢宗特黑體繁" panose="02000500000000000000" pitchFamily="2" charset="-120"/>
-              </a:rPr>
-              <a:t>:</a:t>
-            </a:r>
-            <a:r>
-              <a:rPr lang="zh-TW" altLang="en-US" sz="2400" dirty="0">
-                <a:latin typeface="王漢宗特黑體繁" panose="02000500000000000000" pitchFamily="2" charset="-120"/>
-                <a:ea typeface="王漢宗特黑體繁" panose="02000500000000000000" pitchFamily="2" charset="-120"/>
-              </a:rPr>
-              <a:t> 將接收到資料起始位置抓出來，並解調出原始的資料。</a:t>
-            </a:r>
-          </a:p>
-        </p:txBody>
-      </p:sp>
-    </p:spTree>
-    <p:extLst>
-      <p:ext uri="{BB962C8B-B14F-4D97-AF65-F5344CB8AC3E}">
-        <p14:creationId xmlns:p14="http://schemas.microsoft.com/office/powerpoint/2010/main" val="3093021310"/>
-      </p:ext>
-    </p:extLst>
-  </p:cSld>
-  <p:clrMapOvr>
-    <a:masterClrMapping/>
-  </p:clrMapOvr>
+  <mc:AlternateContent xmlns:mc="http://schemas.openxmlformats.org/markup-compatibility/2006">
+    <mc:Choice xmlns:p14="http://schemas.microsoft.com/office/powerpoint/2010/main" Requires="p14">
+      <p:transition spd="slow" p14:dur="2000">
+        <p:cut/>
+      </p:transition>
+    </mc:Choice>
+    <mc:Fallback>
+      <p:transition spd="slow">
+        <p:cut/>
+      </p:transition>
+    </mc:Fallback>
+  </mc:AlternateContent>
 </p:sld>
 </file>
 

--- a/report/以SDR實現OTSM通訊技術.pptx
+++ b/report/以SDR實現OTSM通訊技術.pptx
@@ -4,24 +4,30 @@
   <p:sldMasterIdLst>
     <p:sldMasterId id="2147483678" r:id="rId1"/>
   </p:sldMasterIdLst>
+  <p:notesMasterIdLst>
+    <p:notesMasterId r:id="rId22"/>
+  </p:notesMasterIdLst>
   <p:sldIdLst>
     <p:sldId id="256" r:id="rId2"/>
     <p:sldId id="264" r:id="rId3"/>
     <p:sldId id="274" r:id="rId4"/>
     <p:sldId id="283" r:id="rId5"/>
     <p:sldId id="284" r:id="rId6"/>
-    <p:sldId id="282" r:id="rId7"/>
-    <p:sldId id="281" r:id="rId8"/>
-    <p:sldId id="258" r:id="rId9"/>
-    <p:sldId id="260" r:id="rId10"/>
-    <p:sldId id="261" r:id="rId11"/>
-    <p:sldId id="262" r:id="rId12"/>
-    <p:sldId id="263" r:id="rId13"/>
-    <p:sldId id="276" r:id="rId14"/>
-    <p:sldId id="277" r:id="rId15"/>
-    <p:sldId id="278" r:id="rId16"/>
-    <p:sldId id="279" r:id="rId17"/>
-    <p:sldId id="280" r:id="rId18"/>
+    <p:sldId id="287" r:id="rId7"/>
+    <p:sldId id="286" r:id="rId8"/>
+    <p:sldId id="282" r:id="rId9"/>
+    <p:sldId id="281" r:id="rId10"/>
+    <p:sldId id="258" r:id="rId11"/>
+    <p:sldId id="260" r:id="rId12"/>
+    <p:sldId id="261" r:id="rId13"/>
+    <p:sldId id="262" r:id="rId14"/>
+    <p:sldId id="263" r:id="rId15"/>
+    <p:sldId id="276" r:id="rId16"/>
+    <p:sldId id="285" r:id="rId17"/>
+    <p:sldId id="277" r:id="rId18"/>
+    <p:sldId id="278" r:id="rId19"/>
+    <p:sldId id="279" r:id="rId20"/>
+    <p:sldId id="280" r:id="rId21"/>
   </p:sldIdLst>
   <p:sldSz cx="12192000" cy="6858000"/>
   <p:notesSz cx="6858000" cy="9144000"/>
@@ -1800,14 +1806,35 @@
         </dgm:presLayoutVars>
       </dgm:prSet>
       <dgm:spPr/>
+      <dgm:t>
+        <a:bodyPr/>
+        <a:lstStyle/>
+        <a:p>
+          <a:endParaRPr lang="zh-TW" altLang="en-US"/>
+        </a:p>
+      </dgm:t>
     </dgm:pt>
     <dgm:pt modelId="{5DCD91DB-AEF7-4C9B-BD53-8B818AE7A5C2}" type="pres">
       <dgm:prSet presAssocID="{510E1544-9B0B-4E5E-A21A-74C154EC99BB}" presName="sibTrans" presStyleLbl="sibTrans2D1" presStyleIdx="0" presStyleCnt="2"/>
       <dgm:spPr/>
+      <dgm:t>
+        <a:bodyPr/>
+        <a:lstStyle/>
+        <a:p>
+          <a:endParaRPr lang="zh-TW" altLang="en-US"/>
+        </a:p>
+      </dgm:t>
     </dgm:pt>
     <dgm:pt modelId="{3053149E-F4D6-4274-BA65-86C7B0CA7EE2}" type="pres">
       <dgm:prSet presAssocID="{510E1544-9B0B-4E5E-A21A-74C154EC99BB}" presName="connectorText" presStyleLbl="sibTrans2D1" presStyleIdx="0" presStyleCnt="2"/>
       <dgm:spPr/>
+      <dgm:t>
+        <a:bodyPr/>
+        <a:lstStyle/>
+        <a:p>
+          <a:endParaRPr lang="zh-TW" altLang="en-US"/>
+        </a:p>
+      </dgm:t>
     </dgm:pt>
     <dgm:pt modelId="{501B0B5C-0A9B-4712-8139-5AB722F892AE}" type="pres">
       <dgm:prSet presAssocID="{2F0BB623-C310-4F34-A614-8383840D288F}" presName="node" presStyleLbl="node1" presStyleIdx="1" presStyleCnt="3">
@@ -1816,14 +1843,35 @@
         </dgm:presLayoutVars>
       </dgm:prSet>
       <dgm:spPr/>
+      <dgm:t>
+        <a:bodyPr/>
+        <a:lstStyle/>
+        <a:p>
+          <a:endParaRPr lang="zh-TW" altLang="en-US"/>
+        </a:p>
+      </dgm:t>
     </dgm:pt>
     <dgm:pt modelId="{4C06B492-B4CF-4662-994E-B742043CDBA6}" type="pres">
       <dgm:prSet presAssocID="{B3ED31B1-2659-4ACB-A056-32D27D08A6EF}" presName="sibTrans" presStyleLbl="sibTrans2D1" presStyleIdx="1" presStyleCnt="2"/>
       <dgm:spPr/>
+      <dgm:t>
+        <a:bodyPr/>
+        <a:lstStyle/>
+        <a:p>
+          <a:endParaRPr lang="zh-TW" altLang="en-US"/>
+        </a:p>
+      </dgm:t>
     </dgm:pt>
     <dgm:pt modelId="{715D3F0F-C5CB-406C-9764-737C7C1638E6}" type="pres">
       <dgm:prSet presAssocID="{B3ED31B1-2659-4ACB-A056-32D27D08A6EF}" presName="connectorText" presStyleLbl="sibTrans2D1" presStyleIdx="1" presStyleCnt="2"/>
       <dgm:spPr/>
+      <dgm:t>
+        <a:bodyPr/>
+        <a:lstStyle/>
+        <a:p>
+          <a:endParaRPr lang="zh-TW" altLang="en-US"/>
+        </a:p>
+      </dgm:t>
     </dgm:pt>
     <dgm:pt modelId="{F8307AB0-8E3F-4030-91DA-849DB5B98DC2}" type="pres">
       <dgm:prSet presAssocID="{94E5E8AF-0109-41B5-AD0E-4DA7AD85FEFD}" presName="node" presStyleLbl="node1" presStyleIdx="2" presStyleCnt="3">
@@ -1832,20 +1880,27 @@
         </dgm:presLayoutVars>
       </dgm:prSet>
       <dgm:spPr/>
+      <dgm:t>
+        <a:bodyPr/>
+        <a:lstStyle/>
+        <a:p>
+          <a:endParaRPr lang="zh-TW" altLang="en-US"/>
+        </a:p>
+      </dgm:t>
     </dgm:pt>
   </dgm:ptLst>
   <dgm:cxnLst>
-    <dgm:cxn modelId="{24755E3E-C775-4F43-94FB-4C706A911360}" type="presOf" srcId="{B3ED31B1-2659-4ACB-A056-32D27D08A6EF}" destId="{4C06B492-B4CF-4662-994E-B742043CDBA6}" srcOrd="0" destOrd="0" presId="urn:microsoft.com/office/officeart/2005/8/layout/process1"/>
+    <dgm:cxn modelId="{8F64F8E6-C469-43B5-B5E8-EC3AE35AB88C}" type="presOf" srcId="{2F0BB623-C310-4F34-A614-8383840D288F}" destId="{501B0B5C-0A9B-4712-8139-5AB722F892AE}" srcOrd="0" destOrd="0" presId="urn:microsoft.com/office/officeart/2005/8/layout/process1"/>
+    <dgm:cxn modelId="{F6F31997-62E6-4170-BF59-BE34A1A74105}" srcId="{D14C185C-1C2F-43C5-B3F7-03E2FD8DCA20}" destId="{2F0BB623-C310-4F34-A614-8383840D288F}" srcOrd="1" destOrd="0" parTransId="{7FEA6977-7515-40FE-8B46-76C8A4B4FEBC}" sibTransId="{B3ED31B1-2659-4ACB-A056-32D27D08A6EF}"/>
+    <dgm:cxn modelId="{842B5DB3-BFAF-46D0-84BB-E28431233374}" srcId="{D14C185C-1C2F-43C5-B3F7-03E2FD8DCA20}" destId="{373F3D73-4163-460C-825F-AB90F0BD274A}" srcOrd="0" destOrd="0" parTransId="{00E5234B-BC00-402C-A4DC-5B7D87217C7B}" sibTransId="{510E1544-9B0B-4E5E-A21A-74C154EC99BB}"/>
+    <dgm:cxn modelId="{FC026DDC-6B9B-4E3A-ADF6-C724CBB2F3D0}" type="presOf" srcId="{94E5E8AF-0109-41B5-AD0E-4DA7AD85FEFD}" destId="{F8307AB0-8E3F-4030-91DA-849DB5B98DC2}" srcOrd="0" destOrd="0" presId="urn:microsoft.com/office/officeart/2005/8/layout/process1"/>
     <dgm:cxn modelId="{783D2856-2CC3-47A0-AB40-5DBEC579208A}" type="presOf" srcId="{D14C185C-1C2F-43C5-B3F7-03E2FD8DCA20}" destId="{0845D703-486E-420E-9274-3700A0D2E42F}" srcOrd="0" destOrd="0" presId="urn:microsoft.com/office/officeart/2005/8/layout/process1"/>
     <dgm:cxn modelId="{ED6A0291-B8AD-4213-AF49-B17AF0DD26FB}" type="presOf" srcId="{373F3D73-4163-460C-825F-AB90F0BD274A}" destId="{2CE79DA6-23CB-40EF-B25E-2E7E21767DB0}" srcOrd="0" destOrd="0" presId="urn:microsoft.com/office/officeart/2005/8/layout/process1"/>
-    <dgm:cxn modelId="{F6F31997-62E6-4170-BF59-BE34A1A74105}" srcId="{D14C185C-1C2F-43C5-B3F7-03E2FD8DCA20}" destId="{2F0BB623-C310-4F34-A614-8383840D288F}" srcOrd="1" destOrd="0" parTransId="{7FEA6977-7515-40FE-8B46-76C8A4B4FEBC}" sibTransId="{B3ED31B1-2659-4ACB-A056-32D27D08A6EF}"/>
-    <dgm:cxn modelId="{842B5DB3-BFAF-46D0-84BB-E28431233374}" srcId="{D14C185C-1C2F-43C5-B3F7-03E2FD8DCA20}" destId="{373F3D73-4163-460C-825F-AB90F0BD274A}" srcOrd="0" destOrd="0" parTransId="{00E5234B-BC00-402C-A4DC-5B7D87217C7B}" sibTransId="{510E1544-9B0B-4E5E-A21A-74C154EC99BB}"/>
+    <dgm:cxn modelId="{CCD4CFC3-8CB9-4BD5-B289-EB24AA63AAFC}" type="presOf" srcId="{510E1544-9B0B-4E5E-A21A-74C154EC99BB}" destId="{5DCD91DB-AEF7-4C9B-BD53-8B818AE7A5C2}" srcOrd="0" destOrd="0" presId="urn:microsoft.com/office/officeart/2005/8/layout/process1"/>
+    <dgm:cxn modelId="{D1F5C7F5-FF31-49AC-8A04-274782995C75}" type="presOf" srcId="{510E1544-9B0B-4E5E-A21A-74C154EC99BB}" destId="{3053149E-F4D6-4274-BA65-86C7B0CA7EE2}" srcOrd="1" destOrd="0" presId="urn:microsoft.com/office/officeart/2005/8/layout/process1"/>
+    <dgm:cxn modelId="{24755E3E-C775-4F43-94FB-4C706A911360}" type="presOf" srcId="{B3ED31B1-2659-4ACB-A056-32D27D08A6EF}" destId="{4C06B492-B4CF-4662-994E-B742043CDBA6}" srcOrd="0" destOrd="0" presId="urn:microsoft.com/office/officeart/2005/8/layout/process1"/>
     <dgm:cxn modelId="{F0E147BA-BB1F-4975-8167-3A41330F994E}" type="presOf" srcId="{B3ED31B1-2659-4ACB-A056-32D27D08A6EF}" destId="{715D3F0F-C5CB-406C-9764-737C7C1638E6}" srcOrd="1" destOrd="0" presId="urn:microsoft.com/office/officeart/2005/8/layout/process1"/>
-    <dgm:cxn modelId="{CCD4CFC3-8CB9-4BD5-B289-EB24AA63AAFC}" type="presOf" srcId="{510E1544-9B0B-4E5E-A21A-74C154EC99BB}" destId="{5DCD91DB-AEF7-4C9B-BD53-8B818AE7A5C2}" srcOrd="0" destOrd="0" presId="urn:microsoft.com/office/officeart/2005/8/layout/process1"/>
     <dgm:cxn modelId="{18AB6BD2-D883-4837-90CD-D004B6890F8F}" srcId="{D14C185C-1C2F-43C5-B3F7-03E2FD8DCA20}" destId="{94E5E8AF-0109-41B5-AD0E-4DA7AD85FEFD}" srcOrd="2" destOrd="0" parTransId="{4B4731E8-B722-4A8D-879D-71D770D64E16}" sibTransId="{5EDB3883-65F1-43C5-B2B6-715EFF19ECC3}"/>
-    <dgm:cxn modelId="{FC026DDC-6B9B-4E3A-ADF6-C724CBB2F3D0}" type="presOf" srcId="{94E5E8AF-0109-41B5-AD0E-4DA7AD85FEFD}" destId="{F8307AB0-8E3F-4030-91DA-849DB5B98DC2}" srcOrd="0" destOrd="0" presId="urn:microsoft.com/office/officeart/2005/8/layout/process1"/>
-    <dgm:cxn modelId="{8F64F8E6-C469-43B5-B5E8-EC3AE35AB88C}" type="presOf" srcId="{2F0BB623-C310-4F34-A614-8383840D288F}" destId="{501B0B5C-0A9B-4712-8139-5AB722F892AE}" srcOrd="0" destOrd="0" presId="urn:microsoft.com/office/officeart/2005/8/layout/process1"/>
-    <dgm:cxn modelId="{D1F5C7F5-FF31-49AC-8A04-274782995C75}" type="presOf" srcId="{510E1544-9B0B-4E5E-A21A-74C154EC99BB}" destId="{3053149E-F4D6-4274-BA65-86C7B0CA7EE2}" srcOrd="1" destOrd="0" presId="urn:microsoft.com/office/officeart/2005/8/layout/process1"/>
     <dgm:cxn modelId="{FAFBA5ED-5A37-4064-B4A2-75A971CC3268}" type="presParOf" srcId="{0845D703-486E-420E-9274-3700A0D2E42F}" destId="{2CE79DA6-23CB-40EF-B25E-2E7E21767DB0}" srcOrd="0" destOrd="0" presId="urn:microsoft.com/office/officeart/2005/8/layout/process1"/>
     <dgm:cxn modelId="{B192C275-C3F4-4265-AADD-2C1838C8AD5A}" type="presParOf" srcId="{0845D703-486E-420E-9274-3700A0D2E42F}" destId="{5DCD91DB-AEF7-4C9B-BD53-8B818AE7A5C2}" srcOrd="1" destOrd="0" presId="urn:microsoft.com/office/officeart/2005/8/layout/process1"/>
     <dgm:cxn modelId="{96819B01-F420-4E26-A327-E989DB4F7FB8}" type="presParOf" srcId="{5DCD91DB-AEF7-4C9B-BD53-8B818AE7A5C2}" destId="{3053149E-F4D6-4274-BA65-86C7B0CA7EE2}" srcOrd="0" destOrd="0" presId="urn:microsoft.com/office/officeart/2005/8/layout/process1"/>
@@ -2186,6 +2241,13 @@
         </dgm:presLayoutVars>
       </dgm:prSet>
       <dgm:spPr/>
+      <dgm:t>
+        <a:bodyPr/>
+        <a:lstStyle/>
+        <a:p>
+          <a:endParaRPr lang="zh-TW" altLang="en-US"/>
+        </a:p>
+      </dgm:t>
     </dgm:pt>
     <dgm:pt modelId="{37CC57EE-2C61-4BEF-8871-3338219A9556}" type="pres">
       <dgm:prSet presAssocID="{3841A661-9951-4A9C-BD92-1E214ED1A7F1}" presName="node" presStyleLbl="node1" presStyleIdx="0" presStyleCnt="5">
@@ -2194,14 +2256,35 @@
         </dgm:presLayoutVars>
       </dgm:prSet>
       <dgm:spPr/>
+      <dgm:t>
+        <a:bodyPr/>
+        <a:lstStyle/>
+        <a:p>
+          <a:endParaRPr lang="zh-TW" altLang="en-US"/>
+        </a:p>
+      </dgm:t>
     </dgm:pt>
     <dgm:pt modelId="{602DA743-6056-422D-BD95-2E982C8777E3}" type="pres">
       <dgm:prSet presAssocID="{756101F8-E74F-47A0-88AA-37478E1324E3}" presName="sibTrans" presStyleLbl="sibTrans2D1" presStyleIdx="0" presStyleCnt="4"/>
       <dgm:spPr/>
+      <dgm:t>
+        <a:bodyPr/>
+        <a:lstStyle/>
+        <a:p>
+          <a:endParaRPr lang="zh-TW" altLang="en-US"/>
+        </a:p>
+      </dgm:t>
     </dgm:pt>
     <dgm:pt modelId="{36B23BB1-5C80-41D3-B5C8-95A6DF48DBB3}" type="pres">
       <dgm:prSet presAssocID="{756101F8-E74F-47A0-88AA-37478E1324E3}" presName="connectorText" presStyleLbl="sibTrans2D1" presStyleIdx="0" presStyleCnt="4"/>
       <dgm:spPr/>
+      <dgm:t>
+        <a:bodyPr/>
+        <a:lstStyle/>
+        <a:p>
+          <a:endParaRPr lang="zh-TW" altLang="en-US"/>
+        </a:p>
+      </dgm:t>
     </dgm:pt>
     <dgm:pt modelId="{7B16F990-18B9-4D6C-B176-426070597CF8}" type="pres">
       <dgm:prSet presAssocID="{4DE45646-C300-4293-898A-FF022B7A8FEC}" presName="node" presStyleLbl="node1" presStyleIdx="1" presStyleCnt="5">
@@ -2210,14 +2293,35 @@
         </dgm:presLayoutVars>
       </dgm:prSet>
       <dgm:spPr/>
+      <dgm:t>
+        <a:bodyPr/>
+        <a:lstStyle/>
+        <a:p>
+          <a:endParaRPr lang="zh-TW" altLang="en-US"/>
+        </a:p>
+      </dgm:t>
     </dgm:pt>
     <dgm:pt modelId="{3C52E922-05C7-42AA-9176-FEB57B8A5680}" type="pres">
       <dgm:prSet presAssocID="{D93979BF-3656-4712-9F7E-DB6980D33465}" presName="sibTrans" presStyleLbl="sibTrans2D1" presStyleIdx="1" presStyleCnt="4"/>
       <dgm:spPr/>
+      <dgm:t>
+        <a:bodyPr/>
+        <a:lstStyle/>
+        <a:p>
+          <a:endParaRPr lang="zh-TW" altLang="en-US"/>
+        </a:p>
+      </dgm:t>
     </dgm:pt>
     <dgm:pt modelId="{D7B2C42D-DBB1-487C-9662-09FCC8DF404A}" type="pres">
       <dgm:prSet presAssocID="{D93979BF-3656-4712-9F7E-DB6980D33465}" presName="connectorText" presStyleLbl="sibTrans2D1" presStyleIdx="1" presStyleCnt="4"/>
       <dgm:spPr/>
+      <dgm:t>
+        <a:bodyPr/>
+        <a:lstStyle/>
+        <a:p>
+          <a:endParaRPr lang="zh-TW" altLang="en-US"/>
+        </a:p>
+      </dgm:t>
     </dgm:pt>
     <dgm:pt modelId="{76F565FD-B22D-4E20-9E68-6737A94684D0}" type="pres">
       <dgm:prSet presAssocID="{9842FACB-53DA-4024-B6CB-EE11C52C5FCF}" presName="node" presStyleLbl="node1" presStyleIdx="2" presStyleCnt="5">
@@ -2226,14 +2330,35 @@
         </dgm:presLayoutVars>
       </dgm:prSet>
       <dgm:spPr/>
+      <dgm:t>
+        <a:bodyPr/>
+        <a:lstStyle/>
+        <a:p>
+          <a:endParaRPr lang="zh-TW" altLang="en-US"/>
+        </a:p>
+      </dgm:t>
     </dgm:pt>
     <dgm:pt modelId="{AA43AFA9-0BE9-488E-8186-653D69342068}" type="pres">
       <dgm:prSet presAssocID="{47A42E82-F7B5-4BA3-BE5D-5AC65D518851}" presName="sibTrans" presStyleLbl="sibTrans2D1" presStyleIdx="2" presStyleCnt="4"/>
       <dgm:spPr/>
+      <dgm:t>
+        <a:bodyPr/>
+        <a:lstStyle/>
+        <a:p>
+          <a:endParaRPr lang="zh-TW" altLang="en-US"/>
+        </a:p>
+      </dgm:t>
     </dgm:pt>
     <dgm:pt modelId="{8BCFD47B-7865-4BED-9116-37430C496C9D}" type="pres">
       <dgm:prSet presAssocID="{47A42E82-F7B5-4BA3-BE5D-5AC65D518851}" presName="connectorText" presStyleLbl="sibTrans2D1" presStyleIdx="2" presStyleCnt="4"/>
       <dgm:spPr/>
+      <dgm:t>
+        <a:bodyPr/>
+        <a:lstStyle/>
+        <a:p>
+          <a:endParaRPr lang="zh-TW" altLang="en-US"/>
+        </a:p>
+      </dgm:t>
     </dgm:pt>
     <dgm:pt modelId="{70F605AD-AA30-4AD0-B005-7FFA52A1F50A}" type="pres">
       <dgm:prSet presAssocID="{FEDA3F26-01B6-4969-A114-7ABFAEE737C7}" presName="node" presStyleLbl="node1" presStyleIdx="3" presStyleCnt="5">
@@ -2242,14 +2367,35 @@
         </dgm:presLayoutVars>
       </dgm:prSet>
       <dgm:spPr/>
+      <dgm:t>
+        <a:bodyPr/>
+        <a:lstStyle/>
+        <a:p>
+          <a:endParaRPr lang="zh-TW" altLang="en-US"/>
+        </a:p>
+      </dgm:t>
     </dgm:pt>
     <dgm:pt modelId="{F899D3A4-AACE-4351-8D2B-C90711F51E1E}" type="pres">
       <dgm:prSet presAssocID="{16550F19-24CF-4ABC-B1CC-FECB27126818}" presName="sibTrans" presStyleLbl="sibTrans2D1" presStyleIdx="3" presStyleCnt="4"/>
       <dgm:spPr/>
+      <dgm:t>
+        <a:bodyPr/>
+        <a:lstStyle/>
+        <a:p>
+          <a:endParaRPr lang="zh-TW" altLang="en-US"/>
+        </a:p>
+      </dgm:t>
     </dgm:pt>
     <dgm:pt modelId="{45E6E406-7772-448A-A05E-CD78783E8157}" type="pres">
       <dgm:prSet presAssocID="{16550F19-24CF-4ABC-B1CC-FECB27126818}" presName="connectorText" presStyleLbl="sibTrans2D1" presStyleIdx="3" presStyleCnt="4"/>
       <dgm:spPr/>
+      <dgm:t>
+        <a:bodyPr/>
+        <a:lstStyle/>
+        <a:p>
+          <a:endParaRPr lang="zh-TW" altLang="en-US"/>
+        </a:p>
+      </dgm:t>
     </dgm:pt>
     <dgm:pt modelId="{0F5CAC29-7CB1-4849-BDCB-86C230AA7034}" type="pres">
       <dgm:prSet presAssocID="{793924AF-61E2-402A-99A0-C3B3E57342F2}" presName="node" presStyleLbl="node1" presStyleIdx="4" presStyleCnt="5">
@@ -2258,28 +2404,35 @@
         </dgm:presLayoutVars>
       </dgm:prSet>
       <dgm:spPr/>
+      <dgm:t>
+        <a:bodyPr/>
+        <a:lstStyle/>
+        <a:p>
+          <a:endParaRPr lang="zh-TW" altLang="en-US"/>
+        </a:p>
+      </dgm:t>
     </dgm:pt>
   </dgm:ptLst>
   <dgm:cxnLst>
-    <dgm:cxn modelId="{BB3B5000-0AA1-4675-8502-1A5E60CFD19F}" type="presOf" srcId="{FDABFBC2-1BFD-4076-A05A-6C7F934E68D7}" destId="{72CC2932-FA6E-49B1-8F27-F0B21286E949}" srcOrd="0" destOrd="0" presId="urn:microsoft.com/office/officeart/2005/8/layout/process1"/>
+    <dgm:cxn modelId="{30BE2351-8689-4EC5-AF2E-B7E46AC2636C}" srcId="{FDABFBC2-1BFD-4076-A05A-6C7F934E68D7}" destId="{793924AF-61E2-402A-99A0-C3B3E57342F2}" srcOrd="4" destOrd="0" parTransId="{63A9F1FB-F697-4CA3-9B26-79F1BC32AF6F}" sibTransId="{44D9DA1C-167F-4B0B-B2B6-B05705FA3443}"/>
+    <dgm:cxn modelId="{058ED1C2-8409-4DF6-840A-23940991EEBF}" type="presOf" srcId="{47A42E82-F7B5-4BA3-BE5D-5AC65D518851}" destId="{8BCFD47B-7865-4BED-9116-37430C496C9D}" srcOrd="1" destOrd="0" presId="urn:microsoft.com/office/officeart/2005/8/layout/process1"/>
+    <dgm:cxn modelId="{30F8D8AE-C9E3-4CFE-994A-4830256C8B51}" type="presOf" srcId="{3841A661-9951-4A9C-BD92-1E214ED1A7F1}" destId="{37CC57EE-2C61-4BEF-8871-3338219A9556}" srcOrd="0" destOrd="0" presId="urn:microsoft.com/office/officeart/2005/8/layout/process1"/>
+    <dgm:cxn modelId="{84FE14D8-3BCF-47F6-B85F-2E8574712243}" srcId="{FDABFBC2-1BFD-4076-A05A-6C7F934E68D7}" destId="{9842FACB-53DA-4024-B6CB-EE11C52C5FCF}" srcOrd="2" destOrd="0" parTransId="{2BFEF379-1AD1-4288-81DA-34236DD15E7F}" sibTransId="{47A42E82-F7B5-4BA3-BE5D-5AC65D518851}"/>
+    <dgm:cxn modelId="{367FA860-0927-4193-99CC-915BA076983B}" type="presOf" srcId="{756101F8-E74F-47A0-88AA-37478E1324E3}" destId="{36B23BB1-5C80-41D3-B5C8-95A6DF48DBB3}" srcOrd="1" destOrd="0" presId="urn:microsoft.com/office/officeart/2005/8/layout/process1"/>
+    <dgm:cxn modelId="{5C9862F8-7806-4F17-B72E-02FE8EB139DB}" srcId="{FDABFBC2-1BFD-4076-A05A-6C7F934E68D7}" destId="{4DE45646-C300-4293-898A-FF022B7A8FEC}" srcOrd="1" destOrd="0" parTransId="{1CF0C8C9-4439-4D14-BC06-CA919B69D58B}" sibTransId="{D93979BF-3656-4712-9F7E-DB6980D33465}"/>
+    <dgm:cxn modelId="{0923B7DE-459B-4935-A243-854C5AA76C90}" type="presOf" srcId="{D93979BF-3656-4712-9F7E-DB6980D33465}" destId="{D7B2C42D-DBB1-487C-9662-09FCC8DF404A}" srcOrd="1" destOrd="0" presId="urn:microsoft.com/office/officeart/2005/8/layout/process1"/>
     <dgm:cxn modelId="{055FCD29-F5FA-490F-B406-E005660A5F8B}" type="presOf" srcId="{756101F8-E74F-47A0-88AA-37478E1324E3}" destId="{602DA743-6056-422D-BD95-2E982C8777E3}" srcOrd="0" destOrd="0" presId="urn:microsoft.com/office/officeart/2005/8/layout/process1"/>
+    <dgm:cxn modelId="{FB0CF2B4-D2D7-4A36-9B81-83F508F22C6E}" type="presOf" srcId="{16550F19-24CF-4ABC-B1CC-FECB27126818}" destId="{F899D3A4-AACE-4351-8D2B-C90711F51E1E}" srcOrd="0" destOrd="0" presId="urn:microsoft.com/office/officeart/2005/8/layout/process1"/>
+    <dgm:cxn modelId="{9D5EFDC8-C6A0-4F0A-81F9-B42EA3BDE570}" srcId="{FDABFBC2-1BFD-4076-A05A-6C7F934E68D7}" destId="{3841A661-9951-4A9C-BD92-1E214ED1A7F1}" srcOrd="0" destOrd="0" parTransId="{3F532559-3F70-495C-9B87-F9D9578E35F3}" sibTransId="{756101F8-E74F-47A0-88AA-37478E1324E3}"/>
+    <dgm:cxn modelId="{43F93158-FD52-4F0C-8F3B-C4C77B650101}" type="presOf" srcId="{FEDA3F26-01B6-4969-A114-7ABFAEE737C7}" destId="{70F605AD-AA30-4AD0-B005-7FFA52A1F50A}" srcOrd="0" destOrd="0" presId="urn:microsoft.com/office/officeart/2005/8/layout/process1"/>
     <dgm:cxn modelId="{1BE2D033-BC5E-4C7F-9558-949D151FFC1C}" type="presOf" srcId="{9842FACB-53DA-4024-B6CB-EE11C52C5FCF}" destId="{76F565FD-B22D-4E20-9E68-6737A94684D0}" srcOrd="0" destOrd="0" presId="urn:microsoft.com/office/officeart/2005/8/layout/process1"/>
-    <dgm:cxn modelId="{367FA860-0927-4193-99CC-915BA076983B}" type="presOf" srcId="{756101F8-E74F-47A0-88AA-37478E1324E3}" destId="{36B23BB1-5C80-41D3-B5C8-95A6DF48DBB3}" srcOrd="1" destOrd="0" presId="urn:microsoft.com/office/officeart/2005/8/layout/process1"/>
+    <dgm:cxn modelId="{CEB39990-B409-400E-B30A-F60714DCAC0A}" type="presOf" srcId="{47A42E82-F7B5-4BA3-BE5D-5AC65D518851}" destId="{AA43AFA9-0BE9-488E-8186-653D69342068}" srcOrd="0" destOrd="0" presId="urn:microsoft.com/office/officeart/2005/8/layout/process1"/>
     <dgm:cxn modelId="{C324BC62-A247-40ED-B23F-366217496CDA}" type="presOf" srcId="{D93979BF-3656-4712-9F7E-DB6980D33465}" destId="{3C52E922-05C7-42AA-9176-FEB57B8A5680}" srcOrd="0" destOrd="0" presId="urn:microsoft.com/office/officeart/2005/8/layout/process1"/>
     <dgm:cxn modelId="{F9DE8870-FAC2-4655-990C-BD5C32A73D7B}" srcId="{FDABFBC2-1BFD-4076-A05A-6C7F934E68D7}" destId="{FEDA3F26-01B6-4969-A114-7ABFAEE737C7}" srcOrd="3" destOrd="0" parTransId="{CDF14BF9-343D-46A4-BE7B-0D95D9B8F5EE}" sibTransId="{16550F19-24CF-4ABC-B1CC-FECB27126818}"/>
-    <dgm:cxn modelId="{30BE2351-8689-4EC5-AF2E-B7E46AC2636C}" srcId="{FDABFBC2-1BFD-4076-A05A-6C7F934E68D7}" destId="{793924AF-61E2-402A-99A0-C3B3E57342F2}" srcOrd="4" destOrd="0" parTransId="{63A9F1FB-F697-4CA3-9B26-79F1BC32AF6F}" sibTransId="{44D9DA1C-167F-4B0B-B2B6-B05705FA3443}"/>
-    <dgm:cxn modelId="{43F93158-FD52-4F0C-8F3B-C4C77B650101}" type="presOf" srcId="{FEDA3F26-01B6-4969-A114-7ABFAEE737C7}" destId="{70F605AD-AA30-4AD0-B005-7FFA52A1F50A}" srcOrd="0" destOrd="0" presId="urn:microsoft.com/office/officeart/2005/8/layout/process1"/>
+    <dgm:cxn modelId="{A08693A2-F7D1-4A1A-BB98-1698B0328EAD}" type="presOf" srcId="{793924AF-61E2-402A-99A0-C3B3E57342F2}" destId="{0F5CAC29-7CB1-4849-BDCB-86C230AA7034}" srcOrd="0" destOrd="0" presId="urn:microsoft.com/office/officeart/2005/8/layout/process1"/>
     <dgm:cxn modelId="{A524AA80-A41F-414D-B3DE-7CB57D2A7583}" type="presOf" srcId="{16550F19-24CF-4ABC-B1CC-FECB27126818}" destId="{45E6E406-7772-448A-A05E-CD78783E8157}" srcOrd="1" destOrd="0" presId="urn:microsoft.com/office/officeart/2005/8/layout/process1"/>
-    <dgm:cxn modelId="{CEB39990-B409-400E-B30A-F60714DCAC0A}" type="presOf" srcId="{47A42E82-F7B5-4BA3-BE5D-5AC65D518851}" destId="{AA43AFA9-0BE9-488E-8186-653D69342068}" srcOrd="0" destOrd="0" presId="urn:microsoft.com/office/officeart/2005/8/layout/process1"/>
-    <dgm:cxn modelId="{A08693A2-F7D1-4A1A-BB98-1698B0328EAD}" type="presOf" srcId="{793924AF-61E2-402A-99A0-C3B3E57342F2}" destId="{0F5CAC29-7CB1-4849-BDCB-86C230AA7034}" srcOrd="0" destOrd="0" presId="urn:microsoft.com/office/officeart/2005/8/layout/process1"/>
-    <dgm:cxn modelId="{30F8D8AE-C9E3-4CFE-994A-4830256C8B51}" type="presOf" srcId="{3841A661-9951-4A9C-BD92-1E214ED1A7F1}" destId="{37CC57EE-2C61-4BEF-8871-3338219A9556}" srcOrd="0" destOrd="0" presId="urn:microsoft.com/office/officeart/2005/8/layout/process1"/>
-    <dgm:cxn modelId="{FB0CF2B4-D2D7-4A36-9B81-83F508F22C6E}" type="presOf" srcId="{16550F19-24CF-4ABC-B1CC-FECB27126818}" destId="{F899D3A4-AACE-4351-8D2B-C90711F51E1E}" srcOrd="0" destOrd="0" presId="urn:microsoft.com/office/officeart/2005/8/layout/process1"/>
-    <dgm:cxn modelId="{058ED1C2-8409-4DF6-840A-23940991EEBF}" type="presOf" srcId="{47A42E82-F7B5-4BA3-BE5D-5AC65D518851}" destId="{8BCFD47B-7865-4BED-9116-37430C496C9D}" srcOrd="1" destOrd="0" presId="urn:microsoft.com/office/officeart/2005/8/layout/process1"/>
-    <dgm:cxn modelId="{9D5EFDC8-C6A0-4F0A-81F9-B42EA3BDE570}" srcId="{FDABFBC2-1BFD-4076-A05A-6C7F934E68D7}" destId="{3841A661-9951-4A9C-BD92-1E214ED1A7F1}" srcOrd="0" destOrd="0" parTransId="{3F532559-3F70-495C-9B87-F9D9578E35F3}" sibTransId="{756101F8-E74F-47A0-88AA-37478E1324E3}"/>
-    <dgm:cxn modelId="{84FE14D8-3BCF-47F6-B85F-2E8574712243}" srcId="{FDABFBC2-1BFD-4076-A05A-6C7F934E68D7}" destId="{9842FACB-53DA-4024-B6CB-EE11C52C5FCF}" srcOrd="2" destOrd="0" parTransId="{2BFEF379-1AD1-4288-81DA-34236DD15E7F}" sibTransId="{47A42E82-F7B5-4BA3-BE5D-5AC65D518851}"/>
-    <dgm:cxn modelId="{0923B7DE-459B-4935-A243-854C5AA76C90}" type="presOf" srcId="{D93979BF-3656-4712-9F7E-DB6980D33465}" destId="{D7B2C42D-DBB1-487C-9662-09FCC8DF404A}" srcOrd="1" destOrd="0" presId="urn:microsoft.com/office/officeart/2005/8/layout/process1"/>
     <dgm:cxn modelId="{622786F3-EFC3-4D32-BEC0-99F5A752EA66}" type="presOf" srcId="{4DE45646-C300-4293-898A-FF022B7A8FEC}" destId="{7B16F990-18B9-4D6C-B176-426070597CF8}" srcOrd="0" destOrd="0" presId="urn:microsoft.com/office/officeart/2005/8/layout/process1"/>
-    <dgm:cxn modelId="{5C9862F8-7806-4F17-B72E-02FE8EB139DB}" srcId="{FDABFBC2-1BFD-4076-A05A-6C7F934E68D7}" destId="{4DE45646-C300-4293-898A-FF022B7A8FEC}" srcOrd="1" destOrd="0" parTransId="{1CF0C8C9-4439-4D14-BC06-CA919B69D58B}" sibTransId="{D93979BF-3656-4712-9F7E-DB6980D33465}"/>
+    <dgm:cxn modelId="{BB3B5000-0AA1-4675-8502-1A5E60CFD19F}" type="presOf" srcId="{FDABFBC2-1BFD-4076-A05A-6C7F934E68D7}" destId="{72CC2932-FA6E-49B1-8F27-F0B21286E949}" srcOrd="0" destOrd="0" presId="urn:microsoft.com/office/officeart/2005/8/layout/process1"/>
     <dgm:cxn modelId="{9328D5E6-5E6D-4757-964E-D6CBD3284DFA}" type="presParOf" srcId="{72CC2932-FA6E-49B1-8F27-F0B21286E949}" destId="{37CC57EE-2C61-4BEF-8871-3338219A9556}" srcOrd="0" destOrd="0" presId="urn:microsoft.com/office/officeart/2005/8/layout/process1"/>
     <dgm:cxn modelId="{8A906B85-32A7-46E4-9634-0FC34A7C09B0}" type="presParOf" srcId="{72CC2932-FA6E-49B1-8F27-F0B21286E949}" destId="{602DA743-6056-422D-BD95-2E982C8777E3}" srcOrd="1" destOrd="0" presId="urn:microsoft.com/office/officeart/2005/8/layout/process1"/>
     <dgm:cxn modelId="{9759ECC1-F92A-4ADC-B7AB-DB2CF3327DDE}" type="presParOf" srcId="{602DA743-6056-422D-BD95-2E982C8777E3}" destId="{36B23BB1-5C80-41D3-B5C8-95A6DF48DBB3}" srcOrd="0" destOrd="0" presId="urn:microsoft.com/office/officeart/2005/8/layout/process1"/>
@@ -2359,7 +2512,7 @@
         </a:bodyPr>
         <a:lstStyle/>
         <a:p>
-          <a:pPr marL="0" lvl="0" indent="0" algn="ctr" defTabSz="1200150">
+          <a:pPr lvl="0" algn="ctr" defTabSz="1200150">
             <a:lnSpc>
               <a:spcPct val="90000"/>
             </a:lnSpc>
@@ -2369,7 +2522,6 @@
             <a:spcAft>
               <a:spcPct val="35000"/>
             </a:spcAft>
-            <a:buNone/>
           </a:pPr>
           <a:r>
             <a:rPr lang="zh-TW" altLang="en-US" sz="2700" kern="1200" dirty="0">
@@ -2436,7 +2588,7 @@
         </a:bodyPr>
         <a:lstStyle/>
         <a:p>
-          <a:pPr marL="0" lvl="0" indent="0" algn="ctr" defTabSz="977900">
+          <a:pPr lvl="0" algn="ctr" defTabSz="977900">
             <a:lnSpc>
               <a:spcPct val="90000"/>
             </a:lnSpc>
@@ -2446,7 +2598,6 @@
             <a:spcAft>
               <a:spcPct val="35000"/>
             </a:spcAft>
-            <a:buNone/>
           </a:pPr>
           <a:endParaRPr lang="zh-TW" altLang="en-US" sz="2200" kern="1200"/>
         </a:p>
@@ -2503,7 +2654,7 @@
         </a:bodyPr>
         <a:lstStyle/>
         <a:p>
-          <a:pPr marL="0" lvl="0" indent="0" algn="ctr" defTabSz="1200150">
+          <a:pPr lvl="0" algn="ctr" defTabSz="1200150">
             <a:lnSpc>
               <a:spcPct val="90000"/>
             </a:lnSpc>
@@ -2513,7 +2664,6 @@
             <a:spcAft>
               <a:spcPct val="35000"/>
             </a:spcAft>
-            <a:buNone/>
           </a:pPr>
           <a:r>
             <a:rPr lang="zh-TW" altLang="en-US" sz="2700" kern="1200" dirty="0">
@@ -2580,7 +2730,7 @@
         </a:bodyPr>
         <a:lstStyle/>
         <a:p>
-          <a:pPr marL="0" lvl="0" indent="0" algn="ctr" defTabSz="977900">
+          <a:pPr lvl="0" algn="ctr" defTabSz="977900">
             <a:lnSpc>
               <a:spcPct val="90000"/>
             </a:lnSpc>
@@ -2590,7 +2740,6 @@
             <a:spcAft>
               <a:spcPct val="35000"/>
             </a:spcAft>
-            <a:buNone/>
           </a:pPr>
           <a:endParaRPr lang="zh-TW" altLang="en-US" sz="2200" kern="1200"/>
         </a:p>
@@ -2647,7 +2796,7 @@
         </a:bodyPr>
         <a:lstStyle/>
         <a:p>
-          <a:pPr marL="0" lvl="0" indent="0" algn="ctr" defTabSz="1200150">
+          <a:pPr lvl="0" algn="ctr" defTabSz="1200150">
             <a:lnSpc>
               <a:spcPct val="90000"/>
             </a:lnSpc>
@@ -2657,7 +2806,6 @@
             <a:spcAft>
               <a:spcPct val="35000"/>
             </a:spcAft>
-            <a:buNone/>
           </a:pPr>
           <a:r>
             <a:rPr lang="en-US" altLang="zh-TW" sz="2700" kern="1200" dirty="0">
@@ -2737,7 +2885,7 @@
         </a:bodyPr>
         <a:lstStyle/>
         <a:p>
-          <a:pPr marL="0" lvl="0" indent="0" algn="ctr" defTabSz="800100">
+          <a:pPr lvl="0" algn="ctr" defTabSz="800100">
             <a:lnSpc>
               <a:spcPct val="90000"/>
             </a:lnSpc>
@@ -2747,7 +2895,6 @@
             <a:spcAft>
               <a:spcPct val="35000"/>
             </a:spcAft>
-            <a:buNone/>
           </a:pPr>
           <a:r>
             <a:rPr lang="zh-TW" altLang="en-US" sz="1800" b="0" kern="1200" dirty="0">
@@ -2816,7 +2963,7 @@
         </a:bodyPr>
         <a:lstStyle/>
         <a:p>
-          <a:pPr marL="0" lvl="0" indent="0" algn="ctr" defTabSz="755650">
+          <a:pPr lvl="0" algn="ctr" defTabSz="755650">
             <a:lnSpc>
               <a:spcPct val="90000"/>
             </a:lnSpc>
@@ -2826,7 +2973,6 @@
             <a:spcAft>
               <a:spcPct val="35000"/>
             </a:spcAft>
-            <a:buNone/>
           </a:pPr>
           <a:endParaRPr lang="zh-TW" altLang="en-US" sz="1700" kern="1200"/>
         </a:p>
@@ -2882,7 +3028,7 @@
         </a:bodyPr>
         <a:lstStyle/>
         <a:p>
-          <a:pPr marL="0" lvl="0" indent="0" algn="ctr" defTabSz="933450">
+          <a:pPr lvl="0" algn="ctr" defTabSz="933450">
             <a:lnSpc>
               <a:spcPct val="90000"/>
             </a:lnSpc>
@@ -2892,7 +3038,6 @@
             <a:spcAft>
               <a:spcPct val="35000"/>
             </a:spcAft>
-            <a:buNone/>
           </a:pPr>
           <a:r>
             <a:rPr lang="zh-TW" altLang="en-US" sz="2100" kern="1200" dirty="0">
@@ -2958,7 +3103,7 @@
         </a:bodyPr>
         <a:lstStyle/>
         <a:p>
-          <a:pPr marL="0" lvl="0" indent="0" algn="ctr" defTabSz="755650">
+          <a:pPr lvl="0" algn="ctr" defTabSz="755650">
             <a:lnSpc>
               <a:spcPct val="90000"/>
             </a:lnSpc>
@@ -2968,7 +3113,6 @@
             <a:spcAft>
               <a:spcPct val="35000"/>
             </a:spcAft>
-            <a:buNone/>
           </a:pPr>
           <a:endParaRPr lang="zh-TW" altLang="en-US" sz="1700" kern="1200"/>
         </a:p>
@@ -3024,7 +3168,7 @@
         </a:bodyPr>
         <a:lstStyle/>
         <a:p>
-          <a:pPr marL="0" lvl="0" indent="0" algn="ctr" defTabSz="933450">
+          <a:pPr lvl="0" algn="ctr" defTabSz="933450">
             <a:lnSpc>
               <a:spcPct val="90000"/>
             </a:lnSpc>
@@ -3034,7 +3178,6 @@
             <a:spcAft>
               <a:spcPct val="35000"/>
             </a:spcAft>
-            <a:buNone/>
           </a:pPr>
           <a:r>
             <a:rPr lang="zh-TW" altLang="en-US" sz="2100" kern="1200" dirty="0">
@@ -3100,7 +3243,7 @@
         </a:bodyPr>
         <a:lstStyle/>
         <a:p>
-          <a:pPr marL="0" lvl="0" indent="0" algn="ctr" defTabSz="755650">
+          <a:pPr lvl="0" algn="ctr" defTabSz="755650">
             <a:lnSpc>
               <a:spcPct val="90000"/>
             </a:lnSpc>
@@ -3110,7 +3253,6 @@
             <a:spcAft>
               <a:spcPct val="35000"/>
             </a:spcAft>
-            <a:buNone/>
           </a:pPr>
           <a:endParaRPr lang="zh-TW" altLang="en-US" sz="1700" kern="1200"/>
         </a:p>
@@ -3166,7 +3308,7 @@
         </a:bodyPr>
         <a:lstStyle/>
         <a:p>
-          <a:pPr marL="0" lvl="0" indent="0" algn="ctr" defTabSz="933450">
+          <a:pPr lvl="0" algn="ctr" defTabSz="933450">
             <a:lnSpc>
               <a:spcPct val="90000"/>
             </a:lnSpc>
@@ -3176,7 +3318,6 @@
             <a:spcAft>
               <a:spcPct val="35000"/>
             </a:spcAft>
-            <a:buNone/>
           </a:pPr>
           <a:r>
             <a:rPr lang="zh-TW" altLang="en-US" sz="2100" b="0" i="0" kern="1200" dirty="0">
@@ -3246,7 +3387,7 @@
         </a:bodyPr>
         <a:lstStyle/>
         <a:p>
-          <a:pPr marL="0" lvl="0" indent="0" algn="ctr" defTabSz="755650">
+          <a:pPr lvl="0" algn="ctr" defTabSz="755650">
             <a:lnSpc>
               <a:spcPct val="90000"/>
             </a:lnSpc>
@@ -3256,7 +3397,6 @@
             <a:spcAft>
               <a:spcPct val="35000"/>
             </a:spcAft>
-            <a:buNone/>
           </a:pPr>
           <a:endParaRPr lang="zh-TW" altLang="en-US" sz="1700" kern="1200"/>
         </a:p>
@@ -3312,7 +3452,7 @@
         </a:bodyPr>
         <a:lstStyle/>
         <a:p>
-          <a:pPr marL="0" lvl="0" indent="0" algn="ctr" defTabSz="933450">
+          <a:pPr lvl="0" algn="ctr" defTabSz="933450">
             <a:lnSpc>
               <a:spcPct val="90000"/>
             </a:lnSpc>
@@ -3322,7 +3462,6 @@
             <a:spcAft>
               <a:spcPct val="35000"/>
             </a:spcAft>
-            <a:buNone/>
           </a:pPr>
           <a:r>
             <a:rPr lang="en-US" altLang="zh-TW" sz="2100" kern="1200" dirty="0">
@@ -3347,7 +3486,7 @@
           </a:r>
         </a:p>
         <a:p>
-          <a:pPr marL="0" lvl="0" indent="0" algn="ctr" defTabSz="933450">
+          <a:pPr lvl="0" algn="ctr" defTabSz="933450">
             <a:lnSpc>
               <a:spcPct val="90000"/>
             </a:lnSpc>
@@ -3357,7 +3496,6 @@
             <a:spcAft>
               <a:spcPct val="35000"/>
             </a:spcAft>
-            <a:buNone/>
           </a:pPr>
           <a:r>
             <a:rPr lang="zh-TW" altLang="en-US" sz="2100" kern="1200" dirty="0">
@@ -5737,6 +5875,524 @@
 </dgm:styleDef>
 </file>
 
+<file path=ppt/notesMasters/notesMaster1.xml><?xml version="1.0" encoding="utf-8"?>
+<p:notesMaster xmlns:a="http://schemas.openxmlformats.org/drawingml/2006/main" xmlns:r="http://schemas.openxmlformats.org/officeDocument/2006/relationships" xmlns:p="http://schemas.openxmlformats.org/presentationml/2006/main">
+  <p:cSld>
+    <p:bg>
+      <p:bgRef idx="1001">
+        <a:schemeClr val="bg1"/>
+      </p:bgRef>
+    </p:bg>
+    <p:spTree>
+      <p:nvGrpSpPr>
+        <p:cNvPr id="1" name=""/>
+        <p:cNvGrpSpPr/>
+        <p:nvPr/>
+      </p:nvGrpSpPr>
+      <p:grpSpPr>
+        <a:xfrm>
+          <a:off x="0" y="0"/>
+          <a:ext cx="0" cy="0"/>
+          <a:chOff x="0" y="0"/>
+          <a:chExt cx="0" cy="0"/>
+        </a:xfrm>
+      </p:grpSpPr>
+      <p:sp>
+        <p:nvSpPr>
+          <p:cNvPr id="2" name="頁首版面配置區 1"/>
+          <p:cNvSpPr>
+            <a:spLocks noGrp="1"/>
+          </p:cNvSpPr>
+          <p:nvPr>
+            <p:ph type="hdr" sz="quarter"/>
+          </p:nvPr>
+        </p:nvSpPr>
+        <p:spPr>
+          <a:xfrm>
+            <a:off x="0" y="0"/>
+            <a:ext cx="2971800" cy="458788"/>
+          </a:xfrm>
+          <a:prstGeom prst="rect">
+            <a:avLst/>
+          </a:prstGeom>
+        </p:spPr>
+        <p:txBody>
+          <a:bodyPr vert="horz" lIns="91440" tIns="45720" rIns="91440" bIns="45720" rtlCol="0"/>
+          <a:lstStyle>
+            <a:lvl1pPr algn="l">
+              <a:defRPr sz="1200"/>
+            </a:lvl1pPr>
+          </a:lstStyle>
+          <a:p>
+            <a:endParaRPr lang="zh-TW" altLang="en-US"/>
+          </a:p>
+        </p:txBody>
+      </p:sp>
+      <p:sp>
+        <p:nvSpPr>
+          <p:cNvPr id="3" name="日期版面配置區 2"/>
+          <p:cNvSpPr>
+            <a:spLocks noGrp="1"/>
+          </p:cNvSpPr>
+          <p:nvPr>
+            <p:ph type="dt" idx="1"/>
+          </p:nvPr>
+        </p:nvSpPr>
+        <p:spPr>
+          <a:xfrm>
+            <a:off x="3884613" y="0"/>
+            <a:ext cx="2971800" cy="458788"/>
+          </a:xfrm>
+          <a:prstGeom prst="rect">
+            <a:avLst/>
+          </a:prstGeom>
+        </p:spPr>
+        <p:txBody>
+          <a:bodyPr vert="horz" lIns="91440" tIns="45720" rIns="91440" bIns="45720" rtlCol="0"/>
+          <a:lstStyle>
+            <a:lvl1pPr algn="r">
+              <a:defRPr sz="1200"/>
+            </a:lvl1pPr>
+          </a:lstStyle>
+          <a:p>
+            <a:fld id="{1B5B2B25-029B-4A4B-9AB4-347266731903}" type="datetimeFigureOut">
+              <a:rPr lang="zh-TW" altLang="en-US" smtClean="0"/>
+              <a:t>2024/4/17</a:t>
+            </a:fld>
+            <a:endParaRPr lang="zh-TW" altLang="en-US"/>
+          </a:p>
+        </p:txBody>
+      </p:sp>
+      <p:sp>
+        <p:nvSpPr>
+          <p:cNvPr id="4" name="投影片圖像版面配置區 3"/>
+          <p:cNvSpPr>
+            <a:spLocks noGrp="1" noRot="1" noChangeAspect="1"/>
+          </p:cNvSpPr>
+          <p:nvPr>
+            <p:ph type="sldImg" idx="2"/>
+          </p:nvPr>
+        </p:nvSpPr>
+        <p:spPr>
+          <a:xfrm>
+            <a:off x="685800" y="1143000"/>
+            <a:ext cx="5486400" cy="3086100"/>
+          </a:xfrm>
+          <a:prstGeom prst="rect">
+            <a:avLst/>
+          </a:prstGeom>
+          <a:noFill/>
+          <a:ln w="12700">
+            <a:solidFill>
+              <a:prstClr val="black"/>
+            </a:solidFill>
+          </a:ln>
+        </p:spPr>
+        <p:txBody>
+          <a:bodyPr vert="horz" lIns="91440" tIns="45720" rIns="91440" bIns="45720" rtlCol="0" anchor="ctr"/>
+          <a:lstStyle/>
+          <a:p>
+            <a:endParaRPr lang="zh-TW" altLang="en-US"/>
+          </a:p>
+        </p:txBody>
+      </p:sp>
+      <p:sp>
+        <p:nvSpPr>
+          <p:cNvPr id="5" name="備忘稿版面配置區 4"/>
+          <p:cNvSpPr>
+            <a:spLocks noGrp="1"/>
+          </p:cNvSpPr>
+          <p:nvPr>
+            <p:ph type="body" sz="quarter" idx="3"/>
+          </p:nvPr>
+        </p:nvSpPr>
+        <p:spPr>
+          <a:xfrm>
+            <a:off x="685800" y="4400550"/>
+            <a:ext cx="5486400" cy="3600450"/>
+          </a:xfrm>
+          <a:prstGeom prst="rect">
+            <a:avLst/>
+          </a:prstGeom>
+        </p:spPr>
+        <p:txBody>
+          <a:bodyPr vert="horz" lIns="91440" tIns="45720" rIns="91440" bIns="45720" rtlCol="0"/>
+          <a:lstStyle/>
+          <a:p>
+            <a:pPr lvl="0"/>
+            <a:r>
+              <a:rPr lang="zh-TW" altLang="en-US" smtClean="0"/>
+              <a:t>編輯母片文字樣式</a:t>
+            </a:r>
+          </a:p>
+          <a:p>
+            <a:pPr lvl="1"/>
+            <a:r>
+              <a:rPr lang="zh-TW" altLang="en-US" smtClean="0"/>
+              <a:t>第二層</a:t>
+            </a:r>
+          </a:p>
+          <a:p>
+            <a:pPr lvl="2"/>
+            <a:r>
+              <a:rPr lang="zh-TW" altLang="en-US" smtClean="0"/>
+              <a:t>第三層</a:t>
+            </a:r>
+          </a:p>
+          <a:p>
+            <a:pPr lvl="3"/>
+            <a:r>
+              <a:rPr lang="zh-TW" altLang="en-US" smtClean="0"/>
+              <a:t>第四層</a:t>
+            </a:r>
+          </a:p>
+          <a:p>
+            <a:pPr lvl="4"/>
+            <a:r>
+              <a:rPr lang="zh-TW" altLang="en-US" smtClean="0"/>
+              <a:t>第五層</a:t>
+            </a:r>
+            <a:endParaRPr lang="zh-TW" altLang="en-US"/>
+          </a:p>
+        </p:txBody>
+      </p:sp>
+      <p:sp>
+        <p:nvSpPr>
+          <p:cNvPr id="6" name="頁尾版面配置區 5"/>
+          <p:cNvSpPr>
+            <a:spLocks noGrp="1"/>
+          </p:cNvSpPr>
+          <p:nvPr>
+            <p:ph type="ftr" sz="quarter" idx="4"/>
+          </p:nvPr>
+        </p:nvSpPr>
+        <p:spPr>
+          <a:xfrm>
+            <a:off x="0" y="8685213"/>
+            <a:ext cx="2971800" cy="458787"/>
+          </a:xfrm>
+          <a:prstGeom prst="rect">
+            <a:avLst/>
+          </a:prstGeom>
+        </p:spPr>
+        <p:txBody>
+          <a:bodyPr vert="horz" lIns="91440" tIns="45720" rIns="91440" bIns="45720" rtlCol="0" anchor="b"/>
+          <a:lstStyle>
+            <a:lvl1pPr algn="l">
+              <a:defRPr sz="1200"/>
+            </a:lvl1pPr>
+          </a:lstStyle>
+          <a:p>
+            <a:endParaRPr lang="zh-TW" altLang="en-US"/>
+          </a:p>
+        </p:txBody>
+      </p:sp>
+      <p:sp>
+        <p:nvSpPr>
+          <p:cNvPr id="7" name="投影片編號版面配置區 6"/>
+          <p:cNvSpPr>
+            <a:spLocks noGrp="1"/>
+          </p:cNvSpPr>
+          <p:nvPr>
+            <p:ph type="sldNum" sz="quarter" idx="5"/>
+          </p:nvPr>
+        </p:nvSpPr>
+        <p:spPr>
+          <a:xfrm>
+            <a:off x="3884613" y="8685213"/>
+            <a:ext cx="2971800" cy="458787"/>
+          </a:xfrm>
+          <a:prstGeom prst="rect">
+            <a:avLst/>
+          </a:prstGeom>
+        </p:spPr>
+        <p:txBody>
+          <a:bodyPr vert="horz" lIns="91440" tIns="45720" rIns="91440" bIns="45720" rtlCol="0" anchor="b"/>
+          <a:lstStyle>
+            <a:lvl1pPr algn="r">
+              <a:defRPr sz="1200"/>
+            </a:lvl1pPr>
+          </a:lstStyle>
+          <a:p>
+            <a:fld id="{CE13973F-F868-4AA4-82E4-56FF598FF4AA}" type="slidenum">
+              <a:rPr lang="zh-TW" altLang="en-US" smtClean="0"/>
+              <a:t>‹#›</a:t>
+            </a:fld>
+            <a:endParaRPr lang="zh-TW" altLang="en-US"/>
+          </a:p>
+        </p:txBody>
+      </p:sp>
+    </p:spTree>
+    <p:extLst>
+      <p:ext uri="{BB962C8B-B14F-4D97-AF65-F5344CB8AC3E}">
+        <p14:creationId xmlns:p14="http://schemas.microsoft.com/office/powerpoint/2010/main" val="150336376"/>
+      </p:ext>
+    </p:extLst>
+  </p:cSld>
+  <p:clrMap bg1="lt1" tx1="dk1" bg2="lt2" tx2="dk2" accent1="accent1" accent2="accent2" accent3="accent3" accent4="accent4" accent5="accent5" accent6="accent6" hlink="hlink" folHlink="folHlink"/>
+  <p:notesStyle>
+    <a:lvl1pPr marL="0" algn="l" defTabSz="914400" rtl="0" eaLnBrk="1" latinLnBrk="0" hangingPunct="1">
+      <a:defRPr sz="1200" kern="1200">
+        <a:solidFill>
+          <a:schemeClr val="tx1"/>
+        </a:solidFill>
+        <a:latin typeface="+mn-lt"/>
+        <a:ea typeface="+mn-ea"/>
+        <a:cs typeface="+mn-cs"/>
+      </a:defRPr>
+    </a:lvl1pPr>
+    <a:lvl2pPr marL="457200" algn="l" defTabSz="914400" rtl="0" eaLnBrk="1" latinLnBrk="0" hangingPunct="1">
+      <a:defRPr sz="1200" kern="1200">
+        <a:solidFill>
+          <a:schemeClr val="tx1"/>
+        </a:solidFill>
+        <a:latin typeface="+mn-lt"/>
+        <a:ea typeface="+mn-ea"/>
+        <a:cs typeface="+mn-cs"/>
+      </a:defRPr>
+    </a:lvl2pPr>
+    <a:lvl3pPr marL="914400" algn="l" defTabSz="914400" rtl="0" eaLnBrk="1" latinLnBrk="0" hangingPunct="1">
+      <a:defRPr sz="1200" kern="1200">
+        <a:solidFill>
+          <a:schemeClr val="tx1"/>
+        </a:solidFill>
+        <a:latin typeface="+mn-lt"/>
+        <a:ea typeface="+mn-ea"/>
+        <a:cs typeface="+mn-cs"/>
+      </a:defRPr>
+    </a:lvl3pPr>
+    <a:lvl4pPr marL="1371600" algn="l" defTabSz="914400" rtl="0" eaLnBrk="1" latinLnBrk="0" hangingPunct="1">
+      <a:defRPr sz="1200" kern="1200">
+        <a:solidFill>
+          <a:schemeClr val="tx1"/>
+        </a:solidFill>
+        <a:latin typeface="+mn-lt"/>
+        <a:ea typeface="+mn-ea"/>
+        <a:cs typeface="+mn-cs"/>
+      </a:defRPr>
+    </a:lvl4pPr>
+    <a:lvl5pPr marL="1828800" algn="l" defTabSz="914400" rtl="0" eaLnBrk="1" latinLnBrk="0" hangingPunct="1">
+      <a:defRPr sz="1200" kern="1200">
+        <a:solidFill>
+          <a:schemeClr val="tx1"/>
+        </a:solidFill>
+        <a:latin typeface="+mn-lt"/>
+        <a:ea typeface="+mn-ea"/>
+        <a:cs typeface="+mn-cs"/>
+      </a:defRPr>
+    </a:lvl5pPr>
+    <a:lvl6pPr marL="2286000" algn="l" defTabSz="914400" rtl="0" eaLnBrk="1" latinLnBrk="0" hangingPunct="1">
+      <a:defRPr sz="1200" kern="1200">
+        <a:solidFill>
+          <a:schemeClr val="tx1"/>
+        </a:solidFill>
+        <a:latin typeface="+mn-lt"/>
+        <a:ea typeface="+mn-ea"/>
+        <a:cs typeface="+mn-cs"/>
+      </a:defRPr>
+    </a:lvl6pPr>
+    <a:lvl7pPr marL="2743200" algn="l" defTabSz="914400" rtl="0" eaLnBrk="1" latinLnBrk="0" hangingPunct="1">
+      <a:defRPr sz="1200" kern="1200">
+        <a:solidFill>
+          <a:schemeClr val="tx1"/>
+        </a:solidFill>
+        <a:latin typeface="+mn-lt"/>
+        <a:ea typeface="+mn-ea"/>
+        <a:cs typeface="+mn-cs"/>
+      </a:defRPr>
+    </a:lvl7pPr>
+    <a:lvl8pPr marL="3200400" algn="l" defTabSz="914400" rtl="0" eaLnBrk="1" latinLnBrk="0" hangingPunct="1">
+      <a:defRPr sz="1200" kern="1200">
+        <a:solidFill>
+          <a:schemeClr val="tx1"/>
+        </a:solidFill>
+        <a:latin typeface="+mn-lt"/>
+        <a:ea typeface="+mn-ea"/>
+        <a:cs typeface="+mn-cs"/>
+      </a:defRPr>
+    </a:lvl8pPr>
+    <a:lvl9pPr marL="3657600" algn="l" defTabSz="914400" rtl="0" eaLnBrk="1" latinLnBrk="0" hangingPunct="1">
+      <a:defRPr sz="1200" kern="1200">
+        <a:solidFill>
+          <a:schemeClr val="tx1"/>
+        </a:solidFill>
+        <a:latin typeface="+mn-lt"/>
+        <a:ea typeface="+mn-ea"/>
+        <a:cs typeface="+mn-cs"/>
+      </a:defRPr>
+    </a:lvl9pPr>
+  </p:notesStyle>
+</p:notesMaster>
+</file>
+
+<file path=ppt/notesSlides/notesSlide1.xml><?xml version="1.0" encoding="utf-8"?>
+<p:notes xmlns:a="http://schemas.openxmlformats.org/drawingml/2006/main" xmlns:r="http://schemas.openxmlformats.org/officeDocument/2006/relationships" xmlns:p="http://schemas.openxmlformats.org/presentationml/2006/main">
+  <p:cSld>
+    <p:spTree>
+      <p:nvGrpSpPr>
+        <p:cNvPr id="1" name=""/>
+        <p:cNvGrpSpPr/>
+        <p:nvPr/>
+      </p:nvGrpSpPr>
+      <p:grpSpPr>
+        <a:xfrm>
+          <a:off x="0" y="0"/>
+          <a:ext cx="0" cy="0"/>
+          <a:chOff x="0" y="0"/>
+          <a:chExt cx="0" cy="0"/>
+        </a:xfrm>
+      </p:grpSpPr>
+      <p:sp>
+        <p:nvSpPr>
+          <p:cNvPr id="2" name="投影片圖像版面配置區 1"/>
+          <p:cNvSpPr>
+            <a:spLocks noGrp="1" noRot="1" noChangeAspect="1"/>
+          </p:cNvSpPr>
+          <p:nvPr>
+            <p:ph type="sldImg"/>
+          </p:nvPr>
+        </p:nvSpPr>
+        <p:spPr/>
+      </p:sp>
+      <p:sp>
+        <p:nvSpPr>
+          <p:cNvPr id="3" name="備忘稿版面配置區 2"/>
+          <p:cNvSpPr>
+            <a:spLocks noGrp="1"/>
+          </p:cNvSpPr>
+          <p:nvPr>
+            <p:ph type="body" idx="1"/>
+          </p:nvPr>
+        </p:nvSpPr>
+        <p:spPr/>
+        <p:txBody>
+          <a:bodyPr/>
+          <a:lstStyle/>
+          <a:p>
+            <a:endParaRPr lang="zh-TW" altLang="en-US" dirty="0"/>
+          </a:p>
+        </p:txBody>
+      </p:sp>
+      <p:sp>
+        <p:nvSpPr>
+          <p:cNvPr id="4" name="投影片編號版面配置區 3"/>
+          <p:cNvSpPr>
+            <a:spLocks noGrp="1"/>
+          </p:cNvSpPr>
+          <p:nvPr>
+            <p:ph type="sldNum" sz="quarter" idx="10"/>
+          </p:nvPr>
+        </p:nvSpPr>
+        <p:spPr/>
+        <p:txBody>
+          <a:bodyPr/>
+          <a:lstStyle/>
+          <a:p>
+            <a:fld id="{CE13973F-F868-4AA4-82E4-56FF598FF4AA}" type="slidenum">
+              <a:rPr lang="zh-TW" altLang="en-US" smtClean="0"/>
+              <a:t>5</a:t>
+            </a:fld>
+            <a:endParaRPr lang="zh-TW" altLang="en-US"/>
+          </a:p>
+        </p:txBody>
+      </p:sp>
+    </p:spTree>
+    <p:extLst>
+      <p:ext uri="{BB962C8B-B14F-4D97-AF65-F5344CB8AC3E}">
+        <p14:creationId xmlns:p14="http://schemas.microsoft.com/office/powerpoint/2010/main" val="3429981028"/>
+      </p:ext>
+    </p:extLst>
+  </p:cSld>
+  <p:clrMapOvr>
+    <a:masterClrMapping/>
+  </p:clrMapOvr>
+</p:notes>
+</file>
+
+<file path=ppt/notesSlides/notesSlide2.xml><?xml version="1.0" encoding="utf-8"?>
+<p:notes xmlns:a="http://schemas.openxmlformats.org/drawingml/2006/main" xmlns:r="http://schemas.openxmlformats.org/officeDocument/2006/relationships" xmlns:p="http://schemas.openxmlformats.org/presentationml/2006/main">
+  <p:cSld>
+    <p:spTree>
+      <p:nvGrpSpPr>
+        <p:cNvPr id="1" name=""/>
+        <p:cNvGrpSpPr/>
+        <p:nvPr/>
+      </p:nvGrpSpPr>
+      <p:grpSpPr>
+        <a:xfrm>
+          <a:off x="0" y="0"/>
+          <a:ext cx="0" cy="0"/>
+          <a:chOff x="0" y="0"/>
+          <a:chExt cx="0" cy="0"/>
+        </a:xfrm>
+      </p:grpSpPr>
+      <p:sp>
+        <p:nvSpPr>
+          <p:cNvPr id="2" name="投影片圖像版面配置區 1"/>
+          <p:cNvSpPr>
+            <a:spLocks noGrp="1" noRot="1" noChangeAspect="1"/>
+          </p:cNvSpPr>
+          <p:nvPr>
+            <p:ph type="sldImg"/>
+          </p:nvPr>
+        </p:nvSpPr>
+        <p:spPr/>
+      </p:sp>
+      <p:sp>
+        <p:nvSpPr>
+          <p:cNvPr id="3" name="備忘稿版面配置區 2"/>
+          <p:cNvSpPr>
+            <a:spLocks noGrp="1"/>
+          </p:cNvSpPr>
+          <p:nvPr>
+            <p:ph type="body" idx="1"/>
+          </p:nvPr>
+        </p:nvSpPr>
+        <p:spPr/>
+        <p:txBody>
+          <a:bodyPr/>
+          <a:lstStyle/>
+          <a:p>
+            <a:endParaRPr lang="zh-TW" altLang="en-US" dirty="0"/>
+          </a:p>
+        </p:txBody>
+      </p:sp>
+      <p:sp>
+        <p:nvSpPr>
+          <p:cNvPr id="4" name="投影片編號版面配置區 3"/>
+          <p:cNvSpPr>
+            <a:spLocks noGrp="1"/>
+          </p:cNvSpPr>
+          <p:nvPr>
+            <p:ph type="sldNum" sz="quarter" idx="10"/>
+          </p:nvPr>
+        </p:nvSpPr>
+        <p:spPr/>
+        <p:txBody>
+          <a:bodyPr/>
+          <a:lstStyle/>
+          <a:p>
+            <a:fld id="{CE13973F-F868-4AA4-82E4-56FF598FF4AA}" type="slidenum">
+              <a:rPr lang="zh-TW" altLang="en-US" smtClean="0"/>
+              <a:t>6</a:t>
+            </a:fld>
+            <a:endParaRPr lang="zh-TW" altLang="en-US"/>
+          </a:p>
+        </p:txBody>
+      </p:sp>
+    </p:spTree>
+    <p:extLst>
+      <p:ext uri="{BB962C8B-B14F-4D97-AF65-F5344CB8AC3E}">
+        <p14:creationId xmlns:p14="http://schemas.microsoft.com/office/powerpoint/2010/main" val="1065217402"/>
+      </p:ext>
+    </p:extLst>
+  </p:cSld>
+  <p:clrMapOvr>
+    <a:masterClrMapping/>
+  </p:clrMapOvr>
+</p:notes>
+</file>
+
 <file path=ppt/slideLayouts/slideLayout1.xml><?xml version="1.0" encoding="utf-8"?>
 <p:sldLayout xmlns:a="http://schemas.openxmlformats.org/drawingml/2006/main" xmlns:r="http://schemas.openxmlformats.org/officeDocument/2006/relationships" xmlns:p="http://schemas.openxmlformats.org/presentationml/2006/main" type="title" preserve="1">
   <p:cSld name="標題投影片">
@@ -10818,9 +11474,23 @@
 <p:sldMaster xmlns:a="http://schemas.openxmlformats.org/drawingml/2006/main" xmlns:r="http://schemas.openxmlformats.org/officeDocument/2006/relationships" xmlns:p="http://schemas.openxmlformats.org/presentationml/2006/main">
   <p:cSld>
     <p:bg>
-      <p:bgRef idx="1003">
-        <a:schemeClr val="bg2"/>
-      </p:bgRef>
+      <p:bgPr>
+        <a:gradFill flip="none" rotWithShape="1">
+          <a:gsLst>
+            <a:gs pos="0">
+              <a:schemeClr val="bg1"/>
+            </a:gs>
+            <a:gs pos="100000">
+              <a:srgbClr val="FFD847"/>
+            </a:gs>
+          </a:gsLst>
+          <a:path path="circle">
+            <a:fillToRect l="50000" t="50000" r="100000" b="100000"/>
+          </a:path>
+          <a:tileRect/>
+        </a:gradFill>
+        <a:effectLst/>
+      </p:bgPr>
     </p:bg>
     <p:spTree>
       <p:nvGrpSpPr>
@@ -13511,10 +14181,584 @@
   <p:clrMapOvr>
     <a:masterClrMapping/>
   </p:clrMapOvr>
+  <mc:AlternateContent xmlns:mc="http://schemas.openxmlformats.org/markup-compatibility/2006">
+    <mc:Choice xmlns:p14="http://schemas.microsoft.com/office/powerpoint/2010/main" Requires="p14">
+      <p:transition spd="slow" p14:dur="2000">
+        <p:cut/>
+      </p:transition>
+    </mc:Choice>
+    <mc:Fallback>
+      <p:transition spd="slow">
+        <p:cut/>
+      </p:transition>
+    </mc:Fallback>
+  </mc:AlternateContent>
 </p:sld>
 </file>
 
 <file path=ppt/slides/slide10.xml><?xml version="1.0" encoding="utf-8"?>
+<p:sld xmlns:a="http://schemas.openxmlformats.org/drawingml/2006/main" xmlns:r="http://schemas.openxmlformats.org/officeDocument/2006/relationships" xmlns:p="http://schemas.openxmlformats.org/presentationml/2006/main">
+  <p:cSld>
+    <p:spTree>
+      <p:nvGrpSpPr>
+        <p:cNvPr id="1" name=""/>
+        <p:cNvGrpSpPr/>
+        <p:nvPr/>
+      </p:nvGrpSpPr>
+      <p:grpSpPr>
+        <a:xfrm>
+          <a:off x="0" y="0"/>
+          <a:ext cx="0" cy="0"/>
+          <a:chOff x="0" y="0"/>
+          <a:chExt cx="0" cy="0"/>
+        </a:xfrm>
+      </p:grpSpPr>
+      <p:sp>
+        <p:nvSpPr>
+          <p:cNvPr id="2" name="標題 1">
+            <a:extLst>
+              <a:ext uri="{FF2B5EF4-FFF2-40B4-BE49-F238E27FC236}">
+                <a16:creationId xmlns:a16="http://schemas.microsoft.com/office/drawing/2014/main" id="{D9AB7535-4395-5CF0-C825-7186D87DB238}"/>
+              </a:ext>
+            </a:extLst>
+          </p:cNvPr>
+          <p:cNvSpPr>
+            <a:spLocks noGrp="1"/>
+          </p:cNvSpPr>
+          <p:nvPr>
+            <p:ph type="title"/>
+          </p:nvPr>
+        </p:nvSpPr>
+        <p:spPr>
+          <a:xfrm>
+            <a:off x="1640156" y="596119"/>
+            <a:ext cx="8911687" cy="1280890"/>
+          </a:xfrm>
+        </p:spPr>
+        <p:txBody>
+          <a:bodyPr>
+            <a:normAutofit/>
+          </a:bodyPr>
+          <a:lstStyle/>
+          <a:p>
+            <a:r>
+              <a:rPr lang="zh-TW" altLang="en-US" sz="4400" dirty="0">
+                <a:latin typeface="華康POP1體W7" panose="040B0709000000000000" pitchFamily="81" charset="-120"/>
+                <a:ea typeface="華康POP1體W7" panose="040B0709000000000000" pitchFamily="81" charset="-120"/>
+              </a:rPr>
+              <a:t>接收端</a:t>
+            </a:r>
+          </a:p>
+        </p:txBody>
+      </p:sp>
+      <p:graphicFrame>
+        <p:nvGraphicFramePr>
+          <p:cNvPr id="4" name="內容版面配置區 3">
+            <a:extLst>
+              <a:ext uri="{FF2B5EF4-FFF2-40B4-BE49-F238E27FC236}">
+                <a16:creationId xmlns:a16="http://schemas.microsoft.com/office/drawing/2014/main" id="{1DF327AE-66C7-CF3D-2D64-70AE4101A616}"/>
+              </a:ext>
+            </a:extLst>
+          </p:cNvPr>
+          <p:cNvGraphicFramePr>
+            <a:graphicFrameLocks noGrp="1"/>
+          </p:cNvGraphicFramePr>
+          <p:nvPr>
+            <p:ph idx="1"/>
+            <p:extLst>
+              <p:ext uri="{D42A27DB-BD31-4B8C-83A1-F6EECF244321}">
+                <p14:modId xmlns:p14="http://schemas.microsoft.com/office/powerpoint/2010/main" val="3309755264"/>
+              </p:ext>
+            </p:extLst>
+          </p:nvPr>
+        </p:nvGraphicFramePr>
+        <p:xfrm>
+          <a:off x="779866" y="2282890"/>
+          <a:ext cx="10632265" cy="2970245"/>
+        </p:xfrm>
+        <a:graphic>
+          <a:graphicData uri="http://schemas.openxmlformats.org/drawingml/2006/diagram">
+            <dgm:relIds xmlns:dgm="http://schemas.openxmlformats.org/drawingml/2006/diagram" xmlns:r="http://schemas.openxmlformats.org/officeDocument/2006/relationships" r:dm="rId2" r:lo="rId3" r:qs="rId4" r:cs="rId5"/>
+          </a:graphicData>
+        </a:graphic>
+      </p:graphicFrame>
+      <p:sp>
+        <p:nvSpPr>
+          <p:cNvPr id="5" name="文字方塊 4">
+            <a:extLst>
+              <a:ext uri="{FF2B5EF4-FFF2-40B4-BE49-F238E27FC236}">
+                <a16:creationId xmlns:a16="http://schemas.microsoft.com/office/drawing/2014/main" id="{85D030C8-AE5B-FFD2-CDA5-E5BF87D30192}"/>
+              </a:ext>
+            </a:extLst>
+          </p:cNvPr>
+          <p:cNvSpPr txBox="1"/>
+          <p:nvPr/>
+        </p:nvSpPr>
+        <p:spPr>
+          <a:xfrm>
+            <a:off x="1640156" y="1507677"/>
+            <a:ext cx="9022022" cy="461665"/>
+          </a:xfrm>
+          <a:prstGeom prst="rect">
+            <a:avLst/>
+          </a:prstGeom>
+          <a:noFill/>
+        </p:spPr>
+        <p:txBody>
+          <a:bodyPr wrap="none" rtlCol="0">
+            <a:spAutoFit/>
+          </a:bodyPr>
+          <a:lstStyle/>
+          <a:p>
+            <a:r>
+              <a:rPr lang="zh-TW" altLang="en-US" sz="2400" dirty="0">
+                <a:latin typeface="王漢宗特黑體繁" panose="02000500000000000000" pitchFamily="2" charset="-120"/>
+                <a:ea typeface="王漢宗特黑體繁" panose="02000500000000000000" pitchFamily="2" charset="-120"/>
+              </a:rPr>
+              <a:t>主要工作</a:t>
+            </a:r>
+            <a:r>
+              <a:rPr lang="en-US" altLang="zh-TW" sz="2400" dirty="0">
+                <a:latin typeface="王漢宗特黑體繁" panose="02000500000000000000" pitchFamily="2" charset="-120"/>
+                <a:ea typeface="王漢宗特黑體繁" panose="02000500000000000000" pitchFamily="2" charset="-120"/>
+              </a:rPr>
+              <a:t>:</a:t>
+            </a:r>
+            <a:r>
+              <a:rPr lang="zh-TW" altLang="en-US" sz="2400" dirty="0">
+                <a:latin typeface="王漢宗特黑體繁" panose="02000500000000000000" pitchFamily="2" charset="-120"/>
+                <a:ea typeface="王漢宗特黑體繁" panose="02000500000000000000" pitchFamily="2" charset="-120"/>
+              </a:rPr>
+              <a:t> 將接收到資料起始位置抓出來，並解調出原始的資料。</a:t>
+            </a:r>
+          </a:p>
+        </p:txBody>
+      </p:sp>
+    </p:spTree>
+    <p:extLst>
+      <p:ext uri="{BB962C8B-B14F-4D97-AF65-F5344CB8AC3E}">
+        <p14:creationId xmlns:p14="http://schemas.microsoft.com/office/powerpoint/2010/main" val="3093021310"/>
+      </p:ext>
+    </p:extLst>
+  </p:cSld>
+  <p:clrMapOvr>
+    <a:masterClrMapping/>
+  </p:clrMapOvr>
+  <mc:AlternateContent xmlns:mc="http://schemas.openxmlformats.org/markup-compatibility/2006">
+    <mc:Choice xmlns:p14="http://schemas.microsoft.com/office/powerpoint/2010/main" Requires="p14">
+      <p:transition spd="slow" p14:dur="2000">
+        <p:cut/>
+      </p:transition>
+    </mc:Choice>
+    <mc:Fallback>
+      <p:transition spd="slow">
+        <p:cut/>
+      </p:transition>
+    </mc:Fallback>
+  </mc:AlternateContent>
+</p:sld>
+</file>
+
+<file path=ppt/slides/slide11.xml><?xml version="1.0" encoding="utf-8"?>
+<p:sld xmlns:a="http://schemas.openxmlformats.org/drawingml/2006/main" xmlns:r="http://schemas.openxmlformats.org/officeDocument/2006/relationships" xmlns:p="http://schemas.openxmlformats.org/presentationml/2006/main">
+  <p:cSld>
+    <p:spTree>
+      <p:nvGrpSpPr>
+        <p:cNvPr id="1" name=""/>
+        <p:cNvGrpSpPr/>
+        <p:nvPr/>
+      </p:nvGrpSpPr>
+      <p:grpSpPr>
+        <a:xfrm>
+          <a:off x="0" y="0"/>
+          <a:ext cx="0" cy="0"/>
+          <a:chOff x="0" y="0"/>
+          <a:chExt cx="0" cy="0"/>
+        </a:xfrm>
+      </p:grpSpPr>
+      <p:sp>
+        <p:nvSpPr>
+          <p:cNvPr id="2" name="標題 1">
+            <a:extLst>
+              <a:ext uri="{FF2B5EF4-FFF2-40B4-BE49-F238E27FC236}">
+                <a16:creationId xmlns:a16="http://schemas.microsoft.com/office/drawing/2014/main" id="{D9AB7535-4395-5CF0-C825-7186D87DB238}"/>
+              </a:ext>
+            </a:extLst>
+          </p:cNvPr>
+          <p:cNvSpPr>
+            <a:spLocks noGrp="1"/>
+          </p:cNvSpPr>
+          <p:nvPr>
+            <p:ph type="title"/>
+          </p:nvPr>
+        </p:nvSpPr>
+        <p:spPr>
+          <a:xfrm>
+            <a:off x="1640156" y="596119"/>
+            <a:ext cx="8911687" cy="1280890"/>
+          </a:xfrm>
+        </p:spPr>
+        <p:txBody>
+          <a:bodyPr>
+            <a:normAutofit/>
+          </a:bodyPr>
+          <a:lstStyle/>
+          <a:p>
+            <a:r>
+              <a:rPr lang="zh-TW" altLang="en-US" sz="4400" dirty="0">
+                <a:latin typeface="華康POP1體W7" panose="040B0709000000000000" pitchFamily="81" charset="-120"/>
+                <a:ea typeface="華康POP1體W7" panose="040B0709000000000000" pitchFamily="81" charset="-120"/>
+              </a:rPr>
+              <a:t>接收端</a:t>
+            </a:r>
+          </a:p>
+        </p:txBody>
+      </p:sp>
+      <p:sp>
+        <p:nvSpPr>
+          <p:cNvPr id="6" name="文字方塊 5">
+            <a:extLst>
+              <a:ext uri="{FF2B5EF4-FFF2-40B4-BE49-F238E27FC236}">
+                <a16:creationId xmlns:a16="http://schemas.microsoft.com/office/drawing/2014/main" id="{5F4BB615-8356-D472-04C0-1E04DE91AFE0}"/>
+              </a:ext>
+            </a:extLst>
+          </p:cNvPr>
+          <p:cNvSpPr txBox="1"/>
+          <p:nvPr/>
+        </p:nvSpPr>
+        <p:spPr>
+          <a:xfrm>
+            <a:off x="779866" y="1692343"/>
+            <a:ext cx="6097554" cy="369332"/>
+          </a:xfrm>
+          <a:prstGeom prst="rect">
+            <a:avLst/>
+          </a:prstGeom>
+          <a:noFill/>
+        </p:spPr>
+        <p:txBody>
+          <a:bodyPr wrap="square">
+            <a:spAutoFit/>
+          </a:bodyPr>
+          <a:lstStyle/>
+          <a:p>
+            <a:pPr lvl="0"/>
+            <a:r>
+              <a:rPr lang="zh-TW" altLang="en-US" dirty="0">
+                <a:latin typeface="王漢宗綜藝體繁" panose="02000500000000000000" pitchFamily="2" charset="-120"/>
+                <a:ea typeface="王漢宗綜藝體繁" panose="02000500000000000000" pitchFamily="2" charset="-120"/>
+              </a:rPr>
+              <a:t>同步</a:t>
+            </a:r>
+            <a:r>
+              <a:rPr lang="en-US" altLang="zh-TW" dirty="0">
+                <a:latin typeface="王漢宗綜藝體繁" panose="02000500000000000000" pitchFamily="2" charset="-120"/>
+                <a:ea typeface="王漢宗綜藝體繁" panose="02000500000000000000" pitchFamily="2" charset="-120"/>
+              </a:rPr>
+              <a:t>:</a:t>
+            </a:r>
+            <a:endParaRPr lang="zh-TW" altLang="en-US" dirty="0">
+              <a:latin typeface="王漢宗綜藝體繁" panose="02000500000000000000" pitchFamily="2" charset="-120"/>
+              <a:ea typeface="王漢宗綜藝體繁" panose="02000500000000000000" pitchFamily="2" charset="-120"/>
+            </a:endParaRPr>
+          </a:p>
+        </p:txBody>
+      </p:sp>
+      <p:pic>
+        <p:nvPicPr>
+          <p:cNvPr id="12" name="圖片 11">
+            <a:extLst>
+              <a:ext uri="{FF2B5EF4-FFF2-40B4-BE49-F238E27FC236}">
+                <a16:creationId xmlns:a16="http://schemas.microsoft.com/office/drawing/2014/main" id="{E276DCDD-E012-36A4-2BC4-63FACBE09468}"/>
+              </a:ext>
+            </a:extLst>
+          </p:cNvPr>
+          <p:cNvPicPr>
+            <a:picLocks noChangeAspect="1"/>
+          </p:cNvPicPr>
+          <p:nvPr/>
+        </p:nvPicPr>
+        <p:blipFill>
+          <a:blip r:embed="rId2"/>
+          <a:stretch>
+            <a:fillRect/>
+          </a:stretch>
+        </p:blipFill>
+        <p:spPr>
+          <a:xfrm>
+            <a:off x="3088026" y="1948327"/>
+            <a:ext cx="5275156" cy="4435669"/>
+          </a:xfrm>
+          <a:prstGeom prst="rect">
+            <a:avLst/>
+          </a:prstGeom>
+        </p:spPr>
+      </p:pic>
+      <p:sp>
+        <p:nvSpPr>
+          <p:cNvPr id="13" name="文字方塊 12">
+            <a:extLst>
+              <a:ext uri="{FF2B5EF4-FFF2-40B4-BE49-F238E27FC236}">
+                <a16:creationId xmlns:a16="http://schemas.microsoft.com/office/drawing/2014/main" id="{87422075-A0F4-92E7-BF33-BF3757898CCD}"/>
+              </a:ext>
+            </a:extLst>
+          </p:cNvPr>
+          <p:cNvSpPr txBox="1"/>
+          <p:nvPr/>
+        </p:nvSpPr>
+        <p:spPr>
+          <a:xfrm>
+            <a:off x="7968213" y="1756725"/>
+            <a:ext cx="1217367" cy="369332"/>
+          </a:xfrm>
+          <a:prstGeom prst="rect">
+            <a:avLst/>
+          </a:prstGeom>
+          <a:ln>
+            <a:solidFill>
+              <a:srgbClr val="0070C0"/>
+            </a:solidFill>
+          </a:ln>
+        </p:spPr>
+        <p:style>
+          <a:lnRef idx="2">
+            <a:schemeClr val="accent2"/>
+          </a:lnRef>
+          <a:fillRef idx="1">
+            <a:schemeClr val="lt1"/>
+          </a:fillRef>
+          <a:effectRef idx="0">
+            <a:schemeClr val="accent2"/>
+          </a:effectRef>
+          <a:fontRef idx="minor">
+            <a:schemeClr val="dk1"/>
+          </a:fontRef>
+        </p:style>
+        <p:txBody>
+          <a:bodyPr wrap="square" rtlCol="0">
+            <a:spAutoFit/>
+          </a:bodyPr>
+          <a:lstStyle/>
+          <a:p>
+            <a:r>
+              <a:rPr lang="zh-TW" altLang="en-US" dirty="0">
+                <a:latin typeface="王漢宗特黑體繁" panose="02000500000000000000" pitchFamily="2" charset="-120"/>
+                <a:ea typeface="王漢宗特黑體繁" panose="02000500000000000000" pitchFamily="2" charset="-120"/>
+              </a:rPr>
+              <a:t>粗調製</a:t>
+            </a:r>
+          </a:p>
+        </p:txBody>
+      </p:sp>
+      <p:cxnSp>
+        <p:nvCxnSpPr>
+          <p:cNvPr id="15" name="接點: 肘形 14">
+            <a:extLst>
+              <a:ext uri="{FF2B5EF4-FFF2-40B4-BE49-F238E27FC236}">
+                <a16:creationId xmlns:a16="http://schemas.microsoft.com/office/drawing/2014/main" id="{A3D3AB2B-AFDF-2E8F-2768-124668398347}"/>
+              </a:ext>
+            </a:extLst>
+          </p:cNvPr>
+          <p:cNvCxnSpPr>
+            <a:cxnSpLocks/>
+            <a:stCxn id="13" idx="2"/>
+          </p:cNvCxnSpPr>
+          <p:nvPr/>
+        </p:nvCxnSpPr>
+        <p:spPr>
+          <a:xfrm rot="5400000">
+            <a:off x="8105419" y="1962081"/>
+            <a:ext cx="307502" cy="635455"/>
+          </a:xfrm>
+          <a:prstGeom prst="bentConnector2">
+            <a:avLst/>
+          </a:prstGeom>
+          <a:ln>
+            <a:solidFill>
+              <a:srgbClr val="0070C0"/>
+            </a:solidFill>
+            <a:tailEnd type="triangle"/>
+          </a:ln>
+        </p:spPr>
+        <p:style>
+          <a:lnRef idx="1">
+            <a:schemeClr val="accent1"/>
+          </a:lnRef>
+          <a:fillRef idx="0">
+            <a:schemeClr val="accent1"/>
+          </a:fillRef>
+          <a:effectRef idx="0">
+            <a:schemeClr val="accent1"/>
+          </a:effectRef>
+          <a:fontRef idx="minor">
+            <a:schemeClr val="tx1"/>
+          </a:fontRef>
+        </p:style>
+      </p:cxnSp>
+      <p:sp>
+        <p:nvSpPr>
+          <p:cNvPr id="17" name="文字方塊 16">
+            <a:extLst>
+              <a:ext uri="{FF2B5EF4-FFF2-40B4-BE49-F238E27FC236}">
+                <a16:creationId xmlns:a16="http://schemas.microsoft.com/office/drawing/2014/main" id="{4D793B62-6239-AEF5-A1FA-F9CB7EDD08BC}"/>
+              </a:ext>
+            </a:extLst>
+          </p:cNvPr>
+          <p:cNvSpPr txBox="1"/>
+          <p:nvPr/>
+        </p:nvSpPr>
+        <p:spPr>
+          <a:xfrm>
+            <a:off x="7838473" y="2891204"/>
+            <a:ext cx="1217367" cy="369332"/>
+          </a:xfrm>
+          <a:prstGeom prst="rect">
+            <a:avLst/>
+          </a:prstGeom>
+          <a:ln>
+            <a:solidFill>
+              <a:srgbClr val="FF0000"/>
+            </a:solidFill>
+          </a:ln>
+        </p:spPr>
+        <p:style>
+          <a:lnRef idx="2">
+            <a:schemeClr val="accent2"/>
+          </a:lnRef>
+          <a:fillRef idx="1">
+            <a:schemeClr val="lt1"/>
+          </a:fillRef>
+          <a:effectRef idx="0">
+            <a:schemeClr val="accent2"/>
+          </a:effectRef>
+          <a:fontRef idx="minor">
+            <a:schemeClr val="dk1"/>
+          </a:fontRef>
+        </p:style>
+        <p:txBody>
+          <a:bodyPr wrap="square" rtlCol="0">
+            <a:spAutoFit/>
+          </a:bodyPr>
+          <a:lstStyle/>
+          <a:p>
+            <a:r>
+              <a:rPr lang="zh-TW" altLang="en-US" dirty="0">
+                <a:latin typeface="王漢宗特黑體繁" panose="02000500000000000000" pitchFamily="2" charset="-120"/>
+                <a:ea typeface="王漢宗特黑體繁" panose="02000500000000000000" pitchFamily="2" charset="-120"/>
+              </a:rPr>
+              <a:t>細調製</a:t>
+            </a:r>
+          </a:p>
+        </p:txBody>
+      </p:sp>
+      <p:cxnSp>
+        <p:nvCxnSpPr>
+          <p:cNvPr id="18" name="接點: 肘形 17">
+            <a:extLst>
+              <a:ext uri="{FF2B5EF4-FFF2-40B4-BE49-F238E27FC236}">
+                <a16:creationId xmlns:a16="http://schemas.microsoft.com/office/drawing/2014/main" id="{C636CEDF-DCA6-1740-FDDE-110C1AF8A916}"/>
+              </a:ext>
+            </a:extLst>
+          </p:cNvPr>
+          <p:cNvCxnSpPr>
+            <a:cxnSpLocks/>
+            <a:stCxn id="17" idx="0"/>
+          </p:cNvCxnSpPr>
+          <p:nvPr/>
+        </p:nvCxnSpPr>
+        <p:spPr>
+          <a:xfrm rot="16200000" flipV="1">
+            <a:off x="7836393" y="2280439"/>
+            <a:ext cx="279914" cy="941615"/>
+          </a:xfrm>
+          <a:prstGeom prst="bentConnector2">
+            <a:avLst/>
+          </a:prstGeom>
+          <a:ln>
+            <a:solidFill>
+              <a:srgbClr val="FF0000"/>
+            </a:solidFill>
+            <a:tailEnd type="triangle"/>
+          </a:ln>
+        </p:spPr>
+        <p:style>
+          <a:lnRef idx="1">
+            <a:schemeClr val="accent1"/>
+          </a:lnRef>
+          <a:fillRef idx="0">
+            <a:schemeClr val="accent1"/>
+          </a:fillRef>
+          <a:effectRef idx="0">
+            <a:schemeClr val="accent1"/>
+          </a:effectRef>
+          <a:fontRef idx="minor">
+            <a:schemeClr val="tx1"/>
+          </a:fontRef>
+        </p:style>
+      </p:cxnSp>
+      <p:sp>
+        <p:nvSpPr>
+          <p:cNvPr id="9" name="文字方塊 8"/>
+          <p:cNvSpPr txBox="1"/>
+          <p:nvPr/>
+        </p:nvSpPr>
+        <p:spPr>
+          <a:xfrm>
+            <a:off x="3435554" y="6428003"/>
+            <a:ext cx="3717684" cy="338554"/>
+          </a:xfrm>
+          <a:prstGeom prst="rect">
+            <a:avLst/>
+          </a:prstGeom>
+          <a:noFill/>
+        </p:spPr>
+        <p:txBody>
+          <a:bodyPr wrap="none" rtlCol="0">
+            <a:spAutoFit/>
+          </a:bodyPr>
+          <a:lstStyle/>
+          <a:p>
+            <a:r>
+              <a:rPr lang="zh-TW" altLang="en-US" sz="1600" dirty="0">
+                <a:latin typeface="+mn-ea"/>
+              </a:rPr>
+              <a:t>接收訊號同步後的自相關對時間的圖</a:t>
+            </a:r>
+            <a:r>
+              <a:rPr lang="en-US" altLang="zh-TW" sz="1600" dirty="0">
+                <a:latin typeface="+mn-ea"/>
+              </a:rPr>
+              <a:t>[4]</a:t>
+            </a:r>
+          </a:p>
+        </p:txBody>
+      </p:sp>
+    </p:spTree>
+    <p:extLst>
+      <p:ext uri="{BB962C8B-B14F-4D97-AF65-F5344CB8AC3E}">
+        <p14:creationId xmlns:p14="http://schemas.microsoft.com/office/powerpoint/2010/main" val="2884675579"/>
+      </p:ext>
+    </p:extLst>
+  </p:cSld>
+  <p:clrMapOvr>
+    <a:masterClrMapping/>
+  </p:clrMapOvr>
+  <mc:AlternateContent xmlns:mc="http://schemas.openxmlformats.org/markup-compatibility/2006">
+    <mc:Choice xmlns:p14="http://schemas.microsoft.com/office/powerpoint/2010/main" Requires="p14">
+      <p:transition spd="slow" p14:dur="2000">
+        <p:cut/>
+      </p:transition>
+    </mc:Choice>
+    <mc:Fallback>
+      <p:transition spd="slow">
+        <p:cut/>
+      </p:transition>
+    </mc:Fallback>
+  </mc:AlternateContent>
+</p:sld>
+</file>
+
+<file path=ppt/slides/slide12.xml><?xml version="1.0" encoding="utf-8"?>
 <p:sld xmlns:a="http://schemas.openxmlformats.org/drawingml/2006/main" xmlns:r="http://schemas.openxmlformats.org/officeDocument/2006/relationships" xmlns:p="http://schemas.openxmlformats.org/presentationml/2006/main">
   <p:cSld>
     <p:spTree>
@@ -13745,7 +14989,7 @@
         </p:blipFill>
         <p:spPr>
           <a:xfrm>
-            <a:off x="2620645" y="4794957"/>
+            <a:off x="2747645" y="4794957"/>
             <a:ext cx="1562318" cy="1619476"/>
           </a:xfrm>
           <a:prstGeom prst="rect">
@@ -13767,7 +15011,7 @@
         </p:nvSpPr>
         <p:spPr>
           <a:xfrm>
-            <a:off x="2082570" y="5494668"/>
+            <a:off x="2146070" y="5494668"/>
             <a:ext cx="538075" cy="220053"/>
           </a:xfrm>
           <a:prstGeom prst="rightArrow">
@@ -13821,7 +15065,7 @@
         </p:nvSpPr>
         <p:spPr>
           <a:xfrm>
-            <a:off x="4144858" y="5413472"/>
+            <a:off x="4271858" y="5413472"/>
             <a:ext cx="1558440" cy="369332"/>
           </a:xfrm>
           <a:prstGeom prst="rect">
@@ -13880,7 +15124,7 @@
         </p:nvSpPr>
         <p:spPr>
           <a:xfrm>
-            <a:off x="5745708" y="1877009"/>
+            <a:off x="5544758" y="1979068"/>
             <a:ext cx="1167305" cy="3939540"/>
           </a:xfrm>
           <a:prstGeom prst="rect">
@@ -13895,10 +15139,14 @@
           <a:lstStyle/>
           <a:p>
             <a:r>
-              <a:rPr lang="en-US" altLang="zh-TW" sz="25000" dirty="0"/>
+              <a:rPr lang="en-US" altLang="zh-TW" sz="25000" dirty="0">
+                <a:latin typeface="Bodoni MT" panose="02070603080606020203" pitchFamily="18" charset="0"/>
+              </a:rPr>
               <a:t>}</a:t>
             </a:r>
-            <a:endParaRPr lang="zh-TW" altLang="en-US" sz="25000" dirty="0"/>
+            <a:endParaRPr lang="zh-TW" altLang="en-US" sz="25000" dirty="0">
+              <a:latin typeface="Bodoni MT" panose="02070603080606020203" pitchFamily="18" charset="0"/>
+            </a:endParaRPr>
           </a:p>
         </p:txBody>
       </p:sp>
@@ -14049,7 +15297,7 @@
         </p:nvSpPr>
         <p:spPr>
           <a:xfrm>
-            <a:off x="8890117" y="3720238"/>
+            <a:off x="8890117" y="3948838"/>
             <a:ext cx="865943" cy="461665"/>
           </a:xfrm>
           <a:prstGeom prst="rect">
@@ -14115,7 +15363,7 @@
         </p:blipFill>
         <p:spPr>
           <a:xfrm>
-            <a:off x="9323088" y="4244297"/>
+            <a:off x="9323088" y="4485597"/>
             <a:ext cx="1766830" cy="2012844"/>
           </a:xfrm>
           <a:prstGeom prst="rect">
@@ -14123,6 +15371,242 @@
           </a:prstGeom>
         </p:spPr>
       </p:pic>
+      <p:sp>
+        <p:nvSpPr>
+          <p:cNvPr id="16" name="文字方塊 15"/>
+          <p:cNvSpPr txBox="1"/>
+          <p:nvPr/>
+        </p:nvSpPr>
+        <p:spPr>
+          <a:xfrm>
+            <a:off x="1572943" y="4181903"/>
+            <a:ext cx="2486578" cy="338554"/>
+          </a:xfrm>
+          <a:prstGeom prst="rect">
+            <a:avLst/>
+          </a:prstGeom>
+          <a:noFill/>
+        </p:spPr>
+        <p:txBody>
+          <a:bodyPr wrap="none" rtlCol="0">
+            <a:spAutoFit/>
+          </a:bodyPr>
+          <a:lstStyle/>
+          <a:p>
+            <a:r>
+              <a:rPr lang="zh-TW" altLang="en-US" sz="1600" dirty="0">
+                <a:latin typeface="+mn-ea"/>
+              </a:rPr>
+              <a:t>通道估測訊號功率的值</a:t>
+            </a:r>
+            <a:r>
+              <a:rPr lang="en-US" altLang="zh-TW" sz="1600" dirty="0">
+                <a:latin typeface="+mn-ea"/>
+              </a:rPr>
+              <a:t>[</a:t>
+            </a:r>
+            <a:r>
+              <a:rPr lang="en-US" altLang="zh-TW" sz="1600" dirty="0" smtClean="0">
+                <a:latin typeface="+mn-ea"/>
+              </a:rPr>
+              <a:t>5]</a:t>
+            </a:r>
+            <a:endParaRPr lang="en-US" altLang="zh-TW" sz="1600" dirty="0">
+              <a:latin typeface="+mn-ea"/>
+            </a:endParaRPr>
+          </a:p>
+        </p:txBody>
+      </p:sp>
+      <p:sp>
+        <p:nvSpPr>
+          <p:cNvPr id="17" name="文字方塊 16"/>
+          <p:cNvSpPr txBox="1"/>
+          <p:nvPr/>
+        </p:nvSpPr>
+        <p:spPr>
+          <a:xfrm>
+            <a:off x="177931" y="6463655"/>
+            <a:ext cx="2442714" cy="338554"/>
+          </a:xfrm>
+          <a:prstGeom prst="rect">
+            <a:avLst/>
+          </a:prstGeom>
+          <a:noFill/>
+        </p:spPr>
+        <p:txBody>
+          <a:bodyPr wrap="square" rtlCol="0">
+            <a:spAutoFit/>
+          </a:bodyPr>
+          <a:lstStyle/>
+          <a:p>
+            <a:r>
+              <a:rPr lang="zh-TW" altLang="en-US" sz="1600" dirty="0" smtClean="0">
+                <a:latin typeface="+mn-ea"/>
+              </a:rPr>
+              <a:t>做</a:t>
+            </a:r>
+            <a:r>
+              <a:rPr lang="en-US" altLang="zh-TW" sz="1600" dirty="0" smtClean="0">
+                <a:latin typeface="+mn-ea"/>
+              </a:rPr>
+              <a:t>CFO</a:t>
+            </a:r>
+            <a:r>
+              <a:rPr lang="zh-TW" altLang="en-US" sz="1600" dirty="0" smtClean="0">
+                <a:latin typeface="+mn-ea"/>
+              </a:rPr>
+              <a:t>校正前的星座圖</a:t>
+            </a:r>
+            <a:r>
+              <a:rPr lang="en-US" altLang="zh-TW" sz="1600" dirty="0" smtClean="0">
+                <a:latin typeface="+mn-ea"/>
+              </a:rPr>
+              <a:t>[6]</a:t>
+            </a:r>
+            <a:endParaRPr lang="en-US" altLang="zh-TW" sz="1600" dirty="0">
+              <a:latin typeface="+mn-ea"/>
+            </a:endParaRPr>
+          </a:p>
+        </p:txBody>
+      </p:sp>
+      <p:sp>
+        <p:nvSpPr>
+          <p:cNvPr id="18" name="文字方塊 17"/>
+          <p:cNvSpPr txBox="1"/>
+          <p:nvPr/>
+        </p:nvSpPr>
+        <p:spPr>
+          <a:xfrm>
+            <a:off x="2554854" y="6475764"/>
+            <a:ext cx="2488182" cy="338554"/>
+          </a:xfrm>
+          <a:prstGeom prst="rect">
+            <a:avLst/>
+          </a:prstGeom>
+          <a:noFill/>
+        </p:spPr>
+        <p:txBody>
+          <a:bodyPr wrap="none" rtlCol="0">
+            <a:spAutoFit/>
+          </a:bodyPr>
+          <a:lstStyle/>
+          <a:p>
+            <a:r>
+              <a:rPr lang="zh-TW" altLang="en-US" sz="1600" dirty="0">
+                <a:latin typeface="+mn-ea"/>
+              </a:rPr>
+              <a:t>做</a:t>
+            </a:r>
+            <a:r>
+              <a:rPr lang="en-US" altLang="zh-TW" sz="1600" dirty="0">
+                <a:latin typeface="+mn-ea"/>
+              </a:rPr>
+              <a:t>CFO</a:t>
+            </a:r>
+            <a:r>
+              <a:rPr lang="zh-TW" altLang="en-US" sz="1600" dirty="0">
+                <a:latin typeface="+mn-ea"/>
+              </a:rPr>
+              <a:t>校正後的星座圖</a:t>
+            </a:r>
+            <a:r>
+              <a:rPr lang="en-US" altLang="zh-TW" sz="1600" dirty="0" smtClean="0">
+                <a:latin typeface="+mn-ea"/>
+              </a:rPr>
+              <a:t>[7]</a:t>
+            </a:r>
+            <a:endParaRPr lang="en-US" altLang="zh-TW" sz="1600" dirty="0">
+              <a:latin typeface="+mn-ea"/>
+            </a:endParaRPr>
+          </a:p>
+        </p:txBody>
+      </p:sp>
+      <p:sp>
+        <p:nvSpPr>
+          <p:cNvPr id="22" name="文字方塊 21"/>
+          <p:cNvSpPr txBox="1"/>
+          <p:nvPr/>
+        </p:nvSpPr>
+        <p:spPr>
+          <a:xfrm>
+            <a:off x="9234121" y="3677502"/>
+            <a:ext cx="1944763" cy="338554"/>
+          </a:xfrm>
+          <a:prstGeom prst="rect">
+            <a:avLst/>
+          </a:prstGeom>
+          <a:noFill/>
+        </p:spPr>
+        <p:txBody>
+          <a:bodyPr wrap="none" rtlCol="0">
+            <a:spAutoFit/>
+          </a:bodyPr>
+          <a:lstStyle/>
+          <a:p>
+            <a:r>
+              <a:rPr lang="zh-TW" altLang="en-US" sz="1600" dirty="0" smtClean="0">
+                <a:latin typeface="+mn-ea"/>
+              </a:rPr>
+              <a:t>成功時的測試</a:t>
+            </a:r>
+            <a:r>
+              <a:rPr lang="en-US" altLang="zh-TW" sz="1600" dirty="0" smtClean="0">
+                <a:latin typeface="+mn-ea"/>
+              </a:rPr>
+              <a:t>EQ[8]</a:t>
+            </a:r>
+            <a:endParaRPr lang="en-US" altLang="zh-TW" sz="1600" dirty="0">
+              <a:latin typeface="+mn-ea"/>
+            </a:endParaRPr>
+          </a:p>
+        </p:txBody>
+      </p:sp>
+      <p:sp>
+        <p:nvSpPr>
+          <p:cNvPr id="28" name="文字方塊 27"/>
+          <p:cNvSpPr txBox="1"/>
+          <p:nvPr/>
+        </p:nvSpPr>
+        <p:spPr>
+          <a:xfrm>
+            <a:off x="9323088" y="6530949"/>
+            <a:ext cx="1944763" cy="338554"/>
+          </a:xfrm>
+          <a:prstGeom prst="rect">
+            <a:avLst/>
+          </a:prstGeom>
+          <a:noFill/>
+        </p:spPr>
+        <p:txBody>
+          <a:bodyPr wrap="none" rtlCol="0">
+            <a:spAutoFit/>
+          </a:bodyPr>
+          <a:lstStyle/>
+          <a:p>
+            <a:r>
+              <a:rPr lang="zh-TW" altLang="en-US" sz="1600" dirty="0">
+                <a:latin typeface="+mn-ea"/>
+              </a:rPr>
+              <a:t>失敗</a:t>
+            </a:r>
+            <a:r>
+              <a:rPr lang="zh-TW" altLang="en-US" sz="1600" dirty="0" smtClean="0">
+                <a:latin typeface="+mn-ea"/>
+              </a:rPr>
+              <a:t>時的測試</a:t>
+            </a:r>
+            <a:r>
+              <a:rPr lang="en-US" altLang="zh-TW" sz="1600" dirty="0" smtClean="0">
+                <a:latin typeface="+mn-ea"/>
+              </a:rPr>
+              <a:t>EQ[9]</a:t>
+            </a:r>
+            <a:endParaRPr lang="en-US" altLang="zh-TW" sz="1600" dirty="0">
+              <a:latin typeface="+mn-ea"/>
+            </a:endParaRPr>
+          </a:p>
+        </p:txBody>
+      </p:sp>
     </p:spTree>
     <p:extLst>
       <p:ext uri="{BB962C8B-B14F-4D97-AF65-F5344CB8AC3E}">
@@ -14133,10 +15617,22 @@
   <p:clrMapOvr>
     <a:masterClrMapping/>
   </p:clrMapOvr>
+  <mc:AlternateContent xmlns:mc="http://schemas.openxmlformats.org/markup-compatibility/2006">
+    <mc:Choice xmlns:p14="http://schemas.microsoft.com/office/powerpoint/2010/main" Requires="p14">
+      <p:transition spd="slow" p14:dur="2000">
+        <p:cut/>
+      </p:transition>
+    </mc:Choice>
+    <mc:Fallback>
+      <p:transition spd="slow">
+        <p:cut/>
+      </p:transition>
+    </mc:Fallback>
+  </mc:AlternateContent>
 </p:sld>
 </file>
 
-<file path=ppt/slides/slide11.xml><?xml version="1.0" encoding="utf-8"?>
+<file path=ppt/slides/slide13.xml><?xml version="1.0" encoding="utf-8"?>
 <p:sld xmlns:a="http://schemas.openxmlformats.org/drawingml/2006/main" xmlns:r="http://schemas.openxmlformats.org/officeDocument/2006/relationships" xmlns:p="http://schemas.openxmlformats.org/presentationml/2006/main">
   <p:cSld>
     <p:spTree>
@@ -26356,6 +27852,46 @@
           </a:p>
         </p:txBody>
       </p:sp>
+      <p:sp>
+        <p:nvSpPr>
+          <p:cNvPr id="20" name="文字方塊 19"/>
+          <p:cNvSpPr txBox="1"/>
+          <p:nvPr/>
+        </p:nvSpPr>
+        <p:spPr>
+          <a:xfrm>
+            <a:off x="8404423" y="6364968"/>
+            <a:ext cx="2063385" cy="338554"/>
+          </a:xfrm>
+          <a:prstGeom prst="rect">
+            <a:avLst/>
+          </a:prstGeom>
+          <a:noFill/>
+        </p:spPr>
+        <p:txBody>
+          <a:bodyPr wrap="none" rtlCol="0">
+            <a:spAutoFit/>
+          </a:bodyPr>
+          <a:lstStyle/>
+          <a:p>
+            <a:r>
+              <a:rPr lang="zh-TW" altLang="en-US" sz="1600" dirty="0">
+                <a:latin typeface="+mn-ea"/>
+              </a:rPr>
+              <a:t>三種偵測器的</a:t>
+            </a:r>
+            <a:r>
+              <a:rPr lang="en-US" altLang="zh-TW" sz="1600" dirty="0" smtClean="0">
+                <a:latin typeface="+mn-ea"/>
+              </a:rPr>
+              <a:t>EQ[10]</a:t>
+            </a:r>
+            <a:endParaRPr lang="en-US" altLang="zh-TW" sz="1600" dirty="0">
+              <a:latin typeface="+mn-ea"/>
+            </a:endParaRPr>
+          </a:p>
+        </p:txBody>
+      </p:sp>
     </p:spTree>
     <p:extLst>
       <p:ext uri="{BB962C8B-B14F-4D97-AF65-F5344CB8AC3E}">
@@ -26366,10 +27902,22 @@
   <p:clrMapOvr>
     <a:masterClrMapping/>
   </p:clrMapOvr>
+  <mc:AlternateContent xmlns:mc="http://schemas.openxmlformats.org/markup-compatibility/2006">
+    <mc:Choice xmlns:p14="http://schemas.microsoft.com/office/powerpoint/2010/main" Requires="p14">
+      <p:transition spd="slow" p14:dur="2000">
+        <p:cut/>
+      </p:transition>
+    </mc:Choice>
+    <mc:Fallback>
+      <p:transition spd="slow">
+        <p:cut/>
+      </p:transition>
+    </mc:Fallback>
+  </mc:AlternateContent>
 </p:sld>
 </file>
 
-<file path=ppt/slides/slide12.xml><?xml version="1.0" encoding="utf-8"?>
+<file path=ppt/slides/slide14.xml><?xml version="1.0" encoding="utf-8"?>
 <p:sld xmlns:a="http://schemas.openxmlformats.org/drawingml/2006/main" xmlns:r="http://schemas.openxmlformats.org/officeDocument/2006/relationships" xmlns:p="http://schemas.openxmlformats.org/presentationml/2006/main">
   <p:cSld>
     <p:spTree>
@@ -26428,30 +27976,76 @@
           </a:p>
         </p:txBody>
       </p:sp>
+      <p:sp>
+        <p:nvSpPr>
+          <p:cNvPr id="5" name="文字方塊 4"/>
+          <p:cNvSpPr txBox="1"/>
+          <p:nvPr/>
+        </p:nvSpPr>
+        <p:spPr>
+          <a:xfrm>
+            <a:off x="4895990" y="5632719"/>
+            <a:ext cx="2400016" cy="338554"/>
+          </a:xfrm>
+          <a:prstGeom prst="rect">
+            <a:avLst/>
+          </a:prstGeom>
+          <a:noFill/>
+        </p:spPr>
+        <p:txBody>
+          <a:bodyPr wrap="none" rtlCol="0">
+            <a:spAutoFit/>
+          </a:bodyPr>
+          <a:lstStyle/>
+          <a:p>
+            <a:r>
+              <a:rPr lang="zh-TW" altLang="en-US" sz="1600" dirty="0">
+                <a:latin typeface="+mn-ea"/>
+              </a:rPr>
+              <a:t>三</a:t>
+            </a:r>
+            <a:r>
+              <a:rPr lang="zh-TW" altLang="en-US" sz="1600" dirty="0" smtClean="0">
+                <a:latin typeface="+mn-ea"/>
+              </a:rPr>
+              <a:t>種偵測器的錯誤率</a:t>
+            </a:r>
+            <a:r>
+              <a:rPr lang="en-US" altLang="zh-TW" sz="1600" dirty="0" smtClean="0">
+                <a:latin typeface="+mn-ea"/>
+              </a:rPr>
+              <a:t>[11]</a:t>
+            </a:r>
+            <a:endParaRPr lang="en-US" altLang="zh-TW" sz="1600" dirty="0">
+              <a:latin typeface="+mn-ea"/>
+            </a:endParaRPr>
+          </a:p>
+        </p:txBody>
+      </p:sp>
       <p:pic>
         <p:nvPicPr>
-          <p:cNvPr id="4" name="圖片 3">
-            <a:extLst>
-              <a:ext uri="{FF2B5EF4-FFF2-40B4-BE49-F238E27FC236}">
-                <a16:creationId xmlns:a16="http://schemas.microsoft.com/office/drawing/2014/main" id="{A4C2E637-D829-18D1-D41B-977152C0E7B6}"/>
-              </a:ext>
-            </a:extLst>
-          </p:cNvPr>
+          <p:cNvPr id="3" name="圖片 2"/>
           <p:cNvPicPr>
             <a:picLocks noChangeAspect="1"/>
           </p:cNvPicPr>
           <p:nvPr/>
         </p:nvPicPr>
         <p:blipFill>
-          <a:blip r:embed="rId2"/>
+          <a:blip r:embed="rId2">
+            <a:extLst>
+              <a:ext uri="{28A0092B-C50C-407E-A947-70E740481C1C}">
+                <a14:useLocalDpi xmlns:a14="http://schemas.microsoft.com/office/drawing/2010/main" val="0"/>
+              </a:ext>
+            </a:extLst>
+          </a:blip>
           <a:stretch>
             <a:fillRect/>
           </a:stretch>
         </p:blipFill>
         <p:spPr>
           <a:xfrm>
-            <a:off x="933080" y="1353804"/>
-            <a:ext cx="5296639" cy="4772691"/>
+            <a:off x="3429219" y="1634074"/>
+            <a:ext cx="5333559" cy="3998645"/>
           </a:xfrm>
           <a:prstGeom prst="rect">
             <a:avLst/>
@@ -26468,10 +28062,22 @@
   <p:clrMapOvr>
     <a:masterClrMapping/>
   </p:clrMapOvr>
+  <mc:AlternateContent xmlns:mc="http://schemas.openxmlformats.org/markup-compatibility/2006">
+    <mc:Choice xmlns:p14="http://schemas.microsoft.com/office/powerpoint/2010/main" Requires="p14">
+      <p:transition spd="slow" p14:dur="2000">
+        <p:cut/>
+      </p:transition>
+    </mc:Choice>
+    <mc:Fallback>
+      <p:transition spd="slow">
+        <p:cut/>
+      </p:transition>
+    </mc:Fallback>
+  </mc:AlternateContent>
 </p:sld>
 </file>
 
-<file path=ppt/slides/slide13.xml><?xml version="1.0" encoding="utf-8"?>
+<file path=ppt/slides/slide15.xml><?xml version="1.0" encoding="utf-8"?>
 <p:sld xmlns:a="http://schemas.openxmlformats.org/drawingml/2006/main" xmlns:r="http://schemas.openxmlformats.org/officeDocument/2006/relationships" xmlns:p="http://schemas.openxmlformats.org/presentationml/2006/main">
   <p:cSld>
     <p:spTree>
@@ -26506,11 +28112,359 @@
         </p:nvSpPr>
         <p:spPr/>
         <p:txBody>
+          <a:bodyPr>
+            <a:normAutofit/>
+          </a:bodyPr>
+          <a:lstStyle/>
+          <a:p>
+            <a:r>
+              <a:rPr lang="zh-TW" altLang="en-US" b="1" dirty="0">
+                <a:latin typeface="華康粗明體" panose="02020709000000000000" pitchFamily="49" charset="-120"/>
+                <a:ea typeface="華康粗明體" panose="02020709000000000000" pitchFamily="49" charset="-120"/>
+                <a:cs typeface="+mn-cs"/>
+              </a:rPr>
+              <a:t>挑戰與解法</a:t>
+            </a:r>
+          </a:p>
+        </p:txBody>
+      </p:sp>
+      <p:sp>
+        <p:nvSpPr>
+          <p:cNvPr id="3" name="內容版面配置區 2">
+            <a:extLst>
+              <a:ext uri="{FF2B5EF4-FFF2-40B4-BE49-F238E27FC236}">
+                <a16:creationId xmlns:a16="http://schemas.microsoft.com/office/drawing/2014/main" id="{92898B37-D95B-4F7C-ADFE-B728BF15D7FA}"/>
+              </a:ext>
+            </a:extLst>
+          </p:cNvPr>
+          <p:cNvSpPr>
+            <a:spLocks noGrp="1"/>
+          </p:cNvSpPr>
+          <p:nvPr>
+            <p:ph idx="1"/>
+          </p:nvPr>
+        </p:nvSpPr>
+        <p:spPr>
+          <a:xfrm>
+            <a:off x="2589212" y="2142744"/>
+            <a:ext cx="8915400" cy="3777622"/>
+          </a:xfrm>
+        </p:spPr>
+        <p:txBody>
           <a:bodyPr/>
           <a:lstStyle/>
           <a:p>
-            <a:r>
-              <a:rPr lang="zh-TW" altLang="en-US" dirty="0"/>
+            <a:pPr>
+              <a:buFont typeface="+mj-lt"/>
+              <a:buAutoNum type="arabicPeriod"/>
+            </a:pPr>
+            <a:r>
+              <a:rPr lang="zh-TW" altLang="en-US" kern="100" dirty="0" smtClean="0">
+                <a:latin typeface="+mn-ea"/>
+                <a:cs typeface="Times New Roman" panose="02020603050405020304" pitchFamily="18" charset="0"/>
+              </a:rPr>
+              <a:t>訊號接收後無法同步資料 → 更改 </a:t>
+            </a:r>
+            <a:r>
+              <a:rPr lang="en-US" altLang="zh-TW" kern="100" dirty="0" err="1" smtClean="0">
+                <a:latin typeface="+mn-ea"/>
+                <a:cs typeface="Times New Roman" panose="02020603050405020304" pitchFamily="18" charset="0"/>
+              </a:rPr>
+              <a:t>Syncbits</a:t>
+            </a:r>
+            <a:r>
+              <a:rPr lang="en-US" altLang="zh-TW" kern="100" dirty="0" smtClean="0">
+                <a:latin typeface="+mn-ea"/>
+                <a:cs typeface="Times New Roman" panose="02020603050405020304" pitchFamily="18" charset="0"/>
+              </a:rPr>
+              <a:t> </a:t>
+            </a:r>
+            <a:r>
+              <a:rPr lang="zh-TW" altLang="en-US" kern="100" dirty="0" smtClean="0">
+                <a:latin typeface="+mn-ea"/>
+                <a:cs typeface="Times New Roman" panose="02020603050405020304" pitchFamily="18" charset="0"/>
+              </a:rPr>
+              <a:t>的調變方式，修改同步程式。</a:t>
+            </a:r>
+            <a:endParaRPr lang="en-US" altLang="zh-TW" kern="100" dirty="0" smtClean="0">
+              <a:latin typeface="+mn-ea"/>
+              <a:cs typeface="Times New Roman" panose="02020603050405020304" pitchFamily="18" charset="0"/>
+            </a:endParaRPr>
+          </a:p>
+          <a:p>
+            <a:pPr>
+              <a:buFont typeface="+mj-lt"/>
+              <a:buAutoNum type="arabicPeriod"/>
+            </a:pPr>
+            <a:r>
+              <a:rPr lang="zh-TW" altLang="en-US" kern="100" dirty="0" smtClean="0">
+                <a:latin typeface="+mn-ea"/>
+                <a:cs typeface="Times New Roman" panose="02020603050405020304" pitchFamily="18" charset="0"/>
+              </a:rPr>
+              <a:t>論文中的</a:t>
+            </a:r>
+            <a:r>
+              <a:rPr lang="en-US" altLang="zh-TW" kern="100" dirty="0" smtClean="0">
+                <a:latin typeface="+mn-ea"/>
+                <a:cs typeface="Times New Roman" panose="02020603050405020304" pitchFamily="18" charset="0"/>
+              </a:rPr>
+              <a:t>CFO</a:t>
+            </a:r>
+            <a:r>
+              <a:rPr lang="zh-TW" altLang="en-US" kern="100" dirty="0" smtClean="0">
+                <a:latin typeface="+mn-ea"/>
+                <a:cs typeface="Times New Roman" panose="02020603050405020304" pitchFamily="18" charset="0"/>
+              </a:rPr>
+              <a:t>公式變數名稱與資料擺法不同 → 根據論文改變資料排法，並多看論文內容</a:t>
+            </a:r>
+            <a:endParaRPr lang="en-US" altLang="zh-TW" kern="100" dirty="0" smtClean="0">
+              <a:latin typeface="+mn-ea"/>
+              <a:cs typeface="Times New Roman" panose="02020603050405020304" pitchFamily="18" charset="0"/>
+            </a:endParaRPr>
+          </a:p>
+          <a:p>
+            <a:pPr>
+              <a:buFont typeface="+mj-lt"/>
+              <a:buAutoNum type="arabicPeriod"/>
+            </a:pPr>
+            <a:r>
+              <a:rPr lang="zh-TW" altLang="en-US" kern="100" dirty="0" smtClean="0">
+                <a:latin typeface="+mn-ea"/>
+                <a:cs typeface="Times New Roman" panose="02020603050405020304" pitchFamily="18" charset="0"/>
+              </a:rPr>
+              <a:t>發現不同的論文，</a:t>
+            </a:r>
+            <a:r>
+              <a:rPr lang="en-US" altLang="zh-TW" kern="100" dirty="0" smtClean="0">
+                <a:latin typeface="+mn-ea"/>
+                <a:cs typeface="Times New Roman" panose="02020603050405020304" pitchFamily="18" charset="0"/>
+              </a:rPr>
+              <a:t>Pilot</a:t>
+            </a:r>
+            <a:r>
+              <a:rPr lang="zh-TW" altLang="en-US" kern="100" dirty="0" smtClean="0">
+                <a:latin typeface="+mn-ea"/>
+                <a:cs typeface="Times New Roman" panose="02020603050405020304" pitchFamily="18" charset="0"/>
+              </a:rPr>
+              <a:t>有不同的</a:t>
+            </a:r>
+            <a:r>
+              <a:rPr lang="zh-TW" altLang="en-US" kern="100" dirty="0">
+                <a:latin typeface="+mn-ea"/>
+                <a:cs typeface="Times New Roman" panose="02020603050405020304" pitchFamily="18" charset="0"/>
+              </a:rPr>
+              <a:t>擺</a:t>
+            </a:r>
+            <a:r>
+              <a:rPr lang="zh-TW" altLang="en-US" kern="100" dirty="0" smtClean="0">
+                <a:latin typeface="+mn-ea"/>
+                <a:cs typeface="Times New Roman" panose="02020603050405020304" pitchFamily="18" charset="0"/>
+              </a:rPr>
+              <a:t>法 → 找出擺放規律，找出可以執行的擺法。</a:t>
+            </a:r>
+            <a:endParaRPr lang="en-US" altLang="zh-TW" kern="100" dirty="0" smtClean="0">
+              <a:latin typeface="+mn-ea"/>
+              <a:cs typeface="Times New Roman" panose="02020603050405020304" pitchFamily="18" charset="0"/>
+            </a:endParaRPr>
+          </a:p>
+          <a:p>
+            <a:pPr>
+              <a:buFont typeface="+mj-lt"/>
+              <a:buAutoNum type="arabicPeriod"/>
+            </a:pPr>
+            <a:r>
+              <a:rPr lang="en-US" altLang="zh-TW" kern="100" dirty="0" smtClean="0">
+                <a:latin typeface="+mn-ea"/>
+                <a:cs typeface="Times New Roman" panose="02020603050405020304" pitchFamily="18" charset="0"/>
+              </a:rPr>
+              <a:t>Pluto</a:t>
+            </a:r>
+            <a:r>
+              <a:rPr lang="zh-TW" altLang="en-US" kern="100" dirty="0" smtClean="0">
+                <a:latin typeface="+mn-ea"/>
+                <a:cs typeface="Times New Roman" panose="02020603050405020304" pitchFamily="18" charset="0"/>
+              </a:rPr>
+              <a:t>無法改變</a:t>
+            </a:r>
+            <a:r>
+              <a:rPr lang="zh-TW" altLang="en-US" kern="100" dirty="0">
+                <a:latin typeface="+mn-ea"/>
+                <a:cs typeface="Times New Roman" panose="02020603050405020304" pitchFamily="18" charset="0"/>
+              </a:rPr>
+              <a:t>功率</a:t>
+            </a:r>
+            <a:r>
+              <a:rPr lang="zh-TW" altLang="en-US" kern="100" dirty="0" smtClean="0">
+                <a:latin typeface="+mn-ea"/>
+                <a:cs typeface="Times New Roman" panose="02020603050405020304" pitchFamily="18" charset="0"/>
+              </a:rPr>
+              <a:t>輸出，</a:t>
+            </a:r>
+            <a:r>
+              <a:rPr lang="en-US" altLang="zh-TW" kern="100" dirty="0" err="1" smtClean="0">
+                <a:latin typeface="+mn-ea"/>
+                <a:cs typeface="Times New Roman" panose="02020603050405020304" pitchFamily="18" charset="0"/>
+              </a:rPr>
+              <a:t>SNR_dB</a:t>
+            </a:r>
+            <a:r>
+              <a:rPr lang="zh-TW" altLang="en-US" kern="100" dirty="0" smtClean="0">
+                <a:latin typeface="+mn-ea"/>
+                <a:cs typeface="Times New Roman" panose="02020603050405020304" pitchFamily="18" charset="0"/>
+              </a:rPr>
+              <a:t>無法達到其功能 → 放棄一部分功能。</a:t>
+            </a:r>
+            <a:endParaRPr lang="en-US" altLang="zh-TW" kern="100" dirty="0" smtClean="0">
+              <a:latin typeface="+mn-ea"/>
+              <a:cs typeface="Times New Roman" panose="02020603050405020304" pitchFamily="18" charset="0"/>
+            </a:endParaRPr>
+          </a:p>
+          <a:p>
+            <a:pPr>
+              <a:buFont typeface="+mj-lt"/>
+              <a:buAutoNum type="arabicPeriod"/>
+            </a:pPr>
+            <a:r>
+              <a:rPr lang="zh-TW" altLang="en-US" kern="100" dirty="0" smtClean="0">
+                <a:latin typeface="+mn-ea"/>
+                <a:cs typeface="Times New Roman" panose="02020603050405020304" pitchFamily="18" charset="0"/>
+              </a:rPr>
+              <a:t>通道估測值</a:t>
+            </a:r>
+            <a:r>
+              <a:rPr lang="zh-TW" altLang="en-US" kern="100" dirty="0">
+                <a:latin typeface="+mn-ea"/>
+                <a:cs typeface="Times New Roman" panose="02020603050405020304" pitchFamily="18" charset="0"/>
+              </a:rPr>
+              <a:t>抓</a:t>
+            </a:r>
+            <a:r>
+              <a:rPr lang="zh-TW" altLang="en-US" kern="100" dirty="0" smtClean="0">
+                <a:latin typeface="+mn-ea"/>
+                <a:cs typeface="Times New Roman" panose="02020603050405020304" pitchFamily="18" charset="0"/>
+              </a:rPr>
+              <a:t>不到 → 更改</a:t>
+            </a:r>
+            <a:r>
+              <a:rPr lang="en-US" altLang="zh-TW" kern="100" dirty="0" smtClean="0">
+                <a:latin typeface="+mn-ea"/>
+                <a:cs typeface="Times New Roman" panose="02020603050405020304" pitchFamily="18" charset="0"/>
+              </a:rPr>
+              <a:t>sync</a:t>
+            </a:r>
+            <a:r>
+              <a:rPr lang="zh-TW" altLang="en-US" kern="100" dirty="0" smtClean="0">
+                <a:latin typeface="+mn-ea"/>
+                <a:cs typeface="Times New Roman" panose="02020603050405020304" pitchFamily="18" charset="0"/>
+              </a:rPr>
+              <a:t>程式</a:t>
+            </a:r>
+            <a:r>
+              <a:rPr lang="en-US" altLang="zh-TW" kern="100" dirty="0" smtClean="0">
+                <a:latin typeface="+mn-ea"/>
+                <a:cs typeface="Times New Roman" panose="02020603050405020304" pitchFamily="18" charset="0"/>
+              </a:rPr>
+              <a:t>+</a:t>
+            </a:r>
+            <a:r>
+              <a:rPr lang="zh-TW" altLang="en-US" kern="100" dirty="0" smtClean="0">
+                <a:latin typeface="+mn-ea"/>
+                <a:cs typeface="Times New Roman" panose="02020603050405020304" pitchFamily="18" charset="0"/>
+              </a:rPr>
+              <a:t>改變</a:t>
+            </a:r>
+            <a:r>
+              <a:rPr lang="en-US" altLang="zh-TW" kern="100" dirty="0" smtClean="0">
+                <a:latin typeface="+mn-ea"/>
+                <a:cs typeface="Times New Roman" panose="02020603050405020304" pitchFamily="18" charset="0"/>
+              </a:rPr>
+              <a:t>Pilot</a:t>
+            </a:r>
+            <a:r>
+              <a:rPr lang="zh-TW" altLang="en-US" kern="100" dirty="0" smtClean="0">
+                <a:latin typeface="+mn-ea"/>
+                <a:cs typeface="Times New Roman" panose="02020603050405020304" pitchFamily="18" charset="0"/>
+              </a:rPr>
+              <a:t>擺法。</a:t>
+            </a:r>
+            <a:endParaRPr lang="en-US" altLang="zh-TW" kern="100" dirty="0" smtClean="0">
+              <a:latin typeface="+mn-ea"/>
+              <a:cs typeface="Times New Roman" panose="02020603050405020304" pitchFamily="18" charset="0"/>
+            </a:endParaRPr>
+          </a:p>
+        </p:txBody>
+      </p:sp>
+    </p:spTree>
+    <p:extLst>
+      <p:ext uri="{BB962C8B-B14F-4D97-AF65-F5344CB8AC3E}">
+        <p14:creationId xmlns:p14="http://schemas.microsoft.com/office/powerpoint/2010/main" val="3602863259"/>
+      </p:ext>
+    </p:extLst>
+  </p:cSld>
+  <p:clrMapOvr>
+    <a:masterClrMapping/>
+  </p:clrMapOvr>
+  <mc:AlternateContent xmlns:mc="http://schemas.openxmlformats.org/markup-compatibility/2006">
+    <mc:Choice xmlns:p14="http://schemas.microsoft.com/office/powerpoint/2010/main" Requires="p14">
+      <p:transition spd="slow" p14:dur="2000">
+        <p:cut/>
+      </p:transition>
+    </mc:Choice>
+    <mc:Fallback>
+      <p:transition spd="slow">
+        <p:cut/>
+      </p:transition>
+    </mc:Fallback>
+  </mc:AlternateContent>
+</p:sld>
+</file>
+
+<file path=ppt/slides/slide16.xml><?xml version="1.0" encoding="utf-8"?>
+<p:sld xmlns:a="http://schemas.openxmlformats.org/drawingml/2006/main" xmlns:r="http://schemas.openxmlformats.org/officeDocument/2006/relationships" xmlns:p="http://schemas.openxmlformats.org/presentationml/2006/main">
+  <p:cSld>
+    <p:spTree>
+      <p:nvGrpSpPr>
+        <p:cNvPr id="1" name=""/>
+        <p:cNvGrpSpPr/>
+        <p:nvPr/>
+      </p:nvGrpSpPr>
+      <p:grpSpPr>
+        <a:xfrm>
+          <a:off x="0" y="0"/>
+          <a:ext cx="0" cy="0"/>
+          <a:chOff x="0" y="0"/>
+          <a:chExt cx="0" cy="0"/>
+        </a:xfrm>
+      </p:grpSpPr>
+      <p:sp>
+        <p:nvSpPr>
+          <p:cNvPr id="2" name="標題 1">
+            <a:extLst>
+              <a:ext uri="{FF2B5EF4-FFF2-40B4-BE49-F238E27FC236}">
+                <a16:creationId xmlns:a16="http://schemas.microsoft.com/office/drawing/2014/main" id="{3E743E3A-7CC9-4E3D-84CB-BF42AC3E4796}"/>
+              </a:ext>
+            </a:extLst>
+          </p:cNvPr>
+          <p:cNvSpPr>
+            <a:spLocks noGrp="1"/>
+          </p:cNvSpPr>
+          <p:nvPr>
+            <p:ph type="title"/>
+          </p:nvPr>
+        </p:nvSpPr>
+        <p:spPr/>
+        <p:txBody>
+          <a:bodyPr>
+            <a:normAutofit/>
+          </a:bodyPr>
+          <a:lstStyle/>
+          <a:p>
+            <a:r>
+              <a:rPr lang="zh-TW" altLang="en-US" b="1" dirty="0">
+                <a:latin typeface="華康粗明體" panose="02020709000000000000" pitchFamily="49" charset="-120"/>
+                <a:ea typeface="華康粗明體" panose="02020709000000000000" pitchFamily="49" charset="-120"/>
+                <a:cs typeface="+mn-cs"/>
+              </a:rPr>
               <a:t>結論與貢獻</a:t>
             </a:r>
           </a:p>
@@ -26547,17 +28501,29 @@
     </p:spTree>
     <p:extLst>
       <p:ext uri="{BB962C8B-B14F-4D97-AF65-F5344CB8AC3E}">
-        <p14:creationId xmlns:p14="http://schemas.microsoft.com/office/powerpoint/2010/main" val="3602863259"/>
+        <p14:creationId xmlns:p14="http://schemas.microsoft.com/office/powerpoint/2010/main" val="4022132170"/>
       </p:ext>
     </p:extLst>
   </p:cSld>
   <p:clrMapOvr>
     <a:masterClrMapping/>
   </p:clrMapOvr>
+  <mc:AlternateContent xmlns:mc="http://schemas.openxmlformats.org/markup-compatibility/2006">
+    <mc:Choice xmlns:p14="http://schemas.microsoft.com/office/powerpoint/2010/main" Requires="p14">
+      <p:transition spd="slow" p14:dur="2000">
+        <p:cut/>
+      </p:transition>
+    </mc:Choice>
+    <mc:Fallback>
+      <p:transition spd="slow">
+        <p:cut/>
+      </p:transition>
+    </mc:Fallback>
+  </mc:AlternateContent>
 </p:sld>
 </file>
 
-<file path=ppt/slides/slide14.xml><?xml version="1.0" encoding="utf-8"?>
+<file path=ppt/slides/slide17.xml><?xml version="1.0" encoding="utf-8"?>
 <p:sld xmlns:a="http://schemas.openxmlformats.org/drawingml/2006/main" xmlns:r="http://schemas.openxmlformats.org/officeDocument/2006/relationships" xmlns:p="http://schemas.openxmlformats.org/presentationml/2006/main">
   <p:cSld>
     <p:spTree>
@@ -26806,7 +28772,21 @@
                 <a:latin typeface="華康細明體" panose="02020309000000000000" pitchFamily="49" charset="-120"/>
                 <a:ea typeface="華康細明體" panose="02020309000000000000" pitchFamily="49" charset="-120"/>
               </a:rPr>
-              <a:t>萬子謙：吃大家屁眼蜜、嘗試拆開</a:t>
+              <a:t>萬子謙</a:t>
+            </a:r>
+            <a:r>
+              <a:rPr lang="zh-TW" altLang="en-US" dirty="0" smtClean="0">
+                <a:latin typeface="華康細明體" panose="02020309000000000000" pitchFamily="49" charset="-120"/>
+                <a:ea typeface="華康細明體" panose="02020309000000000000" pitchFamily="49" charset="-120"/>
+              </a:rPr>
+              <a:t>：嘗試</a:t>
+            </a:r>
+            <a:r>
+              <a:rPr lang="zh-TW" altLang="en-US" dirty="0">
+                <a:latin typeface="華康細明體" panose="02020309000000000000" pitchFamily="49" charset="-120"/>
+                <a:ea typeface="華康細明體" panose="02020309000000000000" pitchFamily="49" charset="-120"/>
+              </a:rPr>
+              <a:t>拆開</a:t>
             </a:r>
             <a:r>
               <a:rPr lang="en-US" altLang="zh-TW" dirty="0">
@@ -26844,11 +28824,11 @@
               <a:t>CFO</a:t>
             </a:r>
             <a:r>
-              <a:rPr lang="zh-TW" altLang="en-US" dirty="0">
+              <a:rPr lang="zh-TW" altLang="en-US" dirty="0" smtClean="0">
                 <a:latin typeface="華康細明體" panose="02020309000000000000" pitchFamily="49" charset="-120"/>
                 <a:ea typeface="華康細明體" panose="02020309000000000000" pitchFamily="49" charset="-120"/>
               </a:rPr>
-              <a:t>校正</a:t>
+              <a:t>校正、海報製作</a:t>
             </a:r>
             <a:endParaRPr lang="en-US" altLang="zh-TW" dirty="0">
               <a:latin typeface="華康細明體" panose="02020309000000000000" pitchFamily="49" charset="-120"/>
@@ -26991,7 +28971,7 @@
               <a:t>校正</a:t>
             </a:r>
             <a:r>
-              <a:rPr kumimoji="0" lang="en-US" altLang="zh-TW" sz="2800" b="0" i="0" u="none" strike="noStrike" kern="1200" cap="none" spc="0" normalizeH="0" baseline="0" noProof="0" dirty="0">
+              <a:rPr kumimoji="0" lang="en-US" altLang="zh-TW" sz="2800" b="0" i="0" u="none" strike="noStrike" kern="1200" cap="none" spc="0" normalizeH="0" baseline="0" noProof="0" dirty="0" smtClean="0">
                 <a:ln>
                   <a:noFill/>
                 </a:ln>
@@ -27005,7 +28985,7 @@
               <a:t>)</a:t>
             </a:r>
             <a:r>
-              <a:rPr kumimoji="0" lang="zh-TW" altLang="en-US" sz="2800" b="0" i="0" u="none" strike="noStrike" kern="1200" cap="none" spc="0" normalizeH="0" baseline="0" noProof="0" dirty="0">
+              <a:rPr kumimoji="0" lang="zh-TW" altLang="en-US" sz="2800" b="0" i="0" u="none" strike="noStrike" kern="1200" cap="none" spc="0" normalizeH="0" baseline="0" noProof="0" dirty="0" smtClean="0">
                 <a:ln>
                   <a:noFill/>
                 </a:ln>
@@ -27016,7 +28996,56 @@
                 <a:ea typeface="華康細明體" panose="02020309000000000000" pitchFamily="49" charset="-120"/>
                 <a:cs typeface="+mn-cs"/>
               </a:rPr>
-              <a:t>、畫圖</a:t>
+              <a:t>、</a:t>
+            </a:r>
+            <a:r>
+              <a:rPr kumimoji="0" lang="en-US" altLang="zh-TW" sz="2800" b="0" i="0" u="none" strike="noStrike" kern="1200" cap="none" spc="0" normalizeH="0" baseline="0" noProof="0" dirty="0" smtClean="0">
+                <a:ln>
+                  <a:noFill/>
+                </a:ln>
+                <a:effectLst/>
+                <a:uLnTx/>
+                <a:uFillTx/>
+                <a:latin typeface="華康細明體" panose="02020309000000000000" pitchFamily="49" charset="-120"/>
+                <a:ea typeface="華康細明體" panose="02020309000000000000" pitchFamily="49" charset="-120"/>
+                <a:cs typeface="+mn-cs"/>
+              </a:rPr>
+              <a:t>OTSM</a:t>
+            </a:r>
+            <a:r>
+              <a:rPr kumimoji="0" lang="zh-TW" altLang="en-US" sz="2800" b="0" i="0" u="none" strike="noStrike" kern="1200" cap="none" spc="0" normalizeH="0" baseline="0" noProof="0" dirty="0" smtClean="0">
+                <a:ln>
+                  <a:noFill/>
+                </a:ln>
+                <a:effectLst/>
+                <a:uLnTx/>
+                <a:uFillTx/>
+                <a:latin typeface="華康細明體" panose="02020309000000000000" pitchFamily="49" charset="-120"/>
+                <a:ea typeface="華康細明體" panose="02020309000000000000" pitchFamily="49" charset="-120"/>
+                <a:cs typeface="+mn-cs"/>
+              </a:rPr>
+              <a:t>數據</a:t>
+            </a:r>
+            <a:r>
+              <a:rPr lang="zh-TW" altLang="en-US" dirty="0" smtClean="0">
+                <a:latin typeface="華康細明體" panose="02020309000000000000" pitchFamily="49" charset="-120"/>
+                <a:ea typeface="華康細明體" panose="02020309000000000000" pitchFamily="49" charset="-120"/>
+              </a:rPr>
+              <a:t>整理、畫圖、版本</a:t>
+            </a:r>
+            <a:r>
+              <a:rPr kumimoji="0" lang="zh-TW" altLang="en-US" sz="2800" b="0" i="0" u="none" strike="noStrike" kern="1200" cap="none" spc="0" normalizeH="0" baseline="0" noProof="0" dirty="0" smtClean="0">
+                <a:ln>
+                  <a:noFill/>
+                </a:ln>
+                <a:effectLst/>
+                <a:uLnTx/>
+                <a:uFillTx/>
+                <a:latin typeface="華康細明體" panose="02020309000000000000" pitchFamily="49" charset="-120"/>
+                <a:ea typeface="華康細明體" panose="02020309000000000000" pitchFamily="49" charset="-120"/>
+                <a:cs typeface="+mn-cs"/>
+              </a:rPr>
+              <a:t>控制</a:t>
             </a:r>
             <a:endParaRPr kumimoji="0" lang="en-US" altLang="zh-TW" sz="2800" b="0" i="0" u="none" strike="noStrike" kern="1200" cap="none" spc="0" normalizeH="0" baseline="0" noProof="0" dirty="0">
               <a:ln>
@@ -27036,106 +29065,124 @@
                 <a:latin typeface="華康細明體" panose="02020309000000000000" pitchFamily="49" charset="-120"/>
                 <a:ea typeface="華康細明體" panose="02020309000000000000" pitchFamily="49" charset="-120"/>
               </a:rPr>
-              <a:t>陳軍銓：整理資料</a:t>
-            </a:r>
-            <a:endParaRPr kumimoji="0" lang="en-US" altLang="zh-TW" sz="2800" b="0" i="0" u="none" strike="noStrike" kern="1200" cap="none" spc="0" normalizeH="0" baseline="0" noProof="0" dirty="0">
-              <a:ln>
-                <a:noFill/>
-              </a:ln>
-              <a:effectLst/>
-              <a:uLnTx/>
-              <a:uFillTx/>
-              <a:latin typeface="華康細明體" panose="02020309000000000000" pitchFamily="49" charset="-120"/>
-              <a:ea typeface="華康細明體" panose="02020309000000000000" pitchFamily="49" charset="-120"/>
-              <a:cs typeface="+mn-cs"/>
-            </a:endParaRPr>
-          </a:p>
-          <a:p>
-            <a:pPr lvl="0"/>
+              <a:t>陳軍銓</a:t>
+            </a:r>
+            <a:r>
+              <a:rPr lang="zh-TW" altLang="en-US" dirty="0" smtClean="0">
+                <a:latin typeface="華康細明體" panose="02020309000000000000" pitchFamily="49" charset="-120"/>
+                <a:ea typeface="華康細明體" panose="02020309000000000000" pitchFamily="49" charset="-120"/>
+              </a:rPr>
+              <a:t>：協助</a:t>
+            </a:r>
+            <a:r>
+              <a:rPr lang="en-US" altLang="zh-TW" dirty="0" smtClean="0">
+                <a:latin typeface="華康細明體" panose="02020309000000000000" pitchFamily="49" charset="-120"/>
+                <a:ea typeface="華康細明體" panose="02020309000000000000" pitchFamily="49" charset="-120"/>
+              </a:rPr>
+              <a:t>OTSM</a:t>
+            </a:r>
             <a:r>
               <a:rPr lang="zh-TW" altLang="en-US" dirty="0">
                 <a:latin typeface="華康細明體" panose="02020309000000000000" pitchFamily="49" charset="-120"/>
                 <a:ea typeface="華康細明體" panose="02020309000000000000" pitchFamily="49" charset="-120"/>
               </a:rPr>
-              <a:t>陳建霖：</a:t>
-            </a:r>
-            <a:r>
-              <a:rPr kumimoji="0" lang="zh-TW" altLang="en-US" sz="2800" b="0" i="0" u="none" strike="noStrike" kern="1200" cap="none" spc="0" normalizeH="0" baseline="0" noProof="0" dirty="0">
-                <a:ln>
-                  <a:noFill/>
-                </a:ln>
-                <a:effectLst/>
-                <a:uLnTx/>
-                <a:uFillTx/>
-                <a:latin typeface="華康細明體" panose="02020309000000000000" pitchFamily="49" charset="-120"/>
-                <a:ea typeface="華康細明體" panose="02020309000000000000" pitchFamily="49" charset="-120"/>
-                <a:cs typeface="+mn-cs"/>
-              </a:rPr>
-              <a:t>吉祥物</a:t>
-            </a:r>
-            <a:endParaRPr kumimoji="0" lang="en-US" altLang="zh-TW" sz="2800" b="0" i="0" u="none" strike="noStrike" kern="1200" cap="none" spc="0" normalizeH="0" baseline="0" noProof="0" dirty="0">
-              <a:ln>
-                <a:noFill/>
-              </a:ln>
-              <a:effectLst/>
-              <a:uLnTx/>
-              <a:uFillTx/>
-              <a:latin typeface="華康細明體" panose="02020309000000000000" pitchFamily="49" charset="-120"/>
-              <a:ea typeface="華康細明體" panose="02020309000000000000" pitchFamily="49" charset="-120"/>
-              <a:cs typeface="+mn-cs"/>
-            </a:endParaRPr>
-          </a:p>
-          <a:p>
-            <a:r>
-              <a:rPr lang="zh-TW" altLang="en-US" dirty="0">
-                <a:latin typeface="華康細明體" panose="02020309000000000000" pitchFamily="49" charset="-120"/>
-                <a:ea typeface="華康細明體" panose="02020309000000000000" pitchFamily="49" charset="-120"/>
-              </a:rPr>
-              <a:t>姚辰彥：整理資料</a:t>
-            </a:r>
-            <a:endParaRPr kumimoji="0" lang="en-US" altLang="zh-TW" sz="4000" b="0" i="0" u="none" strike="noStrike" kern="1200" cap="none" spc="0" normalizeH="0" baseline="0" noProof="0" dirty="0">
-              <a:ln>
-                <a:noFill/>
-              </a:ln>
-              <a:effectLst/>
-              <a:uLnTx/>
-              <a:uFillTx/>
-              <a:latin typeface="華康細明體" panose="02020309000000000000" pitchFamily="49" charset="-120"/>
-              <a:ea typeface="華康細明體" panose="02020309000000000000" pitchFamily="49" charset="-120"/>
-              <a:cs typeface="+mn-cs"/>
-            </a:endParaRPr>
-          </a:p>
-          <a:p>
-            <a:r>
-              <a:rPr lang="zh-TW" altLang="en-US" dirty="0">
-                <a:latin typeface="華康細明體" panose="02020309000000000000" pitchFamily="49" charset="-120"/>
-                <a:ea typeface="華康細明體" panose="02020309000000000000" pitchFamily="49" charset="-120"/>
-              </a:rPr>
-              <a:t>卓家葳：整理資料</a:t>
-            </a:r>
-            <a:endParaRPr lang="en-US" altLang="zh-TW" dirty="0">
+              <a:t>程式替換</a:t>
+            </a:r>
+            <a:endParaRPr lang="en-US" altLang="zh-TW" dirty="0" smtClean="0">
               <a:latin typeface="華康細明體" panose="02020309000000000000" pitchFamily="49" charset="-120"/>
               <a:ea typeface="華康細明體" panose="02020309000000000000" pitchFamily="49" charset="-120"/>
             </a:endParaRPr>
           </a:p>
           <a:p>
-            <a:pPr marL="0" marR="0" lvl="0" indent="0" algn="l" defTabSz="914400" rtl="0" eaLnBrk="1" fontAlgn="auto" latinLnBrk="0" hangingPunct="1">
-              <a:lnSpc>
-                <a:spcPct val="90000"/>
-              </a:lnSpc>
-              <a:spcBef>
-                <a:spcPts val="1000"/>
-              </a:spcBef>
-              <a:spcAft>
-                <a:spcPts val="0"/>
-              </a:spcAft>
-              <a:buClrTx/>
-              <a:buSzTx/>
-              <a:buFont typeface="Arial" panose="020B0604020202020204" pitchFamily="34" charset="0"/>
-              <a:buNone/>
-              <a:tabLst/>
-              <a:defRPr/>
-            </a:pPr>
+            <a:r>
+              <a:rPr lang="zh-TW" altLang="en-US" dirty="0" smtClean="0">
+                <a:latin typeface="華康細明體" panose="02020309000000000000" pitchFamily="49" charset="-120"/>
+                <a:ea typeface="華康細明體" panose="02020309000000000000" pitchFamily="49" charset="-120"/>
+              </a:rPr>
+              <a:t>陳建霖：資料收集</a:t>
+            </a:r>
+            <a:endParaRPr lang="en-US" altLang="zh-TW" dirty="0" smtClean="0">
+              <a:latin typeface="華康細明體" panose="02020309000000000000" pitchFamily="49" charset="-120"/>
+              <a:ea typeface="華康細明體" panose="02020309000000000000" pitchFamily="49" charset="-120"/>
+            </a:endParaRPr>
+          </a:p>
+          <a:p>
+            <a:r>
+              <a:rPr lang="zh-TW" altLang="en-US" dirty="0" smtClean="0">
+                <a:latin typeface="華康細明體" panose="02020309000000000000" pitchFamily="49" charset="-120"/>
+                <a:ea typeface="華康細明體" panose="02020309000000000000" pitchFamily="49" charset="-120"/>
+              </a:rPr>
+              <a:t>姚</a:t>
+            </a:r>
+            <a:r>
+              <a:rPr lang="zh-TW" altLang="en-US" dirty="0">
+                <a:latin typeface="華康細明體" panose="02020309000000000000" pitchFamily="49" charset="-120"/>
+                <a:ea typeface="華康細明體" panose="02020309000000000000" pitchFamily="49" charset="-120"/>
+              </a:rPr>
+              <a:t>辰彥</a:t>
+            </a:r>
+            <a:r>
+              <a:rPr lang="zh-TW" altLang="en-US" dirty="0" smtClean="0">
+                <a:latin typeface="華康細明體" panose="02020309000000000000" pitchFamily="49" charset="-120"/>
+                <a:ea typeface="華康細明體" panose="02020309000000000000" pitchFamily="49" charset="-120"/>
+              </a:rPr>
+              <a:t>：</a:t>
+            </a:r>
+            <a:r>
+              <a:rPr lang="zh-TW" altLang="en-US" dirty="0">
+                <a:latin typeface="華康細明體" panose="02020309000000000000" pitchFamily="49" charset="-120"/>
+                <a:ea typeface="華康細明體" panose="02020309000000000000" pitchFamily="49" charset="-120"/>
+              </a:rPr>
+              <a:t>製作</a:t>
+            </a:r>
+            <a:r>
+              <a:rPr lang="en-US" altLang="zh-TW" dirty="0" err="1">
+                <a:latin typeface="華康細明體" panose="02020309000000000000" pitchFamily="49" charset="-120"/>
+                <a:ea typeface="華康細明體" panose="02020309000000000000" pitchFamily="49" charset="-120"/>
+              </a:rPr>
+              <a:t>ppt</a:t>
+            </a:r>
+            <a:endParaRPr lang="en-US" altLang="zh-TW" dirty="0" smtClean="0">
+              <a:latin typeface="華康細明體" panose="02020309000000000000" pitchFamily="49" charset="-120"/>
+              <a:ea typeface="華康細明體" panose="02020309000000000000" pitchFamily="49" charset="-120"/>
+            </a:endParaRPr>
+          </a:p>
+          <a:p>
+            <a:r>
+              <a:rPr lang="zh-TW" altLang="en-US" dirty="0" smtClean="0">
+                <a:latin typeface="華康細明體" panose="02020309000000000000" pitchFamily="49" charset="-120"/>
+                <a:ea typeface="華康細明體" panose="02020309000000000000" pitchFamily="49" charset="-120"/>
+              </a:rPr>
+              <a:t>卓</a:t>
+            </a:r>
+            <a:r>
+              <a:rPr lang="zh-TW" altLang="en-US" dirty="0">
+                <a:latin typeface="華康細明體" panose="02020309000000000000" pitchFamily="49" charset="-120"/>
+                <a:ea typeface="華康細明體" panose="02020309000000000000" pitchFamily="49" charset="-120"/>
+              </a:rPr>
+              <a:t>家</a:t>
+            </a:r>
+            <a:r>
+              <a:rPr lang="zh-TW" altLang="en-US" dirty="0" smtClean="0">
+                <a:latin typeface="華康細明體" panose="02020309000000000000" pitchFamily="49" charset="-120"/>
+                <a:ea typeface="華康細明體" panose="02020309000000000000" pitchFamily="49" charset="-120"/>
+              </a:rPr>
+              <a:t>葳：處理</a:t>
+            </a:r>
+            <a:r>
+              <a:rPr lang="en-US" altLang="zh-TW" dirty="0" err="1" smtClean="0">
+                <a:latin typeface="華康細明體" panose="02020309000000000000" pitchFamily="49" charset="-120"/>
+                <a:ea typeface="華康細明體" panose="02020309000000000000" pitchFamily="49" charset="-120"/>
+              </a:rPr>
+              <a:t>Github</a:t>
+            </a:r>
+            <a:r>
+              <a:rPr lang="zh-TW" altLang="en-US" dirty="0" smtClean="0">
+                <a:latin typeface="華康細明體" panose="02020309000000000000" pitchFamily="49" charset="-120"/>
+                <a:ea typeface="華康細明體" panose="02020309000000000000" pitchFamily="49" charset="-120"/>
+              </a:rPr>
+              <a:t>問題</a:t>
+            </a:r>
             <a:endParaRPr kumimoji="0" lang="en-US" altLang="zh-TW" sz="2800" b="0" i="0" u="none" strike="noStrike" kern="1200" cap="none" spc="0" normalizeH="0" baseline="0" noProof="0" dirty="0">
               <a:ln>
                 <a:noFill/>
@@ -27196,10 +29243,22 @@
   <p:clrMapOvr>
     <a:masterClrMapping/>
   </p:clrMapOvr>
+  <mc:AlternateContent xmlns:mc="http://schemas.openxmlformats.org/markup-compatibility/2006">
+    <mc:Choice xmlns:p14="http://schemas.microsoft.com/office/powerpoint/2010/main" Requires="p14">
+      <p:transition spd="slow" p14:dur="2000">
+        <p:cut/>
+      </p:transition>
+    </mc:Choice>
+    <mc:Fallback>
+      <p:transition spd="slow">
+        <p:cut/>
+      </p:transition>
+    </mc:Fallback>
+  </mc:AlternateContent>
 </p:sld>
 </file>
 
-<file path=ppt/slides/slide15.xml><?xml version="1.0" encoding="utf-8"?>
+<file path=ppt/slides/slide18.xml><?xml version="1.0" encoding="utf-8"?>
 <p:sld xmlns:a="http://schemas.openxmlformats.org/drawingml/2006/main" xmlns:r="http://schemas.openxmlformats.org/officeDocument/2006/relationships" xmlns:p="http://schemas.openxmlformats.org/presentationml/2006/main">
   <p:cSld>
     <p:spTree>
@@ -27232,7 +29291,12 @@
             <p:ph type="title"/>
           </p:nvPr>
         </p:nvSpPr>
-        <p:spPr/>
+        <p:spPr>
+          <a:xfrm>
+            <a:off x="1484561" y="852710"/>
+            <a:ext cx="8911687" cy="1280890"/>
+          </a:xfrm>
+        </p:spPr>
         <p:txBody>
           <a:bodyPr/>
           <a:lstStyle/>
@@ -27266,6 +29330,96 @@
           <a:bodyPr/>
           <a:lstStyle/>
           <a:p>
+            <a:pPr lvl="0"/>
+            <a:r>
+              <a:rPr lang="en-US" altLang="zh-TW" dirty="0" smtClean="0"/>
+              <a:t>[1]</a:t>
+            </a:r>
+            <a:r>
+              <a:rPr lang="zh-TW" altLang="zh-TW" dirty="0" smtClean="0"/>
+              <a:t>軟體無線電</a:t>
+            </a:r>
+            <a:r>
+              <a:rPr lang="en-US" altLang="zh-TW" dirty="0" smtClean="0"/>
+              <a:t>wiki</a:t>
+            </a:r>
+            <a:r>
+              <a:rPr lang="zh-TW" altLang="zh-TW" dirty="0" smtClean="0"/>
+              <a:t>：</a:t>
+            </a:r>
+            <a:r>
+              <a:rPr lang="en-US" altLang="zh-TW" dirty="0" smtClean="0">
+                <a:hlinkClick r:id="rId2"/>
+              </a:rPr>
+              <a:t>https</a:t>
+            </a:r>
+            <a:r>
+              <a:rPr lang="en-US" altLang="zh-TW" dirty="0">
+                <a:hlinkClick r:id="rId2"/>
+              </a:rPr>
+              <a:t>://zh.wikipedia.org/zh-tw/%E8%BD%AF%E4%BB%B6%E6%97%A0%E7%BA%BF%E7%94%B5</a:t>
+            </a:r>
+            <a:endParaRPr lang="en-US" altLang="zh-TW" dirty="0" smtClean="0"/>
+          </a:p>
+          <a:p>
+            <a:r>
+              <a:rPr lang="en-US" altLang="zh-TW" spc="195" dirty="0" smtClean="0">
+                <a:latin typeface="DM Sans"/>
+                <a:ea typeface="DM Sans"/>
+              </a:rPr>
+              <a:t>[2]Pluto :</a:t>
+            </a:r>
+            <a:r>
+              <a:rPr lang="en-US" altLang="zh-TW" spc="195" dirty="0" smtClean="0">
+                <a:latin typeface="DM Sans"/>
+                <a:ea typeface="DM Sans"/>
+                <a:hlinkClick r:id="rId3"/>
+              </a:rPr>
+              <a:t>https</a:t>
+            </a:r>
+            <a:r>
+              <a:rPr lang="en-US" altLang="zh-TW" spc="195" dirty="0">
+                <a:latin typeface="DM Sans"/>
+                <a:ea typeface="DM Sans"/>
+                <a:hlinkClick r:id="rId3"/>
+              </a:rPr>
+              <a:t>://www.mouser.tw/images/marketingid/2017/img/175161332_Analog_Devices_ADALM-PLUTOActiveLearningModule.png?v=072922.0344</a:t>
+            </a:r>
+            <a:endParaRPr lang="en-US" altLang="zh-TW" spc="195" dirty="0">
+              <a:latin typeface="DM Sans"/>
+              <a:ea typeface="DM Sans"/>
+            </a:endParaRPr>
+          </a:p>
+          <a:p>
+            <a:pPr lvl="0"/>
+            <a:r>
+              <a:rPr lang="en-US" altLang="zh-TW" dirty="0" smtClean="0"/>
+              <a:t>[3]</a:t>
+            </a:r>
+            <a:r>
+              <a:rPr lang="en-US" altLang="zh-TW" dirty="0"/>
+              <a:t> </a:t>
+            </a:r>
+            <a:r>
+              <a:rPr lang="en-US" altLang="zh-TW" dirty="0" err="1"/>
+              <a:t>Matlab</a:t>
+            </a:r>
+            <a:r>
+              <a:rPr lang="zh-TW" altLang="zh-TW" dirty="0"/>
+              <a:t>簡介：</a:t>
+            </a:r>
+            <a:r>
+              <a:rPr lang="en-US" altLang="zh-TW" u="sng" dirty="0">
+                <a:hlinkClick r:id="rId4"/>
+              </a:rPr>
+              <a:t>https://zh.wikipedia.org/zh-tw/MATLAB</a:t>
+            </a:r>
+            <a:endParaRPr lang="zh-TW" altLang="zh-TW" dirty="0"/>
+          </a:p>
+          <a:p>
+            <a:endParaRPr lang="zh-TW" altLang="zh-TW" dirty="0" smtClean="0"/>
+          </a:p>
+          <a:p>
             <a:endParaRPr lang="zh-TW" altLang="en-US" dirty="0"/>
           </a:p>
         </p:txBody>
@@ -27280,10 +29434,22 @@
   <p:clrMapOvr>
     <a:masterClrMapping/>
   </p:clrMapOvr>
+  <mc:AlternateContent xmlns:mc="http://schemas.openxmlformats.org/markup-compatibility/2006">
+    <mc:Choice xmlns:p14="http://schemas.microsoft.com/office/powerpoint/2010/main" Requires="p14">
+      <p:transition spd="slow" p14:dur="2000">
+        <p:cut/>
+      </p:transition>
+    </mc:Choice>
+    <mc:Fallback>
+      <p:transition spd="slow">
+        <p:cut/>
+      </p:transition>
+    </mc:Fallback>
+  </mc:AlternateContent>
 </p:sld>
 </file>
 
-<file path=ppt/slides/slide16.xml><?xml version="1.0" encoding="utf-8"?>
+<file path=ppt/slides/slide19.xml><?xml version="1.0" encoding="utf-8"?>
 <p:sld xmlns:a="http://schemas.openxmlformats.org/drawingml/2006/main" xmlns:r="http://schemas.openxmlformats.org/officeDocument/2006/relationships" xmlns:p="http://schemas.openxmlformats.org/presentationml/2006/main">
   <p:cSld>
     <p:spTree>
@@ -27300,39 +29466,6 @@
           <a:chExt cx="0" cy="0"/>
         </a:xfrm>
       </p:grpSpPr>
-      <p:sp>
-        <p:nvSpPr>
-          <p:cNvPr id="2" name="標題 1">
-            <a:extLst>
-              <a:ext uri="{FF2B5EF4-FFF2-40B4-BE49-F238E27FC236}">
-                <a16:creationId xmlns:a16="http://schemas.microsoft.com/office/drawing/2014/main" id="{C35C608C-784B-4B0E-8728-FC6EF91BC996}"/>
-              </a:ext>
-            </a:extLst>
-          </p:cNvPr>
-          <p:cNvSpPr>
-            <a:spLocks noGrp="1"/>
-          </p:cNvSpPr>
-          <p:nvPr>
-            <p:ph type="title"/>
-          </p:nvPr>
-        </p:nvSpPr>
-        <p:spPr/>
-        <p:txBody>
-          <a:bodyPr/>
-          <a:lstStyle/>
-          <a:p>
-            <a:pPr algn="ctr"/>
-            <a:r>
-              <a:rPr lang="zh-TW" altLang="en-US" dirty="0">
-                <a:solidFill>
-                  <a:schemeClr val="tx1"/>
-                </a:solidFill>
-              </a:rPr>
-              <a:t>參考文獻</a:t>
-            </a:r>
-          </a:p>
-        </p:txBody>
-      </p:sp>
       <p:sp>
         <p:nvSpPr>
           <p:cNvPr id="3" name="內容版面配置區 2">
@@ -27354,7 +29487,41 @@
           <a:bodyPr/>
           <a:lstStyle/>
           <a:p>
-            <a:endParaRPr lang="zh-TW" altLang="en-US"/>
+            <a:endParaRPr lang="zh-TW" altLang="en-US" dirty="0"/>
+          </a:p>
+        </p:txBody>
+      </p:sp>
+      <p:sp>
+        <p:nvSpPr>
+          <p:cNvPr id="5" name="標題 1">
+            <a:extLst>
+              <a:ext uri="{FF2B5EF4-FFF2-40B4-BE49-F238E27FC236}">
+                <a16:creationId xmlns:a16="http://schemas.microsoft.com/office/drawing/2014/main" id="{7519CD9A-B76F-4074-94C2-35AF2002A6BC}"/>
+              </a:ext>
+            </a:extLst>
+          </p:cNvPr>
+          <p:cNvSpPr>
+            <a:spLocks noGrp="1"/>
+          </p:cNvSpPr>
+          <p:nvPr>
+            <p:ph type="title"/>
+          </p:nvPr>
+        </p:nvSpPr>
+        <p:spPr>
+          <a:xfrm>
+            <a:off x="1484561" y="852710"/>
+            <a:ext cx="8911687" cy="1280890"/>
+          </a:xfrm>
+        </p:spPr>
+        <p:txBody>
+          <a:bodyPr/>
+          <a:lstStyle/>
+          <a:p>
+            <a:pPr algn="ctr"/>
+            <a:r>
+              <a:rPr lang="zh-TW" altLang="en-US" dirty="0"/>
+              <a:t>參考文獻</a:t>
+            </a:r>
           </a:p>
         </p:txBody>
       </p:sp>
@@ -27368,89 +29535,18 @@
   <p:clrMapOvr>
     <a:masterClrMapping/>
   </p:clrMapOvr>
-</p:sld>
-</file>
-
-<file path=ppt/slides/slide17.xml><?xml version="1.0" encoding="utf-8"?>
-<p:sld xmlns:a="http://schemas.openxmlformats.org/drawingml/2006/main" xmlns:r="http://schemas.openxmlformats.org/officeDocument/2006/relationships" xmlns:p="http://schemas.openxmlformats.org/presentationml/2006/main">
-  <p:cSld>
-    <p:spTree>
-      <p:nvGrpSpPr>
-        <p:cNvPr id="1" name=""/>
-        <p:cNvGrpSpPr/>
-        <p:nvPr/>
-      </p:nvGrpSpPr>
-      <p:grpSpPr>
-        <a:xfrm>
-          <a:off x="0" y="0"/>
-          <a:ext cx="0" cy="0"/>
-          <a:chOff x="0" y="0"/>
-          <a:chExt cx="0" cy="0"/>
-        </a:xfrm>
-      </p:grpSpPr>
-      <p:sp>
-        <p:nvSpPr>
-          <p:cNvPr id="2" name="標題 1">
-            <a:extLst>
-              <a:ext uri="{FF2B5EF4-FFF2-40B4-BE49-F238E27FC236}">
-                <a16:creationId xmlns:a16="http://schemas.microsoft.com/office/drawing/2014/main" id="{14069461-CC19-42E6-9E3E-706E14367AB2}"/>
-              </a:ext>
-            </a:extLst>
-          </p:cNvPr>
-          <p:cNvSpPr>
-            <a:spLocks noGrp="1"/>
-          </p:cNvSpPr>
-          <p:nvPr>
-            <p:ph type="title"/>
-          </p:nvPr>
-        </p:nvSpPr>
-        <p:spPr/>
-        <p:txBody>
-          <a:bodyPr/>
-          <a:lstStyle/>
-          <a:p>
-            <a:r>
-              <a:rPr lang="zh-TW" altLang="en-US" dirty="0"/>
-              <a:t>提問環節</a:t>
-            </a:r>
-          </a:p>
-        </p:txBody>
-      </p:sp>
-      <p:sp>
-        <p:nvSpPr>
-          <p:cNvPr id="3" name="內容版面配置區 2">
-            <a:extLst>
-              <a:ext uri="{FF2B5EF4-FFF2-40B4-BE49-F238E27FC236}">
-                <a16:creationId xmlns:a16="http://schemas.microsoft.com/office/drawing/2014/main" id="{75E3D2E2-5B0B-4CDD-9516-CD2B42B5609F}"/>
-              </a:ext>
-            </a:extLst>
-          </p:cNvPr>
-          <p:cNvSpPr>
-            <a:spLocks noGrp="1"/>
-          </p:cNvSpPr>
-          <p:nvPr>
-            <p:ph idx="1"/>
-          </p:nvPr>
-        </p:nvSpPr>
-        <p:spPr/>
-        <p:txBody>
-          <a:bodyPr/>
-          <a:lstStyle/>
-          <a:p>
-            <a:endParaRPr lang="zh-TW" altLang="en-US" dirty="0"/>
-          </a:p>
-        </p:txBody>
-      </p:sp>
-    </p:spTree>
-    <p:extLst>
-      <p:ext uri="{BB962C8B-B14F-4D97-AF65-F5344CB8AC3E}">
-        <p14:creationId xmlns:p14="http://schemas.microsoft.com/office/powerpoint/2010/main" val="3451663621"/>
-      </p:ext>
-    </p:extLst>
-  </p:cSld>
-  <p:clrMapOvr>
-    <a:masterClrMapping/>
-  </p:clrMapOvr>
+  <mc:AlternateContent xmlns:mc="http://schemas.openxmlformats.org/markup-compatibility/2006">
+    <mc:Choice xmlns:p14="http://schemas.microsoft.com/office/powerpoint/2010/main" Requires="p14">
+      <p:transition spd="slow" p14:dur="2000">
+        <p:cut/>
+      </p:transition>
+    </mc:Choice>
+    <mc:Fallback>
+      <p:transition spd="slow">
+        <p:cut/>
+      </p:transition>
+    </mc:Fallback>
+  </mc:AlternateContent>
 </p:sld>
 </file>
 
@@ -28253,6 +30349,113 @@
   <p:clrMapOvr>
     <a:masterClrMapping/>
   </p:clrMapOvr>
+  <mc:AlternateContent xmlns:mc="http://schemas.openxmlformats.org/markup-compatibility/2006">
+    <mc:Choice xmlns:p14="http://schemas.microsoft.com/office/powerpoint/2010/main" Requires="p14">
+      <p:transition spd="slow" p14:dur="2000">
+        <p:cut/>
+      </p:transition>
+    </mc:Choice>
+    <mc:Fallback>
+      <p:transition spd="slow">
+        <p:cut/>
+      </p:transition>
+    </mc:Fallback>
+  </mc:AlternateContent>
+</p:sld>
+</file>
+
+<file path=ppt/slides/slide20.xml><?xml version="1.0" encoding="utf-8"?>
+<p:sld xmlns:a="http://schemas.openxmlformats.org/drawingml/2006/main" xmlns:r="http://schemas.openxmlformats.org/officeDocument/2006/relationships" xmlns:p="http://schemas.openxmlformats.org/presentationml/2006/main">
+  <p:cSld>
+    <p:spTree>
+      <p:nvGrpSpPr>
+        <p:cNvPr id="1" name=""/>
+        <p:cNvGrpSpPr/>
+        <p:nvPr/>
+      </p:nvGrpSpPr>
+      <p:grpSpPr>
+        <a:xfrm>
+          <a:off x="0" y="0"/>
+          <a:ext cx="0" cy="0"/>
+          <a:chOff x="0" y="0"/>
+          <a:chExt cx="0" cy="0"/>
+        </a:xfrm>
+      </p:grpSpPr>
+      <p:sp>
+        <p:nvSpPr>
+          <p:cNvPr id="2" name="標題 1">
+            <a:extLst>
+              <a:ext uri="{FF2B5EF4-FFF2-40B4-BE49-F238E27FC236}">
+                <a16:creationId xmlns:a16="http://schemas.microsoft.com/office/drawing/2014/main" id="{14069461-CC19-42E6-9E3E-706E14367AB2}"/>
+              </a:ext>
+            </a:extLst>
+          </p:cNvPr>
+          <p:cNvSpPr>
+            <a:spLocks noGrp="1"/>
+          </p:cNvSpPr>
+          <p:nvPr>
+            <p:ph type="title"/>
+          </p:nvPr>
+        </p:nvSpPr>
+        <p:spPr/>
+        <p:txBody>
+          <a:bodyPr/>
+          <a:lstStyle/>
+          <a:p>
+            <a:r>
+              <a:rPr lang="zh-TW" altLang="en-US" dirty="0"/>
+              <a:t>提問環節</a:t>
+            </a:r>
+          </a:p>
+        </p:txBody>
+      </p:sp>
+      <p:sp>
+        <p:nvSpPr>
+          <p:cNvPr id="3" name="內容版面配置區 2">
+            <a:extLst>
+              <a:ext uri="{FF2B5EF4-FFF2-40B4-BE49-F238E27FC236}">
+                <a16:creationId xmlns:a16="http://schemas.microsoft.com/office/drawing/2014/main" id="{75E3D2E2-5B0B-4CDD-9516-CD2B42B5609F}"/>
+              </a:ext>
+            </a:extLst>
+          </p:cNvPr>
+          <p:cNvSpPr>
+            <a:spLocks noGrp="1"/>
+          </p:cNvSpPr>
+          <p:nvPr>
+            <p:ph idx="1"/>
+          </p:nvPr>
+        </p:nvSpPr>
+        <p:spPr/>
+        <p:txBody>
+          <a:bodyPr/>
+          <a:lstStyle/>
+          <a:p>
+            <a:endParaRPr lang="zh-TW" altLang="en-US" dirty="0"/>
+          </a:p>
+        </p:txBody>
+      </p:sp>
+    </p:spTree>
+    <p:extLst>
+      <p:ext uri="{BB962C8B-B14F-4D97-AF65-F5344CB8AC3E}">
+        <p14:creationId xmlns:p14="http://schemas.microsoft.com/office/powerpoint/2010/main" val="3451663621"/>
+      </p:ext>
+    </p:extLst>
+  </p:cSld>
+  <p:clrMapOvr>
+    <a:masterClrMapping/>
+  </p:clrMapOvr>
+  <mc:AlternateContent xmlns:mc="http://schemas.openxmlformats.org/markup-compatibility/2006">
+    <mc:Choice xmlns:p14="http://schemas.microsoft.com/office/powerpoint/2010/main" Requires="p14">
+      <p:transition spd="slow" p14:dur="2000">
+        <p:cut/>
+      </p:transition>
+    </mc:Choice>
+    <mc:Fallback>
+      <p:transition spd="slow">
+        <p:cut/>
+      </p:transition>
+    </mc:Fallback>
+  </mc:AlternateContent>
 </p:sld>
 </file>
 
@@ -28379,6 +30582,18 @@
   <p:clrMapOvr>
     <a:masterClrMapping/>
   </p:clrMapOvr>
+  <mc:AlternateContent xmlns:mc="http://schemas.openxmlformats.org/markup-compatibility/2006">
+    <mc:Choice xmlns:p14="http://schemas.microsoft.com/office/powerpoint/2010/main" Requires="p14">
+      <p:transition spd="slow" p14:dur="2000">
+        <p:cut/>
+      </p:transition>
+    </mc:Choice>
+    <mc:Fallback>
+      <p:transition spd="slow">
+        <p:cut/>
+      </p:transition>
+    </mc:Fallback>
+  </mc:AlternateContent>
 </p:sld>
 </file>
 
@@ -28522,6 +30737,18 @@
   <p:clrMapOvr>
     <a:masterClrMapping/>
   </p:clrMapOvr>
+  <mc:AlternateContent xmlns:mc="http://schemas.openxmlformats.org/markup-compatibility/2006">
+    <mc:Choice xmlns:p14="http://schemas.microsoft.com/office/powerpoint/2010/main" Requires="p14">
+      <p:transition spd="slow" p14:dur="2000">
+        <p:cut/>
+      </p:transition>
+    </mc:Choice>
+    <mc:Fallback>
+      <p:transition spd="slow">
+        <p:cut/>
+      </p:transition>
+    </mc:Fallback>
+  </mc:AlternateContent>
 </p:sld>
 </file>
 
@@ -28593,8 +30820,8 @@
         </p:nvSpPr>
         <p:spPr>
           <a:xfrm>
-            <a:off x="406703" y="1880937"/>
-            <a:ext cx="8465834" cy="3581858"/>
+            <a:off x="406703" y="1880936"/>
+            <a:ext cx="8465834" cy="3846764"/>
           </a:xfrm>
         </p:spPr>
         <p:txBody>
@@ -28651,11 +30878,27 @@
             </a:r>
             <a:r>
               <a:rPr lang="en-US" altLang="zh-TW" sz="2800" dirty="0"/>
-              <a:t>Orthogonal Time-Sequency Modulation</a:t>
+              <a:t>Orthogonal Time-</a:t>
+            </a:r>
+            <a:r>
+              <a:rPr lang="en-US" altLang="zh-TW" sz="2800" dirty="0" err="1"/>
+              <a:t>Sequency</a:t>
+            </a:r>
+            <a:r>
+              <a:rPr lang="en-US" altLang="zh-TW" sz="2800" dirty="0"/>
+              <a:t> </a:t>
+            </a:r>
+            <a:r>
+              <a:rPr lang="en-US" altLang="zh-TW" sz="2800" dirty="0" smtClean="0"/>
+              <a:t>Multiplexing</a:t>
+            </a:r>
+            <a:r>
+              <a:rPr lang="zh-TW" altLang="en-US" sz="2800" dirty="0" smtClean="0"/>
+              <a:t>，</a:t>
             </a:r>
             <a:r>
               <a:rPr lang="zh-TW" altLang="en-US" sz="2800" dirty="0"/>
-              <a:t>，正交時序複用調製</a:t>
+              <a:t>正交時序複用調製</a:t>
             </a:r>
             <a:r>
               <a:rPr lang="zh-TW" altLang="zh-TW" sz="2800" dirty="0"/>
@@ -28686,7 +30929,7 @@
           <p:nvPr/>
         </p:nvPicPr>
         <p:blipFill>
-          <a:blip r:embed="rId2" cstate="print">
+          <a:blip r:embed="rId3" cstate="print">
             <a:extLst>
               <a:ext uri="{28A0092B-C50C-407E-A947-70E740481C1C}">
                 <a14:useLocalDpi xmlns:a14="http://schemas.microsoft.com/office/drawing/2010/main" val="0"/>
@@ -28700,7 +30943,7 @@
         </p:blipFill>
         <p:spPr bwMode="auto">
           <a:xfrm>
-            <a:off x="9244478" y="1395205"/>
+            <a:off x="9348566" y="1880936"/>
             <a:ext cx="2136941" cy="1552844"/>
           </a:xfrm>
           <a:prstGeom prst="rect">
@@ -28722,7 +30965,7 @@
           <p:nvPr/>
         </p:nvPicPr>
         <p:blipFill rotWithShape="1">
-          <a:blip r:embed="rId3" cstate="print">
+          <a:blip r:embed="rId4" cstate="hqprint">
             <a:extLst>
               <a:ext uri="{28A0092B-C50C-407E-A947-70E740481C1C}">
                 <a14:useLocalDpi xmlns:a14="http://schemas.microsoft.com/office/drawing/2010/main" val="0"/>
@@ -28734,7 +30977,7 @@
         </p:blipFill>
         <p:spPr bwMode="auto">
           <a:xfrm>
-            <a:off x="8872537" y="3909952"/>
+            <a:off x="8872537" y="4175128"/>
             <a:ext cx="3088999" cy="868653"/>
           </a:xfrm>
           <a:prstGeom prst="rect">
@@ -28751,6 +30994,84 @@
           </a:extLst>
         </p:spPr>
       </p:pic>
+      <p:sp>
+        <p:nvSpPr>
+          <p:cNvPr id="3" name="文字方塊 2"/>
+          <p:cNvSpPr txBox="1"/>
+          <p:nvPr/>
+        </p:nvSpPr>
+        <p:spPr>
+          <a:xfrm>
+            <a:off x="9990433" y="3420592"/>
+            <a:ext cx="1399614" cy="338554"/>
+          </a:xfrm>
+          <a:prstGeom prst="rect">
+            <a:avLst/>
+          </a:prstGeom>
+          <a:noFill/>
+        </p:spPr>
+        <p:txBody>
+          <a:bodyPr wrap="none" rtlCol="0">
+            <a:spAutoFit/>
+          </a:bodyPr>
+          <a:lstStyle/>
+          <a:p>
+            <a:r>
+              <a:rPr lang="en-US" altLang="zh-TW" sz="1600" dirty="0">
+                <a:latin typeface="+mn-ea"/>
+              </a:rPr>
+              <a:t>Pluto SDR[1</a:t>
+            </a:r>
+            <a:r>
+              <a:rPr lang="en-US" altLang="zh-TW" sz="1600" dirty="0" smtClean="0"/>
+              <a:t>]</a:t>
+            </a:r>
+          </a:p>
+        </p:txBody>
+      </p:sp>
+      <p:sp>
+        <p:nvSpPr>
+          <p:cNvPr id="7" name="文字方塊 6"/>
+          <p:cNvSpPr txBox="1"/>
+          <p:nvPr/>
+        </p:nvSpPr>
+        <p:spPr>
+          <a:xfrm>
+            <a:off x="10129029" y="4986625"/>
+            <a:ext cx="1122423" cy="369332"/>
+          </a:xfrm>
+          <a:prstGeom prst="rect">
+            <a:avLst/>
+          </a:prstGeom>
+          <a:noFill/>
+        </p:spPr>
+        <p:txBody>
+          <a:bodyPr wrap="none" rtlCol="0">
+            <a:spAutoFit/>
+          </a:bodyPr>
+          <a:lstStyle/>
+          <a:p>
+            <a:r>
+              <a:rPr lang="en-US" altLang="zh-TW" sz="1600" dirty="0" err="1">
+                <a:latin typeface="+mn-ea"/>
+              </a:rPr>
+              <a:t>Matlab</a:t>
+            </a:r>
+            <a:r>
+              <a:rPr lang="en-US" altLang="zh-TW" sz="1600" dirty="0">
+                <a:latin typeface="+mn-ea"/>
+              </a:rPr>
+              <a:t>[2</a:t>
+            </a:r>
+            <a:r>
+              <a:rPr lang="en-US" altLang="zh-TW" dirty="0">
+                <a:latin typeface="+mn-ea"/>
+              </a:rPr>
+              <a:t>]</a:t>
+            </a:r>
+          </a:p>
+        </p:txBody>
+      </p:sp>
     </p:spTree>
     <p:extLst>
       <p:ext uri="{BB962C8B-B14F-4D97-AF65-F5344CB8AC3E}">
@@ -28761,6 +31082,18 @@
   <p:clrMapOvr>
     <a:masterClrMapping/>
   </p:clrMapOvr>
+  <mc:AlternateContent xmlns:mc="http://schemas.openxmlformats.org/markup-compatibility/2006">
+    <mc:Choice xmlns:p14="http://schemas.microsoft.com/office/powerpoint/2010/main" Requires="p14">
+      <p:transition spd="slow" p14:dur="2000">
+        <p:cut/>
+      </p:transition>
+    </mc:Choice>
+    <mc:Fallback>
+      <p:transition spd="slow">
+        <p:cut/>
+      </p:transition>
+    </mc:Fallback>
+  </mc:AlternateContent>
 </p:sld>
 </file>
 
@@ -28809,6 +31142,402 @@
           <a:p>
             <a:r>
               <a:rPr lang="zh-TW" altLang="en-US" dirty="0"/>
+              <a:t>基礎概念</a:t>
+            </a:r>
+          </a:p>
+        </p:txBody>
+      </p:sp>
+      <p:sp>
+        <p:nvSpPr>
+          <p:cNvPr id="6" name="內容版面配置區 2">
+            <a:extLst>
+              <a:ext uri="{FF2B5EF4-FFF2-40B4-BE49-F238E27FC236}">
+                <a16:creationId xmlns:a16="http://schemas.microsoft.com/office/drawing/2014/main" id="{E5A353AF-894E-C54E-F428-DDFAD7225883}"/>
+              </a:ext>
+            </a:extLst>
+          </p:cNvPr>
+          <p:cNvSpPr>
+            <a:spLocks noGrp="1"/>
+          </p:cNvSpPr>
+          <p:nvPr>
+            <p:ph idx="1"/>
+          </p:nvPr>
+        </p:nvSpPr>
+        <p:spPr>
+          <a:xfrm>
+            <a:off x="882355" y="2576513"/>
+            <a:ext cx="7301689" cy="2581336"/>
+          </a:xfrm>
+        </p:spPr>
+        <p:txBody>
+          <a:bodyPr>
+            <a:normAutofit/>
+          </a:bodyPr>
+          <a:lstStyle/>
+          <a:p>
+            <a:r>
+              <a:rPr lang="en-US" altLang="zh-TW" sz="2600" dirty="0"/>
+              <a:t>QAM</a:t>
+            </a:r>
+            <a:r>
+              <a:rPr lang="zh-TW" altLang="en-US" sz="2600" dirty="0"/>
+              <a:t>（</a:t>
+            </a:r>
+            <a:r>
+              <a:rPr lang="en-US" altLang="zh-TW" sz="2600" dirty="0"/>
+              <a:t>Quadrature Amplitude Modulation</a:t>
+            </a:r>
+            <a:r>
+              <a:rPr lang="zh-TW" altLang="en-US" sz="2600" dirty="0"/>
+              <a:t>）是一種數位調變技術，常用於數位通訊系統中，特別是在有限頻寬的載波上進行資料傳輸。 </a:t>
+            </a:r>
+            <a:r>
+              <a:rPr lang="en-US" altLang="zh-TW" sz="2600" dirty="0"/>
+              <a:t>QAM</a:t>
+            </a:r>
+            <a:r>
+              <a:rPr lang="zh-TW" altLang="en-US" sz="2600" dirty="0"/>
+              <a:t>透過同時變化正弦波的振幅和相位來傳輸數位訊號。</a:t>
+            </a:r>
+          </a:p>
+        </p:txBody>
+      </p:sp>
+      <p:sp>
+        <p:nvSpPr>
+          <p:cNvPr id="8" name="Rectangle 1"/>
+          <p:cNvSpPr>
+            <a:spLocks noChangeArrowheads="1"/>
+          </p:cNvSpPr>
+          <p:nvPr/>
+        </p:nvSpPr>
+        <p:spPr bwMode="auto">
+          <a:xfrm>
+            <a:off x="0" y="0"/>
+            <a:ext cx="12192000" cy="0"/>
+          </a:xfrm>
+          <a:prstGeom prst="rect">
+            <a:avLst/>
+          </a:prstGeom>
+          <a:noFill/>
+          <a:ln>
+            <a:noFill/>
+          </a:ln>
+          <a:effectLst/>
+          <a:extLst>
+            <a:ext uri="{909E8E84-426E-40DD-AFC4-6F175D3DCCD1}">
+              <a14:hiddenFill xmlns:a14="http://schemas.microsoft.com/office/drawing/2010/main">
+                <a:solidFill>
+                  <a:schemeClr val="accent1"/>
+                </a:solidFill>
+              </a14:hiddenFill>
+            </a:ext>
+            <a:ext uri="{91240B29-F687-4F45-9708-019B960494DF}">
+              <a14:hiddenLine xmlns:a14="http://schemas.microsoft.com/office/drawing/2010/main" w="9525">
+                <a:solidFill>
+                  <a:schemeClr val="tx1"/>
+                </a:solidFill>
+                <a:miter lim="800000"/>
+                <a:headEnd/>
+                <a:tailEnd/>
+              </a14:hiddenLine>
+            </a:ext>
+            <a:ext uri="{AF507438-7753-43E0-B8FC-AC1667EBCBE1}">
+              <a14:hiddenEffects xmlns:a14="http://schemas.microsoft.com/office/drawing/2010/main">
+                <a:effectLst>
+                  <a:outerShdw dist="35921" dir="2700000" algn="ctr" rotWithShape="0">
+                    <a:schemeClr val="bg2"/>
+                  </a:outerShdw>
+                </a:effectLst>
+              </a14:hiddenEffects>
+            </a:ext>
+          </a:extLst>
+        </p:spPr>
+        <p:txBody>
+          <a:bodyPr vert="horz" wrap="none" lIns="91440" tIns="45720" rIns="91440" bIns="45720" numCol="1" anchor="ctr" anchorCtr="0" compatLnSpc="1">
+            <a:prstTxWarp prst="textNoShape">
+              <a:avLst/>
+            </a:prstTxWarp>
+            <a:spAutoFit/>
+          </a:bodyPr>
+          <a:lstStyle/>
+          <a:p>
+            <a:endParaRPr lang="zh-TW" altLang="en-US"/>
+          </a:p>
+        </p:txBody>
+      </p:sp>
+      <p:sp>
+        <p:nvSpPr>
+          <p:cNvPr id="9" name="Rectangle 2"/>
+          <p:cNvSpPr>
+            <a:spLocks noChangeArrowheads="1"/>
+          </p:cNvSpPr>
+          <p:nvPr/>
+        </p:nvSpPr>
+        <p:spPr bwMode="auto">
+          <a:xfrm>
+            <a:off x="152400" y="152400"/>
+            <a:ext cx="12192000" cy="0"/>
+          </a:xfrm>
+          <a:prstGeom prst="rect">
+            <a:avLst/>
+          </a:prstGeom>
+          <a:noFill/>
+          <a:ln>
+            <a:noFill/>
+          </a:ln>
+          <a:effectLst/>
+          <a:extLst>
+            <a:ext uri="{909E8E84-426E-40DD-AFC4-6F175D3DCCD1}">
+              <a14:hiddenFill xmlns:a14="http://schemas.microsoft.com/office/drawing/2010/main">
+                <a:solidFill>
+                  <a:schemeClr val="accent1"/>
+                </a:solidFill>
+              </a14:hiddenFill>
+            </a:ext>
+            <a:ext uri="{91240B29-F687-4F45-9708-019B960494DF}">
+              <a14:hiddenLine xmlns:a14="http://schemas.microsoft.com/office/drawing/2010/main" w="9525">
+                <a:solidFill>
+                  <a:schemeClr val="tx1"/>
+                </a:solidFill>
+                <a:miter lim="800000"/>
+                <a:headEnd/>
+                <a:tailEnd/>
+              </a14:hiddenLine>
+            </a:ext>
+            <a:ext uri="{AF507438-7753-43E0-B8FC-AC1667EBCBE1}">
+              <a14:hiddenEffects xmlns:a14="http://schemas.microsoft.com/office/drawing/2010/main">
+                <a:effectLst>
+                  <a:outerShdw dist="35921" dir="2700000" algn="ctr" rotWithShape="0">
+                    <a:schemeClr val="bg2"/>
+                  </a:outerShdw>
+                </a:effectLst>
+              </a14:hiddenEffects>
+            </a:ext>
+          </a:extLst>
+        </p:spPr>
+        <p:txBody>
+          <a:bodyPr vert="horz" wrap="none" lIns="91440" tIns="45720" rIns="91440" bIns="45720" numCol="1" anchor="ctr" anchorCtr="0" compatLnSpc="1">
+            <a:prstTxWarp prst="textNoShape">
+              <a:avLst/>
+            </a:prstTxWarp>
+            <a:spAutoFit/>
+          </a:bodyPr>
+          <a:lstStyle/>
+          <a:p>
+            <a:endParaRPr lang="zh-TW" altLang="en-US"/>
+          </a:p>
+        </p:txBody>
+      </p:sp>
+      <p:pic>
+        <p:nvPicPr>
+          <p:cNvPr id="10" name="圖片 9">
+            <a:hlinkClick r:id="rId3"/>
+          </p:cNvPr>
+          <p:cNvPicPr>
+            <a:picLocks noChangeAspect="1"/>
+          </p:cNvPicPr>
+          <p:nvPr/>
+        </p:nvPicPr>
+        <p:blipFill>
+          <a:blip r:embed="rId4">
+            <a:extLst>
+              <a:ext uri="{28A0092B-C50C-407E-A947-70E740481C1C}">
+                <a14:useLocalDpi xmlns:a14="http://schemas.microsoft.com/office/drawing/2010/main" val="0"/>
+              </a:ext>
+            </a:extLst>
+          </a:blip>
+          <a:stretch>
+            <a:fillRect/>
+          </a:stretch>
+        </p:blipFill>
+        <p:spPr>
+          <a:xfrm>
+            <a:off x="8843962" y="2576513"/>
+            <a:ext cx="2762250" cy="1905000"/>
+          </a:xfrm>
+          <a:prstGeom prst="rect">
+            <a:avLst/>
+          </a:prstGeom>
+        </p:spPr>
+      </p:pic>
+    </p:spTree>
+    <p:extLst>
+      <p:ext uri="{BB962C8B-B14F-4D97-AF65-F5344CB8AC3E}">
+        <p14:creationId xmlns:p14="http://schemas.microsoft.com/office/powerpoint/2010/main" val="1012111485"/>
+      </p:ext>
+    </p:extLst>
+  </p:cSld>
+  <p:clrMapOvr>
+    <a:masterClrMapping/>
+  </p:clrMapOvr>
+  <mc:AlternateContent xmlns:mc="http://schemas.openxmlformats.org/markup-compatibility/2006">
+    <mc:Choice xmlns:p14="http://schemas.microsoft.com/office/powerpoint/2010/main" Requires="p14">
+      <p:transition spd="slow" p14:dur="2000">
+        <p:cut/>
+      </p:transition>
+    </mc:Choice>
+    <mc:Fallback>
+      <p:transition spd="slow">
+        <p:cut/>
+      </p:transition>
+    </mc:Fallback>
+  </mc:AlternateContent>
+  <p:timing>
+    <p:tnLst>
+      <p:par>
+        <p:cTn id="1" dur="indefinite" restart="never" nodeType="tmRoot"/>
+      </p:par>
+    </p:tnLst>
+  </p:timing>
+</p:sld>
+</file>
+
+<file path=ppt/slides/slide7.xml><?xml version="1.0" encoding="utf-8"?>
+<p:sld xmlns:a="http://schemas.openxmlformats.org/drawingml/2006/main" xmlns:r="http://schemas.openxmlformats.org/officeDocument/2006/relationships" xmlns:p="http://schemas.openxmlformats.org/presentationml/2006/main">
+  <p:cSld>
+    <p:spTree>
+      <p:nvGrpSpPr>
+        <p:cNvPr id="1" name=""/>
+        <p:cNvGrpSpPr/>
+        <p:nvPr/>
+      </p:nvGrpSpPr>
+      <p:grpSpPr>
+        <a:xfrm>
+          <a:off x="0" y="0"/>
+          <a:ext cx="0" cy="0"/>
+          <a:chOff x="0" y="0"/>
+          <a:chExt cx="0" cy="0"/>
+        </a:xfrm>
+      </p:grpSpPr>
+      <p:sp>
+        <p:nvSpPr>
+          <p:cNvPr id="2" name="標題 1"/>
+          <p:cNvSpPr>
+            <a:spLocks noGrp="1"/>
+          </p:cNvSpPr>
+          <p:nvPr>
+            <p:ph type="title"/>
+          </p:nvPr>
+        </p:nvSpPr>
+        <p:spPr>
+          <a:xfrm>
+            <a:off x="1832513" y="624110"/>
+            <a:ext cx="8911687" cy="1280890"/>
+          </a:xfrm>
+        </p:spPr>
+        <p:txBody>
+          <a:bodyPr/>
+          <a:lstStyle/>
+          <a:p>
+            <a:r>
+              <a:rPr lang="zh-TW" altLang="en-US" dirty="0" smtClean="0"/>
+              <a:t>系統方塊圖</a:t>
+            </a:r>
+            <a:endParaRPr lang="zh-TW" altLang="en-US" dirty="0"/>
+          </a:p>
+        </p:txBody>
+      </p:sp>
+      <p:pic>
+        <p:nvPicPr>
+          <p:cNvPr id="4" name="圖片 3"/>
+          <p:cNvPicPr>
+            <a:picLocks noChangeAspect="1"/>
+          </p:cNvPicPr>
+          <p:nvPr/>
+        </p:nvPicPr>
+        <p:blipFill>
+          <a:blip r:embed="rId2"/>
+          <a:stretch>
+            <a:fillRect/>
+          </a:stretch>
+        </p:blipFill>
+        <p:spPr>
+          <a:xfrm>
+            <a:off x="1425939" y="1905000"/>
+            <a:ext cx="9318261" cy="4368521"/>
+          </a:xfrm>
+          <a:prstGeom prst="rect">
+            <a:avLst/>
+          </a:prstGeom>
+        </p:spPr>
+      </p:pic>
+    </p:spTree>
+    <p:extLst>
+      <p:ext uri="{BB962C8B-B14F-4D97-AF65-F5344CB8AC3E}">
+        <p14:creationId xmlns:p14="http://schemas.microsoft.com/office/powerpoint/2010/main" val="481788087"/>
+      </p:ext>
+    </p:extLst>
+  </p:cSld>
+  <p:clrMapOvr>
+    <a:masterClrMapping/>
+  </p:clrMapOvr>
+  <mc:AlternateContent xmlns:mc="http://schemas.openxmlformats.org/markup-compatibility/2006">
+    <mc:Choice xmlns:p14="http://schemas.microsoft.com/office/powerpoint/2010/main" Requires="p14">
+      <p:transition spd="slow" p14:dur="2000">
+        <p:cut/>
+      </p:transition>
+    </mc:Choice>
+    <mc:Fallback>
+      <p:transition spd="slow">
+        <p:cut/>
+      </p:transition>
+    </mc:Fallback>
+  </mc:AlternateContent>
+  <p:timing>
+    <p:tnLst>
+      <p:par>
+        <p:cTn id="1" dur="indefinite" restart="never" nodeType="tmRoot"/>
+      </p:par>
+    </p:tnLst>
+  </p:timing>
+</p:sld>
+</file>
+
+<file path=ppt/slides/slide8.xml><?xml version="1.0" encoding="utf-8"?>
+<p:sld xmlns:a="http://schemas.openxmlformats.org/drawingml/2006/main" xmlns:r="http://schemas.openxmlformats.org/officeDocument/2006/relationships" xmlns:p="http://schemas.openxmlformats.org/presentationml/2006/main">
+  <p:cSld>
+    <p:spTree>
+      <p:nvGrpSpPr>
+        <p:cNvPr id="1" name=""/>
+        <p:cNvGrpSpPr/>
+        <p:nvPr/>
+      </p:nvGrpSpPr>
+      <p:grpSpPr>
+        <a:xfrm>
+          <a:off x="0" y="0"/>
+          <a:ext cx="0" cy="0"/>
+          <a:chOff x="0" y="0"/>
+          <a:chExt cx="0" cy="0"/>
+        </a:xfrm>
+      </p:grpSpPr>
+      <p:sp>
+        <p:nvSpPr>
+          <p:cNvPr id="2" name="標題 1">
+            <a:extLst>
+              <a:ext uri="{FF2B5EF4-FFF2-40B4-BE49-F238E27FC236}">
+                <a16:creationId xmlns:a16="http://schemas.microsoft.com/office/drawing/2014/main" id="{A20F942D-765C-4C4A-B743-47A3438CFE88}"/>
+              </a:ext>
+            </a:extLst>
+          </p:cNvPr>
+          <p:cNvSpPr>
+            <a:spLocks noGrp="1"/>
+          </p:cNvSpPr>
+          <p:nvPr>
+            <p:ph type="title"/>
+          </p:nvPr>
+        </p:nvSpPr>
+        <p:spPr>
+          <a:xfrm>
+            <a:off x="1879051" y="600047"/>
+            <a:ext cx="8911687" cy="1280890"/>
+          </a:xfrm>
+        </p:spPr>
+        <p:txBody>
+          <a:bodyPr/>
+          <a:lstStyle/>
+          <a:p>
+            <a:r>
+              <a:rPr lang="zh-TW" altLang="en-US" dirty="0"/>
               <a:t>傳送端</a:t>
             </a:r>
           </a:p>
@@ -28850,10 +31579,29 @@
   <p:clrMapOvr>
     <a:masterClrMapping/>
   </p:clrMapOvr>
+  <mc:AlternateContent xmlns:mc="http://schemas.openxmlformats.org/markup-compatibility/2006">
+    <mc:Choice xmlns:p14="http://schemas.microsoft.com/office/powerpoint/2010/main" Requires="p14">
+      <p:transition spd="slow" p14:dur="2000">
+        <p:cut/>
+      </p:transition>
+    </mc:Choice>
+    <mc:Fallback>
+      <p:transition spd="slow">
+        <p:cut/>
+      </p:transition>
+    </mc:Fallback>
+  </mc:AlternateContent>
+  <p:timing>
+    <p:tnLst>
+      <p:par>
+        <p:cTn id="1" dur="indefinite" restart="never" nodeType="tmRoot"/>
+      </p:par>
+    </p:tnLst>
+  </p:timing>
 </p:sld>
 </file>
 
-<file path=ppt/slides/slide7.xml><?xml version="1.0" encoding="utf-8"?>
+<file path=ppt/slides/slide9.xml><?xml version="1.0" encoding="utf-8"?>
 <p:sld xmlns:a="http://schemas.openxmlformats.org/drawingml/2006/main" xmlns:r="http://schemas.openxmlformats.org/officeDocument/2006/relationships" xmlns:p="http://schemas.openxmlformats.org/presentationml/2006/main">
   <p:cSld>
     <p:spTree>
@@ -29032,6 +31780,16 @@
               </a:rPr>
               <a:t>)</a:t>
             </a:r>
+            <a:r>
+              <a:rPr lang="zh-TW" altLang="en-US" b="0" i="0" dirty="0">
+                <a:solidFill>
+                  <a:srgbClr val="000000"/>
+                </a:solidFill>
+                <a:effectLst/>
+                <a:latin typeface="Segoe UI" panose="020B0502040204020203" pitchFamily="34" charset="0"/>
+              </a:rPr>
+              <a:t/>
+            </a:r>
             <a:br>
               <a:rPr lang="zh-TW" altLang="en-US" b="0" i="0" dirty="0">
                 <a:solidFill>
@@ -29091,6 +31849,16 @@
               </a:rPr>
               <a:t>(65.1KSPS~61.44MSPS)</a:t>
             </a:r>
+            <a:r>
+              <a:rPr lang="en-US" altLang="zh-TW" b="0" i="0" dirty="0">
+                <a:solidFill>
+                  <a:srgbClr val="000000"/>
+                </a:solidFill>
+                <a:effectLst/>
+                <a:latin typeface="Segoe UI" panose="020B0502040204020203" pitchFamily="34" charset="0"/>
+              </a:rPr>
+              <a:t/>
+            </a:r>
             <a:br>
               <a:rPr lang="en-US" altLang="zh-TW" b="0" i="0" dirty="0">
                 <a:solidFill>
@@ -29150,6 +31918,16 @@
               </a:rPr>
               <a:t>(200KHZ~20MHZ)</a:t>
             </a:r>
+            <a:r>
+              <a:rPr lang="en-US" altLang="zh-TW" b="0" i="0" dirty="0">
+                <a:solidFill>
+                  <a:srgbClr val="000000"/>
+                </a:solidFill>
+                <a:effectLst/>
+                <a:latin typeface="Segoe UI" panose="020B0502040204020203" pitchFamily="34" charset="0"/>
+              </a:rPr>
+              <a:t/>
+            </a:r>
             <a:br>
               <a:rPr lang="en-US" altLang="zh-TW" b="0" i="0" dirty="0">
                 <a:solidFill>
@@ -29189,6 +31967,16 @@
               </a:rPr>
               <a:t>)</a:t>
             </a:r>
+            <a:r>
+              <a:rPr lang="zh-TW" altLang="en-US" b="0" i="0" dirty="0">
+                <a:solidFill>
+                  <a:srgbClr val="000000"/>
+                </a:solidFill>
+                <a:effectLst/>
+                <a:latin typeface="Segoe UI" panose="020B0502040204020203" pitchFamily="34" charset="0"/>
+              </a:rPr>
+              <a:t/>
+            </a:r>
             <a:br>
               <a:rPr lang="zh-TW" altLang="en-US" b="0" i="0" dirty="0">
                 <a:solidFill>
@@ -29248,6 +32036,16 @@
               </a:rPr>
               <a:t>74dBm)</a:t>
             </a:r>
+            <a:r>
+              <a:rPr lang="en-US" altLang="zh-TW" b="0" i="0" dirty="0">
+                <a:solidFill>
+                  <a:srgbClr val="000000"/>
+                </a:solidFill>
+                <a:effectLst/>
+                <a:latin typeface="Segoe UI" panose="020B0502040204020203" pitchFamily="34" charset="0"/>
+              </a:rPr>
+              <a:t/>
+            </a:r>
             <a:br>
               <a:rPr lang="en-US" altLang="zh-TW" b="0" i="0" dirty="0">
                 <a:solidFill>
@@ -29327,6 +32125,16 @@
               </a:rPr>
               <a:t>)</a:t>
             </a:r>
+            <a:r>
+              <a:rPr lang="zh-TW" altLang="en-US" b="0" i="0" dirty="0">
+                <a:solidFill>
+                  <a:srgbClr val="000000"/>
+                </a:solidFill>
+                <a:effectLst/>
+                <a:latin typeface="Segoe UI" panose="020B0502040204020203" pitchFamily="34" charset="0"/>
+              </a:rPr>
+              <a:t/>
+            </a:r>
             <a:br>
               <a:rPr lang="zh-TW" altLang="en-US" b="0" i="0" dirty="0">
                 <a:solidFill>
@@ -29386,6 +32194,16 @@
               </a:rPr>
               <a:t>(65.1KSPS~61.44MSPS)</a:t>
             </a:r>
+            <a:r>
+              <a:rPr lang="en-US" altLang="zh-TW" b="0" i="0" dirty="0">
+                <a:solidFill>
+                  <a:srgbClr val="000000"/>
+                </a:solidFill>
+                <a:effectLst/>
+                <a:latin typeface="Segoe UI" panose="020B0502040204020203" pitchFamily="34" charset="0"/>
+              </a:rPr>
+              <a:t/>
+            </a:r>
             <a:br>
               <a:rPr lang="en-US" altLang="zh-TW" b="0" i="0" dirty="0">
                 <a:solidFill>
@@ -29454,10 +32272,69 @@
             </a:endParaRPr>
           </a:p>
           <a:p>
+            <a:r>
+              <a:rPr lang="en-US" altLang="zh-TW" dirty="0"/>
+              <a:t/>
+            </a:r>
             <a:br>
               <a:rPr lang="en-US" altLang="zh-TW" dirty="0"/>
             </a:br>
             <a:endParaRPr lang="zh-TW" altLang="en-US" dirty="0"/>
+          </a:p>
+        </p:txBody>
+      </p:sp>
+      <p:sp>
+        <p:nvSpPr>
+          <p:cNvPr id="6" name="文字方塊 5"/>
+          <p:cNvSpPr txBox="1"/>
+          <p:nvPr/>
+        </p:nvSpPr>
+        <p:spPr>
+          <a:xfrm>
+            <a:off x="8711734" y="5914442"/>
+            <a:ext cx="2207656" cy="338554"/>
+          </a:xfrm>
+          <a:prstGeom prst="rect">
+            <a:avLst/>
+          </a:prstGeom>
+          <a:noFill/>
+        </p:spPr>
+        <p:txBody>
+          <a:bodyPr wrap="none" rtlCol="0">
+            <a:spAutoFit/>
+          </a:bodyPr>
+          <a:lstStyle/>
+          <a:p>
+            <a:r>
+              <a:rPr lang="en-US" altLang="zh-TW" sz="1600" dirty="0">
+                <a:latin typeface="+mn-ea"/>
+              </a:rPr>
+              <a:t>Rx</a:t>
+            </a:r>
+            <a:r>
+              <a:rPr lang="zh-TW" altLang="en-US" sz="1600" dirty="0">
+                <a:latin typeface="+mn-ea"/>
+              </a:rPr>
+              <a:t>實際</a:t>
+            </a:r>
+            <a:r>
+              <a:rPr lang="en-US" altLang="zh-TW" sz="1600" dirty="0">
+                <a:latin typeface="+mn-ea"/>
+              </a:rPr>
+              <a:t>I/Q</a:t>
+            </a:r>
+            <a:r>
+              <a:rPr lang="zh-TW" altLang="en-US" sz="1600" dirty="0">
+                <a:latin typeface="+mn-ea"/>
+              </a:rPr>
+              <a:t>接收狀態</a:t>
+            </a:r>
+            <a:r>
+              <a:rPr lang="en-US" altLang="zh-TW" sz="1600" dirty="0">
+                <a:latin typeface="+mn-ea"/>
+              </a:rPr>
+              <a:t>[3]</a:t>
+            </a:r>
           </a:p>
         </p:txBody>
       </p:sp>
@@ -29471,507 +32348,18 @@
   <p:clrMapOvr>
     <a:masterClrMapping/>
   </p:clrMapOvr>
-</p:sld>
-</file>
-
-<file path=ppt/slides/slide8.xml><?xml version="1.0" encoding="utf-8"?>
-<p:sld xmlns:a="http://schemas.openxmlformats.org/drawingml/2006/main" xmlns:r="http://schemas.openxmlformats.org/officeDocument/2006/relationships" xmlns:p="http://schemas.openxmlformats.org/presentationml/2006/main">
-  <p:cSld>
-    <p:spTree>
-      <p:nvGrpSpPr>
-        <p:cNvPr id="1" name=""/>
-        <p:cNvGrpSpPr/>
-        <p:nvPr/>
-      </p:nvGrpSpPr>
-      <p:grpSpPr>
-        <a:xfrm>
-          <a:off x="0" y="0"/>
-          <a:ext cx="0" cy="0"/>
-          <a:chOff x="0" y="0"/>
-          <a:chExt cx="0" cy="0"/>
-        </a:xfrm>
-      </p:grpSpPr>
-      <p:sp>
-        <p:nvSpPr>
-          <p:cNvPr id="2" name="標題 1">
-            <a:extLst>
-              <a:ext uri="{FF2B5EF4-FFF2-40B4-BE49-F238E27FC236}">
-                <a16:creationId xmlns:a16="http://schemas.microsoft.com/office/drawing/2014/main" id="{D9AB7535-4395-5CF0-C825-7186D87DB238}"/>
-              </a:ext>
-            </a:extLst>
-          </p:cNvPr>
-          <p:cNvSpPr>
-            <a:spLocks noGrp="1"/>
-          </p:cNvSpPr>
-          <p:nvPr>
-            <p:ph type="title"/>
-          </p:nvPr>
-        </p:nvSpPr>
-        <p:spPr>
-          <a:xfrm>
-            <a:off x="1640156" y="596119"/>
-            <a:ext cx="8911687" cy="1280890"/>
-          </a:xfrm>
-        </p:spPr>
-        <p:txBody>
-          <a:bodyPr>
-            <a:normAutofit/>
-          </a:bodyPr>
-          <a:lstStyle/>
-          <a:p>
-            <a:r>
-              <a:rPr lang="zh-TW" altLang="en-US" sz="4400" dirty="0">
-                <a:latin typeface="華康POP1體W7" panose="040B0709000000000000" pitchFamily="81" charset="-120"/>
-                <a:ea typeface="華康POP1體W7" panose="040B0709000000000000" pitchFamily="81" charset="-120"/>
-              </a:rPr>
-              <a:t>接收端</a:t>
-            </a:r>
-          </a:p>
-        </p:txBody>
-      </p:sp>
-      <p:graphicFrame>
-        <p:nvGraphicFramePr>
-          <p:cNvPr id="4" name="內容版面配置區 3">
-            <a:extLst>
-              <a:ext uri="{FF2B5EF4-FFF2-40B4-BE49-F238E27FC236}">
-                <a16:creationId xmlns:a16="http://schemas.microsoft.com/office/drawing/2014/main" id="{1DF327AE-66C7-CF3D-2D64-70AE4101A616}"/>
-              </a:ext>
-            </a:extLst>
-          </p:cNvPr>
-          <p:cNvGraphicFramePr>
-            <a:graphicFrameLocks noGrp="1"/>
-          </p:cNvGraphicFramePr>
-          <p:nvPr>
-            <p:ph idx="1"/>
-            <p:extLst>
-              <p:ext uri="{D42A27DB-BD31-4B8C-83A1-F6EECF244321}">
-                <p14:modId xmlns:p14="http://schemas.microsoft.com/office/powerpoint/2010/main" val="3309755264"/>
-              </p:ext>
-            </p:extLst>
-          </p:nvPr>
-        </p:nvGraphicFramePr>
-        <p:xfrm>
-          <a:off x="779866" y="2282890"/>
-          <a:ext cx="10632265" cy="2970245"/>
-        </p:xfrm>
-        <a:graphic>
-          <a:graphicData uri="http://schemas.openxmlformats.org/drawingml/2006/diagram">
-            <dgm:relIds xmlns:dgm="http://schemas.openxmlformats.org/drawingml/2006/diagram" xmlns:r="http://schemas.openxmlformats.org/officeDocument/2006/relationships" r:dm="rId2" r:lo="rId3" r:qs="rId4" r:cs="rId5"/>
-          </a:graphicData>
-        </a:graphic>
-      </p:graphicFrame>
-      <p:sp>
-        <p:nvSpPr>
-          <p:cNvPr id="5" name="文字方塊 4">
-            <a:extLst>
-              <a:ext uri="{FF2B5EF4-FFF2-40B4-BE49-F238E27FC236}">
-                <a16:creationId xmlns:a16="http://schemas.microsoft.com/office/drawing/2014/main" id="{85D030C8-AE5B-FFD2-CDA5-E5BF87D30192}"/>
-              </a:ext>
-            </a:extLst>
-          </p:cNvPr>
-          <p:cNvSpPr txBox="1"/>
-          <p:nvPr/>
-        </p:nvSpPr>
-        <p:spPr>
-          <a:xfrm>
-            <a:off x="1640156" y="1507677"/>
-            <a:ext cx="9022022" cy="461665"/>
-          </a:xfrm>
-          <a:prstGeom prst="rect">
-            <a:avLst/>
-          </a:prstGeom>
-          <a:noFill/>
-        </p:spPr>
-        <p:txBody>
-          <a:bodyPr wrap="none" rtlCol="0">
-            <a:spAutoFit/>
-          </a:bodyPr>
-          <a:lstStyle/>
-          <a:p>
-            <a:r>
-              <a:rPr lang="zh-TW" altLang="en-US" sz="2400" dirty="0">
-                <a:latin typeface="王漢宗特黑體繁" panose="02000500000000000000" pitchFamily="2" charset="-120"/>
-                <a:ea typeface="王漢宗特黑體繁" panose="02000500000000000000" pitchFamily="2" charset="-120"/>
-              </a:rPr>
-              <a:t>主要工作</a:t>
-            </a:r>
-            <a:r>
-              <a:rPr lang="en-US" altLang="zh-TW" sz="2400" dirty="0">
-                <a:latin typeface="王漢宗特黑體繁" panose="02000500000000000000" pitchFamily="2" charset="-120"/>
-                <a:ea typeface="王漢宗特黑體繁" panose="02000500000000000000" pitchFamily="2" charset="-120"/>
-              </a:rPr>
-              <a:t>:</a:t>
-            </a:r>
-            <a:r>
-              <a:rPr lang="zh-TW" altLang="en-US" sz="2400" dirty="0">
-                <a:latin typeface="王漢宗特黑體繁" panose="02000500000000000000" pitchFamily="2" charset="-120"/>
-                <a:ea typeface="王漢宗特黑體繁" panose="02000500000000000000" pitchFamily="2" charset="-120"/>
-              </a:rPr>
-              <a:t> 將接收到資料起始位置抓出來，並解調出原始的資料。</a:t>
-            </a:r>
-          </a:p>
-        </p:txBody>
-      </p:sp>
-    </p:spTree>
-    <p:extLst>
-      <p:ext uri="{BB962C8B-B14F-4D97-AF65-F5344CB8AC3E}">
-        <p14:creationId xmlns:p14="http://schemas.microsoft.com/office/powerpoint/2010/main" val="3093021310"/>
-      </p:ext>
-    </p:extLst>
-  </p:cSld>
-  <p:clrMapOvr>
-    <a:masterClrMapping/>
-  </p:clrMapOvr>
-</p:sld>
-</file>
-
-<file path=ppt/slides/slide9.xml><?xml version="1.0" encoding="utf-8"?>
-<p:sld xmlns:a="http://schemas.openxmlformats.org/drawingml/2006/main" xmlns:r="http://schemas.openxmlformats.org/officeDocument/2006/relationships" xmlns:p="http://schemas.openxmlformats.org/presentationml/2006/main">
-  <p:cSld>
-    <p:spTree>
-      <p:nvGrpSpPr>
-        <p:cNvPr id="1" name=""/>
-        <p:cNvGrpSpPr/>
-        <p:nvPr/>
-      </p:nvGrpSpPr>
-      <p:grpSpPr>
-        <a:xfrm>
-          <a:off x="0" y="0"/>
-          <a:ext cx="0" cy="0"/>
-          <a:chOff x="0" y="0"/>
-          <a:chExt cx="0" cy="0"/>
-        </a:xfrm>
-      </p:grpSpPr>
-      <p:sp>
-        <p:nvSpPr>
-          <p:cNvPr id="2" name="標題 1">
-            <a:extLst>
-              <a:ext uri="{FF2B5EF4-FFF2-40B4-BE49-F238E27FC236}">
-                <a16:creationId xmlns:a16="http://schemas.microsoft.com/office/drawing/2014/main" id="{D9AB7535-4395-5CF0-C825-7186D87DB238}"/>
-              </a:ext>
-            </a:extLst>
-          </p:cNvPr>
-          <p:cNvSpPr>
-            <a:spLocks noGrp="1"/>
-          </p:cNvSpPr>
-          <p:nvPr>
-            <p:ph type="title"/>
-          </p:nvPr>
-        </p:nvSpPr>
-        <p:spPr>
-          <a:xfrm>
-            <a:off x="1640156" y="596119"/>
-            <a:ext cx="8911687" cy="1280890"/>
-          </a:xfrm>
-        </p:spPr>
-        <p:txBody>
-          <a:bodyPr>
-            <a:normAutofit/>
-          </a:bodyPr>
-          <a:lstStyle/>
-          <a:p>
-            <a:r>
-              <a:rPr lang="zh-TW" altLang="en-US" sz="4400" dirty="0">
-                <a:latin typeface="華康POP1體W7" panose="040B0709000000000000" pitchFamily="81" charset="-120"/>
-                <a:ea typeface="華康POP1體W7" panose="040B0709000000000000" pitchFamily="81" charset="-120"/>
-              </a:rPr>
-              <a:t>接收端</a:t>
-            </a:r>
-          </a:p>
-        </p:txBody>
-      </p:sp>
-      <p:sp>
-        <p:nvSpPr>
-          <p:cNvPr id="6" name="文字方塊 5">
-            <a:extLst>
-              <a:ext uri="{FF2B5EF4-FFF2-40B4-BE49-F238E27FC236}">
-                <a16:creationId xmlns:a16="http://schemas.microsoft.com/office/drawing/2014/main" id="{5F4BB615-8356-D472-04C0-1E04DE91AFE0}"/>
-              </a:ext>
-            </a:extLst>
-          </p:cNvPr>
-          <p:cNvSpPr txBox="1"/>
-          <p:nvPr/>
-        </p:nvSpPr>
-        <p:spPr>
-          <a:xfrm>
-            <a:off x="779866" y="1692343"/>
-            <a:ext cx="6097554" cy="369332"/>
-          </a:xfrm>
-          <a:prstGeom prst="rect">
-            <a:avLst/>
-          </a:prstGeom>
-          <a:noFill/>
-        </p:spPr>
-        <p:txBody>
-          <a:bodyPr wrap="square">
-            <a:spAutoFit/>
-          </a:bodyPr>
-          <a:lstStyle/>
-          <a:p>
-            <a:pPr lvl="0"/>
-            <a:r>
-              <a:rPr lang="zh-TW" altLang="en-US" dirty="0">
-                <a:latin typeface="王漢宗綜藝體繁" panose="02000500000000000000" pitchFamily="2" charset="-120"/>
-                <a:ea typeface="王漢宗綜藝體繁" panose="02000500000000000000" pitchFamily="2" charset="-120"/>
-              </a:rPr>
-              <a:t>同步</a:t>
-            </a:r>
-            <a:r>
-              <a:rPr lang="en-US" altLang="zh-TW" dirty="0">
-                <a:latin typeface="王漢宗綜藝體繁" panose="02000500000000000000" pitchFamily="2" charset="-120"/>
-                <a:ea typeface="王漢宗綜藝體繁" panose="02000500000000000000" pitchFamily="2" charset="-120"/>
-              </a:rPr>
-              <a:t>:</a:t>
-            </a:r>
-            <a:endParaRPr lang="zh-TW" altLang="en-US" dirty="0">
-              <a:latin typeface="王漢宗綜藝體繁" panose="02000500000000000000" pitchFamily="2" charset="-120"/>
-              <a:ea typeface="王漢宗綜藝體繁" panose="02000500000000000000" pitchFamily="2" charset="-120"/>
-            </a:endParaRPr>
-          </a:p>
-        </p:txBody>
-      </p:sp>
-      <p:pic>
-        <p:nvPicPr>
-          <p:cNvPr id="12" name="圖片 11">
-            <a:extLst>
-              <a:ext uri="{FF2B5EF4-FFF2-40B4-BE49-F238E27FC236}">
-                <a16:creationId xmlns:a16="http://schemas.microsoft.com/office/drawing/2014/main" id="{E276DCDD-E012-36A4-2BC4-63FACBE09468}"/>
-              </a:ext>
-            </a:extLst>
-          </p:cNvPr>
-          <p:cNvPicPr>
-            <a:picLocks noChangeAspect="1"/>
-          </p:cNvPicPr>
-          <p:nvPr/>
-        </p:nvPicPr>
-        <p:blipFill>
-          <a:blip r:embed="rId2"/>
-          <a:stretch>
-            <a:fillRect/>
-          </a:stretch>
-        </p:blipFill>
-        <p:spPr>
-          <a:xfrm>
-            <a:off x="3088026" y="1948327"/>
-            <a:ext cx="5275156" cy="4435669"/>
-          </a:xfrm>
-          <a:prstGeom prst="rect">
-            <a:avLst/>
-          </a:prstGeom>
-        </p:spPr>
-      </p:pic>
-      <p:sp>
-        <p:nvSpPr>
-          <p:cNvPr id="13" name="文字方塊 12">
-            <a:extLst>
-              <a:ext uri="{FF2B5EF4-FFF2-40B4-BE49-F238E27FC236}">
-                <a16:creationId xmlns:a16="http://schemas.microsoft.com/office/drawing/2014/main" id="{87422075-A0F4-92E7-BF33-BF3757898CCD}"/>
-              </a:ext>
-            </a:extLst>
-          </p:cNvPr>
-          <p:cNvSpPr txBox="1"/>
-          <p:nvPr/>
-        </p:nvSpPr>
-        <p:spPr>
-          <a:xfrm>
-            <a:off x="7968213" y="1756725"/>
-            <a:ext cx="1217367" cy="369332"/>
-          </a:xfrm>
-          <a:prstGeom prst="rect">
-            <a:avLst/>
-          </a:prstGeom>
-          <a:ln>
-            <a:solidFill>
-              <a:srgbClr val="0070C0"/>
-            </a:solidFill>
-          </a:ln>
-        </p:spPr>
-        <p:style>
-          <a:lnRef idx="2">
-            <a:schemeClr val="accent2"/>
-          </a:lnRef>
-          <a:fillRef idx="1">
-            <a:schemeClr val="lt1"/>
-          </a:fillRef>
-          <a:effectRef idx="0">
-            <a:schemeClr val="accent2"/>
-          </a:effectRef>
-          <a:fontRef idx="minor">
-            <a:schemeClr val="dk1"/>
-          </a:fontRef>
-        </p:style>
-        <p:txBody>
-          <a:bodyPr wrap="square" rtlCol="0">
-            <a:spAutoFit/>
-          </a:bodyPr>
-          <a:lstStyle/>
-          <a:p>
-            <a:r>
-              <a:rPr lang="zh-TW" altLang="en-US" dirty="0">
-                <a:latin typeface="王漢宗特黑體繁" panose="02000500000000000000" pitchFamily="2" charset="-120"/>
-                <a:ea typeface="王漢宗特黑體繁" panose="02000500000000000000" pitchFamily="2" charset="-120"/>
-              </a:rPr>
-              <a:t>粗調製</a:t>
-            </a:r>
-          </a:p>
-        </p:txBody>
-      </p:sp>
-      <p:cxnSp>
-        <p:nvCxnSpPr>
-          <p:cNvPr id="15" name="接點: 肘形 14">
-            <a:extLst>
-              <a:ext uri="{FF2B5EF4-FFF2-40B4-BE49-F238E27FC236}">
-                <a16:creationId xmlns:a16="http://schemas.microsoft.com/office/drawing/2014/main" id="{A3D3AB2B-AFDF-2E8F-2768-124668398347}"/>
-              </a:ext>
-            </a:extLst>
-          </p:cNvPr>
-          <p:cNvCxnSpPr>
-            <a:cxnSpLocks/>
-            <a:stCxn id="13" idx="2"/>
-          </p:cNvCxnSpPr>
-          <p:nvPr/>
-        </p:nvCxnSpPr>
-        <p:spPr>
-          <a:xfrm rot="5400000">
-            <a:off x="8105419" y="1962081"/>
-            <a:ext cx="307502" cy="635455"/>
-          </a:xfrm>
-          <a:prstGeom prst="bentConnector2">
-            <a:avLst/>
-          </a:prstGeom>
-          <a:ln>
-            <a:solidFill>
-              <a:srgbClr val="0070C0"/>
-            </a:solidFill>
-            <a:tailEnd type="triangle"/>
-          </a:ln>
-        </p:spPr>
-        <p:style>
-          <a:lnRef idx="1">
-            <a:schemeClr val="accent1"/>
-          </a:lnRef>
-          <a:fillRef idx="0">
-            <a:schemeClr val="accent1"/>
-          </a:fillRef>
-          <a:effectRef idx="0">
-            <a:schemeClr val="accent1"/>
-          </a:effectRef>
-          <a:fontRef idx="minor">
-            <a:schemeClr val="tx1"/>
-          </a:fontRef>
-        </p:style>
-      </p:cxnSp>
-      <p:sp>
-        <p:nvSpPr>
-          <p:cNvPr id="17" name="文字方塊 16">
-            <a:extLst>
-              <a:ext uri="{FF2B5EF4-FFF2-40B4-BE49-F238E27FC236}">
-                <a16:creationId xmlns:a16="http://schemas.microsoft.com/office/drawing/2014/main" id="{4D793B62-6239-AEF5-A1FA-F9CB7EDD08BC}"/>
-              </a:ext>
-            </a:extLst>
-          </p:cNvPr>
-          <p:cNvSpPr txBox="1"/>
-          <p:nvPr/>
-        </p:nvSpPr>
-        <p:spPr>
-          <a:xfrm>
-            <a:off x="7838473" y="2891204"/>
-            <a:ext cx="1217367" cy="369332"/>
-          </a:xfrm>
-          <a:prstGeom prst="rect">
-            <a:avLst/>
-          </a:prstGeom>
-          <a:ln>
-            <a:solidFill>
-              <a:srgbClr val="FF0000"/>
-            </a:solidFill>
-          </a:ln>
-        </p:spPr>
-        <p:style>
-          <a:lnRef idx="2">
-            <a:schemeClr val="accent2"/>
-          </a:lnRef>
-          <a:fillRef idx="1">
-            <a:schemeClr val="lt1"/>
-          </a:fillRef>
-          <a:effectRef idx="0">
-            <a:schemeClr val="accent2"/>
-          </a:effectRef>
-          <a:fontRef idx="minor">
-            <a:schemeClr val="dk1"/>
-          </a:fontRef>
-        </p:style>
-        <p:txBody>
-          <a:bodyPr wrap="square" rtlCol="0">
-            <a:spAutoFit/>
-          </a:bodyPr>
-          <a:lstStyle/>
-          <a:p>
-            <a:r>
-              <a:rPr lang="zh-TW" altLang="en-US" dirty="0">
-                <a:latin typeface="王漢宗特黑體繁" panose="02000500000000000000" pitchFamily="2" charset="-120"/>
-                <a:ea typeface="王漢宗特黑體繁" panose="02000500000000000000" pitchFamily="2" charset="-120"/>
-              </a:rPr>
-              <a:t>細調製</a:t>
-            </a:r>
-          </a:p>
-        </p:txBody>
-      </p:sp>
-      <p:cxnSp>
-        <p:nvCxnSpPr>
-          <p:cNvPr id="18" name="接點: 肘形 17">
-            <a:extLst>
-              <a:ext uri="{FF2B5EF4-FFF2-40B4-BE49-F238E27FC236}">
-                <a16:creationId xmlns:a16="http://schemas.microsoft.com/office/drawing/2014/main" id="{C636CEDF-DCA6-1740-FDDE-110C1AF8A916}"/>
-              </a:ext>
-            </a:extLst>
-          </p:cNvPr>
-          <p:cNvCxnSpPr>
-            <a:cxnSpLocks/>
-            <a:stCxn id="17" idx="0"/>
-          </p:cNvCxnSpPr>
-          <p:nvPr/>
-        </p:nvCxnSpPr>
-        <p:spPr>
-          <a:xfrm rot="16200000" flipV="1">
-            <a:off x="7836393" y="2280439"/>
-            <a:ext cx="279914" cy="941615"/>
-          </a:xfrm>
-          <a:prstGeom prst="bentConnector2">
-            <a:avLst/>
-          </a:prstGeom>
-          <a:ln>
-            <a:solidFill>
-              <a:srgbClr val="FF0000"/>
-            </a:solidFill>
-            <a:tailEnd type="triangle"/>
-          </a:ln>
-        </p:spPr>
-        <p:style>
-          <a:lnRef idx="1">
-            <a:schemeClr val="accent1"/>
-          </a:lnRef>
-          <a:fillRef idx="0">
-            <a:schemeClr val="accent1"/>
-          </a:fillRef>
-          <a:effectRef idx="0">
-            <a:schemeClr val="accent1"/>
-          </a:effectRef>
-          <a:fontRef idx="minor">
-            <a:schemeClr val="tx1"/>
-          </a:fontRef>
-        </p:style>
-      </p:cxnSp>
-    </p:spTree>
-    <p:extLst>
-      <p:ext uri="{BB962C8B-B14F-4D97-AF65-F5344CB8AC3E}">
-        <p14:creationId xmlns:p14="http://schemas.microsoft.com/office/powerpoint/2010/main" val="2884675579"/>
-      </p:ext>
-    </p:extLst>
-  </p:cSld>
-  <p:clrMapOvr>
-    <a:masterClrMapping/>
-  </p:clrMapOvr>
+  <mc:AlternateContent xmlns:mc="http://schemas.openxmlformats.org/markup-compatibility/2006">
+    <mc:Choice xmlns:p14="http://schemas.microsoft.com/office/powerpoint/2010/main" Requires="p14">
+      <p:transition spd="slow" p14:dur="2000">
+        <p:cut/>
+      </p:transition>
+    </mc:Choice>
+    <mc:Fallback>
+      <p:transition spd="slow">
+        <p:cut/>
+      </p:transition>
+    </mc:Fallback>
+  </mc:AlternateContent>
 </p:sld>
 </file>
 
@@ -30216,4 +32604,265 @@
     </a:ext>
   </a:extLst>
 </a:theme>
+</file>
+
+<file path=ppt/theme/theme2.xml><?xml version="1.0" encoding="utf-8"?>
+<a:theme xmlns:a="http://schemas.openxmlformats.org/drawingml/2006/main" name="Office 佈景主題">
+  <a:themeElements>
+    <a:clrScheme name="Office">
+      <a:dk1>
+        <a:sysClr val="windowText" lastClr="000000"/>
+      </a:dk1>
+      <a:lt1>
+        <a:sysClr val="window" lastClr="FFFFFF"/>
+      </a:lt1>
+      <a:dk2>
+        <a:srgbClr val="44546A"/>
+      </a:dk2>
+      <a:lt2>
+        <a:srgbClr val="E7E6E6"/>
+      </a:lt2>
+      <a:accent1>
+        <a:srgbClr val="5B9BD5"/>
+      </a:accent1>
+      <a:accent2>
+        <a:srgbClr val="ED7D31"/>
+      </a:accent2>
+      <a:accent3>
+        <a:srgbClr val="A5A5A5"/>
+      </a:accent3>
+      <a:accent4>
+        <a:srgbClr val="FFC000"/>
+      </a:accent4>
+      <a:accent5>
+        <a:srgbClr val="4472C4"/>
+      </a:accent5>
+      <a:accent6>
+        <a:srgbClr val="70AD47"/>
+      </a:accent6>
+      <a:hlink>
+        <a:srgbClr val="0563C1"/>
+      </a:hlink>
+      <a:folHlink>
+        <a:srgbClr val="954F72"/>
+      </a:folHlink>
+    </a:clrScheme>
+    <a:fontScheme name="Office">
+      <a:majorFont>
+        <a:latin typeface="Calibri Light" panose="020F0302020204030204"/>
+        <a:ea typeface=""/>
+        <a:cs typeface=""/>
+        <a:font script="Jpan" typeface="游ゴシック Light"/>
+        <a:font script="Hang" typeface="맑은 고딕"/>
+        <a:font script="Hans" typeface="等线 Light"/>
+        <a:font script="Hant" typeface="新細明體"/>
+        <a:font script="Arab" typeface="Times New Roman"/>
+        <a:font script="Hebr" typeface="Times New Roman"/>
+        <a:font script="Thai" typeface="Angsana New"/>
+        <a:font script="Ethi" typeface="Nyala"/>
+        <a:font script="Beng" typeface="Vrinda"/>
+        <a:font script="Gujr" typeface="Shruti"/>
+        <a:font script="Khmr" typeface="MoolBoran"/>
+        <a:font script="Knda" typeface="Tunga"/>
+        <a:font script="Guru" typeface="Raavi"/>
+        <a:font script="Cans" typeface="Euphemia"/>
+        <a:font script="Cher" typeface="Plantagenet Cherokee"/>
+        <a:font script="Yiii" typeface="Microsoft Yi Baiti"/>
+        <a:font script="Tibt" typeface="Microsoft Himalaya"/>
+        <a:font script="Thaa" typeface="MV Boli"/>
+        <a:font script="Deva" typeface="Mangal"/>
+        <a:font script="Telu" typeface="Gautami"/>
+        <a:font script="Taml" typeface="Latha"/>
+        <a:font script="Syrc" typeface="Estrangelo Edessa"/>
+        <a:font script="Orya" typeface="Kalinga"/>
+        <a:font script="Mlym" typeface="Kartika"/>
+        <a:font script="Laoo" typeface="DokChampa"/>
+        <a:font script="Sinh" typeface="Iskoola Pota"/>
+        <a:font script="Mong" typeface="Mongolian Baiti"/>
+        <a:font script="Viet" typeface="Times New Roman"/>
+        <a:font script="Uigh" typeface="Microsoft Uighur"/>
+        <a:font script="Geor" typeface="Sylfaen"/>
+      </a:majorFont>
+      <a:minorFont>
+        <a:latin typeface="Calibri" panose="020F0502020204030204"/>
+        <a:ea typeface=""/>
+        <a:cs typeface=""/>
+        <a:font script="Jpan" typeface="游ゴシック"/>
+        <a:font script="Hang" typeface="맑은 고딕"/>
+        <a:font script="Hans" typeface="等线"/>
+        <a:font script="Hant" typeface="新細明體"/>
+        <a:font script="Arab" typeface="Arial"/>
+        <a:font script="Hebr" typeface="Arial"/>
+        <a:font script="Thai" typeface="Cordia New"/>
+        <a:font script="Ethi" typeface="Nyala"/>
+        <a:font script="Beng" typeface="Vrinda"/>
+        <a:font script="Gujr" typeface="Shruti"/>
+        <a:font script="Khmr" typeface="DaunPenh"/>
+        <a:font script="Knda" typeface="Tunga"/>
+        <a:font script="Guru" typeface="Raavi"/>
+        <a:font script="Cans" typeface="Euphemia"/>
+        <a:font script="Cher" typeface="Plantagenet Cherokee"/>
+        <a:font script="Yiii" typeface="Microsoft Yi Baiti"/>
+        <a:font script="Tibt" typeface="Microsoft Himalaya"/>
+        <a:font script="Thaa" typeface="MV Boli"/>
+        <a:font script="Deva" typeface="Mangal"/>
+        <a:font script="Telu" typeface="Gautami"/>
+        <a:font script="Taml" typeface="Latha"/>
+        <a:font script="Syrc" typeface="Estrangelo Edessa"/>
+        <a:font script="Orya" typeface="Kalinga"/>
+        <a:font script="Mlym" typeface="Kartika"/>
+        <a:font script="Laoo" typeface="DokChampa"/>
+        <a:font script="Sinh" typeface="Iskoola Pota"/>
+        <a:font script="Mong" typeface="Mongolian Baiti"/>
+        <a:font script="Viet" typeface="Arial"/>
+        <a:font script="Uigh" typeface="Microsoft Uighur"/>
+        <a:font script="Geor" typeface="Sylfaen"/>
+      </a:minorFont>
+    </a:fontScheme>
+    <a:fmtScheme name="Office">
+      <a:fillStyleLst>
+        <a:solidFill>
+          <a:schemeClr val="phClr"/>
+        </a:solidFill>
+        <a:gradFill rotWithShape="1">
+          <a:gsLst>
+            <a:gs pos="0">
+              <a:schemeClr val="phClr">
+                <a:lumMod val="110000"/>
+                <a:satMod val="105000"/>
+                <a:tint val="67000"/>
+              </a:schemeClr>
+            </a:gs>
+            <a:gs pos="50000">
+              <a:schemeClr val="phClr">
+                <a:lumMod val="105000"/>
+                <a:satMod val="103000"/>
+                <a:tint val="73000"/>
+              </a:schemeClr>
+            </a:gs>
+            <a:gs pos="100000">
+              <a:schemeClr val="phClr">
+                <a:lumMod val="105000"/>
+                <a:satMod val="109000"/>
+                <a:tint val="81000"/>
+              </a:schemeClr>
+            </a:gs>
+          </a:gsLst>
+          <a:lin ang="5400000" scaled="0"/>
+        </a:gradFill>
+        <a:gradFill rotWithShape="1">
+          <a:gsLst>
+            <a:gs pos="0">
+              <a:schemeClr val="phClr">
+                <a:satMod val="103000"/>
+                <a:lumMod val="102000"/>
+                <a:tint val="94000"/>
+              </a:schemeClr>
+            </a:gs>
+            <a:gs pos="50000">
+              <a:schemeClr val="phClr">
+                <a:satMod val="110000"/>
+                <a:lumMod val="100000"/>
+                <a:shade val="100000"/>
+              </a:schemeClr>
+            </a:gs>
+            <a:gs pos="100000">
+              <a:schemeClr val="phClr">
+                <a:lumMod val="99000"/>
+                <a:satMod val="120000"/>
+                <a:shade val="78000"/>
+              </a:schemeClr>
+            </a:gs>
+          </a:gsLst>
+          <a:lin ang="5400000" scaled="0"/>
+        </a:gradFill>
+      </a:fillStyleLst>
+      <a:lnStyleLst>
+        <a:ln w="6350" cap="flat" cmpd="sng" algn="ctr">
+          <a:solidFill>
+            <a:schemeClr val="phClr"/>
+          </a:solidFill>
+          <a:prstDash val="solid"/>
+          <a:miter lim="800000"/>
+        </a:ln>
+        <a:ln w="12700" cap="flat" cmpd="sng" algn="ctr">
+          <a:solidFill>
+            <a:schemeClr val="phClr"/>
+          </a:solidFill>
+          <a:prstDash val="solid"/>
+          <a:miter lim="800000"/>
+        </a:ln>
+        <a:ln w="19050" cap="flat" cmpd="sng" algn="ctr">
+          <a:solidFill>
+            <a:schemeClr val="phClr"/>
+          </a:solidFill>
+          <a:prstDash val="solid"/>
+          <a:miter lim="800000"/>
+        </a:ln>
+      </a:lnStyleLst>
+      <a:effectStyleLst>
+        <a:effectStyle>
+          <a:effectLst/>
+        </a:effectStyle>
+        <a:effectStyle>
+          <a:effectLst/>
+        </a:effectStyle>
+        <a:effectStyle>
+          <a:effectLst>
+            <a:outerShdw blurRad="57150" dist="19050" dir="5400000" algn="ctr" rotWithShape="0">
+              <a:srgbClr val="000000">
+                <a:alpha val="63000"/>
+              </a:srgbClr>
+            </a:outerShdw>
+          </a:effectLst>
+        </a:effectStyle>
+      </a:effectStyleLst>
+      <a:bgFillStyleLst>
+        <a:solidFill>
+          <a:schemeClr val="phClr"/>
+        </a:solidFill>
+        <a:solidFill>
+          <a:schemeClr val="phClr">
+            <a:tint val="95000"/>
+            <a:satMod val="170000"/>
+          </a:schemeClr>
+        </a:solidFill>
+        <a:gradFill rotWithShape="1">
+          <a:gsLst>
+            <a:gs pos="0">
+              <a:schemeClr val="phClr">
+                <a:tint val="93000"/>
+                <a:satMod val="150000"/>
+                <a:shade val="98000"/>
+                <a:lumMod val="102000"/>
+              </a:schemeClr>
+            </a:gs>
+            <a:gs pos="50000">
+              <a:schemeClr val="phClr">
+                <a:tint val="98000"/>
+                <a:satMod val="130000"/>
+                <a:shade val="90000"/>
+                <a:lumMod val="103000"/>
+              </a:schemeClr>
+            </a:gs>
+            <a:gs pos="100000">
+              <a:schemeClr val="phClr">
+                <a:shade val="63000"/>
+                <a:satMod val="120000"/>
+              </a:schemeClr>
+            </a:gs>
+          </a:gsLst>
+          <a:lin ang="5400000" scaled="0"/>
+        </a:gradFill>
+      </a:bgFillStyleLst>
+    </a:fmtScheme>
+  </a:themeElements>
+  <a:objectDefaults/>
+  <a:extraClrSchemeLst/>
+  <a:extLst>
+    <a:ext uri="{05A4C25C-085E-4340-85A3-A5531E510DB2}">
+      <thm15:themeFamily xmlns:thm15="http://schemas.microsoft.com/office/thememl/2012/main" name="Office Theme" id="{62F939B6-93AF-4DB8-9C6B-D6C7DFDC589F}" vid="{4A3C46E8-61CC-4603-A589-7422A47A8E4A}"/>
+    </a:ext>
+  </a:extLst>
+</a:theme>
 </file>
--- a/report/以SDR實現OTSM通訊技術.pptx
+++ b/report/以SDR實現OTSM通訊技術.pptx
@@ -1806,35 +1806,14 @@
         </dgm:presLayoutVars>
       </dgm:prSet>
       <dgm:spPr/>
-      <dgm:t>
-        <a:bodyPr/>
-        <a:lstStyle/>
-        <a:p>
-          <a:endParaRPr lang="zh-TW" altLang="en-US"/>
-        </a:p>
-      </dgm:t>
     </dgm:pt>
     <dgm:pt modelId="{5DCD91DB-AEF7-4C9B-BD53-8B818AE7A5C2}" type="pres">
       <dgm:prSet presAssocID="{510E1544-9B0B-4E5E-A21A-74C154EC99BB}" presName="sibTrans" presStyleLbl="sibTrans2D1" presStyleIdx="0" presStyleCnt="2"/>
       <dgm:spPr/>
-      <dgm:t>
-        <a:bodyPr/>
-        <a:lstStyle/>
-        <a:p>
-          <a:endParaRPr lang="zh-TW" altLang="en-US"/>
-        </a:p>
-      </dgm:t>
     </dgm:pt>
     <dgm:pt modelId="{3053149E-F4D6-4274-BA65-86C7B0CA7EE2}" type="pres">
       <dgm:prSet presAssocID="{510E1544-9B0B-4E5E-A21A-74C154EC99BB}" presName="connectorText" presStyleLbl="sibTrans2D1" presStyleIdx="0" presStyleCnt="2"/>
       <dgm:spPr/>
-      <dgm:t>
-        <a:bodyPr/>
-        <a:lstStyle/>
-        <a:p>
-          <a:endParaRPr lang="zh-TW" altLang="en-US"/>
-        </a:p>
-      </dgm:t>
     </dgm:pt>
     <dgm:pt modelId="{501B0B5C-0A9B-4712-8139-5AB722F892AE}" type="pres">
       <dgm:prSet presAssocID="{2F0BB623-C310-4F34-A614-8383840D288F}" presName="node" presStyleLbl="node1" presStyleIdx="1" presStyleCnt="3">
@@ -1843,35 +1822,14 @@
         </dgm:presLayoutVars>
       </dgm:prSet>
       <dgm:spPr/>
-      <dgm:t>
-        <a:bodyPr/>
-        <a:lstStyle/>
-        <a:p>
-          <a:endParaRPr lang="zh-TW" altLang="en-US"/>
-        </a:p>
-      </dgm:t>
     </dgm:pt>
     <dgm:pt modelId="{4C06B492-B4CF-4662-994E-B742043CDBA6}" type="pres">
       <dgm:prSet presAssocID="{B3ED31B1-2659-4ACB-A056-32D27D08A6EF}" presName="sibTrans" presStyleLbl="sibTrans2D1" presStyleIdx="1" presStyleCnt="2"/>
       <dgm:spPr/>
-      <dgm:t>
-        <a:bodyPr/>
-        <a:lstStyle/>
-        <a:p>
-          <a:endParaRPr lang="zh-TW" altLang="en-US"/>
-        </a:p>
-      </dgm:t>
     </dgm:pt>
     <dgm:pt modelId="{715D3F0F-C5CB-406C-9764-737C7C1638E6}" type="pres">
       <dgm:prSet presAssocID="{B3ED31B1-2659-4ACB-A056-32D27D08A6EF}" presName="connectorText" presStyleLbl="sibTrans2D1" presStyleIdx="1" presStyleCnt="2"/>
       <dgm:spPr/>
-      <dgm:t>
-        <a:bodyPr/>
-        <a:lstStyle/>
-        <a:p>
-          <a:endParaRPr lang="zh-TW" altLang="en-US"/>
-        </a:p>
-      </dgm:t>
     </dgm:pt>
     <dgm:pt modelId="{F8307AB0-8E3F-4030-91DA-849DB5B98DC2}" type="pres">
       <dgm:prSet presAssocID="{94E5E8AF-0109-41B5-AD0E-4DA7AD85FEFD}" presName="node" presStyleLbl="node1" presStyleIdx="2" presStyleCnt="3">
@@ -1880,27 +1838,20 @@
         </dgm:presLayoutVars>
       </dgm:prSet>
       <dgm:spPr/>
-      <dgm:t>
-        <a:bodyPr/>
-        <a:lstStyle/>
-        <a:p>
-          <a:endParaRPr lang="zh-TW" altLang="en-US"/>
-        </a:p>
-      </dgm:t>
     </dgm:pt>
   </dgm:ptLst>
   <dgm:cxnLst>
-    <dgm:cxn modelId="{8F64F8E6-C469-43B5-B5E8-EC3AE35AB88C}" type="presOf" srcId="{2F0BB623-C310-4F34-A614-8383840D288F}" destId="{501B0B5C-0A9B-4712-8139-5AB722F892AE}" srcOrd="0" destOrd="0" presId="urn:microsoft.com/office/officeart/2005/8/layout/process1"/>
+    <dgm:cxn modelId="{24755E3E-C775-4F43-94FB-4C706A911360}" type="presOf" srcId="{B3ED31B1-2659-4ACB-A056-32D27D08A6EF}" destId="{4C06B492-B4CF-4662-994E-B742043CDBA6}" srcOrd="0" destOrd="0" presId="urn:microsoft.com/office/officeart/2005/8/layout/process1"/>
+    <dgm:cxn modelId="{783D2856-2CC3-47A0-AB40-5DBEC579208A}" type="presOf" srcId="{D14C185C-1C2F-43C5-B3F7-03E2FD8DCA20}" destId="{0845D703-486E-420E-9274-3700A0D2E42F}" srcOrd="0" destOrd="0" presId="urn:microsoft.com/office/officeart/2005/8/layout/process1"/>
+    <dgm:cxn modelId="{ED6A0291-B8AD-4213-AF49-B17AF0DD26FB}" type="presOf" srcId="{373F3D73-4163-460C-825F-AB90F0BD274A}" destId="{2CE79DA6-23CB-40EF-B25E-2E7E21767DB0}" srcOrd="0" destOrd="0" presId="urn:microsoft.com/office/officeart/2005/8/layout/process1"/>
     <dgm:cxn modelId="{F6F31997-62E6-4170-BF59-BE34A1A74105}" srcId="{D14C185C-1C2F-43C5-B3F7-03E2FD8DCA20}" destId="{2F0BB623-C310-4F34-A614-8383840D288F}" srcOrd="1" destOrd="0" parTransId="{7FEA6977-7515-40FE-8B46-76C8A4B4FEBC}" sibTransId="{B3ED31B1-2659-4ACB-A056-32D27D08A6EF}"/>
     <dgm:cxn modelId="{842B5DB3-BFAF-46D0-84BB-E28431233374}" srcId="{D14C185C-1C2F-43C5-B3F7-03E2FD8DCA20}" destId="{373F3D73-4163-460C-825F-AB90F0BD274A}" srcOrd="0" destOrd="0" parTransId="{00E5234B-BC00-402C-A4DC-5B7D87217C7B}" sibTransId="{510E1544-9B0B-4E5E-A21A-74C154EC99BB}"/>
+    <dgm:cxn modelId="{F0E147BA-BB1F-4975-8167-3A41330F994E}" type="presOf" srcId="{B3ED31B1-2659-4ACB-A056-32D27D08A6EF}" destId="{715D3F0F-C5CB-406C-9764-737C7C1638E6}" srcOrd="1" destOrd="0" presId="urn:microsoft.com/office/officeart/2005/8/layout/process1"/>
+    <dgm:cxn modelId="{CCD4CFC3-8CB9-4BD5-B289-EB24AA63AAFC}" type="presOf" srcId="{510E1544-9B0B-4E5E-A21A-74C154EC99BB}" destId="{5DCD91DB-AEF7-4C9B-BD53-8B818AE7A5C2}" srcOrd="0" destOrd="0" presId="urn:microsoft.com/office/officeart/2005/8/layout/process1"/>
+    <dgm:cxn modelId="{18AB6BD2-D883-4837-90CD-D004B6890F8F}" srcId="{D14C185C-1C2F-43C5-B3F7-03E2FD8DCA20}" destId="{94E5E8AF-0109-41B5-AD0E-4DA7AD85FEFD}" srcOrd="2" destOrd="0" parTransId="{4B4731E8-B722-4A8D-879D-71D770D64E16}" sibTransId="{5EDB3883-65F1-43C5-B2B6-715EFF19ECC3}"/>
     <dgm:cxn modelId="{FC026DDC-6B9B-4E3A-ADF6-C724CBB2F3D0}" type="presOf" srcId="{94E5E8AF-0109-41B5-AD0E-4DA7AD85FEFD}" destId="{F8307AB0-8E3F-4030-91DA-849DB5B98DC2}" srcOrd="0" destOrd="0" presId="urn:microsoft.com/office/officeart/2005/8/layout/process1"/>
-    <dgm:cxn modelId="{783D2856-2CC3-47A0-AB40-5DBEC579208A}" type="presOf" srcId="{D14C185C-1C2F-43C5-B3F7-03E2FD8DCA20}" destId="{0845D703-486E-420E-9274-3700A0D2E42F}" srcOrd="0" destOrd="0" presId="urn:microsoft.com/office/officeart/2005/8/layout/process1"/>
-    <dgm:cxn modelId="{ED6A0291-B8AD-4213-AF49-B17AF0DD26FB}" type="presOf" srcId="{373F3D73-4163-460C-825F-AB90F0BD274A}" destId="{2CE79DA6-23CB-40EF-B25E-2E7E21767DB0}" srcOrd="0" destOrd="0" presId="urn:microsoft.com/office/officeart/2005/8/layout/process1"/>
-    <dgm:cxn modelId="{CCD4CFC3-8CB9-4BD5-B289-EB24AA63AAFC}" type="presOf" srcId="{510E1544-9B0B-4E5E-A21A-74C154EC99BB}" destId="{5DCD91DB-AEF7-4C9B-BD53-8B818AE7A5C2}" srcOrd="0" destOrd="0" presId="urn:microsoft.com/office/officeart/2005/8/layout/process1"/>
+    <dgm:cxn modelId="{8F64F8E6-C469-43B5-B5E8-EC3AE35AB88C}" type="presOf" srcId="{2F0BB623-C310-4F34-A614-8383840D288F}" destId="{501B0B5C-0A9B-4712-8139-5AB722F892AE}" srcOrd="0" destOrd="0" presId="urn:microsoft.com/office/officeart/2005/8/layout/process1"/>
     <dgm:cxn modelId="{D1F5C7F5-FF31-49AC-8A04-274782995C75}" type="presOf" srcId="{510E1544-9B0B-4E5E-A21A-74C154EC99BB}" destId="{3053149E-F4D6-4274-BA65-86C7B0CA7EE2}" srcOrd="1" destOrd="0" presId="urn:microsoft.com/office/officeart/2005/8/layout/process1"/>
-    <dgm:cxn modelId="{24755E3E-C775-4F43-94FB-4C706A911360}" type="presOf" srcId="{B3ED31B1-2659-4ACB-A056-32D27D08A6EF}" destId="{4C06B492-B4CF-4662-994E-B742043CDBA6}" srcOrd="0" destOrd="0" presId="urn:microsoft.com/office/officeart/2005/8/layout/process1"/>
-    <dgm:cxn modelId="{F0E147BA-BB1F-4975-8167-3A41330F994E}" type="presOf" srcId="{B3ED31B1-2659-4ACB-A056-32D27D08A6EF}" destId="{715D3F0F-C5CB-406C-9764-737C7C1638E6}" srcOrd="1" destOrd="0" presId="urn:microsoft.com/office/officeart/2005/8/layout/process1"/>
-    <dgm:cxn modelId="{18AB6BD2-D883-4837-90CD-D004B6890F8F}" srcId="{D14C185C-1C2F-43C5-B3F7-03E2FD8DCA20}" destId="{94E5E8AF-0109-41B5-AD0E-4DA7AD85FEFD}" srcOrd="2" destOrd="0" parTransId="{4B4731E8-B722-4A8D-879D-71D770D64E16}" sibTransId="{5EDB3883-65F1-43C5-B2B6-715EFF19ECC3}"/>
     <dgm:cxn modelId="{FAFBA5ED-5A37-4064-B4A2-75A971CC3268}" type="presParOf" srcId="{0845D703-486E-420E-9274-3700A0D2E42F}" destId="{2CE79DA6-23CB-40EF-B25E-2E7E21767DB0}" srcOrd="0" destOrd="0" presId="urn:microsoft.com/office/officeart/2005/8/layout/process1"/>
     <dgm:cxn modelId="{B192C275-C3F4-4265-AADD-2C1838C8AD5A}" type="presParOf" srcId="{0845D703-486E-420E-9274-3700A0D2E42F}" destId="{5DCD91DB-AEF7-4C9B-BD53-8B818AE7A5C2}" srcOrd="1" destOrd="0" presId="urn:microsoft.com/office/officeart/2005/8/layout/process1"/>
     <dgm:cxn modelId="{96819B01-F420-4E26-A327-E989DB4F7FB8}" type="presParOf" srcId="{5DCD91DB-AEF7-4C9B-BD53-8B818AE7A5C2}" destId="{3053149E-F4D6-4274-BA65-86C7B0CA7EE2}" srcOrd="0" destOrd="0" presId="urn:microsoft.com/office/officeart/2005/8/layout/process1"/>
@@ -2241,13 +2192,6 @@
         </dgm:presLayoutVars>
       </dgm:prSet>
       <dgm:spPr/>
-      <dgm:t>
-        <a:bodyPr/>
-        <a:lstStyle/>
-        <a:p>
-          <a:endParaRPr lang="zh-TW" altLang="en-US"/>
-        </a:p>
-      </dgm:t>
     </dgm:pt>
     <dgm:pt modelId="{37CC57EE-2C61-4BEF-8871-3338219A9556}" type="pres">
       <dgm:prSet presAssocID="{3841A661-9951-4A9C-BD92-1E214ED1A7F1}" presName="node" presStyleLbl="node1" presStyleIdx="0" presStyleCnt="5">
@@ -2256,35 +2200,14 @@
         </dgm:presLayoutVars>
       </dgm:prSet>
       <dgm:spPr/>
-      <dgm:t>
-        <a:bodyPr/>
-        <a:lstStyle/>
-        <a:p>
-          <a:endParaRPr lang="zh-TW" altLang="en-US"/>
-        </a:p>
-      </dgm:t>
     </dgm:pt>
     <dgm:pt modelId="{602DA743-6056-422D-BD95-2E982C8777E3}" type="pres">
       <dgm:prSet presAssocID="{756101F8-E74F-47A0-88AA-37478E1324E3}" presName="sibTrans" presStyleLbl="sibTrans2D1" presStyleIdx="0" presStyleCnt="4"/>
       <dgm:spPr/>
-      <dgm:t>
-        <a:bodyPr/>
-        <a:lstStyle/>
-        <a:p>
-          <a:endParaRPr lang="zh-TW" altLang="en-US"/>
-        </a:p>
-      </dgm:t>
     </dgm:pt>
     <dgm:pt modelId="{36B23BB1-5C80-41D3-B5C8-95A6DF48DBB3}" type="pres">
       <dgm:prSet presAssocID="{756101F8-E74F-47A0-88AA-37478E1324E3}" presName="connectorText" presStyleLbl="sibTrans2D1" presStyleIdx="0" presStyleCnt="4"/>
       <dgm:spPr/>
-      <dgm:t>
-        <a:bodyPr/>
-        <a:lstStyle/>
-        <a:p>
-          <a:endParaRPr lang="zh-TW" altLang="en-US"/>
-        </a:p>
-      </dgm:t>
     </dgm:pt>
     <dgm:pt modelId="{7B16F990-18B9-4D6C-B176-426070597CF8}" type="pres">
       <dgm:prSet presAssocID="{4DE45646-C300-4293-898A-FF022B7A8FEC}" presName="node" presStyleLbl="node1" presStyleIdx="1" presStyleCnt="5">
@@ -2293,35 +2216,14 @@
         </dgm:presLayoutVars>
       </dgm:prSet>
       <dgm:spPr/>
-      <dgm:t>
-        <a:bodyPr/>
-        <a:lstStyle/>
-        <a:p>
-          <a:endParaRPr lang="zh-TW" altLang="en-US"/>
-        </a:p>
-      </dgm:t>
     </dgm:pt>
     <dgm:pt modelId="{3C52E922-05C7-42AA-9176-FEB57B8A5680}" type="pres">
       <dgm:prSet presAssocID="{D93979BF-3656-4712-9F7E-DB6980D33465}" presName="sibTrans" presStyleLbl="sibTrans2D1" presStyleIdx="1" presStyleCnt="4"/>
       <dgm:spPr/>
-      <dgm:t>
-        <a:bodyPr/>
-        <a:lstStyle/>
-        <a:p>
-          <a:endParaRPr lang="zh-TW" altLang="en-US"/>
-        </a:p>
-      </dgm:t>
     </dgm:pt>
     <dgm:pt modelId="{D7B2C42D-DBB1-487C-9662-09FCC8DF404A}" type="pres">
       <dgm:prSet presAssocID="{D93979BF-3656-4712-9F7E-DB6980D33465}" presName="connectorText" presStyleLbl="sibTrans2D1" presStyleIdx="1" presStyleCnt="4"/>
       <dgm:spPr/>
-      <dgm:t>
-        <a:bodyPr/>
-        <a:lstStyle/>
-        <a:p>
-          <a:endParaRPr lang="zh-TW" altLang="en-US"/>
-        </a:p>
-      </dgm:t>
     </dgm:pt>
     <dgm:pt modelId="{76F565FD-B22D-4E20-9E68-6737A94684D0}" type="pres">
       <dgm:prSet presAssocID="{9842FACB-53DA-4024-B6CB-EE11C52C5FCF}" presName="node" presStyleLbl="node1" presStyleIdx="2" presStyleCnt="5">
@@ -2330,35 +2232,14 @@
         </dgm:presLayoutVars>
       </dgm:prSet>
       <dgm:spPr/>
-      <dgm:t>
-        <a:bodyPr/>
-        <a:lstStyle/>
-        <a:p>
-          <a:endParaRPr lang="zh-TW" altLang="en-US"/>
-        </a:p>
-      </dgm:t>
     </dgm:pt>
     <dgm:pt modelId="{AA43AFA9-0BE9-488E-8186-653D69342068}" type="pres">
       <dgm:prSet presAssocID="{47A42E82-F7B5-4BA3-BE5D-5AC65D518851}" presName="sibTrans" presStyleLbl="sibTrans2D1" presStyleIdx="2" presStyleCnt="4"/>
       <dgm:spPr/>
-      <dgm:t>
-        <a:bodyPr/>
-        <a:lstStyle/>
-        <a:p>
-          <a:endParaRPr lang="zh-TW" altLang="en-US"/>
-        </a:p>
-      </dgm:t>
     </dgm:pt>
     <dgm:pt modelId="{8BCFD47B-7865-4BED-9116-37430C496C9D}" type="pres">
       <dgm:prSet presAssocID="{47A42E82-F7B5-4BA3-BE5D-5AC65D518851}" presName="connectorText" presStyleLbl="sibTrans2D1" presStyleIdx="2" presStyleCnt="4"/>
       <dgm:spPr/>
-      <dgm:t>
-        <a:bodyPr/>
-        <a:lstStyle/>
-        <a:p>
-          <a:endParaRPr lang="zh-TW" altLang="en-US"/>
-        </a:p>
-      </dgm:t>
     </dgm:pt>
     <dgm:pt modelId="{70F605AD-AA30-4AD0-B005-7FFA52A1F50A}" type="pres">
       <dgm:prSet presAssocID="{FEDA3F26-01B6-4969-A114-7ABFAEE737C7}" presName="node" presStyleLbl="node1" presStyleIdx="3" presStyleCnt="5">
@@ -2367,35 +2248,14 @@
         </dgm:presLayoutVars>
       </dgm:prSet>
       <dgm:spPr/>
-      <dgm:t>
-        <a:bodyPr/>
-        <a:lstStyle/>
-        <a:p>
-          <a:endParaRPr lang="zh-TW" altLang="en-US"/>
-        </a:p>
-      </dgm:t>
     </dgm:pt>
     <dgm:pt modelId="{F899D3A4-AACE-4351-8D2B-C90711F51E1E}" type="pres">
       <dgm:prSet presAssocID="{16550F19-24CF-4ABC-B1CC-FECB27126818}" presName="sibTrans" presStyleLbl="sibTrans2D1" presStyleIdx="3" presStyleCnt="4"/>
       <dgm:spPr/>
-      <dgm:t>
-        <a:bodyPr/>
-        <a:lstStyle/>
-        <a:p>
-          <a:endParaRPr lang="zh-TW" altLang="en-US"/>
-        </a:p>
-      </dgm:t>
     </dgm:pt>
     <dgm:pt modelId="{45E6E406-7772-448A-A05E-CD78783E8157}" type="pres">
       <dgm:prSet presAssocID="{16550F19-24CF-4ABC-B1CC-FECB27126818}" presName="connectorText" presStyleLbl="sibTrans2D1" presStyleIdx="3" presStyleCnt="4"/>
       <dgm:spPr/>
-      <dgm:t>
-        <a:bodyPr/>
-        <a:lstStyle/>
-        <a:p>
-          <a:endParaRPr lang="zh-TW" altLang="en-US"/>
-        </a:p>
-      </dgm:t>
     </dgm:pt>
     <dgm:pt modelId="{0F5CAC29-7CB1-4849-BDCB-86C230AA7034}" type="pres">
       <dgm:prSet presAssocID="{793924AF-61E2-402A-99A0-C3B3E57342F2}" presName="node" presStyleLbl="node1" presStyleIdx="4" presStyleCnt="5">
@@ -2404,35 +2264,28 @@
         </dgm:presLayoutVars>
       </dgm:prSet>
       <dgm:spPr/>
-      <dgm:t>
-        <a:bodyPr/>
-        <a:lstStyle/>
-        <a:p>
-          <a:endParaRPr lang="zh-TW" altLang="en-US"/>
-        </a:p>
-      </dgm:t>
     </dgm:pt>
   </dgm:ptLst>
   <dgm:cxnLst>
-    <dgm:cxn modelId="{30BE2351-8689-4EC5-AF2E-B7E46AC2636C}" srcId="{FDABFBC2-1BFD-4076-A05A-6C7F934E68D7}" destId="{793924AF-61E2-402A-99A0-C3B3E57342F2}" srcOrd="4" destOrd="0" parTransId="{63A9F1FB-F697-4CA3-9B26-79F1BC32AF6F}" sibTransId="{44D9DA1C-167F-4B0B-B2B6-B05705FA3443}"/>
-    <dgm:cxn modelId="{058ED1C2-8409-4DF6-840A-23940991EEBF}" type="presOf" srcId="{47A42E82-F7B5-4BA3-BE5D-5AC65D518851}" destId="{8BCFD47B-7865-4BED-9116-37430C496C9D}" srcOrd="1" destOrd="0" presId="urn:microsoft.com/office/officeart/2005/8/layout/process1"/>
-    <dgm:cxn modelId="{30F8D8AE-C9E3-4CFE-994A-4830256C8B51}" type="presOf" srcId="{3841A661-9951-4A9C-BD92-1E214ED1A7F1}" destId="{37CC57EE-2C61-4BEF-8871-3338219A9556}" srcOrd="0" destOrd="0" presId="urn:microsoft.com/office/officeart/2005/8/layout/process1"/>
-    <dgm:cxn modelId="{84FE14D8-3BCF-47F6-B85F-2E8574712243}" srcId="{FDABFBC2-1BFD-4076-A05A-6C7F934E68D7}" destId="{9842FACB-53DA-4024-B6CB-EE11C52C5FCF}" srcOrd="2" destOrd="0" parTransId="{2BFEF379-1AD1-4288-81DA-34236DD15E7F}" sibTransId="{47A42E82-F7B5-4BA3-BE5D-5AC65D518851}"/>
+    <dgm:cxn modelId="{BB3B5000-0AA1-4675-8502-1A5E60CFD19F}" type="presOf" srcId="{FDABFBC2-1BFD-4076-A05A-6C7F934E68D7}" destId="{72CC2932-FA6E-49B1-8F27-F0B21286E949}" srcOrd="0" destOrd="0" presId="urn:microsoft.com/office/officeart/2005/8/layout/process1"/>
+    <dgm:cxn modelId="{055FCD29-F5FA-490F-B406-E005660A5F8B}" type="presOf" srcId="{756101F8-E74F-47A0-88AA-37478E1324E3}" destId="{602DA743-6056-422D-BD95-2E982C8777E3}" srcOrd="0" destOrd="0" presId="urn:microsoft.com/office/officeart/2005/8/layout/process1"/>
+    <dgm:cxn modelId="{1BE2D033-BC5E-4C7F-9558-949D151FFC1C}" type="presOf" srcId="{9842FACB-53DA-4024-B6CB-EE11C52C5FCF}" destId="{76F565FD-B22D-4E20-9E68-6737A94684D0}" srcOrd="0" destOrd="0" presId="urn:microsoft.com/office/officeart/2005/8/layout/process1"/>
     <dgm:cxn modelId="{367FA860-0927-4193-99CC-915BA076983B}" type="presOf" srcId="{756101F8-E74F-47A0-88AA-37478E1324E3}" destId="{36B23BB1-5C80-41D3-B5C8-95A6DF48DBB3}" srcOrd="1" destOrd="0" presId="urn:microsoft.com/office/officeart/2005/8/layout/process1"/>
-    <dgm:cxn modelId="{5C9862F8-7806-4F17-B72E-02FE8EB139DB}" srcId="{FDABFBC2-1BFD-4076-A05A-6C7F934E68D7}" destId="{4DE45646-C300-4293-898A-FF022B7A8FEC}" srcOrd="1" destOrd="0" parTransId="{1CF0C8C9-4439-4D14-BC06-CA919B69D58B}" sibTransId="{D93979BF-3656-4712-9F7E-DB6980D33465}"/>
-    <dgm:cxn modelId="{0923B7DE-459B-4935-A243-854C5AA76C90}" type="presOf" srcId="{D93979BF-3656-4712-9F7E-DB6980D33465}" destId="{D7B2C42D-DBB1-487C-9662-09FCC8DF404A}" srcOrd="1" destOrd="0" presId="urn:microsoft.com/office/officeart/2005/8/layout/process1"/>
-    <dgm:cxn modelId="{055FCD29-F5FA-490F-B406-E005660A5F8B}" type="presOf" srcId="{756101F8-E74F-47A0-88AA-37478E1324E3}" destId="{602DA743-6056-422D-BD95-2E982C8777E3}" srcOrd="0" destOrd="0" presId="urn:microsoft.com/office/officeart/2005/8/layout/process1"/>
-    <dgm:cxn modelId="{FB0CF2B4-D2D7-4A36-9B81-83F508F22C6E}" type="presOf" srcId="{16550F19-24CF-4ABC-B1CC-FECB27126818}" destId="{F899D3A4-AACE-4351-8D2B-C90711F51E1E}" srcOrd="0" destOrd="0" presId="urn:microsoft.com/office/officeart/2005/8/layout/process1"/>
-    <dgm:cxn modelId="{9D5EFDC8-C6A0-4F0A-81F9-B42EA3BDE570}" srcId="{FDABFBC2-1BFD-4076-A05A-6C7F934E68D7}" destId="{3841A661-9951-4A9C-BD92-1E214ED1A7F1}" srcOrd="0" destOrd="0" parTransId="{3F532559-3F70-495C-9B87-F9D9578E35F3}" sibTransId="{756101F8-E74F-47A0-88AA-37478E1324E3}"/>
-    <dgm:cxn modelId="{43F93158-FD52-4F0C-8F3B-C4C77B650101}" type="presOf" srcId="{FEDA3F26-01B6-4969-A114-7ABFAEE737C7}" destId="{70F605AD-AA30-4AD0-B005-7FFA52A1F50A}" srcOrd="0" destOrd="0" presId="urn:microsoft.com/office/officeart/2005/8/layout/process1"/>
-    <dgm:cxn modelId="{1BE2D033-BC5E-4C7F-9558-949D151FFC1C}" type="presOf" srcId="{9842FACB-53DA-4024-B6CB-EE11C52C5FCF}" destId="{76F565FD-B22D-4E20-9E68-6737A94684D0}" srcOrd="0" destOrd="0" presId="urn:microsoft.com/office/officeart/2005/8/layout/process1"/>
-    <dgm:cxn modelId="{CEB39990-B409-400E-B30A-F60714DCAC0A}" type="presOf" srcId="{47A42E82-F7B5-4BA3-BE5D-5AC65D518851}" destId="{AA43AFA9-0BE9-488E-8186-653D69342068}" srcOrd="0" destOrd="0" presId="urn:microsoft.com/office/officeart/2005/8/layout/process1"/>
     <dgm:cxn modelId="{C324BC62-A247-40ED-B23F-366217496CDA}" type="presOf" srcId="{D93979BF-3656-4712-9F7E-DB6980D33465}" destId="{3C52E922-05C7-42AA-9176-FEB57B8A5680}" srcOrd="0" destOrd="0" presId="urn:microsoft.com/office/officeart/2005/8/layout/process1"/>
     <dgm:cxn modelId="{F9DE8870-FAC2-4655-990C-BD5C32A73D7B}" srcId="{FDABFBC2-1BFD-4076-A05A-6C7F934E68D7}" destId="{FEDA3F26-01B6-4969-A114-7ABFAEE737C7}" srcOrd="3" destOrd="0" parTransId="{CDF14BF9-343D-46A4-BE7B-0D95D9B8F5EE}" sibTransId="{16550F19-24CF-4ABC-B1CC-FECB27126818}"/>
+    <dgm:cxn modelId="{30BE2351-8689-4EC5-AF2E-B7E46AC2636C}" srcId="{FDABFBC2-1BFD-4076-A05A-6C7F934E68D7}" destId="{793924AF-61E2-402A-99A0-C3B3E57342F2}" srcOrd="4" destOrd="0" parTransId="{63A9F1FB-F697-4CA3-9B26-79F1BC32AF6F}" sibTransId="{44D9DA1C-167F-4B0B-B2B6-B05705FA3443}"/>
+    <dgm:cxn modelId="{43F93158-FD52-4F0C-8F3B-C4C77B650101}" type="presOf" srcId="{FEDA3F26-01B6-4969-A114-7ABFAEE737C7}" destId="{70F605AD-AA30-4AD0-B005-7FFA52A1F50A}" srcOrd="0" destOrd="0" presId="urn:microsoft.com/office/officeart/2005/8/layout/process1"/>
+    <dgm:cxn modelId="{A524AA80-A41F-414D-B3DE-7CB57D2A7583}" type="presOf" srcId="{16550F19-24CF-4ABC-B1CC-FECB27126818}" destId="{45E6E406-7772-448A-A05E-CD78783E8157}" srcOrd="1" destOrd="0" presId="urn:microsoft.com/office/officeart/2005/8/layout/process1"/>
+    <dgm:cxn modelId="{CEB39990-B409-400E-B30A-F60714DCAC0A}" type="presOf" srcId="{47A42E82-F7B5-4BA3-BE5D-5AC65D518851}" destId="{AA43AFA9-0BE9-488E-8186-653D69342068}" srcOrd="0" destOrd="0" presId="urn:microsoft.com/office/officeart/2005/8/layout/process1"/>
     <dgm:cxn modelId="{A08693A2-F7D1-4A1A-BB98-1698B0328EAD}" type="presOf" srcId="{793924AF-61E2-402A-99A0-C3B3E57342F2}" destId="{0F5CAC29-7CB1-4849-BDCB-86C230AA7034}" srcOrd="0" destOrd="0" presId="urn:microsoft.com/office/officeart/2005/8/layout/process1"/>
-    <dgm:cxn modelId="{A524AA80-A41F-414D-B3DE-7CB57D2A7583}" type="presOf" srcId="{16550F19-24CF-4ABC-B1CC-FECB27126818}" destId="{45E6E406-7772-448A-A05E-CD78783E8157}" srcOrd="1" destOrd="0" presId="urn:microsoft.com/office/officeart/2005/8/layout/process1"/>
+    <dgm:cxn modelId="{30F8D8AE-C9E3-4CFE-994A-4830256C8B51}" type="presOf" srcId="{3841A661-9951-4A9C-BD92-1E214ED1A7F1}" destId="{37CC57EE-2C61-4BEF-8871-3338219A9556}" srcOrd="0" destOrd="0" presId="urn:microsoft.com/office/officeart/2005/8/layout/process1"/>
+    <dgm:cxn modelId="{FB0CF2B4-D2D7-4A36-9B81-83F508F22C6E}" type="presOf" srcId="{16550F19-24CF-4ABC-B1CC-FECB27126818}" destId="{F899D3A4-AACE-4351-8D2B-C90711F51E1E}" srcOrd="0" destOrd="0" presId="urn:microsoft.com/office/officeart/2005/8/layout/process1"/>
+    <dgm:cxn modelId="{058ED1C2-8409-4DF6-840A-23940991EEBF}" type="presOf" srcId="{47A42E82-F7B5-4BA3-BE5D-5AC65D518851}" destId="{8BCFD47B-7865-4BED-9116-37430C496C9D}" srcOrd="1" destOrd="0" presId="urn:microsoft.com/office/officeart/2005/8/layout/process1"/>
+    <dgm:cxn modelId="{9D5EFDC8-C6A0-4F0A-81F9-B42EA3BDE570}" srcId="{FDABFBC2-1BFD-4076-A05A-6C7F934E68D7}" destId="{3841A661-9951-4A9C-BD92-1E214ED1A7F1}" srcOrd="0" destOrd="0" parTransId="{3F532559-3F70-495C-9B87-F9D9578E35F3}" sibTransId="{756101F8-E74F-47A0-88AA-37478E1324E3}"/>
+    <dgm:cxn modelId="{84FE14D8-3BCF-47F6-B85F-2E8574712243}" srcId="{FDABFBC2-1BFD-4076-A05A-6C7F934E68D7}" destId="{9842FACB-53DA-4024-B6CB-EE11C52C5FCF}" srcOrd="2" destOrd="0" parTransId="{2BFEF379-1AD1-4288-81DA-34236DD15E7F}" sibTransId="{47A42E82-F7B5-4BA3-BE5D-5AC65D518851}"/>
+    <dgm:cxn modelId="{0923B7DE-459B-4935-A243-854C5AA76C90}" type="presOf" srcId="{D93979BF-3656-4712-9F7E-DB6980D33465}" destId="{D7B2C42D-DBB1-487C-9662-09FCC8DF404A}" srcOrd="1" destOrd="0" presId="urn:microsoft.com/office/officeart/2005/8/layout/process1"/>
     <dgm:cxn modelId="{622786F3-EFC3-4D32-BEC0-99F5A752EA66}" type="presOf" srcId="{4DE45646-C300-4293-898A-FF022B7A8FEC}" destId="{7B16F990-18B9-4D6C-B176-426070597CF8}" srcOrd="0" destOrd="0" presId="urn:microsoft.com/office/officeart/2005/8/layout/process1"/>
-    <dgm:cxn modelId="{BB3B5000-0AA1-4675-8502-1A5E60CFD19F}" type="presOf" srcId="{FDABFBC2-1BFD-4076-A05A-6C7F934E68D7}" destId="{72CC2932-FA6E-49B1-8F27-F0B21286E949}" srcOrd="0" destOrd="0" presId="urn:microsoft.com/office/officeart/2005/8/layout/process1"/>
+    <dgm:cxn modelId="{5C9862F8-7806-4F17-B72E-02FE8EB139DB}" srcId="{FDABFBC2-1BFD-4076-A05A-6C7F934E68D7}" destId="{4DE45646-C300-4293-898A-FF022B7A8FEC}" srcOrd="1" destOrd="0" parTransId="{1CF0C8C9-4439-4D14-BC06-CA919B69D58B}" sibTransId="{D93979BF-3656-4712-9F7E-DB6980D33465}"/>
     <dgm:cxn modelId="{9328D5E6-5E6D-4757-964E-D6CBD3284DFA}" type="presParOf" srcId="{72CC2932-FA6E-49B1-8F27-F0B21286E949}" destId="{37CC57EE-2C61-4BEF-8871-3338219A9556}" srcOrd="0" destOrd="0" presId="urn:microsoft.com/office/officeart/2005/8/layout/process1"/>
     <dgm:cxn modelId="{8A906B85-32A7-46E4-9634-0FC34A7C09B0}" type="presParOf" srcId="{72CC2932-FA6E-49B1-8F27-F0B21286E949}" destId="{602DA743-6056-422D-BD95-2E982C8777E3}" srcOrd="1" destOrd="0" presId="urn:microsoft.com/office/officeart/2005/8/layout/process1"/>
     <dgm:cxn modelId="{9759ECC1-F92A-4ADC-B7AB-DB2CF3327DDE}" type="presParOf" srcId="{602DA743-6056-422D-BD95-2E982C8777E3}" destId="{36B23BB1-5C80-41D3-B5C8-95A6DF48DBB3}" srcOrd="0" destOrd="0" presId="urn:microsoft.com/office/officeart/2005/8/layout/process1"/>
@@ -2512,7 +2365,7 @@
         </a:bodyPr>
         <a:lstStyle/>
         <a:p>
-          <a:pPr lvl="0" algn="ctr" defTabSz="1200150">
+          <a:pPr marL="0" lvl="0" indent="0" algn="ctr" defTabSz="1200150">
             <a:lnSpc>
               <a:spcPct val="90000"/>
             </a:lnSpc>
@@ -2522,6 +2375,7 @@
             <a:spcAft>
               <a:spcPct val="35000"/>
             </a:spcAft>
+            <a:buNone/>
           </a:pPr>
           <a:r>
             <a:rPr lang="zh-TW" altLang="en-US" sz="2700" kern="1200" dirty="0">
@@ -2588,7 +2442,7 @@
         </a:bodyPr>
         <a:lstStyle/>
         <a:p>
-          <a:pPr lvl="0" algn="ctr" defTabSz="977900">
+          <a:pPr marL="0" lvl="0" indent="0" algn="ctr" defTabSz="977900">
             <a:lnSpc>
               <a:spcPct val="90000"/>
             </a:lnSpc>
@@ -2598,6 +2452,7 @@
             <a:spcAft>
               <a:spcPct val="35000"/>
             </a:spcAft>
+            <a:buNone/>
           </a:pPr>
           <a:endParaRPr lang="zh-TW" altLang="en-US" sz="2200" kern="1200"/>
         </a:p>
@@ -2654,7 +2509,7 @@
         </a:bodyPr>
         <a:lstStyle/>
         <a:p>
-          <a:pPr lvl="0" algn="ctr" defTabSz="1200150">
+          <a:pPr marL="0" lvl="0" indent="0" algn="ctr" defTabSz="1200150">
             <a:lnSpc>
               <a:spcPct val="90000"/>
             </a:lnSpc>
@@ -2664,6 +2519,7 @@
             <a:spcAft>
               <a:spcPct val="35000"/>
             </a:spcAft>
+            <a:buNone/>
           </a:pPr>
           <a:r>
             <a:rPr lang="zh-TW" altLang="en-US" sz="2700" kern="1200" dirty="0">
@@ -2730,7 +2586,7 @@
         </a:bodyPr>
         <a:lstStyle/>
         <a:p>
-          <a:pPr lvl="0" algn="ctr" defTabSz="977900">
+          <a:pPr marL="0" lvl="0" indent="0" algn="ctr" defTabSz="977900">
             <a:lnSpc>
               <a:spcPct val="90000"/>
             </a:lnSpc>
@@ -2740,6 +2596,7 @@
             <a:spcAft>
               <a:spcPct val="35000"/>
             </a:spcAft>
+            <a:buNone/>
           </a:pPr>
           <a:endParaRPr lang="zh-TW" altLang="en-US" sz="2200" kern="1200"/>
         </a:p>
@@ -2796,7 +2653,7 @@
         </a:bodyPr>
         <a:lstStyle/>
         <a:p>
-          <a:pPr lvl="0" algn="ctr" defTabSz="1200150">
+          <a:pPr marL="0" lvl="0" indent="0" algn="ctr" defTabSz="1200150">
             <a:lnSpc>
               <a:spcPct val="90000"/>
             </a:lnSpc>
@@ -2806,6 +2663,7 @@
             <a:spcAft>
               <a:spcPct val="35000"/>
             </a:spcAft>
+            <a:buNone/>
           </a:pPr>
           <a:r>
             <a:rPr lang="en-US" altLang="zh-TW" sz="2700" kern="1200" dirty="0">
@@ -2885,7 +2743,7 @@
         </a:bodyPr>
         <a:lstStyle/>
         <a:p>
-          <a:pPr lvl="0" algn="ctr" defTabSz="800100">
+          <a:pPr marL="0" lvl="0" indent="0" algn="ctr" defTabSz="800100">
             <a:lnSpc>
               <a:spcPct val="90000"/>
             </a:lnSpc>
@@ -2895,6 +2753,7 @@
             <a:spcAft>
               <a:spcPct val="35000"/>
             </a:spcAft>
+            <a:buNone/>
           </a:pPr>
           <a:r>
             <a:rPr lang="zh-TW" altLang="en-US" sz="1800" b="0" kern="1200" dirty="0">
@@ -2963,7 +2822,7 @@
         </a:bodyPr>
         <a:lstStyle/>
         <a:p>
-          <a:pPr lvl="0" algn="ctr" defTabSz="755650">
+          <a:pPr marL="0" lvl="0" indent="0" algn="ctr" defTabSz="755650">
             <a:lnSpc>
               <a:spcPct val="90000"/>
             </a:lnSpc>
@@ -2973,6 +2832,7 @@
             <a:spcAft>
               <a:spcPct val="35000"/>
             </a:spcAft>
+            <a:buNone/>
           </a:pPr>
           <a:endParaRPr lang="zh-TW" altLang="en-US" sz="1700" kern="1200"/>
         </a:p>
@@ -3028,7 +2888,7 @@
         </a:bodyPr>
         <a:lstStyle/>
         <a:p>
-          <a:pPr lvl="0" algn="ctr" defTabSz="933450">
+          <a:pPr marL="0" lvl="0" indent="0" algn="ctr" defTabSz="933450">
             <a:lnSpc>
               <a:spcPct val="90000"/>
             </a:lnSpc>
@@ -3038,6 +2898,7 @@
             <a:spcAft>
               <a:spcPct val="35000"/>
             </a:spcAft>
+            <a:buNone/>
           </a:pPr>
           <a:r>
             <a:rPr lang="zh-TW" altLang="en-US" sz="2100" kern="1200" dirty="0">
@@ -3103,7 +2964,7 @@
         </a:bodyPr>
         <a:lstStyle/>
         <a:p>
-          <a:pPr lvl="0" algn="ctr" defTabSz="755650">
+          <a:pPr marL="0" lvl="0" indent="0" algn="ctr" defTabSz="755650">
             <a:lnSpc>
               <a:spcPct val="90000"/>
             </a:lnSpc>
@@ -3113,6 +2974,7 @@
             <a:spcAft>
               <a:spcPct val="35000"/>
             </a:spcAft>
+            <a:buNone/>
           </a:pPr>
           <a:endParaRPr lang="zh-TW" altLang="en-US" sz="1700" kern="1200"/>
         </a:p>
@@ -3168,7 +3030,7 @@
         </a:bodyPr>
         <a:lstStyle/>
         <a:p>
-          <a:pPr lvl="0" algn="ctr" defTabSz="933450">
+          <a:pPr marL="0" lvl="0" indent="0" algn="ctr" defTabSz="933450">
             <a:lnSpc>
               <a:spcPct val="90000"/>
             </a:lnSpc>
@@ -3178,6 +3040,7 @@
             <a:spcAft>
               <a:spcPct val="35000"/>
             </a:spcAft>
+            <a:buNone/>
           </a:pPr>
           <a:r>
             <a:rPr lang="zh-TW" altLang="en-US" sz="2100" kern="1200" dirty="0">
@@ -3243,7 +3106,7 @@
         </a:bodyPr>
         <a:lstStyle/>
         <a:p>
-          <a:pPr lvl="0" algn="ctr" defTabSz="755650">
+          <a:pPr marL="0" lvl="0" indent="0" algn="ctr" defTabSz="755650">
             <a:lnSpc>
               <a:spcPct val="90000"/>
             </a:lnSpc>
@@ -3253,6 +3116,7 @@
             <a:spcAft>
               <a:spcPct val="35000"/>
             </a:spcAft>
+            <a:buNone/>
           </a:pPr>
           <a:endParaRPr lang="zh-TW" altLang="en-US" sz="1700" kern="1200"/>
         </a:p>
@@ -3308,7 +3172,7 @@
         </a:bodyPr>
         <a:lstStyle/>
         <a:p>
-          <a:pPr lvl="0" algn="ctr" defTabSz="933450">
+          <a:pPr marL="0" lvl="0" indent="0" algn="ctr" defTabSz="933450">
             <a:lnSpc>
               <a:spcPct val="90000"/>
             </a:lnSpc>
@@ -3318,6 +3182,7 @@
             <a:spcAft>
               <a:spcPct val="35000"/>
             </a:spcAft>
+            <a:buNone/>
           </a:pPr>
           <a:r>
             <a:rPr lang="zh-TW" altLang="en-US" sz="2100" b="0" i="0" kern="1200" dirty="0">
@@ -3387,7 +3252,7 @@
         </a:bodyPr>
         <a:lstStyle/>
         <a:p>
-          <a:pPr lvl="0" algn="ctr" defTabSz="755650">
+          <a:pPr marL="0" lvl="0" indent="0" algn="ctr" defTabSz="755650">
             <a:lnSpc>
               <a:spcPct val="90000"/>
             </a:lnSpc>
@@ -3397,6 +3262,7 @@
             <a:spcAft>
               <a:spcPct val="35000"/>
             </a:spcAft>
+            <a:buNone/>
           </a:pPr>
           <a:endParaRPr lang="zh-TW" altLang="en-US" sz="1700" kern="1200"/>
         </a:p>
@@ -3452,7 +3318,7 @@
         </a:bodyPr>
         <a:lstStyle/>
         <a:p>
-          <a:pPr lvl="0" algn="ctr" defTabSz="933450">
+          <a:pPr marL="0" lvl="0" indent="0" algn="ctr" defTabSz="933450">
             <a:lnSpc>
               <a:spcPct val="90000"/>
             </a:lnSpc>
@@ -3462,6 +3328,7 @@
             <a:spcAft>
               <a:spcPct val="35000"/>
             </a:spcAft>
+            <a:buNone/>
           </a:pPr>
           <a:r>
             <a:rPr lang="en-US" altLang="zh-TW" sz="2100" kern="1200" dirty="0">
@@ -3486,7 +3353,7 @@
           </a:r>
         </a:p>
         <a:p>
-          <a:pPr lvl="0" algn="ctr" defTabSz="933450">
+          <a:pPr marL="0" lvl="0" indent="0" algn="ctr" defTabSz="933450">
             <a:lnSpc>
               <a:spcPct val="90000"/>
             </a:lnSpc>
@@ -3496,6 +3363,7 @@
             <a:spcAft>
               <a:spcPct val="35000"/>
             </a:spcAft>
+            <a:buNone/>
           </a:pPr>
           <a:r>
             <a:rPr lang="zh-TW" altLang="en-US" sz="2100" kern="1200" dirty="0">
@@ -5957,7 +5825,7 @@
           <a:p>
             <a:fld id="{1B5B2B25-029B-4A4B-9AB4-347266731903}" type="datetimeFigureOut">
               <a:rPr lang="zh-TW" altLang="en-US" smtClean="0"/>
-              <a:t>2024/4/17</a:t>
+              <a:t>2024/4/18</a:t>
             </a:fld>
             <a:endParaRPr lang="zh-TW" altLang="en-US"/>
           </a:p>
@@ -6021,38 +5889,37 @@
           <a:p>
             <a:pPr lvl="0"/>
             <a:r>
-              <a:rPr lang="zh-TW" altLang="en-US" smtClean="0"/>
+              <a:rPr lang="zh-TW" altLang="en-US"/>
               <a:t>編輯母片文字樣式</a:t>
             </a:r>
           </a:p>
           <a:p>
             <a:pPr lvl="1"/>
             <a:r>
-              <a:rPr lang="zh-TW" altLang="en-US" smtClean="0"/>
+              <a:rPr lang="zh-TW" altLang="en-US"/>
               <a:t>第二層</a:t>
             </a:r>
           </a:p>
           <a:p>
             <a:pPr lvl="2"/>
             <a:r>
-              <a:rPr lang="zh-TW" altLang="en-US" smtClean="0"/>
+              <a:rPr lang="zh-TW" altLang="en-US"/>
               <a:t>第三層</a:t>
             </a:r>
           </a:p>
           <a:p>
             <a:pPr lvl="3"/>
             <a:r>
-              <a:rPr lang="zh-TW" altLang="en-US" smtClean="0"/>
+              <a:rPr lang="zh-TW" altLang="en-US"/>
               <a:t>第四層</a:t>
             </a:r>
           </a:p>
           <a:p>
             <a:pPr lvl="4"/>
             <a:r>
-              <a:rPr lang="zh-TW" altLang="en-US" smtClean="0"/>
+              <a:rPr lang="zh-TW" altLang="en-US"/>
               <a:t>第五層</a:t>
             </a:r>
-            <a:endParaRPr lang="zh-TW" altLang="en-US"/>
           </a:p>
         </p:txBody>
       </p:sp>
@@ -6579,9 +6446,9 @@
           <a:bodyPr/>
           <a:lstStyle/>
           <a:p>
-            <a:fld id="{E571BEFF-2CDC-453C-8E22-E6758267B1F9}" type="datetimeFigureOut">
+            <a:fld id="{4CF0B79D-5D14-4924-A42B-FAD168DA3E2A}" type="datetime1">
               <a:rPr lang="zh-TW" altLang="en-US" smtClean="0"/>
-              <a:t>2024/4/17</a:t>
+              <a:t>2024/4/18</a:t>
             </a:fld>
             <a:endParaRPr lang="zh-TW" altLang="en-US"/>
           </a:p>
@@ -6917,9 +6784,9 @@
           <a:bodyPr/>
           <a:lstStyle/>
           <a:p>
-            <a:fld id="{E571BEFF-2CDC-453C-8E22-E6758267B1F9}" type="datetimeFigureOut">
+            <a:fld id="{9D4F96FF-854B-402D-A101-66FBC32B3BA0}" type="datetime1">
               <a:rPr lang="zh-TW" altLang="en-US" smtClean="0"/>
-              <a:t>2024/4/17</a:t>
+              <a:t>2024/4/18</a:t>
             </a:fld>
             <a:endParaRPr lang="zh-TW" altLang="en-US"/>
           </a:p>
@@ -7318,9 +7185,9 @@
           <a:bodyPr/>
           <a:lstStyle/>
           <a:p>
-            <a:fld id="{E571BEFF-2CDC-453C-8E22-E6758267B1F9}" type="datetimeFigureOut">
+            <a:fld id="{8EEDB586-DE3A-483E-B37B-39B37F360F84}" type="datetime1">
               <a:rPr lang="zh-TW" altLang="en-US" smtClean="0"/>
-              <a:t>2024/4/17</a:t>
+              <a:t>2024/4/18</a:t>
             </a:fld>
             <a:endParaRPr lang="zh-TW" altLang="en-US"/>
           </a:p>
@@ -7654,9 +7521,9 @@
           <a:bodyPr/>
           <a:lstStyle/>
           <a:p>
-            <a:fld id="{E571BEFF-2CDC-453C-8E22-E6758267B1F9}" type="datetimeFigureOut">
+            <a:fld id="{BBC1586D-84FE-41B7-A571-7BD479CC66FE}" type="datetime1">
               <a:rPr lang="zh-TW" altLang="en-US" smtClean="0"/>
-              <a:t>2024/4/17</a:t>
+              <a:t>2024/4/18</a:t>
             </a:fld>
             <a:endParaRPr lang="zh-TW" altLang="en-US"/>
           </a:p>
@@ -7974,9 +7841,9 @@
           <a:bodyPr/>
           <a:lstStyle/>
           <a:p>
-            <a:fld id="{E571BEFF-2CDC-453C-8E22-E6758267B1F9}" type="datetimeFigureOut">
+            <a:fld id="{A925C2F4-2658-4278-8886-E874B6D801AA}" type="datetime1">
               <a:rPr lang="zh-TW" altLang="en-US" smtClean="0"/>
-              <a:t>2024/4/17</a:t>
+              <a:t>2024/4/18</a:t>
             </a:fld>
             <a:endParaRPr lang="zh-TW" altLang="en-US"/>
           </a:p>
@@ -8370,9 +8237,9 @@
           <a:bodyPr/>
           <a:lstStyle/>
           <a:p>
-            <a:fld id="{E571BEFF-2CDC-453C-8E22-E6758267B1F9}" type="datetimeFigureOut">
+            <a:fld id="{A833D7D4-F66D-4029-B1D4-1A65BE2F09C1}" type="datetime1">
               <a:rPr lang="zh-TW" altLang="en-US" smtClean="0"/>
-              <a:t>2024/4/17</a:t>
+              <a:t>2024/4/18</a:t>
             </a:fld>
             <a:endParaRPr lang="zh-TW" altLang="en-US"/>
           </a:p>
@@ -8627,9 +8494,9 @@
           <a:bodyPr/>
           <a:lstStyle/>
           <a:p>
-            <a:fld id="{E571BEFF-2CDC-453C-8E22-E6758267B1F9}" type="datetimeFigureOut">
+            <a:fld id="{42FBB3F3-0ABE-4932-B732-E0B2FEBAFC7E}" type="datetime1">
               <a:rPr lang="zh-TW" altLang="en-US" smtClean="0"/>
-              <a:t>2024/4/17</a:t>
+              <a:t>2024/4/18</a:t>
             </a:fld>
             <a:endParaRPr lang="zh-TW" altLang="en-US"/>
           </a:p>
@@ -8889,9 +8756,9 @@
           <a:bodyPr/>
           <a:lstStyle/>
           <a:p>
-            <a:fld id="{E571BEFF-2CDC-453C-8E22-E6758267B1F9}" type="datetimeFigureOut">
+            <a:fld id="{13DA514E-4726-418C-A9D2-440D6F796380}" type="datetime1">
               <a:rPr lang="zh-TW" altLang="en-US" smtClean="0"/>
-              <a:t>2024/4/17</a:t>
+              <a:t>2024/4/18</a:t>
             </a:fld>
             <a:endParaRPr lang="zh-TW" altLang="en-US"/>
           </a:p>
@@ -9151,9 +9018,9 @@
           <a:bodyPr/>
           <a:lstStyle/>
           <a:p>
-            <a:fld id="{E571BEFF-2CDC-453C-8E22-E6758267B1F9}" type="datetimeFigureOut">
+            <a:fld id="{934C0D1D-AFEE-4C19-A4EC-DCA9F31E58C3}" type="datetime1">
               <a:rPr lang="zh-TW" altLang="en-US" smtClean="0"/>
-              <a:t>2024/4/17</a:t>
+              <a:t>2024/4/18</a:t>
             </a:fld>
             <a:endParaRPr lang="zh-TW" altLang="en-US"/>
           </a:p>
@@ -9480,9 +9347,9 @@
           <a:bodyPr/>
           <a:lstStyle/>
           <a:p>
-            <a:fld id="{E571BEFF-2CDC-453C-8E22-E6758267B1F9}" type="datetimeFigureOut">
+            <a:fld id="{9C1E8DD4-ECAE-4938-A94B-9C1498B9CAA0}" type="datetime1">
               <a:rPr lang="zh-TW" altLang="en-US" smtClean="0"/>
-              <a:t>2024/4/17</a:t>
+              <a:t>2024/4/18</a:t>
             </a:fld>
             <a:endParaRPr lang="zh-TW" altLang="en-US"/>
           </a:p>
@@ -9803,9 +9670,9 @@
           <a:bodyPr/>
           <a:lstStyle/>
           <a:p>
-            <a:fld id="{E571BEFF-2CDC-453C-8E22-E6758267B1F9}" type="datetimeFigureOut">
+            <a:fld id="{1BB93F7C-8AAD-43C1-B0F3-BFCE4656BC63}" type="datetime1">
               <a:rPr lang="zh-TW" altLang="en-US" smtClean="0"/>
-              <a:t>2024/4/17</a:t>
+              <a:t>2024/4/18</a:t>
             </a:fld>
             <a:endParaRPr lang="zh-TW" altLang="en-US"/>
           </a:p>
@@ -10260,9 +10127,9 @@
           <a:bodyPr/>
           <a:lstStyle/>
           <a:p>
-            <a:fld id="{E571BEFF-2CDC-453C-8E22-E6758267B1F9}" type="datetimeFigureOut">
+            <a:fld id="{DF94B7A6-C5EA-482F-B1FA-95CA0B2D1F39}" type="datetime1">
               <a:rPr lang="zh-TW" altLang="en-US" smtClean="0"/>
-              <a:t>2024/4/17</a:t>
+              <a:t>2024/4/18</a:t>
             </a:fld>
             <a:endParaRPr lang="zh-TW" altLang="en-US"/>
           </a:p>
@@ -10465,9 +10332,9 @@
           <a:bodyPr/>
           <a:lstStyle/>
           <a:p>
-            <a:fld id="{E571BEFF-2CDC-453C-8E22-E6758267B1F9}" type="datetimeFigureOut">
+            <a:fld id="{679DEDF1-B9E9-4810-A7EB-0357EF6763C7}" type="datetime1">
               <a:rPr lang="zh-TW" altLang="en-US" smtClean="0"/>
-              <a:t>2024/4/17</a:t>
+              <a:t>2024/4/18</a:t>
             </a:fld>
             <a:endParaRPr lang="zh-TW" altLang="en-US"/>
           </a:p>
@@ -10642,9 +10509,9 @@
           <a:bodyPr/>
           <a:lstStyle/>
           <a:p>
-            <a:fld id="{E571BEFF-2CDC-453C-8E22-E6758267B1F9}" type="datetimeFigureOut">
+            <a:fld id="{9E896313-4561-4282-BFED-F95808D8E18C}" type="datetime1">
               <a:rPr lang="zh-TW" altLang="en-US" smtClean="0"/>
-              <a:t>2024/4/17</a:t>
+              <a:t>2024/4/18</a:t>
             </a:fld>
             <a:endParaRPr lang="zh-TW" altLang="en-US"/>
           </a:p>
@@ -10975,9 +10842,9 @@
           <a:bodyPr/>
           <a:lstStyle/>
           <a:p>
-            <a:fld id="{E571BEFF-2CDC-453C-8E22-E6758267B1F9}" type="datetimeFigureOut">
+            <a:fld id="{5595B253-71AE-40C7-A2F0-2E0FAA28508B}" type="datetime1">
               <a:rPr lang="zh-TW" altLang="en-US" smtClean="0"/>
-              <a:t>2024/4/17</a:t>
+              <a:t>2024/4/18</a:t>
             </a:fld>
             <a:endParaRPr lang="zh-TW" altLang="en-US"/>
           </a:p>
@@ -11320,9 +11187,9 @@
           <a:bodyPr/>
           <a:lstStyle/>
           <a:p>
-            <a:fld id="{E571BEFF-2CDC-453C-8E22-E6758267B1F9}" type="datetimeFigureOut">
+            <a:fld id="{D055361F-3B9D-4388-A100-1C36227602B9}" type="datetime1">
               <a:rPr lang="zh-TW" altLang="en-US" smtClean="0"/>
-              <a:t>2024/4/17</a:t>
+              <a:t>2024/4/18</a:t>
             </a:fld>
             <a:endParaRPr lang="zh-TW" altLang="en-US"/>
           </a:p>
@@ -13451,9 +13318,9 @@
             </a:lvl1pPr>
           </a:lstStyle>
           <a:p>
-            <a:fld id="{E571BEFF-2CDC-453C-8E22-E6758267B1F9}" type="datetimeFigureOut">
+            <a:fld id="{BD26848E-0060-44FC-AD9F-9830066345CA}" type="datetime1">
               <a:rPr lang="zh-TW" altLang="en-US" smtClean="0"/>
-              <a:t>2024/4/17</a:t>
+              <a:t>2024/4/18</a:t>
             </a:fld>
             <a:endParaRPr lang="zh-TW" altLang="en-US"/>
           </a:p>
@@ -13561,6 +13428,7 @@
     <p:sldLayoutId id="2147483693" r:id="rId15"/>
     <p:sldLayoutId id="2147483694" r:id="rId16"/>
   </p:sldLayoutIdLst>
+  <p:hf hdr="0" ftr="0" dt="0"/>
   <p:txStyles>
     <p:titleStyle>
       <a:lvl1pPr algn="l" defTabSz="457200" rtl="0" eaLnBrk="1" latinLnBrk="0" hangingPunct="1">
@@ -14171,6 +14039,48 @@
           </a:p>
         </p:txBody>
       </p:sp>
+      <p:sp>
+        <p:nvSpPr>
+          <p:cNvPr id="4" name="投影片編號版面配置區 3">
+            <a:extLst>
+              <a:ext uri="{FF2B5EF4-FFF2-40B4-BE49-F238E27FC236}">
+                <a16:creationId xmlns:a16="http://schemas.microsoft.com/office/drawing/2014/main" id="{54D3A8E7-2446-4051-810F-C8200F79A9C5}"/>
+              </a:ext>
+            </a:extLst>
+          </p:cNvPr>
+          <p:cNvSpPr>
+            <a:spLocks noGrp="1"/>
+          </p:cNvSpPr>
+          <p:nvPr>
+            <p:ph type="sldNum" sz="quarter" idx="12"/>
+          </p:nvPr>
+        </p:nvSpPr>
+        <p:spPr>
+          <a:xfrm>
+            <a:off x="11412233" y="6492875"/>
+            <a:ext cx="779767" cy="365125"/>
+          </a:xfrm>
+        </p:spPr>
+        <p:txBody>
+          <a:bodyPr/>
+          <a:lstStyle/>
+          <a:p>
+            <a:fld id="{198CCF71-D315-4EBA-8BEC-176ABDF74514}" type="slidenum">
+              <a:rPr lang="zh-TW" altLang="en-US" smtClean="0">
+                <a:solidFill>
+                  <a:schemeClr val="tx1"/>
+                </a:solidFill>
+              </a:rPr>
+              <a:t>1</a:t>
+            </a:fld>
+            <a:endParaRPr lang="zh-TW" altLang="en-US" dirty="0">
+              <a:solidFill>
+                <a:schemeClr val="tx1"/>
+              </a:solidFill>
+            </a:endParaRPr>
+          </a:p>
+        </p:txBody>
+      </p:sp>
     </p:spTree>
     <p:extLst>
       <p:ext uri="{BB962C8B-B14F-4D97-AF65-F5344CB8AC3E}">
@@ -14181,13 +14091,13 @@
   <p:clrMapOvr>
     <a:masterClrMapping/>
   </p:clrMapOvr>
-  <mc:AlternateContent xmlns:mc="http://schemas.openxmlformats.org/markup-compatibility/2006">
-    <mc:Choice xmlns:p14="http://schemas.microsoft.com/office/powerpoint/2010/main" Requires="p14">
+  <mc:AlternateContent xmlns:mc="http://schemas.openxmlformats.org/markup-compatibility/2006" xmlns:p14="http://schemas.microsoft.com/office/powerpoint/2010/main">
+    <mc:Choice Requires="p14">
       <p:transition spd="slow" p14:dur="2000">
         <p:cut/>
       </p:transition>
     </mc:Choice>
-    <mc:Fallback>
+    <mc:Fallback xmlns="">
       <p:transition spd="slow">
         <p:cut/>
       </p:transition>
@@ -14334,6 +14244,173 @@
           </a:p>
         </p:txBody>
       </p:sp>
+      <p:sp>
+        <p:nvSpPr>
+          <p:cNvPr id="3" name="投影片編號版面配置區 2">
+            <a:extLst>
+              <a:ext uri="{FF2B5EF4-FFF2-40B4-BE49-F238E27FC236}">
+                <a16:creationId xmlns:a16="http://schemas.microsoft.com/office/drawing/2014/main" id="{C2F2C348-0CB2-49D8-92D7-7C9D4B246965}"/>
+              </a:ext>
+            </a:extLst>
+          </p:cNvPr>
+          <p:cNvSpPr>
+            <a:spLocks noGrp="1"/>
+          </p:cNvSpPr>
+          <p:nvPr>
+            <p:ph type="sldNum" sz="quarter" idx="12"/>
+          </p:nvPr>
+        </p:nvSpPr>
+        <p:spPr/>
+        <p:txBody>
+          <a:bodyPr/>
+          <a:lstStyle/>
+          <a:p>
+            <a:fld id="{198CCF71-D315-4EBA-8BEC-176ABDF74514}" type="slidenum">
+              <a:rPr lang="zh-TW" altLang="en-US" smtClean="0"/>
+              <a:t>10</a:t>
+            </a:fld>
+            <a:endParaRPr lang="zh-TW" altLang="en-US"/>
+          </a:p>
+        </p:txBody>
+      </p:sp>
+      <p:sp>
+        <p:nvSpPr>
+          <p:cNvPr id="6" name="投影片編號版面配置區 3">
+            <a:extLst>
+              <a:ext uri="{FF2B5EF4-FFF2-40B4-BE49-F238E27FC236}">
+                <a16:creationId xmlns:a16="http://schemas.microsoft.com/office/drawing/2014/main" id="{A23FE935-88D7-4661-A745-844422264EB0}"/>
+              </a:ext>
+            </a:extLst>
+          </p:cNvPr>
+          <p:cNvSpPr txBox="1">
+            <a:spLocks/>
+          </p:cNvSpPr>
+          <p:nvPr/>
+        </p:nvSpPr>
+        <p:spPr bwMode="gray">
+          <a:xfrm>
+            <a:off x="11412233" y="6492875"/>
+            <a:ext cx="779767" cy="365125"/>
+          </a:xfrm>
+          <a:prstGeom prst="rect">
+            <a:avLst/>
+          </a:prstGeom>
+        </p:spPr>
+        <p:txBody>
+          <a:bodyPr vert="horz" lIns="91440" tIns="45720" rIns="91440" bIns="45720" rtlCol="0" anchor="ctr"/>
+          <a:lstStyle>
+            <a:defPPr>
+              <a:defRPr lang="en-US"/>
+            </a:defPPr>
+            <a:lvl1pPr marL="0" algn="r" defTabSz="457200" rtl="0" eaLnBrk="1" latinLnBrk="0" hangingPunct="1">
+              <a:defRPr sz="2000" kern="1200">
+                <a:solidFill>
+                  <a:srgbClr val="FEFFFF"/>
+                </a:solidFill>
+                <a:latin typeface="+mn-lt"/>
+                <a:ea typeface="+mn-ea"/>
+                <a:cs typeface="+mn-cs"/>
+              </a:defRPr>
+            </a:lvl1pPr>
+            <a:lvl2pPr marL="457200" algn="l" defTabSz="457200" rtl="0" eaLnBrk="1" latinLnBrk="0" hangingPunct="1">
+              <a:defRPr sz="1800" kern="1200">
+                <a:solidFill>
+                  <a:schemeClr val="tx1"/>
+                </a:solidFill>
+                <a:latin typeface="+mn-lt"/>
+                <a:ea typeface="+mn-ea"/>
+                <a:cs typeface="+mn-cs"/>
+              </a:defRPr>
+            </a:lvl2pPr>
+            <a:lvl3pPr marL="914400" algn="l" defTabSz="457200" rtl="0" eaLnBrk="1" latinLnBrk="0" hangingPunct="1">
+              <a:defRPr sz="1800" kern="1200">
+                <a:solidFill>
+                  <a:schemeClr val="tx1"/>
+                </a:solidFill>
+                <a:latin typeface="+mn-lt"/>
+                <a:ea typeface="+mn-ea"/>
+                <a:cs typeface="+mn-cs"/>
+              </a:defRPr>
+            </a:lvl3pPr>
+            <a:lvl4pPr marL="1371600" algn="l" defTabSz="457200" rtl="0" eaLnBrk="1" latinLnBrk="0" hangingPunct="1">
+              <a:defRPr sz="1800" kern="1200">
+                <a:solidFill>
+                  <a:schemeClr val="tx1"/>
+                </a:solidFill>
+                <a:latin typeface="+mn-lt"/>
+                <a:ea typeface="+mn-ea"/>
+                <a:cs typeface="+mn-cs"/>
+              </a:defRPr>
+            </a:lvl4pPr>
+            <a:lvl5pPr marL="1828800" algn="l" defTabSz="457200" rtl="0" eaLnBrk="1" latinLnBrk="0" hangingPunct="1">
+              <a:defRPr sz="1800" kern="1200">
+                <a:solidFill>
+                  <a:schemeClr val="tx1"/>
+                </a:solidFill>
+                <a:latin typeface="+mn-lt"/>
+                <a:ea typeface="+mn-ea"/>
+                <a:cs typeface="+mn-cs"/>
+              </a:defRPr>
+            </a:lvl5pPr>
+            <a:lvl6pPr marL="2286000" algn="l" defTabSz="457200" rtl="0" eaLnBrk="1" latinLnBrk="0" hangingPunct="1">
+              <a:defRPr sz="1800" kern="1200">
+                <a:solidFill>
+                  <a:schemeClr val="tx1"/>
+                </a:solidFill>
+                <a:latin typeface="+mn-lt"/>
+                <a:ea typeface="+mn-ea"/>
+                <a:cs typeface="+mn-cs"/>
+              </a:defRPr>
+            </a:lvl6pPr>
+            <a:lvl7pPr marL="2743200" algn="l" defTabSz="457200" rtl="0" eaLnBrk="1" latinLnBrk="0" hangingPunct="1">
+              <a:defRPr sz="1800" kern="1200">
+                <a:solidFill>
+                  <a:schemeClr val="tx1"/>
+                </a:solidFill>
+                <a:latin typeface="+mn-lt"/>
+                <a:ea typeface="+mn-ea"/>
+                <a:cs typeface="+mn-cs"/>
+              </a:defRPr>
+            </a:lvl7pPr>
+            <a:lvl8pPr marL="3200400" algn="l" defTabSz="457200" rtl="0" eaLnBrk="1" latinLnBrk="0" hangingPunct="1">
+              <a:defRPr sz="1800" kern="1200">
+                <a:solidFill>
+                  <a:schemeClr val="tx1"/>
+                </a:solidFill>
+                <a:latin typeface="+mn-lt"/>
+                <a:ea typeface="+mn-ea"/>
+                <a:cs typeface="+mn-cs"/>
+              </a:defRPr>
+            </a:lvl8pPr>
+            <a:lvl9pPr marL="3657600" algn="l" defTabSz="457200" rtl="0" eaLnBrk="1" latinLnBrk="0" hangingPunct="1">
+              <a:defRPr sz="1800" kern="1200">
+                <a:solidFill>
+                  <a:schemeClr val="tx1"/>
+                </a:solidFill>
+                <a:latin typeface="+mn-lt"/>
+                <a:ea typeface="+mn-ea"/>
+                <a:cs typeface="+mn-cs"/>
+              </a:defRPr>
+            </a:lvl9pPr>
+          </a:lstStyle>
+          <a:p>
+            <a:fld id="{198CCF71-D315-4EBA-8BEC-176ABDF74514}" type="slidenum">
+              <a:rPr lang="zh-TW" altLang="en-US" smtClean="0">
+                <a:solidFill>
+                  <a:schemeClr val="tx1"/>
+                </a:solidFill>
+              </a:rPr>
+              <a:pPr/>
+              <a:t>10</a:t>
+            </a:fld>
+            <a:endParaRPr lang="zh-TW" altLang="en-US" dirty="0">
+              <a:solidFill>
+                <a:schemeClr val="tx1"/>
+              </a:solidFill>
+            </a:endParaRPr>
+          </a:p>
+        </p:txBody>
+      </p:sp>
     </p:spTree>
     <p:extLst>
       <p:ext uri="{BB962C8B-B14F-4D97-AF65-F5344CB8AC3E}">
@@ -14344,13 +14421,13 @@
   <p:clrMapOvr>
     <a:masterClrMapping/>
   </p:clrMapOvr>
-  <mc:AlternateContent xmlns:mc="http://schemas.openxmlformats.org/markup-compatibility/2006">
-    <mc:Choice xmlns:p14="http://schemas.microsoft.com/office/powerpoint/2010/main" Requires="p14">
+  <mc:AlternateContent xmlns:mc="http://schemas.openxmlformats.org/markup-compatibility/2006" xmlns:p14="http://schemas.microsoft.com/office/powerpoint/2010/main">
+    <mc:Choice Requires="p14">
       <p:transition spd="slow" p14:dur="2000">
         <p:cut/>
       </p:transition>
     </mc:Choice>
-    <mc:Fallback>
+    <mc:Fallback xmlns="">
       <p:transition spd="slow">
         <p:cut/>
       </p:transition>
@@ -14733,6 +14810,173 @@
           </a:p>
         </p:txBody>
       </p:sp>
+      <p:sp>
+        <p:nvSpPr>
+          <p:cNvPr id="3" name="投影片編號版面配置區 2">
+            <a:extLst>
+              <a:ext uri="{FF2B5EF4-FFF2-40B4-BE49-F238E27FC236}">
+                <a16:creationId xmlns:a16="http://schemas.microsoft.com/office/drawing/2014/main" id="{5D24FE2B-2E64-4F29-960B-4F15A493F6EC}"/>
+              </a:ext>
+            </a:extLst>
+          </p:cNvPr>
+          <p:cNvSpPr>
+            <a:spLocks noGrp="1"/>
+          </p:cNvSpPr>
+          <p:nvPr>
+            <p:ph type="sldNum" sz="quarter" idx="12"/>
+          </p:nvPr>
+        </p:nvSpPr>
+        <p:spPr/>
+        <p:txBody>
+          <a:bodyPr/>
+          <a:lstStyle/>
+          <a:p>
+            <a:fld id="{198CCF71-D315-4EBA-8BEC-176ABDF74514}" type="slidenum">
+              <a:rPr lang="zh-TW" altLang="en-US" smtClean="0"/>
+              <a:t>11</a:t>
+            </a:fld>
+            <a:endParaRPr lang="zh-TW" altLang="en-US"/>
+          </a:p>
+        </p:txBody>
+      </p:sp>
+      <p:sp>
+        <p:nvSpPr>
+          <p:cNvPr id="11" name="投影片編號版面配置區 3">
+            <a:extLst>
+              <a:ext uri="{FF2B5EF4-FFF2-40B4-BE49-F238E27FC236}">
+                <a16:creationId xmlns:a16="http://schemas.microsoft.com/office/drawing/2014/main" id="{06CDF71F-D1FA-446B-95A4-928B54FE2986}"/>
+              </a:ext>
+            </a:extLst>
+          </p:cNvPr>
+          <p:cNvSpPr txBox="1">
+            <a:spLocks/>
+          </p:cNvSpPr>
+          <p:nvPr/>
+        </p:nvSpPr>
+        <p:spPr bwMode="gray">
+          <a:xfrm>
+            <a:off x="11412233" y="6492875"/>
+            <a:ext cx="779767" cy="365125"/>
+          </a:xfrm>
+          <a:prstGeom prst="rect">
+            <a:avLst/>
+          </a:prstGeom>
+        </p:spPr>
+        <p:txBody>
+          <a:bodyPr vert="horz" lIns="91440" tIns="45720" rIns="91440" bIns="45720" rtlCol="0" anchor="ctr"/>
+          <a:lstStyle>
+            <a:defPPr>
+              <a:defRPr lang="en-US"/>
+            </a:defPPr>
+            <a:lvl1pPr marL="0" algn="r" defTabSz="457200" rtl="0" eaLnBrk="1" latinLnBrk="0" hangingPunct="1">
+              <a:defRPr sz="2000" kern="1200">
+                <a:solidFill>
+                  <a:srgbClr val="FEFFFF"/>
+                </a:solidFill>
+                <a:latin typeface="+mn-lt"/>
+                <a:ea typeface="+mn-ea"/>
+                <a:cs typeface="+mn-cs"/>
+              </a:defRPr>
+            </a:lvl1pPr>
+            <a:lvl2pPr marL="457200" algn="l" defTabSz="457200" rtl="0" eaLnBrk="1" latinLnBrk="0" hangingPunct="1">
+              <a:defRPr sz="1800" kern="1200">
+                <a:solidFill>
+                  <a:schemeClr val="tx1"/>
+                </a:solidFill>
+                <a:latin typeface="+mn-lt"/>
+                <a:ea typeface="+mn-ea"/>
+                <a:cs typeface="+mn-cs"/>
+              </a:defRPr>
+            </a:lvl2pPr>
+            <a:lvl3pPr marL="914400" algn="l" defTabSz="457200" rtl="0" eaLnBrk="1" latinLnBrk="0" hangingPunct="1">
+              <a:defRPr sz="1800" kern="1200">
+                <a:solidFill>
+                  <a:schemeClr val="tx1"/>
+                </a:solidFill>
+                <a:latin typeface="+mn-lt"/>
+                <a:ea typeface="+mn-ea"/>
+                <a:cs typeface="+mn-cs"/>
+              </a:defRPr>
+            </a:lvl3pPr>
+            <a:lvl4pPr marL="1371600" algn="l" defTabSz="457200" rtl="0" eaLnBrk="1" latinLnBrk="0" hangingPunct="1">
+              <a:defRPr sz="1800" kern="1200">
+                <a:solidFill>
+                  <a:schemeClr val="tx1"/>
+                </a:solidFill>
+                <a:latin typeface="+mn-lt"/>
+                <a:ea typeface="+mn-ea"/>
+                <a:cs typeface="+mn-cs"/>
+              </a:defRPr>
+            </a:lvl4pPr>
+            <a:lvl5pPr marL="1828800" algn="l" defTabSz="457200" rtl="0" eaLnBrk="1" latinLnBrk="0" hangingPunct="1">
+              <a:defRPr sz="1800" kern="1200">
+                <a:solidFill>
+                  <a:schemeClr val="tx1"/>
+                </a:solidFill>
+                <a:latin typeface="+mn-lt"/>
+                <a:ea typeface="+mn-ea"/>
+                <a:cs typeface="+mn-cs"/>
+              </a:defRPr>
+            </a:lvl5pPr>
+            <a:lvl6pPr marL="2286000" algn="l" defTabSz="457200" rtl="0" eaLnBrk="1" latinLnBrk="0" hangingPunct="1">
+              <a:defRPr sz="1800" kern="1200">
+                <a:solidFill>
+                  <a:schemeClr val="tx1"/>
+                </a:solidFill>
+                <a:latin typeface="+mn-lt"/>
+                <a:ea typeface="+mn-ea"/>
+                <a:cs typeface="+mn-cs"/>
+              </a:defRPr>
+            </a:lvl6pPr>
+            <a:lvl7pPr marL="2743200" algn="l" defTabSz="457200" rtl="0" eaLnBrk="1" latinLnBrk="0" hangingPunct="1">
+              <a:defRPr sz="1800" kern="1200">
+                <a:solidFill>
+                  <a:schemeClr val="tx1"/>
+                </a:solidFill>
+                <a:latin typeface="+mn-lt"/>
+                <a:ea typeface="+mn-ea"/>
+                <a:cs typeface="+mn-cs"/>
+              </a:defRPr>
+            </a:lvl7pPr>
+            <a:lvl8pPr marL="3200400" algn="l" defTabSz="457200" rtl="0" eaLnBrk="1" latinLnBrk="0" hangingPunct="1">
+              <a:defRPr sz="1800" kern="1200">
+                <a:solidFill>
+                  <a:schemeClr val="tx1"/>
+                </a:solidFill>
+                <a:latin typeface="+mn-lt"/>
+                <a:ea typeface="+mn-ea"/>
+                <a:cs typeface="+mn-cs"/>
+              </a:defRPr>
+            </a:lvl8pPr>
+            <a:lvl9pPr marL="3657600" algn="l" defTabSz="457200" rtl="0" eaLnBrk="1" latinLnBrk="0" hangingPunct="1">
+              <a:defRPr sz="1800" kern="1200">
+                <a:solidFill>
+                  <a:schemeClr val="tx1"/>
+                </a:solidFill>
+                <a:latin typeface="+mn-lt"/>
+                <a:ea typeface="+mn-ea"/>
+                <a:cs typeface="+mn-cs"/>
+              </a:defRPr>
+            </a:lvl9pPr>
+          </a:lstStyle>
+          <a:p>
+            <a:fld id="{198CCF71-D315-4EBA-8BEC-176ABDF74514}" type="slidenum">
+              <a:rPr lang="zh-TW" altLang="en-US" smtClean="0">
+                <a:solidFill>
+                  <a:schemeClr val="tx1"/>
+                </a:solidFill>
+              </a:rPr>
+              <a:pPr/>
+              <a:t>11</a:t>
+            </a:fld>
+            <a:endParaRPr lang="zh-TW" altLang="en-US" dirty="0">
+              <a:solidFill>
+                <a:schemeClr val="tx1"/>
+              </a:solidFill>
+            </a:endParaRPr>
+          </a:p>
+        </p:txBody>
+      </p:sp>
     </p:spTree>
     <p:extLst>
       <p:ext uri="{BB962C8B-B14F-4D97-AF65-F5344CB8AC3E}">
@@ -14743,13 +14987,13 @@
   <p:clrMapOvr>
     <a:masterClrMapping/>
   </p:clrMapOvr>
-  <mc:AlternateContent xmlns:mc="http://schemas.openxmlformats.org/markup-compatibility/2006">
-    <mc:Choice xmlns:p14="http://schemas.microsoft.com/office/powerpoint/2010/main" Requires="p14">
+  <mc:AlternateContent xmlns:mc="http://schemas.openxmlformats.org/markup-compatibility/2006" xmlns:p14="http://schemas.microsoft.com/office/powerpoint/2010/main">
+    <mc:Choice Requires="p14">
       <p:transition spd="slow" p14:dur="2000">
         <p:cut/>
       </p:transition>
     </mc:Choice>
-    <mc:Fallback>
+    <mc:Fallback xmlns="">
       <p:transition spd="slow">
         <p:cut/>
       </p:transition>
@@ -15403,17 +15647,8 @@
               <a:rPr lang="en-US" altLang="zh-TW" sz="1600" dirty="0">
                 <a:latin typeface="+mn-ea"/>
               </a:rPr>
-              <a:t>[</a:t>
-            </a:r>
-            <a:r>
-              <a:rPr lang="en-US" altLang="zh-TW" sz="1600" dirty="0" smtClean="0">
-                <a:latin typeface="+mn-ea"/>
-              </a:rPr>
-              <a:t>5]</a:t>
-            </a:r>
-            <a:endParaRPr lang="en-US" altLang="zh-TW" sz="1600" dirty="0">
-              <a:latin typeface="+mn-ea"/>
-            </a:endParaRPr>
+              <a:t>[5]</a:t>
+            </a:r>
           </a:p>
         </p:txBody>
       </p:sp>
@@ -15440,32 +15675,29 @@
           <a:lstStyle/>
           <a:p>
             <a:r>
-              <a:rPr lang="zh-TW" altLang="en-US" sz="1600" dirty="0" smtClean="0">
+              <a:rPr lang="zh-TW" altLang="en-US" sz="1600" dirty="0">
                 <a:latin typeface="+mn-ea"/>
               </a:rPr>
               <a:t>做</a:t>
             </a:r>
             <a:r>
-              <a:rPr lang="en-US" altLang="zh-TW" sz="1600" dirty="0" smtClean="0">
+              <a:rPr lang="en-US" altLang="zh-TW" sz="1600" dirty="0">
                 <a:latin typeface="+mn-ea"/>
               </a:rPr>
               <a:t>CFO</a:t>
             </a:r>
             <a:r>
-              <a:rPr lang="zh-TW" altLang="en-US" sz="1600" dirty="0" smtClean="0">
+              <a:rPr lang="zh-TW" altLang="en-US" sz="1600" dirty="0">
                 <a:latin typeface="+mn-ea"/>
               </a:rPr>
               <a:t>校正前的星座圖</a:t>
             </a:r>
             <a:r>
-              <a:rPr lang="en-US" altLang="zh-TW" sz="1600" dirty="0" smtClean="0">
+              <a:rPr lang="en-US" altLang="zh-TW" sz="1600" dirty="0">
                 <a:latin typeface="+mn-ea"/>
               </a:rPr>
               <a:t>[6]</a:t>
             </a:r>
-            <a:endParaRPr lang="en-US" altLang="zh-TW" sz="1600" dirty="0">
-              <a:latin typeface="+mn-ea"/>
-            </a:endParaRPr>
           </a:p>
         </p:txBody>
       </p:sp>
@@ -15510,14 +15742,11 @@
               <a:t>校正後的星座圖</a:t>
             </a:r>
             <a:r>
-              <a:rPr lang="en-US" altLang="zh-TW" sz="1600" dirty="0" smtClean="0">
+              <a:rPr lang="en-US" altLang="zh-TW" sz="1600" dirty="0">
                 <a:latin typeface="+mn-ea"/>
               </a:rPr>
               <a:t>[7]</a:t>
             </a:r>
-            <a:endParaRPr lang="en-US" altLang="zh-TW" sz="1600" dirty="0">
-              <a:latin typeface="+mn-ea"/>
-            </a:endParaRPr>
           </a:p>
         </p:txBody>
       </p:sp>
@@ -15544,20 +15773,17 @@
           <a:lstStyle/>
           <a:p>
             <a:r>
-              <a:rPr lang="zh-TW" altLang="en-US" sz="1600" dirty="0" smtClean="0">
+              <a:rPr lang="zh-TW" altLang="en-US" sz="1600" dirty="0">
                 <a:latin typeface="+mn-ea"/>
               </a:rPr>
               <a:t>成功時的測試</a:t>
             </a:r>
             <a:r>
-              <a:rPr lang="en-US" altLang="zh-TW" sz="1600" dirty="0" smtClean="0">
+              <a:rPr lang="en-US" altLang="zh-TW" sz="1600" dirty="0">
                 <a:latin typeface="+mn-ea"/>
               </a:rPr>
               <a:t>EQ[8]</a:t>
             </a:r>
-            <a:endParaRPr lang="en-US" altLang="zh-TW" sz="1600" dirty="0">
-              <a:latin typeface="+mn-ea"/>
-            </a:endParaRPr>
           </a:p>
         </p:txBody>
       </p:sp>
@@ -15587,22 +15813,180 @@
               <a:rPr lang="zh-TW" altLang="en-US" sz="1600" dirty="0">
                 <a:latin typeface="+mn-ea"/>
               </a:rPr>
-              <a:t>失敗</a:t>
-            </a:r>
-            <a:r>
-              <a:rPr lang="zh-TW" altLang="en-US" sz="1600" dirty="0" smtClean="0">
-                <a:latin typeface="+mn-ea"/>
-              </a:rPr>
-              <a:t>時的測試</a:t>
-            </a:r>
-            <a:r>
-              <a:rPr lang="en-US" altLang="zh-TW" sz="1600" dirty="0" smtClean="0">
+              <a:t>失敗時的測試</a:t>
+            </a:r>
+            <a:r>
+              <a:rPr lang="en-US" altLang="zh-TW" sz="1600" dirty="0">
                 <a:latin typeface="+mn-ea"/>
               </a:rPr>
               <a:t>EQ[9]</a:t>
             </a:r>
-            <a:endParaRPr lang="en-US" altLang="zh-TW" sz="1600" dirty="0">
-              <a:latin typeface="+mn-ea"/>
+          </a:p>
+        </p:txBody>
+      </p:sp>
+      <p:sp>
+        <p:nvSpPr>
+          <p:cNvPr id="3" name="投影片編號版面配置區 2">
+            <a:extLst>
+              <a:ext uri="{FF2B5EF4-FFF2-40B4-BE49-F238E27FC236}">
+                <a16:creationId xmlns:a16="http://schemas.microsoft.com/office/drawing/2014/main" id="{FFC50801-3848-4931-9278-2C754D1D1B4F}"/>
+              </a:ext>
+            </a:extLst>
+          </p:cNvPr>
+          <p:cNvSpPr>
+            <a:spLocks noGrp="1"/>
+          </p:cNvSpPr>
+          <p:nvPr>
+            <p:ph type="sldNum" sz="quarter" idx="12"/>
+          </p:nvPr>
+        </p:nvSpPr>
+        <p:spPr/>
+        <p:txBody>
+          <a:bodyPr/>
+          <a:lstStyle/>
+          <a:p>
+            <a:fld id="{198CCF71-D315-4EBA-8BEC-176ABDF74514}" type="slidenum">
+              <a:rPr lang="zh-TW" altLang="en-US" smtClean="0"/>
+              <a:t>12</a:t>
+            </a:fld>
+            <a:endParaRPr lang="zh-TW" altLang="en-US"/>
+          </a:p>
+        </p:txBody>
+      </p:sp>
+      <p:sp>
+        <p:nvSpPr>
+          <p:cNvPr id="27" name="投影片編號版面配置區 3">
+            <a:extLst>
+              <a:ext uri="{FF2B5EF4-FFF2-40B4-BE49-F238E27FC236}">
+                <a16:creationId xmlns:a16="http://schemas.microsoft.com/office/drawing/2014/main" id="{A1049321-2513-4FF8-9EC1-A49F119C237E}"/>
+              </a:ext>
+            </a:extLst>
+          </p:cNvPr>
+          <p:cNvSpPr txBox="1">
+            <a:spLocks/>
+          </p:cNvSpPr>
+          <p:nvPr/>
+        </p:nvSpPr>
+        <p:spPr bwMode="gray">
+          <a:xfrm>
+            <a:off x="11412233" y="6492875"/>
+            <a:ext cx="779767" cy="365125"/>
+          </a:xfrm>
+          <a:prstGeom prst="rect">
+            <a:avLst/>
+          </a:prstGeom>
+        </p:spPr>
+        <p:txBody>
+          <a:bodyPr vert="horz" lIns="91440" tIns="45720" rIns="91440" bIns="45720" rtlCol="0" anchor="ctr"/>
+          <a:lstStyle>
+            <a:defPPr>
+              <a:defRPr lang="en-US"/>
+            </a:defPPr>
+            <a:lvl1pPr marL="0" algn="r" defTabSz="457200" rtl="0" eaLnBrk="1" latinLnBrk="0" hangingPunct="1">
+              <a:defRPr sz="2000" kern="1200">
+                <a:solidFill>
+                  <a:srgbClr val="FEFFFF"/>
+                </a:solidFill>
+                <a:latin typeface="+mn-lt"/>
+                <a:ea typeface="+mn-ea"/>
+                <a:cs typeface="+mn-cs"/>
+              </a:defRPr>
+            </a:lvl1pPr>
+            <a:lvl2pPr marL="457200" algn="l" defTabSz="457200" rtl="0" eaLnBrk="1" latinLnBrk="0" hangingPunct="1">
+              <a:defRPr sz="1800" kern="1200">
+                <a:solidFill>
+                  <a:schemeClr val="tx1"/>
+                </a:solidFill>
+                <a:latin typeface="+mn-lt"/>
+                <a:ea typeface="+mn-ea"/>
+                <a:cs typeface="+mn-cs"/>
+              </a:defRPr>
+            </a:lvl2pPr>
+            <a:lvl3pPr marL="914400" algn="l" defTabSz="457200" rtl="0" eaLnBrk="1" latinLnBrk="0" hangingPunct="1">
+              <a:defRPr sz="1800" kern="1200">
+                <a:solidFill>
+                  <a:schemeClr val="tx1"/>
+                </a:solidFill>
+                <a:latin typeface="+mn-lt"/>
+                <a:ea typeface="+mn-ea"/>
+                <a:cs typeface="+mn-cs"/>
+              </a:defRPr>
+            </a:lvl3pPr>
+            <a:lvl4pPr marL="1371600" algn="l" defTabSz="457200" rtl="0" eaLnBrk="1" latinLnBrk="0" hangingPunct="1">
+              <a:defRPr sz="1800" kern="1200">
+                <a:solidFill>
+                  <a:schemeClr val="tx1"/>
+                </a:solidFill>
+                <a:latin typeface="+mn-lt"/>
+                <a:ea typeface="+mn-ea"/>
+                <a:cs typeface="+mn-cs"/>
+              </a:defRPr>
+            </a:lvl4pPr>
+            <a:lvl5pPr marL="1828800" algn="l" defTabSz="457200" rtl="0" eaLnBrk="1" latinLnBrk="0" hangingPunct="1">
+              <a:defRPr sz="1800" kern="1200">
+                <a:solidFill>
+                  <a:schemeClr val="tx1"/>
+                </a:solidFill>
+                <a:latin typeface="+mn-lt"/>
+                <a:ea typeface="+mn-ea"/>
+                <a:cs typeface="+mn-cs"/>
+              </a:defRPr>
+            </a:lvl5pPr>
+            <a:lvl6pPr marL="2286000" algn="l" defTabSz="457200" rtl="0" eaLnBrk="1" latinLnBrk="0" hangingPunct="1">
+              <a:defRPr sz="1800" kern="1200">
+                <a:solidFill>
+                  <a:schemeClr val="tx1"/>
+                </a:solidFill>
+                <a:latin typeface="+mn-lt"/>
+                <a:ea typeface="+mn-ea"/>
+                <a:cs typeface="+mn-cs"/>
+              </a:defRPr>
+            </a:lvl6pPr>
+            <a:lvl7pPr marL="2743200" algn="l" defTabSz="457200" rtl="0" eaLnBrk="1" latinLnBrk="0" hangingPunct="1">
+              <a:defRPr sz="1800" kern="1200">
+                <a:solidFill>
+                  <a:schemeClr val="tx1"/>
+                </a:solidFill>
+                <a:latin typeface="+mn-lt"/>
+                <a:ea typeface="+mn-ea"/>
+                <a:cs typeface="+mn-cs"/>
+              </a:defRPr>
+            </a:lvl7pPr>
+            <a:lvl8pPr marL="3200400" algn="l" defTabSz="457200" rtl="0" eaLnBrk="1" latinLnBrk="0" hangingPunct="1">
+              <a:defRPr sz="1800" kern="1200">
+                <a:solidFill>
+                  <a:schemeClr val="tx1"/>
+                </a:solidFill>
+                <a:latin typeface="+mn-lt"/>
+                <a:ea typeface="+mn-ea"/>
+                <a:cs typeface="+mn-cs"/>
+              </a:defRPr>
+            </a:lvl8pPr>
+            <a:lvl9pPr marL="3657600" algn="l" defTabSz="457200" rtl="0" eaLnBrk="1" latinLnBrk="0" hangingPunct="1">
+              <a:defRPr sz="1800" kern="1200">
+                <a:solidFill>
+                  <a:schemeClr val="tx1"/>
+                </a:solidFill>
+                <a:latin typeface="+mn-lt"/>
+                <a:ea typeface="+mn-ea"/>
+                <a:cs typeface="+mn-cs"/>
+              </a:defRPr>
+            </a:lvl9pPr>
+          </a:lstStyle>
+          <a:p>
+            <a:fld id="{198CCF71-D315-4EBA-8BEC-176ABDF74514}" type="slidenum">
+              <a:rPr lang="zh-TW" altLang="en-US" smtClean="0">
+                <a:solidFill>
+                  <a:schemeClr val="tx1"/>
+                </a:solidFill>
+              </a:rPr>
+              <a:pPr/>
+              <a:t>12</a:t>
+            </a:fld>
+            <a:endParaRPr lang="zh-TW" altLang="en-US" dirty="0">
+              <a:solidFill>
+                <a:schemeClr val="tx1"/>
+              </a:solidFill>
             </a:endParaRPr>
           </a:p>
         </p:txBody>
@@ -15617,13 +16001,13 @@
   <p:clrMapOvr>
     <a:masterClrMapping/>
   </p:clrMapOvr>
-  <mc:AlternateContent xmlns:mc="http://schemas.openxmlformats.org/markup-compatibility/2006">
-    <mc:Choice xmlns:p14="http://schemas.microsoft.com/office/powerpoint/2010/main" Requires="p14">
+  <mc:AlternateContent xmlns:mc="http://schemas.openxmlformats.org/markup-compatibility/2006" xmlns:p14="http://schemas.microsoft.com/office/powerpoint/2010/main">
+    <mc:Choice Requires="p14">
       <p:transition spd="slow" p14:dur="2000">
         <p:cut/>
       </p:transition>
     </mc:Choice>
-    <mc:Fallback>
+    <mc:Fallback xmlns="">
       <p:transition spd="slow">
         <p:cut/>
       </p:transition>
@@ -27881,13 +28265,177 @@
               <a:t>三種偵測器的</a:t>
             </a:r>
             <a:r>
-              <a:rPr lang="en-US" altLang="zh-TW" sz="1600" dirty="0" smtClean="0">
+              <a:rPr lang="en-US" altLang="zh-TW" sz="1600" dirty="0">
                 <a:latin typeface="+mn-ea"/>
               </a:rPr>
               <a:t>EQ[10]</a:t>
             </a:r>
-            <a:endParaRPr lang="en-US" altLang="zh-TW" sz="1600" dirty="0">
-              <a:latin typeface="+mn-ea"/>
+          </a:p>
+        </p:txBody>
+      </p:sp>
+      <p:sp>
+        <p:nvSpPr>
+          <p:cNvPr id="6" name="投影片編號版面配置區 5">
+            <a:extLst>
+              <a:ext uri="{FF2B5EF4-FFF2-40B4-BE49-F238E27FC236}">
+                <a16:creationId xmlns:a16="http://schemas.microsoft.com/office/drawing/2014/main" id="{43D493C0-EBBB-48E9-9194-FFB505D927A3}"/>
+              </a:ext>
+            </a:extLst>
+          </p:cNvPr>
+          <p:cNvSpPr>
+            <a:spLocks noGrp="1"/>
+          </p:cNvSpPr>
+          <p:nvPr>
+            <p:ph type="sldNum" sz="quarter" idx="12"/>
+          </p:nvPr>
+        </p:nvSpPr>
+        <p:spPr/>
+        <p:txBody>
+          <a:bodyPr/>
+          <a:lstStyle/>
+          <a:p>
+            <a:fld id="{198CCF71-D315-4EBA-8BEC-176ABDF74514}" type="slidenum">
+              <a:rPr lang="zh-TW" altLang="en-US" smtClean="0"/>
+              <a:t>13</a:t>
+            </a:fld>
+            <a:endParaRPr lang="zh-TW" altLang="en-US"/>
+          </a:p>
+        </p:txBody>
+      </p:sp>
+      <p:sp>
+        <p:nvSpPr>
+          <p:cNvPr id="21" name="投影片編號版面配置區 3">
+            <a:extLst>
+              <a:ext uri="{FF2B5EF4-FFF2-40B4-BE49-F238E27FC236}">
+                <a16:creationId xmlns:a16="http://schemas.microsoft.com/office/drawing/2014/main" id="{74A15C65-8CB9-44DC-B751-2A6C75BCDB24}"/>
+              </a:ext>
+            </a:extLst>
+          </p:cNvPr>
+          <p:cNvSpPr txBox="1">
+            <a:spLocks/>
+          </p:cNvSpPr>
+          <p:nvPr/>
+        </p:nvSpPr>
+        <p:spPr bwMode="gray">
+          <a:xfrm>
+            <a:off x="11412233" y="6492875"/>
+            <a:ext cx="779767" cy="365125"/>
+          </a:xfrm>
+          <a:prstGeom prst="rect">
+            <a:avLst/>
+          </a:prstGeom>
+        </p:spPr>
+        <p:txBody>
+          <a:bodyPr vert="horz" lIns="91440" tIns="45720" rIns="91440" bIns="45720" rtlCol="0" anchor="ctr"/>
+          <a:lstStyle>
+            <a:defPPr>
+              <a:defRPr lang="en-US"/>
+            </a:defPPr>
+            <a:lvl1pPr marL="0" algn="r" defTabSz="457200" rtl="0" eaLnBrk="1" latinLnBrk="0" hangingPunct="1">
+              <a:defRPr sz="2000" kern="1200">
+                <a:solidFill>
+                  <a:srgbClr val="FEFFFF"/>
+                </a:solidFill>
+                <a:latin typeface="+mn-lt"/>
+                <a:ea typeface="+mn-ea"/>
+                <a:cs typeface="+mn-cs"/>
+              </a:defRPr>
+            </a:lvl1pPr>
+            <a:lvl2pPr marL="457200" algn="l" defTabSz="457200" rtl="0" eaLnBrk="1" latinLnBrk="0" hangingPunct="1">
+              <a:defRPr sz="1800" kern="1200">
+                <a:solidFill>
+                  <a:schemeClr val="tx1"/>
+                </a:solidFill>
+                <a:latin typeface="+mn-lt"/>
+                <a:ea typeface="+mn-ea"/>
+                <a:cs typeface="+mn-cs"/>
+              </a:defRPr>
+            </a:lvl2pPr>
+            <a:lvl3pPr marL="914400" algn="l" defTabSz="457200" rtl="0" eaLnBrk="1" latinLnBrk="0" hangingPunct="1">
+              <a:defRPr sz="1800" kern="1200">
+                <a:solidFill>
+                  <a:schemeClr val="tx1"/>
+                </a:solidFill>
+                <a:latin typeface="+mn-lt"/>
+                <a:ea typeface="+mn-ea"/>
+                <a:cs typeface="+mn-cs"/>
+              </a:defRPr>
+            </a:lvl3pPr>
+            <a:lvl4pPr marL="1371600" algn="l" defTabSz="457200" rtl="0" eaLnBrk="1" latinLnBrk="0" hangingPunct="1">
+              <a:defRPr sz="1800" kern="1200">
+                <a:solidFill>
+                  <a:schemeClr val="tx1"/>
+                </a:solidFill>
+                <a:latin typeface="+mn-lt"/>
+                <a:ea typeface="+mn-ea"/>
+                <a:cs typeface="+mn-cs"/>
+              </a:defRPr>
+            </a:lvl4pPr>
+            <a:lvl5pPr marL="1828800" algn="l" defTabSz="457200" rtl="0" eaLnBrk="1" latinLnBrk="0" hangingPunct="1">
+              <a:defRPr sz="1800" kern="1200">
+                <a:solidFill>
+                  <a:schemeClr val="tx1"/>
+                </a:solidFill>
+                <a:latin typeface="+mn-lt"/>
+                <a:ea typeface="+mn-ea"/>
+                <a:cs typeface="+mn-cs"/>
+              </a:defRPr>
+            </a:lvl5pPr>
+            <a:lvl6pPr marL="2286000" algn="l" defTabSz="457200" rtl="0" eaLnBrk="1" latinLnBrk="0" hangingPunct="1">
+              <a:defRPr sz="1800" kern="1200">
+                <a:solidFill>
+                  <a:schemeClr val="tx1"/>
+                </a:solidFill>
+                <a:latin typeface="+mn-lt"/>
+                <a:ea typeface="+mn-ea"/>
+                <a:cs typeface="+mn-cs"/>
+              </a:defRPr>
+            </a:lvl6pPr>
+            <a:lvl7pPr marL="2743200" algn="l" defTabSz="457200" rtl="0" eaLnBrk="1" latinLnBrk="0" hangingPunct="1">
+              <a:defRPr sz="1800" kern="1200">
+                <a:solidFill>
+                  <a:schemeClr val="tx1"/>
+                </a:solidFill>
+                <a:latin typeface="+mn-lt"/>
+                <a:ea typeface="+mn-ea"/>
+                <a:cs typeface="+mn-cs"/>
+              </a:defRPr>
+            </a:lvl7pPr>
+            <a:lvl8pPr marL="3200400" algn="l" defTabSz="457200" rtl="0" eaLnBrk="1" latinLnBrk="0" hangingPunct="1">
+              <a:defRPr sz="1800" kern="1200">
+                <a:solidFill>
+                  <a:schemeClr val="tx1"/>
+                </a:solidFill>
+                <a:latin typeface="+mn-lt"/>
+                <a:ea typeface="+mn-ea"/>
+                <a:cs typeface="+mn-cs"/>
+              </a:defRPr>
+            </a:lvl8pPr>
+            <a:lvl9pPr marL="3657600" algn="l" defTabSz="457200" rtl="0" eaLnBrk="1" latinLnBrk="0" hangingPunct="1">
+              <a:defRPr sz="1800" kern="1200">
+                <a:solidFill>
+                  <a:schemeClr val="tx1"/>
+                </a:solidFill>
+                <a:latin typeface="+mn-lt"/>
+                <a:ea typeface="+mn-ea"/>
+                <a:cs typeface="+mn-cs"/>
+              </a:defRPr>
+            </a:lvl9pPr>
+          </a:lstStyle>
+          <a:p>
+            <a:fld id="{198CCF71-D315-4EBA-8BEC-176ABDF74514}" type="slidenum">
+              <a:rPr lang="zh-TW" altLang="en-US" smtClean="0">
+                <a:solidFill>
+                  <a:schemeClr val="tx1"/>
+                </a:solidFill>
+              </a:rPr>
+              <a:pPr/>
+              <a:t>13</a:t>
+            </a:fld>
+            <a:endParaRPr lang="zh-TW" altLang="en-US" dirty="0">
+              <a:solidFill>
+                <a:schemeClr val="tx1"/>
+              </a:solidFill>
             </a:endParaRPr>
           </a:p>
         </p:txBody>
@@ -27902,13 +28450,13 @@
   <p:clrMapOvr>
     <a:masterClrMapping/>
   </p:clrMapOvr>
-  <mc:AlternateContent xmlns:mc="http://schemas.openxmlformats.org/markup-compatibility/2006">
-    <mc:Choice xmlns:p14="http://schemas.microsoft.com/office/powerpoint/2010/main" Requires="p14">
+  <mc:AlternateContent xmlns:mc="http://schemas.openxmlformats.org/markup-compatibility/2006" xmlns:p14="http://schemas.microsoft.com/office/powerpoint/2010/main">
+    <mc:Choice Requires="p14">
       <p:transition spd="slow" p14:dur="2000">
         <p:cut/>
       </p:transition>
     </mc:Choice>
-    <mc:Fallback>
+    <mc:Fallback xmlns="">
       <p:transition spd="slow">
         <p:cut/>
       </p:transition>
@@ -28002,23 +28550,14 @@
               <a:rPr lang="zh-TW" altLang="en-US" sz="1600" dirty="0">
                 <a:latin typeface="+mn-ea"/>
               </a:rPr>
-              <a:t>三</a:t>
-            </a:r>
-            <a:r>
-              <a:rPr lang="zh-TW" altLang="en-US" sz="1600" dirty="0" smtClean="0">
-                <a:latin typeface="+mn-ea"/>
-              </a:rPr>
-              <a:t>種偵測器的錯誤率</a:t>
-            </a:r>
-            <a:r>
-              <a:rPr lang="en-US" altLang="zh-TW" sz="1600" dirty="0" smtClean="0">
+              <a:t>三種偵測器的錯誤率</a:t>
+            </a:r>
+            <a:r>
+              <a:rPr lang="en-US" altLang="zh-TW" sz="1600" dirty="0">
                 <a:latin typeface="+mn-ea"/>
               </a:rPr>
               <a:t>[11]</a:t>
             </a:r>
-            <a:endParaRPr lang="en-US" altLang="zh-TW" sz="1600" dirty="0">
-              <a:latin typeface="+mn-ea"/>
-            </a:endParaRPr>
           </a:p>
         </p:txBody>
       </p:sp>
@@ -28052,6 +28591,173 @@
           </a:prstGeom>
         </p:spPr>
       </p:pic>
+      <p:sp>
+        <p:nvSpPr>
+          <p:cNvPr id="4" name="投影片編號版面配置區 3">
+            <a:extLst>
+              <a:ext uri="{FF2B5EF4-FFF2-40B4-BE49-F238E27FC236}">
+                <a16:creationId xmlns:a16="http://schemas.microsoft.com/office/drawing/2014/main" id="{CB4DA543-76A8-4CD7-8D10-C82C3E69670A}"/>
+              </a:ext>
+            </a:extLst>
+          </p:cNvPr>
+          <p:cNvSpPr>
+            <a:spLocks noGrp="1"/>
+          </p:cNvSpPr>
+          <p:nvPr>
+            <p:ph type="sldNum" sz="quarter" idx="12"/>
+          </p:nvPr>
+        </p:nvSpPr>
+        <p:spPr/>
+        <p:txBody>
+          <a:bodyPr/>
+          <a:lstStyle/>
+          <a:p>
+            <a:fld id="{198CCF71-D315-4EBA-8BEC-176ABDF74514}" type="slidenum">
+              <a:rPr lang="zh-TW" altLang="en-US" smtClean="0"/>
+              <a:t>14</a:t>
+            </a:fld>
+            <a:endParaRPr lang="zh-TW" altLang="en-US"/>
+          </a:p>
+        </p:txBody>
+      </p:sp>
+      <p:sp>
+        <p:nvSpPr>
+          <p:cNvPr id="6" name="投影片編號版面配置區 3">
+            <a:extLst>
+              <a:ext uri="{FF2B5EF4-FFF2-40B4-BE49-F238E27FC236}">
+                <a16:creationId xmlns:a16="http://schemas.microsoft.com/office/drawing/2014/main" id="{A1C4B436-0CE9-4B8D-9A91-88C3073F9840}"/>
+              </a:ext>
+            </a:extLst>
+          </p:cNvPr>
+          <p:cNvSpPr txBox="1">
+            <a:spLocks/>
+          </p:cNvSpPr>
+          <p:nvPr/>
+        </p:nvSpPr>
+        <p:spPr bwMode="gray">
+          <a:xfrm>
+            <a:off x="11412233" y="6492875"/>
+            <a:ext cx="779767" cy="365125"/>
+          </a:xfrm>
+          <a:prstGeom prst="rect">
+            <a:avLst/>
+          </a:prstGeom>
+        </p:spPr>
+        <p:txBody>
+          <a:bodyPr vert="horz" lIns="91440" tIns="45720" rIns="91440" bIns="45720" rtlCol="0" anchor="ctr"/>
+          <a:lstStyle>
+            <a:defPPr>
+              <a:defRPr lang="en-US"/>
+            </a:defPPr>
+            <a:lvl1pPr marL="0" algn="r" defTabSz="457200" rtl="0" eaLnBrk="1" latinLnBrk="0" hangingPunct="1">
+              <a:defRPr sz="2000" kern="1200">
+                <a:solidFill>
+                  <a:srgbClr val="FEFFFF"/>
+                </a:solidFill>
+                <a:latin typeface="+mn-lt"/>
+                <a:ea typeface="+mn-ea"/>
+                <a:cs typeface="+mn-cs"/>
+              </a:defRPr>
+            </a:lvl1pPr>
+            <a:lvl2pPr marL="457200" algn="l" defTabSz="457200" rtl="0" eaLnBrk="1" latinLnBrk="0" hangingPunct="1">
+              <a:defRPr sz="1800" kern="1200">
+                <a:solidFill>
+                  <a:schemeClr val="tx1"/>
+                </a:solidFill>
+                <a:latin typeface="+mn-lt"/>
+                <a:ea typeface="+mn-ea"/>
+                <a:cs typeface="+mn-cs"/>
+              </a:defRPr>
+            </a:lvl2pPr>
+            <a:lvl3pPr marL="914400" algn="l" defTabSz="457200" rtl="0" eaLnBrk="1" latinLnBrk="0" hangingPunct="1">
+              <a:defRPr sz="1800" kern="1200">
+                <a:solidFill>
+                  <a:schemeClr val="tx1"/>
+                </a:solidFill>
+                <a:latin typeface="+mn-lt"/>
+                <a:ea typeface="+mn-ea"/>
+                <a:cs typeface="+mn-cs"/>
+              </a:defRPr>
+            </a:lvl3pPr>
+            <a:lvl4pPr marL="1371600" algn="l" defTabSz="457200" rtl="0" eaLnBrk="1" latinLnBrk="0" hangingPunct="1">
+              <a:defRPr sz="1800" kern="1200">
+                <a:solidFill>
+                  <a:schemeClr val="tx1"/>
+                </a:solidFill>
+                <a:latin typeface="+mn-lt"/>
+                <a:ea typeface="+mn-ea"/>
+                <a:cs typeface="+mn-cs"/>
+              </a:defRPr>
+            </a:lvl4pPr>
+            <a:lvl5pPr marL="1828800" algn="l" defTabSz="457200" rtl="0" eaLnBrk="1" latinLnBrk="0" hangingPunct="1">
+              <a:defRPr sz="1800" kern="1200">
+                <a:solidFill>
+                  <a:schemeClr val="tx1"/>
+                </a:solidFill>
+                <a:latin typeface="+mn-lt"/>
+                <a:ea typeface="+mn-ea"/>
+                <a:cs typeface="+mn-cs"/>
+              </a:defRPr>
+            </a:lvl5pPr>
+            <a:lvl6pPr marL="2286000" algn="l" defTabSz="457200" rtl="0" eaLnBrk="1" latinLnBrk="0" hangingPunct="1">
+              <a:defRPr sz="1800" kern="1200">
+                <a:solidFill>
+                  <a:schemeClr val="tx1"/>
+                </a:solidFill>
+                <a:latin typeface="+mn-lt"/>
+                <a:ea typeface="+mn-ea"/>
+                <a:cs typeface="+mn-cs"/>
+              </a:defRPr>
+            </a:lvl6pPr>
+            <a:lvl7pPr marL="2743200" algn="l" defTabSz="457200" rtl="0" eaLnBrk="1" latinLnBrk="0" hangingPunct="1">
+              <a:defRPr sz="1800" kern="1200">
+                <a:solidFill>
+                  <a:schemeClr val="tx1"/>
+                </a:solidFill>
+                <a:latin typeface="+mn-lt"/>
+                <a:ea typeface="+mn-ea"/>
+                <a:cs typeface="+mn-cs"/>
+              </a:defRPr>
+            </a:lvl7pPr>
+            <a:lvl8pPr marL="3200400" algn="l" defTabSz="457200" rtl="0" eaLnBrk="1" latinLnBrk="0" hangingPunct="1">
+              <a:defRPr sz="1800" kern="1200">
+                <a:solidFill>
+                  <a:schemeClr val="tx1"/>
+                </a:solidFill>
+                <a:latin typeface="+mn-lt"/>
+                <a:ea typeface="+mn-ea"/>
+                <a:cs typeface="+mn-cs"/>
+              </a:defRPr>
+            </a:lvl8pPr>
+            <a:lvl9pPr marL="3657600" algn="l" defTabSz="457200" rtl="0" eaLnBrk="1" latinLnBrk="0" hangingPunct="1">
+              <a:defRPr sz="1800" kern="1200">
+                <a:solidFill>
+                  <a:schemeClr val="tx1"/>
+                </a:solidFill>
+                <a:latin typeface="+mn-lt"/>
+                <a:ea typeface="+mn-ea"/>
+                <a:cs typeface="+mn-cs"/>
+              </a:defRPr>
+            </a:lvl9pPr>
+          </a:lstStyle>
+          <a:p>
+            <a:fld id="{198CCF71-D315-4EBA-8BEC-176ABDF74514}" type="slidenum">
+              <a:rPr lang="zh-TW" altLang="en-US" smtClean="0">
+                <a:solidFill>
+                  <a:schemeClr val="tx1"/>
+                </a:solidFill>
+              </a:rPr>
+              <a:pPr/>
+              <a:t>14</a:t>
+            </a:fld>
+            <a:endParaRPr lang="zh-TW" altLang="en-US" dirty="0">
+              <a:solidFill>
+                <a:schemeClr val="tx1"/>
+              </a:solidFill>
+            </a:endParaRPr>
+          </a:p>
+        </p:txBody>
+      </p:sp>
     </p:spTree>
     <p:extLst>
       <p:ext uri="{BB962C8B-B14F-4D97-AF65-F5344CB8AC3E}">
@@ -28062,13 +28768,13 @@
   <p:clrMapOvr>
     <a:masterClrMapping/>
   </p:clrMapOvr>
-  <mc:AlternateContent xmlns:mc="http://schemas.openxmlformats.org/markup-compatibility/2006">
-    <mc:Choice xmlns:p14="http://schemas.microsoft.com/office/powerpoint/2010/main" Requires="p14">
+  <mc:AlternateContent xmlns:mc="http://schemas.openxmlformats.org/markup-compatibility/2006" xmlns:p14="http://schemas.microsoft.com/office/powerpoint/2010/main">
+    <mc:Choice Requires="p14">
       <p:transition spd="slow" p14:dur="2000">
         <p:cut/>
       </p:transition>
     </mc:Choice>
-    <mc:Fallback>
+    <mc:Fallback xmlns="">
       <p:transition spd="slow">
         <p:cut/>
       </p:transition>
@@ -28159,34 +28865,34 @@
               <a:buAutoNum type="arabicPeriod"/>
             </a:pPr>
             <a:r>
-              <a:rPr lang="zh-TW" altLang="en-US" kern="100" dirty="0" smtClean="0">
+              <a:rPr lang="zh-TW" altLang="en-US" kern="100" dirty="0">
                 <a:latin typeface="+mn-ea"/>
                 <a:cs typeface="Times New Roman" panose="02020603050405020304" pitchFamily="18" charset="0"/>
               </a:rPr>
               <a:t>訊號接收後無法同步資料 → 更改 </a:t>
             </a:r>
             <a:r>
-              <a:rPr lang="en-US" altLang="zh-TW" kern="100" dirty="0" err="1" smtClean="0">
+              <a:rPr lang="en-US" altLang="zh-TW" kern="100" dirty="0" err="1">
                 <a:latin typeface="+mn-ea"/>
                 <a:cs typeface="Times New Roman" panose="02020603050405020304" pitchFamily="18" charset="0"/>
               </a:rPr>
               <a:t>Syncbits</a:t>
             </a:r>
             <a:r>
-              <a:rPr lang="en-US" altLang="zh-TW" kern="100" dirty="0" smtClean="0">
+              <a:rPr lang="en-US" altLang="zh-TW" kern="100" dirty="0">
                 <a:latin typeface="+mn-ea"/>
                 <a:cs typeface="Times New Roman" panose="02020603050405020304" pitchFamily="18" charset="0"/>
               </a:rPr>
               <a:t> </a:t>
             </a:r>
             <a:r>
-              <a:rPr lang="zh-TW" altLang="en-US" kern="100" dirty="0" smtClean="0">
+              <a:rPr lang="zh-TW" altLang="en-US" kern="100" dirty="0">
                 <a:latin typeface="+mn-ea"/>
                 <a:cs typeface="Times New Roman" panose="02020603050405020304" pitchFamily="18" charset="0"/>
               </a:rPr>
               <a:t>的調變方式，修改同步程式。</a:t>
             </a:r>
-            <a:endParaRPr lang="en-US" altLang="zh-TW" kern="100" dirty="0" smtClean="0">
+            <a:endParaRPr lang="en-US" altLang="zh-TW" kern="100" dirty="0">
               <a:latin typeface="+mn-ea"/>
               <a:cs typeface="Times New Roman" panose="02020603050405020304" pitchFamily="18" charset="0"/>
             </a:endParaRPr>
@@ -28197,27 +28903,27 @@
               <a:buAutoNum type="arabicPeriod"/>
             </a:pPr>
             <a:r>
-              <a:rPr lang="zh-TW" altLang="en-US" kern="100" dirty="0" smtClean="0">
+              <a:rPr lang="zh-TW" altLang="en-US" kern="100" dirty="0">
                 <a:latin typeface="+mn-ea"/>
                 <a:cs typeface="Times New Roman" panose="02020603050405020304" pitchFamily="18" charset="0"/>
               </a:rPr>
               <a:t>論文中的</a:t>
             </a:r>
             <a:r>
-              <a:rPr lang="en-US" altLang="zh-TW" kern="100" dirty="0" smtClean="0">
+              <a:rPr lang="en-US" altLang="zh-TW" kern="100" dirty="0">
                 <a:latin typeface="+mn-ea"/>
                 <a:cs typeface="Times New Roman" panose="02020603050405020304" pitchFamily="18" charset="0"/>
               </a:rPr>
               <a:t>CFO</a:t>
             </a:r>
             <a:r>
-              <a:rPr lang="zh-TW" altLang="en-US" kern="100" dirty="0" smtClean="0">
+              <a:rPr lang="zh-TW" altLang="en-US" kern="100" dirty="0">
                 <a:latin typeface="+mn-ea"/>
                 <a:cs typeface="Times New Roman" panose="02020603050405020304" pitchFamily="18" charset="0"/>
               </a:rPr>
               <a:t>公式變數名稱與資料擺法不同 → 根據論文改變資料排法，並多看論文內容</a:t>
             </a:r>
-            <a:endParaRPr lang="en-US" altLang="zh-TW" kern="100" dirty="0" smtClean="0">
+            <a:endParaRPr lang="en-US" altLang="zh-TW" kern="100" dirty="0">
               <a:latin typeface="+mn-ea"/>
               <a:cs typeface="Times New Roman" panose="02020603050405020304" pitchFamily="18" charset="0"/>
             </a:endParaRPr>
@@ -28228,41 +28934,27 @@
               <a:buAutoNum type="arabicPeriod"/>
             </a:pPr>
             <a:r>
-              <a:rPr lang="zh-TW" altLang="en-US" kern="100" dirty="0" smtClean="0">
+              <a:rPr lang="zh-TW" altLang="en-US" kern="100" dirty="0">
                 <a:latin typeface="+mn-ea"/>
                 <a:cs typeface="Times New Roman" panose="02020603050405020304" pitchFamily="18" charset="0"/>
               </a:rPr>
               <a:t>發現不同的論文，</a:t>
             </a:r>
             <a:r>
-              <a:rPr lang="en-US" altLang="zh-TW" kern="100" dirty="0" smtClean="0">
+              <a:rPr lang="en-US" altLang="zh-TW" kern="100" dirty="0">
                 <a:latin typeface="+mn-ea"/>
                 <a:cs typeface="Times New Roman" panose="02020603050405020304" pitchFamily="18" charset="0"/>
               </a:rPr>
               <a:t>Pilot</a:t>
             </a:r>
             <a:r>
-              <a:rPr lang="zh-TW" altLang="en-US" kern="100" dirty="0" smtClean="0">
-                <a:latin typeface="+mn-ea"/>
-                <a:cs typeface="Times New Roman" panose="02020603050405020304" pitchFamily="18" charset="0"/>
-              </a:rPr>
-              <a:t>有不同的</a:t>
-            </a:r>
-            <a:r>
               <a:rPr lang="zh-TW" altLang="en-US" kern="100" dirty="0">
                 <a:latin typeface="+mn-ea"/>
                 <a:cs typeface="Times New Roman" panose="02020603050405020304" pitchFamily="18" charset="0"/>
               </a:rPr>
-              <a:t>擺</a:t>
-            </a:r>
-            <a:r>
-              <a:rPr lang="zh-TW" altLang="en-US" kern="100" dirty="0" smtClean="0">
-                <a:latin typeface="+mn-ea"/>
-                <a:cs typeface="Times New Roman" panose="02020603050405020304" pitchFamily="18" charset="0"/>
-              </a:rPr>
-              <a:t>法 → 找出擺放規律，找出可以執行的擺法。</a:t>
-            </a:r>
-            <a:endParaRPr lang="en-US" altLang="zh-TW" kern="100" dirty="0" smtClean="0">
+              <a:t>有不同的擺法 → 找出擺放規律，找出可以執行的擺法。</a:t>
+            </a:r>
+            <a:endParaRPr lang="en-US" altLang="zh-TW" kern="100" dirty="0">
               <a:latin typeface="+mn-ea"/>
               <a:cs typeface="Times New Roman" panose="02020603050405020304" pitchFamily="18" charset="0"/>
             </a:endParaRPr>
@@ -28273,48 +28965,34 @@
               <a:buAutoNum type="arabicPeriod"/>
             </a:pPr>
             <a:r>
-              <a:rPr lang="en-US" altLang="zh-TW" kern="100" dirty="0" smtClean="0">
+              <a:rPr lang="en-US" altLang="zh-TW" kern="100" dirty="0">
                 <a:latin typeface="+mn-ea"/>
                 <a:cs typeface="Times New Roman" panose="02020603050405020304" pitchFamily="18" charset="0"/>
               </a:rPr>
               <a:t>Pluto</a:t>
             </a:r>
             <a:r>
-              <a:rPr lang="zh-TW" altLang="en-US" kern="100" dirty="0" smtClean="0">
-                <a:latin typeface="+mn-ea"/>
-                <a:cs typeface="Times New Roman" panose="02020603050405020304" pitchFamily="18" charset="0"/>
-              </a:rPr>
-              <a:t>無法改變</a:t>
-            </a:r>
-            <a:r>
               <a:rPr lang="zh-TW" altLang="en-US" kern="100" dirty="0">
                 <a:latin typeface="+mn-ea"/>
                 <a:cs typeface="Times New Roman" panose="02020603050405020304" pitchFamily="18" charset="0"/>
               </a:rPr>
-              <a:t>功率</a:t>
-            </a:r>
-            <a:r>
-              <a:rPr lang="zh-TW" altLang="en-US" kern="100" dirty="0" smtClean="0">
-                <a:latin typeface="+mn-ea"/>
-                <a:cs typeface="Times New Roman" panose="02020603050405020304" pitchFamily="18" charset="0"/>
-              </a:rPr>
-              <a:t>輸出，</a:t>
-            </a:r>
-            <a:r>
-              <a:rPr lang="en-US" altLang="zh-TW" kern="100" dirty="0" err="1" smtClean="0">
+              <a:t>無法改變功率輸出，</a:t>
+            </a:r>
+            <a:r>
+              <a:rPr lang="en-US" altLang="zh-TW" kern="100" dirty="0" err="1">
                 <a:latin typeface="+mn-ea"/>
                 <a:cs typeface="Times New Roman" panose="02020603050405020304" pitchFamily="18" charset="0"/>
               </a:rPr>
               <a:t>SNR_dB</a:t>
             </a:r>
             <a:r>
-              <a:rPr lang="zh-TW" altLang="en-US" kern="100" dirty="0" smtClean="0">
+              <a:rPr lang="zh-TW" altLang="en-US" kern="100" dirty="0">
                 <a:latin typeface="+mn-ea"/>
                 <a:cs typeface="Times New Roman" panose="02020603050405020304" pitchFamily="18" charset="0"/>
               </a:rPr>
               <a:t>無法達到其功能 → 放棄一部分功能。</a:t>
             </a:r>
-            <a:endParaRPr lang="en-US" altLang="zh-TW" kern="100" dirty="0" smtClean="0">
+            <a:endParaRPr lang="en-US" altLang="zh-TW" kern="100" dirty="0">
               <a:latin typeface="+mn-ea"/>
               <a:cs typeface="Times New Roman" panose="02020603050405020304" pitchFamily="18" charset="0"/>
             </a:endParaRPr>
@@ -28325,71 +29003,224 @@
               <a:buAutoNum type="arabicPeriod"/>
             </a:pPr>
             <a:r>
-              <a:rPr lang="zh-TW" altLang="en-US" kern="100" dirty="0" smtClean="0">
-                <a:latin typeface="+mn-ea"/>
-                <a:cs typeface="Times New Roman" panose="02020603050405020304" pitchFamily="18" charset="0"/>
-              </a:rPr>
-              <a:t>通道估測值</a:t>
-            </a:r>
-            <a:r>
               <a:rPr lang="zh-TW" altLang="en-US" kern="100" dirty="0">
                 <a:latin typeface="+mn-ea"/>
                 <a:cs typeface="Times New Roman" panose="02020603050405020304" pitchFamily="18" charset="0"/>
               </a:rPr>
-              <a:t>抓</a:t>
-            </a:r>
-            <a:r>
-              <a:rPr lang="zh-TW" altLang="en-US" kern="100" dirty="0" smtClean="0">
-                <a:latin typeface="+mn-ea"/>
-                <a:cs typeface="Times New Roman" panose="02020603050405020304" pitchFamily="18" charset="0"/>
-              </a:rPr>
-              <a:t>不到 → 更改</a:t>
-            </a:r>
-            <a:r>
-              <a:rPr lang="en-US" altLang="zh-TW" kern="100" dirty="0" smtClean="0">
+              <a:t>通道估測值抓不到 → 更改</a:t>
+            </a:r>
+            <a:r>
+              <a:rPr lang="en-US" altLang="zh-TW" kern="100" dirty="0">
                 <a:latin typeface="+mn-ea"/>
                 <a:cs typeface="Times New Roman" panose="02020603050405020304" pitchFamily="18" charset="0"/>
               </a:rPr>
               <a:t>sync</a:t>
             </a:r>
             <a:r>
-              <a:rPr lang="zh-TW" altLang="en-US" kern="100" dirty="0" smtClean="0">
+              <a:rPr lang="zh-TW" altLang="en-US" kern="100" dirty="0">
                 <a:latin typeface="+mn-ea"/>
                 <a:cs typeface="Times New Roman" panose="02020603050405020304" pitchFamily="18" charset="0"/>
               </a:rPr>
               <a:t>程式</a:t>
             </a:r>
             <a:r>
-              <a:rPr lang="en-US" altLang="zh-TW" kern="100" dirty="0" smtClean="0">
+              <a:rPr lang="en-US" altLang="zh-TW" kern="100" dirty="0">
                 <a:latin typeface="+mn-ea"/>
                 <a:cs typeface="Times New Roman" panose="02020603050405020304" pitchFamily="18" charset="0"/>
               </a:rPr>
               <a:t>+</a:t>
             </a:r>
             <a:r>
-              <a:rPr lang="zh-TW" altLang="en-US" kern="100" dirty="0" smtClean="0">
+              <a:rPr lang="zh-TW" altLang="en-US" kern="100" dirty="0">
                 <a:latin typeface="+mn-ea"/>
                 <a:cs typeface="Times New Roman" panose="02020603050405020304" pitchFamily="18" charset="0"/>
               </a:rPr>
               <a:t>改變</a:t>
             </a:r>
             <a:r>
-              <a:rPr lang="en-US" altLang="zh-TW" kern="100" dirty="0" smtClean="0">
+              <a:rPr lang="en-US" altLang="zh-TW" kern="100" dirty="0">
                 <a:latin typeface="+mn-ea"/>
                 <a:cs typeface="Times New Roman" panose="02020603050405020304" pitchFamily="18" charset="0"/>
               </a:rPr>
               <a:t>Pilot</a:t>
             </a:r>
             <a:r>
-              <a:rPr lang="zh-TW" altLang="en-US" kern="100" dirty="0" smtClean="0">
+              <a:rPr lang="zh-TW" altLang="en-US" kern="100" dirty="0">
                 <a:latin typeface="+mn-ea"/>
                 <a:cs typeface="Times New Roman" panose="02020603050405020304" pitchFamily="18" charset="0"/>
               </a:rPr>
               <a:t>擺法。</a:t>
             </a:r>
-            <a:endParaRPr lang="en-US" altLang="zh-TW" kern="100" dirty="0" smtClean="0">
+            <a:endParaRPr lang="en-US" altLang="zh-TW" kern="100" dirty="0">
               <a:latin typeface="+mn-ea"/>
               <a:cs typeface="Times New Roman" panose="02020603050405020304" pitchFamily="18" charset="0"/>
+            </a:endParaRPr>
+          </a:p>
+        </p:txBody>
+      </p:sp>
+      <p:sp>
+        <p:nvSpPr>
+          <p:cNvPr id="4" name="投影片編號版面配置區 3">
+            <a:extLst>
+              <a:ext uri="{FF2B5EF4-FFF2-40B4-BE49-F238E27FC236}">
+                <a16:creationId xmlns:a16="http://schemas.microsoft.com/office/drawing/2014/main" id="{12805ABD-6BBA-46A6-BC0C-5241B71C5636}"/>
+              </a:ext>
+            </a:extLst>
+          </p:cNvPr>
+          <p:cNvSpPr>
+            <a:spLocks noGrp="1"/>
+          </p:cNvSpPr>
+          <p:nvPr>
+            <p:ph type="sldNum" sz="quarter" idx="12"/>
+          </p:nvPr>
+        </p:nvSpPr>
+        <p:spPr/>
+        <p:txBody>
+          <a:bodyPr/>
+          <a:lstStyle/>
+          <a:p>
+            <a:fld id="{198CCF71-D315-4EBA-8BEC-176ABDF74514}" type="slidenum">
+              <a:rPr lang="zh-TW" altLang="en-US" smtClean="0"/>
+              <a:t>15</a:t>
+            </a:fld>
+            <a:endParaRPr lang="zh-TW" altLang="en-US"/>
+          </a:p>
+        </p:txBody>
+      </p:sp>
+      <p:sp>
+        <p:nvSpPr>
+          <p:cNvPr id="5" name="投影片編號版面配置區 3">
+            <a:extLst>
+              <a:ext uri="{FF2B5EF4-FFF2-40B4-BE49-F238E27FC236}">
+                <a16:creationId xmlns:a16="http://schemas.microsoft.com/office/drawing/2014/main" id="{E958E6B9-9D16-4CC2-8B48-D381A42148F8}"/>
+              </a:ext>
+            </a:extLst>
+          </p:cNvPr>
+          <p:cNvSpPr txBox="1">
+            <a:spLocks/>
+          </p:cNvSpPr>
+          <p:nvPr/>
+        </p:nvSpPr>
+        <p:spPr bwMode="gray">
+          <a:xfrm>
+            <a:off x="11412233" y="6492875"/>
+            <a:ext cx="779767" cy="365125"/>
+          </a:xfrm>
+          <a:prstGeom prst="rect">
+            <a:avLst/>
+          </a:prstGeom>
+        </p:spPr>
+        <p:txBody>
+          <a:bodyPr vert="horz" lIns="91440" tIns="45720" rIns="91440" bIns="45720" rtlCol="0" anchor="ctr"/>
+          <a:lstStyle>
+            <a:defPPr>
+              <a:defRPr lang="en-US"/>
+            </a:defPPr>
+            <a:lvl1pPr marL="0" algn="r" defTabSz="457200" rtl="0" eaLnBrk="1" latinLnBrk="0" hangingPunct="1">
+              <a:defRPr sz="2000" kern="1200">
+                <a:solidFill>
+                  <a:srgbClr val="FEFFFF"/>
+                </a:solidFill>
+                <a:latin typeface="+mn-lt"/>
+                <a:ea typeface="+mn-ea"/>
+                <a:cs typeface="+mn-cs"/>
+              </a:defRPr>
+            </a:lvl1pPr>
+            <a:lvl2pPr marL="457200" algn="l" defTabSz="457200" rtl="0" eaLnBrk="1" latinLnBrk="0" hangingPunct="1">
+              <a:defRPr sz="1800" kern="1200">
+                <a:solidFill>
+                  <a:schemeClr val="tx1"/>
+                </a:solidFill>
+                <a:latin typeface="+mn-lt"/>
+                <a:ea typeface="+mn-ea"/>
+                <a:cs typeface="+mn-cs"/>
+              </a:defRPr>
+            </a:lvl2pPr>
+            <a:lvl3pPr marL="914400" algn="l" defTabSz="457200" rtl="0" eaLnBrk="1" latinLnBrk="0" hangingPunct="1">
+              <a:defRPr sz="1800" kern="1200">
+                <a:solidFill>
+                  <a:schemeClr val="tx1"/>
+                </a:solidFill>
+                <a:latin typeface="+mn-lt"/>
+                <a:ea typeface="+mn-ea"/>
+                <a:cs typeface="+mn-cs"/>
+              </a:defRPr>
+            </a:lvl3pPr>
+            <a:lvl4pPr marL="1371600" algn="l" defTabSz="457200" rtl="0" eaLnBrk="1" latinLnBrk="0" hangingPunct="1">
+              <a:defRPr sz="1800" kern="1200">
+                <a:solidFill>
+                  <a:schemeClr val="tx1"/>
+                </a:solidFill>
+                <a:latin typeface="+mn-lt"/>
+                <a:ea typeface="+mn-ea"/>
+                <a:cs typeface="+mn-cs"/>
+              </a:defRPr>
+            </a:lvl4pPr>
+            <a:lvl5pPr marL="1828800" algn="l" defTabSz="457200" rtl="0" eaLnBrk="1" latinLnBrk="0" hangingPunct="1">
+              <a:defRPr sz="1800" kern="1200">
+                <a:solidFill>
+                  <a:schemeClr val="tx1"/>
+                </a:solidFill>
+                <a:latin typeface="+mn-lt"/>
+                <a:ea typeface="+mn-ea"/>
+                <a:cs typeface="+mn-cs"/>
+              </a:defRPr>
+            </a:lvl5pPr>
+            <a:lvl6pPr marL="2286000" algn="l" defTabSz="457200" rtl="0" eaLnBrk="1" latinLnBrk="0" hangingPunct="1">
+              <a:defRPr sz="1800" kern="1200">
+                <a:solidFill>
+                  <a:schemeClr val="tx1"/>
+                </a:solidFill>
+                <a:latin typeface="+mn-lt"/>
+                <a:ea typeface="+mn-ea"/>
+                <a:cs typeface="+mn-cs"/>
+              </a:defRPr>
+            </a:lvl6pPr>
+            <a:lvl7pPr marL="2743200" algn="l" defTabSz="457200" rtl="0" eaLnBrk="1" latinLnBrk="0" hangingPunct="1">
+              <a:defRPr sz="1800" kern="1200">
+                <a:solidFill>
+                  <a:schemeClr val="tx1"/>
+                </a:solidFill>
+                <a:latin typeface="+mn-lt"/>
+                <a:ea typeface="+mn-ea"/>
+                <a:cs typeface="+mn-cs"/>
+              </a:defRPr>
+            </a:lvl7pPr>
+            <a:lvl8pPr marL="3200400" algn="l" defTabSz="457200" rtl="0" eaLnBrk="1" latinLnBrk="0" hangingPunct="1">
+              <a:defRPr sz="1800" kern="1200">
+                <a:solidFill>
+                  <a:schemeClr val="tx1"/>
+                </a:solidFill>
+                <a:latin typeface="+mn-lt"/>
+                <a:ea typeface="+mn-ea"/>
+                <a:cs typeface="+mn-cs"/>
+              </a:defRPr>
+            </a:lvl8pPr>
+            <a:lvl9pPr marL="3657600" algn="l" defTabSz="457200" rtl="0" eaLnBrk="1" latinLnBrk="0" hangingPunct="1">
+              <a:defRPr sz="1800" kern="1200">
+                <a:solidFill>
+                  <a:schemeClr val="tx1"/>
+                </a:solidFill>
+                <a:latin typeface="+mn-lt"/>
+                <a:ea typeface="+mn-ea"/>
+                <a:cs typeface="+mn-cs"/>
+              </a:defRPr>
+            </a:lvl9pPr>
+          </a:lstStyle>
+          <a:p>
+            <a:fld id="{198CCF71-D315-4EBA-8BEC-176ABDF74514}" type="slidenum">
+              <a:rPr lang="zh-TW" altLang="en-US" smtClean="0">
+                <a:solidFill>
+                  <a:schemeClr val="tx1"/>
+                </a:solidFill>
+              </a:rPr>
+              <a:pPr/>
+              <a:t>15</a:t>
+            </a:fld>
+            <a:endParaRPr lang="zh-TW" altLang="en-US" dirty="0">
+              <a:solidFill>
+                <a:schemeClr val="tx1"/>
+              </a:solidFill>
             </a:endParaRPr>
           </a:p>
         </p:txBody>
@@ -28404,13 +29235,13 @@
   <p:clrMapOvr>
     <a:masterClrMapping/>
   </p:clrMapOvr>
-  <mc:AlternateContent xmlns:mc="http://schemas.openxmlformats.org/markup-compatibility/2006">
-    <mc:Choice xmlns:p14="http://schemas.microsoft.com/office/powerpoint/2010/main" Requires="p14">
+  <mc:AlternateContent xmlns:mc="http://schemas.openxmlformats.org/markup-compatibility/2006" xmlns:p14="http://schemas.microsoft.com/office/powerpoint/2010/main">
+    <mc:Choice Requires="p14">
       <p:transition spd="slow" p14:dur="2000">
         <p:cut/>
       </p:transition>
     </mc:Choice>
-    <mc:Fallback>
+    <mc:Fallback xmlns="">
       <p:transition spd="slow">
         <p:cut/>
       </p:transition>
@@ -28498,6 +29329,173 @@
           </a:p>
         </p:txBody>
       </p:sp>
+      <p:sp>
+        <p:nvSpPr>
+          <p:cNvPr id="4" name="投影片編號版面配置區 3">
+            <a:extLst>
+              <a:ext uri="{FF2B5EF4-FFF2-40B4-BE49-F238E27FC236}">
+                <a16:creationId xmlns:a16="http://schemas.microsoft.com/office/drawing/2014/main" id="{DD526AE2-6606-4645-8ACB-D6F78C0525D3}"/>
+              </a:ext>
+            </a:extLst>
+          </p:cNvPr>
+          <p:cNvSpPr>
+            <a:spLocks noGrp="1"/>
+          </p:cNvSpPr>
+          <p:nvPr>
+            <p:ph type="sldNum" sz="quarter" idx="12"/>
+          </p:nvPr>
+        </p:nvSpPr>
+        <p:spPr/>
+        <p:txBody>
+          <a:bodyPr/>
+          <a:lstStyle/>
+          <a:p>
+            <a:fld id="{198CCF71-D315-4EBA-8BEC-176ABDF74514}" type="slidenum">
+              <a:rPr lang="zh-TW" altLang="en-US" smtClean="0"/>
+              <a:t>16</a:t>
+            </a:fld>
+            <a:endParaRPr lang="zh-TW" altLang="en-US"/>
+          </a:p>
+        </p:txBody>
+      </p:sp>
+      <p:sp>
+        <p:nvSpPr>
+          <p:cNvPr id="5" name="投影片編號版面配置區 3">
+            <a:extLst>
+              <a:ext uri="{FF2B5EF4-FFF2-40B4-BE49-F238E27FC236}">
+                <a16:creationId xmlns:a16="http://schemas.microsoft.com/office/drawing/2014/main" id="{E8120725-E856-402B-A1D2-ACB1CF0FD5E1}"/>
+              </a:ext>
+            </a:extLst>
+          </p:cNvPr>
+          <p:cNvSpPr txBox="1">
+            <a:spLocks/>
+          </p:cNvSpPr>
+          <p:nvPr/>
+        </p:nvSpPr>
+        <p:spPr bwMode="gray">
+          <a:xfrm>
+            <a:off x="11412233" y="6492875"/>
+            <a:ext cx="779767" cy="365125"/>
+          </a:xfrm>
+          <a:prstGeom prst="rect">
+            <a:avLst/>
+          </a:prstGeom>
+        </p:spPr>
+        <p:txBody>
+          <a:bodyPr vert="horz" lIns="91440" tIns="45720" rIns="91440" bIns="45720" rtlCol="0" anchor="ctr"/>
+          <a:lstStyle>
+            <a:defPPr>
+              <a:defRPr lang="en-US"/>
+            </a:defPPr>
+            <a:lvl1pPr marL="0" algn="r" defTabSz="457200" rtl="0" eaLnBrk="1" latinLnBrk="0" hangingPunct="1">
+              <a:defRPr sz="2000" kern="1200">
+                <a:solidFill>
+                  <a:srgbClr val="FEFFFF"/>
+                </a:solidFill>
+                <a:latin typeface="+mn-lt"/>
+                <a:ea typeface="+mn-ea"/>
+                <a:cs typeface="+mn-cs"/>
+              </a:defRPr>
+            </a:lvl1pPr>
+            <a:lvl2pPr marL="457200" algn="l" defTabSz="457200" rtl="0" eaLnBrk="1" latinLnBrk="0" hangingPunct="1">
+              <a:defRPr sz="1800" kern="1200">
+                <a:solidFill>
+                  <a:schemeClr val="tx1"/>
+                </a:solidFill>
+                <a:latin typeface="+mn-lt"/>
+                <a:ea typeface="+mn-ea"/>
+                <a:cs typeface="+mn-cs"/>
+              </a:defRPr>
+            </a:lvl2pPr>
+            <a:lvl3pPr marL="914400" algn="l" defTabSz="457200" rtl="0" eaLnBrk="1" latinLnBrk="0" hangingPunct="1">
+              <a:defRPr sz="1800" kern="1200">
+                <a:solidFill>
+                  <a:schemeClr val="tx1"/>
+                </a:solidFill>
+                <a:latin typeface="+mn-lt"/>
+                <a:ea typeface="+mn-ea"/>
+                <a:cs typeface="+mn-cs"/>
+              </a:defRPr>
+            </a:lvl3pPr>
+            <a:lvl4pPr marL="1371600" algn="l" defTabSz="457200" rtl="0" eaLnBrk="1" latinLnBrk="0" hangingPunct="1">
+              <a:defRPr sz="1800" kern="1200">
+                <a:solidFill>
+                  <a:schemeClr val="tx1"/>
+                </a:solidFill>
+                <a:latin typeface="+mn-lt"/>
+                <a:ea typeface="+mn-ea"/>
+                <a:cs typeface="+mn-cs"/>
+              </a:defRPr>
+            </a:lvl4pPr>
+            <a:lvl5pPr marL="1828800" algn="l" defTabSz="457200" rtl="0" eaLnBrk="1" latinLnBrk="0" hangingPunct="1">
+              <a:defRPr sz="1800" kern="1200">
+                <a:solidFill>
+                  <a:schemeClr val="tx1"/>
+                </a:solidFill>
+                <a:latin typeface="+mn-lt"/>
+                <a:ea typeface="+mn-ea"/>
+                <a:cs typeface="+mn-cs"/>
+              </a:defRPr>
+            </a:lvl5pPr>
+            <a:lvl6pPr marL="2286000" algn="l" defTabSz="457200" rtl="0" eaLnBrk="1" latinLnBrk="0" hangingPunct="1">
+              <a:defRPr sz="1800" kern="1200">
+                <a:solidFill>
+                  <a:schemeClr val="tx1"/>
+                </a:solidFill>
+                <a:latin typeface="+mn-lt"/>
+                <a:ea typeface="+mn-ea"/>
+                <a:cs typeface="+mn-cs"/>
+              </a:defRPr>
+            </a:lvl6pPr>
+            <a:lvl7pPr marL="2743200" algn="l" defTabSz="457200" rtl="0" eaLnBrk="1" latinLnBrk="0" hangingPunct="1">
+              <a:defRPr sz="1800" kern="1200">
+                <a:solidFill>
+                  <a:schemeClr val="tx1"/>
+                </a:solidFill>
+                <a:latin typeface="+mn-lt"/>
+                <a:ea typeface="+mn-ea"/>
+                <a:cs typeface="+mn-cs"/>
+              </a:defRPr>
+            </a:lvl7pPr>
+            <a:lvl8pPr marL="3200400" algn="l" defTabSz="457200" rtl="0" eaLnBrk="1" latinLnBrk="0" hangingPunct="1">
+              <a:defRPr sz="1800" kern="1200">
+                <a:solidFill>
+                  <a:schemeClr val="tx1"/>
+                </a:solidFill>
+                <a:latin typeface="+mn-lt"/>
+                <a:ea typeface="+mn-ea"/>
+                <a:cs typeface="+mn-cs"/>
+              </a:defRPr>
+            </a:lvl8pPr>
+            <a:lvl9pPr marL="3657600" algn="l" defTabSz="457200" rtl="0" eaLnBrk="1" latinLnBrk="0" hangingPunct="1">
+              <a:defRPr sz="1800" kern="1200">
+                <a:solidFill>
+                  <a:schemeClr val="tx1"/>
+                </a:solidFill>
+                <a:latin typeface="+mn-lt"/>
+                <a:ea typeface="+mn-ea"/>
+                <a:cs typeface="+mn-cs"/>
+              </a:defRPr>
+            </a:lvl9pPr>
+          </a:lstStyle>
+          <a:p>
+            <a:fld id="{198CCF71-D315-4EBA-8BEC-176ABDF74514}" type="slidenum">
+              <a:rPr lang="zh-TW" altLang="en-US" smtClean="0">
+                <a:solidFill>
+                  <a:schemeClr val="tx1"/>
+                </a:solidFill>
+              </a:rPr>
+              <a:pPr/>
+              <a:t>16</a:t>
+            </a:fld>
+            <a:endParaRPr lang="zh-TW" altLang="en-US" dirty="0">
+              <a:solidFill>
+                <a:schemeClr val="tx1"/>
+              </a:solidFill>
+            </a:endParaRPr>
+          </a:p>
+        </p:txBody>
+      </p:sp>
     </p:spTree>
     <p:extLst>
       <p:ext uri="{BB962C8B-B14F-4D97-AF65-F5344CB8AC3E}">
@@ -28508,13 +29506,13 @@
   <p:clrMapOvr>
     <a:masterClrMapping/>
   </p:clrMapOvr>
-  <mc:AlternateContent xmlns:mc="http://schemas.openxmlformats.org/markup-compatibility/2006">
-    <mc:Choice xmlns:p14="http://schemas.microsoft.com/office/powerpoint/2010/main" Requires="p14">
+  <mc:AlternateContent xmlns:mc="http://schemas.openxmlformats.org/markup-compatibility/2006" xmlns:p14="http://schemas.microsoft.com/office/powerpoint/2010/main">
+    <mc:Choice Requires="p14">
       <p:transition spd="slow" p14:dur="2000">
         <p:cut/>
       </p:transition>
     </mc:Choice>
-    <mc:Fallback>
+    <mc:Fallback xmlns="">
       <p:transition spd="slow">
         <p:cut/>
       </p:transition>
@@ -28772,21 +29770,7 @@
                 <a:latin typeface="華康細明體" panose="02020309000000000000" pitchFamily="49" charset="-120"/>
                 <a:ea typeface="華康細明體" panose="02020309000000000000" pitchFamily="49" charset="-120"/>
               </a:rPr>
-              <a:t>萬子謙</a:t>
-            </a:r>
-            <a:r>
-              <a:rPr lang="zh-TW" altLang="en-US" dirty="0" smtClean="0">
-                <a:latin typeface="華康細明體" panose="02020309000000000000" pitchFamily="49" charset="-120"/>
-                <a:ea typeface="華康細明體" panose="02020309000000000000" pitchFamily="49" charset="-120"/>
-              </a:rPr>
-              <a:t>：嘗試</a:t>
-            </a:r>
-            <a:r>
-              <a:rPr lang="zh-TW" altLang="en-US" dirty="0">
-                <a:latin typeface="華康細明體" panose="02020309000000000000" pitchFamily="49" charset="-120"/>
-                <a:ea typeface="華康細明體" panose="02020309000000000000" pitchFamily="49" charset="-120"/>
-              </a:rPr>
-              <a:t>拆開</a:t>
+              <a:t>萬子謙：嘗試拆開</a:t>
             </a:r>
             <a:r>
               <a:rPr lang="en-US" altLang="zh-TW" dirty="0">
@@ -28824,7 +29808,7 @@
               <a:t>CFO</a:t>
             </a:r>
             <a:r>
-              <a:rPr lang="zh-TW" altLang="en-US" dirty="0" smtClean="0">
+              <a:rPr lang="zh-TW" altLang="en-US" dirty="0">
                 <a:latin typeface="華康細明體" panose="02020309000000000000" pitchFamily="49" charset="-120"/>
                 <a:ea typeface="華康細明體" panose="02020309000000000000" pitchFamily="49" charset="-120"/>
               </a:rPr>
@@ -28971,7 +29955,7 @@
               <a:t>校正</a:t>
             </a:r>
             <a:r>
-              <a:rPr kumimoji="0" lang="en-US" altLang="zh-TW" sz="2800" b="0" i="0" u="none" strike="noStrike" kern="1200" cap="none" spc="0" normalizeH="0" baseline="0" noProof="0" dirty="0" smtClean="0">
+              <a:rPr kumimoji="0" lang="en-US" altLang="zh-TW" sz="2800" b="0" i="0" u="none" strike="noStrike" kern="1200" cap="none" spc="0" normalizeH="0" baseline="0" noProof="0" dirty="0">
                 <a:ln>
                   <a:noFill/>
                 </a:ln>
@@ -28985,7 +29969,7 @@
               <a:t>)</a:t>
             </a:r>
             <a:r>
-              <a:rPr kumimoji="0" lang="zh-TW" altLang="en-US" sz="2800" b="0" i="0" u="none" strike="noStrike" kern="1200" cap="none" spc="0" normalizeH="0" baseline="0" noProof="0" dirty="0" smtClean="0">
+              <a:rPr kumimoji="0" lang="zh-TW" altLang="en-US" sz="2800" b="0" i="0" u="none" strike="noStrike" kern="1200" cap="none" spc="0" normalizeH="0" baseline="0" noProof="0" dirty="0">
                 <a:ln>
                   <a:noFill/>
                 </a:ln>
@@ -28999,7 +29983,7 @@
               <a:t>、</a:t>
             </a:r>
             <a:r>
-              <a:rPr kumimoji="0" lang="en-US" altLang="zh-TW" sz="2800" b="0" i="0" u="none" strike="noStrike" kern="1200" cap="none" spc="0" normalizeH="0" baseline="0" noProof="0" dirty="0" smtClean="0">
+              <a:rPr kumimoji="0" lang="en-US" altLang="zh-TW" sz="2800" b="0" i="0" u="none" strike="noStrike" kern="1200" cap="none" spc="0" normalizeH="0" baseline="0" noProof="0" dirty="0">
                 <a:ln>
                   <a:noFill/>
                 </a:ln>
@@ -29013,7 +29997,7 @@
               <a:t>OTSM</a:t>
             </a:r>
             <a:r>
-              <a:rPr kumimoji="0" lang="zh-TW" altLang="en-US" sz="2800" b="0" i="0" u="none" strike="noStrike" kern="1200" cap="none" spc="0" normalizeH="0" baseline="0" noProof="0" dirty="0" smtClean="0">
+              <a:rPr kumimoji="0" lang="zh-TW" altLang="en-US" sz="2800" b="0" i="0" u="none" strike="noStrike" kern="1200" cap="none" spc="0" normalizeH="0" baseline="0" noProof="0" dirty="0">
                 <a:ln>
                   <a:noFill/>
                 </a:ln>
@@ -29027,14 +30011,14 @@
               <a:t>數據</a:t>
             </a:r>
             <a:r>
-              <a:rPr lang="zh-TW" altLang="en-US" dirty="0" smtClean="0">
+              <a:rPr lang="zh-TW" altLang="en-US" dirty="0">
                 <a:latin typeface="華康細明體" panose="02020309000000000000" pitchFamily="49" charset="-120"/>
                 <a:ea typeface="華康細明體" panose="02020309000000000000" pitchFamily="49" charset="-120"/>
               </a:rPr>
               <a:t>整理、畫圖、版本</a:t>
             </a:r>
             <a:r>
-              <a:rPr kumimoji="0" lang="zh-TW" altLang="en-US" sz="2800" b="0" i="0" u="none" strike="noStrike" kern="1200" cap="none" spc="0" normalizeH="0" baseline="0" noProof="0" dirty="0" smtClean="0">
+              <a:rPr kumimoji="0" lang="zh-TW" altLang="en-US" sz="2800" b="0" i="0" u="none" strike="noStrike" kern="1200" cap="none" spc="0" normalizeH="0" baseline="0" noProof="0" dirty="0">
                 <a:ln>
                   <a:noFill/>
                 </a:ln>
@@ -29065,17 +30049,10 @@
                 <a:latin typeface="華康細明體" panose="02020309000000000000" pitchFamily="49" charset="-120"/>
                 <a:ea typeface="華康細明體" panose="02020309000000000000" pitchFamily="49" charset="-120"/>
               </a:rPr>
-              <a:t>陳軍銓</a:t>
-            </a:r>
-            <a:r>
-              <a:rPr lang="zh-TW" altLang="en-US" dirty="0" smtClean="0">
-                <a:latin typeface="華康細明體" panose="02020309000000000000" pitchFamily="49" charset="-120"/>
-                <a:ea typeface="華康細明體" panose="02020309000000000000" pitchFamily="49" charset="-120"/>
-              </a:rPr>
-              <a:t>：協助</a:t>
-            </a:r>
-            <a:r>
-              <a:rPr lang="en-US" altLang="zh-TW" dirty="0" smtClean="0">
+              <a:t>陳軍銓：協助</a:t>
+            </a:r>
+            <a:r>
+              <a:rPr lang="en-US" altLang="zh-TW" dirty="0">
                 <a:latin typeface="華康細明體" panose="02020309000000000000" pitchFamily="49" charset="-120"/>
                 <a:ea typeface="華康細明體" panose="02020309000000000000" pitchFamily="49" charset="-120"/>
               </a:rPr>
@@ -29088,52 +30065,31 @@
               </a:rPr>
               <a:t>程式替換</a:t>
             </a:r>
-            <a:endParaRPr lang="en-US" altLang="zh-TW" dirty="0" smtClean="0">
+            <a:endParaRPr lang="en-US" altLang="zh-TW" dirty="0">
               <a:latin typeface="華康細明體" panose="02020309000000000000" pitchFamily="49" charset="-120"/>
               <a:ea typeface="華康細明體" panose="02020309000000000000" pitchFamily="49" charset="-120"/>
             </a:endParaRPr>
           </a:p>
           <a:p>
             <a:r>
-              <a:rPr lang="zh-TW" altLang="en-US" dirty="0" smtClean="0">
+              <a:rPr lang="zh-TW" altLang="en-US" dirty="0">
                 <a:latin typeface="華康細明體" panose="02020309000000000000" pitchFamily="49" charset="-120"/>
                 <a:ea typeface="華康細明體" panose="02020309000000000000" pitchFamily="49" charset="-120"/>
               </a:rPr>
               <a:t>陳建霖：資料收集</a:t>
             </a:r>
-            <a:endParaRPr lang="en-US" altLang="zh-TW" dirty="0" smtClean="0">
+            <a:endParaRPr lang="en-US" altLang="zh-TW" dirty="0">
               <a:latin typeface="華康細明體" panose="02020309000000000000" pitchFamily="49" charset="-120"/>
               <a:ea typeface="華康細明體" panose="02020309000000000000" pitchFamily="49" charset="-120"/>
             </a:endParaRPr>
           </a:p>
           <a:p>
             <a:r>
-              <a:rPr lang="zh-TW" altLang="en-US" dirty="0" smtClean="0">
-                <a:latin typeface="華康細明體" panose="02020309000000000000" pitchFamily="49" charset="-120"/>
-                <a:ea typeface="華康細明體" panose="02020309000000000000" pitchFamily="49" charset="-120"/>
-              </a:rPr>
-              <a:t>姚</a:t>
-            </a:r>
-            <a:r>
               <a:rPr lang="zh-TW" altLang="en-US" dirty="0">
                 <a:latin typeface="華康細明體" panose="02020309000000000000" pitchFamily="49" charset="-120"/>
                 <a:ea typeface="華康細明體" panose="02020309000000000000" pitchFamily="49" charset="-120"/>
               </a:rPr>
-              <a:t>辰彥</a:t>
-            </a:r>
-            <a:r>
-              <a:rPr lang="zh-TW" altLang="en-US" dirty="0" smtClean="0">
-                <a:latin typeface="華康細明體" panose="02020309000000000000" pitchFamily="49" charset="-120"/>
-                <a:ea typeface="華康細明體" panose="02020309000000000000" pitchFamily="49" charset="-120"/>
-              </a:rPr>
-              <a:t>：</a:t>
-            </a:r>
-            <a:r>
-              <a:rPr lang="zh-TW" altLang="en-US" dirty="0">
-                <a:latin typeface="華康細明體" panose="02020309000000000000" pitchFamily="49" charset="-120"/>
-                <a:ea typeface="華康細明體" panose="02020309000000000000" pitchFamily="49" charset="-120"/>
-              </a:rPr>
-              <a:t>製作</a:t>
+              <a:t>姚辰彥：製作</a:t>
             </a:r>
             <a:r>
               <a:rPr lang="en-US" altLang="zh-TW" dirty="0" err="1">
@@ -29142,42 +30098,28 @@
               </a:rPr>
               <a:t>ppt</a:t>
             </a:r>
-            <a:endParaRPr lang="en-US" altLang="zh-TW" dirty="0" smtClean="0">
+            <a:endParaRPr lang="en-US" altLang="zh-TW" dirty="0">
               <a:latin typeface="華康細明體" panose="02020309000000000000" pitchFamily="49" charset="-120"/>
               <a:ea typeface="華康細明體" panose="02020309000000000000" pitchFamily="49" charset="-120"/>
             </a:endParaRPr>
           </a:p>
           <a:p>
             <a:r>
-              <a:rPr lang="zh-TW" altLang="en-US" dirty="0" smtClean="0">
-                <a:latin typeface="華康細明體" panose="02020309000000000000" pitchFamily="49" charset="-120"/>
-                <a:ea typeface="華康細明體" panose="02020309000000000000" pitchFamily="49" charset="-120"/>
-              </a:rPr>
-              <a:t>卓</a:t>
-            </a:r>
-            <a:r>
               <a:rPr lang="zh-TW" altLang="en-US" dirty="0">
                 <a:latin typeface="華康細明體" panose="02020309000000000000" pitchFamily="49" charset="-120"/>
                 <a:ea typeface="華康細明體" panose="02020309000000000000" pitchFamily="49" charset="-120"/>
               </a:rPr>
-              <a:t>家</a:t>
-            </a:r>
-            <a:r>
-              <a:rPr lang="zh-TW" altLang="en-US" dirty="0" smtClean="0">
-                <a:latin typeface="華康細明體" panose="02020309000000000000" pitchFamily="49" charset="-120"/>
-                <a:ea typeface="華康細明體" panose="02020309000000000000" pitchFamily="49" charset="-120"/>
-              </a:rPr>
-              <a:t>葳：處理</a:t>
-            </a:r>
-            <a:r>
-              <a:rPr lang="en-US" altLang="zh-TW" dirty="0" err="1" smtClean="0">
+              <a:t>卓家葳：處理</a:t>
+            </a:r>
+            <a:r>
+              <a:rPr lang="en-US" altLang="zh-TW" dirty="0" err="1">
                 <a:latin typeface="華康細明體" panose="02020309000000000000" pitchFamily="49" charset="-120"/>
                 <a:ea typeface="華康細明體" panose="02020309000000000000" pitchFamily="49" charset="-120"/>
               </a:rPr>
               <a:t>Github</a:t>
             </a:r>
             <a:r>
-              <a:rPr lang="zh-TW" altLang="en-US" dirty="0" smtClean="0">
+              <a:rPr lang="zh-TW" altLang="en-US" dirty="0">
                 <a:latin typeface="華康細明體" panose="02020309000000000000" pitchFamily="49" charset="-120"/>
                 <a:ea typeface="華康細明體" panose="02020309000000000000" pitchFamily="49" charset="-120"/>
               </a:rPr>
@@ -29233,6 +30175,173 @@
           </a:p>
         </p:txBody>
       </p:sp>
+      <p:sp>
+        <p:nvSpPr>
+          <p:cNvPr id="3" name="投影片編號版面配置區 2">
+            <a:extLst>
+              <a:ext uri="{FF2B5EF4-FFF2-40B4-BE49-F238E27FC236}">
+                <a16:creationId xmlns:a16="http://schemas.microsoft.com/office/drawing/2014/main" id="{CD7ECE54-13DA-4404-9945-BB897D9C8B3C}"/>
+              </a:ext>
+            </a:extLst>
+          </p:cNvPr>
+          <p:cNvSpPr>
+            <a:spLocks noGrp="1"/>
+          </p:cNvSpPr>
+          <p:nvPr>
+            <p:ph type="sldNum" sz="quarter" idx="12"/>
+          </p:nvPr>
+        </p:nvSpPr>
+        <p:spPr/>
+        <p:txBody>
+          <a:bodyPr/>
+          <a:lstStyle/>
+          <a:p>
+            <a:fld id="{198CCF71-D315-4EBA-8BEC-176ABDF74514}" type="slidenum">
+              <a:rPr lang="zh-TW" altLang="en-US" smtClean="0"/>
+              <a:t>17</a:t>
+            </a:fld>
+            <a:endParaRPr lang="zh-TW" altLang="en-US"/>
+          </a:p>
+        </p:txBody>
+      </p:sp>
+      <p:sp>
+        <p:nvSpPr>
+          <p:cNvPr id="5" name="投影片編號版面配置區 3">
+            <a:extLst>
+              <a:ext uri="{FF2B5EF4-FFF2-40B4-BE49-F238E27FC236}">
+                <a16:creationId xmlns:a16="http://schemas.microsoft.com/office/drawing/2014/main" id="{AEB836C0-C027-47D7-9EB8-CDD32012A737}"/>
+              </a:ext>
+            </a:extLst>
+          </p:cNvPr>
+          <p:cNvSpPr txBox="1">
+            <a:spLocks/>
+          </p:cNvSpPr>
+          <p:nvPr/>
+        </p:nvSpPr>
+        <p:spPr bwMode="gray">
+          <a:xfrm>
+            <a:off x="11412233" y="6492875"/>
+            <a:ext cx="779767" cy="365125"/>
+          </a:xfrm>
+          <a:prstGeom prst="rect">
+            <a:avLst/>
+          </a:prstGeom>
+        </p:spPr>
+        <p:txBody>
+          <a:bodyPr vert="horz" lIns="91440" tIns="45720" rIns="91440" bIns="45720" rtlCol="0" anchor="ctr"/>
+          <a:lstStyle>
+            <a:defPPr>
+              <a:defRPr lang="en-US"/>
+            </a:defPPr>
+            <a:lvl1pPr marL="0" algn="r" defTabSz="457200" rtl="0" eaLnBrk="1" latinLnBrk="0" hangingPunct="1">
+              <a:defRPr sz="2000" kern="1200">
+                <a:solidFill>
+                  <a:srgbClr val="FEFFFF"/>
+                </a:solidFill>
+                <a:latin typeface="+mn-lt"/>
+                <a:ea typeface="+mn-ea"/>
+                <a:cs typeface="+mn-cs"/>
+              </a:defRPr>
+            </a:lvl1pPr>
+            <a:lvl2pPr marL="457200" algn="l" defTabSz="457200" rtl="0" eaLnBrk="1" latinLnBrk="0" hangingPunct="1">
+              <a:defRPr sz="1800" kern="1200">
+                <a:solidFill>
+                  <a:schemeClr val="tx1"/>
+                </a:solidFill>
+                <a:latin typeface="+mn-lt"/>
+                <a:ea typeface="+mn-ea"/>
+                <a:cs typeface="+mn-cs"/>
+              </a:defRPr>
+            </a:lvl2pPr>
+            <a:lvl3pPr marL="914400" algn="l" defTabSz="457200" rtl="0" eaLnBrk="1" latinLnBrk="0" hangingPunct="1">
+              <a:defRPr sz="1800" kern="1200">
+                <a:solidFill>
+                  <a:schemeClr val="tx1"/>
+                </a:solidFill>
+                <a:latin typeface="+mn-lt"/>
+                <a:ea typeface="+mn-ea"/>
+                <a:cs typeface="+mn-cs"/>
+              </a:defRPr>
+            </a:lvl3pPr>
+            <a:lvl4pPr marL="1371600" algn="l" defTabSz="457200" rtl="0" eaLnBrk="1" latinLnBrk="0" hangingPunct="1">
+              <a:defRPr sz="1800" kern="1200">
+                <a:solidFill>
+                  <a:schemeClr val="tx1"/>
+                </a:solidFill>
+                <a:latin typeface="+mn-lt"/>
+                <a:ea typeface="+mn-ea"/>
+                <a:cs typeface="+mn-cs"/>
+              </a:defRPr>
+            </a:lvl4pPr>
+            <a:lvl5pPr marL="1828800" algn="l" defTabSz="457200" rtl="0" eaLnBrk="1" latinLnBrk="0" hangingPunct="1">
+              <a:defRPr sz="1800" kern="1200">
+                <a:solidFill>
+                  <a:schemeClr val="tx1"/>
+                </a:solidFill>
+                <a:latin typeface="+mn-lt"/>
+                <a:ea typeface="+mn-ea"/>
+                <a:cs typeface="+mn-cs"/>
+              </a:defRPr>
+            </a:lvl5pPr>
+            <a:lvl6pPr marL="2286000" algn="l" defTabSz="457200" rtl="0" eaLnBrk="1" latinLnBrk="0" hangingPunct="1">
+              <a:defRPr sz="1800" kern="1200">
+                <a:solidFill>
+                  <a:schemeClr val="tx1"/>
+                </a:solidFill>
+                <a:latin typeface="+mn-lt"/>
+                <a:ea typeface="+mn-ea"/>
+                <a:cs typeface="+mn-cs"/>
+              </a:defRPr>
+            </a:lvl6pPr>
+            <a:lvl7pPr marL="2743200" algn="l" defTabSz="457200" rtl="0" eaLnBrk="1" latinLnBrk="0" hangingPunct="1">
+              <a:defRPr sz="1800" kern="1200">
+                <a:solidFill>
+                  <a:schemeClr val="tx1"/>
+                </a:solidFill>
+                <a:latin typeface="+mn-lt"/>
+                <a:ea typeface="+mn-ea"/>
+                <a:cs typeface="+mn-cs"/>
+              </a:defRPr>
+            </a:lvl7pPr>
+            <a:lvl8pPr marL="3200400" algn="l" defTabSz="457200" rtl="0" eaLnBrk="1" latinLnBrk="0" hangingPunct="1">
+              <a:defRPr sz="1800" kern="1200">
+                <a:solidFill>
+                  <a:schemeClr val="tx1"/>
+                </a:solidFill>
+                <a:latin typeface="+mn-lt"/>
+                <a:ea typeface="+mn-ea"/>
+                <a:cs typeface="+mn-cs"/>
+              </a:defRPr>
+            </a:lvl8pPr>
+            <a:lvl9pPr marL="3657600" algn="l" defTabSz="457200" rtl="0" eaLnBrk="1" latinLnBrk="0" hangingPunct="1">
+              <a:defRPr sz="1800" kern="1200">
+                <a:solidFill>
+                  <a:schemeClr val="tx1"/>
+                </a:solidFill>
+                <a:latin typeface="+mn-lt"/>
+                <a:ea typeface="+mn-ea"/>
+                <a:cs typeface="+mn-cs"/>
+              </a:defRPr>
+            </a:lvl9pPr>
+          </a:lstStyle>
+          <a:p>
+            <a:fld id="{198CCF71-D315-4EBA-8BEC-176ABDF74514}" type="slidenum">
+              <a:rPr lang="zh-TW" altLang="en-US" smtClean="0">
+                <a:solidFill>
+                  <a:schemeClr val="tx1"/>
+                </a:solidFill>
+              </a:rPr>
+              <a:pPr/>
+              <a:t>17</a:t>
+            </a:fld>
+            <a:endParaRPr lang="zh-TW" altLang="en-US" dirty="0">
+              <a:solidFill>
+                <a:schemeClr val="tx1"/>
+              </a:solidFill>
+            </a:endParaRPr>
+          </a:p>
+        </p:txBody>
+      </p:sp>
     </p:spTree>
     <p:extLst>
       <p:ext uri="{BB962C8B-B14F-4D97-AF65-F5344CB8AC3E}">
@@ -29243,13 +30352,13 @@
   <p:clrMapOvr>
     <a:masterClrMapping/>
   </p:clrMapOvr>
-  <mc:AlternateContent xmlns:mc="http://schemas.openxmlformats.org/markup-compatibility/2006">
-    <mc:Choice xmlns:p14="http://schemas.microsoft.com/office/powerpoint/2010/main" Requires="p14">
+  <mc:AlternateContent xmlns:mc="http://schemas.openxmlformats.org/markup-compatibility/2006" xmlns:p14="http://schemas.microsoft.com/office/powerpoint/2010/main">
+    <mc:Choice Requires="p14">
       <p:transition spd="slow" p14:dur="2000">
         <p:cut/>
       </p:transition>
     </mc:Choice>
-    <mc:Fallback>
+    <mc:Fallback xmlns="">
       <p:transition spd="slow">
         <p:cut/>
       </p:transition>
@@ -29332,50 +30441,36 @@
           <a:p>
             <a:pPr lvl="0"/>
             <a:r>
-              <a:rPr lang="en-US" altLang="zh-TW" dirty="0" smtClean="0"/>
+              <a:rPr lang="en-US" altLang="zh-TW" dirty="0"/>
               <a:t>[1]</a:t>
             </a:r>
             <a:r>
-              <a:rPr lang="zh-TW" altLang="zh-TW" dirty="0" smtClean="0"/>
+              <a:rPr lang="zh-TW" altLang="zh-TW" dirty="0"/>
               <a:t>軟體無線電</a:t>
             </a:r>
             <a:r>
-              <a:rPr lang="en-US" altLang="zh-TW" dirty="0" smtClean="0"/>
+              <a:rPr lang="en-US" altLang="zh-TW" dirty="0"/>
               <a:t>wiki</a:t>
             </a:r>
             <a:r>
-              <a:rPr lang="zh-TW" altLang="zh-TW" dirty="0" smtClean="0"/>
+              <a:rPr lang="zh-TW" altLang="zh-TW" dirty="0"/>
               <a:t>：</a:t>
-            </a:r>
-            <a:r>
-              <a:rPr lang="en-US" altLang="zh-TW" dirty="0" smtClean="0">
-                <a:hlinkClick r:id="rId2"/>
-              </a:rPr>
-              <a:t>https</a:t>
             </a:r>
             <a:r>
               <a:rPr lang="en-US" altLang="zh-TW" dirty="0">
                 <a:hlinkClick r:id="rId2"/>
               </a:rPr>
-              <a:t>://zh.wikipedia.org/zh-tw/%E8%BD%AF%E4%BB%B6%E6%97%A0%E7%BA%BF%E7%94%B5</a:t>
-            </a:r>
-            <a:endParaRPr lang="en-US" altLang="zh-TW" dirty="0" smtClean="0"/>
+              <a:t>https://zh.wikipedia.org/zh-tw/%E8%BD%AF%E4%BB%B6%E6%97%A0%E7%BA%BF%E7%94%B5</a:t>
+            </a:r>
+            <a:endParaRPr lang="en-US" altLang="zh-TW" dirty="0"/>
           </a:p>
           <a:p>
             <a:r>
-              <a:rPr lang="en-US" altLang="zh-TW" spc="195" dirty="0" smtClean="0">
+              <a:rPr lang="en-US" altLang="zh-TW" spc="195" dirty="0">
                 <a:latin typeface="DM Sans"/>
                 <a:ea typeface="DM Sans"/>
               </a:rPr>
               <a:t>[2]Pluto :</a:t>
-            </a:r>
-            <a:r>
-              <a:rPr lang="en-US" altLang="zh-TW" spc="195" dirty="0" smtClean="0">
-                <a:latin typeface="DM Sans"/>
-                <a:ea typeface="DM Sans"/>
-                <a:hlinkClick r:id="rId3"/>
-              </a:rPr>
-              <a:t>https</a:t>
             </a:r>
             <a:r>
               <a:rPr lang="en-US" altLang="zh-TW" spc="195" dirty="0">
@@ -29383,7 +30478,7 @@
                 <a:ea typeface="DM Sans"/>
                 <a:hlinkClick r:id="rId3"/>
               </a:rPr>
-              <a:t>://www.mouser.tw/images/marketingid/2017/img/175161332_Analog_Devices_ADALM-PLUTOActiveLearningModule.png?v=072922.0344</a:t>
+              <a:t>https://www.mouser.tw/images/marketingid/2017/img/175161332_Analog_Devices_ADALM-PLUTOActiveLearningModule.png?v=072922.0344</a:t>
             </a:r>
             <a:endParaRPr lang="en-US" altLang="zh-TW" spc="195" dirty="0">
               <a:latin typeface="DM Sans"/>
@@ -29393,12 +30488,8 @@
           <a:p>
             <a:pPr lvl="0"/>
             <a:r>
-              <a:rPr lang="en-US" altLang="zh-TW" dirty="0" smtClean="0"/>
-              <a:t>[3]</a:t>
-            </a:r>
-            <a:r>
               <a:rPr lang="en-US" altLang="zh-TW" dirty="0"/>
-              <a:t> </a:t>
+              <a:t>[3] </a:t>
             </a:r>
             <a:r>
               <a:rPr lang="en-US" altLang="zh-TW" dirty="0" err="1"/>
@@ -29417,10 +30508,177 @@
             <a:endParaRPr lang="zh-TW" altLang="zh-TW" dirty="0"/>
           </a:p>
           <a:p>
-            <a:endParaRPr lang="zh-TW" altLang="zh-TW" dirty="0" smtClean="0"/>
+            <a:endParaRPr lang="zh-TW" altLang="zh-TW" dirty="0"/>
           </a:p>
           <a:p>
             <a:endParaRPr lang="zh-TW" altLang="en-US" dirty="0"/>
+          </a:p>
+        </p:txBody>
+      </p:sp>
+      <p:sp>
+        <p:nvSpPr>
+          <p:cNvPr id="4" name="投影片編號版面配置區 3">
+            <a:extLst>
+              <a:ext uri="{FF2B5EF4-FFF2-40B4-BE49-F238E27FC236}">
+                <a16:creationId xmlns:a16="http://schemas.microsoft.com/office/drawing/2014/main" id="{59FAC43B-0076-486F-93B0-09B66DC933AD}"/>
+              </a:ext>
+            </a:extLst>
+          </p:cNvPr>
+          <p:cNvSpPr>
+            <a:spLocks noGrp="1"/>
+          </p:cNvSpPr>
+          <p:nvPr>
+            <p:ph type="sldNum" sz="quarter" idx="12"/>
+          </p:nvPr>
+        </p:nvSpPr>
+        <p:spPr/>
+        <p:txBody>
+          <a:bodyPr/>
+          <a:lstStyle/>
+          <a:p>
+            <a:fld id="{198CCF71-D315-4EBA-8BEC-176ABDF74514}" type="slidenum">
+              <a:rPr lang="zh-TW" altLang="en-US" smtClean="0"/>
+              <a:t>18</a:t>
+            </a:fld>
+            <a:endParaRPr lang="zh-TW" altLang="en-US"/>
+          </a:p>
+        </p:txBody>
+      </p:sp>
+      <p:sp>
+        <p:nvSpPr>
+          <p:cNvPr id="5" name="投影片編號版面配置區 3">
+            <a:extLst>
+              <a:ext uri="{FF2B5EF4-FFF2-40B4-BE49-F238E27FC236}">
+                <a16:creationId xmlns:a16="http://schemas.microsoft.com/office/drawing/2014/main" id="{F420826C-194B-4DB5-B063-7D6726D4A473}"/>
+              </a:ext>
+            </a:extLst>
+          </p:cNvPr>
+          <p:cNvSpPr txBox="1">
+            <a:spLocks/>
+          </p:cNvSpPr>
+          <p:nvPr/>
+        </p:nvSpPr>
+        <p:spPr bwMode="gray">
+          <a:xfrm>
+            <a:off x="11412233" y="6492875"/>
+            <a:ext cx="779767" cy="365125"/>
+          </a:xfrm>
+          <a:prstGeom prst="rect">
+            <a:avLst/>
+          </a:prstGeom>
+        </p:spPr>
+        <p:txBody>
+          <a:bodyPr vert="horz" lIns="91440" tIns="45720" rIns="91440" bIns="45720" rtlCol="0" anchor="ctr"/>
+          <a:lstStyle>
+            <a:defPPr>
+              <a:defRPr lang="en-US"/>
+            </a:defPPr>
+            <a:lvl1pPr marL="0" algn="r" defTabSz="457200" rtl="0" eaLnBrk="1" latinLnBrk="0" hangingPunct="1">
+              <a:defRPr sz="2000" kern="1200">
+                <a:solidFill>
+                  <a:srgbClr val="FEFFFF"/>
+                </a:solidFill>
+                <a:latin typeface="+mn-lt"/>
+                <a:ea typeface="+mn-ea"/>
+                <a:cs typeface="+mn-cs"/>
+              </a:defRPr>
+            </a:lvl1pPr>
+            <a:lvl2pPr marL="457200" algn="l" defTabSz="457200" rtl="0" eaLnBrk="1" latinLnBrk="0" hangingPunct="1">
+              <a:defRPr sz="1800" kern="1200">
+                <a:solidFill>
+                  <a:schemeClr val="tx1"/>
+                </a:solidFill>
+                <a:latin typeface="+mn-lt"/>
+                <a:ea typeface="+mn-ea"/>
+                <a:cs typeface="+mn-cs"/>
+              </a:defRPr>
+            </a:lvl2pPr>
+            <a:lvl3pPr marL="914400" algn="l" defTabSz="457200" rtl="0" eaLnBrk="1" latinLnBrk="0" hangingPunct="1">
+              <a:defRPr sz="1800" kern="1200">
+                <a:solidFill>
+                  <a:schemeClr val="tx1"/>
+                </a:solidFill>
+                <a:latin typeface="+mn-lt"/>
+                <a:ea typeface="+mn-ea"/>
+                <a:cs typeface="+mn-cs"/>
+              </a:defRPr>
+            </a:lvl3pPr>
+            <a:lvl4pPr marL="1371600" algn="l" defTabSz="457200" rtl="0" eaLnBrk="1" latinLnBrk="0" hangingPunct="1">
+              <a:defRPr sz="1800" kern="1200">
+                <a:solidFill>
+                  <a:schemeClr val="tx1"/>
+                </a:solidFill>
+                <a:latin typeface="+mn-lt"/>
+                <a:ea typeface="+mn-ea"/>
+                <a:cs typeface="+mn-cs"/>
+              </a:defRPr>
+            </a:lvl4pPr>
+            <a:lvl5pPr marL="1828800" algn="l" defTabSz="457200" rtl="0" eaLnBrk="1" latinLnBrk="0" hangingPunct="1">
+              <a:defRPr sz="1800" kern="1200">
+                <a:solidFill>
+                  <a:schemeClr val="tx1"/>
+                </a:solidFill>
+                <a:latin typeface="+mn-lt"/>
+                <a:ea typeface="+mn-ea"/>
+                <a:cs typeface="+mn-cs"/>
+              </a:defRPr>
+            </a:lvl5pPr>
+            <a:lvl6pPr marL="2286000" algn="l" defTabSz="457200" rtl="0" eaLnBrk="1" latinLnBrk="0" hangingPunct="1">
+              <a:defRPr sz="1800" kern="1200">
+                <a:solidFill>
+                  <a:schemeClr val="tx1"/>
+                </a:solidFill>
+                <a:latin typeface="+mn-lt"/>
+                <a:ea typeface="+mn-ea"/>
+                <a:cs typeface="+mn-cs"/>
+              </a:defRPr>
+            </a:lvl6pPr>
+            <a:lvl7pPr marL="2743200" algn="l" defTabSz="457200" rtl="0" eaLnBrk="1" latinLnBrk="0" hangingPunct="1">
+              <a:defRPr sz="1800" kern="1200">
+                <a:solidFill>
+                  <a:schemeClr val="tx1"/>
+                </a:solidFill>
+                <a:latin typeface="+mn-lt"/>
+                <a:ea typeface="+mn-ea"/>
+                <a:cs typeface="+mn-cs"/>
+              </a:defRPr>
+            </a:lvl7pPr>
+            <a:lvl8pPr marL="3200400" algn="l" defTabSz="457200" rtl="0" eaLnBrk="1" latinLnBrk="0" hangingPunct="1">
+              <a:defRPr sz="1800" kern="1200">
+                <a:solidFill>
+                  <a:schemeClr val="tx1"/>
+                </a:solidFill>
+                <a:latin typeface="+mn-lt"/>
+                <a:ea typeface="+mn-ea"/>
+                <a:cs typeface="+mn-cs"/>
+              </a:defRPr>
+            </a:lvl8pPr>
+            <a:lvl9pPr marL="3657600" algn="l" defTabSz="457200" rtl="0" eaLnBrk="1" latinLnBrk="0" hangingPunct="1">
+              <a:defRPr sz="1800" kern="1200">
+                <a:solidFill>
+                  <a:schemeClr val="tx1"/>
+                </a:solidFill>
+                <a:latin typeface="+mn-lt"/>
+                <a:ea typeface="+mn-ea"/>
+                <a:cs typeface="+mn-cs"/>
+              </a:defRPr>
+            </a:lvl9pPr>
+          </a:lstStyle>
+          <a:p>
+            <a:fld id="{198CCF71-D315-4EBA-8BEC-176ABDF74514}" type="slidenum">
+              <a:rPr lang="zh-TW" altLang="en-US" smtClean="0">
+                <a:solidFill>
+                  <a:schemeClr val="tx1"/>
+                </a:solidFill>
+              </a:rPr>
+              <a:pPr/>
+              <a:t>18</a:t>
+            </a:fld>
+            <a:endParaRPr lang="zh-TW" altLang="en-US" dirty="0">
+              <a:solidFill>
+                <a:schemeClr val="tx1"/>
+              </a:solidFill>
+            </a:endParaRPr>
           </a:p>
         </p:txBody>
       </p:sp>
@@ -29434,13 +30692,13 @@
   <p:clrMapOvr>
     <a:masterClrMapping/>
   </p:clrMapOvr>
-  <mc:AlternateContent xmlns:mc="http://schemas.openxmlformats.org/markup-compatibility/2006">
-    <mc:Choice xmlns:p14="http://schemas.microsoft.com/office/powerpoint/2010/main" Requires="p14">
+  <mc:AlternateContent xmlns:mc="http://schemas.openxmlformats.org/markup-compatibility/2006" xmlns:p14="http://schemas.microsoft.com/office/powerpoint/2010/main">
+    <mc:Choice Requires="p14">
       <p:transition spd="slow" p14:dur="2000">
         <p:cut/>
       </p:transition>
     </mc:Choice>
-    <mc:Fallback>
+    <mc:Fallback xmlns="">
       <p:transition spd="slow">
         <p:cut/>
       </p:transition>
@@ -29525,6 +30783,173 @@
           </a:p>
         </p:txBody>
       </p:sp>
+      <p:sp>
+        <p:nvSpPr>
+          <p:cNvPr id="2" name="投影片編號版面配置區 1">
+            <a:extLst>
+              <a:ext uri="{FF2B5EF4-FFF2-40B4-BE49-F238E27FC236}">
+                <a16:creationId xmlns:a16="http://schemas.microsoft.com/office/drawing/2014/main" id="{7241A1E8-E623-4DDE-ABC5-C9FFE20A2DC7}"/>
+              </a:ext>
+            </a:extLst>
+          </p:cNvPr>
+          <p:cNvSpPr>
+            <a:spLocks noGrp="1"/>
+          </p:cNvSpPr>
+          <p:nvPr>
+            <p:ph type="sldNum" sz="quarter" idx="12"/>
+          </p:nvPr>
+        </p:nvSpPr>
+        <p:spPr/>
+        <p:txBody>
+          <a:bodyPr/>
+          <a:lstStyle/>
+          <a:p>
+            <a:fld id="{198CCF71-D315-4EBA-8BEC-176ABDF74514}" type="slidenum">
+              <a:rPr lang="zh-TW" altLang="en-US" smtClean="0"/>
+              <a:t>19</a:t>
+            </a:fld>
+            <a:endParaRPr lang="zh-TW" altLang="en-US"/>
+          </a:p>
+        </p:txBody>
+      </p:sp>
+      <p:sp>
+        <p:nvSpPr>
+          <p:cNvPr id="6" name="投影片編號版面配置區 3">
+            <a:extLst>
+              <a:ext uri="{FF2B5EF4-FFF2-40B4-BE49-F238E27FC236}">
+                <a16:creationId xmlns:a16="http://schemas.microsoft.com/office/drawing/2014/main" id="{5E5D8A2C-0678-4333-AA58-ED1E0CAFBBD6}"/>
+              </a:ext>
+            </a:extLst>
+          </p:cNvPr>
+          <p:cNvSpPr txBox="1">
+            <a:spLocks/>
+          </p:cNvSpPr>
+          <p:nvPr/>
+        </p:nvSpPr>
+        <p:spPr bwMode="gray">
+          <a:xfrm>
+            <a:off x="11412233" y="6492875"/>
+            <a:ext cx="779767" cy="365125"/>
+          </a:xfrm>
+          <a:prstGeom prst="rect">
+            <a:avLst/>
+          </a:prstGeom>
+        </p:spPr>
+        <p:txBody>
+          <a:bodyPr vert="horz" lIns="91440" tIns="45720" rIns="91440" bIns="45720" rtlCol="0" anchor="ctr"/>
+          <a:lstStyle>
+            <a:defPPr>
+              <a:defRPr lang="en-US"/>
+            </a:defPPr>
+            <a:lvl1pPr marL="0" algn="r" defTabSz="457200" rtl="0" eaLnBrk="1" latinLnBrk="0" hangingPunct="1">
+              <a:defRPr sz="2000" kern="1200">
+                <a:solidFill>
+                  <a:srgbClr val="FEFFFF"/>
+                </a:solidFill>
+                <a:latin typeface="+mn-lt"/>
+                <a:ea typeface="+mn-ea"/>
+                <a:cs typeface="+mn-cs"/>
+              </a:defRPr>
+            </a:lvl1pPr>
+            <a:lvl2pPr marL="457200" algn="l" defTabSz="457200" rtl="0" eaLnBrk="1" latinLnBrk="0" hangingPunct="1">
+              <a:defRPr sz="1800" kern="1200">
+                <a:solidFill>
+                  <a:schemeClr val="tx1"/>
+                </a:solidFill>
+                <a:latin typeface="+mn-lt"/>
+                <a:ea typeface="+mn-ea"/>
+                <a:cs typeface="+mn-cs"/>
+              </a:defRPr>
+            </a:lvl2pPr>
+            <a:lvl3pPr marL="914400" algn="l" defTabSz="457200" rtl="0" eaLnBrk="1" latinLnBrk="0" hangingPunct="1">
+              <a:defRPr sz="1800" kern="1200">
+                <a:solidFill>
+                  <a:schemeClr val="tx1"/>
+                </a:solidFill>
+                <a:latin typeface="+mn-lt"/>
+                <a:ea typeface="+mn-ea"/>
+                <a:cs typeface="+mn-cs"/>
+              </a:defRPr>
+            </a:lvl3pPr>
+            <a:lvl4pPr marL="1371600" algn="l" defTabSz="457200" rtl="0" eaLnBrk="1" latinLnBrk="0" hangingPunct="1">
+              <a:defRPr sz="1800" kern="1200">
+                <a:solidFill>
+                  <a:schemeClr val="tx1"/>
+                </a:solidFill>
+                <a:latin typeface="+mn-lt"/>
+                <a:ea typeface="+mn-ea"/>
+                <a:cs typeface="+mn-cs"/>
+              </a:defRPr>
+            </a:lvl4pPr>
+            <a:lvl5pPr marL="1828800" algn="l" defTabSz="457200" rtl="0" eaLnBrk="1" latinLnBrk="0" hangingPunct="1">
+              <a:defRPr sz="1800" kern="1200">
+                <a:solidFill>
+                  <a:schemeClr val="tx1"/>
+                </a:solidFill>
+                <a:latin typeface="+mn-lt"/>
+                <a:ea typeface="+mn-ea"/>
+                <a:cs typeface="+mn-cs"/>
+              </a:defRPr>
+            </a:lvl5pPr>
+            <a:lvl6pPr marL="2286000" algn="l" defTabSz="457200" rtl="0" eaLnBrk="1" latinLnBrk="0" hangingPunct="1">
+              <a:defRPr sz="1800" kern="1200">
+                <a:solidFill>
+                  <a:schemeClr val="tx1"/>
+                </a:solidFill>
+                <a:latin typeface="+mn-lt"/>
+                <a:ea typeface="+mn-ea"/>
+                <a:cs typeface="+mn-cs"/>
+              </a:defRPr>
+            </a:lvl6pPr>
+            <a:lvl7pPr marL="2743200" algn="l" defTabSz="457200" rtl="0" eaLnBrk="1" latinLnBrk="0" hangingPunct="1">
+              <a:defRPr sz="1800" kern="1200">
+                <a:solidFill>
+                  <a:schemeClr val="tx1"/>
+                </a:solidFill>
+                <a:latin typeface="+mn-lt"/>
+                <a:ea typeface="+mn-ea"/>
+                <a:cs typeface="+mn-cs"/>
+              </a:defRPr>
+            </a:lvl7pPr>
+            <a:lvl8pPr marL="3200400" algn="l" defTabSz="457200" rtl="0" eaLnBrk="1" latinLnBrk="0" hangingPunct="1">
+              <a:defRPr sz="1800" kern="1200">
+                <a:solidFill>
+                  <a:schemeClr val="tx1"/>
+                </a:solidFill>
+                <a:latin typeface="+mn-lt"/>
+                <a:ea typeface="+mn-ea"/>
+                <a:cs typeface="+mn-cs"/>
+              </a:defRPr>
+            </a:lvl8pPr>
+            <a:lvl9pPr marL="3657600" algn="l" defTabSz="457200" rtl="0" eaLnBrk="1" latinLnBrk="0" hangingPunct="1">
+              <a:defRPr sz="1800" kern="1200">
+                <a:solidFill>
+                  <a:schemeClr val="tx1"/>
+                </a:solidFill>
+                <a:latin typeface="+mn-lt"/>
+                <a:ea typeface="+mn-ea"/>
+                <a:cs typeface="+mn-cs"/>
+              </a:defRPr>
+            </a:lvl9pPr>
+          </a:lstStyle>
+          <a:p>
+            <a:fld id="{198CCF71-D315-4EBA-8BEC-176ABDF74514}" type="slidenum">
+              <a:rPr lang="zh-TW" altLang="en-US" smtClean="0">
+                <a:solidFill>
+                  <a:schemeClr val="tx1"/>
+                </a:solidFill>
+              </a:rPr>
+              <a:pPr/>
+              <a:t>19</a:t>
+            </a:fld>
+            <a:endParaRPr lang="zh-TW" altLang="en-US" dirty="0">
+              <a:solidFill>
+                <a:schemeClr val="tx1"/>
+              </a:solidFill>
+            </a:endParaRPr>
+          </a:p>
+        </p:txBody>
+      </p:sp>
     </p:spTree>
     <p:extLst>
       <p:ext uri="{BB962C8B-B14F-4D97-AF65-F5344CB8AC3E}">
@@ -29535,13 +30960,13 @@
   <p:clrMapOvr>
     <a:masterClrMapping/>
   </p:clrMapOvr>
-  <mc:AlternateContent xmlns:mc="http://schemas.openxmlformats.org/markup-compatibility/2006">
-    <mc:Choice xmlns:p14="http://schemas.microsoft.com/office/powerpoint/2010/main" Requires="p14">
+  <mc:AlternateContent xmlns:mc="http://schemas.openxmlformats.org/markup-compatibility/2006" xmlns:p14="http://schemas.microsoft.com/office/powerpoint/2010/main">
+    <mc:Choice Requires="p14">
       <p:transition spd="slow" p14:dur="2000">
         <p:cut/>
       </p:transition>
     </mc:Choice>
-    <mc:Fallback>
+    <mc:Fallback xmlns="">
       <p:transition spd="slow">
         <p:cut/>
       </p:transition>
@@ -29630,7 +31055,7 @@
         </p:spPr>
         <p:txBody>
           <a:bodyPr vert="horz" lIns="91440" tIns="45720" rIns="91440" bIns="45720" rtlCol="0">
-            <a:normAutofit/>
+            <a:normAutofit fontScale="85000" lnSpcReduction="20000"/>
           </a:bodyPr>
           <a:lstStyle>
             <a:lvl1pPr marL="228600" indent="-228600" algn="l" defTabSz="914400" rtl="0" eaLnBrk="1" latinLnBrk="0" hangingPunct="1">
@@ -29985,21 +31410,105 @@
             </a:r>
           </a:p>
           <a:p>
-            <a:pPr marL="228600" marR="0" lvl="0" indent="-228600" algn="l" defTabSz="914400" rtl="0" eaLnBrk="1" fontAlgn="auto" latinLnBrk="0" hangingPunct="1">
-              <a:lnSpc>
-                <a:spcPct val="90000"/>
-              </a:lnSpc>
-              <a:spcBef>
-                <a:spcPts val="1000"/>
-              </a:spcBef>
-              <a:spcAft>
-                <a:spcPts val="0"/>
-              </a:spcAft>
-              <a:buClrTx/>
-              <a:buSzTx/>
-              <a:buFont typeface="Arial" panose="020B0604020202020204" pitchFamily="34" charset="0"/>
-              <a:buChar char="•"/>
-              <a:tabLst/>
+            <a:pPr>
+              <a:defRPr/>
+            </a:pPr>
+            <a:r>
+              <a:rPr lang="zh-TW" altLang="en-US" b="1" dirty="0">
+                <a:latin typeface="華康粗明體" panose="02020709000000000000" pitchFamily="49" charset="-120"/>
+                <a:ea typeface="華康粗明體" panose="02020709000000000000" pitchFamily="49" charset="-120"/>
+              </a:rPr>
+              <a:t>傳送端</a:t>
+            </a:r>
+            <a:r>
+              <a:rPr lang="en-US" altLang="zh-TW" b="1" dirty="0">
+                <a:latin typeface="華康粗明體" panose="02020709000000000000" pitchFamily="49" charset="-120"/>
+                <a:ea typeface="華康粗明體" panose="02020709000000000000" pitchFamily="49" charset="-120"/>
+              </a:rPr>
+              <a:t>.............................................8</a:t>
+            </a:r>
+          </a:p>
+          <a:p>
+            <a:pPr>
+              <a:defRPr/>
+            </a:pPr>
+            <a:r>
+              <a:rPr lang="zh-TW" altLang="en-US" b="1" dirty="0">
+                <a:latin typeface="華康粗明體" panose="02020709000000000000" pitchFamily="49" charset="-120"/>
+                <a:ea typeface="華康粗明體" panose="02020709000000000000" pitchFamily="49" charset="-120"/>
+              </a:rPr>
+              <a:t>通道設定</a:t>
+            </a:r>
+            <a:r>
+              <a:rPr lang="en-US" altLang="zh-TW" b="1" dirty="0">
+                <a:latin typeface="華康粗明體" panose="02020709000000000000" pitchFamily="49" charset="-120"/>
+                <a:ea typeface="華康粗明體" panose="02020709000000000000" pitchFamily="49" charset="-120"/>
+              </a:rPr>
+              <a:t>...........................................9</a:t>
+            </a:r>
+          </a:p>
+          <a:p>
+            <a:pPr>
+              <a:defRPr/>
+            </a:pPr>
+            <a:r>
+              <a:rPr lang="zh-TW" altLang="en-US" b="1" dirty="0">
+                <a:latin typeface="華康粗明體" panose="02020709000000000000" pitchFamily="49" charset="-120"/>
+                <a:ea typeface="華康粗明體" panose="02020709000000000000" pitchFamily="49" charset="-120"/>
+              </a:rPr>
+              <a:t>接收端</a:t>
+            </a:r>
+            <a:r>
+              <a:rPr lang="en-US" altLang="zh-TW" b="1" dirty="0">
+                <a:latin typeface="華康粗明體" panose="02020709000000000000" pitchFamily="49" charset="-120"/>
+                <a:ea typeface="華康粗明體" panose="02020709000000000000" pitchFamily="49" charset="-120"/>
+              </a:rPr>
+              <a:t>.........................................10-13</a:t>
+            </a:r>
+            <a:endParaRPr kumimoji="0" lang="en-US" altLang="zh-TW" sz="2800" b="1" i="0" u="none" strike="noStrike" kern="1200" cap="none" spc="0" normalizeH="0" baseline="0" noProof="0" dirty="0">
+              <a:ln>
+                <a:noFill/>
+              </a:ln>
+              <a:effectLst/>
+              <a:uLnTx/>
+              <a:uFillTx/>
+              <a:latin typeface="華康粗明體" panose="02020709000000000000" pitchFamily="49" charset="-120"/>
+              <a:ea typeface="華康粗明體" panose="02020709000000000000" pitchFamily="49" charset="-120"/>
+              <a:cs typeface="+mn-cs"/>
+            </a:endParaRPr>
+          </a:p>
+          <a:p>
+            <a:pPr>
+              <a:defRPr/>
+            </a:pPr>
+            <a:r>
+              <a:rPr lang="zh-TW" altLang="en-US" b="1" dirty="0">
+                <a:latin typeface="華康粗明體" panose="02020709000000000000" pitchFamily="49" charset="-120"/>
+                <a:ea typeface="華康粗明體" panose="02020709000000000000" pitchFamily="49" charset="-120"/>
+              </a:rPr>
+              <a:t>結果圖</a:t>
+            </a:r>
+            <a:r>
+              <a:rPr lang="en-US" altLang="zh-TW" b="1" dirty="0">
+                <a:latin typeface="華康粗明體" panose="02020709000000000000" pitchFamily="49" charset="-120"/>
+                <a:ea typeface="華康粗明體" panose="02020709000000000000" pitchFamily="49" charset="-120"/>
+              </a:rPr>
+              <a:t>............................................14</a:t>
+            </a:r>
+            <a:endParaRPr kumimoji="0" lang="en-US" altLang="zh-TW" sz="2800" b="1" i="0" u="none" strike="noStrike" kern="1200" cap="none" spc="0" normalizeH="0" baseline="0" noProof="0" dirty="0">
+              <a:ln>
+                <a:noFill/>
+              </a:ln>
+              <a:effectLst/>
+              <a:uLnTx/>
+              <a:uFillTx/>
+              <a:latin typeface="華康粗明體" panose="02020709000000000000" pitchFamily="49" charset="-120"/>
+              <a:ea typeface="華康粗明體" panose="02020709000000000000" pitchFamily="49" charset="-120"/>
+              <a:cs typeface="+mn-cs"/>
+            </a:endParaRPr>
+          </a:p>
+          <a:p>
+            <a:pPr lvl="0">
               <a:defRPr/>
             </a:pPr>
             <a:r>
@@ -30028,8 +31537,56 @@
                 <a:ea typeface="華康粗明體" panose="02020709000000000000" pitchFamily="49" charset="-120"/>
                 <a:cs typeface="+mn-cs"/>
               </a:rPr>
-              <a:t>.....................................11-12</a:t>
-            </a:r>
+              <a:t>........................................</a:t>
+            </a:r>
+            <a:r>
+              <a:rPr lang="en-US" altLang="zh-TW" b="1" dirty="0">
+                <a:latin typeface="華康粗明體" panose="02020709000000000000" pitchFamily="49" charset="-120"/>
+                <a:ea typeface="華康粗明體" panose="02020709000000000000" pitchFamily="49" charset="-120"/>
+              </a:rPr>
+              <a:t>15</a:t>
+            </a:r>
+            <a:endParaRPr kumimoji="0" lang="en-US" altLang="zh-TW" sz="2800" b="1" i="0" u="none" strike="noStrike" kern="1200" cap="none" spc="0" normalizeH="0" baseline="0" noProof="0" dirty="0">
+              <a:ln>
+                <a:noFill/>
+              </a:ln>
+              <a:effectLst/>
+              <a:uLnTx/>
+              <a:uFillTx/>
+              <a:latin typeface="華康粗明體" panose="02020709000000000000" pitchFamily="49" charset="-120"/>
+              <a:ea typeface="華康粗明體" panose="02020709000000000000" pitchFamily="49" charset="-120"/>
+              <a:cs typeface="+mn-cs"/>
+            </a:endParaRPr>
+          </a:p>
+          <a:p>
+            <a:pPr>
+              <a:defRPr/>
+            </a:pPr>
+            <a:r>
+              <a:rPr lang="zh-TW" altLang="en-US" b="1" dirty="0">
+                <a:latin typeface="華康粗明體" panose="02020709000000000000" pitchFamily="49" charset="-120"/>
+                <a:ea typeface="華康粗明體" panose="02020709000000000000" pitchFamily="49" charset="-120"/>
+              </a:rPr>
+              <a:t>結論與貢獻</a:t>
+            </a:r>
+            <a:r>
+              <a:rPr lang="en-US" altLang="zh-TW" b="1" dirty="0">
+                <a:latin typeface="華康粗明體" panose="02020709000000000000" pitchFamily="49" charset="-120"/>
+                <a:ea typeface="華康粗明體" panose="02020709000000000000" pitchFamily="49" charset="-120"/>
+              </a:rPr>
+              <a:t>........................................16</a:t>
+            </a:r>
+            <a:endParaRPr kumimoji="0" lang="en-US" altLang="zh-TW" sz="2800" b="1" i="0" u="none" strike="noStrike" kern="1200" cap="none" spc="0" normalizeH="0" baseline="0" noProof="0" dirty="0">
+              <a:ln>
+                <a:noFill/>
+              </a:ln>
+              <a:effectLst/>
+              <a:uLnTx/>
+              <a:uFillTx/>
+              <a:latin typeface="華康粗明體" panose="02020709000000000000" pitchFamily="49" charset="-120"/>
+              <a:ea typeface="華康粗明體" panose="02020709000000000000" pitchFamily="49" charset="-120"/>
+              <a:cs typeface="+mn-cs"/>
+            </a:endParaRPr>
           </a:p>
           <a:p>
             <a:pPr marL="228600" marR="0" lvl="0" indent="-228600" algn="l" defTabSz="914400" rtl="0" eaLnBrk="1" fontAlgn="auto" latinLnBrk="0" hangingPunct="1">
@@ -30061,7 +31618,7 @@
                 <a:ea typeface="華康粗明體" panose="02020709000000000000" pitchFamily="49" charset="-120"/>
                 <a:cs typeface="+mn-cs"/>
               </a:rPr>
-              <a:t>結論與貢獻</a:t>
+              <a:t>工作分配</a:t>
             </a:r>
             <a:r>
               <a:rPr kumimoji="0" lang="en-US" altLang="zh-TW" sz="2800" b="1" i="0" u="none" strike="noStrike" kern="1200" cap="none" spc="0" normalizeH="0" baseline="0" noProof="0" dirty="0">
@@ -30075,54 +31632,7 @@
                 <a:ea typeface="華康粗明體" panose="02020709000000000000" pitchFamily="49" charset="-120"/>
                 <a:cs typeface="+mn-cs"/>
               </a:rPr>
-              <a:t>........................................13</a:t>
-            </a:r>
-          </a:p>
-          <a:p>
-            <a:pPr marL="228600" marR="0" lvl="0" indent="-228600" algn="l" defTabSz="914400" rtl="0" eaLnBrk="1" fontAlgn="auto" latinLnBrk="0" hangingPunct="1">
-              <a:lnSpc>
-                <a:spcPct val="90000"/>
-              </a:lnSpc>
-              <a:spcBef>
-                <a:spcPts val="1000"/>
-              </a:spcBef>
-              <a:spcAft>
-                <a:spcPts val="0"/>
-              </a:spcAft>
-              <a:buClrTx/>
-              <a:buSzTx/>
-              <a:buFont typeface="Arial" panose="020B0604020202020204" pitchFamily="34" charset="0"/>
-              <a:buChar char="•"/>
-              <a:tabLst/>
-              <a:defRPr/>
-            </a:pPr>
-            <a:r>
-              <a:rPr kumimoji="0" lang="zh-TW" altLang="en-US" sz="2800" b="1" i="0" u="none" strike="noStrike" kern="1200" cap="none" spc="0" normalizeH="0" baseline="0" noProof="0" dirty="0">
-                <a:ln>
-                  <a:noFill/>
-                </a:ln>
-                <a:effectLst/>
-                <a:uLnTx/>
-                <a:uFillTx/>
-                <a:latin typeface="華康粗明體" panose="02020709000000000000" pitchFamily="49" charset="-120"/>
-                <a:ea typeface="華康粗明體" panose="02020709000000000000" pitchFamily="49" charset="-120"/>
-                <a:cs typeface="+mn-cs"/>
-              </a:rPr>
-              <a:t>工作分配</a:t>
-            </a:r>
-            <a:r>
-              <a:rPr kumimoji="0" lang="en-US" altLang="zh-TW" sz="2800" b="1" i="0" u="none" strike="noStrike" kern="1200" cap="none" spc="0" normalizeH="0" baseline="0" noProof="0" dirty="0">
-                <a:ln>
-                  <a:noFill/>
-                </a:ln>
-                <a:effectLst/>
-                <a:uLnTx/>
-                <a:uFillTx/>
-                <a:latin typeface="華康粗明體" panose="02020709000000000000" pitchFamily="49" charset="-120"/>
-                <a:ea typeface="華康粗明體" panose="02020709000000000000" pitchFamily="49" charset="-120"/>
-                <a:cs typeface="+mn-cs"/>
-              </a:rPr>
-              <a:t>..........................................14</a:t>
+              <a:t>..........................................17</a:t>
             </a:r>
             <a:endParaRPr kumimoji="0" lang="zh-TW" altLang="en-US" sz="2800" b="1" i="0" u="none" strike="noStrike" kern="1200" cap="none" spc="0" normalizeH="0" baseline="0" noProof="0" dirty="0">
               <a:ln>
@@ -30180,7 +31690,7 @@
                 <a:ea typeface="華康粗明體" panose="02020709000000000000" pitchFamily="49" charset="-120"/>
                 <a:cs typeface="+mn-cs"/>
               </a:rPr>
-              <a:t>.......................................15-16</a:t>
+              <a:t>.......................................18-19</a:t>
             </a:r>
           </a:p>
           <a:p>
@@ -30227,7 +31737,7 @@
                 <a:ea typeface="華康粗明體" panose="02020709000000000000" pitchFamily="49" charset="-120"/>
                 <a:cs typeface="+mn-cs"/>
               </a:rPr>
-              <a:t>..........................................17</a:t>
+              <a:t>..........................................20</a:t>
             </a:r>
             <a:endParaRPr kumimoji="0" lang="zh-TW" altLang="en-US" sz="2800" b="1" i="0" u="none" strike="noStrike" kern="1200" cap="none" spc="0" normalizeH="0" baseline="0" noProof="0" dirty="0">
               <a:ln>
@@ -30339,6 +31849,173 @@
           </a:p>
         </p:txBody>
       </p:sp>
+      <p:sp>
+        <p:nvSpPr>
+          <p:cNvPr id="3" name="投影片編號版面配置區 2">
+            <a:extLst>
+              <a:ext uri="{FF2B5EF4-FFF2-40B4-BE49-F238E27FC236}">
+                <a16:creationId xmlns:a16="http://schemas.microsoft.com/office/drawing/2014/main" id="{0F8F46A8-FC3B-4D0A-A22C-ED450D448432}"/>
+              </a:ext>
+            </a:extLst>
+          </p:cNvPr>
+          <p:cNvSpPr>
+            <a:spLocks noGrp="1"/>
+          </p:cNvSpPr>
+          <p:nvPr>
+            <p:ph type="sldNum" sz="quarter" idx="12"/>
+          </p:nvPr>
+        </p:nvSpPr>
+        <p:spPr/>
+        <p:txBody>
+          <a:bodyPr/>
+          <a:lstStyle/>
+          <a:p>
+            <a:fld id="{198CCF71-D315-4EBA-8BEC-176ABDF74514}" type="slidenum">
+              <a:rPr lang="zh-TW" altLang="en-US" smtClean="0"/>
+              <a:t>2</a:t>
+            </a:fld>
+            <a:endParaRPr lang="zh-TW" altLang="en-US"/>
+          </a:p>
+        </p:txBody>
+      </p:sp>
+      <p:sp>
+        <p:nvSpPr>
+          <p:cNvPr id="5" name="投影片編號版面配置區 3">
+            <a:extLst>
+              <a:ext uri="{FF2B5EF4-FFF2-40B4-BE49-F238E27FC236}">
+                <a16:creationId xmlns:a16="http://schemas.microsoft.com/office/drawing/2014/main" id="{7B615A6C-7832-4B50-9C85-C685FD09DA68}"/>
+              </a:ext>
+            </a:extLst>
+          </p:cNvPr>
+          <p:cNvSpPr txBox="1">
+            <a:spLocks/>
+          </p:cNvSpPr>
+          <p:nvPr/>
+        </p:nvSpPr>
+        <p:spPr bwMode="gray">
+          <a:xfrm>
+            <a:off x="11412233" y="6492875"/>
+            <a:ext cx="779767" cy="365125"/>
+          </a:xfrm>
+          <a:prstGeom prst="rect">
+            <a:avLst/>
+          </a:prstGeom>
+        </p:spPr>
+        <p:txBody>
+          <a:bodyPr vert="horz" lIns="91440" tIns="45720" rIns="91440" bIns="45720" rtlCol="0" anchor="ctr"/>
+          <a:lstStyle>
+            <a:defPPr>
+              <a:defRPr lang="en-US"/>
+            </a:defPPr>
+            <a:lvl1pPr marL="0" algn="r" defTabSz="457200" rtl="0" eaLnBrk="1" latinLnBrk="0" hangingPunct="1">
+              <a:defRPr sz="2000" kern="1200">
+                <a:solidFill>
+                  <a:srgbClr val="FEFFFF"/>
+                </a:solidFill>
+                <a:latin typeface="+mn-lt"/>
+                <a:ea typeface="+mn-ea"/>
+                <a:cs typeface="+mn-cs"/>
+              </a:defRPr>
+            </a:lvl1pPr>
+            <a:lvl2pPr marL="457200" algn="l" defTabSz="457200" rtl="0" eaLnBrk="1" latinLnBrk="0" hangingPunct="1">
+              <a:defRPr sz="1800" kern="1200">
+                <a:solidFill>
+                  <a:schemeClr val="tx1"/>
+                </a:solidFill>
+                <a:latin typeface="+mn-lt"/>
+                <a:ea typeface="+mn-ea"/>
+                <a:cs typeface="+mn-cs"/>
+              </a:defRPr>
+            </a:lvl2pPr>
+            <a:lvl3pPr marL="914400" algn="l" defTabSz="457200" rtl="0" eaLnBrk="1" latinLnBrk="0" hangingPunct="1">
+              <a:defRPr sz="1800" kern="1200">
+                <a:solidFill>
+                  <a:schemeClr val="tx1"/>
+                </a:solidFill>
+                <a:latin typeface="+mn-lt"/>
+                <a:ea typeface="+mn-ea"/>
+                <a:cs typeface="+mn-cs"/>
+              </a:defRPr>
+            </a:lvl3pPr>
+            <a:lvl4pPr marL="1371600" algn="l" defTabSz="457200" rtl="0" eaLnBrk="1" latinLnBrk="0" hangingPunct="1">
+              <a:defRPr sz="1800" kern="1200">
+                <a:solidFill>
+                  <a:schemeClr val="tx1"/>
+                </a:solidFill>
+                <a:latin typeface="+mn-lt"/>
+                <a:ea typeface="+mn-ea"/>
+                <a:cs typeface="+mn-cs"/>
+              </a:defRPr>
+            </a:lvl4pPr>
+            <a:lvl5pPr marL="1828800" algn="l" defTabSz="457200" rtl="0" eaLnBrk="1" latinLnBrk="0" hangingPunct="1">
+              <a:defRPr sz="1800" kern="1200">
+                <a:solidFill>
+                  <a:schemeClr val="tx1"/>
+                </a:solidFill>
+                <a:latin typeface="+mn-lt"/>
+                <a:ea typeface="+mn-ea"/>
+                <a:cs typeface="+mn-cs"/>
+              </a:defRPr>
+            </a:lvl5pPr>
+            <a:lvl6pPr marL="2286000" algn="l" defTabSz="457200" rtl="0" eaLnBrk="1" latinLnBrk="0" hangingPunct="1">
+              <a:defRPr sz="1800" kern="1200">
+                <a:solidFill>
+                  <a:schemeClr val="tx1"/>
+                </a:solidFill>
+                <a:latin typeface="+mn-lt"/>
+                <a:ea typeface="+mn-ea"/>
+                <a:cs typeface="+mn-cs"/>
+              </a:defRPr>
+            </a:lvl6pPr>
+            <a:lvl7pPr marL="2743200" algn="l" defTabSz="457200" rtl="0" eaLnBrk="1" latinLnBrk="0" hangingPunct="1">
+              <a:defRPr sz="1800" kern="1200">
+                <a:solidFill>
+                  <a:schemeClr val="tx1"/>
+                </a:solidFill>
+                <a:latin typeface="+mn-lt"/>
+                <a:ea typeface="+mn-ea"/>
+                <a:cs typeface="+mn-cs"/>
+              </a:defRPr>
+            </a:lvl7pPr>
+            <a:lvl8pPr marL="3200400" algn="l" defTabSz="457200" rtl="0" eaLnBrk="1" latinLnBrk="0" hangingPunct="1">
+              <a:defRPr sz="1800" kern="1200">
+                <a:solidFill>
+                  <a:schemeClr val="tx1"/>
+                </a:solidFill>
+                <a:latin typeface="+mn-lt"/>
+                <a:ea typeface="+mn-ea"/>
+                <a:cs typeface="+mn-cs"/>
+              </a:defRPr>
+            </a:lvl8pPr>
+            <a:lvl9pPr marL="3657600" algn="l" defTabSz="457200" rtl="0" eaLnBrk="1" latinLnBrk="0" hangingPunct="1">
+              <a:defRPr sz="1800" kern="1200">
+                <a:solidFill>
+                  <a:schemeClr val="tx1"/>
+                </a:solidFill>
+                <a:latin typeface="+mn-lt"/>
+                <a:ea typeface="+mn-ea"/>
+                <a:cs typeface="+mn-cs"/>
+              </a:defRPr>
+            </a:lvl9pPr>
+          </a:lstStyle>
+          <a:p>
+            <a:fld id="{198CCF71-D315-4EBA-8BEC-176ABDF74514}" type="slidenum">
+              <a:rPr lang="zh-TW" altLang="en-US" smtClean="0">
+                <a:solidFill>
+                  <a:schemeClr val="tx1"/>
+                </a:solidFill>
+              </a:rPr>
+              <a:pPr/>
+              <a:t>2</a:t>
+            </a:fld>
+            <a:endParaRPr lang="zh-TW" altLang="en-US" dirty="0">
+              <a:solidFill>
+                <a:schemeClr val="tx1"/>
+              </a:solidFill>
+            </a:endParaRPr>
+          </a:p>
+        </p:txBody>
+      </p:sp>
     </p:spTree>
     <p:extLst>
       <p:ext uri="{BB962C8B-B14F-4D97-AF65-F5344CB8AC3E}">
@@ -30349,13 +32026,13 @@
   <p:clrMapOvr>
     <a:masterClrMapping/>
   </p:clrMapOvr>
-  <mc:AlternateContent xmlns:mc="http://schemas.openxmlformats.org/markup-compatibility/2006">
-    <mc:Choice xmlns:p14="http://schemas.microsoft.com/office/powerpoint/2010/main" Requires="p14">
+  <mc:AlternateContent xmlns:mc="http://schemas.openxmlformats.org/markup-compatibility/2006" xmlns:p14="http://schemas.microsoft.com/office/powerpoint/2010/main">
+    <mc:Choice Requires="p14">
       <p:transition spd="slow" p14:dur="2000">
         <p:cut/>
       </p:transition>
     </mc:Choice>
-    <mc:Fallback>
+    <mc:Fallback xmlns="">
       <p:transition spd="slow">
         <p:cut/>
       </p:transition>
@@ -30434,6 +32111,173 @@
           </a:p>
         </p:txBody>
       </p:sp>
+      <p:sp>
+        <p:nvSpPr>
+          <p:cNvPr id="4" name="投影片編號版面配置區 3">
+            <a:extLst>
+              <a:ext uri="{FF2B5EF4-FFF2-40B4-BE49-F238E27FC236}">
+                <a16:creationId xmlns:a16="http://schemas.microsoft.com/office/drawing/2014/main" id="{DC20AEF8-0B4C-4BC3-B689-AD0FC812FF08}"/>
+              </a:ext>
+            </a:extLst>
+          </p:cNvPr>
+          <p:cNvSpPr>
+            <a:spLocks noGrp="1"/>
+          </p:cNvSpPr>
+          <p:nvPr>
+            <p:ph type="sldNum" sz="quarter" idx="12"/>
+          </p:nvPr>
+        </p:nvSpPr>
+        <p:spPr/>
+        <p:txBody>
+          <a:bodyPr/>
+          <a:lstStyle/>
+          <a:p>
+            <a:fld id="{198CCF71-D315-4EBA-8BEC-176ABDF74514}" type="slidenum">
+              <a:rPr lang="zh-TW" altLang="en-US" smtClean="0"/>
+              <a:t>20</a:t>
+            </a:fld>
+            <a:endParaRPr lang="zh-TW" altLang="en-US"/>
+          </a:p>
+        </p:txBody>
+      </p:sp>
+      <p:sp>
+        <p:nvSpPr>
+          <p:cNvPr id="5" name="投影片編號版面配置區 3">
+            <a:extLst>
+              <a:ext uri="{FF2B5EF4-FFF2-40B4-BE49-F238E27FC236}">
+                <a16:creationId xmlns:a16="http://schemas.microsoft.com/office/drawing/2014/main" id="{74DF10CA-3392-48F4-9DD3-BD3A11311285}"/>
+              </a:ext>
+            </a:extLst>
+          </p:cNvPr>
+          <p:cNvSpPr txBox="1">
+            <a:spLocks/>
+          </p:cNvSpPr>
+          <p:nvPr/>
+        </p:nvSpPr>
+        <p:spPr bwMode="gray">
+          <a:xfrm>
+            <a:off x="11412233" y="6492875"/>
+            <a:ext cx="779767" cy="365125"/>
+          </a:xfrm>
+          <a:prstGeom prst="rect">
+            <a:avLst/>
+          </a:prstGeom>
+        </p:spPr>
+        <p:txBody>
+          <a:bodyPr vert="horz" lIns="91440" tIns="45720" rIns="91440" bIns="45720" rtlCol="0" anchor="ctr"/>
+          <a:lstStyle>
+            <a:defPPr>
+              <a:defRPr lang="en-US"/>
+            </a:defPPr>
+            <a:lvl1pPr marL="0" algn="r" defTabSz="457200" rtl="0" eaLnBrk="1" latinLnBrk="0" hangingPunct="1">
+              <a:defRPr sz="2000" kern="1200">
+                <a:solidFill>
+                  <a:srgbClr val="FEFFFF"/>
+                </a:solidFill>
+                <a:latin typeface="+mn-lt"/>
+                <a:ea typeface="+mn-ea"/>
+                <a:cs typeface="+mn-cs"/>
+              </a:defRPr>
+            </a:lvl1pPr>
+            <a:lvl2pPr marL="457200" algn="l" defTabSz="457200" rtl="0" eaLnBrk="1" latinLnBrk="0" hangingPunct="1">
+              <a:defRPr sz="1800" kern="1200">
+                <a:solidFill>
+                  <a:schemeClr val="tx1"/>
+                </a:solidFill>
+                <a:latin typeface="+mn-lt"/>
+                <a:ea typeface="+mn-ea"/>
+                <a:cs typeface="+mn-cs"/>
+              </a:defRPr>
+            </a:lvl2pPr>
+            <a:lvl3pPr marL="914400" algn="l" defTabSz="457200" rtl="0" eaLnBrk="1" latinLnBrk="0" hangingPunct="1">
+              <a:defRPr sz="1800" kern="1200">
+                <a:solidFill>
+                  <a:schemeClr val="tx1"/>
+                </a:solidFill>
+                <a:latin typeface="+mn-lt"/>
+                <a:ea typeface="+mn-ea"/>
+                <a:cs typeface="+mn-cs"/>
+              </a:defRPr>
+            </a:lvl3pPr>
+            <a:lvl4pPr marL="1371600" algn="l" defTabSz="457200" rtl="0" eaLnBrk="1" latinLnBrk="0" hangingPunct="1">
+              <a:defRPr sz="1800" kern="1200">
+                <a:solidFill>
+                  <a:schemeClr val="tx1"/>
+                </a:solidFill>
+                <a:latin typeface="+mn-lt"/>
+                <a:ea typeface="+mn-ea"/>
+                <a:cs typeface="+mn-cs"/>
+              </a:defRPr>
+            </a:lvl4pPr>
+            <a:lvl5pPr marL="1828800" algn="l" defTabSz="457200" rtl="0" eaLnBrk="1" latinLnBrk="0" hangingPunct="1">
+              <a:defRPr sz="1800" kern="1200">
+                <a:solidFill>
+                  <a:schemeClr val="tx1"/>
+                </a:solidFill>
+                <a:latin typeface="+mn-lt"/>
+                <a:ea typeface="+mn-ea"/>
+                <a:cs typeface="+mn-cs"/>
+              </a:defRPr>
+            </a:lvl5pPr>
+            <a:lvl6pPr marL="2286000" algn="l" defTabSz="457200" rtl="0" eaLnBrk="1" latinLnBrk="0" hangingPunct="1">
+              <a:defRPr sz="1800" kern="1200">
+                <a:solidFill>
+                  <a:schemeClr val="tx1"/>
+                </a:solidFill>
+                <a:latin typeface="+mn-lt"/>
+                <a:ea typeface="+mn-ea"/>
+                <a:cs typeface="+mn-cs"/>
+              </a:defRPr>
+            </a:lvl6pPr>
+            <a:lvl7pPr marL="2743200" algn="l" defTabSz="457200" rtl="0" eaLnBrk="1" latinLnBrk="0" hangingPunct="1">
+              <a:defRPr sz="1800" kern="1200">
+                <a:solidFill>
+                  <a:schemeClr val="tx1"/>
+                </a:solidFill>
+                <a:latin typeface="+mn-lt"/>
+                <a:ea typeface="+mn-ea"/>
+                <a:cs typeface="+mn-cs"/>
+              </a:defRPr>
+            </a:lvl7pPr>
+            <a:lvl8pPr marL="3200400" algn="l" defTabSz="457200" rtl="0" eaLnBrk="1" latinLnBrk="0" hangingPunct="1">
+              <a:defRPr sz="1800" kern="1200">
+                <a:solidFill>
+                  <a:schemeClr val="tx1"/>
+                </a:solidFill>
+                <a:latin typeface="+mn-lt"/>
+                <a:ea typeface="+mn-ea"/>
+                <a:cs typeface="+mn-cs"/>
+              </a:defRPr>
+            </a:lvl8pPr>
+            <a:lvl9pPr marL="3657600" algn="l" defTabSz="457200" rtl="0" eaLnBrk="1" latinLnBrk="0" hangingPunct="1">
+              <a:defRPr sz="1800" kern="1200">
+                <a:solidFill>
+                  <a:schemeClr val="tx1"/>
+                </a:solidFill>
+                <a:latin typeface="+mn-lt"/>
+                <a:ea typeface="+mn-ea"/>
+                <a:cs typeface="+mn-cs"/>
+              </a:defRPr>
+            </a:lvl9pPr>
+          </a:lstStyle>
+          <a:p>
+            <a:fld id="{198CCF71-D315-4EBA-8BEC-176ABDF74514}" type="slidenum">
+              <a:rPr lang="zh-TW" altLang="en-US" smtClean="0">
+                <a:solidFill>
+                  <a:schemeClr val="tx1"/>
+                </a:solidFill>
+              </a:rPr>
+              <a:pPr/>
+              <a:t>20</a:t>
+            </a:fld>
+            <a:endParaRPr lang="zh-TW" altLang="en-US" dirty="0">
+              <a:solidFill>
+                <a:schemeClr val="tx1"/>
+              </a:solidFill>
+            </a:endParaRPr>
+          </a:p>
+        </p:txBody>
+      </p:sp>
     </p:spTree>
     <p:extLst>
       <p:ext uri="{BB962C8B-B14F-4D97-AF65-F5344CB8AC3E}">
@@ -30444,13 +32288,13 @@
   <p:clrMapOvr>
     <a:masterClrMapping/>
   </p:clrMapOvr>
-  <mc:AlternateContent xmlns:mc="http://schemas.openxmlformats.org/markup-compatibility/2006">
-    <mc:Choice xmlns:p14="http://schemas.microsoft.com/office/powerpoint/2010/main" Requires="p14">
+  <mc:AlternateContent xmlns:mc="http://schemas.openxmlformats.org/markup-compatibility/2006" xmlns:p14="http://schemas.microsoft.com/office/powerpoint/2010/main">
+    <mc:Choice Requires="p14">
       <p:transition spd="slow" p14:dur="2000">
         <p:cut/>
       </p:transition>
     </mc:Choice>
-    <mc:Fallback>
+    <mc:Fallback xmlns="">
       <p:transition spd="slow">
         <p:cut/>
       </p:transition>
@@ -30572,6 +32416,173 @@
           </a:p>
         </p:txBody>
       </p:sp>
+      <p:sp>
+        <p:nvSpPr>
+          <p:cNvPr id="3" name="投影片編號版面配置區 2">
+            <a:extLst>
+              <a:ext uri="{FF2B5EF4-FFF2-40B4-BE49-F238E27FC236}">
+                <a16:creationId xmlns:a16="http://schemas.microsoft.com/office/drawing/2014/main" id="{657E4855-2A66-4F03-B8F7-71082F401391}"/>
+              </a:ext>
+            </a:extLst>
+          </p:cNvPr>
+          <p:cNvSpPr>
+            <a:spLocks noGrp="1"/>
+          </p:cNvSpPr>
+          <p:nvPr>
+            <p:ph type="sldNum" sz="quarter" idx="12"/>
+          </p:nvPr>
+        </p:nvSpPr>
+        <p:spPr/>
+        <p:txBody>
+          <a:bodyPr/>
+          <a:lstStyle/>
+          <a:p>
+            <a:fld id="{198CCF71-D315-4EBA-8BEC-176ABDF74514}" type="slidenum">
+              <a:rPr lang="zh-TW" altLang="en-US" smtClean="0"/>
+              <a:t>3</a:t>
+            </a:fld>
+            <a:endParaRPr lang="zh-TW" altLang="en-US"/>
+          </a:p>
+        </p:txBody>
+      </p:sp>
+      <p:sp>
+        <p:nvSpPr>
+          <p:cNvPr id="5" name="投影片編號版面配置區 3">
+            <a:extLst>
+              <a:ext uri="{FF2B5EF4-FFF2-40B4-BE49-F238E27FC236}">
+                <a16:creationId xmlns:a16="http://schemas.microsoft.com/office/drawing/2014/main" id="{7E35DD59-CA1D-490F-93F2-54F777CE7B4A}"/>
+              </a:ext>
+            </a:extLst>
+          </p:cNvPr>
+          <p:cNvSpPr txBox="1">
+            <a:spLocks/>
+          </p:cNvSpPr>
+          <p:nvPr/>
+        </p:nvSpPr>
+        <p:spPr bwMode="gray">
+          <a:xfrm>
+            <a:off x="11412233" y="6492875"/>
+            <a:ext cx="779767" cy="365125"/>
+          </a:xfrm>
+          <a:prstGeom prst="rect">
+            <a:avLst/>
+          </a:prstGeom>
+        </p:spPr>
+        <p:txBody>
+          <a:bodyPr vert="horz" lIns="91440" tIns="45720" rIns="91440" bIns="45720" rtlCol="0" anchor="ctr"/>
+          <a:lstStyle>
+            <a:defPPr>
+              <a:defRPr lang="en-US"/>
+            </a:defPPr>
+            <a:lvl1pPr marL="0" algn="r" defTabSz="457200" rtl="0" eaLnBrk="1" latinLnBrk="0" hangingPunct="1">
+              <a:defRPr sz="2000" kern="1200">
+                <a:solidFill>
+                  <a:srgbClr val="FEFFFF"/>
+                </a:solidFill>
+                <a:latin typeface="+mn-lt"/>
+                <a:ea typeface="+mn-ea"/>
+                <a:cs typeface="+mn-cs"/>
+              </a:defRPr>
+            </a:lvl1pPr>
+            <a:lvl2pPr marL="457200" algn="l" defTabSz="457200" rtl="0" eaLnBrk="1" latinLnBrk="0" hangingPunct="1">
+              <a:defRPr sz="1800" kern="1200">
+                <a:solidFill>
+                  <a:schemeClr val="tx1"/>
+                </a:solidFill>
+                <a:latin typeface="+mn-lt"/>
+                <a:ea typeface="+mn-ea"/>
+                <a:cs typeface="+mn-cs"/>
+              </a:defRPr>
+            </a:lvl2pPr>
+            <a:lvl3pPr marL="914400" algn="l" defTabSz="457200" rtl="0" eaLnBrk="1" latinLnBrk="0" hangingPunct="1">
+              <a:defRPr sz="1800" kern="1200">
+                <a:solidFill>
+                  <a:schemeClr val="tx1"/>
+                </a:solidFill>
+                <a:latin typeface="+mn-lt"/>
+                <a:ea typeface="+mn-ea"/>
+                <a:cs typeface="+mn-cs"/>
+              </a:defRPr>
+            </a:lvl3pPr>
+            <a:lvl4pPr marL="1371600" algn="l" defTabSz="457200" rtl="0" eaLnBrk="1" latinLnBrk="0" hangingPunct="1">
+              <a:defRPr sz="1800" kern="1200">
+                <a:solidFill>
+                  <a:schemeClr val="tx1"/>
+                </a:solidFill>
+                <a:latin typeface="+mn-lt"/>
+                <a:ea typeface="+mn-ea"/>
+                <a:cs typeface="+mn-cs"/>
+              </a:defRPr>
+            </a:lvl4pPr>
+            <a:lvl5pPr marL="1828800" algn="l" defTabSz="457200" rtl="0" eaLnBrk="1" latinLnBrk="0" hangingPunct="1">
+              <a:defRPr sz="1800" kern="1200">
+                <a:solidFill>
+                  <a:schemeClr val="tx1"/>
+                </a:solidFill>
+                <a:latin typeface="+mn-lt"/>
+                <a:ea typeface="+mn-ea"/>
+                <a:cs typeface="+mn-cs"/>
+              </a:defRPr>
+            </a:lvl5pPr>
+            <a:lvl6pPr marL="2286000" algn="l" defTabSz="457200" rtl="0" eaLnBrk="1" latinLnBrk="0" hangingPunct="1">
+              <a:defRPr sz="1800" kern="1200">
+                <a:solidFill>
+                  <a:schemeClr val="tx1"/>
+                </a:solidFill>
+                <a:latin typeface="+mn-lt"/>
+                <a:ea typeface="+mn-ea"/>
+                <a:cs typeface="+mn-cs"/>
+              </a:defRPr>
+            </a:lvl6pPr>
+            <a:lvl7pPr marL="2743200" algn="l" defTabSz="457200" rtl="0" eaLnBrk="1" latinLnBrk="0" hangingPunct="1">
+              <a:defRPr sz="1800" kern="1200">
+                <a:solidFill>
+                  <a:schemeClr val="tx1"/>
+                </a:solidFill>
+                <a:latin typeface="+mn-lt"/>
+                <a:ea typeface="+mn-ea"/>
+                <a:cs typeface="+mn-cs"/>
+              </a:defRPr>
+            </a:lvl7pPr>
+            <a:lvl8pPr marL="3200400" algn="l" defTabSz="457200" rtl="0" eaLnBrk="1" latinLnBrk="0" hangingPunct="1">
+              <a:defRPr sz="1800" kern="1200">
+                <a:solidFill>
+                  <a:schemeClr val="tx1"/>
+                </a:solidFill>
+                <a:latin typeface="+mn-lt"/>
+                <a:ea typeface="+mn-ea"/>
+                <a:cs typeface="+mn-cs"/>
+              </a:defRPr>
+            </a:lvl8pPr>
+            <a:lvl9pPr marL="3657600" algn="l" defTabSz="457200" rtl="0" eaLnBrk="1" latinLnBrk="0" hangingPunct="1">
+              <a:defRPr sz="1800" kern="1200">
+                <a:solidFill>
+                  <a:schemeClr val="tx1"/>
+                </a:solidFill>
+                <a:latin typeface="+mn-lt"/>
+                <a:ea typeface="+mn-ea"/>
+                <a:cs typeface="+mn-cs"/>
+              </a:defRPr>
+            </a:lvl9pPr>
+          </a:lstStyle>
+          <a:p>
+            <a:fld id="{198CCF71-D315-4EBA-8BEC-176ABDF74514}" type="slidenum">
+              <a:rPr lang="zh-TW" altLang="en-US" smtClean="0">
+                <a:solidFill>
+                  <a:schemeClr val="tx1"/>
+                </a:solidFill>
+              </a:rPr>
+              <a:pPr/>
+              <a:t>3</a:t>
+            </a:fld>
+            <a:endParaRPr lang="zh-TW" altLang="en-US" dirty="0">
+              <a:solidFill>
+                <a:schemeClr val="tx1"/>
+              </a:solidFill>
+            </a:endParaRPr>
+          </a:p>
+        </p:txBody>
+      </p:sp>
     </p:spTree>
     <p:extLst>
       <p:ext uri="{BB962C8B-B14F-4D97-AF65-F5344CB8AC3E}">
@@ -30582,13 +32593,13 @@
   <p:clrMapOvr>
     <a:masterClrMapping/>
   </p:clrMapOvr>
-  <mc:AlternateContent xmlns:mc="http://schemas.openxmlformats.org/markup-compatibility/2006">
-    <mc:Choice xmlns:p14="http://schemas.microsoft.com/office/powerpoint/2010/main" Requires="p14">
+  <mc:AlternateContent xmlns:mc="http://schemas.openxmlformats.org/markup-compatibility/2006" xmlns:p14="http://schemas.microsoft.com/office/powerpoint/2010/main">
+    <mc:Choice Requires="p14">
       <p:transition spd="slow" p14:dur="2000">
         <p:cut/>
       </p:transition>
     </mc:Choice>
-    <mc:Fallback>
+    <mc:Fallback xmlns="">
       <p:transition spd="slow">
         <p:cut/>
       </p:transition>
@@ -30727,6 +32738,173 @@
           </a:p>
         </p:txBody>
       </p:sp>
+      <p:sp>
+        <p:nvSpPr>
+          <p:cNvPr id="3" name="投影片編號版面配置區 2">
+            <a:extLst>
+              <a:ext uri="{FF2B5EF4-FFF2-40B4-BE49-F238E27FC236}">
+                <a16:creationId xmlns:a16="http://schemas.microsoft.com/office/drawing/2014/main" id="{FCC197F1-3276-4359-8515-7682C5CD6C81}"/>
+              </a:ext>
+            </a:extLst>
+          </p:cNvPr>
+          <p:cNvSpPr>
+            <a:spLocks noGrp="1"/>
+          </p:cNvSpPr>
+          <p:nvPr>
+            <p:ph type="sldNum" sz="quarter" idx="12"/>
+          </p:nvPr>
+        </p:nvSpPr>
+        <p:spPr/>
+        <p:txBody>
+          <a:bodyPr/>
+          <a:lstStyle/>
+          <a:p>
+            <a:fld id="{198CCF71-D315-4EBA-8BEC-176ABDF74514}" type="slidenum">
+              <a:rPr lang="zh-TW" altLang="en-US" smtClean="0"/>
+              <a:t>4</a:t>
+            </a:fld>
+            <a:endParaRPr lang="zh-TW" altLang="en-US"/>
+          </a:p>
+        </p:txBody>
+      </p:sp>
+      <p:sp>
+        <p:nvSpPr>
+          <p:cNvPr id="5" name="投影片編號版面配置區 3">
+            <a:extLst>
+              <a:ext uri="{FF2B5EF4-FFF2-40B4-BE49-F238E27FC236}">
+                <a16:creationId xmlns:a16="http://schemas.microsoft.com/office/drawing/2014/main" id="{944FB7E8-99ED-4AD9-955A-6E8D6247656D}"/>
+              </a:ext>
+            </a:extLst>
+          </p:cNvPr>
+          <p:cNvSpPr txBox="1">
+            <a:spLocks/>
+          </p:cNvSpPr>
+          <p:nvPr/>
+        </p:nvSpPr>
+        <p:spPr bwMode="gray">
+          <a:xfrm>
+            <a:off x="11412233" y="6492875"/>
+            <a:ext cx="779767" cy="365125"/>
+          </a:xfrm>
+          <a:prstGeom prst="rect">
+            <a:avLst/>
+          </a:prstGeom>
+        </p:spPr>
+        <p:txBody>
+          <a:bodyPr vert="horz" lIns="91440" tIns="45720" rIns="91440" bIns="45720" rtlCol="0" anchor="ctr"/>
+          <a:lstStyle>
+            <a:defPPr>
+              <a:defRPr lang="en-US"/>
+            </a:defPPr>
+            <a:lvl1pPr marL="0" algn="r" defTabSz="457200" rtl="0" eaLnBrk="1" latinLnBrk="0" hangingPunct="1">
+              <a:defRPr sz="2000" kern="1200">
+                <a:solidFill>
+                  <a:srgbClr val="FEFFFF"/>
+                </a:solidFill>
+                <a:latin typeface="+mn-lt"/>
+                <a:ea typeface="+mn-ea"/>
+                <a:cs typeface="+mn-cs"/>
+              </a:defRPr>
+            </a:lvl1pPr>
+            <a:lvl2pPr marL="457200" algn="l" defTabSz="457200" rtl="0" eaLnBrk="1" latinLnBrk="0" hangingPunct="1">
+              <a:defRPr sz="1800" kern="1200">
+                <a:solidFill>
+                  <a:schemeClr val="tx1"/>
+                </a:solidFill>
+                <a:latin typeface="+mn-lt"/>
+                <a:ea typeface="+mn-ea"/>
+                <a:cs typeface="+mn-cs"/>
+              </a:defRPr>
+            </a:lvl2pPr>
+            <a:lvl3pPr marL="914400" algn="l" defTabSz="457200" rtl="0" eaLnBrk="1" latinLnBrk="0" hangingPunct="1">
+              <a:defRPr sz="1800" kern="1200">
+                <a:solidFill>
+                  <a:schemeClr val="tx1"/>
+                </a:solidFill>
+                <a:latin typeface="+mn-lt"/>
+                <a:ea typeface="+mn-ea"/>
+                <a:cs typeface="+mn-cs"/>
+              </a:defRPr>
+            </a:lvl3pPr>
+            <a:lvl4pPr marL="1371600" algn="l" defTabSz="457200" rtl="0" eaLnBrk="1" latinLnBrk="0" hangingPunct="1">
+              <a:defRPr sz="1800" kern="1200">
+                <a:solidFill>
+                  <a:schemeClr val="tx1"/>
+                </a:solidFill>
+                <a:latin typeface="+mn-lt"/>
+                <a:ea typeface="+mn-ea"/>
+                <a:cs typeface="+mn-cs"/>
+              </a:defRPr>
+            </a:lvl4pPr>
+            <a:lvl5pPr marL="1828800" algn="l" defTabSz="457200" rtl="0" eaLnBrk="1" latinLnBrk="0" hangingPunct="1">
+              <a:defRPr sz="1800" kern="1200">
+                <a:solidFill>
+                  <a:schemeClr val="tx1"/>
+                </a:solidFill>
+                <a:latin typeface="+mn-lt"/>
+                <a:ea typeface="+mn-ea"/>
+                <a:cs typeface="+mn-cs"/>
+              </a:defRPr>
+            </a:lvl5pPr>
+            <a:lvl6pPr marL="2286000" algn="l" defTabSz="457200" rtl="0" eaLnBrk="1" latinLnBrk="0" hangingPunct="1">
+              <a:defRPr sz="1800" kern="1200">
+                <a:solidFill>
+                  <a:schemeClr val="tx1"/>
+                </a:solidFill>
+                <a:latin typeface="+mn-lt"/>
+                <a:ea typeface="+mn-ea"/>
+                <a:cs typeface="+mn-cs"/>
+              </a:defRPr>
+            </a:lvl6pPr>
+            <a:lvl7pPr marL="2743200" algn="l" defTabSz="457200" rtl="0" eaLnBrk="1" latinLnBrk="0" hangingPunct="1">
+              <a:defRPr sz="1800" kern="1200">
+                <a:solidFill>
+                  <a:schemeClr val="tx1"/>
+                </a:solidFill>
+                <a:latin typeface="+mn-lt"/>
+                <a:ea typeface="+mn-ea"/>
+                <a:cs typeface="+mn-cs"/>
+              </a:defRPr>
+            </a:lvl7pPr>
+            <a:lvl8pPr marL="3200400" algn="l" defTabSz="457200" rtl="0" eaLnBrk="1" latinLnBrk="0" hangingPunct="1">
+              <a:defRPr sz="1800" kern="1200">
+                <a:solidFill>
+                  <a:schemeClr val="tx1"/>
+                </a:solidFill>
+                <a:latin typeface="+mn-lt"/>
+                <a:ea typeface="+mn-ea"/>
+                <a:cs typeface="+mn-cs"/>
+              </a:defRPr>
+            </a:lvl8pPr>
+            <a:lvl9pPr marL="3657600" algn="l" defTabSz="457200" rtl="0" eaLnBrk="1" latinLnBrk="0" hangingPunct="1">
+              <a:defRPr sz="1800" kern="1200">
+                <a:solidFill>
+                  <a:schemeClr val="tx1"/>
+                </a:solidFill>
+                <a:latin typeface="+mn-lt"/>
+                <a:ea typeface="+mn-ea"/>
+                <a:cs typeface="+mn-cs"/>
+              </a:defRPr>
+            </a:lvl9pPr>
+          </a:lstStyle>
+          <a:p>
+            <a:fld id="{198CCF71-D315-4EBA-8BEC-176ABDF74514}" type="slidenum">
+              <a:rPr lang="zh-TW" altLang="en-US" smtClean="0">
+                <a:solidFill>
+                  <a:schemeClr val="tx1"/>
+                </a:solidFill>
+              </a:rPr>
+              <a:pPr/>
+              <a:t>4</a:t>
+            </a:fld>
+            <a:endParaRPr lang="zh-TW" altLang="en-US" dirty="0">
+              <a:solidFill>
+                <a:schemeClr val="tx1"/>
+              </a:solidFill>
+            </a:endParaRPr>
+          </a:p>
+        </p:txBody>
+      </p:sp>
     </p:spTree>
     <p:extLst>
       <p:ext uri="{BB962C8B-B14F-4D97-AF65-F5344CB8AC3E}">
@@ -30737,13 +32915,13 @@
   <p:clrMapOvr>
     <a:masterClrMapping/>
   </p:clrMapOvr>
-  <mc:AlternateContent xmlns:mc="http://schemas.openxmlformats.org/markup-compatibility/2006">
-    <mc:Choice xmlns:p14="http://schemas.microsoft.com/office/powerpoint/2010/main" Requires="p14">
+  <mc:AlternateContent xmlns:mc="http://schemas.openxmlformats.org/markup-compatibility/2006" xmlns:p14="http://schemas.microsoft.com/office/powerpoint/2010/main">
+    <mc:Choice Requires="p14">
       <p:transition spd="slow" p14:dur="2000">
         <p:cut/>
       </p:transition>
     </mc:Choice>
-    <mc:Fallback>
+    <mc:Fallback xmlns="">
       <p:transition spd="slow">
         <p:cut/>
       </p:transition>
@@ -30886,19 +33064,11 @@
             </a:r>
             <a:r>
               <a:rPr lang="en-US" altLang="zh-TW" sz="2800" dirty="0"/>
-              <a:t> </a:t>
-            </a:r>
-            <a:r>
-              <a:rPr lang="en-US" altLang="zh-TW" sz="2800" dirty="0" smtClean="0"/>
-              <a:t>Multiplexing</a:t>
-            </a:r>
-            <a:r>
-              <a:rPr lang="zh-TW" altLang="en-US" sz="2800" dirty="0" smtClean="0"/>
-              <a:t>，</a:t>
+              <a:t> Multiplexing</a:t>
             </a:r>
             <a:r>
               <a:rPr lang="zh-TW" altLang="en-US" sz="2800" dirty="0"/>
-              <a:t>正交時序複用調製</a:t>
+              <a:t>，正交時序複用調製</a:t>
             </a:r>
             <a:r>
               <a:rPr lang="zh-TW" altLang="zh-TW" sz="2800" dirty="0"/>
@@ -31023,7 +33193,7 @@
               <a:t>Pluto SDR[1</a:t>
             </a:r>
             <a:r>
-              <a:rPr lang="en-US" altLang="zh-TW" sz="1600" dirty="0" smtClean="0"/>
+              <a:rPr lang="en-US" altLang="zh-TW" sz="1600" dirty="0"/>
               <a:t>]</a:t>
             </a:r>
           </a:p>
@@ -31072,6 +33242,173 @@
           </a:p>
         </p:txBody>
       </p:sp>
+      <p:sp>
+        <p:nvSpPr>
+          <p:cNvPr id="8" name="投影片編號版面配置區 7">
+            <a:extLst>
+              <a:ext uri="{FF2B5EF4-FFF2-40B4-BE49-F238E27FC236}">
+                <a16:creationId xmlns:a16="http://schemas.microsoft.com/office/drawing/2014/main" id="{61002278-F7A4-4AF4-B361-2CF357D6B93B}"/>
+              </a:ext>
+            </a:extLst>
+          </p:cNvPr>
+          <p:cNvSpPr>
+            <a:spLocks noGrp="1"/>
+          </p:cNvSpPr>
+          <p:nvPr>
+            <p:ph type="sldNum" sz="quarter" idx="12"/>
+          </p:nvPr>
+        </p:nvSpPr>
+        <p:spPr/>
+        <p:txBody>
+          <a:bodyPr/>
+          <a:lstStyle/>
+          <a:p>
+            <a:fld id="{198CCF71-D315-4EBA-8BEC-176ABDF74514}" type="slidenum">
+              <a:rPr lang="zh-TW" altLang="en-US" smtClean="0"/>
+              <a:t>5</a:t>
+            </a:fld>
+            <a:endParaRPr lang="zh-TW" altLang="en-US"/>
+          </a:p>
+        </p:txBody>
+      </p:sp>
+      <p:sp>
+        <p:nvSpPr>
+          <p:cNvPr id="9" name="投影片編號版面配置區 3">
+            <a:extLst>
+              <a:ext uri="{FF2B5EF4-FFF2-40B4-BE49-F238E27FC236}">
+                <a16:creationId xmlns:a16="http://schemas.microsoft.com/office/drawing/2014/main" id="{4DFAADD0-CBC9-4D85-84DA-6686D3660ACC}"/>
+              </a:ext>
+            </a:extLst>
+          </p:cNvPr>
+          <p:cNvSpPr txBox="1">
+            <a:spLocks/>
+          </p:cNvSpPr>
+          <p:nvPr/>
+        </p:nvSpPr>
+        <p:spPr bwMode="gray">
+          <a:xfrm>
+            <a:off x="11412233" y="6492875"/>
+            <a:ext cx="779767" cy="365125"/>
+          </a:xfrm>
+          <a:prstGeom prst="rect">
+            <a:avLst/>
+          </a:prstGeom>
+        </p:spPr>
+        <p:txBody>
+          <a:bodyPr vert="horz" lIns="91440" tIns="45720" rIns="91440" bIns="45720" rtlCol="0" anchor="ctr"/>
+          <a:lstStyle>
+            <a:defPPr>
+              <a:defRPr lang="en-US"/>
+            </a:defPPr>
+            <a:lvl1pPr marL="0" algn="r" defTabSz="457200" rtl="0" eaLnBrk="1" latinLnBrk="0" hangingPunct="1">
+              <a:defRPr sz="2000" kern="1200">
+                <a:solidFill>
+                  <a:srgbClr val="FEFFFF"/>
+                </a:solidFill>
+                <a:latin typeface="+mn-lt"/>
+                <a:ea typeface="+mn-ea"/>
+                <a:cs typeface="+mn-cs"/>
+              </a:defRPr>
+            </a:lvl1pPr>
+            <a:lvl2pPr marL="457200" algn="l" defTabSz="457200" rtl="0" eaLnBrk="1" latinLnBrk="0" hangingPunct="1">
+              <a:defRPr sz="1800" kern="1200">
+                <a:solidFill>
+                  <a:schemeClr val="tx1"/>
+                </a:solidFill>
+                <a:latin typeface="+mn-lt"/>
+                <a:ea typeface="+mn-ea"/>
+                <a:cs typeface="+mn-cs"/>
+              </a:defRPr>
+            </a:lvl2pPr>
+            <a:lvl3pPr marL="914400" algn="l" defTabSz="457200" rtl="0" eaLnBrk="1" latinLnBrk="0" hangingPunct="1">
+              <a:defRPr sz="1800" kern="1200">
+                <a:solidFill>
+                  <a:schemeClr val="tx1"/>
+                </a:solidFill>
+                <a:latin typeface="+mn-lt"/>
+                <a:ea typeface="+mn-ea"/>
+                <a:cs typeface="+mn-cs"/>
+              </a:defRPr>
+            </a:lvl3pPr>
+            <a:lvl4pPr marL="1371600" algn="l" defTabSz="457200" rtl="0" eaLnBrk="1" latinLnBrk="0" hangingPunct="1">
+              <a:defRPr sz="1800" kern="1200">
+                <a:solidFill>
+                  <a:schemeClr val="tx1"/>
+                </a:solidFill>
+                <a:latin typeface="+mn-lt"/>
+                <a:ea typeface="+mn-ea"/>
+                <a:cs typeface="+mn-cs"/>
+              </a:defRPr>
+            </a:lvl4pPr>
+            <a:lvl5pPr marL="1828800" algn="l" defTabSz="457200" rtl="0" eaLnBrk="1" latinLnBrk="0" hangingPunct="1">
+              <a:defRPr sz="1800" kern="1200">
+                <a:solidFill>
+                  <a:schemeClr val="tx1"/>
+                </a:solidFill>
+                <a:latin typeface="+mn-lt"/>
+                <a:ea typeface="+mn-ea"/>
+                <a:cs typeface="+mn-cs"/>
+              </a:defRPr>
+            </a:lvl5pPr>
+            <a:lvl6pPr marL="2286000" algn="l" defTabSz="457200" rtl="0" eaLnBrk="1" latinLnBrk="0" hangingPunct="1">
+              <a:defRPr sz="1800" kern="1200">
+                <a:solidFill>
+                  <a:schemeClr val="tx1"/>
+                </a:solidFill>
+                <a:latin typeface="+mn-lt"/>
+                <a:ea typeface="+mn-ea"/>
+                <a:cs typeface="+mn-cs"/>
+              </a:defRPr>
+            </a:lvl6pPr>
+            <a:lvl7pPr marL="2743200" algn="l" defTabSz="457200" rtl="0" eaLnBrk="1" latinLnBrk="0" hangingPunct="1">
+              <a:defRPr sz="1800" kern="1200">
+                <a:solidFill>
+                  <a:schemeClr val="tx1"/>
+                </a:solidFill>
+                <a:latin typeface="+mn-lt"/>
+                <a:ea typeface="+mn-ea"/>
+                <a:cs typeface="+mn-cs"/>
+              </a:defRPr>
+            </a:lvl7pPr>
+            <a:lvl8pPr marL="3200400" algn="l" defTabSz="457200" rtl="0" eaLnBrk="1" latinLnBrk="0" hangingPunct="1">
+              <a:defRPr sz="1800" kern="1200">
+                <a:solidFill>
+                  <a:schemeClr val="tx1"/>
+                </a:solidFill>
+                <a:latin typeface="+mn-lt"/>
+                <a:ea typeface="+mn-ea"/>
+                <a:cs typeface="+mn-cs"/>
+              </a:defRPr>
+            </a:lvl8pPr>
+            <a:lvl9pPr marL="3657600" algn="l" defTabSz="457200" rtl="0" eaLnBrk="1" latinLnBrk="0" hangingPunct="1">
+              <a:defRPr sz="1800" kern="1200">
+                <a:solidFill>
+                  <a:schemeClr val="tx1"/>
+                </a:solidFill>
+                <a:latin typeface="+mn-lt"/>
+                <a:ea typeface="+mn-ea"/>
+                <a:cs typeface="+mn-cs"/>
+              </a:defRPr>
+            </a:lvl9pPr>
+          </a:lstStyle>
+          <a:p>
+            <a:fld id="{198CCF71-D315-4EBA-8BEC-176ABDF74514}" type="slidenum">
+              <a:rPr lang="zh-TW" altLang="en-US" smtClean="0">
+                <a:solidFill>
+                  <a:schemeClr val="tx1"/>
+                </a:solidFill>
+              </a:rPr>
+              <a:pPr/>
+              <a:t>5</a:t>
+            </a:fld>
+            <a:endParaRPr lang="zh-TW" altLang="en-US" dirty="0">
+              <a:solidFill>
+                <a:schemeClr val="tx1"/>
+              </a:solidFill>
+            </a:endParaRPr>
+          </a:p>
+        </p:txBody>
+      </p:sp>
     </p:spTree>
     <p:extLst>
       <p:ext uri="{BB962C8B-B14F-4D97-AF65-F5344CB8AC3E}">
@@ -31082,13 +33419,13 @@
   <p:clrMapOvr>
     <a:masterClrMapping/>
   </p:clrMapOvr>
-  <mc:AlternateContent xmlns:mc="http://schemas.openxmlformats.org/markup-compatibility/2006">
-    <mc:Choice xmlns:p14="http://schemas.microsoft.com/office/powerpoint/2010/main" Requires="p14">
+  <mc:AlternateContent xmlns:mc="http://schemas.openxmlformats.org/markup-compatibility/2006" xmlns:p14="http://schemas.microsoft.com/office/powerpoint/2010/main">
+    <mc:Choice Requires="p14">
       <p:transition spd="slow" p14:dur="2000">
         <p:cut/>
       </p:transition>
     </mc:Choice>
-    <mc:Fallback>
+    <mc:Fallback xmlns="">
       <p:transition spd="slow">
         <p:cut/>
       </p:transition>
@@ -31360,6 +33697,173 @@
           </a:prstGeom>
         </p:spPr>
       </p:pic>
+      <p:sp>
+        <p:nvSpPr>
+          <p:cNvPr id="3" name="投影片編號版面配置區 2">
+            <a:extLst>
+              <a:ext uri="{FF2B5EF4-FFF2-40B4-BE49-F238E27FC236}">
+                <a16:creationId xmlns:a16="http://schemas.microsoft.com/office/drawing/2014/main" id="{9747B9F5-391E-4AC1-97AA-DD9D4F330632}"/>
+              </a:ext>
+            </a:extLst>
+          </p:cNvPr>
+          <p:cNvSpPr>
+            <a:spLocks noGrp="1"/>
+          </p:cNvSpPr>
+          <p:nvPr>
+            <p:ph type="sldNum" sz="quarter" idx="12"/>
+          </p:nvPr>
+        </p:nvSpPr>
+        <p:spPr/>
+        <p:txBody>
+          <a:bodyPr/>
+          <a:lstStyle/>
+          <a:p>
+            <a:fld id="{198CCF71-D315-4EBA-8BEC-176ABDF74514}" type="slidenum">
+              <a:rPr lang="zh-TW" altLang="en-US" smtClean="0"/>
+              <a:t>6</a:t>
+            </a:fld>
+            <a:endParaRPr lang="zh-TW" altLang="en-US"/>
+          </a:p>
+        </p:txBody>
+      </p:sp>
+      <p:sp>
+        <p:nvSpPr>
+          <p:cNvPr id="11" name="投影片編號版面配置區 3">
+            <a:extLst>
+              <a:ext uri="{FF2B5EF4-FFF2-40B4-BE49-F238E27FC236}">
+                <a16:creationId xmlns:a16="http://schemas.microsoft.com/office/drawing/2014/main" id="{E12A2C7F-CDE3-403C-9723-DDC58697A903}"/>
+              </a:ext>
+            </a:extLst>
+          </p:cNvPr>
+          <p:cNvSpPr txBox="1">
+            <a:spLocks/>
+          </p:cNvSpPr>
+          <p:nvPr/>
+        </p:nvSpPr>
+        <p:spPr bwMode="gray">
+          <a:xfrm>
+            <a:off x="11412233" y="6492875"/>
+            <a:ext cx="779767" cy="365125"/>
+          </a:xfrm>
+          <a:prstGeom prst="rect">
+            <a:avLst/>
+          </a:prstGeom>
+        </p:spPr>
+        <p:txBody>
+          <a:bodyPr vert="horz" lIns="91440" tIns="45720" rIns="91440" bIns="45720" rtlCol="0" anchor="ctr"/>
+          <a:lstStyle>
+            <a:defPPr>
+              <a:defRPr lang="en-US"/>
+            </a:defPPr>
+            <a:lvl1pPr marL="0" algn="r" defTabSz="457200" rtl="0" eaLnBrk="1" latinLnBrk="0" hangingPunct="1">
+              <a:defRPr sz="2000" kern="1200">
+                <a:solidFill>
+                  <a:srgbClr val="FEFFFF"/>
+                </a:solidFill>
+                <a:latin typeface="+mn-lt"/>
+                <a:ea typeface="+mn-ea"/>
+                <a:cs typeface="+mn-cs"/>
+              </a:defRPr>
+            </a:lvl1pPr>
+            <a:lvl2pPr marL="457200" algn="l" defTabSz="457200" rtl="0" eaLnBrk="1" latinLnBrk="0" hangingPunct="1">
+              <a:defRPr sz="1800" kern="1200">
+                <a:solidFill>
+                  <a:schemeClr val="tx1"/>
+                </a:solidFill>
+                <a:latin typeface="+mn-lt"/>
+                <a:ea typeface="+mn-ea"/>
+                <a:cs typeface="+mn-cs"/>
+              </a:defRPr>
+            </a:lvl2pPr>
+            <a:lvl3pPr marL="914400" algn="l" defTabSz="457200" rtl="0" eaLnBrk="1" latinLnBrk="0" hangingPunct="1">
+              <a:defRPr sz="1800" kern="1200">
+                <a:solidFill>
+                  <a:schemeClr val="tx1"/>
+                </a:solidFill>
+                <a:latin typeface="+mn-lt"/>
+                <a:ea typeface="+mn-ea"/>
+                <a:cs typeface="+mn-cs"/>
+              </a:defRPr>
+            </a:lvl3pPr>
+            <a:lvl4pPr marL="1371600" algn="l" defTabSz="457200" rtl="0" eaLnBrk="1" latinLnBrk="0" hangingPunct="1">
+              <a:defRPr sz="1800" kern="1200">
+                <a:solidFill>
+                  <a:schemeClr val="tx1"/>
+                </a:solidFill>
+                <a:latin typeface="+mn-lt"/>
+                <a:ea typeface="+mn-ea"/>
+                <a:cs typeface="+mn-cs"/>
+              </a:defRPr>
+            </a:lvl4pPr>
+            <a:lvl5pPr marL="1828800" algn="l" defTabSz="457200" rtl="0" eaLnBrk="1" latinLnBrk="0" hangingPunct="1">
+              <a:defRPr sz="1800" kern="1200">
+                <a:solidFill>
+                  <a:schemeClr val="tx1"/>
+                </a:solidFill>
+                <a:latin typeface="+mn-lt"/>
+                <a:ea typeface="+mn-ea"/>
+                <a:cs typeface="+mn-cs"/>
+              </a:defRPr>
+            </a:lvl5pPr>
+            <a:lvl6pPr marL="2286000" algn="l" defTabSz="457200" rtl="0" eaLnBrk="1" latinLnBrk="0" hangingPunct="1">
+              <a:defRPr sz="1800" kern="1200">
+                <a:solidFill>
+                  <a:schemeClr val="tx1"/>
+                </a:solidFill>
+                <a:latin typeface="+mn-lt"/>
+                <a:ea typeface="+mn-ea"/>
+                <a:cs typeface="+mn-cs"/>
+              </a:defRPr>
+            </a:lvl6pPr>
+            <a:lvl7pPr marL="2743200" algn="l" defTabSz="457200" rtl="0" eaLnBrk="1" latinLnBrk="0" hangingPunct="1">
+              <a:defRPr sz="1800" kern="1200">
+                <a:solidFill>
+                  <a:schemeClr val="tx1"/>
+                </a:solidFill>
+                <a:latin typeface="+mn-lt"/>
+                <a:ea typeface="+mn-ea"/>
+                <a:cs typeface="+mn-cs"/>
+              </a:defRPr>
+            </a:lvl7pPr>
+            <a:lvl8pPr marL="3200400" algn="l" defTabSz="457200" rtl="0" eaLnBrk="1" latinLnBrk="0" hangingPunct="1">
+              <a:defRPr sz="1800" kern="1200">
+                <a:solidFill>
+                  <a:schemeClr val="tx1"/>
+                </a:solidFill>
+                <a:latin typeface="+mn-lt"/>
+                <a:ea typeface="+mn-ea"/>
+                <a:cs typeface="+mn-cs"/>
+              </a:defRPr>
+            </a:lvl8pPr>
+            <a:lvl9pPr marL="3657600" algn="l" defTabSz="457200" rtl="0" eaLnBrk="1" latinLnBrk="0" hangingPunct="1">
+              <a:defRPr sz="1800" kern="1200">
+                <a:solidFill>
+                  <a:schemeClr val="tx1"/>
+                </a:solidFill>
+                <a:latin typeface="+mn-lt"/>
+                <a:ea typeface="+mn-ea"/>
+                <a:cs typeface="+mn-cs"/>
+              </a:defRPr>
+            </a:lvl9pPr>
+          </a:lstStyle>
+          <a:p>
+            <a:fld id="{198CCF71-D315-4EBA-8BEC-176ABDF74514}" type="slidenum">
+              <a:rPr lang="zh-TW" altLang="en-US" smtClean="0">
+                <a:solidFill>
+                  <a:schemeClr val="tx1"/>
+                </a:solidFill>
+              </a:rPr>
+              <a:pPr/>
+              <a:t>6</a:t>
+            </a:fld>
+            <a:endParaRPr lang="zh-TW" altLang="en-US" dirty="0">
+              <a:solidFill>
+                <a:schemeClr val="tx1"/>
+              </a:solidFill>
+            </a:endParaRPr>
+          </a:p>
+        </p:txBody>
+      </p:sp>
     </p:spTree>
     <p:extLst>
       <p:ext uri="{BB962C8B-B14F-4D97-AF65-F5344CB8AC3E}">
@@ -31370,25 +33874,18 @@
   <p:clrMapOvr>
     <a:masterClrMapping/>
   </p:clrMapOvr>
-  <mc:AlternateContent xmlns:mc="http://schemas.openxmlformats.org/markup-compatibility/2006">
-    <mc:Choice xmlns:p14="http://schemas.microsoft.com/office/powerpoint/2010/main" Requires="p14">
+  <mc:AlternateContent xmlns:mc="http://schemas.openxmlformats.org/markup-compatibility/2006" xmlns:p14="http://schemas.microsoft.com/office/powerpoint/2010/main">
+    <mc:Choice Requires="p14">
       <p:transition spd="slow" p14:dur="2000">
         <p:cut/>
       </p:transition>
     </mc:Choice>
-    <mc:Fallback>
+    <mc:Fallback xmlns="">
       <p:transition spd="slow">
         <p:cut/>
       </p:transition>
     </mc:Fallback>
   </mc:AlternateContent>
-  <p:timing>
-    <p:tnLst>
-      <p:par>
-        <p:cTn id="1" dur="indefinite" restart="never" nodeType="tmRoot"/>
-      </p:par>
-    </p:tnLst>
-  </p:timing>
 </p:sld>
 </file>
 
@@ -31430,10 +33927,9 @@
           <a:lstStyle/>
           <a:p>
             <a:r>
-              <a:rPr lang="zh-TW" altLang="en-US" dirty="0" smtClean="0"/>
+              <a:rPr lang="zh-TW" altLang="en-US" dirty="0"/>
               <a:t>系統方塊圖</a:t>
             </a:r>
-            <a:endParaRPr lang="zh-TW" altLang="en-US" dirty="0"/>
           </a:p>
         </p:txBody>
       </p:sp>
@@ -31461,6 +33957,173 @@
           </a:prstGeom>
         </p:spPr>
       </p:pic>
+      <p:sp>
+        <p:nvSpPr>
+          <p:cNvPr id="3" name="投影片編號版面配置區 2">
+            <a:extLst>
+              <a:ext uri="{FF2B5EF4-FFF2-40B4-BE49-F238E27FC236}">
+                <a16:creationId xmlns:a16="http://schemas.microsoft.com/office/drawing/2014/main" id="{C70ECF09-87BF-4072-A821-7623DE623F78}"/>
+              </a:ext>
+            </a:extLst>
+          </p:cNvPr>
+          <p:cNvSpPr>
+            <a:spLocks noGrp="1"/>
+          </p:cNvSpPr>
+          <p:nvPr>
+            <p:ph type="sldNum" sz="quarter" idx="12"/>
+          </p:nvPr>
+        </p:nvSpPr>
+        <p:spPr/>
+        <p:txBody>
+          <a:bodyPr/>
+          <a:lstStyle/>
+          <a:p>
+            <a:fld id="{198CCF71-D315-4EBA-8BEC-176ABDF74514}" type="slidenum">
+              <a:rPr lang="zh-TW" altLang="en-US" smtClean="0"/>
+              <a:t>7</a:t>
+            </a:fld>
+            <a:endParaRPr lang="zh-TW" altLang="en-US"/>
+          </a:p>
+        </p:txBody>
+      </p:sp>
+      <p:sp>
+        <p:nvSpPr>
+          <p:cNvPr id="5" name="投影片編號版面配置區 3">
+            <a:extLst>
+              <a:ext uri="{FF2B5EF4-FFF2-40B4-BE49-F238E27FC236}">
+                <a16:creationId xmlns:a16="http://schemas.microsoft.com/office/drawing/2014/main" id="{6A462326-DFA1-4B0B-B168-F416393150A7}"/>
+              </a:ext>
+            </a:extLst>
+          </p:cNvPr>
+          <p:cNvSpPr txBox="1">
+            <a:spLocks/>
+          </p:cNvSpPr>
+          <p:nvPr/>
+        </p:nvSpPr>
+        <p:spPr bwMode="gray">
+          <a:xfrm>
+            <a:off x="11412233" y="6492875"/>
+            <a:ext cx="779767" cy="365125"/>
+          </a:xfrm>
+          <a:prstGeom prst="rect">
+            <a:avLst/>
+          </a:prstGeom>
+        </p:spPr>
+        <p:txBody>
+          <a:bodyPr vert="horz" lIns="91440" tIns="45720" rIns="91440" bIns="45720" rtlCol="0" anchor="ctr"/>
+          <a:lstStyle>
+            <a:defPPr>
+              <a:defRPr lang="en-US"/>
+            </a:defPPr>
+            <a:lvl1pPr marL="0" algn="r" defTabSz="457200" rtl="0" eaLnBrk="1" latinLnBrk="0" hangingPunct="1">
+              <a:defRPr sz="2000" kern="1200">
+                <a:solidFill>
+                  <a:srgbClr val="FEFFFF"/>
+                </a:solidFill>
+                <a:latin typeface="+mn-lt"/>
+                <a:ea typeface="+mn-ea"/>
+                <a:cs typeface="+mn-cs"/>
+              </a:defRPr>
+            </a:lvl1pPr>
+            <a:lvl2pPr marL="457200" algn="l" defTabSz="457200" rtl="0" eaLnBrk="1" latinLnBrk="0" hangingPunct="1">
+              <a:defRPr sz="1800" kern="1200">
+                <a:solidFill>
+                  <a:schemeClr val="tx1"/>
+                </a:solidFill>
+                <a:latin typeface="+mn-lt"/>
+                <a:ea typeface="+mn-ea"/>
+                <a:cs typeface="+mn-cs"/>
+              </a:defRPr>
+            </a:lvl2pPr>
+            <a:lvl3pPr marL="914400" algn="l" defTabSz="457200" rtl="0" eaLnBrk="1" latinLnBrk="0" hangingPunct="1">
+              <a:defRPr sz="1800" kern="1200">
+                <a:solidFill>
+                  <a:schemeClr val="tx1"/>
+                </a:solidFill>
+                <a:latin typeface="+mn-lt"/>
+                <a:ea typeface="+mn-ea"/>
+                <a:cs typeface="+mn-cs"/>
+              </a:defRPr>
+            </a:lvl3pPr>
+            <a:lvl4pPr marL="1371600" algn="l" defTabSz="457200" rtl="0" eaLnBrk="1" latinLnBrk="0" hangingPunct="1">
+              <a:defRPr sz="1800" kern="1200">
+                <a:solidFill>
+                  <a:schemeClr val="tx1"/>
+                </a:solidFill>
+                <a:latin typeface="+mn-lt"/>
+                <a:ea typeface="+mn-ea"/>
+                <a:cs typeface="+mn-cs"/>
+              </a:defRPr>
+            </a:lvl4pPr>
+            <a:lvl5pPr marL="1828800" algn="l" defTabSz="457200" rtl="0" eaLnBrk="1" latinLnBrk="0" hangingPunct="1">
+              <a:defRPr sz="1800" kern="1200">
+                <a:solidFill>
+                  <a:schemeClr val="tx1"/>
+                </a:solidFill>
+                <a:latin typeface="+mn-lt"/>
+                <a:ea typeface="+mn-ea"/>
+                <a:cs typeface="+mn-cs"/>
+              </a:defRPr>
+            </a:lvl5pPr>
+            <a:lvl6pPr marL="2286000" algn="l" defTabSz="457200" rtl="0" eaLnBrk="1" latinLnBrk="0" hangingPunct="1">
+              <a:defRPr sz="1800" kern="1200">
+                <a:solidFill>
+                  <a:schemeClr val="tx1"/>
+                </a:solidFill>
+                <a:latin typeface="+mn-lt"/>
+                <a:ea typeface="+mn-ea"/>
+                <a:cs typeface="+mn-cs"/>
+              </a:defRPr>
+            </a:lvl6pPr>
+            <a:lvl7pPr marL="2743200" algn="l" defTabSz="457200" rtl="0" eaLnBrk="1" latinLnBrk="0" hangingPunct="1">
+              <a:defRPr sz="1800" kern="1200">
+                <a:solidFill>
+                  <a:schemeClr val="tx1"/>
+                </a:solidFill>
+                <a:latin typeface="+mn-lt"/>
+                <a:ea typeface="+mn-ea"/>
+                <a:cs typeface="+mn-cs"/>
+              </a:defRPr>
+            </a:lvl7pPr>
+            <a:lvl8pPr marL="3200400" algn="l" defTabSz="457200" rtl="0" eaLnBrk="1" latinLnBrk="0" hangingPunct="1">
+              <a:defRPr sz="1800" kern="1200">
+                <a:solidFill>
+                  <a:schemeClr val="tx1"/>
+                </a:solidFill>
+                <a:latin typeface="+mn-lt"/>
+                <a:ea typeface="+mn-ea"/>
+                <a:cs typeface="+mn-cs"/>
+              </a:defRPr>
+            </a:lvl8pPr>
+            <a:lvl9pPr marL="3657600" algn="l" defTabSz="457200" rtl="0" eaLnBrk="1" latinLnBrk="0" hangingPunct="1">
+              <a:defRPr sz="1800" kern="1200">
+                <a:solidFill>
+                  <a:schemeClr val="tx1"/>
+                </a:solidFill>
+                <a:latin typeface="+mn-lt"/>
+                <a:ea typeface="+mn-ea"/>
+                <a:cs typeface="+mn-cs"/>
+              </a:defRPr>
+            </a:lvl9pPr>
+          </a:lstStyle>
+          <a:p>
+            <a:fld id="{198CCF71-D315-4EBA-8BEC-176ABDF74514}" type="slidenum">
+              <a:rPr lang="zh-TW" altLang="en-US" smtClean="0">
+                <a:solidFill>
+                  <a:schemeClr val="tx1"/>
+                </a:solidFill>
+              </a:rPr>
+              <a:pPr/>
+              <a:t>7</a:t>
+            </a:fld>
+            <a:endParaRPr lang="zh-TW" altLang="en-US" dirty="0">
+              <a:solidFill>
+                <a:schemeClr val="tx1"/>
+              </a:solidFill>
+            </a:endParaRPr>
+          </a:p>
+        </p:txBody>
+      </p:sp>
     </p:spTree>
     <p:extLst>
       <p:ext uri="{BB962C8B-B14F-4D97-AF65-F5344CB8AC3E}">
@@ -31471,25 +34134,18 @@
   <p:clrMapOvr>
     <a:masterClrMapping/>
   </p:clrMapOvr>
-  <mc:AlternateContent xmlns:mc="http://schemas.openxmlformats.org/markup-compatibility/2006">
-    <mc:Choice xmlns:p14="http://schemas.microsoft.com/office/powerpoint/2010/main" Requires="p14">
+  <mc:AlternateContent xmlns:mc="http://schemas.openxmlformats.org/markup-compatibility/2006" xmlns:p14="http://schemas.microsoft.com/office/powerpoint/2010/main">
+    <mc:Choice Requires="p14">
       <p:transition spd="slow" p14:dur="2000">
         <p:cut/>
       </p:transition>
     </mc:Choice>
-    <mc:Fallback>
+    <mc:Fallback xmlns="">
       <p:transition spd="slow">
         <p:cut/>
       </p:transition>
     </mc:Fallback>
   </mc:AlternateContent>
-  <p:timing>
-    <p:tnLst>
-      <p:par>
-        <p:cTn id="1" dur="indefinite" restart="never" nodeType="tmRoot"/>
-      </p:par>
-    </p:tnLst>
-  </p:timing>
 </p:sld>
 </file>
 
@@ -31569,6 +34225,173 @@
           </a:graphicData>
         </a:graphic>
       </p:graphicFrame>
+      <p:sp>
+        <p:nvSpPr>
+          <p:cNvPr id="3" name="投影片編號版面配置區 2">
+            <a:extLst>
+              <a:ext uri="{FF2B5EF4-FFF2-40B4-BE49-F238E27FC236}">
+                <a16:creationId xmlns:a16="http://schemas.microsoft.com/office/drawing/2014/main" id="{13537746-2487-4224-9715-57AEF89DD27D}"/>
+              </a:ext>
+            </a:extLst>
+          </p:cNvPr>
+          <p:cNvSpPr>
+            <a:spLocks noGrp="1"/>
+          </p:cNvSpPr>
+          <p:nvPr>
+            <p:ph type="sldNum" sz="quarter" idx="12"/>
+          </p:nvPr>
+        </p:nvSpPr>
+        <p:spPr/>
+        <p:txBody>
+          <a:bodyPr/>
+          <a:lstStyle/>
+          <a:p>
+            <a:fld id="{198CCF71-D315-4EBA-8BEC-176ABDF74514}" type="slidenum">
+              <a:rPr lang="zh-TW" altLang="en-US" smtClean="0"/>
+              <a:t>8</a:t>
+            </a:fld>
+            <a:endParaRPr lang="zh-TW" altLang="en-US"/>
+          </a:p>
+        </p:txBody>
+      </p:sp>
+      <p:sp>
+        <p:nvSpPr>
+          <p:cNvPr id="5" name="投影片編號版面配置區 3">
+            <a:extLst>
+              <a:ext uri="{FF2B5EF4-FFF2-40B4-BE49-F238E27FC236}">
+                <a16:creationId xmlns:a16="http://schemas.microsoft.com/office/drawing/2014/main" id="{03DD58A4-B1EC-4733-AB4C-280B3255C681}"/>
+              </a:ext>
+            </a:extLst>
+          </p:cNvPr>
+          <p:cNvSpPr txBox="1">
+            <a:spLocks/>
+          </p:cNvSpPr>
+          <p:nvPr/>
+        </p:nvSpPr>
+        <p:spPr bwMode="gray">
+          <a:xfrm>
+            <a:off x="11412233" y="6492875"/>
+            <a:ext cx="779767" cy="365125"/>
+          </a:xfrm>
+          <a:prstGeom prst="rect">
+            <a:avLst/>
+          </a:prstGeom>
+        </p:spPr>
+        <p:txBody>
+          <a:bodyPr vert="horz" lIns="91440" tIns="45720" rIns="91440" bIns="45720" rtlCol="0" anchor="ctr"/>
+          <a:lstStyle>
+            <a:defPPr>
+              <a:defRPr lang="en-US"/>
+            </a:defPPr>
+            <a:lvl1pPr marL="0" algn="r" defTabSz="457200" rtl="0" eaLnBrk="1" latinLnBrk="0" hangingPunct="1">
+              <a:defRPr sz="2000" kern="1200">
+                <a:solidFill>
+                  <a:srgbClr val="FEFFFF"/>
+                </a:solidFill>
+                <a:latin typeface="+mn-lt"/>
+                <a:ea typeface="+mn-ea"/>
+                <a:cs typeface="+mn-cs"/>
+              </a:defRPr>
+            </a:lvl1pPr>
+            <a:lvl2pPr marL="457200" algn="l" defTabSz="457200" rtl="0" eaLnBrk="1" latinLnBrk="0" hangingPunct="1">
+              <a:defRPr sz="1800" kern="1200">
+                <a:solidFill>
+                  <a:schemeClr val="tx1"/>
+                </a:solidFill>
+                <a:latin typeface="+mn-lt"/>
+                <a:ea typeface="+mn-ea"/>
+                <a:cs typeface="+mn-cs"/>
+              </a:defRPr>
+            </a:lvl2pPr>
+            <a:lvl3pPr marL="914400" algn="l" defTabSz="457200" rtl="0" eaLnBrk="1" latinLnBrk="0" hangingPunct="1">
+              <a:defRPr sz="1800" kern="1200">
+                <a:solidFill>
+                  <a:schemeClr val="tx1"/>
+                </a:solidFill>
+                <a:latin typeface="+mn-lt"/>
+                <a:ea typeface="+mn-ea"/>
+                <a:cs typeface="+mn-cs"/>
+              </a:defRPr>
+            </a:lvl3pPr>
+            <a:lvl4pPr marL="1371600" algn="l" defTabSz="457200" rtl="0" eaLnBrk="1" latinLnBrk="0" hangingPunct="1">
+              <a:defRPr sz="1800" kern="1200">
+                <a:solidFill>
+                  <a:schemeClr val="tx1"/>
+                </a:solidFill>
+                <a:latin typeface="+mn-lt"/>
+                <a:ea typeface="+mn-ea"/>
+                <a:cs typeface="+mn-cs"/>
+              </a:defRPr>
+            </a:lvl4pPr>
+            <a:lvl5pPr marL="1828800" algn="l" defTabSz="457200" rtl="0" eaLnBrk="1" latinLnBrk="0" hangingPunct="1">
+              <a:defRPr sz="1800" kern="1200">
+                <a:solidFill>
+                  <a:schemeClr val="tx1"/>
+                </a:solidFill>
+                <a:latin typeface="+mn-lt"/>
+                <a:ea typeface="+mn-ea"/>
+                <a:cs typeface="+mn-cs"/>
+              </a:defRPr>
+            </a:lvl5pPr>
+            <a:lvl6pPr marL="2286000" algn="l" defTabSz="457200" rtl="0" eaLnBrk="1" latinLnBrk="0" hangingPunct="1">
+              <a:defRPr sz="1800" kern="1200">
+                <a:solidFill>
+                  <a:schemeClr val="tx1"/>
+                </a:solidFill>
+                <a:latin typeface="+mn-lt"/>
+                <a:ea typeface="+mn-ea"/>
+                <a:cs typeface="+mn-cs"/>
+              </a:defRPr>
+            </a:lvl6pPr>
+            <a:lvl7pPr marL="2743200" algn="l" defTabSz="457200" rtl="0" eaLnBrk="1" latinLnBrk="0" hangingPunct="1">
+              <a:defRPr sz="1800" kern="1200">
+                <a:solidFill>
+                  <a:schemeClr val="tx1"/>
+                </a:solidFill>
+                <a:latin typeface="+mn-lt"/>
+                <a:ea typeface="+mn-ea"/>
+                <a:cs typeface="+mn-cs"/>
+              </a:defRPr>
+            </a:lvl7pPr>
+            <a:lvl8pPr marL="3200400" algn="l" defTabSz="457200" rtl="0" eaLnBrk="1" latinLnBrk="0" hangingPunct="1">
+              <a:defRPr sz="1800" kern="1200">
+                <a:solidFill>
+                  <a:schemeClr val="tx1"/>
+                </a:solidFill>
+                <a:latin typeface="+mn-lt"/>
+                <a:ea typeface="+mn-ea"/>
+                <a:cs typeface="+mn-cs"/>
+              </a:defRPr>
+            </a:lvl8pPr>
+            <a:lvl9pPr marL="3657600" algn="l" defTabSz="457200" rtl="0" eaLnBrk="1" latinLnBrk="0" hangingPunct="1">
+              <a:defRPr sz="1800" kern="1200">
+                <a:solidFill>
+                  <a:schemeClr val="tx1"/>
+                </a:solidFill>
+                <a:latin typeface="+mn-lt"/>
+                <a:ea typeface="+mn-ea"/>
+                <a:cs typeface="+mn-cs"/>
+              </a:defRPr>
+            </a:lvl9pPr>
+          </a:lstStyle>
+          <a:p>
+            <a:fld id="{198CCF71-D315-4EBA-8BEC-176ABDF74514}" type="slidenum">
+              <a:rPr lang="zh-TW" altLang="en-US" smtClean="0">
+                <a:solidFill>
+                  <a:schemeClr val="tx1"/>
+                </a:solidFill>
+              </a:rPr>
+              <a:pPr/>
+              <a:t>8</a:t>
+            </a:fld>
+            <a:endParaRPr lang="zh-TW" altLang="en-US" dirty="0">
+              <a:solidFill>
+                <a:schemeClr val="tx1"/>
+              </a:solidFill>
+            </a:endParaRPr>
+          </a:p>
+        </p:txBody>
+      </p:sp>
     </p:spTree>
     <p:extLst>
       <p:ext uri="{BB962C8B-B14F-4D97-AF65-F5344CB8AC3E}">
@@ -31579,25 +34402,18 @@
   <p:clrMapOvr>
     <a:masterClrMapping/>
   </p:clrMapOvr>
-  <mc:AlternateContent xmlns:mc="http://schemas.openxmlformats.org/markup-compatibility/2006">
-    <mc:Choice xmlns:p14="http://schemas.microsoft.com/office/powerpoint/2010/main" Requires="p14">
+  <mc:AlternateContent xmlns:mc="http://schemas.openxmlformats.org/markup-compatibility/2006" xmlns:p14="http://schemas.microsoft.com/office/powerpoint/2010/main">
+    <mc:Choice Requires="p14">
       <p:transition spd="slow" p14:dur="2000">
         <p:cut/>
       </p:transition>
     </mc:Choice>
-    <mc:Fallback>
+    <mc:Fallback xmlns="">
       <p:transition spd="slow">
         <p:cut/>
       </p:transition>
     </mc:Fallback>
   </mc:AlternateContent>
-  <p:timing>
-    <p:tnLst>
-      <p:par>
-        <p:cTn id="1" dur="indefinite" restart="never" nodeType="tmRoot"/>
-      </p:par>
-    </p:tnLst>
-  </p:timing>
 </p:sld>
 </file>
 
@@ -31780,16 +34596,6 @@
               </a:rPr>
               <a:t>)</a:t>
             </a:r>
-            <a:r>
-              <a:rPr lang="zh-TW" altLang="en-US" b="0" i="0" dirty="0">
-                <a:solidFill>
-                  <a:srgbClr val="000000"/>
-                </a:solidFill>
-                <a:effectLst/>
-                <a:latin typeface="Segoe UI" panose="020B0502040204020203" pitchFamily="34" charset="0"/>
-              </a:rPr>
-              <a:t/>
-            </a:r>
             <a:br>
               <a:rPr lang="zh-TW" altLang="en-US" b="0" i="0" dirty="0">
                 <a:solidFill>
@@ -31849,16 +34655,6 @@
               </a:rPr>
               <a:t>(65.1KSPS~61.44MSPS)</a:t>
             </a:r>
-            <a:r>
-              <a:rPr lang="en-US" altLang="zh-TW" b="0" i="0" dirty="0">
-                <a:solidFill>
-                  <a:srgbClr val="000000"/>
-                </a:solidFill>
-                <a:effectLst/>
-                <a:latin typeface="Segoe UI" panose="020B0502040204020203" pitchFamily="34" charset="0"/>
-              </a:rPr>
-              <a:t/>
-            </a:r>
             <a:br>
               <a:rPr lang="en-US" altLang="zh-TW" b="0" i="0" dirty="0">
                 <a:solidFill>
@@ -31918,16 +34714,6 @@
               </a:rPr>
               <a:t>(200KHZ~20MHZ)</a:t>
             </a:r>
-            <a:r>
-              <a:rPr lang="en-US" altLang="zh-TW" b="0" i="0" dirty="0">
-                <a:solidFill>
-                  <a:srgbClr val="000000"/>
-                </a:solidFill>
-                <a:effectLst/>
-                <a:latin typeface="Segoe UI" panose="020B0502040204020203" pitchFamily="34" charset="0"/>
-              </a:rPr>
-              <a:t/>
-            </a:r>
             <a:br>
               <a:rPr lang="en-US" altLang="zh-TW" b="0" i="0" dirty="0">
                 <a:solidFill>
@@ -31967,16 +34753,6 @@
               </a:rPr>
               <a:t>)</a:t>
             </a:r>
-            <a:r>
-              <a:rPr lang="zh-TW" altLang="en-US" b="0" i="0" dirty="0">
-                <a:solidFill>
-                  <a:srgbClr val="000000"/>
-                </a:solidFill>
-                <a:effectLst/>
-                <a:latin typeface="Segoe UI" panose="020B0502040204020203" pitchFamily="34" charset="0"/>
-              </a:rPr>
-              <a:t/>
-            </a:r>
             <a:br>
               <a:rPr lang="zh-TW" altLang="en-US" b="0" i="0" dirty="0">
                 <a:solidFill>
@@ -32036,16 +34812,6 @@
               </a:rPr>
               <a:t>74dBm)</a:t>
             </a:r>
-            <a:r>
-              <a:rPr lang="en-US" altLang="zh-TW" b="0" i="0" dirty="0">
-                <a:solidFill>
-                  <a:srgbClr val="000000"/>
-                </a:solidFill>
-                <a:effectLst/>
-                <a:latin typeface="Segoe UI" panose="020B0502040204020203" pitchFamily="34" charset="0"/>
-              </a:rPr>
-              <a:t/>
-            </a:r>
             <a:br>
               <a:rPr lang="en-US" altLang="zh-TW" b="0" i="0" dirty="0">
                 <a:solidFill>
@@ -32125,16 +34891,6 @@
               </a:rPr>
               <a:t>)</a:t>
             </a:r>
-            <a:r>
-              <a:rPr lang="zh-TW" altLang="en-US" b="0" i="0" dirty="0">
-                <a:solidFill>
-                  <a:srgbClr val="000000"/>
-                </a:solidFill>
-                <a:effectLst/>
-                <a:latin typeface="Segoe UI" panose="020B0502040204020203" pitchFamily="34" charset="0"/>
-              </a:rPr>
-              <a:t/>
-            </a:r>
             <a:br>
               <a:rPr lang="zh-TW" altLang="en-US" b="0" i="0" dirty="0">
                 <a:solidFill>
@@ -32194,16 +34950,6 @@
               </a:rPr>
               <a:t>(65.1KSPS~61.44MSPS)</a:t>
             </a:r>
-            <a:r>
-              <a:rPr lang="en-US" altLang="zh-TW" b="0" i="0" dirty="0">
-                <a:solidFill>
-                  <a:srgbClr val="000000"/>
-                </a:solidFill>
-                <a:effectLst/>
-                <a:latin typeface="Segoe UI" panose="020B0502040204020203" pitchFamily="34" charset="0"/>
-              </a:rPr>
-              <a:t/>
-            </a:r>
             <a:br>
               <a:rPr lang="en-US" altLang="zh-TW" b="0" i="0" dirty="0">
                 <a:solidFill>
@@ -32272,10 +35018,6 @@
             </a:endParaRPr>
           </a:p>
           <a:p>
-            <a:r>
-              <a:rPr lang="en-US" altLang="zh-TW" dirty="0"/>
-              <a:t/>
-            </a:r>
             <a:br>
               <a:rPr lang="en-US" altLang="zh-TW" dirty="0"/>
             </a:br>
@@ -32338,6 +35080,173 @@
           </a:p>
         </p:txBody>
       </p:sp>
+      <p:sp>
+        <p:nvSpPr>
+          <p:cNvPr id="3" name="投影片編號版面配置區 2">
+            <a:extLst>
+              <a:ext uri="{FF2B5EF4-FFF2-40B4-BE49-F238E27FC236}">
+                <a16:creationId xmlns:a16="http://schemas.microsoft.com/office/drawing/2014/main" id="{E1458DC3-5A2D-4FEF-9752-7941F50913FD}"/>
+              </a:ext>
+            </a:extLst>
+          </p:cNvPr>
+          <p:cNvSpPr>
+            <a:spLocks noGrp="1"/>
+          </p:cNvSpPr>
+          <p:nvPr>
+            <p:ph type="sldNum" sz="quarter" idx="12"/>
+          </p:nvPr>
+        </p:nvSpPr>
+        <p:spPr/>
+        <p:txBody>
+          <a:bodyPr/>
+          <a:lstStyle/>
+          <a:p>
+            <a:fld id="{198CCF71-D315-4EBA-8BEC-176ABDF74514}" type="slidenum">
+              <a:rPr lang="zh-TW" altLang="en-US" smtClean="0"/>
+              <a:t>9</a:t>
+            </a:fld>
+            <a:endParaRPr lang="zh-TW" altLang="en-US"/>
+          </a:p>
+        </p:txBody>
+      </p:sp>
+      <p:sp>
+        <p:nvSpPr>
+          <p:cNvPr id="7" name="投影片編號版面配置區 3">
+            <a:extLst>
+              <a:ext uri="{FF2B5EF4-FFF2-40B4-BE49-F238E27FC236}">
+                <a16:creationId xmlns:a16="http://schemas.microsoft.com/office/drawing/2014/main" id="{7B9AB702-2D90-4856-8A64-83B0195DAAD2}"/>
+              </a:ext>
+            </a:extLst>
+          </p:cNvPr>
+          <p:cNvSpPr txBox="1">
+            <a:spLocks/>
+          </p:cNvSpPr>
+          <p:nvPr/>
+        </p:nvSpPr>
+        <p:spPr bwMode="gray">
+          <a:xfrm>
+            <a:off x="11412233" y="6492875"/>
+            <a:ext cx="779767" cy="365125"/>
+          </a:xfrm>
+          <a:prstGeom prst="rect">
+            <a:avLst/>
+          </a:prstGeom>
+        </p:spPr>
+        <p:txBody>
+          <a:bodyPr vert="horz" lIns="91440" tIns="45720" rIns="91440" bIns="45720" rtlCol="0" anchor="ctr"/>
+          <a:lstStyle>
+            <a:defPPr>
+              <a:defRPr lang="en-US"/>
+            </a:defPPr>
+            <a:lvl1pPr marL="0" algn="r" defTabSz="457200" rtl="0" eaLnBrk="1" latinLnBrk="0" hangingPunct="1">
+              <a:defRPr sz="2000" kern="1200">
+                <a:solidFill>
+                  <a:srgbClr val="FEFFFF"/>
+                </a:solidFill>
+                <a:latin typeface="+mn-lt"/>
+                <a:ea typeface="+mn-ea"/>
+                <a:cs typeface="+mn-cs"/>
+              </a:defRPr>
+            </a:lvl1pPr>
+            <a:lvl2pPr marL="457200" algn="l" defTabSz="457200" rtl="0" eaLnBrk="1" latinLnBrk="0" hangingPunct="1">
+              <a:defRPr sz="1800" kern="1200">
+                <a:solidFill>
+                  <a:schemeClr val="tx1"/>
+                </a:solidFill>
+                <a:latin typeface="+mn-lt"/>
+                <a:ea typeface="+mn-ea"/>
+                <a:cs typeface="+mn-cs"/>
+              </a:defRPr>
+            </a:lvl2pPr>
+            <a:lvl3pPr marL="914400" algn="l" defTabSz="457200" rtl="0" eaLnBrk="1" latinLnBrk="0" hangingPunct="1">
+              <a:defRPr sz="1800" kern="1200">
+                <a:solidFill>
+                  <a:schemeClr val="tx1"/>
+                </a:solidFill>
+                <a:latin typeface="+mn-lt"/>
+                <a:ea typeface="+mn-ea"/>
+                <a:cs typeface="+mn-cs"/>
+              </a:defRPr>
+            </a:lvl3pPr>
+            <a:lvl4pPr marL="1371600" algn="l" defTabSz="457200" rtl="0" eaLnBrk="1" latinLnBrk="0" hangingPunct="1">
+              <a:defRPr sz="1800" kern="1200">
+                <a:solidFill>
+                  <a:schemeClr val="tx1"/>
+                </a:solidFill>
+                <a:latin typeface="+mn-lt"/>
+                <a:ea typeface="+mn-ea"/>
+                <a:cs typeface="+mn-cs"/>
+              </a:defRPr>
+            </a:lvl4pPr>
+            <a:lvl5pPr marL="1828800" algn="l" defTabSz="457200" rtl="0" eaLnBrk="1" latinLnBrk="0" hangingPunct="1">
+              <a:defRPr sz="1800" kern="1200">
+                <a:solidFill>
+                  <a:schemeClr val="tx1"/>
+                </a:solidFill>
+                <a:latin typeface="+mn-lt"/>
+                <a:ea typeface="+mn-ea"/>
+                <a:cs typeface="+mn-cs"/>
+              </a:defRPr>
+            </a:lvl5pPr>
+            <a:lvl6pPr marL="2286000" algn="l" defTabSz="457200" rtl="0" eaLnBrk="1" latinLnBrk="0" hangingPunct="1">
+              <a:defRPr sz="1800" kern="1200">
+                <a:solidFill>
+                  <a:schemeClr val="tx1"/>
+                </a:solidFill>
+                <a:latin typeface="+mn-lt"/>
+                <a:ea typeface="+mn-ea"/>
+                <a:cs typeface="+mn-cs"/>
+              </a:defRPr>
+            </a:lvl6pPr>
+            <a:lvl7pPr marL="2743200" algn="l" defTabSz="457200" rtl="0" eaLnBrk="1" latinLnBrk="0" hangingPunct="1">
+              <a:defRPr sz="1800" kern="1200">
+                <a:solidFill>
+                  <a:schemeClr val="tx1"/>
+                </a:solidFill>
+                <a:latin typeface="+mn-lt"/>
+                <a:ea typeface="+mn-ea"/>
+                <a:cs typeface="+mn-cs"/>
+              </a:defRPr>
+            </a:lvl7pPr>
+            <a:lvl8pPr marL="3200400" algn="l" defTabSz="457200" rtl="0" eaLnBrk="1" latinLnBrk="0" hangingPunct="1">
+              <a:defRPr sz="1800" kern="1200">
+                <a:solidFill>
+                  <a:schemeClr val="tx1"/>
+                </a:solidFill>
+                <a:latin typeface="+mn-lt"/>
+                <a:ea typeface="+mn-ea"/>
+                <a:cs typeface="+mn-cs"/>
+              </a:defRPr>
+            </a:lvl8pPr>
+            <a:lvl9pPr marL="3657600" algn="l" defTabSz="457200" rtl="0" eaLnBrk="1" latinLnBrk="0" hangingPunct="1">
+              <a:defRPr sz="1800" kern="1200">
+                <a:solidFill>
+                  <a:schemeClr val="tx1"/>
+                </a:solidFill>
+                <a:latin typeface="+mn-lt"/>
+                <a:ea typeface="+mn-ea"/>
+                <a:cs typeface="+mn-cs"/>
+              </a:defRPr>
+            </a:lvl9pPr>
+          </a:lstStyle>
+          <a:p>
+            <a:fld id="{198CCF71-D315-4EBA-8BEC-176ABDF74514}" type="slidenum">
+              <a:rPr lang="zh-TW" altLang="en-US" smtClean="0">
+                <a:solidFill>
+                  <a:schemeClr val="tx1"/>
+                </a:solidFill>
+              </a:rPr>
+              <a:pPr/>
+              <a:t>9</a:t>
+            </a:fld>
+            <a:endParaRPr lang="zh-TW" altLang="en-US" dirty="0">
+              <a:solidFill>
+                <a:schemeClr val="tx1"/>
+              </a:solidFill>
+            </a:endParaRPr>
+          </a:p>
+        </p:txBody>
+      </p:sp>
     </p:spTree>
     <p:extLst>
       <p:ext uri="{BB962C8B-B14F-4D97-AF65-F5344CB8AC3E}">
@@ -32348,13 +35257,13 @@
   <p:clrMapOvr>
     <a:masterClrMapping/>
   </p:clrMapOvr>
-  <mc:AlternateContent xmlns:mc="http://schemas.openxmlformats.org/markup-compatibility/2006">
-    <mc:Choice xmlns:p14="http://schemas.microsoft.com/office/powerpoint/2010/main" Requires="p14">
+  <mc:AlternateContent xmlns:mc="http://schemas.openxmlformats.org/markup-compatibility/2006" xmlns:p14="http://schemas.microsoft.com/office/powerpoint/2010/main">
+    <mc:Choice Requires="p14">
       <p:transition spd="slow" p14:dur="2000">
         <p:cut/>
       </p:transition>
     </mc:Choice>
-    <mc:Fallback>
+    <mc:Fallback xmlns="">
       <p:transition spd="slow">
         <p:cut/>
       </p:transition>

--- a/report/以SDR實現OTSM通訊技術.pptx
+++ b/report/以SDR實現OTSM通訊技術.pptx
@@ -5743,6 +5743,87 @@
 </dgm:styleDef>
 </file>
 
+<file path=ppt/ink/ink1.xml><?xml version="1.0" encoding="utf-8"?>
+<inkml:ink xmlns:inkml="http://www.w3.org/2003/InkML">
+  <inkml:definitions>
+    <inkml:context xml:id="ctx0">
+      <inkml:inkSource xml:id="inkSrc0">
+        <inkml:traceFormat>
+          <inkml:channel name="X" type="integer" min="-2.14748E9" max="2.14748E9" units="cm"/>
+          <inkml:channel name="Y" type="integer" min="-2.14748E9" max="2.14748E9" units="cm"/>
+          <inkml:channel name="F" type="integer" max="32767" units="dev"/>
+        </inkml:traceFormat>
+        <inkml:channelProperties>
+          <inkml:channelProperty channel="X" name="resolution" value="1000" units="1/cm"/>
+          <inkml:channelProperty channel="Y" name="resolution" value="1000" units="1/cm"/>
+          <inkml:channelProperty channel="F" name="resolution" value="0" units="1/dev"/>
+        </inkml:channelProperties>
+      </inkml:inkSource>
+      <inkml:timestamp xml:id="ts0" timeString="2024-04-18T05:10:07.435"/>
+    </inkml:context>
+    <inkml:brush xml:id="br0">
+      <inkml:brushProperty name="width" value="0.1" units="cm"/>
+      <inkml:brushProperty name="height" value="0.1" units="cm"/>
+    </inkml:brush>
+  </inkml:definitions>
+  <inkml:trace contextRef="#ctx0" brushRef="#br0">-2147483648 0 24575,'0'0'0</inkml:trace>
+</inkml:ink>
+</file>
+
+<file path=ppt/ink/ink2.xml><?xml version="1.0" encoding="utf-8"?>
+<inkml:ink xmlns:inkml="http://www.w3.org/2003/InkML">
+  <inkml:definitions>
+    <inkml:context xml:id="ctx0">
+      <inkml:inkSource xml:id="inkSrc0">
+        <inkml:traceFormat>
+          <inkml:channel name="X" type="integer" min="-2.14748E9" max="2.14748E9" units="cm"/>
+          <inkml:channel name="Y" type="integer" min="-2.14748E9" max="2.14748E9" units="cm"/>
+          <inkml:channel name="F" type="integer" max="32767" units="dev"/>
+        </inkml:traceFormat>
+        <inkml:channelProperties>
+          <inkml:channelProperty channel="X" name="resolution" value="1000" units="1/cm"/>
+          <inkml:channelProperty channel="Y" name="resolution" value="1000" units="1/cm"/>
+          <inkml:channelProperty channel="F" name="resolution" value="0" units="1/dev"/>
+        </inkml:channelProperties>
+      </inkml:inkSource>
+      <inkml:timestamp xml:id="ts0" timeString="2024-04-18T05:10:07.436"/>
+    </inkml:context>
+    <inkml:brush xml:id="br0">
+      <inkml:brushProperty name="width" value="0.1" units="cm"/>
+      <inkml:brushProperty name="height" value="0.1" units="cm"/>
+    </inkml:brush>
+  </inkml:definitions>
+  <inkml:trace contextRef="#ctx0" brushRef="#br0">-2147483648-2147483648 24575,'0'0'-8191</inkml:trace>
+</inkml:ink>
+</file>
+
+<file path=ppt/ink/ink3.xml><?xml version="1.0" encoding="utf-8"?>
+<inkml:ink xmlns:inkml="http://www.w3.org/2003/InkML">
+  <inkml:definitions>
+    <inkml:context xml:id="ctx0">
+      <inkml:inkSource xml:id="inkSrc0">
+        <inkml:traceFormat>
+          <inkml:channel name="X" type="integer" min="-2.14748E9" max="2.14748E9" units="cm"/>
+          <inkml:channel name="Y" type="integer" min="-2.14748E9" max="2.14748E9" units="cm"/>
+          <inkml:channel name="F" type="integer" max="32767" units="dev"/>
+        </inkml:traceFormat>
+        <inkml:channelProperties>
+          <inkml:channelProperty channel="X" name="resolution" value="1000" units="1/cm"/>
+          <inkml:channelProperty channel="Y" name="resolution" value="1000" units="1/cm"/>
+          <inkml:channelProperty channel="F" name="resolution" value="0" units="1/dev"/>
+        </inkml:channelProperties>
+      </inkml:inkSource>
+      <inkml:timestamp xml:id="ts0" timeString="2024-04-18T05:10:07.437"/>
+    </inkml:context>
+    <inkml:brush xml:id="br0">
+      <inkml:brushProperty name="width" value="0.1" units="cm"/>
+      <inkml:brushProperty name="height" value="0.1" units="cm"/>
+    </inkml:brush>
+  </inkml:definitions>
+  <inkml:trace contextRef="#ctx0" brushRef="#br0">-2147483648-2147483648 24575,'0'0'-8191</inkml:trace>
+</inkml:ink>
+</file>
+
 <file path=ppt/notesMasters/notesMaster1.xml><?xml version="1.0" encoding="utf-8"?>
 <p:notesMaster xmlns:a="http://schemas.openxmlformats.org/drawingml/2006/main" xmlns:r="http://schemas.openxmlformats.org/officeDocument/2006/relationships" xmlns:p="http://schemas.openxmlformats.org/presentationml/2006/main">
   <p:cSld>
@@ -33933,30 +34014,6 @@
           </a:p>
         </p:txBody>
       </p:sp>
-      <p:pic>
-        <p:nvPicPr>
-          <p:cNvPr id="4" name="圖片 3"/>
-          <p:cNvPicPr>
-            <a:picLocks noChangeAspect="1"/>
-          </p:cNvPicPr>
-          <p:nvPr/>
-        </p:nvPicPr>
-        <p:blipFill>
-          <a:blip r:embed="rId2"/>
-          <a:stretch>
-            <a:fillRect/>
-          </a:stretch>
-        </p:blipFill>
-        <p:spPr>
-          <a:xfrm>
-            <a:off x="1425939" y="1905000"/>
-            <a:ext cx="9318261" cy="4368521"/>
-          </a:xfrm>
-          <a:prstGeom prst="rect">
-            <a:avLst/>
-          </a:prstGeom>
-        </p:spPr>
-      </p:pic>
       <p:sp>
         <p:nvSpPr>
           <p:cNvPr id="3" name="投影片編號版面配置區 2">
@@ -34124,6 +34181,210 @@
           </a:p>
         </p:txBody>
       </p:sp>
+      <p:grpSp>
+        <p:nvGrpSpPr>
+          <p:cNvPr id="217" name="群組 216">
+            <a:extLst>
+              <a:ext uri="{FF2B5EF4-FFF2-40B4-BE49-F238E27FC236}">
+                <a16:creationId xmlns:a16="http://schemas.microsoft.com/office/drawing/2014/main" id="{9467D2CD-381A-4D1F-9A98-A3067DCA240C}"/>
+              </a:ext>
+            </a:extLst>
+          </p:cNvPr>
+          <p:cNvGrpSpPr/>
+          <p:nvPr/>
+        </p:nvGrpSpPr>
+        <p:grpSpPr>
+          <a:xfrm>
+            <a:off x="4503062" y="3311528"/>
+            <a:ext cx="13336" cy="272070"/>
+            <a:chOff x="4598865" y="2791695"/>
+            <a:chExt cx="10516" cy="367296"/>
+          </a:xfrm>
+        </p:grpSpPr>
+        <mc:AlternateContent xmlns:mc="http://schemas.openxmlformats.org/markup-compatibility/2006" xmlns:p14="http://schemas.microsoft.com/office/powerpoint/2010/main">
+          <mc:Choice Requires="p14">
+            <p:contentPart p14:bwMode="auto" r:id="rId2">
+              <p14:nvContentPartPr>
+                <p14:cNvPr id="218" name="筆跡 217">
+                  <a:extLst>
+                    <a:ext uri="{FF2B5EF4-FFF2-40B4-BE49-F238E27FC236}">
+                      <a16:creationId xmlns:a16="http://schemas.microsoft.com/office/drawing/2014/main" id="{BBE8261D-5BA7-48B9-9145-827E2C9FD718}"/>
+                    </a:ext>
+                  </a:extLst>
+                </p14:cNvPr>
+                <p14:cNvContentPartPr/>
+                <p14:nvPr/>
+              </p14:nvContentPartPr>
+              <p14:xfrm>
+                <a:off x="4598865" y="2791695"/>
+                <a:ext cx="374" cy="2117"/>
+              </p14:xfrm>
+            </p:contentPart>
+          </mc:Choice>
+          <mc:Fallback xmlns="">
+            <p:pic>
+              <p:nvPicPr>
+                <p:cNvPr id="50" name="筆跡 49">
+                  <a:extLst>
+                    <a:ext uri="{FF2B5EF4-FFF2-40B4-BE49-F238E27FC236}">
+                      <a16:creationId xmlns:a16="http://schemas.microsoft.com/office/drawing/2014/main" id="{055A99C0-901F-841D-8D6D-C33C09A56C16}"/>
+                    </a:ext>
+                  </a:extLst>
+                </p:cNvPr>
+                <p:cNvPicPr/>
+                <p:nvPr/>
+              </p:nvPicPr>
+              <p:blipFill>
+                <a:blip r:embed="rId6"/>
+                <a:stretch>
+                  <a:fillRect/>
+                </a:stretch>
+              </p:blipFill>
+              <p:spPr>
+                <a:xfrm>
+                  <a:off x="4580165" y="2774053"/>
+                  <a:ext cx="37400" cy="37048"/>
+                </a:xfrm>
+                <a:prstGeom prst="rect">
+                  <a:avLst/>
+                </a:prstGeom>
+              </p:spPr>
+            </p:pic>
+          </mc:Fallback>
+        </mc:AlternateContent>
+        <mc:AlternateContent xmlns:mc="http://schemas.openxmlformats.org/markup-compatibility/2006" xmlns:p14="http://schemas.microsoft.com/office/powerpoint/2010/main">
+          <mc:Choice Requires="p14">
+            <p:contentPart p14:bwMode="auto" r:id="rId7">
+              <p14:nvContentPartPr>
+                <p14:cNvPr id="219" name="筆跡 218">
+                  <a:extLst>
+                    <a:ext uri="{FF2B5EF4-FFF2-40B4-BE49-F238E27FC236}">
+                      <a16:creationId xmlns:a16="http://schemas.microsoft.com/office/drawing/2014/main" id="{870107D8-4F8E-4908-B6EB-9FB30B701A20}"/>
+                    </a:ext>
+                  </a:extLst>
+                </p14:cNvPr>
+                <p14:cNvContentPartPr/>
+                <p14:nvPr/>
+              </p14:nvContentPartPr>
+              <p14:xfrm>
+                <a:off x="4599239" y="2974449"/>
+                <a:ext cx="374" cy="353"/>
+              </p14:xfrm>
+            </p:contentPart>
+          </mc:Choice>
+          <mc:Fallback xmlns="">
+            <p:pic>
+              <p:nvPicPr>
+                <p:cNvPr id="51" name="筆跡 50">
+                  <a:extLst>
+                    <a:ext uri="{FF2B5EF4-FFF2-40B4-BE49-F238E27FC236}">
+                      <a16:creationId xmlns:a16="http://schemas.microsoft.com/office/drawing/2014/main" id="{3ED1C678-9FA1-D946-AF24-A7AD3B48335E}"/>
+                    </a:ext>
+                  </a:extLst>
+                </p:cNvPr>
+                <p:cNvPicPr/>
+                <p:nvPr/>
+              </p:nvPicPr>
+              <p:blipFill>
+                <a:blip r:embed="rId8"/>
+                <a:stretch>
+                  <a:fillRect/>
+                </a:stretch>
+              </p:blipFill>
+              <p:spPr>
+                <a:xfrm>
+                  <a:off x="4580539" y="2956799"/>
+                  <a:ext cx="37400" cy="35300"/>
+                </a:xfrm>
+                <a:prstGeom prst="rect">
+                  <a:avLst/>
+                </a:prstGeom>
+              </p:spPr>
+            </p:pic>
+          </mc:Fallback>
+        </mc:AlternateContent>
+        <mc:AlternateContent xmlns:mc="http://schemas.openxmlformats.org/markup-compatibility/2006" xmlns:p14="http://schemas.microsoft.com/office/powerpoint/2010/main">
+          <mc:Choice Requires="p14">
+            <p:contentPart p14:bwMode="auto" r:id="rId9">
+              <p14:nvContentPartPr>
+                <p14:cNvPr id="220" name="筆跡 219">
+                  <a:extLst>
+                    <a:ext uri="{FF2B5EF4-FFF2-40B4-BE49-F238E27FC236}">
+                      <a16:creationId xmlns:a16="http://schemas.microsoft.com/office/drawing/2014/main" id="{B5BB1515-F04B-4A65-BBE3-5AC0CC9C6717}"/>
+                    </a:ext>
+                  </a:extLst>
+                </p14:cNvPr>
+                <p14:cNvContentPartPr/>
+                <p14:nvPr/>
+              </p14:nvContentPartPr>
+              <p14:xfrm>
+                <a:off x="4609007" y="3158638"/>
+                <a:ext cx="374" cy="353"/>
+              </p14:xfrm>
+            </p:contentPart>
+          </mc:Choice>
+          <mc:Fallback xmlns="">
+            <p:pic>
+              <p:nvPicPr>
+                <p:cNvPr id="52" name="筆跡 51">
+                  <a:extLst>
+                    <a:ext uri="{FF2B5EF4-FFF2-40B4-BE49-F238E27FC236}">
+                      <a16:creationId xmlns:a16="http://schemas.microsoft.com/office/drawing/2014/main" id="{7FF98F7A-6899-C712-B4F7-9E756235907F}"/>
+                    </a:ext>
+                  </a:extLst>
+                </p:cNvPr>
+                <p:cNvPicPr/>
+                <p:nvPr/>
+              </p:nvPicPr>
+              <p:blipFill>
+                <a:blip r:embed="rId8"/>
+                <a:stretch>
+                  <a:fillRect/>
+                </a:stretch>
+              </p:blipFill>
+              <p:spPr>
+                <a:xfrm>
+                  <a:off x="4590307" y="3140988"/>
+                  <a:ext cx="37400" cy="35300"/>
+                </a:xfrm>
+                <a:prstGeom prst="rect">
+                  <a:avLst/>
+                </a:prstGeom>
+              </p:spPr>
+            </p:pic>
+          </mc:Fallback>
+        </mc:AlternateContent>
+      </p:grpSp>
+      <p:pic>
+        <p:nvPicPr>
+          <p:cNvPr id="282" name="圖片 281">
+            <a:extLst>
+              <a:ext uri="{FF2B5EF4-FFF2-40B4-BE49-F238E27FC236}">
+                <a16:creationId xmlns:a16="http://schemas.microsoft.com/office/drawing/2014/main" id="{6C359A66-6DA7-48C7-9A3E-6B0317209E45}"/>
+              </a:ext>
+            </a:extLst>
+          </p:cNvPr>
+          <p:cNvPicPr>
+            <a:picLocks noChangeAspect="1"/>
+          </p:cNvPicPr>
+          <p:nvPr/>
+        </p:nvPicPr>
+        <p:blipFill>
+          <a:blip r:embed="rId10"/>
+          <a:stretch>
+            <a:fillRect/>
+          </a:stretch>
+        </p:blipFill>
+        <p:spPr>
+          <a:xfrm>
+            <a:off x="1206135" y="1768308"/>
+            <a:ext cx="9711189" cy="4301909"/>
+          </a:xfrm>
+          <a:prstGeom prst="rect">
+            <a:avLst/>
+          </a:prstGeom>
+        </p:spPr>
+      </p:pic>
     </p:spTree>
     <p:extLst>
       <p:ext uri="{BB962C8B-B14F-4D97-AF65-F5344CB8AC3E}">

--- a/report/以SDR實現OTSM通訊技術.pptx
+++ b/report/以SDR實現OTSM通訊技術.pptx
@@ -34357,10 +34357,10 @@
       </p:grpSp>
       <p:pic>
         <p:nvPicPr>
-          <p:cNvPr id="282" name="圖片 281">
+          <p:cNvPr id="4" name="圖片 3">
             <a:extLst>
               <a:ext uri="{FF2B5EF4-FFF2-40B4-BE49-F238E27FC236}">
-                <a16:creationId xmlns:a16="http://schemas.microsoft.com/office/drawing/2014/main" id="{6C359A66-6DA7-48C7-9A3E-6B0317209E45}"/>
+                <a16:creationId xmlns:a16="http://schemas.microsoft.com/office/drawing/2014/main" id="{ADFD0B25-40C1-403D-B1B0-14080707D670}"/>
               </a:ext>
             </a:extLst>
           </p:cNvPr>
@@ -34377,8 +34377,8 @@
         </p:blipFill>
         <p:spPr>
           <a:xfrm>
-            <a:off x="1206135" y="1768308"/>
-            <a:ext cx="9711189" cy="4301909"/>
+            <a:off x="1445381" y="1646015"/>
+            <a:ext cx="10356735" cy="4587875"/>
           </a:xfrm>
           <a:prstGeom prst="rect">
             <a:avLst/>

--- a/report/以SDR實現OTSM通訊技術.pptx
+++ b/report/以SDR實現OTSM通訊技術.pptx
@@ -29403,6 +29403,229 @@
           <a:bodyPr/>
           <a:lstStyle/>
           <a:p>
+            <a:pPr marL="457200" indent="-457200">
+              <a:spcBef>
+                <a:spcPts val="300"/>
+              </a:spcBef>
+              <a:buFont typeface="Arial" panose="020B0604020202020204" pitchFamily="34" charset="0"/>
+              <a:buChar char="•"/>
+            </a:pPr>
+            <a:r>
+              <a:rPr lang="zh-TW" altLang="en-US" sz="1800" dirty="0">
+                <a:latin typeface="標楷體" panose="03000509000000000000" pitchFamily="65" charset="-120"/>
+                <a:ea typeface="標楷體" panose="03000509000000000000" pitchFamily="65" charset="-120"/>
+              </a:rPr>
+              <a:t>參考學長與網路上的</a:t>
+            </a:r>
+            <a:r>
+              <a:rPr lang="en-US" altLang="zh-TW" sz="1800" dirty="0" err="1">
+                <a:latin typeface="標楷體" panose="03000509000000000000" pitchFamily="65" charset="-120"/>
+                <a:ea typeface="標楷體" panose="03000509000000000000" pitchFamily="65" charset="-120"/>
+              </a:rPr>
+              <a:t>Matlab</a:t>
+            </a:r>
+            <a:r>
+              <a:rPr lang="zh-TW" altLang="en-US" sz="1800" dirty="0">
+                <a:latin typeface="標楷體" panose="03000509000000000000" pitchFamily="65" charset="-120"/>
+                <a:ea typeface="標楷體" panose="03000509000000000000" pitchFamily="65" charset="-120"/>
+              </a:rPr>
+              <a:t>程式</a:t>
+            </a:r>
+            <a:r>
+              <a:rPr lang="en-US" altLang="zh-TW" sz="1800" dirty="0">
+                <a:latin typeface="標楷體" panose="03000509000000000000" pitchFamily="65" charset="-120"/>
+                <a:ea typeface="標楷體" panose="03000509000000000000" pitchFamily="65" charset="-120"/>
+              </a:rPr>
+              <a:t>(</a:t>
+            </a:r>
+            <a:r>
+              <a:rPr lang="zh-TW" altLang="en-US" sz="1800" dirty="0">
+                <a:latin typeface="標楷體" panose="03000509000000000000" pitchFamily="65" charset="-120"/>
+                <a:ea typeface="標楷體" panose="03000509000000000000" pitchFamily="65" charset="-120"/>
+              </a:rPr>
+              <a:t>僅有</a:t>
+            </a:r>
+            <a:r>
+              <a:rPr lang="en-US" altLang="zh-TW" sz="1800" dirty="0">
+                <a:latin typeface="標楷體" panose="03000509000000000000" pitchFamily="65" charset="-120"/>
+                <a:ea typeface="標楷體" panose="03000509000000000000" pitchFamily="65" charset="-120"/>
+              </a:rPr>
+              <a:t>OFDM</a:t>
+            </a:r>
+            <a:r>
+              <a:rPr lang="zh-TW" altLang="en-US" sz="1800" dirty="0">
+                <a:latin typeface="標楷體" panose="03000509000000000000" pitchFamily="65" charset="-120"/>
+                <a:ea typeface="標楷體" panose="03000509000000000000" pitchFamily="65" charset="-120"/>
+              </a:rPr>
+              <a:t>收發機</a:t>
+            </a:r>
+            <a:r>
+              <a:rPr lang="en-US" altLang="zh-TW" sz="1800" dirty="0">
+                <a:latin typeface="標楷體" panose="03000509000000000000" pitchFamily="65" charset="-120"/>
+                <a:ea typeface="標楷體" panose="03000509000000000000" pitchFamily="65" charset="-120"/>
+              </a:rPr>
+              <a:t>&amp;OTSM</a:t>
+            </a:r>
+            <a:r>
+              <a:rPr lang="zh-TW" altLang="en-US" sz="1800" dirty="0">
+                <a:latin typeface="標楷體" panose="03000509000000000000" pitchFamily="65" charset="-120"/>
+                <a:ea typeface="標楷體" panose="03000509000000000000" pitchFamily="65" charset="-120"/>
+              </a:rPr>
+              <a:t>數</a:t>
+            </a:r>
+            <a:r>
+              <a:rPr lang="zh-TW" altLang="en-US" dirty="0">
+                <a:latin typeface="標楷體" panose="03000509000000000000" pitchFamily="65" charset="-120"/>
+                <a:ea typeface="標楷體" panose="03000509000000000000" pitchFamily="65" charset="-120"/>
+              </a:rPr>
+              <a:t>學模型</a:t>
+            </a:r>
+            <a:r>
+              <a:rPr lang="en-US" altLang="zh-TW" sz="1800" dirty="0">
+                <a:latin typeface="標楷體" panose="03000509000000000000" pitchFamily="65" charset="-120"/>
+                <a:ea typeface="標楷體" panose="03000509000000000000" pitchFamily="65" charset="-120"/>
+              </a:rPr>
+              <a:t>)</a:t>
+            </a:r>
+            <a:r>
+              <a:rPr lang="zh-TW" altLang="en-US" sz="1800" dirty="0">
+                <a:latin typeface="標楷體" panose="03000509000000000000" pitchFamily="65" charset="-120"/>
+                <a:ea typeface="標楷體" panose="03000509000000000000" pitchFamily="65" charset="-120"/>
+              </a:rPr>
+              <a:t>，自行消化理解後，改變</a:t>
+            </a:r>
+            <a:r>
+              <a:rPr lang="en-US" altLang="zh-TW" sz="1800" dirty="0">
+                <a:latin typeface="標楷體" panose="03000509000000000000" pitchFamily="65" charset="-120"/>
+                <a:ea typeface="標楷體" panose="03000509000000000000" pitchFamily="65" charset="-120"/>
+              </a:rPr>
+              <a:t>OFDM</a:t>
+            </a:r>
+            <a:r>
+              <a:rPr lang="zh-TW" altLang="en-US" sz="1800" dirty="0">
+                <a:latin typeface="標楷體" panose="03000509000000000000" pitchFamily="65" charset="-120"/>
+                <a:ea typeface="標楷體" panose="03000509000000000000" pitchFamily="65" charset="-120"/>
+              </a:rPr>
+              <a:t>改成</a:t>
+            </a:r>
+            <a:r>
+              <a:rPr lang="en-US" altLang="zh-TW" sz="1800" dirty="0">
+                <a:latin typeface="標楷體" panose="03000509000000000000" pitchFamily="65" charset="-120"/>
+                <a:ea typeface="標楷體" panose="03000509000000000000" pitchFamily="65" charset="-120"/>
+              </a:rPr>
+              <a:t>OTSM</a:t>
+            </a:r>
+            <a:r>
+              <a:rPr lang="zh-TW" altLang="en-US" sz="1800" dirty="0">
+                <a:latin typeface="標楷體" panose="03000509000000000000" pitchFamily="65" charset="-120"/>
+                <a:ea typeface="標楷體" panose="03000509000000000000" pitchFamily="65" charset="-120"/>
+              </a:rPr>
+              <a:t>系統。</a:t>
+            </a:r>
+          </a:p>
+          <a:p>
+            <a:pPr marL="457200" indent="-457200">
+              <a:spcBef>
+                <a:spcPts val="300"/>
+              </a:spcBef>
+              <a:buFont typeface="Arial" panose="020B0604020202020204" pitchFamily="34" charset="0"/>
+              <a:buChar char="•"/>
+            </a:pPr>
+            <a:r>
+              <a:rPr lang="zh-TW" altLang="en-US" sz="1800" dirty="0">
+                <a:latin typeface="標楷體" panose="03000509000000000000" pitchFamily="65" charset="-120"/>
+                <a:ea typeface="標楷體" panose="03000509000000000000" pitchFamily="65" charset="-120"/>
+              </a:rPr>
+              <a:t>嘗試將</a:t>
+            </a:r>
+            <a:r>
+              <a:rPr lang="en-US" altLang="zh-TW" sz="1800" dirty="0">
+                <a:latin typeface="標楷體" panose="03000509000000000000" pitchFamily="65" charset="-120"/>
+                <a:ea typeface="標楷體" panose="03000509000000000000" pitchFamily="65" charset="-120"/>
+              </a:rPr>
+              <a:t>Pluto</a:t>
+            </a:r>
+            <a:r>
+              <a:rPr lang="zh-TW" altLang="en-US" sz="1800" dirty="0">
+                <a:latin typeface="標楷體" panose="03000509000000000000" pitchFamily="65" charset="-120"/>
+                <a:ea typeface="標楷體" panose="03000509000000000000" pitchFamily="65" charset="-120"/>
+              </a:rPr>
+              <a:t>實現一台傳送一台接收</a:t>
+            </a:r>
+            <a:r>
+              <a:rPr lang="en-US" altLang="zh-TW" sz="1800" dirty="0">
+                <a:latin typeface="標楷體" panose="03000509000000000000" pitchFamily="65" charset="-120"/>
+                <a:ea typeface="標楷體" panose="03000509000000000000" pitchFamily="65" charset="-120"/>
+              </a:rPr>
+              <a:t>(</a:t>
+            </a:r>
+            <a:r>
+              <a:rPr lang="zh-TW" altLang="en-US" sz="1800" dirty="0">
+                <a:latin typeface="標楷體" panose="03000509000000000000" pitchFamily="65" charset="-120"/>
+                <a:ea typeface="標楷體" panose="03000509000000000000" pitchFamily="65" charset="-120"/>
+              </a:rPr>
+              <a:t>未完成</a:t>
+            </a:r>
+            <a:r>
+              <a:rPr lang="en-US" altLang="zh-TW" sz="1800" dirty="0">
+                <a:latin typeface="標楷體" panose="03000509000000000000" pitchFamily="65" charset="-120"/>
+                <a:ea typeface="標楷體" panose="03000509000000000000" pitchFamily="65" charset="-120"/>
+              </a:rPr>
+              <a:t>)</a:t>
+            </a:r>
+            <a:r>
+              <a:rPr lang="zh-TW" altLang="en-US" sz="1800" dirty="0">
+                <a:latin typeface="標楷體" panose="03000509000000000000" pitchFamily="65" charset="-120"/>
+                <a:ea typeface="標楷體" panose="03000509000000000000" pitchFamily="65" charset="-120"/>
+              </a:rPr>
+              <a:t>。</a:t>
+            </a:r>
+          </a:p>
+          <a:p>
+            <a:pPr marL="457200" indent="-457200">
+              <a:spcBef>
+                <a:spcPts val="300"/>
+              </a:spcBef>
+              <a:buFont typeface="Arial" panose="020B0604020202020204" pitchFamily="34" charset="0"/>
+              <a:buChar char="•"/>
+            </a:pPr>
+            <a:r>
+              <a:rPr lang="zh-TW" altLang="en-US" sz="1800" dirty="0">
+                <a:latin typeface="標楷體" panose="03000509000000000000" pitchFamily="65" charset="-120"/>
+                <a:ea typeface="標楷體" panose="03000509000000000000" pitchFamily="65" charset="-120"/>
+              </a:rPr>
+              <a:t>使用</a:t>
+            </a:r>
+            <a:r>
+              <a:rPr lang="en-US" altLang="zh-TW" sz="1800" dirty="0" err="1">
+                <a:latin typeface="標楷體" panose="03000509000000000000" pitchFamily="65" charset="-120"/>
+                <a:ea typeface="標楷體" panose="03000509000000000000" pitchFamily="65" charset="-120"/>
+              </a:rPr>
+              <a:t>Matlab</a:t>
+            </a:r>
+            <a:r>
+              <a:rPr lang="zh-TW" altLang="en-US" sz="1800" dirty="0">
+                <a:latin typeface="標楷體" panose="03000509000000000000" pitchFamily="65" charset="-120"/>
+                <a:ea typeface="標楷體" panose="03000509000000000000" pitchFamily="65" charset="-120"/>
+              </a:rPr>
+              <a:t>生成比較圖形，可以更直觀的表示不同情況下的數據變化。比如，可以繪製不同傳送接收間的距離下的錯誤率比較圖，以顯示距離對錯誤率的影響。此外，還比較了使用</a:t>
+            </a:r>
+            <a:r>
+              <a:rPr lang="en-US" altLang="zh-TW" sz="1800" dirty="0">
+                <a:latin typeface="標楷體" panose="03000509000000000000" pitchFamily="65" charset="-120"/>
+                <a:ea typeface="標楷體" panose="03000509000000000000" pitchFamily="65" charset="-120"/>
+              </a:rPr>
+              <a:t>OTSM</a:t>
+            </a:r>
+            <a:r>
+              <a:rPr lang="zh-TW" altLang="en-US" sz="1800" dirty="0">
+                <a:latin typeface="標楷體" panose="03000509000000000000" pitchFamily="65" charset="-120"/>
+                <a:ea typeface="標楷體" panose="03000509000000000000" pitchFamily="65" charset="-120"/>
+              </a:rPr>
+              <a:t>理想與實際通道的錯誤率。</a:t>
+            </a:r>
+          </a:p>
+          <a:p>
             <a:pPr marL="0" indent="0">
               <a:buNone/>
             </a:pPr>
@@ -32800,15 +33023,7 @@
           <a:p>
             <a:r>
               <a:rPr lang="zh-TW" altLang="en-US" sz="2800" dirty="0"/>
-              <a:t>首先，我們將介紹一些基礎概念，並在中間比較與</a:t>
-            </a:r>
-            <a:r>
-              <a:rPr lang="en-US" altLang="zh-TW" sz="2800" dirty="0"/>
-              <a:t>OTSM</a:t>
-            </a:r>
-            <a:r>
-              <a:rPr lang="zh-TW" altLang="en-US" sz="2800" dirty="0"/>
-              <a:t>，最後展現成果與貢獻。</a:t>
+              <a:t>首先，我們將介紹一些基礎概念，並在中間講解程式的部分，最後展現成果與貢獻。</a:t>
             </a:r>
           </a:p>
           <a:p>

--- a/report/以SDR實現OTSM通訊技術.pptx
+++ b/report/以SDR實現OTSM通訊技術.pptx
@@ -5,7 +5,7 @@
     <p:sldMasterId id="2147483678" r:id="rId1"/>
   </p:sldMasterIdLst>
   <p:notesMasterIdLst>
-    <p:notesMasterId r:id="rId22"/>
+    <p:notesMasterId r:id="rId21"/>
   </p:notesMasterIdLst>
   <p:sldIdLst>
     <p:sldId id="256" r:id="rId2"/>
@@ -26,8 +26,7 @@
     <p:sldId id="285" r:id="rId17"/>
     <p:sldId id="277" r:id="rId18"/>
     <p:sldId id="278" r:id="rId19"/>
-    <p:sldId id="279" r:id="rId20"/>
-    <p:sldId id="280" r:id="rId21"/>
+    <p:sldId id="280" r:id="rId20"/>
   </p:sldIdLst>
   <p:sldSz cx="12192000" cy="6858000"/>
   <p:notesSz cx="6858000" cy="9144000"/>
@@ -1806,14 +1805,35 @@
         </dgm:presLayoutVars>
       </dgm:prSet>
       <dgm:spPr/>
+      <dgm:t>
+        <a:bodyPr/>
+        <a:lstStyle/>
+        <a:p>
+          <a:endParaRPr lang="zh-TW" altLang="en-US"/>
+        </a:p>
+      </dgm:t>
     </dgm:pt>
     <dgm:pt modelId="{5DCD91DB-AEF7-4C9B-BD53-8B818AE7A5C2}" type="pres">
       <dgm:prSet presAssocID="{510E1544-9B0B-4E5E-A21A-74C154EC99BB}" presName="sibTrans" presStyleLbl="sibTrans2D1" presStyleIdx="0" presStyleCnt="2"/>
       <dgm:spPr/>
+      <dgm:t>
+        <a:bodyPr/>
+        <a:lstStyle/>
+        <a:p>
+          <a:endParaRPr lang="zh-TW" altLang="en-US"/>
+        </a:p>
+      </dgm:t>
     </dgm:pt>
     <dgm:pt modelId="{3053149E-F4D6-4274-BA65-86C7B0CA7EE2}" type="pres">
       <dgm:prSet presAssocID="{510E1544-9B0B-4E5E-A21A-74C154EC99BB}" presName="connectorText" presStyleLbl="sibTrans2D1" presStyleIdx="0" presStyleCnt="2"/>
       <dgm:spPr/>
+      <dgm:t>
+        <a:bodyPr/>
+        <a:lstStyle/>
+        <a:p>
+          <a:endParaRPr lang="zh-TW" altLang="en-US"/>
+        </a:p>
+      </dgm:t>
     </dgm:pt>
     <dgm:pt modelId="{501B0B5C-0A9B-4712-8139-5AB722F892AE}" type="pres">
       <dgm:prSet presAssocID="{2F0BB623-C310-4F34-A614-8383840D288F}" presName="node" presStyleLbl="node1" presStyleIdx="1" presStyleCnt="3">
@@ -1822,14 +1842,35 @@
         </dgm:presLayoutVars>
       </dgm:prSet>
       <dgm:spPr/>
+      <dgm:t>
+        <a:bodyPr/>
+        <a:lstStyle/>
+        <a:p>
+          <a:endParaRPr lang="zh-TW" altLang="en-US"/>
+        </a:p>
+      </dgm:t>
     </dgm:pt>
     <dgm:pt modelId="{4C06B492-B4CF-4662-994E-B742043CDBA6}" type="pres">
       <dgm:prSet presAssocID="{B3ED31B1-2659-4ACB-A056-32D27D08A6EF}" presName="sibTrans" presStyleLbl="sibTrans2D1" presStyleIdx="1" presStyleCnt="2"/>
       <dgm:spPr/>
+      <dgm:t>
+        <a:bodyPr/>
+        <a:lstStyle/>
+        <a:p>
+          <a:endParaRPr lang="zh-TW" altLang="en-US"/>
+        </a:p>
+      </dgm:t>
     </dgm:pt>
     <dgm:pt modelId="{715D3F0F-C5CB-406C-9764-737C7C1638E6}" type="pres">
       <dgm:prSet presAssocID="{B3ED31B1-2659-4ACB-A056-32D27D08A6EF}" presName="connectorText" presStyleLbl="sibTrans2D1" presStyleIdx="1" presStyleCnt="2"/>
       <dgm:spPr/>
+      <dgm:t>
+        <a:bodyPr/>
+        <a:lstStyle/>
+        <a:p>
+          <a:endParaRPr lang="zh-TW" altLang="en-US"/>
+        </a:p>
+      </dgm:t>
     </dgm:pt>
     <dgm:pt modelId="{F8307AB0-8E3F-4030-91DA-849DB5B98DC2}" type="pres">
       <dgm:prSet presAssocID="{94E5E8AF-0109-41B5-AD0E-4DA7AD85FEFD}" presName="node" presStyleLbl="node1" presStyleIdx="2" presStyleCnt="3">
@@ -1838,20 +1879,27 @@
         </dgm:presLayoutVars>
       </dgm:prSet>
       <dgm:spPr/>
+      <dgm:t>
+        <a:bodyPr/>
+        <a:lstStyle/>
+        <a:p>
+          <a:endParaRPr lang="zh-TW" altLang="en-US"/>
+        </a:p>
+      </dgm:t>
     </dgm:pt>
   </dgm:ptLst>
   <dgm:cxnLst>
-    <dgm:cxn modelId="{24755E3E-C775-4F43-94FB-4C706A911360}" type="presOf" srcId="{B3ED31B1-2659-4ACB-A056-32D27D08A6EF}" destId="{4C06B492-B4CF-4662-994E-B742043CDBA6}" srcOrd="0" destOrd="0" presId="urn:microsoft.com/office/officeart/2005/8/layout/process1"/>
+    <dgm:cxn modelId="{8F64F8E6-C469-43B5-B5E8-EC3AE35AB88C}" type="presOf" srcId="{2F0BB623-C310-4F34-A614-8383840D288F}" destId="{501B0B5C-0A9B-4712-8139-5AB722F892AE}" srcOrd="0" destOrd="0" presId="urn:microsoft.com/office/officeart/2005/8/layout/process1"/>
+    <dgm:cxn modelId="{F6F31997-62E6-4170-BF59-BE34A1A74105}" srcId="{D14C185C-1C2F-43C5-B3F7-03E2FD8DCA20}" destId="{2F0BB623-C310-4F34-A614-8383840D288F}" srcOrd="1" destOrd="0" parTransId="{7FEA6977-7515-40FE-8B46-76C8A4B4FEBC}" sibTransId="{B3ED31B1-2659-4ACB-A056-32D27D08A6EF}"/>
+    <dgm:cxn modelId="{842B5DB3-BFAF-46D0-84BB-E28431233374}" srcId="{D14C185C-1C2F-43C5-B3F7-03E2FD8DCA20}" destId="{373F3D73-4163-460C-825F-AB90F0BD274A}" srcOrd="0" destOrd="0" parTransId="{00E5234B-BC00-402C-A4DC-5B7D87217C7B}" sibTransId="{510E1544-9B0B-4E5E-A21A-74C154EC99BB}"/>
+    <dgm:cxn modelId="{FC026DDC-6B9B-4E3A-ADF6-C724CBB2F3D0}" type="presOf" srcId="{94E5E8AF-0109-41B5-AD0E-4DA7AD85FEFD}" destId="{F8307AB0-8E3F-4030-91DA-849DB5B98DC2}" srcOrd="0" destOrd="0" presId="urn:microsoft.com/office/officeart/2005/8/layout/process1"/>
     <dgm:cxn modelId="{783D2856-2CC3-47A0-AB40-5DBEC579208A}" type="presOf" srcId="{D14C185C-1C2F-43C5-B3F7-03E2FD8DCA20}" destId="{0845D703-486E-420E-9274-3700A0D2E42F}" srcOrd="0" destOrd="0" presId="urn:microsoft.com/office/officeart/2005/8/layout/process1"/>
     <dgm:cxn modelId="{ED6A0291-B8AD-4213-AF49-B17AF0DD26FB}" type="presOf" srcId="{373F3D73-4163-460C-825F-AB90F0BD274A}" destId="{2CE79DA6-23CB-40EF-B25E-2E7E21767DB0}" srcOrd="0" destOrd="0" presId="urn:microsoft.com/office/officeart/2005/8/layout/process1"/>
-    <dgm:cxn modelId="{F6F31997-62E6-4170-BF59-BE34A1A74105}" srcId="{D14C185C-1C2F-43C5-B3F7-03E2FD8DCA20}" destId="{2F0BB623-C310-4F34-A614-8383840D288F}" srcOrd="1" destOrd="0" parTransId="{7FEA6977-7515-40FE-8B46-76C8A4B4FEBC}" sibTransId="{B3ED31B1-2659-4ACB-A056-32D27D08A6EF}"/>
-    <dgm:cxn modelId="{842B5DB3-BFAF-46D0-84BB-E28431233374}" srcId="{D14C185C-1C2F-43C5-B3F7-03E2FD8DCA20}" destId="{373F3D73-4163-460C-825F-AB90F0BD274A}" srcOrd="0" destOrd="0" parTransId="{00E5234B-BC00-402C-A4DC-5B7D87217C7B}" sibTransId="{510E1544-9B0B-4E5E-A21A-74C154EC99BB}"/>
+    <dgm:cxn modelId="{CCD4CFC3-8CB9-4BD5-B289-EB24AA63AAFC}" type="presOf" srcId="{510E1544-9B0B-4E5E-A21A-74C154EC99BB}" destId="{5DCD91DB-AEF7-4C9B-BD53-8B818AE7A5C2}" srcOrd="0" destOrd="0" presId="urn:microsoft.com/office/officeart/2005/8/layout/process1"/>
+    <dgm:cxn modelId="{D1F5C7F5-FF31-49AC-8A04-274782995C75}" type="presOf" srcId="{510E1544-9B0B-4E5E-A21A-74C154EC99BB}" destId="{3053149E-F4D6-4274-BA65-86C7B0CA7EE2}" srcOrd="1" destOrd="0" presId="urn:microsoft.com/office/officeart/2005/8/layout/process1"/>
+    <dgm:cxn modelId="{24755E3E-C775-4F43-94FB-4C706A911360}" type="presOf" srcId="{B3ED31B1-2659-4ACB-A056-32D27D08A6EF}" destId="{4C06B492-B4CF-4662-994E-B742043CDBA6}" srcOrd="0" destOrd="0" presId="urn:microsoft.com/office/officeart/2005/8/layout/process1"/>
     <dgm:cxn modelId="{F0E147BA-BB1F-4975-8167-3A41330F994E}" type="presOf" srcId="{B3ED31B1-2659-4ACB-A056-32D27D08A6EF}" destId="{715D3F0F-C5CB-406C-9764-737C7C1638E6}" srcOrd="1" destOrd="0" presId="urn:microsoft.com/office/officeart/2005/8/layout/process1"/>
-    <dgm:cxn modelId="{CCD4CFC3-8CB9-4BD5-B289-EB24AA63AAFC}" type="presOf" srcId="{510E1544-9B0B-4E5E-A21A-74C154EC99BB}" destId="{5DCD91DB-AEF7-4C9B-BD53-8B818AE7A5C2}" srcOrd="0" destOrd="0" presId="urn:microsoft.com/office/officeart/2005/8/layout/process1"/>
     <dgm:cxn modelId="{18AB6BD2-D883-4837-90CD-D004B6890F8F}" srcId="{D14C185C-1C2F-43C5-B3F7-03E2FD8DCA20}" destId="{94E5E8AF-0109-41B5-AD0E-4DA7AD85FEFD}" srcOrd="2" destOrd="0" parTransId="{4B4731E8-B722-4A8D-879D-71D770D64E16}" sibTransId="{5EDB3883-65F1-43C5-B2B6-715EFF19ECC3}"/>
-    <dgm:cxn modelId="{FC026DDC-6B9B-4E3A-ADF6-C724CBB2F3D0}" type="presOf" srcId="{94E5E8AF-0109-41B5-AD0E-4DA7AD85FEFD}" destId="{F8307AB0-8E3F-4030-91DA-849DB5B98DC2}" srcOrd="0" destOrd="0" presId="urn:microsoft.com/office/officeart/2005/8/layout/process1"/>
-    <dgm:cxn modelId="{8F64F8E6-C469-43B5-B5E8-EC3AE35AB88C}" type="presOf" srcId="{2F0BB623-C310-4F34-A614-8383840D288F}" destId="{501B0B5C-0A9B-4712-8139-5AB722F892AE}" srcOrd="0" destOrd="0" presId="urn:microsoft.com/office/officeart/2005/8/layout/process1"/>
-    <dgm:cxn modelId="{D1F5C7F5-FF31-49AC-8A04-274782995C75}" type="presOf" srcId="{510E1544-9B0B-4E5E-A21A-74C154EC99BB}" destId="{3053149E-F4D6-4274-BA65-86C7B0CA7EE2}" srcOrd="1" destOrd="0" presId="urn:microsoft.com/office/officeart/2005/8/layout/process1"/>
     <dgm:cxn modelId="{FAFBA5ED-5A37-4064-B4A2-75A971CC3268}" type="presParOf" srcId="{0845D703-486E-420E-9274-3700A0D2E42F}" destId="{2CE79DA6-23CB-40EF-B25E-2E7E21767DB0}" srcOrd="0" destOrd="0" presId="urn:microsoft.com/office/officeart/2005/8/layout/process1"/>
     <dgm:cxn modelId="{B192C275-C3F4-4265-AADD-2C1838C8AD5A}" type="presParOf" srcId="{0845D703-486E-420E-9274-3700A0D2E42F}" destId="{5DCD91DB-AEF7-4C9B-BD53-8B818AE7A5C2}" srcOrd="1" destOrd="0" presId="urn:microsoft.com/office/officeart/2005/8/layout/process1"/>
     <dgm:cxn modelId="{96819B01-F420-4E26-A327-E989DB4F7FB8}" type="presParOf" srcId="{5DCD91DB-AEF7-4C9B-BD53-8B818AE7A5C2}" destId="{3053149E-F4D6-4274-BA65-86C7B0CA7EE2}" srcOrd="0" destOrd="0" presId="urn:microsoft.com/office/officeart/2005/8/layout/process1"/>
@@ -2192,6 +2240,13 @@
         </dgm:presLayoutVars>
       </dgm:prSet>
       <dgm:spPr/>
+      <dgm:t>
+        <a:bodyPr/>
+        <a:lstStyle/>
+        <a:p>
+          <a:endParaRPr lang="zh-TW" altLang="en-US"/>
+        </a:p>
+      </dgm:t>
     </dgm:pt>
     <dgm:pt modelId="{37CC57EE-2C61-4BEF-8871-3338219A9556}" type="pres">
       <dgm:prSet presAssocID="{3841A661-9951-4A9C-BD92-1E214ED1A7F1}" presName="node" presStyleLbl="node1" presStyleIdx="0" presStyleCnt="5">
@@ -2200,14 +2255,35 @@
         </dgm:presLayoutVars>
       </dgm:prSet>
       <dgm:spPr/>
+      <dgm:t>
+        <a:bodyPr/>
+        <a:lstStyle/>
+        <a:p>
+          <a:endParaRPr lang="zh-TW" altLang="en-US"/>
+        </a:p>
+      </dgm:t>
     </dgm:pt>
     <dgm:pt modelId="{602DA743-6056-422D-BD95-2E982C8777E3}" type="pres">
       <dgm:prSet presAssocID="{756101F8-E74F-47A0-88AA-37478E1324E3}" presName="sibTrans" presStyleLbl="sibTrans2D1" presStyleIdx="0" presStyleCnt="4"/>
       <dgm:spPr/>
+      <dgm:t>
+        <a:bodyPr/>
+        <a:lstStyle/>
+        <a:p>
+          <a:endParaRPr lang="zh-TW" altLang="en-US"/>
+        </a:p>
+      </dgm:t>
     </dgm:pt>
     <dgm:pt modelId="{36B23BB1-5C80-41D3-B5C8-95A6DF48DBB3}" type="pres">
       <dgm:prSet presAssocID="{756101F8-E74F-47A0-88AA-37478E1324E3}" presName="connectorText" presStyleLbl="sibTrans2D1" presStyleIdx="0" presStyleCnt="4"/>
       <dgm:spPr/>
+      <dgm:t>
+        <a:bodyPr/>
+        <a:lstStyle/>
+        <a:p>
+          <a:endParaRPr lang="zh-TW" altLang="en-US"/>
+        </a:p>
+      </dgm:t>
     </dgm:pt>
     <dgm:pt modelId="{7B16F990-18B9-4D6C-B176-426070597CF8}" type="pres">
       <dgm:prSet presAssocID="{4DE45646-C300-4293-898A-FF022B7A8FEC}" presName="node" presStyleLbl="node1" presStyleIdx="1" presStyleCnt="5">
@@ -2216,14 +2292,35 @@
         </dgm:presLayoutVars>
       </dgm:prSet>
       <dgm:spPr/>
+      <dgm:t>
+        <a:bodyPr/>
+        <a:lstStyle/>
+        <a:p>
+          <a:endParaRPr lang="zh-TW" altLang="en-US"/>
+        </a:p>
+      </dgm:t>
     </dgm:pt>
     <dgm:pt modelId="{3C52E922-05C7-42AA-9176-FEB57B8A5680}" type="pres">
       <dgm:prSet presAssocID="{D93979BF-3656-4712-9F7E-DB6980D33465}" presName="sibTrans" presStyleLbl="sibTrans2D1" presStyleIdx="1" presStyleCnt="4"/>
       <dgm:spPr/>
+      <dgm:t>
+        <a:bodyPr/>
+        <a:lstStyle/>
+        <a:p>
+          <a:endParaRPr lang="zh-TW" altLang="en-US"/>
+        </a:p>
+      </dgm:t>
     </dgm:pt>
     <dgm:pt modelId="{D7B2C42D-DBB1-487C-9662-09FCC8DF404A}" type="pres">
       <dgm:prSet presAssocID="{D93979BF-3656-4712-9F7E-DB6980D33465}" presName="connectorText" presStyleLbl="sibTrans2D1" presStyleIdx="1" presStyleCnt="4"/>
       <dgm:spPr/>
+      <dgm:t>
+        <a:bodyPr/>
+        <a:lstStyle/>
+        <a:p>
+          <a:endParaRPr lang="zh-TW" altLang="en-US"/>
+        </a:p>
+      </dgm:t>
     </dgm:pt>
     <dgm:pt modelId="{76F565FD-B22D-4E20-9E68-6737A94684D0}" type="pres">
       <dgm:prSet presAssocID="{9842FACB-53DA-4024-B6CB-EE11C52C5FCF}" presName="node" presStyleLbl="node1" presStyleIdx="2" presStyleCnt="5">
@@ -2232,14 +2329,35 @@
         </dgm:presLayoutVars>
       </dgm:prSet>
       <dgm:spPr/>
+      <dgm:t>
+        <a:bodyPr/>
+        <a:lstStyle/>
+        <a:p>
+          <a:endParaRPr lang="zh-TW" altLang="en-US"/>
+        </a:p>
+      </dgm:t>
     </dgm:pt>
     <dgm:pt modelId="{AA43AFA9-0BE9-488E-8186-653D69342068}" type="pres">
       <dgm:prSet presAssocID="{47A42E82-F7B5-4BA3-BE5D-5AC65D518851}" presName="sibTrans" presStyleLbl="sibTrans2D1" presStyleIdx="2" presStyleCnt="4"/>
       <dgm:spPr/>
+      <dgm:t>
+        <a:bodyPr/>
+        <a:lstStyle/>
+        <a:p>
+          <a:endParaRPr lang="zh-TW" altLang="en-US"/>
+        </a:p>
+      </dgm:t>
     </dgm:pt>
     <dgm:pt modelId="{8BCFD47B-7865-4BED-9116-37430C496C9D}" type="pres">
       <dgm:prSet presAssocID="{47A42E82-F7B5-4BA3-BE5D-5AC65D518851}" presName="connectorText" presStyleLbl="sibTrans2D1" presStyleIdx="2" presStyleCnt="4"/>
       <dgm:spPr/>
+      <dgm:t>
+        <a:bodyPr/>
+        <a:lstStyle/>
+        <a:p>
+          <a:endParaRPr lang="zh-TW" altLang="en-US"/>
+        </a:p>
+      </dgm:t>
     </dgm:pt>
     <dgm:pt modelId="{70F605AD-AA30-4AD0-B005-7FFA52A1F50A}" type="pres">
       <dgm:prSet presAssocID="{FEDA3F26-01B6-4969-A114-7ABFAEE737C7}" presName="node" presStyleLbl="node1" presStyleIdx="3" presStyleCnt="5">
@@ -2248,14 +2366,35 @@
         </dgm:presLayoutVars>
       </dgm:prSet>
       <dgm:spPr/>
+      <dgm:t>
+        <a:bodyPr/>
+        <a:lstStyle/>
+        <a:p>
+          <a:endParaRPr lang="zh-TW" altLang="en-US"/>
+        </a:p>
+      </dgm:t>
     </dgm:pt>
     <dgm:pt modelId="{F899D3A4-AACE-4351-8D2B-C90711F51E1E}" type="pres">
       <dgm:prSet presAssocID="{16550F19-24CF-4ABC-B1CC-FECB27126818}" presName="sibTrans" presStyleLbl="sibTrans2D1" presStyleIdx="3" presStyleCnt="4"/>
       <dgm:spPr/>
+      <dgm:t>
+        <a:bodyPr/>
+        <a:lstStyle/>
+        <a:p>
+          <a:endParaRPr lang="zh-TW" altLang="en-US"/>
+        </a:p>
+      </dgm:t>
     </dgm:pt>
     <dgm:pt modelId="{45E6E406-7772-448A-A05E-CD78783E8157}" type="pres">
       <dgm:prSet presAssocID="{16550F19-24CF-4ABC-B1CC-FECB27126818}" presName="connectorText" presStyleLbl="sibTrans2D1" presStyleIdx="3" presStyleCnt="4"/>
       <dgm:spPr/>
+      <dgm:t>
+        <a:bodyPr/>
+        <a:lstStyle/>
+        <a:p>
+          <a:endParaRPr lang="zh-TW" altLang="en-US"/>
+        </a:p>
+      </dgm:t>
     </dgm:pt>
     <dgm:pt modelId="{0F5CAC29-7CB1-4849-BDCB-86C230AA7034}" type="pres">
       <dgm:prSet presAssocID="{793924AF-61E2-402A-99A0-C3B3E57342F2}" presName="node" presStyleLbl="node1" presStyleIdx="4" presStyleCnt="5">
@@ -2264,28 +2403,35 @@
         </dgm:presLayoutVars>
       </dgm:prSet>
       <dgm:spPr/>
+      <dgm:t>
+        <a:bodyPr/>
+        <a:lstStyle/>
+        <a:p>
+          <a:endParaRPr lang="zh-TW" altLang="en-US"/>
+        </a:p>
+      </dgm:t>
     </dgm:pt>
   </dgm:ptLst>
   <dgm:cxnLst>
-    <dgm:cxn modelId="{BB3B5000-0AA1-4675-8502-1A5E60CFD19F}" type="presOf" srcId="{FDABFBC2-1BFD-4076-A05A-6C7F934E68D7}" destId="{72CC2932-FA6E-49B1-8F27-F0B21286E949}" srcOrd="0" destOrd="0" presId="urn:microsoft.com/office/officeart/2005/8/layout/process1"/>
+    <dgm:cxn modelId="{30BE2351-8689-4EC5-AF2E-B7E46AC2636C}" srcId="{FDABFBC2-1BFD-4076-A05A-6C7F934E68D7}" destId="{793924AF-61E2-402A-99A0-C3B3E57342F2}" srcOrd="4" destOrd="0" parTransId="{63A9F1FB-F697-4CA3-9B26-79F1BC32AF6F}" sibTransId="{44D9DA1C-167F-4B0B-B2B6-B05705FA3443}"/>
+    <dgm:cxn modelId="{058ED1C2-8409-4DF6-840A-23940991EEBF}" type="presOf" srcId="{47A42E82-F7B5-4BA3-BE5D-5AC65D518851}" destId="{8BCFD47B-7865-4BED-9116-37430C496C9D}" srcOrd="1" destOrd="0" presId="urn:microsoft.com/office/officeart/2005/8/layout/process1"/>
+    <dgm:cxn modelId="{30F8D8AE-C9E3-4CFE-994A-4830256C8B51}" type="presOf" srcId="{3841A661-9951-4A9C-BD92-1E214ED1A7F1}" destId="{37CC57EE-2C61-4BEF-8871-3338219A9556}" srcOrd="0" destOrd="0" presId="urn:microsoft.com/office/officeart/2005/8/layout/process1"/>
+    <dgm:cxn modelId="{84FE14D8-3BCF-47F6-B85F-2E8574712243}" srcId="{FDABFBC2-1BFD-4076-A05A-6C7F934E68D7}" destId="{9842FACB-53DA-4024-B6CB-EE11C52C5FCF}" srcOrd="2" destOrd="0" parTransId="{2BFEF379-1AD1-4288-81DA-34236DD15E7F}" sibTransId="{47A42E82-F7B5-4BA3-BE5D-5AC65D518851}"/>
+    <dgm:cxn modelId="{367FA860-0927-4193-99CC-915BA076983B}" type="presOf" srcId="{756101F8-E74F-47A0-88AA-37478E1324E3}" destId="{36B23BB1-5C80-41D3-B5C8-95A6DF48DBB3}" srcOrd="1" destOrd="0" presId="urn:microsoft.com/office/officeart/2005/8/layout/process1"/>
+    <dgm:cxn modelId="{0923B7DE-459B-4935-A243-854C5AA76C90}" type="presOf" srcId="{D93979BF-3656-4712-9F7E-DB6980D33465}" destId="{D7B2C42D-DBB1-487C-9662-09FCC8DF404A}" srcOrd="1" destOrd="0" presId="urn:microsoft.com/office/officeart/2005/8/layout/process1"/>
+    <dgm:cxn modelId="{5C9862F8-7806-4F17-B72E-02FE8EB139DB}" srcId="{FDABFBC2-1BFD-4076-A05A-6C7F934E68D7}" destId="{4DE45646-C300-4293-898A-FF022B7A8FEC}" srcOrd="1" destOrd="0" parTransId="{1CF0C8C9-4439-4D14-BC06-CA919B69D58B}" sibTransId="{D93979BF-3656-4712-9F7E-DB6980D33465}"/>
     <dgm:cxn modelId="{055FCD29-F5FA-490F-B406-E005660A5F8B}" type="presOf" srcId="{756101F8-E74F-47A0-88AA-37478E1324E3}" destId="{602DA743-6056-422D-BD95-2E982C8777E3}" srcOrd="0" destOrd="0" presId="urn:microsoft.com/office/officeart/2005/8/layout/process1"/>
+    <dgm:cxn modelId="{FB0CF2B4-D2D7-4A36-9B81-83F508F22C6E}" type="presOf" srcId="{16550F19-24CF-4ABC-B1CC-FECB27126818}" destId="{F899D3A4-AACE-4351-8D2B-C90711F51E1E}" srcOrd="0" destOrd="0" presId="urn:microsoft.com/office/officeart/2005/8/layout/process1"/>
+    <dgm:cxn modelId="{9D5EFDC8-C6A0-4F0A-81F9-B42EA3BDE570}" srcId="{FDABFBC2-1BFD-4076-A05A-6C7F934E68D7}" destId="{3841A661-9951-4A9C-BD92-1E214ED1A7F1}" srcOrd="0" destOrd="0" parTransId="{3F532559-3F70-495C-9B87-F9D9578E35F3}" sibTransId="{756101F8-E74F-47A0-88AA-37478E1324E3}"/>
+    <dgm:cxn modelId="{43F93158-FD52-4F0C-8F3B-C4C77B650101}" type="presOf" srcId="{FEDA3F26-01B6-4969-A114-7ABFAEE737C7}" destId="{70F605AD-AA30-4AD0-B005-7FFA52A1F50A}" srcOrd="0" destOrd="0" presId="urn:microsoft.com/office/officeart/2005/8/layout/process1"/>
     <dgm:cxn modelId="{1BE2D033-BC5E-4C7F-9558-949D151FFC1C}" type="presOf" srcId="{9842FACB-53DA-4024-B6CB-EE11C52C5FCF}" destId="{76F565FD-B22D-4E20-9E68-6737A94684D0}" srcOrd="0" destOrd="0" presId="urn:microsoft.com/office/officeart/2005/8/layout/process1"/>
-    <dgm:cxn modelId="{367FA860-0927-4193-99CC-915BA076983B}" type="presOf" srcId="{756101F8-E74F-47A0-88AA-37478E1324E3}" destId="{36B23BB1-5C80-41D3-B5C8-95A6DF48DBB3}" srcOrd="1" destOrd="0" presId="urn:microsoft.com/office/officeart/2005/8/layout/process1"/>
+    <dgm:cxn modelId="{CEB39990-B409-400E-B30A-F60714DCAC0A}" type="presOf" srcId="{47A42E82-F7B5-4BA3-BE5D-5AC65D518851}" destId="{AA43AFA9-0BE9-488E-8186-653D69342068}" srcOrd="0" destOrd="0" presId="urn:microsoft.com/office/officeart/2005/8/layout/process1"/>
     <dgm:cxn modelId="{C324BC62-A247-40ED-B23F-366217496CDA}" type="presOf" srcId="{D93979BF-3656-4712-9F7E-DB6980D33465}" destId="{3C52E922-05C7-42AA-9176-FEB57B8A5680}" srcOrd="0" destOrd="0" presId="urn:microsoft.com/office/officeart/2005/8/layout/process1"/>
     <dgm:cxn modelId="{F9DE8870-FAC2-4655-990C-BD5C32A73D7B}" srcId="{FDABFBC2-1BFD-4076-A05A-6C7F934E68D7}" destId="{FEDA3F26-01B6-4969-A114-7ABFAEE737C7}" srcOrd="3" destOrd="0" parTransId="{CDF14BF9-343D-46A4-BE7B-0D95D9B8F5EE}" sibTransId="{16550F19-24CF-4ABC-B1CC-FECB27126818}"/>
-    <dgm:cxn modelId="{30BE2351-8689-4EC5-AF2E-B7E46AC2636C}" srcId="{FDABFBC2-1BFD-4076-A05A-6C7F934E68D7}" destId="{793924AF-61E2-402A-99A0-C3B3E57342F2}" srcOrd="4" destOrd="0" parTransId="{63A9F1FB-F697-4CA3-9B26-79F1BC32AF6F}" sibTransId="{44D9DA1C-167F-4B0B-B2B6-B05705FA3443}"/>
-    <dgm:cxn modelId="{43F93158-FD52-4F0C-8F3B-C4C77B650101}" type="presOf" srcId="{FEDA3F26-01B6-4969-A114-7ABFAEE737C7}" destId="{70F605AD-AA30-4AD0-B005-7FFA52A1F50A}" srcOrd="0" destOrd="0" presId="urn:microsoft.com/office/officeart/2005/8/layout/process1"/>
+    <dgm:cxn modelId="{A08693A2-F7D1-4A1A-BB98-1698B0328EAD}" type="presOf" srcId="{793924AF-61E2-402A-99A0-C3B3E57342F2}" destId="{0F5CAC29-7CB1-4849-BDCB-86C230AA7034}" srcOrd="0" destOrd="0" presId="urn:microsoft.com/office/officeart/2005/8/layout/process1"/>
     <dgm:cxn modelId="{A524AA80-A41F-414D-B3DE-7CB57D2A7583}" type="presOf" srcId="{16550F19-24CF-4ABC-B1CC-FECB27126818}" destId="{45E6E406-7772-448A-A05E-CD78783E8157}" srcOrd="1" destOrd="0" presId="urn:microsoft.com/office/officeart/2005/8/layout/process1"/>
-    <dgm:cxn modelId="{CEB39990-B409-400E-B30A-F60714DCAC0A}" type="presOf" srcId="{47A42E82-F7B5-4BA3-BE5D-5AC65D518851}" destId="{AA43AFA9-0BE9-488E-8186-653D69342068}" srcOrd="0" destOrd="0" presId="urn:microsoft.com/office/officeart/2005/8/layout/process1"/>
-    <dgm:cxn modelId="{A08693A2-F7D1-4A1A-BB98-1698B0328EAD}" type="presOf" srcId="{793924AF-61E2-402A-99A0-C3B3E57342F2}" destId="{0F5CAC29-7CB1-4849-BDCB-86C230AA7034}" srcOrd="0" destOrd="0" presId="urn:microsoft.com/office/officeart/2005/8/layout/process1"/>
-    <dgm:cxn modelId="{30F8D8AE-C9E3-4CFE-994A-4830256C8B51}" type="presOf" srcId="{3841A661-9951-4A9C-BD92-1E214ED1A7F1}" destId="{37CC57EE-2C61-4BEF-8871-3338219A9556}" srcOrd="0" destOrd="0" presId="urn:microsoft.com/office/officeart/2005/8/layout/process1"/>
-    <dgm:cxn modelId="{FB0CF2B4-D2D7-4A36-9B81-83F508F22C6E}" type="presOf" srcId="{16550F19-24CF-4ABC-B1CC-FECB27126818}" destId="{F899D3A4-AACE-4351-8D2B-C90711F51E1E}" srcOrd="0" destOrd="0" presId="urn:microsoft.com/office/officeart/2005/8/layout/process1"/>
-    <dgm:cxn modelId="{058ED1C2-8409-4DF6-840A-23940991EEBF}" type="presOf" srcId="{47A42E82-F7B5-4BA3-BE5D-5AC65D518851}" destId="{8BCFD47B-7865-4BED-9116-37430C496C9D}" srcOrd="1" destOrd="0" presId="urn:microsoft.com/office/officeart/2005/8/layout/process1"/>
-    <dgm:cxn modelId="{9D5EFDC8-C6A0-4F0A-81F9-B42EA3BDE570}" srcId="{FDABFBC2-1BFD-4076-A05A-6C7F934E68D7}" destId="{3841A661-9951-4A9C-BD92-1E214ED1A7F1}" srcOrd="0" destOrd="0" parTransId="{3F532559-3F70-495C-9B87-F9D9578E35F3}" sibTransId="{756101F8-E74F-47A0-88AA-37478E1324E3}"/>
-    <dgm:cxn modelId="{84FE14D8-3BCF-47F6-B85F-2E8574712243}" srcId="{FDABFBC2-1BFD-4076-A05A-6C7F934E68D7}" destId="{9842FACB-53DA-4024-B6CB-EE11C52C5FCF}" srcOrd="2" destOrd="0" parTransId="{2BFEF379-1AD1-4288-81DA-34236DD15E7F}" sibTransId="{47A42E82-F7B5-4BA3-BE5D-5AC65D518851}"/>
-    <dgm:cxn modelId="{0923B7DE-459B-4935-A243-854C5AA76C90}" type="presOf" srcId="{D93979BF-3656-4712-9F7E-DB6980D33465}" destId="{D7B2C42D-DBB1-487C-9662-09FCC8DF404A}" srcOrd="1" destOrd="0" presId="urn:microsoft.com/office/officeart/2005/8/layout/process1"/>
     <dgm:cxn modelId="{622786F3-EFC3-4D32-BEC0-99F5A752EA66}" type="presOf" srcId="{4DE45646-C300-4293-898A-FF022B7A8FEC}" destId="{7B16F990-18B9-4D6C-B176-426070597CF8}" srcOrd="0" destOrd="0" presId="urn:microsoft.com/office/officeart/2005/8/layout/process1"/>
-    <dgm:cxn modelId="{5C9862F8-7806-4F17-B72E-02FE8EB139DB}" srcId="{FDABFBC2-1BFD-4076-A05A-6C7F934E68D7}" destId="{4DE45646-C300-4293-898A-FF022B7A8FEC}" srcOrd="1" destOrd="0" parTransId="{1CF0C8C9-4439-4D14-BC06-CA919B69D58B}" sibTransId="{D93979BF-3656-4712-9F7E-DB6980D33465}"/>
+    <dgm:cxn modelId="{BB3B5000-0AA1-4675-8502-1A5E60CFD19F}" type="presOf" srcId="{FDABFBC2-1BFD-4076-A05A-6C7F934E68D7}" destId="{72CC2932-FA6E-49B1-8F27-F0B21286E949}" srcOrd="0" destOrd="0" presId="urn:microsoft.com/office/officeart/2005/8/layout/process1"/>
     <dgm:cxn modelId="{9328D5E6-5E6D-4757-964E-D6CBD3284DFA}" type="presParOf" srcId="{72CC2932-FA6E-49B1-8F27-F0B21286E949}" destId="{37CC57EE-2C61-4BEF-8871-3338219A9556}" srcOrd="0" destOrd="0" presId="urn:microsoft.com/office/officeart/2005/8/layout/process1"/>
     <dgm:cxn modelId="{8A906B85-32A7-46E4-9634-0FC34A7C09B0}" type="presParOf" srcId="{72CC2932-FA6E-49B1-8F27-F0B21286E949}" destId="{602DA743-6056-422D-BD95-2E982C8777E3}" srcOrd="1" destOrd="0" presId="urn:microsoft.com/office/officeart/2005/8/layout/process1"/>
     <dgm:cxn modelId="{9759ECC1-F92A-4ADC-B7AB-DB2CF3327DDE}" type="presParOf" srcId="{602DA743-6056-422D-BD95-2E982C8777E3}" destId="{36B23BB1-5C80-41D3-B5C8-95A6DF48DBB3}" srcOrd="0" destOrd="0" presId="urn:microsoft.com/office/officeart/2005/8/layout/process1"/>
@@ -2325,8 +2471,8 @@
       </dsp:nvSpPr>
       <dsp:spPr>
         <a:xfrm>
-          <a:off x="7835" y="1186514"/>
-          <a:ext cx="2342033" cy="1405220"/>
+          <a:off x="6352" y="961912"/>
+          <a:ext cx="1898696" cy="1139218"/>
         </a:xfrm>
         <a:prstGeom prst="roundRect">
           <a:avLst>
@@ -2360,12 +2506,12 @@
         </a:fontRef>
       </dsp:style>
       <dsp:txBody>
-        <a:bodyPr spcFirstLastPara="0" vert="horz" wrap="square" lIns="102870" tIns="102870" rIns="102870" bIns="102870" numCol="1" spcCol="1270" anchor="ctr" anchorCtr="0">
+        <a:bodyPr spcFirstLastPara="0" vert="horz" wrap="square" lIns="80010" tIns="80010" rIns="80010" bIns="80010" numCol="1" spcCol="1270" anchor="ctr" anchorCtr="0">
           <a:noAutofit/>
         </a:bodyPr>
         <a:lstStyle/>
         <a:p>
-          <a:pPr marL="0" lvl="0" indent="0" algn="ctr" defTabSz="1200150">
+          <a:pPr lvl="0" algn="ctr" defTabSz="933450">
             <a:lnSpc>
               <a:spcPct val="90000"/>
             </a:lnSpc>
@@ -2375,10 +2521,9 @@
             <a:spcAft>
               <a:spcPct val="35000"/>
             </a:spcAft>
-            <a:buNone/>
           </a:pPr>
           <a:r>
-            <a:rPr lang="zh-TW" altLang="en-US" sz="2700" kern="1200" dirty="0">
+            <a:rPr lang="zh-TW" altLang="en-US" sz="2100" kern="1200" dirty="0">
               <a:solidFill>
                 <a:schemeClr val="tx1"/>
               </a:solidFill>
@@ -2388,8 +2533,8 @@
         </a:p>
       </dsp:txBody>
       <dsp:txXfrm>
-        <a:off x="48992" y="1227671"/>
-        <a:ext cx="2259719" cy="1322906"/>
+        <a:off x="39719" y="995279"/>
+        <a:ext cx="1831962" cy="1072484"/>
       </dsp:txXfrm>
     </dsp:sp>
     <dsp:sp modelId="{5DCD91DB-AEF7-4C9B-BD53-8B818AE7A5C2}">
@@ -2399,8 +2544,8 @@
       </dsp:nvSpPr>
       <dsp:spPr>
         <a:xfrm>
-          <a:off x="2584072" y="1598712"/>
-          <a:ext cx="496511" cy="580824"/>
+          <a:off x="2094919" y="1296083"/>
+          <a:ext cx="402523" cy="470876"/>
         </a:xfrm>
         <a:prstGeom prst="rightArrow">
           <a:avLst>
@@ -2442,7 +2587,7 @@
         </a:bodyPr>
         <a:lstStyle/>
         <a:p>
-          <a:pPr marL="0" lvl="0" indent="0" algn="ctr" defTabSz="977900">
+          <a:pPr lvl="0" algn="ctr" defTabSz="755650">
             <a:lnSpc>
               <a:spcPct val="90000"/>
             </a:lnSpc>
@@ -2452,14 +2597,13 @@
             <a:spcAft>
               <a:spcPct val="35000"/>
             </a:spcAft>
-            <a:buNone/>
           </a:pPr>
-          <a:endParaRPr lang="zh-TW" altLang="en-US" sz="2200" kern="1200"/>
+          <a:endParaRPr lang="zh-TW" altLang="en-US" sz="1700" kern="1200"/>
         </a:p>
       </dsp:txBody>
       <dsp:txXfrm>
-        <a:off x="2584072" y="1714877"/>
-        <a:ext cx="347558" cy="348494"/>
+        <a:off x="2094919" y="1390258"/>
+        <a:ext cx="281766" cy="282526"/>
       </dsp:txXfrm>
     </dsp:sp>
     <dsp:sp modelId="{501B0B5C-0A9B-4712-8139-5AB722F892AE}">
@@ -2469,8 +2613,8 @@
       </dsp:nvSpPr>
       <dsp:spPr>
         <a:xfrm>
-          <a:off x="3286683" y="1186514"/>
-          <a:ext cx="2342033" cy="1405220"/>
+          <a:off x="2664528" y="961912"/>
+          <a:ext cx="1898696" cy="1139218"/>
         </a:xfrm>
         <a:prstGeom prst="roundRect">
           <a:avLst>
@@ -2504,12 +2648,12 @@
         </a:fontRef>
       </dsp:style>
       <dsp:txBody>
-        <a:bodyPr spcFirstLastPara="0" vert="horz" wrap="square" lIns="102870" tIns="102870" rIns="102870" bIns="102870" numCol="1" spcCol="1270" anchor="ctr" anchorCtr="0">
+        <a:bodyPr spcFirstLastPara="0" vert="horz" wrap="square" lIns="80010" tIns="80010" rIns="80010" bIns="80010" numCol="1" spcCol="1270" anchor="ctr" anchorCtr="0">
           <a:noAutofit/>
         </a:bodyPr>
         <a:lstStyle/>
         <a:p>
-          <a:pPr marL="0" lvl="0" indent="0" algn="ctr" defTabSz="1200150">
+          <a:pPr lvl="0" algn="ctr" defTabSz="933450">
             <a:lnSpc>
               <a:spcPct val="90000"/>
             </a:lnSpc>
@@ -2519,10 +2663,9 @@
             <a:spcAft>
               <a:spcPct val="35000"/>
             </a:spcAft>
-            <a:buNone/>
           </a:pPr>
           <a:r>
-            <a:rPr lang="zh-TW" altLang="en-US" sz="2700" kern="1200" dirty="0">
+            <a:rPr lang="zh-TW" altLang="en-US" sz="2100" kern="1200" dirty="0">
               <a:solidFill>
                 <a:schemeClr val="tx1"/>
               </a:solidFill>
@@ -2532,8 +2675,8 @@
         </a:p>
       </dsp:txBody>
       <dsp:txXfrm>
-        <a:off x="3327840" y="1227671"/>
-        <a:ext cx="2259719" cy="1322906"/>
+        <a:off x="2697895" y="995279"/>
+        <a:ext cx="1831962" cy="1072484"/>
       </dsp:txXfrm>
     </dsp:sp>
     <dsp:sp modelId="{4C06B492-B4CF-4662-994E-B742043CDBA6}">
@@ -2543,8 +2686,8 @@
       </dsp:nvSpPr>
       <dsp:spPr>
         <a:xfrm>
-          <a:off x="5862920" y="1598712"/>
-          <a:ext cx="496511" cy="580824"/>
+          <a:off x="4753094" y="1296083"/>
+          <a:ext cx="402523" cy="470876"/>
         </a:xfrm>
         <a:prstGeom prst="rightArrow">
           <a:avLst>
@@ -2586,7 +2729,7 @@
         </a:bodyPr>
         <a:lstStyle/>
         <a:p>
-          <a:pPr marL="0" lvl="0" indent="0" algn="ctr" defTabSz="977900">
+          <a:pPr lvl="0" algn="ctr" defTabSz="755650">
             <a:lnSpc>
               <a:spcPct val="90000"/>
             </a:lnSpc>
@@ -2596,14 +2739,13 @@
             <a:spcAft>
               <a:spcPct val="35000"/>
             </a:spcAft>
-            <a:buNone/>
           </a:pPr>
-          <a:endParaRPr lang="zh-TW" altLang="en-US" sz="2200" kern="1200"/>
+          <a:endParaRPr lang="zh-TW" altLang="en-US" sz="1700" kern="1200"/>
         </a:p>
       </dsp:txBody>
       <dsp:txXfrm>
-        <a:off x="5862920" y="1714877"/>
-        <a:ext cx="347558" cy="348494"/>
+        <a:off x="4753094" y="1390258"/>
+        <a:ext cx="281766" cy="282526"/>
       </dsp:txXfrm>
     </dsp:sp>
     <dsp:sp modelId="{F8307AB0-8E3F-4030-91DA-849DB5B98DC2}">
@@ -2613,8 +2755,8 @@
       </dsp:nvSpPr>
       <dsp:spPr>
         <a:xfrm>
-          <a:off x="6565530" y="1186514"/>
-          <a:ext cx="2342033" cy="1405220"/>
+          <a:off x="5322703" y="961912"/>
+          <a:ext cx="1898696" cy="1139218"/>
         </a:xfrm>
         <a:prstGeom prst="roundRect">
           <a:avLst>
@@ -2648,12 +2790,12 @@
         </a:fontRef>
       </dsp:style>
       <dsp:txBody>
-        <a:bodyPr spcFirstLastPara="0" vert="horz" wrap="square" lIns="102870" tIns="102870" rIns="102870" bIns="102870" numCol="1" spcCol="1270" anchor="ctr" anchorCtr="0">
+        <a:bodyPr spcFirstLastPara="0" vert="horz" wrap="square" lIns="80010" tIns="80010" rIns="80010" bIns="80010" numCol="1" spcCol="1270" anchor="ctr" anchorCtr="0">
           <a:noAutofit/>
         </a:bodyPr>
         <a:lstStyle/>
         <a:p>
-          <a:pPr marL="0" lvl="0" indent="0" algn="ctr" defTabSz="1200150">
+          <a:pPr lvl="0" algn="ctr" defTabSz="933450">
             <a:lnSpc>
               <a:spcPct val="90000"/>
             </a:lnSpc>
@@ -2663,17 +2805,16 @@
             <a:spcAft>
               <a:spcPct val="35000"/>
             </a:spcAft>
-            <a:buNone/>
           </a:pPr>
           <a:r>
-            <a:rPr lang="en-US" altLang="zh-TW" sz="2700" kern="1200" dirty="0">
+            <a:rPr lang="en-US" altLang="zh-TW" sz="2100" kern="1200" dirty="0">
               <a:solidFill>
                 <a:schemeClr val="tx1"/>
               </a:solidFill>
             </a:rPr>
             <a:t>PILOT&amp;SYNC</a:t>
           </a:r>
-          <a:endParaRPr lang="zh-TW" altLang="en-US" sz="2700" kern="1200" dirty="0">
+          <a:endParaRPr lang="zh-TW" altLang="en-US" sz="2100" kern="1200" dirty="0">
             <a:solidFill>
               <a:schemeClr val="tx1"/>
             </a:solidFill>
@@ -2681,8 +2822,8 @@
         </a:p>
       </dsp:txBody>
       <dsp:txXfrm>
-        <a:off x="6606687" y="1227671"/>
-        <a:ext cx="2259719" cy="1322906"/>
+        <a:off x="5356070" y="995279"/>
+        <a:ext cx="1831962" cy="1072484"/>
       </dsp:txXfrm>
     </dsp:sp>
   </dsp:spTree>
@@ -2743,7 +2884,7 @@
         </a:bodyPr>
         <a:lstStyle/>
         <a:p>
-          <a:pPr marL="0" lvl="0" indent="0" algn="ctr" defTabSz="800100">
+          <a:pPr lvl="0" algn="ctr" defTabSz="800100">
             <a:lnSpc>
               <a:spcPct val="90000"/>
             </a:lnSpc>
@@ -2753,7 +2894,6 @@
             <a:spcAft>
               <a:spcPct val="35000"/>
             </a:spcAft>
-            <a:buNone/>
           </a:pPr>
           <a:r>
             <a:rPr lang="zh-TW" altLang="en-US" sz="1800" b="0" kern="1200" dirty="0">
@@ -2822,7 +2962,7 @@
         </a:bodyPr>
         <a:lstStyle/>
         <a:p>
-          <a:pPr marL="0" lvl="0" indent="0" algn="ctr" defTabSz="755650">
+          <a:pPr lvl="0" algn="ctr" defTabSz="755650">
             <a:lnSpc>
               <a:spcPct val="90000"/>
             </a:lnSpc>
@@ -2832,7 +2972,6 @@
             <a:spcAft>
               <a:spcPct val="35000"/>
             </a:spcAft>
-            <a:buNone/>
           </a:pPr>
           <a:endParaRPr lang="zh-TW" altLang="en-US" sz="1700" kern="1200"/>
         </a:p>
@@ -2888,7 +3027,7 @@
         </a:bodyPr>
         <a:lstStyle/>
         <a:p>
-          <a:pPr marL="0" lvl="0" indent="0" algn="ctr" defTabSz="933450">
+          <a:pPr lvl="0" algn="ctr" defTabSz="933450">
             <a:lnSpc>
               <a:spcPct val="90000"/>
             </a:lnSpc>
@@ -2898,7 +3037,6 @@
             <a:spcAft>
               <a:spcPct val="35000"/>
             </a:spcAft>
-            <a:buNone/>
           </a:pPr>
           <a:r>
             <a:rPr lang="zh-TW" altLang="en-US" sz="2100" kern="1200" dirty="0">
@@ -2964,7 +3102,7 @@
         </a:bodyPr>
         <a:lstStyle/>
         <a:p>
-          <a:pPr marL="0" lvl="0" indent="0" algn="ctr" defTabSz="755650">
+          <a:pPr lvl="0" algn="ctr" defTabSz="755650">
             <a:lnSpc>
               <a:spcPct val="90000"/>
             </a:lnSpc>
@@ -2974,7 +3112,6 @@
             <a:spcAft>
               <a:spcPct val="35000"/>
             </a:spcAft>
-            <a:buNone/>
           </a:pPr>
           <a:endParaRPr lang="zh-TW" altLang="en-US" sz="1700" kern="1200"/>
         </a:p>
@@ -3030,7 +3167,7 @@
         </a:bodyPr>
         <a:lstStyle/>
         <a:p>
-          <a:pPr marL="0" lvl="0" indent="0" algn="ctr" defTabSz="933450">
+          <a:pPr lvl="0" algn="ctr" defTabSz="933450">
             <a:lnSpc>
               <a:spcPct val="90000"/>
             </a:lnSpc>
@@ -3040,7 +3177,6 @@
             <a:spcAft>
               <a:spcPct val="35000"/>
             </a:spcAft>
-            <a:buNone/>
           </a:pPr>
           <a:r>
             <a:rPr lang="zh-TW" altLang="en-US" sz="2100" kern="1200" dirty="0">
@@ -3106,7 +3242,7 @@
         </a:bodyPr>
         <a:lstStyle/>
         <a:p>
-          <a:pPr marL="0" lvl="0" indent="0" algn="ctr" defTabSz="755650">
+          <a:pPr lvl="0" algn="ctr" defTabSz="755650">
             <a:lnSpc>
               <a:spcPct val="90000"/>
             </a:lnSpc>
@@ -3116,7 +3252,6 @@
             <a:spcAft>
               <a:spcPct val="35000"/>
             </a:spcAft>
-            <a:buNone/>
           </a:pPr>
           <a:endParaRPr lang="zh-TW" altLang="en-US" sz="1700" kern="1200"/>
         </a:p>
@@ -3172,7 +3307,7 @@
         </a:bodyPr>
         <a:lstStyle/>
         <a:p>
-          <a:pPr marL="0" lvl="0" indent="0" algn="ctr" defTabSz="933450">
+          <a:pPr lvl="0" algn="ctr" defTabSz="933450">
             <a:lnSpc>
               <a:spcPct val="90000"/>
             </a:lnSpc>
@@ -3182,7 +3317,6 @@
             <a:spcAft>
               <a:spcPct val="35000"/>
             </a:spcAft>
-            <a:buNone/>
           </a:pPr>
           <a:r>
             <a:rPr lang="zh-TW" altLang="en-US" sz="2100" b="0" i="0" kern="1200" dirty="0">
@@ -3252,7 +3386,7 @@
         </a:bodyPr>
         <a:lstStyle/>
         <a:p>
-          <a:pPr marL="0" lvl="0" indent="0" algn="ctr" defTabSz="755650">
+          <a:pPr lvl="0" algn="ctr" defTabSz="755650">
             <a:lnSpc>
               <a:spcPct val="90000"/>
             </a:lnSpc>
@@ -3262,7 +3396,6 @@
             <a:spcAft>
               <a:spcPct val="35000"/>
             </a:spcAft>
-            <a:buNone/>
           </a:pPr>
           <a:endParaRPr lang="zh-TW" altLang="en-US" sz="1700" kern="1200"/>
         </a:p>
@@ -3318,7 +3451,7 @@
         </a:bodyPr>
         <a:lstStyle/>
         <a:p>
-          <a:pPr marL="0" lvl="0" indent="0" algn="ctr" defTabSz="933450">
+          <a:pPr lvl="0" algn="ctr" defTabSz="933450">
             <a:lnSpc>
               <a:spcPct val="90000"/>
             </a:lnSpc>
@@ -3328,7 +3461,6 @@
             <a:spcAft>
               <a:spcPct val="35000"/>
             </a:spcAft>
-            <a:buNone/>
           </a:pPr>
           <a:r>
             <a:rPr lang="en-US" altLang="zh-TW" sz="2100" kern="1200" dirty="0">
@@ -3353,7 +3485,7 @@
           </a:r>
         </a:p>
         <a:p>
-          <a:pPr marL="0" lvl="0" indent="0" algn="ctr" defTabSz="933450">
+          <a:pPr lvl="0" algn="ctr" defTabSz="933450">
             <a:lnSpc>
               <a:spcPct val="90000"/>
             </a:lnSpc>
@@ -3363,7 +3495,6 @@
             <a:spcAft>
               <a:spcPct val="35000"/>
             </a:spcAft>
-            <a:buNone/>
           </a:pPr>
           <a:r>
             <a:rPr lang="zh-TW" altLang="en-US" sz="2100" kern="1200" dirty="0">
@@ -13950,36 +14081,36 @@
           <a:p>
             <a:r>
               <a:rPr lang="zh-TW" altLang="en-US" sz="6000" dirty="0">
-                <a:latin typeface="華康POP1體W7" panose="040B0709000000000000" pitchFamily="81" charset="-120"/>
-                <a:ea typeface="華康POP1體W7" panose="040B0709000000000000" pitchFamily="81" charset="-120"/>
+                <a:latin typeface="華康粗明體" panose="02020709000000000000" pitchFamily="49" charset="-120"/>
+                <a:ea typeface="華康粗明體" panose="02020709000000000000" pitchFamily="49" charset="-120"/>
               </a:rPr>
               <a:t>以</a:t>
             </a:r>
             <a:r>
               <a:rPr lang="en-US" altLang="zh-TW" sz="6000" dirty="0">
-                <a:latin typeface="華康POP1體W7" panose="040B0709000000000000" pitchFamily="81" charset="-120"/>
-                <a:ea typeface="華康POP1體W7" panose="040B0709000000000000" pitchFamily="81" charset="-120"/>
+                <a:latin typeface="華康粗明體" panose="02020709000000000000" pitchFamily="49" charset="-120"/>
+                <a:ea typeface="華康粗明體" panose="02020709000000000000" pitchFamily="49" charset="-120"/>
               </a:rPr>
               <a:t>SDR</a:t>
             </a:r>
             <a:r>
               <a:rPr lang="zh-TW" altLang="en-US" sz="6000" dirty="0">
-                <a:latin typeface="華康POP1體W7" panose="040B0709000000000000" pitchFamily="81" charset="-120"/>
-                <a:ea typeface="華康POP1體W7" panose="040B0709000000000000" pitchFamily="81" charset="-120"/>
+                <a:latin typeface="華康粗明體" panose="02020709000000000000" pitchFamily="49" charset="-120"/>
+                <a:ea typeface="華康粗明體" panose="02020709000000000000" pitchFamily="49" charset="-120"/>
               </a:rPr>
               <a:t>實現</a:t>
             </a:r>
             <a:r>
               <a:rPr lang="en-US" altLang="zh-TW" sz="6000" dirty="0">
-                <a:latin typeface="華康POP1體W7" panose="040B0709000000000000" pitchFamily="81" charset="-120"/>
-                <a:ea typeface="華康POP1體W7" panose="040B0709000000000000" pitchFamily="81" charset="-120"/>
+                <a:latin typeface="華康粗明體" panose="02020709000000000000" pitchFamily="49" charset="-120"/>
+                <a:ea typeface="華康粗明體" panose="02020709000000000000" pitchFamily="49" charset="-120"/>
               </a:rPr>
               <a:t>OTSM</a:t>
             </a:r>
             <a:r>
               <a:rPr lang="zh-TW" altLang="en-US" sz="6000" dirty="0">
-                <a:latin typeface="華康POP1體W7" panose="040B0709000000000000" pitchFamily="81" charset="-120"/>
-                <a:ea typeface="華康POP1體W7" panose="040B0709000000000000" pitchFamily="81" charset="-120"/>
+                <a:latin typeface="華康粗明體" panose="02020709000000000000" pitchFamily="49" charset="-120"/>
+                <a:ea typeface="華康粗明體" panose="02020709000000000000" pitchFamily="49" charset="-120"/>
               </a:rPr>
               <a:t>通訊技術</a:t>
             </a:r>
@@ -14233,9 +14364,10 @@
           <a:lstStyle/>
           <a:p>
             <a:r>
-              <a:rPr lang="zh-TW" altLang="en-US" sz="4400" dirty="0">
-                <a:latin typeface="華康POP1體W7" panose="040B0709000000000000" pitchFamily="81" charset="-120"/>
-                <a:ea typeface="華康POP1體W7" panose="040B0709000000000000" pitchFamily="81" charset="-120"/>
+              <a:rPr lang="zh-TW" altLang="en-US" b="1" dirty="0">
+                <a:latin typeface="華康粗明體" panose="02020709000000000000" pitchFamily="49" charset="-120"/>
+                <a:ea typeface="華康粗明體" panose="02020709000000000000" pitchFamily="49" charset="-120"/>
+                <a:cs typeface="+mn-cs"/>
               </a:rPr>
               <a:t>接收端</a:t>
             </a:r>
@@ -14563,9 +14695,10 @@
           <a:lstStyle/>
           <a:p>
             <a:r>
-              <a:rPr lang="zh-TW" altLang="en-US" sz="4400" dirty="0">
-                <a:latin typeface="華康POP1體W7" panose="040B0709000000000000" pitchFamily="81" charset="-120"/>
-                <a:ea typeface="華康POP1體W7" panose="040B0709000000000000" pitchFamily="81" charset="-120"/>
+              <a:rPr lang="zh-TW" altLang="en-US" b="1" dirty="0">
+                <a:latin typeface="華康粗明體" panose="02020709000000000000" pitchFamily="49" charset="-120"/>
+                <a:ea typeface="華康粗明體" panose="02020709000000000000" pitchFamily="49" charset="-120"/>
+                <a:cs typeface="+mn-cs"/>
               </a:rPr>
               <a:t>接收端</a:t>
             </a:r>
@@ -14883,11 +15016,14 @@
               <a:t>接收訊號同步後的自相關對時間的圖</a:t>
             </a:r>
             <a:r>
-              <a:rPr lang="en-US" altLang="zh-TW" sz="1600" dirty="0">
+              <a:rPr lang="en-US" altLang="zh-TW" sz="1600" dirty="0" smtClean="0">
                 <a:latin typeface="+mn-ea"/>
               </a:rPr>
-              <a:t>[4]</a:t>
-            </a:r>
+              <a:t>[6]</a:t>
+            </a:r>
+            <a:endParaRPr lang="en-US" altLang="zh-TW" sz="1600" dirty="0">
+              <a:latin typeface="+mn-ea"/>
+            </a:endParaRPr>
           </a:p>
         </p:txBody>
       </p:sp>
@@ -15129,9 +15265,10 @@
           <a:lstStyle/>
           <a:p>
             <a:r>
-              <a:rPr lang="zh-TW" altLang="en-US" sz="4400" dirty="0">
-                <a:latin typeface="華康POP1體W7" panose="040B0709000000000000" pitchFamily="81" charset="-120"/>
-                <a:ea typeface="華康POP1體W7" panose="040B0709000000000000" pitchFamily="81" charset="-120"/>
+              <a:rPr lang="zh-TW" altLang="en-US" b="1" dirty="0">
+                <a:latin typeface="華康粗明體" panose="02020709000000000000" pitchFamily="49" charset="-120"/>
+                <a:ea typeface="華康粗明體" panose="02020709000000000000" pitchFamily="49" charset="-120"/>
+                <a:cs typeface="+mn-cs"/>
               </a:rPr>
               <a:t>接收端</a:t>
             </a:r>
@@ -15725,11 +15862,14 @@
               <a:t>通道估測訊號功率的值</a:t>
             </a:r>
             <a:r>
-              <a:rPr lang="en-US" altLang="zh-TW" sz="1600" dirty="0">
+              <a:rPr lang="en-US" altLang="zh-TW" sz="1600" dirty="0" smtClean="0">
                 <a:latin typeface="+mn-ea"/>
               </a:rPr>
-              <a:t>[5]</a:t>
-            </a:r>
+              <a:t>[7]</a:t>
+            </a:r>
+            <a:endParaRPr lang="en-US" altLang="zh-TW" sz="1600" dirty="0">
+              <a:latin typeface="+mn-ea"/>
+            </a:endParaRPr>
           </a:p>
         </p:txBody>
       </p:sp>
@@ -15774,11 +15914,14 @@
               <a:t>校正前的星座圖</a:t>
             </a:r>
             <a:r>
-              <a:rPr lang="en-US" altLang="zh-TW" sz="1600" dirty="0">
+              <a:rPr lang="en-US" altLang="zh-TW" sz="1600" dirty="0" smtClean="0">
                 <a:latin typeface="+mn-ea"/>
               </a:rPr>
-              <a:t>[6]</a:t>
-            </a:r>
+              <a:t>[8]</a:t>
+            </a:r>
+            <a:endParaRPr lang="en-US" altLang="zh-TW" sz="1600" dirty="0">
+              <a:latin typeface="+mn-ea"/>
+            </a:endParaRPr>
           </a:p>
         </p:txBody>
       </p:sp>
@@ -15823,11 +15966,14 @@
               <a:t>校正後的星座圖</a:t>
             </a:r>
             <a:r>
-              <a:rPr lang="en-US" altLang="zh-TW" sz="1600" dirty="0">
+              <a:rPr lang="en-US" altLang="zh-TW" sz="1600" dirty="0" smtClean="0">
                 <a:latin typeface="+mn-ea"/>
               </a:rPr>
-              <a:t>[7]</a:t>
-            </a:r>
+              <a:t>[9]</a:t>
+            </a:r>
+            <a:endParaRPr lang="en-US" altLang="zh-TW" sz="1600" dirty="0">
+              <a:latin typeface="+mn-ea"/>
+            </a:endParaRPr>
           </a:p>
         </p:txBody>
       </p:sp>
@@ -15840,7 +15986,7 @@
         <p:spPr>
           <a:xfrm>
             <a:off x="9234121" y="3677502"/>
-            <a:ext cx="1944763" cy="338554"/>
+            <a:ext cx="2063385" cy="338554"/>
           </a:xfrm>
           <a:prstGeom prst="rect">
             <a:avLst/>
@@ -15860,11 +16006,14 @@
               <a:t>成功時的測試</a:t>
             </a:r>
             <a:r>
-              <a:rPr lang="en-US" altLang="zh-TW" sz="1600" dirty="0">
+              <a:rPr lang="en-US" altLang="zh-TW" sz="1600" dirty="0" smtClean="0">
                 <a:latin typeface="+mn-ea"/>
               </a:rPr>
-              <a:t>EQ[8]</a:t>
-            </a:r>
+              <a:t>EQ[10]</a:t>
+            </a:r>
+            <a:endParaRPr lang="en-US" altLang="zh-TW" sz="1600" dirty="0">
+              <a:latin typeface="+mn-ea"/>
+            </a:endParaRPr>
           </a:p>
         </p:txBody>
       </p:sp>
@@ -15877,7 +16026,7 @@
         <p:spPr>
           <a:xfrm>
             <a:off x="9323088" y="6530949"/>
-            <a:ext cx="1944763" cy="338554"/>
+            <a:ext cx="2063385" cy="338554"/>
           </a:xfrm>
           <a:prstGeom prst="rect">
             <a:avLst/>
@@ -15897,11 +16046,14 @@
               <a:t>失敗時的測試</a:t>
             </a:r>
             <a:r>
-              <a:rPr lang="en-US" altLang="zh-TW" sz="1600" dirty="0">
+              <a:rPr lang="en-US" altLang="zh-TW" sz="1600" dirty="0" smtClean="0">
                 <a:latin typeface="+mn-ea"/>
               </a:rPr>
-              <a:t>EQ[9]</a:t>
-            </a:r>
+              <a:t>EQ[11]</a:t>
+            </a:r>
+            <a:endParaRPr lang="en-US" altLang="zh-TW" sz="1600" dirty="0">
+              <a:latin typeface="+mn-ea"/>
+            </a:endParaRPr>
           </a:p>
         </p:txBody>
       </p:sp>
@@ -16143,9 +16295,10 @@
           <a:lstStyle/>
           <a:p>
             <a:r>
-              <a:rPr lang="zh-TW" altLang="en-US" sz="4400" dirty="0">
-                <a:latin typeface="華康POP1體W7" panose="040B0709000000000000" pitchFamily="81" charset="-120"/>
-                <a:ea typeface="華康POP1體W7" panose="040B0709000000000000" pitchFamily="81" charset="-120"/>
+              <a:rPr lang="zh-TW" altLang="en-US" b="1" dirty="0">
+                <a:latin typeface="華康粗明體" panose="02020709000000000000" pitchFamily="49" charset="-120"/>
+                <a:ea typeface="華康粗明體" panose="02020709000000000000" pitchFamily="49" charset="-120"/>
+                <a:cs typeface="+mn-cs"/>
               </a:rPr>
               <a:t>接收端</a:t>
             </a:r>
@@ -28346,11 +28499,14 @@
               <a:t>三種偵測器的</a:t>
             </a:r>
             <a:r>
-              <a:rPr lang="en-US" altLang="zh-TW" sz="1600" dirty="0">
+              <a:rPr lang="en-US" altLang="zh-TW" sz="1600" dirty="0" smtClean="0">
                 <a:latin typeface="+mn-ea"/>
               </a:rPr>
-              <a:t>EQ[10]</a:t>
-            </a:r>
+              <a:t>EQ[12]</a:t>
+            </a:r>
+            <a:endParaRPr lang="en-US" altLang="zh-TW" sz="1600" dirty="0">
+              <a:latin typeface="+mn-ea"/>
+            </a:endParaRPr>
           </a:p>
         </p:txBody>
       </p:sp>
@@ -28592,16 +28748,13 @@
           <a:lstStyle/>
           <a:p>
             <a:r>
-              <a:rPr lang="zh-TW" altLang="en-US" sz="4400">
-                <a:latin typeface="華康POP1體W7" panose="040B0709000000000000" pitchFamily="81" charset="-120"/>
-                <a:ea typeface="華康POP1體W7" panose="040B0709000000000000" pitchFamily="81" charset="-120"/>
+              <a:rPr lang="zh-TW" altLang="en-US" b="1" dirty="0">
+                <a:latin typeface="華康粗明體" panose="02020709000000000000" pitchFamily="49" charset="-120"/>
+                <a:ea typeface="華康粗明體" panose="02020709000000000000" pitchFamily="49" charset="-120"/>
+                <a:cs typeface="+mn-cs"/>
               </a:rPr>
               <a:t>結果圖</a:t>
             </a:r>
-            <a:endParaRPr lang="zh-TW" altLang="en-US" sz="4400" dirty="0">
-              <a:latin typeface="華康POP1體W7" panose="040B0709000000000000" pitchFamily="81" charset="-120"/>
-              <a:ea typeface="華康POP1體W7" panose="040B0709000000000000" pitchFamily="81" charset="-120"/>
-            </a:endParaRPr>
           </a:p>
         </p:txBody>
       </p:sp>
@@ -28614,7 +28767,7 @@
         <p:spPr>
           <a:xfrm>
             <a:off x="4895990" y="5632719"/>
-            <a:ext cx="2400016" cy="338554"/>
+            <a:ext cx="2441694" cy="338554"/>
           </a:xfrm>
           <a:prstGeom prst="rect">
             <a:avLst/>
@@ -28629,16 +28782,29 @@
           <a:p>
             <a:r>
               <a:rPr lang="zh-TW" altLang="en-US" sz="1600" dirty="0">
-                <a:latin typeface="+mn-ea"/>
+                <a:latin typeface="標楷體" panose="03000509000000000000" pitchFamily="65" charset="-120"/>
+                <a:ea typeface="標楷體" panose="03000509000000000000" pitchFamily="65" charset="-120"/>
               </a:rPr>
               <a:t>三種偵測器的錯誤率</a:t>
             </a:r>
             <a:r>
               <a:rPr lang="en-US" altLang="zh-TW" sz="1600" dirty="0">
-                <a:latin typeface="+mn-ea"/>
+                <a:latin typeface="標楷體" panose="03000509000000000000" pitchFamily="65" charset="-120"/>
+                <a:ea typeface="標楷體" panose="03000509000000000000" pitchFamily="65" charset="-120"/>
               </a:rPr>
-              <a:t>[11]</a:t>
-            </a:r>
+              <a:t>[</a:t>
+            </a:r>
+            <a:r>
+              <a:rPr lang="en-US" altLang="zh-TW" sz="1600" dirty="0" smtClean="0">
+                <a:latin typeface="標楷體" panose="03000509000000000000" pitchFamily="65" charset="-120"/>
+                <a:ea typeface="標楷體" panose="03000509000000000000" pitchFamily="65" charset="-120"/>
+              </a:rPr>
+              <a:t>13]</a:t>
+            </a:r>
+            <a:endParaRPr lang="en-US" altLang="zh-TW" sz="1600" dirty="0">
+              <a:latin typeface="標楷體" panose="03000509000000000000" pitchFamily="65" charset="-120"/>
+              <a:ea typeface="標楷體" panose="03000509000000000000" pitchFamily="65" charset="-120"/>
+            </a:endParaRPr>
           </a:p>
         </p:txBody>
       </p:sp>
@@ -28933,12 +29099,14 @@
         </p:nvSpPr>
         <p:spPr>
           <a:xfrm>
-            <a:off x="2589212" y="2142744"/>
+            <a:off x="1638236" y="1905000"/>
             <a:ext cx="8915400" cy="3777622"/>
           </a:xfrm>
         </p:spPr>
         <p:txBody>
-          <a:bodyPr/>
+          <a:bodyPr>
+            <a:noAutofit/>
+          </a:bodyPr>
           <a:lstStyle/>
           <a:p>
             <a:pPr>
@@ -28946,36 +29114,31 @@
               <a:buAutoNum type="arabicPeriod"/>
             </a:pPr>
             <a:r>
-              <a:rPr lang="zh-TW" altLang="en-US" kern="100" dirty="0">
+              <a:rPr lang="zh-TW" altLang="en-US" sz="2400" dirty="0">
                 <a:latin typeface="+mn-ea"/>
-                <a:cs typeface="Times New Roman" panose="02020603050405020304" pitchFamily="18" charset="0"/>
               </a:rPr>
               <a:t>訊號接收後無法同步資料 → 更改 </a:t>
             </a:r>
             <a:r>
-              <a:rPr lang="en-US" altLang="zh-TW" kern="100" dirty="0" err="1">
+              <a:rPr lang="en-US" altLang="zh-TW" sz="2400" dirty="0" err="1">
                 <a:latin typeface="+mn-ea"/>
-                <a:cs typeface="Times New Roman" panose="02020603050405020304" pitchFamily="18" charset="0"/>
               </a:rPr>
               <a:t>Syncbits</a:t>
             </a:r>
             <a:r>
-              <a:rPr lang="en-US" altLang="zh-TW" kern="100" dirty="0">
+              <a:rPr lang="en-US" altLang="zh-TW" sz="2400" dirty="0">
                 <a:latin typeface="+mn-ea"/>
-                <a:cs typeface="Times New Roman" panose="02020603050405020304" pitchFamily="18" charset="0"/>
               </a:rPr>
               <a:t> </a:t>
             </a:r>
             <a:r>
-              <a:rPr lang="zh-TW" altLang="en-US" kern="100" dirty="0">
+              <a:rPr lang="zh-TW" altLang="en-US" sz="2400" dirty="0">
                 <a:latin typeface="+mn-ea"/>
-                <a:cs typeface="Times New Roman" panose="02020603050405020304" pitchFamily="18" charset="0"/>
               </a:rPr>
               <a:t>的調變方式，修改同步程式。</a:t>
             </a:r>
-            <a:endParaRPr lang="en-US" altLang="zh-TW" kern="100" dirty="0">
+            <a:endParaRPr lang="en-US" altLang="zh-TW" sz="2400" dirty="0">
               <a:latin typeface="+mn-ea"/>
-              <a:cs typeface="Times New Roman" panose="02020603050405020304" pitchFamily="18" charset="0"/>
             </a:endParaRPr>
           </a:p>
           <a:p>
@@ -28984,29 +29147,25 @@
               <a:buAutoNum type="arabicPeriod"/>
             </a:pPr>
             <a:r>
-              <a:rPr lang="zh-TW" altLang="en-US" kern="100" dirty="0">
+              <a:rPr lang="zh-TW" altLang="en-US" sz="2400" dirty="0">
                 <a:latin typeface="+mn-ea"/>
-                <a:cs typeface="Times New Roman" panose="02020603050405020304" pitchFamily="18" charset="0"/>
               </a:rPr>
               <a:t>論文中的</a:t>
             </a:r>
             <a:r>
-              <a:rPr lang="en-US" altLang="zh-TW" kern="100" dirty="0">
+              <a:rPr lang="en-US" altLang="zh-TW" sz="2400" dirty="0">
                 <a:latin typeface="+mn-ea"/>
-                <a:cs typeface="Times New Roman" panose="02020603050405020304" pitchFamily="18" charset="0"/>
               </a:rPr>
               <a:t>CFO</a:t>
             </a:r>
             <a:r>
-              <a:rPr lang="zh-TW" altLang="en-US" kern="100" dirty="0">
+              <a:rPr lang="zh-TW" altLang="en-US" sz="2400" dirty="0">
                 <a:latin typeface="+mn-ea"/>
-                <a:cs typeface="Times New Roman" panose="02020603050405020304" pitchFamily="18" charset="0"/>
               </a:rPr>
               <a:t>公式變數名稱與資料擺法不同 → 根據論文改變資料排法，並多看論文內容</a:t>
             </a:r>
-            <a:endParaRPr lang="en-US" altLang="zh-TW" kern="100" dirty="0">
+            <a:endParaRPr lang="en-US" altLang="zh-TW" sz="2400" dirty="0">
               <a:latin typeface="+mn-ea"/>
-              <a:cs typeface="Times New Roman" panose="02020603050405020304" pitchFamily="18" charset="0"/>
             </a:endParaRPr>
           </a:p>
           <a:p>
@@ -29015,29 +29174,25 @@
               <a:buAutoNum type="arabicPeriod"/>
             </a:pPr>
             <a:r>
-              <a:rPr lang="zh-TW" altLang="en-US" kern="100" dirty="0">
+              <a:rPr lang="zh-TW" altLang="en-US" sz="2400" dirty="0">
                 <a:latin typeface="+mn-ea"/>
-                <a:cs typeface="Times New Roman" panose="02020603050405020304" pitchFamily="18" charset="0"/>
               </a:rPr>
               <a:t>發現不同的論文，</a:t>
             </a:r>
             <a:r>
-              <a:rPr lang="en-US" altLang="zh-TW" kern="100" dirty="0">
+              <a:rPr lang="en-US" altLang="zh-TW" sz="2400" dirty="0">
                 <a:latin typeface="+mn-ea"/>
-                <a:cs typeface="Times New Roman" panose="02020603050405020304" pitchFamily="18" charset="0"/>
               </a:rPr>
               <a:t>Pilot</a:t>
             </a:r>
             <a:r>
-              <a:rPr lang="zh-TW" altLang="en-US" kern="100" dirty="0">
+              <a:rPr lang="zh-TW" altLang="en-US" sz="2400" dirty="0">
                 <a:latin typeface="+mn-ea"/>
-                <a:cs typeface="Times New Roman" panose="02020603050405020304" pitchFamily="18" charset="0"/>
               </a:rPr>
               <a:t>有不同的擺法 → 找出擺放規律，找出可以執行的擺法。</a:t>
             </a:r>
-            <a:endParaRPr lang="en-US" altLang="zh-TW" kern="100" dirty="0">
+            <a:endParaRPr lang="en-US" altLang="zh-TW" sz="2400" dirty="0">
               <a:latin typeface="+mn-ea"/>
-              <a:cs typeface="Times New Roman" panose="02020603050405020304" pitchFamily="18" charset="0"/>
             </a:endParaRPr>
           </a:p>
           <a:p>
@@ -29046,36 +29201,31 @@
               <a:buAutoNum type="arabicPeriod"/>
             </a:pPr>
             <a:r>
-              <a:rPr lang="en-US" altLang="zh-TW" kern="100" dirty="0">
+              <a:rPr lang="en-US" altLang="zh-TW" sz="2400" dirty="0">
                 <a:latin typeface="+mn-ea"/>
-                <a:cs typeface="Times New Roman" panose="02020603050405020304" pitchFamily="18" charset="0"/>
               </a:rPr>
               <a:t>Pluto</a:t>
             </a:r>
             <a:r>
-              <a:rPr lang="zh-TW" altLang="en-US" kern="100" dirty="0">
+              <a:rPr lang="zh-TW" altLang="en-US" sz="2400" dirty="0">
                 <a:latin typeface="+mn-ea"/>
-                <a:cs typeface="Times New Roman" panose="02020603050405020304" pitchFamily="18" charset="0"/>
               </a:rPr>
               <a:t>無法改變功率輸出，</a:t>
             </a:r>
             <a:r>
-              <a:rPr lang="en-US" altLang="zh-TW" kern="100" dirty="0" err="1">
+              <a:rPr lang="en-US" altLang="zh-TW" sz="2400" dirty="0" err="1">
                 <a:latin typeface="+mn-ea"/>
-                <a:cs typeface="Times New Roman" panose="02020603050405020304" pitchFamily="18" charset="0"/>
               </a:rPr>
               <a:t>SNR_dB</a:t>
             </a:r>
             <a:r>
-              <a:rPr lang="zh-TW" altLang="en-US" kern="100" dirty="0">
+              <a:rPr lang="zh-TW" altLang="en-US" sz="2400" dirty="0">
                 <a:latin typeface="+mn-ea"/>
-                <a:cs typeface="Times New Roman" panose="02020603050405020304" pitchFamily="18" charset="0"/>
               </a:rPr>
               <a:t>無法達到其功能 → 放棄一部分功能。</a:t>
             </a:r>
-            <a:endParaRPr lang="en-US" altLang="zh-TW" kern="100" dirty="0">
+            <a:endParaRPr lang="en-US" altLang="zh-TW" sz="2400" dirty="0">
               <a:latin typeface="+mn-ea"/>
-              <a:cs typeface="Times New Roman" panose="02020603050405020304" pitchFamily="18" charset="0"/>
             </a:endParaRPr>
           </a:p>
           <a:p>
@@ -29084,57 +29234,49 @@
               <a:buAutoNum type="arabicPeriod"/>
             </a:pPr>
             <a:r>
-              <a:rPr lang="zh-TW" altLang="en-US" kern="100" dirty="0">
+              <a:rPr lang="zh-TW" altLang="en-US" sz="2400" dirty="0">
                 <a:latin typeface="+mn-ea"/>
-                <a:cs typeface="Times New Roman" panose="02020603050405020304" pitchFamily="18" charset="0"/>
               </a:rPr>
               <a:t>通道估測值抓不到 → 更改</a:t>
             </a:r>
             <a:r>
-              <a:rPr lang="en-US" altLang="zh-TW" kern="100" dirty="0">
+              <a:rPr lang="en-US" altLang="zh-TW" sz="2400" dirty="0">
                 <a:latin typeface="+mn-ea"/>
-                <a:cs typeface="Times New Roman" panose="02020603050405020304" pitchFamily="18" charset="0"/>
               </a:rPr>
               <a:t>sync</a:t>
             </a:r>
             <a:r>
-              <a:rPr lang="zh-TW" altLang="en-US" kern="100" dirty="0">
+              <a:rPr lang="zh-TW" altLang="en-US" sz="2400" dirty="0">
                 <a:latin typeface="+mn-ea"/>
-                <a:cs typeface="Times New Roman" panose="02020603050405020304" pitchFamily="18" charset="0"/>
               </a:rPr>
               <a:t>程式</a:t>
             </a:r>
             <a:r>
-              <a:rPr lang="en-US" altLang="zh-TW" kern="100" dirty="0">
+              <a:rPr lang="en-US" altLang="zh-TW" sz="2400" dirty="0">
                 <a:latin typeface="+mn-ea"/>
-                <a:cs typeface="Times New Roman" panose="02020603050405020304" pitchFamily="18" charset="0"/>
               </a:rPr>
               <a:t>+</a:t>
             </a:r>
             <a:r>
-              <a:rPr lang="zh-TW" altLang="en-US" kern="100" dirty="0">
+              <a:rPr lang="zh-TW" altLang="en-US" sz="2400" dirty="0">
                 <a:latin typeface="+mn-ea"/>
-                <a:cs typeface="Times New Roman" panose="02020603050405020304" pitchFamily="18" charset="0"/>
               </a:rPr>
               <a:t>改變</a:t>
             </a:r>
             <a:r>
-              <a:rPr lang="en-US" altLang="zh-TW" kern="100" dirty="0">
+              <a:rPr lang="en-US" altLang="zh-TW" sz="2400" dirty="0">
                 <a:latin typeface="+mn-ea"/>
-                <a:cs typeface="Times New Roman" panose="02020603050405020304" pitchFamily="18" charset="0"/>
               </a:rPr>
               <a:t>Pilot</a:t>
             </a:r>
             <a:r>
-              <a:rPr lang="zh-TW" altLang="en-US" kern="100" dirty="0">
+              <a:rPr lang="zh-TW" altLang="en-US" sz="2400" dirty="0">
                 <a:latin typeface="+mn-ea"/>
-                <a:cs typeface="Times New Roman" panose="02020603050405020304" pitchFamily="18" charset="0"/>
               </a:rPr>
               <a:t>擺法。</a:t>
             </a:r>
-            <a:endParaRPr lang="en-US" altLang="zh-TW" kern="100" dirty="0">
+            <a:endParaRPr lang="en-US" altLang="zh-TW" sz="2400" dirty="0">
               <a:latin typeface="+mn-ea"/>
-              <a:cs typeface="Times New Roman" panose="02020603050405020304" pitchFamily="18" charset="0"/>
             </a:endParaRPr>
           </a:p>
         </p:txBody>
@@ -29398,7 +29540,12 @@
             <p:ph idx="1"/>
           </p:nvPr>
         </p:nvSpPr>
-        <p:spPr/>
+        <p:spPr>
+          <a:xfrm>
+            <a:off x="1647380" y="1905000"/>
+            <a:ext cx="8915400" cy="3777622"/>
+          </a:xfrm>
+        </p:spPr>
         <p:txBody>
           <a:bodyPr/>
           <a:lstStyle/>
@@ -29411,114 +29558,92 @@
               <a:buChar char="•"/>
             </a:pPr>
             <a:r>
-              <a:rPr lang="zh-TW" altLang="en-US" sz="1800" dirty="0">
-                <a:latin typeface="標楷體" panose="03000509000000000000" pitchFamily="65" charset="-120"/>
-                <a:ea typeface="標楷體" panose="03000509000000000000" pitchFamily="65" charset="-120"/>
+              <a:rPr lang="zh-TW" altLang="en-US" sz="2400" dirty="0">
+                <a:latin typeface="+mn-ea"/>
               </a:rPr>
               <a:t>參考學長與網路上的</a:t>
             </a:r>
             <a:r>
-              <a:rPr lang="en-US" altLang="zh-TW" sz="1800" dirty="0" err="1">
-                <a:latin typeface="標楷體" panose="03000509000000000000" pitchFamily="65" charset="-120"/>
-                <a:ea typeface="標楷體" panose="03000509000000000000" pitchFamily="65" charset="-120"/>
+              <a:rPr lang="en-US" altLang="zh-TW" sz="2400" dirty="0" err="1">
+                <a:latin typeface="+mn-ea"/>
               </a:rPr>
               <a:t>Matlab</a:t>
             </a:r>
             <a:r>
-              <a:rPr lang="zh-TW" altLang="en-US" sz="1800" dirty="0">
-                <a:latin typeface="標楷體" panose="03000509000000000000" pitchFamily="65" charset="-120"/>
-                <a:ea typeface="標楷體" panose="03000509000000000000" pitchFamily="65" charset="-120"/>
+              <a:rPr lang="zh-TW" altLang="en-US" sz="2400" dirty="0">
+                <a:latin typeface="+mn-ea"/>
               </a:rPr>
               <a:t>程式</a:t>
             </a:r>
             <a:r>
-              <a:rPr lang="en-US" altLang="zh-TW" sz="1800" dirty="0">
-                <a:latin typeface="標楷體" panose="03000509000000000000" pitchFamily="65" charset="-120"/>
-                <a:ea typeface="標楷體" panose="03000509000000000000" pitchFamily="65" charset="-120"/>
+              <a:rPr lang="en-US" altLang="zh-TW" sz="2400" dirty="0">
+                <a:latin typeface="+mn-ea"/>
               </a:rPr>
               <a:t>(</a:t>
             </a:r>
             <a:r>
-              <a:rPr lang="zh-TW" altLang="en-US" sz="1800" dirty="0">
-                <a:latin typeface="標楷體" panose="03000509000000000000" pitchFamily="65" charset="-120"/>
-                <a:ea typeface="標楷體" panose="03000509000000000000" pitchFamily="65" charset="-120"/>
+              <a:rPr lang="zh-TW" altLang="en-US" sz="2400" dirty="0">
+                <a:latin typeface="+mn-ea"/>
               </a:rPr>
               <a:t>僅有</a:t>
             </a:r>
             <a:r>
-              <a:rPr lang="en-US" altLang="zh-TW" sz="1800" dirty="0">
-                <a:latin typeface="標楷體" panose="03000509000000000000" pitchFamily="65" charset="-120"/>
-                <a:ea typeface="標楷體" panose="03000509000000000000" pitchFamily="65" charset="-120"/>
+              <a:rPr lang="en-US" altLang="zh-TW" sz="2400" dirty="0">
+                <a:latin typeface="+mn-ea"/>
               </a:rPr>
               <a:t>OFDM</a:t>
             </a:r>
             <a:r>
-              <a:rPr lang="zh-TW" altLang="en-US" sz="1800" dirty="0">
-                <a:latin typeface="標楷體" panose="03000509000000000000" pitchFamily="65" charset="-120"/>
-                <a:ea typeface="標楷體" panose="03000509000000000000" pitchFamily="65" charset="-120"/>
+              <a:rPr lang="zh-TW" altLang="en-US" sz="2400" dirty="0">
+                <a:latin typeface="+mn-ea"/>
               </a:rPr>
               <a:t>收發機</a:t>
             </a:r>
             <a:r>
-              <a:rPr lang="en-US" altLang="zh-TW" sz="1800" dirty="0">
-                <a:latin typeface="標楷體" panose="03000509000000000000" pitchFamily="65" charset="-120"/>
-                <a:ea typeface="標楷體" panose="03000509000000000000" pitchFamily="65" charset="-120"/>
+              <a:rPr lang="en-US" altLang="zh-TW" sz="2400" dirty="0">
+                <a:latin typeface="+mn-ea"/>
               </a:rPr>
               <a:t>&amp;OTSM</a:t>
             </a:r>
             <a:r>
-              <a:rPr lang="zh-TW" altLang="en-US" sz="1800" dirty="0">
-                <a:latin typeface="標楷體" panose="03000509000000000000" pitchFamily="65" charset="-120"/>
-                <a:ea typeface="標楷體" panose="03000509000000000000" pitchFamily="65" charset="-120"/>
+              <a:rPr lang="zh-TW" altLang="en-US" sz="2400" dirty="0">
+                <a:latin typeface="+mn-ea"/>
               </a:rPr>
-              <a:t>數</a:t>
-            </a:r>
-            <a:r>
-              <a:rPr lang="zh-TW" altLang="en-US" dirty="0">
-                <a:latin typeface="標楷體" panose="03000509000000000000" pitchFamily="65" charset="-120"/>
-                <a:ea typeface="標楷體" panose="03000509000000000000" pitchFamily="65" charset="-120"/>
-              </a:rPr>
-              <a:t>學模型</a:t>
-            </a:r>
-            <a:r>
-              <a:rPr lang="en-US" altLang="zh-TW" sz="1800" dirty="0">
-                <a:latin typeface="標楷體" panose="03000509000000000000" pitchFamily="65" charset="-120"/>
-                <a:ea typeface="標楷體" panose="03000509000000000000" pitchFamily="65" charset="-120"/>
+              <a:t>數學模型</a:t>
+            </a:r>
+            <a:r>
+              <a:rPr lang="en-US" altLang="zh-TW" sz="2400" dirty="0">
+                <a:latin typeface="+mn-ea"/>
               </a:rPr>
               <a:t>)</a:t>
             </a:r>
             <a:r>
-              <a:rPr lang="zh-TW" altLang="en-US" sz="1800" dirty="0">
-                <a:latin typeface="標楷體" panose="03000509000000000000" pitchFamily="65" charset="-120"/>
-                <a:ea typeface="標楷體" panose="03000509000000000000" pitchFamily="65" charset="-120"/>
+              <a:rPr lang="zh-TW" altLang="en-US" sz="2400" dirty="0">
+                <a:latin typeface="+mn-ea"/>
               </a:rPr>
               <a:t>，自行消化理解後，改變</a:t>
             </a:r>
             <a:r>
-              <a:rPr lang="en-US" altLang="zh-TW" sz="1800" dirty="0">
-                <a:latin typeface="標楷體" panose="03000509000000000000" pitchFamily="65" charset="-120"/>
-                <a:ea typeface="標楷體" panose="03000509000000000000" pitchFamily="65" charset="-120"/>
+              <a:rPr lang="en-US" altLang="zh-TW" sz="2400" dirty="0">
+                <a:latin typeface="+mn-ea"/>
               </a:rPr>
               <a:t>OFDM</a:t>
             </a:r>
             <a:r>
-              <a:rPr lang="zh-TW" altLang="en-US" sz="1800" dirty="0">
-                <a:latin typeface="標楷體" panose="03000509000000000000" pitchFamily="65" charset="-120"/>
-                <a:ea typeface="標楷體" panose="03000509000000000000" pitchFamily="65" charset="-120"/>
+              <a:rPr lang="zh-TW" altLang="en-US" sz="2400" dirty="0">
+                <a:latin typeface="+mn-ea"/>
               </a:rPr>
               <a:t>改成</a:t>
             </a:r>
             <a:r>
-              <a:rPr lang="en-US" altLang="zh-TW" sz="1800" dirty="0">
-                <a:latin typeface="標楷體" panose="03000509000000000000" pitchFamily="65" charset="-120"/>
-                <a:ea typeface="標楷體" panose="03000509000000000000" pitchFamily="65" charset="-120"/>
+              <a:rPr lang="en-US" altLang="zh-TW" sz="2400" dirty="0">
+                <a:latin typeface="+mn-ea"/>
               </a:rPr>
               <a:t>OTSM</a:t>
             </a:r>
             <a:r>
-              <a:rPr lang="zh-TW" altLang="en-US" sz="1800" dirty="0">
-                <a:latin typeface="標楷體" panose="03000509000000000000" pitchFamily="65" charset="-120"/>
-                <a:ea typeface="標楷體" panose="03000509000000000000" pitchFamily="65" charset="-120"/>
+              <a:rPr lang="zh-TW" altLang="en-US" sz="2400" dirty="0">
+                <a:latin typeface="+mn-ea"/>
               </a:rPr>
               <a:t>系統。</a:t>
             </a:r>
@@ -29532,51 +29657,44 @@
               <a:buChar char="•"/>
             </a:pPr>
             <a:r>
-              <a:rPr lang="zh-TW" altLang="en-US" sz="1800" dirty="0">
-                <a:latin typeface="標楷體" panose="03000509000000000000" pitchFamily="65" charset="-120"/>
-                <a:ea typeface="標楷體" panose="03000509000000000000" pitchFamily="65" charset="-120"/>
+              <a:rPr lang="zh-TW" altLang="en-US" sz="2400" dirty="0">
+                <a:latin typeface="+mn-ea"/>
               </a:rPr>
               <a:t>嘗試將</a:t>
             </a:r>
             <a:r>
-              <a:rPr lang="en-US" altLang="zh-TW" sz="1800" dirty="0">
-                <a:latin typeface="標楷體" panose="03000509000000000000" pitchFamily="65" charset="-120"/>
-                <a:ea typeface="標楷體" panose="03000509000000000000" pitchFamily="65" charset="-120"/>
+              <a:rPr lang="en-US" altLang="zh-TW" sz="2400" dirty="0">
+                <a:latin typeface="+mn-ea"/>
               </a:rPr>
               <a:t>Pluto</a:t>
             </a:r>
             <a:r>
-              <a:rPr lang="zh-TW" altLang="en-US" sz="1800" dirty="0">
-                <a:latin typeface="標楷體" panose="03000509000000000000" pitchFamily="65" charset="-120"/>
-                <a:ea typeface="標楷體" panose="03000509000000000000" pitchFamily="65" charset="-120"/>
+              <a:rPr lang="zh-TW" altLang="en-US" sz="2400" dirty="0">
+                <a:latin typeface="+mn-ea"/>
               </a:rPr>
               <a:t>實現一台傳送一台接收</a:t>
             </a:r>
             <a:r>
-              <a:rPr lang="en-US" altLang="zh-TW" sz="1800" dirty="0">
-                <a:latin typeface="標楷體" panose="03000509000000000000" pitchFamily="65" charset="-120"/>
-                <a:ea typeface="標楷體" panose="03000509000000000000" pitchFamily="65" charset="-120"/>
+              <a:rPr lang="en-US" altLang="zh-TW" sz="2400" dirty="0">
+                <a:latin typeface="+mn-ea"/>
               </a:rPr>
               <a:t>(</a:t>
             </a:r>
             <a:r>
-              <a:rPr lang="zh-TW" altLang="en-US" sz="1800" dirty="0">
-                <a:latin typeface="標楷體" panose="03000509000000000000" pitchFamily="65" charset="-120"/>
-                <a:ea typeface="標楷體" panose="03000509000000000000" pitchFamily="65" charset="-120"/>
+              <a:rPr lang="zh-TW" altLang="en-US" sz="2400" dirty="0">
+                <a:latin typeface="+mn-ea"/>
               </a:rPr>
               <a:t>未完成</a:t>
             </a:r>
             <a:r>
-              <a:rPr lang="en-US" altLang="zh-TW" sz="1800" dirty="0">
-                <a:latin typeface="標楷體" panose="03000509000000000000" pitchFamily="65" charset="-120"/>
-                <a:ea typeface="標楷體" panose="03000509000000000000" pitchFamily="65" charset="-120"/>
+              <a:rPr lang="en-US" altLang="zh-TW" sz="2400" dirty="0">
+                <a:latin typeface="+mn-ea"/>
               </a:rPr>
               <a:t>)</a:t>
             </a:r>
             <a:r>
-              <a:rPr lang="zh-TW" altLang="en-US" sz="1800" dirty="0">
-                <a:latin typeface="標楷體" panose="03000509000000000000" pitchFamily="65" charset="-120"/>
-                <a:ea typeface="標楷體" panose="03000509000000000000" pitchFamily="65" charset="-120"/>
+              <a:rPr lang="zh-TW" altLang="en-US" sz="2400" dirty="0">
+                <a:latin typeface="+mn-ea"/>
               </a:rPr>
               <a:t>。</a:t>
             </a:r>
@@ -29590,37 +29708,32 @@
               <a:buChar char="•"/>
             </a:pPr>
             <a:r>
-              <a:rPr lang="zh-TW" altLang="en-US" sz="1800" dirty="0">
-                <a:latin typeface="標楷體" panose="03000509000000000000" pitchFamily="65" charset="-120"/>
-                <a:ea typeface="標楷體" panose="03000509000000000000" pitchFamily="65" charset="-120"/>
+              <a:rPr lang="zh-TW" altLang="en-US" sz="2400" dirty="0">
+                <a:latin typeface="+mn-ea"/>
               </a:rPr>
               <a:t>使用</a:t>
             </a:r>
             <a:r>
-              <a:rPr lang="en-US" altLang="zh-TW" sz="1800" dirty="0" err="1">
-                <a:latin typeface="標楷體" panose="03000509000000000000" pitchFamily="65" charset="-120"/>
-                <a:ea typeface="標楷體" panose="03000509000000000000" pitchFamily="65" charset="-120"/>
+              <a:rPr lang="en-US" altLang="zh-TW" sz="2400" dirty="0" err="1">
+                <a:latin typeface="+mn-ea"/>
               </a:rPr>
               <a:t>Matlab</a:t>
             </a:r>
             <a:r>
-              <a:rPr lang="zh-TW" altLang="en-US" sz="1800" dirty="0">
-                <a:latin typeface="標楷體" panose="03000509000000000000" pitchFamily="65" charset="-120"/>
-                <a:ea typeface="標楷體" panose="03000509000000000000" pitchFamily="65" charset="-120"/>
+              <a:rPr lang="zh-TW" altLang="en-US" sz="2400" dirty="0">
+                <a:latin typeface="+mn-ea"/>
               </a:rPr>
               <a:t>生成比較圖形，可以更直觀的表示不同情況下的數據變化。比如，可以繪製不同傳送接收間的距離下的錯誤率比較圖，以顯示距離對錯誤率的影響。此外，還比較了使用</a:t>
             </a:r>
             <a:r>
-              <a:rPr lang="en-US" altLang="zh-TW" sz="1800" dirty="0">
-                <a:latin typeface="標楷體" panose="03000509000000000000" pitchFamily="65" charset="-120"/>
-                <a:ea typeface="標楷體" panose="03000509000000000000" pitchFamily="65" charset="-120"/>
+              <a:rPr lang="en-US" altLang="zh-TW" sz="2400" dirty="0">
+                <a:latin typeface="+mn-ea"/>
               </a:rPr>
               <a:t>OTSM</a:t>
             </a:r>
             <a:r>
-              <a:rPr lang="zh-TW" altLang="en-US" sz="1800" dirty="0">
-                <a:latin typeface="標楷體" panose="03000509000000000000" pitchFamily="65" charset="-120"/>
-                <a:ea typeface="標楷體" panose="03000509000000000000" pitchFamily="65" charset="-120"/>
+              <a:rPr lang="zh-TW" altLang="en-US" sz="2400" dirty="0">
+                <a:latin typeface="+mn-ea"/>
               </a:rPr>
               <a:t>理想與實際通道的錯誤率。</a:t>
             </a:r>
@@ -29865,12 +29978,18 @@
           </a:xfrm>
         </p:spPr>
         <p:txBody>
-          <a:bodyPr/>
+          <a:bodyPr>
+            <a:normAutofit/>
+          </a:bodyPr>
           <a:lstStyle/>
           <a:p>
             <a:pPr algn="ctr"/>
             <a:r>
-              <a:rPr lang="zh-TW" altLang="en-US" dirty="0"/>
+              <a:rPr lang="zh-TW" altLang="en-US" b="1" dirty="0">
+                <a:latin typeface="華康粗明體" panose="02020709000000000000" pitchFamily="49" charset="-120"/>
+                <a:ea typeface="華康粗明體" panose="02020709000000000000" pitchFamily="49" charset="-120"/>
+                <a:cs typeface="+mn-cs"/>
+              </a:rPr>
               <a:t>工作分配</a:t>
             </a:r>
           </a:p>
@@ -30070,378 +30189,417 @@
           <a:p>
             <a:pPr lvl="0"/>
             <a:r>
-              <a:rPr lang="zh-TW" altLang="en-US" dirty="0">
-                <a:latin typeface="華康細明體" panose="02020309000000000000" pitchFamily="49" charset="-120"/>
-                <a:ea typeface="華康細明體" panose="02020309000000000000" pitchFamily="49" charset="-120"/>
+              <a:rPr lang="zh-TW" altLang="en-US" sz="2400" dirty="0">
+                <a:solidFill>
+                  <a:schemeClr val="tx1">
+                    <a:lumMod val="75000"/>
+                    <a:lumOff val="25000"/>
+                  </a:schemeClr>
+                </a:solidFill>
+                <a:latin typeface="+mn-ea"/>
               </a:rPr>
               <a:t>萬子謙：嘗試拆開</a:t>
             </a:r>
             <a:r>
-              <a:rPr lang="en-US" altLang="zh-TW" dirty="0">
-                <a:latin typeface="華康細明體" panose="02020309000000000000" pitchFamily="49" charset="-120"/>
-                <a:ea typeface="華康細明體" panose="02020309000000000000" pitchFamily="49" charset="-120"/>
+              <a:rPr lang="en-US" altLang="zh-TW" sz="2400" dirty="0">
+                <a:solidFill>
+                  <a:schemeClr val="tx1">
+                    <a:lumMod val="75000"/>
+                    <a:lumOff val="25000"/>
+                  </a:schemeClr>
+                </a:solidFill>
+                <a:latin typeface="+mn-ea"/>
               </a:rPr>
               <a:t>Tx</a:t>
             </a:r>
             <a:r>
-              <a:rPr lang="zh-TW" altLang="en-US" dirty="0">
-                <a:latin typeface="華康細明體" panose="02020309000000000000" pitchFamily="49" charset="-120"/>
-                <a:ea typeface="華康細明體" panose="02020309000000000000" pitchFamily="49" charset="-120"/>
+              <a:rPr lang="zh-TW" altLang="en-US" sz="2400" dirty="0">
+                <a:solidFill>
+                  <a:schemeClr val="tx1">
+                    <a:lumMod val="75000"/>
+                    <a:lumOff val="25000"/>
+                  </a:schemeClr>
+                </a:solidFill>
+                <a:latin typeface="+mn-ea"/>
               </a:rPr>
               <a:t>、</a:t>
             </a:r>
             <a:r>
-              <a:rPr lang="en-US" altLang="zh-TW" dirty="0">
-                <a:latin typeface="華康細明體" panose="02020309000000000000" pitchFamily="49" charset="-120"/>
-                <a:ea typeface="華康細明體" panose="02020309000000000000" pitchFamily="49" charset="-120"/>
+              <a:rPr lang="en-US" altLang="zh-TW" sz="2400" dirty="0">
+                <a:solidFill>
+                  <a:schemeClr val="tx1">
+                    <a:lumMod val="75000"/>
+                    <a:lumOff val="25000"/>
+                  </a:schemeClr>
+                </a:solidFill>
+                <a:latin typeface="+mn-ea"/>
               </a:rPr>
               <a:t>Rx</a:t>
             </a:r>
             <a:r>
-              <a:rPr lang="zh-TW" altLang="en-US" dirty="0">
-                <a:latin typeface="華康細明體" panose="02020309000000000000" pitchFamily="49" charset="-120"/>
-                <a:ea typeface="華康細明體" panose="02020309000000000000" pitchFamily="49" charset="-120"/>
+              <a:rPr lang="zh-TW" altLang="en-US" sz="2400" dirty="0">
+                <a:solidFill>
+                  <a:schemeClr val="tx1">
+                    <a:lumMod val="75000"/>
+                    <a:lumOff val="25000"/>
+                  </a:schemeClr>
+                </a:solidFill>
+                <a:latin typeface="+mn-ea"/>
               </a:rPr>
               <a:t>、幫忙</a:t>
             </a:r>
             <a:r>
-              <a:rPr lang="en-US" altLang="zh-TW" dirty="0">
-                <a:latin typeface="華康細明體" panose="02020309000000000000" pitchFamily="49" charset="-120"/>
-                <a:ea typeface="華康細明體" panose="02020309000000000000" pitchFamily="49" charset="-120"/>
+              <a:rPr lang="en-US" altLang="zh-TW" sz="2400" dirty="0">
+                <a:solidFill>
+                  <a:schemeClr val="tx1">
+                    <a:lumMod val="75000"/>
+                    <a:lumOff val="25000"/>
+                  </a:schemeClr>
+                </a:solidFill>
+                <a:latin typeface="+mn-ea"/>
               </a:rPr>
               <a:t>CFO</a:t>
             </a:r>
             <a:r>
-              <a:rPr lang="zh-TW" altLang="en-US" dirty="0">
-                <a:latin typeface="華康細明體" panose="02020309000000000000" pitchFamily="49" charset="-120"/>
-                <a:ea typeface="華康細明體" panose="02020309000000000000" pitchFamily="49" charset="-120"/>
+              <a:rPr lang="zh-TW" altLang="en-US" sz="2400" dirty="0">
+                <a:solidFill>
+                  <a:schemeClr val="tx1">
+                    <a:lumMod val="75000"/>
+                    <a:lumOff val="25000"/>
+                  </a:schemeClr>
+                </a:solidFill>
+                <a:latin typeface="+mn-ea"/>
               </a:rPr>
               <a:t>校正、海報製作</a:t>
             </a:r>
-            <a:endParaRPr lang="en-US" altLang="zh-TW" dirty="0">
-              <a:latin typeface="華康細明體" panose="02020309000000000000" pitchFamily="49" charset="-120"/>
-              <a:ea typeface="華康細明體" panose="02020309000000000000" pitchFamily="49" charset="-120"/>
+            <a:endParaRPr lang="en-US" altLang="zh-TW" sz="2400" dirty="0">
+              <a:solidFill>
+                <a:schemeClr val="tx1">
+                  <a:lumMod val="75000"/>
+                  <a:lumOff val="25000"/>
+                </a:schemeClr>
+              </a:solidFill>
+              <a:latin typeface="+mn-ea"/>
             </a:endParaRPr>
           </a:p>
           <a:p>
             <a:pPr lvl="0"/>
             <a:r>
-              <a:rPr lang="zh-TW" altLang="en-US" dirty="0">
-                <a:latin typeface="華康細明體" panose="02020309000000000000" pitchFamily="49" charset="-120"/>
-                <a:ea typeface="華康細明體" panose="02020309000000000000" pitchFamily="49" charset="-120"/>
+              <a:rPr lang="zh-TW" altLang="en-US" sz="2400" dirty="0">
+                <a:solidFill>
+                  <a:schemeClr val="tx1">
+                    <a:lumMod val="75000"/>
+                    <a:lumOff val="25000"/>
+                  </a:schemeClr>
+                </a:solidFill>
+                <a:latin typeface="+mn-ea"/>
               </a:rPr>
-              <a:t>陳昱升：</a:t>
-            </a:r>
-            <a:r>
-              <a:rPr kumimoji="0" lang="zh-TW" altLang="en-US" sz="2800" b="0" i="0" u="none" strike="noStrike" kern="1200" cap="none" spc="0" normalizeH="0" baseline="0" noProof="0" dirty="0">
-                <a:ln>
-                  <a:noFill/>
-                </a:ln>
-                <a:effectLst/>
-                <a:uLnTx/>
-                <a:uFillTx/>
-                <a:latin typeface="華康細明體" panose="02020309000000000000" pitchFamily="49" charset="-120"/>
-                <a:ea typeface="華康細明體" panose="02020309000000000000" pitchFamily="49" charset="-120"/>
-                <a:cs typeface="+mn-cs"/>
-              </a:rPr>
-              <a:t>驅動安裝、</a:t>
-            </a:r>
-            <a:r>
-              <a:rPr kumimoji="0" lang="en-US" altLang="zh-TW" sz="2800" b="0" i="0" u="none" strike="noStrike" kern="1200" cap="none" spc="0" normalizeH="0" baseline="0" noProof="0" dirty="0">
-                <a:ln>
-                  <a:noFill/>
-                </a:ln>
-                <a:effectLst/>
-                <a:uLnTx/>
-                <a:uFillTx/>
-                <a:latin typeface="華康細明體" panose="02020309000000000000" pitchFamily="49" charset="-120"/>
-                <a:ea typeface="華康細明體" panose="02020309000000000000" pitchFamily="49" charset="-120"/>
-                <a:cs typeface="+mn-cs"/>
+              <a:t>陳昱升：驅動安裝、</a:t>
+            </a:r>
+            <a:r>
+              <a:rPr lang="en-US" altLang="zh-TW" sz="2400" dirty="0">
+                <a:solidFill>
+                  <a:schemeClr val="tx1">
+                    <a:lumMod val="75000"/>
+                    <a:lumOff val="25000"/>
+                  </a:schemeClr>
+                </a:solidFill>
+                <a:latin typeface="+mn-ea"/>
               </a:rPr>
               <a:t>OTSM</a:t>
             </a:r>
             <a:r>
-              <a:rPr kumimoji="0" lang="zh-TW" altLang="en-US" sz="2800" b="0" i="0" u="none" strike="noStrike" kern="1200" cap="none" spc="0" normalizeH="0" baseline="0" noProof="0" dirty="0">
-                <a:ln>
-                  <a:noFill/>
-                </a:ln>
-                <a:effectLst/>
-                <a:uLnTx/>
-                <a:uFillTx/>
-                <a:latin typeface="華康細明體" panose="02020309000000000000" pitchFamily="49" charset="-120"/>
-                <a:ea typeface="華康細明體" panose="02020309000000000000" pitchFamily="49" charset="-120"/>
-                <a:cs typeface="+mn-cs"/>
+              <a:rPr lang="zh-TW" altLang="en-US" sz="2400" dirty="0">
+                <a:solidFill>
+                  <a:schemeClr val="tx1">
+                    <a:lumMod val="75000"/>
+                    <a:lumOff val="25000"/>
+                  </a:schemeClr>
+                </a:solidFill>
+                <a:latin typeface="+mn-ea"/>
               </a:rPr>
               <a:t>程式替換、傳送資料加</a:t>
             </a:r>
             <a:r>
-              <a:rPr kumimoji="0" lang="en-US" altLang="zh-TW" sz="2800" b="0" i="0" u="none" strike="noStrike" kern="1200" cap="none" spc="0" normalizeH="0" baseline="0" noProof="0" dirty="0">
-                <a:ln>
-                  <a:noFill/>
-                </a:ln>
-                <a:effectLst/>
-                <a:uLnTx/>
-                <a:uFillTx/>
-                <a:latin typeface="華康細明體" panose="02020309000000000000" pitchFamily="49" charset="-120"/>
-                <a:ea typeface="華康細明體" panose="02020309000000000000" pitchFamily="49" charset="-120"/>
-                <a:cs typeface="+mn-cs"/>
+              <a:rPr lang="en-US" altLang="zh-TW" sz="2400" dirty="0">
+                <a:solidFill>
+                  <a:schemeClr val="tx1">
+                    <a:lumMod val="75000"/>
+                    <a:lumOff val="25000"/>
+                  </a:schemeClr>
+                </a:solidFill>
+                <a:latin typeface="+mn-ea"/>
               </a:rPr>
               <a:t>Pilot</a:t>
             </a:r>
             <a:r>
-              <a:rPr kumimoji="0" lang="zh-TW" altLang="en-US" sz="2800" b="0" i="0" u="none" strike="noStrike" kern="1200" cap="none" spc="0" normalizeH="0" baseline="0" noProof="0" dirty="0">
-                <a:ln>
-                  <a:noFill/>
-                </a:ln>
-                <a:effectLst/>
-                <a:uLnTx/>
-                <a:uFillTx/>
-                <a:latin typeface="華康細明體" panose="02020309000000000000" pitchFamily="49" charset="-120"/>
-                <a:ea typeface="華康細明體" panose="02020309000000000000" pitchFamily="49" charset="-120"/>
-                <a:cs typeface="+mn-cs"/>
+              <a:rPr lang="zh-TW" altLang="en-US" sz="2400" dirty="0">
+                <a:solidFill>
+                  <a:schemeClr val="tx1">
+                    <a:lumMod val="75000"/>
+                    <a:lumOff val="25000"/>
+                  </a:schemeClr>
+                </a:solidFill>
+                <a:latin typeface="+mn-ea"/>
               </a:rPr>
               <a:t>、</a:t>
             </a:r>
             <a:r>
-              <a:rPr kumimoji="0" lang="en-US" altLang="zh-TW" sz="2800" b="0" i="0" u="none" strike="noStrike" kern="1200" cap="none" spc="0" normalizeH="0" baseline="0" noProof="0" dirty="0">
-                <a:ln>
-                  <a:noFill/>
-                </a:ln>
-                <a:effectLst/>
-                <a:uLnTx/>
-                <a:uFillTx/>
-                <a:latin typeface="華康細明體" panose="02020309000000000000" pitchFamily="49" charset="-120"/>
-                <a:ea typeface="華康細明體" panose="02020309000000000000" pitchFamily="49" charset="-120"/>
-                <a:cs typeface="+mn-cs"/>
+              <a:rPr lang="en-US" altLang="zh-TW" sz="2400" dirty="0">
+                <a:solidFill>
+                  <a:schemeClr val="tx1">
+                    <a:lumMod val="75000"/>
+                    <a:lumOff val="25000"/>
+                  </a:schemeClr>
+                </a:solidFill>
+                <a:latin typeface="+mn-ea"/>
               </a:rPr>
               <a:t>Sync</a:t>
             </a:r>
             <a:r>
-              <a:rPr kumimoji="0" lang="zh-TW" altLang="en-US" sz="2800" b="0" i="0" u="none" strike="noStrike" kern="1200" cap="none" spc="0" normalizeH="0" baseline="0" noProof="0" dirty="0">
-                <a:ln>
-                  <a:noFill/>
-                </a:ln>
-                <a:effectLst/>
-                <a:uLnTx/>
-                <a:uFillTx/>
-                <a:latin typeface="華康細明體" panose="02020309000000000000" pitchFamily="49" charset="-120"/>
-                <a:ea typeface="華康細明體" panose="02020309000000000000" pitchFamily="49" charset="-120"/>
-                <a:cs typeface="+mn-cs"/>
+              <a:rPr lang="zh-TW" altLang="en-US" sz="2400" dirty="0">
+                <a:solidFill>
+                  <a:schemeClr val="tx1">
+                    <a:lumMod val="75000"/>
+                    <a:lumOff val="25000"/>
+                  </a:schemeClr>
+                </a:solidFill>
+                <a:latin typeface="+mn-ea"/>
               </a:rPr>
               <a:t>、通道設定、同步接收資料、通道估測</a:t>
             </a:r>
             <a:r>
-              <a:rPr kumimoji="0" lang="en-US" altLang="zh-TW" sz="2800" b="0" i="0" u="none" strike="noStrike" kern="1200" cap="none" spc="0" normalizeH="0" baseline="0" noProof="0" dirty="0">
-                <a:ln>
-                  <a:noFill/>
-                </a:ln>
-                <a:effectLst/>
-                <a:uLnTx/>
-                <a:uFillTx/>
-                <a:latin typeface="華康細明體" panose="02020309000000000000" pitchFamily="49" charset="-120"/>
-                <a:ea typeface="華康細明體" panose="02020309000000000000" pitchFamily="49" charset="-120"/>
-                <a:cs typeface="+mn-cs"/>
+              <a:rPr lang="en-US" altLang="zh-TW" sz="2400" dirty="0">
+                <a:solidFill>
+                  <a:schemeClr val="tx1">
+                    <a:lumMod val="75000"/>
+                    <a:lumOff val="25000"/>
+                  </a:schemeClr>
+                </a:solidFill>
+                <a:latin typeface="+mn-ea"/>
               </a:rPr>
               <a:t>(CFO</a:t>
             </a:r>
             <a:r>
-              <a:rPr kumimoji="0" lang="zh-TW" altLang="en-US" sz="2800" b="0" i="0" u="none" strike="noStrike" kern="1200" cap="none" spc="0" normalizeH="0" baseline="0" noProof="0" dirty="0">
-                <a:ln>
-                  <a:noFill/>
-                </a:ln>
-                <a:effectLst/>
-                <a:uLnTx/>
-                <a:uFillTx/>
-                <a:latin typeface="華康細明體" panose="02020309000000000000" pitchFamily="49" charset="-120"/>
-                <a:ea typeface="華康細明體" panose="02020309000000000000" pitchFamily="49" charset="-120"/>
-                <a:cs typeface="+mn-cs"/>
+              <a:rPr lang="zh-TW" altLang="en-US" sz="2400" dirty="0">
+                <a:solidFill>
+                  <a:schemeClr val="tx1">
+                    <a:lumMod val="75000"/>
+                    <a:lumOff val="25000"/>
+                  </a:schemeClr>
+                </a:solidFill>
+                <a:latin typeface="+mn-ea"/>
               </a:rPr>
               <a:t>校正</a:t>
             </a:r>
             <a:r>
-              <a:rPr kumimoji="0" lang="en-US" altLang="zh-TW" sz="2800" b="0" i="0" u="none" strike="noStrike" kern="1200" cap="none" spc="0" normalizeH="0" baseline="0" noProof="0" dirty="0">
-                <a:ln>
-                  <a:noFill/>
-                </a:ln>
-                <a:effectLst/>
-                <a:uLnTx/>
-                <a:uFillTx/>
-                <a:latin typeface="華康細明體" panose="02020309000000000000" pitchFamily="49" charset="-120"/>
-                <a:ea typeface="華康細明體" panose="02020309000000000000" pitchFamily="49" charset="-120"/>
-                <a:cs typeface="+mn-cs"/>
+              <a:rPr lang="en-US" altLang="zh-TW" sz="2400" dirty="0">
+                <a:solidFill>
+                  <a:schemeClr val="tx1">
+                    <a:lumMod val="75000"/>
+                    <a:lumOff val="25000"/>
+                  </a:schemeClr>
+                </a:solidFill>
+                <a:latin typeface="+mn-ea"/>
               </a:rPr>
               <a:t>)</a:t>
             </a:r>
             <a:r>
-              <a:rPr kumimoji="0" lang="zh-TW" altLang="en-US" sz="2800" b="0" i="0" u="none" strike="noStrike" kern="1200" cap="none" spc="0" normalizeH="0" baseline="0" noProof="0" dirty="0">
-                <a:ln>
-                  <a:noFill/>
-                </a:ln>
-                <a:effectLst/>
-                <a:uLnTx/>
-                <a:uFillTx/>
-                <a:latin typeface="華康細明體" panose="02020309000000000000" pitchFamily="49" charset="-120"/>
-                <a:ea typeface="華康細明體" panose="02020309000000000000" pitchFamily="49" charset="-120"/>
-                <a:cs typeface="+mn-cs"/>
+              <a:rPr lang="zh-TW" altLang="en-US" sz="2400" dirty="0">
+                <a:solidFill>
+                  <a:schemeClr val="tx1">
+                    <a:lumMod val="75000"/>
+                    <a:lumOff val="25000"/>
+                  </a:schemeClr>
+                </a:solidFill>
+                <a:latin typeface="+mn-ea"/>
               </a:rPr>
               <a:t>、</a:t>
             </a:r>
             <a:r>
-              <a:rPr kumimoji="0" lang="en-US" altLang="zh-TW" sz="2800" b="0" i="0" u="none" strike="noStrike" kern="1200" cap="none" spc="0" normalizeH="0" baseline="0" noProof="0" dirty="0">
-                <a:ln>
-                  <a:noFill/>
-                </a:ln>
-                <a:effectLst/>
-                <a:uLnTx/>
-                <a:uFillTx/>
-                <a:latin typeface="華康細明體" panose="02020309000000000000" pitchFamily="49" charset="-120"/>
-                <a:ea typeface="華康細明體" panose="02020309000000000000" pitchFamily="49" charset="-120"/>
-                <a:cs typeface="+mn-cs"/>
+              <a:rPr lang="en-US" altLang="zh-TW" sz="2400" dirty="0">
+                <a:solidFill>
+                  <a:schemeClr val="tx1">
+                    <a:lumMod val="75000"/>
+                    <a:lumOff val="25000"/>
+                  </a:schemeClr>
+                </a:solidFill>
+                <a:latin typeface="+mn-ea"/>
               </a:rPr>
               <a:t>OTSM</a:t>
             </a:r>
             <a:r>
-              <a:rPr kumimoji="0" lang="zh-TW" altLang="en-US" sz="2800" b="0" i="0" u="none" strike="noStrike" kern="1200" cap="none" spc="0" normalizeH="0" baseline="0" noProof="0" dirty="0">
-                <a:ln>
-                  <a:noFill/>
-                </a:ln>
-                <a:effectLst/>
-                <a:uLnTx/>
-                <a:uFillTx/>
-                <a:latin typeface="華康細明體" panose="02020309000000000000" pitchFamily="49" charset="-120"/>
-                <a:ea typeface="華康細明體" panose="02020309000000000000" pitchFamily="49" charset="-120"/>
-                <a:cs typeface="+mn-cs"/>
+              <a:rPr lang="zh-TW" altLang="en-US" sz="2400" dirty="0">
+                <a:solidFill>
+                  <a:schemeClr val="tx1">
+                    <a:lumMod val="75000"/>
+                    <a:lumOff val="25000"/>
+                  </a:schemeClr>
+                </a:solidFill>
+                <a:latin typeface="+mn-ea"/>
               </a:rPr>
-              <a:t>數據</a:t>
-            </a:r>
-            <a:r>
-              <a:rPr lang="zh-TW" altLang="en-US" dirty="0">
-                <a:latin typeface="華康細明體" panose="02020309000000000000" pitchFamily="49" charset="-120"/>
-                <a:ea typeface="華康細明體" panose="02020309000000000000" pitchFamily="49" charset="-120"/>
-              </a:rPr>
-              <a:t>整理、畫圖、版本</a:t>
-            </a:r>
-            <a:r>
-              <a:rPr kumimoji="0" lang="zh-TW" altLang="en-US" sz="2800" b="0" i="0" u="none" strike="noStrike" kern="1200" cap="none" spc="0" normalizeH="0" baseline="0" noProof="0" dirty="0">
-                <a:ln>
-                  <a:noFill/>
-                </a:ln>
-                <a:effectLst/>
-                <a:uLnTx/>
-                <a:uFillTx/>
-                <a:latin typeface="華康細明體" panose="02020309000000000000" pitchFamily="49" charset="-120"/>
-                <a:ea typeface="華康細明體" panose="02020309000000000000" pitchFamily="49" charset="-120"/>
-                <a:cs typeface="+mn-cs"/>
-              </a:rPr>
-              <a:t>控制</a:t>
-            </a:r>
-            <a:endParaRPr kumimoji="0" lang="en-US" altLang="zh-TW" sz="2800" b="0" i="0" u="none" strike="noStrike" kern="1200" cap="none" spc="0" normalizeH="0" baseline="0" noProof="0" dirty="0">
-              <a:ln>
-                <a:noFill/>
-              </a:ln>
-              <a:effectLst/>
-              <a:uLnTx/>
-              <a:uFillTx/>
-              <a:latin typeface="華康細明體" panose="02020309000000000000" pitchFamily="49" charset="-120"/>
-              <a:ea typeface="華康細明體" panose="02020309000000000000" pitchFamily="49" charset="-120"/>
-              <a:cs typeface="+mn-cs"/>
+              <a:t>數據整理、畫圖、版本控制</a:t>
+            </a:r>
+            <a:endParaRPr lang="en-US" altLang="zh-TW" sz="2400" dirty="0">
+              <a:solidFill>
+                <a:schemeClr val="tx1">
+                  <a:lumMod val="75000"/>
+                  <a:lumOff val="25000"/>
+                </a:schemeClr>
+              </a:solidFill>
+              <a:latin typeface="+mn-ea"/>
             </a:endParaRPr>
           </a:p>
           <a:p>
             <a:r>
-              <a:rPr lang="zh-TW" altLang="en-US" dirty="0">
-                <a:latin typeface="華康細明體" panose="02020309000000000000" pitchFamily="49" charset="-120"/>
-                <a:ea typeface="華康細明體" panose="02020309000000000000" pitchFamily="49" charset="-120"/>
+              <a:rPr lang="zh-TW" altLang="en-US" sz="2400" dirty="0">
+                <a:solidFill>
+                  <a:schemeClr val="tx1">
+                    <a:lumMod val="75000"/>
+                    <a:lumOff val="25000"/>
+                  </a:schemeClr>
+                </a:solidFill>
+                <a:latin typeface="+mn-ea"/>
               </a:rPr>
               <a:t>陳軍銓：協助</a:t>
             </a:r>
             <a:r>
-              <a:rPr lang="en-US" altLang="zh-TW" dirty="0">
-                <a:latin typeface="華康細明體" panose="02020309000000000000" pitchFamily="49" charset="-120"/>
-                <a:ea typeface="華康細明體" panose="02020309000000000000" pitchFamily="49" charset="-120"/>
+              <a:rPr lang="en-US" altLang="zh-TW" sz="2400" dirty="0">
+                <a:solidFill>
+                  <a:schemeClr val="tx1">
+                    <a:lumMod val="75000"/>
+                    <a:lumOff val="25000"/>
+                  </a:schemeClr>
+                </a:solidFill>
+                <a:latin typeface="+mn-ea"/>
               </a:rPr>
               <a:t>OTSM</a:t>
             </a:r>
             <a:r>
-              <a:rPr lang="zh-TW" altLang="en-US" dirty="0">
-                <a:latin typeface="華康細明體" panose="02020309000000000000" pitchFamily="49" charset="-120"/>
-                <a:ea typeface="華康細明體" panose="02020309000000000000" pitchFamily="49" charset="-120"/>
+              <a:rPr lang="zh-TW" altLang="en-US" sz="2400" dirty="0">
+                <a:solidFill>
+                  <a:schemeClr val="tx1">
+                    <a:lumMod val="75000"/>
+                    <a:lumOff val="25000"/>
+                  </a:schemeClr>
+                </a:solidFill>
+                <a:latin typeface="+mn-ea"/>
               </a:rPr>
               <a:t>程式替換</a:t>
             </a:r>
-            <a:endParaRPr lang="en-US" altLang="zh-TW" dirty="0">
-              <a:latin typeface="華康細明體" panose="02020309000000000000" pitchFamily="49" charset="-120"/>
-              <a:ea typeface="華康細明體" panose="02020309000000000000" pitchFamily="49" charset="-120"/>
+            <a:endParaRPr lang="en-US" altLang="zh-TW" sz="2400" dirty="0">
+              <a:solidFill>
+                <a:schemeClr val="tx1">
+                  <a:lumMod val="75000"/>
+                  <a:lumOff val="25000"/>
+                </a:schemeClr>
+              </a:solidFill>
+              <a:latin typeface="+mn-ea"/>
             </a:endParaRPr>
           </a:p>
           <a:p>
             <a:r>
-              <a:rPr lang="zh-TW" altLang="en-US" dirty="0">
-                <a:latin typeface="華康細明體" panose="02020309000000000000" pitchFamily="49" charset="-120"/>
-                <a:ea typeface="華康細明體" panose="02020309000000000000" pitchFamily="49" charset="-120"/>
+              <a:rPr lang="zh-TW" altLang="en-US" sz="2400" dirty="0">
+                <a:solidFill>
+                  <a:schemeClr val="tx1">
+                    <a:lumMod val="75000"/>
+                    <a:lumOff val="25000"/>
+                  </a:schemeClr>
+                </a:solidFill>
+                <a:latin typeface="+mn-ea"/>
               </a:rPr>
               <a:t>陳建霖：資料收集</a:t>
             </a:r>
-            <a:endParaRPr lang="en-US" altLang="zh-TW" dirty="0">
-              <a:latin typeface="華康細明體" panose="02020309000000000000" pitchFamily="49" charset="-120"/>
-              <a:ea typeface="華康細明體" panose="02020309000000000000" pitchFamily="49" charset="-120"/>
+            <a:endParaRPr lang="en-US" altLang="zh-TW" sz="2400" dirty="0">
+              <a:solidFill>
+                <a:schemeClr val="tx1">
+                  <a:lumMod val="75000"/>
+                  <a:lumOff val="25000"/>
+                </a:schemeClr>
+              </a:solidFill>
+              <a:latin typeface="+mn-ea"/>
             </a:endParaRPr>
           </a:p>
           <a:p>
             <a:r>
-              <a:rPr lang="zh-TW" altLang="en-US" dirty="0">
-                <a:latin typeface="華康細明體" panose="02020309000000000000" pitchFamily="49" charset="-120"/>
-                <a:ea typeface="華康細明體" panose="02020309000000000000" pitchFamily="49" charset="-120"/>
+              <a:rPr lang="zh-TW" altLang="en-US" sz="2400" dirty="0">
+                <a:solidFill>
+                  <a:schemeClr val="tx1">
+                    <a:lumMod val="75000"/>
+                    <a:lumOff val="25000"/>
+                  </a:schemeClr>
+                </a:solidFill>
+                <a:latin typeface="+mn-ea"/>
               </a:rPr>
               <a:t>姚辰彥：製作</a:t>
             </a:r>
             <a:r>
-              <a:rPr lang="en-US" altLang="zh-TW" dirty="0" err="1">
-                <a:latin typeface="華康細明體" panose="02020309000000000000" pitchFamily="49" charset="-120"/>
-                <a:ea typeface="華康細明體" panose="02020309000000000000" pitchFamily="49" charset="-120"/>
+              <a:rPr lang="en-US" altLang="zh-TW" sz="2400" dirty="0" err="1">
+                <a:solidFill>
+                  <a:schemeClr val="tx1">
+                    <a:lumMod val="75000"/>
+                    <a:lumOff val="25000"/>
+                  </a:schemeClr>
+                </a:solidFill>
+                <a:latin typeface="+mn-ea"/>
               </a:rPr>
               <a:t>ppt</a:t>
             </a:r>
-            <a:endParaRPr lang="en-US" altLang="zh-TW" dirty="0">
-              <a:latin typeface="華康細明體" panose="02020309000000000000" pitchFamily="49" charset="-120"/>
-              <a:ea typeface="華康細明體" panose="02020309000000000000" pitchFamily="49" charset="-120"/>
+            <a:endParaRPr lang="en-US" altLang="zh-TW" sz="2400" dirty="0">
+              <a:solidFill>
+                <a:schemeClr val="tx1">
+                  <a:lumMod val="75000"/>
+                  <a:lumOff val="25000"/>
+                </a:schemeClr>
+              </a:solidFill>
+              <a:latin typeface="+mn-ea"/>
             </a:endParaRPr>
           </a:p>
           <a:p>
             <a:r>
-              <a:rPr lang="zh-TW" altLang="en-US" dirty="0">
-                <a:latin typeface="華康細明體" panose="02020309000000000000" pitchFamily="49" charset="-120"/>
-                <a:ea typeface="華康細明體" panose="02020309000000000000" pitchFamily="49" charset="-120"/>
+              <a:rPr lang="zh-TW" altLang="en-US" sz="2400" dirty="0">
+                <a:solidFill>
+                  <a:schemeClr val="tx1">
+                    <a:lumMod val="75000"/>
+                    <a:lumOff val="25000"/>
+                  </a:schemeClr>
+                </a:solidFill>
+                <a:latin typeface="+mn-ea"/>
               </a:rPr>
               <a:t>卓家葳：處理</a:t>
             </a:r>
             <a:r>
-              <a:rPr lang="en-US" altLang="zh-TW" dirty="0" err="1">
-                <a:latin typeface="華康細明體" panose="02020309000000000000" pitchFamily="49" charset="-120"/>
-                <a:ea typeface="華康細明體" panose="02020309000000000000" pitchFamily="49" charset="-120"/>
+              <a:rPr lang="en-US" altLang="zh-TW" sz="2400" dirty="0" err="1">
+                <a:solidFill>
+                  <a:schemeClr val="tx1">
+                    <a:lumMod val="75000"/>
+                    <a:lumOff val="25000"/>
+                  </a:schemeClr>
+                </a:solidFill>
+                <a:latin typeface="+mn-ea"/>
               </a:rPr>
               <a:t>Github</a:t>
             </a:r>
             <a:r>
-              <a:rPr lang="zh-TW" altLang="en-US" dirty="0">
-                <a:latin typeface="華康細明體" panose="02020309000000000000" pitchFamily="49" charset="-120"/>
-                <a:ea typeface="華康細明體" panose="02020309000000000000" pitchFamily="49" charset="-120"/>
+              <a:rPr lang="zh-TW" altLang="en-US" sz="2400" dirty="0">
+                <a:solidFill>
+                  <a:schemeClr val="tx1">
+                    <a:lumMod val="75000"/>
+                    <a:lumOff val="25000"/>
+                  </a:schemeClr>
+                </a:solidFill>
+                <a:latin typeface="+mn-ea"/>
               </a:rPr>
               <a:t>問題</a:t>
             </a:r>
-            <a:endParaRPr kumimoji="0" lang="en-US" altLang="zh-TW" sz="2800" b="0" i="0" u="none" strike="noStrike" kern="1200" cap="none" spc="0" normalizeH="0" baseline="0" noProof="0" dirty="0">
-              <a:ln>
-                <a:noFill/>
-              </a:ln>
+            <a:endParaRPr lang="en-US" altLang="zh-TW" sz="2400" dirty="0">
               <a:solidFill>
-                <a:sysClr val="window" lastClr="FFFFFF"/>
+                <a:schemeClr val="tx1">
+                  <a:lumMod val="75000"/>
+                  <a:lumOff val="25000"/>
+                </a:schemeClr>
               </a:solidFill>
-              <a:effectLst/>
-              <a:uLnTx/>
-              <a:uFillTx/>
-              <a:latin typeface="華康細明體" panose="02020309000000000000" pitchFamily="49" charset="-120"/>
-              <a:ea typeface="華康細明體" panose="02020309000000000000" pitchFamily="49" charset="-120"/>
-              <a:cs typeface="+mn-cs"/>
+              <a:latin typeface="+mn-ea"/>
             </a:endParaRPr>
           </a:p>
           <a:p>
@@ -30711,12 +30869,18 @@
           </a:xfrm>
         </p:spPr>
         <p:txBody>
-          <a:bodyPr/>
+          <a:bodyPr>
+            <a:normAutofit/>
+          </a:bodyPr>
           <a:lstStyle/>
           <a:p>
             <a:pPr algn="ctr"/>
             <a:r>
-              <a:rPr lang="zh-TW" altLang="en-US" dirty="0"/>
+              <a:rPr lang="zh-TW" altLang="en-US" b="1" dirty="0">
+                <a:latin typeface="華康粗明體" panose="02020709000000000000" pitchFamily="49" charset="-120"/>
+                <a:ea typeface="華康粗明體" panose="02020709000000000000" pitchFamily="49" charset="-120"/>
+                <a:cs typeface="+mn-cs"/>
+              </a:rPr>
               <a:t>參考文獻</a:t>
             </a:r>
           </a:p>
@@ -30738,78 +30902,145 @@
             <p:ph idx="1"/>
           </p:nvPr>
         </p:nvSpPr>
-        <p:spPr/>
+        <p:spPr>
+          <a:xfrm>
+            <a:off x="2157984" y="2133600"/>
+            <a:ext cx="9346628" cy="3777622"/>
+          </a:xfrm>
+        </p:spPr>
         <p:txBody>
           <a:bodyPr/>
           <a:lstStyle/>
           <a:p>
             <a:pPr lvl="0"/>
             <a:r>
-              <a:rPr lang="en-US" altLang="zh-TW" dirty="0"/>
+              <a:rPr lang="en-US" altLang="zh-TW" dirty="0">
+                <a:latin typeface="+mn-ea"/>
+              </a:rPr>
               <a:t>[1]</a:t>
             </a:r>
             <a:r>
-              <a:rPr lang="zh-TW" altLang="zh-TW" dirty="0"/>
+              <a:rPr lang="zh-TW" altLang="zh-TW" dirty="0">
+                <a:latin typeface="+mn-ea"/>
+              </a:rPr>
               <a:t>軟體無線電</a:t>
             </a:r>
             <a:r>
-              <a:rPr lang="en-US" altLang="zh-TW" dirty="0"/>
+              <a:rPr lang="en-US" altLang="zh-TW" dirty="0">
+                <a:latin typeface="+mn-ea"/>
+              </a:rPr>
               <a:t>wiki</a:t>
             </a:r>
             <a:r>
-              <a:rPr lang="zh-TW" altLang="zh-TW" dirty="0"/>
+              <a:rPr lang="zh-TW" altLang="zh-TW" dirty="0">
+                <a:latin typeface="+mn-ea"/>
+              </a:rPr>
               <a:t>：</a:t>
             </a:r>
             <a:r>
               <a:rPr lang="en-US" altLang="zh-TW" dirty="0">
+                <a:latin typeface="+mn-ea"/>
                 <a:hlinkClick r:id="rId2"/>
               </a:rPr>
               <a:t>https://zh.wikipedia.org/zh-tw/%E8%BD%AF%E4%BB%B6%E6%97%A0%E7%BA%BF%E7%94%B5</a:t>
             </a:r>
-            <a:endParaRPr lang="en-US" altLang="zh-TW" dirty="0"/>
+            <a:endParaRPr lang="en-US" altLang="zh-TW" dirty="0">
+              <a:latin typeface="+mn-ea"/>
+            </a:endParaRPr>
           </a:p>
           <a:p>
             <a:r>
               <a:rPr lang="en-US" altLang="zh-TW" spc="195" dirty="0">
-                <a:latin typeface="DM Sans"/>
-                <a:ea typeface="DM Sans"/>
+                <a:latin typeface="+mn-ea"/>
               </a:rPr>
               <a:t>[2]Pluto :</a:t>
             </a:r>
             <a:r>
               <a:rPr lang="en-US" altLang="zh-TW" spc="195" dirty="0">
-                <a:latin typeface="DM Sans"/>
-                <a:ea typeface="DM Sans"/>
+                <a:latin typeface="+mn-ea"/>
                 <a:hlinkClick r:id="rId3"/>
               </a:rPr>
               <a:t>https://www.mouser.tw/images/marketingid/2017/img/175161332_Analog_Devices_ADALM-PLUTOActiveLearningModule.png?v=072922.0344</a:t>
             </a:r>
             <a:endParaRPr lang="en-US" altLang="zh-TW" spc="195" dirty="0">
-              <a:latin typeface="DM Sans"/>
-              <a:ea typeface="DM Sans"/>
+              <a:latin typeface="+mn-ea"/>
             </a:endParaRPr>
           </a:p>
           <a:p>
             <a:pPr lvl="0"/>
             <a:r>
-              <a:rPr lang="en-US" altLang="zh-TW" dirty="0"/>
+              <a:rPr lang="en-US" altLang="zh-TW" dirty="0">
+                <a:latin typeface="+mn-ea"/>
+              </a:rPr>
               <a:t>[3] </a:t>
             </a:r>
             <a:r>
-              <a:rPr lang="en-US" altLang="zh-TW" dirty="0" err="1"/>
+              <a:rPr lang="en-US" altLang="zh-TW" dirty="0" err="1">
+                <a:latin typeface="+mn-ea"/>
+              </a:rPr>
               <a:t>Matlab</a:t>
             </a:r>
             <a:r>
-              <a:rPr lang="zh-TW" altLang="zh-TW" dirty="0"/>
+              <a:rPr lang="zh-TW" altLang="zh-TW" dirty="0">
+                <a:latin typeface="+mn-ea"/>
+              </a:rPr>
               <a:t>簡介：</a:t>
             </a:r>
             <a:r>
               <a:rPr lang="en-US" altLang="zh-TW" u="sng" dirty="0">
+                <a:latin typeface="+mn-ea"/>
                 <a:hlinkClick r:id="rId4"/>
               </a:rPr>
-              <a:t>https://zh.wikipedia.org/zh-tw/MATLAB</a:t>
-            </a:r>
-            <a:endParaRPr lang="zh-TW" altLang="zh-TW" dirty="0"/>
+              <a:t>https://</a:t>
+            </a:r>
+            <a:r>
+              <a:rPr lang="en-US" altLang="zh-TW" u="sng" dirty="0" smtClean="0">
+                <a:latin typeface="+mn-ea"/>
+                <a:hlinkClick r:id="rId4"/>
+              </a:rPr>
+              <a:t>zh.wikipedia.org/zh-tw/MATLAB</a:t>
+            </a:r>
+            <a:endParaRPr lang="en-US" altLang="zh-TW" u="sng" dirty="0" smtClean="0">
+              <a:latin typeface="+mn-ea"/>
+            </a:endParaRPr>
+          </a:p>
+          <a:p>
+            <a:pPr lvl="0"/>
+            <a:r>
+              <a:rPr lang="en-US" altLang="zh-TW" u="sng" dirty="0">
+                <a:latin typeface="+mn-ea"/>
+              </a:rPr>
+              <a:t>[</a:t>
+            </a:r>
+            <a:r>
+              <a:rPr lang="en-US" altLang="zh-TW" u="sng" dirty="0" smtClean="0">
+                <a:latin typeface="+mn-ea"/>
+              </a:rPr>
+              <a:t>4]</a:t>
+            </a:r>
+            <a:r>
+              <a:rPr lang="en-US" altLang="zh-TW" u="sng" dirty="0" err="1" smtClean="0">
+                <a:latin typeface="+mn-ea"/>
+              </a:rPr>
+              <a:t>QAM:</a:t>
+            </a:r>
+            <a:r>
+              <a:rPr lang="en-US" altLang="zh-TW" dirty="0" err="1" smtClean="0">
+                <a:latin typeface="+mn-ea"/>
+                <a:hlinkClick r:id="rId5"/>
+              </a:rPr>
+              <a:t>https</a:t>
+            </a:r>
+            <a:r>
+              <a:rPr lang="en-US" altLang="zh-TW" dirty="0">
+                <a:latin typeface="+mn-ea"/>
+                <a:hlinkClick r:id="rId5"/>
+              </a:rPr>
+              <a:t>://upload.wikimedia.org/wikipedia/commons/9/90/QAM16_Demonstration.gif</a:t>
+            </a:r>
+            <a:endParaRPr lang="zh-TW" altLang="zh-TW" dirty="0">
+              <a:latin typeface="+mn-ea"/>
+            </a:endParaRPr>
           </a:p>
           <a:p>
             <a:endParaRPr lang="zh-TW" altLang="zh-TW" dirty="0"/>
@@ -31030,10 +31261,44 @@
       </p:grpSpPr>
       <p:sp>
         <p:nvSpPr>
+          <p:cNvPr id="2" name="標題 1">
+            <a:extLst>
+              <a:ext uri="{FF2B5EF4-FFF2-40B4-BE49-F238E27FC236}">
+                <a16:creationId xmlns:a16="http://schemas.microsoft.com/office/drawing/2014/main" id="{14069461-CC19-42E6-9E3E-706E14367AB2}"/>
+              </a:ext>
+            </a:extLst>
+          </p:cNvPr>
+          <p:cNvSpPr>
+            <a:spLocks noGrp="1"/>
+          </p:cNvSpPr>
+          <p:nvPr>
+            <p:ph type="title"/>
+          </p:nvPr>
+        </p:nvSpPr>
+        <p:spPr/>
+        <p:txBody>
+          <a:bodyPr>
+            <a:normAutofit/>
+          </a:bodyPr>
+          <a:lstStyle/>
+          <a:p>
+            <a:r>
+              <a:rPr lang="zh-TW" altLang="en-US" b="1" dirty="0">
+                <a:latin typeface="華康粗明體" panose="02020709000000000000" pitchFamily="49" charset="-120"/>
+                <a:ea typeface="華康粗明體" panose="02020709000000000000" pitchFamily="49" charset="-120"/>
+                <a:cs typeface="+mn-cs"/>
+              </a:rPr>
+              <a:t>提問環節</a:t>
+            </a:r>
+          </a:p>
+        </p:txBody>
+      </p:sp>
+      <p:sp>
+        <p:nvSpPr>
           <p:cNvPr id="3" name="內容版面配置區 2">
             <a:extLst>
               <a:ext uri="{FF2B5EF4-FFF2-40B4-BE49-F238E27FC236}">
-                <a16:creationId xmlns:a16="http://schemas.microsoft.com/office/drawing/2014/main" id="{DE5E4C15-3957-47E3-AE62-C3DDF5977B2B}"/>
+                <a16:creationId xmlns:a16="http://schemas.microsoft.com/office/drawing/2014/main" id="{75E3D2E2-5B0B-4CDD-9516-CD2B42B5609F}"/>
               </a:ext>
             </a:extLst>
           </p:cNvPr>
@@ -31055,44 +31320,10 @@
       </p:sp>
       <p:sp>
         <p:nvSpPr>
-          <p:cNvPr id="5" name="標題 1">
+          <p:cNvPr id="4" name="投影片編號版面配置區 3">
             <a:extLst>
               <a:ext uri="{FF2B5EF4-FFF2-40B4-BE49-F238E27FC236}">
-                <a16:creationId xmlns:a16="http://schemas.microsoft.com/office/drawing/2014/main" id="{7519CD9A-B76F-4074-94C2-35AF2002A6BC}"/>
-              </a:ext>
-            </a:extLst>
-          </p:cNvPr>
-          <p:cNvSpPr>
-            <a:spLocks noGrp="1"/>
-          </p:cNvSpPr>
-          <p:nvPr>
-            <p:ph type="title"/>
-          </p:nvPr>
-        </p:nvSpPr>
-        <p:spPr>
-          <a:xfrm>
-            <a:off x="1484561" y="852710"/>
-            <a:ext cx="8911687" cy="1280890"/>
-          </a:xfrm>
-        </p:spPr>
-        <p:txBody>
-          <a:bodyPr/>
-          <a:lstStyle/>
-          <a:p>
-            <a:pPr algn="ctr"/>
-            <a:r>
-              <a:rPr lang="zh-TW" altLang="en-US" dirty="0"/>
-              <a:t>參考文獻</a:t>
-            </a:r>
-          </a:p>
-        </p:txBody>
-      </p:sp>
-      <p:sp>
-        <p:nvSpPr>
-          <p:cNvPr id="2" name="投影片編號版面配置區 1">
-            <a:extLst>
-              <a:ext uri="{FF2B5EF4-FFF2-40B4-BE49-F238E27FC236}">
-                <a16:creationId xmlns:a16="http://schemas.microsoft.com/office/drawing/2014/main" id="{7241A1E8-E623-4DDE-ABC5-C9FFE20A2DC7}"/>
+                <a16:creationId xmlns:a16="http://schemas.microsoft.com/office/drawing/2014/main" id="{DC20AEF8-0B4C-4BC3-B689-AD0FC812FF08}"/>
               </a:ext>
             </a:extLst>
           </p:cNvPr>
@@ -31118,10 +31349,10 @@
       </p:sp>
       <p:sp>
         <p:nvSpPr>
-          <p:cNvPr id="6" name="投影片編號版面配置區 3">
+          <p:cNvPr id="5" name="投影片編號版面配置區 3">
             <a:extLst>
               <a:ext uri="{FF2B5EF4-FFF2-40B4-BE49-F238E27FC236}">
-                <a16:creationId xmlns:a16="http://schemas.microsoft.com/office/drawing/2014/main" id="{5E5D8A2C-0678-4333-AA58-ED1E0CAFBBD6}"/>
+                <a16:creationId xmlns:a16="http://schemas.microsoft.com/office/drawing/2014/main" id="{74DF10CA-3392-48F4-9DD3-BD3A11311285}"/>
               </a:ext>
             </a:extLst>
           </p:cNvPr>
@@ -31257,7 +31488,7 @@
     </p:spTree>
     <p:extLst>
       <p:ext uri="{BB962C8B-B14F-4D97-AF65-F5344CB8AC3E}">
-        <p14:creationId xmlns:p14="http://schemas.microsoft.com/office/powerpoint/2010/main" val="174598232"/>
+        <p14:creationId xmlns:p14="http://schemas.microsoft.com/office/powerpoint/2010/main" val="3451663621"/>
       </p:ext>
     </p:extLst>
   </p:cSld>
@@ -31319,15 +31550,17 @@
           </a:xfrm>
         </p:spPr>
         <p:txBody>
-          <a:bodyPr/>
+          <a:bodyPr>
+            <a:normAutofit/>
+          </a:bodyPr>
           <a:lstStyle/>
           <a:p>
             <a:pPr algn="ctr"/>
             <a:r>
-              <a:rPr lang="zh-TW" altLang="en-US" dirty="0">
-                <a:solidFill>
-                  <a:schemeClr val="tx1"/>
-                </a:solidFill>
+              <a:rPr lang="zh-TW" altLang="en-US" b="1" dirty="0">
+                <a:latin typeface="華康粗明體" panose="02020709000000000000" pitchFamily="49" charset="-120"/>
+                <a:ea typeface="華康粗明體" panose="02020709000000000000" pitchFamily="49" charset="-120"/>
+                <a:cs typeface="+mn-cs"/>
               </a:rPr>
               <a:t>目錄</a:t>
             </a:r>
@@ -32345,268 +32578,6 @@
 </p:sld>
 </file>
 
-<file path=ppt/slides/slide20.xml><?xml version="1.0" encoding="utf-8"?>
-<p:sld xmlns:a="http://schemas.openxmlformats.org/drawingml/2006/main" xmlns:r="http://schemas.openxmlformats.org/officeDocument/2006/relationships" xmlns:p="http://schemas.openxmlformats.org/presentationml/2006/main">
-  <p:cSld>
-    <p:spTree>
-      <p:nvGrpSpPr>
-        <p:cNvPr id="1" name=""/>
-        <p:cNvGrpSpPr/>
-        <p:nvPr/>
-      </p:nvGrpSpPr>
-      <p:grpSpPr>
-        <a:xfrm>
-          <a:off x="0" y="0"/>
-          <a:ext cx="0" cy="0"/>
-          <a:chOff x="0" y="0"/>
-          <a:chExt cx="0" cy="0"/>
-        </a:xfrm>
-      </p:grpSpPr>
-      <p:sp>
-        <p:nvSpPr>
-          <p:cNvPr id="2" name="標題 1">
-            <a:extLst>
-              <a:ext uri="{FF2B5EF4-FFF2-40B4-BE49-F238E27FC236}">
-                <a16:creationId xmlns:a16="http://schemas.microsoft.com/office/drawing/2014/main" id="{14069461-CC19-42E6-9E3E-706E14367AB2}"/>
-              </a:ext>
-            </a:extLst>
-          </p:cNvPr>
-          <p:cNvSpPr>
-            <a:spLocks noGrp="1"/>
-          </p:cNvSpPr>
-          <p:nvPr>
-            <p:ph type="title"/>
-          </p:nvPr>
-        </p:nvSpPr>
-        <p:spPr/>
-        <p:txBody>
-          <a:bodyPr/>
-          <a:lstStyle/>
-          <a:p>
-            <a:r>
-              <a:rPr lang="zh-TW" altLang="en-US" dirty="0"/>
-              <a:t>提問環節</a:t>
-            </a:r>
-          </a:p>
-        </p:txBody>
-      </p:sp>
-      <p:sp>
-        <p:nvSpPr>
-          <p:cNvPr id="3" name="內容版面配置區 2">
-            <a:extLst>
-              <a:ext uri="{FF2B5EF4-FFF2-40B4-BE49-F238E27FC236}">
-                <a16:creationId xmlns:a16="http://schemas.microsoft.com/office/drawing/2014/main" id="{75E3D2E2-5B0B-4CDD-9516-CD2B42B5609F}"/>
-              </a:ext>
-            </a:extLst>
-          </p:cNvPr>
-          <p:cNvSpPr>
-            <a:spLocks noGrp="1"/>
-          </p:cNvSpPr>
-          <p:nvPr>
-            <p:ph idx="1"/>
-          </p:nvPr>
-        </p:nvSpPr>
-        <p:spPr/>
-        <p:txBody>
-          <a:bodyPr/>
-          <a:lstStyle/>
-          <a:p>
-            <a:endParaRPr lang="zh-TW" altLang="en-US" dirty="0"/>
-          </a:p>
-        </p:txBody>
-      </p:sp>
-      <p:sp>
-        <p:nvSpPr>
-          <p:cNvPr id="4" name="投影片編號版面配置區 3">
-            <a:extLst>
-              <a:ext uri="{FF2B5EF4-FFF2-40B4-BE49-F238E27FC236}">
-                <a16:creationId xmlns:a16="http://schemas.microsoft.com/office/drawing/2014/main" id="{DC20AEF8-0B4C-4BC3-B689-AD0FC812FF08}"/>
-              </a:ext>
-            </a:extLst>
-          </p:cNvPr>
-          <p:cNvSpPr>
-            <a:spLocks noGrp="1"/>
-          </p:cNvSpPr>
-          <p:nvPr>
-            <p:ph type="sldNum" sz="quarter" idx="12"/>
-          </p:nvPr>
-        </p:nvSpPr>
-        <p:spPr/>
-        <p:txBody>
-          <a:bodyPr/>
-          <a:lstStyle/>
-          <a:p>
-            <a:fld id="{198CCF71-D315-4EBA-8BEC-176ABDF74514}" type="slidenum">
-              <a:rPr lang="zh-TW" altLang="en-US" smtClean="0"/>
-              <a:t>20</a:t>
-            </a:fld>
-            <a:endParaRPr lang="zh-TW" altLang="en-US"/>
-          </a:p>
-        </p:txBody>
-      </p:sp>
-      <p:sp>
-        <p:nvSpPr>
-          <p:cNvPr id="5" name="投影片編號版面配置區 3">
-            <a:extLst>
-              <a:ext uri="{FF2B5EF4-FFF2-40B4-BE49-F238E27FC236}">
-                <a16:creationId xmlns:a16="http://schemas.microsoft.com/office/drawing/2014/main" id="{74DF10CA-3392-48F4-9DD3-BD3A11311285}"/>
-              </a:ext>
-            </a:extLst>
-          </p:cNvPr>
-          <p:cNvSpPr txBox="1">
-            <a:spLocks/>
-          </p:cNvSpPr>
-          <p:nvPr/>
-        </p:nvSpPr>
-        <p:spPr bwMode="gray">
-          <a:xfrm>
-            <a:off x="11412233" y="6492875"/>
-            <a:ext cx="779767" cy="365125"/>
-          </a:xfrm>
-          <a:prstGeom prst="rect">
-            <a:avLst/>
-          </a:prstGeom>
-        </p:spPr>
-        <p:txBody>
-          <a:bodyPr vert="horz" lIns="91440" tIns="45720" rIns="91440" bIns="45720" rtlCol="0" anchor="ctr"/>
-          <a:lstStyle>
-            <a:defPPr>
-              <a:defRPr lang="en-US"/>
-            </a:defPPr>
-            <a:lvl1pPr marL="0" algn="r" defTabSz="457200" rtl="0" eaLnBrk="1" latinLnBrk="0" hangingPunct="1">
-              <a:defRPr sz="2000" kern="1200">
-                <a:solidFill>
-                  <a:srgbClr val="FEFFFF"/>
-                </a:solidFill>
-                <a:latin typeface="+mn-lt"/>
-                <a:ea typeface="+mn-ea"/>
-                <a:cs typeface="+mn-cs"/>
-              </a:defRPr>
-            </a:lvl1pPr>
-            <a:lvl2pPr marL="457200" algn="l" defTabSz="457200" rtl="0" eaLnBrk="1" latinLnBrk="0" hangingPunct="1">
-              <a:defRPr sz="1800" kern="1200">
-                <a:solidFill>
-                  <a:schemeClr val="tx1"/>
-                </a:solidFill>
-                <a:latin typeface="+mn-lt"/>
-                <a:ea typeface="+mn-ea"/>
-                <a:cs typeface="+mn-cs"/>
-              </a:defRPr>
-            </a:lvl2pPr>
-            <a:lvl3pPr marL="914400" algn="l" defTabSz="457200" rtl="0" eaLnBrk="1" latinLnBrk="0" hangingPunct="1">
-              <a:defRPr sz="1800" kern="1200">
-                <a:solidFill>
-                  <a:schemeClr val="tx1"/>
-                </a:solidFill>
-                <a:latin typeface="+mn-lt"/>
-                <a:ea typeface="+mn-ea"/>
-                <a:cs typeface="+mn-cs"/>
-              </a:defRPr>
-            </a:lvl3pPr>
-            <a:lvl4pPr marL="1371600" algn="l" defTabSz="457200" rtl="0" eaLnBrk="1" latinLnBrk="0" hangingPunct="1">
-              <a:defRPr sz="1800" kern="1200">
-                <a:solidFill>
-                  <a:schemeClr val="tx1"/>
-                </a:solidFill>
-                <a:latin typeface="+mn-lt"/>
-                <a:ea typeface="+mn-ea"/>
-                <a:cs typeface="+mn-cs"/>
-              </a:defRPr>
-            </a:lvl4pPr>
-            <a:lvl5pPr marL="1828800" algn="l" defTabSz="457200" rtl="0" eaLnBrk="1" latinLnBrk="0" hangingPunct="1">
-              <a:defRPr sz="1800" kern="1200">
-                <a:solidFill>
-                  <a:schemeClr val="tx1"/>
-                </a:solidFill>
-                <a:latin typeface="+mn-lt"/>
-                <a:ea typeface="+mn-ea"/>
-                <a:cs typeface="+mn-cs"/>
-              </a:defRPr>
-            </a:lvl5pPr>
-            <a:lvl6pPr marL="2286000" algn="l" defTabSz="457200" rtl="0" eaLnBrk="1" latinLnBrk="0" hangingPunct="1">
-              <a:defRPr sz="1800" kern="1200">
-                <a:solidFill>
-                  <a:schemeClr val="tx1"/>
-                </a:solidFill>
-                <a:latin typeface="+mn-lt"/>
-                <a:ea typeface="+mn-ea"/>
-                <a:cs typeface="+mn-cs"/>
-              </a:defRPr>
-            </a:lvl6pPr>
-            <a:lvl7pPr marL="2743200" algn="l" defTabSz="457200" rtl="0" eaLnBrk="1" latinLnBrk="0" hangingPunct="1">
-              <a:defRPr sz="1800" kern="1200">
-                <a:solidFill>
-                  <a:schemeClr val="tx1"/>
-                </a:solidFill>
-                <a:latin typeface="+mn-lt"/>
-                <a:ea typeface="+mn-ea"/>
-                <a:cs typeface="+mn-cs"/>
-              </a:defRPr>
-            </a:lvl7pPr>
-            <a:lvl8pPr marL="3200400" algn="l" defTabSz="457200" rtl="0" eaLnBrk="1" latinLnBrk="0" hangingPunct="1">
-              <a:defRPr sz="1800" kern="1200">
-                <a:solidFill>
-                  <a:schemeClr val="tx1"/>
-                </a:solidFill>
-                <a:latin typeface="+mn-lt"/>
-                <a:ea typeface="+mn-ea"/>
-                <a:cs typeface="+mn-cs"/>
-              </a:defRPr>
-            </a:lvl8pPr>
-            <a:lvl9pPr marL="3657600" algn="l" defTabSz="457200" rtl="0" eaLnBrk="1" latinLnBrk="0" hangingPunct="1">
-              <a:defRPr sz="1800" kern="1200">
-                <a:solidFill>
-                  <a:schemeClr val="tx1"/>
-                </a:solidFill>
-                <a:latin typeface="+mn-lt"/>
-                <a:ea typeface="+mn-ea"/>
-                <a:cs typeface="+mn-cs"/>
-              </a:defRPr>
-            </a:lvl9pPr>
-          </a:lstStyle>
-          <a:p>
-            <a:fld id="{198CCF71-D315-4EBA-8BEC-176ABDF74514}" type="slidenum">
-              <a:rPr lang="zh-TW" altLang="en-US" smtClean="0">
-                <a:solidFill>
-                  <a:schemeClr val="tx1"/>
-                </a:solidFill>
-              </a:rPr>
-              <a:pPr/>
-              <a:t>20</a:t>
-            </a:fld>
-            <a:endParaRPr lang="zh-TW" altLang="en-US" dirty="0">
-              <a:solidFill>
-                <a:schemeClr val="tx1"/>
-              </a:solidFill>
-            </a:endParaRPr>
-          </a:p>
-        </p:txBody>
-      </p:sp>
-    </p:spTree>
-    <p:extLst>
-      <p:ext uri="{BB962C8B-B14F-4D97-AF65-F5344CB8AC3E}">
-        <p14:creationId xmlns:p14="http://schemas.microsoft.com/office/powerpoint/2010/main" val="3451663621"/>
-      </p:ext>
-    </p:extLst>
-  </p:cSld>
-  <p:clrMapOvr>
-    <a:masterClrMapping/>
-  </p:clrMapOvr>
-  <mc:AlternateContent xmlns:mc="http://schemas.openxmlformats.org/markup-compatibility/2006" xmlns:p14="http://schemas.microsoft.com/office/powerpoint/2010/main">
-    <mc:Choice Requires="p14">
-      <p:transition spd="slow" p14:dur="2000">
-        <p:cut/>
-      </p:transition>
-    </mc:Choice>
-    <mc:Fallback xmlns="">
-      <p:transition spd="slow">
-        <p:cut/>
-      </p:transition>
-    </mc:Fallback>
-  </mc:AlternateContent>
-</p:sld>
-</file>
-
 <file path=ppt/slides/slide3.xml><?xml version="1.0" encoding="utf-8"?>
 <p:sld xmlns:a="http://schemas.openxmlformats.org/drawingml/2006/main" xmlns:r="http://schemas.openxmlformats.org/officeDocument/2006/relationships" xmlns:p="http://schemas.openxmlformats.org/presentationml/2006/main">
   <p:cSld>
@@ -32686,7 +32657,7 @@
         </p:nvSpPr>
         <p:spPr>
           <a:xfrm>
-            <a:off x="1849741" y="1831450"/>
+            <a:off x="1875338" y="1880937"/>
             <a:ext cx="8915400" cy="3777622"/>
           </a:xfrm>
         </p:spPr>
@@ -32991,12 +32962,14 @@
         </p:nvSpPr>
         <p:spPr>
           <a:xfrm>
-            <a:off x="1849741" y="1831450"/>
+            <a:off x="1875338" y="1942218"/>
             <a:ext cx="8915400" cy="3777622"/>
           </a:xfrm>
         </p:spPr>
         <p:txBody>
-          <a:bodyPr/>
+          <a:bodyPr>
+            <a:normAutofit/>
+          </a:bodyPr>
           <a:lstStyle/>
           <a:p>
             <a:r>
@@ -33266,11 +33239,17 @@
           </a:xfrm>
         </p:spPr>
         <p:txBody>
-          <a:bodyPr/>
+          <a:bodyPr>
+            <a:normAutofit/>
+          </a:bodyPr>
           <a:lstStyle/>
           <a:p>
             <a:r>
-              <a:rPr lang="zh-TW" altLang="en-US" dirty="0"/>
+              <a:rPr lang="zh-TW" altLang="en-US" b="1" dirty="0">
+                <a:latin typeface="華康粗明體" panose="02020709000000000000" pitchFamily="49" charset="-120"/>
+                <a:ea typeface="華康粗明體" panose="02020709000000000000" pitchFamily="49" charset="-120"/>
+                <a:cs typeface="+mn-cs"/>
+              </a:rPr>
               <a:t>基礎概念</a:t>
             </a:r>
           </a:p>
@@ -33294,91 +33273,91 @@
         </p:nvSpPr>
         <p:spPr>
           <a:xfrm>
-            <a:off x="406703" y="1880936"/>
-            <a:ext cx="8465834" cy="3846764"/>
+            <a:off x="607871" y="1880936"/>
+            <a:ext cx="8280097" cy="3879784"/>
           </a:xfrm>
         </p:spPr>
         <p:txBody>
           <a:bodyPr>
-            <a:normAutofit fontScale="92500" lnSpcReduction="20000"/>
+            <a:noAutofit/>
           </a:bodyPr>
           <a:lstStyle/>
           <a:p>
             <a:r>
-              <a:rPr lang="en-US" altLang="zh-TW" sz="2800" dirty="0"/>
+              <a:rPr lang="en-US" altLang="zh-TW" sz="2400" dirty="0"/>
               <a:t>SDR(Software Defined Radio</a:t>
             </a:r>
             <a:r>
-              <a:rPr lang="zh-TW" altLang="zh-TW" sz="2800" dirty="0"/>
+              <a:rPr lang="zh-TW" altLang="zh-TW" sz="2400" dirty="0"/>
               <a:t>，軟體定義無線電</a:t>
             </a:r>
             <a:r>
-              <a:rPr lang="en-US" altLang="zh-TW" sz="2800" dirty="0"/>
+              <a:rPr lang="en-US" altLang="zh-TW" sz="2400" dirty="0"/>
               <a:t>)</a:t>
             </a:r>
             <a:r>
-              <a:rPr lang="zh-TW" altLang="zh-TW" sz="2800" dirty="0"/>
+              <a:rPr lang="zh-TW" altLang="zh-TW" sz="2400" dirty="0"/>
               <a:t>，是一種實現無線通訊的新概念和體制。在硬體中可以通過組件實現，也可以通過軟體手段實施</a:t>
             </a:r>
-            <a:endParaRPr lang="en-US" altLang="zh-TW" sz="2800" dirty="0"/>
+            <a:endParaRPr lang="en-US" altLang="zh-TW" sz="2400" dirty="0"/>
           </a:p>
           <a:p>
             <a:r>
-              <a:rPr lang="en-US" altLang="zh-TW" sz="2800" dirty="0"/>
+              <a:rPr lang="en-US" altLang="zh-TW" sz="2400" dirty="0"/>
               <a:t>MATLAB</a:t>
             </a:r>
             <a:r>
-              <a:rPr lang="zh-TW" altLang="zh-TW" sz="2800" dirty="0"/>
+              <a:rPr lang="zh-TW" altLang="zh-TW" sz="2400" dirty="0"/>
               <a:t>（</a:t>
             </a:r>
             <a:r>
-              <a:rPr lang="en-US" altLang="zh-TW" sz="2800" dirty="0"/>
+              <a:rPr lang="en-US" altLang="zh-TW" sz="2400" dirty="0"/>
               <a:t>Matrix Laboratory</a:t>
             </a:r>
             <a:r>
-              <a:rPr lang="zh-TW" altLang="zh-TW" sz="2800" dirty="0"/>
+              <a:rPr lang="zh-TW" altLang="zh-TW" sz="2400" dirty="0"/>
               <a:t>，矩陣實驗室）主要用於數值運算，適合不同領域的應用，例如控制系統設計與分析、影像處理、深度學習、訊號處理與通訊等。</a:t>
             </a:r>
-            <a:endParaRPr lang="en-US" altLang="zh-TW" sz="2800" dirty="0"/>
+            <a:endParaRPr lang="en-US" altLang="zh-TW" sz="2400" dirty="0"/>
           </a:p>
           <a:p>
             <a:r>
-              <a:rPr lang="en-US" altLang="zh-TW" sz="2800" dirty="0"/>
+              <a:rPr lang="en-US" altLang="zh-TW" sz="2400" dirty="0"/>
               <a:t>OTSM</a:t>
             </a:r>
             <a:r>
-              <a:rPr lang="zh-TW" altLang="zh-TW" sz="2800" dirty="0"/>
+              <a:rPr lang="zh-TW" altLang="zh-TW" sz="2400" dirty="0"/>
               <a:t> （</a:t>
             </a:r>
             <a:r>
-              <a:rPr lang="en-US" altLang="zh-TW" sz="2800" dirty="0"/>
+              <a:rPr lang="en-US" altLang="zh-TW" sz="2400" dirty="0"/>
               <a:t>Orthogonal Time-</a:t>
             </a:r>
             <a:r>
-              <a:rPr lang="en-US" altLang="zh-TW" sz="2800" dirty="0" err="1"/>
+              <a:rPr lang="en-US" altLang="zh-TW" sz="2400" dirty="0" err="1"/>
               <a:t>Sequency</a:t>
             </a:r>
             <a:r>
-              <a:rPr lang="en-US" altLang="zh-TW" sz="2800" dirty="0"/>
+              <a:rPr lang="en-US" altLang="zh-TW" sz="2400" dirty="0"/>
               <a:t> Multiplexing</a:t>
             </a:r>
             <a:r>
-              <a:rPr lang="zh-TW" altLang="en-US" sz="2800" dirty="0"/>
+              <a:rPr lang="zh-TW" altLang="en-US" sz="2400" dirty="0"/>
               <a:t>，正交時序複用調製</a:t>
             </a:r>
             <a:r>
-              <a:rPr lang="zh-TW" altLang="zh-TW" sz="2800" dirty="0"/>
+              <a:rPr lang="zh-TW" altLang="zh-TW" sz="2400" dirty="0"/>
               <a:t>）這是一種新型的單載波調變方案將資訊符號多路復用在延時</a:t>
             </a:r>
             <a:r>
-              <a:rPr lang="en-US" altLang="zh-TW" sz="2800" dirty="0"/>
+              <a:rPr lang="en-US" altLang="zh-TW" sz="2400" dirty="0"/>
               <a:t>-</a:t>
             </a:r>
             <a:r>
-              <a:rPr lang="zh-TW" altLang="zh-TW" sz="2800" dirty="0"/>
+              <a:rPr lang="zh-TW" altLang="zh-TW" sz="2400" dirty="0"/>
               <a:t>序列域中，其中序列度定義為單位時間間隔內的零交叉次數。</a:t>
             </a:r>
-            <a:endParaRPr lang="zh-TW" altLang="en-US" sz="2800" dirty="0"/>
+            <a:endParaRPr lang="zh-TW" altLang="en-US" sz="2400" dirty="0"/>
           </a:p>
         </p:txBody>
       </p:sp>
@@ -33409,7 +33388,7 @@
         </p:blipFill>
         <p:spPr bwMode="auto">
           <a:xfrm>
-            <a:off x="9348566" y="1880936"/>
+            <a:off x="9458294" y="1880936"/>
             <a:ext cx="2136941" cy="1552844"/>
           </a:xfrm>
           <a:prstGeom prst="rect">
@@ -33443,7 +33422,7 @@
         </p:blipFill>
         <p:spPr bwMode="auto">
           <a:xfrm>
-            <a:off x="8872537" y="4175128"/>
+            <a:off x="9018841" y="4175128"/>
             <a:ext cx="3088999" cy="868653"/>
           </a:xfrm>
           <a:prstGeom prst="rect">
@@ -33468,7 +33447,7 @@
         </p:nvSpPr>
         <p:spPr>
           <a:xfrm>
-            <a:off x="9990433" y="3420592"/>
+            <a:off x="10100161" y="3420592"/>
             <a:ext cx="1399614" cy="338554"/>
           </a:xfrm>
           <a:prstGeom prst="rect">
@@ -33503,7 +33482,7 @@
         </p:nvSpPr>
         <p:spPr>
           <a:xfrm>
-            <a:off x="10129029" y="4986625"/>
+            <a:off x="10275333" y="4986625"/>
             <a:ext cx="1122423" cy="369332"/>
           </a:xfrm>
           <a:prstGeom prst="rect">
@@ -33770,11 +33749,17 @@
           </a:xfrm>
         </p:spPr>
         <p:txBody>
-          <a:bodyPr/>
+          <a:bodyPr>
+            <a:normAutofit/>
+          </a:bodyPr>
           <a:lstStyle/>
           <a:p>
             <a:r>
-              <a:rPr lang="zh-TW" altLang="en-US" dirty="0"/>
+              <a:rPr lang="zh-TW" altLang="en-US" b="1" dirty="0">
+                <a:latin typeface="華康粗明體" panose="02020709000000000000" pitchFamily="49" charset="-120"/>
+                <a:ea typeface="華康粗明體" panose="02020709000000000000" pitchFamily="49" charset="-120"/>
+                <a:cs typeface="+mn-cs"/>
+              </a:rPr>
               <a:t>基礎概念</a:t>
             </a:r>
           </a:p>
@@ -33798,7 +33783,7 @@
         </p:nvSpPr>
         <p:spPr>
           <a:xfrm>
-            <a:off x="882355" y="2576513"/>
+            <a:off x="1311579" y="2516318"/>
             <a:ext cx="7301689" cy="2581336"/>
           </a:xfrm>
         </p:spPr>
@@ -33809,27 +33794,27 @@
           <a:lstStyle/>
           <a:p>
             <a:r>
-              <a:rPr lang="en-US" altLang="zh-TW" sz="2600" dirty="0"/>
+              <a:rPr lang="en-US" altLang="zh-TW" sz="2400" dirty="0"/>
               <a:t>QAM</a:t>
             </a:r>
             <a:r>
-              <a:rPr lang="zh-TW" altLang="en-US" sz="2600" dirty="0"/>
+              <a:rPr lang="zh-TW" altLang="en-US" sz="2400" dirty="0"/>
               <a:t>（</a:t>
             </a:r>
             <a:r>
-              <a:rPr lang="en-US" altLang="zh-TW" sz="2600" dirty="0"/>
+              <a:rPr lang="en-US" altLang="zh-TW" sz="2400" dirty="0"/>
               <a:t>Quadrature Amplitude Modulation</a:t>
             </a:r>
             <a:r>
-              <a:rPr lang="zh-TW" altLang="en-US" sz="2600" dirty="0"/>
+              <a:rPr lang="zh-TW" altLang="en-US" sz="2400" dirty="0"/>
               <a:t>）是一種數位調變技術，常用於數位通訊系統中，特別是在有限頻寬的載波上進行資料傳輸。 </a:t>
             </a:r>
             <a:r>
-              <a:rPr lang="en-US" altLang="zh-TW" sz="2600" dirty="0"/>
+              <a:rPr lang="en-US" altLang="zh-TW" sz="2400" dirty="0"/>
               <a:t>QAM</a:t>
             </a:r>
             <a:r>
-              <a:rPr lang="zh-TW" altLang="en-US" sz="2600" dirty="0"/>
+              <a:rPr lang="zh-TW" altLang="en-US" sz="2400" dirty="0"/>
               <a:t>透過同時變化正弦波的振幅和相位來傳輸數位訊號。</a:t>
             </a:r>
           </a:p>
@@ -34160,6 +34145,54 @@
           </a:p>
         </p:txBody>
       </p:sp>
+      <p:sp>
+        <p:nvSpPr>
+          <p:cNvPr id="12" name="文字方塊 11"/>
+          <p:cNvSpPr txBox="1"/>
+          <p:nvPr/>
+        </p:nvSpPr>
+        <p:spPr>
+          <a:xfrm>
+            <a:off x="9391124" y="4481513"/>
+            <a:ext cx="1356782" cy="338554"/>
+          </a:xfrm>
+          <a:prstGeom prst="rect">
+            <a:avLst/>
+          </a:prstGeom>
+          <a:noFill/>
+        </p:spPr>
+        <p:txBody>
+          <a:bodyPr wrap="none" rtlCol="0">
+            <a:spAutoFit/>
+          </a:bodyPr>
+          <a:lstStyle/>
+          <a:p>
+            <a:r>
+              <a:rPr lang="en-US" altLang="zh-TW" sz="1600" dirty="0" smtClean="0">
+                <a:latin typeface="+mn-ea"/>
+              </a:rPr>
+              <a:t>QAM</a:t>
+            </a:r>
+            <a:r>
+              <a:rPr lang="zh-TW" altLang="en-US" sz="1600" dirty="0" smtClean="0">
+                <a:latin typeface="+mn-ea"/>
+              </a:rPr>
+              <a:t>調變</a:t>
+            </a:r>
+            <a:r>
+              <a:rPr lang="en-US" altLang="zh-TW" sz="1600" dirty="0" smtClean="0">
+                <a:latin typeface="+mn-ea"/>
+              </a:rPr>
+              <a:t>[3</a:t>
+            </a:r>
+            <a:r>
+              <a:rPr lang="en-US" altLang="zh-TW" sz="1600" dirty="0" smtClean="0"/>
+              <a:t>]</a:t>
+            </a:r>
+            <a:endParaRPr lang="en-US" altLang="zh-TW" sz="1600" dirty="0"/>
+          </a:p>
+        </p:txBody>
+      </p:sp>
     </p:spTree>
     <p:extLst>
       <p:ext uri="{BB962C8B-B14F-4D97-AF65-F5344CB8AC3E}">
@@ -34219,11 +34252,17 @@
           </a:xfrm>
         </p:spPr>
         <p:txBody>
-          <a:bodyPr/>
+          <a:bodyPr>
+            <a:normAutofit/>
+          </a:bodyPr>
           <a:lstStyle/>
           <a:p>
             <a:r>
-              <a:rPr lang="zh-TW" altLang="en-US" dirty="0"/>
+              <a:rPr lang="zh-TW" altLang="en-US" b="1" dirty="0">
+                <a:latin typeface="華康粗明體" panose="02020709000000000000" pitchFamily="49" charset="-120"/>
+                <a:ea typeface="華康粗明體" panose="02020709000000000000" pitchFamily="49" charset="-120"/>
+                <a:cs typeface="+mn-cs"/>
+              </a:rPr>
               <a:t>系統方塊圖</a:t>
             </a:r>
           </a:p>
@@ -34665,11 +34704,17 @@
           </a:xfrm>
         </p:spPr>
         <p:txBody>
-          <a:bodyPr/>
+          <a:bodyPr>
+            <a:normAutofit/>
+          </a:bodyPr>
           <a:lstStyle/>
           <a:p>
             <a:r>
-              <a:rPr lang="zh-TW" altLang="en-US" dirty="0"/>
+              <a:rPr lang="zh-TW" altLang="en-US" b="1" dirty="0">
+                <a:latin typeface="華康粗明體" panose="02020709000000000000" pitchFamily="49" charset="-120"/>
+                <a:ea typeface="華康粗明體" panose="02020709000000000000" pitchFamily="49" charset="-120"/>
+                <a:cs typeface="+mn-cs"/>
+              </a:rPr>
               <a:t>傳送端</a:t>
             </a:r>
           </a:p>
@@ -34689,11 +34734,16 @@
           </p:cNvGraphicFramePr>
           <p:nvPr>
             <p:ph idx="1"/>
+            <p:extLst>
+              <p:ext uri="{D42A27DB-BD31-4B8C-83A1-F6EECF244321}">
+                <p14:modId xmlns:p14="http://schemas.microsoft.com/office/powerpoint/2010/main" val="2382517796"/>
+              </p:ext>
+            </p:extLst>
           </p:nvPr>
         </p:nvGraphicFramePr>
         <p:xfrm>
-          <a:off x="2236287" y="1620253"/>
-          <a:ext cx="8915400" cy="3778250"/>
+          <a:off x="921695" y="2141461"/>
+          <a:ext cx="7227753" cy="3063043"/>
         </p:xfrm>
         <a:graphic>
           <a:graphicData uri="http://schemas.openxmlformats.org/drawingml/2006/diagram">
@@ -34868,6 +34918,72 @@
           </a:p>
         </p:txBody>
       </p:sp>
+      <p:pic>
+        <p:nvPicPr>
+          <p:cNvPr id="6" name="圖片 5"/>
+          <p:cNvPicPr>
+            <a:picLocks noChangeAspect="1"/>
+          </p:cNvPicPr>
+          <p:nvPr/>
+        </p:nvPicPr>
+        <p:blipFill>
+          <a:blip r:embed="rId7"/>
+          <a:stretch>
+            <a:fillRect/>
+          </a:stretch>
+        </p:blipFill>
+        <p:spPr>
+          <a:xfrm>
+            <a:off x="8716920" y="2012772"/>
+            <a:ext cx="2833807" cy="3320420"/>
+          </a:xfrm>
+          <a:prstGeom prst="rect">
+            <a:avLst/>
+          </a:prstGeom>
+        </p:spPr>
+      </p:pic>
+      <p:sp>
+        <p:nvSpPr>
+          <p:cNvPr id="7" name="文字方塊 6"/>
+          <p:cNvSpPr txBox="1"/>
+          <p:nvPr/>
+        </p:nvSpPr>
+        <p:spPr>
+          <a:xfrm>
+            <a:off x="9434016" y="5465027"/>
+            <a:ext cx="1467068" cy="338554"/>
+          </a:xfrm>
+          <a:prstGeom prst="rect">
+            <a:avLst/>
+          </a:prstGeom>
+          <a:noFill/>
+        </p:spPr>
+        <p:txBody>
+          <a:bodyPr wrap="none" rtlCol="0">
+            <a:spAutoFit/>
+          </a:bodyPr>
+          <a:lstStyle/>
+          <a:p>
+            <a:r>
+              <a:rPr lang="zh-TW" altLang="en-US" sz="1600" dirty="0">
+                <a:latin typeface="+mn-ea"/>
+              </a:rPr>
+              <a:t>傳送端做圖</a:t>
+            </a:r>
+            <a:r>
+              <a:rPr lang="en-US" altLang="zh-TW" sz="1600" dirty="0" smtClean="0">
+                <a:latin typeface="+mn-ea"/>
+              </a:rPr>
+              <a:t>[4</a:t>
+            </a:r>
+            <a:r>
+              <a:rPr lang="en-US" altLang="zh-TW" sz="1600" dirty="0" smtClean="0"/>
+              <a:t>]</a:t>
+            </a:r>
+            <a:endParaRPr lang="en-US" altLang="zh-TW" sz="1600" dirty="0"/>
+          </a:p>
+        </p:txBody>
+      </p:sp>
     </p:spTree>
     <p:extLst>
       <p:ext uri="{BB962C8B-B14F-4D97-AF65-F5344CB8AC3E}">
@@ -34933,11 +35049,17 @@
           </a:xfrm>
         </p:spPr>
         <p:txBody>
-          <a:bodyPr/>
+          <a:bodyPr>
+            <a:normAutofit/>
+          </a:bodyPr>
           <a:lstStyle/>
           <a:p>
             <a:r>
-              <a:rPr lang="zh-TW" altLang="en-US" dirty="0"/>
+              <a:rPr lang="zh-TW" altLang="en-US" b="1" dirty="0">
+                <a:latin typeface="華康粗明體" panose="02020709000000000000" pitchFamily="49" charset="-120"/>
+                <a:ea typeface="華康粗明體" panose="02020709000000000000" pitchFamily="49" charset="-120"/>
+                <a:cs typeface="+mn-cs"/>
+              </a:rPr>
               <a:t>通道設定</a:t>
             </a:r>
           </a:p>
@@ -34990,7 +35112,7 @@
         <p:spPr>
           <a:xfrm>
             <a:off x="1068126" y="1925543"/>
-            <a:ext cx="6096000" cy="4247317"/>
+            <a:ext cx="6096000" cy="5262979"/>
           </a:xfrm>
           <a:prstGeom prst="rect">
             <a:avLst/>
@@ -35003,67 +35125,520 @@
           <a:lstStyle/>
           <a:p>
             <a:r>
-              <a:rPr lang="en-US" altLang="zh-TW" b="0" i="0" dirty="0">
+              <a:rPr lang="en-US" altLang="zh-TW" sz="2000" b="0" i="0" dirty="0">
                 <a:solidFill>
                   <a:srgbClr val="000000"/>
                 </a:solidFill>
                 <a:effectLst/>
-                <a:latin typeface="Arial" panose="020B0604020202020204" pitchFamily="34" charset="0"/>
+                <a:latin typeface="+mn-ea"/>
               </a:rPr>
               <a:t>RX_LO_FREQ: </a:t>
             </a:r>
             <a:r>
-              <a:rPr lang="zh-TW" altLang="en-US" b="0" i="0" dirty="0">
+              <a:rPr lang="zh-TW" altLang="en-US" sz="2000" b="0" i="0" dirty="0">
                 <a:solidFill>
                   <a:srgbClr val="000000"/>
                 </a:solidFill>
                 <a:effectLst/>
-                <a:latin typeface="Arial" panose="020B0604020202020204" pitchFamily="34" charset="0"/>
+                <a:latin typeface="+mn-ea"/>
               </a:rPr>
               <a:t>接收端</a:t>
             </a:r>
             <a:r>
-              <a:rPr lang="en-US" altLang="zh-TW" b="0" i="0" dirty="0">
+              <a:rPr lang="en-US" altLang="zh-TW" sz="2000" b="0" i="0" dirty="0">
                 <a:solidFill>
                   <a:srgbClr val="000000"/>
                 </a:solidFill>
                 <a:effectLst/>
-                <a:latin typeface="Arial" panose="020B0604020202020204" pitchFamily="34" charset="0"/>
+                <a:latin typeface="+mn-ea"/>
               </a:rPr>
               <a:t>-</a:t>
             </a:r>
             <a:r>
-              <a:rPr lang="zh-TW" altLang="en-US" b="0" i="0" dirty="0">
+              <a:rPr lang="zh-TW" altLang="en-US" sz="2000" b="0" i="0" dirty="0">
                 <a:solidFill>
                   <a:srgbClr val="000000"/>
                 </a:solidFill>
                 <a:effectLst/>
-                <a:latin typeface="Arial" panose="020B0604020202020204" pitchFamily="34" charset="0"/>
+                <a:latin typeface="+mn-ea"/>
               </a:rPr>
               <a:t>接收頻率 </a:t>
             </a:r>
             <a:r>
-              <a:rPr lang="en-US" altLang="zh-TW" b="0" i="0" dirty="0">
+              <a:rPr lang="en-US" altLang="zh-TW" sz="2000" b="0" i="0" dirty="0">
                 <a:solidFill>
                   <a:srgbClr val="000000"/>
                 </a:solidFill>
                 <a:effectLst/>
-                <a:latin typeface="Arial" panose="020B0604020202020204" pitchFamily="34" charset="0"/>
+                <a:latin typeface="+mn-ea"/>
               </a:rPr>
               <a:t>(325MHZ-3.8GHZ</a:t>
             </a:r>
             <a:r>
-              <a:rPr lang="zh-TW" altLang="en-US" b="0" i="0" dirty="0">
+              <a:rPr lang="zh-TW" altLang="en-US" sz="2000" b="0" i="0" dirty="0">
                 <a:solidFill>
                   <a:srgbClr val="000000"/>
                 </a:solidFill>
                 <a:effectLst/>
-                <a:latin typeface="Arial" panose="020B0604020202020204" pitchFamily="34" charset="0"/>
+                <a:latin typeface="+mn-ea"/>
               </a:rPr>
               <a:t>；根據使用天線而有所不同</a:t>
             </a:r>
             <a:r>
-              <a:rPr lang="en-US" altLang="zh-TW" b="0" i="0" dirty="0">
+              <a:rPr lang="en-US" altLang="zh-TW" sz="2000" b="0" i="0" dirty="0">
+                <a:solidFill>
+                  <a:srgbClr val="000000"/>
+                </a:solidFill>
+                <a:effectLst/>
+                <a:latin typeface="+mn-ea"/>
+              </a:rPr>
+              <a:t>)</a:t>
+            </a:r>
+            <a:r>
+              <a:rPr lang="zh-TW" altLang="en-US" sz="2000" b="0" i="0" dirty="0">
+                <a:solidFill>
+                  <a:srgbClr val="000000"/>
+                </a:solidFill>
+                <a:effectLst/>
+                <a:latin typeface="+mn-ea"/>
+              </a:rPr>
+              <a:t/>
+            </a:r>
+            <a:br>
+              <a:rPr lang="zh-TW" altLang="en-US" sz="2000" b="0" i="0" dirty="0">
+                <a:solidFill>
+                  <a:srgbClr val="000000"/>
+                </a:solidFill>
+                <a:effectLst/>
+                <a:latin typeface="+mn-ea"/>
+              </a:rPr>
+            </a:br>
+            <a:r>
+              <a:rPr lang="en-US" altLang="zh-TW" sz="2000" b="0" i="0" dirty="0">
+                <a:solidFill>
+                  <a:srgbClr val="000000"/>
+                </a:solidFill>
+                <a:effectLst/>
+                <a:latin typeface="+mn-ea"/>
+              </a:rPr>
+              <a:t>RX_SAMPLING_FREQ: </a:t>
+            </a:r>
+            <a:r>
+              <a:rPr lang="zh-TW" altLang="en-US" sz="2000" b="0" i="0" dirty="0">
+                <a:solidFill>
+                  <a:srgbClr val="000000"/>
+                </a:solidFill>
+                <a:effectLst/>
+                <a:latin typeface="+mn-ea"/>
+              </a:rPr>
+              <a:t>接收端</a:t>
+            </a:r>
+            <a:r>
+              <a:rPr lang="en-US" altLang="zh-TW" sz="2000" b="0" i="0" dirty="0">
+                <a:solidFill>
+                  <a:srgbClr val="000000"/>
+                </a:solidFill>
+                <a:effectLst/>
+                <a:latin typeface="+mn-ea"/>
+              </a:rPr>
+              <a:t>-</a:t>
+            </a:r>
+            <a:r>
+              <a:rPr lang="zh-TW" altLang="en-US" sz="2000" b="0" i="0" dirty="0">
+                <a:solidFill>
+                  <a:srgbClr val="000000"/>
+                </a:solidFill>
+                <a:effectLst/>
+                <a:latin typeface="+mn-ea"/>
+              </a:rPr>
+              <a:t>取樣頻率 </a:t>
+            </a:r>
+            <a:r>
+              <a:rPr lang="en-US" altLang="zh-TW" sz="2000" b="0" i="0" dirty="0">
+                <a:solidFill>
+                  <a:srgbClr val="000000"/>
+                </a:solidFill>
+                <a:effectLst/>
+                <a:latin typeface="+mn-ea"/>
+              </a:rPr>
+              <a:t>(65.1KSPS~61.44MSPS)</a:t>
+            </a:r>
+            <a:br>
+              <a:rPr lang="en-US" altLang="zh-TW" sz="2000" b="0" i="0" dirty="0">
+                <a:solidFill>
+                  <a:srgbClr val="000000"/>
+                </a:solidFill>
+                <a:effectLst/>
+                <a:latin typeface="+mn-ea"/>
+              </a:rPr>
+            </a:br>
+            <a:r>
+              <a:rPr lang="en-US" altLang="zh-TW" sz="2000" b="0" i="0" dirty="0">
+                <a:solidFill>
+                  <a:srgbClr val="000000"/>
+                </a:solidFill>
+                <a:effectLst/>
+                <a:latin typeface="+mn-ea"/>
+              </a:rPr>
+              <a:t>RX_RF_BANDWIDTH: </a:t>
+            </a:r>
+            <a:r>
+              <a:rPr lang="zh-TW" altLang="en-US" sz="2000" b="0" i="0" dirty="0">
+                <a:solidFill>
+                  <a:srgbClr val="000000"/>
+                </a:solidFill>
+                <a:effectLst/>
+                <a:latin typeface="+mn-ea"/>
+              </a:rPr>
+              <a:t>接收端</a:t>
+            </a:r>
+            <a:r>
+              <a:rPr lang="en-US" altLang="zh-TW" sz="2000" b="0" i="0" dirty="0">
+                <a:solidFill>
+                  <a:srgbClr val="000000"/>
+                </a:solidFill>
+                <a:effectLst/>
+                <a:latin typeface="+mn-ea"/>
+              </a:rPr>
+              <a:t>-</a:t>
+            </a:r>
+            <a:r>
+              <a:rPr lang="zh-TW" altLang="en-US" sz="2000" b="0" i="0" dirty="0">
+                <a:solidFill>
+                  <a:srgbClr val="000000"/>
+                </a:solidFill>
+                <a:effectLst/>
+                <a:latin typeface="+mn-ea"/>
+              </a:rPr>
+              <a:t>訊號頻寬 </a:t>
+            </a:r>
+            <a:r>
+              <a:rPr lang="en-US" altLang="zh-TW" sz="2000" b="0" i="0" dirty="0">
+                <a:solidFill>
+                  <a:srgbClr val="000000"/>
+                </a:solidFill>
+                <a:effectLst/>
+                <a:latin typeface="+mn-ea"/>
+              </a:rPr>
+              <a:t>(200KHZ~20MHZ)</a:t>
+            </a:r>
+            <a:br>
+              <a:rPr lang="en-US" altLang="zh-TW" sz="2000" b="0" i="0" dirty="0">
+                <a:solidFill>
+                  <a:srgbClr val="000000"/>
+                </a:solidFill>
+                <a:effectLst/>
+                <a:latin typeface="+mn-ea"/>
+              </a:rPr>
+            </a:br>
+            <a:r>
+              <a:rPr lang="en-US" altLang="zh-TW" sz="2000" b="0" i="0" dirty="0">
+                <a:solidFill>
+                  <a:srgbClr val="000000"/>
+                </a:solidFill>
+                <a:effectLst/>
+                <a:latin typeface="+mn-ea"/>
+              </a:rPr>
+              <a:t>RX1_GAIN_MODE: Manual (</a:t>
+            </a:r>
+            <a:r>
+              <a:rPr lang="zh-TW" altLang="en-US" sz="2000" b="0" i="0" dirty="0">
+                <a:solidFill>
+                  <a:srgbClr val="000000"/>
+                </a:solidFill>
+                <a:effectLst/>
+                <a:latin typeface="+mn-ea"/>
+              </a:rPr>
+              <a:t>建議使用以利觀察信號變動</a:t>
+            </a:r>
+            <a:r>
+              <a:rPr lang="en-US" altLang="zh-TW" sz="2000" b="0" i="0" dirty="0">
+                <a:solidFill>
+                  <a:srgbClr val="000000"/>
+                </a:solidFill>
+                <a:effectLst/>
+                <a:latin typeface="+mn-ea"/>
+              </a:rPr>
+              <a:t>)</a:t>
+            </a:r>
+            <a:r>
+              <a:rPr lang="zh-TW" altLang="en-US" sz="2000" b="0" i="0" dirty="0">
+                <a:solidFill>
+                  <a:srgbClr val="000000"/>
+                </a:solidFill>
+                <a:effectLst/>
+                <a:latin typeface="+mn-ea"/>
+              </a:rPr>
+              <a:t/>
+            </a:r>
+            <a:br>
+              <a:rPr lang="zh-TW" altLang="en-US" sz="2000" b="0" i="0" dirty="0">
+                <a:solidFill>
+                  <a:srgbClr val="000000"/>
+                </a:solidFill>
+                <a:effectLst/>
+                <a:latin typeface="+mn-ea"/>
+              </a:rPr>
+            </a:br>
+            <a:r>
+              <a:rPr lang="en-US" altLang="zh-TW" sz="2000" b="0" i="0" dirty="0">
+                <a:solidFill>
+                  <a:srgbClr val="000000"/>
+                </a:solidFill>
+                <a:effectLst/>
+                <a:latin typeface="+mn-ea"/>
+              </a:rPr>
+              <a:t>RX1_GAIN: </a:t>
+            </a:r>
+            <a:r>
+              <a:rPr lang="zh-TW" altLang="en-US" sz="2000" b="0" i="0" dirty="0">
+                <a:solidFill>
+                  <a:srgbClr val="000000"/>
+                </a:solidFill>
+                <a:effectLst/>
+                <a:latin typeface="+mn-ea"/>
+              </a:rPr>
+              <a:t>接收端增益 </a:t>
+            </a:r>
+            <a:r>
+              <a:rPr lang="en-US" altLang="zh-TW" sz="2000" b="0" i="0" dirty="0">
+                <a:solidFill>
+                  <a:srgbClr val="000000"/>
+                </a:solidFill>
+                <a:effectLst/>
+                <a:latin typeface="+mn-ea"/>
+              </a:rPr>
+              <a:t>1~50 (</a:t>
+            </a:r>
+            <a:r>
+              <a:rPr lang="zh-TW" altLang="en-US" sz="2000" b="0" i="0" dirty="0">
+                <a:solidFill>
+                  <a:srgbClr val="000000"/>
+                </a:solidFill>
+                <a:effectLst/>
+                <a:latin typeface="+mn-ea"/>
+              </a:rPr>
+              <a:t>最大值≤</a:t>
+            </a:r>
+            <a:r>
+              <a:rPr lang="en-US" altLang="zh-TW" sz="2000" b="0" i="0" dirty="0">
+                <a:solidFill>
+                  <a:srgbClr val="000000"/>
+                </a:solidFill>
+                <a:effectLst/>
+                <a:latin typeface="+mn-ea"/>
+              </a:rPr>
+              <a:t>74dBm)</a:t>
+            </a:r>
+            <a:br>
+              <a:rPr lang="en-US" altLang="zh-TW" sz="2000" b="0" i="0" dirty="0">
+                <a:solidFill>
+                  <a:srgbClr val="000000"/>
+                </a:solidFill>
+                <a:effectLst/>
+                <a:latin typeface="+mn-ea"/>
+              </a:rPr>
+            </a:br>
+            <a:r>
+              <a:rPr lang="en-US" altLang="zh-TW" sz="2000" b="0" i="0" dirty="0">
+                <a:solidFill>
+                  <a:srgbClr val="000000"/>
+                </a:solidFill>
+                <a:effectLst/>
+                <a:latin typeface="+mn-ea"/>
+              </a:rPr>
+              <a:t>TX_LO_FREQ: </a:t>
+            </a:r>
+            <a:r>
+              <a:rPr lang="zh-TW" altLang="en-US" sz="2000" b="0" i="0" dirty="0">
+                <a:solidFill>
+                  <a:srgbClr val="000000"/>
+                </a:solidFill>
+                <a:effectLst/>
+                <a:latin typeface="+mn-ea"/>
+              </a:rPr>
+              <a:t>接收端</a:t>
+            </a:r>
+            <a:r>
+              <a:rPr lang="en-US" altLang="zh-TW" sz="2000" b="0" i="0" dirty="0">
+                <a:solidFill>
+                  <a:srgbClr val="000000"/>
+                </a:solidFill>
+                <a:effectLst/>
+                <a:latin typeface="+mn-ea"/>
+              </a:rPr>
+              <a:t>-</a:t>
+            </a:r>
+            <a:r>
+              <a:rPr lang="zh-TW" altLang="en-US" sz="2000" b="0" i="0" dirty="0">
+                <a:solidFill>
+                  <a:srgbClr val="000000"/>
+                </a:solidFill>
+                <a:effectLst/>
+                <a:latin typeface="+mn-ea"/>
+              </a:rPr>
+              <a:t>接收頻率 </a:t>
+            </a:r>
+            <a:r>
+              <a:rPr lang="en-US" altLang="zh-TW" sz="2000" b="0" i="0" dirty="0">
+                <a:solidFill>
+                  <a:srgbClr val="000000"/>
+                </a:solidFill>
+                <a:effectLst/>
+                <a:latin typeface="+mn-ea"/>
+              </a:rPr>
+              <a:t>(325MHZ-3.8GHZ</a:t>
+            </a:r>
+            <a:r>
+              <a:rPr lang="zh-TW" altLang="en-US" sz="2000" b="0" i="0" dirty="0">
+                <a:solidFill>
+                  <a:srgbClr val="000000"/>
+                </a:solidFill>
+                <a:effectLst/>
+                <a:latin typeface="+mn-ea"/>
+              </a:rPr>
+              <a:t>；根據使用天線而有所不同</a:t>
+            </a:r>
+            <a:r>
+              <a:rPr lang="en-US" altLang="zh-TW" sz="2000" b="0" i="0" dirty="0">
+                <a:solidFill>
+                  <a:srgbClr val="000000"/>
+                </a:solidFill>
+                <a:effectLst/>
+                <a:latin typeface="+mn-ea"/>
+              </a:rPr>
+              <a:t>)</a:t>
+            </a:r>
+            <a:r>
+              <a:rPr lang="zh-TW" altLang="en-US" sz="2000" b="0" i="0" dirty="0">
+                <a:solidFill>
+                  <a:srgbClr val="000000"/>
+                </a:solidFill>
+                <a:effectLst/>
+                <a:latin typeface="+mn-ea"/>
+              </a:rPr>
+              <a:t/>
+            </a:r>
+            <a:br>
+              <a:rPr lang="zh-TW" altLang="en-US" sz="2000" b="0" i="0" dirty="0">
+                <a:solidFill>
+                  <a:srgbClr val="000000"/>
+                </a:solidFill>
+                <a:effectLst/>
+                <a:latin typeface="+mn-ea"/>
+              </a:rPr>
+            </a:br>
+            <a:r>
+              <a:rPr lang="en-US" altLang="zh-TW" sz="2000" b="0" i="0" dirty="0">
+                <a:solidFill>
+                  <a:srgbClr val="000000"/>
+                </a:solidFill>
+                <a:effectLst/>
+                <a:latin typeface="+mn-ea"/>
+              </a:rPr>
+              <a:t>TX_SAMPLING_FREQ: </a:t>
+            </a:r>
+            <a:r>
+              <a:rPr lang="zh-TW" altLang="en-US" sz="2000" b="0" i="0" dirty="0">
+                <a:solidFill>
+                  <a:srgbClr val="000000"/>
+                </a:solidFill>
+                <a:effectLst/>
+                <a:latin typeface="+mn-ea"/>
+              </a:rPr>
+              <a:t>接收端</a:t>
+            </a:r>
+            <a:r>
+              <a:rPr lang="en-US" altLang="zh-TW" sz="2000" b="0" i="0" dirty="0">
+                <a:solidFill>
+                  <a:srgbClr val="000000"/>
+                </a:solidFill>
+                <a:effectLst/>
+                <a:latin typeface="+mn-ea"/>
+              </a:rPr>
+              <a:t>-</a:t>
+            </a:r>
+            <a:r>
+              <a:rPr lang="zh-TW" altLang="en-US" sz="2000" b="0" i="0" dirty="0">
+                <a:solidFill>
+                  <a:srgbClr val="000000"/>
+                </a:solidFill>
+                <a:effectLst/>
+                <a:latin typeface="+mn-ea"/>
+              </a:rPr>
+              <a:t>取樣頻率 </a:t>
+            </a:r>
+            <a:r>
+              <a:rPr lang="en-US" altLang="zh-TW" sz="2000" b="0" i="0" dirty="0">
+                <a:solidFill>
+                  <a:srgbClr val="000000"/>
+                </a:solidFill>
+                <a:effectLst/>
+                <a:latin typeface="+mn-ea"/>
+              </a:rPr>
+              <a:t>(65.1KSPS~61.44MSPS)</a:t>
+            </a:r>
+            <a:br>
+              <a:rPr lang="en-US" altLang="zh-TW" sz="2000" b="0" i="0" dirty="0">
+                <a:solidFill>
+                  <a:srgbClr val="000000"/>
+                </a:solidFill>
+                <a:effectLst/>
+                <a:latin typeface="+mn-ea"/>
+              </a:rPr>
+            </a:br>
+            <a:r>
+              <a:rPr lang="en-US" altLang="zh-TW" sz="2000" b="0" i="0" dirty="0">
+                <a:solidFill>
+                  <a:srgbClr val="000000"/>
+                </a:solidFill>
+                <a:effectLst/>
+                <a:latin typeface="+mn-ea"/>
+              </a:rPr>
+              <a:t>TX_RF_BANDWIDTH: </a:t>
+            </a:r>
+            <a:r>
+              <a:rPr lang="zh-TW" altLang="en-US" sz="2000" b="0" i="0" dirty="0">
+                <a:solidFill>
+                  <a:srgbClr val="000000"/>
+                </a:solidFill>
+                <a:effectLst/>
+                <a:latin typeface="+mn-ea"/>
+              </a:rPr>
+              <a:t>接收端</a:t>
+            </a:r>
+            <a:r>
+              <a:rPr lang="en-US" altLang="zh-TW" sz="2000" b="0" i="0" dirty="0">
+                <a:solidFill>
+                  <a:srgbClr val="000000"/>
+                </a:solidFill>
+                <a:effectLst/>
+                <a:latin typeface="+mn-ea"/>
+              </a:rPr>
+              <a:t>-</a:t>
+            </a:r>
+            <a:r>
+              <a:rPr lang="zh-TW" altLang="en-US" sz="2000" b="0" i="0" dirty="0">
+                <a:solidFill>
+                  <a:srgbClr val="000000"/>
+                </a:solidFill>
+                <a:effectLst/>
+                <a:latin typeface="+mn-ea"/>
+              </a:rPr>
+              <a:t>訊號頻寬 </a:t>
+            </a:r>
+            <a:r>
+              <a:rPr lang="en-US" altLang="zh-TW" sz="2000" b="0" i="0" dirty="0">
+                <a:solidFill>
+                  <a:srgbClr val="000000"/>
+                </a:solidFill>
+                <a:effectLst/>
+                <a:latin typeface="+mn-ea"/>
+              </a:rPr>
+              <a:t>(200KHZ~20MHZ</a:t>
+            </a:r>
+            <a:r>
+              <a:rPr lang="en-US" altLang="zh-TW" sz="2000" b="0" i="0" dirty="0">
                 <a:solidFill>
                   <a:srgbClr val="000000"/>
                 </a:solidFill>
@@ -35072,420 +35647,7 @@
               </a:rPr>
               <a:t>)</a:t>
             </a:r>
-            <a:br>
-              <a:rPr lang="zh-TW" altLang="en-US" b="0" i="0" dirty="0">
-                <a:solidFill>
-                  <a:srgbClr val="000000"/>
-                </a:solidFill>
-                <a:effectLst/>
-                <a:latin typeface="Segoe UI" panose="020B0502040204020203" pitchFamily="34" charset="0"/>
-              </a:rPr>
-            </a:br>
-            <a:r>
-              <a:rPr lang="en-US" altLang="zh-TW" b="0" i="0" dirty="0">
-                <a:solidFill>
-                  <a:srgbClr val="000000"/>
-                </a:solidFill>
-                <a:effectLst/>
-                <a:latin typeface="Arial" panose="020B0604020202020204" pitchFamily="34" charset="0"/>
-              </a:rPr>
-              <a:t>RX_SAMPLING_FREQ: </a:t>
-            </a:r>
-            <a:r>
-              <a:rPr lang="zh-TW" altLang="en-US" b="0" i="0" dirty="0">
-                <a:solidFill>
-                  <a:srgbClr val="000000"/>
-                </a:solidFill>
-                <a:effectLst/>
-                <a:latin typeface="Arial" panose="020B0604020202020204" pitchFamily="34" charset="0"/>
-              </a:rPr>
-              <a:t>接收端</a:t>
-            </a:r>
-            <a:r>
-              <a:rPr lang="en-US" altLang="zh-TW" b="0" i="0" dirty="0">
-                <a:solidFill>
-                  <a:srgbClr val="000000"/>
-                </a:solidFill>
-                <a:effectLst/>
-                <a:latin typeface="Arial" panose="020B0604020202020204" pitchFamily="34" charset="0"/>
-              </a:rPr>
-              <a:t>-</a:t>
-            </a:r>
-            <a:r>
-              <a:rPr lang="zh-TW" altLang="en-US" b="0" i="0" dirty="0">
-                <a:solidFill>
-                  <a:srgbClr val="000000"/>
-                </a:solidFill>
-                <a:effectLst/>
-                <a:latin typeface="Arial" panose="020B0604020202020204" pitchFamily="34" charset="0"/>
-              </a:rPr>
-              <a:t>取樣頻率 </a:t>
-            </a:r>
-            <a:r>
-              <a:rPr lang="en-US" altLang="zh-TW" b="0" i="0" dirty="0">
-                <a:solidFill>
-                  <a:srgbClr val="000000"/>
-                </a:solidFill>
-                <a:effectLst/>
-                <a:latin typeface="Arial" panose="020B0604020202020204" pitchFamily="34" charset="0"/>
-              </a:rPr>
-              <a:t>(65.1KSPS~61.44MSPS)</a:t>
-            </a:r>
-            <a:br>
-              <a:rPr lang="en-US" altLang="zh-TW" b="0" i="0" dirty="0">
-                <a:solidFill>
-                  <a:srgbClr val="000000"/>
-                </a:solidFill>
-                <a:effectLst/>
-                <a:latin typeface="Segoe UI" panose="020B0502040204020203" pitchFamily="34" charset="0"/>
-              </a:rPr>
-            </a:br>
-            <a:r>
-              <a:rPr lang="en-US" altLang="zh-TW" b="0" i="0" dirty="0">
-                <a:solidFill>
-                  <a:srgbClr val="000000"/>
-                </a:solidFill>
-                <a:effectLst/>
-                <a:latin typeface="Arial" panose="020B0604020202020204" pitchFamily="34" charset="0"/>
-              </a:rPr>
-              <a:t>RX_RF_BANDWIDTH: </a:t>
-            </a:r>
-            <a:r>
-              <a:rPr lang="zh-TW" altLang="en-US" b="0" i="0" dirty="0">
-                <a:solidFill>
-                  <a:srgbClr val="000000"/>
-                </a:solidFill>
-                <a:effectLst/>
-                <a:latin typeface="Arial" panose="020B0604020202020204" pitchFamily="34" charset="0"/>
-              </a:rPr>
-              <a:t>接收端</a:t>
-            </a:r>
-            <a:r>
-              <a:rPr lang="en-US" altLang="zh-TW" b="0" i="0" dirty="0">
-                <a:solidFill>
-                  <a:srgbClr val="000000"/>
-                </a:solidFill>
-                <a:effectLst/>
-                <a:latin typeface="Arial" panose="020B0604020202020204" pitchFamily="34" charset="0"/>
-              </a:rPr>
-              <a:t>-</a:t>
-            </a:r>
-            <a:r>
-              <a:rPr lang="zh-TW" altLang="en-US" b="0" i="0" dirty="0">
-                <a:solidFill>
-                  <a:srgbClr val="000000"/>
-                </a:solidFill>
-                <a:effectLst/>
-                <a:latin typeface="Arial" panose="020B0604020202020204" pitchFamily="34" charset="0"/>
-              </a:rPr>
-              <a:t>訊號頻寬 </a:t>
-            </a:r>
-            <a:r>
-              <a:rPr lang="en-US" altLang="zh-TW" b="0" i="0" dirty="0">
-                <a:solidFill>
-                  <a:srgbClr val="000000"/>
-                </a:solidFill>
-                <a:effectLst/>
-                <a:latin typeface="Arial" panose="020B0604020202020204" pitchFamily="34" charset="0"/>
-              </a:rPr>
-              <a:t>(200KHZ~20MHZ)</a:t>
-            </a:r>
-            <a:br>
-              <a:rPr lang="en-US" altLang="zh-TW" b="0" i="0" dirty="0">
-                <a:solidFill>
-                  <a:srgbClr val="000000"/>
-                </a:solidFill>
-                <a:effectLst/>
-                <a:latin typeface="Segoe UI" panose="020B0502040204020203" pitchFamily="34" charset="0"/>
-              </a:rPr>
-            </a:br>
-            <a:r>
-              <a:rPr lang="en-US" altLang="zh-TW" b="0" i="0" dirty="0">
-                <a:solidFill>
-                  <a:srgbClr val="000000"/>
-                </a:solidFill>
-                <a:effectLst/>
-                <a:latin typeface="Arial" panose="020B0604020202020204" pitchFamily="34" charset="0"/>
-              </a:rPr>
-              <a:t>RX1_GAIN_MODE: Manual (</a:t>
-            </a:r>
-            <a:r>
-              <a:rPr lang="zh-TW" altLang="en-US" b="0" i="0" dirty="0">
-                <a:solidFill>
-                  <a:srgbClr val="000000"/>
-                </a:solidFill>
-                <a:effectLst/>
-                <a:latin typeface="Arial" panose="020B0604020202020204" pitchFamily="34" charset="0"/>
-              </a:rPr>
-              <a:t>建議使用以利觀察信號變動</a:t>
-            </a:r>
-            <a:r>
-              <a:rPr lang="en-US" altLang="zh-TW" b="0" i="0" dirty="0">
-                <a:solidFill>
-                  <a:srgbClr val="000000"/>
-                </a:solidFill>
-                <a:effectLst/>
-                <a:latin typeface="Arial" panose="020B0604020202020204" pitchFamily="34" charset="0"/>
-              </a:rPr>
-              <a:t>)</a:t>
-            </a:r>
-            <a:br>
-              <a:rPr lang="zh-TW" altLang="en-US" b="0" i="0" dirty="0">
-                <a:solidFill>
-                  <a:srgbClr val="000000"/>
-                </a:solidFill>
-                <a:effectLst/>
-                <a:latin typeface="Segoe UI" panose="020B0502040204020203" pitchFamily="34" charset="0"/>
-              </a:rPr>
-            </a:br>
-            <a:r>
-              <a:rPr lang="en-US" altLang="zh-TW" b="0" i="0" dirty="0">
-                <a:solidFill>
-                  <a:srgbClr val="000000"/>
-                </a:solidFill>
-                <a:effectLst/>
-                <a:latin typeface="Arial" panose="020B0604020202020204" pitchFamily="34" charset="0"/>
-              </a:rPr>
-              <a:t>RX1_GAIN: </a:t>
-            </a:r>
-            <a:r>
-              <a:rPr lang="zh-TW" altLang="en-US" b="0" i="0" dirty="0">
-                <a:solidFill>
-                  <a:srgbClr val="000000"/>
-                </a:solidFill>
-                <a:effectLst/>
-                <a:latin typeface="Arial" panose="020B0604020202020204" pitchFamily="34" charset="0"/>
-              </a:rPr>
-              <a:t>接收端增益 </a:t>
-            </a:r>
-            <a:r>
-              <a:rPr lang="en-US" altLang="zh-TW" b="0" i="0" dirty="0">
-                <a:solidFill>
-                  <a:srgbClr val="000000"/>
-                </a:solidFill>
-                <a:effectLst/>
-                <a:latin typeface="Arial" panose="020B0604020202020204" pitchFamily="34" charset="0"/>
-              </a:rPr>
-              <a:t>1~50 (</a:t>
-            </a:r>
-            <a:r>
-              <a:rPr lang="zh-TW" altLang="en-US" b="0" i="0" dirty="0">
-                <a:solidFill>
-                  <a:srgbClr val="000000"/>
-                </a:solidFill>
-                <a:effectLst/>
-                <a:latin typeface="Arial" panose="020B0604020202020204" pitchFamily="34" charset="0"/>
-              </a:rPr>
-              <a:t>最大值≤</a:t>
-            </a:r>
-            <a:r>
-              <a:rPr lang="en-US" altLang="zh-TW" b="0" i="0" dirty="0">
-                <a:solidFill>
-                  <a:srgbClr val="000000"/>
-                </a:solidFill>
-                <a:effectLst/>
-                <a:latin typeface="Arial" panose="020B0604020202020204" pitchFamily="34" charset="0"/>
-              </a:rPr>
-              <a:t>74dBm)</a:t>
-            </a:r>
-            <a:br>
-              <a:rPr lang="en-US" altLang="zh-TW" b="0" i="0" dirty="0">
-                <a:solidFill>
-                  <a:srgbClr val="000000"/>
-                </a:solidFill>
-                <a:effectLst/>
-                <a:latin typeface="Segoe UI" panose="020B0502040204020203" pitchFamily="34" charset="0"/>
-              </a:rPr>
-            </a:br>
-            <a:r>
-              <a:rPr lang="en-US" altLang="zh-TW" b="0" i="0" dirty="0">
-                <a:solidFill>
-                  <a:srgbClr val="000000"/>
-                </a:solidFill>
-                <a:effectLst/>
-                <a:latin typeface="Arial" panose="020B0604020202020204" pitchFamily="34" charset="0"/>
-              </a:rPr>
-              <a:t>TX_LO_FREQ: </a:t>
-            </a:r>
-            <a:r>
-              <a:rPr lang="zh-TW" altLang="en-US" b="0" i="0" dirty="0">
-                <a:solidFill>
-                  <a:srgbClr val="000000"/>
-                </a:solidFill>
-                <a:effectLst/>
-                <a:latin typeface="Arial" panose="020B0604020202020204" pitchFamily="34" charset="0"/>
-              </a:rPr>
-              <a:t>接收端</a:t>
-            </a:r>
-            <a:r>
-              <a:rPr lang="en-US" altLang="zh-TW" b="0" i="0" dirty="0">
-                <a:solidFill>
-                  <a:srgbClr val="000000"/>
-                </a:solidFill>
-                <a:effectLst/>
-                <a:latin typeface="Arial" panose="020B0604020202020204" pitchFamily="34" charset="0"/>
-              </a:rPr>
-              <a:t>-</a:t>
-            </a:r>
-            <a:r>
-              <a:rPr lang="zh-TW" altLang="en-US" b="0" i="0" dirty="0">
-                <a:solidFill>
-                  <a:srgbClr val="000000"/>
-                </a:solidFill>
-                <a:effectLst/>
-                <a:latin typeface="Arial" panose="020B0604020202020204" pitchFamily="34" charset="0"/>
-              </a:rPr>
-              <a:t>接收頻率 </a:t>
-            </a:r>
-            <a:r>
-              <a:rPr lang="en-US" altLang="zh-TW" b="0" i="0" dirty="0">
-                <a:solidFill>
-                  <a:srgbClr val="000000"/>
-                </a:solidFill>
-                <a:effectLst/>
-                <a:latin typeface="Arial" panose="020B0604020202020204" pitchFamily="34" charset="0"/>
-              </a:rPr>
-              <a:t>(325MHZ-3.8GHZ</a:t>
-            </a:r>
-            <a:r>
-              <a:rPr lang="zh-TW" altLang="en-US" b="0" i="0" dirty="0">
-                <a:solidFill>
-                  <a:srgbClr val="000000"/>
-                </a:solidFill>
-                <a:effectLst/>
-                <a:latin typeface="Arial" panose="020B0604020202020204" pitchFamily="34" charset="0"/>
-              </a:rPr>
-              <a:t>；根據使用天線而有所不同</a:t>
-            </a:r>
-            <a:r>
-              <a:rPr lang="en-US" altLang="zh-TW" b="0" i="0" dirty="0">
-                <a:solidFill>
-                  <a:srgbClr val="000000"/>
-                </a:solidFill>
-                <a:effectLst/>
-                <a:latin typeface="Arial" panose="020B0604020202020204" pitchFamily="34" charset="0"/>
-              </a:rPr>
-              <a:t>)</a:t>
-            </a:r>
-            <a:br>
-              <a:rPr lang="zh-TW" altLang="en-US" b="0" i="0" dirty="0">
-                <a:solidFill>
-                  <a:srgbClr val="000000"/>
-                </a:solidFill>
-                <a:effectLst/>
-                <a:latin typeface="Segoe UI" panose="020B0502040204020203" pitchFamily="34" charset="0"/>
-              </a:rPr>
-            </a:br>
-            <a:r>
-              <a:rPr lang="en-US" altLang="zh-TW" b="0" i="0" dirty="0">
-                <a:solidFill>
-                  <a:srgbClr val="000000"/>
-                </a:solidFill>
-                <a:effectLst/>
-                <a:latin typeface="Arial" panose="020B0604020202020204" pitchFamily="34" charset="0"/>
-              </a:rPr>
-              <a:t>TX_SAMPLING_FREQ: </a:t>
-            </a:r>
-            <a:r>
-              <a:rPr lang="zh-TW" altLang="en-US" b="0" i="0" dirty="0">
-                <a:solidFill>
-                  <a:srgbClr val="000000"/>
-                </a:solidFill>
-                <a:effectLst/>
-                <a:latin typeface="Arial" panose="020B0604020202020204" pitchFamily="34" charset="0"/>
-              </a:rPr>
-              <a:t>接收端</a:t>
-            </a:r>
-            <a:r>
-              <a:rPr lang="en-US" altLang="zh-TW" b="0" i="0" dirty="0">
-                <a:solidFill>
-                  <a:srgbClr val="000000"/>
-                </a:solidFill>
-                <a:effectLst/>
-                <a:latin typeface="Arial" panose="020B0604020202020204" pitchFamily="34" charset="0"/>
-              </a:rPr>
-              <a:t>-</a:t>
-            </a:r>
-            <a:r>
-              <a:rPr lang="zh-TW" altLang="en-US" b="0" i="0" dirty="0">
-                <a:solidFill>
-                  <a:srgbClr val="000000"/>
-                </a:solidFill>
-                <a:effectLst/>
-                <a:latin typeface="Arial" panose="020B0604020202020204" pitchFamily="34" charset="0"/>
-              </a:rPr>
-              <a:t>取樣頻率 </a:t>
-            </a:r>
-            <a:r>
-              <a:rPr lang="en-US" altLang="zh-TW" b="0" i="0" dirty="0">
-                <a:solidFill>
-                  <a:srgbClr val="000000"/>
-                </a:solidFill>
-                <a:effectLst/>
-                <a:latin typeface="Arial" panose="020B0604020202020204" pitchFamily="34" charset="0"/>
-              </a:rPr>
-              <a:t>(65.1KSPS~61.44MSPS)</a:t>
-            </a:r>
-            <a:br>
-              <a:rPr lang="en-US" altLang="zh-TW" b="0" i="0" dirty="0">
-                <a:solidFill>
-                  <a:srgbClr val="000000"/>
-                </a:solidFill>
-                <a:effectLst/>
-                <a:latin typeface="Segoe UI" panose="020B0502040204020203" pitchFamily="34" charset="0"/>
-              </a:rPr>
-            </a:br>
-            <a:r>
-              <a:rPr lang="en-US" altLang="zh-TW" b="0" i="0" dirty="0">
-                <a:solidFill>
-                  <a:srgbClr val="000000"/>
-                </a:solidFill>
-                <a:effectLst/>
-                <a:latin typeface="Arial" panose="020B0604020202020204" pitchFamily="34" charset="0"/>
-              </a:rPr>
-              <a:t>TX_RF_BANDWIDTH: </a:t>
-            </a:r>
-            <a:r>
-              <a:rPr lang="zh-TW" altLang="en-US" b="0" i="0" dirty="0">
-                <a:solidFill>
-                  <a:srgbClr val="000000"/>
-                </a:solidFill>
-                <a:effectLst/>
-                <a:latin typeface="Arial" panose="020B0604020202020204" pitchFamily="34" charset="0"/>
-              </a:rPr>
-              <a:t>接收端</a:t>
-            </a:r>
-            <a:r>
-              <a:rPr lang="en-US" altLang="zh-TW" b="0" i="0" dirty="0">
-                <a:solidFill>
-                  <a:srgbClr val="000000"/>
-                </a:solidFill>
-                <a:effectLst/>
-                <a:latin typeface="Arial" panose="020B0604020202020204" pitchFamily="34" charset="0"/>
-              </a:rPr>
-              <a:t>-</a:t>
-            </a:r>
-            <a:r>
-              <a:rPr lang="zh-TW" altLang="en-US" b="0" i="0" dirty="0">
-                <a:solidFill>
-                  <a:srgbClr val="000000"/>
-                </a:solidFill>
-                <a:effectLst/>
-                <a:latin typeface="Arial" panose="020B0604020202020204" pitchFamily="34" charset="0"/>
-              </a:rPr>
-              <a:t>訊號頻寬 </a:t>
-            </a:r>
-            <a:r>
-              <a:rPr lang="en-US" altLang="zh-TW" b="0" i="0" dirty="0">
-                <a:solidFill>
-                  <a:srgbClr val="000000"/>
-                </a:solidFill>
-                <a:effectLst/>
-                <a:latin typeface="Arial" panose="020B0604020202020204" pitchFamily="34" charset="0"/>
-              </a:rPr>
-              <a:t>(200KHZ~20MHZ)</a:t>
-            </a:r>
-            <a:endParaRPr lang="en-US" altLang="zh-TW" b="0" i="0" dirty="0">
+            <a:endParaRPr lang="en-US" altLang="zh-TW" sz="2000" b="0" i="0" dirty="0">
               <a:solidFill>
                 <a:srgbClr val="000000"/>
               </a:solidFill>
@@ -35494,6 +35656,10 @@
             </a:endParaRPr>
           </a:p>
           <a:p>
+            <a:r>
+              <a:rPr lang="en-US" altLang="zh-TW" dirty="0"/>
+              <a:t/>
+            </a:r>
             <a:br>
               <a:rPr lang="en-US" altLang="zh-TW" dirty="0"/>
             </a:br>
@@ -35548,11 +35714,14 @@
               <a:t>接收狀態</a:t>
             </a:r>
             <a:r>
-              <a:rPr lang="en-US" altLang="zh-TW" sz="1600" dirty="0">
+              <a:rPr lang="en-US" altLang="zh-TW" sz="1600" dirty="0" smtClean="0">
                 <a:latin typeface="+mn-ea"/>
               </a:rPr>
-              <a:t>[3]</a:t>
-            </a:r>
+              <a:t>[5]</a:t>
+            </a:r>
+            <a:endParaRPr lang="en-US" altLang="zh-TW" sz="1600" dirty="0">
+              <a:latin typeface="+mn-ea"/>
+            </a:endParaRPr>
           </a:p>
         </p:txBody>
       </p:sp>

--- a/report/以SDR實現OTSM通訊技術.pptx
+++ b/report/以SDR實現OTSM通訊技術.pptx
@@ -2418,8 +2418,8 @@
     <dgm:cxn modelId="{30F8D8AE-C9E3-4CFE-994A-4830256C8B51}" type="presOf" srcId="{3841A661-9951-4A9C-BD92-1E214ED1A7F1}" destId="{37CC57EE-2C61-4BEF-8871-3338219A9556}" srcOrd="0" destOrd="0" presId="urn:microsoft.com/office/officeart/2005/8/layout/process1"/>
     <dgm:cxn modelId="{84FE14D8-3BCF-47F6-B85F-2E8574712243}" srcId="{FDABFBC2-1BFD-4076-A05A-6C7F934E68D7}" destId="{9842FACB-53DA-4024-B6CB-EE11C52C5FCF}" srcOrd="2" destOrd="0" parTransId="{2BFEF379-1AD1-4288-81DA-34236DD15E7F}" sibTransId="{47A42E82-F7B5-4BA3-BE5D-5AC65D518851}"/>
     <dgm:cxn modelId="{367FA860-0927-4193-99CC-915BA076983B}" type="presOf" srcId="{756101F8-E74F-47A0-88AA-37478E1324E3}" destId="{36B23BB1-5C80-41D3-B5C8-95A6DF48DBB3}" srcOrd="1" destOrd="0" presId="urn:microsoft.com/office/officeart/2005/8/layout/process1"/>
+    <dgm:cxn modelId="{5C9862F8-7806-4F17-B72E-02FE8EB139DB}" srcId="{FDABFBC2-1BFD-4076-A05A-6C7F934E68D7}" destId="{4DE45646-C300-4293-898A-FF022B7A8FEC}" srcOrd="1" destOrd="0" parTransId="{1CF0C8C9-4439-4D14-BC06-CA919B69D58B}" sibTransId="{D93979BF-3656-4712-9F7E-DB6980D33465}"/>
     <dgm:cxn modelId="{0923B7DE-459B-4935-A243-854C5AA76C90}" type="presOf" srcId="{D93979BF-3656-4712-9F7E-DB6980D33465}" destId="{D7B2C42D-DBB1-487C-9662-09FCC8DF404A}" srcOrd="1" destOrd="0" presId="urn:microsoft.com/office/officeart/2005/8/layout/process1"/>
-    <dgm:cxn modelId="{5C9862F8-7806-4F17-B72E-02FE8EB139DB}" srcId="{FDABFBC2-1BFD-4076-A05A-6C7F934E68D7}" destId="{4DE45646-C300-4293-898A-FF022B7A8FEC}" srcOrd="1" destOrd="0" parTransId="{1CF0C8C9-4439-4D14-BC06-CA919B69D58B}" sibTransId="{D93979BF-3656-4712-9F7E-DB6980D33465}"/>
     <dgm:cxn modelId="{055FCD29-F5FA-490F-B406-E005660A5F8B}" type="presOf" srcId="{756101F8-E74F-47A0-88AA-37478E1324E3}" destId="{602DA743-6056-422D-BD95-2E982C8777E3}" srcOrd="0" destOrd="0" presId="urn:microsoft.com/office/officeart/2005/8/layout/process1"/>
     <dgm:cxn modelId="{FB0CF2B4-D2D7-4A36-9B81-83F508F22C6E}" type="presOf" srcId="{16550F19-24CF-4ABC-B1CC-FECB27126818}" destId="{F899D3A4-AACE-4351-8D2B-C90711F51E1E}" srcOrd="0" destOrd="0" presId="urn:microsoft.com/office/officeart/2005/8/layout/process1"/>
     <dgm:cxn modelId="{9D5EFDC8-C6A0-4F0A-81F9-B42EA3BDE570}" srcId="{FDABFBC2-1BFD-4076-A05A-6C7F934E68D7}" destId="{3841A661-9951-4A9C-BD92-1E214ED1A7F1}" srcOrd="0" destOrd="0" parTransId="{3F532559-3F70-495C-9B87-F9D9578E35F3}" sibTransId="{756101F8-E74F-47A0-88AA-37478E1324E3}"/>

--- a/report/以SDR實現OTSM通訊技術.pptx
+++ b/report/以SDR實現OTSM通訊技術.pptx
@@ -880,1045 +880,7 @@
 </dgm:colorsDef>
 </file>
 
-<file path=ppt/diagrams/colors2.xml><?xml version="1.0" encoding="utf-8"?>
-<dgm:colorsDef xmlns:dgm="http://schemas.openxmlformats.org/drawingml/2006/diagram" xmlns:a="http://schemas.openxmlformats.org/drawingml/2006/main" uniqueId="urn:microsoft.com/office/officeart/2005/8/colors/accent1_2">
-  <dgm:title val=""/>
-  <dgm:desc val=""/>
-  <dgm:catLst>
-    <dgm:cat type="accent1" pri="11200"/>
-  </dgm:catLst>
-  <dgm:styleLbl name="node0">
-    <dgm:fillClrLst meth="repeat">
-      <a:schemeClr val="accent1"/>
-    </dgm:fillClrLst>
-    <dgm:linClrLst meth="repeat">
-      <a:schemeClr val="lt1"/>
-    </dgm:linClrLst>
-    <dgm:effectClrLst/>
-    <dgm:txLinClrLst/>
-    <dgm:txFillClrLst/>
-    <dgm:txEffectClrLst/>
-  </dgm:styleLbl>
-  <dgm:styleLbl name="alignNode1">
-    <dgm:fillClrLst meth="repeat">
-      <a:schemeClr val="accent1"/>
-    </dgm:fillClrLst>
-    <dgm:linClrLst meth="repeat">
-      <a:schemeClr val="accent1"/>
-    </dgm:linClrLst>
-    <dgm:effectClrLst/>
-    <dgm:txLinClrLst/>
-    <dgm:txFillClrLst/>
-    <dgm:txEffectClrLst/>
-  </dgm:styleLbl>
-  <dgm:styleLbl name="node1">
-    <dgm:fillClrLst meth="repeat">
-      <a:schemeClr val="accent1"/>
-    </dgm:fillClrLst>
-    <dgm:linClrLst meth="repeat">
-      <a:schemeClr val="lt1"/>
-    </dgm:linClrLst>
-    <dgm:effectClrLst/>
-    <dgm:txLinClrLst/>
-    <dgm:txFillClrLst/>
-    <dgm:txEffectClrLst/>
-  </dgm:styleLbl>
-  <dgm:styleLbl name="lnNode1">
-    <dgm:fillClrLst meth="repeat">
-      <a:schemeClr val="accent1"/>
-    </dgm:fillClrLst>
-    <dgm:linClrLst meth="repeat">
-      <a:schemeClr val="lt1"/>
-    </dgm:linClrLst>
-    <dgm:effectClrLst/>
-    <dgm:txLinClrLst/>
-    <dgm:txFillClrLst/>
-    <dgm:txEffectClrLst/>
-  </dgm:styleLbl>
-  <dgm:styleLbl name="vennNode1">
-    <dgm:fillClrLst meth="repeat">
-      <a:schemeClr val="accent1">
-        <a:alpha val="50000"/>
-      </a:schemeClr>
-    </dgm:fillClrLst>
-    <dgm:linClrLst meth="repeat">
-      <a:schemeClr val="lt1"/>
-    </dgm:linClrLst>
-    <dgm:effectClrLst/>
-    <dgm:txLinClrLst/>
-    <dgm:txFillClrLst/>
-    <dgm:txEffectClrLst/>
-  </dgm:styleLbl>
-  <dgm:styleLbl name="node2">
-    <dgm:fillClrLst meth="repeat">
-      <a:schemeClr val="accent1"/>
-    </dgm:fillClrLst>
-    <dgm:linClrLst meth="repeat">
-      <a:schemeClr val="lt1"/>
-    </dgm:linClrLst>
-    <dgm:effectClrLst/>
-    <dgm:txLinClrLst/>
-    <dgm:txFillClrLst/>
-    <dgm:txEffectClrLst/>
-  </dgm:styleLbl>
-  <dgm:styleLbl name="node3">
-    <dgm:fillClrLst meth="repeat">
-      <a:schemeClr val="accent1"/>
-    </dgm:fillClrLst>
-    <dgm:linClrLst meth="repeat">
-      <a:schemeClr val="lt1"/>
-    </dgm:linClrLst>
-    <dgm:effectClrLst/>
-    <dgm:txLinClrLst/>
-    <dgm:txFillClrLst/>
-    <dgm:txEffectClrLst/>
-  </dgm:styleLbl>
-  <dgm:styleLbl name="node4">
-    <dgm:fillClrLst meth="repeat">
-      <a:schemeClr val="accent1"/>
-    </dgm:fillClrLst>
-    <dgm:linClrLst meth="repeat">
-      <a:schemeClr val="lt1"/>
-    </dgm:linClrLst>
-    <dgm:effectClrLst/>
-    <dgm:txLinClrLst/>
-    <dgm:txFillClrLst/>
-    <dgm:txEffectClrLst/>
-  </dgm:styleLbl>
-  <dgm:styleLbl name="fgImgPlace1">
-    <dgm:fillClrLst meth="repeat">
-      <a:schemeClr val="accent1">
-        <a:tint val="50000"/>
-      </a:schemeClr>
-    </dgm:fillClrLst>
-    <dgm:linClrLst meth="repeat">
-      <a:schemeClr val="lt1"/>
-    </dgm:linClrLst>
-    <dgm:effectClrLst/>
-    <dgm:txLinClrLst/>
-    <dgm:txFillClrLst meth="repeat">
-      <a:schemeClr val="lt1"/>
-    </dgm:txFillClrLst>
-    <dgm:txEffectClrLst/>
-  </dgm:styleLbl>
-  <dgm:styleLbl name="alignImgPlace1">
-    <dgm:fillClrLst meth="repeat">
-      <a:schemeClr val="accent1">
-        <a:tint val="50000"/>
-      </a:schemeClr>
-    </dgm:fillClrLst>
-    <dgm:linClrLst meth="repeat">
-      <a:schemeClr val="lt1"/>
-    </dgm:linClrLst>
-    <dgm:effectClrLst/>
-    <dgm:txLinClrLst/>
-    <dgm:txFillClrLst meth="repeat">
-      <a:schemeClr val="lt1"/>
-    </dgm:txFillClrLst>
-    <dgm:txEffectClrLst/>
-  </dgm:styleLbl>
-  <dgm:styleLbl name="bgImgPlace1">
-    <dgm:fillClrLst meth="repeat">
-      <a:schemeClr val="accent1">
-        <a:tint val="50000"/>
-      </a:schemeClr>
-    </dgm:fillClrLst>
-    <dgm:linClrLst meth="repeat">
-      <a:schemeClr val="lt1"/>
-    </dgm:linClrLst>
-    <dgm:effectClrLst/>
-    <dgm:txLinClrLst/>
-    <dgm:txFillClrLst meth="repeat">
-      <a:schemeClr val="lt1"/>
-    </dgm:txFillClrLst>
-    <dgm:txEffectClrLst/>
-  </dgm:styleLbl>
-  <dgm:styleLbl name="sibTrans2D1">
-    <dgm:fillClrLst meth="repeat">
-      <a:schemeClr val="accent1">
-        <a:tint val="60000"/>
-      </a:schemeClr>
-    </dgm:fillClrLst>
-    <dgm:linClrLst meth="repeat">
-      <a:schemeClr val="accent1">
-        <a:tint val="60000"/>
-      </a:schemeClr>
-    </dgm:linClrLst>
-    <dgm:effectClrLst/>
-    <dgm:txLinClrLst/>
-    <dgm:txFillClrLst/>
-    <dgm:txEffectClrLst/>
-  </dgm:styleLbl>
-  <dgm:styleLbl name="fgSibTrans2D1">
-    <dgm:fillClrLst meth="repeat">
-      <a:schemeClr val="accent1">
-        <a:tint val="60000"/>
-      </a:schemeClr>
-    </dgm:fillClrLst>
-    <dgm:linClrLst meth="repeat">
-      <a:schemeClr val="accent1">
-        <a:tint val="60000"/>
-      </a:schemeClr>
-    </dgm:linClrLst>
-    <dgm:effectClrLst/>
-    <dgm:txLinClrLst/>
-    <dgm:txFillClrLst/>
-    <dgm:txEffectClrLst/>
-  </dgm:styleLbl>
-  <dgm:styleLbl name="bgSibTrans2D1">
-    <dgm:fillClrLst meth="repeat">
-      <a:schemeClr val="accent1">
-        <a:tint val="60000"/>
-      </a:schemeClr>
-    </dgm:fillClrLst>
-    <dgm:linClrLst meth="repeat">
-      <a:schemeClr val="accent1">
-        <a:tint val="60000"/>
-      </a:schemeClr>
-    </dgm:linClrLst>
-    <dgm:effectClrLst/>
-    <dgm:txLinClrLst/>
-    <dgm:txFillClrLst/>
-    <dgm:txEffectClrLst/>
-  </dgm:styleLbl>
-  <dgm:styleLbl name="sibTrans1D1">
-    <dgm:fillClrLst meth="repeat">
-      <a:schemeClr val="accent1"/>
-    </dgm:fillClrLst>
-    <dgm:linClrLst meth="repeat">
-      <a:schemeClr val="accent1"/>
-    </dgm:linClrLst>
-    <dgm:effectClrLst/>
-    <dgm:txLinClrLst/>
-    <dgm:txFillClrLst meth="repeat">
-      <a:schemeClr val="tx1"/>
-    </dgm:txFillClrLst>
-    <dgm:txEffectClrLst/>
-  </dgm:styleLbl>
-  <dgm:styleLbl name="callout">
-    <dgm:fillClrLst meth="repeat">
-      <a:schemeClr val="accent1"/>
-    </dgm:fillClrLst>
-    <dgm:linClrLst meth="repeat">
-      <a:schemeClr val="accent1">
-        <a:tint val="50000"/>
-      </a:schemeClr>
-    </dgm:linClrLst>
-    <dgm:effectClrLst/>
-    <dgm:txLinClrLst/>
-    <dgm:txFillClrLst meth="repeat">
-      <a:schemeClr val="tx1"/>
-    </dgm:txFillClrLst>
-    <dgm:txEffectClrLst/>
-  </dgm:styleLbl>
-  <dgm:styleLbl name="asst0">
-    <dgm:fillClrLst meth="repeat">
-      <a:schemeClr val="accent1"/>
-    </dgm:fillClrLst>
-    <dgm:linClrLst meth="repeat">
-      <a:schemeClr val="lt1"/>
-    </dgm:linClrLst>
-    <dgm:effectClrLst/>
-    <dgm:txLinClrLst/>
-    <dgm:txFillClrLst/>
-    <dgm:txEffectClrLst/>
-  </dgm:styleLbl>
-  <dgm:styleLbl name="asst1">
-    <dgm:fillClrLst meth="repeat">
-      <a:schemeClr val="accent1"/>
-    </dgm:fillClrLst>
-    <dgm:linClrLst meth="repeat">
-      <a:schemeClr val="lt1"/>
-    </dgm:linClrLst>
-    <dgm:effectClrLst/>
-    <dgm:txLinClrLst/>
-    <dgm:txFillClrLst/>
-    <dgm:txEffectClrLst/>
-  </dgm:styleLbl>
-  <dgm:styleLbl name="asst2">
-    <dgm:fillClrLst meth="repeat">
-      <a:schemeClr val="accent1"/>
-    </dgm:fillClrLst>
-    <dgm:linClrLst meth="repeat">
-      <a:schemeClr val="lt1"/>
-    </dgm:linClrLst>
-    <dgm:effectClrLst/>
-    <dgm:txLinClrLst/>
-    <dgm:txFillClrLst/>
-    <dgm:txEffectClrLst/>
-  </dgm:styleLbl>
-  <dgm:styleLbl name="asst3">
-    <dgm:fillClrLst meth="repeat">
-      <a:schemeClr val="accent1"/>
-    </dgm:fillClrLst>
-    <dgm:linClrLst meth="repeat">
-      <a:schemeClr val="lt1"/>
-    </dgm:linClrLst>
-    <dgm:effectClrLst/>
-    <dgm:txLinClrLst/>
-    <dgm:txFillClrLst/>
-    <dgm:txEffectClrLst/>
-  </dgm:styleLbl>
-  <dgm:styleLbl name="asst4">
-    <dgm:fillClrLst meth="repeat">
-      <a:schemeClr val="accent1"/>
-    </dgm:fillClrLst>
-    <dgm:linClrLst meth="repeat">
-      <a:schemeClr val="lt1"/>
-    </dgm:linClrLst>
-    <dgm:effectClrLst/>
-    <dgm:txLinClrLst/>
-    <dgm:txFillClrLst/>
-    <dgm:txEffectClrLst/>
-  </dgm:styleLbl>
-  <dgm:styleLbl name="parChTrans2D1">
-    <dgm:fillClrLst meth="repeat">
-      <a:schemeClr val="accent1">
-        <a:tint val="60000"/>
-      </a:schemeClr>
-    </dgm:fillClrLst>
-    <dgm:linClrLst meth="repeat">
-      <a:schemeClr val="accent1">
-        <a:tint val="60000"/>
-      </a:schemeClr>
-    </dgm:linClrLst>
-    <dgm:effectClrLst/>
-    <dgm:txLinClrLst/>
-    <dgm:txFillClrLst meth="repeat">
-      <a:schemeClr val="lt1"/>
-    </dgm:txFillClrLst>
-    <dgm:txEffectClrLst/>
-  </dgm:styleLbl>
-  <dgm:styleLbl name="parChTrans2D2">
-    <dgm:fillClrLst meth="repeat">
-      <a:schemeClr val="accent1"/>
-    </dgm:fillClrLst>
-    <dgm:linClrLst meth="repeat">
-      <a:schemeClr val="accent1"/>
-    </dgm:linClrLst>
-    <dgm:effectClrLst/>
-    <dgm:txLinClrLst/>
-    <dgm:txFillClrLst meth="repeat">
-      <a:schemeClr val="lt1"/>
-    </dgm:txFillClrLst>
-    <dgm:txEffectClrLst/>
-  </dgm:styleLbl>
-  <dgm:styleLbl name="parChTrans2D3">
-    <dgm:fillClrLst meth="repeat">
-      <a:schemeClr val="accent1"/>
-    </dgm:fillClrLst>
-    <dgm:linClrLst meth="repeat">
-      <a:schemeClr val="accent1"/>
-    </dgm:linClrLst>
-    <dgm:effectClrLst/>
-    <dgm:txLinClrLst/>
-    <dgm:txFillClrLst meth="repeat">
-      <a:schemeClr val="lt1"/>
-    </dgm:txFillClrLst>
-    <dgm:txEffectClrLst/>
-  </dgm:styleLbl>
-  <dgm:styleLbl name="parChTrans2D4">
-    <dgm:fillClrLst meth="repeat">
-      <a:schemeClr val="accent1"/>
-    </dgm:fillClrLst>
-    <dgm:linClrLst meth="repeat">
-      <a:schemeClr val="accent1"/>
-    </dgm:linClrLst>
-    <dgm:effectClrLst/>
-    <dgm:txLinClrLst/>
-    <dgm:txFillClrLst meth="repeat">
-      <a:schemeClr val="lt1"/>
-    </dgm:txFillClrLst>
-    <dgm:txEffectClrLst/>
-  </dgm:styleLbl>
-  <dgm:styleLbl name="parChTrans1D1">
-    <dgm:fillClrLst meth="repeat">
-      <a:schemeClr val="accent1"/>
-    </dgm:fillClrLst>
-    <dgm:linClrLst meth="repeat">
-      <a:schemeClr val="accent1">
-        <a:shade val="60000"/>
-      </a:schemeClr>
-    </dgm:linClrLst>
-    <dgm:effectClrLst/>
-    <dgm:txLinClrLst/>
-    <dgm:txFillClrLst meth="repeat">
-      <a:schemeClr val="tx1"/>
-    </dgm:txFillClrLst>
-    <dgm:txEffectClrLst/>
-  </dgm:styleLbl>
-  <dgm:styleLbl name="parChTrans1D2">
-    <dgm:fillClrLst meth="repeat">
-      <a:schemeClr val="accent1"/>
-    </dgm:fillClrLst>
-    <dgm:linClrLst meth="repeat">
-      <a:schemeClr val="accent1">
-        <a:shade val="60000"/>
-      </a:schemeClr>
-    </dgm:linClrLst>
-    <dgm:effectClrLst/>
-    <dgm:txLinClrLst/>
-    <dgm:txFillClrLst meth="repeat">
-      <a:schemeClr val="tx1"/>
-    </dgm:txFillClrLst>
-    <dgm:txEffectClrLst/>
-  </dgm:styleLbl>
-  <dgm:styleLbl name="parChTrans1D3">
-    <dgm:fillClrLst meth="repeat">
-      <a:schemeClr val="accent1"/>
-    </dgm:fillClrLst>
-    <dgm:linClrLst meth="repeat">
-      <a:schemeClr val="accent1">
-        <a:shade val="80000"/>
-      </a:schemeClr>
-    </dgm:linClrLst>
-    <dgm:effectClrLst/>
-    <dgm:txLinClrLst/>
-    <dgm:txFillClrLst meth="repeat">
-      <a:schemeClr val="tx1"/>
-    </dgm:txFillClrLst>
-    <dgm:txEffectClrLst/>
-  </dgm:styleLbl>
-  <dgm:styleLbl name="parChTrans1D4">
-    <dgm:fillClrLst meth="repeat">
-      <a:schemeClr val="accent1"/>
-    </dgm:fillClrLst>
-    <dgm:linClrLst meth="repeat">
-      <a:schemeClr val="accent1">
-        <a:shade val="80000"/>
-      </a:schemeClr>
-    </dgm:linClrLst>
-    <dgm:effectClrLst/>
-    <dgm:txLinClrLst/>
-    <dgm:txFillClrLst meth="repeat">
-      <a:schemeClr val="tx1"/>
-    </dgm:txFillClrLst>
-    <dgm:txEffectClrLst/>
-  </dgm:styleLbl>
-  <dgm:styleLbl name="fgAcc1">
-    <dgm:fillClrLst meth="repeat">
-      <a:schemeClr val="lt1">
-        <a:alpha val="90000"/>
-      </a:schemeClr>
-    </dgm:fillClrLst>
-    <dgm:linClrLst meth="repeat">
-      <a:schemeClr val="accent1"/>
-    </dgm:linClrLst>
-    <dgm:effectClrLst/>
-    <dgm:txLinClrLst/>
-    <dgm:txFillClrLst meth="repeat">
-      <a:schemeClr val="dk1"/>
-    </dgm:txFillClrLst>
-    <dgm:txEffectClrLst/>
-  </dgm:styleLbl>
-  <dgm:styleLbl name="conFgAcc1">
-    <dgm:fillClrLst meth="repeat">
-      <a:schemeClr val="lt1">
-        <a:alpha val="90000"/>
-      </a:schemeClr>
-    </dgm:fillClrLst>
-    <dgm:linClrLst meth="repeat">
-      <a:schemeClr val="accent1"/>
-    </dgm:linClrLst>
-    <dgm:effectClrLst/>
-    <dgm:txLinClrLst/>
-    <dgm:txFillClrLst meth="repeat">
-      <a:schemeClr val="dk1"/>
-    </dgm:txFillClrLst>
-    <dgm:txEffectClrLst/>
-  </dgm:styleLbl>
-  <dgm:styleLbl name="alignAcc1">
-    <dgm:fillClrLst meth="repeat">
-      <a:schemeClr val="lt1">
-        <a:alpha val="90000"/>
-      </a:schemeClr>
-    </dgm:fillClrLst>
-    <dgm:linClrLst meth="repeat">
-      <a:schemeClr val="accent1"/>
-    </dgm:linClrLst>
-    <dgm:effectClrLst/>
-    <dgm:txLinClrLst/>
-    <dgm:txFillClrLst meth="repeat">
-      <a:schemeClr val="dk1"/>
-    </dgm:txFillClrLst>
-    <dgm:txEffectClrLst/>
-  </dgm:styleLbl>
-  <dgm:styleLbl name="trAlignAcc1">
-    <dgm:fillClrLst meth="repeat">
-      <a:schemeClr val="lt1">
-        <a:alpha val="40000"/>
-      </a:schemeClr>
-    </dgm:fillClrLst>
-    <dgm:linClrLst meth="repeat">
-      <a:schemeClr val="accent1"/>
-    </dgm:linClrLst>
-    <dgm:effectClrLst/>
-    <dgm:txLinClrLst/>
-    <dgm:txFillClrLst meth="repeat">
-      <a:schemeClr val="dk1"/>
-    </dgm:txFillClrLst>
-    <dgm:txEffectClrLst/>
-  </dgm:styleLbl>
-  <dgm:styleLbl name="bgAcc1">
-    <dgm:fillClrLst meth="repeat">
-      <a:schemeClr val="lt1">
-        <a:alpha val="90000"/>
-      </a:schemeClr>
-    </dgm:fillClrLst>
-    <dgm:linClrLst meth="repeat">
-      <a:schemeClr val="accent1"/>
-    </dgm:linClrLst>
-    <dgm:effectClrLst/>
-    <dgm:txLinClrLst/>
-    <dgm:txFillClrLst meth="repeat">
-      <a:schemeClr val="dk1"/>
-    </dgm:txFillClrLst>
-    <dgm:txEffectClrLst/>
-  </dgm:styleLbl>
-  <dgm:styleLbl name="solidFgAcc1">
-    <dgm:fillClrLst meth="repeat">
-      <a:schemeClr val="lt1"/>
-    </dgm:fillClrLst>
-    <dgm:linClrLst meth="repeat">
-      <a:schemeClr val="accent1"/>
-    </dgm:linClrLst>
-    <dgm:effectClrLst/>
-    <dgm:txLinClrLst/>
-    <dgm:txFillClrLst meth="repeat">
-      <a:schemeClr val="dk1"/>
-    </dgm:txFillClrLst>
-    <dgm:txEffectClrLst/>
-  </dgm:styleLbl>
-  <dgm:styleLbl name="solidAlignAcc1">
-    <dgm:fillClrLst meth="repeat">
-      <a:schemeClr val="lt1"/>
-    </dgm:fillClrLst>
-    <dgm:linClrLst meth="repeat">
-      <a:schemeClr val="accent1"/>
-    </dgm:linClrLst>
-    <dgm:effectClrLst/>
-    <dgm:txLinClrLst/>
-    <dgm:txFillClrLst meth="repeat">
-      <a:schemeClr val="dk1"/>
-    </dgm:txFillClrLst>
-    <dgm:txEffectClrLst/>
-  </dgm:styleLbl>
-  <dgm:styleLbl name="solidBgAcc1">
-    <dgm:fillClrLst meth="repeat">
-      <a:schemeClr val="lt1"/>
-    </dgm:fillClrLst>
-    <dgm:linClrLst meth="repeat">
-      <a:schemeClr val="accent1"/>
-    </dgm:linClrLst>
-    <dgm:effectClrLst/>
-    <dgm:txLinClrLst/>
-    <dgm:txFillClrLst meth="repeat">
-      <a:schemeClr val="dk1"/>
-    </dgm:txFillClrLst>
-    <dgm:txEffectClrLst/>
-  </dgm:styleLbl>
-  <dgm:styleLbl name="fgAccFollowNode1">
-    <dgm:fillClrLst meth="repeat">
-      <a:schemeClr val="accent1">
-        <a:alpha val="90000"/>
-        <a:tint val="40000"/>
-      </a:schemeClr>
-    </dgm:fillClrLst>
-    <dgm:linClrLst meth="repeat">
-      <a:schemeClr val="accent1">
-        <a:alpha val="90000"/>
-        <a:tint val="40000"/>
-      </a:schemeClr>
-    </dgm:linClrLst>
-    <dgm:effectClrLst/>
-    <dgm:txLinClrLst/>
-    <dgm:txFillClrLst meth="repeat">
-      <a:schemeClr val="dk1"/>
-    </dgm:txFillClrLst>
-    <dgm:txEffectClrLst/>
-  </dgm:styleLbl>
-  <dgm:styleLbl name="alignAccFollowNode1">
-    <dgm:fillClrLst meth="repeat">
-      <a:schemeClr val="accent1">
-        <a:alpha val="90000"/>
-        <a:tint val="40000"/>
-      </a:schemeClr>
-    </dgm:fillClrLst>
-    <dgm:linClrLst meth="repeat">
-      <a:schemeClr val="accent1">
-        <a:alpha val="90000"/>
-        <a:tint val="40000"/>
-      </a:schemeClr>
-    </dgm:linClrLst>
-    <dgm:effectClrLst/>
-    <dgm:txLinClrLst/>
-    <dgm:txFillClrLst meth="repeat">
-      <a:schemeClr val="dk1"/>
-    </dgm:txFillClrLst>
-    <dgm:txEffectClrLst/>
-  </dgm:styleLbl>
-  <dgm:styleLbl name="bgAccFollowNode1">
-    <dgm:fillClrLst meth="repeat">
-      <a:schemeClr val="accent1">
-        <a:alpha val="90000"/>
-        <a:tint val="40000"/>
-      </a:schemeClr>
-    </dgm:fillClrLst>
-    <dgm:linClrLst meth="repeat">
-      <a:schemeClr val="accent1">
-        <a:alpha val="90000"/>
-        <a:tint val="40000"/>
-      </a:schemeClr>
-    </dgm:linClrLst>
-    <dgm:effectClrLst/>
-    <dgm:txLinClrLst/>
-    <dgm:txFillClrLst meth="repeat">
-      <a:schemeClr val="dk1"/>
-    </dgm:txFillClrLst>
-    <dgm:txEffectClrLst/>
-  </dgm:styleLbl>
-  <dgm:styleLbl name="fgAcc0">
-    <dgm:fillClrLst meth="repeat">
-      <a:schemeClr val="lt1">
-        <a:alpha val="90000"/>
-      </a:schemeClr>
-    </dgm:fillClrLst>
-    <dgm:linClrLst meth="repeat">
-      <a:schemeClr val="accent1"/>
-    </dgm:linClrLst>
-    <dgm:effectClrLst/>
-    <dgm:txLinClrLst/>
-    <dgm:txFillClrLst meth="repeat">
-      <a:schemeClr val="dk1"/>
-    </dgm:txFillClrLst>
-    <dgm:txEffectClrLst/>
-  </dgm:styleLbl>
-  <dgm:styleLbl name="fgAcc2">
-    <dgm:fillClrLst meth="repeat">
-      <a:schemeClr val="lt1">
-        <a:alpha val="90000"/>
-      </a:schemeClr>
-    </dgm:fillClrLst>
-    <dgm:linClrLst meth="repeat">
-      <a:schemeClr val="accent1"/>
-    </dgm:linClrLst>
-    <dgm:effectClrLst/>
-    <dgm:txLinClrLst/>
-    <dgm:txFillClrLst meth="repeat">
-      <a:schemeClr val="dk1"/>
-    </dgm:txFillClrLst>
-    <dgm:txEffectClrLst/>
-  </dgm:styleLbl>
-  <dgm:styleLbl name="fgAcc3">
-    <dgm:fillClrLst meth="repeat">
-      <a:schemeClr val="lt1">
-        <a:alpha val="90000"/>
-      </a:schemeClr>
-    </dgm:fillClrLst>
-    <dgm:linClrLst meth="repeat">
-      <a:schemeClr val="accent1"/>
-    </dgm:linClrLst>
-    <dgm:effectClrLst/>
-    <dgm:txLinClrLst/>
-    <dgm:txFillClrLst meth="repeat">
-      <a:schemeClr val="dk1"/>
-    </dgm:txFillClrLst>
-    <dgm:txEffectClrLst/>
-  </dgm:styleLbl>
-  <dgm:styleLbl name="fgAcc4">
-    <dgm:fillClrLst meth="repeat">
-      <a:schemeClr val="lt1">
-        <a:alpha val="90000"/>
-      </a:schemeClr>
-    </dgm:fillClrLst>
-    <dgm:linClrLst meth="repeat">
-      <a:schemeClr val="accent1"/>
-    </dgm:linClrLst>
-    <dgm:effectClrLst/>
-    <dgm:txLinClrLst/>
-    <dgm:txFillClrLst meth="repeat">
-      <a:schemeClr val="dk1"/>
-    </dgm:txFillClrLst>
-    <dgm:txEffectClrLst/>
-  </dgm:styleLbl>
-  <dgm:styleLbl name="bgShp">
-    <dgm:fillClrLst meth="repeat">
-      <a:schemeClr val="accent1">
-        <a:tint val="40000"/>
-      </a:schemeClr>
-    </dgm:fillClrLst>
-    <dgm:linClrLst meth="repeat">
-      <a:schemeClr val="accent1"/>
-    </dgm:linClrLst>
-    <dgm:effectClrLst/>
-    <dgm:txLinClrLst/>
-    <dgm:txFillClrLst meth="repeat">
-      <a:schemeClr val="dk1"/>
-    </dgm:txFillClrLst>
-    <dgm:txEffectClrLst/>
-  </dgm:styleLbl>
-  <dgm:styleLbl name="dkBgShp">
-    <dgm:fillClrLst meth="repeat">
-      <a:schemeClr val="accent1">
-        <a:shade val="80000"/>
-      </a:schemeClr>
-    </dgm:fillClrLst>
-    <dgm:linClrLst meth="repeat">
-      <a:schemeClr val="accent1"/>
-    </dgm:linClrLst>
-    <dgm:effectClrLst/>
-    <dgm:txLinClrLst/>
-    <dgm:txFillClrLst meth="repeat">
-      <a:schemeClr val="lt1"/>
-    </dgm:txFillClrLst>
-    <dgm:txEffectClrLst/>
-  </dgm:styleLbl>
-  <dgm:styleLbl name="trBgShp">
-    <dgm:fillClrLst meth="repeat">
-      <a:schemeClr val="accent1">
-        <a:tint val="50000"/>
-        <a:alpha val="40000"/>
-      </a:schemeClr>
-    </dgm:fillClrLst>
-    <dgm:linClrLst meth="repeat">
-      <a:schemeClr val="accent1"/>
-    </dgm:linClrLst>
-    <dgm:effectClrLst/>
-    <dgm:txLinClrLst/>
-    <dgm:txFillClrLst meth="repeat">
-      <a:schemeClr val="lt1"/>
-    </dgm:txFillClrLst>
-    <dgm:txEffectClrLst/>
-  </dgm:styleLbl>
-  <dgm:styleLbl name="fgShp">
-    <dgm:fillClrLst meth="repeat">
-      <a:schemeClr val="accent1">
-        <a:tint val="60000"/>
-      </a:schemeClr>
-    </dgm:fillClrLst>
-    <dgm:linClrLst meth="repeat">
-      <a:schemeClr val="lt1"/>
-    </dgm:linClrLst>
-    <dgm:effectClrLst/>
-    <dgm:txLinClrLst/>
-    <dgm:txFillClrLst meth="repeat">
-      <a:schemeClr val="dk1"/>
-    </dgm:txFillClrLst>
-    <dgm:txEffectClrLst/>
-  </dgm:styleLbl>
-  <dgm:styleLbl name="revTx">
-    <dgm:fillClrLst meth="repeat">
-      <a:schemeClr val="lt1">
-        <a:alpha val="0"/>
-      </a:schemeClr>
-    </dgm:fillClrLst>
-    <dgm:linClrLst meth="repeat">
-      <a:schemeClr val="dk1">
-        <a:alpha val="0"/>
-      </a:schemeClr>
-    </dgm:linClrLst>
-    <dgm:effectClrLst/>
-    <dgm:txLinClrLst/>
-    <dgm:txFillClrLst meth="repeat">
-      <a:schemeClr val="tx1"/>
-    </dgm:txFillClrLst>
-    <dgm:txEffectClrLst/>
-  </dgm:styleLbl>
-</dgm:colorsDef>
-</file>
-
 <file path=ppt/diagrams/data1.xml><?xml version="1.0" encoding="utf-8"?>
-<dgm:dataModel xmlns:dgm="http://schemas.openxmlformats.org/drawingml/2006/diagram" xmlns:a="http://schemas.openxmlformats.org/drawingml/2006/main">
-  <dgm:ptLst>
-    <dgm:pt modelId="{D14C185C-1C2F-43C5-B3F7-03E2FD8DCA20}" type="doc">
-      <dgm:prSet loTypeId="urn:microsoft.com/office/officeart/2005/8/layout/process1" loCatId="process" qsTypeId="urn:microsoft.com/office/officeart/2005/8/quickstyle/simple1" qsCatId="simple" csTypeId="urn:microsoft.com/office/officeart/2005/8/colors/accent1_2" csCatId="accent1" phldr="1"/>
-      <dgm:spPr/>
-    </dgm:pt>
-    <dgm:pt modelId="{373F3D73-4163-460C-825F-AB90F0BD274A}">
-      <dgm:prSet phldrT="[文字]"/>
-      <dgm:spPr>
-        <a:noFill/>
-        <a:ln>
-          <a:solidFill>
-            <a:schemeClr val="accent1">
-              <a:lumMod val="60000"/>
-              <a:lumOff val="40000"/>
-            </a:schemeClr>
-          </a:solidFill>
-        </a:ln>
-      </dgm:spPr>
-      <dgm:t>
-        <a:bodyPr/>
-        <a:lstStyle/>
-        <a:p>
-          <a:r>
-            <a:rPr lang="zh-TW" altLang="en-US" dirty="0">
-              <a:solidFill>
-                <a:schemeClr val="tx1"/>
-              </a:solidFill>
-            </a:rPr>
-            <a:t>切割資料</a:t>
-          </a:r>
-        </a:p>
-      </dgm:t>
-    </dgm:pt>
-    <dgm:pt modelId="{00E5234B-BC00-402C-A4DC-5B7D87217C7B}" type="parTrans" cxnId="{842B5DB3-BFAF-46D0-84BB-E28431233374}">
-      <dgm:prSet/>
-      <dgm:spPr/>
-      <dgm:t>
-        <a:bodyPr/>
-        <a:lstStyle/>
-        <a:p>
-          <a:endParaRPr lang="zh-TW" altLang="en-US"/>
-        </a:p>
-      </dgm:t>
-    </dgm:pt>
-    <dgm:pt modelId="{510E1544-9B0B-4E5E-A21A-74C154EC99BB}" type="sibTrans" cxnId="{842B5DB3-BFAF-46D0-84BB-E28431233374}">
-      <dgm:prSet/>
-      <dgm:spPr/>
-      <dgm:t>
-        <a:bodyPr/>
-        <a:lstStyle/>
-        <a:p>
-          <a:endParaRPr lang="zh-TW" altLang="en-US"/>
-        </a:p>
-      </dgm:t>
-    </dgm:pt>
-    <dgm:pt modelId="{2F0BB623-C310-4F34-A614-8383840D288F}">
-      <dgm:prSet phldrT="[文字]"/>
-      <dgm:spPr>
-        <a:noFill/>
-        <a:ln>
-          <a:solidFill>
-            <a:schemeClr val="accent1">
-              <a:lumMod val="60000"/>
-              <a:lumOff val="40000"/>
-            </a:schemeClr>
-          </a:solidFill>
-        </a:ln>
-      </dgm:spPr>
-      <dgm:t>
-        <a:bodyPr/>
-        <a:lstStyle/>
-        <a:p>
-          <a:r>
-            <a:rPr lang="zh-TW" altLang="en-US" dirty="0">
-              <a:solidFill>
-                <a:schemeClr val="tx1"/>
-              </a:solidFill>
-            </a:rPr>
-            <a:t>調變</a:t>
-          </a:r>
-        </a:p>
-      </dgm:t>
-    </dgm:pt>
-    <dgm:pt modelId="{7FEA6977-7515-40FE-8B46-76C8A4B4FEBC}" type="parTrans" cxnId="{F6F31997-62E6-4170-BF59-BE34A1A74105}">
-      <dgm:prSet/>
-      <dgm:spPr/>
-      <dgm:t>
-        <a:bodyPr/>
-        <a:lstStyle/>
-        <a:p>
-          <a:endParaRPr lang="zh-TW" altLang="en-US"/>
-        </a:p>
-      </dgm:t>
-    </dgm:pt>
-    <dgm:pt modelId="{B3ED31B1-2659-4ACB-A056-32D27D08A6EF}" type="sibTrans" cxnId="{F6F31997-62E6-4170-BF59-BE34A1A74105}">
-      <dgm:prSet/>
-      <dgm:spPr/>
-      <dgm:t>
-        <a:bodyPr/>
-        <a:lstStyle/>
-        <a:p>
-          <a:endParaRPr lang="zh-TW" altLang="en-US"/>
-        </a:p>
-      </dgm:t>
-    </dgm:pt>
-    <dgm:pt modelId="{94E5E8AF-0109-41B5-AD0E-4DA7AD85FEFD}">
-      <dgm:prSet phldrT="[文字]"/>
-      <dgm:spPr>
-        <a:noFill/>
-        <a:ln>
-          <a:solidFill>
-            <a:schemeClr val="accent1">
-              <a:lumMod val="60000"/>
-              <a:lumOff val="40000"/>
-            </a:schemeClr>
-          </a:solidFill>
-        </a:ln>
-      </dgm:spPr>
-      <dgm:t>
-        <a:bodyPr/>
-        <a:lstStyle/>
-        <a:p>
-          <a:r>
-            <a:rPr lang="en-US" altLang="zh-TW" dirty="0">
-              <a:solidFill>
-                <a:schemeClr val="tx1"/>
-              </a:solidFill>
-            </a:rPr>
-            <a:t>PILOT&amp;SYNC</a:t>
-          </a:r>
-          <a:endParaRPr lang="zh-TW" altLang="en-US" dirty="0">
-            <a:solidFill>
-              <a:schemeClr val="tx1"/>
-            </a:solidFill>
-          </a:endParaRPr>
-        </a:p>
-      </dgm:t>
-    </dgm:pt>
-    <dgm:pt modelId="{4B4731E8-B722-4A8D-879D-71D770D64E16}" type="parTrans" cxnId="{18AB6BD2-D883-4837-90CD-D004B6890F8F}">
-      <dgm:prSet/>
-      <dgm:spPr/>
-      <dgm:t>
-        <a:bodyPr/>
-        <a:lstStyle/>
-        <a:p>
-          <a:endParaRPr lang="zh-TW" altLang="en-US"/>
-        </a:p>
-      </dgm:t>
-    </dgm:pt>
-    <dgm:pt modelId="{5EDB3883-65F1-43C5-B2B6-715EFF19ECC3}" type="sibTrans" cxnId="{18AB6BD2-D883-4837-90CD-D004B6890F8F}">
-      <dgm:prSet/>
-      <dgm:spPr/>
-      <dgm:t>
-        <a:bodyPr/>
-        <a:lstStyle/>
-        <a:p>
-          <a:endParaRPr lang="zh-TW" altLang="en-US"/>
-        </a:p>
-      </dgm:t>
-    </dgm:pt>
-    <dgm:pt modelId="{0845D703-486E-420E-9274-3700A0D2E42F}" type="pres">
-      <dgm:prSet presAssocID="{D14C185C-1C2F-43C5-B3F7-03E2FD8DCA20}" presName="Name0" presStyleCnt="0">
-        <dgm:presLayoutVars>
-          <dgm:dir/>
-          <dgm:resizeHandles val="exact"/>
-        </dgm:presLayoutVars>
-      </dgm:prSet>
-      <dgm:spPr/>
-    </dgm:pt>
-    <dgm:pt modelId="{2CE79DA6-23CB-40EF-B25E-2E7E21767DB0}" type="pres">
-      <dgm:prSet presAssocID="{373F3D73-4163-460C-825F-AB90F0BD274A}" presName="node" presStyleLbl="node1" presStyleIdx="0" presStyleCnt="3">
-        <dgm:presLayoutVars>
-          <dgm:bulletEnabled val="1"/>
-        </dgm:presLayoutVars>
-      </dgm:prSet>
-      <dgm:spPr/>
-      <dgm:t>
-        <a:bodyPr/>
-        <a:lstStyle/>
-        <a:p>
-          <a:endParaRPr lang="zh-TW" altLang="en-US"/>
-        </a:p>
-      </dgm:t>
-    </dgm:pt>
-    <dgm:pt modelId="{5DCD91DB-AEF7-4C9B-BD53-8B818AE7A5C2}" type="pres">
-      <dgm:prSet presAssocID="{510E1544-9B0B-4E5E-A21A-74C154EC99BB}" presName="sibTrans" presStyleLbl="sibTrans2D1" presStyleIdx="0" presStyleCnt="2"/>
-      <dgm:spPr/>
-      <dgm:t>
-        <a:bodyPr/>
-        <a:lstStyle/>
-        <a:p>
-          <a:endParaRPr lang="zh-TW" altLang="en-US"/>
-        </a:p>
-      </dgm:t>
-    </dgm:pt>
-    <dgm:pt modelId="{3053149E-F4D6-4274-BA65-86C7B0CA7EE2}" type="pres">
-      <dgm:prSet presAssocID="{510E1544-9B0B-4E5E-A21A-74C154EC99BB}" presName="connectorText" presStyleLbl="sibTrans2D1" presStyleIdx="0" presStyleCnt="2"/>
-      <dgm:spPr/>
-      <dgm:t>
-        <a:bodyPr/>
-        <a:lstStyle/>
-        <a:p>
-          <a:endParaRPr lang="zh-TW" altLang="en-US"/>
-        </a:p>
-      </dgm:t>
-    </dgm:pt>
-    <dgm:pt modelId="{501B0B5C-0A9B-4712-8139-5AB722F892AE}" type="pres">
-      <dgm:prSet presAssocID="{2F0BB623-C310-4F34-A614-8383840D288F}" presName="node" presStyleLbl="node1" presStyleIdx="1" presStyleCnt="3">
-        <dgm:presLayoutVars>
-          <dgm:bulletEnabled val="1"/>
-        </dgm:presLayoutVars>
-      </dgm:prSet>
-      <dgm:spPr/>
-      <dgm:t>
-        <a:bodyPr/>
-        <a:lstStyle/>
-        <a:p>
-          <a:endParaRPr lang="zh-TW" altLang="en-US"/>
-        </a:p>
-      </dgm:t>
-    </dgm:pt>
-    <dgm:pt modelId="{4C06B492-B4CF-4662-994E-B742043CDBA6}" type="pres">
-      <dgm:prSet presAssocID="{B3ED31B1-2659-4ACB-A056-32D27D08A6EF}" presName="sibTrans" presStyleLbl="sibTrans2D1" presStyleIdx="1" presStyleCnt="2"/>
-      <dgm:spPr/>
-      <dgm:t>
-        <a:bodyPr/>
-        <a:lstStyle/>
-        <a:p>
-          <a:endParaRPr lang="zh-TW" altLang="en-US"/>
-        </a:p>
-      </dgm:t>
-    </dgm:pt>
-    <dgm:pt modelId="{715D3F0F-C5CB-406C-9764-737C7C1638E6}" type="pres">
-      <dgm:prSet presAssocID="{B3ED31B1-2659-4ACB-A056-32D27D08A6EF}" presName="connectorText" presStyleLbl="sibTrans2D1" presStyleIdx="1" presStyleCnt="2"/>
-      <dgm:spPr/>
-      <dgm:t>
-        <a:bodyPr/>
-        <a:lstStyle/>
-        <a:p>
-          <a:endParaRPr lang="zh-TW" altLang="en-US"/>
-        </a:p>
-      </dgm:t>
-    </dgm:pt>
-    <dgm:pt modelId="{F8307AB0-8E3F-4030-91DA-849DB5B98DC2}" type="pres">
-      <dgm:prSet presAssocID="{94E5E8AF-0109-41B5-AD0E-4DA7AD85FEFD}" presName="node" presStyleLbl="node1" presStyleIdx="2" presStyleCnt="3">
-        <dgm:presLayoutVars>
-          <dgm:bulletEnabled val="1"/>
-        </dgm:presLayoutVars>
-      </dgm:prSet>
-      <dgm:spPr/>
-      <dgm:t>
-        <a:bodyPr/>
-        <a:lstStyle/>
-        <a:p>
-          <a:endParaRPr lang="zh-TW" altLang="en-US"/>
-        </a:p>
-      </dgm:t>
-    </dgm:pt>
-  </dgm:ptLst>
-  <dgm:cxnLst>
-    <dgm:cxn modelId="{8F64F8E6-C469-43B5-B5E8-EC3AE35AB88C}" type="presOf" srcId="{2F0BB623-C310-4F34-A614-8383840D288F}" destId="{501B0B5C-0A9B-4712-8139-5AB722F892AE}" srcOrd="0" destOrd="0" presId="urn:microsoft.com/office/officeart/2005/8/layout/process1"/>
-    <dgm:cxn modelId="{F6F31997-62E6-4170-BF59-BE34A1A74105}" srcId="{D14C185C-1C2F-43C5-B3F7-03E2FD8DCA20}" destId="{2F0BB623-C310-4F34-A614-8383840D288F}" srcOrd="1" destOrd="0" parTransId="{7FEA6977-7515-40FE-8B46-76C8A4B4FEBC}" sibTransId="{B3ED31B1-2659-4ACB-A056-32D27D08A6EF}"/>
-    <dgm:cxn modelId="{842B5DB3-BFAF-46D0-84BB-E28431233374}" srcId="{D14C185C-1C2F-43C5-B3F7-03E2FD8DCA20}" destId="{373F3D73-4163-460C-825F-AB90F0BD274A}" srcOrd="0" destOrd="0" parTransId="{00E5234B-BC00-402C-A4DC-5B7D87217C7B}" sibTransId="{510E1544-9B0B-4E5E-A21A-74C154EC99BB}"/>
-    <dgm:cxn modelId="{FC026DDC-6B9B-4E3A-ADF6-C724CBB2F3D0}" type="presOf" srcId="{94E5E8AF-0109-41B5-AD0E-4DA7AD85FEFD}" destId="{F8307AB0-8E3F-4030-91DA-849DB5B98DC2}" srcOrd="0" destOrd="0" presId="urn:microsoft.com/office/officeart/2005/8/layout/process1"/>
-    <dgm:cxn modelId="{783D2856-2CC3-47A0-AB40-5DBEC579208A}" type="presOf" srcId="{D14C185C-1C2F-43C5-B3F7-03E2FD8DCA20}" destId="{0845D703-486E-420E-9274-3700A0D2E42F}" srcOrd="0" destOrd="0" presId="urn:microsoft.com/office/officeart/2005/8/layout/process1"/>
-    <dgm:cxn modelId="{ED6A0291-B8AD-4213-AF49-B17AF0DD26FB}" type="presOf" srcId="{373F3D73-4163-460C-825F-AB90F0BD274A}" destId="{2CE79DA6-23CB-40EF-B25E-2E7E21767DB0}" srcOrd="0" destOrd="0" presId="urn:microsoft.com/office/officeart/2005/8/layout/process1"/>
-    <dgm:cxn modelId="{CCD4CFC3-8CB9-4BD5-B289-EB24AA63AAFC}" type="presOf" srcId="{510E1544-9B0B-4E5E-A21A-74C154EC99BB}" destId="{5DCD91DB-AEF7-4C9B-BD53-8B818AE7A5C2}" srcOrd="0" destOrd="0" presId="urn:microsoft.com/office/officeart/2005/8/layout/process1"/>
-    <dgm:cxn modelId="{D1F5C7F5-FF31-49AC-8A04-274782995C75}" type="presOf" srcId="{510E1544-9B0B-4E5E-A21A-74C154EC99BB}" destId="{3053149E-F4D6-4274-BA65-86C7B0CA7EE2}" srcOrd="1" destOrd="0" presId="urn:microsoft.com/office/officeart/2005/8/layout/process1"/>
-    <dgm:cxn modelId="{24755E3E-C775-4F43-94FB-4C706A911360}" type="presOf" srcId="{B3ED31B1-2659-4ACB-A056-32D27D08A6EF}" destId="{4C06B492-B4CF-4662-994E-B742043CDBA6}" srcOrd="0" destOrd="0" presId="urn:microsoft.com/office/officeart/2005/8/layout/process1"/>
-    <dgm:cxn modelId="{F0E147BA-BB1F-4975-8167-3A41330F994E}" type="presOf" srcId="{B3ED31B1-2659-4ACB-A056-32D27D08A6EF}" destId="{715D3F0F-C5CB-406C-9764-737C7C1638E6}" srcOrd="1" destOrd="0" presId="urn:microsoft.com/office/officeart/2005/8/layout/process1"/>
-    <dgm:cxn modelId="{18AB6BD2-D883-4837-90CD-D004B6890F8F}" srcId="{D14C185C-1C2F-43C5-B3F7-03E2FD8DCA20}" destId="{94E5E8AF-0109-41B5-AD0E-4DA7AD85FEFD}" srcOrd="2" destOrd="0" parTransId="{4B4731E8-B722-4A8D-879D-71D770D64E16}" sibTransId="{5EDB3883-65F1-43C5-B2B6-715EFF19ECC3}"/>
-    <dgm:cxn modelId="{FAFBA5ED-5A37-4064-B4A2-75A971CC3268}" type="presParOf" srcId="{0845D703-486E-420E-9274-3700A0D2E42F}" destId="{2CE79DA6-23CB-40EF-B25E-2E7E21767DB0}" srcOrd="0" destOrd="0" presId="urn:microsoft.com/office/officeart/2005/8/layout/process1"/>
-    <dgm:cxn modelId="{B192C275-C3F4-4265-AADD-2C1838C8AD5A}" type="presParOf" srcId="{0845D703-486E-420E-9274-3700A0D2E42F}" destId="{5DCD91DB-AEF7-4C9B-BD53-8B818AE7A5C2}" srcOrd="1" destOrd="0" presId="urn:microsoft.com/office/officeart/2005/8/layout/process1"/>
-    <dgm:cxn modelId="{96819B01-F420-4E26-A327-E989DB4F7FB8}" type="presParOf" srcId="{5DCD91DB-AEF7-4C9B-BD53-8B818AE7A5C2}" destId="{3053149E-F4D6-4274-BA65-86C7B0CA7EE2}" srcOrd="0" destOrd="0" presId="urn:microsoft.com/office/officeart/2005/8/layout/process1"/>
-    <dgm:cxn modelId="{FA65F66D-55B7-40AA-A051-941C87977DA4}" type="presParOf" srcId="{0845D703-486E-420E-9274-3700A0D2E42F}" destId="{501B0B5C-0A9B-4712-8139-5AB722F892AE}" srcOrd="2" destOrd="0" presId="urn:microsoft.com/office/officeart/2005/8/layout/process1"/>
-    <dgm:cxn modelId="{11C80121-9C15-491C-88B4-A1C4678D422F}" type="presParOf" srcId="{0845D703-486E-420E-9274-3700A0D2E42F}" destId="{4C06B492-B4CF-4662-994E-B742043CDBA6}" srcOrd="3" destOrd="0" presId="urn:microsoft.com/office/officeart/2005/8/layout/process1"/>
-    <dgm:cxn modelId="{43DF91D9-581F-41AF-9C44-B3C00085AC2A}" type="presParOf" srcId="{4C06B492-B4CF-4662-994E-B742043CDBA6}" destId="{715D3F0F-C5CB-406C-9764-737C7C1638E6}" srcOrd="0" destOrd="0" presId="urn:microsoft.com/office/officeart/2005/8/layout/process1"/>
-    <dgm:cxn modelId="{E5696B06-0D4E-44D4-9E1F-DC5283E88D84}" type="presParOf" srcId="{0845D703-486E-420E-9274-3700A0D2E42F}" destId="{F8307AB0-8E3F-4030-91DA-849DB5B98DC2}" srcOrd="4" destOrd="0" presId="urn:microsoft.com/office/officeart/2005/8/layout/process1"/>
-  </dgm:cxnLst>
-  <dgm:bg/>
-  <dgm:whole/>
-  <dgm:extLst>
-    <a:ext uri="http://schemas.microsoft.com/office/drawing/2008/diagram">
-      <dsp:dataModelExt xmlns:dsp="http://schemas.microsoft.com/office/drawing/2008/diagram" relId="rId6" minVer="http://schemas.openxmlformats.org/drawingml/2006/diagram"/>
-    </a:ext>
-  </dgm:extLst>
-</dgm:dataModel>
-</file>
-
-<file path=ppt/diagrams/data2.xml><?xml version="1.0" encoding="utf-8"?>
 <dgm:dataModel xmlns:dgm="http://schemas.openxmlformats.org/drawingml/2006/diagram" xmlns:a="http://schemas.openxmlformats.org/drawingml/2006/main">
   <dgm:ptLst>
     <dgm:pt modelId="{FDABFBC2-1BFD-4076-A05A-6C7F934E68D7}" type="doc">
@@ -2457,380 +1419,6 @@
 </file>
 
 <file path=ppt/diagrams/drawing1.xml><?xml version="1.0" encoding="utf-8"?>
-<dsp:drawing xmlns:dgm="http://schemas.openxmlformats.org/drawingml/2006/diagram" xmlns:dsp="http://schemas.microsoft.com/office/drawing/2008/diagram" xmlns:a="http://schemas.openxmlformats.org/drawingml/2006/main">
-  <dsp:spTree>
-    <dsp:nvGrpSpPr>
-      <dsp:cNvPr id="0" name=""/>
-      <dsp:cNvGrpSpPr/>
-    </dsp:nvGrpSpPr>
-    <dsp:grpSpPr/>
-    <dsp:sp modelId="{2CE79DA6-23CB-40EF-B25E-2E7E21767DB0}">
-      <dsp:nvSpPr>
-        <dsp:cNvPr id="0" name=""/>
-        <dsp:cNvSpPr/>
-      </dsp:nvSpPr>
-      <dsp:spPr>
-        <a:xfrm>
-          <a:off x="6352" y="961912"/>
-          <a:ext cx="1898696" cy="1139218"/>
-        </a:xfrm>
-        <a:prstGeom prst="roundRect">
-          <a:avLst>
-            <a:gd name="adj" fmla="val 10000"/>
-          </a:avLst>
-        </a:prstGeom>
-        <a:noFill/>
-        <a:ln w="15875" cap="rnd" cmpd="sng" algn="ctr">
-          <a:solidFill>
-            <a:schemeClr val="accent1">
-              <a:lumMod val="60000"/>
-              <a:lumOff val="40000"/>
-            </a:schemeClr>
-          </a:solidFill>
-          <a:prstDash val="solid"/>
-        </a:ln>
-        <a:effectLst/>
-      </dsp:spPr>
-      <dsp:style>
-        <a:lnRef idx="2">
-          <a:scrgbClr r="0" g="0" b="0"/>
-        </a:lnRef>
-        <a:fillRef idx="1">
-          <a:scrgbClr r="0" g="0" b="0"/>
-        </a:fillRef>
-        <a:effectRef idx="0">
-          <a:scrgbClr r="0" g="0" b="0"/>
-        </a:effectRef>
-        <a:fontRef idx="minor">
-          <a:schemeClr val="lt1"/>
-        </a:fontRef>
-      </dsp:style>
-      <dsp:txBody>
-        <a:bodyPr spcFirstLastPara="0" vert="horz" wrap="square" lIns="80010" tIns="80010" rIns="80010" bIns="80010" numCol="1" spcCol="1270" anchor="ctr" anchorCtr="0">
-          <a:noAutofit/>
-        </a:bodyPr>
-        <a:lstStyle/>
-        <a:p>
-          <a:pPr lvl="0" algn="ctr" defTabSz="933450">
-            <a:lnSpc>
-              <a:spcPct val="90000"/>
-            </a:lnSpc>
-            <a:spcBef>
-              <a:spcPct val="0"/>
-            </a:spcBef>
-            <a:spcAft>
-              <a:spcPct val="35000"/>
-            </a:spcAft>
-          </a:pPr>
-          <a:r>
-            <a:rPr lang="zh-TW" altLang="en-US" sz="2100" kern="1200" dirty="0">
-              <a:solidFill>
-                <a:schemeClr val="tx1"/>
-              </a:solidFill>
-            </a:rPr>
-            <a:t>切割資料</a:t>
-          </a:r>
-        </a:p>
-      </dsp:txBody>
-      <dsp:txXfrm>
-        <a:off x="39719" y="995279"/>
-        <a:ext cx="1831962" cy="1072484"/>
-      </dsp:txXfrm>
-    </dsp:sp>
-    <dsp:sp modelId="{5DCD91DB-AEF7-4C9B-BD53-8B818AE7A5C2}">
-      <dsp:nvSpPr>
-        <dsp:cNvPr id="0" name=""/>
-        <dsp:cNvSpPr/>
-      </dsp:nvSpPr>
-      <dsp:spPr>
-        <a:xfrm>
-          <a:off x="2094919" y="1296083"/>
-          <a:ext cx="402523" cy="470876"/>
-        </a:xfrm>
-        <a:prstGeom prst="rightArrow">
-          <a:avLst>
-            <a:gd name="adj1" fmla="val 60000"/>
-            <a:gd name="adj2" fmla="val 50000"/>
-          </a:avLst>
-        </a:prstGeom>
-        <a:solidFill>
-          <a:schemeClr val="accent1">
-            <a:tint val="60000"/>
-            <a:hueOff val="0"/>
-            <a:satOff val="0"/>
-            <a:lumOff val="0"/>
-            <a:alphaOff val="0"/>
-          </a:schemeClr>
-        </a:solidFill>
-        <a:ln>
-          <a:noFill/>
-        </a:ln>
-        <a:effectLst/>
-      </dsp:spPr>
-      <dsp:style>
-        <a:lnRef idx="0">
-          <a:scrgbClr r="0" g="0" b="0"/>
-        </a:lnRef>
-        <a:fillRef idx="1">
-          <a:scrgbClr r="0" g="0" b="0"/>
-        </a:fillRef>
-        <a:effectRef idx="0">
-          <a:scrgbClr r="0" g="0" b="0"/>
-        </a:effectRef>
-        <a:fontRef idx="minor">
-          <a:schemeClr val="lt1"/>
-        </a:fontRef>
-      </dsp:style>
-      <dsp:txBody>
-        <a:bodyPr spcFirstLastPara="0" vert="horz" wrap="square" lIns="0" tIns="0" rIns="0" bIns="0" numCol="1" spcCol="1270" anchor="ctr" anchorCtr="0">
-          <a:noAutofit/>
-        </a:bodyPr>
-        <a:lstStyle/>
-        <a:p>
-          <a:pPr lvl="0" algn="ctr" defTabSz="755650">
-            <a:lnSpc>
-              <a:spcPct val="90000"/>
-            </a:lnSpc>
-            <a:spcBef>
-              <a:spcPct val="0"/>
-            </a:spcBef>
-            <a:spcAft>
-              <a:spcPct val="35000"/>
-            </a:spcAft>
-          </a:pPr>
-          <a:endParaRPr lang="zh-TW" altLang="en-US" sz="1700" kern="1200"/>
-        </a:p>
-      </dsp:txBody>
-      <dsp:txXfrm>
-        <a:off x="2094919" y="1390258"/>
-        <a:ext cx="281766" cy="282526"/>
-      </dsp:txXfrm>
-    </dsp:sp>
-    <dsp:sp modelId="{501B0B5C-0A9B-4712-8139-5AB722F892AE}">
-      <dsp:nvSpPr>
-        <dsp:cNvPr id="0" name=""/>
-        <dsp:cNvSpPr/>
-      </dsp:nvSpPr>
-      <dsp:spPr>
-        <a:xfrm>
-          <a:off x="2664528" y="961912"/>
-          <a:ext cx="1898696" cy="1139218"/>
-        </a:xfrm>
-        <a:prstGeom prst="roundRect">
-          <a:avLst>
-            <a:gd name="adj" fmla="val 10000"/>
-          </a:avLst>
-        </a:prstGeom>
-        <a:noFill/>
-        <a:ln w="15875" cap="rnd" cmpd="sng" algn="ctr">
-          <a:solidFill>
-            <a:schemeClr val="accent1">
-              <a:lumMod val="60000"/>
-              <a:lumOff val="40000"/>
-            </a:schemeClr>
-          </a:solidFill>
-          <a:prstDash val="solid"/>
-        </a:ln>
-        <a:effectLst/>
-      </dsp:spPr>
-      <dsp:style>
-        <a:lnRef idx="2">
-          <a:scrgbClr r="0" g="0" b="0"/>
-        </a:lnRef>
-        <a:fillRef idx="1">
-          <a:scrgbClr r="0" g="0" b="0"/>
-        </a:fillRef>
-        <a:effectRef idx="0">
-          <a:scrgbClr r="0" g="0" b="0"/>
-        </a:effectRef>
-        <a:fontRef idx="minor">
-          <a:schemeClr val="lt1"/>
-        </a:fontRef>
-      </dsp:style>
-      <dsp:txBody>
-        <a:bodyPr spcFirstLastPara="0" vert="horz" wrap="square" lIns="80010" tIns="80010" rIns="80010" bIns="80010" numCol="1" spcCol="1270" anchor="ctr" anchorCtr="0">
-          <a:noAutofit/>
-        </a:bodyPr>
-        <a:lstStyle/>
-        <a:p>
-          <a:pPr lvl="0" algn="ctr" defTabSz="933450">
-            <a:lnSpc>
-              <a:spcPct val="90000"/>
-            </a:lnSpc>
-            <a:spcBef>
-              <a:spcPct val="0"/>
-            </a:spcBef>
-            <a:spcAft>
-              <a:spcPct val="35000"/>
-            </a:spcAft>
-          </a:pPr>
-          <a:r>
-            <a:rPr lang="zh-TW" altLang="en-US" sz="2100" kern="1200" dirty="0">
-              <a:solidFill>
-                <a:schemeClr val="tx1"/>
-              </a:solidFill>
-            </a:rPr>
-            <a:t>調變</a:t>
-          </a:r>
-        </a:p>
-      </dsp:txBody>
-      <dsp:txXfrm>
-        <a:off x="2697895" y="995279"/>
-        <a:ext cx="1831962" cy="1072484"/>
-      </dsp:txXfrm>
-    </dsp:sp>
-    <dsp:sp modelId="{4C06B492-B4CF-4662-994E-B742043CDBA6}">
-      <dsp:nvSpPr>
-        <dsp:cNvPr id="0" name=""/>
-        <dsp:cNvSpPr/>
-      </dsp:nvSpPr>
-      <dsp:spPr>
-        <a:xfrm>
-          <a:off x="4753094" y="1296083"/>
-          <a:ext cx="402523" cy="470876"/>
-        </a:xfrm>
-        <a:prstGeom prst="rightArrow">
-          <a:avLst>
-            <a:gd name="adj1" fmla="val 60000"/>
-            <a:gd name="adj2" fmla="val 50000"/>
-          </a:avLst>
-        </a:prstGeom>
-        <a:solidFill>
-          <a:schemeClr val="accent1">
-            <a:tint val="60000"/>
-            <a:hueOff val="0"/>
-            <a:satOff val="0"/>
-            <a:lumOff val="0"/>
-            <a:alphaOff val="0"/>
-          </a:schemeClr>
-        </a:solidFill>
-        <a:ln>
-          <a:noFill/>
-        </a:ln>
-        <a:effectLst/>
-      </dsp:spPr>
-      <dsp:style>
-        <a:lnRef idx="0">
-          <a:scrgbClr r="0" g="0" b="0"/>
-        </a:lnRef>
-        <a:fillRef idx="1">
-          <a:scrgbClr r="0" g="0" b="0"/>
-        </a:fillRef>
-        <a:effectRef idx="0">
-          <a:scrgbClr r="0" g="0" b="0"/>
-        </a:effectRef>
-        <a:fontRef idx="minor">
-          <a:schemeClr val="lt1"/>
-        </a:fontRef>
-      </dsp:style>
-      <dsp:txBody>
-        <a:bodyPr spcFirstLastPara="0" vert="horz" wrap="square" lIns="0" tIns="0" rIns="0" bIns="0" numCol="1" spcCol="1270" anchor="ctr" anchorCtr="0">
-          <a:noAutofit/>
-        </a:bodyPr>
-        <a:lstStyle/>
-        <a:p>
-          <a:pPr lvl="0" algn="ctr" defTabSz="755650">
-            <a:lnSpc>
-              <a:spcPct val="90000"/>
-            </a:lnSpc>
-            <a:spcBef>
-              <a:spcPct val="0"/>
-            </a:spcBef>
-            <a:spcAft>
-              <a:spcPct val="35000"/>
-            </a:spcAft>
-          </a:pPr>
-          <a:endParaRPr lang="zh-TW" altLang="en-US" sz="1700" kern="1200"/>
-        </a:p>
-      </dsp:txBody>
-      <dsp:txXfrm>
-        <a:off x="4753094" y="1390258"/>
-        <a:ext cx="281766" cy="282526"/>
-      </dsp:txXfrm>
-    </dsp:sp>
-    <dsp:sp modelId="{F8307AB0-8E3F-4030-91DA-849DB5B98DC2}">
-      <dsp:nvSpPr>
-        <dsp:cNvPr id="0" name=""/>
-        <dsp:cNvSpPr/>
-      </dsp:nvSpPr>
-      <dsp:spPr>
-        <a:xfrm>
-          <a:off x="5322703" y="961912"/>
-          <a:ext cx="1898696" cy="1139218"/>
-        </a:xfrm>
-        <a:prstGeom prst="roundRect">
-          <a:avLst>
-            <a:gd name="adj" fmla="val 10000"/>
-          </a:avLst>
-        </a:prstGeom>
-        <a:noFill/>
-        <a:ln w="15875" cap="rnd" cmpd="sng" algn="ctr">
-          <a:solidFill>
-            <a:schemeClr val="accent1">
-              <a:lumMod val="60000"/>
-              <a:lumOff val="40000"/>
-            </a:schemeClr>
-          </a:solidFill>
-          <a:prstDash val="solid"/>
-        </a:ln>
-        <a:effectLst/>
-      </dsp:spPr>
-      <dsp:style>
-        <a:lnRef idx="2">
-          <a:scrgbClr r="0" g="0" b="0"/>
-        </a:lnRef>
-        <a:fillRef idx="1">
-          <a:scrgbClr r="0" g="0" b="0"/>
-        </a:fillRef>
-        <a:effectRef idx="0">
-          <a:scrgbClr r="0" g="0" b="0"/>
-        </a:effectRef>
-        <a:fontRef idx="minor">
-          <a:schemeClr val="lt1"/>
-        </a:fontRef>
-      </dsp:style>
-      <dsp:txBody>
-        <a:bodyPr spcFirstLastPara="0" vert="horz" wrap="square" lIns="80010" tIns="80010" rIns="80010" bIns="80010" numCol="1" spcCol="1270" anchor="ctr" anchorCtr="0">
-          <a:noAutofit/>
-        </a:bodyPr>
-        <a:lstStyle/>
-        <a:p>
-          <a:pPr lvl="0" algn="ctr" defTabSz="933450">
-            <a:lnSpc>
-              <a:spcPct val="90000"/>
-            </a:lnSpc>
-            <a:spcBef>
-              <a:spcPct val="0"/>
-            </a:spcBef>
-            <a:spcAft>
-              <a:spcPct val="35000"/>
-            </a:spcAft>
-          </a:pPr>
-          <a:r>
-            <a:rPr lang="en-US" altLang="zh-TW" sz="2100" kern="1200" dirty="0">
-              <a:solidFill>
-                <a:schemeClr val="tx1"/>
-              </a:solidFill>
-            </a:rPr>
-            <a:t>PILOT&amp;SYNC</a:t>
-          </a:r>
-          <a:endParaRPr lang="zh-TW" altLang="en-US" sz="2100" kern="1200" dirty="0">
-            <a:solidFill>
-              <a:schemeClr val="tx1"/>
-            </a:solidFill>
-          </a:endParaRPr>
-        </a:p>
-      </dsp:txBody>
-      <dsp:txXfrm>
-        <a:off x="5356070" y="995279"/>
-        <a:ext cx="1831962" cy="1072484"/>
-      </dsp:txXfrm>
-    </dsp:sp>
-  </dsp:spTree>
-</dsp:drawing>
-</file>
-
-<file path=ppt/diagrams/drawing2.xml><?xml version="1.0" encoding="utf-8"?>
 <dsp:drawing xmlns:dgm="http://schemas.openxmlformats.org/drawingml/2006/diagram" xmlns:dsp="http://schemas.microsoft.com/office/drawing/2008/diagram" xmlns:a="http://schemas.openxmlformats.org/drawingml/2006/main">
   <dsp:spTree>
     <dsp:nvGrpSpPr>
@@ -3660,1187 +2248,7 @@
 </dgm:layoutDef>
 </file>
 
-<file path=ppt/diagrams/layout2.xml><?xml version="1.0" encoding="utf-8"?>
-<dgm:layoutDef xmlns:dgm="http://schemas.openxmlformats.org/drawingml/2006/diagram" xmlns:a="http://schemas.openxmlformats.org/drawingml/2006/main" uniqueId="urn:microsoft.com/office/officeart/2005/8/layout/process1">
-  <dgm:title val=""/>
-  <dgm:desc val=""/>
-  <dgm:catLst>
-    <dgm:cat type="process" pri="1000"/>
-    <dgm:cat type="convert" pri="15000"/>
-  </dgm:catLst>
-  <dgm:sampData useDef="1">
-    <dgm:dataModel>
-      <dgm:ptLst/>
-      <dgm:bg/>
-      <dgm:whole/>
-    </dgm:dataModel>
-  </dgm:sampData>
-  <dgm:styleData>
-    <dgm:dataModel>
-      <dgm:ptLst>
-        <dgm:pt modelId="0" type="doc"/>
-        <dgm:pt modelId="1"/>
-        <dgm:pt modelId="2"/>
-      </dgm:ptLst>
-      <dgm:cxnLst>
-        <dgm:cxn modelId="3" srcId="0" destId="1" srcOrd="0" destOrd="0"/>
-        <dgm:cxn modelId="4" srcId="0" destId="2" srcOrd="1" destOrd="0"/>
-      </dgm:cxnLst>
-      <dgm:bg/>
-      <dgm:whole/>
-    </dgm:dataModel>
-  </dgm:styleData>
-  <dgm:clrData>
-    <dgm:dataModel>
-      <dgm:ptLst>
-        <dgm:pt modelId="0" type="doc"/>
-        <dgm:pt modelId="1"/>
-        <dgm:pt modelId="2"/>
-        <dgm:pt modelId="3"/>
-        <dgm:pt modelId="4"/>
-      </dgm:ptLst>
-      <dgm:cxnLst>
-        <dgm:cxn modelId="5" srcId="0" destId="1" srcOrd="0" destOrd="0"/>
-        <dgm:cxn modelId="6" srcId="0" destId="2" srcOrd="1" destOrd="0"/>
-        <dgm:cxn modelId="7" srcId="0" destId="3" srcOrd="2" destOrd="0"/>
-        <dgm:cxn modelId="8" srcId="0" destId="4" srcOrd="3" destOrd="0"/>
-      </dgm:cxnLst>
-      <dgm:bg/>
-      <dgm:whole/>
-    </dgm:dataModel>
-  </dgm:clrData>
-  <dgm:layoutNode name="Name0">
-    <dgm:varLst>
-      <dgm:dir/>
-      <dgm:resizeHandles val="exact"/>
-    </dgm:varLst>
-    <dgm:choose name="Name1">
-      <dgm:if name="Name2" func="var" arg="dir" op="equ" val="norm">
-        <dgm:alg type="lin"/>
-      </dgm:if>
-      <dgm:else name="Name3">
-        <dgm:alg type="lin">
-          <dgm:param type="linDir" val="fromR"/>
-        </dgm:alg>
-      </dgm:else>
-    </dgm:choose>
-    <dgm:shape xmlns:r="http://schemas.openxmlformats.org/officeDocument/2006/relationships" r:blip="">
-      <dgm:adjLst/>
-    </dgm:shape>
-    <dgm:presOf/>
-    <dgm:constrLst>
-      <dgm:constr type="w" for="ch" ptType="node" refType="w"/>
-      <dgm:constr type="h" for="ch" ptType="node" op="equ"/>
-      <dgm:constr type="primFontSz" for="ch" ptType="node" op="equ" val="65"/>
-      <dgm:constr type="w" for="ch" ptType="sibTrans" refType="w" refFor="ch" refPtType="node" op="equ" fact="0.4"/>
-      <dgm:constr type="h" for="ch" ptType="sibTrans" op="equ"/>
-      <dgm:constr type="primFontSz" for="des" forName="connectorText" op="equ" val="55"/>
-      <dgm:constr type="primFontSz" for="des" forName="connectorText" refType="primFontSz" refFor="ch" refPtType="node" op="lte" fact="0.8"/>
-    </dgm:constrLst>
-    <dgm:ruleLst/>
-    <dgm:forEach name="nodesForEach" axis="ch" ptType="node">
-      <dgm:layoutNode name="node">
-        <dgm:varLst>
-          <dgm:bulletEnabled val="1"/>
-        </dgm:varLst>
-        <dgm:alg type="tx"/>
-        <dgm:shape xmlns:r="http://schemas.openxmlformats.org/officeDocument/2006/relationships" type="roundRect" r:blip="">
-          <dgm:adjLst>
-            <dgm:adj idx="1" val="0.1"/>
-          </dgm:adjLst>
-        </dgm:shape>
-        <dgm:presOf axis="desOrSelf" ptType="node"/>
-        <dgm:constrLst>
-          <dgm:constr type="h" refType="w" fact="0.6"/>
-          <dgm:constr type="tMarg" refType="primFontSz" fact="0.3"/>
-          <dgm:constr type="bMarg" refType="primFontSz" fact="0.3"/>
-          <dgm:constr type="lMarg" refType="primFontSz" fact="0.3"/>
-          <dgm:constr type="rMarg" refType="primFontSz" fact="0.3"/>
-        </dgm:constrLst>
-        <dgm:ruleLst>
-          <dgm:rule type="primFontSz" val="18" fact="NaN" max="NaN"/>
-          <dgm:rule type="h" val="NaN" fact="1.5" max="NaN"/>
-          <dgm:rule type="primFontSz" val="5" fact="NaN" max="NaN"/>
-          <dgm:rule type="h" val="INF" fact="NaN" max="NaN"/>
-        </dgm:ruleLst>
-      </dgm:layoutNode>
-      <dgm:forEach name="sibTransForEach" axis="followSib" ptType="sibTrans" cnt="1">
-        <dgm:layoutNode name="sibTrans">
-          <dgm:alg type="conn">
-            <dgm:param type="begPts" val="auto"/>
-            <dgm:param type="endPts" val="auto"/>
-          </dgm:alg>
-          <dgm:shape xmlns:r="http://schemas.openxmlformats.org/officeDocument/2006/relationships" type="conn" r:blip="">
-            <dgm:adjLst/>
-          </dgm:shape>
-          <dgm:presOf axis="self"/>
-          <dgm:constrLst>
-            <dgm:constr type="h" refType="w" fact="0.62"/>
-            <dgm:constr type="connDist"/>
-            <dgm:constr type="begPad" refType="connDist" fact="0.25"/>
-            <dgm:constr type="endPad" refType="connDist" fact="0.22"/>
-          </dgm:constrLst>
-          <dgm:ruleLst/>
-          <dgm:layoutNode name="connectorText">
-            <dgm:alg type="tx">
-              <dgm:param type="autoTxRot" val="grav"/>
-            </dgm:alg>
-            <dgm:shape xmlns:r="http://schemas.openxmlformats.org/officeDocument/2006/relationships" type="conn" r:blip="" hideGeom="1">
-              <dgm:adjLst/>
-            </dgm:shape>
-            <dgm:presOf axis="self"/>
-            <dgm:constrLst>
-              <dgm:constr type="lMarg"/>
-              <dgm:constr type="rMarg"/>
-              <dgm:constr type="tMarg"/>
-              <dgm:constr type="bMarg"/>
-            </dgm:constrLst>
-            <dgm:ruleLst>
-              <dgm:rule type="primFontSz" val="5" fact="NaN" max="NaN"/>
-            </dgm:ruleLst>
-          </dgm:layoutNode>
-        </dgm:layoutNode>
-      </dgm:forEach>
-    </dgm:forEach>
-  </dgm:layoutNode>
-</dgm:layoutDef>
-</file>
-
 <file path=ppt/diagrams/quickStyle1.xml><?xml version="1.0" encoding="utf-8"?>
-<dgm:styleDef xmlns:dgm="http://schemas.openxmlformats.org/drawingml/2006/diagram" xmlns:a="http://schemas.openxmlformats.org/drawingml/2006/main" uniqueId="urn:microsoft.com/office/officeart/2005/8/quickstyle/simple1">
-  <dgm:title val=""/>
-  <dgm:desc val=""/>
-  <dgm:catLst>
-    <dgm:cat type="simple" pri="10100"/>
-  </dgm:catLst>
-  <dgm:scene3d>
-    <a:camera prst="orthographicFront"/>
-    <a:lightRig rig="threePt" dir="t"/>
-  </dgm:scene3d>
-  <dgm:styleLbl name="node0">
-    <dgm:scene3d>
-      <a:camera prst="orthographicFront"/>
-      <a:lightRig rig="threePt" dir="t"/>
-    </dgm:scene3d>
-    <dgm:sp3d/>
-    <dgm:txPr/>
-    <dgm:style>
-      <a:lnRef idx="2">
-        <a:scrgbClr r="0" g="0" b="0"/>
-      </a:lnRef>
-      <a:fillRef idx="1">
-        <a:scrgbClr r="0" g="0" b="0"/>
-      </a:fillRef>
-      <a:effectRef idx="0">
-        <a:scrgbClr r="0" g="0" b="0"/>
-      </a:effectRef>
-      <a:fontRef idx="minor">
-        <a:schemeClr val="lt1"/>
-      </a:fontRef>
-    </dgm:style>
-  </dgm:styleLbl>
-  <dgm:styleLbl name="lnNode1">
-    <dgm:scene3d>
-      <a:camera prst="orthographicFront"/>
-      <a:lightRig rig="threePt" dir="t"/>
-    </dgm:scene3d>
-    <dgm:sp3d/>
-    <dgm:txPr/>
-    <dgm:style>
-      <a:lnRef idx="2">
-        <a:scrgbClr r="0" g="0" b="0"/>
-      </a:lnRef>
-      <a:fillRef idx="1">
-        <a:scrgbClr r="0" g="0" b="0"/>
-      </a:fillRef>
-      <a:effectRef idx="0">
-        <a:scrgbClr r="0" g="0" b="0"/>
-      </a:effectRef>
-      <a:fontRef idx="minor">
-        <a:schemeClr val="lt1"/>
-      </a:fontRef>
-    </dgm:style>
-  </dgm:styleLbl>
-  <dgm:styleLbl name="vennNode1">
-    <dgm:scene3d>
-      <a:camera prst="orthographicFront"/>
-      <a:lightRig rig="threePt" dir="t"/>
-    </dgm:scene3d>
-    <dgm:sp3d/>
-    <dgm:txPr/>
-    <dgm:style>
-      <a:lnRef idx="2">
-        <a:scrgbClr r="0" g="0" b="0"/>
-      </a:lnRef>
-      <a:fillRef idx="1">
-        <a:scrgbClr r="0" g="0" b="0"/>
-      </a:fillRef>
-      <a:effectRef idx="0">
-        <a:scrgbClr r="0" g="0" b="0"/>
-      </a:effectRef>
-      <a:fontRef idx="minor">
-        <a:schemeClr val="tx1"/>
-      </a:fontRef>
-    </dgm:style>
-  </dgm:styleLbl>
-  <dgm:styleLbl name="alignNode1">
-    <dgm:scene3d>
-      <a:camera prst="orthographicFront"/>
-      <a:lightRig rig="threePt" dir="t"/>
-    </dgm:scene3d>
-    <dgm:sp3d/>
-    <dgm:txPr/>
-    <dgm:style>
-      <a:lnRef idx="2">
-        <a:scrgbClr r="0" g="0" b="0"/>
-      </a:lnRef>
-      <a:fillRef idx="1">
-        <a:scrgbClr r="0" g="0" b="0"/>
-      </a:fillRef>
-      <a:effectRef idx="0">
-        <a:scrgbClr r="0" g="0" b="0"/>
-      </a:effectRef>
-      <a:fontRef idx="minor">
-        <a:schemeClr val="lt1"/>
-      </a:fontRef>
-    </dgm:style>
-  </dgm:styleLbl>
-  <dgm:styleLbl name="node1">
-    <dgm:scene3d>
-      <a:camera prst="orthographicFront"/>
-      <a:lightRig rig="threePt" dir="t"/>
-    </dgm:scene3d>
-    <dgm:sp3d/>
-    <dgm:txPr/>
-    <dgm:style>
-      <a:lnRef idx="2">
-        <a:scrgbClr r="0" g="0" b="0"/>
-      </a:lnRef>
-      <a:fillRef idx="1">
-        <a:scrgbClr r="0" g="0" b="0"/>
-      </a:fillRef>
-      <a:effectRef idx="0">
-        <a:scrgbClr r="0" g="0" b="0"/>
-      </a:effectRef>
-      <a:fontRef idx="minor">
-        <a:schemeClr val="lt1"/>
-      </a:fontRef>
-    </dgm:style>
-  </dgm:styleLbl>
-  <dgm:styleLbl name="node2">
-    <dgm:scene3d>
-      <a:camera prst="orthographicFront"/>
-      <a:lightRig rig="threePt" dir="t"/>
-    </dgm:scene3d>
-    <dgm:sp3d/>
-    <dgm:txPr/>
-    <dgm:style>
-      <a:lnRef idx="2">
-        <a:scrgbClr r="0" g="0" b="0"/>
-      </a:lnRef>
-      <a:fillRef idx="1">
-        <a:scrgbClr r="0" g="0" b="0"/>
-      </a:fillRef>
-      <a:effectRef idx="0">
-        <a:scrgbClr r="0" g="0" b="0"/>
-      </a:effectRef>
-      <a:fontRef idx="minor">
-        <a:schemeClr val="lt1"/>
-      </a:fontRef>
-    </dgm:style>
-  </dgm:styleLbl>
-  <dgm:styleLbl name="node3">
-    <dgm:scene3d>
-      <a:camera prst="orthographicFront"/>
-      <a:lightRig rig="threePt" dir="t"/>
-    </dgm:scene3d>
-    <dgm:sp3d/>
-    <dgm:txPr/>
-    <dgm:style>
-      <a:lnRef idx="2">
-        <a:scrgbClr r="0" g="0" b="0"/>
-      </a:lnRef>
-      <a:fillRef idx="1">
-        <a:scrgbClr r="0" g="0" b="0"/>
-      </a:fillRef>
-      <a:effectRef idx="0">
-        <a:scrgbClr r="0" g="0" b="0"/>
-      </a:effectRef>
-      <a:fontRef idx="minor">
-        <a:schemeClr val="lt1"/>
-      </a:fontRef>
-    </dgm:style>
-  </dgm:styleLbl>
-  <dgm:styleLbl name="node4">
-    <dgm:scene3d>
-      <a:camera prst="orthographicFront"/>
-      <a:lightRig rig="threePt" dir="t"/>
-    </dgm:scene3d>
-    <dgm:sp3d/>
-    <dgm:txPr/>
-    <dgm:style>
-      <a:lnRef idx="2">
-        <a:scrgbClr r="0" g="0" b="0"/>
-      </a:lnRef>
-      <a:fillRef idx="1">
-        <a:scrgbClr r="0" g="0" b="0"/>
-      </a:fillRef>
-      <a:effectRef idx="0">
-        <a:scrgbClr r="0" g="0" b="0"/>
-      </a:effectRef>
-      <a:fontRef idx="minor">
-        <a:schemeClr val="lt1"/>
-      </a:fontRef>
-    </dgm:style>
-  </dgm:styleLbl>
-  <dgm:styleLbl name="fgImgPlace1">
-    <dgm:scene3d>
-      <a:camera prst="orthographicFront"/>
-      <a:lightRig rig="threePt" dir="t"/>
-    </dgm:scene3d>
-    <dgm:sp3d/>
-    <dgm:txPr/>
-    <dgm:style>
-      <a:lnRef idx="2">
-        <a:scrgbClr r="0" g="0" b="0"/>
-      </a:lnRef>
-      <a:fillRef idx="1">
-        <a:scrgbClr r="0" g="0" b="0"/>
-      </a:fillRef>
-      <a:effectRef idx="0">
-        <a:scrgbClr r="0" g="0" b="0"/>
-      </a:effectRef>
-      <a:fontRef idx="minor"/>
-    </dgm:style>
-  </dgm:styleLbl>
-  <dgm:styleLbl name="alignImgPlace1">
-    <dgm:scene3d>
-      <a:camera prst="orthographicFront"/>
-      <a:lightRig rig="threePt" dir="t"/>
-    </dgm:scene3d>
-    <dgm:sp3d/>
-    <dgm:txPr/>
-    <dgm:style>
-      <a:lnRef idx="2">
-        <a:scrgbClr r="0" g="0" b="0"/>
-      </a:lnRef>
-      <a:fillRef idx="1">
-        <a:scrgbClr r="0" g="0" b="0"/>
-      </a:fillRef>
-      <a:effectRef idx="0">
-        <a:scrgbClr r="0" g="0" b="0"/>
-      </a:effectRef>
-      <a:fontRef idx="minor"/>
-    </dgm:style>
-  </dgm:styleLbl>
-  <dgm:styleLbl name="bgImgPlace1">
-    <dgm:scene3d>
-      <a:camera prst="orthographicFront"/>
-      <a:lightRig rig="threePt" dir="t"/>
-    </dgm:scene3d>
-    <dgm:sp3d/>
-    <dgm:txPr/>
-    <dgm:style>
-      <a:lnRef idx="2">
-        <a:scrgbClr r="0" g="0" b="0"/>
-      </a:lnRef>
-      <a:fillRef idx="1">
-        <a:scrgbClr r="0" g="0" b="0"/>
-      </a:fillRef>
-      <a:effectRef idx="0">
-        <a:scrgbClr r="0" g="0" b="0"/>
-      </a:effectRef>
-      <a:fontRef idx="minor"/>
-    </dgm:style>
-  </dgm:styleLbl>
-  <dgm:styleLbl name="sibTrans2D1">
-    <dgm:scene3d>
-      <a:camera prst="orthographicFront"/>
-      <a:lightRig rig="threePt" dir="t"/>
-    </dgm:scene3d>
-    <dgm:sp3d/>
-    <dgm:txPr/>
-    <dgm:style>
-      <a:lnRef idx="0">
-        <a:scrgbClr r="0" g="0" b="0"/>
-      </a:lnRef>
-      <a:fillRef idx="1">
-        <a:scrgbClr r="0" g="0" b="0"/>
-      </a:fillRef>
-      <a:effectRef idx="0">
-        <a:scrgbClr r="0" g="0" b="0"/>
-      </a:effectRef>
-      <a:fontRef idx="minor">
-        <a:schemeClr val="lt1"/>
-      </a:fontRef>
-    </dgm:style>
-  </dgm:styleLbl>
-  <dgm:styleLbl name="fgSibTrans2D1">
-    <dgm:scene3d>
-      <a:camera prst="orthographicFront"/>
-      <a:lightRig rig="threePt" dir="t"/>
-    </dgm:scene3d>
-    <dgm:sp3d/>
-    <dgm:txPr/>
-    <dgm:style>
-      <a:lnRef idx="0">
-        <a:scrgbClr r="0" g="0" b="0"/>
-      </a:lnRef>
-      <a:fillRef idx="1">
-        <a:scrgbClr r="0" g="0" b="0"/>
-      </a:fillRef>
-      <a:effectRef idx="0">
-        <a:scrgbClr r="0" g="0" b="0"/>
-      </a:effectRef>
-      <a:fontRef idx="minor">
-        <a:schemeClr val="lt1"/>
-      </a:fontRef>
-    </dgm:style>
-  </dgm:styleLbl>
-  <dgm:styleLbl name="bgSibTrans2D1">
-    <dgm:scene3d>
-      <a:camera prst="orthographicFront"/>
-      <a:lightRig rig="threePt" dir="t"/>
-    </dgm:scene3d>
-    <dgm:sp3d/>
-    <dgm:txPr/>
-    <dgm:style>
-      <a:lnRef idx="0">
-        <a:scrgbClr r="0" g="0" b="0"/>
-      </a:lnRef>
-      <a:fillRef idx="1">
-        <a:scrgbClr r="0" g="0" b="0"/>
-      </a:fillRef>
-      <a:effectRef idx="0">
-        <a:scrgbClr r="0" g="0" b="0"/>
-      </a:effectRef>
-      <a:fontRef idx="minor">
-        <a:schemeClr val="lt1"/>
-      </a:fontRef>
-    </dgm:style>
-  </dgm:styleLbl>
-  <dgm:styleLbl name="sibTrans1D1">
-    <dgm:scene3d>
-      <a:camera prst="orthographicFront"/>
-      <a:lightRig rig="threePt" dir="t"/>
-    </dgm:scene3d>
-    <dgm:sp3d/>
-    <dgm:txPr/>
-    <dgm:style>
-      <a:lnRef idx="1">
-        <a:scrgbClr r="0" g="0" b="0"/>
-      </a:lnRef>
-      <a:fillRef idx="0">
-        <a:scrgbClr r="0" g="0" b="0"/>
-      </a:fillRef>
-      <a:effectRef idx="0">
-        <a:scrgbClr r="0" g="0" b="0"/>
-      </a:effectRef>
-      <a:fontRef idx="minor"/>
-    </dgm:style>
-  </dgm:styleLbl>
-  <dgm:styleLbl name="callout">
-    <dgm:scene3d>
-      <a:camera prst="orthographicFront"/>
-      <a:lightRig rig="threePt" dir="t"/>
-    </dgm:scene3d>
-    <dgm:sp3d/>
-    <dgm:txPr/>
-    <dgm:style>
-      <a:lnRef idx="2">
-        <a:scrgbClr r="0" g="0" b="0"/>
-      </a:lnRef>
-      <a:fillRef idx="1">
-        <a:scrgbClr r="0" g="0" b="0"/>
-      </a:fillRef>
-      <a:effectRef idx="0">
-        <a:scrgbClr r="0" g="0" b="0"/>
-      </a:effectRef>
-      <a:fontRef idx="minor"/>
-    </dgm:style>
-  </dgm:styleLbl>
-  <dgm:styleLbl name="asst0">
-    <dgm:scene3d>
-      <a:camera prst="orthographicFront"/>
-      <a:lightRig rig="threePt" dir="t"/>
-    </dgm:scene3d>
-    <dgm:sp3d/>
-    <dgm:txPr/>
-    <dgm:style>
-      <a:lnRef idx="2">
-        <a:scrgbClr r="0" g="0" b="0"/>
-      </a:lnRef>
-      <a:fillRef idx="1">
-        <a:scrgbClr r="0" g="0" b="0"/>
-      </a:fillRef>
-      <a:effectRef idx="0">
-        <a:scrgbClr r="0" g="0" b="0"/>
-      </a:effectRef>
-      <a:fontRef idx="minor">
-        <a:schemeClr val="lt1"/>
-      </a:fontRef>
-    </dgm:style>
-  </dgm:styleLbl>
-  <dgm:styleLbl name="asst1">
-    <dgm:scene3d>
-      <a:camera prst="orthographicFront"/>
-      <a:lightRig rig="threePt" dir="t"/>
-    </dgm:scene3d>
-    <dgm:sp3d/>
-    <dgm:txPr/>
-    <dgm:style>
-      <a:lnRef idx="2">
-        <a:scrgbClr r="0" g="0" b="0"/>
-      </a:lnRef>
-      <a:fillRef idx="1">
-        <a:scrgbClr r="0" g="0" b="0"/>
-      </a:fillRef>
-      <a:effectRef idx="0">
-        <a:scrgbClr r="0" g="0" b="0"/>
-      </a:effectRef>
-      <a:fontRef idx="minor">
-        <a:schemeClr val="lt1"/>
-      </a:fontRef>
-    </dgm:style>
-  </dgm:styleLbl>
-  <dgm:styleLbl name="asst2">
-    <dgm:scene3d>
-      <a:camera prst="orthographicFront"/>
-      <a:lightRig rig="threePt" dir="t"/>
-    </dgm:scene3d>
-    <dgm:sp3d/>
-    <dgm:txPr/>
-    <dgm:style>
-      <a:lnRef idx="2">
-        <a:scrgbClr r="0" g="0" b="0"/>
-      </a:lnRef>
-      <a:fillRef idx="1">
-        <a:scrgbClr r="0" g="0" b="0"/>
-      </a:fillRef>
-      <a:effectRef idx="0">
-        <a:scrgbClr r="0" g="0" b="0"/>
-      </a:effectRef>
-      <a:fontRef idx="minor">
-        <a:schemeClr val="lt1"/>
-      </a:fontRef>
-    </dgm:style>
-  </dgm:styleLbl>
-  <dgm:styleLbl name="asst3">
-    <dgm:scene3d>
-      <a:camera prst="orthographicFront"/>
-      <a:lightRig rig="threePt" dir="t"/>
-    </dgm:scene3d>
-    <dgm:sp3d/>
-    <dgm:txPr/>
-    <dgm:style>
-      <a:lnRef idx="2">
-        <a:scrgbClr r="0" g="0" b="0"/>
-      </a:lnRef>
-      <a:fillRef idx="1">
-        <a:scrgbClr r="0" g="0" b="0"/>
-      </a:fillRef>
-      <a:effectRef idx="0">
-        <a:scrgbClr r="0" g="0" b="0"/>
-      </a:effectRef>
-      <a:fontRef idx="minor">
-        <a:schemeClr val="lt1"/>
-      </a:fontRef>
-    </dgm:style>
-  </dgm:styleLbl>
-  <dgm:styleLbl name="asst4">
-    <dgm:scene3d>
-      <a:camera prst="orthographicFront"/>
-      <a:lightRig rig="threePt" dir="t"/>
-    </dgm:scene3d>
-    <dgm:sp3d/>
-    <dgm:txPr/>
-    <dgm:style>
-      <a:lnRef idx="2">
-        <a:scrgbClr r="0" g="0" b="0"/>
-      </a:lnRef>
-      <a:fillRef idx="1">
-        <a:scrgbClr r="0" g="0" b="0"/>
-      </a:fillRef>
-      <a:effectRef idx="0">
-        <a:scrgbClr r="0" g="0" b="0"/>
-      </a:effectRef>
-      <a:fontRef idx="minor">
-        <a:schemeClr val="lt1"/>
-      </a:fontRef>
-    </dgm:style>
-  </dgm:styleLbl>
-  <dgm:styleLbl name="parChTrans2D1">
-    <dgm:scene3d>
-      <a:camera prst="orthographicFront"/>
-      <a:lightRig rig="threePt" dir="t"/>
-    </dgm:scene3d>
-    <dgm:sp3d/>
-    <dgm:txPr/>
-    <dgm:style>
-      <a:lnRef idx="2">
-        <a:scrgbClr r="0" g="0" b="0"/>
-      </a:lnRef>
-      <a:fillRef idx="1">
-        <a:scrgbClr r="0" g="0" b="0"/>
-      </a:fillRef>
-      <a:effectRef idx="0">
-        <a:scrgbClr r="0" g="0" b="0"/>
-      </a:effectRef>
-      <a:fontRef idx="minor">
-        <a:schemeClr val="lt1"/>
-      </a:fontRef>
-    </dgm:style>
-  </dgm:styleLbl>
-  <dgm:styleLbl name="parChTrans2D2">
-    <dgm:scene3d>
-      <a:camera prst="orthographicFront"/>
-      <a:lightRig rig="threePt" dir="t"/>
-    </dgm:scene3d>
-    <dgm:sp3d/>
-    <dgm:txPr/>
-    <dgm:style>
-      <a:lnRef idx="2">
-        <a:scrgbClr r="0" g="0" b="0"/>
-      </a:lnRef>
-      <a:fillRef idx="1">
-        <a:scrgbClr r="0" g="0" b="0"/>
-      </a:fillRef>
-      <a:effectRef idx="0">
-        <a:scrgbClr r="0" g="0" b="0"/>
-      </a:effectRef>
-      <a:fontRef idx="minor">
-        <a:schemeClr val="lt1"/>
-      </a:fontRef>
-    </dgm:style>
-  </dgm:styleLbl>
-  <dgm:styleLbl name="parChTrans2D3">
-    <dgm:scene3d>
-      <a:camera prst="orthographicFront"/>
-      <a:lightRig rig="threePt" dir="t"/>
-    </dgm:scene3d>
-    <dgm:sp3d/>
-    <dgm:txPr/>
-    <dgm:style>
-      <a:lnRef idx="2">
-        <a:scrgbClr r="0" g="0" b="0"/>
-      </a:lnRef>
-      <a:fillRef idx="1">
-        <a:scrgbClr r="0" g="0" b="0"/>
-      </a:fillRef>
-      <a:effectRef idx="0">
-        <a:scrgbClr r="0" g="0" b="0"/>
-      </a:effectRef>
-      <a:fontRef idx="minor">
-        <a:schemeClr val="lt1"/>
-      </a:fontRef>
-    </dgm:style>
-  </dgm:styleLbl>
-  <dgm:styleLbl name="parChTrans2D4">
-    <dgm:scene3d>
-      <a:camera prst="orthographicFront"/>
-      <a:lightRig rig="threePt" dir="t"/>
-    </dgm:scene3d>
-    <dgm:sp3d/>
-    <dgm:txPr/>
-    <dgm:style>
-      <a:lnRef idx="2">
-        <a:scrgbClr r="0" g="0" b="0"/>
-      </a:lnRef>
-      <a:fillRef idx="1">
-        <a:scrgbClr r="0" g="0" b="0"/>
-      </a:fillRef>
-      <a:effectRef idx="0">
-        <a:scrgbClr r="0" g="0" b="0"/>
-      </a:effectRef>
-      <a:fontRef idx="minor">
-        <a:schemeClr val="lt1"/>
-      </a:fontRef>
-    </dgm:style>
-  </dgm:styleLbl>
-  <dgm:styleLbl name="parChTrans1D1">
-    <dgm:scene3d>
-      <a:camera prst="orthographicFront"/>
-      <a:lightRig rig="threePt" dir="t"/>
-    </dgm:scene3d>
-    <dgm:sp3d/>
-    <dgm:txPr/>
-    <dgm:style>
-      <a:lnRef idx="2">
-        <a:scrgbClr r="0" g="0" b="0"/>
-      </a:lnRef>
-      <a:fillRef idx="0">
-        <a:scrgbClr r="0" g="0" b="0"/>
-      </a:fillRef>
-      <a:effectRef idx="0">
-        <a:scrgbClr r="0" g="0" b="0"/>
-      </a:effectRef>
-      <a:fontRef idx="minor"/>
-    </dgm:style>
-  </dgm:styleLbl>
-  <dgm:styleLbl name="parChTrans1D2">
-    <dgm:scene3d>
-      <a:camera prst="orthographicFront"/>
-      <a:lightRig rig="threePt" dir="t"/>
-    </dgm:scene3d>
-    <dgm:sp3d/>
-    <dgm:txPr/>
-    <dgm:style>
-      <a:lnRef idx="2">
-        <a:scrgbClr r="0" g="0" b="0"/>
-      </a:lnRef>
-      <a:fillRef idx="0">
-        <a:scrgbClr r="0" g="0" b="0"/>
-      </a:fillRef>
-      <a:effectRef idx="0">
-        <a:scrgbClr r="0" g="0" b="0"/>
-      </a:effectRef>
-      <a:fontRef idx="minor"/>
-    </dgm:style>
-  </dgm:styleLbl>
-  <dgm:styleLbl name="parChTrans1D3">
-    <dgm:scene3d>
-      <a:camera prst="orthographicFront"/>
-      <a:lightRig rig="threePt" dir="t"/>
-    </dgm:scene3d>
-    <dgm:sp3d/>
-    <dgm:txPr/>
-    <dgm:style>
-      <a:lnRef idx="2">
-        <a:scrgbClr r="0" g="0" b="0"/>
-      </a:lnRef>
-      <a:fillRef idx="0">
-        <a:scrgbClr r="0" g="0" b="0"/>
-      </a:fillRef>
-      <a:effectRef idx="0">
-        <a:scrgbClr r="0" g="0" b="0"/>
-      </a:effectRef>
-      <a:fontRef idx="minor"/>
-    </dgm:style>
-  </dgm:styleLbl>
-  <dgm:styleLbl name="parChTrans1D4">
-    <dgm:scene3d>
-      <a:camera prst="orthographicFront"/>
-      <a:lightRig rig="threePt" dir="t"/>
-    </dgm:scene3d>
-    <dgm:sp3d/>
-    <dgm:txPr/>
-    <dgm:style>
-      <a:lnRef idx="2">
-        <a:scrgbClr r="0" g="0" b="0"/>
-      </a:lnRef>
-      <a:fillRef idx="0">
-        <a:scrgbClr r="0" g="0" b="0"/>
-      </a:fillRef>
-      <a:effectRef idx="0">
-        <a:scrgbClr r="0" g="0" b="0"/>
-      </a:effectRef>
-      <a:fontRef idx="minor"/>
-    </dgm:style>
-  </dgm:styleLbl>
-  <dgm:styleLbl name="fgAcc1">
-    <dgm:scene3d>
-      <a:camera prst="orthographicFront"/>
-      <a:lightRig rig="threePt" dir="t"/>
-    </dgm:scene3d>
-    <dgm:sp3d/>
-    <dgm:txPr/>
-    <dgm:style>
-      <a:lnRef idx="2">
-        <a:scrgbClr r="0" g="0" b="0"/>
-      </a:lnRef>
-      <a:fillRef idx="1">
-        <a:scrgbClr r="0" g="0" b="0"/>
-      </a:fillRef>
-      <a:effectRef idx="0">
-        <a:scrgbClr r="0" g="0" b="0"/>
-      </a:effectRef>
-      <a:fontRef idx="minor"/>
-    </dgm:style>
-  </dgm:styleLbl>
-  <dgm:styleLbl name="conFgAcc1">
-    <dgm:scene3d>
-      <a:camera prst="orthographicFront"/>
-      <a:lightRig rig="threePt" dir="t"/>
-    </dgm:scene3d>
-    <dgm:sp3d/>
-    <dgm:txPr/>
-    <dgm:style>
-      <a:lnRef idx="2">
-        <a:scrgbClr r="0" g="0" b="0"/>
-      </a:lnRef>
-      <a:fillRef idx="1">
-        <a:scrgbClr r="0" g="0" b="0"/>
-      </a:fillRef>
-      <a:effectRef idx="0">
-        <a:scrgbClr r="0" g="0" b="0"/>
-      </a:effectRef>
-      <a:fontRef idx="minor"/>
-    </dgm:style>
-  </dgm:styleLbl>
-  <dgm:styleLbl name="alignAcc1">
-    <dgm:scene3d>
-      <a:camera prst="orthographicFront"/>
-      <a:lightRig rig="threePt" dir="t"/>
-    </dgm:scene3d>
-    <dgm:sp3d/>
-    <dgm:txPr/>
-    <dgm:style>
-      <a:lnRef idx="2">
-        <a:scrgbClr r="0" g="0" b="0"/>
-      </a:lnRef>
-      <a:fillRef idx="1">
-        <a:scrgbClr r="0" g="0" b="0"/>
-      </a:fillRef>
-      <a:effectRef idx="0">
-        <a:scrgbClr r="0" g="0" b="0"/>
-      </a:effectRef>
-      <a:fontRef idx="minor"/>
-    </dgm:style>
-  </dgm:styleLbl>
-  <dgm:styleLbl name="trAlignAcc1">
-    <dgm:scene3d>
-      <a:camera prst="orthographicFront"/>
-      <a:lightRig rig="threePt" dir="t"/>
-    </dgm:scene3d>
-    <dgm:sp3d/>
-    <dgm:txPr/>
-    <dgm:style>
-      <a:lnRef idx="1">
-        <a:scrgbClr r="0" g="0" b="0"/>
-      </a:lnRef>
-      <a:fillRef idx="1">
-        <a:scrgbClr r="0" g="0" b="0"/>
-      </a:fillRef>
-      <a:effectRef idx="0">
-        <a:scrgbClr r="0" g="0" b="0"/>
-      </a:effectRef>
-      <a:fontRef idx="minor"/>
-    </dgm:style>
-  </dgm:styleLbl>
-  <dgm:styleLbl name="bgAcc1">
-    <dgm:scene3d>
-      <a:camera prst="orthographicFront"/>
-      <a:lightRig rig="threePt" dir="t"/>
-    </dgm:scene3d>
-    <dgm:sp3d/>
-    <dgm:txPr/>
-    <dgm:style>
-      <a:lnRef idx="2">
-        <a:scrgbClr r="0" g="0" b="0"/>
-      </a:lnRef>
-      <a:fillRef idx="1">
-        <a:scrgbClr r="0" g="0" b="0"/>
-      </a:fillRef>
-      <a:effectRef idx="0">
-        <a:scrgbClr r="0" g="0" b="0"/>
-      </a:effectRef>
-      <a:fontRef idx="minor"/>
-    </dgm:style>
-  </dgm:styleLbl>
-  <dgm:styleLbl name="solidFgAcc1">
-    <dgm:scene3d>
-      <a:camera prst="orthographicFront"/>
-      <a:lightRig rig="threePt" dir="t"/>
-    </dgm:scene3d>
-    <dgm:sp3d/>
-    <dgm:txPr/>
-    <dgm:style>
-      <a:lnRef idx="2">
-        <a:scrgbClr r="0" g="0" b="0"/>
-      </a:lnRef>
-      <a:fillRef idx="1">
-        <a:scrgbClr r="0" g="0" b="0"/>
-      </a:fillRef>
-      <a:effectRef idx="0">
-        <a:scrgbClr r="0" g="0" b="0"/>
-      </a:effectRef>
-      <a:fontRef idx="minor"/>
-    </dgm:style>
-  </dgm:styleLbl>
-  <dgm:styleLbl name="solidAlignAcc1">
-    <dgm:scene3d>
-      <a:camera prst="orthographicFront"/>
-      <a:lightRig rig="threePt" dir="t"/>
-    </dgm:scene3d>
-    <dgm:sp3d/>
-    <dgm:txPr/>
-    <dgm:style>
-      <a:lnRef idx="2">
-        <a:scrgbClr r="0" g="0" b="0"/>
-      </a:lnRef>
-      <a:fillRef idx="1">
-        <a:scrgbClr r="0" g="0" b="0"/>
-      </a:fillRef>
-      <a:effectRef idx="0">
-        <a:scrgbClr r="0" g="0" b="0"/>
-      </a:effectRef>
-      <a:fontRef idx="minor"/>
-    </dgm:style>
-  </dgm:styleLbl>
-  <dgm:styleLbl name="solidBgAcc1">
-    <dgm:scene3d>
-      <a:camera prst="orthographicFront"/>
-      <a:lightRig rig="threePt" dir="t"/>
-    </dgm:scene3d>
-    <dgm:sp3d/>
-    <dgm:txPr/>
-    <dgm:style>
-      <a:lnRef idx="2">
-        <a:scrgbClr r="0" g="0" b="0"/>
-      </a:lnRef>
-      <a:fillRef idx="1">
-        <a:scrgbClr r="0" g="0" b="0"/>
-      </a:fillRef>
-      <a:effectRef idx="0">
-        <a:scrgbClr r="0" g="0" b="0"/>
-      </a:effectRef>
-      <a:fontRef idx="minor"/>
-    </dgm:style>
-  </dgm:styleLbl>
-  <dgm:styleLbl name="fgAccFollowNode1">
-    <dgm:scene3d>
-      <a:camera prst="orthographicFront"/>
-      <a:lightRig rig="threePt" dir="t"/>
-    </dgm:scene3d>
-    <dgm:sp3d/>
-    <dgm:txPr/>
-    <dgm:style>
-      <a:lnRef idx="2">
-        <a:scrgbClr r="0" g="0" b="0"/>
-      </a:lnRef>
-      <a:fillRef idx="1">
-        <a:scrgbClr r="0" g="0" b="0"/>
-      </a:fillRef>
-      <a:effectRef idx="0">
-        <a:scrgbClr r="0" g="0" b="0"/>
-      </a:effectRef>
-      <a:fontRef idx="minor"/>
-    </dgm:style>
-  </dgm:styleLbl>
-  <dgm:styleLbl name="alignAccFollowNode1">
-    <dgm:scene3d>
-      <a:camera prst="orthographicFront"/>
-      <a:lightRig rig="threePt" dir="t"/>
-    </dgm:scene3d>
-    <dgm:sp3d/>
-    <dgm:txPr/>
-    <dgm:style>
-      <a:lnRef idx="2">
-        <a:scrgbClr r="0" g="0" b="0"/>
-      </a:lnRef>
-      <a:fillRef idx="1">
-        <a:scrgbClr r="0" g="0" b="0"/>
-      </a:fillRef>
-      <a:effectRef idx="0">
-        <a:scrgbClr r="0" g="0" b="0"/>
-      </a:effectRef>
-      <a:fontRef idx="minor"/>
-    </dgm:style>
-  </dgm:styleLbl>
-  <dgm:styleLbl name="bgAccFollowNode1">
-    <dgm:scene3d>
-      <a:camera prst="orthographicFront"/>
-      <a:lightRig rig="threePt" dir="t"/>
-    </dgm:scene3d>
-    <dgm:sp3d/>
-    <dgm:txPr/>
-    <dgm:style>
-      <a:lnRef idx="2">
-        <a:scrgbClr r="0" g="0" b="0"/>
-      </a:lnRef>
-      <a:fillRef idx="1">
-        <a:scrgbClr r="0" g="0" b="0"/>
-      </a:fillRef>
-      <a:effectRef idx="0">
-        <a:scrgbClr r="0" g="0" b="0"/>
-      </a:effectRef>
-      <a:fontRef idx="minor"/>
-    </dgm:style>
-  </dgm:styleLbl>
-  <dgm:styleLbl name="fgAcc0">
-    <dgm:scene3d>
-      <a:camera prst="orthographicFront"/>
-      <a:lightRig rig="threePt" dir="t"/>
-    </dgm:scene3d>
-    <dgm:sp3d/>
-    <dgm:txPr/>
-    <dgm:style>
-      <a:lnRef idx="2">
-        <a:scrgbClr r="0" g="0" b="0"/>
-      </a:lnRef>
-      <a:fillRef idx="1">
-        <a:scrgbClr r="0" g="0" b="0"/>
-      </a:fillRef>
-      <a:effectRef idx="0">
-        <a:scrgbClr r="0" g="0" b="0"/>
-      </a:effectRef>
-      <a:fontRef idx="minor"/>
-    </dgm:style>
-  </dgm:styleLbl>
-  <dgm:styleLbl name="fgAcc2">
-    <dgm:scene3d>
-      <a:camera prst="orthographicFront"/>
-      <a:lightRig rig="threePt" dir="t"/>
-    </dgm:scene3d>
-    <dgm:sp3d/>
-    <dgm:txPr/>
-    <dgm:style>
-      <a:lnRef idx="2">
-        <a:scrgbClr r="0" g="0" b="0"/>
-      </a:lnRef>
-      <a:fillRef idx="1">
-        <a:scrgbClr r="0" g="0" b="0"/>
-      </a:fillRef>
-      <a:effectRef idx="0">
-        <a:scrgbClr r="0" g="0" b="0"/>
-      </a:effectRef>
-      <a:fontRef idx="minor"/>
-    </dgm:style>
-  </dgm:styleLbl>
-  <dgm:styleLbl name="fgAcc3">
-    <dgm:scene3d>
-      <a:camera prst="orthographicFront"/>
-      <a:lightRig rig="threePt" dir="t"/>
-    </dgm:scene3d>
-    <dgm:sp3d/>
-    <dgm:txPr/>
-    <dgm:style>
-      <a:lnRef idx="2">
-        <a:scrgbClr r="0" g="0" b="0"/>
-      </a:lnRef>
-      <a:fillRef idx="1">
-        <a:scrgbClr r="0" g="0" b="0"/>
-      </a:fillRef>
-      <a:effectRef idx="0">
-        <a:scrgbClr r="0" g="0" b="0"/>
-      </a:effectRef>
-      <a:fontRef idx="minor"/>
-    </dgm:style>
-  </dgm:styleLbl>
-  <dgm:styleLbl name="fgAcc4">
-    <dgm:scene3d>
-      <a:camera prst="orthographicFront"/>
-      <a:lightRig rig="threePt" dir="t"/>
-    </dgm:scene3d>
-    <dgm:sp3d/>
-    <dgm:txPr/>
-    <dgm:style>
-      <a:lnRef idx="2">
-        <a:scrgbClr r="0" g="0" b="0"/>
-      </a:lnRef>
-      <a:fillRef idx="1">
-        <a:scrgbClr r="0" g="0" b="0"/>
-      </a:fillRef>
-      <a:effectRef idx="0">
-        <a:scrgbClr r="0" g="0" b="0"/>
-      </a:effectRef>
-      <a:fontRef idx="minor"/>
-    </dgm:style>
-  </dgm:styleLbl>
-  <dgm:styleLbl name="bgShp">
-    <dgm:scene3d>
-      <a:camera prst="orthographicFront"/>
-      <a:lightRig rig="threePt" dir="t"/>
-    </dgm:scene3d>
-    <dgm:sp3d/>
-    <dgm:txPr/>
-    <dgm:style>
-      <a:lnRef idx="0">
-        <a:scrgbClr r="0" g="0" b="0"/>
-      </a:lnRef>
-      <a:fillRef idx="1">
-        <a:scrgbClr r="0" g="0" b="0"/>
-      </a:fillRef>
-      <a:effectRef idx="0">
-        <a:scrgbClr r="0" g="0" b="0"/>
-      </a:effectRef>
-      <a:fontRef idx="minor"/>
-    </dgm:style>
-  </dgm:styleLbl>
-  <dgm:styleLbl name="dkBgShp">
-    <dgm:scene3d>
-      <a:camera prst="orthographicFront"/>
-      <a:lightRig rig="threePt" dir="t"/>
-    </dgm:scene3d>
-    <dgm:sp3d/>
-    <dgm:txPr/>
-    <dgm:style>
-      <a:lnRef idx="0">
-        <a:scrgbClr r="0" g="0" b="0"/>
-      </a:lnRef>
-      <a:fillRef idx="1">
-        <a:scrgbClr r="0" g="0" b="0"/>
-      </a:fillRef>
-      <a:effectRef idx="0">
-        <a:scrgbClr r="0" g="0" b="0"/>
-      </a:effectRef>
-      <a:fontRef idx="minor"/>
-    </dgm:style>
-  </dgm:styleLbl>
-  <dgm:styleLbl name="trBgShp">
-    <dgm:scene3d>
-      <a:camera prst="orthographicFront"/>
-      <a:lightRig rig="threePt" dir="t"/>
-    </dgm:scene3d>
-    <dgm:sp3d/>
-    <dgm:txPr/>
-    <dgm:style>
-      <a:lnRef idx="0">
-        <a:scrgbClr r="0" g="0" b="0"/>
-      </a:lnRef>
-      <a:fillRef idx="1">
-        <a:scrgbClr r="0" g="0" b="0"/>
-      </a:fillRef>
-      <a:effectRef idx="0">
-        <a:scrgbClr r="0" g="0" b="0"/>
-      </a:effectRef>
-      <a:fontRef idx="minor"/>
-    </dgm:style>
-  </dgm:styleLbl>
-  <dgm:styleLbl name="fgShp">
-    <dgm:scene3d>
-      <a:camera prst="orthographicFront"/>
-      <a:lightRig rig="threePt" dir="t"/>
-    </dgm:scene3d>
-    <dgm:sp3d/>
-    <dgm:txPr/>
-    <dgm:style>
-      <a:lnRef idx="2">
-        <a:scrgbClr r="0" g="0" b="0"/>
-      </a:lnRef>
-      <a:fillRef idx="1">
-        <a:scrgbClr r="0" g="0" b="0"/>
-      </a:fillRef>
-      <a:effectRef idx="0">
-        <a:scrgbClr r="0" g="0" b="0"/>
-      </a:effectRef>
-      <a:fontRef idx="minor"/>
-    </dgm:style>
-  </dgm:styleLbl>
-  <dgm:styleLbl name="revTx">
-    <dgm:scene3d>
-      <a:camera prst="orthographicFront"/>
-      <a:lightRig rig="threePt" dir="t"/>
-    </dgm:scene3d>
-    <dgm:sp3d/>
-    <dgm:txPr/>
-    <dgm:style>
-      <a:lnRef idx="0">
-        <a:scrgbClr r="0" g="0" b="0"/>
-      </a:lnRef>
-      <a:fillRef idx="0">
-        <a:scrgbClr r="0" g="0" b="0"/>
-      </a:fillRef>
-      <a:effectRef idx="0">
-        <a:scrgbClr r="0" g="0" b="0"/>
-      </a:effectRef>
-      <a:fontRef idx="minor"/>
-    </dgm:style>
-  </dgm:styleLbl>
-</dgm:styleDef>
-</file>
-
-<file path=ppt/diagrams/quickStyle2.xml><?xml version="1.0" encoding="utf-8"?>
 <dgm:styleDef xmlns:dgm="http://schemas.openxmlformats.org/drawingml/2006/diagram" xmlns:a="http://schemas.openxmlformats.org/drawingml/2006/main" uniqueId="urn:microsoft.com/office/officeart/2005/8/quickstyle/simple1">
   <dgm:title val=""/>
   <dgm:desc val=""/>
@@ -14069,8 +11477,8 @@
         </p:nvSpPr>
         <p:spPr>
           <a:xfrm>
-            <a:off x="2240382" y="1814796"/>
-            <a:ext cx="8303210" cy="1515533"/>
+            <a:off x="1536294" y="1284444"/>
+            <a:ext cx="9756546" cy="1515533"/>
           </a:xfrm>
         </p:spPr>
         <p:txBody>
@@ -14080,39 +11488,46 @@
           <a:lstStyle/>
           <a:p>
             <a:r>
+              <a:rPr lang="zh-TW" altLang="en-US" sz="6000" dirty="0" smtClean="0">
+                <a:latin typeface="華康粗明體" panose="02020709000000000000" pitchFamily="49" charset="-120"/>
+                <a:ea typeface="華康粗明體" panose="02020709000000000000" pitchFamily="49" charset="-120"/>
+              </a:rPr>
+              <a:t>以 </a:t>
+            </a:r>
+            <a:r>
+              <a:rPr lang="en-US" altLang="zh-TW" sz="6000" dirty="0" smtClean="0">
+                <a:latin typeface="華康粗明體" panose="02020709000000000000" pitchFamily="49" charset="-120"/>
+                <a:ea typeface="華康粗明體" panose="02020709000000000000" pitchFamily="49" charset="-120"/>
+              </a:rPr>
+              <a:t>SDR</a:t>
+            </a:r>
+            <a:r>
+              <a:rPr lang="zh-TW" altLang="en-US" sz="6000" dirty="0" smtClean="0">
+                <a:latin typeface="華康粗明體" panose="02020709000000000000" pitchFamily="49" charset="-120"/>
+                <a:ea typeface="華康粗明體" panose="02020709000000000000" pitchFamily="49" charset="-120"/>
+              </a:rPr>
+              <a:t> 實現 </a:t>
+            </a:r>
+            <a:r>
+              <a:rPr lang="en-US" altLang="zh-TW" sz="6000" dirty="0" smtClean="0">
+                <a:latin typeface="華康粗明體" panose="02020709000000000000" pitchFamily="49" charset="-120"/>
+                <a:ea typeface="華康粗明體" panose="02020709000000000000" pitchFamily="49" charset="-120"/>
+              </a:rPr>
+              <a:t>OTSM</a:t>
+            </a:r>
+            <a:r>
+              <a:rPr lang="zh-TW" altLang="en-US" sz="6000" dirty="0" smtClean="0">
+                <a:latin typeface="華康粗明體" panose="02020709000000000000" pitchFamily="49" charset="-120"/>
+                <a:ea typeface="華康粗明體" panose="02020709000000000000" pitchFamily="49" charset="-120"/>
+              </a:rPr>
+              <a:t> 通訊</a:t>
+            </a:r>
+            <a:r>
               <a:rPr lang="zh-TW" altLang="en-US" sz="6000" dirty="0">
                 <a:latin typeface="華康粗明體" panose="02020709000000000000" pitchFamily="49" charset="-120"/>
                 <a:ea typeface="華康粗明體" panose="02020709000000000000" pitchFamily="49" charset="-120"/>
               </a:rPr>
-              <a:t>以</a:t>
-            </a:r>
-            <a:r>
-              <a:rPr lang="en-US" altLang="zh-TW" sz="6000" dirty="0">
-                <a:latin typeface="華康粗明體" panose="02020709000000000000" pitchFamily="49" charset="-120"/>
-                <a:ea typeface="華康粗明體" panose="02020709000000000000" pitchFamily="49" charset="-120"/>
-              </a:rPr>
-              <a:t>SDR</a:t>
-            </a:r>
-            <a:r>
-              <a:rPr lang="zh-TW" altLang="en-US" sz="6000" dirty="0">
-                <a:latin typeface="華康粗明體" panose="02020709000000000000" pitchFamily="49" charset="-120"/>
-                <a:ea typeface="華康粗明體" panose="02020709000000000000" pitchFamily="49" charset="-120"/>
-              </a:rPr>
-              <a:t>實現</a:t>
-            </a:r>
-            <a:r>
-              <a:rPr lang="en-US" altLang="zh-TW" sz="6000" dirty="0">
-                <a:latin typeface="華康粗明體" panose="02020709000000000000" pitchFamily="49" charset="-120"/>
-                <a:ea typeface="華康粗明體" panose="02020709000000000000" pitchFamily="49" charset="-120"/>
-              </a:rPr>
-              <a:t>OTSM</a:t>
-            </a:r>
-            <a:r>
-              <a:rPr lang="zh-TW" altLang="en-US" sz="6000" dirty="0">
-                <a:latin typeface="華康粗明體" panose="02020709000000000000" pitchFamily="49" charset="-120"/>
-                <a:ea typeface="華康粗明體" panose="02020709000000000000" pitchFamily="49" charset="-120"/>
-              </a:rPr>
-              <a:t>通訊技術</a:t>
+              <a:t>技術</a:t>
             </a:r>
           </a:p>
         </p:txBody>
@@ -14303,18 +11718,25 @@
   <p:clrMapOvr>
     <a:masterClrMapping/>
   </p:clrMapOvr>
-  <mc:AlternateContent xmlns:mc="http://schemas.openxmlformats.org/markup-compatibility/2006" xmlns:p14="http://schemas.microsoft.com/office/powerpoint/2010/main">
-    <mc:Choice Requires="p14">
+  <mc:AlternateContent xmlns:mc="http://schemas.openxmlformats.org/markup-compatibility/2006">
+    <mc:Choice xmlns:p14="http://schemas.microsoft.com/office/powerpoint/2010/main" Requires="p14">
       <p:transition spd="slow" p14:dur="2000">
         <p:cut/>
       </p:transition>
     </mc:Choice>
-    <mc:Fallback xmlns="">
+    <mc:Fallback>
       <p:transition spd="slow">
         <p:cut/>
       </p:transition>
     </mc:Fallback>
   </mc:AlternateContent>
+  <p:timing>
+    <p:tnLst>
+      <p:par>
+        <p:cTn id="1" dur="indefinite" restart="never" nodeType="tmRoot"/>
+      </p:par>
+    </p:tnLst>
+  </p:timing>
 </p:sld>
 </file>
 
@@ -14634,18 +12056,25 @@
   <p:clrMapOvr>
     <a:masterClrMapping/>
   </p:clrMapOvr>
-  <mc:AlternateContent xmlns:mc="http://schemas.openxmlformats.org/markup-compatibility/2006" xmlns:p14="http://schemas.microsoft.com/office/powerpoint/2010/main">
-    <mc:Choice Requires="p14">
+  <mc:AlternateContent xmlns:mc="http://schemas.openxmlformats.org/markup-compatibility/2006">
+    <mc:Choice xmlns:p14="http://schemas.microsoft.com/office/powerpoint/2010/main" Requires="p14">
       <p:transition spd="slow" p14:dur="2000">
         <p:cut/>
       </p:transition>
     </mc:Choice>
-    <mc:Fallback xmlns="">
+    <mc:Fallback>
       <p:transition spd="slow">
         <p:cut/>
       </p:transition>
     </mc:Fallback>
   </mc:AlternateContent>
+  <p:timing>
+    <p:tnLst>
+      <p:par>
+        <p:cTn id="1" dur="indefinite" restart="never" nodeType="tmRoot"/>
+      </p:par>
+    </p:tnLst>
+  </p:timing>
 </p:sld>
 </file>
 
@@ -15204,18 +12633,25 @@
   <p:clrMapOvr>
     <a:masterClrMapping/>
   </p:clrMapOvr>
-  <mc:AlternateContent xmlns:mc="http://schemas.openxmlformats.org/markup-compatibility/2006" xmlns:p14="http://schemas.microsoft.com/office/powerpoint/2010/main">
-    <mc:Choice Requires="p14">
+  <mc:AlternateContent xmlns:mc="http://schemas.openxmlformats.org/markup-compatibility/2006">
+    <mc:Choice xmlns:p14="http://schemas.microsoft.com/office/powerpoint/2010/main" Requires="p14">
       <p:transition spd="slow" p14:dur="2000">
         <p:cut/>
       </p:transition>
     </mc:Choice>
-    <mc:Fallback xmlns="">
+    <mc:Fallback>
       <p:transition spd="slow">
         <p:cut/>
       </p:transition>
     </mc:Fallback>
   </mc:AlternateContent>
+  <p:timing>
+    <p:tnLst>
+      <p:par>
+        <p:cTn id="1" dur="indefinite" restart="never" nodeType="tmRoot"/>
+      </p:par>
+    </p:tnLst>
+  </p:timing>
 </p:sld>
 </file>
 
@@ -16234,18 +13670,25 @@
   <p:clrMapOvr>
     <a:masterClrMapping/>
   </p:clrMapOvr>
-  <mc:AlternateContent xmlns:mc="http://schemas.openxmlformats.org/markup-compatibility/2006" xmlns:p14="http://schemas.microsoft.com/office/powerpoint/2010/main">
-    <mc:Choice Requires="p14">
+  <mc:AlternateContent xmlns:mc="http://schemas.openxmlformats.org/markup-compatibility/2006">
+    <mc:Choice xmlns:p14="http://schemas.microsoft.com/office/powerpoint/2010/main" Requires="p14">
       <p:transition spd="slow" p14:dur="2000">
         <p:cut/>
       </p:transition>
     </mc:Choice>
-    <mc:Fallback xmlns="">
+    <mc:Fallback>
       <p:transition spd="slow">
         <p:cut/>
       </p:transition>
     </mc:Fallback>
   </mc:AlternateContent>
+  <p:timing>
+    <p:tnLst>
+      <p:par>
+        <p:cTn id="1" dur="indefinite" restart="never" nodeType="tmRoot"/>
+      </p:par>
+    </p:tnLst>
+  </p:timing>
 </p:sld>
 </file>
 
@@ -28687,18 +26130,25 @@
   <p:clrMapOvr>
     <a:masterClrMapping/>
   </p:clrMapOvr>
-  <mc:AlternateContent xmlns:mc="http://schemas.openxmlformats.org/markup-compatibility/2006" xmlns:p14="http://schemas.microsoft.com/office/powerpoint/2010/main">
-    <mc:Choice Requires="p14">
+  <mc:AlternateContent xmlns:mc="http://schemas.openxmlformats.org/markup-compatibility/2006">
+    <mc:Choice xmlns:p14="http://schemas.microsoft.com/office/powerpoint/2010/main" Requires="p14">
       <p:transition spd="slow" p14:dur="2000">
         <p:cut/>
       </p:transition>
     </mc:Choice>
-    <mc:Fallback xmlns="">
+    <mc:Fallback>
       <p:transition spd="slow">
         <p:cut/>
       </p:transition>
     </mc:Fallback>
   </mc:AlternateContent>
+  <p:timing>
+    <p:tnLst>
+      <p:par>
+        <p:cTn id="1" dur="indefinite" restart="never" nodeType="tmRoot"/>
+      </p:par>
+    </p:tnLst>
+  </p:timing>
 </p:sld>
 </file>
 
@@ -29015,18 +26465,25 @@
   <p:clrMapOvr>
     <a:masterClrMapping/>
   </p:clrMapOvr>
-  <mc:AlternateContent xmlns:mc="http://schemas.openxmlformats.org/markup-compatibility/2006" xmlns:p14="http://schemas.microsoft.com/office/powerpoint/2010/main">
-    <mc:Choice Requires="p14">
+  <mc:AlternateContent xmlns:mc="http://schemas.openxmlformats.org/markup-compatibility/2006">
+    <mc:Choice xmlns:p14="http://schemas.microsoft.com/office/powerpoint/2010/main" Requires="p14">
       <p:transition spd="slow" p14:dur="2000">
         <p:cut/>
       </p:transition>
     </mc:Choice>
-    <mc:Fallback xmlns="">
+    <mc:Fallback>
       <p:transition spd="slow">
         <p:cut/>
       </p:transition>
     </mc:Fallback>
   </mc:AlternateContent>
+  <p:timing>
+    <p:tnLst>
+      <p:par>
+        <p:cTn id="1" dur="indefinite" restart="never" nodeType="tmRoot"/>
+      </p:par>
+    </p:tnLst>
+  </p:timing>
 </p:sld>
 </file>
 
@@ -29120,16 +26577,10 @@
               <a:t>訊號接收後無法同步資料 → 更改 </a:t>
             </a:r>
             <a:r>
-              <a:rPr lang="en-US" altLang="zh-TW" sz="2400" dirty="0" err="1">
+              <a:rPr lang="en-US" altLang="zh-TW" sz="2400" dirty="0" smtClean="0">
                 <a:latin typeface="+mn-ea"/>
               </a:rPr>
-              <a:t>Syncbits</a:t>
-            </a:r>
-            <a:r>
-              <a:rPr lang="en-US" altLang="zh-TW" sz="2400" dirty="0">
-                <a:latin typeface="+mn-ea"/>
-              </a:rPr>
-              <a:t> </a:t>
+              <a:t>Sync bits </a:t>
             </a:r>
             <a:r>
               <a:rPr lang="zh-TW" altLang="en-US" sz="2400" dirty="0">
@@ -29207,22 +26658,10 @@
               <a:t>Pluto</a:t>
             </a:r>
             <a:r>
-              <a:rPr lang="zh-TW" altLang="en-US" sz="2400" dirty="0">
+              <a:rPr lang="zh-TW" altLang="en-US" sz="2400" dirty="0" smtClean="0">
                 <a:latin typeface="+mn-ea"/>
               </a:rPr>
-              <a:t>無法改變功率輸出，</a:t>
-            </a:r>
-            <a:r>
-              <a:rPr lang="en-US" altLang="zh-TW" sz="2400" dirty="0" err="1">
-                <a:latin typeface="+mn-ea"/>
-              </a:rPr>
-              <a:t>SNR_dB</a:t>
-            </a:r>
-            <a:r>
-              <a:rPr lang="zh-TW" altLang="en-US" sz="2400" dirty="0">
-                <a:latin typeface="+mn-ea"/>
-              </a:rPr>
-              <a:t>無法達到其功能 → 放棄一部分功能。</a:t>
+              <a:t>無法改變功率放大器的增益→ 位元錯誤率的橫軸改用模擬次數。</a:t>
             </a:r>
             <a:endParaRPr lang="en-US" altLang="zh-TW" sz="2400" dirty="0">
               <a:latin typeface="+mn-ea"/>
@@ -29458,18 +26897,25 @@
   <p:clrMapOvr>
     <a:masterClrMapping/>
   </p:clrMapOvr>
-  <mc:AlternateContent xmlns:mc="http://schemas.openxmlformats.org/markup-compatibility/2006" xmlns:p14="http://schemas.microsoft.com/office/powerpoint/2010/main">
-    <mc:Choice Requires="p14">
+  <mc:AlternateContent xmlns:mc="http://schemas.openxmlformats.org/markup-compatibility/2006">
+    <mc:Choice xmlns:p14="http://schemas.microsoft.com/office/powerpoint/2010/main" Requires="p14">
       <p:transition spd="slow" p14:dur="2000">
         <p:cut/>
       </p:transition>
     </mc:Choice>
-    <mc:Fallback xmlns="">
+    <mc:Fallback>
       <p:transition spd="slow">
         <p:cut/>
       </p:transition>
     </mc:Fallback>
   </mc:AlternateContent>
+  <p:timing>
+    <p:tnLst>
+      <p:par>
+        <p:cTn id="1" dur="indefinite" restart="never" nodeType="tmRoot"/>
+      </p:par>
+    </p:tnLst>
+  </p:timing>
 </p:sld>
 </file>
 
@@ -29642,11 +27088,32 @@
               <a:t>OTSM</a:t>
             </a:r>
             <a:r>
+              <a:rPr lang="zh-TW" altLang="en-US" sz="2400" dirty="0" smtClean="0">
+                <a:latin typeface="+mn-ea"/>
+              </a:rPr>
+              <a:t>系統並修改</a:t>
+            </a:r>
+            <a:r>
+              <a:rPr lang="en-US" altLang="zh-TW" sz="2400" dirty="0" smtClean="0">
+                <a:latin typeface="+mn-ea"/>
+              </a:rPr>
+              <a:t>Pluto</a:t>
+            </a:r>
+            <a:r>
               <a:rPr lang="zh-TW" altLang="en-US" sz="2400" dirty="0">
                 <a:latin typeface="+mn-ea"/>
               </a:rPr>
-              <a:t>系統。</a:t>
-            </a:r>
+              <a:t>相關</a:t>
+            </a:r>
+            <a:r>
+              <a:rPr lang="zh-TW" altLang="en-US" sz="2400" dirty="0" smtClean="0">
+                <a:latin typeface="+mn-ea"/>
+              </a:rPr>
+              <a:t>硬體設定。</a:t>
+            </a:r>
+            <a:endParaRPr lang="zh-TW" altLang="en-US" sz="2400" dirty="0">
+              <a:latin typeface="+mn-ea"/>
+            </a:endParaRPr>
           </a:p>
           <a:p>
             <a:pPr marL="457200" indent="-457200">
@@ -29723,20 +27190,41 @@
               <a:rPr lang="zh-TW" altLang="en-US" sz="2400" dirty="0">
                 <a:latin typeface="+mn-ea"/>
               </a:rPr>
-              <a:t>生成比較圖形，可以更直觀的表示不同情況下的數據變化。比如，可以繪製不同傳送接收間的距離下的錯誤率比較圖，以顯示距離對錯誤率的影響。此外，還比較了使用</a:t>
-            </a:r>
-            <a:r>
-              <a:rPr lang="en-US" altLang="zh-TW" sz="2400" dirty="0">
+              <a:t>生成比較圖形，可以更直觀的表示不同情況下的數據變化。比如，可以繪製</a:t>
+            </a:r>
+            <a:r>
+              <a:rPr lang="zh-TW" altLang="en-US" sz="2400" dirty="0" smtClean="0">
                 <a:latin typeface="+mn-ea"/>
               </a:rPr>
-              <a:t>OTSM</a:t>
+              <a:t>不同接收</a:t>
+            </a:r>
+            <a:r>
+              <a:rPr lang="zh-TW" altLang="en-US" sz="2400" dirty="0" smtClean="0">
+                <a:latin typeface="+mn-ea"/>
+              </a:rPr>
+              <a:t>演算法</a:t>
+            </a:r>
+            <a:r>
+              <a:rPr lang="zh-TW" altLang="en-US" sz="2400" dirty="0" smtClean="0">
+                <a:latin typeface="+mn-ea"/>
+              </a:rPr>
+              <a:t>的</a:t>
             </a:r>
             <a:r>
               <a:rPr lang="zh-TW" altLang="en-US" sz="2400" dirty="0">
                 <a:latin typeface="+mn-ea"/>
               </a:rPr>
-              <a:t>理想與實際通道的錯誤率。</a:t>
-            </a:r>
+              <a:t>錯誤率比較</a:t>
+            </a:r>
+            <a:r>
+              <a:rPr lang="zh-TW" altLang="en-US" sz="2400" dirty="0" smtClean="0">
+                <a:latin typeface="+mn-ea"/>
+              </a:rPr>
+              <a:t>圖。</a:t>
+            </a:r>
+            <a:endParaRPr lang="zh-TW" altLang="en-US" sz="2400" dirty="0">
+              <a:latin typeface="+mn-ea"/>
+            </a:endParaRPr>
           </a:p>
           <a:p>
             <a:pPr marL="0" indent="0">
@@ -29923,18 +27411,25 @@
   <p:clrMapOvr>
     <a:masterClrMapping/>
   </p:clrMapOvr>
-  <mc:AlternateContent xmlns:mc="http://schemas.openxmlformats.org/markup-compatibility/2006" xmlns:p14="http://schemas.microsoft.com/office/powerpoint/2010/main">
-    <mc:Choice Requires="p14">
+  <mc:AlternateContent xmlns:mc="http://schemas.openxmlformats.org/markup-compatibility/2006">
+    <mc:Choice xmlns:p14="http://schemas.microsoft.com/office/powerpoint/2010/main" Requires="p14">
       <p:transition spd="slow" p14:dur="2000">
         <p:cut/>
       </p:transition>
     </mc:Choice>
-    <mc:Fallback xmlns="">
+    <mc:Fallback>
       <p:transition spd="slow">
         <p:cut/>
       </p:transition>
     </mc:Fallback>
   </mc:AlternateContent>
+  <p:timing>
+    <p:tnLst>
+      <p:par>
+        <p:cTn id="1" dur="indefinite" restart="never" nodeType="tmRoot"/>
+      </p:par>
+    </p:tnLst>
+  </p:timing>
 </p:sld>
 </file>
 
@@ -30198,10 +27693,10 @@
                 </a:solidFill>
                 <a:latin typeface="+mn-ea"/>
               </a:rPr>
-              <a:t>萬子謙：嘗試拆開</a:t>
-            </a:r>
-            <a:r>
-              <a:rPr lang="en-US" altLang="zh-TW" sz="2400" dirty="0">
+              <a:t>萬子謙：嘗試</a:t>
+            </a:r>
+            <a:r>
+              <a:rPr lang="zh-TW" altLang="en-US" sz="2400" dirty="0" smtClean="0">
                 <a:solidFill>
                   <a:schemeClr val="tx1">
                     <a:lumMod val="75000"/>
@@ -30210,10 +27705,10 @@
                 </a:solidFill>
                 <a:latin typeface="+mn-ea"/>
               </a:rPr>
-              <a:t>Tx</a:t>
-            </a:r>
-            <a:r>
-              <a:rPr lang="zh-TW" altLang="en-US" sz="2400" dirty="0">
+              <a:t>拆開</a:t>
+            </a:r>
+            <a:r>
+              <a:rPr lang="en-US" altLang="zh-TW" sz="2400" dirty="0" err="1" smtClean="0">
                 <a:solidFill>
                   <a:schemeClr val="tx1">
                     <a:lumMod val="75000"/>
@@ -30222,10 +27717,10 @@
                 </a:solidFill>
                 <a:latin typeface="+mn-ea"/>
               </a:rPr>
-              <a:t>、</a:t>
-            </a:r>
-            <a:r>
-              <a:rPr lang="en-US" altLang="zh-TW" sz="2400" dirty="0">
+              <a:t>Tx</a:t>
+            </a:r>
+            <a:r>
+              <a:rPr lang="zh-TW" altLang="en-US" sz="2400" dirty="0" smtClean="0">
                 <a:solidFill>
                   <a:schemeClr val="tx1">
                     <a:lumMod val="75000"/>
@@ -30234,10 +27729,10 @@
                 </a:solidFill>
                 <a:latin typeface="+mn-ea"/>
               </a:rPr>
-              <a:t>Rx</a:t>
-            </a:r>
-            <a:r>
-              <a:rPr lang="zh-TW" altLang="en-US" sz="2400" dirty="0">
+              <a:t>及</a:t>
+            </a:r>
+            <a:r>
+              <a:rPr lang="en-US" altLang="zh-TW" sz="2400" dirty="0" smtClean="0">
                 <a:solidFill>
                   <a:schemeClr val="tx1">
                     <a:lumMod val="75000"/>
@@ -30246,7 +27741,67 @@
                 </a:solidFill>
                 <a:latin typeface="+mn-ea"/>
               </a:rPr>
-              <a:t>、幫忙</a:t>
+              <a:t>Rx</a:t>
+            </a:r>
+            <a:r>
+              <a:rPr lang="zh-TW" altLang="en-US" sz="2400" dirty="0" smtClean="0">
+                <a:solidFill>
+                  <a:schemeClr val="tx1">
+                    <a:lumMod val="75000"/>
+                    <a:lumOff val="25000"/>
+                  </a:schemeClr>
+                </a:solidFill>
+                <a:latin typeface="+mn-ea"/>
+              </a:rPr>
+              <a:t>的</a:t>
+            </a:r>
+            <a:r>
+              <a:rPr lang="en-US" altLang="zh-TW" sz="2400" dirty="0" err="1" smtClean="0">
+                <a:solidFill>
+                  <a:schemeClr val="tx1">
+                    <a:lumMod val="75000"/>
+                    <a:lumOff val="25000"/>
+                  </a:schemeClr>
+                </a:solidFill>
+                <a:latin typeface="+mn-ea"/>
+              </a:rPr>
+              <a:t>matlab</a:t>
+            </a:r>
+            <a:r>
+              <a:rPr lang="en-US" altLang="zh-TW" sz="2400" dirty="0" smtClean="0">
+                <a:solidFill>
+                  <a:schemeClr val="tx1">
+                    <a:lumMod val="75000"/>
+                    <a:lumOff val="25000"/>
+                  </a:schemeClr>
+                </a:solidFill>
+                <a:latin typeface="+mn-ea"/>
+              </a:rPr>
+              <a:t> code</a:t>
+            </a:r>
+            <a:r>
+              <a:rPr lang="zh-TW" altLang="en-US" sz="2400" dirty="0" smtClean="0">
+                <a:solidFill>
+                  <a:schemeClr val="tx1">
+                    <a:lumMod val="75000"/>
+                    <a:lumOff val="25000"/>
+                  </a:schemeClr>
+                </a:solidFill>
+                <a:latin typeface="+mn-ea"/>
+              </a:rPr>
+              <a:t>、</a:t>
+            </a:r>
+            <a:r>
+              <a:rPr lang="zh-TW" altLang="en-US" sz="2400" dirty="0">
+                <a:solidFill>
+                  <a:schemeClr val="tx1">
+                    <a:lumMod val="75000"/>
+                    <a:lumOff val="25000"/>
+                  </a:schemeClr>
+                </a:solidFill>
+                <a:latin typeface="+mn-ea"/>
+              </a:rPr>
+              <a:t>幫忙</a:t>
             </a:r>
             <a:r>
               <a:rPr lang="en-US" altLang="zh-TW" sz="2400" dirty="0">
@@ -30485,7 +28040,31 @@
                 </a:solidFill>
                 <a:latin typeface="+mn-ea"/>
               </a:rPr>
-              <a:t>程式替換</a:t>
+              <a:t>程式</a:t>
+            </a:r>
+            <a:r>
+              <a:rPr lang="zh-TW" altLang="en-US" sz="2400" dirty="0" smtClean="0">
+                <a:solidFill>
+                  <a:schemeClr val="tx1">
+                    <a:lumMod val="75000"/>
+                    <a:lumOff val="25000"/>
+                  </a:schemeClr>
+                </a:solidFill>
+                <a:latin typeface="+mn-ea"/>
+              </a:rPr>
+              <a:t>替換</a:t>
+            </a:r>
+            <a:r>
+              <a:rPr lang="en-US" altLang="zh-TW" sz="2400" dirty="0" smtClean="0">
+                <a:solidFill>
+                  <a:schemeClr val="tx1">
+                    <a:lumMod val="75000"/>
+                    <a:lumOff val="25000"/>
+                  </a:schemeClr>
+                </a:solidFill>
+                <a:latin typeface="+mn-ea"/>
+              </a:rPr>
+              <a:t>OFDM</a:t>
             </a:r>
             <a:endParaRPr lang="en-US" altLang="zh-TW" sz="2400" dirty="0">
               <a:solidFill>
@@ -30508,7 +28087,19 @@
                 </a:solidFill>
                 <a:latin typeface="+mn-ea"/>
               </a:rPr>
-              <a:t>陳建霖：資料收集</a:t>
+              <a:t>陳建霖</a:t>
+            </a:r>
+            <a:r>
+              <a:rPr lang="zh-TW" altLang="en-US" sz="2400" dirty="0" smtClean="0">
+                <a:solidFill>
+                  <a:schemeClr val="tx1">
+                    <a:lumMod val="75000"/>
+                    <a:lumOff val="25000"/>
+                  </a:schemeClr>
+                </a:solidFill>
+                <a:latin typeface="+mn-ea"/>
+              </a:rPr>
+              <a:t>：</a:t>
             </a:r>
             <a:endParaRPr lang="en-US" altLang="zh-TW" sz="2400" dirty="0">
               <a:solidFill>
@@ -30534,7 +28125,7 @@
               <a:t>姚辰彥：製作</a:t>
             </a:r>
             <a:r>
-              <a:rPr lang="en-US" altLang="zh-TW" sz="2400" dirty="0" err="1">
+              <a:rPr lang="en-US" altLang="zh-TW" sz="2400" dirty="0" err="1" smtClean="0">
                 <a:solidFill>
                   <a:schemeClr val="tx1">
                     <a:lumMod val="75000"/>
@@ -30544,6 +28135,18 @@
                 <a:latin typeface="+mn-ea"/>
               </a:rPr>
               <a:t>ppt</a:t>
+            </a:r>
+            <a:r>
+              <a:rPr lang="zh-TW" altLang="en-US" sz="2400" dirty="0" smtClean="0">
+                <a:solidFill>
+                  <a:schemeClr val="tx1">
+                    <a:lumMod val="75000"/>
+                    <a:lumOff val="25000"/>
+                  </a:schemeClr>
+                </a:solidFill>
+                <a:latin typeface="+mn-ea"/>
+              </a:rPr>
+              <a:t>、協助比較偵測器的錯誤率、協助通道設定</a:t>
             </a:r>
             <a:endParaRPr lang="en-US" altLang="zh-TW" sz="2400" dirty="0">
               <a:solidFill>
@@ -30566,10 +28169,10 @@
                 </a:solidFill>
                 <a:latin typeface="+mn-ea"/>
               </a:rPr>
-              <a:t>卓家葳：處理</a:t>
-            </a:r>
-            <a:r>
-              <a:rPr lang="en-US" altLang="zh-TW" sz="2400" dirty="0" err="1">
+              <a:t>卓家葳</a:t>
+            </a:r>
+            <a:r>
+              <a:rPr lang="zh-TW" altLang="en-US" sz="2400" dirty="0" smtClean="0">
                 <a:solidFill>
                   <a:schemeClr val="tx1">
                     <a:lumMod val="75000"/>
@@ -30578,10 +28181,10 @@
                 </a:solidFill>
                 <a:latin typeface="+mn-ea"/>
               </a:rPr>
-              <a:t>Github</a:t>
-            </a:r>
-            <a:r>
-              <a:rPr lang="zh-TW" altLang="en-US" sz="2400" dirty="0">
+              <a:t>：協助拆開</a:t>
+            </a:r>
+            <a:r>
+              <a:rPr lang="en-US" altLang="zh-TW" sz="2400" dirty="0" err="1">
                 <a:solidFill>
                   <a:schemeClr val="tx1">
                     <a:lumMod val="75000"/>
@@ -30590,7 +28193,139 @@
                 </a:solidFill>
                 <a:latin typeface="+mn-ea"/>
               </a:rPr>
+              <a:t>Tx</a:t>
+            </a:r>
+            <a:r>
+              <a:rPr lang="zh-TW" altLang="en-US" sz="2400" dirty="0">
+                <a:solidFill>
+                  <a:schemeClr val="tx1">
+                    <a:lumMod val="75000"/>
+                    <a:lumOff val="25000"/>
+                  </a:schemeClr>
+                </a:solidFill>
+                <a:latin typeface="+mn-ea"/>
+              </a:rPr>
+              <a:t>及</a:t>
+            </a:r>
+            <a:r>
+              <a:rPr lang="en-US" altLang="zh-TW" sz="2400" dirty="0">
+                <a:solidFill>
+                  <a:schemeClr val="tx1">
+                    <a:lumMod val="75000"/>
+                    <a:lumOff val="25000"/>
+                  </a:schemeClr>
+                </a:solidFill>
+                <a:latin typeface="+mn-ea"/>
+              </a:rPr>
+              <a:t>Rx</a:t>
+            </a:r>
+            <a:r>
+              <a:rPr lang="zh-TW" altLang="en-US" sz="2400" dirty="0">
+                <a:solidFill>
+                  <a:schemeClr val="tx1">
+                    <a:lumMod val="75000"/>
+                    <a:lumOff val="25000"/>
+                  </a:schemeClr>
+                </a:solidFill>
+                <a:latin typeface="+mn-ea"/>
+              </a:rPr>
+              <a:t>的</a:t>
+            </a:r>
+            <a:r>
+              <a:rPr lang="en-US" altLang="zh-TW" sz="2400" dirty="0" err="1">
+                <a:solidFill>
+                  <a:schemeClr val="tx1">
+                    <a:lumMod val="75000"/>
+                    <a:lumOff val="25000"/>
+                  </a:schemeClr>
+                </a:solidFill>
+                <a:latin typeface="+mn-ea"/>
+              </a:rPr>
+              <a:t>matlab</a:t>
+            </a:r>
+            <a:r>
+              <a:rPr lang="en-US" altLang="zh-TW" sz="2400" dirty="0">
+                <a:solidFill>
+                  <a:schemeClr val="tx1">
+                    <a:lumMod val="75000"/>
+                    <a:lumOff val="25000"/>
+                  </a:schemeClr>
+                </a:solidFill>
+                <a:latin typeface="+mn-ea"/>
+              </a:rPr>
+              <a:t> </a:t>
+            </a:r>
+            <a:r>
+              <a:rPr lang="en-US" altLang="zh-TW" sz="2400" dirty="0" smtClean="0">
+                <a:solidFill>
+                  <a:schemeClr val="tx1">
+                    <a:lumMod val="75000"/>
+                    <a:lumOff val="25000"/>
+                  </a:schemeClr>
+                </a:solidFill>
+                <a:latin typeface="+mn-ea"/>
+              </a:rPr>
+              <a:t>code</a:t>
+            </a:r>
+            <a:r>
+              <a:rPr lang="zh-TW" altLang="en-US" sz="2400" dirty="0" smtClean="0">
+                <a:solidFill>
+                  <a:schemeClr val="tx1">
+                    <a:lumMod val="75000"/>
+                    <a:lumOff val="25000"/>
+                  </a:schemeClr>
+                </a:solidFill>
+                <a:latin typeface="+mn-ea"/>
+              </a:rPr>
+              <a:t>、</a:t>
+            </a:r>
+            <a:r>
+              <a:rPr lang="zh-TW" altLang="en-US" sz="2400" dirty="0" smtClean="0">
+                <a:solidFill>
+                  <a:schemeClr val="tx1">
+                    <a:lumMod val="75000"/>
+                    <a:lumOff val="25000"/>
+                  </a:schemeClr>
+                </a:solidFill>
+                <a:latin typeface="+mn-ea"/>
+              </a:rPr>
+              <a:t>處理</a:t>
+            </a:r>
+            <a:r>
+              <a:rPr lang="en-US" altLang="zh-TW" sz="2400" dirty="0" err="1">
+                <a:solidFill>
+                  <a:schemeClr val="tx1">
+                    <a:lumMod val="75000"/>
+                    <a:lumOff val="25000"/>
+                  </a:schemeClr>
+                </a:solidFill>
+                <a:latin typeface="+mn-ea"/>
+              </a:rPr>
+              <a:t>Github</a:t>
+            </a:r>
+            <a:r>
+              <a:rPr lang="zh-TW" altLang="en-US" sz="2400" dirty="0" smtClean="0">
+                <a:solidFill>
+                  <a:schemeClr val="tx1">
+                    <a:lumMod val="75000"/>
+                    <a:lumOff val="25000"/>
+                  </a:schemeClr>
+                </a:solidFill>
+                <a:latin typeface="+mn-ea"/>
+              </a:rPr>
               <a:t>問題</a:t>
+            </a:r>
+            <a:r>
+              <a:rPr lang="zh-TW" altLang="en-US" sz="2400" dirty="0">
+                <a:solidFill>
+                  <a:schemeClr val="tx1">
+                    <a:lumMod val="75000"/>
+                    <a:lumOff val="25000"/>
+                  </a:schemeClr>
+                </a:solidFill>
+                <a:latin typeface="+mn-ea"/>
+              </a:rPr>
+              <a:t>、協助同步接收資料</a:t>
             </a:r>
             <a:endParaRPr lang="en-US" altLang="zh-TW" sz="2400" dirty="0">
               <a:solidFill>
@@ -30814,18 +28549,25 @@
   <p:clrMapOvr>
     <a:masterClrMapping/>
   </p:clrMapOvr>
-  <mc:AlternateContent xmlns:mc="http://schemas.openxmlformats.org/markup-compatibility/2006" xmlns:p14="http://schemas.microsoft.com/office/powerpoint/2010/main">
-    <mc:Choice Requires="p14">
+  <mc:AlternateContent xmlns:mc="http://schemas.openxmlformats.org/markup-compatibility/2006">
+    <mc:Choice xmlns:p14="http://schemas.microsoft.com/office/powerpoint/2010/main" Requires="p14">
       <p:transition spd="slow" p14:dur="2000">
         <p:cut/>
       </p:transition>
     </mc:Choice>
-    <mc:Fallback xmlns="">
+    <mc:Fallback>
       <p:transition spd="slow">
         <p:cut/>
       </p:transition>
     </mc:Fallback>
   </mc:AlternateContent>
+  <p:timing>
+    <p:tnLst>
+      <p:par>
+        <p:cTn id="1" dur="indefinite" restart="never" nodeType="tmRoot"/>
+      </p:par>
+    </p:tnLst>
+  </p:timing>
 </p:sld>
 </file>
 
@@ -31227,18 +28969,25 @@
   <p:clrMapOvr>
     <a:masterClrMapping/>
   </p:clrMapOvr>
-  <mc:AlternateContent xmlns:mc="http://schemas.openxmlformats.org/markup-compatibility/2006" xmlns:p14="http://schemas.microsoft.com/office/powerpoint/2010/main">
-    <mc:Choice Requires="p14">
+  <mc:AlternateContent xmlns:mc="http://schemas.openxmlformats.org/markup-compatibility/2006">
+    <mc:Choice xmlns:p14="http://schemas.microsoft.com/office/powerpoint/2010/main" Requires="p14">
       <p:transition spd="slow" p14:dur="2000">
         <p:cut/>
       </p:transition>
     </mc:Choice>
-    <mc:Fallback xmlns="">
+    <mc:Fallback>
       <p:transition spd="slow">
         <p:cut/>
       </p:transition>
     </mc:Fallback>
   </mc:AlternateContent>
+  <p:timing>
+    <p:tnLst>
+      <p:par>
+        <p:cTn id="1" dur="indefinite" restart="never" nodeType="tmRoot"/>
+      </p:par>
+    </p:tnLst>
+  </p:timing>
 </p:sld>
 </file>
 
@@ -31275,46 +29024,32 @@
             <p:ph type="title"/>
           </p:nvPr>
         </p:nvSpPr>
-        <p:spPr/>
+        <p:spPr>
+          <a:xfrm>
+            <a:off x="4348573" y="2763806"/>
+            <a:ext cx="3451259" cy="1280890"/>
+          </a:xfrm>
+        </p:spPr>
         <p:txBody>
           <a:bodyPr>
             <a:normAutofit/>
           </a:bodyPr>
           <a:lstStyle/>
           <a:p>
-            <a:r>
-              <a:rPr lang="zh-TW" altLang="en-US" b="1" dirty="0">
+            <a:pPr algn="ctr"/>
+            <a:r>
+              <a:rPr lang="en-US" altLang="zh-TW" b="1" dirty="0" smtClean="0">
                 <a:latin typeface="華康粗明體" panose="02020709000000000000" pitchFamily="49" charset="-120"/>
                 <a:ea typeface="華康粗明體" panose="02020709000000000000" pitchFamily="49" charset="-120"/>
                 <a:cs typeface="+mn-cs"/>
               </a:rPr>
-              <a:t>提問環節</a:t>
-            </a:r>
-          </a:p>
-        </p:txBody>
-      </p:sp>
-      <p:sp>
-        <p:nvSpPr>
-          <p:cNvPr id="3" name="內容版面配置區 2">
-            <a:extLst>
-              <a:ext uri="{FF2B5EF4-FFF2-40B4-BE49-F238E27FC236}">
-                <a16:creationId xmlns:a16="http://schemas.microsoft.com/office/drawing/2014/main" id="{75E3D2E2-5B0B-4CDD-9516-CD2B42B5609F}"/>
-              </a:ext>
-            </a:extLst>
-          </p:cNvPr>
-          <p:cNvSpPr>
-            <a:spLocks noGrp="1"/>
-          </p:cNvSpPr>
-          <p:nvPr>
-            <p:ph idx="1"/>
-          </p:nvPr>
-        </p:nvSpPr>
-        <p:spPr/>
-        <p:txBody>
-          <a:bodyPr/>
-          <a:lstStyle/>
-          <a:p>
-            <a:endParaRPr lang="zh-TW" altLang="en-US" dirty="0"/>
+              <a:t>Thank you!</a:t>
+            </a:r>
+            <a:endParaRPr lang="zh-TW" altLang="en-US" b="1" dirty="0">
+              <a:latin typeface="華康粗明體" panose="02020709000000000000" pitchFamily="49" charset="-120"/>
+              <a:ea typeface="華康粗明體" panose="02020709000000000000" pitchFamily="49" charset="-120"/>
+              <a:cs typeface="+mn-cs"/>
+            </a:endParaRPr>
           </a:p>
         </p:txBody>
       </p:sp>
@@ -31495,18 +29230,25 @@
   <p:clrMapOvr>
     <a:masterClrMapping/>
   </p:clrMapOvr>
-  <mc:AlternateContent xmlns:mc="http://schemas.openxmlformats.org/markup-compatibility/2006" xmlns:p14="http://schemas.microsoft.com/office/powerpoint/2010/main">
-    <mc:Choice Requires="p14">
+  <mc:AlternateContent xmlns:mc="http://schemas.openxmlformats.org/markup-compatibility/2006">
+    <mc:Choice xmlns:p14="http://schemas.microsoft.com/office/powerpoint/2010/main" Requires="p14">
       <p:transition spd="slow" p14:dur="2000">
         <p:cut/>
       </p:transition>
     </mc:Choice>
-    <mc:Fallback xmlns="">
+    <mc:Fallback>
       <p:transition spd="slow">
         <p:cut/>
       </p:transition>
     </mc:Fallback>
   </mc:AlternateContent>
+  <p:timing>
+    <p:tnLst>
+      <p:par>
+        <p:cTn id="1" dur="indefinite" restart="never" nodeType="tmRoot"/>
+      </p:par>
+    </p:tnLst>
+  </p:timing>
 </p:sld>
 </file>
 
@@ -32563,18 +30305,25 @@
   <p:clrMapOvr>
     <a:masterClrMapping/>
   </p:clrMapOvr>
-  <mc:AlternateContent xmlns:mc="http://schemas.openxmlformats.org/markup-compatibility/2006" xmlns:p14="http://schemas.microsoft.com/office/powerpoint/2010/main">
-    <mc:Choice Requires="p14">
+  <mc:AlternateContent xmlns:mc="http://schemas.openxmlformats.org/markup-compatibility/2006">
+    <mc:Choice xmlns:p14="http://schemas.microsoft.com/office/powerpoint/2010/main" Requires="p14">
       <p:transition spd="slow" p14:dur="2000">
         <p:cut/>
       </p:transition>
     </mc:Choice>
-    <mc:Fallback xmlns="">
+    <mc:Fallback>
       <p:transition spd="slow">
         <p:cut/>
       </p:transition>
     </mc:Fallback>
   </mc:AlternateContent>
+  <p:timing>
+    <p:tnLst>
+      <p:par>
+        <p:cTn id="1" dur="indefinite" restart="never" nodeType="tmRoot"/>
+      </p:par>
+    </p:tnLst>
+  </p:timing>
 </p:sld>
 </file>
 
@@ -32667,19 +30416,43 @@
           <a:p>
             <a:r>
               <a:rPr lang="zh-TW" altLang="en-US" sz="2800" dirty="0"/>
-              <a:t>隨著通信技術不斷的進步，從有線到無線通信，為了能夠節省有限的頻寬資源、提供高質量通信服務並能抵抗頻率選擇性衰減通道，運用軟體定義無線電（</a:t>
+              <a:t>隨著通信技術不斷的進步，從有線到無線通信，為了能夠節省有限的頻寬資源、提供高質量通信服務並能抵抗頻率選擇性衰減通道，運用軟體定義</a:t>
+            </a:r>
+            <a:r>
+              <a:rPr lang="zh-TW" altLang="en-US" sz="2800" dirty="0" smtClean="0"/>
+              <a:t>無線</a:t>
+            </a:r>
+            <a:r>
+              <a:rPr lang="en-US" altLang="zh-TW" sz="2800" dirty="0" smtClean="0"/>
+              <a:t>(Software </a:t>
             </a:r>
             <a:r>
               <a:rPr lang="en-US" altLang="zh-TW" sz="2800" dirty="0"/>
-              <a:t>Software Defined Radio</a:t>
+              <a:t>Defined </a:t>
+            </a:r>
+            <a:r>
+              <a:rPr lang="en-US" altLang="zh-TW" sz="2800" dirty="0" smtClean="0"/>
+              <a:t>Radio, SDR</a:t>
+            </a:r>
+            <a:r>
+              <a:rPr lang="en-US" altLang="zh-TW" sz="2800" dirty="0"/>
+              <a:t>)</a:t>
+            </a:r>
+            <a:r>
+              <a:rPr lang="zh-TW" altLang="en-US" sz="2800" dirty="0" smtClean="0"/>
+              <a:t>實現</a:t>
             </a:r>
             <a:r>
               <a:rPr lang="zh-TW" altLang="en-US" sz="2800" dirty="0"/>
-              <a:t>）實現正交時序複用調製</a:t>
+              <a:t>正交時序複用調製</a:t>
             </a:r>
             <a:r>
               <a:rPr lang="en-US" altLang="zh-TW" sz="2800" dirty="0"/>
-              <a:t>(Orthogonal Time Sequency Multiplexing Modulation)</a:t>
+              <a:t>(Orthogonal Time Sequency Multiplexing </a:t>
+            </a:r>
+            <a:r>
+              <a:rPr lang="en-US" altLang="zh-TW" sz="2800" dirty="0" smtClean="0"/>
+              <a:t>Modulation, OTSM)</a:t>
             </a:r>
             <a:r>
               <a:rPr lang="zh-TW" altLang="en-US" sz="2800" dirty="0"/>
@@ -32868,18 +30641,25 @@
   <p:clrMapOvr>
     <a:masterClrMapping/>
   </p:clrMapOvr>
-  <mc:AlternateContent xmlns:mc="http://schemas.openxmlformats.org/markup-compatibility/2006" xmlns:p14="http://schemas.microsoft.com/office/powerpoint/2010/main">
-    <mc:Choice Requires="p14">
+  <mc:AlternateContent xmlns:mc="http://schemas.openxmlformats.org/markup-compatibility/2006">
+    <mc:Choice xmlns:p14="http://schemas.microsoft.com/office/powerpoint/2010/main" Requires="p14">
       <p:transition spd="slow" p14:dur="2000">
         <p:cut/>
       </p:transition>
     </mc:Choice>
-    <mc:Fallback xmlns="">
+    <mc:Fallback>
       <p:transition spd="slow">
         <p:cut/>
       </p:transition>
     </mc:Fallback>
   </mc:AlternateContent>
+  <p:timing>
+    <p:tnLst>
+      <p:par>
+        <p:cTn id="1" dur="indefinite" restart="never" nodeType="tmRoot"/>
+      </p:par>
+    </p:tnLst>
+  </p:timing>
 </p:sld>
 </file>
 
@@ -33184,18 +30964,25 @@
   <p:clrMapOvr>
     <a:masterClrMapping/>
   </p:clrMapOvr>
-  <mc:AlternateContent xmlns:mc="http://schemas.openxmlformats.org/markup-compatibility/2006" xmlns:p14="http://schemas.microsoft.com/office/powerpoint/2010/main">
-    <mc:Choice Requires="p14">
+  <mc:AlternateContent xmlns:mc="http://schemas.openxmlformats.org/markup-compatibility/2006">
+    <mc:Choice xmlns:p14="http://schemas.microsoft.com/office/powerpoint/2010/main" Requires="p14">
       <p:transition spd="slow" p14:dur="2000">
         <p:cut/>
       </p:transition>
     </mc:Choice>
-    <mc:Fallback xmlns="">
+    <mc:Fallback>
       <p:transition spd="slow">
         <p:cut/>
       </p:transition>
     </mc:Fallback>
   </mc:AlternateContent>
+  <p:timing>
+    <p:tnLst>
+      <p:par>
+        <p:cTn id="1" dur="indefinite" restart="never" nodeType="tmRoot"/>
+      </p:par>
+    </p:tnLst>
+  </p:timing>
 </p:sld>
 </file>
 
@@ -33694,18 +31481,25 @@
   <p:clrMapOvr>
     <a:masterClrMapping/>
   </p:clrMapOvr>
-  <mc:AlternateContent xmlns:mc="http://schemas.openxmlformats.org/markup-compatibility/2006" xmlns:p14="http://schemas.microsoft.com/office/powerpoint/2010/main">
-    <mc:Choice Requires="p14">
+  <mc:AlternateContent xmlns:mc="http://schemas.openxmlformats.org/markup-compatibility/2006">
+    <mc:Choice xmlns:p14="http://schemas.microsoft.com/office/powerpoint/2010/main" Requires="p14">
       <p:transition spd="slow" p14:dur="2000">
         <p:cut/>
       </p:transition>
     </mc:Choice>
-    <mc:Fallback xmlns="">
+    <mc:Fallback>
       <p:transition spd="slow">
         <p:cut/>
       </p:transition>
     </mc:Fallback>
   </mc:AlternateContent>
+  <p:timing>
+    <p:tnLst>
+      <p:par>
+        <p:cTn id="1" dur="indefinite" restart="never" nodeType="tmRoot"/>
+      </p:par>
+    </p:tnLst>
+  </p:timing>
 </p:sld>
 </file>
 
@@ -34203,18 +31997,25 @@
   <p:clrMapOvr>
     <a:masterClrMapping/>
   </p:clrMapOvr>
-  <mc:AlternateContent xmlns:mc="http://schemas.openxmlformats.org/markup-compatibility/2006" xmlns:p14="http://schemas.microsoft.com/office/powerpoint/2010/main">
-    <mc:Choice Requires="p14">
+  <mc:AlternateContent xmlns:mc="http://schemas.openxmlformats.org/markup-compatibility/2006">
+    <mc:Choice xmlns:p14="http://schemas.microsoft.com/office/powerpoint/2010/main" Requires="p14">
       <p:transition spd="slow" p14:dur="2000">
         <p:cut/>
       </p:transition>
     </mc:Choice>
-    <mc:Fallback xmlns="">
+    <mc:Fallback>
       <p:transition spd="slow">
         <p:cut/>
       </p:transition>
     </mc:Fallback>
   </mc:AlternateContent>
+  <p:timing>
+    <p:tnLst>
+      <p:par>
+        <p:cTn id="1" dur="indefinite" restart="never" nodeType="tmRoot"/>
+      </p:par>
+    </p:tnLst>
+  </p:timing>
 </p:sld>
 </file>
 
@@ -34631,8 +32432,8 @@
         </p:blipFill>
         <p:spPr>
           <a:xfrm>
-            <a:off x="1445381" y="1646015"/>
-            <a:ext cx="10356735" cy="4587875"/>
+            <a:off x="531812" y="1594454"/>
+            <a:ext cx="11469884" cy="5080983"/>
           </a:xfrm>
           <a:prstGeom prst="rect">
             <a:avLst/>
@@ -34649,18 +32450,25 @@
   <p:clrMapOvr>
     <a:masterClrMapping/>
   </p:clrMapOvr>
-  <mc:AlternateContent xmlns:mc="http://schemas.openxmlformats.org/markup-compatibility/2006" xmlns:p14="http://schemas.microsoft.com/office/powerpoint/2010/main">
-    <mc:Choice Requires="p14">
+  <mc:AlternateContent xmlns:mc="http://schemas.openxmlformats.org/markup-compatibility/2006">
+    <mc:Choice xmlns:p14="http://schemas.microsoft.com/office/powerpoint/2010/main" Requires="p14">
       <p:transition spd="slow" p14:dur="2000">
         <p:cut/>
       </p:transition>
     </mc:Choice>
-    <mc:Fallback xmlns="">
+    <mc:Fallback>
       <p:transition spd="slow">
         <p:cut/>
       </p:transition>
     </mc:Fallback>
   </mc:AlternateContent>
+  <p:timing>
+    <p:tnLst>
+      <p:par>
+        <p:cTn id="1" dur="indefinite" restart="never" nodeType="tmRoot"/>
+      </p:par>
+    </p:tnLst>
+  </p:timing>
 </p:sld>
 </file>
 
@@ -34720,37 +32528,6 @@
           </a:p>
         </p:txBody>
       </p:sp>
-      <p:graphicFrame>
-        <p:nvGraphicFramePr>
-          <p:cNvPr id="4" name="內容版面配置區 3">
-            <a:extLst>
-              <a:ext uri="{FF2B5EF4-FFF2-40B4-BE49-F238E27FC236}">
-                <a16:creationId xmlns:a16="http://schemas.microsoft.com/office/drawing/2014/main" id="{DAD47B78-77F2-499C-AD2A-AB3EC8366A9F}"/>
-              </a:ext>
-            </a:extLst>
-          </p:cNvPr>
-          <p:cNvGraphicFramePr>
-            <a:graphicFrameLocks noGrp="1"/>
-          </p:cNvGraphicFramePr>
-          <p:nvPr>
-            <p:ph idx="1"/>
-            <p:extLst>
-              <p:ext uri="{D42A27DB-BD31-4B8C-83A1-F6EECF244321}">
-                <p14:modId xmlns:p14="http://schemas.microsoft.com/office/powerpoint/2010/main" val="2382517796"/>
-              </p:ext>
-            </p:extLst>
-          </p:nvPr>
-        </p:nvGraphicFramePr>
-        <p:xfrm>
-          <a:off x="921695" y="2141461"/>
-          <a:ext cx="7227753" cy="3063043"/>
-        </p:xfrm>
-        <a:graphic>
-          <a:graphicData uri="http://schemas.openxmlformats.org/drawingml/2006/diagram">
-            <dgm:relIds xmlns:dgm="http://schemas.openxmlformats.org/drawingml/2006/diagram" xmlns:r="http://schemas.openxmlformats.org/officeDocument/2006/relationships" r:dm="rId2" r:lo="rId3" r:qs="rId4" r:cs="rId5"/>
-          </a:graphicData>
-        </a:graphic>
-      </p:graphicFrame>
       <p:sp>
         <p:nvSpPr>
           <p:cNvPr id="3" name="投影片編號版面配置區 2">
@@ -34927,15 +32704,15 @@
           <p:nvPr/>
         </p:nvPicPr>
         <p:blipFill>
-          <a:blip r:embed="rId7"/>
+          <a:blip r:embed="rId2"/>
           <a:stretch>
             <a:fillRect/>
           </a:stretch>
         </p:blipFill>
         <p:spPr>
           <a:xfrm>
-            <a:off x="8716920" y="2012772"/>
-            <a:ext cx="2833807" cy="3320420"/>
+            <a:off x="3904487" y="1509918"/>
+            <a:ext cx="3695209" cy="4329739"/>
           </a:xfrm>
           <a:prstGeom prst="rect">
             <a:avLst/>
@@ -34950,7 +32727,7 @@
         </p:nvSpPr>
         <p:spPr>
           <a:xfrm>
-            <a:off x="9434016" y="5465027"/>
+            <a:off x="5018557" y="6049743"/>
             <a:ext cx="1467068" cy="338554"/>
           </a:xfrm>
           <a:prstGeom prst="rect">
@@ -34994,18 +32771,25 @@
   <p:clrMapOvr>
     <a:masterClrMapping/>
   </p:clrMapOvr>
-  <mc:AlternateContent xmlns:mc="http://schemas.openxmlformats.org/markup-compatibility/2006" xmlns:p14="http://schemas.microsoft.com/office/powerpoint/2010/main">
-    <mc:Choice Requires="p14">
+  <mc:AlternateContent xmlns:mc="http://schemas.openxmlformats.org/markup-compatibility/2006">
+    <mc:Choice xmlns:p14="http://schemas.microsoft.com/office/powerpoint/2010/main" Requires="p14">
       <p:transition spd="slow" p14:dur="2000">
         <p:cut/>
       </p:transition>
     </mc:Choice>
-    <mc:Fallback xmlns="">
+    <mc:Fallback>
       <p:transition spd="slow">
         <p:cut/>
       </p:transition>
     </mc:Fallback>
   </mc:AlternateContent>
+  <p:timing>
+    <p:tnLst>
+      <p:par>
+        <p:cTn id="1" dur="indefinite" restart="never" nodeType="tmRoot"/>
+      </p:par>
+    </p:tnLst>
+  </p:timing>
 </p:sld>
 </file>
 
@@ -35902,18 +33686,25 @@
   <p:clrMapOvr>
     <a:masterClrMapping/>
   </p:clrMapOvr>
-  <mc:AlternateContent xmlns:mc="http://schemas.openxmlformats.org/markup-compatibility/2006" xmlns:p14="http://schemas.microsoft.com/office/powerpoint/2010/main">
-    <mc:Choice Requires="p14">
+  <mc:AlternateContent xmlns:mc="http://schemas.openxmlformats.org/markup-compatibility/2006">
+    <mc:Choice xmlns:p14="http://schemas.microsoft.com/office/powerpoint/2010/main" Requires="p14">
       <p:transition spd="slow" p14:dur="2000">
         <p:cut/>
       </p:transition>
     </mc:Choice>
-    <mc:Fallback xmlns="">
+    <mc:Fallback>
       <p:transition spd="slow">
         <p:cut/>
       </p:transition>
     </mc:Fallback>
   </mc:AlternateContent>
+  <p:timing>
+    <p:tnLst>
+      <p:par>
+        <p:cTn id="1" dur="indefinite" restart="never" nodeType="tmRoot"/>
+      </p:par>
+    </p:tnLst>
+  </p:timing>
 </p:sld>
 </file>
 

--- a/report/以SDR實現OTSM通訊技術.pptx
+++ b/report/以SDR實現OTSM通訊技術.pptx
@@ -3309,6 +3309,276 @@
 </inkml:ink>
 </file>
 
+<file path=ppt/ink/ink10.xml><?xml version="1.0" encoding="utf-8"?>
+<inkml:ink xmlns:inkml="http://www.w3.org/2003/InkML">
+  <inkml:definitions>
+    <inkml:context xml:id="ctx0">
+      <inkml:inkSource xml:id="inkSrc0">
+        <inkml:traceFormat>
+          <inkml:channel name="X" type="integer" min="-2.14748E9" max="2.14748E9" units="cm"/>
+          <inkml:channel name="Y" type="integer" min="-2.14748E9" max="2.14748E9" units="cm"/>
+          <inkml:channel name="F" type="integer" max="32767" units="dev"/>
+        </inkml:traceFormat>
+        <inkml:channelProperties>
+          <inkml:channelProperty channel="X" name="resolution" value="1000" units="1/cm"/>
+          <inkml:channelProperty channel="Y" name="resolution" value="1000" units="1/cm"/>
+          <inkml:channelProperty channel="F" name="resolution" value="0" units="1/dev"/>
+        </inkml:channelProperties>
+      </inkml:inkSource>
+      <inkml:timestamp xml:id="ts0" timeString="2024-04-18T09:27:22.199"/>
+    </inkml:context>
+    <inkml:brush xml:id="br0">
+      <inkml:brushProperty name="width" value="0.1" units="cm"/>
+      <inkml:brushProperty name="height" value="0.1" units="cm"/>
+    </inkml:brush>
+  </inkml:definitions>
+  <inkml:trace contextRef="#ctx0" brushRef="#br0">69 74 24575,'0'-5'0</inkml:trace>
+</inkml:ink>
+</file>
+
+<file path=ppt/ink/ink11.xml><?xml version="1.0" encoding="utf-8"?>
+<inkml:ink xmlns:inkml="http://www.w3.org/2003/InkML">
+  <inkml:definitions>
+    <inkml:context xml:id="ctx0">
+      <inkml:inkSource xml:id="inkSrc0">
+        <inkml:traceFormat>
+          <inkml:channel name="X" type="integer" min="-2.14748E9" max="2.14748E9" units="cm"/>
+          <inkml:channel name="Y" type="integer" min="-2.14748E9" max="2.14748E9" units="cm"/>
+          <inkml:channel name="F" type="integer" max="32767" units="dev"/>
+        </inkml:traceFormat>
+        <inkml:channelProperties>
+          <inkml:channelProperty channel="X" name="resolution" value="1000" units="1/cm"/>
+          <inkml:channelProperty channel="Y" name="resolution" value="1000" units="1/cm"/>
+          <inkml:channelProperty channel="F" name="resolution" value="0" units="1/dev"/>
+        </inkml:channelProperties>
+      </inkml:inkSource>
+      <inkml:timestamp xml:id="ts0" timeString="2024-04-18T09:27:22.200"/>
+    </inkml:context>
+    <inkml:brush xml:id="br0">
+      <inkml:brushProperty name="width" value="0.1" units="cm"/>
+      <inkml:brushProperty name="height" value="0.1" units="cm"/>
+    </inkml:brush>
+  </inkml:definitions>
+  <inkml:trace contextRef="#ctx0" brushRef="#br0">69 74 24575,'0'-5'0</inkml:trace>
+</inkml:ink>
+</file>
+
+<file path=ppt/ink/ink12.xml><?xml version="1.0" encoding="utf-8"?>
+<inkml:ink xmlns:inkml="http://www.w3.org/2003/InkML">
+  <inkml:definitions>
+    <inkml:context xml:id="ctx0">
+      <inkml:inkSource xml:id="inkSrc0">
+        <inkml:traceFormat>
+          <inkml:channel name="X" type="integer" min="-2.14748E9" max="2.14748E9" units="cm"/>
+          <inkml:channel name="Y" type="integer" min="-2.14748E9" max="2.14748E9" units="cm"/>
+          <inkml:channel name="F" type="integer" max="32767" units="dev"/>
+        </inkml:traceFormat>
+        <inkml:channelProperties>
+          <inkml:channelProperty channel="X" name="resolution" value="1000" units="1/cm"/>
+          <inkml:channelProperty channel="Y" name="resolution" value="1000" units="1/cm"/>
+          <inkml:channelProperty channel="F" name="resolution" value="0" units="1/dev"/>
+        </inkml:channelProperties>
+      </inkml:inkSource>
+      <inkml:timestamp xml:id="ts0" timeString="2024-04-18T09:27:22.201"/>
+    </inkml:context>
+    <inkml:brush xml:id="br0">
+      <inkml:brushProperty name="width" value="0.1" units="cm"/>
+      <inkml:brushProperty name="height" value="0.1" units="cm"/>
+    </inkml:brush>
+  </inkml:definitions>
+  <inkml:trace contextRef="#ctx0" brushRef="#br0">69 74 24575,'0'-5'0</inkml:trace>
+</inkml:ink>
+</file>
+
+<file path=ppt/ink/ink13.xml><?xml version="1.0" encoding="utf-8"?>
+<inkml:ink xmlns:inkml="http://www.w3.org/2003/InkML">
+  <inkml:definitions>
+    <inkml:context xml:id="ctx0">
+      <inkml:inkSource xml:id="inkSrc0">
+        <inkml:traceFormat>
+          <inkml:channel name="X" type="integer" min="-2.14748E9" max="2.14748E9" units="cm"/>
+          <inkml:channel name="Y" type="integer" min="-2.14748E9" max="2.14748E9" units="cm"/>
+          <inkml:channel name="F" type="integer" max="32767" units="dev"/>
+        </inkml:traceFormat>
+        <inkml:channelProperties>
+          <inkml:channelProperty channel="X" name="resolution" value="1000" units="1/cm"/>
+          <inkml:channelProperty channel="Y" name="resolution" value="1000" units="1/cm"/>
+          <inkml:channelProperty channel="F" name="resolution" value="0" units="1/dev"/>
+        </inkml:channelProperties>
+      </inkml:inkSource>
+      <inkml:timestamp xml:id="ts0" timeString="2024-04-18T09:27:22.202"/>
+    </inkml:context>
+    <inkml:brush xml:id="br0">
+      <inkml:brushProperty name="width" value="0.1" units="cm"/>
+      <inkml:brushProperty name="height" value="0.1" units="cm"/>
+    </inkml:brush>
+  </inkml:definitions>
+  <inkml:trace contextRef="#ctx0" brushRef="#br0">69 74 24575,'0'-5'0</inkml:trace>
+</inkml:ink>
+</file>
+
+<file path=ppt/ink/ink14.xml><?xml version="1.0" encoding="utf-8"?>
+<inkml:ink xmlns:inkml="http://www.w3.org/2003/InkML">
+  <inkml:definitions>
+    <inkml:context xml:id="ctx0">
+      <inkml:inkSource xml:id="inkSrc0">
+        <inkml:traceFormat>
+          <inkml:channel name="X" type="integer" min="-2.14748E9" max="2.14748E9" units="cm"/>
+          <inkml:channel name="Y" type="integer" min="-2.14748E9" max="2.14748E9" units="cm"/>
+          <inkml:channel name="F" type="integer" max="32767" units="dev"/>
+        </inkml:traceFormat>
+        <inkml:channelProperties>
+          <inkml:channelProperty channel="X" name="resolution" value="1000" units="1/cm"/>
+          <inkml:channelProperty channel="Y" name="resolution" value="1000" units="1/cm"/>
+          <inkml:channelProperty channel="F" name="resolution" value="0" units="1/dev"/>
+        </inkml:channelProperties>
+      </inkml:inkSource>
+      <inkml:timestamp xml:id="ts0" timeString="2024-04-18T09:27:22.203"/>
+    </inkml:context>
+    <inkml:brush xml:id="br0">
+      <inkml:brushProperty name="width" value="0.1" units="cm"/>
+      <inkml:brushProperty name="height" value="0.1" units="cm"/>
+    </inkml:brush>
+  </inkml:definitions>
+  <inkml:trace contextRef="#ctx0" brushRef="#br0">69 74 24575,'0'-5'0</inkml:trace>
+</inkml:ink>
+</file>
+
+<file path=ppt/ink/ink15.xml><?xml version="1.0" encoding="utf-8"?>
+<inkml:ink xmlns:inkml="http://www.w3.org/2003/InkML">
+  <inkml:definitions>
+    <inkml:context xml:id="ctx0">
+      <inkml:inkSource xml:id="inkSrc0">
+        <inkml:traceFormat>
+          <inkml:channel name="X" type="integer" min="-2.14748E9" max="2.14748E9" units="cm"/>
+          <inkml:channel name="Y" type="integer" min="-2.14748E9" max="2.14748E9" units="cm"/>
+          <inkml:channel name="F" type="integer" max="32767" units="dev"/>
+        </inkml:traceFormat>
+        <inkml:channelProperties>
+          <inkml:channelProperty channel="X" name="resolution" value="1000" units="1/cm"/>
+          <inkml:channelProperty channel="Y" name="resolution" value="1000" units="1/cm"/>
+          <inkml:channelProperty channel="F" name="resolution" value="0" units="1/dev"/>
+        </inkml:channelProperties>
+      </inkml:inkSource>
+      <inkml:timestamp xml:id="ts0" timeString="2024-04-18T09:27:22.204"/>
+    </inkml:context>
+    <inkml:brush xml:id="br0">
+      <inkml:brushProperty name="width" value="0.1" units="cm"/>
+      <inkml:brushProperty name="height" value="0.1" units="cm"/>
+    </inkml:brush>
+  </inkml:definitions>
+  <inkml:trace contextRef="#ctx0" brushRef="#br0">69 74 24575,'0'-5'0</inkml:trace>
+</inkml:ink>
+</file>
+
+<file path=ppt/ink/ink16.xml><?xml version="1.0" encoding="utf-8"?>
+<inkml:ink xmlns:inkml="http://www.w3.org/2003/InkML">
+  <inkml:definitions>
+    <inkml:context xml:id="ctx0">
+      <inkml:inkSource xml:id="inkSrc0">
+        <inkml:traceFormat>
+          <inkml:channel name="X" type="integer" min="-2.14748E9" max="2.14748E9" units="cm"/>
+          <inkml:channel name="Y" type="integer" min="-2.14748E9" max="2.14748E9" units="cm"/>
+          <inkml:channel name="F" type="integer" max="32767" units="dev"/>
+        </inkml:traceFormat>
+        <inkml:channelProperties>
+          <inkml:channelProperty channel="X" name="resolution" value="1000" units="1/cm"/>
+          <inkml:channelProperty channel="Y" name="resolution" value="1000" units="1/cm"/>
+          <inkml:channelProperty channel="F" name="resolution" value="0" units="1/dev"/>
+        </inkml:channelProperties>
+      </inkml:inkSource>
+      <inkml:timestamp xml:id="ts0" timeString="2024-04-18T09:27:22.205"/>
+    </inkml:context>
+    <inkml:brush xml:id="br0">
+      <inkml:brushProperty name="width" value="0.1" units="cm"/>
+      <inkml:brushProperty name="height" value="0.1" units="cm"/>
+    </inkml:brush>
+  </inkml:definitions>
+  <inkml:trace contextRef="#ctx0" brushRef="#br0">69 74 24575,'0'-5'0</inkml:trace>
+</inkml:ink>
+</file>
+
+<file path=ppt/ink/ink17.xml><?xml version="1.0" encoding="utf-8"?>
+<inkml:ink xmlns:inkml="http://www.w3.org/2003/InkML">
+  <inkml:definitions>
+    <inkml:context xml:id="ctx0">
+      <inkml:inkSource xml:id="inkSrc0">
+        <inkml:traceFormat>
+          <inkml:channel name="X" type="integer" min="-2.14748E9" max="2.14748E9" units="cm"/>
+          <inkml:channel name="Y" type="integer" min="-2.14748E9" max="2.14748E9" units="cm"/>
+          <inkml:channel name="F" type="integer" max="32767" units="dev"/>
+        </inkml:traceFormat>
+        <inkml:channelProperties>
+          <inkml:channelProperty channel="X" name="resolution" value="1000" units="1/cm"/>
+          <inkml:channelProperty channel="Y" name="resolution" value="1000" units="1/cm"/>
+          <inkml:channelProperty channel="F" name="resolution" value="0" units="1/dev"/>
+        </inkml:channelProperties>
+      </inkml:inkSource>
+      <inkml:timestamp xml:id="ts0" timeString="2024-04-18T09:27:22.206"/>
+    </inkml:context>
+    <inkml:brush xml:id="br0">
+      <inkml:brushProperty name="width" value="0.1" units="cm"/>
+      <inkml:brushProperty name="height" value="0.1" units="cm"/>
+    </inkml:brush>
+  </inkml:definitions>
+  <inkml:trace contextRef="#ctx0" brushRef="#br0">69 74 24575,'0'-5'0</inkml:trace>
+</inkml:ink>
+</file>
+
+<file path=ppt/ink/ink18.xml><?xml version="1.0" encoding="utf-8"?>
+<inkml:ink xmlns:inkml="http://www.w3.org/2003/InkML">
+  <inkml:definitions>
+    <inkml:context xml:id="ctx0">
+      <inkml:inkSource xml:id="inkSrc0">
+        <inkml:traceFormat>
+          <inkml:channel name="X" type="integer" min="-2.14748E9" max="2.14748E9" units="cm"/>
+          <inkml:channel name="Y" type="integer" min="-2.14748E9" max="2.14748E9" units="cm"/>
+          <inkml:channel name="F" type="integer" max="32767" units="dev"/>
+        </inkml:traceFormat>
+        <inkml:channelProperties>
+          <inkml:channelProperty channel="X" name="resolution" value="1000" units="1/cm"/>
+          <inkml:channelProperty channel="Y" name="resolution" value="1000" units="1/cm"/>
+          <inkml:channelProperty channel="F" name="resolution" value="0" units="1/dev"/>
+        </inkml:channelProperties>
+      </inkml:inkSource>
+      <inkml:timestamp xml:id="ts0" timeString="2024-04-18T09:27:22.207"/>
+    </inkml:context>
+    <inkml:brush xml:id="br0">
+      <inkml:brushProperty name="width" value="0.1" units="cm"/>
+      <inkml:brushProperty name="height" value="0.1" units="cm"/>
+    </inkml:brush>
+  </inkml:definitions>
+  <inkml:trace contextRef="#ctx0" brushRef="#br0">69 74 24575,'0'-5'0</inkml:trace>
+</inkml:ink>
+</file>
+
+<file path=ppt/ink/ink19.xml><?xml version="1.0" encoding="utf-8"?>
+<inkml:ink xmlns:inkml="http://www.w3.org/2003/InkML">
+  <inkml:definitions>
+    <inkml:context xml:id="ctx0">
+      <inkml:inkSource xml:id="inkSrc0">
+        <inkml:traceFormat>
+          <inkml:channel name="X" type="integer" min="-2.14748E9" max="2.14748E9" units="cm"/>
+          <inkml:channel name="Y" type="integer" min="-2.14748E9" max="2.14748E9" units="cm"/>
+          <inkml:channel name="F" type="integer" max="32767" units="dev"/>
+        </inkml:traceFormat>
+        <inkml:channelProperties>
+          <inkml:channelProperty channel="X" name="resolution" value="1000" units="1/cm"/>
+          <inkml:channelProperty channel="Y" name="resolution" value="1000" units="1/cm"/>
+          <inkml:channelProperty channel="F" name="resolution" value="0" units="1/dev"/>
+        </inkml:channelProperties>
+      </inkml:inkSource>
+      <inkml:timestamp xml:id="ts0" timeString="2024-04-18T09:27:22.208"/>
+    </inkml:context>
+    <inkml:brush xml:id="br0">
+      <inkml:brushProperty name="width" value="0.1" units="cm"/>
+      <inkml:brushProperty name="height" value="0.1" units="cm"/>
+    </inkml:brush>
+  </inkml:definitions>
+  <inkml:trace contextRef="#ctx0" brushRef="#br0">69 74 24575,'0'-5'0</inkml:trace>
+</inkml:ink>
+</file>
+
 <file path=ppt/ink/ink2.xml><?xml version="1.0" encoding="utf-8"?>
 <inkml:ink xmlns:inkml="http://www.w3.org/2003/InkML">
   <inkml:definitions>
@@ -3336,6 +3606,60 @@
 </inkml:ink>
 </file>
 
+<file path=ppt/ink/ink20.xml><?xml version="1.0" encoding="utf-8"?>
+<inkml:ink xmlns:inkml="http://www.w3.org/2003/InkML">
+  <inkml:definitions>
+    <inkml:context xml:id="ctx0">
+      <inkml:inkSource xml:id="inkSrc0">
+        <inkml:traceFormat>
+          <inkml:channel name="X" type="integer" min="-2.14748E9" max="2.14748E9" units="cm"/>
+          <inkml:channel name="Y" type="integer" min="-2.14748E9" max="2.14748E9" units="cm"/>
+          <inkml:channel name="F" type="integer" max="32767" units="dev"/>
+        </inkml:traceFormat>
+        <inkml:channelProperties>
+          <inkml:channelProperty channel="X" name="resolution" value="1000" units="1/cm"/>
+          <inkml:channelProperty channel="Y" name="resolution" value="1000" units="1/cm"/>
+          <inkml:channelProperty channel="F" name="resolution" value="0" units="1/dev"/>
+        </inkml:channelProperties>
+      </inkml:inkSource>
+      <inkml:timestamp xml:id="ts0" timeString="2024-04-18T09:27:22.209"/>
+    </inkml:context>
+    <inkml:brush xml:id="br0">
+      <inkml:brushProperty name="width" value="0.1" units="cm"/>
+      <inkml:brushProperty name="height" value="0.1" units="cm"/>
+    </inkml:brush>
+  </inkml:definitions>
+  <inkml:trace contextRef="#ctx0" brushRef="#br0">69 74 24575,'0'-5'0</inkml:trace>
+</inkml:ink>
+</file>
+
+<file path=ppt/ink/ink21.xml><?xml version="1.0" encoding="utf-8"?>
+<inkml:ink xmlns:inkml="http://www.w3.org/2003/InkML">
+  <inkml:definitions>
+    <inkml:context xml:id="ctx0">
+      <inkml:inkSource xml:id="inkSrc0">
+        <inkml:traceFormat>
+          <inkml:channel name="X" type="integer" min="-2.14748E9" max="2.14748E9" units="cm"/>
+          <inkml:channel name="Y" type="integer" min="-2.14748E9" max="2.14748E9" units="cm"/>
+          <inkml:channel name="F" type="integer" max="32767" units="dev"/>
+        </inkml:traceFormat>
+        <inkml:channelProperties>
+          <inkml:channelProperty channel="X" name="resolution" value="1000" units="1/cm"/>
+          <inkml:channelProperty channel="Y" name="resolution" value="1000" units="1/cm"/>
+          <inkml:channelProperty channel="F" name="resolution" value="0" units="1/dev"/>
+        </inkml:channelProperties>
+      </inkml:inkSource>
+      <inkml:timestamp xml:id="ts0" timeString="2024-04-18T09:27:22.210"/>
+    </inkml:context>
+    <inkml:brush xml:id="br0">
+      <inkml:brushProperty name="width" value="0.1" units="cm"/>
+      <inkml:brushProperty name="height" value="0.1" units="cm"/>
+    </inkml:brush>
+  </inkml:definitions>
+  <inkml:trace contextRef="#ctx0" brushRef="#br0">69 74 24575,'0'-5'0</inkml:trace>
+</inkml:ink>
+</file>
+
 <file path=ppt/ink/ink3.xml><?xml version="1.0" encoding="utf-8"?>
 <inkml:ink xmlns:inkml="http://www.w3.org/2003/InkML">
   <inkml:definitions>
@@ -3360,6 +3684,168 @@
     </inkml:brush>
   </inkml:definitions>
   <inkml:trace contextRef="#ctx0" brushRef="#br0">-2147483648-2147483648 24575,'0'0'-8191</inkml:trace>
+</inkml:ink>
+</file>
+
+<file path=ppt/ink/ink4.xml><?xml version="1.0" encoding="utf-8"?>
+<inkml:ink xmlns:inkml="http://www.w3.org/2003/InkML">
+  <inkml:definitions>
+    <inkml:context xml:id="ctx0">
+      <inkml:inkSource xml:id="inkSrc0">
+        <inkml:traceFormat>
+          <inkml:channel name="X" type="integer" min="-2.14748E9" max="2.14748E9" units="cm"/>
+          <inkml:channel name="Y" type="integer" min="-2.14748E9" max="2.14748E9" units="cm"/>
+          <inkml:channel name="F" type="integer" max="32767" units="dev"/>
+        </inkml:traceFormat>
+        <inkml:channelProperties>
+          <inkml:channelProperty channel="X" name="resolution" value="1000" units="1/cm"/>
+          <inkml:channelProperty channel="Y" name="resolution" value="1000" units="1/cm"/>
+          <inkml:channelProperty channel="F" name="resolution" value="0" units="1/dev"/>
+        </inkml:channelProperties>
+      </inkml:inkSource>
+      <inkml:timestamp xml:id="ts0" timeString="2024-04-18T09:27:22.193"/>
+    </inkml:context>
+    <inkml:brush xml:id="br0">
+      <inkml:brushProperty name="width" value="0.1" units="cm"/>
+      <inkml:brushProperty name="height" value="0.1" units="cm"/>
+    </inkml:brush>
+  </inkml:definitions>
+  <inkml:trace contextRef="#ctx0" brushRef="#br0">-2147483648 0 24575,'0'0'0</inkml:trace>
+</inkml:ink>
+</file>
+
+<file path=ppt/ink/ink5.xml><?xml version="1.0" encoding="utf-8"?>
+<inkml:ink xmlns:inkml="http://www.w3.org/2003/InkML">
+  <inkml:definitions>
+    <inkml:context xml:id="ctx0">
+      <inkml:inkSource xml:id="inkSrc0">
+        <inkml:traceFormat>
+          <inkml:channel name="X" type="integer" min="-2.14748E9" max="2.14748E9" units="cm"/>
+          <inkml:channel name="Y" type="integer" min="-2.14748E9" max="2.14748E9" units="cm"/>
+          <inkml:channel name="F" type="integer" max="32767" units="dev"/>
+        </inkml:traceFormat>
+        <inkml:channelProperties>
+          <inkml:channelProperty channel="X" name="resolution" value="1000" units="1/cm"/>
+          <inkml:channelProperty channel="Y" name="resolution" value="1000" units="1/cm"/>
+          <inkml:channelProperty channel="F" name="resolution" value="0" units="1/dev"/>
+        </inkml:channelProperties>
+      </inkml:inkSource>
+      <inkml:timestamp xml:id="ts0" timeString="2024-04-18T09:27:22.194"/>
+    </inkml:context>
+    <inkml:brush xml:id="br0">
+      <inkml:brushProperty name="width" value="0.1" units="cm"/>
+      <inkml:brushProperty name="height" value="0.1" units="cm"/>
+    </inkml:brush>
+  </inkml:definitions>
+  <inkml:trace contextRef="#ctx0" brushRef="#br0">-2147483648-2147483648 24575,'0'0'-8191</inkml:trace>
+</inkml:ink>
+</file>
+
+<file path=ppt/ink/ink6.xml><?xml version="1.0" encoding="utf-8"?>
+<inkml:ink xmlns:inkml="http://www.w3.org/2003/InkML">
+  <inkml:definitions>
+    <inkml:context xml:id="ctx0">
+      <inkml:inkSource xml:id="inkSrc0">
+        <inkml:traceFormat>
+          <inkml:channel name="X" type="integer" min="-2.14748E9" max="2.14748E9" units="cm"/>
+          <inkml:channel name="Y" type="integer" min="-2.14748E9" max="2.14748E9" units="cm"/>
+          <inkml:channel name="F" type="integer" max="32767" units="dev"/>
+        </inkml:traceFormat>
+        <inkml:channelProperties>
+          <inkml:channelProperty channel="X" name="resolution" value="1000" units="1/cm"/>
+          <inkml:channelProperty channel="Y" name="resolution" value="1000" units="1/cm"/>
+          <inkml:channelProperty channel="F" name="resolution" value="0" units="1/dev"/>
+        </inkml:channelProperties>
+      </inkml:inkSource>
+      <inkml:timestamp xml:id="ts0" timeString="2024-04-18T09:27:22.195"/>
+    </inkml:context>
+    <inkml:brush xml:id="br0">
+      <inkml:brushProperty name="width" value="0.1" units="cm"/>
+      <inkml:brushProperty name="height" value="0.1" units="cm"/>
+    </inkml:brush>
+  </inkml:definitions>
+  <inkml:trace contextRef="#ctx0" brushRef="#br0">-2147483648-2147483648 24575,'0'0'-8191</inkml:trace>
+</inkml:ink>
+</file>
+
+<file path=ppt/ink/ink7.xml><?xml version="1.0" encoding="utf-8"?>
+<inkml:ink xmlns:inkml="http://www.w3.org/2003/InkML">
+  <inkml:definitions>
+    <inkml:context xml:id="ctx0">
+      <inkml:inkSource xml:id="inkSrc0">
+        <inkml:traceFormat>
+          <inkml:channel name="X" type="integer" min="-2.14748E9" max="2.14748E9" units="cm"/>
+          <inkml:channel name="Y" type="integer" min="-2.14748E9" max="2.14748E9" units="cm"/>
+          <inkml:channel name="F" type="integer" max="32767" units="dev"/>
+        </inkml:traceFormat>
+        <inkml:channelProperties>
+          <inkml:channelProperty channel="X" name="resolution" value="1000" units="1/cm"/>
+          <inkml:channelProperty channel="Y" name="resolution" value="1000" units="1/cm"/>
+          <inkml:channelProperty channel="F" name="resolution" value="0" units="1/dev"/>
+        </inkml:channelProperties>
+      </inkml:inkSource>
+      <inkml:timestamp xml:id="ts0" timeString="2024-04-18T09:27:22.196"/>
+    </inkml:context>
+    <inkml:brush xml:id="br0">
+      <inkml:brushProperty name="width" value="0.1" units="cm"/>
+      <inkml:brushProperty name="height" value="0.1" units="cm"/>
+    </inkml:brush>
+  </inkml:definitions>
+  <inkml:trace contextRef="#ctx0" brushRef="#br0">69 74 24575,'0'-5'0</inkml:trace>
+</inkml:ink>
+</file>
+
+<file path=ppt/ink/ink8.xml><?xml version="1.0" encoding="utf-8"?>
+<inkml:ink xmlns:inkml="http://www.w3.org/2003/InkML">
+  <inkml:definitions>
+    <inkml:context xml:id="ctx0">
+      <inkml:inkSource xml:id="inkSrc0">
+        <inkml:traceFormat>
+          <inkml:channel name="X" type="integer" min="-2.14748E9" max="2.14748E9" units="cm"/>
+          <inkml:channel name="Y" type="integer" min="-2.14748E9" max="2.14748E9" units="cm"/>
+          <inkml:channel name="F" type="integer" max="32767" units="dev"/>
+        </inkml:traceFormat>
+        <inkml:channelProperties>
+          <inkml:channelProperty channel="X" name="resolution" value="1000" units="1/cm"/>
+          <inkml:channelProperty channel="Y" name="resolution" value="1000" units="1/cm"/>
+          <inkml:channelProperty channel="F" name="resolution" value="0" units="1/dev"/>
+        </inkml:channelProperties>
+      </inkml:inkSource>
+      <inkml:timestamp xml:id="ts0" timeString="2024-04-18T09:27:22.197"/>
+    </inkml:context>
+    <inkml:brush xml:id="br0">
+      <inkml:brushProperty name="width" value="0.1" units="cm"/>
+      <inkml:brushProperty name="height" value="0.1" units="cm"/>
+    </inkml:brush>
+  </inkml:definitions>
+  <inkml:trace contextRef="#ctx0" brushRef="#br0">69 74 24575,'0'-5'0</inkml:trace>
+</inkml:ink>
+</file>
+
+<file path=ppt/ink/ink9.xml><?xml version="1.0" encoding="utf-8"?>
+<inkml:ink xmlns:inkml="http://www.w3.org/2003/InkML">
+  <inkml:definitions>
+    <inkml:context xml:id="ctx0">
+      <inkml:inkSource xml:id="inkSrc0">
+        <inkml:traceFormat>
+          <inkml:channel name="X" type="integer" min="-2.14748E9" max="2.14748E9" units="cm"/>
+          <inkml:channel name="Y" type="integer" min="-2.14748E9" max="2.14748E9" units="cm"/>
+          <inkml:channel name="F" type="integer" max="32767" units="dev"/>
+        </inkml:traceFormat>
+        <inkml:channelProperties>
+          <inkml:channelProperty channel="X" name="resolution" value="1000" units="1/cm"/>
+          <inkml:channelProperty channel="Y" name="resolution" value="1000" units="1/cm"/>
+          <inkml:channelProperty channel="F" name="resolution" value="0" units="1/dev"/>
+        </inkml:channelProperties>
+      </inkml:inkSource>
+      <inkml:timestamp xml:id="ts0" timeString="2024-04-18T09:27:22.198"/>
+    </inkml:context>
+    <inkml:brush xml:id="br0">
+      <inkml:brushProperty name="width" value="0.1" units="cm"/>
+      <inkml:brushProperty name="height" value="0.1" units="cm"/>
+    </inkml:brush>
+  </inkml:definitions>
+  <inkml:trace contextRef="#ctx0" brushRef="#br0">69 74 24575,'0'-5'0</inkml:trace>
 </inkml:ink>
 </file>
 
@@ -28099,7 +28585,67 @@
                 </a:solidFill>
                 <a:latin typeface="+mn-ea"/>
               </a:rPr>
-              <a:t>：</a:t>
+              <a:t>：資料收集</a:t>
+            </a:r>
+            <a:r>
+              <a:rPr lang="zh-TW" altLang="en-US" sz="2400" dirty="0" smtClean="0">
+                <a:solidFill>
+                  <a:schemeClr val="tx1">
+                    <a:lumMod val="75000"/>
+                    <a:lumOff val="25000"/>
+                  </a:schemeClr>
+                </a:solidFill>
+                <a:latin typeface="+mn-ea"/>
+              </a:rPr>
+              <a:t>、</a:t>
+            </a:r>
+            <a:r>
+              <a:rPr lang="zh-TW" altLang="en-US" sz="2400" dirty="0">
+                <a:solidFill>
+                  <a:schemeClr val="tx1">
+                    <a:lumMod val="75000"/>
+                    <a:lumOff val="25000"/>
+                  </a:schemeClr>
+                </a:solidFill>
+                <a:latin typeface="+mn-ea"/>
+              </a:rPr>
+              <a:t>協助通道估測</a:t>
+            </a:r>
+            <a:r>
+              <a:rPr lang="en-US" altLang="zh-TW" sz="2400" dirty="0">
+                <a:solidFill>
+                  <a:schemeClr val="tx1">
+                    <a:lumMod val="75000"/>
+                    <a:lumOff val="25000"/>
+                  </a:schemeClr>
+                </a:solidFill>
+                <a:latin typeface="+mn-ea"/>
+              </a:rPr>
+              <a:t>(CFO</a:t>
+            </a:r>
+            <a:r>
+              <a:rPr lang="zh-TW" altLang="en-US" sz="2400" dirty="0">
+                <a:solidFill>
+                  <a:schemeClr val="tx1">
+                    <a:lumMod val="75000"/>
+                    <a:lumOff val="25000"/>
+                  </a:schemeClr>
+                </a:solidFill>
+                <a:latin typeface="+mn-ea"/>
+              </a:rPr>
+              <a:t>校正</a:t>
+            </a:r>
+            <a:r>
+              <a:rPr lang="en-US" altLang="zh-TW" sz="2400" dirty="0" smtClean="0">
+                <a:solidFill>
+                  <a:schemeClr val="tx1">
+                    <a:lumMod val="75000"/>
+                    <a:lumOff val="25000"/>
+                  </a:schemeClr>
+                </a:solidFill>
+                <a:latin typeface="+mn-ea"/>
+              </a:rPr>
+              <a:t>)</a:t>
             </a:r>
             <a:endParaRPr lang="en-US" altLang="zh-TW" sz="2400" dirty="0">
               <a:solidFill>
@@ -29026,7 +29572,7 @@
         </p:nvSpPr>
         <p:spPr>
           <a:xfrm>
-            <a:off x="4348573" y="2763806"/>
+            <a:off x="4229701" y="2974118"/>
             <a:ext cx="3451259" cy="1280890"/>
           </a:xfrm>
         </p:spPr>
@@ -29038,14 +29584,14 @@
           <a:p>
             <a:pPr algn="ctr"/>
             <a:r>
-              <a:rPr lang="en-US" altLang="zh-TW" b="1" dirty="0" smtClean="0">
+              <a:rPr lang="en-US" altLang="zh-TW" sz="4800" b="1" dirty="0" smtClean="0">
                 <a:latin typeface="華康粗明體" panose="02020709000000000000" pitchFamily="49" charset="-120"/>
                 <a:ea typeface="華康粗明體" panose="02020709000000000000" pitchFamily="49" charset="-120"/>
                 <a:cs typeface="+mn-cs"/>
               </a:rPr>
               <a:t>Thank you!</a:t>
             </a:r>
-            <a:endParaRPr lang="zh-TW" altLang="en-US" b="1" dirty="0">
+            <a:endParaRPr lang="zh-TW" altLang="en-US" sz="4800" b="1" dirty="0">
               <a:latin typeface="華康粗明體" panose="02020709000000000000" pitchFamily="49" charset="-120"/>
               <a:ea typeface="華康粗明體" panose="02020709000000000000" pitchFamily="49" charset="-120"/>
               <a:cs typeface="+mn-cs"/>
@@ -32085,7 +32631,12 @@
             <p:ph type="sldNum" sz="quarter" idx="12"/>
           </p:nvPr>
         </p:nvSpPr>
-        <p:spPr/>
+        <p:spPr>
+          <a:xfrm>
+            <a:off x="531812" y="815214"/>
+            <a:ext cx="779767" cy="365125"/>
+          </a:xfrm>
+        </p:spPr>
         <p:txBody>
           <a:bodyPr/>
           <a:lstStyle/>
@@ -32094,7 +32645,7 @@
               <a:rPr lang="zh-TW" altLang="en-US" smtClean="0"/>
               <a:t>7</a:t>
             </a:fld>
-            <a:endParaRPr lang="zh-TW" altLang="en-US"/>
+            <a:endParaRPr lang="zh-TW" altLang="en-US" dirty="0"/>
           </a:p>
         </p:txBody>
       </p:sp>
@@ -32250,7 +32801,7 @@
         </p:nvGrpSpPr>
         <p:grpSpPr>
           <a:xfrm>
-            <a:off x="4503062" y="3311528"/>
+            <a:off x="4503062" y="3723008"/>
             <a:ext cx="13336" cy="272070"/>
             <a:chOff x="4598865" y="2791695"/>
             <a:chExt cx="10516" cy="367296"/>
@@ -32410,12 +32961,2140 @@
           </mc:Fallback>
         </mc:AlternateContent>
       </p:grpSp>
+      <p:sp>
+        <p:nvSpPr>
+          <p:cNvPr id="197" name="矩形 196">
+            <a:extLst>
+              <a:ext uri="{FF2B5EF4-FFF2-40B4-BE49-F238E27FC236}">
+                <a16:creationId xmlns:a16="http://schemas.microsoft.com/office/drawing/2014/main" id="{6A3427BF-6153-4BA2-BE3C-CAC916F2A5F1}"/>
+              </a:ext>
+            </a:extLst>
+          </p:cNvPr>
+          <p:cNvSpPr/>
+          <p:nvPr/>
+        </p:nvSpPr>
+        <p:spPr>
+          <a:xfrm>
+            <a:off x="9010169" y="1460131"/>
+            <a:ext cx="2603813" cy="5116669"/>
+          </a:xfrm>
+          <a:prstGeom prst="rect">
+            <a:avLst/>
+          </a:prstGeom>
+          <a:solidFill>
+            <a:srgbClr val="FFC000"/>
+          </a:solidFill>
+        </p:spPr>
+        <p:style>
+          <a:lnRef idx="2">
+            <a:schemeClr val="accent1">
+              <a:shade val="50000"/>
+            </a:schemeClr>
+          </a:lnRef>
+          <a:fillRef idx="1">
+            <a:schemeClr val="accent1"/>
+          </a:fillRef>
+          <a:effectRef idx="0">
+            <a:schemeClr val="accent1"/>
+          </a:effectRef>
+          <a:fontRef idx="minor">
+            <a:schemeClr val="lt1"/>
+          </a:fontRef>
+        </p:style>
+        <p:txBody>
+          <a:bodyPr rtlCol="0" anchor="ctr"/>
+          <a:lstStyle/>
+          <a:p>
+            <a:pPr algn="ctr"/>
+            <a:endParaRPr lang="zh-TW" altLang="en-US" sz="1400"/>
+          </a:p>
+        </p:txBody>
+      </p:sp>
+      <p:sp>
+        <p:nvSpPr>
+          <p:cNvPr id="198" name="矩形 197">
+            <a:extLst>
+              <a:ext uri="{FF2B5EF4-FFF2-40B4-BE49-F238E27FC236}">
+                <a16:creationId xmlns:a16="http://schemas.microsoft.com/office/drawing/2014/main" id="{5C301159-7BF7-432B-8885-D66FA32A4DB7}"/>
+              </a:ext>
+            </a:extLst>
+          </p:cNvPr>
+          <p:cNvSpPr/>
+          <p:nvPr/>
+        </p:nvSpPr>
+        <p:spPr>
+          <a:xfrm>
+            <a:off x="982133" y="1469813"/>
+            <a:ext cx="7609993" cy="5116669"/>
+          </a:xfrm>
+          <a:prstGeom prst="rect">
+            <a:avLst/>
+          </a:prstGeom>
+          <a:solidFill>
+            <a:srgbClr val="0070C0"/>
+          </a:solidFill>
+        </p:spPr>
+        <p:style>
+          <a:lnRef idx="2">
+            <a:schemeClr val="accent1">
+              <a:shade val="50000"/>
+            </a:schemeClr>
+          </a:lnRef>
+          <a:fillRef idx="1">
+            <a:schemeClr val="accent1"/>
+          </a:fillRef>
+          <a:effectRef idx="0">
+            <a:schemeClr val="accent1"/>
+          </a:effectRef>
+          <a:fontRef idx="minor">
+            <a:schemeClr val="lt1"/>
+          </a:fontRef>
+        </p:style>
+        <p:txBody>
+          <a:bodyPr rtlCol="0" anchor="ctr"/>
+          <a:lstStyle/>
+          <a:p>
+            <a:pPr algn="ctr"/>
+            <a:endParaRPr lang="zh-TW" altLang="en-US" sz="1400" dirty="0"/>
+          </a:p>
+        </p:txBody>
+      </p:sp>
+      <p:grpSp>
+        <p:nvGrpSpPr>
+          <p:cNvPr id="199" name="群組 198">
+            <a:extLst>
+              <a:ext uri="{FF2B5EF4-FFF2-40B4-BE49-F238E27FC236}">
+                <a16:creationId xmlns:a16="http://schemas.microsoft.com/office/drawing/2014/main" id="{B577C4F2-ABA7-A001-3029-6A2BDF396FF7}"/>
+              </a:ext>
+            </a:extLst>
+          </p:cNvPr>
+          <p:cNvGrpSpPr/>
+          <p:nvPr/>
+        </p:nvGrpSpPr>
+        <p:grpSpPr>
+          <a:xfrm>
+            <a:off x="497279" y="1832875"/>
+            <a:ext cx="11365228" cy="1138990"/>
+            <a:chOff x="497279" y="1421395"/>
+            <a:chExt cx="11365228" cy="1138990"/>
+          </a:xfrm>
+        </p:grpSpPr>
+        <p:sp>
+          <p:nvSpPr>
+            <p:cNvPr id="200" name="文字方塊 199">
+              <a:extLst>
+                <a:ext uri="{FF2B5EF4-FFF2-40B4-BE49-F238E27FC236}">
+                  <a16:creationId xmlns:a16="http://schemas.microsoft.com/office/drawing/2014/main" id="{31C0941B-954B-CF97-DE9F-8B409BD99A28}"/>
+                </a:ext>
+              </a:extLst>
+            </p:cNvPr>
+            <p:cNvSpPr txBox="1"/>
+            <p:nvPr/>
+          </p:nvSpPr>
+          <p:spPr>
+            <a:xfrm>
+              <a:off x="558738" y="1838916"/>
+              <a:ext cx="655687" cy="307777"/>
+            </a:xfrm>
+            <a:prstGeom prst="rect">
+              <a:avLst/>
+            </a:prstGeom>
+            <a:noFill/>
+          </p:spPr>
+          <p:txBody>
+            <a:bodyPr wrap="square" rtlCol="0">
+              <a:spAutoFit/>
+            </a:bodyPr>
+            <a:lstStyle/>
+            <a:p>
+              <a:pPr algn="ctr"/>
+              <a:r>
+                <a:rPr lang="en-US" altLang="zh-TW" sz="1400" dirty="0">
+                  <a:latin typeface="標楷體" panose="03000509000000000000" pitchFamily="65" charset="-120"/>
+                  <a:ea typeface="標楷體" panose="03000509000000000000" pitchFamily="65" charset="-120"/>
+                </a:rPr>
+                <a:t>Input</a:t>
+              </a:r>
+              <a:endParaRPr lang="zh-TW" altLang="en-US" sz="1400" dirty="0">
+                <a:latin typeface="標楷體" panose="03000509000000000000" pitchFamily="65" charset="-120"/>
+                <a:ea typeface="標楷體" panose="03000509000000000000" pitchFamily="65" charset="-120"/>
+              </a:endParaRPr>
+            </a:p>
+          </p:txBody>
+        </p:sp>
+        <p:sp>
+          <p:nvSpPr>
+            <p:cNvPr id="201" name="文字方塊 200">
+              <a:extLst>
+                <a:ext uri="{FF2B5EF4-FFF2-40B4-BE49-F238E27FC236}">
+                  <a16:creationId xmlns:a16="http://schemas.microsoft.com/office/drawing/2014/main" id="{B86F2041-5241-2F1F-18AE-A928EFA6E06F}"/>
+                </a:ext>
+              </a:extLst>
+            </p:cNvPr>
+            <p:cNvSpPr txBox="1"/>
+            <p:nvPr/>
+          </p:nvSpPr>
+          <p:spPr>
+            <a:xfrm>
+              <a:off x="502442" y="2161408"/>
+              <a:ext cx="825395" cy="307777"/>
+            </a:xfrm>
+            <a:prstGeom prst="rect">
+              <a:avLst/>
+            </a:prstGeom>
+            <a:noFill/>
+          </p:spPr>
+          <p:txBody>
+            <a:bodyPr wrap="square" rtlCol="0">
+              <a:spAutoFit/>
+            </a:bodyPr>
+            <a:lstStyle/>
+            <a:p>
+              <a:pPr algn="ctr"/>
+              <a:r>
+                <a:rPr lang="en-US" altLang="zh-TW" sz="1400" dirty="0">
+                  <a:latin typeface="標楷體" panose="03000509000000000000" pitchFamily="65" charset="-120"/>
+                  <a:ea typeface="標楷體" panose="03000509000000000000" pitchFamily="65" charset="-120"/>
+                </a:rPr>
+                <a:t>Symbols</a:t>
+              </a:r>
+              <a:endParaRPr lang="zh-TW" altLang="en-US" sz="1400" dirty="0">
+                <a:latin typeface="標楷體" panose="03000509000000000000" pitchFamily="65" charset="-120"/>
+                <a:ea typeface="標楷體" panose="03000509000000000000" pitchFamily="65" charset="-120"/>
+              </a:endParaRPr>
+            </a:p>
+          </p:txBody>
+        </p:sp>
+        <p:cxnSp>
+          <p:nvCxnSpPr>
+            <p:cNvPr id="202" name="直線單箭頭接點 201">
+              <a:extLst>
+                <a:ext uri="{FF2B5EF4-FFF2-40B4-BE49-F238E27FC236}">
+                  <a16:creationId xmlns:a16="http://schemas.microsoft.com/office/drawing/2014/main" id="{3BBA3EA6-22EC-66DE-3335-292E9F5E11AE}"/>
+                </a:ext>
+              </a:extLst>
+            </p:cNvPr>
+            <p:cNvCxnSpPr>
+              <a:cxnSpLocks/>
+            </p:cNvCxnSpPr>
+            <p:nvPr/>
+          </p:nvCxnSpPr>
+          <p:spPr>
+            <a:xfrm flipV="1">
+              <a:off x="497279" y="2125091"/>
+              <a:ext cx="732955" cy="6213"/>
+            </a:xfrm>
+            <a:prstGeom prst="straightConnector1">
+              <a:avLst/>
+            </a:prstGeom>
+            <a:ln>
+              <a:tailEnd type="triangle"/>
+            </a:ln>
+          </p:spPr>
+          <p:style>
+            <a:lnRef idx="1">
+              <a:schemeClr val="dk1"/>
+            </a:lnRef>
+            <a:fillRef idx="0">
+              <a:schemeClr val="dk1"/>
+            </a:fillRef>
+            <a:effectRef idx="0">
+              <a:schemeClr val="dk1"/>
+            </a:effectRef>
+            <a:fontRef idx="minor">
+              <a:schemeClr val="tx1"/>
+            </a:fontRef>
+          </p:style>
+        </p:cxnSp>
+        <p:cxnSp>
+          <p:nvCxnSpPr>
+            <p:cNvPr id="203" name="直線單箭頭接點 202">
+              <a:extLst>
+                <a:ext uri="{FF2B5EF4-FFF2-40B4-BE49-F238E27FC236}">
+                  <a16:creationId xmlns:a16="http://schemas.microsoft.com/office/drawing/2014/main" id="{655B308E-91FF-70B5-DD0E-BA303A8190AC}"/>
+                </a:ext>
+              </a:extLst>
+            </p:cNvPr>
+            <p:cNvCxnSpPr>
+              <a:cxnSpLocks/>
+              <a:stCxn id="211" idx="3"/>
+              <a:endCxn id="271" idx="1"/>
+            </p:cNvCxnSpPr>
+            <p:nvPr/>
+          </p:nvCxnSpPr>
+          <p:spPr>
+            <a:xfrm>
+              <a:off x="6176084" y="2064720"/>
+              <a:ext cx="324499" cy="3106"/>
+            </a:xfrm>
+            <a:prstGeom prst="straightConnector1">
+              <a:avLst/>
+            </a:prstGeom>
+            <a:ln>
+              <a:tailEnd type="triangle"/>
+            </a:ln>
+          </p:spPr>
+          <p:style>
+            <a:lnRef idx="1">
+              <a:schemeClr val="dk1"/>
+            </a:lnRef>
+            <a:fillRef idx="0">
+              <a:schemeClr val="dk1"/>
+            </a:fillRef>
+            <a:effectRef idx="0">
+              <a:schemeClr val="dk1"/>
+            </a:effectRef>
+            <a:fontRef idx="minor">
+              <a:schemeClr val="tx1"/>
+            </a:fontRef>
+          </p:style>
+        </p:cxnSp>
+        <p:cxnSp>
+          <p:nvCxnSpPr>
+            <p:cNvPr id="204" name="直線單箭頭接點 203">
+              <a:extLst>
+                <a:ext uri="{FF2B5EF4-FFF2-40B4-BE49-F238E27FC236}">
+                  <a16:creationId xmlns:a16="http://schemas.microsoft.com/office/drawing/2014/main" id="{9A44367F-1516-89CB-C5F6-24C4B0A8E260}"/>
+                </a:ext>
+              </a:extLst>
+            </p:cNvPr>
+            <p:cNvCxnSpPr>
+              <a:cxnSpLocks/>
+            </p:cNvCxnSpPr>
+            <p:nvPr/>
+          </p:nvCxnSpPr>
+          <p:spPr>
+            <a:xfrm flipV="1">
+              <a:off x="8461827" y="2060976"/>
+              <a:ext cx="2956517" cy="6850"/>
+            </a:xfrm>
+            <a:prstGeom prst="straightConnector1">
+              <a:avLst/>
+            </a:prstGeom>
+            <a:ln>
+              <a:tailEnd type="triangle"/>
+            </a:ln>
+          </p:spPr>
+          <p:style>
+            <a:lnRef idx="1">
+              <a:schemeClr val="dk1"/>
+            </a:lnRef>
+            <a:fillRef idx="0">
+              <a:schemeClr val="dk1"/>
+            </a:fillRef>
+            <a:effectRef idx="0">
+              <a:schemeClr val="dk1"/>
+            </a:effectRef>
+            <a:fontRef idx="minor">
+              <a:schemeClr val="tx1"/>
+            </a:fontRef>
+          </p:style>
+        </p:cxnSp>
+        <p:sp>
+          <p:nvSpPr>
+            <p:cNvPr id="205" name="文字方塊 204">
+              <a:extLst>
+                <a:ext uri="{FF2B5EF4-FFF2-40B4-BE49-F238E27FC236}">
+                  <a16:creationId xmlns:a16="http://schemas.microsoft.com/office/drawing/2014/main" id="{F9D05C71-8906-AE77-0506-35E2856829FB}"/>
+                </a:ext>
+              </a:extLst>
+            </p:cNvPr>
+            <p:cNvSpPr txBox="1"/>
+            <p:nvPr/>
+          </p:nvSpPr>
+          <p:spPr>
+            <a:xfrm>
+              <a:off x="10382056" y="1757813"/>
+              <a:ext cx="1102395" cy="523220"/>
+            </a:xfrm>
+            <a:prstGeom prst="rect">
+              <a:avLst/>
+            </a:prstGeom>
+            <a:noFill/>
+          </p:spPr>
+          <p:txBody>
+            <a:bodyPr wrap="square" rtlCol="0">
+              <a:spAutoFit/>
+            </a:bodyPr>
+            <a:lstStyle/>
+            <a:p>
+              <a:pPr algn="ctr"/>
+              <a:r>
+                <a:rPr lang="en-US" altLang="zh-TW" sz="1400" dirty="0">
+                  <a:latin typeface="標楷體" panose="03000509000000000000" pitchFamily="65" charset="-120"/>
+                  <a:ea typeface="標楷體" panose="03000509000000000000" pitchFamily="65" charset="-120"/>
+                </a:rPr>
+                <a:t>Transmitted</a:t>
+              </a:r>
+              <a:endParaRPr lang="zh-TW" altLang="en-US" sz="1400" dirty="0">
+                <a:latin typeface="標楷體" panose="03000509000000000000" pitchFamily="65" charset="-120"/>
+                <a:ea typeface="標楷體" panose="03000509000000000000" pitchFamily="65" charset="-120"/>
+              </a:endParaRPr>
+            </a:p>
+          </p:txBody>
+        </p:sp>
+        <p:sp>
+          <p:nvSpPr>
+            <p:cNvPr id="206" name="文字方塊 205">
+              <a:extLst>
+                <a:ext uri="{FF2B5EF4-FFF2-40B4-BE49-F238E27FC236}">
+                  <a16:creationId xmlns:a16="http://schemas.microsoft.com/office/drawing/2014/main" id="{DC0BFA5E-5600-8DE4-F107-BC656E53D6F6}"/>
+                </a:ext>
+              </a:extLst>
+            </p:cNvPr>
+            <p:cNvSpPr txBox="1"/>
+            <p:nvPr/>
+          </p:nvSpPr>
+          <p:spPr>
+            <a:xfrm>
+              <a:off x="10287757" y="2078063"/>
+              <a:ext cx="1192336" cy="307777"/>
+            </a:xfrm>
+            <a:prstGeom prst="rect">
+              <a:avLst/>
+            </a:prstGeom>
+            <a:noFill/>
+          </p:spPr>
+          <p:txBody>
+            <a:bodyPr wrap="square" rtlCol="0">
+              <a:spAutoFit/>
+            </a:bodyPr>
+            <a:lstStyle/>
+            <a:p>
+              <a:pPr algn="ctr"/>
+              <a:r>
+                <a:rPr lang="en-US" altLang="zh-TW" sz="1400" dirty="0">
+                  <a:latin typeface="標楷體" panose="03000509000000000000" pitchFamily="65" charset="-120"/>
+                  <a:ea typeface="標楷體" panose="03000509000000000000" pitchFamily="65" charset="-120"/>
+                </a:rPr>
+                <a:t>Signal</a:t>
+              </a:r>
+              <a:endParaRPr lang="zh-TW" altLang="en-US" sz="1400" dirty="0">
+                <a:latin typeface="標楷體" panose="03000509000000000000" pitchFamily="65" charset="-120"/>
+                <a:ea typeface="標楷體" panose="03000509000000000000" pitchFamily="65" charset="-120"/>
+              </a:endParaRPr>
+            </a:p>
+          </p:txBody>
+        </p:sp>
+        <p:sp>
+          <p:nvSpPr>
+            <p:cNvPr id="207" name="矩形: 圓角 45">
+              <a:extLst>
+                <a:ext uri="{FF2B5EF4-FFF2-40B4-BE49-F238E27FC236}">
+                  <a16:creationId xmlns:a16="http://schemas.microsoft.com/office/drawing/2014/main" id="{13BC73DD-FBF9-A91B-180E-942C020C86A3}"/>
+                </a:ext>
+              </a:extLst>
+            </p:cNvPr>
+            <p:cNvSpPr/>
+            <p:nvPr/>
+          </p:nvSpPr>
+          <p:spPr>
+            <a:xfrm>
+              <a:off x="9246475" y="1575265"/>
+              <a:ext cx="1153551" cy="985120"/>
+            </a:xfrm>
+            <a:prstGeom prst="roundRect">
+              <a:avLst>
+                <a:gd name="adj" fmla="val 0"/>
+              </a:avLst>
+            </a:prstGeom>
+            <a:ln/>
+          </p:spPr>
+          <p:style>
+            <a:lnRef idx="1">
+              <a:schemeClr val="accent3"/>
+            </a:lnRef>
+            <a:fillRef idx="2">
+              <a:schemeClr val="accent3"/>
+            </a:fillRef>
+            <a:effectRef idx="1">
+              <a:schemeClr val="accent3"/>
+            </a:effectRef>
+            <a:fontRef idx="minor">
+              <a:schemeClr val="dk1"/>
+            </a:fontRef>
+          </p:style>
+          <p:txBody>
+            <a:bodyPr rtlCol="0" anchor="ctr"/>
+            <a:lstStyle/>
+            <a:p>
+              <a:pPr algn="ctr"/>
+              <a:r>
+                <a:rPr lang="en-US" altLang="zh-TW" sz="1400" dirty="0">
+                  <a:latin typeface="標楷體" panose="03000509000000000000" pitchFamily="65" charset="-120"/>
+                  <a:ea typeface="標楷體" panose="03000509000000000000" pitchFamily="65" charset="-120"/>
+                </a:rPr>
+                <a:t>D/A Converter</a:t>
+              </a:r>
+              <a:endParaRPr lang="zh-TW" altLang="en-US" sz="1400" dirty="0">
+                <a:latin typeface="標楷體" panose="03000509000000000000" pitchFamily="65" charset="-120"/>
+                <a:ea typeface="標楷體" panose="03000509000000000000" pitchFamily="65" charset="-120"/>
+              </a:endParaRPr>
+            </a:p>
+          </p:txBody>
+        </p:sp>
+        <p:sp>
+          <p:nvSpPr>
+            <p:cNvPr id="208" name="橢圓 207">
+              <a:extLst>
+                <a:ext uri="{FF2B5EF4-FFF2-40B4-BE49-F238E27FC236}">
+                  <a16:creationId xmlns:a16="http://schemas.microsoft.com/office/drawing/2014/main" id="{40BEBC5E-0023-922A-D316-74AC50B632E3}"/>
+                </a:ext>
+              </a:extLst>
+            </p:cNvPr>
+            <p:cNvSpPr/>
+            <p:nvPr/>
+          </p:nvSpPr>
+          <p:spPr>
+            <a:xfrm>
+              <a:off x="11502167" y="1641123"/>
+              <a:ext cx="142743" cy="118793"/>
+            </a:xfrm>
+            <a:prstGeom prst="ellipse">
+              <a:avLst/>
+            </a:prstGeom>
+          </p:spPr>
+          <p:style>
+            <a:lnRef idx="2">
+              <a:schemeClr val="dk1">
+                <a:shade val="50000"/>
+              </a:schemeClr>
+            </a:lnRef>
+            <a:fillRef idx="1">
+              <a:schemeClr val="dk1"/>
+            </a:fillRef>
+            <a:effectRef idx="0">
+              <a:schemeClr val="dk1"/>
+            </a:effectRef>
+            <a:fontRef idx="minor">
+              <a:schemeClr val="lt1"/>
+            </a:fontRef>
+          </p:style>
+          <p:txBody>
+            <a:bodyPr rtlCol="0" anchor="ctr"/>
+            <a:lstStyle/>
+            <a:p>
+              <a:pPr algn="ctr"/>
+              <a:endParaRPr lang="zh-TW" altLang="en-US" sz="1400">
+                <a:latin typeface="標楷體" panose="03000509000000000000" pitchFamily="65" charset="-120"/>
+                <a:ea typeface="標楷體" panose="03000509000000000000" pitchFamily="65" charset="-120"/>
+              </a:endParaRPr>
+            </a:p>
+          </p:txBody>
+        </p:sp>
+        <p:cxnSp>
+          <p:nvCxnSpPr>
+            <p:cNvPr id="209" name="直線單箭頭接點 208">
+              <a:extLst>
+                <a:ext uri="{FF2B5EF4-FFF2-40B4-BE49-F238E27FC236}">
+                  <a16:creationId xmlns:a16="http://schemas.microsoft.com/office/drawing/2014/main" id="{687F996E-3820-53AA-114B-44418C854E0D}"/>
+                </a:ext>
+              </a:extLst>
+            </p:cNvPr>
+            <p:cNvCxnSpPr>
+              <a:cxnSpLocks/>
+              <a:endCxn id="207" idx="1"/>
+            </p:cNvCxnSpPr>
+            <p:nvPr/>
+          </p:nvCxnSpPr>
+          <p:spPr>
+            <a:xfrm flipV="1">
+              <a:off x="8461827" y="2067825"/>
+              <a:ext cx="784648" cy="1"/>
+            </a:xfrm>
+            <a:prstGeom prst="straightConnector1">
+              <a:avLst/>
+            </a:prstGeom>
+            <a:ln>
+              <a:tailEnd type="triangle"/>
+            </a:ln>
+          </p:spPr>
+          <p:style>
+            <a:lnRef idx="1">
+              <a:schemeClr val="dk1"/>
+            </a:lnRef>
+            <a:fillRef idx="0">
+              <a:schemeClr val="dk1"/>
+            </a:fillRef>
+            <a:effectRef idx="0">
+              <a:schemeClr val="dk1"/>
+            </a:effectRef>
+            <a:fontRef idx="minor">
+              <a:schemeClr val="tx1"/>
+            </a:fontRef>
+          </p:style>
+        </p:cxnSp>
+        <p:grpSp>
+          <p:nvGrpSpPr>
+            <p:cNvPr id="210" name="群組 209">
+              <a:extLst>
+                <a:ext uri="{FF2B5EF4-FFF2-40B4-BE49-F238E27FC236}">
+                  <a16:creationId xmlns:a16="http://schemas.microsoft.com/office/drawing/2014/main" id="{40DF826F-E659-637A-1F50-6C93E8E078A9}"/>
+                </a:ext>
+              </a:extLst>
+            </p:cNvPr>
+            <p:cNvGrpSpPr/>
+            <p:nvPr/>
+          </p:nvGrpSpPr>
+          <p:grpSpPr>
+            <a:xfrm>
+              <a:off x="11424164" y="1421395"/>
+              <a:ext cx="438343" cy="750959"/>
+              <a:chOff x="11424164" y="1421395"/>
+              <a:chExt cx="438343" cy="750959"/>
+            </a:xfrm>
+          </p:grpSpPr>
+          <p:sp>
+            <p:nvSpPr>
+              <p:cNvPr id="212" name="矩形: 圓角化同側角落 23">
+                <a:extLst>
+                  <a:ext uri="{FF2B5EF4-FFF2-40B4-BE49-F238E27FC236}">
+                    <a16:creationId xmlns:a16="http://schemas.microsoft.com/office/drawing/2014/main" id="{4F5DE9E7-0160-D38A-A166-E55BF5A72C21}"/>
+                  </a:ext>
+                </a:extLst>
+              </p:cNvPr>
+              <p:cNvSpPr/>
+              <p:nvPr/>
+            </p:nvSpPr>
+            <p:spPr>
+              <a:xfrm>
+                <a:off x="11424164" y="2025099"/>
+                <a:ext cx="289773" cy="147255"/>
+              </a:xfrm>
+              <a:prstGeom prst="round2SameRect">
+                <a:avLst/>
+              </a:prstGeom>
+            </p:spPr>
+            <p:style>
+              <a:lnRef idx="2">
+                <a:schemeClr val="dk1">
+                  <a:shade val="50000"/>
+                </a:schemeClr>
+              </a:lnRef>
+              <a:fillRef idx="1">
+                <a:schemeClr val="dk1"/>
+              </a:fillRef>
+              <a:effectRef idx="0">
+                <a:schemeClr val="dk1"/>
+              </a:effectRef>
+              <a:fontRef idx="minor">
+                <a:schemeClr val="lt1"/>
+              </a:fontRef>
+            </p:style>
+            <p:txBody>
+              <a:bodyPr rtlCol="0" anchor="ctr"/>
+              <a:lstStyle/>
+              <a:p>
+                <a:pPr algn="ctr"/>
+                <a:endParaRPr lang="zh-TW" altLang="en-US" sz="1400">
+                  <a:latin typeface="標楷體" panose="03000509000000000000" pitchFamily="65" charset="-120"/>
+                  <a:ea typeface="標楷體" panose="03000509000000000000" pitchFamily="65" charset="-120"/>
+                </a:endParaRPr>
+              </a:p>
+            </p:txBody>
+          </p:sp>
+          <p:sp>
+            <p:nvSpPr>
+              <p:cNvPr id="213" name="拱形 212">
+                <a:extLst>
+                  <a:ext uri="{FF2B5EF4-FFF2-40B4-BE49-F238E27FC236}">
+                    <a16:creationId xmlns:a16="http://schemas.microsoft.com/office/drawing/2014/main" id="{78CC1B18-A754-6B4C-3F70-C21486DBD96F}"/>
+                  </a:ext>
+                </a:extLst>
+              </p:cNvPr>
+              <p:cNvSpPr/>
+              <p:nvPr/>
+            </p:nvSpPr>
+            <p:spPr>
+              <a:xfrm rot="5400000">
+                <a:off x="11543324" y="1643254"/>
+                <a:ext cx="220469" cy="133224"/>
+              </a:xfrm>
+              <a:prstGeom prst="blockArc">
+                <a:avLst/>
+              </a:prstGeom>
+            </p:spPr>
+            <p:style>
+              <a:lnRef idx="2">
+                <a:schemeClr val="dk1">
+                  <a:shade val="50000"/>
+                </a:schemeClr>
+              </a:lnRef>
+              <a:fillRef idx="1">
+                <a:schemeClr val="dk1"/>
+              </a:fillRef>
+              <a:effectRef idx="0">
+                <a:schemeClr val="dk1"/>
+              </a:effectRef>
+              <a:fontRef idx="minor">
+                <a:schemeClr val="lt1"/>
+              </a:fontRef>
+            </p:style>
+            <p:txBody>
+              <a:bodyPr rtlCol="0" anchor="ctr"/>
+              <a:lstStyle/>
+              <a:p>
+                <a:pPr algn="ctr"/>
+                <a:endParaRPr lang="zh-TW" altLang="en-US" sz="1400">
+                  <a:solidFill>
+                    <a:schemeClr val="tx1"/>
+                  </a:solidFill>
+                  <a:latin typeface="標楷體" panose="03000509000000000000" pitchFamily="65" charset="-120"/>
+                  <a:ea typeface="標楷體" panose="03000509000000000000" pitchFamily="65" charset="-120"/>
+                </a:endParaRPr>
+              </a:p>
+            </p:txBody>
+          </p:sp>
+          <p:sp>
+            <p:nvSpPr>
+              <p:cNvPr id="214" name="拱形 213">
+                <a:extLst>
+                  <a:ext uri="{FF2B5EF4-FFF2-40B4-BE49-F238E27FC236}">
+                    <a16:creationId xmlns:a16="http://schemas.microsoft.com/office/drawing/2014/main" id="{1ADEE7B9-A1FF-69F9-E9BF-0BF84D93B11C}"/>
+                  </a:ext>
+                </a:extLst>
+              </p:cNvPr>
+              <p:cNvSpPr/>
+              <p:nvPr/>
+            </p:nvSpPr>
+            <p:spPr>
+              <a:xfrm rot="5400000">
+                <a:off x="11503397" y="1644815"/>
+                <a:ext cx="432666" cy="133224"/>
+              </a:xfrm>
+              <a:prstGeom prst="blockArc">
+                <a:avLst/>
+              </a:prstGeom>
+            </p:spPr>
+            <p:style>
+              <a:lnRef idx="2">
+                <a:schemeClr val="dk1">
+                  <a:shade val="50000"/>
+                </a:schemeClr>
+              </a:lnRef>
+              <a:fillRef idx="1">
+                <a:schemeClr val="dk1"/>
+              </a:fillRef>
+              <a:effectRef idx="0">
+                <a:schemeClr val="dk1"/>
+              </a:effectRef>
+              <a:fontRef idx="minor">
+                <a:schemeClr val="lt1"/>
+              </a:fontRef>
+            </p:style>
+            <p:txBody>
+              <a:bodyPr rtlCol="0" anchor="ctr"/>
+              <a:lstStyle/>
+              <a:p>
+                <a:pPr algn="ctr"/>
+                <a:endParaRPr lang="zh-TW" altLang="en-US" sz="1400">
+                  <a:solidFill>
+                    <a:schemeClr val="tx1"/>
+                  </a:solidFill>
+                  <a:latin typeface="標楷體" panose="03000509000000000000" pitchFamily="65" charset="-120"/>
+                  <a:ea typeface="標楷體" panose="03000509000000000000" pitchFamily="65" charset="-120"/>
+                </a:endParaRPr>
+              </a:p>
+            </p:txBody>
+          </p:sp>
+          <p:sp>
+            <p:nvSpPr>
+              <p:cNvPr id="215" name="拱形 214">
+                <a:extLst>
+                  <a:ext uri="{FF2B5EF4-FFF2-40B4-BE49-F238E27FC236}">
+                    <a16:creationId xmlns:a16="http://schemas.microsoft.com/office/drawing/2014/main" id="{5ADBD4E9-AE95-5270-8318-EB82E5EB1F7A}"/>
+                  </a:ext>
+                </a:extLst>
+              </p:cNvPr>
+              <p:cNvSpPr/>
+              <p:nvPr/>
+            </p:nvSpPr>
+            <p:spPr>
+              <a:xfrm rot="5400000">
+                <a:off x="11493166" y="1628996"/>
+                <a:ext cx="576941" cy="161740"/>
+              </a:xfrm>
+              <a:prstGeom prst="blockArc">
+                <a:avLst/>
+              </a:prstGeom>
+            </p:spPr>
+            <p:style>
+              <a:lnRef idx="2">
+                <a:schemeClr val="dk1">
+                  <a:shade val="50000"/>
+                </a:schemeClr>
+              </a:lnRef>
+              <a:fillRef idx="1">
+                <a:schemeClr val="dk1"/>
+              </a:fillRef>
+              <a:effectRef idx="0">
+                <a:schemeClr val="dk1"/>
+              </a:effectRef>
+              <a:fontRef idx="minor">
+                <a:schemeClr val="lt1"/>
+              </a:fontRef>
+            </p:style>
+            <p:txBody>
+              <a:bodyPr rtlCol="0" anchor="ctr"/>
+              <a:lstStyle/>
+              <a:p>
+                <a:pPr algn="ctr"/>
+                <a:endParaRPr lang="zh-TW" altLang="en-US" sz="1400">
+                  <a:solidFill>
+                    <a:schemeClr val="tx1"/>
+                  </a:solidFill>
+                  <a:latin typeface="標楷體" panose="03000509000000000000" pitchFamily="65" charset="-120"/>
+                  <a:ea typeface="標楷體" panose="03000509000000000000" pitchFamily="65" charset="-120"/>
+                </a:endParaRPr>
+              </a:p>
+            </p:txBody>
+          </p:sp>
+          <p:sp>
+            <p:nvSpPr>
+              <p:cNvPr id="216" name="矩形 215">
+                <a:extLst>
+                  <a:ext uri="{FF2B5EF4-FFF2-40B4-BE49-F238E27FC236}">
+                    <a16:creationId xmlns:a16="http://schemas.microsoft.com/office/drawing/2014/main" id="{789F3CA3-EE2B-2EED-59C8-B7DF716C625D}"/>
+                  </a:ext>
+                </a:extLst>
+              </p:cNvPr>
+              <p:cNvSpPr/>
+              <p:nvPr/>
+            </p:nvSpPr>
+            <p:spPr>
+              <a:xfrm flipH="1">
+                <a:off x="11560779" y="1742874"/>
+                <a:ext cx="35795" cy="307327"/>
+              </a:xfrm>
+              <a:prstGeom prst="rect">
+                <a:avLst/>
+              </a:prstGeom>
+            </p:spPr>
+            <p:style>
+              <a:lnRef idx="2">
+                <a:schemeClr val="dk1">
+                  <a:shade val="50000"/>
+                </a:schemeClr>
+              </a:lnRef>
+              <a:fillRef idx="1">
+                <a:schemeClr val="dk1"/>
+              </a:fillRef>
+              <a:effectRef idx="0">
+                <a:schemeClr val="dk1"/>
+              </a:effectRef>
+              <a:fontRef idx="minor">
+                <a:schemeClr val="lt1"/>
+              </a:fontRef>
+            </p:style>
+            <p:txBody>
+              <a:bodyPr rtlCol="0" anchor="ctr"/>
+              <a:lstStyle/>
+              <a:p>
+                <a:pPr algn="ctr"/>
+                <a:endParaRPr lang="zh-TW" altLang="en-US" sz="1400">
+                  <a:latin typeface="標楷體" panose="03000509000000000000" pitchFamily="65" charset="-120"/>
+                  <a:ea typeface="標楷體" panose="03000509000000000000" pitchFamily="65" charset="-120"/>
+                </a:endParaRPr>
+              </a:p>
+            </p:txBody>
+          </p:sp>
+        </p:grpSp>
+        <p:sp>
+          <p:nvSpPr>
+            <p:cNvPr id="211" name="矩形: 圓角 3">
+              <a:extLst>
+                <a:ext uri="{FF2B5EF4-FFF2-40B4-BE49-F238E27FC236}">
+                  <a16:creationId xmlns:a16="http://schemas.microsoft.com/office/drawing/2014/main" id="{611F65A7-879A-2134-9B8A-7F4B9281C8A7}"/>
+                </a:ext>
+              </a:extLst>
+            </p:cNvPr>
+            <p:cNvSpPr/>
+            <p:nvPr/>
+          </p:nvSpPr>
+          <p:spPr>
+            <a:xfrm>
+              <a:off x="4995293" y="1570921"/>
+              <a:ext cx="1180791" cy="987597"/>
+            </a:xfrm>
+            <a:prstGeom prst="roundRect">
+              <a:avLst/>
+            </a:prstGeom>
+            <a:ln/>
+          </p:spPr>
+          <p:style>
+            <a:lnRef idx="1">
+              <a:schemeClr val="accent3"/>
+            </a:lnRef>
+            <a:fillRef idx="2">
+              <a:schemeClr val="accent3"/>
+            </a:fillRef>
+            <a:effectRef idx="1">
+              <a:schemeClr val="accent3"/>
+            </a:effectRef>
+            <a:fontRef idx="minor">
+              <a:schemeClr val="dk1"/>
+            </a:fontRef>
+          </p:style>
+          <p:txBody>
+            <a:bodyPr rtlCol="0" anchor="ctr"/>
+            <a:lstStyle/>
+            <a:p>
+              <a:pPr algn="ctr"/>
+              <a:r>
+                <a:rPr lang="en-US" altLang="zh-TW" sz="1400" dirty="0">
+                  <a:latin typeface="標楷體" panose="03000509000000000000" pitchFamily="65" charset="-120"/>
+                  <a:ea typeface="標楷體" panose="03000509000000000000" pitchFamily="65" charset="-120"/>
+                </a:rPr>
+                <a:t>Serial to Parallel</a:t>
+              </a:r>
+              <a:endParaRPr lang="zh-TW" altLang="en-US" sz="1400" dirty="0">
+                <a:latin typeface="標楷體" panose="03000509000000000000" pitchFamily="65" charset="-120"/>
+                <a:ea typeface="標楷體" panose="03000509000000000000" pitchFamily="65" charset="-120"/>
+              </a:endParaRPr>
+            </a:p>
+          </p:txBody>
+        </p:sp>
+      </p:grpSp>
+      <p:cxnSp>
+        <p:nvCxnSpPr>
+          <p:cNvPr id="221" name="直線單箭頭接點 220">
+            <a:extLst>
+              <a:ext uri="{FF2B5EF4-FFF2-40B4-BE49-F238E27FC236}">
+                <a16:creationId xmlns:a16="http://schemas.microsoft.com/office/drawing/2014/main" id="{322D0EA6-0F24-24D0-A90A-C69AB8DDD1C6}"/>
+              </a:ext>
+            </a:extLst>
+          </p:cNvPr>
+          <p:cNvCxnSpPr>
+            <a:cxnSpLocks/>
+          </p:cNvCxnSpPr>
+          <p:nvPr/>
+        </p:nvCxnSpPr>
+        <p:spPr>
+          <a:xfrm flipH="1">
+            <a:off x="10438849" y="5381981"/>
+            <a:ext cx="1055056" cy="7827"/>
+          </a:xfrm>
+          <a:prstGeom prst="straightConnector1">
+            <a:avLst/>
+          </a:prstGeom>
+          <a:ln>
+            <a:tailEnd type="triangle"/>
+          </a:ln>
+        </p:spPr>
+        <p:style>
+          <a:lnRef idx="1">
+            <a:schemeClr val="dk1"/>
+          </a:lnRef>
+          <a:fillRef idx="0">
+            <a:schemeClr val="dk1"/>
+          </a:fillRef>
+          <a:effectRef idx="0">
+            <a:schemeClr val="dk1"/>
+          </a:effectRef>
+          <a:fontRef idx="minor">
+            <a:schemeClr val="tx1"/>
+          </a:fontRef>
+        </p:style>
+      </p:cxnSp>
+      <p:sp>
+        <p:nvSpPr>
+          <p:cNvPr id="222" name="文字方塊 221">
+            <a:extLst>
+              <a:ext uri="{FF2B5EF4-FFF2-40B4-BE49-F238E27FC236}">
+                <a16:creationId xmlns:a16="http://schemas.microsoft.com/office/drawing/2014/main" id="{BCFBAF22-3AF3-E47C-B1CD-8A7CB9C3BF6C}"/>
+              </a:ext>
+            </a:extLst>
+          </p:cNvPr>
+          <p:cNvSpPr txBox="1"/>
+          <p:nvPr/>
+        </p:nvSpPr>
+        <p:spPr>
+          <a:xfrm>
+            <a:off x="10336533" y="5415376"/>
+            <a:ext cx="1192335" cy="307777"/>
+          </a:xfrm>
+          <a:prstGeom prst="rect">
+            <a:avLst/>
+          </a:prstGeom>
+          <a:noFill/>
+        </p:spPr>
+        <p:txBody>
+          <a:bodyPr wrap="square" rtlCol="0">
+            <a:spAutoFit/>
+          </a:bodyPr>
+          <a:lstStyle/>
+          <a:p>
+            <a:pPr algn="ctr"/>
+            <a:r>
+              <a:rPr lang="en-US" altLang="zh-TW" sz="1400" dirty="0">
+                <a:latin typeface="標楷體" panose="03000509000000000000" pitchFamily="65" charset="-120"/>
+                <a:ea typeface="標楷體" panose="03000509000000000000" pitchFamily="65" charset="-120"/>
+              </a:rPr>
+              <a:t>Signal</a:t>
+            </a:r>
+            <a:endParaRPr lang="zh-TW" altLang="en-US" sz="1400" dirty="0">
+              <a:latin typeface="標楷體" panose="03000509000000000000" pitchFamily="65" charset="-120"/>
+              <a:ea typeface="標楷體" panose="03000509000000000000" pitchFamily="65" charset="-120"/>
+            </a:endParaRPr>
+          </a:p>
+        </p:txBody>
+      </p:sp>
+      <p:sp>
+        <p:nvSpPr>
+          <p:cNvPr id="223" name="文字方塊 222">
+            <a:extLst>
+              <a:ext uri="{FF2B5EF4-FFF2-40B4-BE49-F238E27FC236}">
+                <a16:creationId xmlns:a16="http://schemas.microsoft.com/office/drawing/2014/main" id="{C3CDB88F-BAE1-0EA7-A561-F08283350130}"/>
+              </a:ext>
+            </a:extLst>
+          </p:cNvPr>
+          <p:cNvSpPr txBox="1"/>
+          <p:nvPr/>
+        </p:nvSpPr>
+        <p:spPr>
+          <a:xfrm>
+            <a:off x="10338225" y="5089469"/>
+            <a:ext cx="1192335" cy="307777"/>
+          </a:xfrm>
+          <a:prstGeom prst="rect">
+            <a:avLst/>
+          </a:prstGeom>
+          <a:noFill/>
+        </p:spPr>
+        <p:txBody>
+          <a:bodyPr wrap="square" rtlCol="0">
+            <a:spAutoFit/>
+          </a:bodyPr>
+          <a:lstStyle/>
+          <a:p>
+            <a:pPr algn="ctr"/>
+            <a:r>
+              <a:rPr lang="en-US" altLang="zh-TW" sz="1400" dirty="0">
+                <a:latin typeface="標楷體" panose="03000509000000000000" pitchFamily="65" charset="-120"/>
+                <a:ea typeface="標楷體" panose="03000509000000000000" pitchFamily="65" charset="-120"/>
+              </a:rPr>
+              <a:t>Received</a:t>
+            </a:r>
+            <a:endParaRPr lang="zh-TW" altLang="en-US" sz="1400" dirty="0">
+              <a:latin typeface="標楷體" panose="03000509000000000000" pitchFamily="65" charset="-120"/>
+              <a:ea typeface="標楷體" panose="03000509000000000000" pitchFamily="65" charset="-120"/>
+            </a:endParaRPr>
+          </a:p>
+        </p:txBody>
+      </p:sp>
+      <p:cxnSp>
+        <p:nvCxnSpPr>
+          <p:cNvPr id="224" name="直線單箭頭接點 223">
+            <a:extLst>
+              <a:ext uri="{FF2B5EF4-FFF2-40B4-BE49-F238E27FC236}">
+                <a16:creationId xmlns:a16="http://schemas.microsoft.com/office/drawing/2014/main" id="{B9E1AED6-2A8F-15C3-23EF-627224C5010B}"/>
+              </a:ext>
+            </a:extLst>
+          </p:cNvPr>
+          <p:cNvCxnSpPr>
+            <a:cxnSpLocks/>
+            <a:stCxn id="225" idx="1"/>
+            <a:endCxn id="251" idx="3"/>
+          </p:cNvCxnSpPr>
+          <p:nvPr/>
+        </p:nvCxnSpPr>
+        <p:spPr>
+          <a:xfrm flipH="1" flipV="1">
+            <a:off x="8444657" y="5326499"/>
+            <a:ext cx="881707" cy="15224"/>
+          </a:xfrm>
+          <a:prstGeom prst="straightConnector1">
+            <a:avLst/>
+          </a:prstGeom>
+          <a:ln>
+            <a:tailEnd type="triangle"/>
+          </a:ln>
+        </p:spPr>
+        <p:style>
+          <a:lnRef idx="1">
+            <a:schemeClr val="dk1"/>
+          </a:lnRef>
+          <a:fillRef idx="0">
+            <a:schemeClr val="dk1"/>
+          </a:fillRef>
+          <a:effectRef idx="0">
+            <a:schemeClr val="dk1"/>
+          </a:effectRef>
+          <a:fontRef idx="minor">
+            <a:schemeClr val="tx1"/>
+          </a:fontRef>
+        </p:style>
+      </p:cxnSp>
+      <p:sp>
+        <p:nvSpPr>
+          <p:cNvPr id="225" name="矩形: 圓角 39">
+            <a:extLst>
+              <a:ext uri="{FF2B5EF4-FFF2-40B4-BE49-F238E27FC236}">
+                <a16:creationId xmlns:a16="http://schemas.microsoft.com/office/drawing/2014/main" id="{FB510431-2EBB-2C6F-D37D-9EB8395790AA}"/>
+              </a:ext>
+            </a:extLst>
+          </p:cNvPr>
+          <p:cNvSpPr/>
+          <p:nvPr/>
+        </p:nvSpPr>
+        <p:spPr>
+          <a:xfrm>
+            <a:off x="9326364" y="4857858"/>
+            <a:ext cx="1148017" cy="967729"/>
+          </a:xfrm>
+          <a:prstGeom prst="roundRect">
+            <a:avLst>
+              <a:gd name="adj" fmla="val 0"/>
+            </a:avLst>
+          </a:prstGeom>
+          <a:ln/>
+        </p:spPr>
+        <p:style>
+          <a:lnRef idx="1">
+            <a:schemeClr val="accent3"/>
+          </a:lnRef>
+          <a:fillRef idx="2">
+            <a:schemeClr val="accent3"/>
+          </a:fillRef>
+          <a:effectRef idx="1">
+            <a:schemeClr val="accent3"/>
+          </a:effectRef>
+          <a:fontRef idx="minor">
+            <a:schemeClr val="dk1"/>
+          </a:fontRef>
+        </p:style>
+        <p:txBody>
+          <a:bodyPr rtlCol="0" anchor="ctr"/>
+          <a:lstStyle/>
+          <a:p>
+            <a:pPr algn="ctr"/>
+            <a:r>
+              <a:rPr lang="en-US" altLang="zh-TW" sz="1400" dirty="0">
+                <a:latin typeface="標楷體" panose="03000509000000000000" pitchFamily="65" charset="-120"/>
+                <a:ea typeface="標楷體" panose="03000509000000000000" pitchFamily="65" charset="-120"/>
+              </a:rPr>
+              <a:t>A/D Converter</a:t>
+            </a:r>
+            <a:endParaRPr lang="zh-TW" altLang="en-US" sz="1400" dirty="0">
+              <a:latin typeface="標楷體" panose="03000509000000000000" pitchFamily="65" charset="-120"/>
+              <a:ea typeface="標楷體" panose="03000509000000000000" pitchFamily="65" charset="-120"/>
+            </a:endParaRPr>
+          </a:p>
+        </p:txBody>
+      </p:sp>
+      <p:grpSp>
+        <p:nvGrpSpPr>
+          <p:cNvPr id="226" name="群組 225">
+            <a:extLst>
+              <a:ext uri="{FF2B5EF4-FFF2-40B4-BE49-F238E27FC236}">
+                <a16:creationId xmlns:a16="http://schemas.microsoft.com/office/drawing/2014/main" id="{25548BB4-C05C-2A07-011C-41DF6319327F}"/>
+              </a:ext>
+            </a:extLst>
+          </p:cNvPr>
+          <p:cNvGrpSpPr/>
+          <p:nvPr/>
+        </p:nvGrpSpPr>
+        <p:grpSpPr>
+          <a:xfrm>
+            <a:off x="4484588" y="3746657"/>
+            <a:ext cx="13336" cy="272070"/>
+            <a:chOff x="4598865" y="2791695"/>
+            <a:chExt cx="10516" cy="367296"/>
+          </a:xfrm>
+        </p:grpSpPr>
+        <mc:AlternateContent xmlns:mc="http://schemas.openxmlformats.org/markup-compatibility/2006" xmlns:p14="http://schemas.microsoft.com/office/powerpoint/2010/main">
+          <mc:Choice Requires="p14">
+            <p:contentPart p14:bwMode="auto" r:id="rId10">
+              <p14:nvContentPartPr>
+                <p14:cNvPr id="227" name="筆跡 226">
+                  <a:extLst>
+                    <a:ext uri="{FF2B5EF4-FFF2-40B4-BE49-F238E27FC236}">
+                      <a16:creationId xmlns:a16="http://schemas.microsoft.com/office/drawing/2014/main" id="{47510F6D-8371-F49B-EC09-A32FBCD84CE4}"/>
+                    </a:ext>
+                  </a:extLst>
+                </p14:cNvPr>
+                <p14:cNvContentPartPr/>
+                <p14:nvPr/>
+              </p14:nvContentPartPr>
+              <p14:xfrm>
+                <a:off x="4598865" y="2791695"/>
+                <a:ext cx="374" cy="2117"/>
+              </p14:xfrm>
+            </p:contentPart>
+          </mc:Choice>
+          <mc:Fallback xmlns="">
+            <p:pic>
+              <p:nvPicPr>
+                <p:cNvPr id="50" name="筆跡 49">
+                  <a:extLst>
+                    <a:ext uri="{FF2B5EF4-FFF2-40B4-BE49-F238E27FC236}">
+                      <a16:creationId xmlns:a16="http://schemas.microsoft.com/office/drawing/2014/main" id="{055A99C0-901F-841D-8D6D-C33C09A56C16}"/>
+                    </a:ext>
+                  </a:extLst>
+                </p:cNvPr>
+                <p:cNvPicPr/>
+                <p:nvPr/>
+              </p:nvPicPr>
+              <p:blipFill>
+                <a:blip r:embed="rId11"/>
+                <a:stretch>
+                  <a:fillRect/>
+                </a:stretch>
+              </p:blipFill>
+              <p:spPr>
+                <a:xfrm>
+                  <a:off x="4580165" y="2774053"/>
+                  <a:ext cx="37400" cy="37048"/>
+                </a:xfrm>
+                <a:prstGeom prst="rect">
+                  <a:avLst/>
+                </a:prstGeom>
+              </p:spPr>
+            </p:pic>
+          </mc:Fallback>
+        </mc:AlternateContent>
+        <mc:AlternateContent xmlns:mc="http://schemas.openxmlformats.org/markup-compatibility/2006" xmlns:p14="http://schemas.microsoft.com/office/powerpoint/2010/main">
+          <mc:Choice Requires="p14">
+            <p:contentPart p14:bwMode="auto" r:id="rId12">
+              <p14:nvContentPartPr>
+                <p14:cNvPr id="228" name="筆跡 227">
+                  <a:extLst>
+                    <a:ext uri="{FF2B5EF4-FFF2-40B4-BE49-F238E27FC236}">
+                      <a16:creationId xmlns:a16="http://schemas.microsoft.com/office/drawing/2014/main" id="{3D1F1215-2C4F-025A-60BB-EEB74C3DB58E}"/>
+                    </a:ext>
+                  </a:extLst>
+                </p14:cNvPr>
+                <p14:cNvContentPartPr/>
+                <p14:nvPr/>
+              </p14:nvContentPartPr>
+              <p14:xfrm>
+                <a:off x="4599239" y="2974449"/>
+                <a:ext cx="374" cy="353"/>
+              </p14:xfrm>
+            </p:contentPart>
+          </mc:Choice>
+          <mc:Fallback xmlns="">
+            <p:pic>
+              <p:nvPicPr>
+                <p:cNvPr id="51" name="筆跡 50">
+                  <a:extLst>
+                    <a:ext uri="{FF2B5EF4-FFF2-40B4-BE49-F238E27FC236}">
+                      <a16:creationId xmlns:a16="http://schemas.microsoft.com/office/drawing/2014/main" id="{3ED1C678-9FA1-D946-AF24-A7AD3B48335E}"/>
+                    </a:ext>
+                  </a:extLst>
+                </p:cNvPr>
+                <p:cNvPicPr/>
+                <p:nvPr/>
+              </p:nvPicPr>
+              <p:blipFill>
+                <a:blip r:embed="rId13"/>
+                <a:stretch>
+                  <a:fillRect/>
+                </a:stretch>
+              </p:blipFill>
+              <p:spPr>
+                <a:xfrm>
+                  <a:off x="4580539" y="2956799"/>
+                  <a:ext cx="37400" cy="35300"/>
+                </a:xfrm>
+                <a:prstGeom prst="rect">
+                  <a:avLst/>
+                </a:prstGeom>
+              </p:spPr>
+            </p:pic>
+          </mc:Fallback>
+        </mc:AlternateContent>
+        <mc:AlternateContent xmlns:mc="http://schemas.openxmlformats.org/markup-compatibility/2006" xmlns:p14="http://schemas.microsoft.com/office/powerpoint/2010/main">
+          <mc:Choice Requires="p14">
+            <p:contentPart p14:bwMode="auto" r:id="rId14">
+              <p14:nvContentPartPr>
+                <p14:cNvPr id="229" name="筆跡 228">
+                  <a:extLst>
+                    <a:ext uri="{FF2B5EF4-FFF2-40B4-BE49-F238E27FC236}">
+                      <a16:creationId xmlns:a16="http://schemas.microsoft.com/office/drawing/2014/main" id="{3C5C337E-3E13-9F3E-4968-E836F58C1D8C}"/>
+                    </a:ext>
+                  </a:extLst>
+                </p14:cNvPr>
+                <p14:cNvContentPartPr/>
+                <p14:nvPr/>
+              </p14:nvContentPartPr>
+              <p14:xfrm>
+                <a:off x="4609007" y="3158638"/>
+                <a:ext cx="374" cy="353"/>
+              </p14:xfrm>
+            </p:contentPart>
+          </mc:Choice>
+          <mc:Fallback xmlns="">
+            <p:pic>
+              <p:nvPicPr>
+                <p:cNvPr id="52" name="筆跡 51">
+                  <a:extLst>
+                    <a:ext uri="{FF2B5EF4-FFF2-40B4-BE49-F238E27FC236}">
+                      <a16:creationId xmlns:a16="http://schemas.microsoft.com/office/drawing/2014/main" id="{7FF98F7A-6899-C712-B4F7-9E756235907F}"/>
+                    </a:ext>
+                  </a:extLst>
+                </p:cNvPr>
+                <p:cNvPicPr/>
+                <p:nvPr/>
+              </p:nvPicPr>
+              <p:blipFill>
+                <a:blip r:embed="rId13"/>
+                <a:stretch>
+                  <a:fillRect/>
+                </a:stretch>
+              </p:blipFill>
+              <p:spPr>
+                <a:xfrm>
+                  <a:off x="4590307" y="3140988"/>
+                  <a:ext cx="37400" cy="35300"/>
+                </a:xfrm>
+                <a:prstGeom prst="rect">
+                  <a:avLst/>
+                </a:prstGeom>
+              </p:spPr>
+            </p:pic>
+          </mc:Fallback>
+        </mc:AlternateContent>
+      </p:grpSp>
+      <p:sp>
+        <p:nvSpPr>
+          <p:cNvPr id="230" name="矩形: 圓角 5">
+            <a:extLst>
+              <a:ext uri="{FF2B5EF4-FFF2-40B4-BE49-F238E27FC236}">
+                <a16:creationId xmlns:a16="http://schemas.microsoft.com/office/drawing/2014/main" id="{BBDE975E-C16B-7024-D203-5A270DFCDDCB}"/>
+              </a:ext>
+            </a:extLst>
+          </p:cNvPr>
+          <p:cNvSpPr/>
+          <p:nvPr/>
+        </p:nvSpPr>
+        <p:spPr>
+          <a:xfrm>
+            <a:off x="3626308" y="4888416"/>
+            <a:ext cx="1103312" cy="959949"/>
+          </a:xfrm>
+          <a:prstGeom prst="roundRect">
+            <a:avLst>
+              <a:gd name="adj" fmla="val 0"/>
+            </a:avLst>
+          </a:prstGeom>
+          <a:ln/>
+        </p:spPr>
+        <p:style>
+          <a:lnRef idx="1">
+            <a:schemeClr val="accent3"/>
+          </a:lnRef>
+          <a:fillRef idx="2">
+            <a:schemeClr val="accent3"/>
+          </a:fillRef>
+          <a:effectRef idx="1">
+            <a:schemeClr val="accent3"/>
+          </a:effectRef>
+          <a:fontRef idx="minor">
+            <a:schemeClr val="dk1"/>
+          </a:fontRef>
+        </p:style>
+        <p:txBody>
+          <a:bodyPr rtlCol="0" anchor="ctr"/>
+          <a:lstStyle/>
+          <a:p>
+            <a:pPr algn="ctr"/>
+            <a:r>
+              <a:rPr lang="en-US" altLang="zh-TW" sz="1400" dirty="0">
+                <a:latin typeface="標楷體" panose="03000509000000000000" pitchFamily="65" charset="-120"/>
+                <a:ea typeface="標楷體" panose="03000509000000000000" pitchFamily="65" charset="-120"/>
+              </a:rPr>
+              <a:t>OTSM</a:t>
+            </a:r>
+          </a:p>
+          <a:p>
+            <a:pPr algn="ctr"/>
+            <a:r>
+              <a:rPr lang="en-US" altLang="zh-TW" sz="1400" dirty="0">
+                <a:latin typeface="標楷體" panose="03000509000000000000" pitchFamily="65" charset="-120"/>
+                <a:ea typeface="標楷體" panose="03000509000000000000" pitchFamily="65" charset="-120"/>
+              </a:rPr>
+              <a:t>Demodulator</a:t>
+            </a:r>
+          </a:p>
+          <a:p>
+            <a:pPr algn="ctr"/>
+            <a:r>
+              <a:rPr lang="en-US" altLang="zh-TW" sz="1400" dirty="0" smtClean="0">
+                <a:latin typeface="標楷體" panose="03000509000000000000" pitchFamily="65" charset="-120"/>
+                <a:ea typeface="標楷體" panose="03000509000000000000" pitchFamily="65" charset="-120"/>
+              </a:rPr>
+              <a:t>(WHT)</a:t>
+            </a:r>
+            <a:endParaRPr lang="zh-TW" altLang="en-US" sz="1400" dirty="0">
+              <a:latin typeface="標楷體" panose="03000509000000000000" pitchFamily="65" charset="-120"/>
+              <a:ea typeface="標楷體" panose="03000509000000000000" pitchFamily="65" charset="-120"/>
+            </a:endParaRPr>
+          </a:p>
+        </p:txBody>
+      </p:sp>
+      <p:grpSp>
+        <p:nvGrpSpPr>
+          <p:cNvPr id="231" name="群組 230">
+            <a:extLst>
+              <a:ext uri="{FF2B5EF4-FFF2-40B4-BE49-F238E27FC236}">
+                <a16:creationId xmlns:a16="http://schemas.microsoft.com/office/drawing/2014/main" id="{BC6365FB-CD2F-FD34-494E-9BFE90BF024B}"/>
+              </a:ext>
+            </a:extLst>
+          </p:cNvPr>
+          <p:cNvGrpSpPr/>
+          <p:nvPr/>
+        </p:nvGrpSpPr>
+        <p:grpSpPr>
+          <a:xfrm>
+            <a:off x="3370323" y="5023457"/>
+            <a:ext cx="268793" cy="573446"/>
+            <a:chOff x="4930377" y="4861884"/>
+            <a:chExt cx="744592" cy="789989"/>
+          </a:xfrm>
+        </p:grpSpPr>
+        <p:cxnSp>
+          <p:nvCxnSpPr>
+            <p:cNvPr id="232" name="直線單箭頭接點 231">
+              <a:extLst>
+                <a:ext uri="{FF2B5EF4-FFF2-40B4-BE49-F238E27FC236}">
+                  <a16:creationId xmlns:a16="http://schemas.microsoft.com/office/drawing/2014/main" id="{2228DC45-78A6-8168-3DB8-5D9DA0728408}"/>
+                </a:ext>
+              </a:extLst>
+            </p:cNvPr>
+            <p:cNvCxnSpPr>
+              <a:cxnSpLocks/>
+            </p:cNvCxnSpPr>
+            <p:nvPr/>
+          </p:nvCxnSpPr>
+          <p:spPr>
+            <a:xfrm flipH="1">
+              <a:off x="4930378" y="4861884"/>
+              <a:ext cx="729343" cy="0"/>
+            </a:xfrm>
+            <a:prstGeom prst="straightConnector1">
+              <a:avLst/>
+            </a:prstGeom>
+            <a:ln>
+              <a:tailEnd type="triangle"/>
+            </a:ln>
+          </p:spPr>
+          <p:style>
+            <a:lnRef idx="1">
+              <a:schemeClr val="dk1"/>
+            </a:lnRef>
+            <a:fillRef idx="0">
+              <a:schemeClr val="dk1"/>
+            </a:fillRef>
+            <a:effectRef idx="0">
+              <a:schemeClr val="dk1"/>
+            </a:effectRef>
+            <a:fontRef idx="minor">
+              <a:schemeClr val="tx1"/>
+            </a:fontRef>
+          </p:style>
+        </p:cxnSp>
+        <p:cxnSp>
+          <p:nvCxnSpPr>
+            <p:cNvPr id="233" name="直線單箭頭接點 232">
+              <a:extLst>
+                <a:ext uri="{FF2B5EF4-FFF2-40B4-BE49-F238E27FC236}">
+                  <a16:creationId xmlns:a16="http://schemas.microsoft.com/office/drawing/2014/main" id="{105307BE-5C91-8995-3E81-49B3A5F97250}"/>
+                </a:ext>
+              </a:extLst>
+            </p:cNvPr>
+            <p:cNvCxnSpPr>
+              <a:cxnSpLocks/>
+            </p:cNvCxnSpPr>
+            <p:nvPr/>
+          </p:nvCxnSpPr>
+          <p:spPr>
+            <a:xfrm flipH="1">
+              <a:off x="4945626" y="5046550"/>
+              <a:ext cx="729343" cy="0"/>
+            </a:xfrm>
+            <a:prstGeom prst="straightConnector1">
+              <a:avLst/>
+            </a:prstGeom>
+            <a:ln>
+              <a:tailEnd type="triangle"/>
+            </a:ln>
+          </p:spPr>
+          <p:style>
+            <a:lnRef idx="1">
+              <a:schemeClr val="dk1"/>
+            </a:lnRef>
+            <a:fillRef idx="0">
+              <a:schemeClr val="dk1"/>
+            </a:fillRef>
+            <a:effectRef idx="0">
+              <a:schemeClr val="dk1"/>
+            </a:effectRef>
+            <a:fontRef idx="minor">
+              <a:schemeClr val="tx1"/>
+            </a:fontRef>
+          </p:style>
+        </p:cxnSp>
+        <p:cxnSp>
+          <p:nvCxnSpPr>
+            <p:cNvPr id="234" name="直線單箭頭接點 233">
+              <a:extLst>
+                <a:ext uri="{FF2B5EF4-FFF2-40B4-BE49-F238E27FC236}">
+                  <a16:creationId xmlns:a16="http://schemas.microsoft.com/office/drawing/2014/main" id="{9793ACCC-6542-E72E-48A1-57F01A33638D}"/>
+                </a:ext>
+              </a:extLst>
+            </p:cNvPr>
+            <p:cNvCxnSpPr>
+              <a:cxnSpLocks/>
+            </p:cNvCxnSpPr>
+            <p:nvPr/>
+          </p:nvCxnSpPr>
+          <p:spPr>
+            <a:xfrm flipH="1">
+              <a:off x="4945626" y="5194674"/>
+              <a:ext cx="729343" cy="0"/>
+            </a:xfrm>
+            <a:prstGeom prst="straightConnector1">
+              <a:avLst/>
+            </a:prstGeom>
+            <a:ln>
+              <a:tailEnd type="triangle"/>
+            </a:ln>
+          </p:spPr>
+          <p:style>
+            <a:lnRef idx="1">
+              <a:schemeClr val="dk1"/>
+            </a:lnRef>
+            <a:fillRef idx="0">
+              <a:schemeClr val="dk1"/>
+            </a:fillRef>
+            <a:effectRef idx="0">
+              <a:schemeClr val="dk1"/>
+            </a:effectRef>
+            <a:fontRef idx="minor">
+              <a:schemeClr val="tx1"/>
+            </a:fontRef>
+          </p:style>
+        </p:cxnSp>
+        <p:cxnSp>
+          <p:nvCxnSpPr>
+            <p:cNvPr id="235" name="直線單箭頭接點 234">
+              <a:extLst>
+                <a:ext uri="{FF2B5EF4-FFF2-40B4-BE49-F238E27FC236}">
+                  <a16:creationId xmlns:a16="http://schemas.microsoft.com/office/drawing/2014/main" id="{50A785D1-FC04-5662-A9AA-A34FB9424942}"/>
+                </a:ext>
+              </a:extLst>
+            </p:cNvPr>
+            <p:cNvCxnSpPr>
+              <a:cxnSpLocks/>
+            </p:cNvCxnSpPr>
+            <p:nvPr/>
+          </p:nvCxnSpPr>
+          <p:spPr>
+            <a:xfrm flipH="1">
+              <a:off x="4930377" y="5651873"/>
+              <a:ext cx="729343" cy="0"/>
+            </a:xfrm>
+            <a:prstGeom prst="straightConnector1">
+              <a:avLst/>
+            </a:prstGeom>
+            <a:ln>
+              <a:tailEnd type="triangle"/>
+            </a:ln>
+          </p:spPr>
+          <p:style>
+            <a:lnRef idx="1">
+              <a:schemeClr val="dk1"/>
+            </a:lnRef>
+            <a:fillRef idx="0">
+              <a:schemeClr val="dk1"/>
+            </a:fillRef>
+            <a:effectRef idx="0">
+              <a:schemeClr val="dk1"/>
+            </a:effectRef>
+            <a:fontRef idx="minor">
+              <a:schemeClr val="tx1"/>
+            </a:fontRef>
+          </p:style>
+        </p:cxnSp>
+        <mc:AlternateContent xmlns:mc="http://schemas.openxmlformats.org/markup-compatibility/2006" xmlns:p14="http://schemas.microsoft.com/office/powerpoint/2010/main">
+          <mc:Choice Requires="p14">
+            <p:contentPart p14:bwMode="auto" r:id="rId15">
+              <p14:nvContentPartPr>
+                <p14:cNvPr id="236" name="筆跡 235">
+                  <a:extLst>
+                    <a:ext uri="{FF2B5EF4-FFF2-40B4-BE49-F238E27FC236}">
+                      <a16:creationId xmlns:a16="http://schemas.microsoft.com/office/drawing/2014/main" id="{D07E618E-E7AB-E9F9-FAB3-432C864A90A6}"/>
+                    </a:ext>
+                  </a:extLst>
+                </p14:cNvPr>
+                <p14:cNvContentPartPr/>
+                <p14:nvPr/>
+              </p14:nvContentPartPr>
+              <p14:xfrm>
+                <a:off x="5339671" y="5272006"/>
+                <a:ext cx="0" cy="1587"/>
+              </p14:xfrm>
+            </p:contentPart>
+          </mc:Choice>
+          <mc:Fallback xmlns="">
+            <p:pic>
+              <p:nvPicPr>
+                <p:cNvPr id="251" name="筆跡 250">
+                  <a:extLst>
+                    <a:ext uri="{FF2B5EF4-FFF2-40B4-BE49-F238E27FC236}">
+                      <a16:creationId xmlns:a16="http://schemas.microsoft.com/office/drawing/2014/main" id="{E0977EA9-E961-416A-B603-883FCE55EB0E}"/>
+                    </a:ext>
+                  </a:extLst>
+                </p:cNvPr>
+                <p:cNvPicPr/>
+                <p:nvPr/>
+              </p:nvPicPr>
+              <p:blipFill>
+                <a:blip r:embed="rId16"/>
+                <a:stretch>
+                  <a:fillRect/>
+                </a:stretch>
+              </p:blipFill>
+              <p:spPr>
+                <a:xfrm>
+                  <a:off x="5339671" y="5253755"/>
+                  <a:ext cx="0" cy="38088"/>
+                </a:xfrm>
+                <a:prstGeom prst="rect">
+                  <a:avLst/>
+                </a:prstGeom>
+              </p:spPr>
+            </p:pic>
+          </mc:Fallback>
+        </mc:AlternateContent>
+        <mc:AlternateContent xmlns:mc="http://schemas.openxmlformats.org/markup-compatibility/2006" xmlns:p14="http://schemas.microsoft.com/office/powerpoint/2010/main">
+          <mc:Choice Requires="p14">
+            <p:contentPart p14:bwMode="auto" r:id="rId17">
+              <p14:nvContentPartPr>
+                <p14:cNvPr id="237" name="筆跡 236">
+                  <a:extLst>
+                    <a:ext uri="{FF2B5EF4-FFF2-40B4-BE49-F238E27FC236}">
+                      <a16:creationId xmlns:a16="http://schemas.microsoft.com/office/drawing/2014/main" id="{981D29EB-DBD4-C6AF-F96F-E99037636F1E}"/>
+                    </a:ext>
+                  </a:extLst>
+                </p14:cNvPr>
+                <p14:cNvContentPartPr/>
+                <p14:nvPr/>
+              </p14:nvContentPartPr>
+              <p14:xfrm>
+                <a:off x="5339671" y="5558467"/>
+                <a:ext cx="0" cy="1587"/>
+              </p14:xfrm>
+            </p:contentPart>
+          </mc:Choice>
+          <mc:Fallback xmlns="">
+            <p:pic>
+              <p:nvPicPr>
+                <p:cNvPr id="253" name="筆跡 252">
+                  <a:extLst>
+                    <a:ext uri="{FF2B5EF4-FFF2-40B4-BE49-F238E27FC236}">
+                      <a16:creationId xmlns:a16="http://schemas.microsoft.com/office/drawing/2014/main" id="{BA6117AC-0DBE-C2CD-E403-5D73D4ECF589}"/>
+                    </a:ext>
+                  </a:extLst>
+                </p:cNvPr>
+                <p:cNvPicPr/>
+                <p:nvPr/>
+              </p:nvPicPr>
+              <p:blipFill>
+                <a:blip r:embed="rId16"/>
+                <a:stretch>
+                  <a:fillRect/>
+                </a:stretch>
+              </p:blipFill>
+              <p:spPr>
+                <a:xfrm>
+                  <a:off x="5339671" y="5540216"/>
+                  <a:ext cx="0" cy="38088"/>
+                </a:xfrm>
+                <a:prstGeom prst="rect">
+                  <a:avLst/>
+                </a:prstGeom>
+              </p:spPr>
+            </p:pic>
+          </mc:Fallback>
+        </mc:AlternateContent>
+        <mc:AlternateContent xmlns:mc="http://schemas.openxmlformats.org/markup-compatibility/2006" xmlns:p14="http://schemas.microsoft.com/office/powerpoint/2010/main">
+          <mc:Choice Requires="p14">
+            <p:contentPart p14:bwMode="auto" r:id="rId18">
+              <p14:nvContentPartPr>
+                <p14:cNvPr id="238" name="筆跡 237">
+                  <a:extLst>
+                    <a:ext uri="{FF2B5EF4-FFF2-40B4-BE49-F238E27FC236}">
+                      <a16:creationId xmlns:a16="http://schemas.microsoft.com/office/drawing/2014/main" id="{F9580FFD-A897-6116-F9FD-D89B52E8E96F}"/>
+                    </a:ext>
+                  </a:extLst>
+                </p14:cNvPr>
+                <p14:cNvContentPartPr/>
+                <p14:nvPr/>
+              </p14:nvContentPartPr>
+              <p14:xfrm>
+                <a:off x="5339671" y="5418219"/>
+                <a:ext cx="0" cy="1587"/>
+              </p14:xfrm>
+            </p:contentPart>
+          </mc:Choice>
+          <mc:Fallback xmlns="">
+            <p:pic>
+              <p:nvPicPr>
+                <p:cNvPr id="256" name="筆跡 255">
+                  <a:extLst>
+                    <a:ext uri="{FF2B5EF4-FFF2-40B4-BE49-F238E27FC236}">
+                      <a16:creationId xmlns:a16="http://schemas.microsoft.com/office/drawing/2014/main" id="{26AC9547-0FB6-2467-E336-13E082ACDEE7}"/>
+                    </a:ext>
+                  </a:extLst>
+                </p:cNvPr>
+                <p:cNvPicPr/>
+                <p:nvPr/>
+              </p:nvPicPr>
+              <p:blipFill>
+                <a:blip r:embed="rId16"/>
+                <a:stretch>
+                  <a:fillRect/>
+                </a:stretch>
+              </p:blipFill>
+              <p:spPr>
+                <a:xfrm>
+                  <a:off x="5339671" y="5399968"/>
+                  <a:ext cx="0" cy="38088"/>
+                </a:xfrm>
+                <a:prstGeom prst="rect">
+                  <a:avLst/>
+                </a:prstGeom>
+              </p:spPr>
+            </p:pic>
+          </mc:Fallback>
+        </mc:AlternateContent>
+      </p:grpSp>
+      <p:grpSp>
+        <p:nvGrpSpPr>
+          <p:cNvPr id="239" name="群組 238">
+            <a:extLst>
+              <a:ext uri="{FF2B5EF4-FFF2-40B4-BE49-F238E27FC236}">
+                <a16:creationId xmlns:a16="http://schemas.microsoft.com/office/drawing/2014/main" id="{FA17186E-C655-71E6-42F2-E2591F9D6589}"/>
+              </a:ext>
+            </a:extLst>
+          </p:cNvPr>
+          <p:cNvGrpSpPr/>
+          <p:nvPr/>
+        </p:nvGrpSpPr>
+        <p:grpSpPr>
+          <a:xfrm flipH="1">
+            <a:off x="4348982" y="2224852"/>
+            <a:ext cx="633110" cy="573446"/>
+            <a:chOff x="4930377" y="4861884"/>
+            <a:chExt cx="744592" cy="789989"/>
+          </a:xfrm>
+        </p:grpSpPr>
+        <p:cxnSp>
+          <p:nvCxnSpPr>
+            <p:cNvPr id="240" name="直線單箭頭接點 239">
+              <a:extLst>
+                <a:ext uri="{FF2B5EF4-FFF2-40B4-BE49-F238E27FC236}">
+                  <a16:creationId xmlns:a16="http://schemas.microsoft.com/office/drawing/2014/main" id="{98C4D0AE-73F1-9DCA-3C41-338848D6B0A4}"/>
+                </a:ext>
+              </a:extLst>
+            </p:cNvPr>
+            <p:cNvCxnSpPr>
+              <a:cxnSpLocks/>
+            </p:cNvCxnSpPr>
+            <p:nvPr/>
+          </p:nvCxnSpPr>
+          <p:spPr>
+            <a:xfrm flipH="1">
+              <a:off x="4930378" y="4861884"/>
+              <a:ext cx="729343" cy="0"/>
+            </a:xfrm>
+            <a:prstGeom prst="straightConnector1">
+              <a:avLst/>
+            </a:prstGeom>
+            <a:ln>
+              <a:tailEnd type="triangle"/>
+            </a:ln>
+          </p:spPr>
+          <p:style>
+            <a:lnRef idx="1">
+              <a:schemeClr val="dk1"/>
+            </a:lnRef>
+            <a:fillRef idx="0">
+              <a:schemeClr val="dk1"/>
+            </a:fillRef>
+            <a:effectRef idx="0">
+              <a:schemeClr val="dk1"/>
+            </a:effectRef>
+            <a:fontRef idx="minor">
+              <a:schemeClr val="tx1"/>
+            </a:fontRef>
+          </p:style>
+        </p:cxnSp>
+        <p:cxnSp>
+          <p:nvCxnSpPr>
+            <p:cNvPr id="241" name="直線單箭頭接點 240">
+              <a:extLst>
+                <a:ext uri="{FF2B5EF4-FFF2-40B4-BE49-F238E27FC236}">
+                  <a16:creationId xmlns:a16="http://schemas.microsoft.com/office/drawing/2014/main" id="{1ABE36CF-2E93-C4CD-6EB6-ED2C0C2AF925}"/>
+                </a:ext>
+              </a:extLst>
+            </p:cNvPr>
+            <p:cNvCxnSpPr>
+              <a:cxnSpLocks/>
+            </p:cNvCxnSpPr>
+            <p:nvPr/>
+          </p:nvCxnSpPr>
+          <p:spPr>
+            <a:xfrm flipH="1">
+              <a:off x="4945626" y="5046550"/>
+              <a:ext cx="729343" cy="0"/>
+            </a:xfrm>
+            <a:prstGeom prst="straightConnector1">
+              <a:avLst/>
+            </a:prstGeom>
+            <a:ln>
+              <a:tailEnd type="triangle"/>
+            </a:ln>
+          </p:spPr>
+          <p:style>
+            <a:lnRef idx="1">
+              <a:schemeClr val="dk1"/>
+            </a:lnRef>
+            <a:fillRef idx="0">
+              <a:schemeClr val="dk1"/>
+            </a:fillRef>
+            <a:effectRef idx="0">
+              <a:schemeClr val="dk1"/>
+            </a:effectRef>
+            <a:fontRef idx="minor">
+              <a:schemeClr val="tx1"/>
+            </a:fontRef>
+          </p:style>
+        </p:cxnSp>
+        <p:cxnSp>
+          <p:nvCxnSpPr>
+            <p:cNvPr id="242" name="直線單箭頭接點 241">
+              <a:extLst>
+                <a:ext uri="{FF2B5EF4-FFF2-40B4-BE49-F238E27FC236}">
+                  <a16:creationId xmlns:a16="http://schemas.microsoft.com/office/drawing/2014/main" id="{473028CA-A66C-4E87-3BA3-738C1FBA0091}"/>
+                </a:ext>
+              </a:extLst>
+            </p:cNvPr>
+            <p:cNvCxnSpPr>
+              <a:cxnSpLocks/>
+            </p:cNvCxnSpPr>
+            <p:nvPr/>
+          </p:nvCxnSpPr>
+          <p:spPr>
+            <a:xfrm flipH="1">
+              <a:off x="4945626" y="5194674"/>
+              <a:ext cx="729343" cy="0"/>
+            </a:xfrm>
+            <a:prstGeom prst="straightConnector1">
+              <a:avLst/>
+            </a:prstGeom>
+            <a:ln>
+              <a:tailEnd type="triangle"/>
+            </a:ln>
+          </p:spPr>
+          <p:style>
+            <a:lnRef idx="1">
+              <a:schemeClr val="dk1"/>
+            </a:lnRef>
+            <a:fillRef idx="0">
+              <a:schemeClr val="dk1"/>
+            </a:fillRef>
+            <a:effectRef idx="0">
+              <a:schemeClr val="dk1"/>
+            </a:effectRef>
+            <a:fontRef idx="minor">
+              <a:schemeClr val="tx1"/>
+            </a:fontRef>
+          </p:style>
+        </p:cxnSp>
+        <p:cxnSp>
+          <p:nvCxnSpPr>
+            <p:cNvPr id="243" name="直線單箭頭接點 242">
+              <a:extLst>
+                <a:ext uri="{FF2B5EF4-FFF2-40B4-BE49-F238E27FC236}">
+                  <a16:creationId xmlns:a16="http://schemas.microsoft.com/office/drawing/2014/main" id="{B158E78A-9547-7949-402C-037C751813C2}"/>
+                </a:ext>
+              </a:extLst>
+            </p:cNvPr>
+            <p:cNvCxnSpPr>
+              <a:cxnSpLocks/>
+            </p:cNvCxnSpPr>
+            <p:nvPr/>
+          </p:nvCxnSpPr>
+          <p:spPr>
+            <a:xfrm flipH="1">
+              <a:off x="4930377" y="5651873"/>
+              <a:ext cx="729343" cy="0"/>
+            </a:xfrm>
+            <a:prstGeom prst="straightConnector1">
+              <a:avLst/>
+            </a:prstGeom>
+            <a:ln>
+              <a:tailEnd type="triangle"/>
+            </a:ln>
+          </p:spPr>
+          <p:style>
+            <a:lnRef idx="1">
+              <a:schemeClr val="dk1"/>
+            </a:lnRef>
+            <a:fillRef idx="0">
+              <a:schemeClr val="dk1"/>
+            </a:fillRef>
+            <a:effectRef idx="0">
+              <a:schemeClr val="dk1"/>
+            </a:effectRef>
+            <a:fontRef idx="minor">
+              <a:schemeClr val="tx1"/>
+            </a:fontRef>
+          </p:style>
+        </p:cxnSp>
+        <mc:AlternateContent xmlns:mc="http://schemas.openxmlformats.org/markup-compatibility/2006" xmlns:p14="http://schemas.microsoft.com/office/powerpoint/2010/main">
+          <mc:Choice Requires="p14">
+            <p:contentPart p14:bwMode="auto" r:id="rId19">
+              <p14:nvContentPartPr>
+                <p14:cNvPr id="244" name="筆跡 243">
+                  <a:extLst>
+                    <a:ext uri="{FF2B5EF4-FFF2-40B4-BE49-F238E27FC236}">
+                      <a16:creationId xmlns:a16="http://schemas.microsoft.com/office/drawing/2014/main" id="{38E81D33-B81E-F89A-4553-67CFA74D9525}"/>
+                    </a:ext>
+                  </a:extLst>
+                </p14:cNvPr>
+                <p14:cNvContentPartPr/>
+                <p14:nvPr/>
+              </p14:nvContentPartPr>
+              <p14:xfrm>
+                <a:off x="5339671" y="5272006"/>
+                <a:ext cx="0" cy="1587"/>
+              </p14:xfrm>
+            </p:contentPart>
+          </mc:Choice>
+          <mc:Fallback xmlns="">
+            <p:pic>
+              <p:nvPicPr>
+                <p:cNvPr id="251" name="筆跡 250">
+                  <a:extLst>
+                    <a:ext uri="{FF2B5EF4-FFF2-40B4-BE49-F238E27FC236}">
+                      <a16:creationId xmlns:a16="http://schemas.microsoft.com/office/drawing/2014/main" id="{E0977EA9-E961-416A-B603-883FCE55EB0E}"/>
+                    </a:ext>
+                  </a:extLst>
+                </p:cNvPr>
+                <p:cNvPicPr/>
+                <p:nvPr/>
+              </p:nvPicPr>
+              <p:blipFill>
+                <a:blip r:embed="rId16"/>
+                <a:stretch>
+                  <a:fillRect/>
+                </a:stretch>
+              </p:blipFill>
+              <p:spPr>
+                <a:xfrm>
+                  <a:off x="5339671" y="5253755"/>
+                  <a:ext cx="0" cy="38088"/>
+                </a:xfrm>
+                <a:prstGeom prst="rect">
+                  <a:avLst/>
+                </a:prstGeom>
+              </p:spPr>
+            </p:pic>
+          </mc:Fallback>
+        </mc:AlternateContent>
+        <mc:AlternateContent xmlns:mc="http://schemas.openxmlformats.org/markup-compatibility/2006" xmlns:p14="http://schemas.microsoft.com/office/powerpoint/2010/main">
+          <mc:Choice Requires="p14">
+            <p:contentPart p14:bwMode="auto" r:id="rId20">
+              <p14:nvContentPartPr>
+                <p14:cNvPr id="245" name="筆跡 244">
+                  <a:extLst>
+                    <a:ext uri="{FF2B5EF4-FFF2-40B4-BE49-F238E27FC236}">
+                      <a16:creationId xmlns:a16="http://schemas.microsoft.com/office/drawing/2014/main" id="{157276EF-FE81-C063-FFDC-BEAD624EE6F4}"/>
+                    </a:ext>
+                  </a:extLst>
+                </p14:cNvPr>
+                <p14:cNvContentPartPr/>
+                <p14:nvPr/>
+              </p14:nvContentPartPr>
+              <p14:xfrm>
+                <a:off x="5339671" y="5558467"/>
+                <a:ext cx="0" cy="1587"/>
+              </p14:xfrm>
+            </p:contentPart>
+          </mc:Choice>
+          <mc:Fallback xmlns="">
+            <p:pic>
+              <p:nvPicPr>
+                <p:cNvPr id="253" name="筆跡 252">
+                  <a:extLst>
+                    <a:ext uri="{FF2B5EF4-FFF2-40B4-BE49-F238E27FC236}">
+                      <a16:creationId xmlns:a16="http://schemas.microsoft.com/office/drawing/2014/main" id="{BA6117AC-0DBE-C2CD-E403-5D73D4ECF589}"/>
+                    </a:ext>
+                  </a:extLst>
+                </p:cNvPr>
+                <p:cNvPicPr/>
+                <p:nvPr/>
+              </p:nvPicPr>
+              <p:blipFill>
+                <a:blip r:embed="rId16"/>
+                <a:stretch>
+                  <a:fillRect/>
+                </a:stretch>
+              </p:blipFill>
+              <p:spPr>
+                <a:xfrm>
+                  <a:off x="5339671" y="5540216"/>
+                  <a:ext cx="0" cy="38088"/>
+                </a:xfrm>
+                <a:prstGeom prst="rect">
+                  <a:avLst/>
+                </a:prstGeom>
+              </p:spPr>
+            </p:pic>
+          </mc:Fallback>
+        </mc:AlternateContent>
+        <mc:AlternateContent xmlns:mc="http://schemas.openxmlformats.org/markup-compatibility/2006" xmlns:p14="http://schemas.microsoft.com/office/powerpoint/2010/main">
+          <mc:Choice Requires="p14">
+            <p:contentPart p14:bwMode="auto" r:id="rId21">
+              <p14:nvContentPartPr>
+                <p14:cNvPr id="246" name="筆跡 245">
+                  <a:extLst>
+                    <a:ext uri="{FF2B5EF4-FFF2-40B4-BE49-F238E27FC236}">
+                      <a16:creationId xmlns:a16="http://schemas.microsoft.com/office/drawing/2014/main" id="{52EDAF8F-7D19-85F9-F2E9-B341C5FD1F94}"/>
+                    </a:ext>
+                  </a:extLst>
+                </p14:cNvPr>
+                <p14:cNvContentPartPr/>
+                <p14:nvPr/>
+              </p14:nvContentPartPr>
+              <p14:xfrm>
+                <a:off x="5339671" y="5418219"/>
+                <a:ext cx="0" cy="1587"/>
+              </p14:xfrm>
+            </p:contentPart>
+          </mc:Choice>
+          <mc:Fallback xmlns="">
+            <p:pic>
+              <p:nvPicPr>
+                <p:cNvPr id="256" name="筆跡 255">
+                  <a:extLst>
+                    <a:ext uri="{FF2B5EF4-FFF2-40B4-BE49-F238E27FC236}">
+                      <a16:creationId xmlns:a16="http://schemas.microsoft.com/office/drawing/2014/main" id="{26AC9547-0FB6-2467-E336-13E082ACDEE7}"/>
+                    </a:ext>
+                  </a:extLst>
+                </p:cNvPr>
+                <p:cNvPicPr/>
+                <p:nvPr/>
+              </p:nvPicPr>
+              <p:blipFill>
+                <a:blip r:embed="rId16"/>
+                <a:stretch>
+                  <a:fillRect/>
+                </a:stretch>
+              </p:blipFill>
+              <p:spPr>
+                <a:xfrm>
+                  <a:off x="5339671" y="5399968"/>
+                  <a:ext cx="0" cy="38088"/>
+                </a:xfrm>
+                <a:prstGeom prst="rect">
+                  <a:avLst/>
+                </a:prstGeom>
+              </p:spPr>
+            </p:pic>
+          </mc:Fallback>
+        </mc:AlternateContent>
+      </p:grpSp>
+      <p:cxnSp>
+        <p:nvCxnSpPr>
+          <p:cNvPr id="247" name="直線單箭頭接點 246">
+            <a:extLst>
+              <a:ext uri="{FF2B5EF4-FFF2-40B4-BE49-F238E27FC236}">
+                <a16:creationId xmlns:a16="http://schemas.microsoft.com/office/drawing/2014/main" id="{F72A38A8-0F37-A1BF-EA49-D27D267074BA}"/>
+              </a:ext>
+            </a:extLst>
+          </p:cNvPr>
+          <p:cNvCxnSpPr>
+            <a:cxnSpLocks/>
+          </p:cNvCxnSpPr>
+          <p:nvPr/>
+        </p:nvCxnSpPr>
+        <p:spPr>
+          <a:xfrm flipH="1">
+            <a:off x="424695" y="5333331"/>
+            <a:ext cx="723514" cy="0"/>
+          </a:xfrm>
+          <a:prstGeom prst="straightConnector1">
+            <a:avLst/>
+          </a:prstGeom>
+          <a:ln>
+            <a:tailEnd type="triangle"/>
+          </a:ln>
+        </p:spPr>
+        <p:style>
+          <a:lnRef idx="1">
+            <a:schemeClr val="dk1"/>
+          </a:lnRef>
+          <a:fillRef idx="0">
+            <a:schemeClr val="dk1"/>
+          </a:fillRef>
+          <a:effectRef idx="0">
+            <a:schemeClr val="dk1"/>
+          </a:effectRef>
+          <a:fontRef idx="minor">
+            <a:schemeClr val="tx1"/>
+          </a:fontRef>
+        </p:style>
+      </p:cxnSp>
+      <p:sp>
+        <p:nvSpPr>
+          <p:cNvPr id="248" name="文字方塊 247">
+            <a:extLst>
+              <a:ext uri="{FF2B5EF4-FFF2-40B4-BE49-F238E27FC236}">
+                <a16:creationId xmlns:a16="http://schemas.microsoft.com/office/drawing/2014/main" id="{DD86B121-774E-6225-FE8B-73B5634220EA}"/>
+              </a:ext>
+            </a:extLst>
+          </p:cNvPr>
+          <p:cNvSpPr txBox="1"/>
+          <p:nvPr/>
+        </p:nvSpPr>
+        <p:spPr>
+          <a:xfrm>
+            <a:off x="232627" y="5038012"/>
+            <a:ext cx="877995" cy="307777"/>
+          </a:xfrm>
+          <a:prstGeom prst="rect">
+            <a:avLst/>
+          </a:prstGeom>
+          <a:noFill/>
+        </p:spPr>
+        <p:txBody>
+          <a:bodyPr wrap="square" rtlCol="0">
+            <a:spAutoFit/>
+          </a:bodyPr>
+          <a:lstStyle/>
+          <a:p>
+            <a:pPr algn="ctr"/>
+            <a:r>
+              <a:rPr lang="en-US" altLang="zh-TW" sz="1400" dirty="0">
+                <a:latin typeface="標楷體" panose="03000509000000000000" pitchFamily="65" charset="-120"/>
+                <a:ea typeface="標楷體" panose="03000509000000000000" pitchFamily="65" charset="-120"/>
+              </a:rPr>
+              <a:t>Output</a:t>
+            </a:r>
+          </a:p>
+        </p:txBody>
+      </p:sp>
       <p:pic>
         <p:nvPicPr>
-          <p:cNvPr id="4" name="圖片 3">
+          <p:cNvPr id="249" name="圖片 248">
             <a:extLst>
               <a:ext uri="{FF2B5EF4-FFF2-40B4-BE49-F238E27FC236}">
-                <a16:creationId xmlns:a16="http://schemas.microsoft.com/office/drawing/2014/main" id="{ADFD0B25-40C1-403D-B1B0-14080707D670}"/>
+                <a16:creationId xmlns:a16="http://schemas.microsoft.com/office/drawing/2014/main" id="{215BAD8A-45C1-B0AE-EDC6-44C3DF89481B}"/>
               </a:ext>
             </a:extLst>
           </p:cNvPr>
@@ -32425,21 +35104,1958 @@
           <p:nvPr/>
         </p:nvPicPr>
         <p:blipFill>
-          <a:blip r:embed="rId10"/>
+          <a:blip r:embed="rId22"/>
           <a:stretch>
             <a:fillRect/>
           </a:stretch>
         </p:blipFill>
         <p:spPr>
           <a:xfrm>
-            <a:off x="531812" y="1594454"/>
-            <a:ext cx="11469884" cy="5080983"/>
+            <a:off x="7258691" y="5217625"/>
+            <a:ext cx="828120" cy="240943"/>
           </a:xfrm>
           <a:prstGeom prst="rect">
             <a:avLst/>
           </a:prstGeom>
         </p:spPr>
       </p:pic>
+      <p:sp>
+        <p:nvSpPr>
+          <p:cNvPr id="250" name="矩形: 圓角 79">
+            <a:extLst>
+              <a:ext uri="{FF2B5EF4-FFF2-40B4-BE49-F238E27FC236}">
+                <a16:creationId xmlns:a16="http://schemas.microsoft.com/office/drawing/2014/main" id="{980AA60F-B664-161C-37A7-E71F77A9E06F}"/>
+              </a:ext>
+            </a:extLst>
+          </p:cNvPr>
+          <p:cNvSpPr/>
+          <p:nvPr/>
+        </p:nvSpPr>
+        <p:spPr>
+          <a:xfrm>
+            <a:off x="2359375" y="4898060"/>
+            <a:ext cx="1010394" cy="956046"/>
+          </a:xfrm>
+          <a:prstGeom prst="roundRect">
+            <a:avLst>
+              <a:gd name="adj" fmla="val 0"/>
+            </a:avLst>
+          </a:prstGeom>
+          <a:ln/>
+        </p:spPr>
+        <p:style>
+          <a:lnRef idx="1">
+            <a:schemeClr val="accent3"/>
+          </a:lnRef>
+          <a:fillRef idx="2">
+            <a:schemeClr val="accent3"/>
+          </a:fillRef>
+          <a:effectRef idx="1">
+            <a:schemeClr val="accent3"/>
+          </a:effectRef>
+          <a:fontRef idx="minor">
+            <a:schemeClr val="dk1"/>
+          </a:fontRef>
+        </p:style>
+        <p:txBody>
+          <a:bodyPr rtlCol="0" anchor="ctr"/>
+          <a:lstStyle/>
+          <a:p>
+            <a:pPr algn="ctr"/>
+            <a:r>
+              <a:rPr lang="en-US" altLang="zh-TW" sz="1400" dirty="0">
+                <a:latin typeface="標楷體" panose="03000509000000000000" pitchFamily="65" charset="-120"/>
+                <a:ea typeface="標楷體" panose="03000509000000000000" pitchFamily="65" charset="-120"/>
+              </a:rPr>
+              <a:t>EQ</a:t>
+            </a:r>
+          </a:p>
+        </p:txBody>
+      </p:sp>
+      <p:sp>
+        <p:nvSpPr>
+          <p:cNvPr id="251" name="矩形: 圓角 78">
+            <a:extLst>
+              <a:ext uri="{FF2B5EF4-FFF2-40B4-BE49-F238E27FC236}">
+                <a16:creationId xmlns:a16="http://schemas.microsoft.com/office/drawing/2014/main" id="{9DBE714B-8986-821D-71FC-3EC009CDB473}"/>
+              </a:ext>
+            </a:extLst>
+          </p:cNvPr>
+          <p:cNvSpPr/>
+          <p:nvPr/>
+        </p:nvSpPr>
+        <p:spPr>
+          <a:xfrm>
+            <a:off x="7567665" y="4846524"/>
+            <a:ext cx="876992" cy="959949"/>
+          </a:xfrm>
+          <a:prstGeom prst="roundRect">
+            <a:avLst>
+              <a:gd name="adj" fmla="val 0"/>
+            </a:avLst>
+          </a:prstGeom>
+          <a:ln/>
+        </p:spPr>
+        <p:style>
+          <a:lnRef idx="1">
+            <a:schemeClr val="accent3"/>
+          </a:lnRef>
+          <a:fillRef idx="2">
+            <a:schemeClr val="accent3"/>
+          </a:fillRef>
+          <a:effectRef idx="1">
+            <a:schemeClr val="accent3"/>
+          </a:effectRef>
+          <a:fontRef idx="minor">
+            <a:schemeClr val="dk1"/>
+          </a:fontRef>
+        </p:style>
+        <p:txBody>
+          <a:bodyPr rtlCol="0" anchor="ctr"/>
+          <a:lstStyle/>
+          <a:p>
+            <a:pPr algn="ctr"/>
+            <a:r>
+              <a:rPr lang="en-US" altLang="zh-TW" sz="1400" dirty="0">
+                <a:latin typeface="標楷體" panose="03000509000000000000" pitchFamily="65" charset="-120"/>
+                <a:ea typeface="標楷體" panose="03000509000000000000" pitchFamily="65" charset="-120"/>
+              </a:rPr>
+              <a:t>Sync</a:t>
+            </a:r>
+          </a:p>
+        </p:txBody>
+      </p:sp>
+      <p:sp>
+        <p:nvSpPr>
+          <p:cNvPr id="252" name="文字方塊 251">
+            <a:extLst>
+              <a:ext uri="{FF2B5EF4-FFF2-40B4-BE49-F238E27FC236}">
+                <a16:creationId xmlns:a16="http://schemas.microsoft.com/office/drawing/2014/main" id="{37C52970-AD1B-D058-22B1-997BBABA7BFB}"/>
+              </a:ext>
+            </a:extLst>
+          </p:cNvPr>
+          <p:cNvSpPr txBox="1"/>
+          <p:nvPr/>
+        </p:nvSpPr>
+        <p:spPr>
+          <a:xfrm>
+            <a:off x="104075" y="5330400"/>
+            <a:ext cx="1126159" cy="307777"/>
+          </a:xfrm>
+          <a:prstGeom prst="rect">
+            <a:avLst/>
+          </a:prstGeom>
+          <a:noFill/>
+        </p:spPr>
+        <p:txBody>
+          <a:bodyPr wrap="square" rtlCol="0">
+            <a:spAutoFit/>
+          </a:bodyPr>
+          <a:lstStyle/>
+          <a:p>
+            <a:pPr algn="ctr"/>
+            <a:r>
+              <a:rPr lang="en-US" altLang="zh-TW" sz="1400" dirty="0">
+                <a:latin typeface="標楷體" panose="03000509000000000000" pitchFamily="65" charset="-120"/>
+                <a:ea typeface="標楷體" panose="03000509000000000000" pitchFamily="65" charset="-120"/>
+              </a:rPr>
+              <a:t>Symbols</a:t>
+            </a:r>
+          </a:p>
+        </p:txBody>
+      </p:sp>
+      <p:grpSp>
+        <p:nvGrpSpPr>
+          <p:cNvPr id="253" name="群組 252">
+            <a:extLst>
+              <a:ext uri="{FF2B5EF4-FFF2-40B4-BE49-F238E27FC236}">
+                <a16:creationId xmlns:a16="http://schemas.microsoft.com/office/drawing/2014/main" id="{4CF0BBFF-EFF0-5B7E-6843-15691EA86AE3}"/>
+              </a:ext>
+            </a:extLst>
+          </p:cNvPr>
+          <p:cNvGrpSpPr/>
+          <p:nvPr/>
+        </p:nvGrpSpPr>
+        <p:grpSpPr>
+          <a:xfrm>
+            <a:off x="2034119" y="5140573"/>
+            <a:ext cx="320803" cy="573446"/>
+            <a:chOff x="4930377" y="4861884"/>
+            <a:chExt cx="744592" cy="789989"/>
+          </a:xfrm>
+        </p:grpSpPr>
+        <p:cxnSp>
+          <p:nvCxnSpPr>
+            <p:cNvPr id="254" name="直線單箭頭接點 253">
+              <a:extLst>
+                <a:ext uri="{FF2B5EF4-FFF2-40B4-BE49-F238E27FC236}">
+                  <a16:creationId xmlns:a16="http://schemas.microsoft.com/office/drawing/2014/main" id="{BFFDA795-5172-3F56-C222-CF9AF1205FE1}"/>
+                </a:ext>
+              </a:extLst>
+            </p:cNvPr>
+            <p:cNvCxnSpPr>
+              <a:cxnSpLocks/>
+            </p:cNvCxnSpPr>
+            <p:nvPr/>
+          </p:nvCxnSpPr>
+          <p:spPr>
+            <a:xfrm flipH="1">
+              <a:off x="4930378" y="4861884"/>
+              <a:ext cx="729343" cy="0"/>
+            </a:xfrm>
+            <a:prstGeom prst="straightConnector1">
+              <a:avLst/>
+            </a:prstGeom>
+            <a:ln>
+              <a:tailEnd type="triangle"/>
+            </a:ln>
+          </p:spPr>
+          <p:style>
+            <a:lnRef idx="1">
+              <a:schemeClr val="dk1"/>
+            </a:lnRef>
+            <a:fillRef idx="0">
+              <a:schemeClr val="dk1"/>
+            </a:fillRef>
+            <a:effectRef idx="0">
+              <a:schemeClr val="dk1"/>
+            </a:effectRef>
+            <a:fontRef idx="minor">
+              <a:schemeClr val="tx1"/>
+            </a:fontRef>
+          </p:style>
+        </p:cxnSp>
+        <p:cxnSp>
+          <p:nvCxnSpPr>
+            <p:cNvPr id="255" name="直線單箭頭接點 254">
+              <a:extLst>
+                <a:ext uri="{FF2B5EF4-FFF2-40B4-BE49-F238E27FC236}">
+                  <a16:creationId xmlns:a16="http://schemas.microsoft.com/office/drawing/2014/main" id="{FF0D3925-1C9C-2EAA-5E13-A0DAA27BF037}"/>
+                </a:ext>
+              </a:extLst>
+            </p:cNvPr>
+            <p:cNvCxnSpPr>
+              <a:cxnSpLocks/>
+            </p:cNvCxnSpPr>
+            <p:nvPr/>
+          </p:nvCxnSpPr>
+          <p:spPr>
+            <a:xfrm flipH="1">
+              <a:off x="4945626" y="5046550"/>
+              <a:ext cx="729343" cy="0"/>
+            </a:xfrm>
+            <a:prstGeom prst="straightConnector1">
+              <a:avLst/>
+            </a:prstGeom>
+            <a:ln>
+              <a:tailEnd type="triangle"/>
+            </a:ln>
+          </p:spPr>
+          <p:style>
+            <a:lnRef idx="1">
+              <a:schemeClr val="dk1"/>
+            </a:lnRef>
+            <a:fillRef idx="0">
+              <a:schemeClr val="dk1"/>
+            </a:fillRef>
+            <a:effectRef idx="0">
+              <a:schemeClr val="dk1"/>
+            </a:effectRef>
+            <a:fontRef idx="minor">
+              <a:schemeClr val="tx1"/>
+            </a:fontRef>
+          </p:style>
+        </p:cxnSp>
+        <p:cxnSp>
+          <p:nvCxnSpPr>
+            <p:cNvPr id="256" name="直線單箭頭接點 255">
+              <a:extLst>
+                <a:ext uri="{FF2B5EF4-FFF2-40B4-BE49-F238E27FC236}">
+                  <a16:creationId xmlns:a16="http://schemas.microsoft.com/office/drawing/2014/main" id="{A7FC4D06-9F1C-AAF7-0D72-20432419E811}"/>
+                </a:ext>
+              </a:extLst>
+            </p:cNvPr>
+            <p:cNvCxnSpPr>
+              <a:cxnSpLocks/>
+            </p:cNvCxnSpPr>
+            <p:nvPr/>
+          </p:nvCxnSpPr>
+          <p:spPr>
+            <a:xfrm flipH="1">
+              <a:off x="4945626" y="5194674"/>
+              <a:ext cx="729343" cy="0"/>
+            </a:xfrm>
+            <a:prstGeom prst="straightConnector1">
+              <a:avLst/>
+            </a:prstGeom>
+            <a:ln>
+              <a:tailEnd type="triangle"/>
+            </a:ln>
+          </p:spPr>
+          <p:style>
+            <a:lnRef idx="1">
+              <a:schemeClr val="dk1"/>
+            </a:lnRef>
+            <a:fillRef idx="0">
+              <a:schemeClr val="dk1"/>
+            </a:fillRef>
+            <a:effectRef idx="0">
+              <a:schemeClr val="dk1"/>
+            </a:effectRef>
+            <a:fontRef idx="minor">
+              <a:schemeClr val="tx1"/>
+            </a:fontRef>
+          </p:style>
+        </p:cxnSp>
+        <p:cxnSp>
+          <p:nvCxnSpPr>
+            <p:cNvPr id="257" name="直線單箭頭接點 256">
+              <a:extLst>
+                <a:ext uri="{FF2B5EF4-FFF2-40B4-BE49-F238E27FC236}">
+                  <a16:creationId xmlns:a16="http://schemas.microsoft.com/office/drawing/2014/main" id="{D25125BC-ABC6-537F-D503-F48E05AC65AD}"/>
+                </a:ext>
+              </a:extLst>
+            </p:cNvPr>
+            <p:cNvCxnSpPr>
+              <a:cxnSpLocks/>
+            </p:cNvCxnSpPr>
+            <p:nvPr/>
+          </p:nvCxnSpPr>
+          <p:spPr>
+            <a:xfrm flipH="1">
+              <a:off x="4930377" y="5651873"/>
+              <a:ext cx="729343" cy="0"/>
+            </a:xfrm>
+            <a:prstGeom prst="straightConnector1">
+              <a:avLst/>
+            </a:prstGeom>
+            <a:ln>
+              <a:tailEnd type="triangle"/>
+            </a:ln>
+          </p:spPr>
+          <p:style>
+            <a:lnRef idx="1">
+              <a:schemeClr val="dk1"/>
+            </a:lnRef>
+            <a:fillRef idx="0">
+              <a:schemeClr val="dk1"/>
+            </a:fillRef>
+            <a:effectRef idx="0">
+              <a:schemeClr val="dk1"/>
+            </a:effectRef>
+            <a:fontRef idx="minor">
+              <a:schemeClr val="tx1"/>
+            </a:fontRef>
+          </p:style>
+        </p:cxnSp>
+        <mc:AlternateContent xmlns:mc="http://schemas.openxmlformats.org/markup-compatibility/2006" xmlns:p14="http://schemas.microsoft.com/office/powerpoint/2010/main">
+          <mc:Choice Requires="p14">
+            <p:contentPart p14:bwMode="auto" r:id="rId23">
+              <p14:nvContentPartPr>
+                <p14:cNvPr id="258" name="筆跡 257">
+                  <a:extLst>
+                    <a:ext uri="{FF2B5EF4-FFF2-40B4-BE49-F238E27FC236}">
+                      <a16:creationId xmlns:a16="http://schemas.microsoft.com/office/drawing/2014/main" id="{A5D16349-D271-307D-F661-08D2038CEB4C}"/>
+                    </a:ext>
+                  </a:extLst>
+                </p14:cNvPr>
+                <p14:cNvContentPartPr/>
+                <p14:nvPr/>
+              </p14:nvContentPartPr>
+              <p14:xfrm>
+                <a:off x="5339671" y="5272006"/>
+                <a:ext cx="0" cy="1587"/>
+              </p14:xfrm>
+            </p:contentPart>
+          </mc:Choice>
+          <mc:Fallback xmlns="">
+            <p:pic>
+              <p:nvPicPr>
+                <p:cNvPr id="251" name="筆跡 250">
+                  <a:extLst>
+                    <a:ext uri="{FF2B5EF4-FFF2-40B4-BE49-F238E27FC236}">
+                      <a16:creationId xmlns:a16="http://schemas.microsoft.com/office/drawing/2014/main" id="{E0977EA9-E961-416A-B603-883FCE55EB0E}"/>
+                    </a:ext>
+                  </a:extLst>
+                </p:cNvPr>
+                <p:cNvPicPr/>
+                <p:nvPr/>
+              </p:nvPicPr>
+              <p:blipFill>
+                <a:blip r:embed="rId16"/>
+                <a:stretch>
+                  <a:fillRect/>
+                </a:stretch>
+              </p:blipFill>
+              <p:spPr>
+                <a:xfrm>
+                  <a:off x="5339671" y="5253755"/>
+                  <a:ext cx="0" cy="38088"/>
+                </a:xfrm>
+                <a:prstGeom prst="rect">
+                  <a:avLst/>
+                </a:prstGeom>
+              </p:spPr>
+            </p:pic>
+          </mc:Fallback>
+        </mc:AlternateContent>
+        <mc:AlternateContent xmlns:mc="http://schemas.openxmlformats.org/markup-compatibility/2006" xmlns:p14="http://schemas.microsoft.com/office/powerpoint/2010/main">
+          <mc:Choice Requires="p14">
+            <p:contentPart p14:bwMode="auto" r:id="rId24">
+              <p14:nvContentPartPr>
+                <p14:cNvPr id="259" name="筆跡 258">
+                  <a:extLst>
+                    <a:ext uri="{FF2B5EF4-FFF2-40B4-BE49-F238E27FC236}">
+                      <a16:creationId xmlns:a16="http://schemas.microsoft.com/office/drawing/2014/main" id="{2118F96B-6CCD-A59B-6C25-DD81FCFD8FEC}"/>
+                    </a:ext>
+                  </a:extLst>
+                </p14:cNvPr>
+                <p14:cNvContentPartPr/>
+                <p14:nvPr/>
+              </p14:nvContentPartPr>
+              <p14:xfrm>
+                <a:off x="5339671" y="5558467"/>
+                <a:ext cx="0" cy="1587"/>
+              </p14:xfrm>
+            </p:contentPart>
+          </mc:Choice>
+          <mc:Fallback xmlns="">
+            <p:pic>
+              <p:nvPicPr>
+                <p:cNvPr id="253" name="筆跡 252">
+                  <a:extLst>
+                    <a:ext uri="{FF2B5EF4-FFF2-40B4-BE49-F238E27FC236}">
+                      <a16:creationId xmlns:a16="http://schemas.microsoft.com/office/drawing/2014/main" id="{BA6117AC-0DBE-C2CD-E403-5D73D4ECF589}"/>
+                    </a:ext>
+                  </a:extLst>
+                </p:cNvPr>
+                <p:cNvPicPr/>
+                <p:nvPr/>
+              </p:nvPicPr>
+              <p:blipFill>
+                <a:blip r:embed="rId16"/>
+                <a:stretch>
+                  <a:fillRect/>
+                </a:stretch>
+              </p:blipFill>
+              <p:spPr>
+                <a:xfrm>
+                  <a:off x="5339671" y="5540216"/>
+                  <a:ext cx="0" cy="38088"/>
+                </a:xfrm>
+                <a:prstGeom prst="rect">
+                  <a:avLst/>
+                </a:prstGeom>
+              </p:spPr>
+            </p:pic>
+          </mc:Fallback>
+        </mc:AlternateContent>
+        <mc:AlternateContent xmlns:mc="http://schemas.openxmlformats.org/markup-compatibility/2006" xmlns:p14="http://schemas.microsoft.com/office/powerpoint/2010/main">
+          <mc:Choice Requires="p14">
+            <p:contentPart p14:bwMode="auto" r:id="rId25">
+              <p14:nvContentPartPr>
+                <p14:cNvPr id="260" name="筆跡 259">
+                  <a:extLst>
+                    <a:ext uri="{FF2B5EF4-FFF2-40B4-BE49-F238E27FC236}">
+                      <a16:creationId xmlns:a16="http://schemas.microsoft.com/office/drawing/2014/main" id="{26EB6773-975A-DEFC-2F2E-A0BEA1F960D3}"/>
+                    </a:ext>
+                  </a:extLst>
+                </p14:cNvPr>
+                <p14:cNvContentPartPr/>
+                <p14:nvPr/>
+              </p14:nvContentPartPr>
+              <p14:xfrm>
+                <a:off x="5339671" y="5418219"/>
+                <a:ext cx="0" cy="1587"/>
+              </p14:xfrm>
+            </p:contentPart>
+          </mc:Choice>
+          <mc:Fallback xmlns="">
+            <p:pic>
+              <p:nvPicPr>
+                <p:cNvPr id="256" name="筆跡 255">
+                  <a:extLst>
+                    <a:ext uri="{FF2B5EF4-FFF2-40B4-BE49-F238E27FC236}">
+                      <a16:creationId xmlns:a16="http://schemas.microsoft.com/office/drawing/2014/main" id="{26AC9547-0FB6-2467-E336-13E082ACDEE7}"/>
+                    </a:ext>
+                  </a:extLst>
+                </p:cNvPr>
+                <p:cNvPicPr/>
+                <p:nvPr/>
+              </p:nvPicPr>
+              <p:blipFill>
+                <a:blip r:embed="rId16"/>
+                <a:stretch>
+                  <a:fillRect/>
+                </a:stretch>
+              </p:blipFill>
+              <p:spPr>
+                <a:xfrm>
+                  <a:off x="5339671" y="5399968"/>
+                  <a:ext cx="0" cy="38088"/>
+                </a:xfrm>
+                <a:prstGeom prst="rect">
+                  <a:avLst/>
+                </a:prstGeom>
+              </p:spPr>
+            </p:pic>
+          </mc:Fallback>
+        </mc:AlternateContent>
+      </p:grpSp>
+      <p:grpSp>
+        <p:nvGrpSpPr>
+          <p:cNvPr id="261" name="群組 260">
+            <a:extLst>
+              <a:ext uri="{FF2B5EF4-FFF2-40B4-BE49-F238E27FC236}">
+                <a16:creationId xmlns:a16="http://schemas.microsoft.com/office/drawing/2014/main" id="{F6C141A0-9C31-91A6-4BDA-10A4B4849E91}"/>
+              </a:ext>
+            </a:extLst>
+          </p:cNvPr>
+          <p:cNvGrpSpPr/>
+          <p:nvPr/>
+        </p:nvGrpSpPr>
+        <p:grpSpPr>
+          <a:xfrm flipH="1">
+            <a:off x="2366844" y="2252125"/>
+            <a:ext cx="807041" cy="573446"/>
+            <a:chOff x="4930377" y="4861884"/>
+            <a:chExt cx="744592" cy="789989"/>
+          </a:xfrm>
+        </p:grpSpPr>
+        <p:cxnSp>
+          <p:nvCxnSpPr>
+            <p:cNvPr id="262" name="直線單箭頭接點 261">
+              <a:extLst>
+                <a:ext uri="{FF2B5EF4-FFF2-40B4-BE49-F238E27FC236}">
+                  <a16:creationId xmlns:a16="http://schemas.microsoft.com/office/drawing/2014/main" id="{53C89F91-E6BF-CED0-DB3D-CFBFA06FF625}"/>
+                </a:ext>
+              </a:extLst>
+            </p:cNvPr>
+            <p:cNvCxnSpPr>
+              <a:cxnSpLocks/>
+            </p:cNvCxnSpPr>
+            <p:nvPr/>
+          </p:nvCxnSpPr>
+          <p:spPr>
+            <a:xfrm flipH="1">
+              <a:off x="4930378" y="4861884"/>
+              <a:ext cx="729343" cy="0"/>
+            </a:xfrm>
+            <a:prstGeom prst="straightConnector1">
+              <a:avLst/>
+            </a:prstGeom>
+            <a:ln>
+              <a:tailEnd type="triangle"/>
+            </a:ln>
+          </p:spPr>
+          <p:style>
+            <a:lnRef idx="1">
+              <a:schemeClr val="dk1"/>
+            </a:lnRef>
+            <a:fillRef idx="0">
+              <a:schemeClr val="dk1"/>
+            </a:fillRef>
+            <a:effectRef idx="0">
+              <a:schemeClr val="dk1"/>
+            </a:effectRef>
+            <a:fontRef idx="minor">
+              <a:schemeClr val="tx1"/>
+            </a:fontRef>
+          </p:style>
+        </p:cxnSp>
+        <p:cxnSp>
+          <p:nvCxnSpPr>
+            <p:cNvPr id="263" name="直線單箭頭接點 262">
+              <a:extLst>
+                <a:ext uri="{FF2B5EF4-FFF2-40B4-BE49-F238E27FC236}">
+                  <a16:creationId xmlns:a16="http://schemas.microsoft.com/office/drawing/2014/main" id="{AB2B155F-54EB-93FA-3F5D-470D1DA18EF3}"/>
+                </a:ext>
+              </a:extLst>
+            </p:cNvPr>
+            <p:cNvCxnSpPr>
+              <a:cxnSpLocks/>
+            </p:cNvCxnSpPr>
+            <p:nvPr/>
+          </p:nvCxnSpPr>
+          <p:spPr>
+            <a:xfrm flipH="1">
+              <a:off x="4945626" y="5046550"/>
+              <a:ext cx="729343" cy="0"/>
+            </a:xfrm>
+            <a:prstGeom prst="straightConnector1">
+              <a:avLst/>
+            </a:prstGeom>
+            <a:ln>
+              <a:tailEnd type="triangle"/>
+            </a:ln>
+          </p:spPr>
+          <p:style>
+            <a:lnRef idx="1">
+              <a:schemeClr val="dk1"/>
+            </a:lnRef>
+            <a:fillRef idx="0">
+              <a:schemeClr val="dk1"/>
+            </a:fillRef>
+            <a:effectRef idx="0">
+              <a:schemeClr val="dk1"/>
+            </a:effectRef>
+            <a:fontRef idx="minor">
+              <a:schemeClr val="tx1"/>
+            </a:fontRef>
+          </p:style>
+        </p:cxnSp>
+        <p:cxnSp>
+          <p:nvCxnSpPr>
+            <p:cNvPr id="264" name="直線單箭頭接點 263">
+              <a:extLst>
+                <a:ext uri="{FF2B5EF4-FFF2-40B4-BE49-F238E27FC236}">
+                  <a16:creationId xmlns:a16="http://schemas.microsoft.com/office/drawing/2014/main" id="{D44B6937-C505-31A9-5203-584F8A32FC0E}"/>
+                </a:ext>
+              </a:extLst>
+            </p:cNvPr>
+            <p:cNvCxnSpPr>
+              <a:cxnSpLocks/>
+            </p:cNvCxnSpPr>
+            <p:nvPr/>
+          </p:nvCxnSpPr>
+          <p:spPr>
+            <a:xfrm flipH="1">
+              <a:off x="4945626" y="5194674"/>
+              <a:ext cx="729343" cy="0"/>
+            </a:xfrm>
+            <a:prstGeom prst="straightConnector1">
+              <a:avLst/>
+            </a:prstGeom>
+            <a:ln>
+              <a:tailEnd type="triangle"/>
+            </a:ln>
+          </p:spPr>
+          <p:style>
+            <a:lnRef idx="1">
+              <a:schemeClr val="dk1"/>
+            </a:lnRef>
+            <a:fillRef idx="0">
+              <a:schemeClr val="dk1"/>
+            </a:fillRef>
+            <a:effectRef idx="0">
+              <a:schemeClr val="dk1"/>
+            </a:effectRef>
+            <a:fontRef idx="minor">
+              <a:schemeClr val="tx1"/>
+            </a:fontRef>
+          </p:style>
+        </p:cxnSp>
+        <p:cxnSp>
+          <p:nvCxnSpPr>
+            <p:cNvPr id="265" name="直線單箭頭接點 264">
+              <a:extLst>
+                <a:ext uri="{FF2B5EF4-FFF2-40B4-BE49-F238E27FC236}">
+                  <a16:creationId xmlns:a16="http://schemas.microsoft.com/office/drawing/2014/main" id="{32F7E5CF-0442-4820-DF55-CD15FD3E03C2}"/>
+                </a:ext>
+              </a:extLst>
+            </p:cNvPr>
+            <p:cNvCxnSpPr>
+              <a:cxnSpLocks/>
+            </p:cNvCxnSpPr>
+            <p:nvPr/>
+          </p:nvCxnSpPr>
+          <p:spPr>
+            <a:xfrm flipH="1">
+              <a:off x="4930377" y="5651873"/>
+              <a:ext cx="729343" cy="0"/>
+            </a:xfrm>
+            <a:prstGeom prst="straightConnector1">
+              <a:avLst/>
+            </a:prstGeom>
+            <a:ln>
+              <a:tailEnd type="triangle"/>
+            </a:ln>
+          </p:spPr>
+          <p:style>
+            <a:lnRef idx="1">
+              <a:schemeClr val="dk1"/>
+            </a:lnRef>
+            <a:fillRef idx="0">
+              <a:schemeClr val="dk1"/>
+            </a:fillRef>
+            <a:effectRef idx="0">
+              <a:schemeClr val="dk1"/>
+            </a:effectRef>
+            <a:fontRef idx="minor">
+              <a:schemeClr val="tx1"/>
+            </a:fontRef>
+          </p:style>
+        </p:cxnSp>
+        <mc:AlternateContent xmlns:mc="http://schemas.openxmlformats.org/markup-compatibility/2006" xmlns:p14="http://schemas.microsoft.com/office/powerpoint/2010/main">
+          <mc:Choice Requires="p14">
+            <p:contentPart p14:bwMode="auto" r:id="rId26">
+              <p14:nvContentPartPr>
+                <p14:cNvPr id="266" name="筆跡 265">
+                  <a:extLst>
+                    <a:ext uri="{FF2B5EF4-FFF2-40B4-BE49-F238E27FC236}">
+                      <a16:creationId xmlns:a16="http://schemas.microsoft.com/office/drawing/2014/main" id="{46A06151-B1B6-3BC3-AEB7-6BE17802C51F}"/>
+                    </a:ext>
+                  </a:extLst>
+                </p14:cNvPr>
+                <p14:cNvContentPartPr/>
+                <p14:nvPr/>
+              </p14:nvContentPartPr>
+              <p14:xfrm>
+                <a:off x="5339671" y="5272006"/>
+                <a:ext cx="0" cy="1587"/>
+              </p14:xfrm>
+            </p:contentPart>
+          </mc:Choice>
+          <mc:Fallback xmlns="">
+            <p:pic>
+              <p:nvPicPr>
+                <p:cNvPr id="251" name="筆跡 250">
+                  <a:extLst>
+                    <a:ext uri="{FF2B5EF4-FFF2-40B4-BE49-F238E27FC236}">
+                      <a16:creationId xmlns:a16="http://schemas.microsoft.com/office/drawing/2014/main" id="{E0977EA9-E961-416A-B603-883FCE55EB0E}"/>
+                    </a:ext>
+                  </a:extLst>
+                </p:cNvPr>
+                <p:cNvPicPr/>
+                <p:nvPr/>
+              </p:nvPicPr>
+              <p:blipFill>
+                <a:blip r:embed="rId16"/>
+                <a:stretch>
+                  <a:fillRect/>
+                </a:stretch>
+              </p:blipFill>
+              <p:spPr>
+                <a:xfrm>
+                  <a:off x="5339671" y="5253755"/>
+                  <a:ext cx="0" cy="38088"/>
+                </a:xfrm>
+                <a:prstGeom prst="rect">
+                  <a:avLst/>
+                </a:prstGeom>
+              </p:spPr>
+            </p:pic>
+          </mc:Fallback>
+        </mc:AlternateContent>
+        <mc:AlternateContent xmlns:mc="http://schemas.openxmlformats.org/markup-compatibility/2006" xmlns:p14="http://schemas.microsoft.com/office/powerpoint/2010/main">
+          <mc:Choice Requires="p14">
+            <p:contentPart p14:bwMode="auto" r:id="rId27">
+              <p14:nvContentPartPr>
+                <p14:cNvPr id="267" name="筆跡 266">
+                  <a:extLst>
+                    <a:ext uri="{FF2B5EF4-FFF2-40B4-BE49-F238E27FC236}">
+                      <a16:creationId xmlns:a16="http://schemas.microsoft.com/office/drawing/2014/main" id="{EBAA0A8E-87E6-BE8E-86AC-42C204D8DDBB}"/>
+                    </a:ext>
+                  </a:extLst>
+                </p14:cNvPr>
+                <p14:cNvContentPartPr/>
+                <p14:nvPr/>
+              </p14:nvContentPartPr>
+              <p14:xfrm>
+                <a:off x="5339671" y="5558467"/>
+                <a:ext cx="0" cy="1587"/>
+              </p14:xfrm>
+            </p:contentPart>
+          </mc:Choice>
+          <mc:Fallback xmlns="">
+            <p:pic>
+              <p:nvPicPr>
+                <p:cNvPr id="253" name="筆跡 252">
+                  <a:extLst>
+                    <a:ext uri="{FF2B5EF4-FFF2-40B4-BE49-F238E27FC236}">
+                      <a16:creationId xmlns:a16="http://schemas.microsoft.com/office/drawing/2014/main" id="{BA6117AC-0DBE-C2CD-E403-5D73D4ECF589}"/>
+                    </a:ext>
+                  </a:extLst>
+                </p:cNvPr>
+                <p:cNvPicPr/>
+                <p:nvPr/>
+              </p:nvPicPr>
+              <p:blipFill>
+                <a:blip r:embed="rId16"/>
+                <a:stretch>
+                  <a:fillRect/>
+                </a:stretch>
+              </p:blipFill>
+              <p:spPr>
+                <a:xfrm>
+                  <a:off x="5339671" y="5540216"/>
+                  <a:ext cx="0" cy="38088"/>
+                </a:xfrm>
+                <a:prstGeom prst="rect">
+                  <a:avLst/>
+                </a:prstGeom>
+              </p:spPr>
+            </p:pic>
+          </mc:Fallback>
+        </mc:AlternateContent>
+        <mc:AlternateContent xmlns:mc="http://schemas.openxmlformats.org/markup-compatibility/2006" xmlns:p14="http://schemas.microsoft.com/office/powerpoint/2010/main">
+          <mc:Choice Requires="p14">
+            <p:contentPart p14:bwMode="auto" r:id="rId28">
+              <p14:nvContentPartPr>
+                <p14:cNvPr id="268" name="筆跡 267">
+                  <a:extLst>
+                    <a:ext uri="{FF2B5EF4-FFF2-40B4-BE49-F238E27FC236}">
+                      <a16:creationId xmlns:a16="http://schemas.microsoft.com/office/drawing/2014/main" id="{161E48B3-D775-691A-5827-78784C2B9E6C}"/>
+                    </a:ext>
+                  </a:extLst>
+                </p14:cNvPr>
+                <p14:cNvContentPartPr/>
+                <p14:nvPr/>
+              </p14:nvContentPartPr>
+              <p14:xfrm>
+                <a:off x="5339671" y="5418219"/>
+                <a:ext cx="0" cy="1587"/>
+              </p14:xfrm>
+            </p:contentPart>
+          </mc:Choice>
+          <mc:Fallback xmlns="">
+            <p:pic>
+              <p:nvPicPr>
+                <p:cNvPr id="256" name="筆跡 255">
+                  <a:extLst>
+                    <a:ext uri="{FF2B5EF4-FFF2-40B4-BE49-F238E27FC236}">
+                      <a16:creationId xmlns:a16="http://schemas.microsoft.com/office/drawing/2014/main" id="{26AC9547-0FB6-2467-E336-13E082ACDEE7}"/>
+                    </a:ext>
+                  </a:extLst>
+                </p:cNvPr>
+                <p:cNvPicPr/>
+                <p:nvPr/>
+              </p:nvPicPr>
+              <p:blipFill>
+                <a:blip r:embed="rId16"/>
+                <a:stretch>
+                  <a:fillRect/>
+                </a:stretch>
+              </p:blipFill>
+              <p:spPr>
+                <a:xfrm>
+                  <a:off x="5339671" y="5399968"/>
+                  <a:ext cx="0" cy="38088"/>
+                </a:xfrm>
+                <a:prstGeom prst="rect">
+                  <a:avLst/>
+                </a:prstGeom>
+              </p:spPr>
+            </p:pic>
+          </mc:Fallback>
+        </mc:AlternateContent>
+      </p:grpSp>
+      <p:sp>
+        <p:nvSpPr>
+          <p:cNvPr id="269" name="矩形: 圓角 17">
+            <a:extLst>
+              <a:ext uri="{FF2B5EF4-FFF2-40B4-BE49-F238E27FC236}">
+                <a16:creationId xmlns:a16="http://schemas.microsoft.com/office/drawing/2014/main" id="{7DB8A8F2-F3B9-331B-9661-47888A403277}"/>
+              </a:ext>
+            </a:extLst>
+          </p:cNvPr>
+          <p:cNvSpPr/>
+          <p:nvPr/>
+        </p:nvSpPr>
+        <p:spPr>
+          <a:xfrm>
+            <a:off x="1230234" y="2039665"/>
+            <a:ext cx="1180791" cy="993809"/>
+          </a:xfrm>
+          <a:prstGeom prst="roundRect">
+            <a:avLst>
+              <a:gd name="adj" fmla="val 0"/>
+            </a:avLst>
+          </a:prstGeom>
+          <a:ln/>
+        </p:spPr>
+        <p:style>
+          <a:lnRef idx="1">
+            <a:schemeClr val="accent3"/>
+          </a:lnRef>
+          <a:fillRef idx="2">
+            <a:schemeClr val="accent3"/>
+          </a:fillRef>
+          <a:effectRef idx="1">
+            <a:schemeClr val="accent3"/>
+          </a:effectRef>
+          <a:fontRef idx="minor">
+            <a:schemeClr val="dk1"/>
+          </a:fontRef>
+        </p:style>
+        <p:txBody>
+          <a:bodyPr rtlCol="0" anchor="ctr"/>
+          <a:lstStyle/>
+          <a:p>
+            <a:pPr algn="ctr"/>
+            <a:r>
+              <a:rPr lang="en-US" altLang="zh-TW" sz="1400" dirty="0">
+                <a:latin typeface="標楷體" panose="03000509000000000000" pitchFamily="65" charset="-120"/>
+                <a:ea typeface="標楷體" panose="03000509000000000000" pitchFamily="65" charset="-120"/>
+              </a:rPr>
+              <a:t>Pilot</a:t>
+            </a:r>
+            <a:endParaRPr lang="zh-TW" altLang="en-US" sz="1400" dirty="0">
+              <a:latin typeface="標楷體" panose="03000509000000000000" pitchFamily="65" charset="-120"/>
+              <a:ea typeface="標楷體" panose="03000509000000000000" pitchFamily="65" charset="-120"/>
+            </a:endParaRPr>
+          </a:p>
+        </p:txBody>
+      </p:sp>
+      <p:sp>
+        <p:nvSpPr>
+          <p:cNvPr id="270" name="矩形: 圓角 4">
+            <a:extLst>
+              <a:ext uri="{FF2B5EF4-FFF2-40B4-BE49-F238E27FC236}">
+                <a16:creationId xmlns:a16="http://schemas.microsoft.com/office/drawing/2014/main" id="{9566B3A7-6CF9-5F32-F716-FC0437D83DD2}"/>
+              </a:ext>
+            </a:extLst>
+          </p:cNvPr>
+          <p:cNvSpPr/>
+          <p:nvPr/>
+        </p:nvSpPr>
+        <p:spPr>
+          <a:xfrm>
+            <a:off x="3163308" y="2039665"/>
+            <a:ext cx="1184423" cy="993809"/>
+          </a:xfrm>
+          <a:prstGeom prst="roundRect">
+            <a:avLst>
+              <a:gd name="adj" fmla="val 0"/>
+            </a:avLst>
+          </a:prstGeom>
+          <a:ln/>
+        </p:spPr>
+        <p:style>
+          <a:lnRef idx="1">
+            <a:schemeClr val="accent3"/>
+          </a:lnRef>
+          <a:fillRef idx="2">
+            <a:schemeClr val="accent3"/>
+          </a:fillRef>
+          <a:effectRef idx="1">
+            <a:schemeClr val="accent3"/>
+          </a:effectRef>
+          <a:fontRef idx="minor">
+            <a:schemeClr val="dk1"/>
+          </a:fontRef>
+        </p:style>
+        <p:txBody>
+          <a:bodyPr rtlCol="0" anchor="ctr"/>
+          <a:lstStyle/>
+          <a:p>
+            <a:pPr algn="ctr"/>
+            <a:r>
+              <a:rPr lang="en-US" altLang="zh-TW" sz="1400" b="0" i="0" dirty="0">
+                <a:solidFill>
+                  <a:schemeClr val="tx1"/>
+                </a:solidFill>
+                <a:effectLst/>
+                <a:latin typeface="標楷體" panose="03000509000000000000" pitchFamily="65" charset="-120"/>
+                <a:ea typeface="標楷體" panose="03000509000000000000" pitchFamily="65" charset="-120"/>
+              </a:rPr>
+              <a:t>OTSM modulation</a:t>
+            </a:r>
+          </a:p>
+        </p:txBody>
+      </p:sp>
+      <p:sp>
+        <p:nvSpPr>
+          <p:cNvPr id="271" name="矩形: 圓角 17">
+            <a:extLst>
+              <a:ext uri="{FF2B5EF4-FFF2-40B4-BE49-F238E27FC236}">
+                <a16:creationId xmlns:a16="http://schemas.microsoft.com/office/drawing/2014/main" id="{3C68BC21-525B-D23E-06F7-0847C708A756}"/>
+              </a:ext>
+            </a:extLst>
+          </p:cNvPr>
+          <p:cNvSpPr/>
+          <p:nvPr/>
+        </p:nvSpPr>
+        <p:spPr>
+          <a:xfrm>
+            <a:off x="6500583" y="1982401"/>
+            <a:ext cx="901922" cy="993809"/>
+          </a:xfrm>
+          <a:prstGeom prst="roundRect">
+            <a:avLst>
+              <a:gd name="adj" fmla="val 0"/>
+            </a:avLst>
+          </a:prstGeom>
+          <a:ln/>
+        </p:spPr>
+        <p:style>
+          <a:lnRef idx="1">
+            <a:schemeClr val="accent3"/>
+          </a:lnRef>
+          <a:fillRef idx="2">
+            <a:schemeClr val="accent3"/>
+          </a:fillRef>
+          <a:effectRef idx="1">
+            <a:schemeClr val="accent3"/>
+          </a:effectRef>
+          <a:fontRef idx="minor">
+            <a:schemeClr val="dk1"/>
+          </a:fontRef>
+        </p:style>
+        <p:txBody>
+          <a:bodyPr rtlCol="0" anchor="ctr"/>
+          <a:lstStyle/>
+          <a:p>
+            <a:pPr algn="ctr"/>
+            <a:r>
+              <a:rPr lang="en-US" altLang="zh-TW" sz="1400" i="0" dirty="0">
+                <a:effectLst/>
+                <a:latin typeface="標楷體" panose="03000509000000000000" pitchFamily="65" charset="-120"/>
+                <a:ea typeface="標楷體" panose="03000509000000000000" pitchFamily="65" charset="-120"/>
+              </a:rPr>
+              <a:t>Preamble</a:t>
+            </a:r>
+          </a:p>
+        </p:txBody>
+      </p:sp>
+      <p:sp>
+        <p:nvSpPr>
+          <p:cNvPr id="272" name="橢圓 271">
+            <a:extLst>
+              <a:ext uri="{FF2B5EF4-FFF2-40B4-BE49-F238E27FC236}">
+                <a16:creationId xmlns:a16="http://schemas.microsoft.com/office/drawing/2014/main" id="{19578A4B-697E-762C-BB2A-15C0EF649A57}"/>
+              </a:ext>
+            </a:extLst>
+          </p:cNvPr>
+          <p:cNvSpPr/>
+          <p:nvPr/>
+        </p:nvSpPr>
+        <p:spPr>
+          <a:xfrm>
+            <a:off x="11555370" y="4924253"/>
+            <a:ext cx="142743" cy="118793"/>
+          </a:xfrm>
+          <a:prstGeom prst="ellipse">
+            <a:avLst/>
+          </a:prstGeom>
+        </p:spPr>
+        <p:style>
+          <a:lnRef idx="2">
+            <a:schemeClr val="dk1">
+              <a:shade val="50000"/>
+            </a:schemeClr>
+          </a:lnRef>
+          <a:fillRef idx="1">
+            <a:schemeClr val="dk1"/>
+          </a:fillRef>
+          <a:effectRef idx="0">
+            <a:schemeClr val="dk1"/>
+          </a:effectRef>
+          <a:fontRef idx="minor">
+            <a:schemeClr val="lt1"/>
+          </a:fontRef>
+        </p:style>
+        <p:txBody>
+          <a:bodyPr rtlCol="0" anchor="ctr"/>
+          <a:lstStyle/>
+          <a:p>
+            <a:pPr algn="ctr"/>
+            <a:endParaRPr lang="zh-TW" altLang="en-US" sz="1400">
+              <a:latin typeface="標楷體" panose="03000509000000000000" pitchFamily="65" charset="-120"/>
+              <a:ea typeface="標楷體" panose="03000509000000000000" pitchFamily="65" charset="-120"/>
+            </a:endParaRPr>
+          </a:p>
+        </p:txBody>
+      </p:sp>
+      <p:sp>
+        <p:nvSpPr>
+          <p:cNvPr id="273" name="矩形: 圓角化同側角落 23">
+            <a:extLst>
+              <a:ext uri="{FF2B5EF4-FFF2-40B4-BE49-F238E27FC236}">
+                <a16:creationId xmlns:a16="http://schemas.microsoft.com/office/drawing/2014/main" id="{83983C7E-9B8F-D758-EDED-31518D49446E}"/>
+              </a:ext>
+            </a:extLst>
+          </p:cNvPr>
+          <p:cNvSpPr/>
+          <p:nvPr/>
+        </p:nvSpPr>
+        <p:spPr>
+          <a:xfrm>
+            <a:off x="11477367" y="5308229"/>
+            <a:ext cx="289773" cy="147255"/>
+          </a:xfrm>
+          <a:prstGeom prst="round2SameRect">
+            <a:avLst/>
+          </a:prstGeom>
+        </p:spPr>
+        <p:style>
+          <a:lnRef idx="2">
+            <a:schemeClr val="dk1">
+              <a:shade val="50000"/>
+            </a:schemeClr>
+          </a:lnRef>
+          <a:fillRef idx="1">
+            <a:schemeClr val="dk1"/>
+          </a:fillRef>
+          <a:effectRef idx="0">
+            <a:schemeClr val="dk1"/>
+          </a:effectRef>
+          <a:fontRef idx="minor">
+            <a:schemeClr val="lt1"/>
+          </a:fontRef>
+        </p:style>
+        <p:txBody>
+          <a:bodyPr rtlCol="0" anchor="ctr"/>
+          <a:lstStyle/>
+          <a:p>
+            <a:pPr algn="ctr"/>
+            <a:endParaRPr lang="zh-TW" altLang="en-US" sz="1400">
+              <a:latin typeface="標楷體" panose="03000509000000000000" pitchFamily="65" charset="-120"/>
+              <a:ea typeface="標楷體" panose="03000509000000000000" pitchFamily="65" charset="-120"/>
+            </a:endParaRPr>
+          </a:p>
+        </p:txBody>
+      </p:sp>
+      <p:sp>
+        <p:nvSpPr>
+          <p:cNvPr id="274" name="矩形 273">
+            <a:extLst>
+              <a:ext uri="{FF2B5EF4-FFF2-40B4-BE49-F238E27FC236}">
+                <a16:creationId xmlns:a16="http://schemas.microsoft.com/office/drawing/2014/main" id="{708330E1-DE24-B94C-E779-A31F4B87209A}"/>
+              </a:ext>
+            </a:extLst>
+          </p:cNvPr>
+          <p:cNvSpPr/>
+          <p:nvPr/>
+        </p:nvSpPr>
+        <p:spPr>
+          <a:xfrm flipH="1">
+            <a:off x="11613982" y="5026004"/>
+            <a:ext cx="35795" cy="307327"/>
+          </a:xfrm>
+          <a:prstGeom prst="rect">
+            <a:avLst/>
+          </a:prstGeom>
+        </p:spPr>
+        <p:style>
+          <a:lnRef idx="2">
+            <a:schemeClr val="dk1">
+              <a:shade val="50000"/>
+            </a:schemeClr>
+          </a:lnRef>
+          <a:fillRef idx="1">
+            <a:schemeClr val="dk1"/>
+          </a:fillRef>
+          <a:effectRef idx="0">
+            <a:schemeClr val="dk1"/>
+          </a:effectRef>
+          <a:fontRef idx="minor">
+            <a:schemeClr val="lt1"/>
+          </a:fontRef>
+        </p:style>
+        <p:txBody>
+          <a:bodyPr rtlCol="0" anchor="ctr"/>
+          <a:lstStyle/>
+          <a:p>
+            <a:pPr algn="ctr"/>
+            <a:endParaRPr lang="zh-TW" altLang="en-US" sz="1400">
+              <a:latin typeface="標楷體" panose="03000509000000000000" pitchFamily="65" charset="-120"/>
+              <a:ea typeface="標楷體" panose="03000509000000000000" pitchFamily="65" charset="-120"/>
+            </a:endParaRPr>
+          </a:p>
+        </p:txBody>
+      </p:sp>
+      <p:grpSp>
+        <p:nvGrpSpPr>
+          <p:cNvPr id="275" name="群組 274">
+            <a:extLst>
+              <a:ext uri="{FF2B5EF4-FFF2-40B4-BE49-F238E27FC236}">
+                <a16:creationId xmlns:a16="http://schemas.microsoft.com/office/drawing/2014/main" id="{D82CC92C-AFB2-9C06-366C-A408D59FA8CD}"/>
+              </a:ext>
+            </a:extLst>
+          </p:cNvPr>
+          <p:cNvGrpSpPr/>
+          <p:nvPr/>
+        </p:nvGrpSpPr>
+        <p:grpSpPr>
+          <a:xfrm rot="10800000">
+            <a:off x="11729888" y="4694203"/>
+            <a:ext cx="275560" cy="576941"/>
+            <a:chOff x="11711604" y="2739716"/>
+            <a:chExt cx="275560" cy="576941"/>
+          </a:xfrm>
+        </p:grpSpPr>
+        <p:sp>
+          <p:nvSpPr>
+            <p:cNvPr id="276" name="拱形 275">
+              <a:extLst>
+                <a:ext uri="{FF2B5EF4-FFF2-40B4-BE49-F238E27FC236}">
+                  <a16:creationId xmlns:a16="http://schemas.microsoft.com/office/drawing/2014/main" id="{04494ECE-0F7A-D025-14E5-64ECB3A0C421}"/>
+                </a:ext>
+              </a:extLst>
+            </p:cNvPr>
+            <p:cNvSpPr/>
+            <p:nvPr/>
+          </p:nvSpPr>
+          <p:spPr>
+            <a:xfrm rot="5400000">
+              <a:off x="11667981" y="2961575"/>
+              <a:ext cx="220469" cy="133224"/>
+            </a:xfrm>
+            <a:prstGeom prst="blockArc">
+              <a:avLst/>
+            </a:prstGeom>
+          </p:spPr>
+          <p:style>
+            <a:lnRef idx="2">
+              <a:schemeClr val="dk1">
+                <a:shade val="50000"/>
+              </a:schemeClr>
+            </a:lnRef>
+            <a:fillRef idx="1">
+              <a:schemeClr val="dk1"/>
+            </a:fillRef>
+            <a:effectRef idx="0">
+              <a:schemeClr val="dk1"/>
+            </a:effectRef>
+            <a:fontRef idx="minor">
+              <a:schemeClr val="lt1"/>
+            </a:fontRef>
+          </p:style>
+          <p:txBody>
+            <a:bodyPr rtlCol="0" anchor="ctr"/>
+            <a:lstStyle/>
+            <a:p>
+              <a:pPr algn="ctr"/>
+              <a:endParaRPr lang="zh-TW" altLang="en-US" sz="1400">
+                <a:solidFill>
+                  <a:schemeClr val="tx1"/>
+                </a:solidFill>
+                <a:latin typeface="標楷體" panose="03000509000000000000" pitchFamily="65" charset="-120"/>
+                <a:ea typeface="標楷體" panose="03000509000000000000" pitchFamily="65" charset="-120"/>
+              </a:endParaRPr>
+            </a:p>
+          </p:txBody>
+        </p:sp>
+        <p:sp>
+          <p:nvSpPr>
+            <p:cNvPr id="277" name="拱形 276">
+              <a:extLst>
+                <a:ext uri="{FF2B5EF4-FFF2-40B4-BE49-F238E27FC236}">
+                  <a16:creationId xmlns:a16="http://schemas.microsoft.com/office/drawing/2014/main" id="{7BD6C373-F727-766A-398A-C09A87047621}"/>
+                </a:ext>
+              </a:extLst>
+            </p:cNvPr>
+            <p:cNvSpPr/>
+            <p:nvPr/>
+          </p:nvSpPr>
+          <p:spPr>
+            <a:xfrm rot="5400000">
+              <a:off x="11628054" y="2963136"/>
+              <a:ext cx="432666" cy="133224"/>
+            </a:xfrm>
+            <a:prstGeom prst="blockArc">
+              <a:avLst/>
+            </a:prstGeom>
+          </p:spPr>
+          <p:style>
+            <a:lnRef idx="2">
+              <a:schemeClr val="dk1">
+                <a:shade val="50000"/>
+              </a:schemeClr>
+            </a:lnRef>
+            <a:fillRef idx="1">
+              <a:schemeClr val="dk1"/>
+            </a:fillRef>
+            <a:effectRef idx="0">
+              <a:schemeClr val="dk1"/>
+            </a:effectRef>
+            <a:fontRef idx="minor">
+              <a:schemeClr val="lt1"/>
+            </a:fontRef>
+          </p:style>
+          <p:txBody>
+            <a:bodyPr rtlCol="0" anchor="ctr"/>
+            <a:lstStyle/>
+            <a:p>
+              <a:pPr algn="ctr"/>
+              <a:endParaRPr lang="zh-TW" altLang="en-US" sz="1400">
+                <a:solidFill>
+                  <a:schemeClr val="tx1"/>
+                </a:solidFill>
+                <a:latin typeface="標楷體" panose="03000509000000000000" pitchFamily="65" charset="-120"/>
+                <a:ea typeface="標楷體" panose="03000509000000000000" pitchFamily="65" charset="-120"/>
+              </a:endParaRPr>
+            </a:p>
+          </p:txBody>
+        </p:sp>
+        <p:sp>
+          <p:nvSpPr>
+            <p:cNvPr id="278" name="拱形 277">
+              <a:extLst>
+                <a:ext uri="{FF2B5EF4-FFF2-40B4-BE49-F238E27FC236}">
+                  <a16:creationId xmlns:a16="http://schemas.microsoft.com/office/drawing/2014/main" id="{386125C0-CEDC-FFFC-8D88-C3DF298931A3}"/>
+                </a:ext>
+              </a:extLst>
+            </p:cNvPr>
+            <p:cNvSpPr/>
+            <p:nvPr/>
+          </p:nvSpPr>
+          <p:spPr>
+            <a:xfrm rot="5400000">
+              <a:off x="11617823" y="2947317"/>
+              <a:ext cx="576941" cy="161740"/>
+            </a:xfrm>
+            <a:prstGeom prst="blockArc">
+              <a:avLst/>
+            </a:prstGeom>
+          </p:spPr>
+          <p:style>
+            <a:lnRef idx="2">
+              <a:schemeClr val="dk1">
+                <a:shade val="50000"/>
+              </a:schemeClr>
+            </a:lnRef>
+            <a:fillRef idx="1">
+              <a:schemeClr val="dk1"/>
+            </a:fillRef>
+            <a:effectRef idx="0">
+              <a:schemeClr val="dk1"/>
+            </a:effectRef>
+            <a:fontRef idx="minor">
+              <a:schemeClr val="lt1"/>
+            </a:fontRef>
+          </p:style>
+          <p:txBody>
+            <a:bodyPr rtlCol="0" anchor="ctr"/>
+            <a:lstStyle/>
+            <a:p>
+              <a:pPr algn="ctr"/>
+              <a:endParaRPr lang="zh-TW" altLang="en-US" sz="1400">
+                <a:solidFill>
+                  <a:schemeClr val="tx1"/>
+                </a:solidFill>
+                <a:latin typeface="標楷體" panose="03000509000000000000" pitchFamily="65" charset="-120"/>
+                <a:ea typeface="標楷體" panose="03000509000000000000" pitchFamily="65" charset="-120"/>
+              </a:endParaRPr>
+            </a:p>
+          </p:txBody>
+        </p:sp>
+      </p:grpSp>
+      <p:cxnSp>
+        <p:nvCxnSpPr>
+          <p:cNvPr id="279" name="直線單箭頭接點 278">
+            <a:extLst>
+              <a:ext uri="{FF2B5EF4-FFF2-40B4-BE49-F238E27FC236}">
+                <a16:creationId xmlns:a16="http://schemas.microsoft.com/office/drawing/2014/main" id="{21AE5EED-C9D5-FB7D-999A-58F7DB4C0F5D}"/>
+              </a:ext>
+            </a:extLst>
+          </p:cNvPr>
+          <p:cNvCxnSpPr>
+            <a:cxnSpLocks/>
+            <a:stCxn id="271" idx="3"/>
+          </p:cNvCxnSpPr>
+          <p:nvPr/>
+        </p:nvCxnSpPr>
+        <p:spPr>
+          <a:xfrm flipV="1">
+            <a:off x="7402505" y="2479156"/>
+            <a:ext cx="165160" cy="150"/>
+          </a:xfrm>
+          <a:prstGeom prst="straightConnector1">
+            <a:avLst/>
+          </a:prstGeom>
+          <a:ln>
+            <a:tailEnd type="triangle"/>
+          </a:ln>
+        </p:spPr>
+        <p:style>
+          <a:lnRef idx="1">
+            <a:schemeClr val="dk1"/>
+          </a:lnRef>
+          <a:fillRef idx="0">
+            <a:schemeClr val="dk1"/>
+          </a:fillRef>
+          <a:effectRef idx="0">
+            <a:schemeClr val="dk1"/>
+          </a:effectRef>
+          <a:fontRef idx="minor">
+            <a:schemeClr val="tx1"/>
+          </a:fontRef>
+        </p:style>
+      </p:cxnSp>
+      <p:sp>
+        <p:nvSpPr>
+          <p:cNvPr id="280" name="矩形: 圓角 17">
+            <a:extLst>
+              <a:ext uri="{FF2B5EF4-FFF2-40B4-BE49-F238E27FC236}">
+                <a16:creationId xmlns:a16="http://schemas.microsoft.com/office/drawing/2014/main" id="{3ECA5282-A6D7-EBAF-BC99-8CA0688FE304}"/>
+              </a:ext>
+            </a:extLst>
+          </p:cNvPr>
+          <p:cNvSpPr/>
+          <p:nvPr/>
+        </p:nvSpPr>
+        <p:spPr>
+          <a:xfrm>
+            <a:off x="7559905" y="1982401"/>
+            <a:ext cx="901922" cy="993809"/>
+          </a:xfrm>
+          <a:prstGeom prst="roundRect">
+            <a:avLst>
+              <a:gd name="adj" fmla="val 0"/>
+            </a:avLst>
+          </a:prstGeom>
+          <a:ln/>
+        </p:spPr>
+        <p:style>
+          <a:lnRef idx="1">
+            <a:schemeClr val="accent3"/>
+          </a:lnRef>
+          <a:fillRef idx="2">
+            <a:schemeClr val="accent3"/>
+          </a:fillRef>
+          <a:effectRef idx="1">
+            <a:schemeClr val="accent3"/>
+          </a:effectRef>
+          <a:fontRef idx="minor">
+            <a:schemeClr val="dk1"/>
+          </a:fontRef>
+        </p:style>
+        <p:txBody>
+          <a:bodyPr rtlCol="0" anchor="ctr"/>
+          <a:lstStyle/>
+          <a:p>
+            <a:pPr algn="ctr"/>
+            <a:r>
+              <a:rPr lang="en-US" altLang="zh-TW" sz="1400" dirty="0">
+                <a:latin typeface="標楷體" panose="03000509000000000000" pitchFamily="65" charset="-120"/>
+                <a:ea typeface="標楷體" panose="03000509000000000000" pitchFamily="65" charset="-120"/>
+              </a:rPr>
+              <a:t>CP</a:t>
+            </a:r>
+            <a:endParaRPr lang="zh-TW" altLang="en-US" sz="1400" dirty="0">
+              <a:latin typeface="標楷體" panose="03000509000000000000" pitchFamily="65" charset="-120"/>
+              <a:ea typeface="標楷體" panose="03000509000000000000" pitchFamily="65" charset="-120"/>
+            </a:endParaRPr>
+          </a:p>
+        </p:txBody>
+      </p:sp>
+      <p:grpSp>
+        <p:nvGrpSpPr>
+          <p:cNvPr id="281" name="群組 280">
+            <a:extLst>
+              <a:ext uri="{FF2B5EF4-FFF2-40B4-BE49-F238E27FC236}">
+                <a16:creationId xmlns:a16="http://schemas.microsoft.com/office/drawing/2014/main" id="{8961D7C0-6340-5D09-6FE2-5E08E2325EEF}"/>
+              </a:ext>
+            </a:extLst>
+          </p:cNvPr>
+          <p:cNvGrpSpPr/>
+          <p:nvPr/>
+        </p:nvGrpSpPr>
+        <p:grpSpPr>
+          <a:xfrm>
+            <a:off x="4729619" y="5040393"/>
+            <a:ext cx="341619" cy="573446"/>
+            <a:chOff x="4930377" y="4861884"/>
+            <a:chExt cx="744592" cy="789989"/>
+          </a:xfrm>
+        </p:grpSpPr>
+        <p:cxnSp>
+          <p:nvCxnSpPr>
+            <p:cNvPr id="282" name="直線單箭頭接點 281">
+              <a:extLst>
+                <a:ext uri="{FF2B5EF4-FFF2-40B4-BE49-F238E27FC236}">
+                  <a16:creationId xmlns:a16="http://schemas.microsoft.com/office/drawing/2014/main" id="{C8F48F63-21F4-24CB-7CC5-BCD5BED6366E}"/>
+                </a:ext>
+              </a:extLst>
+            </p:cNvPr>
+            <p:cNvCxnSpPr>
+              <a:cxnSpLocks/>
+            </p:cNvCxnSpPr>
+            <p:nvPr/>
+          </p:nvCxnSpPr>
+          <p:spPr>
+            <a:xfrm flipH="1">
+              <a:off x="4930378" y="4861884"/>
+              <a:ext cx="729343" cy="0"/>
+            </a:xfrm>
+            <a:prstGeom prst="straightConnector1">
+              <a:avLst/>
+            </a:prstGeom>
+            <a:ln>
+              <a:tailEnd type="triangle"/>
+            </a:ln>
+          </p:spPr>
+          <p:style>
+            <a:lnRef idx="1">
+              <a:schemeClr val="dk1"/>
+            </a:lnRef>
+            <a:fillRef idx="0">
+              <a:schemeClr val="dk1"/>
+            </a:fillRef>
+            <a:effectRef idx="0">
+              <a:schemeClr val="dk1"/>
+            </a:effectRef>
+            <a:fontRef idx="minor">
+              <a:schemeClr val="tx1"/>
+            </a:fontRef>
+          </p:style>
+        </p:cxnSp>
+        <p:cxnSp>
+          <p:nvCxnSpPr>
+            <p:cNvPr id="283" name="直線單箭頭接點 282">
+              <a:extLst>
+                <a:ext uri="{FF2B5EF4-FFF2-40B4-BE49-F238E27FC236}">
+                  <a16:creationId xmlns:a16="http://schemas.microsoft.com/office/drawing/2014/main" id="{F18A3C76-A0D6-91BC-375A-621AE3060330}"/>
+                </a:ext>
+              </a:extLst>
+            </p:cNvPr>
+            <p:cNvCxnSpPr>
+              <a:cxnSpLocks/>
+            </p:cNvCxnSpPr>
+            <p:nvPr/>
+          </p:nvCxnSpPr>
+          <p:spPr>
+            <a:xfrm flipH="1">
+              <a:off x="4945626" y="5046550"/>
+              <a:ext cx="729343" cy="0"/>
+            </a:xfrm>
+            <a:prstGeom prst="straightConnector1">
+              <a:avLst/>
+            </a:prstGeom>
+            <a:ln>
+              <a:tailEnd type="triangle"/>
+            </a:ln>
+          </p:spPr>
+          <p:style>
+            <a:lnRef idx="1">
+              <a:schemeClr val="dk1"/>
+            </a:lnRef>
+            <a:fillRef idx="0">
+              <a:schemeClr val="dk1"/>
+            </a:fillRef>
+            <a:effectRef idx="0">
+              <a:schemeClr val="dk1"/>
+            </a:effectRef>
+            <a:fontRef idx="minor">
+              <a:schemeClr val="tx1"/>
+            </a:fontRef>
+          </p:style>
+        </p:cxnSp>
+        <p:cxnSp>
+          <p:nvCxnSpPr>
+            <p:cNvPr id="284" name="直線單箭頭接點 283">
+              <a:extLst>
+                <a:ext uri="{FF2B5EF4-FFF2-40B4-BE49-F238E27FC236}">
+                  <a16:creationId xmlns:a16="http://schemas.microsoft.com/office/drawing/2014/main" id="{3B432DFB-1526-C044-18C3-0DDB6A4044CD}"/>
+                </a:ext>
+              </a:extLst>
+            </p:cNvPr>
+            <p:cNvCxnSpPr>
+              <a:cxnSpLocks/>
+            </p:cNvCxnSpPr>
+            <p:nvPr/>
+          </p:nvCxnSpPr>
+          <p:spPr>
+            <a:xfrm flipH="1">
+              <a:off x="4945626" y="5194674"/>
+              <a:ext cx="729343" cy="0"/>
+            </a:xfrm>
+            <a:prstGeom prst="straightConnector1">
+              <a:avLst/>
+            </a:prstGeom>
+            <a:ln>
+              <a:tailEnd type="triangle"/>
+            </a:ln>
+          </p:spPr>
+          <p:style>
+            <a:lnRef idx="1">
+              <a:schemeClr val="dk1"/>
+            </a:lnRef>
+            <a:fillRef idx="0">
+              <a:schemeClr val="dk1"/>
+            </a:fillRef>
+            <a:effectRef idx="0">
+              <a:schemeClr val="dk1"/>
+            </a:effectRef>
+            <a:fontRef idx="minor">
+              <a:schemeClr val="tx1"/>
+            </a:fontRef>
+          </p:style>
+        </p:cxnSp>
+        <p:cxnSp>
+          <p:nvCxnSpPr>
+            <p:cNvPr id="285" name="直線單箭頭接點 284">
+              <a:extLst>
+                <a:ext uri="{FF2B5EF4-FFF2-40B4-BE49-F238E27FC236}">
+                  <a16:creationId xmlns:a16="http://schemas.microsoft.com/office/drawing/2014/main" id="{8D33A6BB-6103-2733-C7B6-CD1DB4DA72BB}"/>
+                </a:ext>
+              </a:extLst>
+            </p:cNvPr>
+            <p:cNvCxnSpPr>
+              <a:cxnSpLocks/>
+            </p:cNvCxnSpPr>
+            <p:nvPr/>
+          </p:nvCxnSpPr>
+          <p:spPr>
+            <a:xfrm flipH="1">
+              <a:off x="4930377" y="5651873"/>
+              <a:ext cx="729343" cy="0"/>
+            </a:xfrm>
+            <a:prstGeom prst="straightConnector1">
+              <a:avLst/>
+            </a:prstGeom>
+            <a:ln>
+              <a:tailEnd type="triangle"/>
+            </a:ln>
+          </p:spPr>
+          <p:style>
+            <a:lnRef idx="1">
+              <a:schemeClr val="dk1"/>
+            </a:lnRef>
+            <a:fillRef idx="0">
+              <a:schemeClr val="dk1"/>
+            </a:fillRef>
+            <a:effectRef idx="0">
+              <a:schemeClr val="dk1"/>
+            </a:effectRef>
+            <a:fontRef idx="minor">
+              <a:schemeClr val="tx1"/>
+            </a:fontRef>
+          </p:style>
+        </p:cxnSp>
+        <mc:AlternateContent xmlns:mc="http://schemas.openxmlformats.org/markup-compatibility/2006" xmlns:p14="http://schemas.microsoft.com/office/powerpoint/2010/main">
+          <mc:Choice Requires="p14">
+            <p:contentPart p14:bwMode="auto" r:id="rId29">
+              <p14:nvContentPartPr>
+                <p14:cNvPr id="286" name="筆跡 285">
+                  <a:extLst>
+                    <a:ext uri="{FF2B5EF4-FFF2-40B4-BE49-F238E27FC236}">
+                      <a16:creationId xmlns:a16="http://schemas.microsoft.com/office/drawing/2014/main" id="{62284E41-BE1D-4283-2F8F-F6D25940CD59}"/>
+                    </a:ext>
+                  </a:extLst>
+                </p14:cNvPr>
+                <p14:cNvContentPartPr/>
+                <p14:nvPr/>
+              </p14:nvContentPartPr>
+              <p14:xfrm>
+                <a:off x="5339671" y="5272006"/>
+                <a:ext cx="0" cy="1587"/>
+              </p14:xfrm>
+            </p:contentPart>
+          </mc:Choice>
+          <mc:Fallback xmlns="">
+            <p:pic>
+              <p:nvPicPr>
+                <p:cNvPr id="251" name="筆跡 250">
+                  <a:extLst>
+                    <a:ext uri="{FF2B5EF4-FFF2-40B4-BE49-F238E27FC236}">
+                      <a16:creationId xmlns:a16="http://schemas.microsoft.com/office/drawing/2014/main" id="{E0977EA9-E961-416A-B603-883FCE55EB0E}"/>
+                    </a:ext>
+                  </a:extLst>
+                </p:cNvPr>
+                <p:cNvPicPr/>
+                <p:nvPr/>
+              </p:nvPicPr>
+              <p:blipFill>
+                <a:blip r:embed="rId16"/>
+                <a:stretch>
+                  <a:fillRect/>
+                </a:stretch>
+              </p:blipFill>
+              <p:spPr>
+                <a:xfrm>
+                  <a:off x="5339671" y="5253755"/>
+                  <a:ext cx="0" cy="38088"/>
+                </a:xfrm>
+                <a:prstGeom prst="rect">
+                  <a:avLst/>
+                </a:prstGeom>
+              </p:spPr>
+            </p:pic>
+          </mc:Fallback>
+        </mc:AlternateContent>
+        <mc:AlternateContent xmlns:mc="http://schemas.openxmlformats.org/markup-compatibility/2006" xmlns:p14="http://schemas.microsoft.com/office/powerpoint/2010/main">
+          <mc:Choice Requires="p14">
+            <p:contentPart p14:bwMode="auto" r:id="rId30">
+              <p14:nvContentPartPr>
+                <p14:cNvPr id="287" name="筆跡 286">
+                  <a:extLst>
+                    <a:ext uri="{FF2B5EF4-FFF2-40B4-BE49-F238E27FC236}">
+                      <a16:creationId xmlns:a16="http://schemas.microsoft.com/office/drawing/2014/main" id="{25EECC22-8B52-57FA-395D-3F22BE123C69}"/>
+                    </a:ext>
+                  </a:extLst>
+                </p14:cNvPr>
+                <p14:cNvContentPartPr/>
+                <p14:nvPr/>
+              </p14:nvContentPartPr>
+              <p14:xfrm>
+                <a:off x="5339671" y="5558467"/>
+                <a:ext cx="0" cy="1587"/>
+              </p14:xfrm>
+            </p:contentPart>
+          </mc:Choice>
+          <mc:Fallback xmlns="">
+            <p:pic>
+              <p:nvPicPr>
+                <p:cNvPr id="253" name="筆跡 252">
+                  <a:extLst>
+                    <a:ext uri="{FF2B5EF4-FFF2-40B4-BE49-F238E27FC236}">
+                      <a16:creationId xmlns:a16="http://schemas.microsoft.com/office/drawing/2014/main" id="{BA6117AC-0DBE-C2CD-E403-5D73D4ECF589}"/>
+                    </a:ext>
+                  </a:extLst>
+                </p:cNvPr>
+                <p:cNvPicPr/>
+                <p:nvPr/>
+              </p:nvPicPr>
+              <p:blipFill>
+                <a:blip r:embed="rId16"/>
+                <a:stretch>
+                  <a:fillRect/>
+                </a:stretch>
+              </p:blipFill>
+              <p:spPr>
+                <a:xfrm>
+                  <a:off x="5339671" y="5540216"/>
+                  <a:ext cx="0" cy="38088"/>
+                </a:xfrm>
+                <a:prstGeom prst="rect">
+                  <a:avLst/>
+                </a:prstGeom>
+              </p:spPr>
+            </p:pic>
+          </mc:Fallback>
+        </mc:AlternateContent>
+        <mc:AlternateContent xmlns:mc="http://schemas.openxmlformats.org/markup-compatibility/2006" xmlns:p14="http://schemas.microsoft.com/office/powerpoint/2010/main">
+          <mc:Choice Requires="p14">
+            <p:contentPart p14:bwMode="auto" r:id="rId31">
+              <p14:nvContentPartPr>
+                <p14:cNvPr id="288" name="筆跡 287">
+                  <a:extLst>
+                    <a:ext uri="{FF2B5EF4-FFF2-40B4-BE49-F238E27FC236}">
+                      <a16:creationId xmlns:a16="http://schemas.microsoft.com/office/drawing/2014/main" id="{1FEF4C01-1656-AF2B-02E6-3A68CCDB76CB}"/>
+                    </a:ext>
+                  </a:extLst>
+                </p14:cNvPr>
+                <p14:cNvContentPartPr/>
+                <p14:nvPr/>
+              </p14:nvContentPartPr>
+              <p14:xfrm>
+                <a:off x="5339671" y="5418219"/>
+                <a:ext cx="0" cy="1587"/>
+              </p14:xfrm>
+            </p:contentPart>
+          </mc:Choice>
+          <mc:Fallback xmlns="">
+            <p:pic>
+              <p:nvPicPr>
+                <p:cNvPr id="256" name="筆跡 255">
+                  <a:extLst>
+                    <a:ext uri="{FF2B5EF4-FFF2-40B4-BE49-F238E27FC236}">
+                      <a16:creationId xmlns:a16="http://schemas.microsoft.com/office/drawing/2014/main" id="{26AC9547-0FB6-2467-E336-13E082ACDEE7}"/>
+                    </a:ext>
+                  </a:extLst>
+                </p:cNvPr>
+                <p:cNvPicPr/>
+                <p:nvPr/>
+              </p:nvPicPr>
+              <p:blipFill>
+                <a:blip r:embed="rId16"/>
+                <a:stretch>
+                  <a:fillRect/>
+                </a:stretch>
+              </p:blipFill>
+              <p:spPr>
+                <a:xfrm>
+                  <a:off x="5339671" y="5399968"/>
+                  <a:ext cx="0" cy="38088"/>
+                </a:xfrm>
+                <a:prstGeom prst="rect">
+                  <a:avLst/>
+                </a:prstGeom>
+              </p:spPr>
+            </p:pic>
+          </mc:Fallback>
+        </mc:AlternateContent>
+      </p:grpSp>
+      <p:sp>
+        <p:nvSpPr>
+          <p:cNvPr id="289" name="矩形: 圓角 54">
+            <a:extLst>
+              <a:ext uri="{FF2B5EF4-FFF2-40B4-BE49-F238E27FC236}">
+                <a16:creationId xmlns:a16="http://schemas.microsoft.com/office/drawing/2014/main" id="{0F821BB0-836C-775D-DE55-7E851EEF8CFD}"/>
+              </a:ext>
+            </a:extLst>
+          </p:cNvPr>
+          <p:cNvSpPr/>
+          <p:nvPr/>
+        </p:nvSpPr>
+        <p:spPr>
+          <a:xfrm>
+            <a:off x="1143708" y="4876785"/>
+            <a:ext cx="915385" cy="971376"/>
+          </a:xfrm>
+          <a:prstGeom prst="roundRect">
+            <a:avLst>
+              <a:gd name="adj" fmla="val 0"/>
+            </a:avLst>
+          </a:prstGeom>
+          <a:ln/>
+        </p:spPr>
+        <p:style>
+          <a:lnRef idx="1">
+            <a:schemeClr val="accent3"/>
+          </a:lnRef>
+          <a:fillRef idx="2">
+            <a:schemeClr val="accent3"/>
+          </a:fillRef>
+          <a:effectRef idx="1">
+            <a:schemeClr val="accent3"/>
+          </a:effectRef>
+          <a:fontRef idx="minor">
+            <a:schemeClr val="dk1"/>
+          </a:fontRef>
+        </p:style>
+        <p:txBody>
+          <a:bodyPr rtlCol="0" anchor="ctr"/>
+          <a:lstStyle/>
+          <a:p>
+            <a:pPr algn="ctr"/>
+            <a:r>
+              <a:rPr lang="en-US" altLang="zh-TW" sz="1400" dirty="0">
+                <a:latin typeface="標楷體" panose="03000509000000000000" pitchFamily="65" charset="-120"/>
+                <a:ea typeface="標楷體" panose="03000509000000000000" pitchFamily="65" charset="-120"/>
+              </a:rPr>
+              <a:t>Detector</a:t>
+            </a:r>
+          </a:p>
+        </p:txBody>
+      </p:sp>
+      <p:sp>
+        <p:nvSpPr>
+          <p:cNvPr id="290" name="矩形: 圓角 62">
+            <a:extLst>
+              <a:ext uri="{FF2B5EF4-FFF2-40B4-BE49-F238E27FC236}">
+                <a16:creationId xmlns:a16="http://schemas.microsoft.com/office/drawing/2014/main" id="{D5E17B93-10AC-93E0-3F49-4564BD77732F}"/>
+              </a:ext>
+            </a:extLst>
+          </p:cNvPr>
+          <p:cNvSpPr/>
+          <p:nvPr/>
+        </p:nvSpPr>
+        <p:spPr>
+          <a:xfrm>
+            <a:off x="5038653" y="4842539"/>
+            <a:ext cx="998958" cy="975723"/>
+          </a:xfrm>
+          <a:prstGeom prst="roundRect">
+            <a:avLst/>
+          </a:prstGeom>
+          <a:ln/>
+        </p:spPr>
+        <p:style>
+          <a:lnRef idx="1">
+            <a:schemeClr val="accent3"/>
+          </a:lnRef>
+          <a:fillRef idx="2">
+            <a:schemeClr val="accent3"/>
+          </a:fillRef>
+          <a:effectRef idx="1">
+            <a:schemeClr val="accent3"/>
+          </a:effectRef>
+          <a:fontRef idx="minor">
+            <a:schemeClr val="dk1"/>
+          </a:fontRef>
+        </p:style>
+        <p:txBody>
+          <a:bodyPr rtlCol="0" anchor="ctr"/>
+          <a:lstStyle/>
+          <a:p>
+            <a:pPr algn="ctr"/>
+            <a:r>
+              <a:rPr lang="en-US" altLang="zh-TW" sz="1400" dirty="0">
+                <a:latin typeface="標楷體" panose="03000509000000000000" pitchFamily="65" charset="-120"/>
+                <a:ea typeface="標楷體" panose="03000509000000000000" pitchFamily="65" charset="-120"/>
+              </a:rPr>
+              <a:t>Parallel to Serial</a:t>
+            </a:r>
+          </a:p>
+        </p:txBody>
+      </p:sp>
+      <p:pic>
+        <p:nvPicPr>
+          <p:cNvPr id="291" name="圖片 290">
+            <a:extLst>
+              <a:ext uri="{FF2B5EF4-FFF2-40B4-BE49-F238E27FC236}">
+                <a16:creationId xmlns:a16="http://schemas.microsoft.com/office/drawing/2014/main" id="{FC08A4FC-5F3F-1774-086A-44A2AEBDCA9F}"/>
+              </a:ext>
+            </a:extLst>
+          </p:cNvPr>
+          <p:cNvPicPr>
+            <a:picLocks noChangeAspect="1"/>
+          </p:cNvPicPr>
+          <p:nvPr/>
+        </p:nvPicPr>
+        <p:blipFill>
+          <a:blip r:embed="rId22"/>
+          <a:stretch>
+            <a:fillRect/>
+          </a:stretch>
+        </p:blipFill>
+        <p:spPr>
+          <a:xfrm>
+            <a:off x="5958558" y="5187757"/>
+            <a:ext cx="828120" cy="240943"/>
+          </a:xfrm>
+          <a:prstGeom prst="rect">
+            <a:avLst/>
+          </a:prstGeom>
+        </p:spPr>
+      </p:pic>
+      <p:sp>
+        <p:nvSpPr>
+          <p:cNvPr id="292" name="矩形: 圓角 78">
+            <a:extLst>
+              <a:ext uri="{FF2B5EF4-FFF2-40B4-BE49-F238E27FC236}">
+                <a16:creationId xmlns:a16="http://schemas.microsoft.com/office/drawing/2014/main" id="{E74EDA61-DC81-BAB1-6836-7E2FBC8B107F}"/>
+              </a:ext>
+            </a:extLst>
+          </p:cNvPr>
+          <p:cNvSpPr/>
+          <p:nvPr/>
+        </p:nvSpPr>
+        <p:spPr>
+          <a:xfrm>
+            <a:off x="6339496" y="4857858"/>
+            <a:ext cx="1010394" cy="959949"/>
+          </a:xfrm>
+          <a:prstGeom prst="roundRect">
+            <a:avLst>
+              <a:gd name="adj" fmla="val 0"/>
+            </a:avLst>
+          </a:prstGeom>
+          <a:ln/>
+        </p:spPr>
+        <p:style>
+          <a:lnRef idx="1">
+            <a:schemeClr val="accent3"/>
+          </a:lnRef>
+          <a:fillRef idx="2">
+            <a:schemeClr val="accent3"/>
+          </a:fillRef>
+          <a:effectRef idx="1">
+            <a:schemeClr val="accent3"/>
+          </a:effectRef>
+          <a:fontRef idx="minor">
+            <a:schemeClr val="dk1"/>
+          </a:fontRef>
+        </p:style>
+        <p:txBody>
+          <a:bodyPr rtlCol="0" anchor="ctr"/>
+          <a:lstStyle/>
+          <a:p>
+            <a:pPr algn="ctr"/>
+            <a:r>
+              <a:rPr lang="en-US" altLang="zh-TW" sz="1400" dirty="0">
+                <a:latin typeface="標楷體" panose="03000509000000000000" pitchFamily="65" charset="-120"/>
+                <a:ea typeface="標楷體" panose="03000509000000000000" pitchFamily="65" charset="-120"/>
+              </a:rPr>
+              <a:t>Chanel Estimation(CFO)</a:t>
+            </a:r>
+          </a:p>
+        </p:txBody>
+      </p:sp>
     </p:spTree>
     <p:extLst>
       <p:ext uri="{BB962C8B-B14F-4D97-AF65-F5344CB8AC3E}">

--- a/report/以SDR實現OTSM通訊技術.pptx
+++ b/report/以SDR實現OTSM通訊技術.pptx
@@ -31253,18 +31253,20 @@
           <a:lstStyle/>
           <a:p>
             <a:r>
-              <a:rPr kumimoji="0" lang="zh-TW" altLang="en-US" sz="3600" b="1" i="0" u="none" strike="noStrike" kern="1200" cap="none" spc="0" normalizeH="0" baseline="0" noProof="0" dirty="0">
-                <a:ln>
-                  <a:noFill/>
-                </a:ln>
-                <a:effectLst/>
-                <a:uLnTx/>
-                <a:uFillTx/>
+              <a:rPr lang="zh-TW" altLang="en-US" b="1" dirty="0">
                 <a:latin typeface="華康粗明體" panose="02020709000000000000" pitchFamily="49" charset="-120"/>
                 <a:ea typeface="華康粗明體" panose="02020709000000000000" pitchFamily="49" charset="-120"/>
                 <a:cs typeface="+mn-cs"/>
               </a:rPr>
-              <a:t>序言</a:t>
+              <a:t>教授</a:t>
+            </a:r>
+            <a:r>
+              <a:rPr lang="zh-TW" altLang="en-US" b="1" dirty="0" smtClean="0">
+                <a:latin typeface="華康粗明體" panose="02020709000000000000" pitchFamily="49" charset="-120"/>
+                <a:ea typeface="華康粗明體" panose="02020709000000000000" pitchFamily="49" charset="-120"/>
+                <a:cs typeface="+mn-cs"/>
+              </a:rPr>
+              <a:t>提問</a:t>
             </a:r>
             <a:endParaRPr lang="zh-TW" altLang="en-US" dirty="0"/>
           </a:p>
@@ -31299,37 +31301,109 @@
           <a:lstStyle/>
           <a:p>
             <a:r>
+              <a:rPr lang="zh-TW" altLang="zh-TW" sz="2800" dirty="0"/>
+              <a:t>僅單人</a:t>
+            </a:r>
+            <a:r>
+              <a:rPr lang="zh-TW" altLang="zh-TW" sz="2800" dirty="0"/>
+              <a:t>報告</a:t>
+            </a:r>
+            <a:endParaRPr lang="en-US" altLang="zh-TW" sz="2800" dirty="0"/>
+          </a:p>
+          <a:p>
+            <a:r>
+              <a:rPr lang="zh-TW" altLang="zh-TW" sz="2800" dirty="0"/>
+              <a:t>建議過寬的</a:t>
+            </a:r>
+            <a:r>
+              <a:rPr lang="en-US" altLang="zh-TW" sz="2800" dirty="0"/>
+              <a:t>(</a:t>
+            </a:r>
+            <a:r>
+              <a:rPr lang="zh-TW" altLang="zh-TW" sz="2800" dirty="0"/>
+              <a:t>近代通訊技術</a:t>
+            </a:r>
+            <a:r>
+              <a:rPr lang="en-US" altLang="zh-TW" sz="2800" dirty="0"/>
+              <a:t>)</a:t>
+            </a:r>
+            <a:r>
+              <a:rPr lang="zh-TW" altLang="zh-TW" sz="2800" dirty="0"/>
+              <a:t>主題稍加微調至明確的</a:t>
+            </a:r>
+            <a:r>
+              <a:rPr lang="zh-TW" altLang="zh-TW" sz="2800" dirty="0"/>
+              <a:t>名</a:t>
+            </a:r>
+            <a:r>
               <a:rPr lang="zh-TW" altLang="en-US" sz="2800" dirty="0"/>
-              <a:t>本文介紹以</a:t>
+              <a:t>字</a:t>
+            </a:r>
+            <a:endParaRPr lang="en-US" altLang="zh-TW" sz="2800" dirty="0"/>
+          </a:p>
+          <a:p>
+            <a:r>
+              <a:rPr lang="zh-TW" altLang="zh-TW" sz="2800" dirty="0"/>
+              <a:t>未把</a:t>
             </a:r>
             <a:r>
               <a:rPr lang="en-US" altLang="zh-TW" sz="2800" dirty="0"/>
              